--- a/Topology-Editor.pptx
+++ b/Topology-Editor.pptx
@@ -5,25 +5,26 @@
     <p:sldMasterId id="2147483657" r:id="rId1"/>
   </p:sldMasterIdLst>
   <p:notesMasterIdLst>
-    <p:notesMasterId r:id="rId15"/>
+    <p:notesMasterId r:id="rId16"/>
   </p:notesMasterIdLst>
   <p:handoutMasterIdLst>
-    <p:handoutMasterId r:id="rId16"/>
+    <p:handoutMasterId r:id="rId17"/>
   </p:handoutMasterIdLst>
   <p:sldIdLst>
     <p:sldId id="256" r:id="rId2"/>
     <p:sldId id="261" r:id="rId3"/>
     <p:sldId id="264" r:id="rId4"/>
     <p:sldId id="267" r:id="rId5"/>
-    <p:sldId id="266" r:id="rId6"/>
-    <p:sldId id="268" r:id="rId7"/>
-    <p:sldId id="269" r:id="rId8"/>
-    <p:sldId id="270" r:id="rId9"/>
-    <p:sldId id="271" r:id="rId10"/>
-    <p:sldId id="272" r:id="rId11"/>
-    <p:sldId id="263" r:id="rId12"/>
-    <p:sldId id="265" r:id="rId13"/>
-    <p:sldId id="262" r:id="rId14"/>
+    <p:sldId id="273" r:id="rId6"/>
+    <p:sldId id="266" r:id="rId7"/>
+    <p:sldId id="268" r:id="rId8"/>
+    <p:sldId id="269" r:id="rId9"/>
+    <p:sldId id="270" r:id="rId10"/>
+    <p:sldId id="271" r:id="rId11"/>
+    <p:sldId id="272" r:id="rId12"/>
+    <p:sldId id="263" r:id="rId13"/>
+    <p:sldId id="265" r:id="rId14"/>
+    <p:sldId id="262" r:id="rId15"/>
   </p:sldIdLst>
   <p:sldSz cx="9144000" cy="6858000" type="screen4x3"/>
   <p:notesSz cx="6858000" cy="9144000"/>
@@ -2456,7 +2457,1921 @@
 </dgm:colorsDef>
 </file>
 
+<file path=ppt/diagrams/colors4.xml><?xml version="1.0" encoding="utf-8"?>
+<dgm:colorsDef xmlns:dgm="http://schemas.openxmlformats.org/drawingml/2006/diagram" xmlns:a="http://schemas.openxmlformats.org/drawingml/2006/main" uniqueId="urn:microsoft.com/office/officeart/2005/8/colors/accent1_2">
+  <dgm:title val=""/>
+  <dgm:desc val=""/>
+  <dgm:catLst>
+    <dgm:cat type="accent1" pri="11200"/>
+  </dgm:catLst>
+  <dgm:styleLbl name="node0">
+    <dgm:fillClrLst meth="repeat">
+      <a:schemeClr val="accent1"/>
+    </dgm:fillClrLst>
+    <dgm:linClrLst meth="repeat">
+      <a:schemeClr val="lt1"/>
+    </dgm:linClrLst>
+    <dgm:effectClrLst/>
+    <dgm:txLinClrLst/>
+    <dgm:txFillClrLst/>
+    <dgm:txEffectClrLst/>
+  </dgm:styleLbl>
+  <dgm:styleLbl name="alignNode1">
+    <dgm:fillClrLst meth="repeat">
+      <a:schemeClr val="accent1"/>
+    </dgm:fillClrLst>
+    <dgm:linClrLst meth="repeat">
+      <a:schemeClr val="accent1"/>
+    </dgm:linClrLst>
+    <dgm:effectClrLst/>
+    <dgm:txLinClrLst/>
+    <dgm:txFillClrLst/>
+    <dgm:txEffectClrLst/>
+  </dgm:styleLbl>
+  <dgm:styleLbl name="node1">
+    <dgm:fillClrLst meth="repeat">
+      <a:schemeClr val="accent1"/>
+    </dgm:fillClrLst>
+    <dgm:linClrLst meth="repeat">
+      <a:schemeClr val="lt1"/>
+    </dgm:linClrLst>
+    <dgm:effectClrLst/>
+    <dgm:txLinClrLst/>
+    <dgm:txFillClrLst/>
+    <dgm:txEffectClrLst/>
+  </dgm:styleLbl>
+  <dgm:styleLbl name="lnNode1">
+    <dgm:fillClrLst meth="repeat">
+      <a:schemeClr val="accent1"/>
+    </dgm:fillClrLst>
+    <dgm:linClrLst meth="repeat">
+      <a:schemeClr val="lt1"/>
+    </dgm:linClrLst>
+    <dgm:effectClrLst/>
+    <dgm:txLinClrLst/>
+    <dgm:txFillClrLst/>
+    <dgm:txEffectClrLst/>
+  </dgm:styleLbl>
+  <dgm:styleLbl name="vennNode1">
+    <dgm:fillClrLst meth="repeat">
+      <a:schemeClr val="accent1">
+        <a:alpha val="50000"/>
+      </a:schemeClr>
+    </dgm:fillClrLst>
+    <dgm:linClrLst meth="repeat">
+      <a:schemeClr val="lt1"/>
+    </dgm:linClrLst>
+    <dgm:effectClrLst/>
+    <dgm:txLinClrLst/>
+    <dgm:txFillClrLst/>
+    <dgm:txEffectClrLst/>
+  </dgm:styleLbl>
+  <dgm:styleLbl name="node2">
+    <dgm:fillClrLst meth="repeat">
+      <a:schemeClr val="accent1"/>
+    </dgm:fillClrLst>
+    <dgm:linClrLst meth="repeat">
+      <a:schemeClr val="lt1"/>
+    </dgm:linClrLst>
+    <dgm:effectClrLst/>
+    <dgm:txLinClrLst/>
+    <dgm:txFillClrLst/>
+    <dgm:txEffectClrLst/>
+  </dgm:styleLbl>
+  <dgm:styleLbl name="node3">
+    <dgm:fillClrLst meth="repeat">
+      <a:schemeClr val="accent1"/>
+    </dgm:fillClrLst>
+    <dgm:linClrLst meth="repeat">
+      <a:schemeClr val="lt1"/>
+    </dgm:linClrLst>
+    <dgm:effectClrLst/>
+    <dgm:txLinClrLst/>
+    <dgm:txFillClrLst/>
+    <dgm:txEffectClrLst/>
+  </dgm:styleLbl>
+  <dgm:styleLbl name="node4">
+    <dgm:fillClrLst meth="repeat">
+      <a:schemeClr val="accent1"/>
+    </dgm:fillClrLst>
+    <dgm:linClrLst meth="repeat">
+      <a:schemeClr val="lt1"/>
+    </dgm:linClrLst>
+    <dgm:effectClrLst/>
+    <dgm:txLinClrLst/>
+    <dgm:txFillClrLst/>
+    <dgm:txEffectClrLst/>
+  </dgm:styleLbl>
+  <dgm:styleLbl name="fgImgPlace1">
+    <dgm:fillClrLst meth="repeat">
+      <a:schemeClr val="accent1">
+        <a:tint val="50000"/>
+      </a:schemeClr>
+    </dgm:fillClrLst>
+    <dgm:linClrLst meth="repeat">
+      <a:schemeClr val="lt1"/>
+    </dgm:linClrLst>
+    <dgm:effectClrLst/>
+    <dgm:txLinClrLst/>
+    <dgm:txFillClrLst meth="repeat">
+      <a:schemeClr val="lt1"/>
+    </dgm:txFillClrLst>
+    <dgm:txEffectClrLst/>
+  </dgm:styleLbl>
+  <dgm:styleLbl name="alignImgPlace1">
+    <dgm:fillClrLst meth="repeat">
+      <a:schemeClr val="accent1">
+        <a:tint val="50000"/>
+      </a:schemeClr>
+    </dgm:fillClrLst>
+    <dgm:linClrLst meth="repeat">
+      <a:schemeClr val="lt1"/>
+    </dgm:linClrLst>
+    <dgm:effectClrLst/>
+    <dgm:txLinClrLst/>
+    <dgm:txFillClrLst meth="repeat">
+      <a:schemeClr val="lt1"/>
+    </dgm:txFillClrLst>
+    <dgm:txEffectClrLst/>
+  </dgm:styleLbl>
+  <dgm:styleLbl name="bgImgPlace1">
+    <dgm:fillClrLst meth="repeat">
+      <a:schemeClr val="accent1">
+        <a:tint val="50000"/>
+      </a:schemeClr>
+    </dgm:fillClrLst>
+    <dgm:linClrLst meth="repeat">
+      <a:schemeClr val="lt1"/>
+    </dgm:linClrLst>
+    <dgm:effectClrLst/>
+    <dgm:txLinClrLst/>
+    <dgm:txFillClrLst meth="repeat">
+      <a:schemeClr val="lt1"/>
+    </dgm:txFillClrLst>
+    <dgm:txEffectClrLst/>
+  </dgm:styleLbl>
+  <dgm:styleLbl name="sibTrans2D1">
+    <dgm:fillClrLst meth="repeat">
+      <a:schemeClr val="accent1">
+        <a:tint val="60000"/>
+      </a:schemeClr>
+    </dgm:fillClrLst>
+    <dgm:linClrLst meth="repeat">
+      <a:schemeClr val="accent1">
+        <a:tint val="60000"/>
+      </a:schemeClr>
+    </dgm:linClrLst>
+    <dgm:effectClrLst/>
+    <dgm:txLinClrLst/>
+    <dgm:txFillClrLst/>
+    <dgm:txEffectClrLst/>
+  </dgm:styleLbl>
+  <dgm:styleLbl name="fgSibTrans2D1">
+    <dgm:fillClrLst meth="repeat">
+      <a:schemeClr val="accent1">
+        <a:tint val="60000"/>
+      </a:schemeClr>
+    </dgm:fillClrLst>
+    <dgm:linClrLst meth="repeat">
+      <a:schemeClr val="accent1">
+        <a:tint val="60000"/>
+      </a:schemeClr>
+    </dgm:linClrLst>
+    <dgm:effectClrLst/>
+    <dgm:txLinClrLst/>
+    <dgm:txFillClrLst/>
+    <dgm:txEffectClrLst/>
+  </dgm:styleLbl>
+  <dgm:styleLbl name="bgSibTrans2D1">
+    <dgm:fillClrLst meth="repeat">
+      <a:schemeClr val="accent1">
+        <a:tint val="60000"/>
+      </a:schemeClr>
+    </dgm:fillClrLst>
+    <dgm:linClrLst meth="repeat">
+      <a:schemeClr val="accent1">
+        <a:tint val="60000"/>
+      </a:schemeClr>
+    </dgm:linClrLst>
+    <dgm:effectClrLst/>
+    <dgm:txLinClrLst/>
+    <dgm:txFillClrLst/>
+    <dgm:txEffectClrLst/>
+  </dgm:styleLbl>
+  <dgm:styleLbl name="sibTrans1D1">
+    <dgm:fillClrLst meth="repeat">
+      <a:schemeClr val="accent1"/>
+    </dgm:fillClrLst>
+    <dgm:linClrLst meth="repeat">
+      <a:schemeClr val="accent1"/>
+    </dgm:linClrLst>
+    <dgm:effectClrLst/>
+    <dgm:txLinClrLst/>
+    <dgm:txFillClrLst meth="repeat">
+      <a:schemeClr val="tx1"/>
+    </dgm:txFillClrLst>
+    <dgm:txEffectClrLst/>
+  </dgm:styleLbl>
+  <dgm:styleLbl name="callout">
+    <dgm:fillClrLst meth="repeat">
+      <a:schemeClr val="accent1"/>
+    </dgm:fillClrLst>
+    <dgm:linClrLst meth="repeat">
+      <a:schemeClr val="accent1">
+        <a:tint val="50000"/>
+      </a:schemeClr>
+    </dgm:linClrLst>
+    <dgm:effectClrLst/>
+    <dgm:txLinClrLst/>
+    <dgm:txFillClrLst meth="repeat">
+      <a:schemeClr val="tx1"/>
+    </dgm:txFillClrLst>
+    <dgm:txEffectClrLst/>
+  </dgm:styleLbl>
+  <dgm:styleLbl name="asst0">
+    <dgm:fillClrLst meth="repeat">
+      <a:schemeClr val="accent1"/>
+    </dgm:fillClrLst>
+    <dgm:linClrLst meth="repeat">
+      <a:schemeClr val="lt1"/>
+    </dgm:linClrLst>
+    <dgm:effectClrLst/>
+    <dgm:txLinClrLst/>
+    <dgm:txFillClrLst/>
+    <dgm:txEffectClrLst/>
+  </dgm:styleLbl>
+  <dgm:styleLbl name="asst1">
+    <dgm:fillClrLst meth="repeat">
+      <a:schemeClr val="accent1"/>
+    </dgm:fillClrLst>
+    <dgm:linClrLst meth="repeat">
+      <a:schemeClr val="lt1"/>
+    </dgm:linClrLst>
+    <dgm:effectClrLst/>
+    <dgm:txLinClrLst/>
+    <dgm:txFillClrLst/>
+    <dgm:txEffectClrLst/>
+  </dgm:styleLbl>
+  <dgm:styleLbl name="asst2">
+    <dgm:fillClrLst meth="repeat">
+      <a:schemeClr val="accent1"/>
+    </dgm:fillClrLst>
+    <dgm:linClrLst meth="repeat">
+      <a:schemeClr val="lt1"/>
+    </dgm:linClrLst>
+    <dgm:effectClrLst/>
+    <dgm:txLinClrLst/>
+    <dgm:txFillClrLst/>
+    <dgm:txEffectClrLst/>
+  </dgm:styleLbl>
+  <dgm:styleLbl name="asst3">
+    <dgm:fillClrLst meth="repeat">
+      <a:schemeClr val="accent1"/>
+    </dgm:fillClrLst>
+    <dgm:linClrLst meth="repeat">
+      <a:schemeClr val="lt1"/>
+    </dgm:linClrLst>
+    <dgm:effectClrLst/>
+    <dgm:txLinClrLst/>
+    <dgm:txFillClrLst/>
+    <dgm:txEffectClrLst/>
+  </dgm:styleLbl>
+  <dgm:styleLbl name="asst4">
+    <dgm:fillClrLst meth="repeat">
+      <a:schemeClr val="accent1"/>
+    </dgm:fillClrLst>
+    <dgm:linClrLst meth="repeat">
+      <a:schemeClr val="lt1"/>
+    </dgm:linClrLst>
+    <dgm:effectClrLst/>
+    <dgm:txLinClrLst/>
+    <dgm:txFillClrLst/>
+    <dgm:txEffectClrLst/>
+  </dgm:styleLbl>
+  <dgm:styleLbl name="parChTrans2D1">
+    <dgm:fillClrLst meth="repeat">
+      <a:schemeClr val="accent1">
+        <a:tint val="60000"/>
+      </a:schemeClr>
+    </dgm:fillClrLst>
+    <dgm:linClrLst meth="repeat">
+      <a:schemeClr val="accent1">
+        <a:tint val="60000"/>
+      </a:schemeClr>
+    </dgm:linClrLst>
+    <dgm:effectClrLst/>
+    <dgm:txLinClrLst/>
+    <dgm:txFillClrLst meth="repeat">
+      <a:schemeClr val="lt1"/>
+    </dgm:txFillClrLst>
+    <dgm:txEffectClrLst/>
+  </dgm:styleLbl>
+  <dgm:styleLbl name="parChTrans2D2">
+    <dgm:fillClrLst meth="repeat">
+      <a:schemeClr val="accent1"/>
+    </dgm:fillClrLst>
+    <dgm:linClrLst meth="repeat">
+      <a:schemeClr val="accent1"/>
+    </dgm:linClrLst>
+    <dgm:effectClrLst/>
+    <dgm:txLinClrLst/>
+    <dgm:txFillClrLst meth="repeat">
+      <a:schemeClr val="lt1"/>
+    </dgm:txFillClrLst>
+    <dgm:txEffectClrLst/>
+  </dgm:styleLbl>
+  <dgm:styleLbl name="parChTrans2D3">
+    <dgm:fillClrLst meth="repeat">
+      <a:schemeClr val="accent1"/>
+    </dgm:fillClrLst>
+    <dgm:linClrLst meth="repeat">
+      <a:schemeClr val="accent1"/>
+    </dgm:linClrLst>
+    <dgm:effectClrLst/>
+    <dgm:txLinClrLst/>
+    <dgm:txFillClrLst meth="repeat">
+      <a:schemeClr val="lt1"/>
+    </dgm:txFillClrLst>
+    <dgm:txEffectClrLst/>
+  </dgm:styleLbl>
+  <dgm:styleLbl name="parChTrans2D4">
+    <dgm:fillClrLst meth="repeat">
+      <a:schemeClr val="accent1"/>
+    </dgm:fillClrLst>
+    <dgm:linClrLst meth="repeat">
+      <a:schemeClr val="accent1"/>
+    </dgm:linClrLst>
+    <dgm:effectClrLst/>
+    <dgm:txLinClrLst/>
+    <dgm:txFillClrLst meth="repeat">
+      <a:schemeClr val="lt1"/>
+    </dgm:txFillClrLst>
+    <dgm:txEffectClrLst/>
+  </dgm:styleLbl>
+  <dgm:styleLbl name="parChTrans1D1">
+    <dgm:fillClrLst meth="repeat">
+      <a:schemeClr val="accent1"/>
+    </dgm:fillClrLst>
+    <dgm:linClrLst meth="repeat">
+      <a:schemeClr val="accent1">
+        <a:shade val="60000"/>
+      </a:schemeClr>
+    </dgm:linClrLst>
+    <dgm:effectClrLst/>
+    <dgm:txLinClrLst/>
+    <dgm:txFillClrLst meth="repeat">
+      <a:schemeClr val="tx1"/>
+    </dgm:txFillClrLst>
+    <dgm:txEffectClrLst/>
+  </dgm:styleLbl>
+  <dgm:styleLbl name="parChTrans1D2">
+    <dgm:fillClrLst meth="repeat">
+      <a:schemeClr val="accent1"/>
+    </dgm:fillClrLst>
+    <dgm:linClrLst meth="repeat">
+      <a:schemeClr val="accent1">
+        <a:shade val="60000"/>
+      </a:schemeClr>
+    </dgm:linClrLst>
+    <dgm:effectClrLst/>
+    <dgm:txLinClrLst/>
+    <dgm:txFillClrLst meth="repeat">
+      <a:schemeClr val="tx1"/>
+    </dgm:txFillClrLst>
+    <dgm:txEffectClrLst/>
+  </dgm:styleLbl>
+  <dgm:styleLbl name="parChTrans1D3">
+    <dgm:fillClrLst meth="repeat">
+      <a:schemeClr val="accent1"/>
+    </dgm:fillClrLst>
+    <dgm:linClrLst meth="repeat">
+      <a:schemeClr val="accent1">
+        <a:shade val="80000"/>
+      </a:schemeClr>
+    </dgm:linClrLst>
+    <dgm:effectClrLst/>
+    <dgm:txLinClrLst/>
+    <dgm:txFillClrLst meth="repeat">
+      <a:schemeClr val="tx1"/>
+    </dgm:txFillClrLst>
+    <dgm:txEffectClrLst/>
+  </dgm:styleLbl>
+  <dgm:styleLbl name="parChTrans1D4">
+    <dgm:fillClrLst meth="repeat">
+      <a:schemeClr val="accent1"/>
+    </dgm:fillClrLst>
+    <dgm:linClrLst meth="repeat">
+      <a:schemeClr val="accent1">
+        <a:shade val="80000"/>
+      </a:schemeClr>
+    </dgm:linClrLst>
+    <dgm:effectClrLst/>
+    <dgm:txLinClrLst/>
+    <dgm:txFillClrLst meth="repeat">
+      <a:schemeClr val="tx1"/>
+    </dgm:txFillClrLst>
+    <dgm:txEffectClrLst/>
+  </dgm:styleLbl>
+  <dgm:styleLbl name="fgAcc1">
+    <dgm:fillClrLst meth="repeat">
+      <a:schemeClr val="lt1">
+        <a:alpha val="90000"/>
+      </a:schemeClr>
+    </dgm:fillClrLst>
+    <dgm:linClrLst meth="repeat">
+      <a:schemeClr val="accent1"/>
+    </dgm:linClrLst>
+    <dgm:effectClrLst/>
+    <dgm:txLinClrLst/>
+    <dgm:txFillClrLst meth="repeat">
+      <a:schemeClr val="dk1"/>
+    </dgm:txFillClrLst>
+    <dgm:txEffectClrLst/>
+  </dgm:styleLbl>
+  <dgm:styleLbl name="conFgAcc1">
+    <dgm:fillClrLst meth="repeat">
+      <a:schemeClr val="lt1">
+        <a:alpha val="90000"/>
+      </a:schemeClr>
+    </dgm:fillClrLst>
+    <dgm:linClrLst meth="repeat">
+      <a:schemeClr val="accent1"/>
+    </dgm:linClrLst>
+    <dgm:effectClrLst/>
+    <dgm:txLinClrLst/>
+    <dgm:txFillClrLst meth="repeat">
+      <a:schemeClr val="dk1"/>
+    </dgm:txFillClrLst>
+    <dgm:txEffectClrLst/>
+  </dgm:styleLbl>
+  <dgm:styleLbl name="alignAcc1">
+    <dgm:fillClrLst meth="repeat">
+      <a:schemeClr val="lt1">
+        <a:alpha val="90000"/>
+      </a:schemeClr>
+    </dgm:fillClrLst>
+    <dgm:linClrLst meth="repeat">
+      <a:schemeClr val="accent1"/>
+    </dgm:linClrLst>
+    <dgm:effectClrLst/>
+    <dgm:txLinClrLst/>
+    <dgm:txFillClrLst meth="repeat">
+      <a:schemeClr val="dk1"/>
+    </dgm:txFillClrLst>
+    <dgm:txEffectClrLst/>
+  </dgm:styleLbl>
+  <dgm:styleLbl name="trAlignAcc1">
+    <dgm:fillClrLst meth="repeat">
+      <a:schemeClr val="lt1">
+        <a:alpha val="40000"/>
+      </a:schemeClr>
+    </dgm:fillClrLst>
+    <dgm:linClrLst meth="repeat">
+      <a:schemeClr val="accent1"/>
+    </dgm:linClrLst>
+    <dgm:effectClrLst/>
+    <dgm:txLinClrLst/>
+    <dgm:txFillClrLst meth="repeat">
+      <a:schemeClr val="dk1"/>
+    </dgm:txFillClrLst>
+    <dgm:txEffectClrLst/>
+  </dgm:styleLbl>
+  <dgm:styleLbl name="bgAcc1">
+    <dgm:fillClrLst meth="repeat">
+      <a:schemeClr val="lt1">
+        <a:alpha val="90000"/>
+      </a:schemeClr>
+    </dgm:fillClrLst>
+    <dgm:linClrLst meth="repeat">
+      <a:schemeClr val="accent1"/>
+    </dgm:linClrLst>
+    <dgm:effectClrLst/>
+    <dgm:txLinClrLst/>
+    <dgm:txFillClrLst meth="repeat">
+      <a:schemeClr val="dk1"/>
+    </dgm:txFillClrLst>
+    <dgm:txEffectClrLst/>
+  </dgm:styleLbl>
+  <dgm:styleLbl name="solidFgAcc1">
+    <dgm:fillClrLst meth="repeat">
+      <a:schemeClr val="lt1"/>
+    </dgm:fillClrLst>
+    <dgm:linClrLst meth="repeat">
+      <a:schemeClr val="accent1"/>
+    </dgm:linClrLst>
+    <dgm:effectClrLst/>
+    <dgm:txLinClrLst/>
+    <dgm:txFillClrLst meth="repeat">
+      <a:schemeClr val="dk1"/>
+    </dgm:txFillClrLst>
+    <dgm:txEffectClrLst/>
+  </dgm:styleLbl>
+  <dgm:styleLbl name="solidAlignAcc1">
+    <dgm:fillClrLst meth="repeat">
+      <a:schemeClr val="lt1"/>
+    </dgm:fillClrLst>
+    <dgm:linClrLst meth="repeat">
+      <a:schemeClr val="accent1"/>
+    </dgm:linClrLst>
+    <dgm:effectClrLst/>
+    <dgm:txLinClrLst/>
+    <dgm:txFillClrLst meth="repeat">
+      <a:schemeClr val="dk1"/>
+    </dgm:txFillClrLst>
+    <dgm:txEffectClrLst/>
+  </dgm:styleLbl>
+  <dgm:styleLbl name="solidBgAcc1">
+    <dgm:fillClrLst meth="repeat">
+      <a:schemeClr val="lt1"/>
+    </dgm:fillClrLst>
+    <dgm:linClrLst meth="repeat">
+      <a:schemeClr val="accent1"/>
+    </dgm:linClrLst>
+    <dgm:effectClrLst/>
+    <dgm:txLinClrLst/>
+    <dgm:txFillClrLst meth="repeat">
+      <a:schemeClr val="dk1"/>
+    </dgm:txFillClrLst>
+    <dgm:txEffectClrLst/>
+  </dgm:styleLbl>
+  <dgm:styleLbl name="fgAccFollowNode1">
+    <dgm:fillClrLst meth="repeat">
+      <a:schemeClr val="accent1">
+        <a:alpha val="90000"/>
+        <a:tint val="40000"/>
+      </a:schemeClr>
+    </dgm:fillClrLst>
+    <dgm:linClrLst meth="repeat">
+      <a:schemeClr val="accent1">
+        <a:alpha val="90000"/>
+        <a:tint val="40000"/>
+      </a:schemeClr>
+    </dgm:linClrLst>
+    <dgm:effectClrLst/>
+    <dgm:txLinClrLst/>
+    <dgm:txFillClrLst meth="repeat">
+      <a:schemeClr val="dk1"/>
+    </dgm:txFillClrLst>
+    <dgm:txEffectClrLst/>
+  </dgm:styleLbl>
+  <dgm:styleLbl name="alignAccFollowNode1">
+    <dgm:fillClrLst meth="repeat">
+      <a:schemeClr val="accent1">
+        <a:alpha val="90000"/>
+        <a:tint val="40000"/>
+      </a:schemeClr>
+    </dgm:fillClrLst>
+    <dgm:linClrLst meth="repeat">
+      <a:schemeClr val="accent1">
+        <a:alpha val="90000"/>
+        <a:tint val="40000"/>
+      </a:schemeClr>
+    </dgm:linClrLst>
+    <dgm:effectClrLst/>
+    <dgm:txLinClrLst/>
+    <dgm:txFillClrLst meth="repeat">
+      <a:schemeClr val="dk1"/>
+    </dgm:txFillClrLst>
+    <dgm:txEffectClrLst/>
+  </dgm:styleLbl>
+  <dgm:styleLbl name="bgAccFollowNode1">
+    <dgm:fillClrLst meth="repeat">
+      <a:schemeClr val="accent1">
+        <a:alpha val="90000"/>
+        <a:tint val="40000"/>
+      </a:schemeClr>
+    </dgm:fillClrLst>
+    <dgm:linClrLst meth="repeat">
+      <a:schemeClr val="accent1">
+        <a:alpha val="90000"/>
+        <a:tint val="40000"/>
+      </a:schemeClr>
+    </dgm:linClrLst>
+    <dgm:effectClrLst/>
+    <dgm:txLinClrLst/>
+    <dgm:txFillClrLst meth="repeat">
+      <a:schemeClr val="dk1"/>
+    </dgm:txFillClrLst>
+    <dgm:txEffectClrLst/>
+  </dgm:styleLbl>
+  <dgm:styleLbl name="fgAcc0">
+    <dgm:fillClrLst meth="repeat">
+      <a:schemeClr val="lt1">
+        <a:alpha val="90000"/>
+      </a:schemeClr>
+    </dgm:fillClrLst>
+    <dgm:linClrLst meth="repeat">
+      <a:schemeClr val="accent1"/>
+    </dgm:linClrLst>
+    <dgm:effectClrLst/>
+    <dgm:txLinClrLst/>
+    <dgm:txFillClrLst meth="repeat">
+      <a:schemeClr val="dk1"/>
+    </dgm:txFillClrLst>
+    <dgm:txEffectClrLst/>
+  </dgm:styleLbl>
+  <dgm:styleLbl name="fgAcc2">
+    <dgm:fillClrLst meth="repeat">
+      <a:schemeClr val="lt1">
+        <a:alpha val="90000"/>
+      </a:schemeClr>
+    </dgm:fillClrLst>
+    <dgm:linClrLst meth="repeat">
+      <a:schemeClr val="accent1"/>
+    </dgm:linClrLst>
+    <dgm:effectClrLst/>
+    <dgm:txLinClrLst/>
+    <dgm:txFillClrLst meth="repeat">
+      <a:schemeClr val="dk1"/>
+    </dgm:txFillClrLst>
+    <dgm:txEffectClrLst/>
+  </dgm:styleLbl>
+  <dgm:styleLbl name="fgAcc3">
+    <dgm:fillClrLst meth="repeat">
+      <a:schemeClr val="lt1">
+        <a:alpha val="90000"/>
+      </a:schemeClr>
+    </dgm:fillClrLst>
+    <dgm:linClrLst meth="repeat">
+      <a:schemeClr val="accent1"/>
+    </dgm:linClrLst>
+    <dgm:effectClrLst/>
+    <dgm:txLinClrLst/>
+    <dgm:txFillClrLst meth="repeat">
+      <a:schemeClr val="dk1"/>
+    </dgm:txFillClrLst>
+    <dgm:txEffectClrLst/>
+  </dgm:styleLbl>
+  <dgm:styleLbl name="fgAcc4">
+    <dgm:fillClrLst meth="repeat">
+      <a:schemeClr val="lt1">
+        <a:alpha val="90000"/>
+      </a:schemeClr>
+    </dgm:fillClrLst>
+    <dgm:linClrLst meth="repeat">
+      <a:schemeClr val="accent1"/>
+    </dgm:linClrLst>
+    <dgm:effectClrLst/>
+    <dgm:txLinClrLst/>
+    <dgm:txFillClrLst meth="repeat">
+      <a:schemeClr val="dk1"/>
+    </dgm:txFillClrLst>
+    <dgm:txEffectClrLst/>
+  </dgm:styleLbl>
+  <dgm:styleLbl name="bgShp">
+    <dgm:fillClrLst meth="repeat">
+      <a:schemeClr val="accent1">
+        <a:tint val="40000"/>
+      </a:schemeClr>
+    </dgm:fillClrLst>
+    <dgm:linClrLst meth="repeat">
+      <a:schemeClr val="accent1"/>
+    </dgm:linClrLst>
+    <dgm:effectClrLst/>
+    <dgm:txLinClrLst/>
+    <dgm:txFillClrLst meth="repeat">
+      <a:schemeClr val="dk1"/>
+    </dgm:txFillClrLst>
+    <dgm:txEffectClrLst/>
+  </dgm:styleLbl>
+  <dgm:styleLbl name="dkBgShp">
+    <dgm:fillClrLst meth="repeat">
+      <a:schemeClr val="accent1">
+        <a:shade val="80000"/>
+      </a:schemeClr>
+    </dgm:fillClrLst>
+    <dgm:linClrLst meth="repeat">
+      <a:schemeClr val="accent1"/>
+    </dgm:linClrLst>
+    <dgm:effectClrLst/>
+    <dgm:txLinClrLst/>
+    <dgm:txFillClrLst meth="repeat">
+      <a:schemeClr val="lt1"/>
+    </dgm:txFillClrLst>
+    <dgm:txEffectClrLst/>
+  </dgm:styleLbl>
+  <dgm:styleLbl name="trBgShp">
+    <dgm:fillClrLst meth="repeat">
+      <a:schemeClr val="accent1">
+        <a:tint val="50000"/>
+        <a:alpha val="40000"/>
+      </a:schemeClr>
+    </dgm:fillClrLst>
+    <dgm:linClrLst meth="repeat">
+      <a:schemeClr val="accent1"/>
+    </dgm:linClrLst>
+    <dgm:effectClrLst/>
+    <dgm:txLinClrLst/>
+    <dgm:txFillClrLst meth="repeat">
+      <a:schemeClr val="lt1"/>
+    </dgm:txFillClrLst>
+    <dgm:txEffectClrLst/>
+  </dgm:styleLbl>
+  <dgm:styleLbl name="fgShp">
+    <dgm:fillClrLst meth="repeat">
+      <a:schemeClr val="accent1">
+        <a:tint val="60000"/>
+      </a:schemeClr>
+    </dgm:fillClrLst>
+    <dgm:linClrLst meth="repeat">
+      <a:schemeClr val="lt1"/>
+    </dgm:linClrLst>
+    <dgm:effectClrLst/>
+    <dgm:txLinClrLst/>
+    <dgm:txFillClrLst meth="repeat">
+      <a:schemeClr val="dk1"/>
+    </dgm:txFillClrLst>
+    <dgm:txEffectClrLst/>
+  </dgm:styleLbl>
+  <dgm:styleLbl name="revTx">
+    <dgm:fillClrLst meth="repeat">
+      <a:schemeClr val="lt1">
+        <a:alpha val="0"/>
+      </a:schemeClr>
+    </dgm:fillClrLst>
+    <dgm:linClrLst meth="repeat">
+      <a:schemeClr val="dk1">
+        <a:alpha val="0"/>
+      </a:schemeClr>
+    </dgm:linClrLst>
+    <dgm:effectClrLst/>
+    <dgm:txLinClrLst/>
+    <dgm:txFillClrLst meth="repeat">
+      <a:schemeClr val="tx1"/>
+    </dgm:txFillClrLst>
+    <dgm:txEffectClrLst/>
+  </dgm:styleLbl>
+</dgm:colorsDef>
+</file>
+
+<file path=ppt/diagrams/colors5.xml><?xml version="1.0" encoding="utf-8"?>
+<dgm:colorsDef xmlns:dgm="http://schemas.openxmlformats.org/drawingml/2006/diagram" xmlns:a="http://schemas.openxmlformats.org/drawingml/2006/main" uniqueId="urn:microsoft.com/office/officeart/2005/8/colors/accent1_2">
+  <dgm:title val=""/>
+  <dgm:desc val=""/>
+  <dgm:catLst>
+    <dgm:cat type="accent1" pri="11200"/>
+  </dgm:catLst>
+  <dgm:styleLbl name="node0">
+    <dgm:fillClrLst meth="repeat">
+      <a:schemeClr val="accent1"/>
+    </dgm:fillClrLst>
+    <dgm:linClrLst meth="repeat">
+      <a:schemeClr val="lt1"/>
+    </dgm:linClrLst>
+    <dgm:effectClrLst/>
+    <dgm:txLinClrLst/>
+    <dgm:txFillClrLst/>
+    <dgm:txEffectClrLst/>
+  </dgm:styleLbl>
+  <dgm:styleLbl name="alignNode1">
+    <dgm:fillClrLst meth="repeat">
+      <a:schemeClr val="accent1"/>
+    </dgm:fillClrLst>
+    <dgm:linClrLst meth="repeat">
+      <a:schemeClr val="accent1"/>
+    </dgm:linClrLst>
+    <dgm:effectClrLst/>
+    <dgm:txLinClrLst/>
+    <dgm:txFillClrLst/>
+    <dgm:txEffectClrLst/>
+  </dgm:styleLbl>
+  <dgm:styleLbl name="node1">
+    <dgm:fillClrLst meth="repeat">
+      <a:schemeClr val="accent1"/>
+    </dgm:fillClrLst>
+    <dgm:linClrLst meth="repeat">
+      <a:schemeClr val="lt1"/>
+    </dgm:linClrLst>
+    <dgm:effectClrLst/>
+    <dgm:txLinClrLst/>
+    <dgm:txFillClrLst/>
+    <dgm:txEffectClrLst/>
+  </dgm:styleLbl>
+  <dgm:styleLbl name="lnNode1">
+    <dgm:fillClrLst meth="repeat">
+      <a:schemeClr val="accent1"/>
+    </dgm:fillClrLst>
+    <dgm:linClrLst meth="repeat">
+      <a:schemeClr val="lt1"/>
+    </dgm:linClrLst>
+    <dgm:effectClrLst/>
+    <dgm:txLinClrLst/>
+    <dgm:txFillClrLst/>
+    <dgm:txEffectClrLst/>
+  </dgm:styleLbl>
+  <dgm:styleLbl name="vennNode1">
+    <dgm:fillClrLst meth="repeat">
+      <a:schemeClr val="accent1">
+        <a:alpha val="50000"/>
+      </a:schemeClr>
+    </dgm:fillClrLst>
+    <dgm:linClrLst meth="repeat">
+      <a:schemeClr val="lt1"/>
+    </dgm:linClrLst>
+    <dgm:effectClrLst/>
+    <dgm:txLinClrLst/>
+    <dgm:txFillClrLst/>
+    <dgm:txEffectClrLst/>
+  </dgm:styleLbl>
+  <dgm:styleLbl name="node2">
+    <dgm:fillClrLst meth="repeat">
+      <a:schemeClr val="accent1"/>
+    </dgm:fillClrLst>
+    <dgm:linClrLst meth="repeat">
+      <a:schemeClr val="lt1"/>
+    </dgm:linClrLst>
+    <dgm:effectClrLst/>
+    <dgm:txLinClrLst/>
+    <dgm:txFillClrLst/>
+    <dgm:txEffectClrLst/>
+  </dgm:styleLbl>
+  <dgm:styleLbl name="node3">
+    <dgm:fillClrLst meth="repeat">
+      <a:schemeClr val="accent1"/>
+    </dgm:fillClrLst>
+    <dgm:linClrLst meth="repeat">
+      <a:schemeClr val="lt1"/>
+    </dgm:linClrLst>
+    <dgm:effectClrLst/>
+    <dgm:txLinClrLst/>
+    <dgm:txFillClrLst/>
+    <dgm:txEffectClrLst/>
+  </dgm:styleLbl>
+  <dgm:styleLbl name="node4">
+    <dgm:fillClrLst meth="repeat">
+      <a:schemeClr val="accent1"/>
+    </dgm:fillClrLst>
+    <dgm:linClrLst meth="repeat">
+      <a:schemeClr val="lt1"/>
+    </dgm:linClrLst>
+    <dgm:effectClrLst/>
+    <dgm:txLinClrLst/>
+    <dgm:txFillClrLst/>
+    <dgm:txEffectClrLst/>
+  </dgm:styleLbl>
+  <dgm:styleLbl name="fgImgPlace1">
+    <dgm:fillClrLst meth="repeat">
+      <a:schemeClr val="accent1">
+        <a:tint val="50000"/>
+      </a:schemeClr>
+    </dgm:fillClrLst>
+    <dgm:linClrLst meth="repeat">
+      <a:schemeClr val="lt1"/>
+    </dgm:linClrLst>
+    <dgm:effectClrLst/>
+    <dgm:txLinClrLst/>
+    <dgm:txFillClrLst meth="repeat">
+      <a:schemeClr val="lt1"/>
+    </dgm:txFillClrLst>
+    <dgm:txEffectClrLst/>
+  </dgm:styleLbl>
+  <dgm:styleLbl name="alignImgPlace1">
+    <dgm:fillClrLst meth="repeat">
+      <a:schemeClr val="accent1">
+        <a:tint val="50000"/>
+      </a:schemeClr>
+    </dgm:fillClrLst>
+    <dgm:linClrLst meth="repeat">
+      <a:schemeClr val="lt1"/>
+    </dgm:linClrLst>
+    <dgm:effectClrLst/>
+    <dgm:txLinClrLst/>
+    <dgm:txFillClrLst meth="repeat">
+      <a:schemeClr val="lt1"/>
+    </dgm:txFillClrLst>
+    <dgm:txEffectClrLst/>
+  </dgm:styleLbl>
+  <dgm:styleLbl name="bgImgPlace1">
+    <dgm:fillClrLst meth="repeat">
+      <a:schemeClr val="accent1">
+        <a:tint val="50000"/>
+      </a:schemeClr>
+    </dgm:fillClrLst>
+    <dgm:linClrLst meth="repeat">
+      <a:schemeClr val="lt1"/>
+    </dgm:linClrLst>
+    <dgm:effectClrLst/>
+    <dgm:txLinClrLst/>
+    <dgm:txFillClrLst meth="repeat">
+      <a:schemeClr val="lt1"/>
+    </dgm:txFillClrLst>
+    <dgm:txEffectClrLst/>
+  </dgm:styleLbl>
+  <dgm:styleLbl name="sibTrans2D1">
+    <dgm:fillClrLst meth="repeat">
+      <a:schemeClr val="accent1">
+        <a:tint val="60000"/>
+      </a:schemeClr>
+    </dgm:fillClrLst>
+    <dgm:linClrLst meth="repeat">
+      <a:schemeClr val="accent1">
+        <a:tint val="60000"/>
+      </a:schemeClr>
+    </dgm:linClrLst>
+    <dgm:effectClrLst/>
+    <dgm:txLinClrLst/>
+    <dgm:txFillClrLst/>
+    <dgm:txEffectClrLst/>
+  </dgm:styleLbl>
+  <dgm:styleLbl name="fgSibTrans2D1">
+    <dgm:fillClrLst meth="repeat">
+      <a:schemeClr val="accent1">
+        <a:tint val="60000"/>
+      </a:schemeClr>
+    </dgm:fillClrLst>
+    <dgm:linClrLst meth="repeat">
+      <a:schemeClr val="accent1">
+        <a:tint val="60000"/>
+      </a:schemeClr>
+    </dgm:linClrLst>
+    <dgm:effectClrLst/>
+    <dgm:txLinClrLst/>
+    <dgm:txFillClrLst/>
+    <dgm:txEffectClrLst/>
+  </dgm:styleLbl>
+  <dgm:styleLbl name="bgSibTrans2D1">
+    <dgm:fillClrLst meth="repeat">
+      <a:schemeClr val="accent1">
+        <a:tint val="60000"/>
+      </a:schemeClr>
+    </dgm:fillClrLst>
+    <dgm:linClrLst meth="repeat">
+      <a:schemeClr val="accent1">
+        <a:tint val="60000"/>
+      </a:schemeClr>
+    </dgm:linClrLst>
+    <dgm:effectClrLst/>
+    <dgm:txLinClrLst/>
+    <dgm:txFillClrLst/>
+    <dgm:txEffectClrLst/>
+  </dgm:styleLbl>
+  <dgm:styleLbl name="sibTrans1D1">
+    <dgm:fillClrLst meth="repeat">
+      <a:schemeClr val="accent1"/>
+    </dgm:fillClrLst>
+    <dgm:linClrLst meth="repeat">
+      <a:schemeClr val="accent1"/>
+    </dgm:linClrLst>
+    <dgm:effectClrLst/>
+    <dgm:txLinClrLst/>
+    <dgm:txFillClrLst meth="repeat">
+      <a:schemeClr val="tx1"/>
+    </dgm:txFillClrLst>
+    <dgm:txEffectClrLst/>
+  </dgm:styleLbl>
+  <dgm:styleLbl name="callout">
+    <dgm:fillClrLst meth="repeat">
+      <a:schemeClr val="accent1"/>
+    </dgm:fillClrLst>
+    <dgm:linClrLst meth="repeat">
+      <a:schemeClr val="accent1">
+        <a:tint val="50000"/>
+      </a:schemeClr>
+    </dgm:linClrLst>
+    <dgm:effectClrLst/>
+    <dgm:txLinClrLst/>
+    <dgm:txFillClrLst meth="repeat">
+      <a:schemeClr val="tx1"/>
+    </dgm:txFillClrLst>
+    <dgm:txEffectClrLst/>
+  </dgm:styleLbl>
+  <dgm:styleLbl name="asst0">
+    <dgm:fillClrLst meth="repeat">
+      <a:schemeClr val="accent1"/>
+    </dgm:fillClrLst>
+    <dgm:linClrLst meth="repeat">
+      <a:schemeClr val="lt1"/>
+    </dgm:linClrLst>
+    <dgm:effectClrLst/>
+    <dgm:txLinClrLst/>
+    <dgm:txFillClrLst/>
+    <dgm:txEffectClrLst/>
+  </dgm:styleLbl>
+  <dgm:styleLbl name="asst1">
+    <dgm:fillClrLst meth="repeat">
+      <a:schemeClr val="accent1"/>
+    </dgm:fillClrLst>
+    <dgm:linClrLst meth="repeat">
+      <a:schemeClr val="lt1"/>
+    </dgm:linClrLst>
+    <dgm:effectClrLst/>
+    <dgm:txLinClrLst/>
+    <dgm:txFillClrLst/>
+    <dgm:txEffectClrLst/>
+  </dgm:styleLbl>
+  <dgm:styleLbl name="asst2">
+    <dgm:fillClrLst meth="repeat">
+      <a:schemeClr val="accent1"/>
+    </dgm:fillClrLst>
+    <dgm:linClrLst meth="repeat">
+      <a:schemeClr val="lt1"/>
+    </dgm:linClrLst>
+    <dgm:effectClrLst/>
+    <dgm:txLinClrLst/>
+    <dgm:txFillClrLst/>
+    <dgm:txEffectClrLst/>
+  </dgm:styleLbl>
+  <dgm:styleLbl name="asst3">
+    <dgm:fillClrLst meth="repeat">
+      <a:schemeClr val="accent1"/>
+    </dgm:fillClrLst>
+    <dgm:linClrLst meth="repeat">
+      <a:schemeClr val="lt1"/>
+    </dgm:linClrLst>
+    <dgm:effectClrLst/>
+    <dgm:txLinClrLst/>
+    <dgm:txFillClrLst/>
+    <dgm:txEffectClrLst/>
+  </dgm:styleLbl>
+  <dgm:styleLbl name="asst4">
+    <dgm:fillClrLst meth="repeat">
+      <a:schemeClr val="accent1"/>
+    </dgm:fillClrLst>
+    <dgm:linClrLst meth="repeat">
+      <a:schemeClr val="lt1"/>
+    </dgm:linClrLst>
+    <dgm:effectClrLst/>
+    <dgm:txLinClrLst/>
+    <dgm:txFillClrLst/>
+    <dgm:txEffectClrLst/>
+  </dgm:styleLbl>
+  <dgm:styleLbl name="parChTrans2D1">
+    <dgm:fillClrLst meth="repeat">
+      <a:schemeClr val="accent1">
+        <a:tint val="60000"/>
+      </a:schemeClr>
+    </dgm:fillClrLst>
+    <dgm:linClrLst meth="repeat">
+      <a:schemeClr val="accent1">
+        <a:tint val="60000"/>
+      </a:schemeClr>
+    </dgm:linClrLst>
+    <dgm:effectClrLst/>
+    <dgm:txLinClrLst/>
+    <dgm:txFillClrLst meth="repeat">
+      <a:schemeClr val="lt1"/>
+    </dgm:txFillClrLst>
+    <dgm:txEffectClrLst/>
+  </dgm:styleLbl>
+  <dgm:styleLbl name="parChTrans2D2">
+    <dgm:fillClrLst meth="repeat">
+      <a:schemeClr val="accent1"/>
+    </dgm:fillClrLst>
+    <dgm:linClrLst meth="repeat">
+      <a:schemeClr val="accent1"/>
+    </dgm:linClrLst>
+    <dgm:effectClrLst/>
+    <dgm:txLinClrLst/>
+    <dgm:txFillClrLst meth="repeat">
+      <a:schemeClr val="lt1"/>
+    </dgm:txFillClrLst>
+    <dgm:txEffectClrLst/>
+  </dgm:styleLbl>
+  <dgm:styleLbl name="parChTrans2D3">
+    <dgm:fillClrLst meth="repeat">
+      <a:schemeClr val="accent1"/>
+    </dgm:fillClrLst>
+    <dgm:linClrLst meth="repeat">
+      <a:schemeClr val="accent1"/>
+    </dgm:linClrLst>
+    <dgm:effectClrLst/>
+    <dgm:txLinClrLst/>
+    <dgm:txFillClrLst meth="repeat">
+      <a:schemeClr val="lt1"/>
+    </dgm:txFillClrLst>
+    <dgm:txEffectClrLst/>
+  </dgm:styleLbl>
+  <dgm:styleLbl name="parChTrans2D4">
+    <dgm:fillClrLst meth="repeat">
+      <a:schemeClr val="accent1"/>
+    </dgm:fillClrLst>
+    <dgm:linClrLst meth="repeat">
+      <a:schemeClr val="accent1"/>
+    </dgm:linClrLst>
+    <dgm:effectClrLst/>
+    <dgm:txLinClrLst/>
+    <dgm:txFillClrLst meth="repeat">
+      <a:schemeClr val="lt1"/>
+    </dgm:txFillClrLst>
+    <dgm:txEffectClrLst/>
+  </dgm:styleLbl>
+  <dgm:styleLbl name="parChTrans1D1">
+    <dgm:fillClrLst meth="repeat">
+      <a:schemeClr val="accent1"/>
+    </dgm:fillClrLst>
+    <dgm:linClrLst meth="repeat">
+      <a:schemeClr val="accent1">
+        <a:shade val="60000"/>
+      </a:schemeClr>
+    </dgm:linClrLst>
+    <dgm:effectClrLst/>
+    <dgm:txLinClrLst/>
+    <dgm:txFillClrLst meth="repeat">
+      <a:schemeClr val="tx1"/>
+    </dgm:txFillClrLst>
+    <dgm:txEffectClrLst/>
+  </dgm:styleLbl>
+  <dgm:styleLbl name="parChTrans1D2">
+    <dgm:fillClrLst meth="repeat">
+      <a:schemeClr val="accent1"/>
+    </dgm:fillClrLst>
+    <dgm:linClrLst meth="repeat">
+      <a:schemeClr val="accent1">
+        <a:shade val="60000"/>
+      </a:schemeClr>
+    </dgm:linClrLst>
+    <dgm:effectClrLst/>
+    <dgm:txLinClrLst/>
+    <dgm:txFillClrLst meth="repeat">
+      <a:schemeClr val="tx1"/>
+    </dgm:txFillClrLst>
+    <dgm:txEffectClrLst/>
+  </dgm:styleLbl>
+  <dgm:styleLbl name="parChTrans1D3">
+    <dgm:fillClrLst meth="repeat">
+      <a:schemeClr val="accent1"/>
+    </dgm:fillClrLst>
+    <dgm:linClrLst meth="repeat">
+      <a:schemeClr val="accent1">
+        <a:shade val="80000"/>
+      </a:schemeClr>
+    </dgm:linClrLst>
+    <dgm:effectClrLst/>
+    <dgm:txLinClrLst/>
+    <dgm:txFillClrLst meth="repeat">
+      <a:schemeClr val="tx1"/>
+    </dgm:txFillClrLst>
+    <dgm:txEffectClrLst/>
+  </dgm:styleLbl>
+  <dgm:styleLbl name="parChTrans1D4">
+    <dgm:fillClrLst meth="repeat">
+      <a:schemeClr val="accent1"/>
+    </dgm:fillClrLst>
+    <dgm:linClrLst meth="repeat">
+      <a:schemeClr val="accent1">
+        <a:shade val="80000"/>
+      </a:schemeClr>
+    </dgm:linClrLst>
+    <dgm:effectClrLst/>
+    <dgm:txLinClrLst/>
+    <dgm:txFillClrLst meth="repeat">
+      <a:schemeClr val="tx1"/>
+    </dgm:txFillClrLst>
+    <dgm:txEffectClrLst/>
+  </dgm:styleLbl>
+  <dgm:styleLbl name="fgAcc1">
+    <dgm:fillClrLst meth="repeat">
+      <a:schemeClr val="lt1">
+        <a:alpha val="90000"/>
+      </a:schemeClr>
+    </dgm:fillClrLst>
+    <dgm:linClrLst meth="repeat">
+      <a:schemeClr val="accent1"/>
+    </dgm:linClrLst>
+    <dgm:effectClrLst/>
+    <dgm:txLinClrLst/>
+    <dgm:txFillClrLst meth="repeat">
+      <a:schemeClr val="dk1"/>
+    </dgm:txFillClrLst>
+    <dgm:txEffectClrLst/>
+  </dgm:styleLbl>
+  <dgm:styleLbl name="conFgAcc1">
+    <dgm:fillClrLst meth="repeat">
+      <a:schemeClr val="lt1">
+        <a:alpha val="90000"/>
+      </a:schemeClr>
+    </dgm:fillClrLst>
+    <dgm:linClrLst meth="repeat">
+      <a:schemeClr val="accent1"/>
+    </dgm:linClrLst>
+    <dgm:effectClrLst/>
+    <dgm:txLinClrLst/>
+    <dgm:txFillClrLst meth="repeat">
+      <a:schemeClr val="dk1"/>
+    </dgm:txFillClrLst>
+    <dgm:txEffectClrLst/>
+  </dgm:styleLbl>
+  <dgm:styleLbl name="alignAcc1">
+    <dgm:fillClrLst meth="repeat">
+      <a:schemeClr val="lt1">
+        <a:alpha val="90000"/>
+      </a:schemeClr>
+    </dgm:fillClrLst>
+    <dgm:linClrLst meth="repeat">
+      <a:schemeClr val="accent1"/>
+    </dgm:linClrLst>
+    <dgm:effectClrLst/>
+    <dgm:txLinClrLst/>
+    <dgm:txFillClrLst meth="repeat">
+      <a:schemeClr val="dk1"/>
+    </dgm:txFillClrLst>
+    <dgm:txEffectClrLst/>
+  </dgm:styleLbl>
+  <dgm:styleLbl name="trAlignAcc1">
+    <dgm:fillClrLst meth="repeat">
+      <a:schemeClr val="lt1">
+        <a:alpha val="40000"/>
+      </a:schemeClr>
+    </dgm:fillClrLst>
+    <dgm:linClrLst meth="repeat">
+      <a:schemeClr val="accent1"/>
+    </dgm:linClrLst>
+    <dgm:effectClrLst/>
+    <dgm:txLinClrLst/>
+    <dgm:txFillClrLst meth="repeat">
+      <a:schemeClr val="dk1"/>
+    </dgm:txFillClrLst>
+    <dgm:txEffectClrLst/>
+  </dgm:styleLbl>
+  <dgm:styleLbl name="bgAcc1">
+    <dgm:fillClrLst meth="repeat">
+      <a:schemeClr val="lt1">
+        <a:alpha val="90000"/>
+      </a:schemeClr>
+    </dgm:fillClrLst>
+    <dgm:linClrLst meth="repeat">
+      <a:schemeClr val="accent1"/>
+    </dgm:linClrLst>
+    <dgm:effectClrLst/>
+    <dgm:txLinClrLst/>
+    <dgm:txFillClrLst meth="repeat">
+      <a:schemeClr val="dk1"/>
+    </dgm:txFillClrLst>
+    <dgm:txEffectClrLst/>
+  </dgm:styleLbl>
+  <dgm:styleLbl name="solidFgAcc1">
+    <dgm:fillClrLst meth="repeat">
+      <a:schemeClr val="lt1"/>
+    </dgm:fillClrLst>
+    <dgm:linClrLst meth="repeat">
+      <a:schemeClr val="accent1"/>
+    </dgm:linClrLst>
+    <dgm:effectClrLst/>
+    <dgm:txLinClrLst/>
+    <dgm:txFillClrLst meth="repeat">
+      <a:schemeClr val="dk1"/>
+    </dgm:txFillClrLst>
+    <dgm:txEffectClrLst/>
+  </dgm:styleLbl>
+  <dgm:styleLbl name="solidAlignAcc1">
+    <dgm:fillClrLst meth="repeat">
+      <a:schemeClr val="lt1"/>
+    </dgm:fillClrLst>
+    <dgm:linClrLst meth="repeat">
+      <a:schemeClr val="accent1"/>
+    </dgm:linClrLst>
+    <dgm:effectClrLst/>
+    <dgm:txLinClrLst/>
+    <dgm:txFillClrLst meth="repeat">
+      <a:schemeClr val="dk1"/>
+    </dgm:txFillClrLst>
+    <dgm:txEffectClrLst/>
+  </dgm:styleLbl>
+  <dgm:styleLbl name="solidBgAcc1">
+    <dgm:fillClrLst meth="repeat">
+      <a:schemeClr val="lt1"/>
+    </dgm:fillClrLst>
+    <dgm:linClrLst meth="repeat">
+      <a:schemeClr val="accent1"/>
+    </dgm:linClrLst>
+    <dgm:effectClrLst/>
+    <dgm:txLinClrLst/>
+    <dgm:txFillClrLst meth="repeat">
+      <a:schemeClr val="dk1"/>
+    </dgm:txFillClrLst>
+    <dgm:txEffectClrLst/>
+  </dgm:styleLbl>
+  <dgm:styleLbl name="fgAccFollowNode1">
+    <dgm:fillClrLst meth="repeat">
+      <a:schemeClr val="accent1">
+        <a:alpha val="90000"/>
+        <a:tint val="40000"/>
+      </a:schemeClr>
+    </dgm:fillClrLst>
+    <dgm:linClrLst meth="repeat">
+      <a:schemeClr val="accent1">
+        <a:alpha val="90000"/>
+        <a:tint val="40000"/>
+      </a:schemeClr>
+    </dgm:linClrLst>
+    <dgm:effectClrLst/>
+    <dgm:txLinClrLst/>
+    <dgm:txFillClrLst meth="repeat">
+      <a:schemeClr val="dk1"/>
+    </dgm:txFillClrLst>
+    <dgm:txEffectClrLst/>
+  </dgm:styleLbl>
+  <dgm:styleLbl name="alignAccFollowNode1">
+    <dgm:fillClrLst meth="repeat">
+      <a:schemeClr val="accent1">
+        <a:alpha val="90000"/>
+        <a:tint val="40000"/>
+      </a:schemeClr>
+    </dgm:fillClrLst>
+    <dgm:linClrLst meth="repeat">
+      <a:schemeClr val="accent1">
+        <a:alpha val="90000"/>
+        <a:tint val="40000"/>
+      </a:schemeClr>
+    </dgm:linClrLst>
+    <dgm:effectClrLst/>
+    <dgm:txLinClrLst/>
+    <dgm:txFillClrLst meth="repeat">
+      <a:schemeClr val="dk1"/>
+    </dgm:txFillClrLst>
+    <dgm:txEffectClrLst/>
+  </dgm:styleLbl>
+  <dgm:styleLbl name="bgAccFollowNode1">
+    <dgm:fillClrLst meth="repeat">
+      <a:schemeClr val="accent1">
+        <a:alpha val="90000"/>
+        <a:tint val="40000"/>
+      </a:schemeClr>
+    </dgm:fillClrLst>
+    <dgm:linClrLst meth="repeat">
+      <a:schemeClr val="accent1">
+        <a:alpha val="90000"/>
+        <a:tint val="40000"/>
+      </a:schemeClr>
+    </dgm:linClrLst>
+    <dgm:effectClrLst/>
+    <dgm:txLinClrLst/>
+    <dgm:txFillClrLst meth="repeat">
+      <a:schemeClr val="dk1"/>
+    </dgm:txFillClrLst>
+    <dgm:txEffectClrLst/>
+  </dgm:styleLbl>
+  <dgm:styleLbl name="fgAcc0">
+    <dgm:fillClrLst meth="repeat">
+      <a:schemeClr val="lt1">
+        <a:alpha val="90000"/>
+      </a:schemeClr>
+    </dgm:fillClrLst>
+    <dgm:linClrLst meth="repeat">
+      <a:schemeClr val="accent1"/>
+    </dgm:linClrLst>
+    <dgm:effectClrLst/>
+    <dgm:txLinClrLst/>
+    <dgm:txFillClrLst meth="repeat">
+      <a:schemeClr val="dk1"/>
+    </dgm:txFillClrLst>
+    <dgm:txEffectClrLst/>
+  </dgm:styleLbl>
+  <dgm:styleLbl name="fgAcc2">
+    <dgm:fillClrLst meth="repeat">
+      <a:schemeClr val="lt1">
+        <a:alpha val="90000"/>
+      </a:schemeClr>
+    </dgm:fillClrLst>
+    <dgm:linClrLst meth="repeat">
+      <a:schemeClr val="accent1"/>
+    </dgm:linClrLst>
+    <dgm:effectClrLst/>
+    <dgm:txLinClrLst/>
+    <dgm:txFillClrLst meth="repeat">
+      <a:schemeClr val="dk1"/>
+    </dgm:txFillClrLst>
+    <dgm:txEffectClrLst/>
+  </dgm:styleLbl>
+  <dgm:styleLbl name="fgAcc3">
+    <dgm:fillClrLst meth="repeat">
+      <a:schemeClr val="lt1">
+        <a:alpha val="90000"/>
+      </a:schemeClr>
+    </dgm:fillClrLst>
+    <dgm:linClrLst meth="repeat">
+      <a:schemeClr val="accent1"/>
+    </dgm:linClrLst>
+    <dgm:effectClrLst/>
+    <dgm:txLinClrLst/>
+    <dgm:txFillClrLst meth="repeat">
+      <a:schemeClr val="dk1"/>
+    </dgm:txFillClrLst>
+    <dgm:txEffectClrLst/>
+  </dgm:styleLbl>
+  <dgm:styleLbl name="fgAcc4">
+    <dgm:fillClrLst meth="repeat">
+      <a:schemeClr val="lt1">
+        <a:alpha val="90000"/>
+      </a:schemeClr>
+    </dgm:fillClrLst>
+    <dgm:linClrLst meth="repeat">
+      <a:schemeClr val="accent1"/>
+    </dgm:linClrLst>
+    <dgm:effectClrLst/>
+    <dgm:txLinClrLst/>
+    <dgm:txFillClrLst meth="repeat">
+      <a:schemeClr val="dk1"/>
+    </dgm:txFillClrLst>
+    <dgm:txEffectClrLst/>
+  </dgm:styleLbl>
+  <dgm:styleLbl name="bgShp">
+    <dgm:fillClrLst meth="repeat">
+      <a:schemeClr val="accent1">
+        <a:tint val="40000"/>
+      </a:schemeClr>
+    </dgm:fillClrLst>
+    <dgm:linClrLst meth="repeat">
+      <a:schemeClr val="accent1"/>
+    </dgm:linClrLst>
+    <dgm:effectClrLst/>
+    <dgm:txLinClrLst/>
+    <dgm:txFillClrLst meth="repeat">
+      <a:schemeClr val="dk1"/>
+    </dgm:txFillClrLst>
+    <dgm:txEffectClrLst/>
+  </dgm:styleLbl>
+  <dgm:styleLbl name="dkBgShp">
+    <dgm:fillClrLst meth="repeat">
+      <a:schemeClr val="accent1">
+        <a:shade val="80000"/>
+      </a:schemeClr>
+    </dgm:fillClrLst>
+    <dgm:linClrLst meth="repeat">
+      <a:schemeClr val="accent1"/>
+    </dgm:linClrLst>
+    <dgm:effectClrLst/>
+    <dgm:txLinClrLst/>
+    <dgm:txFillClrLst meth="repeat">
+      <a:schemeClr val="lt1"/>
+    </dgm:txFillClrLst>
+    <dgm:txEffectClrLst/>
+  </dgm:styleLbl>
+  <dgm:styleLbl name="trBgShp">
+    <dgm:fillClrLst meth="repeat">
+      <a:schemeClr val="accent1">
+        <a:tint val="50000"/>
+        <a:alpha val="40000"/>
+      </a:schemeClr>
+    </dgm:fillClrLst>
+    <dgm:linClrLst meth="repeat">
+      <a:schemeClr val="accent1"/>
+    </dgm:linClrLst>
+    <dgm:effectClrLst/>
+    <dgm:txLinClrLst/>
+    <dgm:txFillClrLst meth="repeat">
+      <a:schemeClr val="lt1"/>
+    </dgm:txFillClrLst>
+    <dgm:txEffectClrLst/>
+  </dgm:styleLbl>
+  <dgm:styleLbl name="fgShp">
+    <dgm:fillClrLst meth="repeat">
+      <a:schemeClr val="accent1">
+        <a:tint val="60000"/>
+      </a:schemeClr>
+    </dgm:fillClrLst>
+    <dgm:linClrLst meth="repeat">
+      <a:schemeClr val="lt1"/>
+    </dgm:linClrLst>
+    <dgm:effectClrLst/>
+    <dgm:txLinClrLst/>
+    <dgm:txFillClrLst meth="repeat">
+      <a:schemeClr val="dk1"/>
+    </dgm:txFillClrLst>
+    <dgm:txEffectClrLst/>
+  </dgm:styleLbl>
+  <dgm:styleLbl name="revTx">
+    <dgm:fillClrLst meth="repeat">
+      <a:schemeClr val="lt1">
+        <a:alpha val="0"/>
+      </a:schemeClr>
+    </dgm:fillClrLst>
+    <dgm:linClrLst meth="repeat">
+      <a:schemeClr val="dk1">
+        <a:alpha val="0"/>
+      </a:schemeClr>
+    </dgm:linClrLst>
+    <dgm:effectClrLst/>
+    <dgm:txLinClrLst/>
+    <dgm:txFillClrLst meth="repeat">
+      <a:schemeClr val="tx1"/>
+    </dgm:txFillClrLst>
+    <dgm:txEffectClrLst/>
+  </dgm:styleLbl>
+</dgm:colorsDef>
+</file>
+
 <file path=ppt/diagrams/data1.xml><?xml version="1.0" encoding="utf-8"?>
+<dgm:dataModel xmlns:dgm="http://schemas.openxmlformats.org/drawingml/2006/diagram" xmlns:a="http://schemas.openxmlformats.org/drawingml/2006/main">
+  <dgm:ptLst>
+    <dgm:pt modelId="{E8D35918-DEFC-4FAB-9D9C-A926D32C03E2}" type="doc">
+      <dgm:prSet loTypeId="urn:microsoft.com/office/officeart/2005/8/layout/default" loCatId="list" qsTypeId="urn:microsoft.com/office/officeart/2005/8/quickstyle/simple1" qsCatId="simple" csTypeId="urn:microsoft.com/office/officeart/2005/8/colors/accent1_2" csCatId="accent1"/>
+      <dgm:spPr/>
+      <dgm:t>
+        <a:bodyPr/>
+        <a:lstStyle/>
+        <a:p>
+          <a:endParaRPr lang="de-DE"/>
+        </a:p>
+      </dgm:t>
+    </dgm:pt>
+    <dgm:pt modelId="{8EFBBE4B-BA83-4F2C-B7DC-936C70EB636B}">
+      <dgm:prSet/>
+      <dgm:spPr/>
+      <dgm:t>
+        <a:bodyPr/>
+        <a:lstStyle/>
+        <a:p>
+          <a:pPr rtl="0"/>
+          <a:r>
+            <a:rPr lang="de-DE" dirty="0" err="1" smtClean="0"/>
+            <a:t>Protokollneutraller</a:t>
+          </a:r>
+          <a:r>
+            <a:rPr lang="de-DE" dirty="0" smtClean="0"/>
+            <a:t> Einsatz</a:t>
+          </a:r>
+          <a:endParaRPr lang="en-US" dirty="0"/>
+        </a:p>
+      </dgm:t>
+    </dgm:pt>
+    <dgm:pt modelId="{BF881EC4-403E-4350-825E-DAEE2ECCFC2F}" type="parTrans" cxnId="{149652F4-13F7-4811-96B1-83FDD2B8CA2C}">
+      <dgm:prSet/>
+      <dgm:spPr/>
+      <dgm:t>
+        <a:bodyPr/>
+        <a:lstStyle/>
+        <a:p>
+          <a:endParaRPr lang="de-DE"/>
+        </a:p>
+      </dgm:t>
+    </dgm:pt>
+    <dgm:pt modelId="{DB0B624C-66F2-49D8-AEA4-6848F2530DCF}" type="sibTrans" cxnId="{149652F4-13F7-4811-96B1-83FDD2B8CA2C}">
+      <dgm:prSet/>
+      <dgm:spPr/>
+      <dgm:t>
+        <a:bodyPr/>
+        <a:lstStyle/>
+        <a:p>
+          <a:endParaRPr lang="de-DE"/>
+        </a:p>
+      </dgm:t>
+    </dgm:pt>
+    <dgm:pt modelId="{CB852511-358C-492D-AB64-6F5656547F15}">
+      <dgm:prSet/>
+      <dgm:spPr/>
+      <dgm:t>
+        <a:bodyPr/>
+        <a:lstStyle/>
+        <a:p>
+          <a:pPr rtl="0"/>
+          <a:r>
+            <a:rPr lang="de-DE" dirty="0" err="1" smtClean="0"/>
+            <a:t>Pluggable</a:t>
+          </a:r>
+          <a:endParaRPr lang="en-US" dirty="0"/>
+        </a:p>
+      </dgm:t>
+    </dgm:pt>
+    <dgm:pt modelId="{26DE5FAE-7B11-409B-B190-0C1C62B423BF}" type="parTrans" cxnId="{79B7FC6A-5AC1-43E1-AB04-6BF18E01B56D}">
+      <dgm:prSet/>
+      <dgm:spPr/>
+      <dgm:t>
+        <a:bodyPr/>
+        <a:lstStyle/>
+        <a:p>
+          <a:endParaRPr lang="de-DE"/>
+        </a:p>
+      </dgm:t>
+    </dgm:pt>
+    <dgm:pt modelId="{E55ED425-828B-4A5B-B5BB-06D44A059386}" type="sibTrans" cxnId="{79B7FC6A-5AC1-43E1-AB04-6BF18E01B56D}">
+      <dgm:prSet/>
+      <dgm:spPr/>
+      <dgm:t>
+        <a:bodyPr/>
+        <a:lstStyle/>
+        <a:p>
+          <a:endParaRPr lang="de-DE"/>
+        </a:p>
+      </dgm:t>
+    </dgm:pt>
+    <dgm:pt modelId="{A9A6F6DD-4F40-4187-B81A-C9F15234F05B}">
+      <dgm:prSet/>
+      <dgm:spPr/>
+      <dgm:t>
+        <a:bodyPr/>
+        <a:lstStyle/>
+        <a:p>
+          <a:pPr rtl="0"/>
+          <a:r>
+            <a:rPr lang="de-DE" smtClean="0"/>
+            <a:t>Übersichlichkeit</a:t>
+          </a:r>
+          <a:endParaRPr lang="en-US"/>
+        </a:p>
+      </dgm:t>
+    </dgm:pt>
+    <dgm:pt modelId="{8D2253CA-F2F1-415F-A3E6-8F9839653CEA}" type="parTrans" cxnId="{39F9C03A-94EF-4CDD-AC63-9784937FC1E5}">
+      <dgm:prSet/>
+      <dgm:spPr/>
+      <dgm:t>
+        <a:bodyPr/>
+        <a:lstStyle/>
+        <a:p>
+          <a:endParaRPr lang="de-DE"/>
+        </a:p>
+      </dgm:t>
+    </dgm:pt>
+    <dgm:pt modelId="{2C7202BE-4A70-4084-BDB8-CD1BDB153074}" type="sibTrans" cxnId="{39F9C03A-94EF-4CDD-AC63-9784937FC1E5}">
+      <dgm:prSet/>
+      <dgm:spPr/>
+      <dgm:t>
+        <a:bodyPr/>
+        <a:lstStyle/>
+        <a:p>
+          <a:endParaRPr lang="de-DE"/>
+        </a:p>
+      </dgm:t>
+    </dgm:pt>
+    <dgm:pt modelId="{EB6658FB-32EB-4FEB-91DB-B3933CF4EFB8}">
+      <dgm:prSet/>
+      <dgm:spPr/>
+      <dgm:t>
+        <a:bodyPr/>
+        <a:lstStyle/>
+        <a:p>
+          <a:pPr rtl="0"/>
+          <a:r>
+            <a:rPr lang="de-DE" smtClean="0"/>
+            <a:t>Dokumentation </a:t>
+          </a:r>
+          <a:endParaRPr lang="en-US"/>
+        </a:p>
+      </dgm:t>
+    </dgm:pt>
+    <dgm:pt modelId="{273B25B5-9C13-4F3F-B879-B8C54379EB53}" type="parTrans" cxnId="{86FAA609-E612-4419-BD92-E19A8BACB1BC}">
+      <dgm:prSet/>
+      <dgm:spPr/>
+      <dgm:t>
+        <a:bodyPr/>
+        <a:lstStyle/>
+        <a:p>
+          <a:endParaRPr lang="de-DE"/>
+        </a:p>
+      </dgm:t>
+    </dgm:pt>
+    <dgm:pt modelId="{D0414F0D-D38A-479E-BB6E-32A4C9F47ACB}" type="sibTrans" cxnId="{86FAA609-E612-4419-BD92-E19A8BACB1BC}">
+      <dgm:prSet/>
+      <dgm:spPr/>
+      <dgm:t>
+        <a:bodyPr/>
+        <a:lstStyle/>
+        <a:p>
+          <a:endParaRPr lang="de-DE"/>
+        </a:p>
+      </dgm:t>
+    </dgm:pt>
+    <dgm:pt modelId="{CAE94EC1-FB26-4C6F-B916-9EC44ED63B8E}" type="pres">
+      <dgm:prSet presAssocID="{E8D35918-DEFC-4FAB-9D9C-A926D32C03E2}" presName="diagram" presStyleCnt="0">
+        <dgm:presLayoutVars>
+          <dgm:dir/>
+          <dgm:resizeHandles val="exact"/>
+        </dgm:presLayoutVars>
+      </dgm:prSet>
+      <dgm:spPr/>
+    </dgm:pt>
+    <dgm:pt modelId="{E3B93B31-32D8-4416-A261-5CA14FC031FD}" type="pres">
+      <dgm:prSet presAssocID="{8EFBBE4B-BA83-4F2C-B7DC-936C70EB636B}" presName="node" presStyleLbl="node1" presStyleIdx="0" presStyleCnt="4">
+        <dgm:presLayoutVars>
+          <dgm:bulletEnabled val="1"/>
+        </dgm:presLayoutVars>
+      </dgm:prSet>
+      <dgm:spPr>
+        <a:prstGeom prst="roundRect">
+          <a:avLst/>
+        </a:prstGeom>
+      </dgm:spPr>
+    </dgm:pt>
+    <dgm:pt modelId="{3B5584AE-7BA2-478B-B7E2-5E43981F66FA}" type="pres">
+      <dgm:prSet presAssocID="{DB0B624C-66F2-49D8-AEA4-6848F2530DCF}" presName="sibTrans" presStyleCnt="0"/>
+      <dgm:spPr/>
+    </dgm:pt>
+    <dgm:pt modelId="{16FD48F7-713A-4886-A2F9-3EC26972A198}" type="pres">
+      <dgm:prSet presAssocID="{CB852511-358C-492D-AB64-6F5656547F15}" presName="node" presStyleLbl="node1" presStyleIdx="1" presStyleCnt="4">
+        <dgm:presLayoutVars>
+          <dgm:bulletEnabled val="1"/>
+        </dgm:presLayoutVars>
+      </dgm:prSet>
+      <dgm:spPr>
+        <a:prstGeom prst="roundRect">
+          <a:avLst/>
+        </a:prstGeom>
+      </dgm:spPr>
+    </dgm:pt>
+    <dgm:pt modelId="{8C23EEB9-DE69-4152-8E1E-6AE36410C6D8}" type="pres">
+      <dgm:prSet presAssocID="{E55ED425-828B-4A5B-B5BB-06D44A059386}" presName="sibTrans" presStyleCnt="0"/>
+      <dgm:spPr/>
+    </dgm:pt>
+    <dgm:pt modelId="{773ECFB5-00D3-479A-A6EE-EFEEE6AAFC91}" type="pres">
+      <dgm:prSet presAssocID="{A9A6F6DD-4F40-4187-B81A-C9F15234F05B}" presName="node" presStyleLbl="node1" presStyleIdx="2" presStyleCnt="4">
+        <dgm:presLayoutVars>
+          <dgm:bulletEnabled val="1"/>
+        </dgm:presLayoutVars>
+      </dgm:prSet>
+      <dgm:spPr>
+        <a:prstGeom prst="roundRect">
+          <a:avLst/>
+        </a:prstGeom>
+      </dgm:spPr>
+    </dgm:pt>
+    <dgm:pt modelId="{0FFEF3FD-37F8-48FE-B648-A7F88BAA6A6D}" type="pres">
+      <dgm:prSet presAssocID="{2C7202BE-4A70-4084-BDB8-CD1BDB153074}" presName="sibTrans" presStyleCnt="0"/>
+      <dgm:spPr/>
+    </dgm:pt>
+    <dgm:pt modelId="{DACF08B4-CC41-4B4C-8B10-6FC93923333B}" type="pres">
+      <dgm:prSet presAssocID="{EB6658FB-32EB-4FEB-91DB-B3933CF4EFB8}" presName="node" presStyleLbl="node1" presStyleIdx="3" presStyleCnt="4">
+        <dgm:presLayoutVars>
+          <dgm:bulletEnabled val="1"/>
+        </dgm:presLayoutVars>
+      </dgm:prSet>
+      <dgm:spPr>
+        <a:prstGeom prst="roundRect">
+          <a:avLst/>
+        </a:prstGeom>
+      </dgm:spPr>
+    </dgm:pt>
+  </dgm:ptLst>
+  <dgm:cxnLst>
+    <dgm:cxn modelId="{5C6F617D-9874-4D39-856A-A74149CBBFF3}" type="presOf" srcId="{CB852511-358C-492D-AB64-6F5656547F15}" destId="{16FD48F7-713A-4886-A2F9-3EC26972A198}" srcOrd="0" destOrd="0" presId="urn:microsoft.com/office/officeart/2005/8/layout/default"/>
+    <dgm:cxn modelId="{3DBFEAB1-E8EC-4097-BE64-B420E604D1E5}" type="presOf" srcId="{E8D35918-DEFC-4FAB-9D9C-A926D32C03E2}" destId="{CAE94EC1-FB26-4C6F-B916-9EC44ED63B8E}" srcOrd="0" destOrd="0" presId="urn:microsoft.com/office/officeart/2005/8/layout/default"/>
+    <dgm:cxn modelId="{149652F4-13F7-4811-96B1-83FDD2B8CA2C}" srcId="{E8D35918-DEFC-4FAB-9D9C-A926D32C03E2}" destId="{8EFBBE4B-BA83-4F2C-B7DC-936C70EB636B}" srcOrd="0" destOrd="0" parTransId="{BF881EC4-403E-4350-825E-DAEE2ECCFC2F}" sibTransId="{DB0B624C-66F2-49D8-AEA4-6848F2530DCF}"/>
+    <dgm:cxn modelId="{B591BAD1-AA9D-42FC-B7A1-80C00C2A6E60}" type="presOf" srcId="{A9A6F6DD-4F40-4187-B81A-C9F15234F05B}" destId="{773ECFB5-00D3-479A-A6EE-EFEEE6AAFC91}" srcOrd="0" destOrd="0" presId="urn:microsoft.com/office/officeart/2005/8/layout/default"/>
+    <dgm:cxn modelId="{423F7139-FDE8-4782-AC5E-64078F9B25D1}" type="presOf" srcId="{EB6658FB-32EB-4FEB-91DB-B3933CF4EFB8}" destId="{DACF08B4-CC41-4B4C-8B10-6FC93923333B}" srcOrd="0" destOrd="0" presId="urn:microsoft.com/office/officeart/2005/8/layout/default"/>
+    <dgm:cxn modelId="{39F9C03A-94EF-4CDD-AC63-9784937FC1E5}" srcId="{E8D35918-DEFC-4FAB-9D9C-A926D32C03E2}" destId="{A9A6F6DD-4F40-4187-B81A-C9F15234F05B}" srcOrd="2" destOrd="0" parTransId="{8D2253CA-F2F1-415F-A3E6-8F9839653CEA}" sibTransId="{2C7202BE-4A70-4084-BDB8-CD1BDB153074}"/>
+    <dgm:cxn modelId="{36A735B5-772F-48C6-9C34-843F80D43D13}" type="presOf" srcId="{8EFBBE4B-BA83-4F2C-B7DC-936C70EB636B}" destId="{E3B93B31-32D8-4416-A261-5CA14FC031FD}" srcOrd="0" destOrd="0" presId="urn:microsoft.com/office/officeart/2005/8/layout/default"/>
+    <dgm:cxn modelId="{86FAA609-E612-4419-BD92-E19A8BACB1BC}" srcId="{E8D35918-DEFC-4FAB-9D9C-A926D32C03E2}" destId="{EB6658FB-32EB-4FEB-91DB-B3933CF4EFB8}" srcOrd="3" destOrd="0" parTransId="{273B25B5-9C13-4F3F-B879-B8C54379EB53}" sibTransId="{D0414F0D-D38A-479E-BB6E-32A4C9F47ACB}"/>
+    <dgm:cxn modelId="{79B7FC6A-5AC1-43E1-AB04-6BF18E01B56D}" srcId="{E8D35918-DEFC-4FAB-9D9C-A926D32C03E2}" destId="{CB852511-358C-492D-AB64-6F5656547F15}" srcOrd="1" destOrd="0" parTransId="{26DE5FAE-7B11-409B-B190-0C1C62B423BF}" sibTransId="{E55ED425-828B-4A5B-B5BB-06D44A059386}"/>
+    <dgm:cxn modelId="{A7293AF9-0866-4EEC-86AF-2905A46C657C}" type="presParOf" srcId="{CAE94EC1-FB26-4C6F-B916-9EC44ED63B8E}" destId="{E3B93B31-32D8-4416-A261-5CA14FC031FD}" srcOrd="0" destOrd="0" presId="urn:microsoft.com/office/officeart/2005/8/layout/default"/>
+    <dgm:cxn modelId="{D484D3AB-379E-4326-87EE-B14C95A99A43}" type="presParOf" srcId="{CAE94EC1-FB26-4C6F-B916-9EC44ED63B8E}" destId="{3B5584AE-7BA2-478B-B7E2-5E43981F66FA}" srcOrd="1" destOrd="0" presId="urn:microsoft.com/office/officeart/2005/8/layout/default"/>
+    <dgm:cxn modelId="{85ED0EFF-9EF1-4D5A-8783-97A1BA787DB9}" type="presParOf" srcId="{CAE94EC1-FB26-4C6F-B916-9EC44ED63B8E}" destId="{16FD48F7-713A-4886-A2F9-3EC26972A198}" srcOrd="2" destOrd="0" presId="urn:microsoft.com/office/officeart/2005/8/layout/default"/>
+    <dgm:cxn modelId="{734BAA40-B8A3-466B-83B6-07FC025576F9}" type="presParOf" srcId="{CAE94EC1-FB26-4C6F-B916-9EC44ED63B8E}" destId="{8C23EEB9-DE69-4152-8E1E-6AE36410C6D8}" srcOrd="3" destOrd="0" presId="urn:microsoft.com/office/officeart/2005/8/layout/default"/>
+    <dgm:cxn modelId="{A50631B4-D058-4574-A318-55C9F5668323}" type="presParOf" srcId="{CAE94EC1-FB26-4C6F-B916-9EC44ED63B8E}" destId="{773ECFB5-00D3-479A-A6EE-EFEEE6AAFC91}" srcOrd="4" destOrd="0" presId="urn:microsoft.com/office/officeart/2005/8/layout/default"/>
+    <dgm:cxn modelId="{D7EB7E97-10A7-49A0-95E0-3EC547738435}" type="presParOf" srcId="{CAE94EC1-FB26-4C6F-B916-9EC44ED63B8E}" destId="{0FFEF3FD-37F8-48FE-B648-A7F88BAA6A6D}" srcOrd="5" destOrd="0" presId="urn:microsoft.com/office/officeart/2005/8/layout/default"/>
+    <dgm:cxn modelId="{1559BCB3-7E2B-4364-9015-9E28780C9225}" type="presParOf" srcId="{CAE94EC1-FB26-4C6F-B916-9EC44ED63B8E}" destId="{DACF08B4-CC41-4B4C-8B10-6FC93923333B}" srcOrd="6" destOrd="0" presId="urn:microsoft.com/office/officeart/2005/8/layout/default"/>
+  </dgm:cxnLst>
+  <dgm:bg/>
+  <dgm:whole/>
+  <dgm:extLst>
+    <a:ext uri="http://schemas.microsoft.com/office/drawing/2008/diagram">
+      <dsp:dataModelExt xmlns:dsp="http://schemas.microsoft.com/office/drawing/2008/diagram" relId="rId7" minVer="http://schemas.openxmlformats.org/drawingml/2006/diagram"/>
+    </a:ext>
+  </dgm:extLst>
+</dgm:dataModel>
+</file>
+
+<file path=ppt/diagrams/data2.xml><?xml version="1.0" encoding="utf-8"?>
+<dgm:dataModel xmlns:dgm="http://schemas.openxmlformats.org/drawingml/2006/diagram" xmlns:a="http://schemas.openxmlformats.org/drawingml/2006/main">
+  <dgm:ptLst>
+    <dgm:pt modelId="{E6B90233-3499-4EBD-846D-F4882C32CF44}" type="doc">
+      <dgm:prSet loTypeId="urn:microsoft.com/office/officeart/2005/8/layout/venn1" loCatId="relationship" qsTypeId="urn:microsoft.com/office/officeart/2005/8/quickstyle/simple1" qsCatId="simple" csTypeId="urn:microsoft.com/office/officeart/2005/8/colors/accent1_2" csCatId="accent1"/>
+      <dgm:spPr/>
+      <dgm:t>
+        <a:bodyPr/>
+        <a:lstStyle/>
+        <a:p>
+          <a:endParaRPr lang="de-DE"/>
+        </a:p>
+      </dgm:t>
+    </dgm:pt>
+    <dgm:pt modelId="{E4D0EF0E-DBA2-4531-A31C-C6930D214C84}">
+      <dgm:prSet custT="1"/>
+      <dgm:spPr/>
+      <dgm:t>
+        <a:bodyPr/>
+        <a:lstStyle/>
+        <a:p>
+          <a:pPr rtl="0"/>
+          <a:r>
+            <a:rPr lang="de-DE" sz="1400" b="1" dirty="0" smtClean="0"/>
+            <a:t>TE-Produkt</a:t>
+          </a:r>
+          <a:endParaRPr lang="en-US" sz="1400" b="1" dirty="0"/>
+        </a:p>
+      </dgm:t>
+    </dgm:pt>
+    <dgm:pt modelId="{889FCBBC-EE1A-42B9-9566-E1F5040A8482}" type="parTrans" cxnId="{B33D83B8-14CA-407D-B3EC-6692ABD962B1}">
+      <dgm:prSet/>
+      <dgm:spPr/>
+      <dgm:t>
+        <a:bodyPr/>
+        <a:lstStyle/>
+        <a:p>
+          <a:endParaRPr lang="de-DE"/>
+        </a:p>
+      </dgm:t>
+    </dgm:pt>
+    <dgm:pt modelId="{398041D4-FF59-4E3A-9A4B-740C42FC210F}" type="sibTrans" cxnId="{B33D83B8-14CA-407D-B3EC-6692ABD962B1}">
+      <dgm:prSet/>
+      <dgm:spPr/>
+      <dgm:t>
+        <a:bodyPr/>
+        <a:lstStyle/>
+        <a:p>
+          <a:endParaRPr lang="de-DE"/>
+        </a:p>
+      </dgm:t>
+    </dgm:pt>
+    <dgm:pt modelId="{077EF243-B640-473B-BB71-B7A3B8393BAE}">
+      <dgm:prSet custT="1"/>
+      <dgm:spPr/>
+      <dgm:t>
+        <a:bodyPr/>
+        <a:lstStyle/>
+        <a:p>
+          <a:pPr rtl="0"/>
+          <a:r>
+            <a:rPr lang="de-DE" sz="1400" b="1" dirty="0" smtClean="0"/>
+            <a:t>TE-Dokumentation</a:t>
+          </a:r>
+          <a:endParaRPr lang="en-US" sz="1400" b="1" dirty="0"/>
+        </a:p>
+      </dgm:t>
+    </dgm:pt>
+    <dgm:pt modelId="{4C4788DA-5D99-4988-9B48-84CE93F94A46}" type="parTrans" cxnId="{F9827419-875B-4992-B6DB-7039F0B93327}">
+      <dgm:prSet/>
+      <dgm:spPr/>
+      <dgm:t>
+        <a:bodyPr/>
+        <a:lstStyle/>
+        <a:p>
+          <a:endParaRPr lang="de-DE"/>
+        </a:p>
+      </dgm:t>
+    </dgm:pt>
+    <dgm:pt modelId="{D0203047-3670-489B-AEEE-4D042F9D2635}" type="sibTrans" cxnId="{F9827419-875B-4992-B6DB-7039F0B93327}">
+      <dgm:prSet/>
+      <dgm:spPr/>
+      <dgm:t>
+        <a:bodyPr/>
+        <a:lstStyle/>
+        <a:p>
+          <a:endParaRPr lang="de-DE"/>
+        </a:p>
+      </dgm:t>
+    </dgm:pt>
+    <dgm:pt modelId="{2D0E4173-B873-4B5F-8340-E243B4472D6D}" type="pres">
+      <dgm:prSet presAssocID="{E6B90233-3499-4EBD-846D-F4882C32CF44}" presName="compositeShape" presStyleCnt="0">
+        <dgm:presLayoutVars>
+          <dgm:chMax val="7"/>
+          <dgm:dir/>
+          <dgm:resizeHandles val="exact"/>
+        </dgm:presLayoutVars>
+      </dgm:prSet>
+      <dgm:spPr/>
+    </dgm:pt>
+    <dgm:pt modelId="{66E3E58E-4D97-4302-A17C-EC20E70E3793}" type="pres">
+      <dgm:prSet presAssocID="{E4D0EF0E-DBA2-4531-A31C-C6930D214C84}" presName="circ1" presStyleLbl="vennNode1" presStyleIdx="0" presStyleCnt="2"/>
+      <dgm:spPr/>
+    </dgm:pt>
+    <dgm:pt modelId="{8C7BF37F-BC1E-4275-849D-5A2D4F9C3F9D}" type="pres">
+      <dgm:prSet presAssocID="{E4D0EF0E-DBA2-4531-A31C-C6930D214C84}" presName="circ1Tx" presStyleLbl="revTx" presStyleIdx="0" presStyleCnt="0">
+        <dgm:presLayoutVars>
+          <dgm:chMax val="0"/>
+          <dgm:chPref val="0"/>
+          <dgm:bulletEnabled val="1"/>
+        </dgm:presLayoutVars>
+      </dgm:prSet>
+      <dgm:spPr/>
+    </dgm:pt>
+    <dgm:pt modelId="{A1E145C4-BD38-4E1E-9C41-61BC097FBF06}" type="pres">
+      <dgm:prSet presAssocID="{077EF243-B640-473B-BB71-B7A3B8393BAE}" presName="circ2" presStyleLbl="vennNode1" presStyleIdx="1" presStyleCnt="2"/>
+      <dgm:spPr/>
+    </dgm:pt>
+    <dgm:pt modelId="{EAC5C05D-8120-4F73-A71F-02F05BA7C2FC}" type="pres">
+      <dgm:prSet presAssocID="{077EF243-B640-473B-BB71-B7A3B8393BAE}" presName="circ2Tx" presStyleLbl="revTx" presStyleIdx="0" presStyleCnt="0">
+        <dgm:presLayoutVars>
+          <dgm:chMax val="0"/>
+          <dgm:chPref val="0"/>
+          <dgm:bulletEnabled val="1"/>
+        </dgm:presLayoutVars>
+      </dgm:prSet>
+      <dgm:spPr/>
+    </dgm:pt>
+  </dgm:ptLst>
+  <dgm:cxnLst>
+    <dgm:cxn modelId="{B33D83B8-14CA-407D-B3EC-6692ABD962B1}" srcId="{E6B90233-3499-4EBD-846D-F4882C32CF44}" destId="{E4D0EF0E-DBA2-4531-A31C-C6930D214C84}" srcOrd="0" destOrd="0" parTransId="{889FCBBC-EE1A-42B9-9566-E1F5040A8482}" sibTransId="{398041D4-FF59-4E3A-9A4B-740C42FC210F}"/>
+    <dgm:cxn modelId="{182C297E-7A65-4D99-94A3-95A9A17F6F37}" type="presOf" srcId="{E4D0EF0E-DBA2-4531-A31C-C6930D214C84}" destId="{8C7BF37F-BC1E-4275-849D-5A2D4F9C3F9D}" srcOrd="1" destOrd="0" presId="urn:microsoft.com/office/officeart/2005/8/layout/venn1"/>
+    <dgm:cxn modelId="{F9827419-875B-4992-B6DB-7039F0B93327}" srcId="{E6B90233-3499-4EBD-846D-F4882C32CF44}" destId="{077EF243-B640-473B-BB71-B7A3B8393BAE}" srcOrd="1" destOrd="0" parTransId="{4C4788DA-5D99-4988-9B48-84CE93F94A46}" sibTransId="{D0203047-3670-489B-AEEE-4D042F9D2635}"/>
+    <dgm:cxn modelId="{333B35FD-8412-40C9-BA4D-66A3636BB43A}" type="presOf" srcId="{077EF243-B640-473B-BB71-B7A3B8393BAE}" destId="{A1E145C4-BD38-4E1E-9C41-61BC097FBF06}" srcOrd="0" destOrd="0" presId="urn:microsoft.com/office/officeart/2005/8/layout/venn1"/>
+    <dgm:cxn modelId="{B0DF6674-1A89-40F3-A217-035F05ED4C17}" type="presOf" srcId="{E4D0EF0E-DBA2-4531-A31C-C6930D214C84}" destId="{66E3E58E-4D97-4302-A17C-EC20E70E3793}" srcOrd="0" destOrd="0" presId="urn:microsoft.com/office/officeart/2005/8/layout/venn1"/>
+    <dgm:cxn modelId="{79080AF1-9869-4F79-A4A2-D9AF4F2C582C}" type="presOf" srcId="{E6B90233-3499-4EBD-846D-F4882C32CF44}" destId="{2D0E4173-B873-4B5F-8340-E243B4472D6D}" srcOrd="0" destOrd="0" presId="urn:microsoft.com/office/officeart/2005/8/layout/venn1"/>
+    <dgm:cxn modelId="{BC0F8567-DEDD-408D-B3B0-715512DD58F9}" type="presOf" srcId="{077EF243-B640-473B-BB71-B7A3B8393BAE}" destId="{EAC5C05D-8120-4F73-A71F-02F05BA7C2FC}" srcOrd="1" destOrd="0" presId="urn:microsoft.com/office/officeart/2005/8/layout/venn1"/>
+    <dgm:cxn modelId="{1971B7E5-2280-4990-9482-3320D2F4C247}" type="presParOf" srcId="{2D0E4173-B873-4B5F-8340-E243B4472D6D}" destId="{66E3E58E-4D97-4302-A17C-EC20E70E3793}" srcOrd="0" destOrd="0" presId="urn:microsoft.com/office/officeart/2005/8/layout/venn1"/>
+    <dgm:cxn modelId="{C84CA035-C07C-4E46-95F7-D4E0D5D0CFD2}" type="presParOf" srcId="{2D0E4173-B873-4B5F-8340-E243B4472D6D}" destId="{8C7BF37F-BC1E-4275-849D-5A2D4F9C3F9D}" srcOrd="1" destOrd="0" presId="urn:microsoft.com/office/officeart/2005/8/layout/venn1"/>
+    <dgm:cxn modelId="{FAE84917-6A7F-4FC3-86E8-1800D8BAF973}" type="presParOf" srcId="{2D0E4173-B873-4B5F-8340-E243B4472D6D}" destId="{A1E145C4-BD38-4E1E-9C41-61BC097FBF06}" srcOrd="2" destOrd="0" presId="urn:microsoft.com/office/officeart/2005/8/layout/venn1"/>
+    <dgm:cxn modelId="{75C4FFF4-1BD7-4A97-BF67-D9E9E7B59F1C}" type="presParOf" srcId="{2D0E4173-B873-4B5F-8340-E243B4472D6D}" destId="{EAC5C05D-8120-4F73-A71F-02F05BA7C2FC}" srcOrd="3" destOrd="0" presId="urn:microsoft.com/office/officeart/2005/8/layout/venn1"/>
+  </dgm:cxnLst>
+  <dgm:bg/>
+  <dgm:whole/>
+  <dgm:extLst>
+    <a:ext uri="http://schemas.microsoft.com/office/drawing/2008/diagram">
+      <dsp:dataModelExt xmlns:dsp="http://schemas.microsoft.com/office/drawing/2008/diagram" relId="rId6" minVer="http://schemas.openxmlformats.org/drawingml/2006/diagram"/>
+    </a:ext>
+  </dgm:extLst>
+</dgm:dataModel>
+</file>
+
+<file path=ppt/diagrams/data3.xml><?xml version="1.0" encoding="utf-8"?>
 <dgm:dataModel xmlns:dgm="http://schemas.openxmlformats.org/drawingml/2006/diagram" xmlns:a="http://schemas.openxmlformats.org/drawingml/2006/main">
   <dgm:ptLst>
     <dgm:pt modelId="{EEAD6A1E-9E00-40A4-8663-EE403A9C61C5}" type="doc">
@@ -2474,7 +4389,7 @@
       <dgm:prSet/>
       <dgm:spPr>
         <a:solidFill>
-          <a:srgbClr val="DF0029"/>
+          <a:schemeClr val="accent1"/>
         </a:solidFill>
       </dgm:spPr>
       <dgm:t>
@@ -2519,6 +4434,13 @@
         </dgm:presLayoutVars>
       </dgm:prSet>
       <dgm:spPr/>
+      <dgm:t>
+        <a:bodyPr/>
+        <a:lstStyle/>
+        <a:p>
+          <a:endParaRPr lang="de-DE"/>
+        </a:p>
+      </dgm:t>
     </dgm:pt>
     <dgm:pt modelId="{1590028B-441C-4AF2-A195-E7406520C2FB}" type="pres">
       <dgm:prSet presAssocID="{5BD8170D-6914-4F7C-989B-81251EF67F3B}" presName="parentText" presStyleLbl="node1" presStyleIdx="0" presStyleCnt="1">
@@ -2528,12 +4450,19 @@
         </dgm:presLayoutVars>
       </dgm:prSet>
       <dgm:spPr/>
+      <dgm:t>
+        <a:bodyPr/>
+        <a:lstStyle/>
+        <a:p>
+          <a:endParaRPr lang="de-DE"/>
+        </a:p>
+      </dgm:t>
     </dgm:pt>
   </dgm:ptLst>
   <dgm:cxnLst>
     <dgm:cxn modelId="{9075C053-94FF-4A20-B294-A8233963EAEB}" type="presOf" srcId="{EEAD6A1E-9E00-40A4-8663-EE403A9C61C5}" destId="{AB7EED68-1A8A-4F84-9EA5-E26DD249B0FC}" srcOrd="0" destOrd="0" presId="urn:microsoft.com/office/officeart/2005/8/layout/vList2"/>
+    <dgm:cxn modelId="{AFAB6BC8-9B46-4EC3-B1B9-2F447096845B}" srcId="{EEAD6A1E-9E00-40A4-8663-EE403A9C61C5}" destId="{5BD8170D-6914-4F7C-989B-81251EF67F3B}" srcOrd="0" destOrd="0" parTransId="{A91D8662-2E52-4FFB-BFB2-B2CC734DF2A0}" sibTransId="{FEE4E19A-E51A-427D-96AB-7BB792BD8A99}"/>
     <dgm:cxn modelId="{6A0D65AF-9225-498F-AC78-CBE08D155998}" type="presOf" srcId="{5BD8170D-6914-4F7C-989B-81251EF67F3B}" destId="{1590028B-441C-4AF2-A195-E7406520C2FB}" srcOrd="0" destOrd="0" presId="urn:microsoft.com/office/officeart/2005/8/layout/vList2"/>
-    <dgm:cxn modelId="{AFAB6BC8-9B46-4EC3-B1B9-2F447096845B}" srcId="{EEAD6A1E-9E00-40A4-8663-EE403A9C61C5}" destId="{5BD8170D-6914-4F7C-989B-81251EF67F3B}" srcOrd="0" destOrd="0" parTransId="{A91D8662-2E52-4FFB-BFB2-B2CC734DF2A0}" sibTransId="{FEE4E19A-E51A-427D-96AB-7BB792BD8A99}"/>
     <dgm:cxn modelId="{6748F089-D990-45C8-85CE-8A116D17BC5D}" type="presParOf" srcId="{AB7EED68-1A8A-4F84-9EA5-E26DD249B0FC}" destId="{1590028B-441C-4AF2-A195-E7406520C2FB}" srcOrd="0" destOrd="0" presId="urn:microsoft.com/office/officeart/2005/8/layout/vList2"/>
   </dgm:cxnLst>
   <dgm:bg/>
@@ -2546,7 +4475,7 @@
 </dgm:dataModel>
 </file>
 
-<file path=ppt/diagrams/data2.xml><?xml version="1.0" encoding="utf-8"?>
+<file path=ppt/diagrams/data4.xml><?xml version="1.0" encoding="utf-8"?>
 <dgm:dataModel xmlns:dgm="http://schemas.openxmlformats.org/drawingml/2006/diagram" xmlns:a="http://schemas.openxmlformats.org/drawingml/2006/main">
   <dgm:ptLst>
     <dgm:pt modelId="{52C9E91C-D27C-41D0-8467-762D3E0E7337}" type="doc">
@@ -2564,7 +4493,7 @@
       <dgm:prSet/>
       <dgm:spPr>
         <a:solidFill>
-          <a:srgbClr val="DF0029"/>
+          <a:schemeClr val="accent1"/>
         </a:solidFill>
       </dgm:spPr>
       <dgm:t>
@@ -2609,6 +4538,13 @@
         </dgm:presLayoutVars>
       </dgm:prSet>
       <dgm:spPr/>
+      <dgm:t>
+        <a:bodyPr/>
+        <a:lstStyle/>
+        <a:p>
+          <a:endParaRPr lang="de-DE"/>
+        </a:p>
+      </dgm:t>
     </dgm:pt>
     <dgm:pt modelId="{0B000412-79C1-4F4C-BD55-10878ADA0BB8}" type="pres">
       <dgm:prSet presAssocID="{963898D0-3ACE-4C7F-836F-851CC58364B7}" presName="parentText" presStyleLbl="node1" presStyleIdx="0" presStyleCnt="1" custLinFactNeighborX="-14" custLinFactNeighborY="-1534">
@@ -2618,12 +4554,19 @@
         </dgm:presLayoutVars>
       </dgm:prSet>
       <dgm:spPr/>
+      <dgm:t>
+        <a:bodyPr/>
+        <a:lstStyle/>
+        <a:p>
+          <a:endParaRPr lang="de-DE"/>
+        </a:p>
+      </dgm:t>
     </dgm:pt>
   </dgm:ptLst>
   <dgm:cxnLst>
+    <dgm:cxn modelId="{47D31DDA-ABD1-441F-AF93-1B15A40E639B}" srcId="{52C9E91C-D27C-41D0-8467-762D3E0E7337}" destId="{963898D0-3ACE-4C7F-836F-851CC58364B7}" srcOrd="0" destOrd="0" parTransId="{5FE8966D-A173-4AE0-AFB5-3BE653DF7699}" sibTransId="{43BD4552-44CA-46E5-B318-AE54330BC5DD}"/>
+    <dgm:cxn modelId="{5EB2E771-0368-46C8-91E2-49B72FEDCADC}" type="presOf" srcId="{963898D0-3ACE-4C7F-836F-851CC58364B7}" destId="{0B000412-79C1-4F4C-BD55-10878ADA0BB8}" srcOrd="0" destOrd="0" presId="urn:microsoft.com/office/officeart/2005/8/layout/vList2"/>
     <dgm:cxn modelId="{A1083C4E-5642-4E2D-8689-B28F986ABAC6}" type="presOf" srcId="{52C9E91C-D27C-41D0-8467-762D3E0E7337}" destId="{F1B56AF7-8638-4007-BA3C-03D5B8C7FCB3}" srcOrd="0" destOrd="0" presId="urn:microsoft.com/office/officeart/2005/8/layout/vList2"/>
-    <dgm:cxn modelId="{5EB2E771-0368-46C8-91E2-49B72FEDCADC}" type="presOf" srcId="{963898D0-3ACE-4C7F-836F-851CC58364B7}" destId="{0B000412-79C1-4F4C-BD55-10878ADA0BB8}" srcOrd="0" destOrd="0" presId="urn:microsoft.com/office/officeart/2005/8/layout/vList2"/>
-    <dgm:cxn modelId="{47D31DDA-ABD1-441F-AF93-1B15A40E639B}" srcId="{52C9E91C-D27C-41D0-8467-762D3E0E7337}" destId="{963898D0-3ACE-4C7F-836F-851CC58364B7}" srcOrd="0" destOrd="0" parTransId="{5FE8966D-A173-4AE0-AFB5-3BE653DF7699}" sibTransId="{43BD4552-44CA-46E5-B318-AE54330BC5DD}"/>
     <dgm:cxn modelId="{0895ABEF-F194-4261-AD32-9F9F28D13A8A}" type="presParOf" srcId="{F1B56AF7-8638-4007-BA3C-03D5B8C7FCB3}" destId="{0B000412-79C1-4F4C-BD55-10878ADA0BB8}" srcOrd="0" destOrd="0" presId="urn:microsoft.com/office/officeart/2005/8/layout/vList2"/>
   </dgm:cxnLst>
   <dgm:bg/>
@@ -2636,11 +4579,11 @@
 </dgm:dataModel>
 </file>
 
-<file path=ppt/diagrams/data3.xml><?xml version="1.0" encoding="utf-8"?>
+<file path=ppt/diagrams/data5.xml><?xml version="1.0" encoding="utf-8"?>
 <dgm:dataModel xmlns:dgm="http://schemas.openxmlformats.org/drawingml/2006/diagram" xmlns:a="http://schemas.openxmlformats.org/drawingml/2006/main">
   <dgm:ptLst>
-    <dgm:pt modelId="{16D8EAA5-0DCB-4515-B13B-59F827508A41}" type="doc">
-      <dgm:prSet loTypeId="urn:microsoft.com/office/officeart/2005/8/layout/vList2" loCatId="list" qsTypeId="urn:microsoft.com/office/officeart/2005/8/quickstyle/simple4" qsCatId="simple" csTypeId="urn:microsoft.com/office/officeart/2005/8/colors/accent1_2" csCatId="accent1"/>
+    <dgm:pt modelId="{D700E2CC-C059-48A4-A92A-97206BD35C12}" type="doc">
+      <dgm:prSet loTypeId="urn:microsoft.com/office/officeart/2005/8/layout/process1" loCatId="process" qsTypeId="urn:microsoft.com/office/officeart/2005/8/quickstyle/simple1" qsCatId="simple" csTypeId="urn:microsoft.com/office/officeart/2005/8/colors/accent1_2" csCatId="accent1" phldr="1"/>
       <dgm:spPr/>
       <dgm:t>
         <a:bodyPr/>
@@ -2650,22 +4593,35 @@
         </a:p>
       </dgm:t>
     </dgm:pt>
-    <dgm:pt modelId="{541124D5-40DE-495A-A0E2-C71EA2498701}">
+    <dgm:pt modelId="{891E7587-B95F-43CA-8B7A-A78160674248}">
       <dgm:prSet/>
-      <dgm:spPr/>
+      <dgm:spPr>
+        <a:solidFill>
+          <a:schemeClr val="bg1"/>
+        </a:solidFill>
+      </dgm:spPr>
       <dgm:t>
         <a:bodyPr/>
         <a:lstStyle/>
         <a:p>
+          <a:pPr rtl="0"/>
           <a:r>
-            <a:rPr lang="de-DE" b="0" i="0" baseline="0" dirty="0"/>
-            <a:t>Communication Studio</a:t>
+            <a:rPr lang="de-DE" b="1" dirty="0" smtClean="0">
+              <a:solidFill>
+                <a:schemeClr val="tx1"/>
+              </a:solidFill>
+            </a:rPr>
+            <a:t>Topology-Editor</a:t>
           </a:r>
-          <a:endParaRPr lang="de-DE" dirty="0"/>
+          <a:endParaRPr lang="en-US" b="1" dirty="0">
+            <a:solidFill>
+              <a:schemeClr val="tx1"/>
+            </a:solidFill>
+          </a:endParaRPr>
         </a:p>
       </dgm:t>
     </dgm:pt>
-    <dgm:pt modelId="{8B9C5049-87B1-4213-8C95-D548AEFA091D}" type="parTrans" cxnId="{3B0A5D4B-2F49-4A4D-BA3C-EDB2E51B8A6C}">
+    <dgm:pt modelId="{6EA0F944-A592-4ED5-8FC1-C23887607141}" type="parTrans" cxnId="{9C2C766E-5607-43BF-B1C4-C443F14FD6C0}">
       <dgm:prSet/>
       <dgm:spPr/>
       <dgm:t>
@@ -2676,7 +4632,7 @@
         </a:p>
       </dgm:t>
     </dgm:pt>
-    <dgm:pt modelId="{44A08B62-0ED8-4584-9650-22AA93B130C9}" type="sibTrans" cxnId="{3B0A5D4B-2F49-4A4D-BA3C-EDB2E51B8A6C}">
+    <dgm:pt modelId="{DBC6AAB9-8523-48A8-B1A3-965A3102C300}" type="sibTrans" cxnId="{9C2C766E-5607-43BF-B1C4-C443F14FD6C0}">
       <dgm:prSet/>
       <dgm:spPr/>
       <dgm:t>
@@ -2687,19 +4643,18 @@
         </a:p>
       </dgm:t>
     </dgm:pt>
-    <dgm:pt modelId="{8F333D2C-2879-4BAD-AE79-9DA00B98AF38}" type="pres">
-      <dgm:prSet presAssocID="{16D8EAA5-0DCB-4515-B13B-59F827508A41}" presName="linear" presStyleCnt="0">
+    <dgm:pt modelId="{4C505FCB-294A-4422-927C-C31A3E829151}" type="pres">
+      <dgm:prSet presAssocID="{D700E2CC-C059-48A4-A92A-97206BD35C12}" presName="Name0" presStyleCnt="0">
         <dgm:presLayoutVars>
-          <dgm:animLvl val="lvl"/>
+          <dgm:dir/>
           <dgm:resizeHandles val="exact"/>
         </dgm:presLayoutVars>
       </dgm:prSet>
       <dgm:spPr/>
     </dgm:pt>
-    <dgm:pt modelId="{11C58429-55DB-4FD2-B263-22D5BE536663}" type="pres">
-      <dgm:prSet presAssocID="{541124D5-40DE-495A-A0E2-C71EA2498701}" presName="parentText" presStyleLbl="node1" presStyleIdx="0" presStyleCnt="1">
+    <dgm:pt modelId="{404492EB-C4A1-4A53-8395-FFFABFA0E2B2}" type="pres">
+      <dgm:prSet presAssocID="{891E7587-B95F-43CA-8B7A-A78160674248}" presName="node" presStyleLbl="node1" presStyleIdx="0" presStyleCnt="1">
         <dgm:presLayoutVars>
-          <dgm:chMax val="0"/>
           <dgm:bulletEnabled val="1"/>
         </dgm:presLayoutVars>
       </dgm:prSet>
@@ -2707,10 +4662,10 @@
     </dgm:pt>
   </dgm:ptLst>
   <dgm:cxnLst>
-    <dgm:cxn modelId="{D09E8D0F-F39C-48DD-BBCF-46721D7443BA}" type="presOf" srcId="{541124D5-40DE-495A-A0E2-C71EA2498701}" destId="{11C58429-55DB-4FD2-B263-22D5BE536663}" srcOrd="0" destOrd="0" presId="urn:microsoft.com/office/officeart/2005/8/layout/vList2"/>
-    <dgm:cxn modelId="{3B0A5D4B-2F49-4A4D-BA3C-EDB2E51B8A6C}" srcId="{16D8EAA5-0DCB-4515-B13B-59F827508A41}" destId="{541124D5-40DE-495A-A0E2-C71EA2498701}" srcOrd="0" destOrd="0" parTransId="{8B9C5049-87B1-4213-8C95-D548AEFA091D}" sibTransId="{44A08B62-0ED8-4584-9650-22AA93B130C9}"/>
-    <dgm:cxn modelId="{171841E2-D9AA-461D-9974-C6438338D18F}" type="presOf" srcId="{16D8EAA5-0DCB-4515-B13B-59F827508A41}" destId="{8F333D2C-2879-4BAD-AE79-9DA00B98AF38}" srcOrd="0" destOrd="0" presId="urn:microsoft.com/office/officeart/2005/8/layout/vList2"/>
-    <dgm:cxn modelId="{ADEBA10F-4B7E-4AC2-95B2-3CDE39FD4778}" type="presParOf" srcId="{8F333D2C-2879-4BAD-AE79-9DA00B98AF38}" destId="{11C58429-55DB-4FD2-B263-22D5BE536663}" srcOrd="0" destOrd="0" presId="urn:microsoft.com/office/officeart/2005/8/layout/vList2"/>
+    <dgm:cxn modelId="{9C2C766E-5607-43BF-B1C4-C443F14FD6C0}" srcId="{D700E2CC-C059-48A4-A92A-97206BD35C12}" destId="{891E7587-B95F-43CA-8B7A-A78160674248}" srcOrd="0" destOrd="0" parTransId="{6EA0F944-A592-4ED5-8FC1-C23887607141}" sibTransId="{DBC6AAB9-8523-48A8-B1A3-965A3102C300}"/>
+    <dgm:cxn modelId="{4421C72F-BB6D-4F26-8F1B-B78D78F1D1EB}" type="presOf" srcId="{891E7587-B95F-43CA-8B7A-A78160674248}" destId="{404492EB-C4A1-4A53-8395-FFFABFA0E2B2}" srcOrd="0" destOrd="0" presId="urn:microsoft.com/office/officeart/2005/8/layout/process1"/>
+    <dgm:cxn modelId="{619EDF3A-255B-466F-9718-3A59BD7AA32A}" type="presOf" srcId="{D700E2CC-C059-48A4-A92A-97206BD35C12}" destId="{4C505FCB-294A-4422-927C-C31A3E829151}" srcOrd="0" destOrd="0" presId="urn:microsoft.com/office/officeart/2005/8/layout/process1"/>
+    <dgm:cxn modelId="{B39DD29B-F02F-48A3-8C55-28342BEE672B}" type="presParOf" srcId="{4C505FCB-294A-4422-927C-C31A3E829151}" destId="{404492EB-C4A1-4A53-8395-FFFABFA0E2B2}" srcOrd="0" destOrd="0" presId="urn:microsoft.com/office/officeart/2005/8/layout/process1"/>
   </dgm:cxnLst>
   <dgm:bg/>
   <dgm:whole/>
@@ -2723,6 +4678,504 @@
 </file>
 
 <file path=ppt/diagrams/drawing1.xml><?xml version="1.0" encoding="utf-8"?>
+<dsp:drawing xmlns:dgm="http://schemas.openxmlformats.org/drawingml/2006/diagram" xmlns:dsp="http://schemas.microsoft.com/office/drawing/2008/diagram" xmlns:a="http://schemas.openxmlformats.org/drawingml/2006/main">
+  <dsp:spTree>
+    <dsp:nvGrpSpPr>
+      <dsp:cNvPr id="0" name=""/>
+      <dsp:cNvGrpSpPr/>
+    </dsp:nvGrpSpPr>
+    <dsp:grpSpPr/>
+    <dsp:sp modelId="{E3B93B31-32D8-4416-A261-5CA14FC031FD}">
+      <dsp:nvSpPr>
+        <dsp:cNvPr id="0" name=""/>
+        <dsp:cNvSpPr/>
+      </dsp:nvSpPr>
+      <dsp:spPr>
+        <a:xfrm>
+          <a:off x="460905" y="1047"/>
+          <a:ext cx="3479899" cy="2087939"/>
+        </a:xfrm>
+        <a:prstGeom prst="roundRect">
+          <a:avLst/>
+        </a:prstGeom>
+        <a:solidFill>
+          <a:schemeClr val="accent1">
+            <a:hueOff val="0"/>
+            <a:satOff val="0"/>
+            <a:lumOff val="0"/>
+            <a:alphaOff val="0"/>
+          </a:schemeClr>
+        </a:solidFill>
+        <a:ln w="12700" cap="flat" cmpd="sng" algn="ctr">
+          <a:solidFill>
+            <a:schemeClr val="lt1">
+              <a:hueOff val="0"/>
+              <a:satOff val="0"/>
+              <a:lumOff val="0"/>
+              <a:alphaOff val="0"/>
+            </a:schemeClr>
+          </a:solidFill>
+          <a:prstDash val="solid"/>
+          <a:miter lim="800000"/>
+        </a:ln>
+        <a:effectLst/>
+      </dsp:spPr>
+      <dsp:style>
+        <a:lnRef idx="2">
+          <a:scrgbClr r="0" g="0" b="0"/>
+        </a:lnRef>
+        <a:fillRef idx="1">
+          <a:scrgbClr r="0" g="0" b="0"/>
+        </a:fillRef>
+        <a:effectRef idx="0">
+          <a:scrgbClr r="0" g="0" b="0"/>
+        </a:effectRef>
+        <a:fontRef idx="minor">
+          <a:schemeClr val="lt1"/>
+        </a:fontRef>
+      </dsp:style>
+      <dsp:txBody>
+        <a:bodyPr spcFirstLastPara="0" vert="horz" wrap="square" lIns="110490" tIns="110490" rIns="110490" bIns="110490" numCol="1" spcCol="1270" anchor="ctr" anchorCtr="0">
+          <a:noAutofit/>
+        </a:bodyPr>
+        <a:lstStyle/>
+        <a:p>
+          <a:pPr lvl="0" algn="ctr" defTabSz="1289050" rtl="0">
+            <a:lnSpc>
+              <a:spcPct val="90000"/>
+            </a:lnSpc>
+            <a:spcBef>
+              <a:spcPct val="0"/>
+            </a:spcBef>
+            <a:spcAft>
+              <a:spcPct val="35000"/>
+            </a:spcAft>
+          </a:pPr>
+          <a:r>
+            <a:rPr lang="de-DE" sz="2900" kern="1200" dirty="0" err="1" smtClean="0"/>
+            <a:t>Protokollneutraller</a:t>
+          </a:r>
+          <a:r>
+            <a:rPr lang="de-DE" sz="2900" kern="1200" dirty="0" smtClean="0"/>
+            <a:t> Einsatz</a:t>
+          </a:r>
+          <a:endParaRPr lang="en-US" sz="2900" kern="1200" dirty="0"/>
+        </a:p>
+      </dsp:txBody>
+      <dsp:txXfrm>
+        <a:off x="562830" y="102972"/>
+        <a:ext cx="3276049" cy="1884089"/>
+      </dsp:txXfrm>
+    </dsp:sp>
+    <dsp:sp modelId="{16FD48F7-713A-4886-A2F9-3EC26972A198}">
+      <dsp:nvSpPr>
+        <dsp:cNvPr id="0" name=""/>
+        <dsp:cNvSpPr/>
+      </dsp:nvSpPr>
+      <dsp:spPr>
+        <a:xfrm>
+          <a:off x="4288794" y="1047"/>
+          <a:ext cx="3479899" cy="2087939"/>
+        </a:xfrm>
+        <a:prstGeom prst="roundRect">
+          <a:avLst/>
+        </a:prstGeom>
+        <a:solidFill>
+          <a:schemeClr val="accent1">
+            <a:hueOff val="0"/>
+            <a:satOff val="0"/>
+            <a:lumOff val="0"/>
+            <a:alphaOff val="0"/>
+          </a:schemeClr>
+        </a:solidFill>
+        <a:ln w="12700" cap="flat" cmpd="sng" algn="ctr">
+          <a:solidFill>
+            <a:schemeClr val="lt1">
+              <a:hueOff val="0"/>
+              <a:satOff val="0"/>
+              <a:lumOff val="0"/>
+              <a:alphaOff val="0"/>
+            </a:schemeClr>
+          </a:solidFill>
+          <a:prstDash val="solid"/>
+          <a:miter lim="800000"/>
+        </a:ln>
+        <a:effectLst/>
+      </dsp:spPr>
+      <dsp:style>
+        <a:lnRef idx="2">
+          <a:scrgbClr r="0" g="0" b="0"/>
+        </a:lnRef>
+        <a:fillRef idx="1">
+          <a:scrgbClr r="0" g="0" b="0"/>
+        </a:fillRef>
+        <a:effectRef idx="0">
+          <a:scrgbClr r="0" g="0" b="0"/>
+        </a:effectRef>
+        <a:fontRef idx="minor">
+          <a:schemeClr val="lt1"/>
+        </a:fontRef>
+      </dsp:style>
+      <dsp:txBody>
+        <a:bodyPr spcFirstLastPara="0" vert="horz" wrap="square" lIns="110490" tIns="110490" rIns="110490" bIns="110490" numCol="1" spcCol="1270" anchor="ctr" anchorCtr="0">
+          <a:noAutofit/>
+        </a:bodyPr>
+        <a:lstStyle/>
+        <a:p>
+          <a:pPr lvl="0" algn="ctr" defTabSz="1289050" rtl="0">
+            <a:lnSpc>
+              <a:spcPct val="90000"/>
+            </a:lnSpc>
+            <a:spcBef>
+              <a:spcPct val="0"/>
+            </a:spcBef>
+            <a:spcAft>
+              <a:spcPct val="35000"/>
+            </a:spcAft>
+          </a:pPr>
+          <a:r>
+            <a:rPr lang="de-DE" sz="2900" kern="1200" dirty="0" err="1" smtClean="0"/>
+            <a:t>Pluggable</a:t>
+          </a:r>
+          <a:endParaRPr lang="en-US" sz="2900" kern="1200" dirty="0"/>
+        </a:p>
+      </dsp:txBody>
+      <dsp:txXfrm>
+        <a:off x="4390719" y="102972"/>
+        <a:ext cx="3276049" cy="1884089"/>
+      </dsp:txXfrm>
+    </dsp:sp>
+    <dsp:sp modelId="{773ECFB5-00D3-479A-A6EE-EFEEE6AAFC91}">
+      <dsp:nvSpPr>
+        <dsp:cNvPr id="0" name=""/>
+        <dsp:cNvSpPr/>
+      </dsp:nvSpPr>
+      <dsp:spPr>
+        <a:xfrm>
+          <a:off x="460905" y="2436976"/>
+          <a:ext cx="3479899" cy="2087939"/>
+        </a:xfrm>
+        <a:prstGeom prst="roundRect">
+          <a:avLst/>
+        </a:prstGeom>
+        <a:solidFill>
+          <a:schemeClr val="accent1">
+            <a:hueOff val="0"/>
+            <a:satOff val="0"/>
+            <a:lumOff val="0"/>
+            <a:alphaOff val="0"/>
+          </a:schemeClr>
+        </a:solidFill>
+        <a:ln w="12700" cap="flat" cmpd="sng" algn="ctr">
+          <a:solidFill>
+            <a:schemeClr val="lt1">
+              <a:hueOff val="0"/>
+              <a:satOff val="0"/>
+              <a:lumOff val="0"/>
+              <a:alphaOff val="0"/>
+            </a:schemeClr>
+          </a:solidFill>
+          <a:prstDash val="solid"/>
+          <a:miter lim="800000"/>
+        </a:ln>
+        <a:effectLst/>
+      </dsp:spPr>
+      <dsp:style>
+        <a:lnRef idx="2">
+          <a:scrgbClr r="0" g="0" b="0"/>
+        </a:lnRef>
+        <a:fillRef idx="1">
+          <a:scrgbClr r="0" g="0" b="0"/>
+        </a:fillRef>
+        <a:effectRef idx="0">
+          <a:scrgbClr r="0" g="0" b="0"/>
+        </a:effectRef>
+        <a:fontRef idx="minor">
+          <a:schemeClr val="lt1"/>
+        </a:fontRef>
+      </dsp:style>
+      <dsp:txBody>
+        <a:bodyPr spcFirstLastPara="0" vert="horz" wrap="square" lIns="110490" tIns="110490" rIns="110490" bIns="110490" numCol="1" spcCol="1270" anchor="ctr" anchorCtr="0">
+          <a:noAutofit/>
+        </a:bodyPr>
+        <a:lstStyle/>
+        <a:p>
+          <a:pPr lvl="0" algn="ctr" defTabSz="1289050" rtl="0">
+            <a:lnSpc>
+              <a:spcPct val="90000"/>
+            </a:lnSpc>
+            <a:spcBef>
+              <a:spcPct val="0"/>
+            </a:spcBef>
+            <a:spcAft>
+              <a:spcPct val="35000"/>
+            </a:spcAft>
+          </a:pPr>
+          <a:r>
+            <a:rPr lang="de-DE" sz="2900" kern="1200" smtClean="0"/>
+            <a:t>Übersichlichkeit</a:t>
+          </a:r>
+          <a:endParaRPr lang="en-US" sz="2900" kern="1200"/>
+        </a:p>
+      </dsp:txBody>
+      <dsp:txXfrm>
+        <a:off x="562830" y="2538901"/>
+        <a:ext cx="3276049" cy="1884089"/>
+      </dsp:txXfrm>
+    </dsp:sp>
+    <dsp:sp modelId="{DACF08B4-CC41-4B4C-8B10-6FC93923333B}">
+      <dsp:nvSpPr>
+        <dsp:cNvPr id="0" name=""/>
+        <dsp:cNvSpPr/>
+      </dsp:nvSpPr>
+      <dsp:spPr>
+        <a:xfrm>
+          <a:off x="4288794" y="2436976"/>
+          <a:ext cx="3479899" cy="2087939"/>
+        </a:xfrm>
+        <a:prstGeom prst="roundRect">
+          <a:avLst/>
+        </a:prstGeom>
+        <a:solidFill>
+          <a:schemeClr val="accent1">
+            <a:hueOff val="0"/>
+            <a:satOff val="0"/>
+            <a:lumOff val="0"/>
+            <a:alphaOff val="0"/>
+          </a:schemeClr>
+        </a:solidFill>
+        <a:ln w="12700" cap="flat" cmpd="sng" algn="ctr">
+          <a:solidFill>
+            <a:schemeClr val="lt1">
+              <a:hueOff val="0"/>
+              <a:satOff val="0"/>
+              <a:lumOff val="0"/>
+              <a:alphaOff val="0"/>
+            </a:schemeClr>
+          </a:solidFill>
+          <a:prstDash val="solid"/>
+          <a:miter lim="800000"/>
+        </a:ln>
+        <a:effectLst/>
+      </dsp:spPr>
+      <dsp:style>
+        <a:lnRef idx="2">
+          <a:scrgbClr r="0" g="0" b="0"/>
+        </a:lnRef>
+        <a:fillRef idx="1">
+          <a:scrgbClr r="0" g="0" b="0"/>
+        </a:fillRef>
+        <a:effectRef idx="0">
+          <a:scrgbClr r="0" g="0" b="0"/>
+        </a:effectRef>
+        <a:fontRef idx="minor">
+          <a:schemeClr val="lt1"/>
+        </a:fontRef>
+      </dsp:style>
+      <dsp:txBody>
+        <a:bodyPr spcFirstLastPara="0" vert="horz" wrap="square" lIns="110490" tIns="110490" rIns="110490" bIns="110490" numCol="1" spcCol="1270" anchor="ctr" anchorCtr="0">
+          <a:noAutofit/>
+        </a:bodyPr>
+        <a:lstStyle/>
+        <a:p>
+          <a:pPr lvl="0" algn="ctr" defTabSz="1289050" rtl="0">
+            <a:lnSpc>
+              <a:spcPct val="90000"/>
+            </a:lnSpc>
+            <a:spcBef>
+              <a:spcPct val="0"/>
+            </a:spcBef>
+            <a:spcAft>
+              <a:spcPct val="35000"/>
+            </a:spcAft>
+          </a:pPr>
+          <a:r>
+            <a:rPr lang="de-DE" sz="2900" kern="1200" smtClean="0"/>
+            <a:t>Dokumentation </a:t>
+          </a:r>
+          <a:endParaRPr lang="en-US" sz="2900" kern="1200"/>
+        </a:p>
+      </dsp:txBody>
+      <dsp:txXfrm>
+        <a:off x="4390719" y="2538901"/>
+        <a:ext cx="3276049" cy="1884089"/>
+      </dsp:txXfrm>
+    </dsp:sp>
+  </dsp:spTree>
+</dsp:drawing>
+</file>
+
+<file path=ppt/diagrams/drawing2.xml><?xml version="1.0" encoding="utf-8"?>
+<dsp:drawing xmlns:dgm="http://schemas.openxmlformats.org/drawingml/2006/diagram" xmlns:dsp="http://schemas.microsoft.com/office/drawing/2008/diagram" xmlns:a="http://schemas.openxmlformats.org/drawingml/2006/main">
+  <dsp:spTree>
+    <dsp:nvGrpSpPr>
+      <dsp:cNvPr id="0" name=""/>
+      <dsp:cNvGrpSpPr/>
+    </dsp:nvGrpSpPr>
+    <dsp:grpSpPr/>
+    <dsp:sp modelId="{66E3E58E-4D97-4302-A17C-EC20E70E3793}">
+      <dsp:nvSpPr>
+        <dsp:cNvPr id="0" name=""/>
+        <dsp:cNvSpPr/>
+      </dsp:nvSpPr>
+      <dsp:spPr>
+        <a:xfrm>
+          <a:off x="1296234" y="6659"/>
+          <a:ext cx="2435021" cy="2435021"/>
+        </a:xfrm>
+        <a:prstGeom prst="ellipse">
+          <a:avLst/>
+        </a:prstGeom>
+        <a:solidFill>
+          <a:schemeClr val="accent1">
+            <a:alpha val="50000"/>
+            <a:hueOff val="0"/>
+            <a:satOff val="0"/>
+            <a:lumOff val="0"/>
+            <a:alphaOff val="0"/>
+          </a:schemeClr>
+        </a:solidFill>
+        <a:ln w="12700" cap="flat" cmpd="sng" algn="ctr">
+          <a:solidFill>
+            <a:schemeClr val="lt1">
+              <a:hueOff val="0"/>
+              <a:satOff val="0"/>
+              <a:lumOff val="0"/>
+              <a:alphaOff val="0"/>
+            </a:schemeClr>
+          </a:solidFill>
+          <a:prstDash val="solid"/>
+          <a:miter lim="800000"/>
+        </a:ln>
+        <a:effectLst/>
+      </dsp:spPr>
+      <dsp:style>
+        <a:lnRef idx="2">
+          <a:scrgbClr r="0" g="0" b="0"/>
+        </a:lnRef>
+        <a:fillRef idx="1">
+          <a:scrgbClr r="0" g="0" b="0"/>
+        </a:fillRef>
+        <a:effectRef idx="0">
+          <a:scrgbClr r="0" g="0" b="0"/>
+        </a:effectRef>
+        <a:fontRef idx="minor">
+          <a:schemeClr val="tx1"/>
+        </a:fontRef>
+      </dsp:style>
+      <dsp:txBody>
+        <a:bodyPr spcFirstLastPara="0" vert="horz" wrap="square" lIns="0" tIns="0" rIns="0" bIns="0" numCol="1" spcCol="1270" anchor="ctr" anchorCtr="0">
+          <a:noAutofit/>
+        </a:bodyPr>
+        <a:lstStyle/>
+        <a:p>
+          <a:pPr lvl="0" algn="ctr" defTabSz="622300" rtl="0">
+            <a:lnSpc>
+              <a:spcPct val="90000"/>
+            </a:lnSpc>
+            <a:spcBef>
+              <a:spcPct val="0"/>
+            </a:spcBef>
+            <a:spcAft>
+              <a:spcPct val="35000"/>
+            </a:spcAft>
+          </a:pPr>
+          <a:r>
+            <a:rPr lang="de-DE" sz="1400" b="1" kern="1200" dirty="0" smtClean="0"/>
+            <a:t>TE-Produkt</a:t>
+          </a:r>
+          <a:endParaRPr lang="en-US" sz="1400" b="1" kern="1200" dirty="0"/>
+        </a:p>
+      </dsp:txBody>
+      <dsp:txXfrm>
+        <a:off x="1636260" y="293800"/>
+        <a:ext cx="1403976" cy="1860738"/>
+      </dsp:txXfrm>
+    </dsp:sp>
+    <dsp:sp modelId="{A1E145C4-BD38-4E1E-9C41-61BC097FBF06}">
+      <dsp:nvSpPr>
+        <dsp:cNvPr id="0" name=""/>
+        <dsp:cNvSpPr/>
+      </dsp:nvSpPr>
+      <dsp:spPr>
+        <a:xfrm>
+          <a:off x="3051205" y="6659"/>
+          <a:ext cx="2435021" cy="2435021"/>
+        </a:xfrm>
+        <a:prstGeom prst="ellipse">
+          <a:avLst/>
+        </a:prstGeom>
+        <a:solidFill>
+          <a:schemeClr val="accent1">
+            <a:alpha val="50000"/>
+            <a:hueOff val="0"/>
+            <a:satOff val="0"/>
+            <a:lumOff val="0"/>
+            <a:alphaOff val="0"/>
+          </a:schemeClr>
+        </a:solidFill>
+        <a:ln w="12700" cap="flat" cmpd="sng" algn="ctr">
+          <a:solidFill>
+            <a:schemeClr val="lt1">
+              <a:hueOff val="0"/>
+              <a:satOff val="0"/>
+              <a:lumOff val="0"/>
+              <a:alphaOff val="0"/>
+            </a:schemeClr>
+          </a:solidFill>
+          <a:prstDash val="solid"/>
+          <a:miter lim="800000"/>
+        </a:ln>
+        <a:effectLst/>
+      </dsp:spPr>
+      <dsp:style>
+        <a:lnRef idx="2">
+          <a:scrgbClr r="0" g="0" b="0"/>
+        </a:lnRef>
+        <a:fillRef idx="1">
+          <a:scrgbClr r="0" g="0" b="0"/>
+        </a:fillRef>
+        <a:effectRef idx="0">
+          <a:scrgbClr r="0" g="0" b="0"/>
+        </a:effectRef>
+        <a:fontRef idx="minor">
+          <a:schemeClr val="tx1"/>
+        </a:fontRef>
+      </dsp:style>
+      <dsp:txBody>
+        <a:bodyPr spcFirstLastPara="0" vert="horz" wrap="square" lIns="0" tIns="0" rIns="0" bIns="0" numCol="1" spcCol="1270" anchor="ctr" anchorCtr="0">
+          <a:noAutofit/>
+        </a:bodyPr>
+        <a:lstStyle/>
+        <a:p>
+          <a:pPr lvl="0" algn="ctr" defTabSz="622300" rtl="0">
+            <a:lnSpc>
+              <a:spcPct val="90000"/>
+            </a:lnSpc>
+            <a:spcBef>
+              <a:spcPct val="0"/>
+            </a:spcBef>
+            <a:spcAft>
+              <a:spcPct val="35000"/>
+            </a:spcAft>
+          </a:pPr>
+          <a:r>
+            <a:rPr lang="de-DE" sz="1400" b="1" kern="1200" dirty="0" smtClean="0"/>
+            <a:t>TE-Dokumentation</a:t>
+          </a:r>
+          <a:endParaRPr lang="en-US" sz="1400" b="1" kern="1200" dirty="0"/>
+        </a:p>
+      </dsp:txBody>
+      <dsp:txXfrm>
+        <a:off x="3742224" y="293800"/>
+        <a:ext cx="1403976" cy="1860738"/>
+      </dsp:txXfrm>
+    </dsp:sp>
+  </dsp:spTree>
+</dsp:drawing>
+</file>
+
+<file path=ppt/diagrams/drawing3.xml><?xml version="1.0" encoding="utf-8"?>
 <dsp:drawing xmlns:dgm="http://schemas.openxmlformats.org/drawingml/2006/diagram" xmlns:dsp="http://schemas.microsoft.com/office/drawing/2008/diagram" xmlns:a="http://schemas.openxmlformats.org/drawingml/2006/main">
   <dsp:spTree>
     <dsp:nvGrpSpPr>
@@ -2744,7 +5197,7 @@
           <a:avLst/>
         </a:prstGeom>
         <a:solidFill>
-          <a:srgbClr val="DF0029"/>
+          <a:schemeClr val="accent1"/>
         </a:solidFill>
         <a:ln w="12700" cap="flat" cmpd="sng" algn="ctr">
           <a:solidFill>
@@ -2780,7 +5233,7 @@
         </a:bodyPr>
         <a:lstStyle/>
         <a:p>
-          <a:pPr marL="0" lvl="0" indent="0" algn="l" defTabSz="1644650">
+          <a:pPr lvl="0" algn="l" defTabSz="1644650">
             <a:lnSpc>
               <a:spcPct val="90000"/>
             </a:lnSpc>
@@ -2790,7 +5243,6 @@
             <a:spcAft>
               <a:spcPct val="35000"/>
             </a:spcAft>
-            <a:buNone/>
           </a:pPr>
           <a:r>
             <a:rPr lang="de-DE" sz="3700" i="0" kern="1200" baseline="0" dirty="0"/>
@@ -2808,7 +5260,7 @@
 </dsp:drawing>
 </file>
 
-<file path=ppt/diagrams/drawing2.xml><?xml version="1.0" encoding="utf-8"?>
+<file path=ppt/diagrams/drawing4.xml><?xml version="1.0" encoding="utf-8"?>
 <dsp:drawing xmlns:dgm="http://schemas.openxmlformats.org/drawingml/2006/diagram" xmlns:dsp="http://schemas.microsoft.com/office/drawing/2008/diagram" xmlns:a="http://schemas.openxmlformats.org/drawingml/2006/main">
   <dsp:spTree>
     <dsp:nvGrpSpPr>
@@ -2830,7 +5282,7 @@
           <a:avLst/>
         </a:prstGeom>
         <a:solidFill>
-          <a:srgbClr val="DF0029"/>
+          <a:schemeClr val="accent1"/>
         </a:solidFill>
         <a:ln w="12700" cap="flat" cmpd="sng" algn="ctr">
           <a:solidFill>
@@ -2866,7 +5318,7 @@
         </a:bodyPr>
         <a:lstStyle/>
         <a:p>
-          <a:pPr marL="0" lvl="0" indent="0" algn="l" defTabSz="1644650">
+          <a:pPr lvl="0" algn="l" defTabSz="1644650">
             <a:lnSpc>
               <a:spcPct val="90000"/>
             </a:lnSpc>
@@ -2876,7 +5328,6 @@
             <a:spcAft>
               <a:spcPct val="35000"/>
             </a:spcAft>
-            <a:buNone/>
           </a:pPr>
           <a:r>
             <a:rPr lang="de-DE" sz="3700" i="0" kern="1200" baseline="0" dirty="0"/>
@@ -2894,7 +5345,7 @@
 </dsp:drawing>
 </file>
 
-<file path=ppt/diagrams/drawing3.xml><?xml version="1.0" encoding="utf-8"?>
+<file path=ppt/diagrams/drawing5.xml><?xml version="1.0" encoding="utf-8"?>
 <dsp:drawing xmlns:dgm="http://schemas.openxmlformats.org/drawingml/2006/diagram" xmlns:dsp="http://schemas.microsoft.com/office/drawing/2008/diagram" xmlns:a="http://schemas.openxmlformats.org/drawingml/2006/main">
   <dsp:spTree>
     <dsp:nvGrpSpPr>
@@ -2902,70 +5353,46 @@
       <dsp:cNvGrpSpPr/>
     </dsp:nvGrpSpPr>
     <dsp:grpSpPr/>
-    <dsp:sp modelId="{11C58429-55DB-4FD2-B263-22D5BE536663}">
+    <dsp:sp modelId="{404492EB-C4A1-4A53-8395-FFFABFA0E2B2}">
       <dsp:nvSpPr>
         <dsp:cNvPr id="0" name=""/>
         <dsp:cNvSpPr/>
       </dsp:nvSpPr>
       <dsp:spPr>
         <a:xfrm>
-          <a:off x="0" y="323580"/>
-          <a:ext cx="2808390" cy="1081080"/>
+          <a:off x="1125" y="0"/>
+          <a:ext cx="2302069" cy="432060"/>
         </a:xfrm>
         <a:prstGeom prst="roundRect">
-          <a:avLst/>
+          <a:avLst>
+            <a:gd name="adj" fmla="val 10000"/>
+          </a:avLst>
         </a:prstGeom>
-        <a:gradFill rotWithShape="0">
-          <a:gsLst>
-            <a:gs pos="0">
-              <a:schemeClr val="accent1">
-                <a:hueOff val="0"/>
-                <a:satOff val="0"/>
-                <a:lumOff val="0"/>
-                <a:alphaOff val="0"/>
-                <a:satMod val="103000"/>
-                <a:lumMod val="102000"/>
-                <a:tint val="94000"/>
-              </a:schemeClr>
-            </a:gs>
-            <a:gs pos="50000">
-              <a:schemeClr val="accent1">
-                <a:hueOff val="0"/>
-                <a:satOff val="0"/>
-                <a:lumOff val="0"/>
-                <a:alphaOff val="0"/>
-                <a:satMod val="110000"/>
-                <a:lumMod val="100000"/>
-                <a:shade val="100000"/>
-              </a:schemeClr>
-            </a:gs>
-            <a:gs pos="100000">
-              <a:schemeClr val="accent1">
-                <a:hueOff val="0"/>
-                <a:satOff val="0"/>
-                <a:lumOff val="0"/>
-                <a:alphaOff val="0"/>
-                <a:lumMod val="99000"/>
-                <a:satMod val="120000"/>
-                <a:shade val="78000"/>
-              </a:schemeClr>
-            </a:gs>
-          </a:gsLst>
-          <a:lin ang="5400000" scaled="0"/>
-        </a:gradFill>
-        <a:ln>
-          <a:noFill/>
+        <a:solidFill>
+          <a:schemeClr val="bg1"/>
+        </a:solidFill>
+        <a:ln w="12700" cap="flat" cmpd="sng" algn="ctr">
+          <a:solidFill>
+            <a:schemeClr val="lt1">
+              <a:hueOff val="0"/>
+              <a:satOff val="0"/>
+              <a:lumOff val="0"/>
+              <a:alphaOff val="0"/>
+            </a:schemeClr>
+          </a:solidFill>
+          <a:prstDash val="solid"/>
+          <a:miter lim="800000"/>
         </a:ln>
         <a:effectLst/>
       </dsp:spPr>
       <dsp:style>
-        <a:lnRef idx="0">
+        <a:lnRef idx="2">
           <a:scrgbClr r="0" g="0" b="0"/>
         </a:lnRef>
-        <a:fillRef idx="3">
+        <a:fillRef idx="1">
           <a:scrgbClr r="0" g="0" b="0"/>
         </a:fillRef>
-        <a:effectRef idx="2">
+        <a:effectRef idx="0">
           <a:scrgbClr r="0" g="0" b="0"/>
         </a:effectRef>
         <a:fontRef idx="minor">
@@ -2973,12 +5400,12 @@
         </a:fontRef>
       </dsp:style>
       <dsp:txBody>
-        <a:bodyPr spcFirstLastPara="0" vert="horz" wrap="square" lIns="106680" tIns="106680" rIns="106680" bIns="106680" numCol="1" spcCol="1270" anchor="ctr" anchorCtr="0">
+        <a:bodyPr spcFirstLastPara="0" vert="horz" wrap="square" lIns="72390" tIns="72390" rIns="72390" bIns="72390" numCol="1" spcCol="1270" anchor="ctr" anchorCtr="0">
           <a:noAutofit/>
         </a:bodyPr>
         <a:lstStyle/>
         <a:p>
-          <a:pPr marL="0" lvl="0" indent="0" algn="l" defTabSz="1244600">
+          <a:pPr lvl="0" algn="ctr" defTabSz="844550" rtl="0">
             <a:lnSpc>
               <a:spcPct val="90000"/>
             </a:lnSpc>
@@ -2988,18 +5415,25 @@
             <a:spcAft>
               <a:spcPct val="35000"/>
             </a:spcAft>
-            <a:buNone/>
           </a:pPr>
           <a:r>
-            <a:rPr lang="de-DE" sz="2800" b="0" i="0" kern="1200" baseline="0" dirty="0"/>
-            <a:t>Communication Studio</a:t>
+            <a:rPr lang="de-DE" sz="1900" b="1" kern="1200" dirty="0" smtClean="0">
+              <a:solidFill>
+                <a:schemeClr val="tx1"/>
+              </a:solidFill>
+            </a:rPr>
+            <a:t>Topology-Editor</a:t>
           </a:r>
-          <a:endParaRPr lang="de-DE" sz="2800" kern="1200" dirty="0"/>
+          <a:endParaRPr lang="en-US" sz="1900" b="1" kern="1200" dirty="0">
+            <a:solidFill>
+              <a:schemeClr val="tx1"/>
+            </a:solidFill>
+          </a:endParaRPr>
         </a:p>
       </dsp:txBody>
       <dsp:txXfrm>
-        <a:off x="52774" y="376354"/>
-        <a:ext cx="2702842" cy="975532"/>
+        <a:off x="13780" y="12655"/>
+        <a:ext cx="2276759" cy="406750"/>
       </dsp:txXfrm>
     </dsp:sp>
   </dsp:spTree>
@@ -3007,12 +5441,11 @@
 </file>
 
 <file path=ppt/diagrams/layout1.xml><?xml version="1.0" encoding="utf-8"?>
-<dgm:layoutDef xmlns:dgm="http://schemas.openxmlformats.org/drawingml/2006/diagram" xmlns:a="http://schemas.openxmlformats.org/drawingml/2006/main" uniqueId="urn:microsoft.com/office/officeart/2005/8/layout/vList2">
+<dgm:layoutDef xmlns:dgm="http://schemas.openxmlformats.org/drawingml/2006/diagram" xmlns:a="http://schemas.openxmlformats.org/drawingml/2006/main" uniqueId="urn:microsoft.com/office/officeart/2005/8/layout/default">
   <dgm:title val=""/>
   <dgm:desc val=""/>
   <dgm:catLst>
-    <dgm:cat type="list" pri="3000"/>
-    <dgm:cat type="convert" pri="1000"/>
+    <dgm:cat type="list" pri="400"/>
   </dgm:catLst>
   <dgm:sampData>
     <dgm:dataModel>
@@ -3021,21 +5454,25 @@
         <dgm:pt modelId="1">
           <dgm:prSet phldr="1"/>
         </dgm:pt>
-        <dgm:pt modelId="11">
-          <dgm:prSet phldr="1"/>
-        </dgm:pt>
         <dgm:pt modelId="2">
           <dgm:prSet phldr="1"/>
         </dgm:pt>
-        <dgm:pt modelId="21">
+        <dgm:pt modelId="3">
+          <dgm:prSet phldr="1"/>
+        </dgm:pt>
+        <dgm:pt modelId="4">
+          <dgm:prSet phldr="1"/>
+        </dgm:pt>
+        <dgm:pt modelId="5">
           <dgm:prSet phldr="1"/>
         </dgm:pt>
       </dgm:ptLst>
       <dgm:cxnLst>
-        <dgm:cxn modelId="4" srcId="0" destId="1" srcOrd="0" destOrd="0"/>
-        <dgm:cxn modelId="5" srcId="0" destId="2" srcOrd="1" destOrd="0"/>
-        <dgm:cxn modelId="12" srcId="1" destId="11" srcOrd="0" destOrd="0"/>
-        <dgm:cxn modelId="23" srcId="2" destId="21" srcOrd="0" destOrd="0"/>
+        <dgm:cxn modelId="6" srcId="0" destId="1" srcOrd="0" destOrd="0"/>
+        <dgm:cxn modelId="7" srcId="0" destId="2" srcOrd="1" destOrd="0"/>
+        <dgm:cxn modelId="8" srcId="0" destId="3" srcOrd="2" destOrd="0"/>
+        <dgm:cxn modelId="9" srcId="0" destId="4" srcOrd="3" destOrd="0"/>
+        <dgm:cxn modelId="10" srcId="0" destId="5" srcOrd="4" destOrd="0"/>
       </dgm:cxnLst>
       <dgm:bg/>
       <dgm:whole/>
@@ -3064,161 +5501,110 @@
         <dgm:pt modelId="2"/>
         <dgm:pt modelId="3"/>
         <dgm:pt modelId="4"/>
+        <dgm:pt modelId="5"/>
+        <dgm:pt modelId="6"/>
       </dgm:ptLst>
       <dgm:cxnLst>
-        <dgm:cxn modelId="5" srcId="0" destId="1" srcOrd="0" destOrd="0"/>
-        <dgm:cxn modelId="6" srcId="0" destId="2" srcOrd="1" destOrd="0"/>
-        <dgm:cxn modelId="7" srcId="0" destId="3" srcOrd="2" destOrd="0"/>
-        <dgm:cxn modelId="8" srcId="0" destId="4" srcOrd="3" destOrd="0"/>
+        <dgm:cxn modelId="7" srcId="0" destId="1" srcOrd="0" destOrd="0"/>
+        <dgm:cxn modelId="8" srcId="0" destId="2" srcOrd="1" destOrd="0"/>
+        <dgm:cxn modelId="9" srcId="0" destId="3" srcOrd="2" destOrd="0"/>
+        <dgm:cxn modelId="10" srcId="0" destId="4" srcOrd="3" destOrd="0"/>
+        <dgm:cxn modelId="11" srcId="0" destId="5" srcOrd="4" destOrd="0"/>
+        <dgm:cxn modelId="12" srcId="0" destId="6" srcOrd="5" destOrd="0"/>
       </dgm:cxnLst>
       <dgm:bg/>
       <dgm:whole/>
     </dgm:dataModel>
   </dgm:clrData>
-  <dgm:layoutNode name="linear">
+  <dgm:layoutNode name="diagram">
     <dgm:varLst>
-      <dgm:animLvl val="lvl"/>
+      <dgm:dir/>
       <dgm:resizeHandles val="exact"/>
     </dgm:varLst>
-    <dgm:alg type="lin">
-      <dgm:param type="linDir" val="fromT"/>
-      <dgm:param type="vertAlign" val="mid"/>
-    </dgm:alg>
+    <dgm:choose name="Name0">
+      <dgm:if name="Name1" func="var" arg="dir" op="equ" val="norm">
+        <dgm:alg type="snake">
+          <dgm:param type="grDir" val="tL"/>
+          <dgm:param type="flowDir" val="row"/>
+          <dgm:param type="contDir" val="sameDir"/>
+          <dgm:param type="off" val="ctr"/>
+        </dgm:alg>
+      </dgm:if>
+      <dgm:else name="Name2">
+        <dgm:alg type="snake">
+          <dgm:param type="grDir" val="tR"/>
+          <dgm:param type="flowDir" val="row"/>
+          <dgm:param type="contDir" val="sameDir"/>
+          <dgm:param type="off" val="ctr"/>
+        </dgm:alg>
+      </dgm:else>
+    </dgm:choose>
     <dgm:shape xmlns:r="http://schemas.openxmlformats.org/officeDocument/2006/relationships" r:blip="">
       <dgm:adjLst/>
     </dgm:shape>
     <dgm:presOf/>
     <dgm:constrLst>
-      <dgm:constr type="w" for="ch" forName="parentText" refType="w"/>
-      <dgm:constr type="h" for="ch" forName="parentText" refType="primFontSz" refFor="ch" refForName="parentText" fact="0.52"/>
-      <dgm:constr type="w" for="ch" forName="childText" refType="w"/>
-      <dgm:constr type="h" for="ch" forName="childText" refType="primFontSz" refFor="ch" refForName="parentText" fact="0.46"/>
-      <dgm:constr type="h" for="ch" forName="parentText" op="equ"/>
-      <dgm:constr type="primFontSz" for="ch" forName="parentText" op="equ" val="65"/>
-      <dgm:constr type="primFontSz" for="ch" forName="childText" refType="primFontSz" refFor="ch" refForName="parentText" op="equ"/>
-      <dgm:constr type="h" for="ch" forName="spacer" refType="primFontSz" refFor="ch" refForName="parentText" fact="0.08"/>
+      <dgm:constr type="w" for="ch" forName="node" refType="w"/>
+      <dgm:constr type="h" for="ch" forName="node" refType="w" refFor="ch" refForName="node" fact="0.6"/>
+      <dgm:constr type="w" for="ch" forName="sibTrans" refType="w" refFor="ch" refForName="node" fact="0.1"/>
+      <dgm:constr type="sp" refType="w" refFor="ch" refForName="sibTrans"/>
+      <dgm:constr type="primFontSz" for="ch" forName="node" op="equ" val="65"/>
     </dgm:constrLst>
-    <dgm:ruleLst>
-      <dgm:rule type="primFontSz" for="ch" forName="parentText" val="5" fact="NaN" max="NaN"/>
-    </dgm:ruleLst>
-    <dgm:forEach name="Name0" axis="ch" ptType="node">
-      <dgm:layoutNode name="parentText" styleLbl="node1">
+    <dgm:ruleLst/>
+    <dgm:forEach name="Name3" axis="ch" ptType="node">
+      <dgm:layoutNode name="node">
         <dgm:varLst>
-          <dgm:chMax val="0"/>
           <dgm:bulletEnabled val="1"/>
         </dgm:varLst>
-        <dgm:alg type="tx">
-          <dgm:param type="parTxLTRAlign" val="l"/>
-          <dgm:param type="parTxRTLAlign" val="r"/>
-        </dgm:alg>
-        <dgm:shape xmlns:r="http://schemas.openxmlformats.org/officeDocument/2006/relationships" type="roundRect" r:blip="">
+        <dgm:alg type="tx"/>
+        <dgm:shape xmlns:r="http://schemas.openxmlformats.org/officeDocument/2006/relationships" type="rect" r:blip="">
           <dgm:adjLst/>
         </dgm:shape>
-        <dgm:presOf axis="self"/>
+        <dgm:presOf axis="desOrSelf" ptType="node"/>
         <dgm:constrLst>
+          <dgm:constr type="lMarg" refType="primFontSz" fact="0.3"/>
+          <dgm:constr type="rMarg" refType="primFontSz" fact="0.3"/>
           <dgm:constr type="tMarg" refType="primFontSz" fact="0.3"/>
           <dgm:constr type="bMarg" refType="primFontSz" fact="0.3"/>
-          <dgm:constr type="lMarg" refType="primFontSz" fact="0.3"/>
-          <dgm:constr type="rMarg" refType="primFontSz" fact="0.3"/>
         </dgm:constrLst>
         <dgm:ruleLst>
-          <dgm:rule type="h" val="INF" fact="NaN" max="NaN"/>
+          <dgm:rule type="primFontSz" val="5" fact="NaN" max="NaN"/>
         </dgm:ruleLst>
       </dgm:layoutNode>
-      <dgm:choose name="Name1">
-        <dgm:if name="Name2" axis="ch" ptType="node" func="cnt" op="gte" val="1">
-          <dgm:layoutNode name="childText" styleLbl="revTx">
-            <dgm:varLst>
-              <dgm:bulletEnabled val="1"/>
-            </dgm:varLst>
-            <dgm:alg type="tx">
-              <dgm:param type="stBulletLvl" val="1"/>
-              <dgm:param type="lnSpAfChP" val="20"/>
-            </dgm:alg>
-            <dgm:shape xmlns:r="http://schemas.openxmlformats.org/officeDocument/2006/relationships" type="rect" r:blip="">
-              <dgm:adjLst/>
-            </dgm:shape>
-            <dgm:presOf axis="des" ptType="node"/>
-            <dgm:constrLst>
-              <dgm:constr type="tMarg" refType="primFontSz" fact="0.1"/>
-              <dgm:constr type="bMarg" refType="primFontSz" fact="0.1"/>
-              <dgm:constr type="lMarg" refType="w" fact="0.09"/>
-            </dgm:constrLst>
-            <dgm:ruleLst>
-              <dgm:rule type="h" val="INF" fact="NaN" max="NaN"/>
-            </dgm:ruleLst>
-          </dgm:layoutNode>
-        </dgm:if>
-        <dgm:else name="Name3">
-          <dgm:choose name="Name4">
-            <dgm:if name="Name5" axis="par ch" ptType="doc node" func="cnt" op="gte" val="2">
-              <dgm:forEach name="Name6" axis="followSib" ptType="sibTrans" cnt="1">
-                <dgm:layoutNode name="spacer">
-                  <dgm:alg type="sp"/>
-                  <dgm:shape xmlns:r="http://schemas.openxmlformats.org/officeDocument/2006/relationships" r:blip="">
-                    <dgm:adjLst/>
-                  </dgm:shape>
-                  <dgm:presOf/>
-                  <dgm:constrLst/>
-                  <dgm:ruleLst/>
-                </dgm:layoutNode>
-              </dgm:forEach>
-            </dgm:if>
-            <dgm:else name="Name7"/>
-          </dgm:choose>
-        </dgm:else>
-      </dgm:choose>
+      <dgm:forEach name="Name4" axis="followSib" ptType="sibTrans" cnt="1">
+        <dgm:layoutNode name="sibTrans">
+          <dgm:alg type="sp"/>
+          <dgm:shape xmlns:r="http://schemas.openxmlformats.org/officeDocument/2006/relationships" r:blip="">
+            <dgm:adjLst/>
+          </dgm:shape>
+          <dgm:presOf/>
+          <dgm:constrLst/>
+          <dgm:ruleLst/>
+        </dgm:layoutNode>
+      </dgm:forEach>
     </dgm:forEach>
   </dgm:layoutNode>
 </dgm:layoutDef>
 </file>
 
 <file path=ppt/diagrams/layout2.xml><?xml version="1.0" encoding="utf-8"?>
-<dgm:layoutDef xmlns:dgm="http://schemas.openxmlformats.org/drawingml/2006/diagram" xmlns:a="http://schemas.openxmlformats.org/drawingml/2006/main" uniqueId="urn:microsoft.com/office/officeart/2005/8/layout/vList2">
+<dgm:layoutDef xmlns:dgm="http://schemas.openxmlformats.org/drawingml/2006/diagram" xmlns:a="http://schemas.openxmlformats.org/drawingml/2006/main" uniqueId="urn:microsoft.com/office/officeart/2005/8/layout/venn1">
   <dgm:title val=""/>
   <dgm:desc val=""/>
   <dgm:catLst>
-    <dgm:cat type="list" pri="3000"/>
-    <dgm:cat type="convert" pri="1000"/>
+    <dgm:cat type="relationship" pri="28000"/>
+    <dgm:cat type="convert" pri="19000"/>
   </dgm:catLst>
-  <dgm:sampData>
+  <dgm:sampData useDef="1">
     <dgm:dataModel>
-      <dgm:ptLst>
-        <dgm:pt modelId="0" type="doc"/>
-        <dgm:pt modelId="1">
-          <dgm:prSet phldr="1"/>
-        </dgm:pt>
-        <dgm:pt modelId="11">
-          <dgm:prSet phldr="1"/>
-        </dgm:pt>
-        <dgm:pt modelId="2">
-          <dgm:prSet phldr="1"/>
-        </dgm:pt>
-        <dgm:pt modelId="21">
-          <dgm:prSet phldr="1"/>
-        </dgm:pt>
-      </dgm:ptLst>
-      <dgm:cxnLst>
-        <dgm:cxn modelId="4" srcId="0" destId="1" srcOrd="0" destOrd="0"/>
-        <dgm:cxn modelId="5" srcId="0" destId="2" srcOrd="1" destOrd="0"/>
-        <dgm:cxn modelId="12" srcId="1" destId="11" srcOrd="0" destOrd="0"/>
-        <dgm:cxn modelId="23" srcId="2" destId="21" srcOrd="0" destOrd="0"/>
-      </dgm:cxnLst>
+      <dgm:ptLst/>
       <dgm:bg/>
       <dgm:whole/>
     </dgm:dataModel>
   </dgm:sampData>
-  <dgm:styleData>
+  <dgm:styleData useDef="1">
     <dgm:dataModel>
-      <dgm:ptLst>
-        <dgm:pt modelId="0" type="doc"/>
-        <dgm:pt modelId="1"/>
-        <dgm:pt modelId="2"/>
-      </dgm:ptLst>
-      <dgm:cxnLst>
-        <dgm:cxn modelId="3" srcId="0" destId="1" srcOrd="0" destOrd="0"/>
-        <dgm:cxn modelId="4" srcId="0" destId="2" srcOrd="1" destOrd="0"/>
-      </dgm:cxnLst>
+      <dgm:ptLst/>
       <dgm:bg/>
       <dgm:whole/>
     </dgm:dataModel>
@@ -3233,108 +5619,844 @@
         <dgm:pt modelId="4"/>
       </dgm:ptLst>
       <dgm:cxnLst>
-        <dgm:cxn modelId="5" srcId="0" destId="1" srcOrd="0" destOrd="0"/>
-        <dgm:cxn modelId="6" srcId="0" destId="2" srcOrd="1" destOrd="0"/>
-        <dgm:cxn modelId="7" srcId="0" destId="3" srcOrd="2" destOrd="0"/>
-        <dgm:cxn modelId="8" srcId="0" destId="4" srcOrd="3" destOrd="0"/>
+        <dgm:cxn modelId="7" srcId="0" destId="1" srcOrd="0" destOrd="0"/>
+        <dgm:cxn modelId="8" srcId="0" destId="2" srcOrd="1" destOrd="0"/>
+        <dgm:cxn modelId="9" srcId="0" destId="3" srcOrd="2" destOrd="0"/>
+        <dgm:cxn modelId="10" srcId="0" destId="4" srcOrd="3" destOrd="0"/>
       </dgm:cxnLst>
       <dgm:bg/>
       <dgm:whole/>
     </dgm:dataModel>
   </dgm:clrData>
-  <dgm:layoutNode name="linear">
+  <dgm:layoutNode name="compositeShape">
     <dgm:varLst>
-      <dgm:animLvl val="lvl"/>
+      <dgm:chMax val="7"/>
+      <dgm:dir/>
       <dgm:resizeHandles val="exact"/>
     </dgm:varLst>
-    <dgm:alg type="lin">
-      <dgm:param type="linDir" val="fromT"/>
-      <dgm:param type="vertAlign" val="mid"/>
-    </dgm:alg>
+    <dgm:choose name="Name0">
+      <dgm:if name="Name1" axis="ch" ptType="node" func="cnt" op="equ" val="1">
+        <dgm:alg type="composite">
+          <dgm:param type="ar" val="1"/>
+        </dgm:alg>
+      </dgm:if>
+      <dgm:if name="Name2" axis="ch" ptType="node" func="cnt" op="equ" val="2">
+        <dgm:alg type="composite">
+          <dgm:param type="ar" val="1.792"/>
+        </dgm:alg>
+      </dgm:if>
+      <dgm:if name="Name3" axis="ch" ptType="node" func="cnt" op="equ" val="3">
+        <dgm:alg type="composite">
+          <dgm:param type="ar" val="1"/>
+        </dgm:alg>
+      </dgm:if>
+      <dgm:if name="Name4" axis="ch" ptType="node" func="cnt" op="equ" val="4">
+        <dgm:alg type="composite">
+          <dgm:param type="ar" val="1"/>
+        </dgm:alg>
+      </dgm:if>
+      <dgm:if name="Name5" axis="ch" ptType="node" func="cnt" op="equ" val="5">
+        <dgm:alg type="composite">
+          <dgm:param type="ar" val="1.4"/>
+        </dgm:alg>
+      </dgm:if>
+      <dgm:if name="Name6" axis="ch" ptType="node" func="cnt" op="equ" val="6">
+        <dgm:alg type="composite">
+          <dgm:param type="ar" val="1.285"/>
+        </dgm:alg>
+      </dgm:if>
+      <dgm:if name="Name7" axis="ch" ptType="node" func="cnt" op="equ" val="7">
+        <dgm:alg type="composite">
+          <dgm:param type="ar" val="1.359"/>
+        </dgm:alg>
+      </dgm:if>
+      <dgm:else name="Name8">
+        <dgm:alg type="composite">
+          <dgm:param type="ar" val="1.359"/>
+        </dgm:alg>
+      </dgm:else>
+    </dgm:choose>
     <dgm:shape xmlns:r="http://schemas.openxmlformats.org/officeDocument/2006/relationships" r:blip="">
       <dgm:adjLst/>
     </dgm:shape>
     <dgm:presOf/>
-    <dgm:constrLst>
-      <dgm:constr type="w" for="ch" forName="parentText" refType="w"/>
-      <dgm:constr type="h" for="ch" forName="parentText" refType="primFontSz" refFor="ch" refForName="parentText" fact="0.52"/>
-      <dgm:constr type="w" for="ch" forName="childText" refType="w"/>
-      <dgm:constr type="h" for="ch" forName="childText" refType="primFontSz" refFor="ch" refForName="parentText" fact="0.46"/>
-      <dgm:constr type="h" for="ch" forName="parentText" op="equ"/>
-      <dgm:constr type="primFontSz" for="ch" forName="parentText" op="equ" val="65"/>
-      <dgm:constr type="primFontSz" for="ch" forName="childText" refType="primFontSz" refFor="ch" refForName="parentText" op="equ"/>
-      <dgm:constr type="h" for="ch" forName="spacer" refType="primFontSz" refFor="ch" refForName="parentText" fact="0.08"/>
-    </dgm:constrLst>
-    <dgm:ruleLst>
-      <dgm:rule type="primFontSz" for="ch" forName="parentText" val="5" fact="NaN" max="NaN"/>
-    </dgm:ruleLst>
-    <dgm:forEach name="Name0" axis="ch" ptType="node">
-      <dgm:layoutNode name="parentText" styleLbl="node1">
+    <dgm:choose name="Name9">
+      <dgm:if name="Name10" axis="ch" ptType="node" func="cnt" op="equ" val="1">
+        <dgm:constrLst>
+          <dgm:constr type="ctrX" for="ch" forName="circ1TxSh" refType="w" fact="0.5"/>
+          <dgm:constr type="ctrY" for="ch" forName="circ1TxSh" refType="h" fact="0.5"/>
+          <dgm:constr type="w" for="ch" forName="circ1TxSh" refType="w"/>
+          <dgm:constr type="h" for="ch" forName="circ1TxSh" refType="h"/>
+          <dgm:constr type="primFontSz" for="ch" ptType="node" op="equ"/>
+        </dgm:constrLst>
+      </dgm:if>
+      <dgm:if name="Name11" axis="ch" ptType="node" func="cnt" op="equ" val="2">
+        <dgm:constrLst>
+          <dgm:constr type="ctrX" for="ch" forName="circ1" refType="w" fact="0.3"/>
+          <dgm:constr type="ctrY" for="ch" forName="circ1" refType="h" fact="0.5"/>
+          <dgm:constr type="w" for="ch" forName="circ1" refType="w" fact="0.555"/>
+          <dgm:constr type="h" for="ch" forName="circ1" refType="h" fact="0.99456"/>
+          <dgm:constr type="l" for="ch" forName="circ1Tx" refType="w" fact="0.1"/>
+          <dgm:constr type="t" for="ch" forName="circ1Tx" refType="h" fact="0.12"/>
+          <dgm:constr type="w" for="ch" forName="circ1Tx" refType="w" fact="0.32"/>
+          <dgm:constr type="h" for="ch" forName="circ1Tx" refType="h" fact="0.76"/>
+          <dgm:constr type="ctrX" for="ch" forName="circ2" refType="w" fact="0.7"/>
+          <dgm:constr type="ctrY" for="ch" forName="circ2" refType="h" fact="0.5"/>
+          <dgm:constr type="w" for="ch" forName="circ2" refType="w" fact="0.555"/>
+          <dgm:constr type="h" for="ch" forName="circ2" refType="h" fact="0.99456"/>
+          <dgm:constr type="l" for="ch" forName="circ2Tx" refType="w" fact="0.58"/>
+          <dgm:constr type="t" for="ch" forName="circ2Tx" refType="h" fact="0.12"/>
+          <dgm:constr type="w" for="ch" forName="circ2Tx" refType="w" fact="0.32"/>
+          <dgm:constr type="h" for="ch" forName="circ2Tx" refType="h" fact="0.76"/>
+          <dgm:constr type="primFontSz" for="ch" ptType="node" op="equ"/>
+        </dgm:constrLst>
+      </dgm:if>
+      <dgm:if name="Name12" axis="ch" ptType="node" func="cnt" op="equ" val="3">
+        <dgm:constrLst>
+          <dgm:constr type="ctrX" for="ch" forName="circ1" refType="w" fact="0.5"/>
+          <dgm:constr type="ctrY" for="ch" forName="circ1" refType="w" fact="0.25"/>
+          <dgm:constr type="w" for="ch" forName="circ1" refType="w" fact="0.6"/>
+          <dgm:constr type="h" for="ch" forName="circ1" refType="h" fact="0.6"/>
+          <dgm:constr type="l" for="ch" forName="circ1Tx" refType="w" fact="0.28"/>
+          <dgm:constr type="t" for="ch" forName="circ1Tx" refType="h" fact="0.055"/>
+          <dgm:constr type="w" for="ch" forName="circ1Tx" refType="w" fact="0.44"/>
+          <dgm:constr type="h" for="ch" forName="circ1Tx" refType="h" fact="0.27"/>
+          <dgm:constr type="ctrX" for="ch" forName="circ2" refType="w" fact="0.7165"/>
+          <dgm:constr type="ctrY" for="ch" forName="circ2" refType="w" fact="0.625"/>
+          <dgm:constr type="w" for="ch" forName="circ2" refType="w" fact="0.6"/>
+          <dgm:constr type="h" for="ch" forName="circ2" refType="h" fact="0.6"/>
+          <dgm:constr type="l" for="ch" forName="circ2Tx" refType="w" fact="0.6"/>
+          <dgm:constr type="t" for="ch" forName="circ2Tx" refType="h" fact="0.48"/>
+          <dgm:constr type="w" for="ch" forName="circ2Tx" refType="w" fact="0.36"/>
+          <dgm:constr type="h" for="ch" forName="circ2Tx" refType="h" fact="0.33"/>
+          <dgm:constr type="ctrX" for="ch" forName="circ3" refType="w" fact="0.2835"/>
+          <dgm:constr type="ctrY" for="ch" forName="circ3" refType="w" fact="0.625"/>
+          <dgm:constr type="w" for="ch" forName="circ3" refType="w" fact="0.6"/>
+          <dgm:constr type="h" for="ch" forName="circ3" refType="h" fact="0.6"/>
+          <dgm:constr type="l" for="ch" forName="circ3Tx" refType="w" fact="0.04"/>
+          <dgm:constr type="t" for="ch" forName="circ3Tx" refType="h" fact="0.48"/>
+          <dgm:constr type="w" for="ch" forName="circ3Tx" refType="w" fact="0.36"/>
+          <dgm:constr type="h" for="ch" forName="circ3Tx" refType="h" fact="0.33"/>
+          <dgm:constr type="primFontSz" for="ch" ptType="node" op="equ"/>
+        </dgm:constrLst>
+      </dgm:if>
+      <dgm:if name="Name13" axis="ch" ptType="node" func="cnt" op="equ" val="4">
+        <dgm:constrLst>
+          <dgm:constr type="ctrX" for="ch" forName="circ1" refType="w" fact="0.5"/>
+          <dgm:constr type="ctrY" for="ch" forName="circ1" refType="w" fact="0.27"/>
+          <dgm:constr type="w" for="ch" forName="circ1" refType="w" fact="0.52"/>
+          <dgm:constr type="h" for="ch" forName="circ1" refType="h" fact="0.52"/>
+          <dgm:constr type="l" for="ch" forName="circ1Tx" refType="w" fact="0.3"/>
+          <dgm:constr type="t" for="ch" forName="circ1Tx" refType="h" fact="0.08"/>
+          <dgm:constr type="w" for="ch" forName="circ1Tx" refType="w" fact="0.4"/>
+          <dgm:constr type="h" for="ch" forName="circ1Tx" refType="h" fact="0.165"/>
+          <dgm:constr type="ctrX" for="ch" forName="circ2" refType="w" fact="0.73"/>
+          <dgm:constr type="ctrY" for="ch" forName="circ2" refType="w" fact="0.5"/>
+          <dgm:constr type="w" for="ch" forName="circ2" refType="w" fact="0.52"/>
+          <dgm:constr type="h" for="ch" forName="circ2" refType="h" fact="0.52"/>
+          <dgm:constr type="r" for="ch" forName="circ2Tx" refType="w" fact="0.95"/>
+          <dgm:constr type="t" for="ch" forName="circ2Tx" refType="h" fact="0.3"/>
+          <dgm:constr type="w" for="ch" forName="circ2Tx" refType="w" fact="0.2"/>
+          <dgm:constr type="h" for="ch" forName="circ2Tx" refType="h" fact="0.4"/>
+          <dgm:constr type="ctrX" for="ch" forName="circ3" refType="w" fact="0.5"/>
+          <dgm:constr type="ctrY" for="ch" forName="circ3" refType="w" fact="0.73"/>
+          <dgm:constr type="w" for="ch" forName="circ3" refType="w" fact="0.52"/>
+          <dgm:constr type="h" for="ch" forName="circ3" refType="h" fact="0.52"/>
+          <dgm:constr type="l" for="ch" forName="circ3Tx" refType="w" fact="0.3"/>
+          <dgm:constr type="b" for="ch" forName="circ3Tx" refType="h" fact="0.92"/>
+          <dgm:constr type="w" for="ch" forName="circ3Tx" refType="w" fact="0.4"/>
+          <dgm:constr type="h" for="ch" forName="circ3Tx" refType="h" fact="0.165"/>
+          <dgm:constr type="ctrX" for="ch" forName="circ4" refType="w" fact="0.27"/>
+          <dgm:constr type="ctrY" for="ch" forName="circ4" refType="h" fact="0.5"/>
+          <dgm:constr type="w" for="ch" forName="circ4" refType="w" fact="0.52"/>
+          <dgm:constr type="h" for="ch" forName="circ4" refType="h" fact="0.52"/>
+          <dgm:constr type="l" for="ch" forName="circ4Tx" refType="w" fact="0.05"/>
+          <dgm:constr type="t" for="ch" forName="circ4Tx" refType="h" fact="0.3"/>
+          <dgm:constr type="w" for="ch" forName="circ4Tx" refType="w" fact="0.2"/>
+          <dgm:constr type="h" for="ch" forName="circ4Tx" refType="h" fact="0.4"/>
+          <dgm:constr type="primFontSz" for="ch" ptType="node" op="equ"/>
+        </dgm:constrLst>
+      </dgm:if>
+      <dgm:if name="Name14" axis="ch" ptType="node" func="cnt" op="equ" val="5">
+        <dgm:constrLst>
+          <dgm:constr type="ctrX" for="ch" forName="circ1" refType="w" fact="0.5"/>
+          <dgm:constr type="ctrY" for="ch" forName="circ1" refType="h" fact="0.46"/>
+          <dgm:constr type="w" for="ch" forName="circ1" refType="w" fact="0.25"/>
+          <dgm:constr type="h" for="ch" forName="circ1" refType="h" fact="0.35"/>
+          <dgm:constr type="l" for="ch" forName="circ1Tx" refType="w" fact="0.355"/>
+          <dgm:constr type="t" for="ch" forName="circ1Tx"/>
+          <dgm:constr type="w" for="ch" forName="circ1Tx" refType="w" fact="0.29"/>
+          <dgm:constr type="h" for="ch" forName="circ1Tx" refType="h" fact="0.235"/>
+          <dgm:constr type="ctrX" for="ch" forName="circ2" refType="w" fact="0.5951"/>
+          <dgm:constr type="ctrY" for="ch" forName="circ2" refType="h" fact="0.5567"/>
+          <dgm:constr type="w" for="ch" forName="circ2" refType="w" fact="0.25"/>
+          <dgm:constr type="h" for="ch" forName="circ2" refType="h" fact="0.35"/>
+          <dgm:constr type="l" for="ch" forName="circ2Tx" refType="w" fact="0.74"/>
+          <dgm:constr type="t" for="ch" forName="circ2Tx" refType="h" fact="0.31"/>
+          <dgm:constr type="w" for="ch" forName="circ2Tx" refType="w" fact="0.26"/>
+          <dgm:constr type="h" for="ch" forName="circ2Tx" refType="h" fact="0.255"/>
+          <dgm:constr type="ctrX" for="ch" forName="circ3" refType="w" fact="0.5588"/>
+          <dgm:constr type="ctrY" for="ch" forName="circ3" refType="h" fact="0.7133"/>
+          <dgm:constr type="w" for="ch" forName="circ3" refType="w" fact="0.25"/>
+          <dgm:constr type="h" for="ch" forName="circ3" refType="h" fact="0.35"/>
+          <dgm:constr type="l" for="ch" forName="circ3Tx" refType="w" fact="0.7"/>
+          <dgm:constr type="t" for="ch" forName="circ3Tx" refType="h" fact="0.745"/>
+          <dgm:constr type="w" for="ch" forName="circ3Tx" refType="w" fact="0.26"/>
+          <dgm:constr type="h" for="ch" forName="circ3Tx" refType="h" fact="0.255"/>
+          <dgm:constr type="ctrX" for="ch" forName="circ4" refType="w" fact="0.4412"/>
+          <dgm:constr type="ctrY" for="ch" forName="circ4" refType="h" fact="0.7133"/>
+          <dgm:constr type="w" for="ch" forName="circ4" refType="w" fact="0.25"/>
+          <dgm:constr type="h" for="ch" forName="circ4" refType="h" fact="0.35"/>
+          <dgm:constr type="l" for="ch" forName="circ4Tx" refType="w" fact="0.04"/>
+          <dgm:constr type="t" for="ch" forName="circ4Tx" refType="h" fact="0.745"/>
+          <dgm:constr type="w" for="ch" forName="circ4Tx" refType="w" fact="0.26"/>
+          <dgm:constr type="h" for="ch" forName="circ4Tx" refType="h" fact="0.255"/>
+          <dgm:constr type="ctrX" for="ch" forName="circ5" refType="w" fact="0.4049"/>
+          <dgm:constr type="ctrY" for="ch" forName="circ5" refType="h" fact="0.5567"/>
+          <dgm:constr type="w" for="ch" forName="circ5" refType="w" fact="0.25"/>
+          <dgm:constr type="h" for="ch" forName="circ5" refType="h" fact="0.35"/>
+          <dgm:constr type="l" for="ch" forName="circ5Tx"/>
+          <dgm:constr type="t" for="ch" forName="circ5Tx" refType="h" fact="0.31"/>
+          <dgm:constr type="w" for="ch" forName="circ5Tx" refType="w" fact="0.26"/>
+          <dgm:constr type="h" for="ch" forName="circ5Tx" refType="h" fact="0.255"/>
+          <dgm:constr type="primFontSz" for="ch" ptType="node" op="equ"/>
+        </dgm:constrLst>
+      </dgm:if>
+      <dgm:if name="Name15" axis="ch" ptType="node" func="cnt" op="equ" val="6">
+        <dgm:constrLst>
+          <dgm:constr type="ctrX" for="ch" forName="circ1" refType="w" fact="0.5"/>
+          <dgm:constr type="ctrY" for="ch" forName="circ1" refType="h" fact="0.3844"/>
+          <dgm:constr type="w" for="ch" forName="circ1" refType="w" fact="0.24"/>
+          <dgm:constr type="h" for="ch" forName="circ1" refType="h" fact="0.3084"/>
+          <dgm:constr type="l" for="ch" forName="circ1Tx" refType="w" fact="0.35"/>
+          <dgm:constr type="t" for="ch" forName="circ1Tx"/>
+          <dgm:constr type="w" for="ch" forName="circ1Tx" refType="w" fact="0.3"/>
+          <dgm:constr type="h" for="ch" forName="circ1Tx" refType="h" fact="0.21"/>
+          <dgm:constr type="ctrX" for="ch" forName="circ2" refType="w" fact="0.5779"/>
+          <dgm:constr type="ctrY" for="ch" forName="circ2" refType="h" fact="0.4422"/>
+          <dgm:constr type="w" for="ch" forName="circ2" refType="w" fact="0.24"/>
+          <dgm:constr type="h" for="ch" forName="circ2" refType="h" fact="0.3084"/>
+          <dgm:constr type="l" for="ch" forName="circ2Tx" refType="w" fact="0.7157"/>
+          <dgm:constr type="t" for="ch" forName="circ2Tx" refType="h" fact="0.2"/>
+          <dgm:constr type="w" for="ch" forName="circ2Tx" refType="w" fact="0.2843"/>
+          <dgm:constr type="h" for="ch" forName="circ2Tx" refType="h" fact="0.23"/>
+          <dgm:constr type="ctrX" for="ch" forName="circ3" refType="w" fact="0.5779"/>
+          <dgm:constr type="ctrY" for="ch" forName="circ3" refType="h" fact="0.5578"/>
+          <dgm:constr type="w" for="ch" forName="circ3" refType="w" fact="0.24"/>
+          <dgm:constr type="h" for="ch" forName="circ3" refType="h" fact="0.3084"/>
+          <dgm:constr type="l" for="ch" forName="circ3Tx" refType="w" fact="0.7157"/>
+          <dgm:constr type="t" for="ch" forName="circ3Tx" refType="h" fact="0.543"/>
+          <dgm:constr type="w" for="ch" forName="circ3Tx" refType="w" fact="0.2843"/>
+          <dgm:constr type="h" for="ch" forName="circ3Tx" refType="h" fact="0.257"/>
+          <dgm:constr type="ctrX" for="ch" forName="circ4" refType="w" fact="0.5"/>
+          <dgm:constr type="ctrY" for="ch" forName="circ4" refType="h" fact="0.6157"/>
+          <dgm:constr type="w" for="ch" forName="circ4" refType="w" fact="0.24"/>
+          <dgm:constr type="h" for="ch" forName="circ4" refType="h" fact="0.3084"/>
+          <dgm:constr type="l" for="ch" forName="circ4Tx" refType="w" fact="0.35"/>
+          <dgm:constr type="t" for="ch" forName="circ4Tx" refType="h" fact="0.79"/>
+          <dgm:constr type="w" for="ch" forName="circ4Tx" refType="w" fact="0.3"/>
+          <dgm:constr type="h" for="ch" forName="circ4Tx" refType="h" fact="0.21"/>
+          <dgm:constr type="ctrX" for="ch" forName="circ5" refType="w" fact="0.4221"/>
+          <dgm:constr type="ctrY" for="ch" forName="circ5" refType="h" fact="0.5578"/>
+          <dgm:constr type="w" for="ch" forName="circ5" refType="w" fact="0.24"/>
+          <dgm:constr type="h" for="ch" forName="circ5" refType="h" fact="0.3084"/>
+          <dgm:constr type="l" for="ch" forName="circ5Tx" refType="w" fact="0"/>
+          <dgm:constr type="t" for="ch" forName="circ5Tx" refType="h" fact="0.543"/>
+          <dgm:constr type="w" for="ch" forName="circ5Tx" refType="w" fact="0.2843"/>
+          <dgm:constr type="h" for="ch" forName="circ5Tx" refType="h" fact="0.257"/>
+          <dgm:constr type="ctrX" for="ch" forName="circ6" refType="w" fact="0.4221"/>
+          <dgm:constr type="ctrY" for="ch" forName="circ6" refType="h" fact="0.4422"/>
+          <dgm:constr type="w" for="ch" forName="circ6" refType="w" fact="0.24"/>
+          <dgm:constr type="h" for="ch" forName="circ6" refType="h" fact="0.3084"/>
+          <dgm:constr type="l" for="ch" forName="circ6Tx" refType="w" fact="0"/>
+          <dgm:constr type="t" for="ch" forName="circ6Tx" refType="h" fact="0.2"/>
+          <dgm:constr type="w" for="ch" forName="circ6Tx" refType="w" fact="0.2843"/>
+          <dgm:constr type="h" for="ch" forName="circ6Tx" refType="h" fact="0.257"/>
+          <dgm:constr type="primFontSz" for="ch" ptType="node" op="equ"/>
+        </dgm:constrLst>
+      </dgm:if>
+      <dgm:else name="Name16">
+        <dgm:constrLst>
+          <dgm:constr type="ctrX" for="ch" forName="circ1" refType="w" fact="0.5"/>
+          <dgm:constr type="ctrY" for="ch" forName="circ1" refType="h" fact="0.4177"/>
+          <dgm:constr type="w" for="ch" forName="circ1" refType="w" fact="0.24"/>
+          <dgm:constr type="h" for="ch" forName="circ1" refType="h" fact="0.3262"/>
+          <dgm:constr type="l" for="ch" forName="circ1Tx" refType="w" fact="0.3625"/>
+          <dgm:constr type="t" for="ch" forName="circ1Tx"/>
+          <dgm:constr type="w" for="ch" forName="circ1Tx" refType="w" fact="0.275"/>
+          <dgm:constr type="h" for="ch" forName="circ1Tx" refType="h" fact="0.2"/>
+          <dgm:constr type="ctrX" for="ch" forName="circ2" refType="w" fact="0.5704"/>
+          <dgm:constr type="ctrY" for="ch" forName="circ2" refType="h" fact="0.4637"/>
+          <dgm:constr type="w" for="ch" forName="circ2" refType="w" fact="0.24"/>
+          <dgm:constr type="h" for="ch" forName="circ2" refType="h" fact="0.3262"/>
+          <dgm:constr type="l" for="ch" forName="circ2Tx" refType="w" fact="0.72"/>
+          <dgm:constr type="t" for="ch" forName="circ2Tx" refType="h" fact="0.19"/>
+          <dgm:constr type="w" for="ch" forName="circ2Tx" refType="w" fact="0.26"/>
+          <dgm:constr type="h" for="ch" forName="circ2Tx" refType="h" fact="0.22"/>
+          <dgm:constr type="ctrX" for="ch" forName="circ3" refType="w" fact="0.5877"/>
+          <dgm:constr type="ctrY" for="ch" forName="circ3" refType="h" fact="0.5672"/>
+          <dgm:constr type="w" for="ch" forName="circ3" refType="w" fact="0.24"/>
+          <dgm:constr type="h" for="ch" forName="circ3" refType="h" fact="0.3262"/>
+          <dgm:constr type="l" for="ch" forName="circ3Tx" refType="w" fact="0.745"/>
+          <dgm:constr type="t" for="ch" forName="circ3Tx" refType="h" fact="0.47"/>
+          <dgm:constr type="w" for="ch" forName="circ3Tx" refType="w" fact="0.255"/>
+          <dgm:constr type="h" for="ch" forName="circ3Tx" refType="h" fact="0.235"/>
+          <dgm:constr type="ctrX" for="ch" forName="circ4" refType="w" fact="0.539"/>
+          <dgm:constr type="ctrY" for="ch" forName="circ4" refType="h" fact="0.6502"/>
+          <dgm:constr type="w" for="ch" forName="circ4" refType="w" fact="0.24"/>
+          <dgm:constr type="h" for="ch" forName="circ4" refType="h" fact="0.3262"/>
+          <dgm:constr type="l" for="ch" forName="circ4Tx" refType="w" fact="0.635"/>
+          <dgm:constr type="t" for="ch" forName="circ4Tx" refType="h" fact="0.785"/>
+          <dgm:constr type="w" for="ch" forName="circ4Tx" refType="w" fact="0.275"/>
+          <dgm:constr type="h" for="ch" forName="circ4Tx" refType="h" fact="0.215"/>
+          <dgm:constr type="ctrX" for="ch" forName="circ5" refType="w" fact="0.461"/>
+          <dgm:constr type="ctrY" for="ch" forName="circ5" refType="h" fact="0.6502"/>
+          <dgm:constr type="w" for="ch" forName="circ5" refType="w" fact="0.24"/>
+          <dgm:constr type="h" for="ch" forName="circ5" refType="h" fact="0.3262"/>
+          <dgm:constr type="l" for="ch" forName="circ5Tx" refType="w" fact="0.09"/>
+          <dgm:constr type="t" for="ch" forName="circ5Tx" refType="h" fact="0.785"/>
+          <dgm:constr type="w" for="ch" forName="circ5Tx" refType="w" fact="0.275"/>
+          <dgm:constr type="h" for="ch" forName="circ5Tx" refType="h" fact="0.215"/>
+          <dgm:constr type="ctrX" for="ch" forName="circ6" refType="w" fact="0.4123"/>
+          <dgm:constr type="ctrY" for="ch" forName="circ6" refType="h" fact="0.5672"/>
+          <dgm:constr type="w" for="ch" forName="circ6" refType="w" fact="0.24"/>
+          <dgm:constr type="h" for="ch" forName="circ6" refType="h" fact="0.3262"/>
+          <dgm:constr type="l" for="ch" forName="circ6Tx"/>
+          <dgm:constr type="t" for="ch" forName="circ6Tx" refType="h" fact="0.47"/>
+          <dgm:constr type="w" for="ch" forName="circ6Tx" refType="w" fact="0.255"/>
+          <dgm:constr type="h" for="ch" forName="circ6Tx" refType="h" fact="0.235"/>
+          <dgm:constr type="ctrX" for="ch" forName="circ7" refType="w" fact="0.4296"/>
+          <dgm:constr type="ctrY" for="ch" forName="circ7" refType="h" fact="0.4637"/>
+          <dgm:constr type="w" for="ch" forName="circ7" refType="w" fact="0.24"/>
+          <dgm:constr type="h" for="ch" forName="circ7" refType="h" fact="0.3262"/>
+          <dgm:constr type="l" for="ch" forName="circ7Tx" refType="w" fact="0.02"/>
+          <dgm:constr type="t" for="ch" forName="circ7Tx" refType="h" fact="0.19"/>
+          <dgm:constr type="w" for="ch" forName="circ7Tx" refType="w" fact="0.26"/>
+          <dgm:constr type="h" for="ch" forName="circ7Tx" refType="h" fact="0.22"/>
+          <dgm:constr type="primFontSz" for="ch" ptType="node" op="equ"/>
+        </dgm:constrLst>
+      </dgm:else>
+    </dgm:choose>
+    <dgm:ruleLst/>
+    <dgm:forEach name="Name17" axis="ch" ptType="node" cnt="1">
+      <dgm:choose name="Name18">
+        <dgm:if name="Name19" axis="root ch" ptType="all node" func="cnt" op="equ" val="1">
+          <dgm:layoutNode name="circ1TxSh" styleLbl="vennNode1">
+            <dgm:alg type="tx">
+              <dgm:param type="txAnchorHorzCh" val="ctr"/>
+              <dgm:param type="txAnchorVertCh" val="mid"/>
+            </dgm:alg>
+            <dgm:shape xmlns:r="http://schemas.openxmlformats.org/officeDocument/2006/relationships" type="ellipse" r:blip="">
+              <dgm:adjLst/>
+            </dgm:shape>
+            <dgm:choose name="Name20">
+              <dgm:if name="Name21" func="var" arg="dir" op="equ" val="norm">
+                <dgm:choose name="Name22">
+                  <dgm:if name="Name23" axis="root ch" ptType="all node" func="cnt" op="lte" val="4">
+                    <dgm:presOf axis="desOrSelf" ptType="node"/>
+                  </dgm:if>
+                  <dgm:else name="Name24">
+                    <dgm:presOf/>
+                  </dgm:else>
+                </dgm:choose>
+              </dgm:if>
+              <dgm:else name="Name25">
+                <dgm:choose name="Name26">
+                  <dgm:if name="Name27" axis="root ch" ptType="all node" func="cnt" op="equ" val="2">
+                    <dgm:presOf axis="root ch desOrSelf" ptType="all node node" st="1 2 1" cnt="1 1 0"/>
+                  </dgm:if>
+                  <dgm:else name="Name28">
+                    <dgm:presOf axis="desOrSelf" ptType="node"/>
+                  </dgm:else>
+                </dgm:choose>
+              </dgm:else>
+            </dgm:choose>
+            <dgm:constrLst>
+              <dgm:constr type="tMarg"/>
+              <dgm:constr type="bMarg"/>
+              <dgm:constr type="lMarg"/>
+              <dgm:constr type="rMarg"/>
+              <dgm:constr type="primFontSz" val="65"/>
+            </dgm:constrLst>
+            <dgm:ruleLst>
+              <dgm:rule type="primFontSz" val="5" fact="NaN" max="NaN"/>
+            </dgm:ruleLst>
+          </dgm:layoutNode>
+        </dgm:if>
+        <dgm:else name="Name29">
+          <dgm:layoutNode name="circ1" styleLbl="vennNode1">
+            <dgm:alg type="sp"/>
+            <dgm:shape xmlns:r="http://schemas.openxmlformats.org/officeDocument/2006/relationships" type="ellipse" r:blip="">
+              <dgm:adjLst/>
+            </dgm:shape>
+            <dgm:choose name="Name30">
+              <dgm:if name="Name31" func="var" arg="dir" op="equ" val="norm">
+                <dgm:choose name="Name32">
+                  <dgm:if name="Name33" axis="root ch" ptType="all node" func="cnt" op="lte" val="4">
+                    <dgm:presOf axis="desOrSelf" ptType="node"/>
+                  </dgm:if>
+                  <dgm:else name="Name34">
+                    <dgm:presOf/>
+                  </dgm:else>
+                </dgm:choose>
+              </dgm:if>
+              <dgm:else name="Name35">
+                <dgm:choose name="Name36">
+                  <dgm:if name="Name37" axis="root ch" ptType="all node" func="cnt" op="equ" val="2">
+                    <dgm:presOf axis="root ch desOrSelf" ptType="all node node" st="1 2 1" cnt="1 1 0"/>
+                  </dgm:if>
+                  <dgm:else name="Name38">
+                    <dgm:choose name="Name39">
+                      <dgm:if name="Name40" axis="root ch" ptType="all node" func="cnt" op="lte" val="4">
+                        <dgm:presOf axis="desOrSelf" ptType="node"/>
+                      </dgm:if>
+                      <dgm:else name="Name41">
+                        <dgm:presOf/>
+                      </dgm:else>
+                    </dgm:choose>
+                  </dgm:else>
+                </dgm:choose>
+              </dgm:else>
+            </dgm:choose>
+            <dgm:constrLst/>
+            <dgm:ruleLst/>
+          </dgm:layoutNode>
+          <dgm:layoutNode name="circ1Tx" styleLbl="revTx">
+            <dgm:varLst>
+              <dgm:chMax val="0"/>
+              <dgm:chPref val="0"/>
+              <dgm:bulletEnabled val="1"/>
+            </dgm:varLst>
+            <dgm:alg type="tx">
+              <dgm:param type="txAnchorHorzCh" val="ctr"/>
+              <dgm:param type="txAnchorVertCh" val="mid"/>
+            </dgm:alg>
+            <dgm:shape xmlns:r="http://schemas.openxmlformats.org/officeDocument/2006/relationships" type="rect" r:blip="" hideGeom="1">
+              <dgm:adjLst/>
+            </dgm:shape>
+            <dgm:choose name="Name42">
+              <dgm:if name="Name43" func="var" arg="dir" op="equ" val="norm">
+                <dgm:presOf axis="desOrSelf" ptType="node"/>
+              </dgm:if>
+              <dgm:else name="Name44">
+                <dgm:choose name="Name45">
+                  <dgm:if name="Name46" axis="root ch" ptType="all node" func="cnt" op="equ" val="2">
+                    <dgm:presOf axis="root ch desOrSelf" ptType="all node node" st="1 2 1" cnt="1 1 0"/>
+                  </dgm:if>
+                  <dgm:else name="Name47">
+                    <dgm:presOf axis="desOrSelf" ptType="node"/>
+                  </dgm:else>
+                </dgm:choose>
+              </dgm:else>
+            </dgm:choose>
+            <dgm:constrLst>
+              <dgm:constr type="tMarg"/>
+              <dgm:constr type="bMarg"/>
+              <dgm:constr type="lMarg"/>
+              <dgm:constr type="rMarg"/>
+              <dgm:constr type="primFontSz" val="65"/>
+            </dgm:constrLst>
+            <dgm:ruleLst>
+              <dgm:rule type="primFontSz" val="5" fact="NaN" max="NaN"/>
+            </dgm:ruleLst>
+          </dgm:layoutNode>
+        </dgm:else>
+      </dgm:choose>
+    </dgm:forEach>
+    <dgm:forEach name="Name48" axis="ch" ptType="node" st="2" cnt="1">
+      <dgm:layoutNode name="circ2" styleLbl="vennNode1">
+        <dgm:alg type="sp"/>
+        <dgm:shape xmlns:r="http://schemas.openxmlformats.org/officeDocument/2006/relationships" type="ellipse" r:blip="">
+          <dgm:adjLst/>
+        </dgm:shape>
+        <dgm:choose name="Name49">
+          <dgm:if name="Name50" func="var" arg="dir" op="equ" val="norm">
+            <dgm:choose name="Name51">
+              <dgm:if name="Name52" axis="root ch" ptType="all node" func="cnt" op="lte" val="4">
+                <dgm:presOf axis="desOrSelf" ptType="node"/>
+              </dgm:if>
+              <dgm:else name="Name53">
+                <dgm:presOf/>
+              </dgm:else>
+            </dgm:choose>
+          </dgm:if>
+          <dgm:else name="Name54">
+            <dgm:choose name="Name55">
+              <dgm:if name="Name56" axis="root ch" ptType="all node" func="cnt" op="equ" val="2">
+                <dgm:presOf axis="root ch desOrSelf" ptType="all node node" st="1 1 1" cnt="1 1 0"/>
+              </dgm:if>
+              <dgm:if name="Name57" axis="root ch" ptType="all node" func="cnt" op="equ" val="3">
+                <dgm:presOf axis="root ch desOrSelf" ptType="all node node" st="1 3 1" cnt="1 1 0"/>
+              </dgm:if>
+              <dgm:if name="Name58" axis="root ch" ptType="all node" func="cnt" op="equ" val="4">
+                <dgm:presOf axis="root ch desOrSelf" ptType="all node node" st="1 4 1" cnt="1 1 0"/>
+              </dgm:if>
+              <dgm:else name="Name59">
+                <dgm:presOf/>
+              </dgm:else>
+            </dgm:choose>
+          </dgm:else>
+        </dgm:choose>
+        <dgm:constrLst/>
+        <dgm:ruleLst/>
+      </dgm:layoutNode>
+      <dgm:layoutNode name="circ2Tx" styleLbl="revTx">
         <dgm:varLst>
           <dgm:chMax val="0"/>
+          <dgm:chPref val="0"/>
           <dgm:bulletEnabled val="1"/>
         </dgm:varLst>
         <dgm:alg type="tx">
-          <dgm:param type="parTxLTRAlign" val="l"/>
-          <dgm:param type="parTxRTLAlign" val="r"/>
+          <dgm:param type="txAnchorHorzCh" val="ctr"/>
+          <dgm:param type="txAnchorVertCh" val="mid"/>
         </dgm:alg>
-        <dgm:shape xmlns:r="http://schemas.openxmlformats.org/officeDocument/2006/relationships" type="roundRect" r:blip="">
+        <dgm:shape xmlns:r="http://schemas.openxmlformats.org/officeDocument/2006/relationships" type="rect" r:blip="" hideGeom="1">
           <dgm:adjLst/>
         </dgm:shape>
-        <dgm:presOf axis="self"/>
+        <dgm:choose name="Name60">
+          <dgm:if name="Name61" func="var" arg="dir" op="equ" val="norm">
+            <dgm:presOf axis="desOrSelf" ptType="node"/>
+          </dgm:if>
+          <dgm:else name="Name62">
+            <dgm:choose name="Name63">
+              <dgm:if name="Name64" axis="root ch" ptType="all node" func="cnt" op="equ" val="2">
+                <dgm:presOf axis="root ch desOrSelf" ptType="all node node" st="1 1 1" cnt="1 1 0"/>
+              </dgm:if>
+              <dgm:if name="Name65" axis="root ch" ptType="all node" func="cnt" op="equ" val="3">
+                <dgm:presOf axis="root ch desOrSelf" ptType="all node node" st="1 3 1" cnt="1 1 0"/>
+              </dgm:if>
+              <dgm:if name="Name66" axis="root ch" ptType="all node" func="cnt" op="equ" val="4">
+                <dgm:presOf axis="root ch desOrSelf" ptType="all node node" st="1 4 1" cnt="1 1 0"/>
+              </dgm:if>
+              <dgm:if name="Name67" axis="root ch" ptType="all node" func="cnt" op="equ" val="5">
+                <dgm:presOf axis="root ch desOrSelf" ptType="all node node" st="1 5 1" cnt="1 1 0"/>
+              </dgm:if>
+              <dgm:if name="Name68" axis="root ch" ptType="all node" func="cnt" op="equ" val="6">
+                <dgm:presOf axis="root ch desOrSelf" ptType="all node node" st="1 6 1" cnt="1 1 0"/>
+              </dgm:if>
+              <dgm:else name="Name69">
+                <dgm:presOf axis="root ch desOrSelf" ptType="all node node" st="1 7 1" cnt="1 1 0"/>
+              </dgm:else>
+            </dgm:choose>
+          </dgm:else>
+        </dgm:choose>
         <dgm:constrLst>
-          <dgm:constr type="tMarg" refType="primFontSz" fact="0.3"/>
-          <dgm:constr type="bMarg" refType="primFontSz" fact="0.3"/>
-          <dgm:constr type="lMarg" refType="primFontSz" fact="0.3"/>
-          <dgm:constr type="rMarg" refType="primFontSz" fact="0.3"/>
+          <dgm:constr type="tMarg"/>
+          <dgm:constr type="bMarg"/>
+          <dgm:constr type="lMarg"/>
+          <dgm:constr type="rMarg"/>
+          <dgm:constr type="primFontSz" val="65"/>
         </dgm:constrLst>
         <dgm:ruleLst>
-          <dgm:rule type="h" val="INF" fact="NaN" max="NaN"/>
+          <dgm:rule type="primFontSz" val="5" fact="NaN" max="NaN"/>
         </dgm:ruleLst>
       </dgm:layoutNode>
-      <dgm:choose name="Name1">
-        <dgm:if name="Name2" axis="ch" ptType="node" func="cnt" op="gte" val="1">
-          <dgm:layoutNode name="childText" styleLbl="revTx">
-            <dgm:varLst>
-              <dgm:bulletEnabled val="1"/>
-            </dgm:varLst>
-            <dgm:alg type="tx">
-              <dgm:param type="stBulletLvl" val="1"/>
-              <dgm:param type="lnSpAfChP" val="20"/>
-            </dgm:alg>
-            <dgm:shape xmlns:r="http://schemas.openxmlformats.org/officeDocument/2006/relationships" type="rect" r:blip="">
-              <dgm:adjLst/>
-            </dgm:shape>
-            <dgm:presOf axis="des" ptType="node"/>
-            <dgm:constrLst>
-              <dgm:constr type="tMarg" refType="primFontSz" fact="0.1"/>
-              <dgm:constr type="bMarg" refType="primFontSz" fact="0.1"/>
-              <dgm:constr type="lMarg" refType="w" fact="0.09"/>
-            </dgm:constrLst>
-            <dgm:ruleLst>
-              <dgm:rule type="h" val="INF" fact="NaN" max="NaN"/>
-            </dgm:ruleLst>
-          </dgm:layoutNode>
-        </dgm:if>
-        <dgm:else name="Name3">
-          <dgm:choose name="Name4">
-            <dgm:if name="Name5" axis="par ch" ptType="doc node" func="cnt" op="gte" val="2">
-              <dgm:forEach name="Name6" axis="followSib" ptType="sibTrans" cnt="1">
-                <dgm:layoutNode name="spacer">
-                  <dgm:alg type="sp"/>
-                  <dgm:shape xmlns:r="http://schemas.openxmlformats.org/officeDocument/2006/relationships" r:blip="">
-                    <dgm:adjLst/>
-                  </dgm:shape>
-                  <dgm:presOf/>
-                  <dgm:constrLst/>
-                  <dgm:ruleLst/>
-                </dgm:layoutNode>
-              </dgm:forEach>
-            </dgm:if>
-            <dgm:else name="Name7"/>
-          </dgm:choose>
-        </dgm:else>
-      </dgm:choose>
+    </dgm:forEach>
+    <dgm:forEach name="Name70" axis="ch" ptType="node" st="3" cnt="1">
+      <dgm:layoutNode name="circ3" styleLbl="vennNode1">
+        <dgm:alg type="sp"/>
+        <dgm:shape xmlns:r="http://schemas.openxmlformats.org/officeDocument/2006/relationships" type="ellipse" r:blip="">
+          <dgm:adjLst/>
+        </dgm:shape>
+        <dgm:choose name="Name71">
+          <dgm:if name="Name72" func="var" arg="dir" op="equ" val="norm">
+            <dgm:choose name="Name73">
+              <dgm:if name="Name74" axis="root ch" ptType="all node" func="cnt" op="lte" val="4">
+                <dgm:presOf axis="desOrSelf" ptType="node"/>
+              </dgm:if>
+              <dgm:else name="Name75">
+                <dgm:presOf/>
+              </dgm:else>
+            </dgm:choose>
+          </dgm:if>
+          <dgm:else name="Name76">
+            <dgm:choose name="Name77">
+              <dgm:if name="Name78" axis="root ch" ptType="all node" func="cnt" op="equ" val="3">
+                <dgm:presOf axis="root ch desOrSelf" ptType="all node node" st="1 2 1" cnt="1 1 0"/>
+              </dgm:if>
+              <dgm:if name="Name79" axis="root ch" ptType="all node" func="cnt" op="equ" val="4">
+                <dgm:presOf axis="root ch desOrSelf" ptType="all node node" st="1 3 1" cnt="1 1 0"/>
+              </dgm:if>
+              <dgm:else name="Name80">
+                <dgm:presOf/>
+              </dgm:else>
+            </dgm:choose>
+          </dgm:else>
+        </dgm:choose>
+        <dgm:constrLst/>
+        <dgm:ruleLst/>
+      </dgm:layoutNode>
+      <dgm:layoutNode name="circ3Tx" styleLbl="revTx">
+        <dgm:varLst>
+          <dgm:chMax val="0"/>
+          <dgm:chPref val="0"/>
+          <dgm:bulletEnabled val="1"/>
+        </dgm:varLst>
+        <dgm:alg type="tx">
+          <dgm:param type="txAnchorHorzCh" val="ctr"/>
+          <dgm:param type="txAnchorVertCh" val="mid"/>
+        </dgm:alg>
+        <dgm:shape xmlns:r="http://schemas.openxmlformats.org/officeDocument/2006/relationships" type="rect" r:blip="" hideGeom="1">
+          <dgm:adjLst/>
+        </dgm:shape>
+        <dgm:choose name="Name81">
+          <dgm:if name="Name82" func="var" arg="dir" op="equ" val="norm">
+            <dgm:presOf axis="desOrSelf" ptType="node"/>
+          </dgm:if>
+          <dgm:else name="Name83">
+            <dgm:choose name="Name84">
+              <dgm:if name="Name85" axis="root ch" ptType="all node" func="cnt" op="equ" val="3">
+                <dgm:presOf axis="root ch desOrSelf" ptType="all node node" st="1 2 1" cnt="1 1 0"/>
+              </dgm:if>
+              <dgm:if name="Name86" axis="root ch" ptType="all node" func="cnt" op="equ" val="4">
+                <dgm:presOf axis="root ch desOrSelf" ptType="all node node" st="1 3 1" cnt="1 1 0"/>
+              </dgm:if>
+              <dgm:if name="Name87" axis="root ch" ptType="all node" func="cnt" op="equ" val="5">
+                <dgm:presOf axis="root ch desOrSelf" ptType="all node node" st="1 4 1" cnt="1 1 0"/>
+              </dgm:if>
+              <dgm:if name="Name88" axis="root ch" ptType="all node" func="cnt" op="equ" val="6">
+                <dgm:presOf axis="root ch desOrSelf" ptType="all node node" st="1 5 1" cnt="1 1 0"/>
+              </dgm:if>
+              <dgm:else name="Name89">
+                <dgm:presOf axis="root ch desOrSelf" ptType="all node node" st="1 6 1" cnt="1 1 0"/>
+              </dgm:else>
+            </dgm:choose>
+          </dgm:else>
+        </dgm:choose>
+        <dgm:constrLst>
+          <dgm:constr type="tMarg"/>
+          <dgm:constr type="bMarg"/>
+          <dgm:constr type="lMarg"/>
+          <dgm:constr type="rMarg"/>
+          <dgm:constr type="primFontSz" val="65"/>
+        </dgm:constrLst>
+        <dgm:ruleLst>
+          <dgm:rule type="primFontSz" val="5" fact="NaN" max="NaN"/>
+        </dgm:ruleLst>
+      </dgm:layoutNode>
+    </dgm:forEach>
+    <dgm:forEach name="Name90" axis="ch" ptType="node" st="4" cnt="1">
+      <dgm:layoutNode name="circ4" styleLbl="vennNode1">
+        <dgm:alg type="sp"/>
+        <dgm:shape xmlns:r="http://schemas.openxmlformats.org/officeDocument/2006/relationships" type="ellipse" r:blip="">
+          <dgm:adjLst/>
+        </dgm:shape>
+        <dgm:choose name="Name91">
+          <dgm:if name="Name92" func="var" arg="dir" op="equ" val="norm">
+            <dgm:choose name="Name93">
+              <dgm:if name="Name94" axis="root ch" ptType="all node" func="cnt" op="lte" val="4">
+                <dgm:presOf axis="desOrSelf" ptType="node"/>
+              </dgm:if>
+              <dgm:else name="Name95">
+                <dgm:presOf/>
+              </dgm:else>
+            </dgm:choose>
+          </dgm:if>
+          <dgm:else name="Name96">
+            <dgm:choose name="Name97">
+              <dgm:if name="Name98" axis="root ch" ptType="all node" func="cnt" op="equ" val="4">
+                <dgm:presOf axis="root ch desOrSelf" ptType="all node node" st="1 2 1" cnt="1 1 0"/>
+              </dgm:if>
+              <dgm:else name="Name99">
+                <dgm:presOf/>
+              </dgm:else>
+            </dgm:choose>
+          </dgm:else>
+        </dgm:choose>
+        <dgm:constrLst/>
+        <dgm:ruleLst/>
+      </dgm:layoutNode>
+      <dgm:layoutNode name="circ4Tx" styleLbl="revTx">
+        <dgm:varLst>
+          <dgm:chMax val="0"/>
+          <dgm:chPref val="0"/>
+          <dgm:bulletEnabled val="1"/>
+        </dgm:varLst>
+        <dgm:alg type="tx">
+          <dgm:param type="txAnchorHorzCh" val="ctr"/>
+          <dgm:param type="txAnchorVertCh" val="mid"/>
+        </dgm:alg>
+        <dgm:shape xmlns:r="http://schemas.openxmlformats.org/officeDocument/2006/relationships" type="rect" r:blip="" hideGeom="1">
+          <dgm:adjLst/>
+        </dgm:shape>
+        <dgm:choose name="Name100">
+          <dgm:if name="Name101" func="var" arg="dir" op="equ" val="norm">
+            <dgm:presOf axis="desOrSelf" ptType="node"/>
+          </dgm:if>
+          <dgm:else name="Name102">
+            <dgm:choose name="Name103">
+              <dgm:if name="Name104" axis="root ch" ptType="all node" func="cnt" op="equ" val="4">
+                <dgm:presOf axis="root ch desOrSelf" ptType="all node node" st="1 2 1" cnt="1 1 0"/>
+              </dgm:if>
+              <dgm:if name="Name105" axis="root ch" ptType="all node" func="cnt" op="equ" val="5">
+                <dgm:presOf axis="root ch desOrSelf" ptType="all node node" st="1 3 1" cnt="1 1 0"/>
+              </dgm:if>
+              <dgm:if name="Name106" axis="root ch" ptType="all node" func="cnt" op="equ" val="6">
+                <dgm:presOf axis="root ch desOrSelf" ptType="all node node" st="1 4 1" cnt="1 1 0"/>
+              </dgm:if>
+              <dgm:else name="Name107">
+                <dgm:presOf axis="root ch desOrSelf" ptType="all node node" st="1 5 1" cnt="1 1 0"/>
+              </dgm:else>
+            </dgm:choose>
+          </dgm:else>
+        </dgm:choose>
+        <dgm:constrLst>
+          <dgm:constr type="tMarg"/>
+          <dgm:constr type="bMarg"/>
+          <dgm:constr type="lMarg"/>
+          <dgm:constr type="rMarg"/>
+          <dgm:constr type="primFontSz" val="65"/>
+        </dgm:constrLst>
+        <dgm:ruleLst>
+          <dgm:rule type="primFontSz" val="5" fact="NaN" max="NaN"/>
+        </dgm:ruleLst>
+      </dgm:layoutNode>
+    </dgm:forEach>
+    <dgm:forEach name="Name108" axis="ch" ptType="node" st="5" cnt="1">
+      <dgm:layoutNode name="circ5" styleLbl="vennNode1">
+        <dgm:alg type="sp"/>
+        <dgm:shape xmlns:r="http://schemas.openxmlformats.org/officeDocument/2006/relationships" type="ellipse" r:blip="">
+          <dgm:adjLst/>
+        </dgm:shape>
+        <dgm:presOf/>
+        <dgm:constrLst/>
+        <dgm:ruleLst/>
+      </dgm:layoutNode>
+      <dgm:layoutNode name="circ5Tx" styleLbl="revTx">
+        <dgm:varLst>
+          <dgm:chMax val="0"/>
+          <dgm:chPref val="0"/>
+          <dgm:bulletEnabled val="1"/>
+        </dgm:varLst>
+        <dgm:alg type="tx">
+          <dgm:param type="txAnchorHorzCh" val="ctr"/>
+          <dgm:param type="txAnchorVertCh" val="mid"/>
+        </dgm:alg>
+        <dgm:shape xmlns:r="http://schemas.openxmlformats.org/officeDocument/2006/relationships" type="rect" r:blip="" hideGeom="1">
+          <dgm:adjLst/>
+        </dgm:shape>
+        <dgm:choose name="Name109">
+          <dgm:if name="Name110" func="var" arg="dir" op="equ" val="norm">
+            <dgm:presOf axis="desOrSelf" ptType="node"/>
+          </dgm:if>
+          <dgm:else name="Name111">
+            <dgm:choose name="Name112">
+              <dgm:if name="Name113" axis="root ch" ptType="all node" func="cnt" op="equ" val="5">
+                <dgm:presOf axis="root ch desOrSelf" ptType="all node node" st="1 2 1" cnt="1 1 0"/>
+              </dgm:if>
+              <dgm:if name="Name114" axis="root ch" ptType="all node" func="cnt" op="equ" val="6">
+                <dgm:presOf axis="root ch desOrSelf" ptType="all node node" st="1 3 1" cnt="1 1 0"/>
+              </dgm:if>
+              <dgm:else name="Name115">
+                <dgm:presOf axis="root ch desOrSelf" ptType="all node node" st="1 4 1" cnt="1 1 0"/>
+              </dgm:else>
+            </dgm:choose>
+          </dgm:else>
+        </dgm:choose>
+        <dgm:constrLst>
+          <dgm:constr type="tMarg"/>
+          <dgm:constr type="bMarg"/>
+          <dgm:constr type="lMarg"/>
+          <dgm:constr type="rMarg"/>
+          <dgm:constr type="primFontSz" val="65"/>
+        </dgm:constrLst>
+        <dgm:ruleLst>
+          <dgm:rule type="primFontSz" val="5" fact="NaN" max="NaN"/>
+        </dgm:ruleLst>
+      </dgm:layoutNode>
+    </dgm:forEach>
+    <dgm:forEach name="Name116" axis="ch" ptType="node" st="6" cnt="1">
+      <dgm:layoutNode name="circ6" styleLbl="vennNode1">
+        <dgm:alg type="sp"/>
+        <dgm:shape xmlns:r="http://schemas.openxmlformats.org/officeDocument/2006/relationships" type="ellipse" r:blip="">
+          <dgm:adjLst/>
+        </dgm:shape>
+        <dgm:presOf/>
+        <dgm:constrLst/>
+        <dgm:ruleLst/>
+      </dgm:layoutNode>
+      <dgm:layoutNode name="circ6Tx" styleLbl="revTx">
+        <dgm:varLst>
+          <dgm:chMax val="0"/>
+          <dgm:chPref val="0"/>
+          <dgm:bulletEnabled val="1"/>
+        </dgm:varLst>
+        <dgm:alg type="tx">
+          <dgm:param type="txAnchorHorzCh" val="ctr"/>
+          <dgm:param type="txAnchorVertCh" val="mid"/>
+        </dgm:alg>
+        <dgm:shape xmlns:r="http://schemas.openxmlformats.org/officeDocument/2006/relationships" type="rect" r:blip="" hideGeom="1">
+          <dgm:adjLst/>
+        </dgm:shape>
+        <dgm:choose name="Name117">
+          <dgm:if name="Name118" func="var" arg="dir" op="equ" val="norm">
+            <dgm:presOf axis="desOrSelf" ptType="node"/>
+          </dgm:if>
+          <dgm:else name="Name119">
+            <dgm:choose name="Name120">
+              <dgm:if name="Name121" axis="root ch" ptType="all node" func="cnt" op="equ" val="6">
+                <dgm:presOf axis="root ch desOrSelf" ptType="all node node" st="1 2 1" cnt="1 1 0"/>
+              </dgm:if>
+              <dgm:else name="Name122">
+                <dgm:presOf axis="root ch desOrSelf" ptType="all node node" st="1 3 1" cnt="1 1 0"/>
+              </dgm:else>
+            </dgm:choose>
+          </dgm:else>
+        </dgm:choose>
+        <dgm:constrLst>
+          <dgm:constr type="tMarg"/>
+          <dgm:constr type="bMarg"/>
+          <dgm:constr type="lMarg"/>
+          <dgm:constr type="rMarg"/>
+          <dgm:constr type="primFontSz" val="65"/>
+        </dgm:constrLst>
+        <dgm:ruleLst>
+          <dgm:rule type="primFontSz" val="5" fact="NaN" max="NaN"/>
+        </dgm:ruleLst>
+      </dgm:layoutNode>
+    </dgm:forEach>
+    <dgm:forEach name="Name123" axis="ch" ptType="node" st="7" cnt="1">
+      <dgm:layoutNode name="circ7" styleLbl="vennNode1">
+        <dgm:alg type="sp"/>
+        <dgm:shape xmlns:r="http://schemas.openxmlformats.org/officeDocument/2006/relationships" type="ellipse" r:blip="">
+          <dgm:adjLst/>
+        </dgm:shape>
+        <dgm:presOf/>
+        <dgm:constrLst/>
+        <dgm:ruleLst/>
+      </dgm:layoutNode>
+      <dgm:layoutNode name="circ7Tx" styleLbl="revTx">
+        <dgm:varLst>
+          <dgm:chMax val="0"/>
+          <dgm:chPref val="0"/>
+          <dgm:bulletEnabled val="1"/>
+        </dgm:varLst>
+        <dgm:alg type="tx">
+          <dgm:param type="txAnchorHorzCh" val="ctr"/>
+          <dgm:param type="txAnchorVertCh" val="mid"/>
+        </dgm:alg>
+        <dgm:shape xmlns:r="http://schemas.openxmlformats.org/officeDocument/2006/relationships" type="rect" r:blip="" hideGeom="1">
+          <dgm:adjLst/>
+        </dgm:shape>
+        <dgm:choose name="Name124">
+          <dgm:if name="Name125" func="var" arg="dir" op="equ" val="norm">
+            <dgm:presOf axis="desOrSelf" ptType="node"/>
+          </dgm:if>
+          <dgm:else name="Name126">
+            <dgm:presOf axis="root ch desOrSelf" ptType="all node node" st="1 2 1" cnt="1 1 0"/>
+          </dgm:else>
+        </dgm:choose>
+        <dgm:constrLst>
+          <dgm:constr type="tMarg"/>
+          <dgm:constr type="bMarg"/>
+          <dgm:constr type="lMarg"/>
+          <dgm:constr type="rMarg"/>
+          <dgm:constr type="primFontSz" val="65"/>
+        </dgm:constrLst>
+        <dgm:ruleLst>
+          <dgm:rule type="primFontSz" val="5" fact="NaN" max="NaN"/>
+        </dgm:ruleLst>
+      </dgm:layoutNode>
     </dgm:forEach>
   </dgm:layoutNode>
 </dgm:layoutDef>
@@ -3507,6 +6629,319 @@
 </dgm:layoutDef>
 </file>
 
+<file path=ppt/diagrams/layout4.xml><?xml version="1.0" encoding="utf-8"?>
+<dgm:layoutDef xmlns:dgm="http://schemas.openxmlformats.org/drawingml/2006/diagram" xmlns:a="http://schemas.openxmlformats.org/drawingml/2006/main" uniqueId="urn:microsoft.com/office/officeart/2005/8/layout/vList2">
+  <dgm:title val=""/>
+  <dgm:desc val=""/>
+  <dgm:catLst>
+    <dgm:cat type="list" pri="3000"/>
+    <dgm:cat type="convert" pri="1000"/>
+  </dgm:catLst>
+  <dgm:sampData>
+    <dgm:dataModel>
+      <dgm:ptLst>
+        <dgm:pt modelId="0" type="doc"/>
+        <dgm:pt modelId="1">
+          <dgm:prSet phldr="1"/>
+        </dgm:pt>
+        <dgm:pt modelId="11">
+          <dgm:prSet phldr="1"/>
+        </dgm:pt>
+        <dgm:pt modelId="2">
+          <dgm:prSet phldr="1"/>
+        </dgm:pt>
+        <dgm:pt modelId="21">
+          <dgm:prSet phldr="1"/>
+        </dgm:pt>
+      </dgm:ptLst>
+      <dgm:cxnLst>
+        <dgm:cxn modelId="4" srcId="0" destId="1" srcOrd="0" destOrd="0"/>
+        <dgm:cxn modelId="5" srcId="0" destId="2" srcOrd="1" destOrd="0"/>
+        <dgm:cxn modelId="12" srcId="1" destId="11" srcOrd="0" destOrd="0"/>
+        <dgm:cxn modelId="23" srcId="2" destId="21" srcOrd="0" destOrd="0"/>
+      </dgm:cxnLst>
+      <dgm:bg/>
+      <dgm:whole/>
+    </dgm:dataModel>
+  </dgm:sampData>
+  <dgm:styleData>
+    <dgm:dataModel>
+      <dgm:ptLst>
+        <dgm:pt modelId="0" type="doc"/>
+        <dgm:pt modelId="1"/>
+        <dgm:pt modelId="2"/>
+      </dgm:ptLst>
+      <dgm:cxnLst>
+        <dgm:cxn modelId="3" srcId="0" destId="1" srcOrd="0" destOrd="0"/>
+        <dgm:cxn modelId="4" srcId="0" destId="2" srcOrd="1" destOrd="0"/>
+      </dgm:cxnLst>
+      <dgm:bg/>
+      <dgm:whole/>
+    </dgm:dataModel>
+  </dgm:styleData>
+  <dgm:clrData>
+    <dgm:dataModel>
+      <dgm:ptLst>
+        <dgm:pt modelId="0" type="doc"/>
+        <dgm:pt modelId="1"/>
+        <dgm:pt modelId="2"/>
+        <dgm:pt modelId="3"/>
+        <dgm:pt modelId="4"/>
+      </dgm:ptLst>
+      <dgm:cxnLst>
+        <dgm:cxn modelId="5" srcId="0" destId="1" srcOrd="0" destOrd="0"/>
+        <dgm:cxn modelId="6" srcId="0" destId="2" srcOrd="1" destOrd="0"/>
+        <dgm:cxn modelId="7" srcId="0" destId="3" srcOrd="2" destOrd="0"/>
+        <dgm:cxn modelId="8" srcId="0" destId="4" srcOrd="3" destOrd="0"/>
+      </dgm:cxnLst>
+      <dgm:bg/>
+      <dgm:whole/>
+    </dgm:dataModel>
+  </dgm:clrData>
+  <dgm:layoutNode name="linear">
+    <dgm:varLst>
+      <dgm:animLvl val="lvl"/>
+      <dgm:resizeHandles val="exact"/>
+    </dgm:varLst>
+    <dgm:alg type="lin">
+      <dgm:param type="linDir" val="fromT"/>
+      <dgm:param type="vertAlign" val="mid"/>
+    </dgm:alg>
+    <dgm:shape xmlns:r="http://schemas.openxmlformats.org/officeDocument/2006/relationships" r:blip="">
+      <dgm:adjLst/>
+    </dgm:shape>
+    <dgm:presOf/>
+    <dgm:constrLst>
+      <dgm:constr type="w" for="ch" forName="parentText" refType="w"/>
+      <dgm:constr type="h" for="ch" forName="parentText" refType="primFontSz" refFor="ch" refForName="parentText" fact="0.52"/>
+      <dgm:constr type="w" for="ch" forName="childText" refType="w"/>
+      <dgm:constr type="h" for="ch" forName="childText" refType="primFontSz" refFor="ch" refForName="parentText" fact="0.46"/>
+      <dgm:constr type="h" for="ch" forName="parentText" op="equ"/>
+      <dgm:constr type="primFontSz" for="ch" forName="parentText" op="equ" val="65"/>
+      <dgm:constr type="primFontSz" for="ch" forName="childText" refType="primFontSz" refFor="ch" refForName="parentText" op="equ"/>
+      <dgm:constr type="h" for="ch" forName="spacer" refType="primFontSz" refFor="ch" refForName="parentText" fact="0.08"/>
+    </dgm:constrLst>
+    <dgm:ruleLst>
+      <dgm:rule type="primFontSz" for="ch" forName="parentText" val="5" fact="NaN" max="NaN"/>
+    </dgm:ruleLst>
+    <dgm:forEach name="Name0" axis="ch" ptType="node">
+      <dgm:layoutNode name="parentText" styleLbl="node1">
+        <dgm:varLst>
+          <dgm:chMax val="0"/>
+          <dgm:bulletEnabled val="1"/>
+        </dgm:varLst>
+        <dgm:alg type="tx">
+          <dgm:param type="parTxLTRAlign" val="l"/>
+          <dgm:param type="parTxRTLAlign" val="r"/>
+        </dgm:alg>
+        <dgm:shape xmlns:r="http://schemas.openxmlformats.org/officeDocument/2006/relationships" type="roundRect" r:blip="">
+          <dgm:adjLst/>
+        </dgm:shape>
+        <dgm:presOf axis="self"/>
+        <dgm:constrLst>
+          <dgm:constr type="tMarg" refType="primFontSz" fact="0.3"/>
+          <dgm:constr type="bMarg" refType="primFontSz" fact="0.3"/>
+          <dgm:constr type="lMarg" refType="primFontSz" fact="0.3"/>
+          <dgm:constr type="rMarg" refType="primFontSz" fact="0.3"/>
+        </dgm:constrLst>
+        <dgm:ruleLst>
+          <dgm:rule type="h" val="INF" fact="NaN" max="NaN"/>
+        </dgm:ruleLst>
+      </dgm:layoutNode>
+      <dgm:choose name="Name1">
+        <dgm:if name="Name2" axis="ch" ptType="node" func="cnt" op="gte" val="1">
+          <dgm:layoutNode name="childText" styleLbl="revTx">
+            <dgm:varLst>
+              <dgm:bulletEnabled val="1"/>
+            </dgm:varLst>
+            <dgm:alg type="tx">
+              <dgm:param type="stBulletLvl" val="1"/>
+              <dgm:param type="lnSpAfChP" val="20"/>
+            </dgm:alg>
+            <dgm:shape xmlns:r="http://schemas.openxmlformats.org/officeDocument/2006/relationships" type="rect" r:blip="">
+              <dgm:adjLst/>
+            </dgm:shape>
+            <dgm:presOf axis="des" ptType="node"/>
+            <dgm:constrLst>
+              <dgm:constr type="tMarg" refType="primFontSz" fact="0.1"/>
+              <dgm:constr type="bMarg" refType="primFontSz" fact="0.1"/>
+              <dgm:constr type="lMarg" refType="w" fact="0.09"/>
+            </dgm:constrLst>
+            <dgm:ruleLst>
+              <dgm:rule type="h" val="INF" fact="NaN" max="NaN"/>
+            </dgm:ruleLst>
+          </dgm:layoutNode>
+        </dgm:if>
+        <dgm:else name="Name3">
+          <dgm:choose name="Name4">
+            <dgm:if name="Name5" axis="par ch" ptType="doc node" func="cnt" op="gte" val="2">
+              <dgm:forEach name="Name6" axis="followSib" ptType="sibTrans" cnt="1">
+                <dgm:layoutNode name="spacer">
+                  <dgm:alg type="sp"/>
+                  <dgm:shape xmlns:r="http://schemas.openxmlformats.org/officeDocument/2006/relationships" r:blip="">
+                    <dgm:adjLst/>
+                  </dgm:shape>
+                  <dgm:presOf/>
+                  <dgm:constrLst/>
+                  <dgm:ruleLst/>
+                </dgm:layoutNode>
+              </dgm:forEach>
+            </dgm:if>
+            <dgm:else name="Name7"/>
+          </dgm:choose>
+        </dgm:else>
+      </dgm:choose>
+    </dgm:forEach>
+  </dgm:layoutNode>
+</dgm:layoutDef>
+</file>
+
+<file path=ppt/diagrams/layout5.xml><?xml version="1.0" encoding="utf-8"?>
+<dgm:layoutDef xmlns:dgm="http://schemas.openxmlformats.org/drawingml/2006/diagram" xmlns:a="http://schemas.openxmlformats.org/drawingml/2006/main" uniqueId="urn:microsoft.com/office/officeart/2005/8/layout/process1">
+  <dgm:title val=""/>
+  <dgm:desc val=""/>
+  <dgm:catLst>
+    <dgm:cat type="process" pri="1000"/>
+    <dgm:cat type="convert" pri="15000"/>
+  </dgm:catLst>
+  <dgm:sampData useDef="1">
+    <dgm:dataModel>
+      <dgm:ptLst/>
+      <dgm:bg/>
+      <dgm:whole/>
+    </dgm:dataModel>
+  </dgm:sampData>
+  <dgm:styleData>
+    <dgm:dataModel>
+      <dgm:ptLst>
+        <dgm:pt modelId="0" type="doc"/>
+        <dgm:pt modelId="1"/>
+        <dgm:pt modelId="2"/>
+      </dgm:ptLst>
+      <dgm:cxnLst>
+        <dgm:cxn modelId="3" srcId="0" destId="1" srcOrd="0" destOrd="0"/>
+        <dgm:cxn modelId="4" srcId="0" destId="2" srcOrd="1" destOrd="0"/>
+      </dgm:cxnLst>
+      <dgm:bg/>
+      <dgm:whole/>
+    </dgm:dataModel>
+  </dgm:styleData>
+  <dgm:clrData>
+    <dgm:dataModel>
+      <dgm:ptLst>
+        <dgm:pt modelId="0" type="doc"/>
+        <dgm:pt modelId="1"/>
+        <dgm:pt modelId="2"/>
+        <dgm:pt modelId="3"/>
+        <dgm:pt modelId="4"/>
+      </dgm:ptLst>
+      <dgm:cxnLst>
+        <dgm:cxn modelId="5" srcId="0" destId="1" srcOrd="0" destOrd="0"/>
+        <dgm:cxn modelId="6" srcId="0" destId="2" srcOrd="1" destOrd="0"/>
+        <dgm:cxn modelId="7" srcId="0" destId="3" srcOrd="2" destOrd="0"/>
+        <dgm:cxn modelId="8" srcId="0" destId="4" srcOrd="3" destOrd="0"/>
+      </dgm:cxnLst>
+      <dgm:bg/>
+      <dgm:whole/>
+    </dgm:dataModel>
+  </dgm:clrData>
+  <dgm:layoutNode name="Name0">
+    <dgm:varLst>
+      <dgm:dir/>
+      <dgm:resizeHandles val="exact"/>
+    </dgm:varLst>
+    <dgm:choose name="Name1">
+      <dgm:if name="Name2" func="var" arg="dir" op="equ" val="norm">
+        <dgm:alg type="lin"/>
+      </dgm:if>
+      <dgm:else name="Name3">
+        <dgm:alg type="lin">
+          <dgm:param type="linDir" val="fromR"/>
+        </dgm:alg>
+      </dgm:else>
+    </dgm:choose>
+    <dgm:shape xmlns:r="http://schemas.openxmlformats.org/officeDocument/2006/relationships" r:blip="">
+      <dgm:adjLst/>
+    </dgm:shape>
+    <dgm:presOf/>
+    <dgm:constrLst>
+      <dgm:constr type="w" for="ch" ptType="node" refType="w"/>
+      <dgm:constr type="h" for="ch" ptType="node" op="equ"/>
+      <dgm:constr type="primFontSz" for="ch" ptType="node" op="equ" val="65"/>
+      <dgm:constr type="w" for="ch" ptType="sibTrans" refType="w" refFor="ch" refPtType="node" op="equ" fact="0.4"/>
+      <dgm:constr type="h" for="ch" ptType="sibTrans" op="equ"/>
+      <dgm:constr type="primFontSz" for="des" forName="connectorText" op="equ" val="55"/>
+      <dgm:constr type="primFontSz" for="des" forName="connectorText" refType="primFontSz" refFor="ch" refPtType="node" op="lte" fact="0.8"/>
+    </dgm:constrLst>
+    <dgm:ruleLst/>
+    <dgm:forEach name="nodesForEach" axis="ch" ptType="node">
+      <dgm:layoutNode name="node">
+        <dgm:varLst>
+          <dgm:bulletEnabled val="1"/>
+        </dgm:varLst>
+        <dgm:alg type="tx"/>
+        <dgm:shape xmlns:r="http://schemas.openxmlformats.org/officeDocument/2006/relationships" type="roundRect" r:blip="">
+          <dgm:adjLst>
+            <dgm:adj idx="1" val="0.1"/>
+          </dgm:adjLst>
+        </dgm:shape>
+        <dgm:presOf axis="desOrSelf" ptType="node"/>
+        <dgm:constrLst>
+          <dgm:constr type="h" refType="w" fact="0.6"/>
+          <dgm:constr type="tMarg" refType="primFontSz" fact="0.3"/>
+          <dgm:constr type="bMarg" refType="primFontSz" fact="0.3"/>
+          <dgm:constr type="lMarg" refType="primFontSz" fact="0.3"/>
+          <dgm:constr type="rMarg" refType="primFontSz" fact="0.3"/>
+        </dgm:constrLst>
+        <dgm:ruleLst>
+          <dgm:rule type="primFontSz" val="18" fact="NaN" max="NaN"/>
+          <dgm:rule type="h" val="NaN" fact="1.5" max="NaN"/>
+          <dgm:rule type="primFontSz" val="5" fact="NaN" max="NaN"/>
+          <dgm:rule type="h" val="INF" fact="NaN" max="NaN"/>
+        </dgm:ruleLst>
+      </dgm:layoutNode>
+      <dgm:forEach name="sibTransForEach" axis="followSib" ptType="sibTrans" cnt="1">
+        <dgm:layoutNode name="sibTrans">
+          <dgm:alg type="conn">
+            <dgm:param type="begPts" val="auto"/>
+            <dgm:param type="endPts" val="auto"/>
+          </dgm:alg>
+          <dgm:shape xmlns:r="http://schemas.openxmlformats.org/officeDocument/2006/relationships" type="conn" r:blip="">
+            <dgm:adjLst/>
+          </dgm:shape>
+          <dgm:presOf axis="self"/>
+          <dgm:constrLst>
+            <dgm:constr type="h" refType="w" fact="0.62"/>
+            <dgm:constr type="connDist"/>
+            <dgm:constr type="begPad" refType="connDist" fact="0.25"/>
+            <dgm:constr type="endPad" refType="connDist" fact="0.22"/>
+          </dgm:constrLst>
+          <dgm:ruleLst/>
+          <dgm:layoutNode name="connectorText">
+            <dgm:alg type="tx">
+              <dgm:param type="autoTxRot" val="grav"/>
+            </dgm:alg>
+            <dgm:shape xmlns:r="http://schemas.openxmlformats.org/officeDocument/2006/relationships" type="conn" r:blip="" hideGeom="1">
+              <dgm:adjLst/>
+            </dgm:shape>
+            <dgm:presOf axis="self"/>
+            <dgm:constrLst>
+              <dgm:constr type="lMarg"/>
+              <dgm:constr type="rMarg"/>
+              <dgm:constr type="tMarg"/>
+              <dgm:constr type="bMarg"/>
+            </dgm:constrLst>
+            <dgm:ruleLst>
+              <dgm:rule type="primFontSz" val="5" fact="NaN" max="NaN"/>
+            </dgm:ruleLst>
+          </dgm:layoutNode>
+        </dgm:layoutNode>
+      </dgm:forEach>
+    </dgm:forEach>
+  </dgm:layoutNode>
+</dgm:layoutDef>
+</file>
+
 <file path=ppt/diagrams/quickStyle1.xml><?xml version="1.0" encoding="utf-8"?>
 <dgm:styleDef xmlns:dgm="http://schemas.openxmlformats.org/drawingml/2006/diagram" xmlns:a="http://schemas.openxmlformats.org/drawingml/2006/main" uniqueId="urn:microsoft.com/office/officeart/2005/8/quickstyle/simple1">
   <dgm:title val=""/>
@@ -5576,11 +9011,11 @@
 </file>
 
 <file path=ppt/diagrams/quickStyle3.xml><?xml version="1.0" encoding="utf-8"?>
-<dgm:styleDef xmlns:dgm="http://schemas.openxmlformats.org/drawingml/2006/diagram" xmlns:a="http://schemas.openxmlformats.org/drawingml/2006/main" uniqueId="urn:microsoft.com/office/officeart/2005/8/quickstyle/simple4">
+<dgm:styleDef xmlns:dgm="http://schemas.openxmlformats.org/drawingml/2006/diagram" xmlns:a="http://schemas.openxmlformats.org/drawingml/2006/main" uniqueId="urn:microsoft.com/office/officeart/2005/8/quickstyle/simple1">
   <dgm:title val=""/>
   <dgm:desc val=""/>
   <dgm:catLst>
-    <dgm:cat type="simple" pri="10400"/>
+    <dgm:cat type="simple" pri="10100"/>
   </dgm:catLst>
   <dgm:scene3d>
     <a:camera prst="orthographicFront"/>
@@ -5594,13 +9029,13 @@
     <dgm:sp3d/>
     <dgm:txPr/>
     <dgm:style>
-      <a:lnRef idx="0">
+      <a:lnRef idx="2">
         <a:scrgbClr r="0" g="0" b="0"/>
       </a:lnRef>
-      <a:fillRef idx="3">
+      <a:fillRef idx="1">
         <a:scrgbClr r="0" g="0" b="0"/>
       </a:fillRef>
-      <a:effectRef idx="2">
+      <a:effectRef idx="0">
         <a:scrgbClr r="0" g="0" b="0"/>
       </a:effectRef>
       <a:fontRef idx="minor">
@@ -5616,13 +9051,13 @@
     <dgm:sp3d/>
     <dgm:txPr/>
     <dgm:style>
-      <a:lnRef idx="1">
+      <a:lnRef idx="2">
         <a:scrgbClr r="0" g="0" b="0"/>
       </a:lnRef>
-      <a:fillRef idx="3">
+      <a:fillRef idx="1">
         <a:scrgbClr r="0" g="0" b="0"/>
       </a:fillRef>
-      <a:effectRef idx="2">
+      <a:effectRef idx="0">
         <a:scrgbClr r="0" g="0" b="0"/>
       </a:effectRef>
       <a:fontRef idx="minor">
@@ -5638,10 +9073,10 @@
     <dgm:sp3d/>
     <dgm:txPr/>
     <dgm:style>
-      <a:lnRef idx="0">
+      <a:lnRef idx="2">
         <a:scrgbClr r="0" g="0" b="0"/>
       </a:lnRef>
-      <a:fillRef idx="3">
+      <a:fillRef idx="1">
         <a:scrgbClr r="0" g="0" b="0"/>
       </a:fillRef>
       <a:effectRef idx="0">
@@ -5660,13 +9095,13 @@
     <dgm:sp3d/>
     <dgm:txPr/>
     <dgm:style>
-      <a:lnRef idx="1">
+      <a:lnRef idx="2">
         <a:scrgbClr r="0" g="0" b="0"/>
       </a:lnRef>
-      <a:fillRef idx="3">
+      <a:fillRef idx="1">
         <a:scrgbClr r="0" g="0" b="0"/>
       </a:fillRef>
-      <a:effectRef idx="2">
+      <a:effectRef idx="0">
         <a:scrgbClr r="0" g="0" b="0"/>
       </a:effectRef>
       <a:fontRef idx="minor">
@@ -5682,13 +9117,13 @@
     <dgm:sp3d/>
     <dgm:txPr/>
     <dgm:style>
-      <a:lnRef idx="0">
+      <a:lnRef idx="2">
         <a:scrgbClr r="0" g="0" b="0"/>
       </a:lnRef>
-      <a:fillRef idx="3">
+      <a:fillRef idx="1">
         <a:scrgbClr r="0" g="0" b="0"/>
       </a:fillRef>
-      <a:effectRef idx="2">
+      <a:effectRef idx="0">
         <a:scrgbClr r="0" g="0" b="0"/>
       </a:effectRef>
       <a:fontRef idx="minor">
@@ -5704,13 +9139,13 @@
     <dgm:sp3d/>
     <dgm:txPr/>
     <dgm:style>
-      <a:lnRef idx="0">
+      <a:lnRef idx="2">
         <a:scrgbClr r="0" g="0" b="0"/>
       </a:lnRef>
-      <a:fillRef idx="3">
+      <a:fillRef idx="1">
         <a:scrgbClr r="0" g="0" b="0"/>
       </a:fillRef>
-      <a:effectRef idx="2">
+      <a:effectRef idx="0">
         <a:scrgbClr r="0" g="0" b="0"/>
       </a:effectRef>
       <a:fontRef idx="minor">
@@ -5726,13 +9161,13 @@
     <dgm:sp3d/>
     <dgm:txPr/>
     <dgm:style>
-      <a:lnRef idx="0">
+      <a:lnRef idx="2">
         <a:scrgbClr r="0" g="0" b="0"/>
       </a:lnRef>
-      <a:fillRef idx="3">
+      <a:fillRef idx="1">
         <a:scrgbClr r="0" g="0" b="0"/>
       </a:fillRef>
-      <a:effectRef idx="2">
+      <a:effectRef idx="0">
         <a:scrgbClr r="0" g="0" b="0"/>
       </a:effectRef>
       <a:fontRef idx="minor">
@@ -5748,13 +9183,13 @@
     <dgm:sp3d/>
     <dgm:txPr/>
     <dgm:style>
-      <a:lnRef idx="0">
+      <a:lnRef idx="2">
         <a:scrgbClr r="0" g="0" b="0"/>
       </a:lnRef>
-      <a:fillRef idx="3">
+      <a:fillRef idx="1">
         <a:scrgbClr r="0" g="0" b="0"/>
       </a:fillRef>
-      <a:effectRef idx="2">
+      <a:effectRef idx="0">
         <a:scrgbClr r="0" g="0" b="0"/>
       </a:effectRef>
       <a:fontRef idx="minor">
@@ -5770,13 +9205,13 @@
     <dgm:sp3d/>
     <dgm:txPr/>
     <dgm:style>
-      <a:lnRef idx="0">
+      <a:lnRef idx="2">
         <a:scrgbClr r="0" g="0" b="0"/>
       </a:lnRef>
       <a:fillRef idx="1">
         <a:scrgbClr r="0" g="0" b="0"/>
       </a:fillRef>
-      <a:effectRef idx="2">
+      <a:effectRef idx="0">
         <a:scrgbClr r="0" g="0" b="0"/>
       </a:effectRef>
       <a:fontRef idx="minor"/>
@@ -5790,13 +9225,13 @@
     <dgm:sp3d/>
     <dgm:txPr/>
     <dgm:style>
-      <a:lnRef idx="0">
+      <a:lnRef idx="2">
         <a:scrgbClr r="0" g="0" b="0"/>
       </a:lnRef>
       <a:fillRef idx="1">
         <a:scrgbClr r="0" g="0" b="0"/>
       </a:fillRef>
-      <a:effectRef idx="2">
+      <a:effectRef idx="0">
         <a:scrgbClr r="0" g="0" b="0"/>
       </a:effectRef>
       <a:fontRef idx="minor"/>
@@ -5810,13 +9245,13 @@
     <dgm:sp3d/>
     <dgm:txPr/>
     <dgm:style>
-      <a:lnRef idx="0">
+      <a:lnRef idx="2">
         <a:scrgbClr r="0" g="0" b="0"/>
       </a:lnRef>
       <a:fillRef idx="1">
         <a:scrgbClr r="0" g="0" b="0"/>
       </a:fillRef>
-      <a:effectRef idx="2">
+      <a:effectRef idx="0">
         <a:scrgbClr r="0" g="0" b="0"/>
       </a:effectRef>
       <a:fontRef idx="minor"/>
@@ -5833,10 +9268,10 @@
       <a:lnRef idx="0">
         <a:scrgbClr r="0" g="0" b="0"/>
       </a:lnRef>
-      <a:fillRef idx="3">
+      <a:fillRef idx="1">
         <a:scrgbClr r="0" g="0" b="0"/>
       </a:fillRef>
-      <a:effectRef idx="2">
+      <a:effectRef idx="0">
         <a:scrgbClr r="0" g="0" b="0"/>
       </a:effectRef>
       <a:fontRef idx="minor">
@@ -5855,10 +9290,10 @@
       <a:lnRef idx="0">
         <a:scrgbClr r="0" g="0" b="0"/>
       </a:lnRef>
-      <a:fillRef idx="3">
+      <a:fillRef idx="1">
         <a:scrgbClr r="0" g="0" b="0"/>
       </a:fillRef>
-      <a:effectRef idx="2">
+      <a:effectRef idx="0">
         <a:scrgbClr r="0" g="0" b="0"/>
       </a:effectRef>
       <a:fontRef idx="minor">
@@ -5877,10 +9312,10 @@
       <a:lnRef idx="0">
         <a:scrgbClr r="0" g="0" b="0"/>
       </a:lnRef>
-      <a:fillRef idx="3">
+      <a:fillRef idx="1">
         <a:scrgbClr r="0" g="0" b="0"/>
       </a:fillRef>
-      <a:effectRef idx="2">
+      <a:effectRef idx="0">
         <a:scrgbClr r="0" g="0" b="0"/>
       </a:effectRef>
       <a:fontRef idx="minor">
@@ -5922,7 +9357,7 @@
       <a:fillRef idx="1">
         <a:scrgbClr r="0" g="0" b="0"/>
       </a:fillRef>
-      <a:effectRef idx="1">
+      <a:effectRef idx="0">
         <a:scrgbClr r="0" g="0" b="0"/>
       </a:effectRef>
       <a:fontRef idx="minor"/>
@@ -5936,13 +9371,13 @@
     <dgm:sp3d/>
     <dgm:txPr/>
     <dgm:style>
-      <a:lnRef idx="0">
+      <a:lnRef idx="2">
         <a:scrgbClr r="0" g="0" b="0"/>
       </a:lnRef>
-      <a:fillRef idx="3">
+      <a:fillRef idx="1">
         <a:scrgbClr r="0" g="0" b="0"/>
       </a:fillRef>
-      <a:effectRef idx="2">
+      <a:effectRef idx="0">
         <a:scrgbClr r="0" g="0" b="0"/>
       </a:effectRef>
       <a:fontRef idx="minor">
@@ -5958,13 +9393,13 @@
     <dgm:sp3d/>
     <dgm:txPr/>
     <dgm:style>
-      <a:lnRef idx="0">
+      <a:lnRef idx="2">
         <a:scrgbClr r="0" g="0" b="0"/>
       </a:lnRef>
-      <a:fillRef idx="3">
+      <a:fillRef idx="1">
         <a:scrgbClr r="0" g="0" b="0"/>
       </a:fillRef>
-      <a:effectRef idx="2">
+      <a:effectRef idx="0">
         <a:scrgbClr r="0" g="0" b="0"/>
       </a:effectRef>
       <a:fontRef idx="minor">
@@ -5980,13 +9415,13 @@
     <dgm:sp3d/>
     <dgm:txPr/>
     <dgm:style>
-      <a:lnRef idx="0">
+      <a:lnRef idx="2">
         <a:scrgbClr r="0" g="0" b="0"/>
       </a:lnRef>
-      <a:fillRef idx="3">
+      <a:fillRef idx="1">
         <a:scrgbClr r="0" g="0" b="0"/>
       </a:fillRef>
-      <a:effectRef idx="2">
+      <a:effectRef idx="0">
         <a:scrgbClr r="0" g="0" b="0"/>
       </a:effectRef>
       <a:fontRef idx="minor">
@@ -6002,13 +9437,13 @@
     <dgm:sp3d/>
     <dgm:txPr/>
     <dgm:style>
-      <a:lnRef idx="0">
+      <a:lnRef idx="2">
         <a:scrgbClr r="0" g="0" b="0"/>
       </a:lnRef>
-      <a:fillRef idx="3">
+      <a:fillRef idx="1">
         <a:scrgbClr r="0" g="0" b="0"/>
       </a:fillRef>
-      <a:effectRef idx="2">
+      <a:effectRef idx="0">
         <a:scrgbClr r="0" g="0" b="0"/>
       </a:effectRef>
       <a:fontRef idx="minor">
@@ -6024,13 +9459,13 @@
     <dgm:sp3d/>
     <dgm:txPr/>
     <dgm:style>
-      <a:lnRef idx="0">
+      <a:lnRef idx="2">
         <a:scrgbClr r="0" g="0" b="0"/>
       </a:lnRef>
-      <a:fillRef idx="3">
+      <a:fillRef idx="1">
         <a:scrgbClr r="0" g="0" b="0"/>
       </a:fillRef>
-      <a:effectRef idx="2">
+      <a:effectRef idx="0">
         <a:scrgbClr r="0" g="0" b="0"/>
       </a:effectRef>
       <a:fontRef idx="minor">
@@ -6046,13 +9481,13 @@
     <dgm:sp3d/>
     <dgm:txPr/>
     <dgm:style>
-      <a:lnRef idx="0">
+      <a:lnRef idx="2">
         <a:scrgbClr r="0" g="0" b="0"/>
       </a:lnRef>
-      <a:fillRef idx="3">
+      <a:fillRef idx="1">
         <a:scrgbClr r="0" g="0" b="0"/>
       </a:fillRef>
-      <a:effectRef idx="2">
+      <a:effectRef idx="0">
         <a:scrgbClr r="0" g="0" b="0"/>
       </a:effectRef>
       <a:fontRef idx="minor">
@@ -6068,13 +9503,13 @@
     <dgm:sp3d/>
     <dgm:txPr/>
     <dgm:style>
-      <a:lnRef idx="0">
+      <a:lnRef idx="2">
         <a:scrgbClr r="0" g="0" b="0"/>
       </a:lnRef>
-      <a:fillRef idx="3">
+      <a:fillRef idx="1">
         <a:scrgbClr r="0" g="0" b="0"/>
       </a:fillRef>
-      <a:effectRef idx="2">
+      <a:effectRef idx="0">
         <a:scrgbClr r="0" g="0" b="0"/>
       </a:effectRef>
       <a:fontRef idx="minor">
@@ -6090,13 +9525,13 @@
     <dgm:sp3d/>
     <dgm:txPr/>
     <dgm:style>
-      <a:lnRef idx="1">
+      <a:lnRef idx="2">
         <a:scrgbClr r="0" g="0" b="0"/>
       </a:lnRef>
-      <a:fillRef idx="3">
+      <a:fillRef idx="1">
         <a:scrgbClr r="0" g="0" b="0"/>
       </a:fillRef>
-      <a:effectRef idx="2">
+      <a:effectRef idx="0">
         <a:scrgbClr r="0" g="0" b="0"/>
       </a:effectRef>
       <a:fontRef idx="minor">
@@ -6112,13 +9547,13 @@
     <dgm:sp3d/>
     <dgm:txPr/>
     <dgm:style>
-      <a:lnRef idx="1">
+      <a:lnRef idx="2">
         <a:scrgbClr r="0" g="0" b="0"/>
       </a:lnRef>
-      <a:fillRef idx="3">
+      <a:fillRef idx="1">
         <a:scrgbClr r="0" g="0" b="0"/>
       </a:fillRef>
-      <a:effectRef idx="2">
+      <a:effectRef idx="0">
         <a:scrgbClr r="0" g="0" b="0"/>
       </a:effectRef>
       <a:fontRef idx="minor">
@@ -6134,7 +9569,7 @@
     <dgm:sp3d/>
     <dgm:txPr/>
     <dgm:style>
-      <a:lnRef idx="1">
+      <a:lnRef idx="2">
         <a:scrgbClr r="0" g="0" b="0"/>
       </a:lnRef>
       <a:fillRef idx="0">
@@ -6154,7 +9589,7 @@
     <dgm:sp3d/>
     <dgm:txPr/>
     <dgm:style>
-      <a:lnRef idx="1">
+      <a:lnRef idx="2">
         <a:scrgbClr r="0" g="0" b="0"/>
       </a:lnRef>
       <a:fillRef idx="0">
@@ -6174,7 +9609,7 @@
     <dgm:sp3d/>
     <dgm:txPr/>
     <dgm:style>
-      <a:lnRef idx="1">
+      <a:lnRef idx="2">
         <a:scrgbClr r="0" g="0" b="0"/>
       </a:lnRef>
       <a:fillRef idx="0">
@@ -6194,7 +9629,7 @@
     <dgm:sp3d/>
     <dgm:txPr/>
     <dgm:style>
-      <a:lnRef idx="1">
+      <a:lnRef idx="2">
         <a:scrgbClr r="0" g="0" b="0"/>
       </a:lnRef>
       <a:fillRef idx="0">
@@ -6214,7 +9649,7 @@
     <dgm:sp3d/>
     <dgm:txPr/>
     <dgm:style>
-      <a:lnRef idx="1">
+      <a:lnRef idx="2">
         <a:scrgbClr r="0" g="0" b="0"/>
       </a:lnRef>
       <a:fillRef idx="1">
@@ -6234,7 +9669,7 @@
     <dgm:sp3d/>
     <dgm:txPr/>
     <dgm:style>
-      <a:lnRef idx="1">
+      <a:lnRef idx="2">
         <a:scrgbClr r="0" g="0" b="0"/>
       </a:lnRef>
       <a:fillRef idx="1">
@@ -6254,7 +9689,7 @@
     <dgm:sp3d/>
     <dgm:txPr/>
     <dgm:style>
-      <a:lnRef idx="1">
+      <a:lnRef idx="2">
         <a:scrgbClr r="0" g="0" b="0"/>
       </a:lnRef>
       <a:fillRef idx="1">
@@ -6294,7 +9729,7 @@
     <dgm:sp3d/>
     <dgm:txPr/>
     <dgm:style>
-      <a:lnRef idx="1">
+      <a:lnRef idx="2">
         <a:scrgbClr r="0" g="0" b="0"/>
       </a:lnRef>
       <a:fillRef idx="1">
@@ -6314,7 +9749,7 @@
     <dgm:sp3d/>
     <dgm:txPr/>
     <dgm:style>
-      <a:lnRef idx="1">
+      <a:lnRef idx="2">
         <a:scrgbClr r="0" g="0" b="0"/>
       </a:lnRef>
       <a:fillRef idx="1">
@@ -6334,7 +9769,7 @@
     <dgm:sp3d/>
     <dgm:txPr/>
     <dgm:style>
-      <a:lnRef idx="1">
+      <a:lnRef idx="2">
         <a:scrgbClr r="0" g="0" b="0"/>
       </a:lnRef>
       <a:fillRef idx="1">
@@ -6354,7 +9789,7 @@
     <dgm:sp3d/>
     <dgm:txPr/>
     <dgm:style>
-      <a:lnRef idx="1">
+      <a:lnRef idx="2">
         <a:scrgbClr r="0" g="0" b="0"/>
       </a:lnRef>
       <a:fillRef idx="1">
@@ -6374,7 +9809,7 @@
     <dgm:sp3d/>
     <dgm:txPr/>
     <dgm:style>
-      <a:lnRef idx="1">
+      <a:lnRef idx="2">
         <a:scrgbClr r="0" g="0" b="0"/>
       </a:lnRef>
       <a:fillRef idx="1">
@@ -6394,7 +9829,7 @@
     <dgm:sp3d/>
     <dgm:txPr/>
     <dgm:style>
-      <a:lnRef idx="1">
+      <a:lnRef idx="2">
         <a:scrgbClr r="0" g="0" b="0"/>
       </a:lnRef>
       <a:fillRef idx="1">
@@ -6414,7 +9849,7 @@
     <dgm:sp3d/>
     <dgm:txPr/>
     <dgm:style>
-      <a:lnRef idx="1">
+      <a:lnRef idx="2">
         <a:scrgbClr r="0" g="0" b="0"/>
       </a:lnRef>
       <a:fillRef idx="1">
@@ -6434,7 +9869,7 @@
     <dgm:sp3d/>
     <dgm:txPr/>
     <dgm:style>
-      <a:lnRef idx="1">
+      <a:lnRef idx="2">
         <a:scrgbClr r="0" g="0" b="0"/>
       </a:lnRef>
       <a:fillRef idx="1">
@@ -6454,7 +9889,7 @@
     <dgm:sp3d/>
     <dgm:txPr/>
     <dgm:style>
-      <a:lnRef idx="1">
+      <a:lnRef idx="2">
         <a:scrgbClr r="0" g="0" b="0"/>
       </a:lnRef>
       <a:fillRef idx="1">
@@ -6474,7 +9909,7 @@
     <dgm:sp3d/>
     <dgm:txPr/>
     <dgm:style>
-      <a:lnRef idx="1">
+      <a:lnRef idx="2">
         <a:scrgbClr r="0" g="0" b="0"/>
       </a:lnRef>
       <a:fillRef idx="1">
@@ -6494,7 +9929,7 @@
     <dgm:sp3d/>
     <dgm:txPr/>
     <dgm:style>
-      <a:lnRef idx="1">
+      <a:lnRef idx="2">
         <a:scrgbClr r="0" g="0" b="0"/>
       </a:lnRef>
       <a:fillRef idx="1">
@@ -6520,7 +9955,7 @@
       <a:fillRef idx="1">
         <a:scrgbClr r="0" g="0" b="0"/>
       </a:fillRef>
-      <a:effectRef idx="2">
+      <a:effectRef idx="0">
         <a:scrgbClr r="0" g="0" b="0"/>
       </a:effectRef>
       <a:fontRef idx="minor"/>
@@ -6540,7 +9975,7 @@
       <a:fillRef idx="1">
         <a:scrgbClr r="0" g="0" b="0"/>
       </a:fillRef>
-      <a:effectRef idx="2">
+      <a:effectRef idx="0">
         <a:scrgbClr r="0" g="0" b="0"/>
       </a:effectRef>
       <a:fontRef idx="minor"/>
@@ -6574,13 +10009,2081 @@
     <dgm:sp3d/>
     <dgm:txPr/>
     <dgm:style>
+      <a:lnRef idx="2">
+        <a:scrgbClr r="0" g="0" b="0"/>
+      </a:lnRef>
+      <a:fillRef idx="1">
+        <a:scrgbClr r="0" g="0" b="0"/>
+      </a:fillRef>
+      <a:effectRef idx="0">
+        <a:scrgbClr r="0" g="0" b="0"/>
+      </a:effectRef>
+      <a:fontRef idx="minor"/>
+    </dgm:style>
+  </dgm:styleLbl>
+  <dgm:styleLbl name="revTx">
+    <dgm:scene3d>
+      <a:camera prst="orthographicFront"/>
+      <a:lightRig rig="threePt" dir="t"/>
+    </dgm:scene3d>
+    <dgm:sp3d/>
+    <dgm:txPr/>
+    <dgm:style>
       <a:lnRef idx="0">
         <a:scrgbClr r="0" g="0" b="0"/>
       </a:lnRef>
-      <a:fillRef idx="3">
+      <a:fillRef idx="0">
         <a:scrgbClr r="0" g="0" b="0"/>
       </a:fillRef>
-      <a:effectRef idx="2">
+      <a:effectRef idx="0">
+        <a:scrgbClr r="0" g="0" b="0"/>
+      </a:effectRef>
+      <a:fontRef idx="minor"/>
+    </dgm:style>
+  </dgm:styleLbl>
+</dgm:styleDef>
+</file>
+
+<file path=ppt/diagrams/quickStyle4.xml><?xml version="1.0" encoding="utf-8"?>
+<dgm:styleDef xmlns:dgm="http://schemas.openxmlformats.org/drawingml/2006/diagram" xmlns:a="http://schemas.openxmlformats.org/drawingml/2006/main" uniqueId="urn:microsoft.com/office/officeart/2005/8/quickstyle/simple1">
+  <dgm:title val=""/>
+  <dgm:desc val=""/>
+  <dgm:catLst>
+    <dgm:cat type="simple" pri="10100"/>
+  </dgm:catLst>
+  <dgm:scene3d>
+    <a:camera prst="orthographicFront"/>
+    <a:lightRig rig="threePt" dir="t"/>
+  </dgm:scene3d>
+  <dgm:styleLbl name="node0">
+    <dgm:scene3d>
+      <a:camera prst="orthographicFront"/>
+      <a:lightRig rig="threePt" dir="t"/>
+    </dgm:scene3d>
+    <dgm:sp3d/>
+    <dgm:txPr/>
+    <dgm:style>
+      <a:lnRef idx="2">
+        <a:scrgbClr r="0" g="0" b="0"/>
+      </a:lnRef>
+      <a:fillRef idx="1">
+        <a:scrgbClr r="0" g="0" b="0"/>
+      </a:fillRef>
+      <a:effectRef idx="0">
+        <a:scrgbClr r="0" g="0" b="0"/>
+      </a:effectRef>
+      <a:fontRef idx="minor">
+        <a:schemeClr val="lt1"/>
+      </a:fontRef>
+    </dgm:style>
+  </dgm:styleLbl>
+  <dgm:styleLbl name="lnNode1">
+    <dgm:scene3d>
+      <a:camera prst="orthographicFront"/>
+      <a:lightRig rig="threePt" dir="t"/>
+    </dgm:scene3d>
+    <dgm:sp3d/>
+    <dgm:txPr/>
+    <dgm:style>
+      <a:lnRef idx="2">
+        <a:scrgbClr r="0" g="0" b="0"/>
+      </a:lnRef>
+      <a:fillRef idx="1">
+        <a:scrgbClr r="0" g="0" b="0"/>
+      </a:fillRef>
+      <a:effectRef idx="0">
+        <a:scrgbClr r="0" g="0" b="0"/>
+      </a:effectRef>
+      <a:fontRef idx="minor">
+        <a:schemeClr val="lt1"/>
+      </a:fontRef>
+    </dgm:style>
+  </dgm:styleLbl>
+  <dgm:styleLbl name="vennNode1">
+    <dgm:scene3d>
+      <a:camera prst="orthographicFront"/>
+      <a:lightRig rig="threePt" dir="t"/>
+    </dgm:scene3d>
+    <dgm:sp3d/>
+    <dgm:txPr/>
+    <dgm:style>
+      <a:lnRef idx="2">
+        <a:scrgbClr r="0" g="0" b="0"/>
+      </a:lnRef>
+      <a:fillRef idx="1">
+        <a:scrgbClr r="0" g="0" b="0"/>
+      </a:fillRef>
+      <a:effectRef idx="0">
+        <a:scrgbClr r="0" g="0" b="0"/>
+      </a:effectRef>
+      <a:fontRef idx="minor">
+        <a:schemeClr val="tx1"/>
+      </a:fontRef>
+    </dgm:style>
+  </dgm:styleLbl>
+  <dgm:styleLbl name="alignNode1">
+    <dgm:scene3d>
+      <a:camera prst="orthographicFront"/>
+      <a:lightRig rig="threePt" dir="t"/>
+    </dgm:scene3d>
+    <dgm:sp3d/>
+    <dgm:txPr/>
+    <dgm:style>
+      <a:lnRef idx="2">
+        <a:scrgbClr r="0" g="0" b="0"/>
+      </a:lnRef>
+      <a:fillRef idx="1">
+        <a:scrgbClr r="0" g="0" b="0"/>
+      </a:fillRef>
+      <a:effectRef idx="0">
+        <a:scrgbClr r="0" g="0" b="0"/>
+      </a:effectRef>
+      <a:fontRef idx="minor">
+        <a:schemeClr val="lt1"/>
+      </a:fontRef>
+    </dgm:style>
+  </dgm:styleLbl>
+  <dgm:styleLbl name="node1">
+    <dgm:scene3d>
+      <a:camera prst="orthographicFront"/>
+      <a:lightRig rig="threePt" dir="t"/>
+    </dgm:scene3d>
+    <dgm:sp3d/>
+    <dgm:txPr/>
+    <dgm:style>
+      <a:lnRef idx="2">
+        <a:scrgbClr r="0" g="0" b="0"/>
+      </a:lnRef>
+      <a:fillRef idx="1">
+        <a:scrgbClr r="0" g="0" b="0"/>
+      </a:fillRef>
+      <a:effectRef idx="0">
+        <a:scrgbClr r="0" g="0" b="0"/>
+      </a:effectRef>
+      <a:fontRef idx="minor">
+        <a:schemeClr val="lt1"/>
+      </a:fontRef>
+    </dgm:style>
+  </dgm:styleLbl>
+  <dgm:styleLbl name="node2">
+    <dgm:scene3d>
+      <a:camera prst="orthographicFront"/>
+      <a:lightRig rig="threePt" dir="t"/>
+    </dgm:scene3d>
+    <dgm:sp3d/>
+    <dgm:txPr/>
+    <dgm:style>
+      <a:lnRef idx="2">
+        <a:scrgbClr r="0" g="0" b="0"/>
+      </a:lnRef>
+      <a:fillRef idx="1">
+        <a:scrgbClr r="0" g="0" b="0"/>
+      </a:fillRef>
+      <a:effectRef idx="0">
+        <a:scrgbClr r="0" g="0" b="0"/>
+      </a:effectRef>
+      <a:fontRef idx="minor">
+        <a:schemeClr val="lt1"/>
+      </a:fontRef>
+    </dgm:style>
+  </dgm:styleLbl>
+  <dgm:styleLbl name="node3">
+    <dgm:scene3d>
+      <a:camera prst="orthographicFront"/>
+      <a:lightRig rig="threePt" dir="t"/>
+    </dgm:scene3d>
+    <dgm:sp3d/>
+    <dgm:txPr/>
+    <dgm:style>
+      <a:lnRef idx="2">
+        <a:scrgbClr r="0" g="0" b="0"/>
+      </a:lnRef>
+      <a:fillRef idx="1">
+        <a:scrgbClr r="0" g="0" b="0"/>
+      </a:fillRef>
+      <a:effectRef idx="0">
+        <a:scrgbClr r="0" g="0" b="0"/>
+      </a:effectRef>
+      <a:fontRef idx="minor">
+        <a:schemeClr val="lt1"/>
+      </a:fontRef>
+    </dgm:style>
+  </dgm:styleLbl>
+  <dgm:styleLbl name="node4">
+    <dgm:scene3d>
+      <a:camera prst="orthographicFront"/>
+      <a:lightRig rig="threePt" dir="t"/>
+    </dgm:scene3d>
+    <dgm:sp3d/>
+    <dgm:txPr/>
+    <dgm:style>
+      <a:lnRef idx="2">
+        <a:scrgbClr r="0" g="0" b="0"/>
+      </a:lnRef>
+      <a:fillRef idx="1">
+        <a:scrgbClr r="0" g="0" b="0"/>
+      </a:fillRef>
+      <a:effectRef idx="0">
+        <a:scrgbClr r="0" g="0" b="0"/>
+      </a:effectRef>
+      <a:fontRef idx="minor">
+        <a:schemeClr val="lt1"/>
+      </a:fontRef>
+    </dgm:style>
+  </dgm:styleLbl>
+  <dgm:styleLbl name="fgImgPlace1">
+    <dgm:scene3d>
+      <a:camera prst="orthographicFront"/>
+      <a:lightRig rig="threePt" dir="t"/>
+    </dgm:scene3d>
+    <dgm:sp3d/>
+    <dgm:txPr/>
+    <dgm:style>
+      <a:lnRef idx="2">
+        <a:scrgbClr r="0" g="0" b="0"/>
+      </a:lnRef>
+      <a:fillRef idx="1">
+        <a:scrgbClr r="0" g="0" b="0"/>
+      </a:fillRef>
+      <a:effectRef idx="0">
+        <a:scrgbClr r="0" g="0" b="0"/>
+      </a:effectRef>
+      <a:fontRef idx="minor"/>
+    </dgm:style>
+  </dgm:styleLbl>
+  <dgm:styleLbl name="alignImgPlace1">
+    <dgm:scene3d>
+      <a:camera prst="orthographicFront"/>
+      <a:lightRig rig="threePt" dir="t"/>
+    </dgm:scene3d>
+    <dgm:sp3d/>
+    <dgm:txPr/>
+    <dgm:style>
+      <a:lnRef idx="2">
+        <a:scrgbClr r="0" g="0" b="0"/>
+      </a:lnRef>
+      <a:fillRef idx="1">
+        <a:scrgbClr r="0" g="0" b="0"/>
+      </a:fillRef>
+      <a:effectRef idx="0">
+        <a:scrgbClr r="0" g="0" b="0"/>
+      </a:effectRef>
+      <a:fontRef idx="minor"/>
+    </dgm:style>
+  </dgm:styleLbl>
+  <dgm:styleLbl name="bgImgPlace1">
+    <dgm:scene3d>
+      <a:camera prst="orthographicFront"/>
+      <a:lightRig rig="threePt" dir="t"/>
+    </dgm:scene3d>
+    <dgm:sp3d/>
+    <dgm:txPr/>
+    <dgm:style>
+      <a:lnRef idx="2">
+        <a:scrgbClr r="0" g="0" b="0"/>
+      </a:lnRef>
+      <a:fillRef idx="1">
+        <a:scrgbClr r="0" g="0" b="0"/>
+      </a:fillRef>
+      <a:effectRef idx="0">
+        <a:scrgbClr r="0" g="0" b="0"/>
+      </a:effectRef>
+      <a:fontRef idx="minor"/>
+    </dgm:style>
+  </dgm:styleLbl>
+  <dgm:styleLbl name="sibTrans2D1">
+    <dgm:scene3d>
+      <a:camera prst="orthographicFront"/>
+      <a:lightRig rig="threePt" dir="t"/>
+    </dgm:scene3d>
+    <dgm:sp3d/>
+    <dgm:txPr/>
+    <dgm:style>
+      <a:lnRef idx="0">
+        <a:scrgbClr r="0" g="0" b="0"/>
+      </a:lnRef>
+      <a:fillRef idx="1">
+        <a:scrgbClr r="0" g="0" b="0"/>
+      </a:fillRef>
+      <a:effectRef idx="0">
+        <a:scrgbClr r="0" g="0" b="0"/>
+      </a:effectRef>
+      <a:fontRef idx="minor">
+        <a:schemeClr val="lt1"/>
+      </a:fontRef>
+    </dgm:style>
+  </dgm:styleLbl>
+  <dgm:styleLbl name="fgSibTrans2D1">
+    <dgm:scene3d>
+      <a:camera prst="orthographicFront"/>
+      <a:lightRig rig="threePt" dir="t"/>
+    </dgm:scene3d>
+    <dgm:sp3d/>
+    <dgm:txPr/>
+    <dgm:style>
+      <a:lnRef idx="0">
+        <a:scrgbClr r="0" g="0" b="0"/>
+      </a:lnRef>
+      <a:fillRef idx="1">
+        <a:scrgbClr r="0" g="0" b="0"/>
+      </a:fillRef>
+      <a:effectRef idx="0">
+        <a:scrgbClr r="0" g="0" b="0"/>
+      </a:effectRef>
+      <a:fontRef idx="minor">
+        <a:schemeClr val="lt1"/>
+      </a:fontRef>
+    </dgm:style>
+  </dgm:styleLbl>
+  <dgm:styleLbl name="bgSibTrans2D1">
+    <dgm:scene3d>
+      <a:camera prst="orthographicFront"/>
+      <a:lightRig rig="threePt" dir="t"/>
+    </dgm:scene3d>
+    <dgm:sp3d/>
+    <dgm:txPr/>
+    <dgm:style>
+      <a:lnRef idx="0">
+        <a:scrgbClr r="0" g="0" b="0"/>
+      </a:lnRef>
+      <a:fillRef idx="1">
+        <a:scrgbClr r="0" g="0" b="0"/>
+      </a:fillRef>
+      <a:effectRef idx="0">
+        <a:scrgbClr r="0" g="0" b="0"/>
+      </a:effectRef>
+      <a:fontRef idx="minor">
+        <a:schemeClr val="lt1"/>
+      </a:fontRef>
+    </dgm:style>
+  </dgm:styleLbl>
+  <dgm:styleLbl name="sibTrans1D1">
+    <dgm:scene3d>
+      <a:camera prst="orthographicFront"/>
+      <a:lightRig rig="threePt" dir="t"/>
+    </dgm:scene3d>
+    <dgm:sp3d/>
+    <dgm:txPr/>
+    <dgm:style>
+      <a:lnRef idx="1">
+        <a:scrgbClr r="0" g="0" b="0"/>
+      </a:lnRef>
+      <a:fillRef idx="0">
+        <a:scrgbClr r="0" g="0" b="0"/>
+      </a:fillRef>
+      <a:effectRef idx="0">
+        <a:scrgbClr r="0" g="0" b="0"/>
+      </a:effectRef>
+      <a:fontRef idx="minor"/>
+    </dgm:style>
+  </dgm:styleLbl>
+  <dgm:styleLbl name="callout">
+    <dgm:scene3d>
+      <a:camera prst="orthographicFront"/>
+      <a:lightRig rig="threePt" dir="t"/>
+    </dgm:scene3d>
+    <dgm:sp3d/>
+    <dgm:txPr/>
+    <dgm:style>
+      <a:lnRef idx="2">
+        <a:scrgbClr r="0" g="0" b="0"/>
+      </a:lnRef>
+      <a:fillRef idx="1">
+        <a:scrgbClr r="0" g="0" b="0"/>
+      </a:fillRef>
+      <a:effectRef idx="0">
+        <a:scrgbClr r="0" g="0" b="0"/>
+      </a:effectRef>
+      <a:fontRef idx="minor"/>
+    </dgm:style>
+  </dgm:styleLbl>
+  <dgm:styleLbl name="asst0">
+    <dgm:scene3d>
+      <a:camera prst="orthographicFront"/>
+      <a:lightRig rig="threePt" dir="t"/>
+    </dgm:scene3d>
+    <dgm:sp3d/>
+    <dgm:txPr/>
+    <dgm:style>
+      <a:lnRef idx="2">
+        <a:scrgbClr r="0" g="0" b="0"/>
+      </a:lnRef>
+      <a:fillRef idx="1">
+        <a:scrgbClr r="0" g="0" b="0"/>
+      </a:fillRef>
+      <a:effectRef idx="0">
+        <a:scrgbClr r="0" g="0" b="0"/>
+      </a:effectRef>
+      <a:fontRef idx="minor">
+        <a:schemeClr val="lt1"/>
+      </a:fontRef>
+    </dgm:style>
+  </dgm:styleLbl>
+  <dgm:styleLbl name="asst1">
+    <dgm:scene3d>
+      <a:camera prst="orthographicFront"/>
+      <a:lightRig rig="threePt" dir="t"/>
+    </dgm:scene3d>
+    <dgm:sp3d/>
+    <dgm:txPr/>
+    <dgm:style>
+      <a:lnRef idx="2">
+        <a:scrgbClr r="0" g="0" b="0"/>
+      </a:lnRef>
+      <a:fillRef idx="1">
+        <a:scrgbClr r="0" g="0" b="0"/>
+      </a:fillRef>
+      <a:effectRef idx="0">
+        <a:scrgbClr r="0" g="0" b="0"/>
+      </a:effectRef>
+      <a:fontRef idx="minor">
+        <a:schemeClr val="lt1"/>
+      </a:fontRef>
+    </dgm:style>
+  </dgm:styleLbl>
+  <dgm:styleLbl name="asst2">
+    <dgm:scene3d>
+      <a:camera prst="orthographicFront"/>
+      <a:lightRig rig="threePt" dir="t"/>
+    </dgm:scene3d>
+    <dgm:sp3d/>
+    <dgm:txPr/>
+    <dgm:style>
+      <a:lnRef idx="2">
+        <a:scrgbClr r="0" g="0" b="0"/>
+      </a:lnRef>
+      <a:fillRef idx="1">
+        <a:scrgbClr r="0" g="0" b="0"/>
+      </a:fillRef>
+      <a:effectRef idx="0">
+        <a:scrgbClr r="0" g="0" b="0"/>
+      </a:effectRef>
+      <a:fontRef idx="minor">
+        <a:schemeClr val="lt1"/>
+      </a:fontRef>
+    </dgm:style>
+  </dgm:styleLbl>
+  <dgm:styleLbl name="asst3">
+    <dgm:scene3d>
+      <a:camera prst="orthographicFront"/>
+      <a:lightRig rig="threePt" dir="t"/>
+    </dgm:scene3d>
+    <dgm:sp3d/>
+    <dgm:txPr/>
+    <dgm:style>
+      <a:lnRef idx="2">
+        <a:scrgbClr r="0" g="0" b="0"/>
+      </a:lnRef>
+      <a:fillRef idx="1">
+        <a:scrgbClr r="0" g="0" b="0"/>
+      </a:fillRef>
+      <a:effectRef idx="0">
+        <a:scrgbClr r="0" g="0" b="0"/>
+      </a:effectRef>
+      <a:fontRef idx="minor">
+        <a:schemeClr val="lt1"/>
+      </a:fontRef>
+    </dgm:style>
+  </dgm:styleLbl>
+  <dgm:styleLbl name="asst4">
+    <dgm:scene3d>
+      <a:camera prst="orthographicFront"/>
+      <a:lightRig rig="threePt" dir="t"/>
+    </dgm:scene3d>
+    <dgm:sp3d/>
+    <dgm:txPr/>
+    <dgm:style>
+      <a:lnRef idx="2">
+        <a:scrgbClr r="0" g="0" b="0"/>
+      </a:lnRef>
+      <a:fillRef idx="1">
+        <a:scrgbClr r="0" g="0" b="0"/>
+      </a:fillRef>
+      <a:effectRef idx="0">
+        <a:scrgbClr r="0" g="0" b="0"/>
+      </a:effectRef>
+      <a:fontRef idx="minor">
+        <a:schemeClr val="lt1"/>
+      </a:fontRef>
+    </dgm:style>
+  </dgm:styleLbl>
+  <dgm:styleLbl name="parChTrans2D1">
+    <dgm:scene3d>
+      <a:camera prst="orthographicFront"/>
+      <a:lightRig rig="threePt" dir="t"/>
+    </dgm:scene3d>
+    <dgm:sp3d/>
+    <dgm:txPr/>
+    <dgm:style>
+      <a:lnRef idx="2">
+        <a:scrgbClr r="0" g="0" b="0"/>
+      </a:lnRef>
+      <a:fillRef idx="1">
+        <a:scrgbClr r="0" g="0" b="0"/>
+      </a:fillRef>
+      <a:effectRef idx="0">
+        <a:scrgbClr r="0" g="0" b="0"/>
+      </a:effectRef>
+      <a:fontRef idx="minor">
+        <a:schemeClr val="lt1"/>
+      </a:fontRef>
+    </dgm:style>
+  </dgm:styleLbl>
+  <dgm:styleLbl name="parChTrans2D2">
+    <dgm:scene3d>
+      <a:camera prst="orthographicFront"/>
+      <a:lightRig rig="threePt" dir="t"/>
+    </dgm:scene3d>
+    <dgm:sp3d/>
+    <dgm:txPr/>
+    <dgm:style>
+      <a:lnRef idx="2">
+        <a:scrgbClr r="0" g="0" b="0"/>
+      </a:lnRef>
+      <a:fillRef idx="1">
+        <a:scrgbClr r="0" g="0" b="0"/>
+      </a:fillRef>
+      <a:effectRef idx="0">
+        <a:scrgbClr r="0" g="0" b="0"/>
+      </a:effectRef>
+      <a:fontRef idx="minor">
+        <a:schemeClr val="lt1"/>
+      </a:fontRef>
+    </dgm:style>
+  </dgm:styleLbl>
+  <dgm:styleLbl name="parChTrans2D3">
+    <dgm:scene3d>
+      <a:camera prst="orthographicFront"/>
+      <a:lightRig rig="threePt" dir="t"/>
+    </dgm:scene3d>
+    <dgm:sp3d/>
+    <dgm:txPr/>
+    <dgm:style>
+      <a:lnRef idx="2">
+        <a:scrgbClr r="0" g="0" b="0"/>
+      </a:lnRef>
+      <a:fillRef idx="1">
+        <a:scrgbClr r="0" g="0" b="0"/>
+      </a:fillRef>
+      <a:effectRef idx="0">
+        <a:scrgbClr r="0" g="0" b="0"/>
+      </a:effectRef>
+      <a:fontRef idx="minor">
+        <a:schemeClr val="lt1"/>
+      </a:fontRef>
+    </dgm:style>
+  </dgm:styleLbl>
+  <dgm:styleLbl name="parChTrans2D4">
+    <dgm:scene3d>
+      <a:camera prst="orthographicFront"/>
+      <a:lightRig rig="threePt" dir="t"/>
+    </dgm:scene3d>
+    <dgm:sp3d/>
+    <dgm:txPr/>
+    <dgm:style>
+      <a:lnRef idx="2">
+        <a:scrgbClr r="0" g="0" b="0"/>
+      </a:lnRef>
+      <a:fillRef idx="1">
+        <a:scrgbClr r="0" g="0" b="0"/>
+      </a:fillRef>
+      <a:effectRef idx="0">
+        <a:scrgbClr r="0" g="0" b="0"/>
+      </a:effectRef>
+      <a:fontRef idx="minor">
+        <a:schemeClr val="lt1"/>
+      </a:fontRef>
+    </dgm:style>
+  </dgm:styleLbl>
+  <dgm:styleLbl name="parChTrans1D1">
+    <dgm:scene3d>
+      <a:camera prst="orthographicFront"/>
+      <a:lightRig rig="threePt" dir="t"/>
+    </dgm:scene3d>
+    <dgm:sp3d/>
+    <dgm:txPr/>
+    <dgm:style>
+      <a:lnRef idx="2">
+        <a:scrgbClr r="0" g="0" b="0"/>
+      </a:lnRef>
+      <a:fillRef idx="0">
+        <a:scrgbClr r="0" g="0" b="0"/>
+      </a:fillRef>
+      <a:effectRef idx="0">
+        <a:scrgbClr r="0" g="0" b="0"/>
+      </a:effectRef>
+      <a:fontRef idx="minor"/>
+    </dgm:style>
+  </dgm:styleLbl>
+  <dgm:styleLbl name="parChTrans1D2">
+    <dgm:scene3d>
+      <a:camera prst="orthographicFront"/>
+      <a:lightRig rig="threePt" dir="t"/>
+    </dgm:scene3d>
+    <dgm:sp3d/>
+    <dgm:txPr/>
+    <dgm:style>
+      <a:lnRef idx="2">
+        <a:scrgbClr r="0" g="0" b="0"/>
+      </a:lnRef>
+      <a:fillRef idx="0">
+        <a:scrgbClr r="0" g="0" b="0"/>
+      </a:fillRef>
+      <a:effectRef idx="0">
+        <a:scrgbClr r="0" g="0" b="0"/>
+      </a:effectRef>
+      <a:fontRef idx="minor"/>
+    </dgm:style>
+  </dgm:styleLbl>
+  <dgm:styleLbl name="parChTrans1D3">
+    <dgm:scene3d>
+      <a:camera prst="orthographicFront"/>
+      <a:lightRig rig="threePt" dir="t"/>
+    </dgm:scene3d>
+    <dgm:sp3d/>
+    <dgm:txPr/>
+    <dgm:style>
+      <a:lnRef idx="2">
+        <a:scrgbClr r="0" g="0" b="0"/>
+      </a:lnRef>
+      <a:fillRef idx="0">
+        <a:scrgbClr r="0" g="0" b="0"/>
+      </a:fillRef>
+      <a:effectRef idx="0">
+        <a:scrgbClr r="0" g="0" b="0"/>
+      </a:effectRef>
+      <a:fontRef idx="minor"/>
+    </dgm:style>
+  </dgm:styleLbl>
+  <dgm:styleLbl name="parChTrans1D4">
+    <dgm:scene3d>
+      <a:camera prst="orthographicFront"/>
+      <a:lightRig rig="threePt" dir="t"/>
+    </dgm:scene3d>
+    <dgm:sp3d/>
+    <dgm:txPr/>
+    <dgm:style>
+      <a:lnRef idx="2">
+        <a:scrgbClr r="0" g="0" b="0"/>
+      </a:lnRef>
+      <a:fillRef idx="0">
+        <a:scrgbClr r="0" g="0" b="0"/>
+      </a:fillRef>
+      <a:effectRef idx="0">
+        <a:scrgbClr r="0" g="0" b="0"/>
+      </a:effectRef>
+      <a:fontRef idx="minor"/>
+    </dgm:style>
+  </dgm:styleLbl>
+  <dgm:styleLbl name="fgAcc1">
+    <dgm:scene3d>
+      <a:camera prst="orthographicFront"/>
+      <a:lightRig rig="threePt" dir="t"/>
+    </dgm:scene3d>
+    <dgm:sp3d/>
+    <dgm:txPr/>
+    <dgm:style>
+      <a:lnRef idx="2">
+        <a:scrgbClr r="0" g="0" b="0"/>
+      </a:lnRef>
+      <a:fillRef idx="1">
+        <a:scrgbClr r="0" g="0" b="0"/>
+      </a:fillRef>
+      <a:effectRef idx="0">
+        <a:scrgbClr r="0" g="0" b="0"/>
+      </a:effectRef>
+      <a:fontRef idx="minor"/>
+    </dgm:style>
+  </dgm:styleLbl>
+  <dgm:styleLbl name="conFgAcc1">
+    <dgm:scene3d>
+      <a:camera prst="orthographicFront"/>
+      <a:lightRig rig="threePt" dir="t"/>
+    </dgm:scene3d>
+    <dgm:sp3d/>
+    <dgm:txPr/>
+    <dgm:style>
+      <a:lnRef idx="2">
+        <a:scrgbClr r="0" g="0" b="0"/>
+      </a:lnRef>
+      <a:fillRef idx="1">
+        <a:scrgbClr r="0" g="0" b="0"/>
+      </a:fillRef>
+      <a:effectRef idx="0">
+        <a:scrgbClr r="0" g="0" b="0"/>
+      </a:effectRef>
+      <a:fontRef idx="minor"/>
+    </dgm:style>
+  </dgm:styleLbl>
+  <dgm:styleLbl name="alignAcc1">
+    <dgm:scene3d>
+      <a:camera prst="orthographicFront"/>
+      <a:lightRig rig="threePt" dir="t"/>
+    </dgm:scene3d>
+    <dgm:sp3d/>
+    <dgm:txPr/>
+    <dgm:style>
+      <a:lnRef idx="2">
+        <a:scrgbClr r="0" g="0" b="0"/>
+      </a:lnRef>
+      <a:fillRef idx="1">
+        <a:scrgbClr r="0" g="0" b="0"/>
+      </a:fillRef>
+      <a:effectRef idx="0">
+        <a:scrgbClr r="0" g="0" b="0"/>
+      </a:effectRef>
+      <a:fontRef idx="minor"/>
+    </dgm:style>
+  </dgm:styleLbl>
+  <dgm:styleLbl name="trAlignAcc1">
+    <dgm:scene3d>
+      <a:camera prst="orthographicFront"/>
+      <a:lightRig rig="threePt" dir="t"/>
+    </dgm:scene3d>
+    <dgm:sp3d/>
+    <dgm:txPr/>
+    <dgm:style>
+      <a:lnRef idx="1">
+        <a:scrgbClr r="0" g="0" b="0"/>
+      </a:lnRef>
+      <a:fillRef idx="1">
+        <a:scrgbClr r="0" g="0" b="0"/>
+      </a:fillRef>
+      <a:effectRef idx="0">
+        <a:scrgbClr r="0" g="0" b="0"/>
+      </a:effectRef>
+      <a:fontRef idx="minor"/>
+    </dgm:style>
+  </dgm:styleLbl>
+  <dgm:styleLbl name="bgAcc1">
+    <dgm:scene3d>
+      <a:camera prst="orthographicFront"/>
+      <a:lightRig rig="threePt" dir="t"/>
+    </dgm:scene3d>
+    <dgm:sp3d/>
+    <dgm:txPr/>
+    <dgm:style>
+      <a:lnRef idx="2">
+        <a:scrgbClr r="0" g="0" b="0"/>
+      </a:lnRef>
+      <a:fillRef idx="1">
+        <a:scrgbClr r="0" g="0" b="0"/>
+      </a:fillRef>
+      <a:effectRef idx="0">
+        <a:scrgbClr r="0" g="0" b="0"/>
+      </a:effectRef>
+      <a:fontRef idx="minor"/>
+    </dgm:style>
+  </dgm:styleLbl>
+  <dgm:styleLbl name="solidFgAcc1">
+    <dgm:scene3d>
+      <a:camera prst="orthographicFront"/>
+      <a:lightRig rig="threePt" dir="t"/>
+    </dgm:scene3d>
+    <dgm:sp3d/>
+    <dgm:txPr/>
+    <dgm:style>
+      <a:lnRef idx="2">
+        <a:scrgbClr r="0" g="0" b="0"/>
+      </a:lnRef>
+      <a:fillRef idx="1">
+        <a:scrgbClr r="0" g="0" b="0"/>
+      </a:fillRef>
+      <a:effectRef idx="0">
+        <a:scrgbClr r="0" g="0" b="0"/>
+      </a:effectRef>
+      <a:fontRef idx="minor"/>
+    </dgm:style>
+  </dgm:styleLbl>
+  <dgm:styleLbl name="solidAlignAcc1">
+    <dgm:scene3d>
+      <a:camera prst="orthographicFront"/>
+      <a:lightRig rig="threePt" dir="t"/>
+    </dgm:scene3d>
+    <dgm:sp3d/>
+    <dgm:txPr/>
+    <dgm:style>
+      <a:lnRef idx="2">
+        <a:scrgbClr r="0" g="0" b="0"/>
+      </a:lnRef>
+      <a:fillRef idx="1">
+        <a:scrgbClr r="0" g="0" b="0"/>
+      </a:fillRef>
+      <a:effectRef idx="0">
+        <a:scrgbClr r="0" g="0" b="0"/>
+      </a:effectRef>
+      <a:fontRef idx="minor"/>
+    </dgm:style>
+  </dgm:styleLbl>
+  <dgm:styleLbl name="solidBgAcc1">
+    <dgm:scene3d>
+      <a:camera prst="orthographicFront"/>
+      <a:lightRig rig="threePt" dir="t"/>
+    </dgm:scene3d>
+    <dgm:sp3d/>
+    <dgm:txPr/>
+    <dgm:style>
+      <a:lnRef idx="2">
+        <a:scrgbClr r="0" g="0" b="0"/>
+      </a:lnRef>
+      <a:fillRef idx="1">
+        <a:scrgbClr r="0" g="0" b="0"/>
+      </a:fillRef>
+      <a:effectRef idx="0">
+        <a:scrgbClr r="0" g="0" b="0"/>
+      </a:effectRef>
+      <a:fontRef idx="minor"/>
+    </dgm:style>
+  </dgm:styleLbl>
+  <dgm:styleLbl name="fgAccFollowNode1">
+    <dgm:scene3d>
+      <a:camera prst="orthographicFront"/>
+      <a:lightRig rig="threePt" dir="t"/>
+    </dgm:scene3d>
+    <dgm:sp3d/>
+    <dgm:txPr/>
+    <dgm:style>
+      <a:lnRef idx="2">
+        <a:scrgbClr r="0" g="0" b="0"/>
+      </a:lnRef>
+      <a:fillRef idx="1">
+        <a:scrgbClr r="0" g="0" b="0"/>
+      </a:fillRef>
+      <a:effectRef idx="0">
+        <a:scrgbClr r="0" g="0" b="0"/>
+      </a:effectRef>
+      <a:fontRef idx="minor"/>
+    </dgm:style>
+  </dgm:styleLbl>
+  <dgm:styleLbl name="alignAccFollowNode1">
+    <dgm:scene3d>
+      <a:camera prst="orthographicFront"/>
+      <a:lightRig rig="threePt" dir="t"/>
+    </dgm:scene3d>
+    <dgm:sp3d/>
+    <dgm:txPr/>
+    <dgm:style>
+      <a:lnRef idx="2">
+        <a:scrgbClr r="0" g="0" b="0"/>
+      </a:lnRef>
+      <a:fillRef idx="1">
+        <a:scrgbClr r="0" g="0" b="0"/>
+      </a:fillRef>
+      <a:effectRef idx="0">
+        <a:scrgbClr r="0" g="0" b="0"/>
+      </a:effectRef>
+      <a:fontRef idx="minor"/>
+    </dgm:style>
+  </dgm:styleLbl>
+  <dgm:styleLbl name="bgAccFollowNode1">
+    <dgm:scene3d>
+      <a:camera prst="orthographicFront"/>
+      <a:lightRig rig="threePt" dir="t"/>
+    </dgm:scene3d>
+    <dgm:sp3d/>
+    <dgm:txPr/>
+    <dgm:style>
+      <a:lnRef idx="2">
+        <a:scrgbClr r="0" g="0" b="0"/>
+      </a:lnRef>
+      <a:fillRef idx="1">
+        <a:scrgbClr r="0" g="0" b="0"/>
+      </a:fillRef>
+      <a:effectRef idx="0">
+        <a:scrgbClr r="0" g="0" b="0"/>
+      </a:effectRef>
+      <a:fontRef idx="minor"/>
+    </dgm:style>
+  </dgm:styleLbl>
+  <dgm:styleLbl name="fgAcc0">
+    <dgm:scene3d>
+      <a:camera prst="orthographicFront"/>
+      <a:lightRig rig="threePt" dir="t"/>
+    </dgm:scene3d>
+    <dgm:sp3d/>
+    <dgm:txPr/>
+    <dgm:style>
+      <a:lnRef idx="2">
+        <a:scrgbClr r="0" g="0" b="0"/>
+      </a:lnRef>
+      <a:fillRef idx="1">
+        <a:scrgbClr r="0" g="0" b="0"/>
+      </a:fillRef>
+      <a:effectRef idx="0">
+        <a:scrgbClr r="0" g="0" b="0"/>
+      </a:effectRef>
+      <a:fontRef idx="minor"/>
+    </dgm:style>
+  </dgm:styleLbl>
+  <dgm:styleLbl name="fgAcc2">
+    <dgm:scene3d>
+      <a:camera prst="orthographicFront"/>
+      <a:lightRig rig="threePt" dir="t"/>
+    </dgm:scene3d>
+    <dgm:sp3d/>
+    <dgm:txPr/>
+    <dgm:style>
+      <a:lnRef idx="2">
+        <a:scrgbClr r="0" g="0" b="0"/>
+      </a:lnRef>
+      <a:fillRef idx="1">
+        <a:scrgbClr r="0" g="0" b="0"/>
+      </a:fillRef>
+      <a:effectRef idx="0">
+        <a:scrgbClr r="0" g="0" b="0"/>
+      </a:effectRef>
+      <a:fontRef idx="minor"/>
+    </dgm:style>
+  </dgm:styleLbl>
+  <dgm:styleLbl name="fgAcc3">
+    <dgm:scene3d>
+      <a:camera prst="orthographicFront"/>
+      <a:lightRig rig="threePt" dir="t"/>
+    </dgm:scene3d>
+    <dgm:sp3d/>
+    <dgm:txPr/>
+    <dgm:style>
+      <a:lnRef idx="2">
+        <a:scrgbClr r="0" g="0" b="0"/>
+      </a:lnRef>
+      <a:fillRef idx="1">
+        <a:scrgbClr r="0" g="0" b="0"/>
+      </a:fillRef>
+      <a:effectRef idx="0">
+        <a:scrgbClr r="0" g="0" b="0"/>
+      </a:effectRef>
+      <a:fontRef idx="minor"/>
+    </dgm:style>
+  </dgm:styleLbl>
+  <dgm:styleLbl name="fgAcc4">
+    <dgm:scene3d>
+      <a:camera prst="orthographicFront"/>
+      <a:lightRig rig="threePt" dir="t"/>
+    </dgm:scene3d>
+    <dgm:sp3d/>
+    <dgm:txPr/>
+    <dgm:style>
+      <a:lnRef idx="2">
+        <a:scrgbClr r="0" g="0" b="0"/>
+      </a:lnRef>
+      <a:fillRef idx="1">
+        <a:scrgbClr r="0" g="0" b="0"/>
+      </a:fillRef>
+      <a:effectRef idx="0">
+        <a:scrgbClr r="0" g="0" b="0"/>
+      </a:effectRef>
+      <a:fontRef idx="minor"/>
+    </dgm:style>
+  </dgm:styleLbl>
+  <dgm:styleLbl name="bgShp">
+    <dgm:scene3d>
+      <a:camera prst="orthographicFront"/>
+      <a:lightRig rig="threePt" dir="t"/>
+    </dgm:scene3d>
+    <dgm:sp3d/>
+    <dgm:txPr/>
+    <dgm:style>
+      <a:lnRef idx="0">
+        <a:scrgbClr r="0" g="0" b="0"/>
+      </a:lnRef>
+      <a:fillRef idx="1">
+        <a:scrgbClr r="0" g="0" b="0"/>
+      </a:fillRef>
+      <a:effectRef idx="0">
+        <a:scrgbClr r="0" g="0" b="0"/>
+      </a:effectRef>
+      <a:fontRef idx="minor"/>
+    </dgm:style>
+  </dgm:styleLbl>
+  <dgm:styleLbl name="dkBgShp">
+    <dgm:scene3d>
+      <a:camera prst="orthographicFront"/>
+      <a:lightRig rig="threePt" dir="t"/>
+    </dgm:scene3d>
+    <dgm:sp3d/>
+    <dgm:txPr/>
+    <dgm:style>
+      <a:lnRef idx="0">
+        <a:scrgbClr r="0" g="0" b="0"/>
+      </a:lnRef>
+      <a:fillRef idx="1">
+        <a:scrgbClr r="0" g="0" b="0"/>
+      </a:fillRef>
+      <a:effectRef idx="0">
+        <a:scrgbClr r="0" g="0" b="0"/>
+      </a:effectRef>
+      <a:fontRef idx="minor"/>
+    </dgm:style>
+  </dgm:styleLbl>
+  <dgm:styleLbl name="trBgShp">
+    <dgm:scene3d>
+      <a:camera prst="orthographicFront"/>
+      <a:lightRig rig="threePt" dir="t"/>
+    </dgm:scene3d>
+    <dgm:sp3d/>
+    <dgm:txPr/>
+    <dgm:style>
+      <a:lnRef idx="0">
+        <a:scrgbClr r="0" g="0" b="0"/>
+      </a:lnRef>
+      <a:fillRef idx="1">
+        <a:scrgbClr r="0" g="0" b="0"/>
+      </a:fillRef>
+      <a:effectRef idx="0">
+        <a:scrgbClr r="0" g="0" b="0"/>
+      </a:effectRef>
+      <a:fontRef idx="minor"/>
+    </dgm:style>
+  </dgm:styleLbl>
+  <dgm:styleLbl name="fgShp">
+    <dgm:scene3d>
+      <a:camera prst="orthographicFront"/>
+      <a:lightRig rig="threePt" dir="t"/>
+    </dgm:scene3d>
+    <dgm:sp3d/>
+    <dgm:txPr/>
+    <dgm:style>
+      <a:lnRef idx="2">
+        <a:scrgbClr r="0" g="0" b="0"/>
+      </a:lnRef>
+      <a:fillRef idx="1">
+        <a:scrgbClr r="0" g="0" b="0"/>
+      </a:fillRef>
+      <a:effectRef idx="0">
+        <a:scrgbClr r="0" g="0" b="0"/>
+      </a:effectRef>
+      <a:fontRef idx="minor"/>
+    </dgm:style>
+  </dgm:styleLbl>
+  <dgm:styleLbl name="revTx">
+    <dgm:scene3d>
+      <a:camera prst="orthographicFront"/>
+      <a:lightRig rig="threePt" dir="t"/>
+    </dgm:scene3d>
+    <dgm:sp3d/>
+    <dgm:txPr/>
+    <dgm:style>
+      <a:lnRef idx="0">
+        <a:scrgbClr r="0" g="0" b="0"/>
+      </a:lnRef>
+      <a:fillRef idx="0">
+        <a:scrgbClr r="0" g="0" b="0"/>
+      </a:fillRef>
+      <a:effectRef idx="0">
+        <a:scrgbClr r="0" g="0" b="0"/>
+      </a:effectRef>
+      <a:fontRef idx="minor"/>
+    </dgm:style>
+  </dgm:styleLbl>
+</dgm:styleDef>
+</file>
+
+<file path=ppt/diagrams/quickStyle5.xml><?xml version="1.0" encoding="utf-8"?>
+<dgm:styleDef xmlns:dgm="http://schemas.openxmlformats.org/drawingml/2006/diagram" xmlns:a="http://schemas.openxmlformats.org/drawingml/2006/main" uniqueId="urn:microsoft.com/office/officeart/2005/8/quickstyle/simple1">
+  <dgm:title val=""/>
+  <dgm:desc val=""/>
+  <dgm:catLst>
+    <dgm:cat type="simple" pri="10100"/>
+  </dgm:catLst>
+  <dgm:scene3d>
+    <a:camera prst="orthographicFront"/>
+    <a:lightRig rig="threePt" dir="t"/>
+  </dgm:scene3d>
+  <dgm:styleLbl name="node0">
+    <dgm:scene3d>
+      <a:camera prst="orthographicFront"/>
+      <a:lightRig rig="threePt" dir="t"/>
+    </dgm:scene3d>
+    <dgm:sp3d/>
+    <dgm:txPr/>
+    <dgm:style>
+      <a:lnRef idx="2">
+        <a:scrgbClr r="0" g="0" b="0"/>
+      </a:lnRef>
+      <a:fillRef idx="1">
+        <a:scrgbClr r="0" g="0" b="0"/>
+      </a:fillRef>
+      <a:effectRef idx="0">
+        <a:scrgbClr r="0" g="0" b="0"/>
+      </a:effectRef>
+      <a:fontRef idx="minor">
+        <a:schemeClr val="lt1"/>
+      </a:fontRef>
+    </dgm:style>
+  </dgm:styleLbl>
+  <dgm:styleLbl name="lnNode1">
+    <dgm:scene3d>
+      <a:camera prst="orthographicFront"/>
+      <a:lightRig rig="threePt" dir="t"/>
+    </dgm:scene3d>
+    <dgm:sp3d/>
+    <dgm:txPr/>
+    <dgm:style>
+      <a:lnRef idx="2">
+        <a:scrgbClr r="0" g="0" b="0"/>
+      </a:lnRef>
+      <a:fillRef idx="1">
+        <a:scrgbClr r="0" g="0" b="0"/>
+      </a:fillRef>
+      <a:effectRef idx="0">
+        <a:scrgbClr r="0" g="0" b="0"/>
+      </a:effectRef>
+      <a:fontRef idx="minor">
+        <a:schemeClr val="lt1"/>
+      </a:fontRef>
+    </dgm:style>
+  </dgm:styleLbl>
+  <dgm:styleLbl name="vennNode1">
+    <dgm:scene3d>
+      <a:camera prst="orthographicFront"/>
+      <a:lightRig rig="threePt" dir="t"/>
+    </dgm:scene3d>
+    <dgm:sp3d/>
+    <dgm:txPr/>
+    <dgm:style>
+      <a:lnRef idx="2">
+        <a:scrgbClr r="0" g="0" b="0"/>
+      </a:lnRef>
+      <a:fillRef idx="1">
+        <a:scrgbClr r="0" g="0" b="0"/>
+      </a:fillRef>
+      <a:effectRef idx="0">
+        <a:scrgbClr r="0" g="0" b="0"/>
+      </a:effectRef>
+      <a:fontRef idx="minor">
+        <a:schemeClr val="tx1"/>
+      </a:fontRef>
+    </dgm:style>
+  </dgm:styleLbl>
+  <dgm:styleLbl name="alignNode1">
+    <dgm:scene3d>
+      <a:camera prst="orthographicFront"/>
+      <a:lightRig rig="threePt" dir="t"/>
+    </dgm:scene3d>
+    <dgm:sp3d/>
+    <dgm:txPr/>
+    <dgm:style>
+      <a:lnRef idx="2">
+        <a:scrgbClr r="0" g="0" b="0"/>
+      </a:lnRef>
+      <a:fillRef idx="1">
+        <a:scrgbClr r="0" g="0" b="0"/>
+      </a:fillRef>
+      <a:effectRef idx="0">
+        <a:scrgbClr r="0" g="0" b="0"/>
+      </a:effectRef>
+      <a:fontRef idx="minor">
+        <a:schemeClr val="lt1"/>
+      </a:fontRef>
+    </dgm:style>
+  </dgm:styleLbl>
+  <dgm:styleLbl name="node1">
+    <dgm:scene3d>
+      <a:camera prst="orthographicFront"/>
+      <a:lightRig rig="threePt" dir="t"/>
+    </dgm:scene3d>
+    <dgm:sp3d/>
+    <dgm:txPr/>
+    <dgm:style>
+      <a:lnRef idx="2">
+        <a:scrgbClr r="0" g="0" b="0"/>
+      </a:lnRef>
+      <a:fillRef idx="1">
+        <a:scrgbClr r="0" g="0" b="0"/>
+      </a:fillRef>
+      <a:effectRef idx="0">
+        <a:scrgbClr r="0" g="0" b="0"/>
+      </a:effectRef>
+      <a:fontRef idx="minor">
+        <a:schemeClr val="lt1"/>
+      </a:fontRef>
+    </dgm:style>
+  </dgm:styleLbl>
+  <dgm:styleLbl name="node2">
+    <dgm:scene3d>
+      <a:camera prst="orthographicFront"/>
+      <a:lightRig rig="threePt" dir="t"/>
+    </dgm:scene3d>
+    <dgm:sp3d/>
+    <dgm:txPr/>
+    <dgm:style>
+      <a:lnRef idx="2">
+        <a:scrgbClr r="0" g="0" b="0"/>
+      </a:lnRef>
+      <a:fillRef idx="1">
+        <a:scrgbClr r="0" g="0" b="0"/>
+      </a:fillRef>
+      <a:effectRef idx="0">
+        <a:scrgbClr r="0" g="0" b="0"/>
+      </a:effectRef>
+      <a:fontRef idx="minor">
+        <a:schemeClr val="lt1"/>
+      </a:fontRef>
+    </dgm:style>
+  </dgm:styleLbl>
+  <dgm:styleLbl name="node3">
+    <dgm:scene3d>
+      <a:camera prst="orthographicFront"/>
+      <a:lightRig rig="threePt" dir="t"/>
+    </dgm:scene3d>
+    <dgm:sp3d/>
+    <dgm:txPr/>
+    <dgm:style>
+      <a:lnRef idx="2">
+        <a:scrgbClr r="0" g="0" b="0"/>
+      </a:lnRef>
+      <a:fillRef idx="1">
+        <a:scrgbClr r="0" g="0" b="0"/>
+      </a:fillRef>
+      <a:effectRef idx="0">
+        <a:scrgbClr r="0" g="0" b="0"/>
+      </a:effectRef>
+      <a:fontRef idx="minor">
+        <a:schemeClr val="lt1"/>
+      </a:fontRef>
+    </dgm:style>
+  </dgm:styleLbl>
+  <dgm:styleLbl name="node4">
+    <dgm:scene3d>
+      <a:camera prst="orthographicFront"/>
+      <a:lightRig rig="threePt" dir="t"/>
+    </dgm:scene3d>
+    <dgm:sp3d/>
+    <dgm:txPr/>
+    <dgm:style>
+      <a:lnRef idx="2">
+        <a:scrgbClr r="0" g="0" b="0"/>
+      </a:lnRef>
+      <a:fillRef idx="1">
+        <a:scrgbClr r="0" g="0" b="0"/>
+      </a:fillRef>
+      <a:effectRef idx="0">
+        <a:scrgbClr r="0" g="0" b="0"/>
+      </a:effectRef>
+      <a:fontRef idx="minor">
+        <a:schemeClr val="lt1"/>
+      </a:fontRef>
+    </dgm:style>
+  </dgm:styleLbl>
+  <dgm:styleLbl name="fgImgPlace1">
+    <dgm:scene3d>
+      <a:camera prst="orthographicFront"/>
+      <a:lightRig rig="threePt" dir="t"/>
+    </dgm:scene3d>
+    <dgm:sp3d/>
+    <dgm:txPr/>
+    <dgm:style>
+      <a:lnRef idx="2">
+        <a:scrgbClr r="0" g="0" b="0"/>
+      </a:lnRef>
+      <a:fillRef idx="1">
+        <a:scrgbClr r="0" g="0" b="0"/>
+      </a:fillRef>
+      <a:effectRef idx="0">
+        <a:scrgbClr r="0" g="0" b="0"/>
+      </a:effectRef>
+      <a:fontRef idx="minor"/>
+    </dgm:style>
+  </dgm:styleLbl>
+  <dgm:styleLbl name="alignImgPlace1">
+    <dgm:scene3d>
+      <a:camera prst="orthographicFront"/>
+      <a:lightRig rig="threePt" dir="t"/>
+    </dgm:scene3d>
+    <dgm:sp3d/>
+    <dgm:txPr/>
+    <dgm:style>
+      <a:lnRef idx="2">
+        <a:scrgbClr r="0" g="0" b="0"/>
+      </a:lnRef>
+      <a:fillRef idx="1">
+        <a:scrgbClr r="0" g="0" b="0"/>
+      </a:fillRef>
+      <a:effectRef idx="0">
+        <a:scrgbClr r="0" g="0" b="0"/>
+      </a:effectRef>
+      <a:fontRef idx="minor"/>
+    </dgm:style>
+  </dgm:styleLbl>
+  <dgm:styleLbl name="bgImgPlace1">
+    <dgm:scene3d>
+      <a:camera prst="orthographicFront"/>
+      <a:lightRig rig="threePt" dir="t"/>
+    </dgm:scene3d>
+    <dgm:sp3d/>
+    <dgm:txPr/>
+    <dgm:style>
+      <a:lnRef idx="2">
+        <a:scrgbClr r="0" g="0" b="0"/>
+      </a:lnRef>
+      <a:fillRef idx="1">
+        <a:scrgbClr r="0" g="0" b="0"/>
+      </a:fillRef>
+      <a:effectRef idx="0">
+        <a:scrgbClr r="0" g="0" b="0"/>
+      </a:effectRef>
+      <a:fontRef idx="minor"/>
+    </dgm:style>
+  </dgm:styleLbl>
+  <dgm:styleLbl name="sibTrans2D1">
+    <dgm:scene3d>
+      <a:camera prst="orthographicFront"/>
+      <a:lightRig rig="threePt" dir="t"/>
+    </dgm:scene3d>
+    <dgm:sp3d/>
+    <dgm:txPr/>
+    <dgm:style>
+      <a:lnRef idx="0">
+        <a:scrgbClr r="0" g="0" b="0"/>
+      </a:lnRef>
+      <a:fillRef idx="1">
+        <a:scrgbClr r="0" g="0" b="0"/>
+      </a:fillRef>
+      <a:effectRef idx="0">
+        <a:scrgbClr r="0" g="0" b="0"/>
+      </a:effectRef>
+      <a:fontRef idx="minor">
+        <a:schemeClr val="lt1"/>
+      </a:fontRef>
+    </dgm:style>
+  </dgm:styleLbl>
+  <dgm:styleLbl name="fgSibTrans2D1">
+    <dgm:scene3d>
+      <a:camera prst="orthographicFront"/>
+      <a:lightRig rig="threePt" dir="t"/>
+    </dgm:scene3d>
+    <dgm:sp3d/>
+    <dgm:txPr/>
+    <dgm:style>
+      <a:lnRef idx="0">
+        <a:scrgbClr r="0" g="0" b="0"/>
+      </a:lnRef>
+      <a:fillRef idx="1">
+        <a:scrgbClr r="0" g="0" b="0"/>
+      </a:fillRef>
+      <a:effectRef idx="0">
+        <a:scrgbClr r="0" g="0" b="0"/>
+      </a:effectRef>
+      <a:fontRef idx="minor">
+        <a:schemeClr val="lt1"/>
+      </a:fontRef>
+    </dgm:style>
+  </dgm:styleLbl>
+  <dgm:styleLbl name="bgSibTrans2D1">
+    <dgm:scene3d>
+      <a:camera prst="orthographicFront"/>
+      <a:lightRig rig="threePt" dir="t"/>
+    </dgm:scene3d>
+    <dgm:sp3d/>
+    <dgm:txPr/>
+    <dgm:style>
+      <a:lnRef idx="0">
+        <a:scrgbClr r="0" g="0" b="0"/>
+      </a:lnRef>
+      <a:fillRef idx="1">
+        <a:scrgbClr r="0" g="0" b="0"/>
+      </a:fillRef>
+      <a:effectRef idx="0">
+        <a:scrgbClr r="0" g="0" b="0"/>
+      </a:effectRef>
+      <a:fontRef idx="minor">
+        <a:schemeClr val="lt1"/>
+      </a:fontRef>
+    </dgm:style>
+  </dgm:styleLbl>
+  <dgm:styleLbl name="sibTrans1D1">
+    <dgm:scene3d>
+      <a:camera prst="orthographicFront"/>
+      <a:lightRig rig="threePt" dir="t"/>
+    </dgm:scene3d>
+    <dgm:sp3d/>
+    <dgm:txPr/>
+    <dgm:style>
+      <a:lnRef idx="1">
+        <a:scrgbClr r="0" g="0" b="0"/>
+      </a:lnRef>
+      <a:fillRef idx="0">
+        <a:scrgbClr r="0" g="0" b="0"/>
+      </a:fillRef>
+      <a:effectRef idx="0">
+        <a:scrgbClr r="0" g="0" b="0"/>
+      </a:effectRef>
+      <a:fontRef idx="minor"/>
+    </dgm:style>
+  </dgm:styleLbl>
+  <dgm:styleLbl name="callout">
+    <dgm:scene3d>
+      <a:camera prst="orthographicFront"/>
+      <a:lightRig rig="threePt" dir="t"/>
+    </dgm:scene3d>
+    <dgm:sp3d/>
+    <dgm:txPr/>
+    <dgm:style>
+      <a:lnRef idx="2">
+        <a:scrgbClr r="0" g="0" b="0"/>
+      </a:lnRef>
+      <a:fillRef idx="1">
+        <a:scrgbClr r="0" g="0" b="0"/>
+      </a:fillRef>
+      <a:effectRef idx="0">
+        <a:scrgbClr r="0" g="0" b="0"/>
+      </a:effectRef>
+      <a:fontRef idx="minor"/>
+    </dgm:style>
+  </dgm:styleLbl>
+  <dgm:styleLbl name="asst0">
+    <dgm:scene3d>
+      <a:camera prst="orthographicFront"/>
+      <a:lightRig rig="threePt" dir="t"/>
+    </dgm:scene3d>
+    <dgm:sp3d/>
+    <dgm:txPr/>
+    <dgm:style>
+      <a:lnRef idx="2">
+        <a:scrgbClr r="0" g="0" b="0"/>
+      </a:lnRef>
+      <a:fillRef idx="1">
+        <a:scrgbClr r="0" g="0" b="0"/>
+      </a:fillRef>
+      <a:effectRef idx="0">
+        <a:scrgbClr r="0" g="0" b="0"/>
+      </a:effectRef>
+      <a:fontRef idx="minor">
+        <a:schemeClr val="lt1"/>
+      </a:fontRef>
+    </dgm:style>
+  </dgm:styleLbl>
+  <dgm:styleLbl name="asst1">
+    <dgm:scene3d>
+      <a:camera prst="orthographicFront"/>
+      <a:lightRig rig="threePt" dir="t"/>
+    </dgm:scene3d>
+    <dgm:sp3d/>
+    <dgm:txPr/>
+    <dgm:style>
+      <a:lnRef idx="2">
+        <a:scrgbClr r="0" g="0" b="0"/>
+      </a:lnRef>
+      <a:fillRef idx="1">
+        <a:scrgbClr r="0" g="0" b="0"/>
+      </a:fillRef>
+      <a:effectRef idx="0">
+        <a:scrgbClr r="0" g="0" b="0"/>
+      </a:effectRef>
+      <a:fontRef idx="minor">
+        <a:schemeClr val="lt1"/>
+      </a:fontRef>
+    </dgm:style>
+  </dgm:styleLbl>
+  <dgm:styleLbl name="asst2">
+    <dgm:scene3d>
+      <a:camera prst="orthographicFront"/>
+      <a:lightRig rig="threePt" dir="t"/>
+    </dgm:scene3d>
+    <dgm:sp3d/>
+    <dgm:txPr/>
+    <dgm:style>
+      <a:lnRef idx="2">
+        <a:scrgbClr r="0" g="0" b="0"/>
+      </a:lnRef>
+      <a:fillRef idx="1">
+        <a:scrgbClr r="0" g="0" b="0"/>
+      </a:fillRef>
+      <a:effectRef idx="0">
+        <a:scrgbClr r="0" g="0" b="0"/>
+      </a:effectRef>
+      <a:fontRef idx="minor">
+        <a:schemeClr val="lt1"/>
+      </a:fontRef>
+    </dgm:style>
+  </dgm:styleLbl>
+  <dgm:styleLbl name="asst3">
+    <dgm:scene3d>
+      <a:camera prst="orthographicFront"/>
+      <a:lightRig rig="threePt" dir="t"/>
+    </dgm:scene3d>
+    <dgm:sp3d/>
+    <dgm:txPr/>
+    <dgm:style>
+      <a:lnRef idx="2">
+        <a:scrgbClr r="0" g="0" b="0"/>
+      </a:lnRef>
+      <a:fillRef idx="1">
+        <a:scrgbClr r="0" g="0" b="0"/>
+      </a:fillRef>
+      <a:effectRef idx="0">
+        <a:scrgbClr r="0" g="0" b="0"/>
+      </a:effectRef>
+      <a:fontRef idx="minor">
+        <a:schemeClr val="lt1"/>
+      </a:fontRef>
+    </dgm:style>
+  </dgm:styleLbl>
+  <dgm:styleLbl name="asst4">
+    <dgm:scene3d>
+      <a:camera prst="orthographicFront"/>
+      <a:lightRig rig="threePt" dir="t"/>
+    </dgm:scene3d>
+    <dgm:sp3d/>
+    <dgm:txPr/>
+    <dgm:style>
+      <a:lnRef idx="2">
+        <a:scrgbClr r="0" g="0" b="0"/>
+      </a:lnRef>
+      <a:fillRef idx="1">
+        <a:scrgbClr r="0" g="0" b="0"/>
+      </a:fillRef>
+      <a:effectRef idx="0">
+        <a:scrgbClr r="0" g="0" b="0"/>
+      </a:effectRef>
+      <a:fontRef idx="minor">
+        <a:schemeClr val="lt1"/>
+      </a:fontRef>
+    </dgm:style>
+  </dgm:styleLbl>
+  <dgm:styleLbl name="parChTrans2D1">
+    <dgm:scene3d>
+      <a:camera prst="orthographicFront"/>
+      <a:lightRig rig="threePt" dir="t"/>
+    </dgm:scene3d>
+    <dgm:sp3d/>
+    <dgm:txPr/>
+    <dgm:style>
+      <a:lnRef idx="2">
+        <a:scrgbClr r="0" g="0" b="0"/>
+      </a:lnRef>
+      <a:fillRef idx="1">
+        <a:scrgbClr r="0" g="0" b="0"/>
+      </a:fillRef>
+      <a:effectRef idx="0">
+        <a:scrgbClr r="0" g="0" b="0"/>
+      </a:effectRef>
+      <a:fontRef idx="minor">
+        <a:schemeClr val="lt1"/>
+      </a:fontRef>
+    </dgm:style>
+  </dgm:styleLbl>
+  <dgm:styleLbl name="parChTrans2D2">
+    <dgm:scene3d>
+      <a:camera prst="orthographicFront"/>
+      <a:lightRig rig="threePt" dir="t"/>
+    </dgm:scene3d>
+    <dgm:sp3d/>
+    <dgm:txPr/>
+    <dgm:style>
+      <a:lnRef idx="2">
+        <a:scrgbClr r="0" g="0" b="0"/>
+      </a:lnRef>
+      <a:fillRef idx="1">
+        <a:scrgbClr r="0" g="0" b="0"/>
+      </a:fillRef>
+      <a:effectRef idx="0">
+        <a:scrgbClr r="0" g="0" b="0"/>
+      </a:effectRef>
+      <a:fontRef idx="minor">
+        <a:schemeClr val="lt1"/>
+      </a:fontRef>
+    </dgm:style>
+  </dgm:styleLbl>
+  <dgm:styleLbl name="parChTrans2D3">
+    <dgm:scene3d>
+      <a:camera prst="orthographicFront"/>
+      <a:lightRig rig="threePt" dir="t"/>
+    </dgm:scene3d>
+    <dgm:sp3d/>
+    <dgm:txPr/>
+    <dgm:style>
+      <a:lnRef idx="2">
+        <a:scrgbClr r="0" g="0" b="0"/>
+      </a:lnRef>
+      <a:fillRef idx="1">
+        <a:scrgbClr r="0" g="0" b="0"/>
+      </a:fillRef>
+      <a:effectRef idx="0">
+        <a:scrgbClr r="0" g="0" b="0"/>
+      </a:effectRef>
+      <a:fontRef idx="minor">
+        <a:schemeClr val="lt1"/>
+      </a:fontRef>
+    </dgm:style>
+  </dgm:styleLbl>
+  <dgm:styleLbl name="parChTrans2D4">
+    <dgm:scene3d>
+      <a:camera prst="orthographicFront"/>
+      <a:lightRig rig="threePt" dir="t"/>
+    </dgm:scene3d>
+    <dgm:sp3d/>
+    <dgm:txPr/>
+    <dgm:style>
+      <a:lnRef idx="2">
+        <a:scrgbClr r="0" g="0" b="0"/>
+      </a:lnRef>
+      <a:fillRef idx="1">
+        <a:scrgbClr r="0" g="0" b="0"/>
+      </a:fillRef>
+      <a:effectRef idx="0">
+        <a:scrgbClr r="0" g="0" b="0"/>
+      </a:effectRef>
+      <a:fontRef idx="minor">
+        <a:schemeClr val="lt1"/>
+      </a:fontRef>
+    </dgm:style>
+  </dgm:styleLbl>
+  <dgm:styleLbl name="parChTrans1D1">
+    <dgm:scene3d>
+      <a:camera prst="orthographicFront"/>
+      <a:lightRig rig="threePt" dir="t"/>
+    </dgm:scene3d>
+    <dgm:sp3d/>
+    <dgm:txPr/>
+    <dgm:style>
+      <a:lnRef idx="2">
+        <a:scrgbClr r="0" g="0" b="0"/>
+      </a:lnRef>
+      <a:fillRef idx="0">
+        <a:scrgbClr r="0" g="0" b="0"/>
+      </a:fillRef>
+      <a:effectRef idx="0">
+        <a:scrgbClr r="0" g="0" b="0"/>
+      </a:effectRef>
+      <a:fontRef idx="minor"/>
+    </dgm:style>
+  </dgm:styleLbl>
+  <dgm:styleLbl name="parChTrans1D2">
+    <dgm:scene3d>
+      <a:camera prst="orthographicFront"/>
+      <a:lightRig rig="threePt" dir="t"/>
+    </dgm:scene3d>
+    <dgm:sp3d/>
+    <dgm:txPr/>
+    <dgm:style>
+      <a:lnRef idx="2">
+        <a:scrgbClr r="0" g="0" b="0"/>
+      </a:lnRef>
+      <a:fillRef idx="0">
+        <a:scrgbClr r="0" g="0" b="0"/>
+      </a:fillRef>
+      <a:effectRef idx="0">
+        <a:scrgbClr r="0" g="0" b="0"/>
+      </a:effectRef>
+      <a:fontRef idx="minor"/>
+    </dgm:style>
+  </dgm:styleLbl>
+  <dgm:styleLbl name="parChTrans1D3">
+    <dgm:scene3d>
+      <a:camera prst="orthographicFront"/>
+      <a:lightRig rig="threePt" dir="t"/>
+    </dgm:scene3d>
+    <dgm:sp3d/>
+    <dgm:txPr/>
+    <dgm:style>
+      <a:lnRef idx="2">
+        <a:scrgbClr r="0" g="0" b="0"/>
+      </a:lnRef>
+      <a:fillRef idx="0">
+        <a:scrgbClr r="0" g="0" b="0"/>
+      </a:fillRef>
+      <a:effectRef idx="0">
+        <a:scrgbClr r="0" g="0" b="0"/>
+      </a:effectRef>
+      <a:fontRef idx="minor"/>
+    </dgm:style>
+  </dgm:styleLbl>
+  <dgm:styleLbl name="parChTrans1D4">
+    <dgm:scene3d>
+      <a:camera prst="orthographicFront"/>
+      <a:lightRig rig="threePt" dir="t"/>
+    </dgm:scene3d>
+    <dgm:sp3d/>
+    <dgm:txPr/>
+    <dgm:style>
+      <a:lnRef idx="2">
+        <a:scrgbClr r="0" g="0" b="0"/>
+      </a:lnRef>
+      <a:fillRef idx="0">
+        <a:scrgbClr r="0" g="0" b="0"/>
+      </a:fillRef>
+      <a:effectRef idx="0">
+        <a:scrgbClr r="0" g="0" b="0"/>
+      </a:effectRef>
+      <a:fontRef idx="minor"/>
+    </dgm:style>
+  </dgm:styleLbl>
+  <dgm:styleLbl name="fgAcc1">
+    <dgm:scene3d>
+      <a:camera prst="orthographicFront"/>
+      <a:lightRig rig="threePt" dir="t"/>
+    </dgm:scene3d>
+    <dgm:sp3d/>
+    <dgm:txPr/>
+    <dgm:style>
+      <a:lnRef idx="2">
+        <a:scrgbClr r="0" g="0" b="0"/>
+      </a:lnRef>
+      <a:fillRef idx="1">
+        <a:scrgbClr r="0" g="0" b="0"/>
+      </a:fillRef>
+      <a:effectRef idx="0">
+        <a:scrgbClr r="0" g="0" b="0"/>
+      </a:effectRef>
+      <a:fontRef idx="minor"/>
+    </dgm:style>
+  </dgm:styleLbl>
+  <dgm:styleLbl name="conFgAcc1">
+    <dgm:scene3d>
+      <a:camera prst="orthographicFront"/>
+      <a:lightRig rig="threePt" dir="t"/>
+    </dgm:scene3d>
+    <dgm:sp3d/>
+    <dgm:txPr/>
+    <dgm:style>
+      <a:lnRef idx="2">
+        <a:scrgbClr r="0" g="0" b="0"/>
+      </a:lnRef>
+      <a:fillRef idx="1">
+        <a:scrgbClr r="0" g="0" b="0"/>
+      </a:fillRef>
+      <a:effectRef idx="0">
+        <a:scrgbClr r="0" g="0" b="0"/>
+      </a:effectRef>
+      <a:fontRef idx="minor"/>
+    </dgm:style>
+  </dgm:styleLbl>
+  <dgm:styleLbl name="alignAcc1">
+    <dgm:scene3d>
+      <a:camera prst="orthographicFront"/>
+      <a:lightRig rig="threePt" dir="t"/>
+    </dgm:scene3d>
+    <dgm:sp3d/>
+    <dgm:txPr/>
+    <dgm:style>
+      <a:lnRef idx="2">
+        <a:scrgbClr r="0" g="0" b="0"/>
+      </a:lnRef>
+      <a:fillRef idx="1">
+        <a:scrgbClr r="0" g="0" b="0"/>
+      </a:fillRef>
+      <a:effectRef idx="0">
+        <a:scrgbClr r="0" g="0" b="0"/>
+      </a:effectRef>
+      <a:fontRef idx="minor"/>
+    </dgm:style>
+  </dgm:styleLbl>
+  <dgm:styleLbl name="trAlignAcc1">
+    <dgm:scene3d>
+      <a:camera prst="orthographicFront"/>
+      <a:lightRig rig="threePt" dir="t"/>
+    </dgm:scene3d>
+    <dgm:sp3d/>
+    <dgm:txPr/>
+    <dgm:style>
+      <a:lnRef idx="1">
+        <a:scrgbClr r="0" g="0" b="0"/>
+      </a:lnRef>
+      <a:fillRef idx="1">
+        <a:scrgbClr r="0" g="0" b="0"/>
+      </a:fillRef>
+      <a:effectRef idx="0">
+        <a:scrgbClr r="0" g="0" b="0"/>
+      </a:effectRef>
+      <a:fontRef idx="minor"/>
+    </dgm:style>
+  </dgm:styleLbl>
+  <dgm:styleLbl name="bgAcc1">
+    <dgm:scene3d>
+      <a:camera prst="orthographicFront"/>
+      <a:lightRig rig="threePt" dir="t"/>
+    </dgm:scene3d>
+    <dgm:sp3d/>
+    <dgm:txPr/>
+    <dgm:style>
+      <a:lnRef idx="2">
+        <a:scrgbClr r="0" g="0" b="0"/>
+      </a:lnRef>
+      <a:fillRef idx="1">
+        <a:scrgbClr r="0" g="0" b="0"/>
+      </a:fillRef>
+      <a:effectRef idx="0">
+        <a:scrgbClr r="0" g="0" b="0"/>
+      </a:effectRef>
+      <a:fontRef idx="minor"/>
+    </dgm:style>
+  </dgm:styleLbl>
+  <dgm:styleLbl name="solidFgAcc1">
+    <dgm:scene3d>
+      <a:camera prst="orthographicFront"/>
+      <a:lightRig rig="threePt" dir="t"/>
+    </dgm:scene3d>
+    <dgm:sp3d/>
+    <dgm:txPr/>
+    <dgm:style>
+      <a:lnRef idx="2">
+        <a:scrgbClr r="0" g="0" b="0"/>
+      </a:lnRef>
+      <a:fillRef idx="1">
+        <a:scrgbClr r="0" g="0" b="0"/>
+      </a:fillRef>
+      <a:effectRef idx="0">
+        <a:scrgbClr r="0" g="0" b="0"/>
+      </a:effectRef>
+      <a:fontRef idx="minor"/>
+    </dgm:style>
+  </dgm:styleLbl>
+  <dgm:styleLbl name="solidAlignAcc1">
+    <dgm:scene3d>
+      <a:camera prst="orthographicFront"/>
+      <a:lightRig rig="threePt" dir="t"/>
+    </dgm:scene3d>
+    <dgm:sp3d/>
+    <dgm:txPr/>
+    <dgm:style>
+      <a:lnRef idx="2">
+        <a:scrgbClr r="0" g="0" b="0"/>
+      </a:lnRef>
+      <a:fillRef idx="1">
+        <a:scrgbClr r="0" g="0" b="0"/>
+      </a:fillRef>
+      <a:effectRef idx="0">
+        <a:scrgbClr r="0" g="0" b="0"/>
+      </a:effectRef>
+      <a:fontRef idx="minor"/>
+    </dgm:style>
+  </dgm:styleLbl>
+  <dgm:styleLbl name="solidBgAcc1">
+    <dgm:scene3d>
+      <a:camera prst="orthographicFront"/>
+      <a:lightRig rig="threePt" dir="t"/>
+    </dgm:scene3d>
+    <dgm:sp3d/>
+    <dgm:txPr/>
+    <dgm:style>
+      <a:lnRef idx="2">
+        <a:scrgbClr r="0" g="0" b="0"/>
+      </a:lnRef>
+      <a:fillRef idx="1">
+        <a:scrgbClr r="0" g="0" b="0"/>
+      </a:fillRef>
+      <a:effectRef idx="0">
+        <a:scrgbClr r="0" g="0" b="0"/>
+      </a:effectRef>
+      <a:fontRef idx="minor"/>
+    </dgm:style>
+  </dgm:styleLbl>
+  <dgm:styleLbl name="fgAccFollowNode1">
+    <dgm:scene3d>
+      <a:camera prst="orthographicFront"/>
+      <a:lightRig rig="threePt" dir="t"/>
+    </dgm:scene3d>
+    <dgm:sp3d/>
+    <dgm:txPr/>
+    <dgm:style>
+      <a:lnRef idx="2">
+        <a:scrgbClr r="0" g="0" b="0"/>
+      </a:lnRef>
+      <a:fillRef idx="1">
+        <a:scrgbClr r="0" g="0" b="0"/>
+      </a:fillRef>
+      <a:effectRef idx="0">
+        <a:scrgbClr r="0" g="0" b="0"/>
+      </a:effectRef>
+      <a:fontRef idx="minor"/>
+    </dgm:style>
+  </dgm:styleLbl>
+  <dgm:styleLbl name="alignAccFollowNode1">
+    <dgm:scene3d>
+      <a:camera prst="orthographicFront"/>
+      <a:lightRig rig="threePt" dir="t"/>
+    </dgm:scene3d>
+    <dgm:sp3d/>
+    <dgm:txPr/>
+    <dgm:style>
+      <a:lnRef idx="2">
+        <a:scrgbClr r="0" g="0" b="0"/>
+      </a:lnRef>
+      <a:fillRef idx="1">
+        <a:scrgbClr r="0" g="0" b="0"/>
+      </a:fillRef>
+      <a:effectRef idx="0">
+        <a:scrgbClr r="0" g="0" b="0"/>
+      </a:effectRef>
+      <a:fontRef idx="minor"/>
+    </dgm:style>
+  </dgm:styleLbl>
+  <dgm:styleLbl name="bgAccFollowNode1">
+    <dgm:scene3d>
+      <a:camera prst="orthographicFront"/>
+      <a:lightRig rig="threePt" dir="t"/>
+    </dgm:scene3d>
+    <dgm:sp3d/>
+    <dgm:txPr/>
+    <dgm:style>
+      <a:lnRef idx="2">
+        <a:scrgbClr r="0" g="0" b="0"/>
+      </a:lnRef>
+      <a:fillRef idx="1">
+        <a:scrgbClr r="0" g="0" b="0"/>
+      </a:fillRef>
+      <a:effectRef idx="0">
+        <a:scrgbClr r="0" g="0" b="0"/>
+      </a:effectRef>
+      <a:fontRef idx="minor"/>
+    </dgm:style>
+  </dgm:styleLbl>
+  <dgm:styleLbl name="fgAcc0">
+    <dgm:scene3d>
+      <a:camera prst="orthographicFront"/>
+      <a:lightRig rig="threePt" dir="t"/>
+    </dgm:scene3d>
+    <dgm:sp3d/>
+    <dgm:txPr/>
+    <dgm:style>
+      <a:lnRef idx="2">
+        <a:scrgbClr r="0" g="0" b="0"/>
+      </a:lnRef>
+      <a:fillRef idx="1">
+        <a:scrgbClr r="0" g="0" b="0"/>
+      </a:fillRef>
+      <a:effectRef idx="0">
+        <a:scrgbClr r="0" g="0" b="0"/>
+      </a:effectRef>
+      <a:fontRef idx="minor"/>
+    </dgm:style>
+  </dgm:styleLbl>
+  <dgm:styleLbl name="fgAcc2">
+    <dgm:scene3d>
+      <a:camera prst="orthographicFront"/>
+      <a:lightRig rig="threePt" dir="t"/>
+    </dgm:scene3d>
+    <dgm:sp3d/>
+    <dgm:txPr/>
+    <dgm:style>
+      <a:lnRef idx="2">
+        <a:scrgbClr r="0" g="0" b="0"/>
+      </a:lnRef>
+      <a:fillRef idx="1">
+        <a:scrgbClr r="0" g="0" b="0"/>
+      </a:fillRef>
+      <a:effectRef idx="0">
+        <a:scrgbClr r="0" g="0" b="0"/>
+      </a:effectRef>
+      <a:fontRef idx="minor"/>
+    </dgm:style>
+  </dgm:styleLbl>
+  <dgm:styleLbl name="fgAcc3">
+    <dgm:scene3d>
+      <a:camera prst="orthographicFront"/>
+      <a:lightRig rig="threePt" dir="t"/>
+    </dgm:scene3d>
+    <dgm:sp3d/>
+    <dgm:txPr/>
+    <dgm:style>
+      <a:lnRef idx="2">
+        <a:scrgbClr r="0" g="0" b="0"/>
+      </a:lnRef>
+      <a:fillRef idx="1">
+        <a:scrgbClr r="0" g="0" b="0"/>
+      </a:fillRef>
+      <a:effectRef idx="0">
+        <a:scrgbClr r="0" g="0" b="0"/>
+      </a:effectRef>
+      <a:fontRef idx="minor"/>
+    </dgm:style>
+  </dgm:styleLbl>
+  <dgm:styleLbl name="fgAcc4">
+    <dgm:scene3d>
+      <a:camera prst="orthographicFront"/>
+      <a:lightRig rig="threePt" dir="t"/>
+    </dgm:scene3d>
+    <dgm:sp3d/>
+    <dgm:txPr/>
+    <dgm:style>
+      <a:lnRef idx="2">
+        <a:scrgbClr r="0" g="0" b="0"/>
+      </a:lnRef>
+      <a:fillRef idx="1">
+        <a:scrgbClr r="0" g="0" b="0"/>
+      </a:fillRef>
+      <a:effectRef idx="0">
+        <a:scrgbClr r="0" g="0" b="0"/>
+      </a:effectRef>
+      <a:fontRef idx="minor"/>
+    </dgm:style>
+  </dgm:styleLbl>
+  <dgm:styleLbl name="bgShp">
+    <dgm:scene3d>
+      <a:camera prst="orthographicFront"/>
+      <a:lightRig rig="threePt" dir="t"/>
+    </dgm:scene3d>
+    <dgm:sp3d/>
+    <dgm:txPr/>
+    <dgm:style>
+      <a:lnRef idx="0">
+        <a:scrgbClr r="0" g="0" b="0"/>
+      </a:lnRef>
+      <a:fillRef idx="1">
+        <a:scrgbClr r="0" g="0" b="0"/>
+      </a:fillRef>
+      <a:effectRef idx="0">
+        <a:scrgbClr r="0" g="0" b="0"/>
+      </a:effectRef>
+      <a:fontRef idx="minor"/>
+    </dgm:style>
+  </dgm:styleLbl>
+  <dgm:styleLbl name="dkBgShp">
+    <dgm:scene3d>
+      <a:camera prst="orthographicFront"/>
+      <a:lightRig rig="threePt" dir="t"/>
+    </dgm:scene3d>
+    <dgm:sp3d/>
+    <dgm:txPr/>
+    <dgm:style>
+      <a:lnRef idx="0">
+        <a:scrgbClr r="0" g="0" b="0"/>
+      </a:lnRef>
+      <a:fillRef idx="1">
+        <a:scrgbClr r="0" g="0" b="0"/>
+      </a:fillRef>
+      <a:effectRef idx="0">
+        <a:scrgbClr r="0" g="0" b="0"/>
+      </a:effectRef>
+      <a:fontRef idx="minor"/>
+    </dgm:style>
+  </dgm:styleLbl>
+  <dgm:styleLbl name="trBgShp">
+    <dgm:scene3d>
+      <a:camera prst="orthographicFront"/>
+      <a:lightRig rig="threePt" dir="t"/>
+    </dgm:scene3d>
+    <dgm:sp3d/>
+    <dgm:txPr/>
+    <dgm:style>
+      <a:lnRef idx="0">
+        <a:scrgbClr r="0" g="0" b="0"/>
+      </a:lnRef>
+      <a:fillRef idx="1">
+        <a:scrgbClr r="0" g="0" b="0"/>
+      </a:fillRef>
+      <a:effectRef idx="0">
+        <a:scrgbClr r="0" g="0" b="0"/>
+      </a:effectRef>
+      <a:fontRef idx="minor"/>
+    </dgm:style>
+  </dgm:styleLbl>
+  <dgm:styleLbl name="fgShp">
+    <dgm:scene3d>
+      <a:camera prst="orthographicFront"/>
+      <a:lightRig rig="threePt" dir="t"/>
+    </dgm:scene3d>
+    <dgm:sp3d/>
+    <dgm:txPr/>
+    <dgm:style>
+      <a:lnRef idx="2">
+        <a:scrgbClr r="0" g="0" b="0"/>
+      </a:lnRef>
+      <a:fillRef idx="1">
+        <a:scrgbClr r="0" g="0" b="0"/>
+      </a:fillRef>
+      <a:effectRef idx="0">
         <a:scrgbClr r="0" g="0" b="0"/>
       </a:effectRef>
       <a:fontRef idx="minor"/>
@@ -7679,7 +13182,47 @@
           <a:bodyPr/>
           <a:lstStyle/>
           <a:p>
-            <a:endParaRPr lang="de-DE"/>
+            <a:r>
+              <a:rPr lang="de-DE" dirty="0" smtClean="0"/>
+              <a:t>Hallo alle zusammen,</a:t>
+            </a:r>
+            <a:r>
+              <a:rPr lang="de-DE" baseline="0" dirty="0" smtClean="0"/>
+              <a:t> heute werde ich  über TE-Dokumentation sprechen. Viel von euch stellen Sie sich schon die Fragen Warum einen Vortrag dafür halten soll. </a:t>
+            </a:r>
+            <a:r>
+              <a:rPr lang="de-DE" b="1" baseline="0" dirty="0" smtClean="0"/>
+              <a:t>Die Antwort ist ganz einfach: 1) </a:t>
+            </a:r>
+            <a:r>
+              <a:rPr lang="de-DE" baseline="0" dirty="0" smtClean="0"/>
+              <a:t>ich möchte etwas über das Produkt TE mitteilen </a:t>
+            </a:r>
+            <a:r>
+              <a:rPr lang="de-DE" b="1" baseline="0" dirty="0" smtClean="0"/>
+              <a:t>somit</a:t>
+            </a:r>
+            <a:r>
+              <a:rPr lang="de-DE" baseline="0" dirty="0" smtClean="0"/>
+              <a:t> eine Überblick vermitteln. </a:t>
+            </a:r>
+            <a:r>
+              <a:rPr lang="de-DE" b="1" baseline="0" dirty="0" smtClean="0"/>
+              <a:t>Dabei</a:t>
+            </a:r>
+            <a:r>
+              <a:rPr lang="de-DE" baseline="0" dirty="0" smtClean="0"/>
+              <a:t> möchte ich mein Standpunkt verteidigen und zum Schluss eine Diskussion </a:t>
+            </a:r>
+            <a:r>
+              <a:rPr lang="de-DE" u="sng" baseline="0" dirty="0" smtClean="0"/>
+              <a:t>anregen</a:t>
+            </a:r>
+            <a:r>
+              <a:rPr lang="de-DE" baseline="0" dirty="0" smtClean="0"/>
+              <a:t>. </a:t>
+            </a:r>
+            <a:endParaRPr lang="de-DE" dirty="0"/>
           </a:p>
         </p:txBody>
       </p:sp>
@@ -7764,14 +13307,25 @@
           <a:bodyPr/>
           <a:lstStyle/>
           <a:p>
+            <a:pPr marL="0" indent="0">
+              <a:buFont typeface="+mj-lt"/>
+              <a:buNone/>
+            </a:pPr>
+            <a:r>
+              <a:rPr lang="de-DE" dirty="0" smtClean="0"/>
+              <a:t>Mein Vortrag besteht aus 5 Teilen:</a:t>
+            </a:r>
+          </a:p>
+          <a:p>
             <a:pPr marL="228600" indent="-228600">
               <a:buFont typeface="+mj-lt"/>
               <a:buAutoNum type="arabicPeriod"/>
             </a:pPr>
             <a:r>
-              <a:rPr lang="de-DE" dirty="0"/>
+              <a:rPr lang="de-DE" dirty="0" smtClean="0"/>
               <a:t>Einleitung</a:t>
             </a:r>
+            <a:endParaRPr lang="de-DE" dirty="0"/>
           </a:p>
           <a:p>
             <a:pPr marL="228600" indent="-228600">
@@ -7938,18 +13492,7 @@
           <a:bodyPr/>
           <a:lstStyle/>
           <a:p>
-            <a:r>
-              <a:rPr lang="de-DE" dirty="0"/>
-              <a:t>SDD: Software Design </a:t>
-            </a:r>
-            <a:r>
-              <a:rPr lang="de-DE" dirty="0" err="1"/>
-              <a:t>Documents</a:t>
-            </a:r>
-            <a:r>
-              <a:rPr lang="de-DE" dirty="0"/>
-              <a:t> was?</a:t>
-            </a:r>
+            <a:endParaRPr lang="en-US" dirty="0"/>
           </a:p>
         </p:txBody>
       </p:sp>
@@ -7971,7 +13514,7 @@
             <a:fld id="{7C56EBB8-86B7-4B17-9FE6-1D6C78FAEC35}" type="slidenum">
               <a:rPr lang="de-DE" altLang="de-DE" smtClean="0"/>
               <a:pPr/>
-              <a:t>8</a:t>
+              <a:t>4</a:t>
             </a:fld>
             <a:endParaRPr lang="de-DE" altLang="de-DE"/>
           </a:p>
@@ -7980,7 +13523,7 @@
     </p:spTree>
     <p:extLst>
       <p:ext uri="{BB962C8B-B14F-4D97-AF65-F5344CB8AC3E}">
-        <p14:creationId xmlns:p14="http://schemas.microsoft.com/office/powerpoint/2010/main" val="1466542457"/>
+        <p14:creationId xmlns:p14="http://schemas.microsoft.com/office/powerpoint/2010/main" val="2046055574"/>
       </p:ext>
     </p:extLst>
   </p:cSld>
@@ -8044,14 +13587,6 @@
             </a:r>
             <a:r>
               <a:rPr lang="de-DE" dirty="0"/>
-              <a:t>/</a:t>
-            </a:r>
-            <a:r>
-              <a:rPr lang="de-DE" dirty="0" err="1"/>
-              <a:t>Decription</a:t>
-            </a:r>
-            <a:r>
-              <a:rPr lang="de-DE" dirty="0"/>
               <a:t> was?</a:t>
             </a:r>
           </a:p>
@@ -8084,7 +13619,7 @@
     </p:spTree>
     <p:extLst>
       <p:ext uri="{BB962C8B-B14F-4D97-AF65-F5344CB8AC3E}">
-        <p14:creationId xmlns:p14="http://schemas.microsoft.com/office/powerpoint/2010/main" val="2185017981"/>
+        <p14:creationId xmlns:p14="http://schemas.microsoft.com/office/powerpoint/2010/main" val="1466542457"/>
       </p:ext>
     </p:extLst>
   </p:cSld>
@@ -8188,6 +13723,110 @@
     </p:spTree>
     <p:extLst>
       <p:ext uri="{BB962C8B-B14F-4D97-AF65-F5344CB8AC3E}">
+        <p14:creationId xmlns:p14="http://schemas.microsoft.com/office/powerpoint/2010/main" val="2185017981"/>
+      </p:ext>
+    </p:extLst>
+  </p:cSld>
+  <p:clrMapOvr>
+    <a:masterClrMapping/>
+  </p:clrMapOvr>
+</p:notes>
+</file>
+
+<file path=ppt/notesSlides/notesSlide6.xml><?xml version="1.0" encoding="utf-8"?>
+<p:notes xmlns:a="http://schemas.openxmlformats.org/drawingml/2006/main" xmlns:r="http://schemas.openxmlformats.org/officeDocument/2006/relationships" xmlns:p="http://schemas.openxmlformats.org/presentationml/2006/main">
+  <p:cSld>
+    <p:spTree>
+      <p:nvGrpSpPr>
+        <p:cNvPr id="1" name=""/>
+        <p:cNvGrpSpPr/>
+        <p:nvPr/>
+      </p:nvGrpSpPr>
+      <p:grpSpPr>
+        <a:xfrm>
+          <a:off x="0" y="0"/>
+          <a:ext cx="0" cy="0"/>
+          <a:chOff x="0" y="0"/>
+          <a:chExt cx="0" cy="0"/>
+        </a:xfrm>
+      </p:grpSpPr>
+      <p:sp>
+        <p:nvSpPr>
+          <p:cNvPr id="2" name="Folienbildplatzhalter 1"/>
+          <p:cNvSpPr>
+            <a:spLocks noGrp="1" noRot="1" noChangeAspect="1"/>
+          </p:cNvSpPr>
+          <p:nvPr>
+            <p:ph type="sldImg"/>
+          </p:nvPr>
+        </p:nvSpPr>
+        <p:spPr/>
+      </p:sp>
+      <p:sp>
+        <p:nvSpPr>
+          <p:cNvPr id="3" name="Notizenplatzhalter 2"/>
+          <p:cNvSpPr>
+            <a:spLocks noGrp="1"/>
+          </p:cNvSpPr>
+          <p:nvPr>
+            <p:ph type="body" idx="1"/>
+          </p:nvPr>
+        </p:nvSpPr>
+        <p:spPr/>
+        <p:txBody>
+          <a:bodyPr/>
+          <a:lstStyle/>
+          <a:p>
+            <a:r>
+              <a:rPr lang="de-DE" dirty="0"/>
+              <a:t>SDD: Software Design </a:t>
+            </a:r>
+            <a:r>
+              <a:rPr lang="de-DE" dirty="0" err="1"/>
+              <a:t>Documents</a:t>
+            </a:r>
+            <a:r>
+              <a:rPr lang="de-DE" dirty="0"/>
+              <a:t>/</a:t>
+            </a:r>
+            <a:r>
+              <a:rPr lang="de-DE" dirty="0" err="1"/>
+              <a:t>Decription</a:t>
+            </a:r>
+            <a:r>
+              <a:rPr lang="de-DE" dirty="0"/>
+              <a:t> was?</a:t>
+            </a:r>
+          </a:p>
+        </p:txBody>
+      </p:sp>
+      <p:sp>
+        <p:nvSpPr>
+          <p:cNvPr id="4" name="Foliennummernplatzhalter 3"/>
+          <p:cNvSpPr>
+            <a:spLocks noGrp="1"/>
+          </p:cNvSpPr>
+          <p:nvPr>
+            <p:ph type="sldNum" sz="quarter" idx="10"/>
+          </p:nvPr>
+        </p:nvSpPr>
+        <p:spPr/>
+        <p:txBody>
+          <a:bodyPr/>
+          <a:lstStyle/>
+          <a:p>
+            <a:fld id="{7C56EBB8-86B7-4B17-9FE6-1D6C78FAEC35}" type="slidenum">
+              <a:rPr lang="de-DE" altLang="de-DE" smtClean="0"/>
+              <a:pPr/>
+              <a:t>11</a:t>
+            </a:fld>
+            <a:endParaRPr lang="de-DE" altLang="de-DE"/>
+          </a:p>
+        </p:txBody>
+      </p:sp>
+    </p:spTree>
+    <p:extLst>
+      <p:ext uri="{BB962C8B-B14F-4D97-AF65-F5344CB8AC3E}">
         <p14:creationId xmlns:p14="http://schemas.microsoft.com/office/powerpoint/2010/main" val="1855379874"/>
       </p:ext>
     </p:extLst>
@@ -8198,7 +13837,7 @@
 </p:notes>
 </file>
 
-<file path=ppt/notesSlides/notesSlide6.xml><?xml version="1.0" encoding="utf-8"?>
+<file path=ppt/notesSlides/notesSlide7.xml><?xml version="1.0" encoding="utf-8"?>
 <p:notes xmlns:a="http://schemas.openxmlformats.org/drawingml/2006/main" xmlns:r="http://schemas.openxmlformats.org/officeDocument/2006/relationships" xmlns:p="http://schemas.openxmlformats.org/presentationml/2006/main">
   <p:cSld>
     <p:spTree>
@@ -8241,7 +13880,7 @@
             <a:fld id="{C21EDE77-6E6B-46CF-9346-5CFD3F861C54}" type="slidenum">
               <a:rPr lang="de-DE" altLang="de-DE"/>
               <a:pPr/>
-              <a:t>11</a:t>
+              <a:t>12</a:t>
             </a:fld>
             <a:endParaRPr lang="de-DE" altLang="de-DE"/>
           </a:p>
@@ -10557,7 +16196,7 @@
           <p:nvPr userDrawn="1"/>
         </p:nvPicPr>
         <p:blipFill>
-          <a:blip r:embed="rId13">
+          <a:blip r:embed="rId13" cstate="hqprint">
             <a:extLst>
               <a:ext uri="{28A0092B-C50C-407E-A947-70E740481C1C}">
                 <a14:useLocalDpi xmlns:a14="http://schemas.microsoft.com/office/drawing/2010/main" val="0"/>
@@ -10866,7 +16505,7 @@
           <p:nvPr userDrawn="1"/>
         </p:nvPicPr>
         <p:blipFill>
-          <a:blip r:embed="rId14">
+          <a:blip r:embed="rId14" cstate="hqprint">
             <a:extLst>
               <a:ext uri="{28A0092B-C50C-407E-A947-70E740481C1C}">
                 <a14:useLocalDpi xmlns:a14="http://schemas.microsoft.com/office/drawing/2010/main" val="0"/>
@@ -11035,7 +16674,7 @@
           <p:nvPr userDrawn="1"/>
         </p:nvPicPr>
         <p:blipFill>
-          <a:blip r:embed="rId15">
+          <a:blip r:embed="rId15" cstate="hqprint">
             <a:extLst>
               <a:ext uri="{28A0092B-C50C-407E-A947-70E740481C1C}">
                 <a14:useLocalDpi xmlns:a14="http://schemas.microsoft.com/office/drawing/2010/main" val="0"/>
@@ -11869,6 +17508,14 @@
               </a:rPr>
               <a:t>Intelligente Lösungen für die industrielle Kommunikation</a:t>
             </a:r>
+            <a:r>
+              <a:rPr lang="de-DE" altLang="de-DE" sz="1400">
+                <a:solidFill>
+                  <a:schemeClr val="bg1"/>
+                </a:solidFill>
+              </a:rPr>
+              <a:t/>
+            </a:r>
             <a:br>
               <a:rPr lang="de-DE" altLang="de-DE" sz="1400">
                 <a:solidFill>
@@ -11892,6 +17539,13 @@
   <p:transition>
     <p:randomBar/>
   </p:transition>
+  <p:timing>
+    <p:tnLst>
+      <p:par>
+        <p:cTn id="1" dur="indefinite" restart="never" nodeType="tmRoot"/>
+      </p:par>
+    </p:tnLst>
+  </p:timing>
 </p:sld>
 </file>
 
@@ -11962,9 +17616,195 @@
           <a:lstStyle/>
           <a:p>
             <a:r>
+              <a:rPr lang="en-US" dirty="0"/>
+              <a:t>Definition</a:t>
+            </a:r>
+          </a:p>
+          <a:p>
+            <a:r>
               <a:rPr lang="de-DE" dirty="0"/>
               <a:t>Design-Übersicht</a:t>
             </a:r>
+          </a:p>
+          <a:p>
+            <a:r>
+              <a:rPr lang="de-DE" dirty="0"/>
+              <a:t>Anforderungs-Matrix</a:t>
+            </a:r>
+          </a:p>
+          <a:p>
+            <a:r>
+              <a:rPr lang="de-DE" dirty="0"/>
+              <a:t>System-Architektur</a:t>
+            </a:r>
+          </a:p>
+          <a:p>
+            <a:pPr lvl="1"/>
+            <a:r>
+              <a:rPr lang="de-DE" dirty="0"/>
+              <a:t>Beschreibung der Schnittstellen des Systems</a:t>
+            </a:r>
+          </a:p>
+          <a:p>
+            <a:r>
+              <a:rPr lang="de-DE" dirty="0"/>
+              <a:t>Detailbeschreibung der Komponenten</a:t>
+            </a:r>
+          </a:p>
+          <a:p>
+            <a:r>
+              <a:rPr lang="de-DE" dirty="0"/>
+              <a:t>Benutzerschnittstelle (UI)</a:t>
+            </a:r>
+          </a:p>
+          <a:p>
+            <a:endParaRPr lang="de-DE" dirty="0"/>
+          </a:p>
+          <a:p>
+            <a:endParaRPr lang="en-US" dirty="0"/>
+          </a:p>
+          <a:p>
+            <a:pPr marL="457200" lvl="1" indent="0">
+              <a:buNone/>
+            </a:pPr>
+            <a:endParaRPr lang="de-DE" dirty="0"/>
+          </a:p>
+          <a:p>
+            <a:endParaRPr lang="de-DE" dirty="0"/>
+          </a:p>
+        </p:txBody>
+      </p:sp>
+      <p:sp>
+        <p:nvSpPr>
+          <p:cNvPr id="4" name="Fußzeilenplatzhalter 3">
+            <a:extLst>
+              <a:ext uri="{FF2B5EF4-FFF2-40B4-BE49-F238E27FC236}">
+                <a16:creationId xmlns:a16="http://schemas.microsoft.com/office/drawing/2014/main" id="{F20A4591-255A-436E-9282-9F534856B76B}"/>
+              </a:ext>
+            </a:extLst>
+          </p:cNvPr>
+          <p:cNvSpPr>
+            <a:spLocks noGrp="1"/>
+          </p:cNvSpPr>
+          <p:nvPr>
+            <p:ph type="ftr" sz="quarter" idx="10"/>
+          </p:nvPr>
+        </p:nvSpPr>
+        <p:spPr/>
+        <p:txBody>
+          <a:bodyPr/>
+          <a:lstStyle/>
+          <a:p>
+            <a:r>
+              <a:rPr lang="de-DE" altLang="de-DE"/>
+              <a:t>Hilscher Gesellschaft für Systemautomation mbH  </a:t>
+            </a:r>
+            <a:r>
+              <a:rPr lang="en-US" altLang="de-DE">
+                <a:cs typeface="Arial" panose="020B0604020202020204" pitchFamily="34" charset="0"/>
+              </a:rPr>
+              <a:t>l  www.hilscher.com</a:t>
+            </a:r>
+            <a:endParaRPr lang="de-DE" altLang="de-DE">
+              <a:cs typeface="Arial" panose="020B0604020202020204" pitchFamily="34" charset="0"/>
+            </a:endParaRPr>
+          </a:p>
+        </p:txBody>
+      </p:sp>
+    </p:spTree>
+    <p:extLst>
+      <p:ext uri="{BB962C8B-B14F-4D97-AF65-F5344CB8AC3E}">
+        <p14:creationId xmlns:p14="http://schemas.microsoft.com/office/powerpoint/2010/main" val="4257936119"/>
+      </p:ext>
+    </p:extLst>
+  </p:cSld>
+  <p:clrMapOvr>
+    <a:masterClrMapping/>
+  </p:clrMapOvr>
+  <p:transition>
+    <p:zoom/>
+  </p:transition>
+  <p:timing>
+    <p:tnLst>
+      <p:par>
+        <p:cTn id="1" dur="indefinite" restart="never" nodeType="tmRoot"/>
+      </p:par>
+    </p:tnLst>
+  </p:timing>
+</p:sld>
+</file>
+
+<file path=ppt/slides/slide11.xml><?xml version="1.0" encoding="utf-8"?>
+<p:sld xmlns:a="http://schemas.openxmlformats.org/drawingml/2006/main" xmlns:r="http://schemas.openxmlformats.org/officeDocument/2006/relationships" xmlns:p="http://schemas.openxmlformats.org/presentationml/2006/main">
+  <p:cSld>
+    <p:spTree>
+      <p:nvGrpSpPr>
+        <p:cNvPr id="1" name=""/>
+        <p:cNvGrpSpPr/>
+        <p:nvPr/>
+      </p:nvGrpSpPr>
+      <p:grpSpPr>
+        <a:xfrm>
+          <a:off x="0" y="0"/>
+          <a:ext cx="0" cy="0"/>
+          <a:chOff x="0" y="0"/>
+          <a:chExt cx="0" cy="0"/>
+        </a:xfrm>
+      </p:grpSpPr>
+      <p:sp>
+        <p:nvSpPr>
+          <p:cNvPr id="2" name="Titel 1">
+            <a:extLst>
+              <a:ext uri="{FF2B5EF4-FFF2-40B4-BE49-F238E27FC236}">
+                <a16:creationId xmlns:a16="http://schemas.microsoft.com/office/drawing/2014/main" id="{63435F02-846C-4E9A-9FDE-FCF77DE49196}"/>
+              </a:ext>
+            </a:extLst>
+          </p:cNvPr>
+          <p:cNvSpPr>
+            <a:spLocks noGrp="1"/>
+          </p:cNvSpPr>
+          <p:nvPr>
+            <p:ph type="title"/>
+          </p:nvPr>
+        </p:nvSpPr>
+        <p:spPr/>
+        <p:txBody>
+          <a:bodyPr/>
+          <a:lstStyle/>
+          <a:p>
+            <a:r>
+              <a:rPr lang="de-DE" dirty="0"/>
+              <a:t>Wiki: SDD</a:t>
+            </a:r>
+          </a:p>
+        </p:txBody>
+      </p:sp>
+      <p:sp>
+        <p:nvSpPr>
+          <p:cNvPr id="3" name="Inhaltsplatzhalter 2">
+            <a:extLst>
+              <a:ext uri="{FF2B5EF4-FFF2-40B4-BE49-F238E27FC236}">
+                <a16:creationId xmlns:a16="http://schemas.microsoft.com/office/drawing/2014/main" id="{EC35EFCB-B978-4CB0-B28F-0EA4AC23607D}"/>
+              </a:ext>
+            </a:extLst>
+          </p:cNvPr>
+          <p:cNvSpPr>
+            <a:spLocks noGrp="1"/>
+          </p:cNvSpPr>
+          <p:nvPr>
+            <p:ph idx="1"/>
+          </p:nvPr>
+        </p:nvSpPr>
+        <p:spPr/>
+        <p:txBody>
+          <a:bodyPr/>
+          <a:lstStyle/>
+          <a:p>
+            <a:r>
+              <a:rPr lang="de-DE" dirty="0" smtClean="0"/>
+              <a:t>Design-Übersicht</a:t>
+            </a:r>
+            <a:endParaRPr lang="de-DE" dirty="0"/>
           </a:p>
           <a:p>
             <a:pPr marL="0" indent="0">
@@ -12117,27 +17957,261 @@
           </a:p>
         </p:txBody>
       </p:sp>
+      <p:sp>
+        <p:nvSpPr>
+          <p:cNvPr id="5" name="Abgerundetes Rechteck 4"/>
+          <p:cNvSpPr/>
+          <p:nvPr/>
+        </p:nvSpPr>
+        <p:spPr bwMode="auto">
+          <a:xfrm>
+            <a:off x="1187530" y="3429000"/>
+            <a:ext cx="2880400" cy="1008140"/>
+          </a:xfrm>
+          <a:prstGeom prst="roundRect">
+            <a:avLst/>
+          </a:prstGeom>
+          <a:noFill/>
+          <a:ln>
+            <a:noFill/>
+          </a:ln>
+          <a:effectLst/>
+          <a:extLst>
+            <a:ext uri="{909E8E84-426E-40DD-AFC4-6F175D3DCCD1}">
+              <a14:hiddenFill xmlns:a14="http://schemas.microsoft.com/office/drawing/2010/main">
+                <a:solidFill>
+                  <a:schemeClr val="accent1"/>
+                </a:solidFill>
+              </a14:hiddenFill>
+            </a:ext>
+            <a:ext uri="{91240B29-F687-4F45-9708-019B960494DF}">
+              <a14:hiddenLine xmlns:a14="http://schemas.microsoft.com/office/drawing/2010/main" w="9525" cap="flat" cmpd="sng" algn="ctr">
+                <a:solidFill>
+                  <a:schemeClr val="tx1"/>
+                </a:solidFill>
+                <a:prstDash val="solid"/>
+                <a:round/>
+                <a:headEnd type="none" w="med" len="med"/>
+                <a:tailEnd type="none" w="med" len="med"/>
+              </a14:hiddenLine>
+            </a:ext>
+            <a:ext uri="{AF507438-7753-43E0-B8FC-AC1667EBCBE1}">
+              <a14:hiddenEffects xmlns:a14="http://schemas.microsoft.com/office/drawing/2010/main">
+                <a:effectLst>
+                  <a:outerShdw dist="35921" dir="2700000" algn="ctr" rotWithShape="0">
+                    <a:schemeClr val="bg2"/>
+                  </a:outerShdw>
+                </a:effectLst>
+              </a14:hiddenEffects>
+            </a:ext>
+          </a:extLst>
+        </p:spPr>
+        <p:txBody>
+          <a:bodyPr vert="horz" wrap="square" lIns="91440" tIns="45720" rIns="91440" bIns="45720" numCol="1" rtlCol="0" anchor="t" anchorCtr="0" compatLnSpc="1">
+            <a:prstTxWarp prst="textNoShape">
+              <a:avLst/>
+            </a:prstTxWarp>
+          </a:bodyPr>
+          <a:lstStyle/>
+          <a:p>
+            <a:pPr marL="342900" marR="0" indent="-342900" algn="l" defTabSz="914400" rtl="0" eaLnBrk="1" fontAlgn="base" latinLnBrk="0" hangingPunct="1">
+              <a:lnSpc>
+                <a:spcPct val="100000"/>
+              </a:lnSpc>
+              <a:spcBef>
+                <a:spcPct val="20000"/>
+              </a:spcBef>
+              <a:spcAft>
+                <a:spcPct val="0"/>
+              </a:spcAft>
+              <a:buClr>
+                <a:srgbClr val="DF0029"/>
+              </a:buClr>
+              <a:buSzPct val="140000"/>
+              <a:buFont typeface="Wingdings" panose="05000000000000000000" pitchFamily="2" charset="2"/>
+              <a:buChar char="§"/>
+              <a:tabLst/>
+            </a:pPr>
+            <a:endParaRPr kumimoji="0" lang="en-US" sz="2400" b="0" i="0" u="none" strike="noStrike" cap="none" normalizeH="0" baseline="0" smtClean="0">
+              <a:ln>
+                <a:noFill/>
+              </a:ln>
+              <a:solidFill>
+                <a:srgbClr val="5F5F5F"/>
+              </a:solidFill>
+              <a:effectLst/>
+              <a:latin typeface="Arial" panose="020B0604020202020204" pitchFamily="34" charset="0"/>
+            </a:endParaRPr>
+          </a:p>
+        </p:txBody>
+      </p:sp>
+      <p:sp>
+        <p:nvSpPr>
+          <p:cNvPr id="7" name="Abgerundetes Rechteck 6"/>
+          <p:cNvSpPr/>
+          <p:nvPr/>
+        </p:nvSpPr>
+        <p:spPr bwMode="auto">
+          <a:xfrm>
+            <a:off x="1187530" y="3429000"/>
+            <a:ext cx="3528490" cy="1368190"/>
+          </a:xfrm>
+          <a:prstGeom prst="roundRect">
+            <a:avLst/>
+          </a:prstGeom>
+          <a:noFill/>
+          <a:ln>
+            <a:noFill/>
+          </a:ln>
+          <a:effectLst/>
+          <a:extLst>
+            <a:ext uri="{909E8E84-426E-40DD-AFC4-6F175D3DCCD1}">
+              <a14:hiddenFill xmlns:a14="http://schemas.microsoft.com/office/drawing/2010/main">
+                <a:solidFill>
+                  <a:schemeClr val="accent1"/>
+                </a:solidFill>
+              </a14:hiddenFill>
+            </a:ext>
+            <a:ext uri="{91240B29-F687-4F45-9708-019B960494DF}">
+              <a14:hiddenLine xmlns:a14="http://schemas.microsoft.com/office/drawing/2010/main" w="9525" cap="flat" cmpd="sng" algn="ctr">
+                <a:solidFill>
+                  <a:schemeClr val="tx1"/>
+                </a:solidFill>
+                <a:prstDash val="solid"/>
+                <a:round/>
+                <a:headEnd type="none" w="med" len="med"/>
+                <a:tailEnd type="none" w="med" len="med"/>
+              </a14:hiddenLine>
+            </a:ext>
+            <a:ext uri="{AF507438-7753-43E0-B8FC-AC1667EBCBE1}">
+              <a14:hiddenEffects xmlns:a14="http://schemas.microsoft.com/office/drawing/2010/main">
+                <a:effectLst>
+                  <a:outerShdw dist="35921" dir="2700000" algn="ctr" rotWithShape="0">
+                    <a:schemeClr val="bg2"/>
+                  </a:outerShdw>
+                </a:effectLst>
+              </a14:hiddenEffects>
+            </a:ext>
+          </a:extLst>
+        </p:spPr>
+        <p:txBody>
+          <a:bodyPr vert="horz" wrap="square" lIns="91440" tIns="45720" rIns="91440" bIns="45720" numCol="1" rtlCol="0" anchor="t" anchorCtr="0" compatLnSpc="1">
+            <a:prstTxWarp prst="textNoShape">
+              <a:avLst/>
+            </a:prstTxWarp>
+          </a:bodyPr>
+          <a:lstStyle/>
+          <a:p>
+            <a:pPr marL="342900" marR="0" indent="-342900" algn="l" defTabSz="914400" rtl="0" eaLnBrk="1" fontAlgn="base" latinLnBrk="0" hangingPunct="1">
+              <a:lnSpc>
+                <a:spcPct val="100000"/>
+              </a:lnSpc>
+              <a:spcBef>
+                <a:spcPct val="20000"/>
+              </a:spcBef>
+              <a:spcAft>
+                <a:spcPct val="0"/>
+              </a:spcAft>
+              <a:buClr>
+                <a:srgbClr val="DF0029"/>
+              </a:buClr>
+              <a:buSzPct val="140000"/>
+              <a:buFont typeface="Wingdings" panose="05000000000000000000" pitchFamily="2" charset="2"/>
+              <a:buChar char="§"/>
+              <a:tabLst/>
+            </a:pPr>
+            <a:endParaRPr kumimoji="0" lang="en-US" sz="2400" b="0" i="0" u="none" strike="noStrike" cap="none" normalizeH="0" baseline="0" smtClean="0">
+              <a:ln>
+                <a:noFill/>
+              </a:ln>
+              <a:solidFill>
+                <a:srgbClr val="5F5F5F"/>
+              </a:solidFill>
+              <a:effectLst/>
+              <a:latin typeface="Arial" panose="020B0604020202020204" pitchFamily="34" charset="0"/>
+            </a:endParaRPr>
+          </a:p>
+        </p:txBody>
+      </p:sp>
+      <p:sp>
+        <p:nvSpPr>
+          <p:cNvPr id="8" name="Abgerundetes Rechteck 7"/>
+          <p:cNvSpPr/>
+          <p:nvPr/>
+        </p:nvSpPr>
+        <p:spPr bwMode="auto">
+          <a:xfrm>
+            <a:off x="863485" y="4797190"/>
+            <a:ext cx="5256730" cy="1267288"/>
+          </a:xfrm>
+          <a:prstGeom prst="roundRect">
+            <a:avLst/>
+          </a:prstGeom>
+          <a:solidFill>
+            <a:srgbClr val="C00000"/>
+          </a:solidFill>
+          <a:ln w="25400">
+            <a:solidFill>
+              <a:srgbClr val="C00000"/>
+            </a:solidFill>
+          </a:ln>
+          <a:effectLst/>
+          <a:extLst/>
+        </p:spPr>
+        <p:txBody>
+          <a:bodyPr vert="horz" wrap="square" lIns="91440" tIns="45720" rIns="91440" bIns="45720" numCol="1" rtlCol="0" anchor="t" anchorCtr="0" compatLnSpc="1">
+            <a:prstTxWarp prst="textNoShape">
+              <a:avLst/>
+            </a:prstTxWarp>
+          </a:bodyPr>
+          <a:lstStyle/>
+          <a:p>
+            <a:pPr marL="342900" marR="0" indent="-342900" algn="l" defTabSz="914400" rtl="0" eaLnBrk="1" fontAlgn="base" latinLnBrk="0" hangingPunct="1">
+              <a:lnSpc>
+                <a:spcPct val="100000"/>
+              </a:lnSpc>
+              <a:spcBef>
+                <a:spcPct val="20000"/>
+              </a:spcBef>
+              <a:spcAft>
+                <a:spcPct val="0"/>
+              </a:spcAft>
+              <a:buClr>
+                <a:srgbClr val="DF0029"/>
+              </a:buClr>
+              <a:buSzPct val="140000"/>
+              <a:buFont typeface="Wingdings" panose="05000000000000000000" pitchFamily="2" charset="2"/>
+              <a:buChar char="§"/>
+              <a:tabLst/>
+            </a:pPr>
+            <a:endParaRPr kumimoji="0" lang="en-US" sz="2400" b="0" i="0" u="none" strike="noStrike" cap="none" normalizeH="0" baseline="0" smtClean="0">
+              <a:ln>
+                <a:noFill/>
+              </a:ln>
+              <a:solidFill>
+                <a:srgbClr val="5F5F5F"/>
+              </a:solidFill>
+              <a:effectLst/>
+              <a:latin typeface="Arial" panose="020B0604020202020204" pitchFamily="34" charset="0"/>
+            </a:endParaRPr>
+          </a:p>
+        </p:txBody>
+      </p:sp>
       <p:graphicFrame>
         <p:nvGraphicFramePr>
-          <p:cNvPr id="16" name="Diagramm 15">
-            <a:extLst>
-              <a:ext uri="{FF2B5EF4-FFF2-40B4-BE49-F238E27FC236}">
-                <a16:creationId xmlns:a16="http://schemas.microsoft.com/office/drawing/2014/main" id="{909BB808-34F1-48C3-AD53-203620E80138}"/>
-              </a:ext>
-            </a:extLst>
-          </p:cNvPr>
+          <p:cNvPr id="10" name="Diagramm 9"/>
           <p:cNvGraphicFramePr/>
           <p:nvPr>
             <p:extLst>
               <p:ext uri="{D42A27DB-BD31-4B8C-83A1-F6EECF244321}">
-                <p14:modId xmlns:p14="http://schemas.microsoft.com/office/powerpoint/2010/main" val="2251828175"/>
+                <p14:modId xmlns:p14="http://schemas.microsoft.com/office/powerpoint/2010/main" val="4104528262"/>
               </p:ext>
             </p:extLst>
           </p:nvPr>
         </p:nvGraphicFramePr>
         <p:xfrm>
-          <a:off x="1403560" y="2780910"/>
-          <a:ext cx="2808390" cy="1728240"/>
+          <a:off x="1187530" y="5085230"/>
+          <a:ext cx="2304320" cy="432060"/>
         </p:xfrm>
         <a:graphic>
           <a:graphicData uri="http://schemas.openxmlformats.org/drawingml/2006/diagram">
@@ -12145,6 +18219,51 @@
           </a:graphicData>
         </a:graphic>
       </p:graphicFrame>
+      <p:cxnSp>
+        <p:nvCxnSpPr>
+          <p:cNvPr id="12" name="Gerader Verbinder 11"/>
+          <p:cNvCxnSpPr/>
+          <p:nvPr/>
+        </p:nvCxnSpPr>
+        <p:spPr bwMode="auto">
+          <a:xfrm flipV="1">
+            <a:off x="2339690" y="4005080"/>
+            <a:ext cx="0" cy="1080150"/>
+          </a:xfrm>
+          <a:prstGeom prst="line">
+            <a:avLst/>
+          </a:prstGeom>
+          <a:noFill/>
+          <a:ln w="50800" cap="flat" cmpd="sng" algn="ctr">
+            <a:solidFill>
+              <a:schemeClr val="tx1"/>
+            </a:solidFill>
+            <a:prstDash val="solid"/>
+            <a:round/>
+            <a:headEnd type="none" w="med" len="med"/>
+            <a:tailEnd type="oval" w="med" len="med"/>
+          </a:ln>
+          <a:effectLst/>
+          <a:extLst>
+            <a:ext uri="{909E8E84-426E-40DD-AFC4-6F175D3DCCD1}">
+              <a14:hiddenFill xmlns:a14="http://schemas.microsoft.com/office/drawing/2010/main">
+                <a:solidFill>
+                  <a:schemeClr val="accent1"/>
+                </a:solidFill>
+              </a14:hiddenFill>
+            </a:ext>
+            <a:ext uri="{AF507438-7753-43E0-B8FC-AC1667EBCBE1}">
+              <a14:hiddenEffects xmlns:a14="http://schemas.microsoft.com/office/drawing/2010/main">
+                <a:effectLst>
+                  <a:outerShdw dist="35921" dir="2700000" algn="ctr" rotWithShape="0">
+                    <a:schemeClr val="bg2"/>
+                  </a:outerShdw>
+                </a:effectLst>
+              </a14:hiddenEffects>
+            </a:ext>
+          </a:extLst>
+        </p:spPr>
+      </p:cxnSp>
     </p:spTree>
     <p:extLst>
       <p:ext uri="{BB962C8B-B14F-4D97-AF65-F5344CB8AC3E}">
@@ -12158,10 +18277,17 @@
   <p:transition>
     <p:zoom/>
   </p:transition>
+  <p:timing>
+    <p:tnLst>
+      <p:par>
+        <p:cTn id="1" dur="indefinite" restart="never" nodeType="tmRoot"/>
+      </p:par>
+    </p:tnLst>
+  </p:timing>
 </p:sld>
 </file>
 
-<file path=ppt/slides/slide11.xml><?xml version="1.0" encoding="utf-8"?>
+<file path=ppt/slides/slide12.xml><?xml version="1.0" encoding="utf-8"?>
 <p:sld xmlns:a="http://schemas.openxmlformats.org/drawingml/2006/main" xmlns:r="http://schemas.openxmlformats.org/officeDocument/2006/relationships" xmlns:p="http://schemas.openxmlformats.org/presentationml/2006/main">
   <p:cSld>
     <p:spTree>
@@ -12299,7 +18425,7 @@
                 <a:buFontTx/>
                 <a:buNone/>
               </a:pPr>
-              <a:t>11</a:t>
+              <a:t>12</a:t>
             </a:fld>
             <a:endParaRPr lang="de-DE" altLang="de-DE" sz="1100" b="1">
               <a:solidFill>
@@ -12486,6 +18612,10 @@
             <a:br>
               <a:rPr lang="de-DE" altLang="de-DE" sz="2400" b="0"/>
             </a:br>
+            <a:r>
+              <a:rPr lang="de-DE" altLang="de-DE" sz="700"/>
+              <a:t/>
+            </a:r>
             <a:br>
               <a:rPr lang="de-DE" altLang="de-DE" sz="700"/>
             </a:br>
@@ -12715,6 +18845,14 @@
               </a:rPr>
               <a:t>Vorname Nachname</a:t>
             </a:r>
+            <a:r>
+              <a:rPr lang="de-DE" altLang="de-DE" sz="2100">
+                <a:solidFill>
+                  <a:schemeClr val="bg2"/>
+                </a:solidFill>
+              </a:rPr>
+              <a:t/>
+            </a:r>
             <a:br>
               <a:rPr lang="de-DE" altLang="de-DE" sz="2100">
                 <a:solidFill>
@@ -13055,6 +19193,14 @@
                 </a:solidFill>
               </a:rPr>
             </a:br>
+            <a:r>
+              <a:rPr lang="de-DE" altLang="de-DE" sz="700">
+                <a:solidFill>
+                  <a:srgbClr val="DF0029"/>
+                </a:solidFill>
+              </a:rPr>
+              <a:t/>
+            </a:r>
             <a:br>
               <a:rPr lang="de-DE" altLang="de-DE" sz="700">
                 <a:solidFill>
@@ -13093,10 +19239,17 @@
   <p:transition>
     <p:zoom/>
   </p:transition>
+  <p:timing>
+    <p:tnLst>
+      <p:par>
+        <p:cTn id="1" dur="indefinite" restart="never" nodeType="tmRoot"/>
+      </p:par>
+    </p:tnLst>
+  </p:timing>
 </p:sld>
 </file>
 
-<file path=ppt/slides/slide12.xml><?xml version="1.0" encoding="utf-8"?>
+<file path=ppt/slides/slide13.xml><?xml version="1.0" encoding="utf-8"?>
 <p:sld xmlns:a="http://schemas.openxmlformats.org/drawingml/2006/main" xmlns:r="http://schemas.openxmlformats.org/officeDocument/2006/relationships" xmlns:p="http://schemas.openxmlformats.org/presentationml/2006/main">
   <p:cSld>
     <p:spTree>
@@ -13486,7 +19639,7 @@
 </p:sld>
 </file>
 
-<file path=ppt/slides/slide13.xml><?xml version="1.0" encoding="utf-8"?>
+<file path=ppt/slides/slide14.xml><?xml version="1.0" encoding="utf-8"?>
 <p:sld xmlns:a="http://schemas.openxmlformats.org/drawingml/2006/main" xmlns:r="http://schemas.openxmlformats.org/officeDocument/2006/relationships" xmlns:p="http://schemas.openxmlformats.org/presentationml/2006/main">
   <p:cSld>
     <p:spTree>
@@ -14444,6 +20597,13 @@
   <p:transition>
     <p:randomBar/>
   </p:transition>
+  <p:timing>
+    <p:tnLst>
+      <p:par>
+        <p:cTn id="1" dur="indefinite" restart="never" nodeType="tmRoot"/>
+      </p:par>
+    </p:tnLst>
+  </p:timing>
 </p:sld>
 </file>
 
@@ -15398,6 +21558,31 @@
           <a:chExt cx="0" cy="0"/>
         </a:xfrm>
       </p:grpSpPr>
+      <p:graphicFrame>
+        <p:nvGraphicFramePr>
+          <p:cNvPr id="7" name="Inhaltsplatzhalter 6"/>
+          <p:cNvGraphicFramePr>
+            <a:graphicFrameLocks noGrp="1"/>
+          </p:cNvGraphicFramePr>
+          <p:nvPr>
+            <p:ph idx="1"/>
+            <p:extLst>
+              <p:ext uri="{D42A27DB-BD31-4B8C-83A1-F6EECF244321}">
+                <p14:modId xmlns:p14="http://schemas.microsoft.com/office/powerpoint/2010/main" val="1327438223"/>
+              </p:ext>
+            </p:extLst>
+          </p:nvPr>
+        </p:nvGraphicFramePr>
+        <p:xfrm>
+          <a:off x="225425" y="1600200"/>
+          <a:ext cx="8229600" cy="4525963"/>
+        </p:xfrm>
+        <a:graphic>
+          <a:graphicData uri="http://schemas.openxmlformats.org/drawingml/2006/diagram">
+            <dgm:relIds xmlns:dgm="http://schemas.openxmlformats.org/drawingml/2006/diagram" xmlns:r="http://schemas.openxmlformats.org/officeDocument/2006/relationships" r:dm="rId3" r:lo="rId4" r:qs="rId5" r:cs="rId6"/>
+          </a:graphicData>
+        </a:graphic>
+      </p:graphicFrame>
       <p:sp>
         <p:nvSpPr>
           <p:cNvPr id="2" name="Titel 1">
@@ -15422,44 +21607,6 @@
             <a:r>
               <a:rPr lang="de-DE" dirty="0"/>
               <a:t>Einleitung: Motivation</a:t>
-            </a:r>
-          </a:p>
-        </p:txBody>
-      </p:sp>
-      <p:sp>
-        <p:nvSpPr>
-          <p:cNvPr id="3" name="Inhaltsplatzhalter 2">
-            <a:extLst>
-              <a:ext uri="{FF2B5EF4-FFF2-40B4-BE49-F238E27FC236}">
-                <a16:creationId xmlns:a16="http://schemas.microsoft.com/office/drawing/2014/main" id="{27B3C753-40AB-4E94-9803-6F969291E164}"/>
-              </a:ext>
-            </a:extLst>
-          </p:cNvPr>
-          <p:cNvSpPr>
-            <a:spLocks noGrp="1"/>
-          </p:cNvSpPr>
-          <p:nvPr>
-            <p:ph idx="1"/>
-          </p:nvPr>
-        </p:nvSpPr>
-        <p:spPr/>
-        <p:txBody>
-          <a:bodyPr/>
-          <a:lstStyle/>
-          <a:p>
-            <a:r>
-              <a:rPr lang="de-DE" dirty="0"/>
-              <a:t>KB kennenlernen</a:t>
-            </a:r>
-          </a:p>
-          <a:p>
-            <a:r>
-              <a:rPr lang="de-DE" dirty="0" err="1"/>
-              <a:t>Projeksstruktur</a:t>
-            </a:r>
-            <a:r>
-              <a:rPr lang="de-DE" dirty="0"/>
-              <a:t> </a:t>
             </a:r>
           </a:p>
         </p:txBody>
@@ -15501,6 +21648,68 @@
           </a:p>
         </p:txBody>
       </p:sp>
+      <p:sp>
+        <p:nvSpPr>
+          <p:cNvPr id="8" name="Ellipse 7"/>
+          <p:cNvSpPr/>
+          <p:nvPr/>
+        </p:nvSpPr>
+        <p:spPr bwMode="auto">
+          <a:xfrm>
+            <a:off x="4499990" y="4437140"/>
+            <a:ext cx="3527998" cy="1224170"/>
+          </a:xfrm>
+          <a:prstGeom prst="ellipse">
+            <a:avLst/>
+          </a:prstGeom>
+          <a:noFill/>
+          <a:ln w="22225">
+            <a:solidFill>
+              <a:srgbClr val="DF0029"/>
+            </a:solidFill>
+          </a:ln>
+          <a:effectLst/>
+          <a:extLst/>
+        </p:spPr>
+        <p:txBody>
+          <a:bodyPr vert="horz" wrap="square" lIns="91440" tIns="45720" rIns="91440" bIns="45720" numCol="1" rtlCol="0" anchor="t" anchorCtr="0" compatLnSpc="1">
+            <a:prstTxWarp prst="textNoShape">
+              <a:avLst/>
+            </a:prstTxWarp>
+          </a:bodyPr>
+          <a:lstStyle/>
+          <a:p>
+            <a:pPr marL="342900" marR="0" indent="-342900" algn="l" defTabSz="914400" rtl="0" eaLnBrk="1" fontAlgn="base" latinLnBrk="0" hangingPunct="1">
+              <a:lnSpc>
+                <a:spcPct val="100000"/>
+              </a:lnSpc>
+              <a:spcBef>
+                <a:spcPct val="20000"/>
+              </a:spcBef>
+              <a:spcAft>
+                <a:spcPct val="0"/>
+              </a:spcAft>
+              <a:buClr>
+                <a:srgbClr val="DF0029"/>
+              </a:buClr>
+              <a:buSzPct val="140000"/>
+              <a:buFont typeface="Wingdings" panose="05000000000000000000" pitchFamily="2" charset="2"/>
+              <a:buChar char="§"/>
+              <a:tabLst/>
+            </a:pPr>
+            <a:endParaRPr kumimoji="0" lang="en-US" sz="2400" b="0" i="0" u="none" strike="noStrike" cap="none" normalizeH="0" baseline="0" smtClean="0">
+              <a:ln>
+                <a:noFill/>
+              </a:ln>
+              <a:solidFill>
+                <a:srgbClr val="5F5F5F"/>
+              </a:solidFill>
+              <a:effectLst/>
+              <a:latin typeface="Arial" panose="020B0604020202020204" pitchFamily="34" charset="0"/>
+            </a:endParaRPr>
+          </a:p>
+        </p:txBody>
+      </p:sp>
     </p:spTree>
     <p:extLst>
       <p:ext uri="{BB962C8B-B14F-4D97-AF65-F5344CB8AC3E}">
@@ -15514,10 +21723,689 @@
   <p:transition>
     <p:zoom/>
   </p:transition>
+  <p:timing>
+    <p:tnLst>
+      <p:par>
+        <p:cTn id="1" dur="indefinite" restart="never" nodeType="tmRoot">
+          <p:childTnLst>
+            <p:seq concurrent="1" nextAc="seek">
+              <p:cTn id="2" dur="indefinite" nodeType="mainSeq">
+                <p:childTnLst>
+                  <p:par>
+                    <p:cTn id="3" fill="hold">
+                      <p:stCondLst>
+                        <p:cond delay="indefinite"/>
+                      </p:stCondLst>
+                      <p:childTnLst>
+                        <p:par>
+                          <p:cTn id="4" fill="hold">
+                            <p:stCondLst>
+                              <p:cond delay="0"/>
+                            </p:stCondLst>
+                            <p:childTnLst>
+                              <p:par>
+                                <p:cTn id="5" presetID="22" presetClass="entr" presetSubtype="4" fill="hold" grpId="0" nodeType="clickEffect">
+                                  <p:stCondLst>
+                                    <p:cond delay="0"/>
+                                  </p:stCondLst>
+                                  <p:childTnLst>
+                                    <p:set>
+                                      <p:cBhvr>
+                                        <p:cTn id="6" dur="1" fill="hold">
+                                          <p:stCondLst>
+                                            <p:cond delay="0"/>
+                                          </p:stCondLst>
+                                        </p:cTn>
+                                        <p:tgtEl>
+                                          <p:spTgt spid="7">
+                                            <p:graphicEl>
+                                              <a:dgm id="{E3B93B31-32D8-4416-A261-5CA14FC031FD}"/>
+                                            </p:graphicEl>
+                                          </p:spTgt>
+                                        </p:tgtEl>
+                                        <p:attrNameLst>
+                                          <p:attrName>style.visibility</p:attrName>
+                                        </p:attrNameLst>
+                                      </p:cBhvr>
+                                      <p:to>
+                                        <p:strVal val="visible"/>
+                                      </p:to>
+                                    </p:set>
+                                    <p:animEffect transition="in" filter="wipe(down)">
+                                      <p:cBhvr>
+                                        <p:cTn id="7" dur="500"/>
+                                        <p:tgtEl>
+                                          <p:spTgt spid="7">
+                                            <p:graphicEl>
+                                              <a:dgm id="{E3B93B31-32D8-4416-A261-5CA14FC031FD}"/>
+                                            </p:graphicEl>
+                                          </p:spTgt>
+                                        </p:tgtEl>
+                                      </p:cBhvr>
+                                    </p:animEffect>
+                                  </p:childTnLst>
+                                </p:cTn>
+                              </p:par>
+                            </p:childTnLst>
+                          </p:cTn>
+                        </p:par>
+                      </p:childTnLst>
+                    </p:cTn>
+                  </p:par>
+                  <p:par>
+                    <p:cTn id="8" fill="hold">
+                      <p:stCondLst>
+                        <p:cond delay="indefinite"/>
+                      </p:stCondLst>
+                      <p:childTnLst>
+                        <p:par>
+                          <p:cTn id="9" fill="hold">
+                            <p:stCondLst>
+                              <p:cond delay="0"/>
+                            </p:stCondLst>
+                            <p:childTnLst>
+                              <p:par>
+                                <p:cTn id="10" presetID="22" presetClass="entr" presetSubtype="4" fill="hold" grpId="0" nodeType="clickEffect">
+                                  <p:stCondLst>
+                                    <p:cond delay="0"/>
+                                  </p:stCondLst>
+                                  <p:childTnLst>
+                                    <p:set>
+                                      <p:cBhvr>
+                                        <p:cTn id="11" dur="1" fill="hold">
+                                          <p:stCondLst>
+                                            <p:cond delay="0"/>
+                                          </p:stCondLst>
+                                        </p:cTn>
+                                        <p:tgtEl>
+                                          <p:spTgt spid="7">
+                                            <p:graphicEl>
+                                              <a:dgm id="{16FD48F7-713A-4886-A2F9-3EC26972A198}"/>
+                                            </p:graphicEl>
+                                          </p:spTgt>
+                                        </p:tgtEl>
+                                        <p:attrNameLst>
+                                          <p:attrName>style.visibility</p:attrName>
+                                        </p:attrNameLst>
+                                      </p:cBhvr>
+                                      <p:to>
+                                        <p:strVal val="visible"/>
+                                      </p:to>
+                                    </p:set>
+                                    <p:animEffect transition="in" filter="wipe(down)">
+                                      <p:cBhvr>
+                                        <p:cTn id="12" dur="500"/>
+                                        <p:tgtEl>
+                                          <p:spTgt spid="7">
+                                            <p:graphicEl>
+                                              <a:dgm id="{16FD48F7-713A-4886-A2F9-3EC26972A198}"/>
+                                            </p:graphicEl>
+                                          </p:spTgt>
+                                        </p:tgtEl>
+                                      </p:cBhvr>
+                                    </p:animEffect>
+                                  </p:childTnLst>
+                                </p:cTn>
+                              </p:par>
+                            </p:childTnLst>
+                          </p:cTn>
+                        </p:par>
+                      </p:childTnLst>
+                    </p:cTn>
+                  </p:par>
+                  <p:par>
+                    <p:cTn id="13" fill="hold">
+                      <p:stCondLst>
+                        <p:cond delay="indefinite"/>
+                      </p:stCondLst>
+                      <p:childTnLst>
+                        <p:par>
+                          <p:cTn id="14" fill="hold">
+                            <p:stCondLst>
+                              <p:cond delay="0"/>
+                            </p:stCondLst>
+                            <p:childTnLst>
+                              <p:par>
+                                <p:cTn id="15" presetID="22" presetClass="entr" presetSubtype="4" fill="hold" grpId="0" nodeType="clickEffect">
+                                  <p:stCondLst>
+                                    <p:cond delay="0"/>
+                                  </p:stCondLst>
+                                  <p:childTnLst>
+                                    <p:set>
+                                      <p:cBhvr>
+                                        <p:cTn id="16" dur="1" fill="hold">
+                                          <p:stCondLst>
+                                            <p:cond delay="0"/>
+                                          </p:stCondLst>
+                                        </p:cTn>
+                                        <p:tgtEl>
+                                          <p:spTgt spid="7">
+                                            <p:graphicEl>
+                                              <a:dgm id="{773ECFB5-00D3-479A-A6EE-EFEEE6AAFC91}"/>
+                                            </p:graphicEl>
+                                          </p:spTgt>
+                                        </p:tgtEl>
+                                        <p:attrNameLst>
+                                          <p:attrName>style.visibility</p:attrName>
+                                        </p:attrNameLst>
+                                      </p:cBhvr>
+                                      <p:to>
+                                        <p:strVal val="visible"/>
+                                      </p:to>
+                                    </p:set>
+                                    <p:animEffect transition="in" filter="wipe(down)">
+                                      <p:cBhvr>
+                                        <p:cTn id="17" dur="500"/>
+                                        <p:tgtEl>
+                                          <p:spTgt spid="7">
+                                            <p:graphicEl>
+                                              <a:dgm id="{773ECFB5-00D3-479A-A6EE-EFEEE6AAFC91}"/>
+                                            </p:graphicEl>
+                                          </p:spTgt>
+                                        </p:tgtEl>
+                                      </p:cBhvr>
+                                    </p:animEffect>
+                                  </p:childTnLst>
+                                </p:cTn>
+                              </p:par>
+                            </p:childTnLst>
+                          </p:cTn>
+                        </p:par>
+                      </p:childTnLst>
+                    </p:cTn>
+                  </p:par>
+                  <p:par>
+                    <p:cTn id="18" fill="hold">
+                      <p:stCondLst>
+                        <p:cond delay="indefinite"/>
+                      </p:stCondLst>
+                      <p:childTnLst>
+                        <p:par>
+                          <p:cTn id="19" fill="hold">
+                            <p:stCondLst>
+                              <p:cond delay="0"/>
+                            </p:stCondLst>
+                            <p:childTnLst>
+                              <p:par>
+                                <p:cTn id="20" presetID="22" presetClass="entr" presetSubtype="4" fill="hold" grpId="0" nodeType="clickEffect">
+                                  <p:stCondLst>
+                                    <p:cond delay="0"/>
+                                  </p:stCondLst>
+                                  <p:childTnLst>
+                                    <p:set>
+                                      <p:cBhvr>
+                                        <p:cTn id="21" dur="1" fill="hold">
+                                          <p:stCondLst>
+                                            <p:cond delay="0"/>
+                                          </p:stCondLst>
+                                        </p:cTn>
+                                        <p:tgtEl>
+                                          <p:spTgt spid="7">
+                                            <p:graphicEl>
+                                              <a:dgm id="{DACF08B4-CC41-4B4C-8B10-6FC93923333B}"/>
+                                            </p:graphicEl>
+                                          </p:spTgt>
+                                        </p:tgtEl>
+                                        <p:attrNameLst>
+                                          <p:attrName>style.visibility</p:attrName>
+                                        </p:attrNameLst>
+                                      </p:cBhvr>
+                                      <p:to>
+                                        <p:strVal val="visible"/>
+                                      </p:to>
+                                    </p:set>
+                                    <p:animEffect transition="in" filter="wipe(down)">
+                                      <p:cBhvr>
+                                        <p:cTn id="22" dur="500"/>
+                                        <p:tgtEl>
+                                          <p:spTgt spid="7">
+                                            <p:graphicEl>
+                                              <a:dgm id="{DACF08B4-CC41-4B4C-8B10-6FC93923333B}"/>
+                                            </p:graphicEl>
+                                          </p:spTgt>
+                                        </p:tgtEl>
+                                      </p:cBhvr>
+                                    </p:animEffect>
+                                  </p:childTnLst>
+                                </p:cTn>
+                              </p:par>
+                            </p:childTnLst>
+                          </p:cTn>
+                        </p:par>
+                      </p:childTnLst>
+                    </p:cTn>
+                  </p:par>
+                  <p:par>
+                    <p:cTn id="23" fill="hold">
+                      <p:stCondLst>
+                        <p:cond delay="indefinite"/>
+                      </p:stCondLst>
+                      <p:childTnLst>
+                        <p:par>
+                          <p:cTn id="24" fill="hold">
+                            <p:stCondLst>
+                              <p:cond delay="0"/>
+                            </p:stCondLst>
+                            <p:childTnLst>
+                              <p:par>
+                                <p:cTn id="25" presetID="1" presetClass="entr" presetSubtype="0" fill="hold" grpId="0" nodeType="clickEffect">
+                                  <p:stCondLst>
+                                    <p:cond delay="0"/>
+                                  </p:stCondLst>
+                                  <p:childTnLst>
+                                    <p:set>
+                                      <p:cBhvr>
+                                        <p:cTn id="26" dur="1" fill="hold">
+                                          <p:stCondLst>
+                                            <p:cond delay="0"/>
+                                          </p:stCondLst>
+                                        </p:cTn>
+                                        <p:tgtEl>
+                                          <p:spTgt spid="8"/>
+                                        </p:tgtEl>
+                                        <p:attrNameLst>
+                                          <p:attrName>style.visibility</p:attrName>
+                                        </p:attrNameLst>
+                                      </p:cBhvr>
+                                      <p:to>
+                                        <p:strVal val="visible"/>
+                                      </p:to>
+                                    </p:set>
+                                  </p:childTnLst>
+                                </p:cTn>
+                              </p:par>
+                            </p:childTnLst>
+                          </p:cTn>
+                        </p:par>
+                      </p:childTnLst>
+                    </p:cTn>
+                  </p:par>
+                </p:childTnLst>
+              </p:cTn>
+              <p:prevCondLst>
+                <p:cond evt="onPrev" delay="0">
+                  <p:tgtEl>
+                    <p:sldTgt/>
+                  </p:tgtEl>
+                </p:cond>
+              </p:prevCondLst>
+              <p:nextCondLst>
+                <p:cond evt="onNext" delay="0">
+                  <p:tgtEl>
+                    <p:sldTgt/>
+                  </p:tgtEl>
+                </p:cond>
+              </p:nextCondLst>
+            </p:seq>
+          </p:childTnLst>
+        </p:cTn>
+      </p:par>
+    </p:tnLst>
+    <p:bldLst>
+      <p:bldGraphic spid="7" grpId="0" uiExpand="1">
+        <p:bldSub>
+          <a:bldDgm bld="one"/>
+        </p:bldSub>
+      </p:bldGraphic>
+      <p:bldP spid="8" grpId="0" animBg="1"/>
+    </p:bldLst>
+  </p:timing>
 </p:sld>
 </file>
 
 <file path=ppt/slides/slide5.xml><?xml version="1.0" encoding="utf-8"?>
+<p:sld xmlns:a="http://schemas.openxmlformats.org/drawingml/2006/main" xmlns:r="http://schemas.openxmlformats.org/officeDocument/2006/relationships" xmlns:p="http://schemas.openxmlformats.org/presentationml/2006/main">
+  <p:cSld>
+    <p:spTree>
+      <p:nvGrpSpPr>
+        <p:cNvPr id="1" name=""/>
+        <p:cNvGrpSpPr/>
+        <p:nvPr/>
+      </p:nvGrpSpPr>
+      <p:grpSpPr>
+        <a:xfrm>
+          <a:off x="0" y="0"/>
+          <a:ext cx="0" cy="0"/>
+          <a:chOff x="0" y="0"/>
+          <a:chExt cx="0" cy="0"/>
+        </a:xfrm>
+      </p:grpSpPr>
+      <p:sp>
+        <p:nvSpPr>
+          <p:cNvPr id="2" name="Titel 1"/>
+          <p:cNvSpPr>
+            <a:spLocks noGrp="1"/>
+          </p:cNvSpPr>
+          <p:nvPr>
+            <p:ph type="title"/>
+          </p:nvPr>
+        </p:nvSpPr>
+        <p:spPr/>
+        <p:txBody>
+          <a:bodyPr/>
+          <a:lstStyle/>
+          <a:p>
+            <a:r>
+              <a:rPr lang="de-DE" dirty="0"/>
+              <a:t>Einleitung: </a:t>
+            </a:r>
+            <a:r>
+              <a:rPr lang="de-DE" dirty="0" smtClean="0"/>
+              <a:t>Ziele</a:t>
+            </a:r>
+            <a:endParaRPr lang="en-US" dirty="0"/>
+          </a:p>
+        </p:txBody>
+      </p:sp>
+      <p:graphicFrame>
+        <p:nvGraphicFramePr>
+          <p:cNvPr id="5" name="Inhaltsplatzhalter 4"/>
+          <p:cNvGraphicFramePr>
+            <a:graphicFrameLocks noGrp="1"/>
+          </p:cNvGraphicFramePr>
+          <p:nvPr>
+            <p:ph idx="1"/>
+            <p:extLst>
+              <p:ext uri="{D42A27DB-BD31-4B8C-83A1-F6EECF244321}">
+                <p14:modId xmlns:p14="http://schemas.microsoft.com/office/powerpoint/2010/main" val="410075253"/>
+              </p:ext>
+            </p:extLst>
+          </p:nvPr>
+        </p:nvGraphicFramePr>
+        <p:xfrm>
+          <a:off x="1174009" y="1124680"/>
+          <a:ext cx="6782461" cy="2448340"/>
+        </p:xfrm>
+        <a:graphic>
+          <a:graphicData uri="http://schemas.openxmlformats.org/drawingml/2006/diagram">
+            <dgm:relIds xmlns:dgm="http://schemas.openxmlformats.org/drawingml/2006/diagram" xmlns:r="http://schemas.openxmlformats.org/officeDocument/2006/relationships" r:dm="rId2" r:lo="rId3" r:qs="rId4" r:cs="rId5"/>
+          </a:graphicData>
+        </a:graphic>
+      </p:graphicFrame>
+      <p:sp>
+        <p:nvSpPr>
+          <p:cNvPr id="4" name="Fußzeilenplatzhalter 3"/>
+          <p:cNvSpPr>
+            <a:spLocks noGrp="1"/>
+          </p:cNvSpPr>
+          <p:nvPr>
+            <p:ph type="ftr" sz="quarter" idx="10"/>
+          </p:nvPr>
+        </p:nvSpPr>
+        <p:spPr/>
+        <p:txBody>
+          <a:bodyPr/>
+          <a:lstStyle/>
+          <a:p>
+            <a:r>
+              <a:rPr lang="de-DE" altLang="de-DE" smtClean="0"/>
+              <a:t>Hilscher Gesellschaft für Systemautomation mbH  </a:t>
+            </a:r>
+            <a:r>
+              <a:rPr lang="en-US" altLang="de-DE" smtClean="0">
+                <a:cs typeface="Arial" panose="020B0604020202020204" pitchFamily="34" charset="0"/>
+              </a:rPr>
+              <a:t>l  www.hilscher.com</a:t>
+            </a:r>
+            <a:endParaRPr lang="de-DE" altLang="de-DE">
+              <a:cs typeface="Arial" panose="020B0604020202020204" pitchFamily="34" charset="0"/>
+            </a:endParaRPr>
+          </a:p>
+        </p:txBody>
+      </p:sp>
+      <p:pic>
+        <p:nvPicPr>
+          <p:cNvPr id="7" name="Grafik 6"/>
+          <p:cNvPicPr>
+            <a:picLocks noChangeAspect="1"/>
+          </p:cNvPicPr>
+          <p:nvPr/>
+        </p:nvPicPr>
+        <p:blipFill>
+          <a:blip r:embed="rId7"/>
+          <a:stretch>
+            <a:fillRect/>
+          </a:stretch>
+        </p:blipFill>
+        <p:spPr>
+          <a:xfrm>
+            <a:off x="565293" y="3573020"/>
+            <a:ext cx="4111338" cy="2276475"/>
+          </a:xfrm>
+          <a:prstGeom prst="rect">
+            <a:avLst/>
+          </a:prstGeom>
+        </p:spPr>
+      </p:pic>
+    </p:spTree>
+    <p:extLst>
+      <p:ext uri="{BB962C8B-B14F-4D97-AF65-F5344CB8AC3E}">
+        <p14:creationId xmlns:p14="http://schemas.microsoft.com/office/powerpoint/2010/main" val="72718227"/>
+      </p:ext>
+    </p:extLst>
+  </p:cSld>
+  <p:clrMapOvr>
+    <a:masterClrMapping/>
+  </p:clrMapOvr>
+  <p:transition>
+    <p:zoom/>
+  </p:transition>
+  <p:timing>
+    <p:tnLst>
+      <p:par>
+        <p:cTn id="1" dur="indefinite" restart="never" nodeType="tmRoot">
+          <p:childTnLst>
+            <p:seq concurrent="1" nextAc="seek">
+              <p:cTn id="2" dur="indefinite" nodeType="mainSeq">
+                <p:childTnLst>
+                  <p:par>
+                    <p:cTn id="3" fill="hold">
+                      <p:stCondLst>
+                        <p:cond delay="indefinite"/>
+                      </p:stCondLst>
+                      <p:childTnLst>
+                        <p:par>
+                          <p:cTn id="4" fill="hold">
+                            <p:stCondLst>
+                              <p:cond delay="0"/>
+                            </p:stCondLst>
+                            <p:childTnLst>
+                              <p:par>
+                                <p:cTn id="5" presetID="22" presetClass="entr" presetSubtype="4" fill="hold" nodeType="clickEffect">
+                                  <p:stCondLst>
+                                    <p:cond delay="0"/>
+                                  </p:stCondLst>
+                                  <p:childTnLst>
+                                    <p:set>
+                                      <p:cBhvr>
+                                        <p:cTn id="6" dur="1" fill="hold">
+                                          <p:stCondLst>
+                                            <p:cond delay="0"/>
+                                          </p:stCondLst>
+                                        </p:cTn>
+                                        <p:tgtEl>
+                                          <p:spTgt spid="7"/>
+                                        </p:tgtEl>
+                                        <p:attrNameLst>
+                                          <p:attrName>style.visibility</p:attrName>
+                                        </p:attrNameLst>
+                                      </p:cBhvr>
+                                      <p:to>
+                                        <p:strVal val="visible"/>
+                                      </p:to>
+                                    </p:set>
+                                    <p:animEffect transition="in" filter="wipe(down)">
+                                      <p:cBhvr>
+                                        <p:cTn id="7" dur="500"/>
+                                        <p:tgtEl>
+                                          <p:spTgt spid="7"/>
+                                        </p:tgtEl>
+                                      </p:cBhvr>
+                                    </p:animEffect>
+                                  </p:childTnLst>
+                                </p:cTn>
+                              </p:par>
+                            </p:childTnLst>
+                          </p:cTn>
+                        </p:par>
+                      </p:childTnLst>
+                    </p:cTn>
+                  </p:par>
+                  <p:par>
+                    <p:cTn id="8" fill="hold">
+                      <p:stCondLst>
+                        <p:cond delay="indefinite"/>
+                      </p:stCondLst>
+                      <p:childTnLst>
+                        <p:par>
+                          <p:cTn id="9" fill="hold">
+                            <p:stCondLst>
+                              <p:cond delay="0"/>
+                            </p:stCondLst>
+                            <p:childTnLst>
+                              <p:par>
+                                <p:cTn id="10" presetID="22" presetClass="entr" presetSubtype="4" fill="hold" grpId="0" nodeType="clickEffect">
+                                  <p:stCondLst>
+                                    <p:cond delay="0"/>
+                                  </p:stCondLst>
+                                  <p:childTnLst>
+                                    <p:set>
+                                      <p:cBhvr>
+                                        <p:cTn id="11" dur="1" fill="hold">
+                                          <p:stCondLst>
+                                            <p:cond delay="0"/>
+                                          </p:stCondLst>
+                                        </p:cTn>
+                                        <p:tgtEl>
+                                          <p:spTgt spid="5">
+                                            <p:graphicEl>
+                                              <a:dgm id="{66E3E58E-4D97-4302-A17C-EC20E70E3793}"/>
+                                            </p:graphicEl>
+                                          </p:spTgt>
+                                        </p:tgtEl>
+                                        <p:attrNameLst>
+                                          <p:attrName>style.visibility</p:attrName>
+                                        </p:attrNameLst>
+                                      </p:cBhvr>
+                                      <p:to>
+                                        <p:strVal val="visible"/>
+                                      </p:to>
+                                    </p:set>
+                                    <p:animEffect transition="in" filter="wipe(down)">
+                                      <p:cBhvr>
+                                        <p:cTn id="12" dur="500"/>
+                                        <p:tgtEl>
+                                          <p:spTgt spid="5">
+                                            <p:graphicEl>
+                                              <a:dgm id="{66E3E58E-4D97-4302-A17C-EC20E70E3793}"/>
+                                            </p:graphicEl>
+                                          </p:spTgt>
+                                        </p:tgtEl>
+                                      </p:cBhvr>
+                                    </p:animEffect>
+                                  </p:childTnLst>
+                                </p:cTn>
+                              </p:par>
+                            </p:childTnLst>
+                          </p:cTn>
+                        </p:par>
+                      </p:childTnLst>
+                    </p:cTn>
+                  </p:par>
+                  <p:par>
+                    <p:cTn id="13" fill="hold">
+                      <p:stCondLst>
+                        <p:cond delay="indefinite"/>
+                      </p:stCondLst>
+                      <p:childTnLst>
+                        <p:par>
+                          <p:cTn id="14" fill="hold">
+                            <p:stCondLst>
+                              <p:cond delay="0"/>
+                            </p:stCondLst>
+                            <p:childTnLst>
+                              <p:par>
+                                <p:cTn id="15" presetID="22" presetClass="entr" presetSubtype="4" fill="hold" grpId="0" nodeType="clickEffect">
+                                  <p:stCondLst>
+                                    <p:cond delay="0"/>
+                                  </p:stCondLst>
+                                  <p:childTnLst>
+                                    <p:set>
+                                      <p:cBhvr>
+                                        <p:cTn id="16" dur="1" fill="hold">
+                                          <p:stCondLst>
+                                            <p:cond delay="0"/>
+                                          </p:stCondLst>
+                                        </p:cTn>
+                                        <p:tgtEl>
+                                          <p:spTgt spid="5">
+                                            <p:graphicEl>
+                                              <a:dgm id="{A1E145C4-BD38-4E1E-9C41-61BC097FBF06}"/>
+                                            </p:graphicEl>
+                                          </p:spTgt>
+                                        </p:tgtEl>
+                                        <p:attrNameLst>
+                                          <p:attrName>style.visibility</p:attrName>
+                                        </p:attrNameLst>
+                                      </p:cBhvr>
+                                      <p:to>
+                                        <p:strVal val="visible"/>
+                                      </p:to>
+                                    </p:set>
+                                    <p:animEffect transition="in" filter="wipe(down)">
+                                      <p:cBhvr>
+                                        <p:cTn id="17" dur="500"/>
+                                        <p:tgtEl>
+                                          <p:spTgt spid="5">
+                                            <p:graphicEl>
+                                              <a:dgm id="{A1E145C4-BD38-4E1E-9C41-61BC097FBF06}"/>
+                                            </p:graphicEl>
+                                          </p:spTgt>
+                                        </p:tgtEl>
+                                      </p:cBhvr>
+                                    </p:animEffect>
+                                  </p:childTnLst>
+                                </p:cTn>
+                              </p:par>
+                            </p:childTnLst>
+                          </p:cTn>
+                        </p:par>
+                      </p:childTnLst>
+                    </p:cTn>
+                  </p:par>
+                </p:childTnLst>
+              </p:cTn>
+              <p:prevCondLst>
+                <p:cond evt="onPrev" delay="0">
+                  <p:tgtEl>
+                    <p:sldTgt/>
+                  </p:tgtEl>
+                </p:cond>
+              </p:prevCondLst>
+              <p:nextCondLst>
+                <p:cond evt="onNext" delay="0">
+                  <p:tgtEl>
+                    <p:sldTgt/>
+                  </p:tgtEl>
+                </p:cond>
+              </p:nextCondLst>
+            </p:seq>
+          </p:childTnLst>
+        </p:cTn>
+      </p:par>
+    </p:tnLst>
+    <p:bldLst>
+      <p:bldGraphic spid="5" grpId="0">
+        <p:bldSub>
+          <a:bldDgm bld="one"/>
+        </p:bldSub>
+      </p:bldGraphic>
+    </p:bldLst>
+  </p:timing>
+</p:sld>
+</file>
+
+<file path=ppt/slides/slide6.xml><?xml version="1.0" encoding="utf-8"?>
 <p:sld xmlns:a="http://schemas.openxmlformats.org/drawingml/2006/main" xmlns:r="http://schemas.openxmlformats.org/officeDocument/2006/relationships" xmlns:p="http://schemas.openxmlformats.org/presentationml/2006/main">
   <p:cSld>
     <p:spTree>
@@ -15875,7 +22763,7 @@
           <p:nvPr>
             <p:extLst>
               <p:ext uri="{D42A27DB-BD31-4B8C-83A1-F6EECF244321}">
-                <p14:modId xmlns:p14="http://schemas.microsoft.com/office/powerpoint/2010/main" val="1040541604"/>
+                <p14:modId xmlns:p14="http://schemas.microsoft.com/office/powerpoint/2010/main" val="885919608"/>
               </p:ext>
             </p:extLst>
           </p:nvPr>
@@ -15936,7 +22824,7 @@
           <p:nvPr>
             <p:extLst>
               <p:ext uri="{D42A27DB-BD31-4B8C-83A1-F6EECF244321}">
-                <p14:modId xmlns:p14="http://schemas.microsoft.com/office/powerpoint/2010/main" val="1943367788"/>
+                <p14:modId xmlns:p14="http://schemas.microsoft.com/office/powerpoint/2010/main" val="4147381550"/>
               </p:ext>
             </p:extLst>
           </p:nvPr>
@@ -16279,10 +23167,313 @@
   <p:transition>
     <p:zoom/>
   </p:transition>
+  <p:timing>
+    <p:tnLst>
+      <p:par>
+        <p:cTn id="1" dur="indefinite" restart="never" nodeType="tmRoot">
+          <p:childTnLst>
+            <p:seq concurrent="1" nextAc="seek">
+              <p:cTn id="2" dur="indefinite" nodeType="mainSeq">
+                <p:childTnLst>
+                  <p:par>
+                    <p:cTn id="3" fill="hold">
+                      <p:stCondLst>
+                        <p:cond delay="indefinite"/>
+                      </p:stCondLst>
+                      <p:childTnLst>
+                        <p:par>
+                          <p:cTn id="4" fill="hold">
+                            <p:stCondLst>
+                              <p:cond delay="0"/>
+                            </p:stCondLst>
+                            <p:childTnLst>
+                              <p:par>
+                                <p:cTn id="5" presetID="22" presetClass="entr" presetSubtype="4" fill="hold" grpId="0" nodeType="clickEffect">
+                                  <p:stCondLst>
+                                    <p:cond delay="0"/>
+                                  </p:stCondLst>
+                                  <p:childTnLst>
+                                    <p:set>
+                                      <p:cBhvr>
+                                        <p:cTn id="6" dur="1" fill="hold">
+                                          <p:stCondLst>
+                                            <p:cond delay="0"/>
+                                          </p:stCondLst>
+                                        </p:cTn>
+                                        <p:tgtEl>
+                                          <p:spTgt spid="35"/>
+                                        </p:tgtEl>
+                                        <p:attrNameLst>
+                                          <p:attrName>style.visibility</p:attrName>
+                                        </p:attrNameLst>
+                                      </p:cBhvr>
+                                      <p:to>
+                                        <p:strVal val="visible"/>
+                                      </p:to>
+                                    </p:set>
+                                    <p:animEffect transition="in" filter="wipe(down)">
+                                      <p:cBhvr>
+                                        <p:cTn id="7" dur="500"/>
+                                        <p:tgtEl>
+                                          <p:spTgt spid="35"/>
+                                        </p:tgtEl>
+                                      </p:cBhvr>
+                                    </p:animEffect>
+                                  </p:childTnLst>
+                                </p:cTn>
+                              </p:par>
+                            </p:childTnLst>
+                          </p:cTn>
+                        </p:par>
+                      </p:childTnLst>
+                    </p:cTn>
+                  </p:par>
+                  <p:par>
+                    <p:cTn id="8" fill="hold">
+                      <p:stCondLst>
+                        <p:cond delay="indefinite"/>
+                      </p:stCondLst>
+                      <p:childTnLst>
+                        <p:par>
+                          <p:cTn id="9" fill="hold">
+                            <p:stCondLst>
+                              <p:cond delay="0"/>
+                            </p:stCondLst>
+                            <p:childTnLst>
+                              <p:par>
+                                <p:cTn id="10" presetID="22" presetClass="entr" presetSubtype="4" fill="hold" nodeType="clickEffect">
+                                  <p:stCondLst>
+                                    <p:cond delay="0"/>
+                                  </p:stCondLst>
+                                  <p:childTnLst>
+                                    <p:set>
+                                      <p:cBhvr>
+                                        <p:cTn id="11" dur="1" fill="hold">
+                                          <p:stCondLst>
+                                            <p:cond delay="0"/>
+                                          </p:stCondLst>
+                                        </p:cTn>
+                                        <p:tgtEl>
+                                          <p:spTgt spid="22"/>
+                                        </p:tgtEl>
+                                        <p:attrNameLst>
+                                          <p:attrName>style.visibility</p:attrName>
+                                        </p:attrNameLst>
+                                      </p:cBhvr>
+                                      <p:to>
+                                        <p:strVal val="visible"/>
+                                      </p:to>
+                                    </p:set>
+                                    <p:animEffect transition="in" filter="wipe(down)">
+                                      <p:cBhvr>
+                                        <p:cTn id="12" dur="500"/>
+                                        <p:tgtEl>
+                                          <p:spTgt spid="22"/>
+                                        </p:tgtEl>
+                                      </p:cBhvr>
+                                    </p:animEffect>
+                                  </p:childTnLst>
+                                </p:cTn>
+                              </p:par>
+                            </p:childTnLst>
+                          </p:cTn>
+                        </p:par>
+                      </p:childTnLst>
+                    </p:cTn>
+                  </p:par>
+                  <p:par>
+                    <p:cTn id="13" fill="hold">
+                      <p:stCondLst>
+                        <p:cond delay="indefinite"/>
+                      </p:stCondLst>
+                      <p:childTnLst>
+                        <p:par>
+                          <p:cTn id="14" fill="hold">
+                            <p:stCondLst>
+                              <p:cond delay="0"/>
+                            </p:stCondLst>
+                            <p:childTnLst>
+                              <p:par>
+                                <p:cTn id="15" presetID="22" presetClass="entr" presetSubtype="4" fill="hold" nodeType="clickEffect">
+                                  <p:stCondLst>
+                                    <p:cond delay="0"/>
+                                  </p:stCondLst>
+                                  <p:childTnLst>
+                                    <p:set>
+                                      <p:cBhvr>
+                                        <p:cTn id="16" dur="1" fill="hold">
+                                          <p:stCondLst>
+                                            <p:cond delay="0"/>
+                                          </p:stCondLst>
+                                        </p:cTn>
+                                        <p:tgtEl>
+                                          <p:spTgt spid="30"/>
+                                        </p:tgtEl>
+                                        <p:attrNameLst>
+                                          <p:attrName>style.visibility</p:attrName>
+                                        </p:attrNameLst>
+                                      </p:cBhvr>
+                                      <p:to>
+                                        <p:strVal val="visible"/>
+                                      </p:to>
+                                    </p:set>
+                                    <p:animEffect transition="in" filter="wipe(down)">
+                                      <p:cBhvr>
+                                        <p:cTn id="17" dur="500"/>
+                                        <p:tgtEl>
+                                          <p:spTgt spid="30"/>
+                                        </p:tgtEl>
+                                      </p:cBhvr>
+                                    </p:animEffect>
+                                  </p:childTnLst>
+                                </p:cTn>
+                              </p:par>
+                            </p:childTnLst>
+                          </p:cTn>
+                        </p:par>
+                      </p:childTnLst>
+                    </p:cTn>
+                  </p:par>
+                  <p:par>
+                    <p:cTn id="18" fill="hold">
+                      <p:stCondLst>
+                        <p:cond delay="indefinite"/>
+                      </p:stCondLst>
+                      <p:childTnLst>
+                        <p:par>
+                          <p:cTn id="19" fill="hold">
+                            <p:stCondLst>
+                              <p:cond delay="0"/>
+                            </p:stCondLst>
+                            <p:childTnLst>
+                              <p:par>
+                                <p:cTn id="20" presetID="22" presetClass="entr" presetSubtype="4" fill="hold" grpId="0" nodeType="clickEffect">
+                                  <p:stCondLst>
+                                    <p:cond delay="0"/>
+                                  </p:stCondLst>
+                                  <p:childTnLst>
+                                    <p:set>
+                                      <p:cBhvr>
+                                        <p:cTn id="21" dur="1" fill="hold">
+                                          <p:stCondLst>
+                                            <p:cond delay="0"/>
+                                          </p:stCondLst>
+                                        </p:cTn>
+                                        <p:tgtEl>
+                                          <p:spTgt spid="34"/>
+                                        </p:tgtEl>
+                                        <p:attrNameLst>
+                                          <p:attrName>style.visibility</p:attrName>
+                                        </p:attrNameLst>
+                                      </p:cBhvr>
+                                      <p:to>
+                                        <p:strVal val="visible"/>
+                                      </p:to>
+                                    </p:set>
+                                    <p:animEffect transition="in" filter="wipe(down)">
+                                      <p:cBhvr>
+                                        <p:cTn id="22" dur="500"/>
+                                        <p:tgtEl>
+                                          <p:spTgt spid="34"/>
+                                        </p:tgtEl>
+                                      </p:cBhvr>
+                                    </p:animEffect>
+                                  </p:childTnLst>
+                                </p:cTn>
+                              </p:par>
+                            </p:childTnLst>
+                          </p:cTn>
+                        </p:par>
+                      </p:childTnLst>
+                    </p:cTn>
+                  </p:par>
+                  <p:par>
+                    <p:cTn id="23" fill="hold">
+                      <p:stCondLst>
+                        <p:cond delay="indefinite"/>
+                      </p:stCondLst>
+                      <p:childTnLst>
+                        <p:par>
+                          <p:cTn id="24" fill="hold">
+                            <p:stCondLst>
+                              <p:cond delay="0"/>
+                            </p:stCondLst>
+                            <p:childTnLst>
+                              <p:par>
+                                <p:cTn id="25" presetID="22" presetClass="entr" presetSubtype="4" fill="hold" nodeType="clickEffect">
+                                  <p:stCondLst>
+                                    <p:cond delay="0"/>
+                                  </p:stCondLst>
+                                  <p:childTnLst>
+                                    <p:set>
+                                      <p:cBhvr>
+                                        <p:cTn id="26" dur="1" fill="hold">
+                                          <p:stCondLst>
+                                            <p:cond delay="0"/>
+                                          </p:stCondLst>
+                                        </p:cTn>
+                                        <p:tgtEl>
+                                          <p:spTgt spid="21"/>
+                                        </p:tgtEl>
+                                        <p:attrNameLst>
+                                          <p:attrName>style.visibility</p:attrName>
+                                        </p:attrNameLst>
+                                      </p:cBhvr>
+                                      <p:to>
+                                        <p:strVal val="visible"/>
+                                      </p:to>
+                                    </p:set>
+                                    <p:animEffect transition="in" filter="wipe(down)">
+                                      <p:cBhvr>
+                                        <p:cTn id="27" dur="500"/>
+                                        <p:tgtEl>
+                                          <p:spTgt spid="21"/>
+                                        </p:tgtEl>
+                                      </p:cBhvr>
+                                    </p:animEffect>
+                                  </p:childTnLst>
+                                </p:cTn>
+                              </p:par>
+                            </p:childTnLst>
+                          </p:cTn>
+                        </p:par>
+                      </p:childTnLst>
+                    </p:cTn>
+                  </p:par>
+                </p:childTnLst>
+              </p:cTn>
+              <p:prevCondLst>
+                <p:cond evt="onPrev" delay="0">
+                  <p:tgtEl>
+                    <p:sldTgt/>
+                  </p:tgtEl>
+                </p:cond>
+              </p:prevCondLst>
+              <p:nextCondLst>
+                <p:cond evt="onNext" delay="0">
+                  <p:tgtEl>
+                    <p:sldTgt/>
+                  </p:tgtEl>
+                </p:cond>
+              </p:nextCondLst>
+            </p:seq>
+          </p:childTnLst>
+        </p:cTn>
+      </p:par>
+    </p:tnLst>
+    <p:bldLst>
+      <p:bldGraphic spid="35" grpId="0">
+        <p:bldAsOne/>
+      </p:bldGraphic>
+      <p:bldGraphic spid="34" grpId="0">
+        <p:bldAsOne/>
+      </p:bldGraphic>
+    </p:bldLst>
+  </p:timing>
 </p:sld>
 </file>
 
-<file path=ppt/slides/slide6.xml><?xml version="1.0" encoding="utf-8"?>
+<file path=ppt/slides/slide7.xml><?xml version="1.0" encoding="utf-8"?>
 <p:sld xmlns:a="http://schemas.openxmlformats.org/drawingml/2006/main" xmlns:r="http://schemas.openxmlformats.org/officeDocument/2006/relationships" xmlns:p="http://schemas.openxmlformats.org/presentationml/2006/main">
   <p:cSld>
     <p:spTree>
@@ -16448,183 +23639,13 @@
   <p:transition>
     <p:zoom/>
   </p:transition>
-</p:sld>
-</file>
-
-<file path=ppt/slides/slide7.xml><?xml version="1.0" encoding="utf-8"?>
-<p:sld xmlns:a="http://schemas.openxmlformats.org/drawingml/2006/main" xmlns:r="http://schemas.openxmlformats.org/officeDocument/2006/relationships" xmlns:p="http://schemas.openxmlformats.org/presentationml/2006/main">
-  <p:cSld>
-    <p:spTree>
-      <p:nvGrpSpPr>
-        <p:cNvPr id="1" name=""/>
-        <p:cNvGrpSpPr/>
-        <p:nvPr/>
-      </p:nvGrpSpPr>
-      <p:grpSpPr>
-        <a:xfrm>
-          <a:off x="0" y="0"/>
-          <a:ext cx="0" cy="0"/>
-          <a:chOff x="0" y="0"/>
-          <a:chExt cx="0" cy="0"/>
-        </a:xfrm>
-      </p:grpSpPr>
-      <p:sp>
-        <p:nvSpPr>
-          <p:cNvPr id="2" name="Titel 1">
-            <a:extLst>
-              <a:ext uri="{FF2B5EF4-FFF2-40B4-BE49-F238E27FC236}">
-                <a16:creationId xmlns:a16="http://schemas.microsoft.com/office/drawing/2014/main" id="{63435F02-846C-4E9A-9FDE-FCF77DE49196}"/>
-              </a:ext>
-            </a:extLst>
-          </p:cNvPr>
-          <p:cNvSpPr>
-            <a:spLocks noGrp="1"/>
-          </p:cNvSpPr>
-          <p:nvPr>
-            <p:ph type="title"/>
-          </p:nvPr>
-        </p:nvSpPr>
-        <p:spPr/>
-        <p:txBody>
-          <a:bodyPr/>
-          <a:lstStyle/>
-          <a:p>
-            <a:r>
-              <a:rPr lang="de-DE" dirty="0"/>
-              <a:t>Wissensbasis: Hidden Workspace</a:t>
-            </a:r>
-          </a:p>
-        </p:txBody>
-      </p:sp>
-      <p:sp>
-        <p:nvSpPr>
-          <p:cNvPr id="3" name="Inhaltsplatzhalter 2">
-            <a:extLst>
-              <a:ext uri="{FF2B5EF4-FFF2-40B4-BE49-F238E27FC236}">
-                <a16:creationId xmlns:a16="http://schemas.microsoft.com/office/drawing/2014/main" id="{EC35EFCB-B978-4CB0-B28F-0EA4AC23607D}"/>
-              </a:ext>
-            </a:extLst>
-          </p:cNvPr>
-          <p:cNvSpPr>
-            <a:spLocks noGrp="1"/>
-          </p:cNvSpPr>
-          <p:nvPr>
-            <p:ph idx="1"/>
-          </p:nvPr>
-        </p:nvSpPr>
-        <p:spPr/>
-        <p:txBody>
-          <a:bodyPr/>
-          <a:lstStyle/>
-          <a:p>
-            <a:r>
-              <a:rPr lang="de-DE" dirty="0"/>
-              <a:t>Hidden Workspace</a:t>
-            </a:r>
-          </a:p>
-          <a:p>
-            <a:pPr lvl="1"/>
-            <a:r>
-              <a:rPr lang="en-US" dirty="0"/>
-              <a:t>Wiki </a:t>
-            </a:r>
-          </a:p>
-          <a:p>
-            <a:pPr lvl="1"/>
-            <a:r>
-              <a:rPr lang="en-US" dirty="0" err="1"/>
-              <a:t>Quellcode</a:t>
-            </a:r>
-            <a:endParaRPr lang="en-US" dirty="0"/>
-          </a:p>
-          <a:p>
-            <a:pPr lvl="1"/>
-            <a:r>
-              <a:rPr lang="en-US" dirty="0"/>
-              <a:t>Screenshots</a:t>
-            </a:r>
-          </a:p>
-          <a:p>
-            <a:pPr lvl="1"/>
-            <a:r>
-              <a:rPr lang="en-US" dirty="0" err="1"/>
-              <a:t>Fehlermeldung</a:t>
-            </a:r>
-            <a:r>
-              <a:rPr lang="en-US" dirty="0"/>
-              <a:t> </a:t>
-            </a:r>
-          </a:p>
-          <a:p>
-            <a:pPr lvl="1"/>
-            <a:r>
-              <a:rPr lang="en-US" dirty="0"/>
-              <a:t>Tech Stacks</a:t>
-            </a:r>
-          </a:p>
-          <a:p>
-            <a:pPr lvl="1"/>
-            <a:r>
-              <a:rPr lang="en-US" dirty="0"/>
-              <a:t>FAQ</a:t>
-            </a:r>
-            <a:endParaRPr lang="de-DE" dirty="0"/>
-          </a:p>
-          <a:p>
-            <a:endParaRPr lang="de-DE" dirty="0"/>
-          </a:p>
-        </p:txBody>
-      </p:sp>
-      <p:sp>
-        <p:nvSpPr>
-          <p:cNvPr id="4" name="Fußzeilenplatzhalter 3">
-            <a:extLst>
-              <a:ext uri="{FF2B5EF4-FFF2-40B4-BE49-F238E27FC236}">
-                <a16:creationId xmlns:a16="http://schemas.microsoft.com/office/drawing/2014/main" id="{F20A4591-255A-436E-9282-9F534856B76B}"/>
-              </a:ext>
-            </a:extLst>
-          </p:cNvPr>
-          <p:cNvSpPr>
-            <a:spLocks noGrp="1"/>
-          </p:cNvSpPr>
-          <p:nvPr>
-            <p:ph type="ftr" sz="quarter" idx="10"/>
-          </p:nvPr>
-        </p:nvSpPr>
-        <p:spPr/>
-        <p:txBody>
-          <a:bodyPr/>
-          <a:lstStyle/>
-          <a:p>
-            <a:r>
-              <a:rPr lang="de-DE" altLang="de-DE"/>
-              <a:t>Hilscher Gesellschaft für Systemautomation mbH  </a:t>
-            </a:r>
-            <a:r>
-              <a:rPr lang="en-US" altLang="de-DE">
-                <a:cs typeface="Arial" panose="020B0604020202020204" pitchFamily="34" charset="0"/>
-              </a:rPr>
-              <a:t>l  www.hilscher.com</a:t>
-            </a:r>
-            <a:endParaRPr lang="de-DE" altLang="de-DE">
-              <a:cs typeface="Arial" panose="020B0604020202020204" pitchFamily="34" charset="0"/>
-            </a:endParaRPr>
-          </a:p>
-        </p:txBody>
-      </p:sp>
-    </p:spTree>
-    <p:extLst>
-      <p:ext uri="{BB962C8B-B14F-4D97-AF65-F5344CB8AC3E}">
-        <p14:creationId xmlns:p14="http://schemas.microsoft.com/office/powerpoint/2010/main" val="4018257448"/>
-      </p:ext>
-    </p:extLst>
-  </p:cSld>
-  <p:clrMapOvr>
-    <a:masterClrMapping/>
-  </p:clrMapOvr>
-  <p:transition>
-    <p:zoom/>
-  </p:transition>
+  <p:timing>
+    <p:tnLst>
+      <p:par>
+        <p:cTn id="1" dur="indefinite" restart="never" nodeType="tmRoot"/>
+      </p:par>
+    </p:tnLst>
+  </p:timing>
 </p:sld>
 </file>
 
@@ -16668,7 +23689,7 @@
           <a:p>
             <a:r>
               <a:rPr lang="de-DE" dirty="0"/>
-              <a:t>Hidden Workspace: Wiki</a:t>
+              <a:t>Wissensbasis: Hidden Workspace</a:t>
             </a:r>
           </a:p>
         </p:txBody>
@@ -16696,33 +23717,21 @@
           <a:p>
             <a:r>
               <a:rPr lang="de-DE" dirty="0"/>
-              <a:t>Wiki</a:t>
+              <a:t>Hidden Workspace</a:t>
             </a:r>
           </a:p>
           <a:p>
             <a:pPr lvl="1"/>
             <a:r>
               <a:rPr lang="en-US" dirty="0"/>
-              <a:t>Project </a:t>
-            </a:r>
-            <a:r>
-              <a:rPr lang="en-US" dirty="0" err="1"/>
-              <a:t>Organisation</a:t>
-            </a:r>
-            <a:r>
-              <a:rPr lang="en-US" dirty="0"/>
-              <a:t> </a:t>
+              <a:t>Wiki </a:t>
             </a:r>
           </a:p>
           <a:p>
             <a:pPr lvl="1"/>
             <a:r>
-              <a:rPr lang="en-US" dirty="0"/>
-              <a:t>Developer Guidelines and </a:t>
-            </a:r>
-            <a:r>
               <a:rPr lang="en-US" dirty="0" err="1"/>
-              <a:t>Howtos</a:t>
+              <a:t>Quellcode</a:t>
             </a:r>
             <a:endParaRPr lang="en-US" dirty="0"/>
           </a:p>
@@ -16730,21 +23739,32 @@
             <a:pPr lvl="1"/>
             <a:r>
               <a:rPr lang="en-US" dirty="0"/>
-              <a:t>SDD</a:t>
+              <a:t>Screenshots</a:t>
             </a:r>
           </a:p>
           <a:p>
             <a:pPr lvl="1"/>
             <a:r>
+              <a:rPr lang="en-US" dirty="0" err="1"/>
+              <a:t>Fehlermeldung</a:t>
+            </a:r>
+            <a:r>
               <a:rPr lang="en-US" dirty="0"/>
-              <a:t>Quality Assurance </a:t>
+              <a:t> </a:t>
             </a:r>
           </a:p>
           <a:p>
             <a:pPr lvl="1"/>
             <a:r>
               <a:rPr lang="en-US" dirty="0"/>
-              <a:t>User Information </a:t>
+              <a:t>Tech Stacks</a:t>
+            </a:r>
+          </a:p>
+          <a:p>
+            <a:pPr lvl="1"/>
+            <a:r>
+              <a:rPr lang="en-US" dirty="0"/>
+              <a:t>FAQ</a:t>
             </a:r>
             <a:endParaRPr lang="de-DE" dirty="0"/>
           </a:p>
@@ -16793,7 +23813,7 @@
     </p:spTree>
     <p:extLst>
       <p:ext uri="{BB962C8B-B14F-4D97-AF65-F5344CB8AC3E}">
-        <p14:creationId xmlns:p14="http://schemas.microsoft.com/office/powerpoint/2010/main" val="809735031"/>
+        <p14:creationId xmlns:p14="http://schemas.microsoft.com/office/powerpoint/2010/main" val="4018257448"/>
       </p:ext>
     </p:extLst>
   </p:cSld>
@@ -16803,6 +23823,13 @@
   <p:transition>
     <p:zoom/>
   </p:transition>
+  <p:timing>
+    <p:tnLst>
+      <p:par>
+        <p:cTn id="1" dur="indefinite" restart="never" nodeType="tmRoot"/>
+      </p:par>
+    </p:tnLst>
+  </p:timing>
 </p:sld>
 </file>
 
@@ -16846,7 +23873,7 @@
           <a:p>
             <a:r>
               <a:rPr lang="de-DE" dirty="0"/>
-              <a:t>Wiki: SDD</a:t>
+              <a:t>Hidden Workspace: Wiki</a:t>
             </a:r>
           </a:p>
         </p:txBody>
@@ -16873,57 +23900,57 @@
           <a:lstStyle/>
           <a:p>
             <a:r>
-              <a:rPr lang="en-US" dirty="0"/>
-              <a:t>Definition</a:t>
-            </a:r>
-          </a:p>
-          <a:p>
-            <a:r>
               <a:rPr lang="de-DE" dirty="0"/>
-              <a:t>Design-Übersicht</a:t>
-            </a:r>
-          </a:p>
-          <a:p>
-            <a:r>
-              <a:rPr lang="de-DE" dirty="0"/>
-              <a:t>Anforderungs-Matrix</a:t>
-            </a:r>
-          </a:p>
-          <a:p>
-            <a:r>
-              <a:rPr lang="de-DE" dirty="0"/>
-              <a:t>System-Architektur</a:t>
+              <a:t>Wiki</a:t>
             </a:r>
           </a:p>
           <a:p>
             <a:pPr lvl="1"/>
             <a:r>
-              <a:rPr lang="de-DE" dirty="0"/>
-              <a:t>Beschreibung der Schnittstellen des Systems</a:t>
+              <a:rPr lang="en-US" dirty="0"/>
+              <a:t>Project </a:t>
+            </a:r>
+            <a:r>
+              <a:rPr lang="en-US" dirty="0" err="1"/>
+              <a:t>Organisation</a:t>
+            </a:r>
+            <a:r>
+              <a:rPr lang="en-US" dirty="0"/>
+              <a:t> </a:t>
             </a:r>
           </a:p>
           <a:p>
-            <a:r>
-              <a:rPr lang="de-DE" dirty="0"/>
-              <a:t>Detailbeschreibung der Komponenten</a:t>
-            </a:r>
-          </a:p>
-          <a:p>
-            <a:r>
-              <a:rPr lang="de-DE" dirty="0"/>
-              <a:t>Benutzerschnittstelle (UI)</a:t>
-            </a:r>
-          </a:p>
-          <a:p>
-            <a:endParaRPr lang="de-DE" dirty="0"/>
-          </a:p>
-          <a:p>
+            <a:pPr lvl="1"/>
+            <a:r>
+              <a:rPr lang="en-US" dirty="0"/>
+              <a:t>Developer Guidelines and </a:t>
+            </a:r>
+            <a:r>
+              <a:rPr lang="en-US" dirty="0" err="1"/>
+              <a:t>Howtos</a:t>
+            </a:r>
             <a:endParaRPr lang="en-US" dirty="0"/>
           </a:p>
           <a:p>
-            <a:pPr marL="457200" lvl="1" indent="0">
-              <a:buNone/>
-            </a:pPr>
+            <a:pPr lvl="1"/>
+            <a:r>
+              <a:rPr lang="en-US" dirty="0"/>
+              <a:t>SDD</a:t>
+            </a:r>
+          </a:p>
+          <a:p>
+            <a:pPr lvl="1"/>
+            <a:r>
+              <a:rPr lang="en-US" dirty="0"/>
+              <a:t>Quality Assurance </a:t>
+            </a:r>
+          </a:p>
+          <a:p>
+            <a:pPr lvl="1"/>
+            <a:r>
+              <a:rPr lang="en-US" dirty="0"/>
+              <a:t>User Information </a:t>
+            </a:r>
             <a:endParaRPr lang="de-DE" dirty="0"/>
           </a:p>
           <a:p>
@@ -16971,7 +23998,7 @@
     </p:spTree>
     <p:extLst>
       <p:ext uri="{BB962C8B-B14F-4D97-AF65-F5344CB8AC3E}">
-        <p14:creationId xmlns:p14="http://schemas.microsoft.com/office/powerpoint/2010/main" val="4257936119"/>
+        <p14:creationId xmlns:p14="http://schemas.microsoft.com/office/powerpoint/2010/main" val="809735031"/>
       </p:ext>
     </p:extLst>
   </p:cSld>
@@ -16981,6 +24008,13 @@
   <p:transition>
     <p:zoom/>
   </p:transition>
+  <p:timing>
+    <p:tnLst>
+      <p:par>
+        <p:cTn id="1" dur="indefinite" restart="never" nodeType="tmRoot"/>
+      </p:par>
+    </p:tnLst>
+  </p:timing>
 </p:sld>
 </file>
 

--- a/Topology-Editor.pptx
+++ b/Topology-Editor.pptx
@@ -5,10 +5,10 @@
     <p:sldMasterId id="2147483657" r:id="rId1"/>
   </p:sldMasterIdLst>
   <p:notesMasterIdLst>
-    <p:notesMasterId r:id="rId16"/>
+    <p:notesMasterId r:id="rId17"/>
   </p:notesMasterIdLst>
   <p:handoutMasterIdLst>
-    <p:handoutMasterId r:id="rId17"/>
+    <p:handoutMasterId r:id="rId18"/>
   </p:handoutMasterIdLst>
   <p:sldIdLst>
     <p:sldId id="256" r:id="rId2"/>
@@ -25,6 +25,7 @@
     <p:sldId id="263" r:id="rId13"/>
     <p:sldId id="265" r:id="rId14"/>
     <p:sldId id="262" r:id="rId15"/>
+    <p:sldId id="274" r:id="rId16"/>
   </p:sldIdLst>
   <p:sldSz cx="9144000" cy="6858000" type="screen4x3"/>
   <p:notesSz cx="6858000" cy="9144000"/>
@@ -3951,6 +3952,753 @@
 </dgm:colorsDef>
 </file>
 
+<file path=ppt/diagrams/colors6.xml><?xml version="1.0" encoding="utf-8"?>
+<dgm:colorsDef xmlns:dgm="http://schemas.openxmlformats.org/drawingml/2006/diagram" xmlns:a="http://schemas.openxmlformats.org/drawingml/2006/main" uniqueId="urn:microsoft.com/office/officeart/2005/8/colors/accent1_2">
+  <dgm:title val=""/>
+  <dgm:desc val=""/>
+  <dgm:catLst>
+    <dgm:cat type="accent1" pri="11200"/>
+  </dgm:catLst>
+  <dgm:styleLbl name="node0">
+    <dgm:fillClrLst meth="repeat">
+      <a:schemeClr val="accent1"/>
+    </dgm:fillClrLst>
+    <dgm:linClrLst meth="repeat">
+      <a:schemeClr val="lt1"/>
+    </dgm:linClrLst>
+    <dgm:effectClrLst/>
+    <dgm:txLinClrLst/>
+    <dgm:txFillClrLst/>
+    <dgm:txEffectClrLst/>
+  </dgm:styleLbl>
+  <dgm:styleLbl name="alignNode1">
+    <dgm:fillClrLst meth="repeat">
+      <a:schemeClr val="accent1"/>
+    </dgm:fillClrLst>
+    <dgm:linClrLst meth="repeat">
+      <a:schemeClr val="accent1"/>
+    </dgm:linClrLst>
+    <dgm:effectClrLst/>
+    <dgm:txLinClrLst/>
+    <dgm:txFillClrLst/>
+    <dgm:txEffectClrLst/>
+  </dgm:styleLbl>
+  <dgm:styleLbl name="node1">
+    <dgm:fillClrLst meth="repeat">
+      <a:schemeClr val="accent1"/>
+    </dgm:fillClrLst>
+    <dgm:linClrLst meth="repeat">
+      <a:schemeClr val="lt1"/>
+    </dgm:linClrLst>
+    <dgm:effectClrLst/>
+    <dgm:txLinClrLst/>
+    <dgm:txFillClrLst/>
+    <dgm:txEffectClrLst/>
+  </dgm:styleLbl>
+  <dgm:styleLbl name="lnNode1">
+    <dgm:fillClrLst meth="repeat">
+      <a:schemeClr val="accent1"/>
+    </dgm:fillClrLst>
+    <dgm:linClrLst meth="repeat">
+      <a:schemeClr val="lt1"/>
+    </dgm:linClrLst>
+    <dgm:effectClrLst/>
+    <dgm:txLinClrLst/>
+    <dgm:txFillClrLst/>
+    <dgm:txEffectClrLst/>
+  </dgm:styleLbl>
+  <dgm:styleLbl name="vennNode1">
+    <dgm:fillClrLst meth="repeat">
+      <a:schemeClr val="accent1">
+        <a:alpha val="50000"/>
+      </a:schemeClr>
+    </dgm:fillClrLst>
+    <dgm:linClrLst meth="repeat">
+      <a:schemeClr val="lt1"/>
+    </dgm:linClrLst>
+    <dgm:effectClrLst/>
+    <dgm:txLinClrLst/>
+    <dgm:txFillClrLst/>
+    <dgm:txEffectClrLst/>
+  </dgm:styleLbl>
+  <dgm:styleLbl name="node2">
+    <dgm:fillClrLst meth="repeat">
+      <a:schemeClr val="accent1"/>
+    </dgm:fillClrLst>
+    <dgm:linClrLst meth="repeat">
+      <a:schemeClr val="lt1"/>
+    </dgm:linClrLst>
+    <dgm:effectClrLst/>
+    <dgm:txLinClrLst/>
+    <dgm:txFillClrLst/>
+    <dgm:txEffectClrLst/>
+  </dgm:styleLbl>
+  <dgm:styleLbl name="node3">
+    <dgm:fillClrLst meth="repeat">
+      <a:schemeClr val="accent1"/>
+    </dgm:fillClrLst>
+    <dgm:linClrLst meth="repeat">
+      <a:schemeClr val="lt1"/>
+    </dgm:linClrLst>
+    <dgm:effectClrLst/>
+    <dgm:txLinClrLst/>
+    <dgm:txFillClrLst/>
+    <dgm:txEffectClrLst/>
+  </dgm:styleLbl>
+  <dgm:styleLbl name="node4">
+    <dgm:fillClrLst meth="repeat">
+      <a:schemeClr val="accent1"/>
+    </dgm:fillClrLst>
+    <dgm:linClrLst meth="repeat">
+      <a:schemeClr val="lt1"/>
+    </dgm:linClrLst>
+    <dgm:effectClrLst/>
+    <dgm:txLinClrLst/>
+    <dgm:txFillClrLst/>
+    <dgm:txEffectClrLst/>
+  </dgm:styleLbl>
+  <dgm:styleLbl name="fgImgPlace1">
+    <dgm:fillClrLst meth="repeat">
+      <a:schemeClr val="accent1">
+        <a:tint val="50000"/>
+      </a:schemeClr>
+    </dgm:fillClrLst>
+    <dgm:linClrLst meth="repeat">
+      <a:schemeClr val="lt1"/>
+    </dgm:linClrLst>
+    <dgm:effectClrLst/>
+    <dgm:txLinClrLst/>
+    <dgm:txFillClrLst meth="repeat">
+      <a:schemeClr val="lt1"/>
+    </dgm:txFillClrLst>
+    <dgm:txEffectClrLst/>
+  </dgm:styleLbl>
+  <dgm:styleLbl name="alignImgPlace1">
+    <dgm:fillClrLst meth="repeat">
+      <a:schemeClr val="accent1">
+        <a:tint val="50000"/>
+      </a:schemeClr>
+    </dgm:fillClrLst>
+    <dgm:linClrLst meth="repeat">
+      <a:schemeClr val="lt1"/>
+    </dgm:linClrLst>
+    <dgm:effectClrLst/>
+    <dgm:txLinClrLst/>
+    <dgm:txFillClrLst meth="repeat">
+      <a:schemeClr val="lt1"/>
+    </dgm:txFillClrLst>
+    <dgm:txEffectClrLst/>
+  </dgm:styleLbl>
+  <dgm:styleLbl name="bgImgPlace1">
+    <dgm:fillClrLst meth="repeat">
+      <a:schemeClr val="accent1">
+        <a:tint val="50000"/>
+      </a:schemeClr>
+    </dgm:fillClrLst>
+    <dgm:linClrLst meth="repeat">
+      <a:schemeClr val="lt1"/>
+    </dgm:linClrLst>
+    <dgm:effectClrLst/>
+    <dgm:txLinClrLst/>
+    <dgm:txFillClrLst meth="repeat">
+      <a:schemeClr val="lt1"/>
+    </dgm:txFillClrLst>
+    <dgm:txEffectClrLst/>
+  </dgm:styleLbl>
+  <dgm:styleLbl name="sibTrans2D1">
+    <dgm:fillClrLst meth="repeat">
+      <a:schemeClr val="accent1">
+        <a:tint val="60000"/>
+      </a:schemeClr>
+    </dgm:fillClrLst>
+    <dgm:linClrLst meth="repeat">
+      <a:schemeClr val="accent1">
+        <a:tint val="60000"/>
+      </a:schemeClr>
+    </dgm:linClrLst>
+    <dgm:effectClrLst/>
+    <dgm:txLinClrLst/>
+    <dgm:txFillClrLst/>
+    <dgm:txEffectClrLst/>
+  </dgm:styleLbl>
+  <dgm:styleLbl name="fgSibTrans2D1">
+    <dgm:fillClrLst meth="repeat">
+      <a:schemeClr val="accent1">
+        <a:tint val="60000"/>
+      </a:schemeClr>
+    </dgm:fillClrLst>
+    <dgm:linClrLst meth="repeat">
+      <a:schemeClr val="accent1">
+        <a:tint val="60000"/>
+      </a:schemeClr>
+    </dgm:linClrLst>
+    <dgm:effectClrLst/>
+    <dgm:txLinClrLst/>
+    <dgm:txFillClrLst/>
+    <dgm:txEffectClrLst/>
+  </dgm:styleLbl>
+  <dgm:styleLbl name="bgSibTrans2D1">
+    <dgm:fillClrLst meth="repeat">
+      <a:schemeClr val="accent1">
+        <a:tint val="60000"/>
+      </a:schemeClr>
+    </dgm:fillClrLst>
+    <dgm:linClrLst meth="repeat">
+      <a:schemeClr val="accent1">
+        <a:tint val="60000"/>
+      </a:schemeClr>
+    </dgm:linClrLst>
+    <dgm:effectClrLst/>
+    <dgm:txLinClrLst/>
+    <dgm:txFillClrLst/>
+    <dgm:txEffectClrLst/>
+  </dgm:styleLbl>
+  <dgm:styleLbl name="sibTrans1D1">
+    <dgm:fillClrLst meth="repeat">
+      <a:schemeClr val="accent1"/>
+    </dgm:fillClrLst>
+    <dgm:linClrLst meth="repeat">
+      <a:schemeClr val="accent1"/>
+    </dgm:linClrLst>
+    <dgm:effectClrLst/>
+    <dgm:txLinClrLst/>
+    <dgm:txFillClrLst meth="repeat">
+      <a:schemeClr val="tx1"/>
+    </dgm:txFillClrLst>
+    <dgm:txEffectClrLst/>
+  </dgm:styleLbl>
+  <dgm:styleLbl name="callout">
+    <dgm:fillClrLst meth="repeat">
+      <a:schemeClr val="accent1"/>
+    </dgm:fillClrLst>
+    <dgm:linClrLst meth="repeat">
+      <a:schemeClr val="accent1">
+        <a:tint val="50000"/>
+      </a:schemeClr>
+    </dgm:linClrLst>
+    <dgm:effectClrLst/>
+    <dgm:txLinClrLst/>
+    <dgm:txFillClrLst meth="repeat">
+      <a:schemeClr val="tx1"/>
+    </dgm:txFillClrLst>
+    <dgm:txEffectClrLst/>
+  </dgm:styleLbl>
+  <dgm:styleLbl name="asst0">
+    <dgm:fillClrLst meth="repeat">
+      <a:schemeClr val="accent1"/>
+    </dgm:fillClrLst>
+    <dgm:linClrLst meth="repeat">
+      <a:schemeClr val="lt1"/>
+    </dgm:linClrLst>
+    <dgm:effectClrLst/>
+    <dgm:txLinClrLst/>
+    <dgm:txFillClrLst/>
+    <dgm:txEffectClrLst/>
+  </dgm:styleLbl>
+  <dgm:styleLbl name="asst1">
+    <dgm:fillClrLst meth="repeat">
+      <a:schemeClr val="accent1"/>
+    </dgm:fillClrLst>
+    <dgm:linClrLst meth="repeat">
+      <a:schemeClr val="lt1"/>
+    </dgm:linClrLst>
+    <dgm:effectClrLst/>
+    <dgm:txLinClrLst/>
+    <dgm:txFillClrLst/>
+    <dgm:txEffectClrLst/>
+  </dgm:styleLbl>
+  <dgm:styleLbl name="asst2">
+    <dgm:fillClrLst meth="repeat">
+      <a:schemeClr val="accent1"/>
+    </dgm:fillClrLst>
+    <dgm:linClrLst meth="repeat">
+      <a:schemeClr val="lt1"/>
+    </dgm:linClrLst>
+    <dgm:effectClrLst/>
+    <dgm:txLinClrLst/>
+    <dgm:txFillClrLst/>
+    <dgm:txEffectClrLst/>
+  </dgm:styleLbl>
+  <dgm:styleLbl name="asst3">
+    <dgm:fillClrLst meth="repeat">
+      <a:schemeClr val="accent1"/>
+    </dgm:fillClrLst>
+    <dgm:linClrLst meth="repeat">
+      <a:schemeClr val="lt1"/>
+    </dgm:linClrLst>
+    <dgm:effectClrLst/>
+    <dgm:txLinClrLst/>
+    <dgm:txFillClrLst/>
+    <dgm:txEffectClrLst/>
+  </dgm:styleLbl>
+  <dgm:styleLbl name="asst4">
+    <dgm:fillClrLst meth="repeat">
+      <a:schemeClr val="accent1"/>
+    </dgm:fillClrLst>
+    <dgm:linClrLst meth="repeat">
+      <a:schemeClr val="lt1"/>
+    </dgm:linClrLst>
+    <dgm:effectClrLst/>
+    <dgm:txLinClrLst/>
+    <dgm:txFillClrLst/>
+    <dgm:txEffectClrLst/>
+  </dgm:styleLbl>
+  <dgm:styleLbl name="parChTrans2D1">
+    <dgm:fillClrLst meth="repeat">
+      <a:schemeClr val="accent1">
+        <a:tint val="60000"/>
+      </a:schemeClr>
+    </dgm:fillClrLst>
+    <dgm:linClrLst meth="repeat">
+      <a:schemeClr val="accent1">
+        <a:tint val="60000"/>
+      </a:schemeClr>
+    </dgm:linClrLst>
+    <dgm:effectClrLst/>
+    <dgm:txLinClrLst/>
+    <dgm:txFillClrLst meth="repeat">
+      <a:schemeClr val="lt1"/>
+    </dgm:txFillClrLst>
+    <dgm:txEffectClrLst/>
+  </dgm:styleLbl>
+  <dgm:styleLbl name="parChTrans2D2">
+    <dgm:fillClrLst meth="repeat">
+      <a:schemeClr val="accent1"/>
+    </dgm:fillClrLst>
+    <dgm:linClrLst meth="repeat">
+      <a:schemeClr val="accent1"/>
+    </dgm:linClrLst>
+    <dgm:effectClrLst/>
+    <dgm:txLinClrLst/>
+    <dgm:txFillClrLst meth="repeat">
+      <a:schemeClr val="lt1"/>
+    </dgm:txFillClrLst>
+    <dgm:txEffectClrLst/>
+  </dgm:styleLbl>
+  <dgm:styleLbl name="parChTrans2D3">
+    <dgm:fillClrLst meth="repeat">
+      <a:schemeClr val="accent1"/>
+    </dgm:fillClrLst>
+    <dgm:linClrLst meth="repeat">
+      <a:schemeClr val="accent1"/>
+    </dgm:linClrLst>
+    <dgm:effectClrLst/>
+    <dgm:txLinClrLst/>
+    <dgm:txFillClrLst meth="repeat">
+      <a:schemeClr val="lt1"/>
+    </dgm:txFillClrLst>
+    <dgm:txEffectClrLst/>
+  </dgm:styleLbl>
+  <dgm:styleLbl name="parChTrans2D4">
+    <dgm:fillClrLst meth="repeat">
+      <a:schemeClr val="accent1"/>
+    </dgm:fillClrLst>
+    <dgm:linClrLst meth="repeat">
+      <a:schemeClr val="accent1"/>
+    </dgm:linClrLst>
+    <dgm:effectClrLst/>
+    <dgm:txLinClrLst/>
+    <dgm:txFillClrLst meth="repeat">
+      <a:schemeClr val="lt1"/>
+    </dgm:txFillClrLst>
+    <dgm:txEffectClrLst/>
+  </dgm:styleLbl>
+  <dgm:styleLbl name="parChTrans1D1">
+    <dgm:fillClrLst meth="repeat">
+      <a:schemeClr val="accent1"/>
+    </dgm:fillClrLst>
+    <dgm:linClrLst meth="repeat">
+      <a:schemeClr val="accent1">
+        <a:shade val="60000"/>
+      </a:schemeClr>
+    </dgm:linClrLst>
+    <dgm:effectClrLst/>
+    <dgm:txLinClrLst/>
+    <dgm:txFillClrLst meth="repeat">
+      <a:schemeClr val="tx1"/>
+    </dgm:txFillClrLst>
+    <dgm:txEffectClrLst/>
+  </dgm:styleLbl>
+  <dgm:styleLbl name="parChTrans1D2">
+    <dgm:fillClrLst meth="repeat">
+      <a:schemeClr val="accent1"/>
+    </dgm:fillClrLst>
+    <dgm:linClrLst meth="repeat">
+      <a:schemeClr val="accent1">
+        <a:shade val="60000"/>
+      </a:schemeClr>
+    </dgm:linClrLst>
+    <dgm:effectClrLst/>
+    <dgm:txLinClrLst/>
+    <dgm:txFillClrLst meth="repeat">
+      <a:schemeClr val="tx1"/>
+    </dgm:txFillClrLst>
+    <dgm:txEffectClrLst/>
+  </dgm:styleLbl>
+  <dgm:styleLbl name="parChTrans1D3">
+    <dgm:fillClrLst meth="repeat">
+      <a:schemeClr val="accent1"/>
+    </dgm:fillClrLst>
+    <dgm:linClrLst meth="repeat">
+      <a:schemeClr val="accent1">
+        <a:shade val="80000"/>
+      </a:schemeClr>
+    </dgm:linClrLst>
+    <dgm:effectClrLst/>
+    <dgm:txLinClrLst/>
+    <dgm:txFillClrLst meth="repeat">
+      <a:schemeClr val="tx1"/>
+    </dgm:txFillClrLst>
+    <dgm:txEffectClrLst/>
+  </dgm:styleLbl>
+  <dgm:styleLbl name="parChTrans1D4">
+    <dgm:fillClrLst meth="repeat">
+      <a:schemeClr val="accent1"/>
+    </dgm:fillClrLst>
+    <dgm:linClrLst meth="repeat">
+      <a:schemeClr val="accent1">
+        <a:shade val="80000"/>
+      </a:schemeClr>
+    </dgm:linClrLst>
+    <dgm:effectClrLst/>
+    <dgm:txLinClrLst/>
+    <dgm:txFillClrLst meth="repeat">
+      <a:schemeClr val="tx1"/>
+    </dgm:txFillClrLst>
+    <dgm:txEffectClrLst/>
+  </dgm:styleLbl>
+  <dgm:styleLbl name="fgAcc1">
+    <dgm:fillClrLst meth="repeat">
+      <a:schemeClr val="lt1">
+        <a:alpha val="90000"/>
+      </a:schemeClr>
+    </dgm:fillClrLst>
+    <dgm:linClrLst meth="repeat">
+      <a:schemeClr val="accent1"/>
+    </dgm:linClrLst>
+    <dgm:effectClrLst/>
+    <dgm:txLinClrLst/>
+    <dgm:txFillClrLst meth="repeat">
+      <a:schemeClr val="dk1"/>
+    </dgm:txFillClrLst>
+    <dgm:txEffectClrLst/>
+  </dgm:styleLbl>
+  <dgm:styleLbl name="conFgAcc1">
+    <dgm:fillClrLst meth="repeat">
+      <a:schemeClr val="lt1">
+        <a:alpha val="90000"/>
+      </a:schemeClr>
+    </dgm:fillClrLst>
+    <dgm:linClrLst meth="repeat">
+      <a:schemeClr val="accent1"/>
+    </dgm:linClrLst>
+    <dgm:effectClrLst/>
+    <dgm:txLinClrLst/>
+    <dgm:txFillClrLst meth="repeat">
+      <a:schemeClr val="dk1"/>
+    </dgm:txFillClrLst>
+    <dgm:txEffectClrLst/>
+  </dgm:styleLbl>
+  <dgm:styleLbl name="alignAcc1">
+    <dgm:fillClrLst meth="repeat">
+      <a:schemeClr val="lt1">
+        <a:alpha val="90000"/>
+      </a:schemeClr>
+    </dgm:fillClrLst>
+    <dgm:linClrLst meth="repeat">
+      <a:schemeClr val="accent1"/>
+    </dgm:linClrLst>
+    <dgm:effectClrLst/>
+    <dgm:txLinClrLst/>
+    <dgm:txFillClrLst meth="repeat">
+      <a:schemeClr val="dk1"/>
+    </dgm:txFillClrLst>
+    <dgm:txEffectClrLst/>
+  </dgm:styleLbl>
+  <dgm:styleLbl name="trAlignAcc1">
+    <dgm:fillClrLst meth="repeat">
+      <a:schemeClr val="lt1">
+        <a:alpha val="40000"/>
+      </a:schemeClr>
+    </dgm:fillClrLst>
+    <dgm:linClrLst meth="repeat">
+      <a:schemeClr val="accent1"/>
+    </dgm:linClrLst>
+    <dgm:effectClrLst/>
+    <dgm:txLinClrLst/>
+    <dgm:txFillClrLst meth="repeat">
+      <a:schemeClr val="dk1"/>
+    </dgm:txFillClrLst>
+    <dgm:txEffectClrLst/>
+  </dgm:styleLbl>
+  <dgm:styleLbl name="bgAcc1">
+    <dgm:fillClrLst meth="repeat">
+      <a:schemeClr val="lt1">
+        <a:alpha val="90000"/>
+      </a:schemeClr>
+    </dgm:fillClrLst>
+    <dgm:linClrLst meth="repeat">
+      <a:schemeClr val="accent1"/>
+    </dgm:linClrLst>
+    <dgm:effectClrLst/>
+    <dgm:txLinClrLst/>
+    <dgm:txFillClrLst meth="repeat">
+      <a:schemeClr val="dk1"/>
+    </dgm:txFillClrLst>
+    <dgm:txEffectClrLst/>
+  </dgm:styleLbl>
+  <dgm:styleLbl name="solidFgAcc1">
+    <dgm:fillClrLst meth="repeat">
+      <a:schemeClr val="lt1"/>
+    </dgm:fillClrLst>
+    <dgm:linClrLst meth="repeat">
+      <a:schemeClr val="accent1"/>
+    </dgm:linClrLst>
+    <dgm:effectClrLst/>
+    <dgm:txLinClrLst/>
+    <dgm:txFillClrLst meth="repeat">
+      <a:schemeClr val="dk1"/>
+    </dgm:txFillClrLst>
+    <dgm:txEffectClrLst/>
+  </dgm:styleLbl>
+  <dgm:styleLbl name="solidAlignAcc1">
+    <dgm:fillClrLst meth="repeat">
+      <a:schemeClr val="lt1"/>
+    </dgm:fillClrLst>
+    <dgm:linClrLst meth="repeat">
+      <a:schemeClr val="accent1"/>
+    </dgm:linClrLst>
+    <dgm:effectClrLst/>
+    <dgm:txLinClrLst/>
+    <dgm:txFillClrLst meth="repeat">
+      <a:schemeClr val="dk1"/>
+    </dgm:txFillClrLst>
+    <dgm:txEffectClrLst/>
+  </dgm:styleLbl>
+  <dgm:styleLbl name="solidBgAcc1">
+    <dgm:fillClrLst meth="repeat">
+      <a:schemeClr val="lt1"/>
+    </dgm:fillClrLst>
+    <dgm:linClrLst meth="repeat">
+      <a:schemeClr val="accent1"/>
+    </dgm:linClrLst>
+    <dgm:effectClrLst/>
+    <dgm:txLinClrLst/>
+    <dgm:txFillClrLst meth="repeat">
+      <a:schemeClr val="dk1"/>
+    </dgm:txFillClrLst>
+    <dgm:txEffectClrLst/>
+  </dgm:styleLbl>
+  <dgm:styleLbl name="fgAccFollowNode1">
+    <dgm:fillClrLst meth="repeat">
+      <a:schemeClr val="accent1">
+        <a:alpha val="90000"/>
+        <a:tint val="40000"/>
+      </a:schemeClr>
+    </dgm:fillClrLst>
+    <dgm:linClrLst meth="repeat">
+      <a:schemeClr val="accent1">
+        <a:alpha val="90000"/>
+        <a:tint val="40000"/>
+      </a:schemeClr>
+    </dgm:linClrLst>
+    <dgm:effectClrLst/>
+    <dgm:txLinClrLst/>
+    <dgm:txFillClrLst meth="repeat">
+      <a:schemeClr val="dk1"/>
+    </dgm:txFillClrLst>
+    <dgm:txEffectClrLst/>
+  </dgm:styleLbl>
+  <dgm:styleLbl name="alignAccFollowNode1">
+    <dgm:fillClrLst meth="repeat">
+      <a:schemeClr val="accent1">
+        <a:alpha val="90000"/>
+        <a:tint val="40000"/>
+      </a:schemeClr>
+    </dgm:fillClrLst>
+    <dgm:linClrLst meth="repeat">
+      <a:schemeClr val="accent1">
+        <a:alpha val="90000"/>
+        <a:tint val="40000"/>
+      </a:schemeClr>
+    </dgm:linClrLst>
+    <dgm:effectClrLst/>
+    <dgm:txLinClrLst/>
+    <dgm:txFillClrLst meth="repeat">
+      <a:schemeClr val="dk1"/>
+    </dgm:txFillClrLst>
+    <dgm:txEffectClrLst/>
+  </dgm:styleLbl>
+  <dgm:styleLbl name="bgAccFollowNode1">
+    <dgm:fillClrLst meth="repeat">
+      <a:schemeClr val="accent1">
+        <a:alpha val="90000"/>
+        <a:tint val="40000"/>
+      </a:schemeClr>
+    </dgm:fillClrLst>
+    <dgm:linClrLst meth="repeat">
+      <a:schemeClr val="accent1">
+        <a:alpha val="90000"/>
+        <a:tint val="40000"/>
+      </a:schemeClr>
+    </dgm:linClrLst>
+    <dgm:effectClrLst/>
+    <dgm:txLinClrLst/>
+    <dgm:txFillClrLst meth="repeat">
+      <a:schemeClr val="dk1"/>
+    </dgm:txFillClrLst>
+    <dgm:txEffectClrLst/>
+  </dgm:styleLbl>
+  <dgm:styleLbl name="fgAcc0">
+    <dgm:fillClrLst meth="repeat">
+      <a:schemeClr val="lt1">
+        <a:alpha val="90000"/>
+      </a:schemeClr>
+    </dgm:fillClrLst>
+    <dgm:linClrLst meth="repeat">
+      <a:schemeClr val="accent1"/>
+    </dgm:linClrLst>
+    <dgm:effectClrLst/>
+    <dgm:txLinClrLst/>
+    <dgm:txFillClrLst meth="repeat">
+      <a:schemeClr val="dk1"/>
+    </dgm:txFillClrLst>
+    <dgm:txEffectClrLst/>
+  </dgm:styleLbl>
+  <dgm:styleLbl name="fgAcc2">
+    <dgm:fillClrLst meth="repeat">
+      <a:schemeClr val="lt1">
+        <a:alpha val="90000"/>
+      </a:schemeClr>
+    </dgm:fillClrLst>
+    <dgm:linClrLst meth="repeat">
+      <a:schemeClr val="accent1"/>
+    </dgm:linClrLst>
+    <dgm:effectClrLst/>
+    <dgm:txLinClrLst/>
+    <dgm:txFillClrLst meth="repeat">
+      <a:schemeClr val="dk1"/>
+    </dgm:txFillClrLst>
+    <dgm:txEffectClrLst/>
+  </dgm:styleLbl>
+  <dgm:styleLbl name="fgAcc3">
+    <dgm:fillClrLst meth="repeat">
+      <a:schemeClr val="lt1">
+        <a:alpha val="90000"/>
+      </a:schemeClr>
+    </dgm:fillClrLst>
+    <dgm:linClrLst meth="repeat">
+      <a:schemeClr val="accent1"/>
+    </dgm:linClrLst>
+    <dgm:effectClrLst/>
+    <dgm:txLinClrLst/>
+    <dgm:txFillClrLst meth="repeat">
+      <a:schemeClr val="dk1"/>
+    </dgm:txFillClrLst>
+    <dgm:txEffectClrLst/>
+  </dgm:styleLbl>
+  <dgm:styleLbl name="fgAcc4">
+    <dgm:fillClrLst meth="repeat">
+      <a:schemeClr val="lt1">
+        <a:alpha val="90000"/>
+      </a:schemeClr>
+    </dgm:fillClrLst>
+    <dgm:linClrLst meth="repeat">
+      <a:schemeClr val="accent1"/>
+    </dgm:linClrLst>
+    <dgm:effectClrLst/>
+    <dgm:txLinClrLst/>
+    <dgm:txFillClrLst meth="repeat">
+      <a:schemeClr val="dk1"/>
+    </dgm:txFillClrLst>
+    <dgm:txEffectClrLst/>
+  </dgm:styleLbl>
+  <dgm:styleLbl name="bgShp">
+    <dgm:fillClrLst meth="repeat">
+      <a:schemeClr val="accent1">
+        <a:tint val="40000"/>
+      </a:schemeClr>
+    </dgm:fillClrLst>
+    <dgm:linClrLst meth="repeat">
+      <a:schemeClr val="accent1"/>
+    </dgm:linClrLst>
+    <dgm:effectClrLst/>
+    <dgm:txLinClrLst/>
+    <dgm:txFillClrLst meth="repeat">
+      <a:schemeClr val="dk1"/>
+    </dgm:txFillClrLst>
+    <dgm:txEffectClrLst/>
+  </dgm:styleLbl>
+  <dgm:styleLbl name="dkBgShp">
+    <dgm:fillClrLst meth="repeat">
+      <a:schemeClr val="accent1">
+        <a:shade val="80000"/>
+      </a:schemeClr>
+    </dgm:fillClrLst>
+    <dgm:linClrLst meth="repeat">
+      <a:schemeClr val="accent1"/>
+    </dgm:linClrLst>
+    <dgm:effectClrLst/>
+    <dgm:txLinClrLst/>
+    <dgm:txFillClrLst meth="repeat">
+      <a:schemeClr val="lt1"/>
+    </dgm:txFillClrLst>
+    <dgm:txEffectClrLst/>
+  </dgm:styleLbl>
+  <dgm:styleLbl name="trBgShp">
+    <dgm:fillClrLst meth="repeat">
+      <a:schemeClr val="accent1">
+        <a:tint val="50000"/>
+        <a:alpha val="40000"/>
+      </a:schemeClr>
+    </dgm:fillClrLst>
+    <dgm:linClrLst meth="repeat">
+      <a:schemeClr val="accent1"/>
+    </dgm:linClrLst>
+    <dgm:effectClrLst/>
+    <dgm:txLinClrLst/>
+    <dgm:txFillClrLst meth="repeat">
+      <a:schemeClr val="lt1"/>
+    </dgm:txFillClrLst>
+    <dgm:txEffectClrLst/>
+  </dgm:styleLbl>
+  <dgm:styleLbl name="fgShp">
+    <dgm:fillClrLst meth="repeat">
+      <a:schemeClr val="accent1">
+        <a:tint val="60000"/>
+      </a:schemeClr>
+    </dgm:fillClrLst>
+    <dgm:linClrLst meth="repeat">
+      <a:schemeClr val="lt1"/>
+    </dgm:linClrLst>
+    <dgm:effectClrLst/>
+    <dgm:txLinClrLst/>
+    <dgm:txFillClrLst meth="repeat">
+      <a:schemeClr val="dk1"/>
+    </dgm:txFillClrLst>
+    <dgm:txEffectClrLst/>
+  </dgm:styleLbl>
+  <dgm:styleLbl name="revTx">
+    <dgm:fillClrLst meth="repeat">
+      <a:schemeClr val="lt1">
+        <a:alpha val="0"/>
+      </a:schemeClr>
+    </dgm:fillClrLst>
+    <dgm:linClrLst meth="repeat">
+      <a:schemeClr val="dk1">
+        <a:alpha val="0"/>
+      </a:schemeClr>
+    </dgm:linClrLst>
+    <dgm:effectClrLst/>
+    <dgm:txLinClrLst/>
+    <dgm:txFillClrLst meth="repeat">
+      <a:schemeClr val="tx1"/>
+    </dgm:txFillClrLst>
+    <dgm:txEffectClrLst/>
+  </dgm:styleLbl>
+</dgm:colorsDef>
+</file>
+
 <file path=ppt/diagrams/data1.xml><?xml version="1.0" encoding="utf-8"?>
 <dgm:dataModel xmlns:dgm="http://schemas.openxmlformats.org/drawingml/2006/diagram" xmlns:a="http://schemas.openxmlformats.org/drawingml/2006/main">
   <dgm:ptLst>
@@ -3974,11 +4722,11 @@
         <a:p>
           <a:pPr rtl="0"/>
           <a:r>
-            <a:rPr lang="de-DE" dirty="0" err="1" smtClean="0"/>
+            <a:rPr lang="de-DE" dirty="0" err="1"/>
             <a:t>Protokollneutraller</a:t>
           </a:r>
           <a:r>
-            <a:rPr lang="de-DE" dirty="0" smtClean="0"/>
+            <a:rPr lang="de-DE" dirty="0"/>
             <a:t> Einsatz</a:t>
           </a:r>
           <a:endParaRPr lang="en-US" dirty="0"/>
@@ -4016,7 +4764,7 @@
         <a:p>
           <a:pPr rtl="0"/>
           <a:r>
-            <a:rPr lang="de-DE" dirty="0" err="1" smtClean="0"/>
+            <a:rPr lang="de-DE" dirty="0" err="1"/>
             <a:t>Pluggable</a:t>
           </a:r>
           <a:endParaRPr lang="en-US" dirty="0"/>
@@ -4054,7 +4802,7 @@
         <a:p>
           <a:pPr rtl="0"/>
           <a:r>
-            <a:rPr lang="de-DE" smtClean="0"/>
+            <a:rPr lang="de-DE"/>
             <a:t>Übersichlichkeit</a:t>
           </a:r>
           <a:endParaRPr lang="en-US"/>
@@ -4092,7 +4840,7 @@
         <a:p>
           <a:pPr rtl="0"/>
           <a:r>
-            <a:rPr lang="de-DE" smtClean="0"/>
+            <a:rPr lang="de-DE"/>
             <a:t>Dokumentation </a:t>
           </a:r>
           <a:endParaRPr lang="en-US"/>
@@ -4192,15 +4940,15 @@
     </dgm:pt>
   </dgm:ptLst>
   <dgm:cxnLst>
+    <dgm:cxn modelId="{86FAA609-E612-4419-BD92-E19A8BACB1BC}" srcId="{E8D35918-DEFC-4FAB-9D9C-A926D32C03E2}" destId="{EB6658FB-32EB-4FEB-91DB-B3933CF4EFB8}" srcOrd="3" destOrd="0" parTransId="{273B25B5-9C13-4F3F-B879-B8C54379EB53}" sibTransId="{D0414F0D-D38A-479E-BB6E-32A4C9F47ACB}"/>
+    <dgm:cxn modelId="{423F7139-FDE8-4782-AC5E-64078F9B25D1}" type="presOf" srcId="{EB6658FB-32EB-4FEB-91DB-B3933CF4EFB8}" destId="{DACF08B4-CC41-4B4C-8B10-6FC93923333B}" srcOrd="0" destOrd="0" presId="urn:microsoft.com/office/officeart/2005/8/layout/default"/>
+    <dgm:cxn modelId="{39F9C03A-94EF-4CDD-AC63-9784937FC1E5}" srcId="{E8D35918-DEFC-4FAB-9D9C-A926D32C03E2}" destId="{A9A6F6DD-4F40-4187-B81A-C9F15234F05B}" srcOrd="2" destOrd="0" parTransId="{8D2253CA-F2F1-415F-A3E6-8F9839653CEA}" sibTransId="{2C7202BE-4A70-4084-BDB8-CD1BDB153074}"/>
+    <dgm:cxn modelId="{79B7FC6A-5AC1-43E1-AB04-6BF18E01B56D}" srcId="{E8D35918-DEFC-4FAB-9D9C-A926D32C03E2}" destId="{CB852511-358C-492D-AB64-6F5656547F15}" srcOrd="1" destOrd="0" parTransId="{26DE5FAE-7B11-409B-B190-0C1C62B423BF}" sibTransId="{E55ED425-828B-4A5B-B5BB-06D44A059386}"/>
     <dgm:cxn modelId="{5C6F617D-9874-4D39-856A-A74149CBBFF3}" type="presOf" srcId="{CB852511-358C-492D-AB64-6F5656547F15}" destId="{16FD48F7-713A-4886-A2F9-3EC26972A198}" srcOrd="0" destOrd="0" presId="urn:microsoft.com/office/officeart/2005/8/layout/default"/>
     <dgm:cxn modelId="{3DBFEAB1-E8EC-4097-BE64-B420E604D1E5}" type="presOf" srcId="{E8D35918-DEFC-4FAB-9D9C-A926D32C03E2}" destId="{CAE94EC1-FB26-4C6F-B916-9EC44ED63B8E}" srcOrd="0" destOrd="0" presId="urn:microsoft.com/office/officeart/2005/8/layout/default"/>
+    <dgm:cxn modelId="{36A735B5-772F-48C6-9C34-843F80D43D13}" type="presOf" srcId="{8EFBBE4B-BA83-4F2C-B7DC-936C70EB636B}" destId="{E3B93B31-32D8-4416-A261-5CA14FC031FD}" srcOrd="0" destOrd="0" presId="urn:microsoft.com/office/officeart/2005/8/layout/default"/>
+    <dgm:cxn modelId="{B591BAD1-AA9D-42FC-B7A1-80C00C2A6E60}" type="presOf" srcId="{A9A6F6DD-4F40-4187-B81A-C9F15234F05B}" destId="{773ECFB5-00D3-479A-A6EE-EFEEE6AAFC91}" srcOrd="0" destOrd="0" presId="urn:microsoft.com/office/officeart/2005/8/layout/default"/>
     <dgm:cxn modelId="{149652F4-13F7-4811-96B1-83FDD2B8CA2C}" srcId="{E8D35918-DEFC-4FAB-9D9C-A926D32C03E2}" destId="{8EFBBE4B-BA83-4F2C-B7DC-936C70EB636B}" srcOrd="0" destOrd="0" parTransId="{BF881EC4-403E-4350-825E-DAEE2ECCFC2F}" sibTransId="{DB0B624C-66F2-49D8-AEA4-6848F2530DCF}"/>
-    <dgm:cxn modelId="{B591BAD1-AA9D-42FC-B7A1-80C00C2A6E60}" type="presOf" srcId="{A9A6F6DD-4F40-4187-B81A-C9F15234F05B}" destId="{773ECFB5-00D3-479A-A6EE-EFEEE6AAFC91}" srcOrd="0" destOrd="0" presId="urn:microsoft.com/office/officeart/2005/8/layout/default"/>
-    <dgm:cxn modelId="{423F7139-FDE8-4782-AC5E-64078F9B25D1}" type="presOf" srcId="{EB6658FB-32EB-4FEB-91DB-B3933CF4EFB8}" destId="{DACF08B4-CC41-4B4C-8B10-6FC93923333B}" srcOrd="0" destOrd="0" presId="urn:microsoft.com/office/officeart/2005/8/layout/default"/>
-    <dgm:cxn modelId="{39F9C03A-94EF-4CDD-AC63-9784937FC1E5}" srcId="{E8D35918-DEFC-4FAB-9D9C-A926D32C03E2}" destId="{A9A6F6DD-4F40-4187-B81A-C9F15234F05B}" srcOrd="2" destOrd="0" parTransId="{8D2253CA-F2F1-415F-A3E6-8F9839653CEA}" sibTransId="{2C7202BE-4A70-4084-BDB8-CD1BDB153074}"/>
-    <dgm:cxn modelId="{36A735B5-772F-48C6-9C34-843F80D43D13}" type="presOf" srcId="{8EFBBE4B-BA83-4F2C-B7DC-936C70EB636B}" destId="{E3B93B31-32D8-4416-A261-5CA14FC031FD}" srcOrd="0" destOrd="0" presId="urn:microsoft.com/office/officeart/2005/8/layout/default"/>
-    <dgm:cxn modelId="{86FAA609-E612-4419-BD92-E19A8BACB1BC}" srcId="{E8D35918-DEFC-4FAB-9D9C-A926D32C03E2}" destId="{EB6658FB-32EB-4FEB-91DB-B3933CF4EFB8}" srcOrd="3" destOrd="0" parTransId="{273B25B5-9C13-4F3F-B879-B8C54379EB53}" sibTransId="{D0414F0D-D38A-479E-BB6E-32A4C9F47ACB}"/>
-    <dgm:cxn modelId="{79B7FC6A-5AC1-43E1-AB04-6BF18E01B56D}" srcId="{E8D35918-DEFC-4FAB-9D9C-A926D32C03E2}" destId="{CB852511-358C-492D-AB64-6F5656547F15}" srcOrd="1" destOrd="0" parTransId="{26DE5FAE-7B11-409B-B190-0C1C62B423BF}" sibTransId="{E55ED425-828B-4A5B-B5BB-06D44A059386}"/>
     <dgm:cxn modelId="{A7293AF9-0866-4EEC-86AF-2905A46C657C}" type="presParOf" srcId="{CAE94EC1-FB26-4C6F-B916-9EC44ED63B8E}" destId="{E3B93B31-32D8-4416-A261-5CA14FC031FD}" srcOrd="0" destOrd="0" presId="urn:microsoft.com/office/officeart/2005/8/layout/default"/>
     <dgm:cxn modelId="{D484D3AB-379E-4326-87EE-B14C95A99A43}" type="presParOf" srcId="{CAE94EC1-FB26-4C6F-B916-9EC44ED63B8E}" destId="{3B5584AE-7BA2-478B-B7E2-5E43981F66FA}" srcOrd="1" destOrd="0" presId="urn:microsoft.com/office/officeart/2005/8/layout/default"/>
     <dgm:cxn modelId="{85ED0EFF-9EF1-4D5A-8783-97A1BA787DB9}" type="presParOf" srcId="{CAE94EC1-FB26-4C6F-B916-9EC44ED63B8E}" destId="{16FD48F7-713A-4886-A2F9-3EC26972A198}" srcOrd="2" destOrd="0" presId="urn:microsoft.com/office/officeart/2005/8/layout/default"/>
@@ -4242,7 +4990,7 @@
         <a:p>
           <a:pPr rtl="0"/>
           <a:r>
-            <a:rPr lang="de-DE" sz="1400" b="1" dirty="0" smtClean="0"/>
+            <a:rPr lang="de-DE" sz="1400" b="1" dirty="0"/>
             <a:t>TE-Produkt</a:t>
           </a:r>
           <a:endParaRPr lang="en-US" sz="1400" b="1" dirty="0"/>
@@ -4280,7 +5028,7 @@
         <a:p>
           <a:pPr rtl="0"/>
           <a:r>
-            <a:rPr lang="de-DE" sz="1400" b="1" dirty="0" smtClean="0"/>
+            <a:rPr lang="de-DE" sz="1400" b="1" dirty="0"/>
             <a:t>TE-Dokumentation</a:t>
           </a:r>
           <a:endParaRPr lang="en-US" sz="1400" b="1" dirty="0"/>
@@ -4349,13 +5097,13 @@
     </dgm:pt>
   </dgm:ptLst>
   <dgm:cxnLst>
+    <dgm:cxn modelId="{F9827419-875B-4992-B6DB-7039F0B93327}" srcId="{E6B90233-3499-4EBD-846D-F4882C32CF44}" destId="{077EF243-B640-473B-BB71-B7A3B8393BAE}" srcOrd="1" destOrd="0" parTransId="{4C4788DA-5D99-4988-9B48-84CE93F94A46}" sibTransId="{D0203047-3670-489B-AEEE-4D042F9D2635}"/>
+    <dgm:cxn modelId="{BC0F8567-DEDD-408D-B3B0-715512DD58F9}" type="presOf" srcId="{077EF243-B640-473B-BB71-B7A3B8393BAE}" destId="{EAC5C05D-8120-4F73-A71F-02F05BA7C2FC}" srcOrd="1" destOrd="0" presId="urn:microsoft.com/office/officeart/2005/8/layout/venn1"/>
+    <dgm:cxn modelId="{B0DF6674-1A89-40F3-A217-035F05ED4C17}" type="presOf" srcId="{E4D0EF0E-DBA2-4531-A31C-C6930D214C84}" destId="{66E3E58E-4D97-4302-A17C-EC20E70E3793}" srcOrd="0" destOrd="0" presId="urn:microsoft.com/office/officeart/2005/8/layout/venn1"/>
+    <dgm:cxn modelId="{182C297E-7A65-4D99-94A3-95A9A17F6F37}" type="presOf" srcId="{E4D0EF0E-DBA2-4531-A31C-C6930D214C84}" destId="{8C7BF37F-BC1E-4275-849D-5A2D4F9C3F9D}" srcOrd="1" destOrd="0" presId="urn:microsoft.com/office/officeart/2005/8/layout/venn1"/>
     <dgm:cxn modelId="{B33D83B8-14CA-407D-B3EC-6692ABD962B1}" srcId="{E6B90233-3499-4EBD-846D-F4882C32CF44}" destId="{E4D0EF0E-DBA2-4531-A31C-C6930D214C84}" srcOrd="0" destOrd="0" parTransId="{889FCBBC-EE1A-42B9-9566-E1F5040A8482}" sibTransId="{398041D4-FF59-4E3A-9A4B-740C42FC210F}"/>
-    <dgm:cxn modelId="{182C297E-7A65-4D99-94A3-95A9A17F6F37}" type="presOf" srcId="{E4D0EF0E-DBA2-4531-A31C-C6930D214C84}" destId="{8C7BF37F-BC1E-4275-849D-5A2D4F9C3F9D}" srcOrd="1" destOrd="0" presId="urn:microsoft.com/office/officeart/2005/8/layout/venn1"/>
-    <dgm:cxn modelId="{F9827419-875B-4992-B6DB-7039F0B93327}" srcId="{E6B90233-3499-4EBD-846D-F4882C32CF44}" destId="{077EF243-B640-473B-BB71-B7A3B8393BAE}" srcOrd="1" destOrd="0" parTransId="{4C4788DA-5D99-4988-9B48-84CE93F94A46}" sibTransId="{D0203047-3670-489B-AEEE-4D042F9D2635}"/>
+    <dgm:cxn modelId="{79080AF1-9869-4F79-A4A2-D9AF4F2C582C}" type="presOf" srcId="{E6B90233-3499-4EBD-846D-F4882C32CF44}" destId="{2D0E4173-B873-4B5F-8340-E243B4472D6D}" srcOrd="0" destOrd="0" presId="urn:microsoft.com/office/officeart/2005/8/layout/venn1"/>
     <dgm:cxn modelId="{333B35FD-8412-40C9-BA4D-66A3636BB43A}" type="presOf" srcId="{077EF243-B640-473B-BB71-B7A3B8393BAE}" destId="{A1E145C4-BD38-4E1E-9C41-61BC097FBF06}" srcOrd="0" destOrd="0" presId="urn:microsoft.com/office/officeart/2005/8/layout/venn1"/>
-    <dgm:cxn modelId="{B0DF6674-1A89-40F3-A217-035F05ED4C17}" type="presOf" srcId="{E4D0EF0E-DBA2-4531-A31C-C6930D214C84}" destId="{66E3E58E-4D97-4302-A17C-EC20E70E3793}" srcOrd="0" destOrd="0" presId="urn:microsoft.com/office/officeart/2005/8/layout/venn1"/>
-    <dgm:cxn modelId="{79080AF1-9869-4F79-A4A2-D9AF4F2C582C}" type="presOf" srcId="{E6B90233-3499-4EBD-846D-F4882C32CF44}" destId="{2D0E4173-B873-4B5F-8340-E243B4472D6D}" srcOrd="0" destOrd="0" presId="urn:microsoft.com/office/officeart/2005/8/layout/venn1"/>
-    <dgm:cxn modelId="{BC0F8567-DEDD-408D-B3B0-715512DD58F9}" type="presOf" srcId="{077EF243-B640-473B-BB71-B7A3B8393BAE}" destId="{EAC5C05D-8120-4F73-A71F-02F05BA7C2FC}" srcOrd="1" destOrd="0" presId="urn:microsoft.com/office/officeart/2005/8/layout/venn1"/>
     <dgm:cxn modelId="{1971B7E5-2280-4990-9482-3320D2F4C247}" type="presParOf" srcId="{2D0E4173-B873-4B5F-8340-E243B4472D6D}" destId="{66E3E58E-4D97-4302-A17C-EC20E70E3793}" srcOrd="0" destOrd="0" presId="urn:microsoft.com/office/officeart/2005/8/layout/venn1"/>
     <dgm:cxn modelId="{C84CA035-C07C-4E46-95F7-D4E0D5D0CFD2}" type="presParOf" srcId="{2D0E4173-B873-4B5F-8340-E243B4472D6D}" destId="{8C7BF37F-BC1E-4275-849D-5A2D4F9C3F9D}" srcOrd="1" destOrd="0" presId="urn:microsoft.com/office/officeart/2005/8/layout/venn1"/>
     <dgm:cxn modelId="{FAE84917-6A7F-4FC3-86E8-1800D8BAF973}" type="presParOf" srcId="{2D0E4173-B873-4B5F-8340-E243B4472D6D}" destId="{A1E145C4-BD38-4E1E-9C41-61BC097FBF06}" srcOrd="2" destOrd="0" presId="urn:microsoft.com/office/officeart/2005/8/layout/venn1"/>
@@ -4365,7 +5113,7 @@
   <dgm:whole/>
   <dgm:extLst>
     <a:ext uri="http://schemas.microsoft.com/office/drawing/2008/diagram">
-      <dsp:dataModelExt xmlns:dsp="http://schemas.microsoft.com/office/drawing/2008/diagram" relId="rId6" minVer="http://schemas.openxmlformats.org/drawingml/2006/diagram"/>
+      <dsp:dataModelExt xmlns:dsp="http://schemas.microsoft.com/office/drawing/2008/diagram" relId="rId7" minVer="http://schemas.openxmlformats.org/drawingml/2006/diagram"/>
     </a:ext>
   </dgm:extLst>
 </dgm:dataModel>
@@ -4434,13 +5182,6 @@
         </dgm:presLayoutVars>
       </dgm:prSet>
       <dgm:spPr/>
-      <dgm:t>
-        <a:bodyPr/>
-        <a:lstStyle/>
-        <a:p>
-          <a:endParaRPr lang="de-DE"/>
-        </a:p>
-      </dgm:t>
     </dgm:pt>
     <dgm:pt modelId="{1590028B-441C-4AF2-A195-E7406520C2FB}" type="pres">
       <dgm:prSet presAssocID="{5BD8170D-6914-4F7C-989B-81251EF67F3B}" presName="parentText" presStyleLbl="node1" presStyleIdx="0" presStyleCnt="1">
@@ -4450,19 +5191,12 @@
         </dgm:presLayoutVars>
       </dgm:prSet>
       <dgm:spPr/>
-      <dgm:t>
-        <a:bodyPr/>
-        <a:lstStyle/>
-        <a:p>
-          <a:endParaRPr lang="de-DE"/>
-        </a:p>
-      </dgm:t>
     </dgm:pt>
   </dgm:ptLst>
   <dgm:cxnLst>
     <dgm:cxn modelId="{9075C053-94FF-4A20-B294-A8233963EAEB}" type="presOf" srcId="{EEAD6A1E-9E00-40A4-8663-EE403A9C61C5}" destId="{AB7EED68-1A8A-4F84-9EA5-E26DD249B0FC}" srcOrd="0" destOrd="0" presId="urn:microsoft.com/office/officeart/2005/8/layout/vList2"/>
+    <dgm:cxn modelId="{6A0D65AF-9225-498F-AC78-CBE08D155998}" type="presOf" srcId="{5BD8170D-6914-4F7C-989B-81251EF67F3B}" destId="{1590028B-441C-4AF2-A195-E7406520C2FB}" srcOrd="0" destOrd="0" presId="urn:microsoft.com/office/officeart/2005/8/layout/vList2"/>
     <dgm:cxn modelId="{AFAB6BC8-9B46-4EC3-B1B9-2F447096845B}" srcId="{EEAD6A1E-9E00-40A4-8663-EE403A9C61C5}" destId="{5BD8170D-6914-4F7C-989B-81251EF67F3B}" srcOrd="0" destOrd="0" parTransId="{A91D8662-2E52-4FFB-BFB2-B2CC734DF2A0}" sibTransId="{FEE4E19A-E51A-427D-96AB-7BB792BD8A99}"/>
-    <dgm:cxn modelId="{6A0D65AF-9225-498F-AC78-CBE08D155998}" type="presOf" srcId="{5BD8170D-6914-4F7C-989B-81251EF67F3B}" destId="{1590028B-441C-4AF2-A195-E7406520C2FB}" srcOrd="0" destOrd="0" presId="urn:microsoft.com/office/officeart/2005/8/layout/vList2"/>
     <dgm:cxn modelId="{6748F089-D990-45C8-85CE-8A116D17BC5D}" type="presParOf" srcId="{AB7EED68-1A8A-4F84-9EA5-E26DD249B0FC}" destId="{1590028B-441C-4AF2-A195-E7406520C2FB}" srcOrd="0" destOrd="0" presId="urn:microsoft.com/office/officeart/2005/8/layout/vList2"/>
   </dgm:cxnLst>
   <dgm:bg/>
@@ -4538,13 +5272,6 @@
         </dgm:presLayoutVars>
       </dgm:prSet>
       <dgm:spPr/>
-      <dgm:t>
-        <a:bodyPr/>
-        <a:lstStyle/>
-        <a:p>
-          <a:endParaRPr lang="de-DE"/>
-        </a:p>
-      </dgm:t>
     </dgm:pt>
     <dgm:pt modelId="{0B000412-79C1-4F4C-BD55-10878ADA0BB8}" type="pres">
       <dgm:prSet presAssocID="{963898D0-3ACE-4C7F-836F-851CC58364B7}" presName="parentText" presStyleLbl="node1" presStyleIdx="0" presStyleCnt="1" custLinFactNeighborX="-14" custLinFactNeighborY="-1534">
@@ -4554,19 +5281,12 @@
         </dgm:presLayoutVars>
       </dgm:prSet>
       <dgm:spPr/>
-      <dgm:t>
-        <a:bodyPr/>
-        <a:lstStyle/>
-        <a:p>
-          <a:endParaRPr lang="de-DE"/>
-        </a:p>
-      </dgm:t>
     </dgm:pt>
   </dgm:ptLst>
   <dgm:cxnLst>
+    <dgm:cxn modelId="{A1083C4E-5642-4E2D-8689-B28F986ABAC6}" type="presOf" srcId="{52C9E91C-D27C-41D0-8467-762D3E0E7337}" destId="{F1B56AF7-8638-4007-BA3C-03D5B8C7FCB3}" srcOrd="0" destOrd="0" presId="urn:microsoft.com/office/officeart/2005/8/layout/vList2"/>
+    <dgm:cxn modelId="{5EB2E771-0368-46C8-91E2-49B72FEDCADC}" type="presOf" srcId="{963898D0-3ACE-4C7F-836F-851CC58364B7}" destId="{0B000412-79C1-4F4C-BD55-10878ADA0BB8}" srcOrd="0" destOrd="0" presId="urn:microsoft.com/office/officeart/2005/8/layout/vList2"/>
     <dgm:cxn modelId="{47D31DDA-ABD1-441F-AF93-1B15A40E639B}" srcId="{52C9E91C-D27C-41D0-8467-762D3E0E7337}" destId="{963898D0-3ACE-4C7F-836F-851CC58364B7}" srcOrd="0" destOrd="0" parTransId="{5FE8966D-A173-4AE0-AFB5-3BE653DF7699}" sibTransId="{43BD4552-44CA-46E5-B318-AE54330BC5DD}"/>
-    <dgm:cxn modelId="{5EB2E771-0368-46C8-91E2-49B72FEDCADC}" type="presOf" srcId="{963898D0-3ACE-4C7F-836F-851CC58364B7}" destId="{0B000412-79C1-4F4C-BD55-10878ADA0BB8}" srcOrd="0" destOrd="0" presId="urn:microsoft.com/office/officeart/2005/8/layout/vList2"/>
-    <dgm:cxn modelId="{A1083C4E-5642-4E2D-8689-B28F986ABAC6}" type="presOf" srcId="{52C9E91C-D27C-41D0-8467-762D3E0E7337}" destId="{F1B56AF7-8638-4007-BA3C-03D5B8C7FCB3}" srcOrd="0" destOrd="0" presId="urn:microsoft.com/office/officeart/2005/8/layout/vList2"/>
     <dgm:cxn modelId="{0895ABEF-F194-4261-AD32-9F9F28D13A8A}" type="presParOf" srcId="{F1B56AF7-8638-4007-BA3C-03D5B8C7FCB3}" destId="{0B000412-79C1-4F4C-BD55-10878ADA0BB8}" srcOrd="0" destOrd="0" presId="urn:microsoft.com/office/officeart/2005/8/layout/vList2"/>
   </dgm:cxnLst>
   <dgm:bg/>
@@ -4606,7 +5326,7 @@
         <a:p>
           <a:pPr rtl="0"/>
           <a:r>
-            <a:rPr lang="de-DE" b="1" dirty="0" smtClean="0">
+            <a:rPr lang="de-DE" b="1" dirty="0">
               <a:solidFill>
                 <a:schemeClr val="tx1"/>
               </a:solidFill>
@@ -4662,10 +5382,791 @@
     </dgm:pt>
   </dgm:ptLst>
   <dgm:cxnLst>
-    <dgm:cxn modelId="{9C2C766E-5607-43BF-B1C4-C443F14FD6C0}" srcId="{D700E2CC-C059-48A4-A92A-97206BD35C12}" destId="{891E7587-B95F-43CA-8B7A-A78160674248}" srcOrd="0" destOrd="0" parTransId="{6EA0F944-A592-4ED5-8FC1-C23887607141}" sibTransId="{DBC6AAB9-8523-48A8-B1A3-965A3102C300}"/>
     <dgm:cxn modelId="{4421C72F-BB6D-4F26-8F1B-B78D78F1D1EB}" type="presOf" srcId="{891E7587-B95F-43CA-8B7A-A78160674248}" destId="{404492EB-C4A1-4A53-8395-FFFABFA0E2B2}" srcOrd="0" destOrd="0" presId="urn:microsoft.com/office/officeart/2005/8/layout/process1"/>
     <dgm:cxn modelId="{619EDF3A-255B-466F-9718-3A59BD7AA32A}" type="presOf" srcId="{D700E2CC-C059-48A4-A92A-97206BD35C12}" destId="{4C505FCB-294A-4422-927C-C31A3E829151}" srcOrd="0" destOrd="0" presId="urn:microsoft.com/office/officeart/2005/8/layout/process1"/>
+    <dgm:cxn modelId="{9C2C766E-5607-43BF-B1C4-C443F14FD6C0}" srcId="{D700E2CC-C059-48A4-A92A-97206BD35C12}" destId="{891E7587-B95F-43CA-8B7A-A78160674248}" srcOrd="0" destOrd="0" parTransId="{6EA0F944-A592-4ED5-8FC1-C23887607141}" sibTransId="{DBC6AAB9-8523-48A8-B1A3-965A3102C300}"/>
     <dgm:cxn modelId="{B39DD29B-F02F-48A3-8C55-28342BEE672B}" type="presParOf" srcId="{4C505FCB-294A-4422-927C-C31A3E829151}" destId="{404492EB-C4A1-4A53-8395-FFFABFA0E2B2}" srcOrd="0" destOrd="0" presId="urn:microsoft.com/office/officeart/2005/8/layout/process1"/>
+  </dgm:cxnLst>
+  <dgm:bg/>
+  <dgm:whole/>
+  <dgm:extLst>
+    <a:ext uri="http://schemas.microsoft.com/office/drawing/2008/diagram">
+      <dsp:dataModelExt xmlns:dsp="http://schemas.microsoft.com/office/drawing/2008/diagram" relId="rId7" minVer="http://schemas.openxmlformats.org/drawingml/2006/diagram"/>
+    </a:ext>
+  </dgm:extLst>
+</dgm:dataModel>
+</file>
+
+<file path=ppt/diagrams/data6.xml><?xml version="1.0" encoding="utf-8"?>
+<dgm:dataModel xmlns:dgm="http://schemas.openxmlformats.org/drawingml/2006/diagram" xmlns:a="http://schemas.openxmlformats.org/drawingml/2006/main">
+  <dgm:ptLst>
+    <dgm:pt modelId="{0266A603-8232-4D71-B200-E5FE68D18F3F}" type="doc">
+      <dgm:prSet loTypeId="urn:microsoft.com/office/officeart/2005/8/layout/venn1" loCatId="relationship" qsTypeId="urn:microsoft.com/office/officeart/2005/8/quickstyle/simple1" qsCatId="simple" csTypeId="urn:microsoft.com/office/officeart/2005/8/colors/accent1_2" csCatId="accent1" phldr="1"/>
+      <dgm:spPr/>
+    </dgm:pt>
+    <dgm:pt modelId="{8FFAAD93-093A-4643-8666-6592133D5148}">
+      <dgm:prSet phldrT="[Text]"/>
+      <dgm:spPr/>
+      <dgm:t>
+        <a:bodyPr/>
+        <a:lstStyle/>
+        <a:p>
+          <a:r>
+            <a:rPr lang="de-DE" dirty="0"/>
+            <a:t>Auftraggeber</a:t>
+          </a:r>
+        </a:p>
+      </dgm:t>
+    </dgm:pt>
+    <dgm:pt modelId="{0EF3D4AB-DF62-4B12-9E7C-B625D3E22117}" type="parTrans" cxnId="{2AE0BB2C-D3BA-4191-8DA9-349466BA091C}">
+      <dgm:prSet/>
+      <dgm:spPr/>
+      <dgm:t>
+        <a:bodyPr/>
+        <a:lstStyle/>
+        <a:p>
+          <a:endParaRPr lang="de-DE"/>
+        </a:p>
+      </dgm:t>
+    </dgm:pt>
+    <dgm:pt modelId="{DD346E06-9D81-468D-B484-5A437B8B67C8}" type="sibTrans" cxnId="{2AE0BB2C-D3BA-4191-8DA9-349466BA091C}">
+      <dgm:prSet/>
+      <dgm:spPr/>
+      <dgm:t>
+        <a:bodyPr/>
+        <a:lstStyle/>
+        <a:p>
+          <a:endParaRPr lang="de-DE"/>
+        </a:p>
+      </dgm:t>
+    </dgm:pt>
+    <dgm:pt modelId="{E8D6131E-3A0B-413C-A175-032074A7C8CD}">
+      <dgm:prSet phldrT="[Text]"/>
+      <dgm:spPr/>
+      <dgm:t>
+        <a:bodyPr/>
+        <a:lstStyle/>
+        <a:p>
+          <a:r>
+            <a:rPr lang="de-DE" dirty="0"/>
+            <a:t>Endbenutzer</a:t>
+          </a:r>
+        </a:p>
+      </dgm:t>
+    </dgm:pt>
+    <dgm:pt modelId="{2DFF84A4-06B4-4DE0-9EA7-677B263B0A4E}" type="parTrans" cxnId="{9565E676-F665-4438-933C-AD9D6A714537}">
+      <dgm:prSet/>
+      <dgm:spPr/>
+      <dgm:t>
+        <a:bodyPr/>
+        <a:lstStyle/>
+        <a:p>
+          <a:endParaRPr lang="de-DE"/>
+        </a:p>
+      </dgm:t>
+    </dgm:pt>
+    <dgm:pt modelId="{0206CF11-AF04-44BF-8AAA-B0D459371092}" type="sibTrans" cxnId="{9565E676-F665-4438-933C-AD9D6A714537}">
+      <dgm:prSet/>
+      <dgm:spPr/>
+      <dgm:t>
+        <a:bodyPr/>
+        <a:lstStyle/>
+        <a:p>
+          <a:endParaRPr lang="de-DE"/>
+        </a:p>
+      </dgm:t>
+    </dgm:pt>
+    <dgm:pt modelId="{C43C6B0E-82E8-459E-90D3-8FA28CDB9FEB}">
+      <dgm:prSet phldrT="[Text]"/>
+      <dgm:spPr/>
+      <dgm:t>
+        <a:bodyPr/>
+        <a:lstStyle/>
+        <a:p>
+          <a:r>
+            <a:rPr lang="de-DE" dirty="0"/>
+            <a:t>Entwickler</a:t>
+          </a:r>
+        </a:p>
+      </dgm:t>
+    </dgm:pt>
+    <dgm:pt modelId="{3A02CFBF-18DC-449F-9D07-D592D03DB4B9}" type="parTrans" cxnId="{4C641434-2AFA-445A-A904-B27E1D3B8AFD}">
+      <dgm:prSet/>
+      <dgm:spPr/>
+      <dgm:t>
+        <a:bodyPr/>
+        <a:lstStyle/>
+        <a:p>
+          <a:endParaRPr lang="de-DE"/>
+        </a:p>
+      </dgm:t>
+    </dgm:pt>
+    <dgm:pt modelId="{BA408F00-8943-4CF4-A1AE-2FE0384E996C}" type="sibTrans" cxnId="{4C641434-2AFA-445A-A904-B27E1D3B8AFD}">
+      <dgm:prSet/>
+      <dgm:spPr/>
+      <dgm:t>
+        <a:bodyPr/>
+        <a:lstStyle/>
+        <a:p>
+          <a:endParaRPr lang="de-DE"/>
+        </a:p>
+      </dgm:t>
+    </dgm:pt>
+    <dgm:pt modelId="{9997303C-1FFF-4B91-BAB7-2DA3BF7A2831}">
+      <dgm:prSet phldrT="[Text]"/>
+      <dgm:spPr/>
+      <dgm:t>
+        <a:bodyPr/>
+        <a:lstStyle/>
+        <a:p>
+          <a:r>
+            <a:rPr lang="de-DE" dirty="0"/>
+            <a:t>Funktionalität</a:t>
+          </a:r>
+        </a:p>
+      </dgm:t>
+    </dgm:pt>
+    <dgm:pt modelId="{EF0D375C-04B7-4798-8AEF-201C8B6E85F3}" type="parTrans" cxnId="{FCC1E85C-8D8F-4801-A8FC-41D62D5A5514}">
+      <dgm:prSet/>
+      <dgm:spPr/>
+      <dgm:t>
+        <a:bodyPr/>
+        <a:lstStyle/>
+        <a:p>
+          <a:endParaRPr lang="de-DE"/>
+        </a:p>
+      </dgm:t>
+    </dgm:pt>
+    <dgm:pt modelId="{19E359EB-905A-4BC4-97E0-B01B85EE99BD}" type="sibTrans" cxnId="{FCC1E85C-8D8F-4801-A8FC-41D62D5A5514}">
+      <dgm:prSet/>
+      <dgm:spPr/>
+      <dgm:t>
+        <a:bodyPr/>
+        <a:lstStyle/>
+        <a:p>
+          <a:endParaRPr lang="de-DE"/>
+        </a:p>
+      </dgm:t>
+    </dgm:pt>
+    <dgm:pt modelId="{345FF024-0154-4AED-8D4F-D740CFF56DB4}">
+      <dgm:prSet phldrT="[Text]"/>
+      <dgm:spPr/>
+      <dgm:t>
+        <a:bodyPr/>
+        <a:lstStyle/>
+        <a:p>
+          <a:r>
+            <a:rPr lang="de-DE" dirty="0"/>
+            <a:t>Benutzbarkeit</a:t>
+          </a:r>
+        </a:p>
+      </dgm:t>
+    </dgm:pt>
+    <dgm:pt modelId="{DED5F523-A82A-4921-BEC4-CB77633F1A18}" type="parTrans" cxnId="{12EB0213-BF67-4F4A-98AE-8BC4CEC58680}">
+      <dgm:prSet/>
+      <dgm:spPr/>
+      <dgm:t>
+        <a:bodyPr/>
+        <a:lstStyle/>
+        <a:p>
+          <a:endParaRPr lang="de-DE"/>
+        </a:p>
+      </dgm:t>
+    </dgm:pt>
+    <dgm:pt modelId="{34246D6E-C3F0-4E13-8467-9BD04A8E94B2}" type="sibTrans" cxnId="{12EB0213-BF67-4F4A-98AE-8BC4CEC58680}">
+      <dgm:prSet/>
+      <dgm:spPr/>
+      <dgm:t>
+        <a:bodyPr/>
+        <a:lstStyle/>
+        <a:p>
+          <a:endParaRPr lang="de-DE"/>
+        </a:p>
+      </dgm:t>
+    </dgm:pt>
+    <dgm:pt modelId="{AE952CBC-AFBB-46D7-9562-B6107CA30E37}">
+      <dgm:prSet phldrT="[Text]"/>
+      <dgm:spPr/>
+      <dgm:t>
+        <a:bodyPr/>
+        <a:lstStyle/>
+        <a:p>
+          <a:r>
+            <a:rPr lang="de-DE" dirty="0"/>
+            <a:t>Lernkurve</a:t>
+          </a:r>
+        </a:p>
+      </dgm:t>
+    </dgm:pt>
+    <dgm:pt modelId="{CFCFF80A-CA68-48D7-9E16-EFC0C7511E83}" type="parTrans" cxnId="{24B569E6-0410-4E6E-B3A9-29B8018766C1}">
+      <dgm:prSet/>
+      <dgm:spPr/>
+      <dgm:t>
+        <a:bodyPr/>
+        <a:lstStyle/>
+        <a:p>
+          <a:endParaRPr lang="de-DE"/>
+        </a:p>
+      </dgm:t>
+    </dgm:pt>
+    <dgm:pt modelId="{5C9DCE54-BFC6-4A9B-9B5E-6A10CBFF0DAF}" type="sibTrans" cxnId="{24B569E6-0410-4E6E-B3A9-29B8018766C1}">
+      <dgm:prSet/>
+      <dgm:spPr/>
+      <dgm:t>
+        <a:bodyPr/>
+        <a:lstStyle/>
+        <a:p>
+          <a:endParaRPr lang="de-DE"/>
+        </a:p>
+      </dgm:t>
+    </dgm:pt>
+    <dgm:pt modelId="{4A47A56A-111E-4E82-BB41-959D8C716F07}">
+      <dgm:prSet phldrT="[Text]"/>
+      <dgm:spPr/>
+      <dgm:t>
+        <a:bodyPr/>
+        <a:lstStyle/>
+        <a:p>
+          <a:r>
+            <a:rPr lang="de-DE" dirty="0"/>
+            <a:t>Fehlertolerant</a:t>
+          </a:r>
+        </a:p>
+      </dgm:t>
+    </dgm:pt>
+    <dgm:pt modelId="{2B8AEA3B-1339-4898-A438-20A76057A93C}" type="parTrans" cxnId="{300E2264-29DE-4C65-AB6C-FC5FDE9551AA}">
+      <dgm:prSet/>
+      <dgm:spPr/>
+      <dgm:t>
+        <a:bodyPr/>
+        <a:lstStyle/>
+        <a:p>
+          <a:endParaRPr lang="de-DE"/>
+        </a:p>
+      </dgm:t>
+    </dgm:pt>
+    <dgm:pt modelId="{E716280C-071B-4151-8DB0-FA8E7410CBDC}" type="sibTrans" cxnId="{300E2264-29DE-4C65-AB6C-FC5FDE9551AA}">
+      <dgm:prSet/>
+      <dgm:spPr/>
+      <dgm:t>
+        <a:bodyPr/>
+        <a:lstStyle/>
+        <a:p>
+          <a:endParaRPr lang="de-DE"/>
+        </a:p>
+      </dgm:t>
+    </dgm:pt>
+    <dgm:pt modelId="{1D17ADD5-EDE9-4D10-B8FE-B9BEDF47454D}">
+      <dgm:prSet phldrT="[Text]"/>
+      <dgm:spPr/>
+      <dgm:t>
+        <a:bodyPr/>
+        <a:lstStyle/>
+        <a:p>
+          <a:r>
+            <a:rPr lang="de-DE" dirty="0"/>
+            <a:t>Robust</a:t>
+          </a:r>
+        </a:p>
+      </dgm:t>
+    </dgm:pt>
+    <dgm:pt modelId="{49E298D7-1760-4CAC-8C82-F847AF980F72}" type="parTrans" cxnId="{98EB3BC1-3459-49EB-B008-68B127B2329B}">
+      <dgm:prSet/>
+      <dgm:spPr/>
+      <dgm:t>
+        <a:bodyPr/>
+        <a:lstStyle/>
+        <a:p>
+          <a:endParaRPr lang="de-DE"/>
+        </a:p>
+      </dgm:t>
+    </dgm:pt>
+    <dgm:pt modelId="{62913C03-8430-4F72-881A-A1298FFEAFD9}" type="sibTrans" cxnId="{98EB3BC1-3459-49EB-B008-68B127B2329B}">
+      <dgm:prSet/>
+      <dgm:spPr/>
+      <dgm:t>
+        <a:bodyPr/>
+        <a:lstStyle/>
+        <a:p>
+          <a:endParaRPr lang="de-DE"/>
+        </a:p>
+      </dgm:t>
+    </dgm:pt>
+    <dgm:pt modelId="{FC4407A3-4517-45E9-A03A-4F0190D76EDC}">
+      <dgm:prSet phldrT="[Text]"/>
+      <dgm:spPr/>
+      <dgm:t>
+        <a:bodyPr/>
+        <a:lstStyle/>
+        <a:p>
+          <a:r>
+            <a:rPr lang="de-DE" dirty="0"/>
+            <a:t>Niedrige Kosten</a:t>
+          </a:r>
+        </a:p>
+      </dgm:t>
+    </dgm:pt>
+    <dgm:pt modelId="{CCF611A2-4C28-4056-95E0-BC1D65ECB54B}" type="parTrans" cxnId="{3E7A1EBC-B8FF-4903-A794-99A63AA373B7}">
+      <dgm:prSet/>
+      <dgm:spPr/>
+      <dgm:t>
+        <a:bodyPr/>
+        <a:lstStyle/>
+        <a:p>
+          <a:endParaRPr lang="de-DE"/>
+        </a:p>
+      </dgm:t>
+    </dgm:pt>
+    <dgm:pt modelId="{C2E3399E-AAEE-4906-8423-00867DEEE52B}" type="sibTrans" cxnId="{3E7A1EBC-B8FF-4903-A794-99A63AA373B7}">
+      <dgm:prSet/>
+      <dgm:spPr/>
+      <dgm:t>
+        <a:bodyPr/>
+        <a:lstStyle/>
+        <a:p>
+          <a:endParaRPr lang="de-DE"/>
+        </a:p>
+      </dgm:t>
+    </dgm:pt>
+    <dgm:pt modelId="{B91FAD6A-8684-422F-8011-C8437909F67A}">
+      <dgm:prSet phldrT="[Text]"/>
+      <dgm:spPr/>
+      <dgm:t>
+        <a:bodyPr/>
+        <a:lstStyle/>
+        <a:p>
+          <a:r>
+            <a:rPr lang="de-DE" dirty="0"/>
+            <a:t>Erhöhte Produktivität</a:t>
+          </a:r>
+        </a:p>
+      </dgm:t>
+    </dgm:pt>
+    <dgm:pt modelId="{A792254C-7132-40A7-AE58-4421DC5EC861}" type="parTrans" cxnId="{D5854DC4-F81A-4FA2-80DB-7C7DBD12B42B}">
+      <dgm:prSet/>
+      <dgm:spPr/>
+      <dgm:t>
+        <a:bodyPr/>
+        <a:lstStyle/>
+        <a:p>
+          <a:endParaRPr lang="de-DE"/>
+        </a:p>
+      </dgm:t>
+    </dgm:pt>
+    <dgm:pt modelId="{2C588BD9-162A-4022-AF7B-2B78D08FB1DD}" type="sibTrans" cxnId="{D5854DC4-F81A-4FA2-80DB-7C7DBD12B42B}">
+      <dgm:prSet/>
+      <dgm:spPr/>
+      <dgm:t>
+        <a:bodyPr/>
+        <a:lstStyle/>
+        <a:p>
+          <a:endParaRPr lang="de-DE"/>
+        </a:p>
+      </dgm:t>
+    </dgm:pt>
+    <dgm:pt modelId="{2CA1279D-C9E1-4254-95B4-AAC304B533A6}">
+      <dgm:prSet phldrT="[Text]"/>
+      <dgm:spPr/>
+      <dgm:t>
+        <a:bodyPr/>
+        <a:lstStyle/>
+        <a:p>
+          <a:r>
+            <a:rPr lang="de-DE" dirty="0"/>
+            <a:t>Rückwärts-Kompatibilität</a:t>
+          </a:r>
+        </a:p>
+      </dgm:t>
+    </dgm:pt>
+    <dgm:pt modelId="{C33A9CFA-7161-4DFD-98CC-F13EDE82F84E}" type="parTrans" cxnId="{EE3B88FC-5ECD-4AD8-8CA9-190CF339DA5D}">
+      <dgm:prSet/>
+      <dgm:spPr/>
+      <dgm:t>
+        <a:bodyPr/>
+        <a:lstStyle/>
+        <a:p>
+          <a:endParaRPr lang="de-DE"/>
+        </a:p>
+      </dgm:t>
+    </dgm:pt>
+    <dgm:pt modelId="{24EB42A6-9060-443B-B971-035EC8ADC523}" type="sibTrans" cxnId="{EE3B88FC-5ECD-4AD8-8CA9-190CF339DA5D}">
+      <dgm:prSet/>
+      <dgm:spPr/>
+      <dgm:t>
+        <a:bodyPr/>
+        <a:lstStyle/>
+        <a:p>
+          <a:endParaRPr lang="de-DE"/>
+        </a:p>
+      </dgm:t>
+    </dgm:pt>
+    <dgm:pt modelId="{68992B54-EE22-4748-A406-5444F4DDFCCB}">
+      <dgm:prSet phldrT="[Text]"/>
+      <dgm:spPr/>
+      <dgm:t>
+        <a:bodyPr/>
+        <a:lstStyle/>
+        <a:p>
+          <a:r>
+            <a:rPr lang="de-DE" dirty="0"/>
+            <a:t>Rasche Entwicklung</a:t>
+          </a:r>
+        </a:p>
+      </dgm:t>
+    </dgm:pt>
+    <dgm:pt modelId="{A496F618-DE23-49F6-840B-6DE3EB5CD77E}" type="parTrans" cxnId="{2848FFBA-90DC-4F48-9B44-D6DC5B6B9336}">
+      <dgm:prSet/>
+      <dgm:spPr/>
+      <dgm:t>
+        <a:bodyPr/>
+        <a:lstStyle/>
+        <a:p>
+          <a:endParaRPr lang="de-DE"/>
+        </a:p>
+      </dgm:t>
+    </dgm:pt>
+    <dgm:pt modelId="{8E00248D-6041-4A16-AC78-3F21D236E2FB}" type="sibTrans" cxnId="{2848FFBA-90DC-4F48-9B44-D6DC5B6B9336}">
+      <dgm:prSet/>
+      <dgm:spPr/>
+      <dgm:t>
+        <a:bodyPr/>
+        <a:lstStyle/>
+        <a:p>
+          <a:endParaRPr lang="de-DE"/>
+        </a:p>
+      </dgm:t>
+    </dgm:pt>
+    <dgm:pt modelId="{FC92CE58-B219-47E7-B200-5C27E4A0F990}">
+      <dgm:prSet phldrT="[Text]"/>
+      <dgm:spPr/>
+      <dgm:t>
+        <a:bodyPr/>
+        <a:lstStyle/>
+        <a:p>
+          <a:r>
+            <a:rPr lang="de-DE" dirty="0"/>
+            <a:t>Flexibilität</a:t>
+          </a:r>
+        </a:p>
+      </dgm:t>
+    </dgm:pt>
+    <dgm:pt modelId="{6B3440AC-FF9F-49AC-9EED-52367445DD2B}" type="parTrans" cxnId="{92FAAEB1-ED8B-4322-85F6-49BE2975C0A7}">
+      <dgm:prSet/>
+      <dgm:spPr/>
+      <dgm:t>
+        <a:bodyPr/>
+        <a:lstStyle/>
+        <a:p>
+          <a:endParaRPr lang="de-DE"/>
+        </a:p>
+      </dgm:t>
+    </dgm:pt>
+    <dgm:pt modelId="{E4DA5AAC-EC3E-4EED-B347-9097D05713F8}" type="sibTrans" cxnId="{92FAAEB1-ED8B-4322-85F6-49BE2975C0A7}">
+      <dgm:prSet/>
+      <dgm:spPr/>
+      <dgm:t>
+        <a:bodyPr/>
+        <a:lstStyle/>
+        <a:p>
+          <a:endParaRPr lang="de-DE"/>
+        </a:p>
+      </dgm:t>
+    </dgm:pt>
+    <dgm:pt modelId="{0D9103D6-0E0B-4A01-A0C2-A3D312E3F222}">
+      <dgm:prSet phldrT="[Text]"/>
+      <dgm:spPr/>
+      <dgm:t>
+        <a:bodyPr/>
+        <a:lstStyle/>
+        <a:p>
+          <a:r>
+            <a:rPr lang="de-DE" dirty="0"/>
+            <a:t>Korrektheit</a:t>
+          </a:r>
+        </a:p>
+      </dgm:t>
+    </dgm:pt>
+    <dgm:pt modelId="{A1D0069F-1988-48C8-9FEA-319C7287A0B3}" type="parTrans" cxnId="{37A01DFE-0964-4EB6-B04C-56427628D6EC}">
+      <dgm:prSet/>
+      <dgm:spPr/>
+      <dgm:t>
+        <a:bodyPr/>
+        <a:lstStyle/>
+        <a:p>
+          <a:endParaRPr lang="de-DE"/>
+        </a:p>
+      </dgm:t>
+    </dgm:pt>
+    <dgm:pt modelId="{1AF917AA-981D-4B16-9E8E-BA24B49D4365}" type="sibTrans" cxnId="{37A01DFE-0964-4EB6-B04C-56427628D6EC}">
+      <dgm:prSet/>
+      <dgm:spPr/>
+      <dgm:t>
+        <a:bodyPr/>
+        <a:lstStyle/>
+        <a:p>
+          <a:endParaRPr lang="de-DE"/>
+        </a:p>
+      </dgm:t>
+    </dgm:pt>
+    <dgm:pt modelId="{15CBFCD6-3559-44E7-834A-375076522B1E}">
+      <dgm:prSet phldrT="[Text]"/>
+      <dgm:spPr/>
+      <dgm:t>
+        <a:bodyPr/>
+        <a:lstStyle/>
+        <a:p>
+          <a:r>
+            <a:rPr lang="de-DE" dirty="0"/>
+            <a:t>Wartbarkeit</a:t>
+          </a:r>
+        </a:p>
+      </dgm:t>
+    </dgm:pt>
+    <dgm:pt modelId="{2BDC8AB9-9099-48BF-8978-2CCF0FE0092B}" type="parTrans" cxnId="{1543BB28-2793-43C8-993A-8A943AF4481F}">
+      <dgm:prSet/>
+      <dgm:spPr/>
+      <dgm:t>
+        <a:bodyPr/>
+        <a:lstStyle/>
+        <a:p>
+          <a:endParaRPr lang="de-DE"/>
+        </a:p>
+      </dgm:t>
+    </dgm:pt>
+    <dgm:pt modelId="{96C5A207-380A-4897-BC7D-08AA38B8E6E0}" type="sibTrans" cxnId="{1543BB28-2793-43C8-993A-8A943AF4481F}">
+      <dgm:prSet/>
+      <dgm:spPr/>
+      <dgm:t>
+        <a:bodyPr/>
+        <a:lstStyle/>
+        <a:p>
+          <a:endParaRPr lang="de-DE"/>
+        </a:p>
+      </dgm:t>
+    </dgm:pt>
+    <dgm:pt modelId="{9E1FD446-4E0A-4888-B45A-C24376B4CA33}">
+      <dgm:prSet phldrT="[Text]"/>
+      <dgm:spPr/>
+      <dgm:t>
+        <a:bodyPr/>
+        <a:lstStyle/>
+        <a:p>
+          <a:r>
+            <a:rPr lang="de-DE" dirty="0"/>
+            <a:t>Wiederverwendbarkeit</a:t>
+          </a:r>
+        </a:p>
+      </dgm:t>
+    </dgm:pt>
+    <dgm:pt modelId="{D3BCD53E-21F0-48B8-BC8A-C4599C850072}" type="parTrans" cxnId="{0BB89B71-3713-4C02-8B24-5D365C3BA271}">
+      <dgm:prSet/>
+      <dgm:spPr/>
+      <dgm:t>
+        <a:bodyPr/>
+        <a:lstStyle/>
+        <a:p>
+          <a:endParaRPr lang="de-DE"/>
+        </a:p>
+      </dgm:t>
+    </dgm:pt>
+    <dgm:pt modelId="{07FB338E-75D2-45C3-8256-12C1B078B611}" type="sibTrans" cxnId="{0BB89B71-3713-4C02-8B24-5D365C3BA271}">
+      <dgm:prSet/>
+      <dgm:spPr/>
+      <dgm:t>
+        <a:bodyPr/>
+        <a:lstStyle/>
+        <a:p>
+          <a:endParaRPr lang="de-DE"/>
+        </a:p>
+      </dgm:t>
+    </dgm:pt>
+    <dgm:pt modelId="{CD3BB932-1D7F-411F-8971-F6ADE642AEF2}">
+      <dgm:prSet phldrT="[Text]"/>
+      <dgm:spPr/>
+      <dgm:t>
+        <a:bodyPr/>
+        <a:lstStyle/>
+        <a:p>
+          <a:r>
+            <a:rPr lang="de-DE" dirty="0"/>
+            <a:t>Adaptierbarkeit</a:t>
+          </a:r>
+        </a:p>
+      </dgm:t>
+    </dgm:pt>
+    <dgm:pt modelId="{A2EFBDA0-4BB4-4A00-B9FC-4E9D544F850F}" type="parTrans" cxnId="{4A3E203D-EF88-463B-BFF5-F18F17A13201}">
+      <dgm:prSet/>
+      <dgm:spPr/>
+      <dgm:t>
+        <a:bodyPr/>
+        <a:lstStyle/>
+        <a:p>
+          <a:endParaRPr lang="de-DE"/>
+        </a:p>
+      </dgm:t>
+    </dgm:pt>
+    <dgm:pt modelId="{A423818E-CA79-49E2-9AB4-DDC02DE50575}" type="sibTrans" cxnId="{4A3E203D-EF88-463B-BFF5-F18F17A13201}">
+      <dgm:prSet/>
+      <dgm:spPr/>
+      <dgm:t>
+        <a:bodyPr/>
+        <a:lstStyle/>
+        <a:p>
+          <a:endParaRPr lang="de-DE"/>
+        </a:p>
+      </dgm:t>
+    </dgm:pt>
+    <dgm:pt modelId="{2FEA0FE4-34BA-4CAD-A918-D2CC4C70FC09}">
+      <dgm:prSet phldrT="[Text]"/>
+      <dgm:spPr/>
+      <dgm:t>
+        <a:bodyPr/>
+        <a:lstStyle/>
+        <a:p>
+          <a:r>
+            <a:rPr lang="de-DE" dirty="0"/>
+            <a:t>Saubere Schnittstelle</a:t>
+          </a:r>
+        </a:p>
+      </dgm:t>
+    </dgm:pt>
+    <dgm:pt modelId="{34ED3A9A-8E79-4098-8385-4C66C655F964}" type="parTrans" cxnId="{CD6BC852-AEF1-4685-B23B-68EF73B1EF2C}">
+      <dgm:prSet/>
+      <dgm:spPr/>
+      <dgm:t>
+        <a:bodyPr/>
+        <a:lstStyle/>
+        <a:p>
+          <a:endParaRPr lang="de-DE"/>
+        </a:p>
+      </dgm:t>
+    </dgm:pt>
+    <dgm:pt modelId="{843ABC16-560E-4351-8957-CD859503BAA4}" type="sibTrans" cxnId="{CD6BC852-AEF1-4685-B23B-68EF73B1EF2C}">
+      <dgm:prSet/>
+      <dgm:spPr/>
+      <dgm:t>
+        <a:bodyPr/>
+        <a:lstStyle/>
+        <a:p>
+          <a:endParaRPr lang="de-DE"/>
+        </a:p>
+      </dgm:t>
+    </dgm:pt>
+    <dgm:pt modelId="{11300E79-F0C0-45BF-A27C-36DBA708EADA}" type="pres">
+      <dgm:prSet presAssocID="{0266A603-8232-4D71-B200-E5FE68D18F3F}" presName="compositeShape" presStyleCnt="0">
+        <dgm:presLayoutVars>
+          <dgm:chMax val="7"/>
+          <dgm:dir/>
+          <dgm:resizeHandles val="exact"/>
+        </dgm:presLayoutVars>
+      </dgm:prSet>
+      <dgm:spPr/>
+    </dgm:pt>
+    <dgm:pt modelId="{59C231A3-4399-47E1-89DF-1C7125294808}" type="pres">
+      <dgm:prSet presAssocID="{8FFAAD93-093A-4643-8666-6592133D5148}" presName="circ1" presStyleLbl="vennNode1" presStyleIdx="0" presStyleCnt="3"/>
+      <dgm:spPr/>
+    </dgm:pt>
+    <dgm:pt modelId="{05A04829-3ADD-4A0E-AF44-AFC6C6576FCC}" type="pres">
+      <dgm:prSet presAssocID="{8FFAAD93-093A-4643-8666-6592133D5148}" presName="circ1Tx" presStyleLbl="revTx" presStyleIdx="0" presStyleCnt="0">
+        <dgm:presLayoutVars>
+          <dgm:chMax val="0"/>
+          <dgm:chPref val="0"/>
+          <dgm:bulletEnabled val="1"/>
+        </dgm:presLayoutVars>
+      </dgm:prSet>
+      <dgm:spPr/>
+    </dgm:pt>
+    <dgm:pt modelId="{A0DFDC1B-77C7-48EB-A021-78AA69786ADD}" type="pres">
+      <dgm:prSet presAssocID="{E8D6131E-3A0B-413C-A175-032074A7C8CD}" presName="circ2" presStyleLbl="vennNode1" presStyleIdx="1" presStyleCnt="3"/>
+      <dgm:spPr/>
+    </dgm:pt>
+    <dgm:pt modelId="{9FF6521E-F963-4CC7-985F-8DE096D1D719}" type="pres">
+      <dgm:prSet presAssocID="{E8D6131E-3A0B-413C-A175-032074A7C8CD}" presName="circ2Tx" presStyleLbl="revTx" presStyleIdx="0" presStyleCnt="0">
+        <dgm:presLayoutVars>
+          <dgm:chMax val="0"/>
+          <dgm:chPref val="0"/>
+          <dgm:bulletEnabled val="1"/>
+        </dgm:presLayoutVars>
+      </dgm:prSet>
+      <dgm:spPr/>
+    </dgm:pt>
+    <dgm:pt modelId="{0B0A4924-9448-4041-80D8-5133D77B1EF8}" type="pres">
+      <dgm:prSet presAssocID="{C43C6B0E-82E8-459E-90D3-8FA28CDB9FEB}" presName="circ3" presStyleLbl="vennNode1" presStyleIdx="2" presStyleCnt="3" custLinFactNeighborX="-368" custLinFactNeighborY="-1797"/>
+      <dgm:spPr/>
+    </dgm:pt>
+    <dgm:pt modelId="{23A5DA59-5A2F-44EA-A611-B33241847054}" type="pres">
+      <dgm:prSet presAssocID="{C43C6B0E-82E8-459E-90D3-8FA28CDB9FEB}" presName="circ3Tx" presStyleLbl="revTx" presStyleIdx="0" presStyleCnt="0">
+        <dgm:presLayoutVars>
+          <dgm:chMax val="0"/>
+          <dgm:chPref val="0"/>
+          <dgm:bulletEnabled val="1"/>
+        </dgm:presLayoutVars>
+      </dgm:prSet>
+      <dgm:spPr/>
+    </dgm:pt>
+  </dgm:ptLst>
+  <dgm:cxnLst>
+    <dgm:cxn modelId="{36391700-0362-45E5-86EA-8CA66C74C9B6}" type="presOf" srcId="{8FFAAD93-093A-4643-8666-6592133D5148}" destId="{59C231A3-4399-47E1-89DF-1C7125294808}" srcOrd="0" destOrd="0" presId="urn:microsoft.com/office/officeart/2005/8/layout/venn1"/>
+    <dgm:cxn modelId="{7A2FDA00-A953-4B39-9EFF-4175B7C7C32C}" type="presOf" srcId="{FC4407A3-4517-45E9-A03A-4F0190D76EDC}" destId="{59C231A3-4399-47E1-89DF-1C7125294808}" srcOrd="0" destOrd="1" presId="urn:microsoft.com/office/officeart/2005/8/layout/venn1"/>
+    <dgm:cxn modelId="{C3FB9803-EF08-4F06-8E1E-DEA27C82DF1D}" type="presOf" srcId="{AE952CBC-AFBB-46D7-9562-B6107CA30E37}" destId="{A0DFDC1B-77C7-48EB-A021-78AA69786ADD}" srcOrd="0" destOrd="3" presId="urn:microsoft.com/office/officeart/2005/8/layout/venn1"/>
+    <dgm:cxn modelId="{DA1A8607-4CBA-41DE-9E7B-D89BDDFA81A3}" type="presOf" srcId="{15CBFCD6-3559-44E7-834A-375076522B1E}" destId="{0B0A4924-9448-4041-80D8-5133D77B1EF8}" srcOrd="0" destOrd="2" presId="urn:microsoft.com/office/officeart/2005/8/layout/venn1"/>
+    <dgm:cxn modelId="{378A8F0D-0AC3-4D7A-8286-7AE1F1CB9A4D}" type="presOf" srcId="{AE952CBC-AFBB-46D7-9562-B6107CA30E37}" destId="{9FF6521E-F963-4CC7-985F-8DE096D1D719}" srcOrd="1" destOrd="3" presId="urn:microsoft.com/office/officeart/2005/8/layout/venn1"/>
+    <dgm:cxn modelId="{12EB0213-BF67-4F4A-98AE-8BC4CEC58680}" srcId="{E8D6131E-3A0B-413C-A175-032074A7C8CD}" destId="{345FF024-0154-4AED-8D4F-D740CFF56DB4}" srcOrd="1" destOrd="0" parTransId="{DED5F523-A82A-4921-BEC4-CB77633F1A18}" sibTransId="{34246D6E-C3F0-4E13-8467-9BD04A8E94B2}"/>
+    <dgm:cxn modelId="{E09F531A-CD92-441D-96EB-680FED7EC68E}" type="presOf" srcId="{B91FAD6A-8684-422F-8011-C8437909F67A}" destId="{59C231A3-4399-47E1-89DF-1C7125294808}" srcOrd="0" destOrd="2" presId="urn:microsoft.com/office/officeart/2005/8/layout/venn1"/>
+    <dgm:cxn modelId="{266EFA1E-A305-4EE5-A882-4848E508A991}" type="presOf" srcId="{2FEA0FE4-34BA-4CAD-A918-D2CC4C70FC09}" destId="{23A5DA59-5A2F-44EA-A611-B33241847054}" srcOrd="1" destOrd="5" presId="urn:microsoft.com/office/officeart/2005/8/layout/venn1"/>
+    <dgm:cxn modelId="{1543BB28-2793-43C8-993A-8A943AF4481F}" srcId="{C43C6B0E-82E8-459E-90D3-8FA28CDB9FEB}" destId="{15CBFCD6-3559-44E7-834A-375076522B1E}" srcOrd="1" destOrd="0" parTransId="{2BDC8AB9-9099-48BF-8978-2CCF0FE0092B}" sibTransId="{96C5A207-380A-4897-BC7D-08AA38B8E6E0}"/>
+    <dgm:cxn modelId="{2AE0BB2C-D3BA-4191-8DA9-349466BA091C}" srcId="{0266A603-8232-4D71-B200-E5FE68D18F3F}" destId="{8FFAAD93-093A-4643-8666-6592133D5148}" srcOrd="0" destOrd="0" parTransId="{0EF3D4AB-DF62-4B12-9E7C-B625D3E22117}" sibTransId="{DD346E06-9D81-468D-B484-5A437B8B67C8}"/>
+    <dgm:cxn modelId="{4C641434-2AFA-445A-A904-B27E1D3B8AFD}" srcId="{0266A603-8232-4D71-B200-E5FE68D18F3F}" destId="{C43C6B0E-82E8-459E-90D3-8FA28CDB9FEB}" srcOrd="2" destOrd="0" parTransId="{3A02CFBF-18DC-449F-9D07-D592D03DB4B9}" sibTransId="{BA408F00-8943-4CF4-A1AE-2FE0384E996C}"/>
+    <dgm:cxn modelId="{DDD97535-BB86-4EE5-A9DF-CFE0EB2F8521}" type="presOf" srcId="{FC92CE58-B219-47E7-B200-5C27E4A0F990}" destId="{05A04829-3ADD-4A0E-AF44-AFC6C6576FCC}" srcOrd="1" destOrd="5" presId="urn:microsoft.com/office/officeart/2005/8/layout/venn1"/>
+    <dgm:cxn modelId="{579AB135-88FB-4CCA-BA8D-32F30557EE0D}" type="presOf" srcId="{2CA1279D-C9E1-4254-95B4-AAC304B533A6}" destId="{59C231A3-4399-47E1-89DF-1C7125294808}" srcOrd="0" destOrd="3" presId="urn:microsoft.com/office/officeart/2005/8/layout/venn1"/>
+    <dgm:cxn modelId="{4A3E203D-EF88-463B-BFF5-F18F17A13201}" srcId="{C43C6B0E-82E8-459E-90D3-8FA28CDB9FEB}" destId="{CD3BB932-1D7F-411F-8971-F6ADE642AEF2}" srcOrd="3" destOrd="0" parTransId="{A2EFBDA0-4BB4-4A00-B9FC-4E9D544F850F}" sibTransId="{A423818E-CA79-49E2-9AB4-DDC02DE50575}"/>
+    <dgm:cxn modelId="{FCC1E85C-8D8F-4801-A8FC-41D62D5A5514}" srcId="{E8D6131E-3A0B-413C-A175-032074A7C8CD}" destId="{9997303C-1FFF-4B91-BAB7-2DA3BF7A2831}" srcOrd="0" destOrd="0" parTransId="{EF0D375C-04B7-4798-8AEF-201C8B6E85F3}" sibTransId="{19E359EB-905A-4BC4-97E0-B01B85EE99BD}"/>
+    <dgm:cxn modelId="{11CFA841-1C7B-459D-A9DD-20E73F9B1700}" type="presOf" srcId="{E8D6131E-3A0B-413C-A175-032074A7C8CD}" destId="{A0DFDC1B-77C7-48EB-A021-78AA69786ADD}" srcOrd="0" destOrd="0" presId="urn:microsoft.com/office/officeart/2005/8/layout/venn1"/>
+    <dgm:cxn modelId="{300E2264-29DE-4C65-AB6C-FC5FDE9551AA}" srcId="{E8D6131E-3A0B-413C-A175-032074A7C8CD}" destId="{4A47A56A-111E-4E82-BB41-959D8C716F07}" srcOrd="3" destOrd="0" parTransId="{2B8AEA3B-1339-4898-A438-20A76057A93C}" sibTransId="{E716280C-071B-4151-8DB0-FA8E7410CBDC}"/>
+    <dgm:cxn modelId="{735EE164-1F70-40B0-9FCB-70FB09CB7C2D}" type="presOf" srcId="{15CBFCD6-3559-44E7-834A-375076522B1E}" destId="{23A5DA59-5A2F-44EA-A611-B33241847054}" srcOrd="1" destOrd="2" presId="urn:microsoft.com/office/officeart/2005/8/layout/venn1"/>
+    <dgm:cxn modelId="{97851D67-2952-4049-AD5B-21A115667EEA}" type="presOf" srcId="{9E1FD446-4E0A-4888-B45A-C24376B4CA33}" destId="{0B0A4924-9448-4041-80D8-5133D77B1EF8}" srcOrd="0" destOrd="3" presId="urn:microsoft.com/office/officeart/2005/8/layout/venn1"/>
+    <dgm:cxn modelId="{80506249-D989-4ED3-BB63-0DA863A8703E}" type="presOf" srcId="{1D17ADD5-EDE9-4D10-B8FE-B9BEDF47454D}" destId="{A0DFDC1B-77C7-48EB-A021-78AA69786ADD}" srcOrd="0" destOrd="5" presId="urn:microsoft.com/office/officeart/2005/8/layout/venn1"/>
+    <dgm:cxn modelId="{0BB89B71-3713-4C02-8B24-5D365C3BA271}" srcId="{C43C6B0E-82E8-459E-90D3-8FA28CDB9FEB}" destId="{9E1FD446-4E0A-4888-B45A-C24376B4CA33}" srcOrd="2" destOrd="0" parTransId="{D3BCD53E-21F0-48B8-BC8A-C4599C850072}" sibTransId="{07FB338E-75D2-45C3-8256-12C1B078B611}"/>
+    <dgm:cxn modelId="{CD6BC852-AEF1-4685-B23B-68EF73B1EF2C}" srcId="{C43C6B0E-82E8-459E-90D3-8FA28CDB9FEB}" destId="{2FEA0FE4-34BA-4CAD-A918-D2CC4C70FC09}" srcOrd="4" destOrd="0" parTransId="{34ED3A9A-8E79-4098-8385-4C66C655F964}" sibTransId="{843ABC16-560E-4351-8957-CD859503BAA4}"/>
+    <dgm:cxn modelId="{BF2C2474-CB8C-423F-8679-13C4E153F4D6}" type="presOf" srcId="{4A47A56A-111E-4E82-BB41-959D8C716F07}" destId="{A0DFDC1B-77C7-48EB-A021-78AA69786ADD}" srcOrd="0" destOrd="4" presId="urn:microsoft.com/office/officeart/2005/8/layout/venn1"/>
+    <dgm:cxn modelId="{9565E676-F665-4438-933C-AD9D6A714537}" srcId="{0266A603-8232-4D71-B200-E5FE68D18F3F}" destId="{E8D6131E-3A0B-413C-A175-032074A7C8CD}" srcOrd="1" destOrd="0" parTransId="{2DFF84A4-06B4-4DE0-9EA7-677B263B0A4E}" sibTransId="{0206CF11-AF04-44BF-8AAA-B0D459371092}"/>
+    <dgm:cxn modelId="{C687215A-9BA5-46D3-8880-2F277B629C47}" type="presOf" srcId="{B91FAD6A-8684-422F-8011-C8437909F67A}" destId="{05A04829-3ADD-4A0E-AF44-AFC6C6576FCC}" srcOrd="1" destOrd="2" presId="urn:microsoft.com/office/officeart/2005/8/layout/venn1"/>
+    <dgm:cxn modelId="{15272A7C-2627-495B-AABC-9C936DD8F01C}" type="presOf" srcId="{0D9103D6-0E0B-4A01-A0C2-A3D312E3F222}" destId="{0B0A4924-9448-4041-80D8-5133D77B1EF8}" srcOrd="0" destOrd="1" presId="urn:microsoft.com/office/officeart/2005/8/layout/venn1"/>
+    <dgm:cxn modelId="{1957E67E-0C8E-493C-83AE-20E4C7127FB6}" type="presOf" srcId="{FC92CE58-B219-47E7-B200-5C27E4A0F990}" destId="{59C231A3-4399-47E1-89DF-1C7125294808}" srcOrd="0" destOrd="5" presId="urn:microsoft.com/office/officeart/2005/8/layout/venn1"/>
+    <dgm:cxn modelId="{C1E0688A-C9FB-4CCF-9970-AAA0AB97FED8}" type="presOf" srcId="{9E1FD446-4E0A-4888-B45A-C24376B4CA33}" destId="{23A5DA59-5A2F-44EA-A611-B33241847054}" srcOrd="1" destOrd="3" presId="urn:microsoft.com/office/officeart/2005/8/layout/venn1"/>
+    <dgm:cxn modelId="{6BD60790-1B6B-4099-8027-E518E7AACB14}" type="presOf" srcId="{0266A603-8232-4D71-B200-E5FE68D18F3F}" destId="{11300E79-F0C0-45BF-A27C-36DBA708EADA}" srcOrd="0" destOrd="0" presId="urn:microsoft.com/office/officeart/2005/8/layout/venn1"/>
+    <dgm:cxn modelId="{9D7A6090-F586-49A2-A90C-12ED958EC70E}" type="presOf" srcId="{1D17ADD5-EDE9-4D10-B8FE-B9BEDF47454D}" destId="{9FF6521E-F963-4CC7-985F-8DE096D1D719}" srcOrd="1" destOrd="5" presId="urn:microsoft.com/office/officeart/2005/8/layout/venn1"/>
+    <dgm:cxn modelId="{033B3695-04DD-4CD9-9766-B5B9B21B8F5F}" type="presOf" srcId="{345FF024-0154-4AED-8D4F-D740CFF56DB4}" destId="{A0DFDC1B-77C7-48EB-A021-78AA69786ADD}" srcOrd="0" destOrd="2" presId="urn:microsoft.com/office/officeart/2005/8/layout/venn1"/>
+    <dgm:cxn modelId="{6EF51F9D-9EDD-45E2-81C9-3886726A9979}" type="presOf" srcId="{4A47A56A-111E-4E82-BB41-959D8C716F07}" destId="{9FF6521E-F963-4CC7-985F-8DE096D1D719}" srcOrd="1" destOrd="4" presId="urn:microsoft.com/office/officeart/2005/8/layout/venn1"/>
+    <dgm:cxn modelId="{939FBD9F-3DCE-4621-9E2D-7239689574A6}" type="presOf" srcId="{CD3BB932-1D7F-411F-8971-F6ADE642AEF2}" destId="{23A5DA59-5A2F-44EA-A611-B33241847054}" srcOrd="1" destOrd="4" presId="urn:microsoft.com/office/officeart/2005/8/layout/venn1"/>
+    <dgm:cxn modelId="{A78C7EA7-1230-40E6-BDA7-3A1024414BC4}" type="presOf" srcId="{0D9103D6-0E0B-4A01-A0C2-A3D312E3F222}" destId="{23A5DA59-5A2F-44EA-A611-B33241847054}" srcOrd="1" destOrd="1" presId="urn:microsoft.com/office/officeart/2005/8/layout/venn1"/>
+    <dgm:cxn modelId="{0293A3AF-4ACB-4C8F-BB88-94B74219B65D}" type="presOf" srcId="{C43C6B0E-82E8-459E-90D3-8FA28CDB9FEB}" destId="{23A5DA59-5A2F-44EA-A611-B33241847054}" srcOrd="1" destOrd="0" presId="urn:microsoft.com/office/officeart/2005/8/layout/venn1"/>
+    <dgm:cxn modelId="{92FAAEB1-ED8B-4322-85F6-49BE2975C0A7}" srcId="{8FFAAD93-093A-4643-8666-6592133D5148}" destId="{FC92CE58-B219-47E7-B200-5C27E4A0F990}" srcOrd="4" destOrd="0" parTransId="{6B3440AC-FF9F-49AC-9EED-52367445DD2B}" sibTransId="{E4DA5AAC-EC3E-4EED-B347-9097D05713F8}"/>
+    <dgm:cxn modelId="{E0D1A9B3-DB83-45E4-908B-8F02C3F1AC9D}" type="presOf" srcId="{9997303C-1FFF-4B91-BAB7-2DA3BF7A2831}" destId="{A0DFDC1B-77C7-48EB-A021-78AA69786ADD}" srcOrd="0" destOrd="1" presId="urn:microsoft.com/office/officeart/2005/8/layout/venn1"/>
+    <dgm:cxn modelId="{0797F2B3-6251-47F4-BFB8-9C22FB837E90}" type="presOf" srcId="{8FFAAD93-093A-4643-8666-6592133D5148}" destId="{05A04829-3ADD-4A0E-AF44-AFC6C6576FCC}" srcOrd="1" destOrd="0" presId="urn:microsoft.com/office/officeart/2005/8/layout/venn1"/>
+    <dgm:cxn modelId="{70F6C2B7-91C8-4E55-A360-171B2B5B137B}" type="presOf" srcId="{2FEA0FE4-34BA-4CAD-A918-D2CC4C70FC09}" destId="{0B0A4924-9448-4041-80D8-5133D77B1EF8}" srcOrd="0" destOrd="5" presId="urn:microsoft.com/office/officeart/2005/8/layout/venn1"/>
+    <dgm:cxn modelId="{2848FFBA-90DC-4F48-9B44-D6DC5B6B9336}" srcId="{8FFAAD93-093A-4643-8666-6592133D5148}" destId="{68992B54-EE22-4748-A406-5444F4DDFCCB}" srcOrd="3" destOrd="0" parTransId="{A496F618-DE23-49F6-840B-6DE3EB5CD77E}" sibTransId="{8E00248D-6041-4A16-AC78-3F21D236E2FB}"/>
+    <dgm:cxn modelId="{3E7A1EBC-B8FF-4903-A794-99A63AA373B7}" srcId="{8FFAAD93-093A-4643-8666-6592133D5148}" destId="{FC4407A3-4517-45E9-A03A-4F0190D76EDC}" srcOrd="0" destOrd="0" parTransId="{CCF611A2-4C28-4056-95E0-BC1D65ECB54B}" sibTransId="{C2E3399E-AAEE-4906-8423-00867DEEE52B}"/>
+    <dgm:cxn modelId="{3590A3BD-A98F-47F8-AC91-1B3EAC8CE1A1}" type="presOf" srcId="{C43C6B0E-82E8-459E-90D3-8FA28CDB9FEB}" destId="{0B0A4924-9448-4041-80D8-5133D77B1EF8}" srcOrd="0" destOrd="0" presId="urn:microsoft.com/office/officeart/2005/8/layout/venn1"/>
+    <dgm:cxn modelId="{98EB3BC1-3459-49EB-B008-68B127B2329B}" srcId="{E8D6131E-3A0B-413C-A175-032074A7C8CD}" destId="{1D17ADD5-EDE9-4D10-B8FE-B9BEDF47454D}" srcOrd="4" destOrd="0" parTransId="{49E298D7-1760-4CAC-8C82-F847AF980F72}" sibTransId="{62913C03-8430-4F72-881A-A1298FFEAFD9}"/>
+    <dgm:cxn modelId="{451FA8C3-F2C2-4934-9710-54746AB631D6}" type="presOf" srcId="{9997303C-1FFF-4B91-BAB7-2DA3BF7A2831}" destId="{9FF6521E-F963-4CC7-985F-8DE096D1D719}" srcOrd="1" destOrd="1" presId="urn:microsoft.com/office/officeart/2005/8/layout/venn1"/>
+    <dgm:cxn modelId="{09BF0CC4-F5A7-42ED-A5D3-BB6B3A7218EB}" type="presOf" srcId="{2CA1279D-C9E1-4254-95B4-AAC304B533A6}" destId="{05A04829-3ADD-4A0E-AF44-AFC6C6576FCC}" srcOrd="1" destOrd="3" presId="urn:microsoft.com/office/officeart/2005/8/layout/venn1"/>
+    <dgm:cxn modelId="{D5854DC4-F81A-4FA2-80DB-7C7DBD12B42B}" srcId="{8FFAAD93-093A-4643-8666-6592133D5148}" destId="{B91FAD6A-8684-422F-8011-C8437909F67A}" srcOrd="1" destOrd="0" parTransId="{A792254C-7132-40A7-AE58-4421DC5EC861}" sibTransId="{2C588BD9-162A-4022-AF7B-2B78D08FB1DD}"/>
+    <dgm:cxn modelId="{257BAFCB-0E0B-4A74-8E02-4D534F4BD4B8}" type="presOf" srcId="{345FF024-0154-4AED-8D4F-D740CFF56DB4}" destId="{9FF6521E-F963-4CC7-985F-8DE096D1D719}" srcOrd="1" destOrd="2" presId="urn:microsoft.com/office/officeart/2005/8/layout/venn1"/>
+    <dgm:cxn modelId="{A79E1CD5-A539-40D4-85A5-EC2DD800039B}" type="presOf" srcId="{CD3BB932-1D7F-411F-8971-F6ADE642AEF2}" destId="{0B0A4924-9448-4041-80D8-5133D77B1EF8}" srcOrd="0" destOrd="4" presId="urn:microsoft.com/office/officeart/2005/8/layout/venn1"/>
+    <dgm:cxn modelId="{24B569E6-0410-4E6E-B3A9-29B8018766C1}" srcId="{E8D6131E-3A0B-413C-A175-032074A7C8CD}" destId="{AE952CBC-AFBB-46D7-9562-B6107CA30E37}" srcOrd="2" destOrd="0" parTransId="{CFCFF80A-CA68-48D7-9E16-EFC0C7511E83}" sibTransId="{5C9DCE54-BFC6-4A9B-9B5E-6A10CBFF0DAF}"/>
+    <dgm:cxn modelId="{FD02E0E9-09A3-473A-808B-F01E4D57FE2A}" type="presOf" srcId="{FC4407A3-4517-45E9-A03A-4F0190D76EDC}" destId="{05A04829-3ADD-4A0E-AF44-AFC6C6576FCC}" srcOrd="1" destOrd="1" presId="urn:microsoft.com/office/officeart/2005/8/layout/venn1"/>
+    <dgm:cxn modelId="{016688EA-F4C6-426D-B6A7-2BED57046B26}" type="presOf" srcId="{68992B54-EE22-4748-A406-5444F4DDFCCB}" destId="{05A04829-3ADD-4A0E-AF44-AFC6C6576FCC}" srcOrd="1" destOrd="4" presId="urn:microsoft.com/office/officeart/2005/8/layout/venn1"/>
+    <dgm:cxn modelId="{AB854BEB-DA56-4C77-A7A8-11C935F1A966}" type="presOf" srcId="{E8D6131E-3A0B-413C-A175-032074A7C8CD}" destId="{9FF6521E-F963-4CC7-985F-8DE096D1D719}" srcOrd="1" destOrd="0" presId="urn:microsoft.com/office/officeart/2005/8/layout/venn1"/>
+    <dgm:cxn modelId="{E776B5F9-0396-4747-8A77-F236C3D5FEC4}" type="presOf" srcId="{68992B54-EE22-4748-A406-5444F4DDFCCB}" destId="{59C231A3-4399-47E1-89DF-1C7125294808}" srcOrd="0" destOrd="4" presId="urn:microsoft.com/office/officeart/2005/8/layout/venn1"/>
+    <dgm:cxn modelId="{EE3B88FC-5ECD-4AD8-8CA9-190CF339DA5D}" srcId="{8FFAAD93-093A-4643-8666-6592133D5148}" destId="{2CA1279D-C9E1-4254-95B4-AAC304B533A6}" srcOrd="2" destOrd="0" parTransId="{C33A9CFA-7161-4DFD-98CC-F13EDE82F84E}" sibTransId="{24EB42A6-9060-443B-B971-035EC8ADC523}"/>
+    <dgm:cxn modelId="{37A01DFE-0964-4EB6-B04C-56427628D6EC}" srcId="{C43C6B0E-82E8-459E-90D3-8FA28CDB9FEB}" destId="{0D9103D6-0E0B-4A01-A0C2-A3D312E3F222}" srcOrd="0" destOrd="0" parTransId="{A1D0069F-1988-48C8-9FEA-319C7287A0B3}" sibTransId="{1AF917AA-981D-4B16-9E8E-BA24B49D4365}"/>
+    <dgm:cxn modelId="{DE88024E-9823-4C1C-8B29-0408B6F5C440}" type="presParOf" srcId="{11300E79-F0C0-45BF-A27C-36DBA708EADA}" destId="{59C231A3-4399-47E1-89DF-1C7125294808}" srcOrd="0" destOrd="0" presId="urn:microsoft.com/office/officeart/2005/8/layout/venn1"/>
+    <dgm:cxn modelId="{756A008E-9D8A-4103-96F8-FB3AA9C2B117}" type="presParOf" srcId="{11300E79-F0C0-45BF-A27C-36DBA708EADA}" destId="{05A04829-3ADD-4A0E-AF44-AFC6C6576FCC}" srcOrd="1" destOrd="0" presId="urn:microsoft.com/office/officeart/2005/8/layout/venn1"/>
+    <dgm:cxn modelId="{191021C9-35B7-4CAD-AFF8-559E2AF7472C}" type="presParOf" srcId="{11300E79-F0C0-45BF-A27C-36DBA708EADA}" destId="{A0DFDC1B-77C7-48EB-A021-78AA69786ADD}" srcOrd="2" destOrd="0" presId="urn:microsoft.com/office/officeart/2005/8/layout/venn1"/>
+    <dgm:cxn modelId="{4F92B523-BE87-4248-A050-57D6309F7C7F}" type="presParOf" srcId="{11300E79-F0C0-45BF-A27C-36DBA708EADA}" destId="{9FF6521E-F963-4CC7-985F-8DE096D1D719}" srcOrd="3" destOrd="0" presId="urn:microsoft.com/office/officeart/2005/8/layout/venn1"/>
+    <dgm:cxn modelId="{561933FB-FA7F-4488-B97F-7311770AEEE0}" type="presParOf" srcId="{11300E79-F0C0-45BF-A27C-36DBA708EADA}" destId="{0B0A4924-9448-4041-80D8-5133D77B1EF8}" srcOrd="4" destOrd="0" presId="urn:microsoft.com/office/officeart/2005/8/layout/venn1"/>
+    <dgm:cxn modelId="{4077714B-EDCA-4D6F-80D2-ABCC41F93DCA}" type="presParOf" srcId="{11300E79-F0C0-45BF-A27C-36DBA708EADA}" destId="{23A5DA59-5A2F-44EA-A611-B33241847054}" srcOrd="5" destOrd="0" presId="urn:microsoft.com/office/officeart/2005/8/layout/venn1"/>
   </dgm:cxnLst>
   <dgm:bg/>
   <dgm:whole/>
@@ -4740,7 +6241,7 @@
         </a:bodyPr>
         <a:lstStyle/>
         <a:p>
-          <a:pPr lvl="0" algn="ctr" defTabSz="1289050" rtl="0">
+          <a:pPr marL="0" lvl="0" indent="0" algn="ctr" defTabSz="1289050" rtl="0">
             <a:lnSpc>
               <a:spcPct val="90000"/>
             </a:lnSpc>
@@ -4750,13 +6251,14 @@
             <a:spcAft>
               <a:spcPct val="35000"/>
             </a:spcAft>
+            <a:buNone/>
           </a:pPr>
           <a:r>
-            <a:rPr lang="de-DE" sz="2900" kern="1200" dirty="0" err="1" smtClean="0"/>
+            <a:rPr lang="de-DE" sz="2900" kern="1200" dirty="0" err="1"/>
             <a:t>Protokollneutraller</a:t>
           </a:r>
           <a:r>
-            <a:rPr lang="de-DE" sz="2900" kern="1200" dirty="0" smtClean="0"/>
+            <a:rPr lang="de-DE" sz="2900" kern="1200" dirty="0"/>
             <a:t> Einsatz</a:t>
           </a:r>
           <a:endParaRPr lang="en-US" sz="2900" kern="1200" dirty="0"/>
@@ -4822,7 +6324,7 @@
         </a:bodyPr>
         <a:lstStyle/>
         <a:p>
-          <a:pPr lvl="0" algn="ctr" defTabSz="1289050" rtl="0">
+          <a:pPr marL="0" lvl="0" indent="0" algn="ctr" defTabSz="1289050" rtl="0">
             <a:lnSpc>
               <a:spcPct val="90000"/>
             </a:lnSpc>
@@ -4832,9 +6334,10 @@
             <a:spcAft>
               <a:spcPct val="35000"/>
             </a:spcAft>
+            <a:buNone/>
           </a:pPr>
           <a:r>
-            <a:rPr lang="de-DE" sz="2900" kern="1200" dirty="0" err="1" smtClean="0"/>
+            <a:rPr lang="de-DE" sz="2900" kern="1200" dirty="0" err="1"/>
             <a:t>Pluggable</a:t>
           </a:r>
           <a:endParaRPr lang="en-US" sz="2900" kern="1200" dirty="0"/>
@@ -4900,7 +6403,7 @@
         </a:bodyPr>
         <a:lstStyle/>
         <a:p>
-          <a:pPr lvl="0" algn="ctr" defTabSz="1289050" rtl="0">
+          <a:pPr marL="0" lvl="0" indent="0" algn="ctr" defTabSz="1289050" rtl="0">
             <a:lnSpc>
               <a:spcPct val="90000"/>
             </a:lnSpc>
@@ -4910,9 +6413,10 @@
             <a:spcAft>
               <a:spcPct val="35000"/>
             </a:spcAft>
+            <a:buNone/>
           </a:pPr>
           <a:r>
-            <a:rPr lang="de-DE" sz="2900" kern="1200" smtClean="0"/>
+            <a:rPr lang="de-DE" sz="2900" kern="1200"/>
             <a:t>Übersichlichkeit</a:t>
           </a:r>
           <a:endParaRPr lang="en-US" sz="2900" kern="1200"/>
@@ -4978,7 +6482,7 @@
         </a:bodyPr>
         <a:lstStyle/>
         <a:p>
-          <a:pPr lvl="0" algn="ctr" defTabSz="1289050" rtl="0">
+          <a:pPr marL="0" lvl="0" indent="0" algn="ctr" defTabSz="1289050" rtl="0">
             <a:lnSpc>
               <a:spcPct val="90000"/>
             </a:lnSpc>
@@ -4988,9 +6492,10 @@
             <a:spcAft>
               <a:spcPct val="35000"/>
             </a:spcAft>
+            <a:buNone/>
           </a:pPr>
           <a:r>
-            <a:rPr lang="de-DE" sz="2900" kern="1200" smtClean="0"/>
+            <a:rPr lang="de-DE" sz="2900" kern="1200"/>
             <a:t>Dokumentation </a:t>
           </a:r>
           <a:endParaRPr lang="en-US" sz="2900" kern="1200"/>
@@ -5069,7 +6574,7 @@
         </a:bodyPr>
         <a:lstStyle/>
         <a:p>
-          <a:pPr lvl="0" algn="ctr" defTabSz="622300" rtl="0">
+          <a:pPr marL="0" lvl="0" indent="0" algn="ctr" defTabSz="622300" rtl="0">
             <a:lnSpc>
               <a:spcPct val="90000"/>
             </a:lnSpc>
@@ -5079,9 +6584,10 @@
             <a:spcAft>
               <a:spcPct val="35000"/>
             </a:spcAft>
+            <a:buNone/>
           </a:pPr>
           <a:r>
-            <a:rPr lang="de-DE" sz="1400" b="1" kern="1200" dirty="0" smtClean="0"/>
+            <a:rPr lang="de-DE" sz="1400" b="1" kern="1200" dirty="0"/>
             <a:t>TE-Produkt</a:t>
           </a:r>
           <a:endParaRPr lang="en-US" sz="1400" b="1" kern="1200" dirty="0"/>
@@ -5148,7 +6654,7 @@
         </a:bodyPr>
         <a:lstStyle/>
         <a:p>
-          <a:pPr lvl="0" algn="ctr" defTabSz="622300" rtl="0">
+          <a:pPr marL="0" lvl="0" indent="0" algn="ctr" defTabSz="622300" rtl="0">
             <a:lnSpc>
               <a:spcPct val="90000"/>
             </a:lnSpc>
@@ -5158,9 +6664,10 @@
             <a:spcAft>
               <a:spcPct val="35000"/>
             </a:spcAft>
+            <a:buNone/>
           </a:pPr>
           <a:r>
-            <a:rPr lang="de-DE" sz="1400" b="1" kern="1200" dirty="0" smtClean="0"/>
+            <a:rPr lang="de-DE" sz="1400" b="1" kern="1200" dirty="0"/>
             <a:t>TE-Dokumentation</a:t>
           </a:r>
           <a:endParaRPr lang="en-US" sz="1400" b="1" kern="1200" dirty="0"/>
@@ -5233,7 +6740,7 @@
         </a:bodyPr>
         <a:lstStyle/>
         <a:p>
-          <a:pPr lvl="0" algn="l" defTabSz="1644650">
+          <a:pPr marL="0" lvl="0" indent="0" algn="l" defTabSz="1644650">
             <a:lnSpc>
               <a:spcPct val="90000"/>
             </a:lnSpc>
@@ -5243,6 +6750,7 @@
             <a:spcAft>
               <a:spcPct val="35000"/>
             </a:spcAft>
+            <a:buNone/>
           </a:pPr>
           <a:r>
             <a:rPr lang="de-DE" sz="3700" i="0" kern="1200" baseline="0" dirty="0"/>
@@ -5318,7 +6826,7 @@
         </a:bodyPr>
         <a:lstStyle/>
         <a:p>
-          <a:pPr lvl="0" algn="l" defTabSz="1644650">
+          <a:pPr marL="0" lvl="0" indent="0" algn="l" defTabSz="1644650">
             <a:lnSpc>
               <a:spcPct val="90000"/>
             </a:lnSpc>
@@ -5328,6 +6836,7 @@
             <a:spcAft>
               <a:spcPct val="35000"/>
             </a:spcAft>
+            <a:buNone/>
           </a:pPr>
           <a:r>
             <a:rPr lang="de-DE" sz="3700" i="0" kern="1200" baseline="0" dirty="0"/>
@@ -5405,7 +6914,7 @@
         </a:bodyPr>
         <a:lstStyle/>
         <a:p>
-          <a:pPr lvl="0" algn="ctr" defTabSz="844550" rtl="0">
+          <a:pPr marL="0" lvl="0" indent="0" algn="ctr" defTabSz="844550" rtl="0">
             <a:lnSpc>
               <a:spcPct val="90000"/>
             </a:lnSpc>
@@ -5415,9 +6924,10 @@
             <a:spcAft>
               <a:spcPct val="35000"/>
             </a:spcAft>
+            <a:buNone/>
           </a:pPr>
           <a:r>
-            <a:rPr lang="de-DE" sz="1900" b="1" kern="1200" dirty="0" smtClean="0">
+            <a:rPr lang="de-DE" sz="1900" b="1" kern="1200" dirty="0">
               <a:solidFill>
                 <a:schemeClr val="tx1"/>
               </a:solidFill>
@@ -5434,6 +6944,525 @@
       <dsp:txXfrm>
         <a:off x="13780" y="12655"/>
         <a:ext cx="2276759" cy="406750"/>
+      </dsp:txXfrm>
+    </dsp:sp>
+  </dsp:spTree>
+</dsp:drawing>
+</file>
+
+<file path=ppt/diagrams/drawing6.xml><?xml version="1.0" encoding="utf-8"?>
+<dsp:drawing xmlns:dgm="http://schemas.openxmlformats.org/drawingml/2006/diagram" xmlns:dsp="http://schemas.microsoft.com/office/drawing/2008/diagram" xmlns:a="http://schemas.openxmlformats.org/drawingml/2006/main">
+  <dsp:spTree>
+    <dsp:nvGrpSpPr>
+      <dsp:cNvPr id="0" name=""/>
+      <dsp:cNvGrpSpPr/>
+    </dsp:nvGrpSpPr>
+    <dsp:grpSpPr/>
+    <dsp:sp modelId="{59C231A3-4399-47E1-89DF-1C7125294808}">
+      <dsp:nvSpPr>
+        <dsp:cNvPr id="0" name=""/>
+        <dsp:cNvSpPr/>
+      </dsp:nvSpPr>
+      <dsp:spPr>
+        <a:xfrm>
+          <a:off x="2757011" y="56574"/>
+          <a:ext cx="2715577" cy="2715577"/>
+        </a:xfrm>
+        <a:prstGeom prst="ellipse">
+          <a:avLst/>
+        </a:prstGeom>
+        <a:solidFill>
+          <a:schemeClr val="accent1">
+            <a:alpha val="50000"/>
+            <a:hueOff val="0"/>
+            <a:satOff val="0"/>
+            <a:lumOff val="0"/>
+            <a:alphaOff val="0"/>
+          </a:schemeClr>
+        </a:solidFill>
+        <a:ln w="12700" cap="flat" cmpd="sng" algn="ctr">
+          <a:solidFill>
+            <a:schemeClr val="lt1">
+              <a:hueOff val="0"/>
+              <a:satOff val="0"/>
+              <a:lumOff val="0"/>
+              <a:alphaOff val="0"/>
+            </a:schemeClr>
+          </a:solidFill>
+          <a:prstDash val="solid"/>
+          <a:miter lim="800000"/>
+        </a:ln>
+        <a:effectLst/>
+      </dsp:spPr>
+      <dsp:style>
+        <a:lnRef idx="2">
+          <a:scrgbClr r="0" g="0" b="0"/>
+        </a:lnRef>
+        <a:fillRef idx="1">
+          <a:scrgbClr r="0" g="0" b="0"/>
+        </a:fillRef>
+        <a:effectRef idx="0">
+          <a:scrgbClr r="0" g="0" b="0"/>
+        </a:effectRef>
+        <a:fontRef idx="minor">
+          <a:schemeClr val="tx1"/>
+        </a:fontRef>
+      </dsp:style>
+      <dsp:txBody>
+        <a:bodyPr spcFirstLastPara="0" vert="horz" wrap="square" lIns="0" tIns="0" rIns="0" bIns="0" numCol="1" spcCol="1270" anchor="ctr" anchorCtr="1">
+          <a:noAutofit/>
+        </a:bodyPr>
+        <a:lstStyle/>
+        <a:p>
+          <a:pPr marL="0" lvl="0" indent="0" algn="l" defTabSz="622300">
+            <a:lnSpc>
+              <a:spcPct val="90000"/>
+            </a:lnSpc>
+            <a:spcBef>
+              <a:spcPct val="0"/>
+            </a:spcBef>
+            <a:spcAft>
+              <a:spcPct val="35000"/>
+            </a:spcAft>
+            <a:buNone/>
+          </a:pPr>
+          <a:r>
+            <a:rPr lang="de-DE" sz="1400" kern="1200" dirty="0"/>
+            <a:t>Auftraggeber</a:t>
+          </a:r>
+        </a:p>
+        <a:p>
+          <a:pPr marL="57150" lvl="1" indent="-57150" algn="l" defTabSz="488950">
+            <a:lnSpc>
+              <a:spcPct val="90000"/>
+            </a:lnSpc>
+            <a:spcBef>
+              <a:spcPct val="0"/>
+            </a:spcBef>
+            <a:spcAft>
+              <a:spcPct val="15000"/>
+            </a:spcAft>
+            <a:buChar char="•"/>
+          </a:pPr>
+          <a:r>
+            <a:rPr lang="de-DE" sz="1100" kern="1200" dirty="0"/>
+            <a:t>Niedrige Kosten</a:t>
+          </a:r>
+        </a:p>
+        <a:p>
+          <a:pPr marL="57150" lvl="1" indent="-57150" algn="l" defTabSz="488950">
+            <a:lnSpc>
+              <a:spcPct val="90000"/>
+            </a:lnSpc>
+            <a:spcBef>
+              <a:spcPct val="0"/>
+            </a:spcBef>
+            <a:spcAft>
+              <a:spcPct val="15000"/>
+            </a:spcAft>
+            <a:buChar char="•"/>
+          </a:pPr>
+          <a:r>
+            <a:rPr lang="de-DE" sz="1100" kern="1200" dirty="0"/>
+            <a:t>Erhöhte Produktivität</a:t>
+          </a:r>
+        </a:p>
+        <a:p>
+          <a:pPr marL="57150" lvl="1" indent="-57150" algn="l" defTabSz="488950">
+            <a:lnSpc>
+              <a:spcPct val="90000"/>
+            </a:lnSpc>
+            <a:spcBef>
+              <a:spcPct val="0"/>
+            </a:spcBef>
+            <a:spcAft>
+              <a:spcPct val="15000"/>
+            </a:spcAft>
+            <a:buChar char="•"/>
+          </a:pPr>
+          <a:r>
+            <a:rPr lang="de-DE" sz="1100" kern="1200" dirty="0"/>
+            <a:t>Rückwärts-Kompatibilität</a:t>
+          </a:r>
+        </a:p>
+        <a:p>
+          <a:pPr marL="57150" lvl="1" indent="-57150" algn="l" defTabSz="488950">
+            <a:lnSpc>
+              <a:spcPct val="90000"/>
+            </a:lnSpc>
+            <a:spcBef>
+              <a:spcPct val="0"/>
+            </a:spcBef>
+            <a:spcAft>
+              <a:spcPct val="15000"/>
+            </a:spcAft>
+            <a:buChar char="•"/>
+          </a:pPr>
+          <a:r>
+            <a:rPr lang="de-DE" sz="1100" kern="1200" dirty="0"/>
+            <a:t>Rasche Entwicklung</a:t>
+          </a:r>
+        </a:p>
+        <a:p>
+          <a:pPr marL="57150" lvl="1" indent="-57150" algn="l" defTabSz="488950">
+            <a:lnSpc>
+              <a:spcPct val="90000"/>
+            </a:lnSpc>
+            <a:spcBef>
+              <a:spcPct val="0"/>
+            </a:spcBef>
+            <a:spcAft>
+              <a:spcPct val="15000"/>
+            </a:spcAft>
+            <a:buChar char="•"/>
+          </a:pPr>
+          <a:r>
+            <a:rPr lang="de-DE" sz="1100" kern="1200" dirty="0"/>
+            <a:t>Flexibilität</a:t>
+          </a:r>
+        </a:p>
+      </dsp:txBody>
+      <dsp:txXfrm>
+        <a:off x="3119088" y="531800"/>
+        <a:ext cx="1991423" cy="1222010"/>
+      </dsp:txXfrm>
+    </dsp:sp>
+    <dsp:sp modelId="{A0DFDC1B-77C7-48EB-A021-78AA69786ADD}">
+      <dsp:nvSpPr>
+        <dsp:cNvPr id="0" name=""/>
+        <dsp:cNvSpPr/>
+      </dsp:nvSpPr>
+      <dsp:spPr>
+        <a:xfrm>
+          <a:off x="3736882" y="1753810"/>
+          <a:ext cx="2715577" cy="2715577"/>
+        </a:xfrm>
+        <a:prstGeom prst="ellipse">
+          <a:avLst/>
+        </a:prstGeom>
+        <a:solidFill>
+          <a:schemeClr val="accent1">
+            <a:alpha val="50000"/>
+            <a:hueOff val="0"/>
+            <a:satOff val="0"/>
+            <a:lumOff val="0"/>
+            <a:alphaOff val="0"/>
+          </a:schemeClr>
+        </a:solidFill>
+        <a:ln w="12700" cap="flat" cmpd="sng" algn="ctr">
+          <a:solidFill>
+            <a:schemeClr val="lt1">
+              <a:hueOff val="0"/>
+              <a:satOff val="0"/>
+              <a:lumOff val="0"/>
+              <a:alphaOff val="0"/>
+            </a:schemeClr>
+          </a:solidFill>
+          <a:prstDash val="solid"/>
+          <a:miter lim="800000"/>
+        </a:ln>
+        <a:effectLst/>
+      </dsp:spPr>
+      <dsp:style>
+        <a:lnRef idx="2">
+          <a:scrgbClr r="0" g="0" b="0"/>
+        </a:lnRef>
+        <a:fillRef idx="1">
+          <a:scrgbClr r="0" g="0" b="0"/>
+        </a:fillRef>
+        <a:effectRef idx="0">
+          <a:scrgbClr r="0" g="0" b="0"/>
+        </a:effectRef>
+        <a:fontRef idx="minor">
+          <a:schemeClr val="tx1"/>
+        </a:fontRef>
+      </dsp:style>
+      <dsp:txBody>
+        <a:bodyPr spcFirstLastPara="0" vert="horz" wrap="square" lIns="0" tIns="0" rIns="0" bIns="0" numCol="1" spcCol="1270" anchor="ctr" anchorCtr="1">
+          <a:noAutofit/>
+        </a:bodyPr>
+        <a:lstStyle/>
+        <a:p>
+          <a:pPr marL="0" lvl="0" indent="0" algn="l" defTabSz="622300">
+            <a:lnSpc>
+              <a:spcPct val="90000"/>
+            </a:lnSpc>
+            <a:spcBef>
+              <a:spcPct val="0"/>
+            </a:spcBef>
+            <a:spcAft>
+              <a:spcPct val="35000"/>
+            </a:spcAft>
+            <a:buNone/>
+          </a:pPr>
+          <a:r>
+            <a:rPr lang="de-DE" sz="1400" kern="1200" dirty="0"/>
+            <a:t>Endbenutzer</a:t>
+          </a:r>
+        </a:p>
+        <a:p>
+          <a:pPr marL="57150" lvl="1" indent="-57150" algn="l" defTabSz="488950">
+            <a:lnSpc>
+              <a:spcPct val="90000"/>
+            </a:lnSpc>
+            <a:spcBef>
+              <a:spcPct val="0"/>
+            </a:spcBef>
+            <a:spcAft>
+              <a:spcPct val="15000"/>
+            </a:spcAft>
+            <a:buChar char="•"/>
+          </a:pPr>
+          <a:r>
+            <a:rPr lang="de-DE" sz="1100" kern="1200" dirty="0"/>
+            <a:t>Funktionalität</a:t>
+          </a:r>
+        </a:p>
+        <a:p>
+          <a:pPr marL="57150" lvl="1" indent="-57150" algn="l" defTabSz="488950">
+            <a:lnSpc>
+              <a:spcPct val="90000"/>
+            </a:lnSpc>
+            <a:spcBef>
+              <a:spcPct val="0"/>
+            </a:spcBef>
+            <a:spcAft>
+              <a:spcPct val="15000"/>
+            </a:spcAft>
+            <a:buChar char="•"/>
+          </a:pPr>
+          <a:r>
+            <a:rPr lang="de-DE" sz="1100" kern="1200" dirty="0"/>
+            <a:t>Benutzbarkeit</a:t>
+          </a:r>
+        </a:p>
+        <a:p>
+          <a:pPr marL="57150" lvl="1" indent="-57150" algn="l" defTabSz="488950">
+            <a:lnSpc>
+              <a:spcPct val="90000"/>
+            </a:lnSpc>
+            <a:spcBef>
+              <a:spcPct val="0"/>
+            </a:spcBef>
+            <a:spcAft>
+              <a:spcPct val="15000"/>
+            </a:spcAft>
+            <a:buChar char="•"/>
+          </a:pPr>
+          <a:r>
+            <a:rPr lang="de-DE" sz="1100" kern="1200" dirty="0"/>
+            <a:t>Lernkurve</a:t>
+          </a:r>
+        </a:p>
+        <a:p>
+          <a:pPr marL="57150" lvl="1" indent="-57150" algn="l" defTabSz="488950">
+            <a:lnSpc>
+              <a:spcPct val="90000"/>
+            </a:lnSpc>
+            <a:spcBef>
+              <a:spcPct val="0"/>
+            </a:spcBef>
+            <a:spcAft>
+              <a:spcPct val="15000"/>
+            </a:spcAft>
+            <a:buChar char="•"/>
+          </a:pPr>
+          <a:r>
+            <a:rPr lang="de-DE" sz="1100" kern="1200" dirty="0"/>
+            <a:t>Fehlertolerant</a:t>
+          </a:r>
+        </a:p>
+        <a:p>
+          <a:pPr marL="57150" lvl="1" indent="-57150" algn="l" defTabSz="488950">
+            <a:lnSpc>
+              <a:spcPct val="90000"/>
+            </a:lnSpc>
+            <a:spcBef>
+              <a:spcPct val="0"/>
+            </a:spcBef>
+            <a:spcAft>
+              <a:spcPct val="15000"/>
+            </a:spcAft>
+            <a:buChar char="•"/>
+          </a:pPr>
+          <a:r>
+            <a:rPr lang="de-DE" sz="1100" kern="1200" dirty="0"/>
+            <a:t>Robust</a:t>
+          </a:r>
+        </a:p>
+      </dsp:txBody>
+      <dsp:txXfrm>
+        <a:off x="4567396" y="2455334"/>
+        <a:ext cx="1629346" cy="1493567"/>
+      </dsp:txXfrm>
+    </dsp:sp>
+    <dsp:sp modelId="{0B0A4924-9448-4041-80D8-5133D77B1EF8}">
+      <dsp:nvSpPr>
+        <dsp:cNvPr id="0" name=""/>
+        <dsp:cNvSpPr/>
+      </dsp:nvSpPr>
+      <dsp:spPr>
+        <a:xfrm>
+          <a:off x="1767146" y="1705011"/>
+          <a:ext cx="2715577" cy="2715577"/>
+        </a:xfrm>
+        <a:prstGeom prst="ellipse">
+          <a:avLst/>
+        </a:prstGeom>
+        <a:solidFill>
+          <a:schemeClr val="accent1">
+            <a:alpha val="50000"/>
+            <a:hueOff val="0"/>
+            <a:satOff val="0"/>
+            <a:lumOff val="0"/>
+            <a:alphaOff val="0"/>
+          </a:schemeClr>
+        </a:solidFill>
+        <a:ln w="12700" cap="flat" cmpd="sng" algn="ctr">
+          <a:solidFill>
+            <a:schemeClr val="lt1">
+              <a:hueOff val="0"/>
+              <a:satOff val="0"/>
+              <a:lumOff val="0"/>
+              <a:alphaOff val="0"/>
+            </a:schemeClr>
+          </a:solidFill>
+          <a:prstDash val="solid"/>
+          <a:miter lim="800000"/>
+        </a:ln>
+        <a:effectLst/>
+      </dsp:spPr>
+      <dsp:style>
+        <a:lnRef idx="2">
+          <a:scrgbClr r="0" g="0" b="0"/>
+        </a:lnRef>
+        <a:fillRef idx="1">
+          <a:scrgbClr r="0" g="0" b="0"/>
+        </a:fillRef>
+        <a:effectRef idx="0">
+          <a:scrgbClr r="0" g="0" b="0"/>
+        </a:effectRef>
+        <a:fontRef idx="minor">
+          <a:schemeClr val="tx1"/>
+        </a:fontRef>
+      </dsp:style>
+      <dsp:txBody>
+        <a:bodyPr spcFirstLastPara="0" vert="horz" wrap="square" lIns="0" tIns="0" rIns="0" bIns="0" numCol="1" spcCol="1270" anchor="ctr" anchorCtr="1">
+          <a:noAutofit/>
+        </a:bodyPr>
+        <a:lstStyle/>
+        <a:p>
+          <a:pPr marL="0" lvl="0" indent="0" algn="l" defTabSz="622300">
+            <a:lnSpc>
+              <a:spcPct val="90000"/>
+            </a:lnSpc>
+            <a:spcBef>
+              <a:spcPct val="0"/>
+            </a:spcBef>
+            <a:spcAft>
+              <a:spcPct val="35000"/>
+            </a:spcAft>
+            <a:buNone/>
+          </a:pPr>
+          <a:r>
+            <a:rPr lang="de-DE" sz="1400" kern="1200" dirty="0"/>
+            <a:t>Entwickler</a:t>
+          </a:r>
+        </a:p>
+        <a:p>
+          <a:pPr marL="57150" lvl="1" indent="-57150" algn="l" defTabSz="488950">
+            <a:lnSpc>
+              <a:spcPct val="90000"/>
+            </a:lnSpc>
+            <a:spcBef>
+              <a:spcPct val="0"/>
+            </a:spcBef>
+            <a:spcAft>
+              <a:spcPct val="15000"/>
+            </a:spcAft>
+            <a:buChar char="•"/>
+          </a:pPr>
+          <a:r>
+            <a:rPr lang="de-DE" sz="1100" kern="1200" dirty="0"/>
+            <a:t>Korrektheit</a:t>
+          </a:r>
+        </a:p>
+        <a:p>
+          <a:pPr marL="57150" lvl="1" indent="-57150" algn="l" defTabSz="488950">
+            <a:lnSpc>
+              <a:spcPct val="90000"/>
+            </a:lnSpc>
+            <a:spcBef>
+              <a:spcPct val="0"/>
+            </a:spcBef>
+            <a:spcAft>
+              <a:spcPct val="15000"/>
+            </a:spcAft>
+            <a:buChar char="•"/>
+          </a:pPr>
+          <a:r>
+            <a:rPr lang="de-DE" sz="1100" kern="1200" dirty="0"/>
+            <a:t>Wartbarkeit</a:t>
+          </a:r>
+        </a:p>
+        <a:p>
+          <a:pPr marL="57150" lvl="1" indent="-57150" algn="l" defTabSz="488950">
+            <a:lnSpc>
+              <a:spcPct val="90000"/>
+            </a:lnSpc>
+            <a:spcBef>
+              <a:spcPct val="0"/>
+            </a:spcBef>
+            <a:spcAft>
+              <a:spcPct val="15000"/>
+            </a:spcAft>
+            <a:buChar char="•"/>
+          </a:pPr>
+          <a:r>
+            <a:rPr lang="de-DE" sz="1100" kern="1200" dirty="0"/>
+            <a:t>Wiederverwendbarkeit</a:t>
+          </a:r>
+        </a:p>
+        <a:p>
+          <a:pPr marL="57150" lvl="1" indent="-57150" algn="l" defTabSz="488950">
+            <a:lnSpc>
+              <a:spcPct val="90000"/>
+            </a:lnSpc>
+            <a:spcBef>
+              <a:spcPct val="0"/>
+            </a:spcBef>
+            <a:spcAft>
+              <a:spcPct val="15000"/>
+            </a:spcAft>
+            <a:buChar char="•"/>
+          </a:pPr>
+          <a:r>
+            <a:rPr lang="de-DE" sz="1100" kern="1200" dirty="0"/>
+            <a:t>Adaptierbarkeit</a:t>
+          </a:r>
+        </a:p>
+        <a:p>
+          <a:pPr marL="57150" lvl="1" indent="-57150" algn="l" defTabSz="488950">
+            <a:lnSpc>
+              <a:spcPct val="90000"/>
+            </a:lnSpc>
+            <a:spcBef>
+              <a:spcPct val="0"/>
+            </a:spcBef>
+            <a:spcAft>
+              <a:spcPct val="15000"/>
+            </a:spcAft>
+            <a:buChar char="•"/>
+          </a:pPr>
+          <a:r>
+            <a:rPr lang="de-DE" sz="1100" kern="1200" dirty="0"/>
+            <a:t>Saubere Schnittstelle</a:t>
+          </a:r>
+        </a:p>
+      </dsp:txBody>
+      <dsp:txXfrm>
+        <a:off x="2022863" y="2406535"/>
+        <a:ext cx="1629346" cy="1493567"/>
       </dsp:txXfrm>
     </dsp:sp>
   </dsp:spTree>
@@ -6942,6 +8971,881 @@
 </dgm:layoutDef>
 </file>
 
+<file path=ppt/diagrams/layout6.xml><?xml version="1.0" encoding="utf-8"?>
+<dgm:layoutDef xmlns:dgm="http://schemas.openxmlformats.org/drawingml/2006/diagram" xmlns:a="http://schemas.openxmlformats.org/drawingml/2006/main" uniqueId="urn:microsoft.com/office/officeart/2005/8/layout/venn1">
+  <dgm:title val=""/>
+  <dgm:desc val=""/>
+  <dgm:catLst>
+    <dgm:cat type="relationship" pri="28000"/>
+    <dgm:cat type="convert" pri="19000"/>
+  </dgm:catLst>
+  <dgm:sampData useDef="1">
+    <dgm:dataModel>
+      <dgm:ptLst/>
+      <dgm:bg/>
+      <dgm:whole/>
+    </dgm:dataModel>
+  </dgm:sampData>
+  <dgm:styleData useDef="1">
+    <dgm:dataModel>
+      <dgm:ptLst/>
+      <dgm:bg/>
+      <dgm:whole/>
+    </dgm:dataModel>
+  </dgm:styleData>
+  <dgm:clrData>
+    <dgm:dataModel>
+      <dgm:ptLst>
+        <dgm:pt modelId="0" type="doc"/>
+        <dgm:pt modelId="1"/>
+        <dgm:pt modelId="2"/>
+        <dgm:pt modelId="3"/>
+        <dgm:pt modelId="4"/>
+      </dgm:ptLst>
+      <dgm:cxnLst>
+        <dgm:cxn modelId="7" srcId="0" destId="1" srcOrd="0" destOrd="0"/>
+        <dgm:cxn modelId="8" srcId="0" destId="2" srcOrd="1" destOrd="0"/>
+        <dgm:cxn modelId="9" srcId="0" destId="3" srcOrd="2" destOrd="0"/>
+        <dgm:cxn modelId="10" srcId="0" destId="4" srcOrd="3" destOrd="0"/>
+      </dgm:cxnLst>
+      <dgm:bg/>
+      <dgm:whole/>
+    </dgm:dataModel>
+  </dgm:clrData>
+  <dgm:layoutNode name="compositeShape">
+    <dgm:varLst>
+      <dgm:chMax val="7"/>
+      <dgm:dir/>
+      <dgm:resizeHandles val="exact"/>
+    </dgm:varLst>
+    <dgm:choose name="Name0">
+      <dgm:if name="Name1" axis="ch" ptType="node" func="cnt" op="equ" val="1">
+        <dgm:alg type="composite">
+          <dgm:param type="ar" val="1"/>
+        </dgm:alg>
+      </dgm:if>
+      <dgm:if name="Name2" axis="ch" ptType="node" func="cnt" op="equ" val="2">
+        <dgm:alg type="composite">
+          <dgm:param type="ar" val="1.792"/>
+        </dgm:alg>
+      </dgm:if>
+      <dgm:if name="Name3" axis="ch" ptType="node" func="cnt" op="equ" val="3">
+        <dgm:alg type="composite">
+          <dgm:param type="ar" val="1"/>
+        </dgm:alg>
+      </dgm:if>
+      <dgm:if name="Name4" axis="ch" ptType="node" func="cnt" op="equ" val="4">
+        <dgm:alg type="composite">
+          <dgm:param type="ar" val="1"/>
+        </dgm:alg>
+      </dgm:if>
+      <dgm:if name="Name5" axis="ch" ptType="node" func="cnt" op="equ" val="5">
+        <dgm:alg type="composite">
+          <dgm:param type="ar" val="1.4"/>
+        </dgm:alg>
+      </dgm:if>
+      <dgm:if name="Name6" axis="ch" ptType="node" func="cnt" op="equ" val="6">
+        <dgm:alg type="composite">
+          <dgm:param type="ar" val="1.285"/>
+        </dgm:alg>
+      </dgm:if>
+      <dgm:if name="Name7" axis="ch" ptType="node" func="cnt" op="equ" val="7">
+        <dgm:alg type="composite">
+          <dgm:param type="ar" val="1.359"/>
+        </dgm:alg>
+      </dgm:if>
+      <dgm:else name="Name8">
+        <dgm:alg type="composite">
+          <dgm:param type="ar" val="1.359"/>
+        </dgm:alg>
+      </dgm:else>
+    </dgm:choose>
+    <dgm:shape xmlns:r="http://schemas.openxmlformats.org/officeDocument/2006/relationships" r:blip="">
+      <dgm:adjLst/>
+    </dgm:shape>
+    <dgm:presOf/>
+    <dgm:choose name="Name9">
+      <dgm:if name="Name10" axis="ch" ptType="node" func="cnt" op="equ" val="1">
+        <dgm:constrLst>
+          <dgm:constr type="ctrX" for="ch" forName="circ1TxSh" refType="w" fact="0.5"/>
+          <dgm:constr type="ctrY" for="ch" forName="circ1TxSh" refType="h" fact="0.5"/>
+          <dgm:constr type="w" for="ch" forName="circ1TxSh" refType="w"/>
+          <dgm:constr type="h" for="ch" forName="circ1TxSh" refType="h"/>
+          <dgm:constr type="primFontSz" for="ch" ptType="node" op="equ"/>
+        </dgm:constrLst>
+      </dgm:if>
+      <dgm:if name="Name11" axis="ch" ptType="node" func="cnt" op="equ" val="2">
+        <dgm:constrLst>
+          <dgm:constr type="ctrX" for="ch" forName="circ1" refType="w" fact="0.3"/>
+          <dgm:constr type="ctrY" for="ch" forName="circ1" refType="h" fact="0.5"/>
+          <dgm:constr type="w" for="ch" forName="circ1" refType="w" fact="0.555"/>
+          <dgm:constr type="h" for="ch" forName="circ1" refType="h" fact="0.99456"/>
+          <dgm:constr type="l" for="ch" forName="circ1Tx" refType="w" fact="0.1"/>
+          <dgm:constr type="t" for="ch" forName="circ1Tx" refType="h" fact="0.12"/>
+          <dgm:constr type="w" for="ch" forName="circ1Tx" refType="w" fact="0.32"/>
+          <dgm:constr type="h" for="ch" forName="circ1Tx" refType="h" fact="0.76"/>
+          <dgm:constr type="ctrX" for="ch" forName="circ2" refType="w" fact="0.7"/>
+          <dgm:constr type="ctrY" for="ch" forName="circ2" refType="h" fact="0.5"/>
+          <dgm:constr type="w" for="ch" forName="circ2" refType="w" fact="0.555"/>
+          <dgm:constr type="h" for="ch" forName="circ2" refType="h" fact="0.99456"/>
+          <dgm:constr type="l" for="ch" forName="circ2Tx" refType="w" fact="0.58"/>
+          <dgm:constr type="t" for="ch" forName="circ2Tx" refType="h" fact="0.12"/>
+          <dgm:constr type="w" for="ch" forName="circ2Tx" refType="w" fact="0.32"/>
+          <dgm:constr type="h" for="ch" forName="circ2Tx" refType="h" fact="0.76"/>
+          <dgm:constr type="primFontSz" for="ch" ptType="node" op="equ"/>
+        </dgm:constrLst>
+      </dgm:if>
+      <dgm:if name="Name12" axis="ch" ptType="node" func="cnt" op="equ" val="3">
+        <dgm:constrLst>
+          <dgm:constr type="ctrX" for="ch" forName="circ1" refType="w" fact="0.5"/>
+          <dgm:constr type="ctrY" for="ch" forName="circ1" refType="w" fact="0.25"/>
+          <dgm:constr type="w" for="ch" forName="circ1" refType="w" fact="0.6"/>
+          <dgm:constr type="h" for="ch" forName="circ1" refType="h" fact="0.6"/>
+          <dgm:constr type="l" for="ch" forName="circ1Tx" refType="w" fact="0.28"/>
+          <dgm:constr type="t" for="ch" forName="circ1Tx" refType="h" fact="0.055"/>
+          <dgm:constr type="w" for="ch" forName="circ1Tx" refType="w" fact="0.44"/>
+          <dgm:constr type="h" for="ch" forName="circ1Tx" refType="h" fact="0.27"/>
+          <dgm:constr type="ctrX" for="ch" forName="circ2" refType="w" fact="0.7165"/>
+          <dgm:constr type="ctrY" for="ch" forName="circ2" refType="w" fact="0.625"/>
+          <dgm:constr type="w" for="ch" forName="circ2" refType="w" fact="0.6"/>
+          <dgm:constr type="h" for="ch" forName="circ2" refType="h" fact="0.6"/>
+          <dgm:constr type="l" for="ch" forName="circ2Tx" refType="w" fact="0.6"/>
+          <dgm:constr type="t" for="ch" forName="circ2Tx" refType="h" fact="0.48"/>
+          <dgm:constr type="w" for="ch" forName="circ2Tx" refType="w" fact="0.36"/>
+          <dgm:constr type="h" for="ch" forName="circ2Tx" refType="h" fact="0.33"/>
+          <dgm:constr type="ctrX" for="ch" forName="circ3" refType="w" fact="0.2835"/>
+          <dgm:constr type="ctrY" for="ch" forName="circ3" refType="w" fact="0.625"/>
+          <dgm:constr type="w" for="ch" forName="circ3" refType="w" fact="0.6"/>
+          <dgm:constr type="h" for="ch" forName="circ3" refType="h" fact="0.6"/>
+          <dgm:constr type="l" for="ch" forName="circ3Tx" refType="w" fact="0.04"/>
+          <dgm:constr type="t" for="ch" forName="circ3Tx" refType="h" fact="0.48"/>
+          <dgm:constr type="w" for="ch" forName="circ3Tx" refType="w" fact="0.36"/>
+          <dgm:constr type="h" for="ch" forName="circ3Tx" refType="h" fact="0.33"/>
+          <dgm:constr type="primFontSz" for="ch" ptType="node" op="equ"/>
+        </dgm:constrLst>
+      </dgm:if>
+      <dgm:if name="Name13" axis="ch" ptType="node" func="cnt" op="equ" val="4">
+        <dgm:constrLst>
+          <dgm:constr type="ctrX" for="ch" forName="circ1" refType="w" fact="0.5"/>
+          <dgm:constr type="ctrY" for="ch" forName="circ1" refType="w" fact="0.27"/>
+          <dgm:constr type="w" for="ch" forName="circ1" refType="w" fact="0.52"/>
+          <dgm:constr type="h" for="ch" forName="circ1" refType="h" fact="0.52"/>
+          <dgm:constr type="l" for="ch" forName="circ1Tx" refType="w" fact="0.3"/>
+          <dgm:constr type="t" for="ch" forName="circ1Tx" refType="h" fact="0.08"/>
+          <dgm:constr type="w" for="ch" forName="circ1Tx" refType="w" fact="0.4"/>
+          <dgm:constr type="h" for="ch" forName="circ1Tx" refType="h" fact="0.165"/>
+          <dgm:constr type="ctrX" for="ch" forName="circ2" refType="w" fact="0.73"/>
+          <dgm:constr type="ctrY" for="ch" forName="circ2" refType="w" fact="0.5"/>
+          <dgm:constr type="w" for="ch" forName="circ2" refType="w" fact="0.52"/>
+          <dgm:constr type="h" for="ch" forName="circ2" refType="h" fact="0.52"/>
+          <dgm:constr type="r" for="ch" forName="circ2Tx" refType="w" fact="0.95"/>
+          <dgm:constr type="t" for="ch" forName="circ2Tx" refType="h" fact="0.3"/>
+          <dgm:constr type="w" for="ch" forName="circ2Tx" refType="w" fact="0.2"/>
+          <dgm:constr type="h" for="ch" forName="circ2Tx" refType="h" fact="0.4"/>
+          <dgm:constr type="ctrX" for="ch" forName="circ3" refType="w" fact="0.5"/>
+          <dgm:constr type="ctrY" for="ch" forName="circ3" refType="w" fact="0.73"/>
+          <dgm:constr type="w" for="ch" forName="circ3" refType="w" fact="0.52"/>
+          <dgm:constr type="h" for="ch" forName="circ3" refType="h" fact="0.52"/>
+          <dgm:constr type="l" for="ch" forName="circ3Tx" refType="w" fact="0.3"/>
+          <dgm:constr type="b" for="ch" forName="circ3Tx" refType="h" fact="0.92"/>
+          <dgm:constr type="w" for="ch" forName="circ3Tx" refType="w" fact="0.4"/>
+          <dgm:constr type="h" for="ch" forName="circ3Tx" refType="h" fact="0.165"/>
+          <dgm:constr type="ctrX" for="ch" forName="circ4" refType="w" fact="0.27"/>
+          <dgm:constr type="ctrY" for="ch" forName="circ4" refType="h" fact="0.5"/>
+          <dgm:constr type="w" for="ch" forName="circ4" refType="w" fact="0.52"/>
+          <dgm:constr type="h" for="ch" forName="circ4" refType="h" fact="0.52"/>
+          <dgm:constr type="l" for="ch" forName="circ4Tx" refType="w" fact="0.05"/>
+          <dgm:constr type="t" for="ch" forName="circ4Tx" refType="h" fact="0.3"/>
+          <dgm:constr type="w" for="ch" forName="circ4Tx" refType="w" fact="0.2"/>
+          <dgm:constr type="h" for="ch" forName="circ4Tx" refType="h" fact="0.4"/>
+          <dgm:constr type="primFontSz" for="ch" ptType="node" op="equ"/>
+        </dgm:constrLst>
+      </dgm:if>
+      <dgm:if name="Name14" axis="ch" ptType="node" func="cnt" op="equ" val="5">
+        <dgm:constrLst>
+          <dgm:constr type="ctrX" for="ch" forName="circ1" refType="w" fact="0.5"/>
+          <dgm:constr type="ctrY" for="ch" forName="circ1" refType="h" fact="0.46"/>
+          <dgm:constr type="w" for="ch" forName="circ1" refType="w" fact="0.25"/>
+          <dgm:constr type="h" for="ch" forName="circ1" refType="h" fact="0.35"/>
+          <dgm:constr type="l" for="ch" forName="circ1Tx" refType="w" fact="0.355"/>
+          <dgm:constr type="t" for="ch" forName="circ1Tx"/>
+          <dgm:constr type="w" for="ch" forName="circ1Tx" refType="w" fact="0.29"/>
+          <dgm:constr type="h" for="ch" forName="circ1Tx" refType="h" fact="0.235"/>
+          <dgm:constr type="ctrX" for="ch" forName="circ2" refType="w" fact="0.5951"/>
+          <dgm:constr type="ctrY" for="ch" forName="circ2" refType="h" fact="0.5567"/>
+          <dgm:constr type="w" for="ch" forName="circ2" refType="w" fact="0.25"/>
+          <dgm:constr type="h" for="ch" forName="circ2" refType="h" fact="0.35"/>
+          <dgm:constr type="l" for="ch" forName="circ2Tx" refType="w" fact="0.74"/>
+          <dgm:constr type="t" for="ch" forName="circ2Tx" refType="h" fact="0.31"/>
+          <dgm:constr type="w" for="ch" forName="circ2Tx" refType="w" fact="0.26"/>
+          <dgm:constr type="h" for="ch" forName="circ2Tx" refType="h" fact="0.255"/>
+          <dgm:constr type="ctrX" for="ch" forName="circ3" refType="w" fact="0.5588"/>
+          <dgm:constr type="ctrY" for="ch" forName="circ3" refType="h" fact="0.7133"/>
+          <dgm:constr type="w" for="ch" forName="circ3" refType="w" fact="0.25"/>
+          <dgm:constr type="h" for="ch" forName="circ3" refType="h" fact="0.35"/>
+          <dgm:constr type="l" for="ch" forName="circ3Tx" refType="w" fact="0.7"/>
+          <dgm:constr type="t" for="ch" forName="circ3Tx" refType="h" fact="0.745"/>
+          <dgm:constr type="w" for="ch" forName="circ3Tx" refType="w" fact="0.26"/>
+          <dgm:constr type="h" for="ch" forName="circ3Tx" refType="h" fact="0.255"/>
+          <dgm:constr type="ctrX" for="ch" forName="circ4" refType="w" fact="0.4412"/>
+          <dgm:constr type="ctrY" for="ch" forName="circ4" refType="h" fact="0.7133"/>
+          <dgm:constr type="w" for="ch" forName="circ4" refType="w" fact="0.25"/>
+          <dgm:constr type="h" for="ch" forName="circ4" refType="h" fact="0.35"/>
+          <dgm:constr type="l" for="ch" forName="circ4Tx" refType="w" fact="0.04"/>
+          <dgm:constr type="t" for="ch" forName="circ4Tx" refType="h" fact="0.745"/>
+          <dgm:constr type="w" for="ch" forName="circ4Tx" refType="w" fact="0.26"/>
+          <dgm:constr type="h" for="ch" forName="circ4Tx" refType="h" fact="0.255"/>
+          <dgm:constr type="ctrX" for="ch" forName="circ5" refType="w" fact="0.4049"/>
+          <dgm:constr type="ctrY" for="ch" forName="circ5" refType="h" fact="0.5567"/>
+          <dgm:constr type="w" for="ch" forName="circ5" refType="w" fact="0.25"/>
+          <dgm:constr type="h" for="ch" forName="circ5" refType="h" fact="0.35"/>
+          <dgm:constr type="l" for="ch" forName="circ5Tx"/>
+          <dgm:constr type="t" for="ch" forName="circ5Tx" refType="h" fact="0.31"/>
+          <dgm:constr type="w" for="ch" forName="circ5Tx" refType="w" fact="0.26"/>
+          <dgm:constr type="h" for="ch" forName="circ5Tx" refType="h" fact="0.255"/>
+          <dgm:constr type="primFontSz" for="ch" ptType="node" op="equ"/>
+        </dgm:constrLst>
+      </dgm:if>
+      <dgm:if name="Name15" axis="ch" ptType="node" func="cnt" op="equ" val="6">
+        <dgm:constrLst>
+          <dgm:constr type="ctrX" for="ch" forName="circ1" refType="w" fact="0.5"/>
+          <dgm:constr type="ctrY" for="ch" forName="circ1" refType="h" fact="0.3844"/>
+          <dgm:constr type="w" for="ch" forName="circ1" refType="w" fact="0.24"/>
+          <dgm:constr type="h" for="ch" forName="circ1" refType="h" fact="0.3084"/>
+          <dgm:constr type="l" for="ch" forName="circ1Tx" refType="w" fact="0.35"/>
+          <dgm:constr type="t" for="ch" forName="circ1Tx"/>
+          <dgm:constr type="w" for="ch" forName="circ1Tx" refType="w" fact="0.3"/>
+          <dgm:constr type="h" for="ch" forName="circ1Tx" refType="h" fact="0.21"/>
+          <dgm:constr type="ctrX" for="ch" forName="circ2" refType="w" fact="0.5779"/>
+          <dgm:constr type="ctrY" for="ch" forName="circ2" refType="h" fact="0.4422"/>
+          <dgm:constr type="w" for="ch" forName="circ2" refType="w" fact="0.24"/>
+          <dgm:constr type="h" for="ch" forName="circ2" refType="h" fact="0.3084"/>
+          <dgm:constr type="l" for="ch" forName="circ2Tx" refType="w" fact="0.7157"/>
+          <dgm:constr type="t" for="ch" forName="circ2Tx" refType="h" fact="0.2"/>
+          <dgm:constr type="w" for="ch" forName="circ2Tx" refType="w" fact="0.2843"/>
+          <dgm:constr type="h" for="ch" forName="circ2Tx" refType="h" fact="0.23"/>
+          <dgm:constr type="ctrX" for="ch" forName="circ3" refType="w" fact="0.5779"/>
+          <dgm:constr type="ctrY" for="ch" forName="circ3" refType="h" fact="0.5578"/>
+          <dgm:constr type="w" for="ch" forName="circ3" refType="w" fact="0.24"/>
+          <dgm:constr type="h" for="ch" forName="circ3" refType="h" fact="0.3084"/>
+          <dgm:constr type="l" for="ch" forName="circ3Tx" refType="w" fact="0.7157"/>
+          <dgm:constr type="t" for="ch" forName="circ3Tx" refType="h" fact="0.543"/>
+          <dgm:constr type="w" for="ch" forName="circ3Tx" refType="w" fact="0.2843"/>
+          <dgm:constr type="h" for="ch" forName="circ3Tx" refType="h" fact="0.257"/>
+          <dgm:constr type="ctrX" for="ch" forName="circ4" refType="w" fact="0.5"/>
+          <dgm:constr type="ctrY" for="ch" forName="circ4" refType="h" fact="0.6157"/>
+          <dgm:constr type="w" for="ch" forName="circ4" refType="w" fact="0.24"/>
+          <dgm:constr type="h" for="ch" forName="circ4" refType="h" fact="0.3084"/>
+          <dgm:constr type="l" for="ch" forName="circ4Tx" refType="w" fact="0.35"/>
+          <dgm:constr type="t" for="ch" forName="circ4Tx" refType="h" fact="0.79"/>
+          <dgm:constr type="w" for="ch" forName="circ4Tx" refType="w" fact="0.3"/>
+          <dgm:constr type="h" for="ch" forName="circ4Tx" refType="h" fact="0.21"/>
+          <dgm:constr type="ctrX" for="ch" forName="circ5" refType="w" fact="0.4221"/>
+          <dgm:constr type="ctrY" for="ch" forName="circ5" refType="h" fact="0.5578"/>
+          <dgm:constr type="w" for="ch" forName="circ5" refType="w" fact="0.24"/>
+          <dgm:constr type="h" for="ch" forName="circ5" refType="h" fact="0.3084"/>
+          <dgm:constr type="l" for="ch" forName="circ5Tx" refType="w" fact="0"/>
+          <dgm:constr type="t" for="ch" forName="circ5Tx" refType="h" fact="0.543"/>
+          <dgm:constr type="w" for="ch" forName="circ5Tx" refType="w" fact="0.2843"/>
+          <dgm:constr type="h" for="ch" forName="circ5Tx" refType="h" fact="0.257"/>
+          <dgm:constr type="ctrX" for="ch" forName="circ6" refType="w" fact="0.4221"/>
+          <dgm:constr type="ctrY" for="ch" forName="circ6" refType="h" fact="0.4422"/>
+          <dgm:constr type="w" for="ch" forName="circ6" refType="w" fact="0.24"/>
+          <dgm:constr type="h" for="ch" forName="circ6" refType="h" fact="0.3084"/>
+          <dgm:constr type="l" for="ch" forName="circ6Tx" refType="w" fact="0"/>
+          <dgm:constr type="t" for="ch" forName="circ6Tx" refType="h" fact="0.2"/>
+          <dgm:constr type="w" for="ch" forName="circ6Tx" refType="w" fact="0.2843"/>
+          <dgm:constr type="h" for="ch" forName="circ6Tx" refType="h" fact="0.257"/>
+          <dgm:constr type="primFontSz" for="ch" ptType="node" op="equ"/>
+        </dgm:constrLst>
+      </dgm:if>
+      <dgm:else name="Name16">
+        <dgm:constrLst>
+          <dgm:constr type="ctrX" for="ch" forName="circ1" refType="w" fact="0.5"/>
+          <dgm:constr type="ctrY" for="ch" forName="circ1" refType="h" fact="0.4177"/>
+          <dgm:constr type="w" for="ch" forName="circ1" refType="w" fact="0.24"/>
+          <dgm:constr type="h" for="ch" forName="circ1" refType="h" fact="0.3262"/>
+          <dgm:constr type="l" for="ch" forName="circ1Tx" refType="w" fact="0.3625"/>
+          <dgm:constr type="t" for="ch" forName="circ1Tx"/>
+          <dgm:constr type="w" for="ch" forName="circ1Tx" refType="w" fact="0.275"/>
+          <dgm:constr type="h" for="ch" forName="circ1Tx" refType="h" fact="0.2"/>
+          <dgm:constr type="ctrX" for="ch" forName="circ2" refType="w" fact="0.5704"/>
+          <dgm:constr type="ctrY" for="ch" forName="circ2" refType="h" fact="0.4637"/>
+          <dgm:constr type="w" for="ch" forName="circ2" refType="w" fact="0.24"/>
+          <dgm:constr type="h" for="ch" forName="circ2" refType="h" fact="0.3262"/>
+          <dgm:constr type="l" for="ch" forName="circ2Tx" refType="w" fact="0.72"/>
+          <dgm:constr type="t" for="ch" forName="circ2Tx" refType="h" fact="0.19"/>
+          <dgm:constr type="w" for="ch" forName="circ2Tx" refType="w" fact="0.26"/>
+          <dgm:constr type="h" for="ch" forName="circ2Tx" refType="h" fact="0.22"/>
+          <dgm:constr type="ctrX" for="ch" forName="circ3" refType="w" fact="0.5877"/>
+          <dgm:constr type="ctrY" for="ch" forName="circ3" refType="h" fact="0.5672"/>
+          <dgm:constr type="w" for="ch" forName="circ3" refType="w" fact="0.24"/>
+          <dgm:constr type="h" for="ch" forName="circ3" refType="h" fact="0.3262"/>
+          <dgm:constr type="l" for="ch" forName="circ3Tx" refType="w" fact="0.745"/>
+          <dgm:constr type="t" for="ch" forName="circ3Tx" refType="h" fact="0.47"/>
+          <dgm:constr type="w" for="ch" forName="circ3Tx" refType="w" fact="0.255"/>
+          <dgm:constr type="h" for="ch" forName="circ3Tx" refType="h" fact="0.235"/>
+          <dgm:constr type="ctrX" for="ch" forName="circ4" refType="w" fact="0.539"/>
+          <dgm:constr type="ctrY" for="ch" forName="circ4" refType="h" fact="0.6502"/>
+          <dgm:constr type="w" for="ch" forName="circ4" refType="w" fact="0.24"/>
+          <dgm:constr type="h" for="ch" forName="circ4" refType="h" fact="0.3262"/>
+          <dgm:constr type="l" for="ch" forName="circ4Tx" refType="w" fact="0.635"/>
+          <dgm:constr type="t" for="ch" forName="circ4Tx" refType="h" fact="0.785"/>
+          <dgm:constr type="w" for="ch" forName="circ4Tx" refType="w" fact="0.275"/>
+          <dgm:constr type="h" for="ch" forName="circ4Tx" refType="h" fact="0.215"/>
+          <dgm:constr type="ctrX" for="ch" forName="circ5" refType="w" fact="0.461"/>
+          <dgm:constr type="ctrY" for="ch" forName="circ5" refType="h" fact="0.6502"/>
+          <dgm:constr type="w" for="ch" forName="circ5" refType="w" fact="0.24"/>
+          <dgm:constr type="h" for="ch" forName="circ5" refType="h" fact="0.3262"/>
+          <dgm:constr type="l" for="ch" forName="circ5Tx" refType="w" fact="0.09"/>
+          <dgm:constr type="t" for="ch" forName="circ5Tx" refType="h" fact="0.785"/>
+          <dgm:constr type="w" for="ch" forName="circ5Tx" refType="w" fact="0.275"/>
+          <dgm:constr type="h" for="ch" forName="circ5Tx" refType="h" fact="0.215"/>
+          <dgm:constr type="ctrX" for="ch" forName="circ6" refType="w" fact="0.4123"/>
+          <dgm:constr type="ctrY" for="ch" forName="circ6" refType="h" fact="0.5672"/>
+          <dgm:constr type="w" for="ch" forName="circ6" refType="w" fact="0.24"/>
+          <dgm:constr type="h" for="ch" forName="circ6" refType="h" fact="0.3262"/>
+          <dgm:constr type="l" for="ch" forName="circ6Tx"/>
+          <dgm:constr type="t" for="ch" forName="circ6Tx" refType="h" fact="0.47"/>
+          <dgm:constr type="w" for="ch" forName="circ6Tx" refType="w" fact="0.255"/>
+          <dgm:constr type="h" for="ch" forName="circ6Tx" refType="h" fact="0.235"/>
+          <dgm:constr type="ctrX" for="ch" forName="circ7" refType="w" fact="0.4296"/>
+          <dgm:constr type="ctrY" for="ch" forName="circ7" refType="h" fact="0.4637"/>
+          <dgm:constr type="w" for="ch" forName="circ7" refType="w" fact="0.24"/>
+          <dgm:constr type="h" for="ch" forName="circ7" refType="h" fact="0.3262"/>
+          <dgm:constr type="l" for="ch" forName="circ7Tx" refType="w" fact="0.02"/>
+          <dgm:constr type="t" for="ch" forName="circ7Tx" refType="h" fact="0.19"/>
+          <dgm:constr type="w" for="ch" forName="circ7Tx" refType="w" fact="0.26"/>
+          <dgm:constr type="h" for="ch" forName="circ7Tx" refType="h" fact="0.22"/>
+          <dgm:constr type="primFontSz" for="ch" ptType="node" op="equ"/>
+        </dgm:constrLst>
+      </dgm:else>
+    </dgm:choose>
+    <dgm:ruleLst/>
+    <dgm:forEach name="Name17" axis="ch" ptType="node" cnt="1">
+      <dgm:choose name="Name18">
+        <dgm:if name="Name19" axis="root ch" ptType="all node" func="cnt" op="equ" val="1">
+          <dgm:layoutNode name="circ1TxSh" styleLbl="vennNode1">
+            <dgm:alg type="tx">
+              <dgm:param type="txAnchorHorzCh" val="ctr"/>
+              <dgm:param type="txAnchorVertCh" val="mid"/>
+            </dgm:alg>
+            <dgm:shape xmlns:r="http://schemas.openxmlformats.org/officeDocument/2006/relationships" type="ellipse" r:blip="">
+              <dgm:adjLst/>
+            </dgm:shape>
+            <dgm:choose name="Name20">
+              <dgm:if name="Name21" func="var" arg="dir" op="equ" val="norm">
+                <dgm:choose name="Name22">
+                  <dgm:if name="Name23" axis="root ch" ptType="all node" func="cnt" op="lte" val="4">
+                    <dgm:presOf axis="desOrSelf" ptType="node"/>
+                  </dgm:if>
+                  <dgm:else name="Name24">
+                    <dgm:presOf/>
+                  </dgm:else>
+                </dgm:choose>
+              </dgm:if>
+              <dgm:else name="Name25">
+                <dgm:choose name="Name26">
+                  <dgm:if name="Name27" axis="root ch" ptType="all node" func="cnt" op="equ" val="2">
+                    <dgm:presOf axis="root ch desOrSelf" ptType="all node node" st="1 2 1" cnt="1 1 0"/>
+                  </dgm:if>
+                  <dgm:else name="Name28">
+                    <dgm:presOf axis="desOrSelf" ptType="node"/>
+                  </dgm:else>
+                </dgm:choose>
+              </dgm:else>
+            </dgm:choose>
+            <dgm:constrLst>
+              <dgm:constr type="tMarg"/>
+              <dgm:constr type="bMarg"/>
+              <dgm:constr type="lMarg"/>
+              <dgm:constr type="rMarg"/>
+              <dgm:constr type="primFontSz" val="65"/>
+            </dgm:constrLst>
+            <dgm:ruleLst>
+              <dgm:rule type="primFontSz" val="5" fact="NaN" max="NaN"/>
+            </dgm:ruleLst>
+          </dgm:layoutNode>
+        </dgm:if>
+        <dgm:else name="Name29">
+          <dgm:layoutNode name="circ1" styleLbl="vennNode1">
+            <dgm:alg type="sp"/>
+            <dgm:shape xmlns:r="http://schemas.openxmlformats.org/officeDocument/2006/relationships" type="ellipse" r:blip="">
+              <dgm:adjLst/>
+            </dgm:shape>
+            <dgm:choose name="Name30">
+              <dgm:if name="Name31" func="var" arg="dir" op="equ" val="norm">
+                <dgm:choose name="Name32">
+                  <dgm:if name="Name33" axis="root ch" ptType="all node" func="cnt" op="lte" val="4">
+                    <dgm:presOf axis="desOrSelf" ptType="node"/>
+                  </dgm:if>
+                  <dgm:else name="Name34">
+                    <dgm:presOf/>
+                  </dgm:else>
+                </dgm:choose>
+              </dgm:if>
+              <dgm:else name="Name35">
+                <dgm:choose name="Name36">
+                  <dgm:if name="Name37" axis="root ch" ptType="all node" func="cnt" op="equ" val="2">
+                    <dgm:presOf axis="root ch desOrSelf" ptType="all node node" st="1 2 1" cnt="1 1 0"/>
+                  </dgm:if>
+                  <dgm:else name="Name38">
+                    <dgm:choose name="Name39">
+                      <dgm:if name="Name40" axis="root ch" ptType="all node" func="cnt" op="lte" val="4">
+                        <dgm:presOf axis="desOrSelf" ptType="node"/>
+                      </dgm:if>
+                      <dgm:else name="Name41">
+                        <dgm:presOf/>
+                      </dgm:else>
+                    </dgm:choose>
+                  </dgm:else>
+                </dgm:choose>
+              </dgm:else>
+            </dgm:choose>
+            <dgm:constrLst/>
+            <dgm:ruleLst/>
+          </dgm:layoutNode>
+          <dgm:layoutNode name="circ1Tx" styleLbl="revTx">
+            <dgm:varLst>
+              <dgm:chMax val="0"/>
+              <dgm:chPref val="0"/>
+              <dgm:bulletEnabled val="1"/>
+            </dgm:varLst>
+            <dgm:alg type="tx">
+              <dgm:param type="txAnchorHorzCh" val="ctr"/>
+              <dgm:param type="txAnchorVertCh" val="mid"/>
+            </dgm:alg>
+            <dgm:shape xmlns:r="http://schemas.openxmlformats.org/officeDocument/2006/relationships" type="rect" r:blip="" hideGeom="1">
+              <dgm:adjLst/>
+            </dgm:shape>
+            <dgm:choose name="Name42">
+              <dgm:if name="Name43" func="var" arg="dir" op="equ" val="norm">
+                <dgm:presOf axis="desOrSelf" ptType="node"/>
+              </dgm:if>
+              <dgm:else name="Name44">
+                <dgm:choose name="Name45">
+                  <dgm:if name="Name46" axis="root ch" ptType="all node" func="cnt" op="equ" val="2">
+                    <dgm:presOf axis="root ch desOrSelf" ptType="all node node" st="1 2 1" cnt="1 1 0"/>
+                  </dgm:if>
+                  <dgm:else name="Name47">
+                    <dgm:presOf axis="desOrSelf" ptType="node"/>
+                  </dgm:else>
+                </dgm:choose>
+              </dgm:else>
+            </dgm:choose>
+            <dgm:constrLst>
+              <dgm:constr type="tMarg"/>
+              <dgm:constr type="bMarg"/>
+              <dgm:constr type="lMarg"/>
+              <dgm:constr type="rMarg"/>
+              <dgm:constr type="primFontSz" val="65"/>
+            </dgm:constrLst>
+            <dgm:ruleLst>
+              <dgm:rule type="primFontSz" val="5" fact="NaN" max="NaN"/>
+            </dgm:ruleLst>
+          </dgm:layoutNode>
+        </dgm:else>
+      </dgm:choose>
+    </dgm:forEach>
+    <dgm:forEach name="Name48" axis="ch" ptType="node" st="2" cnt="1">
+      <dgm:layoutNode name="circ2" styleLbl="vennNode1">
+        <dgm:alg type="sp"/>
+        <dgm:shape xmlns:r="http://schemas.openxmlformats.org/officeDocument/2006/relationships" type="ellipse" r:blip="">
+          <dgm:adjLst/>
+        </dgm:shape>
+        <dgm:choose name="Name49">
+          <dgm:if name="Name50" func="var" arg="dir" op="equ" val="norm">
+            <dgm:choose name="Name51">
+              <dgm:if name="Name52" axis="root ch" ptType="all node" func="cnt" op="lte" val="4">
+                <dgm:presOf axis="desOrSelf" ptType="node"/>
+              </dgm:if>
+              <dgm:else name="Name53">
+                <dgm:presOf/>
+              </dgm:else>
+            </dgm:choose>
+          </dgm:if>
+          <dgm:else name="Name54">
+            <dgm:choose name="Name55">
+              <dgm:if name="Name56" axis="root ch" ptType="all node" func="cnt" op="equ" val="2">
+                <dgm:presOf axis="root ch desOrSelf" ptType="all node node" st="1 1 1" cnt="1 1 0"/>
+              </dgm:if>
+              <dgm:if name="Name57" axis="root ch" ptType="all node" func="cnt" op="equ" val="3">
+                <dgm:presOf axis="root ch desOrSelf" ptType="all node node" st="1 3 1" cnt="1 1 0"/>
+              </dgm:if>
+              <dgm:if name="Name58" axis="root ch" ptType="all node" func="cnt" op="equ" val="4">
+                <dgm:presOf axis="root ch desOrSelf" ptType="all node node" st="1 4 1" cnt="1 1 0"/>
+              </dgm:if>
+              <dgm:else name="Name59">
+                <dgm:presOf/>
+              </dgm:else>
+            </dgm:choose>
+          </dgm:else>
+        </dgm:choose>
+        <dgm:constrLst/>
+        <dgm:ruleLst/>
+      </dgm:layoutNode>
+      <dgm:layoutNode name="circ2Tx" styleLbl="revTx">
+        <dgm:varLst>
+          <dgm:chMax val="0"/>
+          <dgm:chPref val="0"/>
+          <dgm:bulletEnabled val="1"/>
+        </dgm:varLst>
+        <dgm:alg type="tx">
+          <dgm:param type="txAnchorHorzCh" val="ctr"/>
+          <dgm:param type="txAnchorVertCh" val="mid"/>
+        </dgm:alg>
+        <dgm:shape xmlns:r="http://schemas.openxmlformats.org/officeDocument/2006/relationships" type="rect" r:blip="" hideGeom="1">
+          <dgm:adjLst/>
+        </dgm:shape>
+        <dgm:choose name="Name60">
+          <dgm:if name="Name61" func="var" arg="dir" op="equ" val="norm">
+            <dgm:presOf axis="desOrSelf" ptType="node"/>
+          </dgm:if>
+          <dgm:else name="Name62">
+            <dgm:choose name="Name63">
+              <dgm:if name="Name64" axis="root ch" ptType="all node" func="cnt" op="equ" val="2">
+                <dgm:presOf axis="root ch desOrSelf" ptType="all node node" st="1 1 1" cnt="1 1 0"/>
+              </dgm:if>
+              <dgm:if name="Name65" axis="root ch" ptType="all node" func="cnt" op="equ" val="3">
+                <dgm:presOf axis="root ch desOrSelf" ptType="all node node" st="1 3 1" cnt="1 1 0"/>
+              </dgm:if>
+              <dgm:if name="Name66" axis="root ch" ptType="all node" func="cnt" op="equ" val="4">
+                <dgm:presOf axis="root ch desOrSelf" ptType="all node node" st="1 4 1" cnt="1 1 0"/>
+              </dgm:if>
+              <dgm:if name="Name67" axis="root ch" ptType="all node" func="cnt" op="equ" val="5">
+                <dgm:presOf axis="root ch desOrSelf" ptType="all node node" st="1 5 1" cnt="1 1 0"/>
+              </dgm:if>
+              <dgm:if name="Name68" axis="root ch" ptType="all node" func="cnt" op="equ" val="6">
+                <dgm:presOf axis="root ch desOrSelf" ptType="all node node" st="1 6 1" cnt="1 1 0"/>
+              </dgm:if>
+              <dgm:else name="Name69">
+                <dgm:presOf axis="root ch desOrSelf" ptType="all node node" st="1 7 1" cnt="1 1 0"/>
+              </dgm:else>
+            </dgm:choose>
+          </dgm:else>
+        </dgm:choose>
+        <dgm:constrLst>
+          <dgm:constr type="tMarg"/>
+          <dgm:constr type="bMarg"/>
+          <dgm:constr type="lMarg"/>
+          <dgm:constr type="rMarg"/>
+          <dgm:constr type="primFontSz" val="65"/>
+        </dgm:constrLst>
+        <dgm:ruleLst>
+          <dgm:rule type="primFontSz" val="5" fact="NaN" max="NaN"/>
+        </dgm:ruleLst>
+      </dgm:layoutNode>
+    </dgm:forEach>
+    <dgm:forEach name="Name70" axis="ch" ptType="node" st="3" cnt="1">
+      <dgm:layoutNode name="circ3" styleLbl="vennNode1">
+        <dgm:alg type="sp"/>
+        <dgm:shape xmlns:r="http://schemas.openxmlformats.org/officeDocument/2006/relationships" type="ellipse" r:blip="">
+          <dgm:adjLst/>
+        </dgm:shape>
+        <dgm:choose name="Name71">
+          <dgm:if name="Name72" func="var" arg="dir" op="equ" val="norm">
+            <dgm:choose name="Name73">
+              <dgm:if name="Name74" axis="root ch" ptType="all node" func="cnt" op="lte" val="4">
+                <dgm:presOf axis="desOrSelf" ptType="node"/>
+              </dgm:if>
+              <dgm:else name="Name75">
+                <dgm:presOf/>
+              </dgm:else>
+            </dgm:choose>
+          </dgm:if>
+          <dgm:else name="Name76">
+            <dgm:choose name="Name77">
+              <dgm:if name="Name78" axis="root ch" ptType="all node" func="cnt" op="equ" val="3">
+                <dgm:presOf axis="root ch desOrSelf" ptType="all node node" st="1 2 1" cnt="1 1 0"/>
+              </dgm:if>
+              <dgm:if name="Name79" axis="root ch" ptType="all node" func="cnt" op="equ" val="4">
+                <dgm:presOf axis="root ch desOrSelf" ptType="all node node" st="1 3 1" cnt="1 1 0"/>
+              </dgm:if>
+              <dgm:else name="Name80">
+                <dgm:presOf/>
+              </dgm:else>
+            </dgm:choose>
+          </dgm:else>
+        </dgm:choose>
+        <dgm:constrLst/>
+        <dgm:ruleLst/>
+      </dgm:layoutNode>
+      <dgm:layoutNode name="circ3Tx" styleLbl="revTx">
+        <dgm:varLst>
+          <dgm:chMax val="0"/>
+          <dgm:chPref val="0"/>
+          <dgm:bulletEnabled val="1"/>
+        </dgm:varLst>
+        <dgm:alg type="tx">
+          <dgm:param type="txAnchorHorzCh" val="ctr"/>
+          <dgm:param type="txAnchorVertCh" val="mid"/>
+        </dgm:alg>
+        <dgm:shape xmlns:r="http://schemas.openxmlformats.org/officeDocument/2006/relationships" type="rect" r:blip="" hideGeom="1">
+          <dgm:adjLst/>
+        </dgm:shape>
+        <dgm:choose name="Name81">
+          <dgm:if name="Name82" func="var" arg="dir" op="equ" val="norm">
+            <dgm:presOf axis="desOrSelf" ptType="node"/>
+          </dgm:if>
+          <dgm:else name="Name83">
+            <dgm:choose name="Name84">
+              <dgm:if name="Name85" axis="root ch" ptType="all node" func="cnt" op="equ" val="3">
+                <dgm:presOf axis="root ch desOrSelf" ptType="all node node" st="1 2 1" cnt="1 1 0"/>
+              </dgm:if>
+              <dgm:if name="Name86" axis="root ch" ptType="all node" func="cnt" op="equ" val="4">
+                <dgm:presOf axis="root ch desOrSelf" ptType="all node node" st="1 3 1" cnt="1 1 0"/>
+              </dgm:if>
+              <dgm:if name="Name87" axis="root ch" ptType="all node" func="cnt" op="equ" val="5">
+                <dgm:presOf axis="root ch desOrSelf" ptType="all node node" st="1 4 1" cnt="1 1 0"/>
+              </dgm:if>
+              <dgm:if name="Name88" axis="root ch" ptType="all node" func="cnt" op="equ" val="6">
+                <dgm:presOf axis="root ch desOrSelf" ptType="all node node" st="1 5 1" cnt="1 1 0"/>
+              </dgm:if>
+              <dgm:else name="Name89">
+                <dgm:presOf axis="root ch desOrSelf" ptType="all node node" st="1 6 1" cnt="1 1 0"/>
+              </dgm:else>
+            </dgm:choose>
+          </dgm:else>
+        </dgm:choose>
+        <dgm:constrLst>
+          <dgm:constr type="tMarg"/>
+          <dgm:constr type="bMarg"/>
+          <dgm:constr type="lMarg"/>
+          <dgm:constr type="rMarg"/>
+          <dgm:constr type="primFontSz" val="65"/>
+        </dgm:constrLst>
+        <dgm:ruleLst>
+          <dgm:rule type="primFontSz" val="5" fact="NaN" max="NaN"/>
+        </dgm:ruleLst>
+      </dgm:layoutNode>
+    </dgm:forEach>
+    <dgm:forEach name="Name90" axis="ch" ptType="node" st="4" cnt="1">
+      <dgm:layoutNode name="circ4" styleLbl="vennNode1">
+        <dgm:alg type="sp"/>
+        <dgm:shape xmlns:r="http://schemas.openxmlformats.org/officeDocument/2006/relationships" type="ellipse" r:blip="">
+          <dgm:adjLst/>
+        </dgm:shape>
+        <dgm:choose name="Name91">
+          <dgm:if name="Name92" func="var" arg="dir" op="equ" val="norm">
+            <dgm:choose name="Name93">
+              <dgm:if name="Name94" axis="root ch" ptType="all node" func="cnt" op="lte" val="4">
+                <dgm:presOf axis="desOrSelf" ptType="node"/>
+              </dgm:if>
+              <dgm:else name="Name95">
+                <dgm:presOf/>
+              </dgm:else>
+            </dgm:choose>
+          </dgm:if>
+          <dgm:else name="Name96">
+            <dgm:choose name="Name97">
+              <dgm:if name="Name98" axis="root ch" ptType="all node" func="cnt" op="equ" val="4">
+                <dgm:presOf axis="root ch desOrSelf" ptType="all node node" st="1 2 1" cnt="1 1 0"/>
+              </dgm:if>
+              <dgm:else name="Name99">
+                <dgm:presOf/>
+              </dgm:else>
+            </dgm:choose>
+          </dgm:else>
+        </dgm:choose>
+        <dgm:constrLst/>
+        <dgm:ruleLst/>
+      </dgm:layoutNode>
+      <dgm:layoutNode name="circ4Tx" styleLbl="revTx">
+        <dgm:varLst>
+          <dgm:chMax val="0"/>
+          <dgm:chPref val="0"/>
+          <dgm:bulletEnabled val="1"/>
+        </dgm:varLst>
+        <dgm:alg type="tx">
+          <dgm:param type="txAnchorHorzCh" val="ctr"/>
+          <dgm:param type="txAnchorVertCh" val="mid"/>
+        </dgm:alg>
+        <dgm:shape xmlns:r="http://schemas.openxmlformats.org/officeDocument/2006/relationships" type="rect" r:blip="" hideGeom="1">
+          <dgm:adjLst/>
+        </dgm:shape>
+        <dgm:choose name="Name100">
+          <dgm:if name="Name101" func="var" arg="dir" op="equ" val="norm">
+            <dgm:presOf axis="desOrSelf" ptType="node"/>
+          </dgm:if>
+          <dgm:else name="Name102">
+            <dgm:choose name="Name103">
+              <dgm:if name="Name104" axis="root ch" ptType="all node" func="cnt" op="equ" val="4">
+                <dgm:presOf axis="root ch desOrSelf" ptType="all node node" st="1 2 1" cnt="1 1 0"/>
+              </dgm:if>
+              <dgm:if name="Name105" axis="root ch" ptType="all node" func="cnt" op="equ" val="5">
+                <dgm:presOf axis="root ch desOrSelf" ptType="all node node" st="1 3 1" cnt="1 1 0"/>
+              </dgm:if>
+              <dgm:if name="Name106" axis="root ch" ptType="all node" func="cnt" op="equ" val="6">
+                <dgm:presOf axis="root ch desOrSelf" ptType="all node node" st="1 4 1" cnt="1 1 0"/>
+              </dgm:if>
+              <dgm:else name="Name107">
+                <dgm:presOf axis="root ch desOrSelf" ptType="all node node" st="1 5 1" cnt="1 1 0"/>
+              </dgm:else>
+            </dgm:choose>
+          </dgm:else>
+        </dgm:choose>
+        <dgm:constrLst>
+          <dgm:constr type="tMarg"/>
+          <dgm:constr type="bMarg"/>
+          <dgm:constr type="lMarg"/>
+          <dgm:constr type="rMarg"/>
+          <dgm:constr type="primFontSz" val="65"/>
+        </dgm:constrLst>
+        <dgm:ruleLst>
+          <dgm:rule type="primFontSz" val="5" fact="NaN" max="NaN"/>
+        </dgm:ruleLst>
+      </dgm:layoutNode>
+    </dgm:forEach>
+    <dgm:forEach name="Name108" axis="ch" ptType="node" st="5" cnt="1">
+      <dgm:layoutNode name="circ5" styleLbl="vennNode1">
+        <dgm:alg type="sp"/>
+        <dgm:shape xmlns:r="http://schemas.openxmlformats.org/officeDocument/2006/relationships" type="ellipse" r:blip="">
+          <dgm:adjLst/>
+        </dgm:shape>
+        <dgm:presOf/>
+        <dgm:constrLst/>
+        <dgm:ruleLst/>
+      </dgm:layoutNode>
+      <dgm:layoutNode name="circ5Tx" styleLbl="revTx">
+        <dgm:varLst>
+          <dgm:chMax val="0"/>
+          <dgm:chPref val="0"/>
+          <dgm:bulletEnabled val="1"/>
+        </dgm:varLst>
+        <dgm:alg type="tx">
+          <dgm:param type="txAnchorHorzCh" val="ctr"/>
+          <dgm:param type="txAnchorVertCh" val="mid"/>
+        </dgm:alg>
+        <dgm:shape xmlns:r="http://schemas.openxmlformats.org/officeDocument/2006/relationships" type="rect" r:blip="" hideGeom="1">
+          <dgm:adjLst/>
+        </dgm:shape>
+        <dgm:choose name="Name109">
+          <dgm:if name="Name110" func="var" arg="dir" op="equ" val="norm">
+            <dgm:presOf axis="desOrSelf" ptType="node"/>
+          </dgm:if>
+          <dgm:else name="Name111">
+            <dgm:choose name="Name112">
+              <dgm:if name="Name113" axis="root ch" ptType="all node" func="cnt" op="equ" val="5">
+                <dgm:presOf axis="root ch desOrSelf" ptType="all node node" st="1 2 1" cnt="1 1 0"/>
+              </dgm:if>
+              <dgm:if name="Name114" axis="root ch" ptType="all node" func="cnt" op="equ" val="6">
+                <dgm:presOf axis="root ch desOrSelf" ptType="all node node" st="1 3 1" cnt="1 1 0"/>
+              </dgm:if>
+              <dgm:else name="Name115">
+                <dgm:presOf axis="root ch desOrSelf" ptType="all node node" st="1 4 1" cnt="1 1 0"/>
+              </dgm:else>
+            </dgm:choose>
+          </dgm:else>
+        </dgm:choose>
+        <dgm:constrLst>
+          <dgm:constr type="tMarg"/>
+          <dgm:constr type="bMarg"/>
+          <dgm:constr type="lMarg"/>
+          <dgm:constr type="rMarg"/>
+          <dgm:constr type="primFontSz" val="65"/>
+        </dgm:constrLst>
+        <dgm:ruleLst>
+          <dgm:rule type="primFontSz" val="5" fact="NaN" max="NaN"/>
+        </dgm:ruleLst>
+      </dgm:layoutNode>
+    </dgm:forEach>
+    <dgm:forEach name="Name116" axis="ch" ptType="node" st="6" cnt="1">
+      <dgm:layoutNode name="circ6" styleLbl="vennNode1">
+        <dgm:alg type="sp"/>
+        <dgm:shape xmlns:r="http://schemas.openxmlformats.org/officeDocument/2006/relationships" type="ellipse" r:blip="">
+          <dgm:adjLst/>
+        </dgm:shape>
+        <dgm:presOf/>
+        <dgm:constrLst/>
+        <dgm:ruleLst/>
+      </dgm:layoutNode>
+      <dgm:layoutNode name="circ6Tx" styleLbl="revTx">
+        <dgm:varLst>
+          <dgm:chMax val="0"/>
+          <dgm:chPref val="0"/>
+          <dgm:bulletEnabled val="1"/>
+        </dgm:varLst>
+        <dgm:alg type="tx">
+          <dgm:param type="txAnchorHorzCh" val="ctr"/>
+          <dgm:param type="txAnchorVertCh" val="mid"/>
+        </dgm:alg>
+        <dgm:shape xmlns:r="http://schemas.openxmlformats.org/officeDocument/2006/relationships" type="rect" r:blip="" hideGeom="1">
+          <dgm:adjLst/>
+        </dgm:shape>
+        <dgm:choose name="Name117">
+          <dgm:if name="Name118" func="var" arg="dir" op="equ" val="norm">
+            <dgm:presOf axis="desOrSelf" ptType="node"/>
+          </dgm:if>
+          <dgm:else name="Name119">
+            <dgm:choose name="Name120">
+              <dgm:if name="Name121" axis="root ch" ptType="all node" func="cnt" op="equ" val="6">
+                <dgm:presOf axis="root ch desOrSelf" ptType="all node node" st="1 2 1" cnt="1 1 0"/>
+              </dgm:if>
+              <dgm:else name="Name122">
+                <dgm:presOf axis="root ch desOrSelf" ptType="all node node" st="1 3 1" cnt="1 1 0"/>
+              </dgm:else>
+            </dgm:choose>
+          </dgm:else>
+        </dgm:choose>
+        <dgm:constrLst>
+          <dgm:constr type="tMarg"/>
+          <dgm:constr type="bMarg"/>
+          <dgm:constr type="lMarg"/>
+          <dgm:constr type="rMarg"/>
+          <dgm:constr type="primFontSz" val="65"/>
+        </dgm:constrLst>
+        <dgm:ruleLst>
+          <dgm:rule type="primFontSz" val="5" fact="NaN" max="NaN"/>
+        </dgm:ruleLst>
+      </dgm:layoutNode>
+    </dgm:forEach>
+    <dgm:forEach name="Name123" axis="ch" ptType="node" st="7" cnt="1">
+      <dgm:layoutNode name="circ7" styleLbl="vennNode1">
+        <dgm:alg type="sp"/>
+        <dgm:shape xmlns:r="http://schemas.openxmlformats.org/officeDocument/2006/relationships" type="ellipse" r:blip="">
+          <dgm:adjLst/>
+        </dgm:shape>
+        <dgm:presOf/>
+        <dgm:constrLst/>
+        <dgm:ruleLst/>
+      </dgm:layoutNode>
+      <dgm:layoutNode name="circ7Tx" styleLbl="revTx">
+        <dgm:varLst>
+          <dgm:chMax val="0"/>
+          <dgm:chPref val="0"/>
+          <dgm:bulletEnabled val="1"/>
+        </dgm:varLst>
+        <dgm:alg type="tx">
+          <dgm:param type="txAnchorHorzCh" val="ctr"/>
+          <dgm:param type="txAnchorVertCh" val="mid"/>
+        </dgm:alg>
+        <dgm:shape xmlns:r="http://schemas.openxmlformats.org/officeDocument/2006/relationships" type="rect" r:blip="" hideGeom="1">
+          <dgm:adjLst/>
+        </dgm:shape>
+        <dgm:choose name="Name124">
+          <dgm:if name="Name125" func="var" arg="dir" op="equ" val="norm">
+            <dgm:presOf axis="desOrSelf" ptType="node"/>
+          </dgm:if>
+          <dgm:else name="Name126">
+            <dgm:presOf axis="root ch desOrSelf" ptType="all node node" st="1 2 1" cnt="1 1 0"/>
+          </dgm:else>
+        </dgm:choose>
+        <dgm:constrLst>
+          <dgm:constr type="tMarg"/>
+          <dgm:constr type="bMarg"/>
+          <dgm:constr type="lMarg"/>
+          <dgm:constr type="rMarg"/>
+          <dgm:constr type="primFontSz" val="65"/>
+        </dgm:constrLst>
+        <dgm:ruleLst>
+          <dgm:rule type="primFontSz" val="5" fact="NaN" max="NaN"/>
+        </dgm:ruleLst>
+      </dgm:layoutNode>
+    </dgm:forEach>
+  </dgm:layoutNode>
+</dgm:layoutDef>
+</file>
+
 <file path=ppt/diagrams/quickStyle1.xml><?xml version="1.0" encoding="utf-8"?>
 <dgm:styleDef xmlns:dgm="http://schemas.openxmlformats.org/drawingml/2006/diagram" xmlns:a="http://schemas.openxmlformats.org/drawingml/2006/main" uniqueId="urn:microsoft.com/office/officeart/2005/8/quickstyle/simple1">
   <dgm:title val=""/>
@@ -11079,6 +13983,1040 @@
 </file>
 
 <file path=ppt/diagrams/quickStyle5.xml><?xml version="1.0" encoding="utf-8"?>
+<dgm:styleDef xmlns:dgm="http://schemas.openxmlformats.org/drawingml/2006/diagram" xmlns:a="http://schemas.openxmlformats.org/drawingml/2006/main" uniqueId="urn:microsoft.com/office/officeart/2005/8/quickstyle/simple1">
+  <dgm:title val=""/>
+  <dgm:desc val=""/>
+  <dgm:catLst>
+    <dgm:cat type="simple" pri="10100"/>
+  </dgm:catLst>
+  <dgm:scene3d>
+    <a:camera prst="orthographicFront"/>
+    <a:lightRig rig="threePt" dir="t"/>
+  </dgm:scene3d>
+  <dgm:styleLbl name="node0">
+    <dgm:scene3d>
+      <a:camera prst="orthographicFront"/>
+      <a:lightRig rig="threePt" dir="t"/>
+    </dgm:scene3d>
+    <dgm:sp3d/>
+    <dgm:txPr/>
+    <dgm:style>
+      <a:lnRef idx="2">
+        <a:scrgbClr r="0" g="0" b="0"/>
+      </a:lnRef>
+      <a:fillRef idx="1">
+        <a:scrgbClr r="0" g="0" b="0"/>
+      </a:fillRef>
+      <a:effectRef idx="0">
+        <a:scrgbClr r="0" g="0" b="0"/>
+      </a:effectRef>
+      <a:fontRef idx="minor">
+        <a:schemeClr val="lt1"/>
+      </a:fontRef>
+    </dgm:style>
+  </dgm:styleLbl>
+  <dgm:styleLbl name="lnNode1">
+    <dgm:scene3d>
+      <a:camera prst="orthographicFront"/>
+      <a:lightRig rig="threePt" dir="t"/>
+    </dgm:scene3d>
+    <dgm:sp3d/>
+    <dgm:txPr/>
+    <dgm:style>
+      <a:lnRef idx="2">
+        <a:scrgbClr r="0" g="0" b="0"/>
+      </a:lnRef>
+      <a:fillRef idx="1">
+        <a:scrgbClr r="0" g="0" b="0"/>
+      </a:fillRef>
+      <a:effectRef idx="0">
+        <a:scrgbClr r="0" g="0" b="0"/>
+      </a:effectRef>
+      <a:fontRef idx="minor">
+        <a:schemeClr val="lt1"/>
+      </a:fontRef>
+    </dgm:style>
+  </dgm:styleLbl>
+  <dgm:styleLbl name="vennNode1">
+    <dgm:scene3d>
+      <a:camera prst="orthographicFront"/>
+      <a:lightRig rig="threePt" dir="t"/>
+    </dgm:scene3d>
+    <dgm:sp3d/>
+    <dgm:txPr/>
+    <dgm:style>
+      <a:lnRef idx="2">
+        <a:scrgbClr r="0" g="0" b="0"/>
+      </a:lnRef>
+      <a:fillRef idx="1">
+        <a:scrgbClr r="0" g="0" b="0"/>
+      </a:fillRef>
+      <a:effectRef idx="0">
+        <a:scrgbClr r="0" g="0" b="0"/>
+      </a:effectRef>
+      <a:fontRef idx="minor">
+        <a:schemeClr val="tx1"/>
+      </a:fontRef>
+    </dgm:style>
+  </dgm:styleLbl>
+  <dgm:styleLbl name="alignNode1">
+    <dgm:scene3d>
+      <a:camera prst="orthographicFront"/>
+      <a:lightRig rig="threePt" dir="t"/>
+    </dgm:scene3d>
+    <dgm:sp3d/>
+    <dgm:txPr/>
+    <dgm:style>
+      <a:lnRef idx="2">
+        <a:scrgbClr r="0" g="0" b="0"/>
+      </a:lnRef>
+      <a:fillRef idx="1">
+        <a:scrgbClr r="0" g="0" b="0"/>
+      </a:fillRef>
+      <a:effectRef idx="0">
+        <a:scrgbClr r="0" g="0" b="0"/>
+      </a:effectRef>
+      <a:fontRef idx="minor">
+        <a:schemeClr val="lt1"/>
+      </a:fontRef>
+    </dgm:style>
+  </dgm:styleLbl>
+  <dgm:styleLbl name="node1">
+    <dgm:scene3d>
+      <a:camera prst="orthographicFront"/>
+      <a:lightRig rig="threePt" dir="t"/>
+    </dgm:scene3d>
+    <dgm:sp3d/>
+    <dgm:txPr/>
+    <dgm:style>
+      <a:lnRef idx="2">
+        <a:scrgbClr r="0" g="0" b="0"/>
+      </a:lnRef>
+      <a:fillRef idx="1">
+        <a:scrgbClr r="0" g="0" b="0"/>
+      </a:fillRef>
+      <a:effectRef idx="0">
+        <a:scrgbClr r="0" g="0" b="0"/>
+      </a:effectRef>
+      <a:fontRef idx="minor">
+        <a:schemeClr val="lt1"/>
+      </a:fontRef>
+    </dgm:style>
+  </dgm:styleLbl>
+  <dgm:styleLbl name="node2">
+    <dgm:scene3d>
+      <a:camera prst="orthographicFront"/>
+      <a:lightRig rig="threePt" dir="t"/>
+    </dgm:scene3d>
+    <dgm:sp3d/>
+    <dgm:txPr/>
+    <dgm:style>
+      <a:lnRef idx="2">
+        <a:scrgbClr r="0" g="0" b="0"/>
+      </a:lnRef>
+      <a:fillRef idx="1">
+        <a:scrgbClr r="0" g="0" b="0"/>
+      </a:fillRef>
+      <a:effectRef idx="0">
+        <a:scrgbClr r="0" g="0" b="0"/>
+      </a:effectRef>
+      <a:fontRef idx="minor">
+        <a:schemeClr val="lt1"/>
+      </a:fontRef>
+    </dgm:style>
+  </dgm:styleLbl>
+  <dgm:styleLbl name="node3">
+    <dgm:scene3d>
+      <a:camera prst="orthographicFront"/>
+      <a:lightRig rig="threePt" dir="t"/>
+    </dgm:scene3d>
+    <dgm:sp3d/>
+    <dgm:txPr/>
+    <dgm:style>
+      <a:lnRef idx="2">
+        <a:scrgbClr r="0" g="0" b="0"/>
+      </a:lnRef>
+      <a:fillRef idx="1">
+        <a:scrgbClr r="0" g="0" b="0"/>
+      </a:fillRef>
+      <a:effectRef idx="0">
+        <a:scrgbClr r="0" g="0" b="0"/>
+      </a:effectRef>
+      <a:fontRef idx="minor">
+        <a:schemeClr val="lt1"/>
+      </a:fontRef>
+    </dgm:style>
+  </dgm:styleLbl>
+  <dgm:styleLbl name="node4">
+    <dgm:scene3d>
+      <a:camera prst="orthographicFront"/>
+      <a:lightRig rig="threePt" dir="t"/>
+    </dgm:scene3d>
+    <dgm:sp3d/>
+    <dgm:txPr/>
+    <dgm:style>
+      <a:lnRef idx="2">
+        <a:scrgbClr r="0" g="0" b="0"/>
+      </a:lnRef>
+      <a:fillRef idx="1">
+        <a:scrgbClr r="0" g="0" b="0"/>
+      </a:fillRef>
+      <a:effectRef idx="0">
+        <a:scrgbClr r="0" g="0" b="0"/>
+      </a:effectRef>
+      <a:fontRef idx="minor">
+        <a:schemeClr val="lt1"/>
+      </a:fontRef>
+    </dgm:style>
+  </dgm:styleLbl>
+  <dgm:styleLbl name="fgImgPlace1">
+    <dgm:scene3d>
+      <a:camera prst="orthographicFront"/>
+      <a:lightRig rig="threePt" dir="t"/>
+    </dgm:scene3d>
+    <dgm:sp3d/>
+    <dgm:txPr/>
+    <dgm:style>
+      <a:lnRef idx="2">
+        <a:scrgbClr r="0" g="0" b="0"/>
+      </a:lnRef>
+      <a:fillRef idx="1">
+        <a:scrgbClr r="0" g="0" b="0"/>
+      </a:fillRef>
+      <a:effectRef idx="0">
+        <a:scrgbClr r="0" g="0" b="0"/>
+      </a:effectRef>
+      <a:fontRef idx="minor"/>
+    </dgm:style>
+  </dgm:styleLbl>
+  <dgm:styleLbl name="alignImgPlace1">
+    <dgm:scene3d>
+      <a:camera prst="orthographicFront"/>
+      <a:lightRig rig="threePt" dir="t"/>
+    </dgm:scene3d>
+    <dgm:sp3d/>
+    <dgm:txPr/>
+    <dgm:style>
+      <a:lnRef idx="2">
+        <a:scrgbClr r="0" g="0" b="0"/>
+      </a:lnRef>
+      <a:fillRef idx="1">
+        <a:scrgbClr r="0" g="0" b="0"/>
+      </a:fillRef>
+      <a:effectRef idx="0">
+        <a:scrgbClr r="0" g="0" b="0"/>
+      </a:effectRef>
+      <a:fontRef idx="minor"/>
+    </dgm:style>
+  </dgm:styleLbl>
+  <dgm:styleLbl name="bgImgPlace1">
+    <dgm:scene3d>
+      <a:camera prst="orthographicFront"/>
+      <a:lightRig rig="threePt" dir="t"/>
+    </dgm:scene3d>
+    <dgm:sp3d/>
+    <dgm:txPr/>
+    <dgm:style>
+      <a:lnRef idx="2">
+        <a:scrgbClr r="0" g="0" b="0"/>
+      </a:lnRef>
+      <a:fillRef idx="1">
+        <a:scrgbClr r="0" g="0" b="0"/>
+      </a:fillRef>
+      <a:effectRef idx="0">
+        <a:scrgbClr r="0" g="0" b="0"/>
+      </a:effectRef>
+      <a:fontRef idx="minor"/>
+    </dgm:style>
+  </dgm:styleLbl>
+  <dgm:styleLbl name="sibTrans2D1">
+    <dgm:scene3d>
+      <a:camera prst="orthographicFront"/>
+      <a:lightRig rig="threePt" dir="t"/>
+    </dgm:scene3d>
+    <dgm:sp3d/>
+    <dgm:txPr/>
+    <dgm:style>
+      <a:lnRef idx="0">
+        <a:scrgbClr r="0" g="0" b="0"/>
+      </a:lnRef>
+      <a:fillRef idx="1">
+        <a:scrgbClr r="0" g="0" b="0"/>
+      </a:fillRef>
+      <a:effectRef idx="0">
+        <a:scrgbClr r="0" g="0" b="0"/>
+      </a:effectRef>
+      <a:fontRef idx="minor">
+        <a:schemeClr val="lt1"/>
+      </a:fontRef>
+    </dgm:style>
+  </dgm:styleLbl>
+  <dgm:styleLbl name="fgSibTrans2D1">
+    <dgm:scene3d>
+      <a:camera prst="orthographicFront"/>
+      <a:lightRig rig="threePt" dir="t"/>
+    </dgm:scene3d>
+    <dgm:sp3d/>
+    <dgm:txPr/>
+    <dgm:style>
+      <a:lnRef idx="0">
+        <a:scrgbClr r="0" g="0" b="0"/>
+      </a:lnRef>
+      <a:fillRef idx="1">
+        <a:scrgbClr r="0" g="0" b="0"/>
+      </a:fillRef>
+      <a:effectRef idx="0">
+        <a:scrgbClr r="0" g="0" b="0"/>
+      </a:effectRef>
+      <a:fontRef idx="minor">
+        <a:schemeClr val="lt1"/>
+      </a:fontRef>
+    </dgm:style>
+  </dgm:styleLbl>
+  <dgm:styleLbl name="bgSibTrans2D1">
+    <dgm:scene3d>
+      <a:camera prst="orthographicFront"/>
+      <a:lightRig rig="threePt" dir="t"/>
+    </dgm:scene3d>
+    <dgm:sp3d/>
+    <dgm:txPr/>
+    <dgm:style>
+      <a:lnRef idx="0">
+        <a:scrgbClr r="0" g="0" b="0"/>
+      </a:lnRef>
+      <a:fillRef idx="1">
+        <a:scrgbClr r="0" g="0" b="0"/>
+      </a:fillRef>
+      <a:effectRef idx="0">
+        <a:scrgbClr r="0" g="0" b="0"/>
+      </a:effectRef>
+      <a:fontRef idx="minor">
+        <a:schemeClr val="lt1"/>
+      </a:fontRef>
+    </dgm:style>
+  </dgm:styleLbl>
+  <dgm:styleLbl name="sibTrans1D1">
+    <dgm:scene3d>
+      <a:camera prst="orthographicFront"/>
+      <a:lightRig rig="threePt" dir="t"/>
+    </dgm:scene3d>
+    <dgm:sp3d/>
+    <dgm:txPr/>
+    <dgm:style>
+      <a:lnRef idx="1">
+        <a:scrgbClr r="0" g="0" b="0"/>
+      </a:lnRef>
+      <a:fillRef idx="0">
+        <a:scrgbClr r="0" g="0" b="0"/>
+      </a:fillRef>
+      <a:effectRef idx="0">
+        <a:scrgbClr r="0" g="0" b="0"/>
+      </a:effectRef>
+      <a:fontRef idx="minor"/>
+    </dgm:style>
+  </dgm:styleLbl>
+  <dgm:styleLbl name="callout">
+    <dgm:scene3d>
+      <a:camera prst="orthographicFront"/>
+      <a:lightRig rig="threePt" dir="t"/>
+    </dgm:scene3d>
+    <dgm:sp3d/>
+    <dgm:txPr/>
+    <dgm:style>
+      <a:lnRef idx="2">
+        <a:scrgbClr r="0" g="0" b="0"/>
+      </a:lnRef>
+      <a:fillRef idx="1">
+        <a:scrgbClr r="0" g="0" b="0"/>
+      </a:fillRef>
+      <a:effectRef idx="0">
+        <a:scrgbClr r="0" g="0" b="0"/>
+      </a:effectRef>
+      <a:fontRef idx="minor"/>
+    </dgm:style>
+  </dgm:styleLbl>
+  <dgm:styleLbl name="asst0">
+    <dgm:scene3d>
+      <a:camera prst="orthographicFront"/>
+      <a:lightRig rig="threePt" dir="t"/>
+    </dgm:scene3d>
+    <dgm:sp3d/>
+    <dgm:txPr/>
+    <dgm:style>
+      <a:lnRef idx="2">
+        <a:scrgbClr r="0" g="0" b="0"/>
+      </a:lnRef>
+      <a:fillRef idx="1">
+        <a:scrgbClr r="0" g="0" b="0"/>
+      </a:fillRef>
+      <a:effectRef idx="0">
+        <a:scrgbClr r="0" g="0" b="0"/>
+      </a:effectRef>
+      <a:fontRef idx="minor">
+        <a:schemeClr val="lt1"/>
+      </a:fontRef>
+    </dgm:style>
+  </dgm:styleLbl>
+  <dgm:styleLbl name="asst1">
+    <dgm:scene3d>
+      <a:camera prst="orthographicFront"/>
+      <a:lightRig rig="threePt" dir="t"/>
+    </dgm:scene3d>
+    <dgm:sp3d/>
+    <dgm:txPr/>
+    <dgm:style>
+      <a:lnRef idx="2">
+        <a:scrgbClr r="0" g="0" b="0"/>
+      </a:lnRef>
+      <a:fillRef idx="1">
+        <a:scrgbClr r="0" g="0" b="0"/>
+      </a:fillRef>
+      <a:effectRef idx="0">
+        <a:scrgbClr r="0" g="0" b="0"/>
+      </a:effectRef>
+      <a:fontRef idx="minor">
+        <a:schemeClr val="lt1"/>
+      </a:fontRef>
+    </dgm:style>
+  </dgm:styleLbl>
+  <dgm:styleLbl name="asst2">
+    <dgm:scene3d>
+      <a:camera prst="orthographicFront"/>
+      <a:lightRig rig="threePt" dir="t"/>
+    </dgm:scene3d>
+    <dgm:sp3d/>
+    <dgm:txPr/>
+    <dgm:style>
+      <a:lnRef idx="2">
+        <a:scrgbClr r="0" g="0" b="0"/>
+      </a:lnRef>
+      <a:fillRef idx="1">
+        <a:scrgbClr r="0" g="0" b="0"/>
+      </a:fillRef>
+      <a:effectRef idx="0">
+        <a:scrgbClr r="0" g="0" b="0"/>
+      </a:effectRef>
+      <a:fontRef idx="minor">
+        <a:schemeClr val="lt1"/>
+      </a:fontRef>
+    </dgm:style>
+  </dgm:styleLbl>
+  <dgm:styleLbl name="asst3">
+    <dgm:scene3d>
+      <a:camera prst="orthographicFront"/>
+      <a:lightRig rig="threePt" dir="t"/>
+    </dgm:scene3d>
+    <dgm:sp3d/>
+    <dgm:txPr/>
+    <dgm:style>
+      <a:lnRef idx="2">
+        <a:scrgbClr r="0" g="0" b="0"/>
+      </a:lnRef>
+      <a:fillRef idx="1">
+        <a:scrgbClr r="0" g="0" b="0"/>
+      </a:fillRef>
+      <a:effectRef idx="0">
+        <a:scrgbClr r="0" g="0" b="0"/>
+      </a:effectRef>
+      <a:fontRef idx="minor">
+        <a:schemeClr val="lt1"/>
+      </a:fontRef>
+    </dgm:style>
+  </dgm:styleLbl>
+  <dgm:styleLbl name="asst4">
+    <dgm:scene3d>
+      <a:camera prst="orthographicFront"/>
+      <a:lightRig rig="threePt" dir="t"/>
+    </dgm:scene3d>
+    <dgm:sp3d/>
+    <dgm:txPr/>
+    <dgm:style>
+      <a:lnRef idx="2">
+        <a:scrgbClr r="0" g="0" b="0"/>
+      </a:lnRef>
+      <a:fillRef idx="1">
+        <a:scrgbClr r="0" g="0" b="0"/>
+      </a:fillRef>
+      <a:effectRef idx="0">
+        <a:scrgbClr r="0" g="0" b="0"/>
+      </a:effectRef>
+      <a:fontRef idx="minor">
+        <a:schemeClr val="lt1"/>
+      </a:fontRef>
+    </dgm:style>
+  </dgm:styleLbl>
+  <dgm:styleLbl name="parChTrans2D1">
+    <dgm:scene3d>
+      <a:camera prst="orthographicFront"/>
+      <a:lightRig rig="threePt" dir="t"/>
+    </dgm:scene3d>
+    <dgm:sp3d/>
+    <dgm:txPr/>
+    <dgm:style>
+      <a:lnRef idx="2">
+        <a:scrgbClr r="0" g="0" b="0"/>
+      </a:lnRef>
+      <a:fillRef idx="1">
+        <a:scrgbClr r="0" g="0" b="0"/>
+      </a:fillRef>
+      <a:effectRef idx="0">
+        <a:scrgbClr r="0" g="0" b="0"/>
+      </a:effectRef>
+      <a:fontRef idx="minor">
+        <a:schemeClr val="lt1"/>
+      </a:fontRef>
+    </dgm:style>
+  </dgm:styleLbl>
+  <dgm:styleLbl name="parChTrans2D2">
+    <dgm:scene3d>
+      <a:camera prst="orthographicFront"/>
+      <a:lightRig rig="threePt" dir="t"/>
+    </dgm:scene3d>
+    <dgm:sp3d/>
+    <dgm:txPr/>
+    <dgm:style>
+      <a:lnRef idx="2">
+        <a:scrgbClr r="0" g="0" b="0"/>
+      </a:lnRef>
+      <a:fillRef idx="1">
+        <a:scrgbClr r="0" g="0" b="0"/>
+      </a:fillRef>
+      <a:effectRef idx="0">
+        <a:scrgbClr r="0" g="0" b="0"/>
+      </a:effectRef>
+      <a:fontRef idx="minor">
+        <a:schemeClr val="lt1"/>
+      </a:fontRef>
+    </dgm:style>
+  </dgm:styleLbl>
+  <dgm:styleLbl name="parChTrans2D3">
+    <dgm:scene3d>
+      <a:camera prst="orthographicFront"/>
+      <a:lightRig rig="threePt" dir="t"/>
+    </dgm:scene3d>
+    <dgm:sp3d/>
+    <dgm:txPr/>
+    <dgm:style>
+      <a:lnRef idx="2">
+        <a:scrgbClr r="0" g="0" b="0"/>
+      </a:lnRef>
+      <a:fillRef idx="1">
+        <a:scrgbClr r="0" g="0" b="0"/>
+      </a:fillRef>
+      <a:effectRef idx="0">
+        <a:scrgbClr r="0" g="0" b="0"/>
+      </a:effectRef>
+      <a:fontRef idx="minor">
+        <a:schemeClr val="lt1"/>
+      </a:fontRef>
+    </dgm:style>
+  </dgm:styleLbl>
+  <dgm:styleLbl name="parChTrans2D4">
+    <dgm:scene3d>
+      <a:camera prst="orthographicFront"/>
+      <a:lightRig rig="threePt" dir="t"/>
+    </dgm:scene3d>
+    <dgm:sp3d/>
+    <dgm:txPr/>
+    <dgm:style>
+      <a:lnRef idx="2">
+        <a:scrgbClr r="0" g="0" b="0"/>
+      </a:lnRef>
+      <a:fillRef idx="1">
+        <a:scrgbClr r="0" g="0" b="0"/>
+      </a:fillRef>
+      <a:effectRef idx="0">
+        <a:scrgbClr r="0" g="0" b="0"/>
+      </a:effectRef>
+      <a:fontRef idx="minor">
+        <a:schemeClr val="lt1"/>
+      </a:fontRef>
+    </dgm:style>
+  </dgm:styleLbl>
+  <dgm:styleLbl name="parChTrans1D1">
+    <dgm:scene3d>
+      <a:camera prst="orthographicFront"/>
+      <a:lightRig rig="threePt" dir="t"/>
+    </dgm:scene3d>
+    <dgm:sp3d/>
+    <dgm:txPr/>
+    <dgm:style>
+      <a:lnRef idx="2">
+        <a:scrgbClr r="0" g="0" b="0"/>
+      </a:lnRef>
+      <a:fillRef idx="0">
+        <a:scrgbClr r="0" g="0" b="0"/>
+      </a:fillRef>
+      <a:effectRef idx="0">
+        <a:scrgbClr r="0" g="0" b="0"/>
+      </a:effectRef>
+      <a:fontRef idx="minor"/>
+    </dgm:style>
+  </dgm:styleLbl>
+  <dgm:styleLbl name="parChTrans1D2">
+    <dgm:scene3d>
+      <a:camera prst="orthographicFront"/>
+      <a:lightRig rig="threePt" dir="t"/>
+    </dgm:scene3d>
+    <dgm:sp3d/>
+    <dgm:txPr/>
+    <dgm:style>
+      <a:lnRef idx="2">
+        <a:scrgbClr r="0" g="0" b="0"/>
+      </a:lnRef>
+      <a:fillRef idx="0">
+        <a:scrgbClr r="0" g="0" b="0"/>
+      </a:fillRef>
+      <a:effectRef idx="0">
+        <a:scrgbClr r="0" g="0" b="0"/>
+      </a:effectRef>
+      <a:fontRef idx="minor"/>
+    </dgm:style>
+  </dgm:styleLbl>
+  <dgm:styleLbl name="parChTrans1D3">
+    <dgm:scene3d>
+      <a:camera prst="orthographicFront"/>
+      <a:lightRig rig="threePt" dir="t"/>
+    </dgm:scene3d>
+    <dgm:sp3d/>
+    <dgm:txPr/>
+    <dgm:style>
+      <a:lnRef idx="2">
+        <a:scrgbClr r="0" g="0" b="0"/>
+      </a:lnRef>
+      <a:fillRef idx="0">
+        <a:scrgbClr r="0" g="0" b="0"/>
+      </a:fillRef>
+      <a:effectRef idx="0">
+        <a:scrgbClr r="0" g="0" b="0"/>
+      </a:effectRef>
+      <a:fontRef idx="minor"/>
+    </dgm:style>
+  </dgm:styleLbl>
+  <dgm:styleLbl name="parChTrans1D4">
+    <dgm:scene3d>
+      <a:camera prst="orthographicFront"/>
+      <a:lightRig rig="threePt" dir="t"/>
+    </dgm:scene3d>
+    <dgm:sp3d/>
+    <dgm:txPr/>
+    <dgm:style>
+      <a:lnRef idx="2">
+        <a:scrgbClr r="0" g="0" b="0"/>
+      </a:lnRef>
+      <a:fillRef idx="0">
+        <a:scrgbClr r="0" g="0" b="0"/>
+      </a:fillRef>
+      <a:effectRef idx="0">
+        <a:scrgbClr r="0" g="0" b="0"/>
+      </a:effectRef>
+      <a:fontRef idx="minor"/>
+    </dgm:style>
+  </dgm:styleLbl>
+  <dgm:styleLbl name="fgAcc1">
+    <dgm:scene3d>
+      <a:camera prst="orthographicFront"/>
+      <a:lightRig rig="threePt" dir="t"/>
+    </dgm:scene3d>
+    <dgm:sp3d/>
+    <dgm:txPr/>
+    <dgm:style>
+      <a:lnRef idx="2">
+        <a:scrgbClr r="0" g="0" b="0"/>
+      </a:lnRef>
+      <a:fillRef idx="1">
+        <a:scrgbClr r="0" g="0" b="0"/>
+      </a:fillRef>
+      <a:effectRef idx="0">
+        <a:scrgbClr r="0" g="0" b="0"/>
+      </a:effectRef>
+      <a:fontRef idx="minor"/>
+    </dgm:style>
+  </dgm:styleLbl>
+  <dgm:styleLbl name="conFgAcc1">
+    <dgm:scene3d>
+      <a:camera prst="orthographicFront"/>
+      <a:lightRig rig="threePt" dir="t"/>
+    </dgm:scene3d>
+    <dgm:sp3d/>
+    <dgm:txPr/>
+    <dgm:style>
+      <a:lnRef idx="2">
+        <a:scrgbClr r="0" g="0" b="0"/>
+      </a:lnRef>
+      <a:fillRef idx="1">
+        <a:scrgbClr r="0" g="0" b="0"/>
+      </a:fillRef>
+      <a:effectRef idx="0">
+        <a:scrgbClr r="0" g="0" b="0"/>
+      </a:effectRef>
+      <a:fontRef idx="minor"/>
+    </dgm:style>
+  </dgm:styleLbl>
+  <dgm:styleLbl name="alignAcc1">
+    <dgm:scene3d>
+      <a:camera prst="orthographicFront"/>
+      <a:lightRig rig="threePt" dir="t"/>
+    </dgm:scene3d>
+    <dgm:sp3d/>
+    <dgm:txPr/>
+    <dgm:style>
+      <a:lnRef idx="2">
+        <a:scrgbClr r="0" g="0" b="0"/>
+      </a:lnRef>
+      <a:fillRef idx="1">
+        <a:scrgbClr r="0" g="0" b="0"/>
+      </a:fillRef>
+      <a:effectRef idx="0">
+        <a:scrgbClr r="0" g="0" b="0"/>
+      </a:effectRef>
+      <a:fontRef idx="minor"/>
+    </dgm:style>
+  </dgm:styleLbl>
+  <dgm:styleLbl name="trAlignAcc1">
+    <dgm:scene3d>
+      <a:camera prst="orthographicFront"/>
+      <a:lightRig rig="threePt" dir="t"/>
+    </dgm:scene3d>
+    <dgm:sp3d/>
+    <dgm:txPr/>
+    <dgm:style>
+      <a:lnRef idx="1">
+        <a:scrgbClr r="0" g="0" b="0"/>
+      </a:lnRef>
+      <a:fillRef idx="1">
+        <a:scrgbClr r="0" g="0" b="0"/>
+      </a:fillRef>
+      <a:effectRef idx="0">
+        <a:scrgbClr r="0" g="0" b="0"/>
+      </a:effectRef>
+      <a:fontRef idx="minor"/>
+    </dgm:style>
+  </dgm:styleLbl>
+  <dgm:styleLbl name="bgAcc1">
+    <dgm:scene3d>
+      <a:camera prst="orthographicFront"/>
+      <a:lightRig rig="threePt" dir="t"/>
+    </dgm:scene3d>
+    <dgm:sp3d/>
+    <dgm:txPr/>
+    <dgm:style>
+      <a:lnRef idx="2">
+        <a:scrgbClr r="0" g="0" b="0"/>
+      </a:lnRef>
+      <a:fillRef idx="1">
+        <a:scrgbClr r="0" g="0" b="0"/>
+      </a:fillRef>
+      <a:effectRef idx="0">
+        <a:scrgbClr r="0" g="0" b="0"/>
+      </a:effectRef>
+      <a:fontRef idx="minor"/>
+    </dgm:style>
+  </dgm:styleLbl>
+  <dgm:styleLbl name="solidFgAcc1">
+    <dgm:scene3d>
+      <a:camera prst="orthographicFront"/>
+      <a:lightRig rig="threePt" dir="t"/>
+    </dgm:scene3d>
+    <dgm:sp3d/>
+    <dgm:txPr/>
+    <dgm:style>
+      <a:lnRef idx="2">
+        <a:scrgbClr r="0" g="0" b="0"/>
+      </a:lnRef>
+      <a:fillRef idx="1">
+        <a:scrgbClr r="0" g="0" b="0"/>
+      </a:fillRef>
+      <a:effectRef idx="0">
+        <a:scrgbClr r="0" g="0" b="0"/>
+      </a:effectRef>
+      <a:fontRef idx="minor"/>
+    </dgm:style>
+  </dgm:styleLbl>
+  <dgm:styleLbl name="solidAlignAcc1">
+    <dgm:scene3d>
+      <a:camera prst="orthographicFront"/>
+      <a:lightRig rig="threePt" dir="t"/>
+    </dgm:scene3d>
+    <dgm:sp3d/>
+    <dgm:txPr/>
+    <dgm:style>
+      <a:lnRef idx="2">
+        <a:scrgbClr r="0" g="0" b="0"/>
+      </a:lnRef>
+      <a:fillRef idx="1">
+        <a:scrgbClr r="0" g="0" b="0"/>
+      </a:fillRef>
+      <a:effectRef idx="0">
+        <a:scrgbClr r="0" g="0" b="0"/>
+      </a:effectRef>
+      <a:fontRef idx="minor"/>
+    </dgm:style>
+  </dgm:styleLbl>
+  <dgm:styleLbl name="solidBgAcc1">
+    <dgm:scene3d>
+      <a:camera prst="orthographicFront"/>
+      <a:lightRig rig="threePt" dir="t"/>
+    </dgm:scene3d>
+    <dgm:sp3d/>
+    <dgm:txPr/>
+    <dgm:style>
+      <a:lnRef idx="2">
+        <a:scrgbClr r="0" g="0" b="0"/>
+      </a:lnRef>
+      <a:fillRef idx="1">
+        <a:scrgbClr r="0" g="0" b="0"/>
+      </a:fillRef>
+      <a:effectRef idx="0">
+        <a:scrgbClr r="0" g="0" b="0"/>
+      </a:effectRef>
+      <a:fontRef idx="minor"/>
+    </dgm:style>
+  </dgm:styleLbl>
+  <dgm:styleLbl name="fgAccFollowNode1">
+    <dgm:scene3d>
+      <a:camera prst="orthographicFront"/>
+      <a:lightRig rig="threePt" dir="t"/>
+    </dgm:scene3d>
+    <dgm:sp3d/>
+    <dgm:txPr/>
+    <dgm:style>
+      <a:lnRef idx="2">
+        <a:scrgbClr r="0" g="0" b="0"/>
+      </a:lnRef>
+      <a:fillRef idx="1">
+        <a:scrgbClr r="0" g="0" b="0"/>
+      </a:fillRef>
+      <a:effectRef idx="0">
+        <a:scrgbClr r="0" g="0" b="0"/>
+      </a:effectRef>
+      <a:fontRef idx="minor"/>
+    </dgm:style>
+  </dgm:styleLbl>
+  <dgm:styleLbl name="alignAccFollowNode1">
+    <dgm:scene3d>
+      <a:camera prst="orthographicFront"/>
+      <a:lightRig rig="threePt" dir="t"/>
+    </dgm:scene3d>
+    <dgm:sp3d/>
+    <dgm:txPr/>
+    <dgm:style>
+      <a:lnRef idx="2">
+        <a:scrgbClr r="0" g="0" b="0"/>
+      </a:lnRef>
+      <a:fillRef idx="1">
+        <a:scrgbClr r="0" g="0" b="0"/>
+      </a:fillRef>
+      <a:effectRef idx="0">
+        <a:scrgbClr r="0" g="0" b="0"/>
+      </a:effectRef>
+      <a:fontRef idx="minor"/>
+    </dgm:style>
+  </dgm:styleLbl>
+  <dgm:styleLbl name="bgAccFollowNode1">
+    <dgm:scene3d>
+      <a:camera prst="orthographicFront"/>
+      <a:lightRig rig="threePt" dir="t"/>
+    </dgm:scene3d>
+    <dgm:sp3d/>
+    <dgm:txPr/>
+    <dgm:style>
+      <a:lnRef idx="2">
+        <a:scrgbClr r="0" g="0" b="0"/>
+      </a:lnRef>
+      <a:fillRef idx="1">
+        <a:scrgbClr r="0" g="0" b="0"/>
+      </a:fillRef>
+      <a:effectRef idx="0">
+        <a:scrgbClr r="0" g="0" b="0"/>
+      </a:effectRef>
+      <a:fontRef idx="minor"/>
+    </dgm:style>
+  </dgm:styleLbl>
+  <dgm:styleLbl name="fgAcc0">
+    <dgm:scene3d>
+      <a:camera prst="orthographicFront"/>
+      <a:lightRig rig="threePt" dir="t"/>
+    </dgm:scene3d>
+    <dgm:sp3d/>
+    <dgm:txPr/>
+    <dgm:style>
+      <a:lnRef idx="2">
+        <a:scrgbClr r="0" g="0" b="0"/>
+      </a:lnRef>
+      <a:fillRef idx="1">
+        <a:scrgbClr r="0" g="0" b="0"/>
+      </a:fillRef>
+      <a:effectRef idx="0">
+        <a:scrgbClr r="0" g="0" b="0"/>
+      </a:effectRef>
+      <a:fontRef idx="minor"/>
+    </dgm:style>
+  </dgm:styleLbl>
+  <dgm:styleLbl name="fgAcc2">
+    <dgm:scene3d>
+      <a:camera prst="orthographicFront"/>
+      <a:lightRig rig="threePt" dir="t"/>
+    </dgm:scene3d>
+    <dgm:sp3d/>
+    <dgm:txPr/>
+    <dgm:style>
+      <a:lnRef idx="2">
+        <a:scrgbClr r="0" g="0" b="0"/>
+      </a:lnRef>
+      <a:fillRef idx="1">
+        <a:scrgbClr r="0" g="0" b="0"/>
+      </a:fillRef>
+      <a:effectRef idx="0">
+        <a:scrgbClr r="0" g="0" b="0"/>
+      </a:effectRef>
+      <a:fontRef idx="minor"/>
+    </dgm:style>
+  </dgm:styleLbl>
+  <dgm:styleLbl name="fgAcc3">
+    <dgm:scene3d>
+      <a:camera prst="orthographicFront"/>
+      <a:lightRig rig="threePt" dir="t"/>
+    </dgm:scene3d>
+    <dgm:sp3d/>
+    <dgm:txPr/>
+    <dgm:style>
+      <a:lnRef idx="2">
+        <a:scrgbClr r="0" g="0" b="0"/>
+      </a:lnRef>
+      <a:fillRef idx="1">
+        <a:scrgbClr r="0" g="0" b="0"/>
+      </a:fillRef>
+      <a:effectRef idx="0">
+        <a:scrgbClr r="0" g="0" b="0"/>
+      </a:effectRef>
+      <a:fontRef idx="minor"/>
+    </dgm:style>
+  </dgm:styleLbl>
+  <dgm:styleLbl name="fgAcc4">
+    <dgm:scene3d>
+      <a:camera prst="orthographicFront"/>
+      <a:lightRig rig="threePt" dir="t"/>
+    </dgm:scene3d>
+    <dgm:sp3d/>
+    <dgm:txPr/>
+    <dgm:style>
+      <a:lnRef idx="2">
+        <a:scrgbClr r="0" g="0" b="0"/>
+      </a:lnRef>
+      <a:fillRef idx="1">
+        <a:scrgbClr r="0" g="0" b="0"/>
+      </a:fillRef>
+      <a:effectRef idx="0">
+        <a:scrgbClr r="0" g="0" b="0"/>
+      </a:effectRef>
+      <a:fontRef idx="minor"/>
+    </dgm:style>
+  </dgm:styleLbl>
+  <dgm:styleLbl name="bgShp">
+    <dgm:scene3d>
+      <a:camera prst="orthographicFront"/>
+      <a:lightRig rig="threePt" dir="t"/>
+    </dgm:scene3d>
+    <dgm:sp3d/>
+    <dgm:txPr/>
+    <dgm:style>
+      <a:lnRef idx="0">
+        <a:scrgbClr r="0" g="0" b="0"/>
+      </a:lnRef>
+      <a:fillRef idx="1">
+        <a:scrgbClr r="0" g="0" b="0"/>
+      </a:fillRef>
+      <a:effectRef idx="0">
+        <a:scrgbClr r="0" g="0" b="0"/>
+      </a:effectRef>
+      <a:fontRef idx="minor"/>
+    </dgm:style>
+  </dgm:styleLbl>
+  <dgm:styleLbl name="dkBgShp">
+    <dgm:scene3d>
+      <a:camera prst="orthographicFront"/>
+      <a:lightRig rig="threePt" dir="t"/>
+    </dgm:scene3d>
+    <dgm:sp3d/>
+    <dgm:txPr/>
+    <dgm:style>
+      <a:lnRef idx="0">
+        <a:scrgbClr r="0" g="0" b="0"/>
+      </a:lnRef>
+      <a:fillRef idx="1">
+        <a:scrgbClr r="0" g="0" b="0"/>
+      </a:fillRef>
+      <a:effectRef idx="0">
+        <a:scrgbClr r="0" g="0" b="0"/>
+      </a:effectRef>
+      <a:fontRef idx="minor"/>
+    </dgm:style>
+  </dgm:styleLbl>
+  <dgm:styleLbl name="trBgShp">
+    <dgm:scene3d>
+      <a:camera prst="orthographicFront"/>
+      <a:lightRig rig="threePt" dir="t"/>
+    </dgm:scene3d>
+    <dgm:sp3d/>
+    <dgm:txPr/>
+    <dgm:style>
+      <a:lnRef idx="0">
+        <a:scrgbClr r="0" g="0" b="0"/>
+      </a:lnRef>
+      <a:fillRef idx="1">
+        <a:scrgbClr r="0" g="0" b="0"/>
+      </a:fillRef>
+      <a:effectRef idx="0">
+        <a:scrgbClr r="0" g="0" b="0"/>
+      </a:effectRef>
+      <a:fontRef idx="minor"/>
+    </dgm:style>
+  </dgm:styleLbl>
+  <dgm:styleLbl name="fgShp">
+    <dgm:scene3d>
+      <a:camera prst="orthographicFront"/>
+      <a:lightRig rig="threePt" dir="t"/>
+    </dgm:scene3d>
+    <dgm:sp3d/>
+    <dgm:txPr/>
+    <dgm:style>
+      <a:lnRef idx="2">
+        <a:scrgbClr r="0" g="0" b="0"/>
+      </a:lnRef>
+      <a:fillRef idx="1">
+        <a:scrgbClr r="0" g="0" b="0"/>
+      </a:fillRef>
+      <a:effectRef idx="0">
+        <a:scrgbClr r="0" g="0" b="0"/>
+      </a:effectRef>
+      <a:fontRef idx="minor"/>
+    </dgm:style>
+  </dgm:styleLbl>
+  <dgm:styleLbl name="revTx">
+    <dgm:scene3d>
+      <a:camera prst="orthographicFront"/>
+      <a:lightRig rig="threePt" dir="t"/>
+    </dgm:scene3d>
+    <dgm:sp3d/>
+    <dgm:txPr/>
+    <dgm:style>
+      <a:lnRef idx="0">
+        <a:scrgbClr r="0" g="0" b="0"/>
+      </a:lnRef>
+      <a:fillRef idx="0">
+        <a:scrgbClr r="0" g="0" b="0"/>
+      </a:fillRef>
+      <a:effectRef idx="0">
+        <a:scrgbClr r="0" g="0" b="0"/>
+      </a:effectRef>
+      <a:fontRef idx="minor"/>
+    </dgm:style>
+  </dgm:styleLbl>
+</dgm:styleDef>
+</file>
+
+<file path=ppt/diagrams/quickStyle6.xml><?xml version="1.0" encoding="utf-8"?>
 <dgm:styleDef xmlns:dgm="http://schemas.openxmlformats.org/drawingml/2006/diagram" xmlns:a="http://schemas.openxmlformats.org/drawingml/2006/main" uniqueId="urn:microsoft.com/office/officeart/2005/8/quickstyle/simple1">
   <dgm:title val=""/>
   <dgm:desc val=""/>
@@ -13183,43 +17121,43 @@
           <a:lstStyle/>
           <a:p>
             <a:r>
-              <a:rPr lang="de-DE" dirty="0" smtClean="0"/>
+              <a:rPr lang="de-DE" dirty="0"/>
               <a:t>Hallo alle zusammen,</a:t>
             </a:r>
             <a:r>
-              <a:rPr lang="de-DE" baseline="0" dirty="0" smtClean="0"/>
+              <a:rPr lang="de-DE" baseline="0" dirty="0"/>
               <a:t> heute werde ich  über TE-Dokumentation sprechen. Viel von euch stellen Sie sich schon die Fragen Warum einen Vortrag dafür halten soll. </a:t>
             </a:r>
             <a:r>
-              <a:rPr lang="de-DE" b="1" baseline="0" dirty="0" smtClean="0"/>
+              <a:rPr lang="de-DE" b="1" baseline="0" dirty="0"/>
               <a:t>Die Antwort ist ganz einfach: 1) </a:t>
             </a:r>
             <a:r>
-              <a:rPr lang="de-DE" baseline="0" dirty="0" smtClean="0"/>
+              <a:rPr lang="de-DE" baseline="0" dirty="0"/>
               <a:t>ich möchte etwas über das Produkt TE mitteilen </a:t>
             </a:r>
             <a:r>
-              <a:rPr lang="de-DE" b="1" baseline="0" dirty="0" smtClean="0"/>
+              <a:rPr lang="de-DE" b="1" baseline="0" dirty="0"/>
               <a:t>somit</a:t>
             </a:r>
             <a:r>
-              <a:rPr lang="de-DE" baseline="0" dirty="0" smtClean="0"/>
+              <a:rPr lang="de-DE" baseline="0" dirty="0"/>
               <a:t> eine Überblick vermitteln. </a:t>
             </a:r>
             <a:r>
-              <a:rPr lang="de-DE" b="1" baseline="0" dirty="0" smtClean="0"/>
+              <a:rPr lang="de-DE" b="1" baseline="0" dirty="0"/>
               <a:t>Dabei</a:t>
             </a:r>
             <a:r>
-              <a:rPr lang="de-DE" baseline="0" dirty="0" smtClean="0"/>
+              <a:rPr lang="de-DE" baseline="0" dirty="0"/>
               <a:t> möchte ich mein Standpunkt verteidigen und zum Schluss eine Diskussion </a:t>
             </a:r>
             <a:r>
-              <a:rPr lang="de-DE" u="sng" baseline="0" dirty="0" smtClean="0"/>
+              <a:rPr lang="de-DE" u="sng" baseline="0" dirty="0"/>
               <a:t>anregen</a:t>
             </a:r>
             <a:r>
-              <a:rPr lang="de-DE" baseline="0" dirty="0" smtClean="0"/>
+              <a:rPr lang="de-DE" baseline="0" dirty="0"/>
               <a:t>. </a:t>
             </a:r>
             <a:endParaRPr lang="de-DE" dirty="0"/>
@@ -13312,7 +17250,7 @@
               <a:buNone/>
             </a:pPr>
             <a:r>
-              <a:rPr lang="de-DE" dirty="0" smtClean="0"/>
+              <a:rPr lang="de-DE" dirty="0"/>
               <a:t>Mein Vortrag besteht aus 5 Teilen:</a:t>
             </a:r>
           </a:p>
@@ -13322,10 +17260,9 @@
               <a:buAutoNum type="arabicPeriod"/>
             </a:pPr>
             <a:r>
-              <a:rPr lang="de-DE" dirty="0" smtClean="0"/>
+              <a:rPr lang="de-DE" dirty="0"/>
               <a:t>Einleitung</a:t>
             </a:r>
-            <a:endParaRPr lang="de-DE" dirty="0"/>
           </a:p>
           <a:p>
             <a:pPr marL="228600" indent="-228600">
@@ -13578,8 +17515,185 @@
           <a:lstStyle/>
           <a:p>
             <a:r>
+              <a:rPr lang="de-DE" b="1" dirty="0"/>
+              <a:t>Produkte eines Release</a:t>
+            </a:r>
+          </a:p>
+          <a:p>
+            <a:r>
               <a:rPr lang="de-DE" dirty="0"/>
-              <a:t>SDD: Software Design </a:t>
+              <a:t>Î Software Project Management Plan (SPMP)</a:t>
+            </a:r>
+          </a:p>
+          <a:p>
+            <a:r>
+              <a:rPr lang="de-DE" dirty="0"/>
+              <a:t>Î </a:t>
+            </a:r>
+            <a:r>
+              <a:rPr lang="de-DE" dirty="0" err="1"/>
+              <a:t>Requirements</a:t>
+            </a:r>
+            <a:r>
+              <a:rPr lang="de-DE" dirty="0"/>
+              <a:t> Analysis </a:t>
+            </a:r>
+            <a:r>
+              <a:rPr lang="de-DE" dirty="0" err="1"/>
+              <a:t>Document</a:t>
+            </a:r>
+            <a:r>
+              <a:rPr lang="de-DE" dirty="0"/>
+              <a:t> (RAD) -</a:t>
+            </a:r>
+            <a:r>
+              <a:rPr lang="de-DE" dirty="0">
+                <a:sym typeface="Wingdings" panose="05000000000000000000" pitchFamily="2" charset="2"/>
+              </a:rPr>
+              <a:t>--&gt;https://www1.in.tum.de/lehrstuhl_1/component/content/article/43-books/241-oose-template-requirementsanalysisdocument</a:t>
+            </a:r>
+            <a:endParaRPr lang="de-DE" dirty="0"/>
+          </a:p>
+          <a:p>
+            <a:r>
+              <a:rPr lang="de-DE" dirty="0"/>
+              <a:t>Î System Design </a:t>
+            </a:r>
+            <a:r>
+              <a:rPr lang="de-DE" dirty="0" err="1"/>
+              <a:t>Document</a:t>
+            </a:r>
+            <a:r>
+              <a:rPr lang="de-DE" dirty="0"/>
+              <a:t> (SDD)</a:t>
+            </a:r>
+          </a:p>
+          <a:p>
+            <a:r>
+              <a:rPr lang="de-DE" dirty="0"/>
+              <a:t>Î </a:t>
+            </a:r>
+            <a:r>
+              <a:rPr lang="de-DE" dirty="0" err="1"/>
+              <a:t>Object</a:t>
+            </a:r>
+            <a:r>
+              <a:rPr lang="de-DE" dirty="0"/>
+              <a:t> Design </a:t>
+            </a:r>
+            <a:r>
+              <a:rPr lang="de-DE" dirty="0" err="1"/>
+              <a:t>Document</a:t>
+            </a:r>
+            <a:r>
+              <a:rPr lang="de-DE" dirty="0"/>
+              <a:t> (ODD)</a:t>
+            </a:r>
+          </a:p>
+          <a:p>
+            <a:r>
+              <a:rPr lang="de-DE" dirty="0"/>
+              <a:t>Î Test Manual (TM)</a:t>
+            </a:r>
+          </a:p>
+          <a:p>
+            <a:r>
+              <a:rPr lang="de-DE" dirty="0"/>
+              <a:t>Î User Manual (UM)</a:t>
+            </a:r>
+          </a:p>
+          <a:p>
+            <a:r>
+              <a:rPr lang="de-DE" dirty="0"/>
+              <a:t>Î Code</a:t>
+            </a:r>
+          </a:p>
+        </p:txBody>
+      </p:sp>
+      <p:sp>
+        <p:nvSpPr>
+          <p:cNvPr id="4" name="Foliennummernplatzhalter 3"/>
+          <p:cNvSpPr>
+            <a:spLocks noGrp="1"/>
+          </p:cNvSpPr>
+          <p:nvPr>
+            <p:ph type="sldNum" sz="quarter" idx="10"/>
+          </p:nvPr>
+        </p:nvSpPr>
+        <p:spPr/>
+        <p:txBody>
+          <a:bodyPr/>
+          <a:lstStyle/>
+          <a:p>
+            <a:fld id="{7C56EBB8-86B7-4B17-9FE6-1D6C78FAEC35}" type="slidenum">
+              <a:rPr lang="de-DE" altLang="de-DE" smtClean="0"/>
+              <a:pPr/>
+              <a:t>5</a:t>
+            </a:fld>
+            <a:endParaRPr lang="de-DE" altLang="de-DE"/>
+          </a:p>
+        </p:txBody>
+      </p:sp>
+    </p:spTree>
+    <p:extLst>
+      <p:ext uri="{BB962C8B-B14F-4D97-AF65-F5344CB8AC3E}">
+        <p14:creationId xmlns:p14="http://schemas.microsoft.com/office/powerpoint/2010/main" val="4186262116"/>
+      </p:ext>
+    </p:extLst>
+  </p:cSld>
+  <p:clrMapOvr>
+    <a:masterClrMapping/>
+  </p:clrMapOvr>
+</p:notes>
+</file>
+
+<file path=ppt/notesSlides/notesSlide5.xml><?xml version="1.0" encoding="utf-8"?>
+<p:notes xmlns:a="http://schemas.openxmlformats.org/drawingml/2006/main" xmlns:r="http://schemas.openxmlformats.org/officeDocument/2006/relationships" xmlns:p="http://schemas.openxmlformats.org/presentationml/2006/main">
+  <p:cSld>
+    <p:spTree>
+      <p:nvGrpSpPr>
+        <p:cNvPr id="1" name=""/>
+        <p:cNvGrpSpPr/>
+        <p:nvPr/>
+      </p:nvGrpSpPr>
+      <p:grpSpPr>
+        <a:xfrm>
+          <a:off x="0" y="0"/>
+          <a:ext cx="0" cy="0"/>
+          <a:chOff x="0" y="0"/>
+          <a:chExt cx="0" cy="0"/>
+        </a:xfrm>
+      </p:grpSpPr>
+      <p:sp>
+        <p:nvSpPr>
+          <p:cNvPr id="2" name="Folienbildplatzhalter 1"/>
+          <p:cNvSpPr>
+            <a:spLocks noGrp="1" noRot="1" noChangeAspect="1"/>
+          </p:cNvSpPr>
+          <p:nvPr>
+            <p:ph type="sldImg"/>
+          </p:nvPr>
+        </p:nvSpPr>
+        <p:spPr/>
+      </p:sp>
+      <p:sp>
+        <p:nvSpPr>
+          <p:cNvPr id="3" name="Notizenplatzhalter 2"/>
+          <p:cNvSpPr>
+            <a:spLocks noGrp="1"/>
+          </p:cNvSpPr>
+          <p:nvPr>
+            <p:ph type="body" idx="1"/>
+          </p:nvPr>
+        </p:nvSpPr>
+        <p:spPr/>
+        <p:txBody>
+          <a:bodyPr/>
+          <a:lstStyle/>
+          <a:p>
+            <a:r>
+              <a:rPr lang="de-DE" dirty="0"/>
+              <a:t>SDD: SYSTEM Design </a:t>
             </a:r>
             <a:r>
               <a:rPr lang="de-DE" dirty="0" err="1"/>
@@ -13629,7 +17743,7 @@
 </p:notes>
 </file>
 
-<file path=ppt/notesSlides/notesSlide5.xml><?xml version="1.0" encoding="utf-8"?>
+<file path=ppt/notesSlides/notesSlide6.xml><?xml version="1.0" encoding="utf-8"?>
 <p:notes xmlns:a="http://schemas.openxmlformats.org/drawingml/2006/main" xmlns:r="http://schemas.openxmlformats.org/officeDocument/2006/relationships" xmlns:p="http://schemas.openxmlformats.org/presentationml/2006/main">
   <p:cSld>
     <p:spTree>
@@ -13733,7 +17847,7 @@
 </p:notes>
 </file>
 
-<file path=ppt/notesSlides/notesSlide6.xml><?xml version="1.0" encoding="utf-8"?>
+<file path=ppt/notesSlides/notesSlide7.xml><?xml version="1.0" encoding="utf-8"?>
 <p:notes xmlns:a="http://schemas.openxmlformats.org/drawingml/2006/main" xmlns:r="http://schemas.openxmlformats.org/officeDocument/2006/relationships" xmlns:p="http://schemas.openxmlformats.org/presentationml/2006/main">
   <p:cSld>
     <p:spTree>
@@ -13837,7 +17951,7 @@
 </p:notes>
 </file>
 
-<file path=ppt/notesSlides/notesSlide7.xml><?xml version="1.0" encoding="utf-8"?>
+<file path=ppt/notesSlides/notesSlide8.xml><?xml version="1.0" encoding="utf-8"?>
 <p:notes xmlns:a="http://schemas.openxmlformats.org/drawingml/2006/main" xmlns:r="http://schemas.openxmlformats.org/officeDocument/2006/relationships" xmlns:p="http://schemas.openxmlformats.org/presentationml/2006/main">
   <p:cSld>
     <p:spTree>
@@ -13932,6 +18046,118 @@
         </p:txBody>
       </p:sp>
     </p:spTree>
+  </p:cSld>
+  <p:clrMapOvr>
+    <a:masterClrMapping/>
+  </p:clrMapOvr>
+</p:notes>
+</file>
+
+<file path=ppt/notesSlides/notesSlide9.xml><?xml version="1.0" encoding="utf-8"?>
+<p:notes xmlns:a="http://schemas.openxmlformats.org/drawingml/2006/main" xmlns:r="http://schemas.openxmlformats.org/officeDocument/2006/relationships" xmlns:p="http://schemas.openxmlformats.org/presentationml/2006/main">
+  <p:cSld>
+    <p:spTree>
+      <p:nvGrpSpPr>
+        <p:cNvPr id="1" name=""/>
+        <p:cNvGrpSpPr/>
+        <p:nvPr/>
+      </p:nvGrpSpPr>
+      <p:grpSpPr>
+        <a:xfrm>
+          <a:off x="0" y="0"/>
+          <a:ext cx="0" cy="0"/>
+          <a:chOff x="0" y="0"/>
+          <a:chExt cx="0" cy="0"/>
+        </a:xfrm>
+      </p:grpSpPr>
+      <p:sp>
+        <p:nvSpPr>
+          <p:cNvPr id="2" name="Folienbildplatzhalter 1"/>
+          <p:cNvSpPr>
+            <a:spLocks noGrp="1" noRot="1" noChangeAspect="1"/>
+          </p:cNvSpPr>
+          <p:nvPr>
+            <p:ph type="sldImg"/>
+          </p:nvPr>
+        </p:nvSpPr>
+        <p:spPr/>
+      </p:sp>
+      <p:sp>
+        <p:nvSpPr>
+          <p:cNvPr id="3" name="Notizenplatzhalter 2"/>
+          <p:cNvSpPr>
+            <a:spLocks noGrp="1"/>
+          </p:cNvSpPr>
+          <p:nvPr>
+            <p:ph type="body" idx="1"/>
+          </p:nvPr>
+        </p:nvSpPr>
+        <p:spPr/>
+        <p:txBody>
+          <a:bodyPr/>
+          <a:lstStyle/>
+          <a:p>
+            <a:r>
+              <a:rPr lang="de-DE" dirty="0"/>
+              <a:t>Was ist Portierbarkeit?</a:t>
+            </a:r>
+          </a:p>
+          <a:p>
+            <a:r>
+              <a:rPr lang="de-DE" dirty="0" err="1"/>
+              <a:t>Korrekheit</a:t>
+            </a:r>
+            <a:r>
+              <a:rPr lang="de-DE" dirty="0"/>
+              <a:t>?</a:t>
+            </a:r>
+          </a:p>
+          <a:p>
+            <a:r>
+              <a:rPr lang="de-DE" dirty="0"/>
+              <a:t>Alle </a:t>
+            </a:r>
+            <a:r>
+              <a:rPr lang="de-DE" dirty="0" err="1"/>
+              <a:t>unterpunkte</a:t>
+            </a:r>
+            <a:r>
+              <a:rPr lang="de-DE" dirty="0"/>
+              <a:t> verstehen?</a:t>
+            </a:r>
+          </a:p>
+        </p:txBody>
+      </p:sp>
+      <p:sp>
+        <p:nvSpPr>
+          <p:cNvPr id="4" name="Foliennummernplatzhalter 3"/>
+          <p:cNvSpPr>
+            <a:spLocks noGrp="1"/>
+          </p:cNvSpPr>
+          <p:nvPr>
+            <p:ph type="sldNum" sz="quarter" idx="10"/>
+          </p:nvPr>
+        </p:nvSpPr>
+        <p:spPr/>
+        <p:txBody>
+          <a:bodyPr/>
+          <a:lstStyle/>
+          <a:p>
+            <a:fld id="{7C56EBB8-86B7-4B17-9FE6-1D6C78FAEC35}" type="slidenum">
+              <a:rPr lang="de-DE" altLang="de-DE" smtClean="0"/>
+              <a:pPr/>
+              <a:t>15</a:t>
+            </a:fld>
+            <a:endParaRPr lang="de-DE" altLang="de-DE"/>
+          </a:p>
+        </p:txBody>
+      </p:sp>
+    </p:spTree>
+    <p:extLst>
+      <p:ext uri="{BB962C8B-B14F-4D97-AF65-F5344CB8AC3E}">
+        <p14:creationId xmlns:p14="http://schemas.microsoft.com/office/powerpoint/2010/main" val="3964579411"/>
+      </p:ext>
+    </p:extLst>
   </p:cSld>
   <p:clrMapOvr>
     <a:masterClrMapping/>
@@ -17508,14 +21734,6 @@
               </a:rPr>
               <a:t>Intelligente Lösungen für die industrielle Kommunikation</a:t>
             </a:r>
-            <a:r>
-              <a:rPr lang="de-DE" altLang="de-DE" sz="1400">
-                <a:solidFill>
-                  <a:schemeClr val="bg1"/>
-                </a:solidFill>
-              </a:rPr>
-              <a:t/>
-            </a:r>
             <a:br>
               <a:rPr lang="de-DE" altLang="de-DE" sz="1400">
                 <a:solidFill>
@@ -17539,13 +21757,6 @@
   <p:transition>
     <p:randomBar/>
   </p:transition>
-  <p:timing>
-    <p:tnLst>
-      <p:par>
-        <p:cTn id="1" dur="indefinite" restart="never" nodeType="tmRoot"/>
-      </p:par>
-    </p:tnLst>
-  </p:timing>
 </p:sld>
 </file>
 
@@ -17724,13 +21935,6 @@
   <p:transition>
     <p:zoom/>
   </p:transition>
-  <p:timing>
-    <p:tnLst>
-      <p:par>
-        <p:cTn id="1" dur="indefinite" restart="never" nodeType="tmRoot"/>
-      </p:par>
-    </p:tnLst>
-  </p:timing>
 </p:sld>
 </file>
 
@@ -17801,10 +22005,9 @@
           <a:lstStyle/>
           <a:p>
             <a:r>
-              <a:rPr lang="de-DE" dirty="0" smtClean="0"/>
+              <a:rPr lang="de-DE" dirty="0"/>
               <a:t>Design-Übersicht</a:t>
             </a:r>
-            <a:endParaRPr lang="de-DE" dirty="0"/>
           </a:p>
           <a:p>
             <a:pPr marL="0" indent="0">
@@ -18032,7 +22235,7 @@
               <a:buChar char="§"/>
               <a:tabLst/>
             </a:pPr>
-            <a:endParaRPr kumimoji="0" lang="en-US" sz="2400" b="0" i="0" u="none" strike="noStrike" cap="none" normalizeH="0" baseline="0" smtClean="0">
+            <a:endParaRPr kumimoji="0" lang="en-US" sz="2400" b="0" i="0" u="none" strike="noStrike" cap="none" normalizeH="0" baseline="0">
               <a:ln>
                 <a:noFill/>
               </a:ln>
@@ -18120,7 +22323,7 @@
               <a:buChar char="§"/>
               <a:tabLst/>
             </a:pPr>
-            <a:endParaRPr kumimoji="0" lang="en-US" sz="2400" b="0" i="0" u="none" strike="noStrike" cap="none" normalizeH="0" baseline="0" smtClean="0">
+            <a:endParaRPr kumimoji="0" lang="en-US" sz="2400" b="0" i="0" u="none" strike="noStrike" cap="none" normalizeH="0" baseline="0">
               <a:ln>
                 <a:noFill/>
               </a:ln>
@@ -18184,7 +22387,7 @@
               <a:buChar char="§"/>
               <a:tabLst/>
             </a:pPr>
-            <a:endParaRPr kumimoji="0" lang="en-US" sz="2400" b="0" i="0" u="none" strike="noStrike" cap="none" normalizeH="0" baseline="0" smtClean="0">
+            <a:endParaRPr kumimoji="0" lang="en-US" sz="2400" b="0" i="0" u="none" strike="noStrike" cap="none" normalizeH="0" baseline="0">
               <a:ln>
                 <a:noFill/>
               </a:ln>
@@ -18277,13 +22480,6 @@
   <p:transition>
     <p:zoom/>
   </p:transition>
-  <p:timing>
-    <p:tnLst>
-      <p:par>
-        <p:cTn id="1" dur="indefinite" restart="never" nodeType="tmRoot"/>
-      </p:par>
-    </p:tnLst>
-  </p:timing>
 </p:sld>
 </file>
 
@@ -18612,10 +22808,6 @@
             <a:br>
               <a:rPr lang="de-DE" altLang="de-DE" sz="2400" b="0"/>
             </a:br>
-            <a:r>
-              <a:rPr lang="de-DE" altLang="de-DE" sz="700"/>
-              <a:t/>
-            </a:r>
             <a:br>
               <a:rPr lang="de-DE" altLang="de-DE" sz="700"/>
             </a:br>
@@ -18844,14 +23036,6 @@
                 </a:solidFill>
               </a:rPr>
               <a:t>Vorname Nachname</a:t>
-            </a:r>
-            <a:r>
-              <a:rPr lang="de-DE" altLang="de-DE" sz="2100">
-                <a:solidFill>
-                  <a:schemeClr val="bg2"/>
-                </a:solidFill>
-              </a:rPr>
-              <a:t/>
             </a:r>
             <a:br>
               <a:rPr lang="de-DE" altLang="de-DE" sz="2100">
@@ -19193,14 +23377,6 @@
                 </a:solidFill>
               </a:rPr>
             </a:br>
-            <a:r>
-              <a:rPr lang="de-DE" altLang="de-DE" sz="700">
-                <a:solidFill>
-                  <a:srgbClr val="DF0029"/>
-                </a:solidFill>
-              </a:rPr>
-              <a:t/>
-            </a:r>
             <a:br>
               <a:rPr lang="de-DE" altLang="de-DE" sz="700">
                 <a:solidFill>
@@ -19239,13 +23415,6 @@
   <p:transition>
     <p:zoom/>
   </p:transition>
-  <p:timing>
-    <p:tnLst>
-      <p:par>
-        <p:cTn id="1" dur="indefinite" restart="never" nodeType="tmRoot"/>
-      </p:par>
-    </p:tnLst>
-  </p:timing>
 </p:sld>
 </file>
 
@@ -20310,6 +24479,727 @@
 </p:sld>
 </file>
 
+<file path=ppt/slides/slide15.xml><?xml version="1.0" encoding="utf-8"?>
+<p:sld xmlns:a="http://schemas.openxmlformats.org/drawingml/2006/main" xmlns:r="http://schemas.openxmlformats.org/officeDocument/2006/relationships" xmlns:p="http://schemas.openxmlformats.org/presentationml/2006/main">
+  <p:cSld>
+    <p:spTree>
+      <p:nvGrpSpPr>
+        <p:cNvPr id="1" name=""/>
+        <p:cNvGrpSpPr/>
+        <p:nvPr/>
+      </p:nvGrpSpPr>
+      <p:grpSpPr>
+        <a:xfrm>
+          <a:off x="0" y="0"/>
+          <a:ext cx="0" cy="0"/>
+          <a:chOff x="0" y="0"/>
+          <a:chExt cx="0" cy="0"/>
+        </a:xfrm>
+      </p:grpSpPr>
+      <p:sp>
+        <p:nvSpPr>
+          <p:cNvPr id="2" name="Titel 1">
+            <a:extLst>
+              <a:ext uri="{FF2B5EF4-FFF2-40B4-BE49-F238E27FC236}">
+                <a16:creationId xmlns:a16="http://schemas.microsoft.com/office/drawing/2014/main" id="{0079C5EE-CDBE-4CFC-A213-42861309DAE2}"/>
+              </a:ext>
+            </a:extLst>
+          </p:cNvPr>
+          <p:cNvSpPr>
+            <a:spLocks noGrp="1"/>
+          </p:cNvSpPr>
+          <p:nvPr>
+            <p:ph type="title"/>
+          </p:nvPr>
+        </p:nvSpPr>
+        <p:spPr/>
+        <p:txBody>
+          <a:bodyPr/>
+          <a:lstStyle/>
+          <a:p>
+            <a:r>
+              <a:rPr lang="de-DE" dirty="0"/>
+              <a:t>Wem sind sie wichtig?</a:t>
+            </a:r>
+          </a:p>
+        </p:txBody>
+      </p:sp>
+      <p:graphicFrame>
+        <p:nvGraphicFramePr>
+          <p:cNvPr id="5" name="Inhaltsplatzhalter 4">
+            <a:extLst>
+              <a:ext uri="{FF2B5EF4-FFF2-40B4-BE49-F238E27FC236}">
+                <a16:creationId xmlns:a16="http://schemas.microsoft.com/office/drawing/2014/main" id="{A9E96E25-B8AE-47A8-968A-870A3CDD3A3E}"/>
+              </a:ext>
+            </a:extLst>
+          </p:cNvPr>
+          <p:cNvGraphicFramePr>
+            <a:graphicFrameLocks noGrp="1"/>
+          </p:cNvGraphicFramePr>
+          <p:nvPr>
+            <p:ph idx="1"/>
+            <p:extLst>
+              <p:ext uri="{D42A27DB-BD31-4B8C-83A1-F6EECF244321}">
+                <p14:modId xmlns:p14="http://schemas.microsoft.com/office/powerpoint/2010/main" val="3904871116"/>
+              </p:ext>
+            </p:extLst>
+          </p:nvPr>
+        </p:nvGraphicFramePr>
+        <p:xfrm>
+          <a:off x="225425" y="1600200"/>
+          <a:ext cx="8229600" cy="4525963"/>
+        </p:xfrm>
+        <a:graphic>
+          <a:graphicData uri="http://schemas.openxmlformats.org/drawingml/2006/diagram">
+            <dgm:relIds xmlns:dgm="http://schemas.openxmlformats.org/drawingml/2006/diagram" xmlns:r="http://schemas.openxmlformats.org/officeDocument/2006/relationships" r:dm="rId3" r:lo="rId4" r:qs="rId5" r:cs="rId6"/>
+          </a:graphicData>
+        </a:graphic>
+      </p:graphicFrame>
+      <p:sp>
+        <p:nvSpPr>
+          <p:cNvPr id="4" name="Fußzeilenplatzhalter 3">
+            <a:extLst>
+              <a:ext uri="{FF2B5EF4-FFF2-40B4-BE49-F238E27FC236}">
+                <a16:creationId xmlns:a16="http://schemas.microsoft.com/office/drawing/2014/main" id="{0EECD1E5-A999-4805-A0F5-A7890419CD23}"/>
+              </a:ext>
+            </a:extLst>
+          </p:cNvPr>
+          <p:cNvSpPr>
+            <a:spLocks noGrp="1"/>
+          </p:cNvSpPr>
+          <p:nvPr>
+            <p:ph type="ftr" sz="quarter" idx="10"/>
+          </p:nvPr>
+        </p:nvSpPr>
+        <p:spPr/>
+        <p:txBody>
+          <a:bodyPr/>
+          <a:lstStyle/>
+          <a:p>
+            <a:r>
+              <a:rPr lang="de-DE" altLang="de-DE"/>
+              <a:t>Hilscher Gesellschaft für Systemautomation mbH  </a:t>
+            </a:r>
+            <a:r>
+              <a:rPr lang="en-US" altLang="de-DE">
+                <a:cs typeface="Arial" panose="020B0604020202020204" pitchFamily="34" charset="0"/>
+              </a:rPr>
+              <a:t>l  www.hilscher.com</a:t>
+            </a:r>
+            <a:endParaRPr lang="de-DE" altLang="de-DE">
+              <a:cs typeface="Arial" panose="020B0604020202020204" pitchFamily="34" charset="0"/>
+            </a:endParaRPr>
+          </a:p>
+        </p:txBody>
+      </p:sp>
+      <p:cxnSp>
+        <p:nvCxnSpPr>
+          <p:cNvPr id="7" name="Gerade Verbindung mit Pfeil 6">
+            <a:extLst>
+              <a:ext uri="{FF2B5EF4-FFF2-40B4-BE49-F238E27FC236}">
+                <a16:creationId xmlns:a16="http://schemas.microsoft.com/office/drawing/2014/main" id="{02E70AFC-F453-4EC7-8749-280D259DD295}"/>
+              </a:ext>
+            </a:extLst>
+          </p:cNvPr>
+          <p:cNvCxnSpPr>
+            <a:cxnSpLocks/>
+          </p:cNvCxnSpPr>
+          <p:nvPr/>
+        </p:nvCxnSpPr>
+        <p:spPr bwMode="auto">
+          <a:xfrm flipH="1" flipV="1">
+            <a:off x="2123660" y="2866342"/>
+            <a:ext cx="2216565" cy="1282758"/>
+          </a:xfrm>
+          <a:prstGeom prst="straightConnector1">
+            <a:avLst/>
+          </a:prstGeom>
+          <a:noFill/>
+          <a:ln w="38100" cap="flat" cmpd="sng" algn="ctr">
+            <a:solidFill>
+              <a:schemeClr val="tx1"/>
+            </a:solidFill>
+            <a:prstDash val="solid"/>
+            <a:round/>
+            <a:headEnd type="oval" w="med" len="med"/>
+            <a:tailEnd type="none" w="med" len="med"/>
+          </a:ln>
+          <a:effectLst/>
+          <a:extLst>
+            <a:ext uri="{909E8E84-426E-40DD-AFC4-6F175D3DCCD1}">
+              <a14:hiddenFill xmlns:a14="http://schemas.microsoft.com/office/drawing/2010/main">
+                <a:solidFill>
+                  <a:schemeClr val="accent1"/>
+                </a:solidFill>
+              </a14:hiddenFill>
+            </a:ext>
+            <a:ext uri="{AF507438-7753-43E0-B8FC-AC1667EBCBE1}">
+              <a14:hiddenEffects xmlns:a14="http://schemas.microsoft.com/office/drawing/2010/main">
+                <a:effectLst>
+                  <a:outerShdw dist="35921" dir="2700000" algn="ctr" rotWithShape="0">
+                    <a:schemeClr val="bg2"/>
+                  </a:outerShdw>
+                </a:effectLst>
+              </a14:hiddenEffects>
+            </a:ext>
+          </a:extLst>
+        </p:spPr>
+      </p:cxnSp>
+      <p:cxnSp>
+        <p:nvCxnSpPr>
+          <p:cNvPr id="8" name="Gerade Verbindung mit Pfeil 7">
+            <a:extLst>
+              <a:ext uri="{FF2B5EF4-FFF2-40B4-BE49-F238E27FC236}">
+                <a16:creationId xmlns:a16="http://schemas.microsoft.com/office/drawing/2014/main" id="{1C5B7A9A-DDCB-48DC-A598-C5974FD49401}"/>
+              </a:ext>
+            </a:extLst>
+          </p:cNvPr>
+          <p:cNvCxnSpPr>
+            <a:cxnSpLocks/>
+            <a:endCxn id="13" idx="1"/>
+          </p:cNvCxnSpPr>
+          <p:nvPr/>
+        </p:nvCxnSpPr>
+        <p:spPr bwMode="auto">
+          <a:xfrm flipV="1">
+            <a:off x="5116954" y="2723703"/>
+            <a:ext cx="1506696" cy="975418"/>
+          </a:xfrm>
+          <a:prstGeom prst="straightConnector1">
+            <a:avLst/>
+          </a:prstGeom>
+          <a:noFill/>
+          <a:ln w="38100" cap="flat" cmpd="sng" algn="ctr">
+            <a:solidFill>
+              <a:schemeClr val="tx1"/>
+            </a:solidFill>
+            <a:prstDash val="solid"/>
+            <a:round/>
+            <a:headEnd type="oval" w="med" len="med"/>
+            <a:tailEnd type="none" w="med" len="med"/>
+          </a:ln>
+          <a:effectLst/>
+          <a:extLst>
+            <a:ext uri="{909E8E84-426E-40DD-AFC4-6F175D3DCCD1}">
+              <a14:hiddenFill xmlns:a14="http://schemas.microsoft.com/office/drawing/2010/main">
+                <a:solidFill>
+                  <a:schemeClr val="accent1"/>
+                </a:solidFill>
+              </a14:hiddenFill>
+            </a:ext>
+            <a:ext uri="{AF507438-7753-43E0-B8FC-AC1667EBCBE1}">
+              <a14:hiddenEffects xmlns:a14="http://schemas.microsoft.com/office/drawing/2010/main">
+                <a:effectLst>
+                  <a:outerShdw dist="35921" dir="2700000" algn="ctr" rotWithShape="0">
+                    <a:schemeClr val="bg2"/>
+                  </a:outerShdw>
+                </a:effectLst>
+              </a14:hiddenEffects>
+            </a:ext>
+          </a:extLst>
+        </p:spPr>
+      </p:cxnSp>
+      <p:sp>
+        <p:nvSpPr>
+          <p:cNvPr id="12" name="Textfeld 11">
+            <a:extLst>
+              <a:ext uri="{FF2B5EF4-FFF2-40B4-BE49-F238E27FC236}">
+                <a16:creationId xmlns:a16="http://schemas.microsoft.com/office/drawing/2014/main" id="{752354B1-A7EE-4BEF-8DB8-3B0EE97FFF66}"/>
+              </a:ext>
+            </a:extLst>
+          </p:cNvPr>
+          <p:cNvSpPr txBox="1"/>
+          <p:nvPr/>
+        </p:nvSpPr>
+        <p:spPr>
+          <a:xfrm>
+            <a:off x="660016" y="2402559"/>
+            <a:ext cx="2520350" cy="461665"/>
+          </a:xfrm>
+          <a:prstGeom prst="rect">
+            <a:avLst/>
+          </a:prstGeom>
+          <a:noFill/>
+        </p:spPr>
+        <p:txBody>
+          <a:bodyPr wrap="square" rtlCol="0">
+            <a:spAutoFit/>
+          </a:bodyPr>
+          <a:lstStyle/>
+          <a:p>
+            <a:pPr>
+              <a:buNone/>
+            </a:pPr>
+            <a:r>
+              <a:rPr lang="de-DE" dirty="0"/>
+              <a:t>Zuverlässigkeit</a:t>
+            </a:r>
+          </a:p>
+        </p:txBody>
+      </p:sp>
+      <p:sp>
+        <p:nvSpPr>
+          <p:cNvPr id="13" name="Textfeld 12">
+            <a:extLst>
+              <a:ext uri="{FF2B5EF4-FFF2-40B4-BE49-F238E27FC236}">
+                <a16:creationId xmlns:a16="http://schemas.microsoft.com/office/drawing/2014/main" id="{1F4FD95A-3B67-4F83-A4D3-F0F5C0CF72AF}"/>
+              </a:ext>
+            </a:extLst>
+          </p:cNvPr>
+          <p:cNvSpPr txBox="1"/>
+          <p:nvPr/>
+        </p:nvSpPr>
+        <p:spPr>
+          <a:xfrm>
+            <a:off x="6623650" y="2492870"/>
+            <a:ext cx="2520350" cy="461665"/>
+          </a:xfrm>
+          <a:prstGeom prst="rect">
+            <a:avLst/>
+          </a:prstGeom>
+          <a:noFill/>
+        </p:spPr>
+        <p:txBody>
+          <a:bodyPr wrap="square" rtlCol="0">
+            <a:spAutoFit/>
+          </a:bodyPr>
+          <a:lstStyle/>
+          <a:p>
+            <a:pPr>
+              <a:buNone/>
+            </a:pPr>
+            <a:r>
+              <a:rPr lang="de-DE" dirty="0"/>
+              <a:t>Niedrige Laufzeit</a:t>
+            </a:r>
+          </a:p>
+        </p:txBody>
+      </p:sp>
+      <p:cxnSp>
+        <p:nvCxnSpPr>
+          <p:cNvPr id="17" name="Gerade Verbindung mit Pfeil 16">
+            <a:extLst>
+              <a:ext uri="{FF2B5EF4-FFF2-40B4-BE49-F238E27FC236}">
+                <a16:creationId xmlns:a16="http://schemas.microsoft.com/office/drawing/2014/main" id="{46235A45-FFFB-4ECE-BED7-855392C47B1C}"/>
+              </a:ext>
+            </a:extLst>
+          </p:cNvPr>
+          <p:cNvCxnSpPr>
+            <a:cxnSpLocks/>
+          </p:cNvCxnSpPr>
+          <p:nvPr/>
+        </p:nvCxnSpPr>
+        <p:spPr bwMode="auto">
+          <a:xfrm>
+            <a:off x="4340225" y="4797190"/>
+            <a:ext cx="0" cy="1147461"/>
+          </a:xfrm>
+          <a:prstGeom prst="straightConnector1">
+            <a:avLst/>
+          </a:prstGeom>
+          <a:noFill/>
+          <a:ln w="38100" cap="flat" cmpd="sng" algn="ctr">
+            <a:solidFill>
+              <a:schemeClr val="tx1"/>
+            </a:solidFill>
+            <a:prstDash val="solid"/>
+            <a:round/>
+            <a:headEnd type="oval" w="med" len="med"/>
+            <a:tailEnd type="none" w="med" len="med"/>
+          </a:ln>
+          <a:effectLst/>
+          <a:extLst>
+            <a:ext uri="{909E8E84-426E-40DD-AFC4-6F175D3DCCD1}">
+              <a14:hiddenFill xmlns:a14="http://schemas.microsoft.com/office/drawing/2010/main">
+                <a:solidFill>
+                  <a:schemeClr val="accent1"/>
+                </a:solidFill>
+              </a14:hiddenFill>
+            </a:ext>
+            <a:ext uri="{AF507438-7753-43E0-B8FC-AC1667EBCBE1}">
+              <a14:hiddenEffects xmlns:a14="http://schemas.microsoft.com/office/drawing/2010/main">
+                <a:effectLst>
+                  <a:outerShdw dist="35921" dir="2700000" algn="ctr" rotWithShape="0">
+                    <a:schemeClr val="bg2"/>
+                  </a:outerShdw>
+                </a:effectLst>
+              </a14:hiddenEffects>
+            </a:ext>
+          </a:extLst>
+        </p:spPr>
+      </p:cxnSp>
+      <p:sp>
+        <p:nvSpPr>
+          <p:cNvPr id="23" name="Textfeld 22">
+            <a:extLst>
+              <a:ext uri="{FF2B5EF4-FFF2-40B4-BE49-F238E27FC236}">
+                <a16:creationId xmlns:a16="http://schemas.microsoft.com/office/drawing/2014/main" id="{6B9D5923-1007-4121-9402-80087064961D}"/>
+              </a:ext>
+            </a:extLst>
+          </p:cNvPr>
+          <p:cNvSpPr txBox="1"/>
+          <p:nvPr/>
+        </p:nvSpPr>
+        <p:spPr>
+          <a:xfrm>
+            <a:off x="3180366" y="5910263"/>
+            <a:ext cx="5274652" cy="461665"/>
+          </a:xfrm>
+          <a:prstGeom prst="rect">
+            <a:avLst/>
+          </a:prstGeom>
+          <a:noFill/>
+        </p:spPr>
+        <p:txBody>
+          <a:bodyPr wrap="square" rtlCol="0">
+            <a:spAutoFit/>
+          </a:bodyPr>
+          <a:lstStyle/>
+          <a:p>
+            <a:pPr>
+              <a:buNone/>
+            </a:pPr>
+            <a:r>
+              <a:rPr lang="de-DE" dirty="0"/>
+              <a:t>Portierbarkeit &amp; Gute Dokumentation</a:t>
+            </a:r>
+          </a:p>
+        </p:txBody>
+      </p:sp>
+    </p:spTree>
+    <p:extLst>
+      <p:ext uri="{BB962C8B-B14F-4D97-AF65-F5344CB8AC3E}">
+        <p14:creationId xmlns:p14="http://schemas.microsoft.com/office/powerpoint/2010/main" val="3333612667"/>
+      </p:ext>
+    </p:extLst>
+  </p:cSld>
+  <p:clrMapOvr>
+    <a:masterClrMapping/>
+  </p:clrMapOvr>
+  <p:transition>
+    <p:zoom/>
+  </p:transition>
+  <p:timing>
+    <p:tnLst>
+      <p:par>
+        <p:cTn id="1" dur="indefinite" restart="never" nodeType="tmRoot">
+          <p:childTnLst>
+            <p:seq concurrent="1" nextAc="seek">
+              <p:cTn id="2" dur="indefinite" nodeType="mainSeq">
+                <p:childTnLst>
+                  <p:par>
+                    <p:cTn id="3" fill="hold">
+                      <p:stCondLst>
+                        <p:cond delay="indefinite"/>
+                      </p:stCondLst>
+                      <p:childTnLst>
+                        <p:par>
+                          <p:cTn id="4" fill="hold">
+                            <p:stCondLst>
+                              <p:cond delay="0"/>
+                            </p:stCondLst>
+                            <p:childTnLst>
+                              <p:par>
+                                <p:cTn id="5" presetID="22" presetClass="entr" presetSubtype="4" fill="hold" nodeType="clickEffect">
+                                  <p:stCondLst>
+                                    <p:cond delay="0"/>
+                                  </p:stCondLst>
+                                  <p:childTnLst>
+                                    <p:set>
+                                      <p:cBhvr>
+                                        <p:cTn id="6" dur="1" fill="hold">
+                                          <p:stCondLst>
+                                            <p:cond delay="0"/>
+                                          </p:stCondLst>
+                                        </p:cTn>
+                                        <p:tgtEl>
+                                          <p:spTgt spid="17"/>
+                                        </p:tgtEl>
+                                        <p:attrNameLst>
+                                          <p:attrName>style.visibility</p:attrName>
+                                        </p:attrNameLst>
+                                      </p:cBhvr>
+                                      <p:to>
+                                        <p:strVal val="visible"/>
+                                      </p:to>
+                                    </p:set>
+                                    <p:animEffect transition="in" filter="wipe(down)">
+                                      <p:cBhvr>
+                                        <p:cTn id="7" dur="500"/>
+                                        <p:tgtEl>
+                                          <p:spTgt spid="17"/>
+                                        </p:tgtEl>
+                                      </p:cBhvr>
+                                    </p:animEffect>
+                                  </p:childTnLst>
+                                </p:cTn>
+                              </p:par>
+                              <p:par>
+                                <p:cTn id="8" presetID="22" presetClass="entr" presetSubtype="4" fill="hold" nodeType="withEffect">
+                                  <p:stCondLst>
+                                    <p:cond delay="0"/>
+                                  </p:stCondLst>
+                                  <p:childTnLst>
+                                    <p:set>
+                                      <p:cBhvr>
+                                        <p:cTn id="9" dur="1" fill="hold">
+                                          <p:stCondLst>
+                                            <p:cond delay="0"/>
+                                          </p:stCondLst>
+                                        </p:cTn>
+                                        <p:tgtEl>
+                                          <p:spTgt spid="23">
+                                            <p:txEl>
+                                              <p:pRg st="0" end="0"/>
+                                            </p:txEl>
+                                          </p:spTgt>
+                                        </p:tgtEl>
+                                        <p:attrNameLst>
+                                          <p:attrName>style.visibility</p:attrName>
+                                        </p:attrNameLst>
+                                      </p:cBhvr>
+                                      <p:to>
+                                        <p:strVal val="visible"/>
+                                      </p:to>
+                                    </p:set>
+                                    <p:animEffect transition="in" filter="wipe(down)">
+                                      <p:cBhvr>
+                                        <p:cTn id="10" dur="500"/>
+                                        <p:tgtEl>
+                                          <p:spTgt spid="23">
+                                            <p:txEl>
+                                              <p:pRg st="0" end="0"/>
+                                            </p:txEl>
+                                          </p:spTgt>
+                                        </p:tgtEl>
+                                      </p:cBhvr>
+                                    </p:animEffect>
+                                  </p:childTnLst>
+                                </p:cTn>
+                              </p:par>
+                            </p:childTnLst>
+                          </p:cTn>
+                        </p:par>
+                      </p:childTnLst>
+                    </p:cTn>
+                  </p:par>
+                  <p:par>
+                    <p:cTn id="11" fill="hold">
+                      <p:stCondLst>
+                        <p:cond delay="indefinite"/>
+                      </p:stCondLst>
+                      <p:childTnLst>
+                        <p:par>
+                          <p:cTn id="12" fill="hold">
+                            <p:stCondLst>
+                              <p:cond delay="0"/>
+                            </p:stCondLst>
+                            <p:childTnLst>
+                              <p:par>
+                                <p:cTn id="13" presetID="22" presetClass="entr" presetSubtype="4" fill="hold" nodeType="clickEffect">
+                                  <p:stCondLst>
+                                    <p:cond delay="0"/>
+                                  </p:stCondLst>
+                                  <p:childTnLst>
+                                    <p:set>
+                                      <p:cBhvr>
+                                        <p:cTn id="14" dur="1" fill="hold">
+                                          <p:stCondLst>
+                                            <p:cond delay="0"/>
+                                          </p:stCondLst>
+                                        </p:cTn>
+                                        <p:tgtEl>
+                                          <p:spTgt spid="13">
+                                            <p:txEl>
+                                              <p:pRg st="0" end="0"/>
+                                            </p:txEl>
+                                          </p:spTgt>
+                                        </p:tgtEl>
+                                        <p:attrNameLst>
+                                          <p:attrName>style.visibility</p:attrName>
+                                        </p:attrNameLst>
+                                      </p:cBhvr>
+                                      <p:to>
+                                        <p:strVal val="visible"/>
+                                      </p:to>
+                                    </p:set>
+                                    <p:animEffect transition="in" filter="wipe(down)">
+                                      <p:cBhvr>
+                                        <p:cTn id="15" dur="500"/>
+                                        <p:tgtEl>
+                                          <p:spTgt spid="13">
+                                            <p:txEl>
+                                              <p:pRg st="0" end="0"/>
+                                            </p:txEl>
+                                          </p:spTgt>
+                                        </p:tgtEl>
+                                      </p:cBhvr>
+                                    </p:animEffect>
+                                  </p:childTnLst>
+                                </p:cTn>
+                              </p:par>
+                              <p:par>
+                                <p:cTn id="16" presetID="22" presetClass="entr" presetSubtype="4" fill="hold" nodeType="withEffect">
+                                  <p:stCondLst>
+                                    <p:cond delay="0"/>
+                                  </p:stCondLst>
+                                  <p:childTnLst>
+                                    <p:set>
+                                      <p:cBhvr>
+                                        <p:cTn id="17" dur="1" fill="hold">
+                                          <p:stCondLst>
+                                            <p:cond delay="0"/>
+                                          </p:stCondLst>
+                                        </p:cTn>
+                                        <p:tgtEl>
+                                          <p:spTgt spid="8"/>
+                                        </p:tgtEl>
+                                        <p:attrNameLst>
+                                          <p:attrName>style.visibility</p:attrName>
+                                        </p:attrNameLst>
+                                      </p:cBhvr>
+                                      <p:to>
+                                        <p:strVal val="visible"/>
+                                      </p:to>
+                                    </p:set>
+                                    <p:animEffect transition="in" filter="wipe(down)">
+                                      <p:cBhvr>
+                                        <p:cTn id="18" dur="500"/>
+                                        <p:tgtEl>
+                                          <p:spTgt spid="8"/>
+                                        </p:tgtEl>
+                                      </p:cBhvr>
+                                    </p:animEffect>
+                                  </p:childTnLst>
+                                </p:cTn>
+                              </p:par>
+                            </p:childTnLst>
+                          </p:cTn>
+                        </p:par>
+                      </p:childTnLst>
+                    </p:cTn>
+                  </p:par>
+                  <p:par>
+                    <p:cTn id="19" fill="hold">
+                      <p:stCondLst>
+                        <p:cond delay="indefinite"/>
+                      </p:stCondLst>
+                      <p:childTnLst>
+                        <p:par>
+                          <p:cTn id="20" fill="hold">
+                            <p:stCondLst>
+                              <p:cond delay="0"/>
+                            </p:stCondLst>
+                            <p:childTnLst>
+                              <p:par>
+                                <p:cTn id="21" presetID="22" presetClass="entr" presetSubtype="4" fill="hold" nodeType="clickEffect">
+                                  <p:stCondLst>
+                                    <p:cond delay="0"/>
+                                  </p:stCondLst>
+                                  <p:childTnLst>
+                                    <p:set>
+                                      <p:cBhvr>
+                                        <p:cTn id="22" dur="1" fill="hold">
+                                          <p:stCondLst>
+                                            <p:cond delay="0"/>
+                                          </p:stCondLst>
+                                        </p:cTn>
+                                        <p:tgtEl>
+                                          <p:spTgt spid="7"/>
+                                        </p:tgtEl>
+                                        <p:attrNameLst>
+                                          <p:attrName>style.visibility</p:attrName>
+                                        </p:attrNameLst>
+                                      </p:cBhvr>
+                                      <p:to>
+                                        <p:strVal val="visible"/>
+                                      </p:to>
+                                    </p:set>
+                                    <p:animEffect transition="in" filter="wipe(down)">
+                                      <p:cBhvr>
+                                        <p:cTn id="23" dur="500"/>
+                                        <p:tgtEl>
+                                          <p:spTgt spid="7"/>
+                                        </p:tgtEl>
+                                      </p:cBhvr>
+                                    </p:animEffect>
+                                  </p:childTnLst>
+                                </p:cTn>
+                              </p:par>
+                              <p:par>
+                                <p:cTn id="24" presetID="22" presetClass="entr" presetSubtype="4" fill="hold" nodeType="withEffect">
+                                  <p:stCondLst>
+                                    <p:cond delay="0"/>
+                                  </p:stCondLst>
+                                  <p:childTnLst>
+                                    <p:set>
+                                      <p:cBhvr>
+                                        <p:cTn id="25" dur="1" fill="hold">
+                                          <p:stCondLst>
+                                            <p:cond delay="0"/>
+                                          </p:stCondLst>
+                                        </p:cTn>
+                                        <p:tgtEl>
+                                          <p:spTgt spid="12">
+                                            <p:txEl>
+                                              <p:pRg st="0" end="0"/>
+                                            </p:txEl>
+                                          </p:spTgt>
+                                        </p:tgtEl>
+                                        <p:attrNameLst>
+                                          <p:attrName>style.visibility</p:attrName>
+                                        </p:attrNameLst>
+                                      </p:cBhvr>
+                                      <p:to>
+                                        <p:strVal val="visible"/>
+                                      </p:to>
+                                    </p:set>
+                                    <p:animEffect transition="in" filter="wipe(down)">
+                                      <p:cBhvr>
+                                        <p:cTn id="26" dur="500"/>
+                                        <p:tgtEl>
+                                          <p:spTgt spid="12">
+                                            <p:txEl>
+                                              <p:pRg st="0" end="0"/>
+                                            </p:txEl>
+                                          </p:spTgt>
+                                        </p:tgtEl>
+                                      </p:cBhvr>
+                                    </p:animEffect>
+                                  </p:childTnLst>
+                                </p:cTn>
+                              </p:par>
+                            </p:childTnLst>
+                          </p:cTn>
+                        </p:par>
+                      </p:childTnLst>
+                    </p:cTn>
+                  </p:par>
+                </p:childTnLst>
+              </p:cTn>
+              <p:prevCondLst>
+                <p:cond evt="onPrev" delay="0">
+                  <p:tgtEl>
+                    <p:sldTgt/>
+                  </p:tgtEl>
+                </p:cond>
+              </p:prevCondLst>
+              <p:nextCondLst>
+                <p:cond evt="onNext" delay="0">
+                  <p:tgtEl>
+                    <p:sldTgt/>
+                  </p:tgtEl>
+                </p:cond>
+              </p:nextCondLst>
+            </p:seq>
+          </p:childTnLst>
+        </p:cTn>
+      </p:par>
+    </p:tnLst>
+  </p:timing>
+</p:sld>
+</file>
+
 <file path=ppt/slides/slide2.xml><?xml version="1.0" encoding="utf-8"?>
 <p:sld xmlns:a="http://schemas.openxmlformats.org/drawingml/2006/main" xmlns:r="http://schemas.openxmlformats.org/officeDocument/2006/relationships" xmlns:p="http://schemas.openxmlformats.org/presentationml/2006/main">
   <p:cSld>
@@ -20597,13 +25487,6 @@
   <p:transition>
     <p:randomBar/>
   </p:transition>
-  <p:timing>
-    <p:tnLst>
-      <p:par>
-        <p:cTn id="1" dur="indefinite" restart="never" nodeType="tmRoot"/>
-      </p:par>
-    </p:tnLst>
-  </p:timing>
 </p:sld>
 </file>
 
@@ -21697,7 +26580,7 @@
               <a:buChar char="§"/>
               <a:tabLst/>
             </a:pPr>
-            <a:endParaRPr kumimoji="0" lang="en-US" sz="2400" b="0" i="0" u="none" strike="noStrike" cap="none" normalizeH="0" baseline="0" smtClean="0">
+            <a:endParaRPr kumimoji="0" lang="en-US" sz="2400" b="0" i="0" u="none" strike="noStrike" cap="none" normalizeH="0" baseline="0">
               <a:ln>
                 <a:noFill/>
               </a:ln>
@@ -22087,11 +26970,7 @@
           <a:p>
             <a:r>
               <a:rPr lang="de-DE" dirty="0"/>
-              <a:t>Einleitung: </a:t>
-            </a:r>
-            <a:r>
-              <a:rPr lang="de-DE" dirty="0" smtClean="0"/>
-              <a:t>Ziele</a:t>
+              <a:t>Einleitung: Ziele</a:t>
             </a:r>
             <a:endParaRPr lang="en-US" dirty="0"/>
           </a:p>
@@ -22118,7 +26997,7 @@
         </p:xfrm>
         <a:graphic>
           <a:graphicData uri="http://schemas.openxmlformats.org/drawingml/2006/diagram">
-            <dgm:relIds xmlns:dgm="http://schemas.openxmlformats.org/drawingml/2006/diagram" xmlns:r="http://schemas.openxmlformats.org/officeDocument/2006/relationships" r:dm="rId2" r:lo="rId3" r:qs="rId4" r:cs="rId5"/>
+            <dgm:relIds xmlns:dgm="http://schemas.openxmlformats.org/drawingml/2006/diagram" xmlns:r="http://schemas.openxmlformats.org/officeDocument/2006/relationships" r:dm="rId3" r:lo="rId4" r:qs="rId5" r:cs="rId6"/>
           </a:graphicData>
         </a:graphic>
       </p:graphicFrame>
@@ -22138,11 +27017,11 @@
           <a:lstStyle/>
           <a:p>
             <a:r>
-              <a:rPr lang="de-DE" altLang="de-DE" smtClean="0"/>
+              <a:rPr lang="de-DE" altLang="de-DE"/>
               <a:t>Hilscher Gesellschaft für Systemautomation mbH  </a:t>
             </a:r>
             <a:r>
-              <a:rPr lang="en-US" altLang="de-DE" smtClean="0">
+              <a:rPr lang="en-US" altLang="de-DE">
                 <a:cs typeface="Arial" panose="020B0604020202020204" pitchFamily="34" charset="0"/>
               </a:rPr>
               <a:t>l  www.hilscher.com</a:t>
@@ -22162,7 +27041,7 @@
           <p:nvPr/>
         </p:nvPicPr>
         <p:blipFill>
-          <a:blip r:embed="rId7"/>
+          <a:blip r:embed="rId8"/>
           <a:stretch>
             <a:fillRect/>
           </a:stretch>
@@ -23639,13 +28518,6 @@
   <p:transition>
     <p:zoom/>
   </p:transition>
-  <p:timing>
-    <p:tnLst>
-      <p:par>
-        <p:cTn id="1" dur="indefinite" restart="never" nodeType="tmRoot"/>
-      </p:par>
-    </p:tnLst>
-  </p:timing>
 </p:sld>
 </file>
 
@@ -23823,13 +28695,6 @@
   <p:transition>
     <p:zoom/>
   </p:transition>
-  <p:timing>
-    <p:tnLst>
-      <p:par>
-        <p:cTn id="1" dur="indefinite" restart="never" nodeType="tmRoot"/>
-      </p:par>
-    </p:tnLst>
-  </p:timing>
 </p:sld>
 </file>
 
@@ -24008,13 +28873,6 @@
   <p:transition>
     <p:zoom/>
   </p:transition>
-  <p:timing>
-    <p:tnLst>
-      <p:par>
-        <p:cTn id="1" dur="indefinite" restart="never" nodeType="tmRoot"/>
-      </p:par>
-    </p:tnLst>
-  </p:timing>
 </p:sld>
 </file>
 

--- a/Topology-Editor.pptx
+++ b/Topology-Editor.pptx
@@ -5,10 +5,10 @@
     <p:sldMasterId id="2147483657" r:id="rId1"/>
   </p:sldMasterIdLst>
   <p:notesMasterIdLst>
-    <p:notesMasterId r:id="rId17"/>
+    <p:notesMasterId r:id="rId18"/>
   </p:notesMasterIdLst>
   <p:handoutMasterIdLst>
-    <p:handoutMasterId r:id="rId18"/>
+    <p:handoutMasterId r:id="rId19"/>
   </p:handoutMasterIdLst>
   <p:sldIdLst>
     <p:sldId id="256" r:id="rId2"/>
@@ -22,10 +22,11 @@
     <p:sldId id="270" r:id="rId10"/>
     <p:sldId id="271" r:id="rId11"/>
     <p:sldId id="272" r:id="rId12"/>
-    <p:sldId id="263" r:id="rId13"/>
-    <p:sldId id="265" r:id="rId14"/>
-    <p:sldId id="262" r:id="rId15"/>
-    <p:sldId id="274" r:id="rId16"/>
+    <p:sldId id="275" r:id="rId13"/>
+    <p:sldId id="263" r:id="rId14"/>
+    <p:sldId id="265" r:id="rId15"/>
+    <p:sldId id="262" r:id="rId16"/>
+    <p:sldId id="274" r:id="rId17"/>
   </p:sldIdLst>
   <p:sldSz cx="9144000" cy="6858000" type="screen4x3"/>
   <p:notesSz cx="6858000" cy="9144000"/>
@@ -3952,753 +3953,6 @@
 </dgm:colorsDef>
 </file>
 
-<file path=ppt/diagrams/colors6.xml><?xml version="1.0" encoding="utf-8"?>
-<dgm:colorsDef xmlns:dgm="http://schemas.openxmlformats.org/drawingml/2006/diagram" xmlns:a="http://schemas.openxmlformats.org/drawingml/2006/main" uniqueId="urn:microsoft.com/office/officeart/2005/8/colors/accent1_2">
-  <dgm:title val=""/>
-  <dgm:desc val=""/>
-  <dgm:catLst>
-    <dgm:cat type="accent1" pri="11200"/>
-  </dgm:catLst>
-  <dgm:styleLbl name="node0">
-    <dgm:fillClrLst meth="repeat">
-      <a:schemeClr val="accent1"/>
-    </dgm:fillClrLst>
-    <dgm:linClrLst meth="repeat">
-      <a:schemeClr val="lt1"/>
-    </dgm:linClrLst>
-    <dgm:effectClrLst/>
-    <dgm:txLinClrLst/>
-    <dgm:txFillClrLst/>
-    <dgm:txEffectClrLst/>
-  </dgm:styleLbl>
-  <dgm:styleLbl name="alignNode1">
-    <dgm:fillClrLst meth="repeat">
-      <a:schemeClr val="accent1"/>
-    </dgm:fillClrLst>
-    <dgm:linClrLst meth="repeat">
-      <a:schemeClr val="accent1"/>
-    </dgm:linClrLst>
-    <dgm:effectClrLst/>
-    <dgm:txLinClrLst/>
-    <dgm:txFillClrLst/>
-    <dgm:txEffectClrLst/>
-  </dgm:styleLbl>
-  <dgm:styleLbl name="node1">
-    <dgm:fillClrLst meth="repeat">
-      <a:schemeClr val="accent1"/>
-    </dgm:fillClrLst>
-    <dgm:linClrLst meth="repeat">
-      <a:schemeClr val="lt1"/>
-    </dgm:linClrLst>
-    <dgm:effectClrLst/>
-    <dgm:txLinClrLst/>
-    <dgm:txFillClrLst/>
-    <dgm:txEffectClrLst/>
-  </dgm:styleLbl>
-  <dgm:styleLbl name="lnNode1">
-    <dgm:fillClrLst meth="repeat">
-      <a:schemeClr val="accent1"/>
-    </dgm:fillClrLst>
-    <dgm:linClrLst meth="repeat">
-      <a:schemeClr val="lt1"/>
-    </dgm:linClrLst>
-    <dgm:effectClrLst/>
-    <dgm:txLinClrLst/>
-    <dgm:txFillClrLst/>
-    <dgm:txEffectClrLst/>
-  </dgm:styleLbl>
-  <dgm:styleLbl name="vennNode1">
-    <dgm:fillClrLst meth="repeat">
-      <a:schemeClr val="accent1">
-        <a:alpha val="50000"/>
-      </a:schemeClr>
-    </dgm:fillClrLst>
-    <dgm:linClrLst meth="repeat">
-      <a:schemeClr val="lt1"/>
-    </dgm:linClrLst>
-    <dgm:effectClrLst/>
-    <dgm:txLinClrLst/>
-    <dgm:txFillClrLst/>
-    <dgm:txEffectClrLst/>
-  </dgm:styleLbl>
-  <dgm:styleLbl name="node2">
-    <dgm:fillClrLst meth="repeat">
-      <a:schemeClr val="accent1"/>
-    </dgm:fillClrLst>
-    <dgm:linClrLst meth="repeat">
-      <a:schemeClr val="lt1"/>
-    </dgm:linClrLst>
-    <dgm:effectClrLst/>
-    <dgm:txLinClrLst/>
-    <dgm:txFillClrLst/>
-    <dgm:txEffectClrLst/>
-  </dgm:styleLbl>
-  <dgm:styleLbl name="node3">
-    <dgm:fillClrLst meth="repeat">
-      <a:schemeClr val="accent1"/>
-    </dgm:fillClrLst>
-    <dgm:linClrLst meth="repeat">
-      <a:schemeClr val="lt1"/>
-    </dgm:linClrLst>
-    <dgm:effectClrLst/>
-    <dgm:txLinClrLst/>
-    <dgm:txFillClrLst/>
-    <dgm:txEffectClrLst/>
-  </dgm:styleLbl>
-  <dgm:styleLbl name="node4">
-    <dgm:fillClrLst meth="repeat">
-      <a:schemeClr val="accent1"/>
-    </dgm:fillClrLst>
-    <dgm:linClrLst meth="repeat">
-      <a:schemeClr val="lt1"/>
-    </dgm:linClrLst>
-    <dgm:effectClrLst/>
-    <dgm:txLinClrLst/>
-    <dgm:txFillClrLst/>
-    <dgm:txEffectClrLst/>
-  </dgm:styleLbl>
-  <dgm:styleLbl name="fgImgPlace1">
-    <dgm:fillClrLst meth="repeat">
-      <a:schemeClr val="accent1">
-        <a:tint val="50000"/>
-      </a:schemeClr>
-    </dgm:fillClrLst>
-    <dgm:linClrLst meth="repeat">
-      <a:schemeClr val="lt1"/>
-    </dgm:linClrLst>
-    <dgm:effectClrLst/>
-    <dgm:txLinClrLst/>
-    <dgm:txFillClrLst meth="repeat">
-      <a:schemeClr val="lt1"/>
-    </dgm:txFillClrLst>
-    <dgm:txEffectClrLst/>
-  </dgm:styleLbl>
-  <dgm:styleLbl name="alignImgPlace1">
-    <dgm:fillClrLst meth="repeat">
-      <a:schemeClr val="accent1">
-        <a:tint val="50000"/>
-      </a:schemeClr>
-    </dgm:fillClrLst>
-    <dgm:linClrLst meth="repeat">
-      <a:schemeClr val="lt1"/>
-    </dgm:linClrLst>
-    <dgm:effectClrLst/>
-    <dgm:txLinClrLst/>
-    <dgm:txFillClrLst meth="repeat">
-      <a:schemeClr val="lt1"/>
-    </dgm:txFillClrLst>
-    <dgm:txEffectClrLst/>
-  </dgm:styleLbl>
-  <dgm:styleLbl name="bgImgPlace1">
-    <dgm:fillClrLst meth="repeat">
-      <a:schemeClr val="accent1">
-        <a:tint val="50000"/>
-      </a:schemeClr>
-    </dgm:fillClrLst>
-    <dgm:linClrLst meth="repeat">
-      <a:schemeClr val="lt1"/>
-    </dgm:linClrLst>
-    <dgm:effectClrLst/>
-    <dgm:txLinClrLst/>
-    <dgm:txFillClrLst meth="repeat">
-      <a:schemeClr val="lt1"/>
-    </dgm:txFillClrLst>
-    <dgm:txEffectClrLst/>
-  </dgm:styleLbl>
-  <dgm:styleLbl name="sibTrans2D1">
-    <dgm:fillClrLst meth="repeat">
-      <a:schemeClr val="accent1">
-        <a:tint val="60000"/>
-      </a:schemeClr>
-    </dgm:fillClrLst>
-    <dgm:linClrLst meth="repeat">
-      <a:schemeClr val="accent1">
-        <a:tint val="60000"/>
-      </a:schemeClr>
-    </dgm:linClrLst>
-    <dgm:effectClrLst/>
-    <dgm:txLinClrLst/>
-    <dgm:txFillClrLst/>
-    <dgm:txEffectClrLst/>
-  </dgm:styleLbl>
-  <dgm:styleLbl name="fgSibTrans2D1">
-    <dgm:fillClrLst meth="repeat">
-      <a:schemeClr val="accent1">
-        <a:tint val="60000"/>
-      </a:schemeClr>
-    </dgm:fillClrLst>
-    <dgm:linClrLst meth="repeat">
-      <a:schemeClr val="accent1">
-        <a:tint val="60000"/>
-      </a:schemeClr>
-    </dgm:linClrLst>
-    <dgm:effectClrLst/>
-    <dgm:txLinClrLst/>
-    <dgm:txFillClrLst/>
-    <dgm:txEffectClrLst/>
-  </dgm:styleLbl>
-  <dgm:styleLbl name="bgSibTrans2D1">
-    <dgm:fillClrLst meth="repeat">
-      <a:schemeClr val="accent1">
-        <a:tint val="60000"/>
-      </a:schemeClr>
-    </dgm:fillClrLst>
-    <dgm:linClrLst meth="repeat">
-      <a:schemeClr val="accent1">
-        <a:tint val="60000"/>
-      </a:schemeClr>
-    </dgm:linClrLst>
-    <dgm:effectClrLst/>
-    <dgm:txLinClrLst/>
-    <dgm:txFillClrLst/>
-    <dgm:txEffectClrLst/>
-  </dgm:styleLbl>
-  <dgm:styleLbl name="sibTrans1D1">
-    <dgm:fillClrLst meth="repeat">
-      <a:schemeClr val="accent1"/>
-    </dgm:fillClrLst>
-    <dgm:linClrLst meth="repeat">
-      <a:schemeClr val="accent1"/>
-    </dgm:linClrLst>
-    <dgm:effectClrLst/>
-    <dgm:txLinClrLst/>
-    <dgm:txFillClrLst meth="repeat">
-      <a:schemeClr val="tx1"/>
-    </dgm:txFillClrLst>
-    <dgm:txEffectClrLst/>
-  </dgm:styleLbl>
-  <dgm:styleLbl name="callout">
-    <dgm:fillClrLst meth="repeat">
-      <a:schemeClr val="accent1"/>
-    </dgm:fillClrLst>
-    <dgm:linClrLst meth="repeat">
-      <a:schemeClr val="accent1">
-        <a:tint val="50000"/>
-      </a:schemeClr>
-    </dgm:linClrLst>
-    <dgm:effectClrLst/>
-    <dgm:txLinClrLst/>
-    <dgm:txFillClrLst meth="repeat">
-      <a:schemeClr val="tx1"/>
-    </dgm:txFillClrLst>
-    <dgm:txEffectClrLst/>
-  </dgm:styleLbl>
-  <dgm:styleLbl name="asst0">
-    <dgm:fillClrLst meth="repeat">
-      <a:schemeClr val="accent1"/>
-    </dgm:fillClrLst>
-    <dgm:linClrLst meth="repeat">
-      <a:schemeClr val="lt1"/>
-    </dgm:linClrLst>
-    <dgm:effectClrLst/>
-    <dgm:txLinClrLst/>
-    <dgm:txFillClrLst/>
-    <dgm:txEffectClrLst/>
-  </dgm:styleLbl>
-  <dgm:styleLbl name="asst1">
-    <dgm:fillClrLst meth="repeat">
-      <a:schemeClr val="accent1"/>
-    </dgm:fillClrLst>
-    <dgm:linClrLst meth="repeat">
-      <a:schemeClr val="lt1"/>
-    </dgm:linClrLst>
-    <dgm:effectClrLst/>
-    <dgm:txLinClrLst/>
-    <dgm:txFillClrLst/>
-    <dgm:txEffectClrLst/>
-  </dgm:styleLbl>
-  <dgm:styleLbl name="asst2">
-    <dgm:fillClrLst meth="repeat">
-      <a:schemeClr val="accent1"/>
-    </dgm:fillClrLst>
-    <dgm:linClrLst meth="repeat">
-      <a:schemeClr val="lt1"/>
-    </dgm:linClrLst>
-    <dgm:effectClrLst/>
-    <dgm:txLinClrLst/>
-    <dgm:txFillClrLst/>
-    <dgm:txEffectClrLst/>
-  </dgm:styleLbl>
-  <dgm:styleLbl name="asst3">
-    <dgm:fillClrLst meth="repeat">
-      <a:schemeClr val="accent1"/>
-    </dgm:fillClrLst>
-    <dgm:linClrLst meth="repeat">
-      <a:schemeClr val="lt1"/>
-    </dgm:linClrLst>
-    <dgm:effectClrLst/>
-    <dgm:txLinClrLst/>
-    <dgm:txFillClrLst/>
-    <dgm:txEffectClrLst/>
-  </dgm:styleLbl>
-  <dgm:styleLbl name="asst4">
-    <dgm:fillClrLst meth="repeat">
-      <a:schemeClr val="accent1"/>
-    </dgm:fillClrLst>
-    <dgm:linClrLst meth="repeat">
-      <a:schemeClr val="lt1"/>
-    </dgm:linClrLst>
-    <dgm:effectClrLst/>
-    <dgm:txLinClrLst/>
-    <dgm:txFillClrLst/>
-    <dgm:txEffectClrLst/>
-  </dgm:styleLbl>
-  <dgm:styleLbl name="parChTrans2D1">
-    <dgm:fillClrLst meth="repeat">
-      <a:schemeClr val="accent1">
-        <a:tint val="60000"/>
-      </a:schemeClr>
-    </dgm:fillClrLst>
-    <dgm:linClrLst meth="repeat">
-      <a:schemeClr val="accent1">
-        <a:tint val="60000"/>
-      </a:schemeClr>
-    </dgm:linClrLst>
-    <dgm:effectClrLst/>
-    <dgm:txLinClrLst/>
-    <dgm:txFillClrLst meth="repeat">
-      <a:schemeClr val="lt1"/>
-    </dgm:txFillClrLst>
-    <dgm:txEffectClrLst/>
-  </dgm:styleLbl>
-  <dgm:styleLbl name="parChTrans2D2">
-    <dgm:fillClrLst meth="repeat">
-      <a:schemeClr val="accent1"/>
-    </dgm:fillClrLst>
-    <dgm:linClrLst meth="repeat">
-      <a:schemeClr val="accent1"/>
-    </dgm:linClrLst>
-    <dgm:effectClrLst/>
-    <dgm:txLinClrLst/>
-    <dgm:txFillClrLst meth="repeat">
-      <a:schemeClr val="lt1"/>
-    </dgm:txFillClrLst>
-    <dgm:txEffectClrLst/>
-  </dgm:styleLbl>
-  <dgm:styleLbl name="parChTrans2D3">
-    <dgm:fillClrLst meth="repeat">
-      <a:schemeClr val="accent1"/>
-    </dgm:fillClrLst>
-    <dgm:linClrLst meth="repeat">
-      <a:schemeClr val="accent1"/>
-    </dgm:linClrLst>
-    <dgm:effectClrLst/>
-    <dgm:txLinClrLst/>
-    <dgm:txFillClrLst meth="repeat">
-      <a:schemeClr val="lt1"/>
-    </dgm:txFillClrLst>
-    <dgm:txEffectClrLst/>
-  </dgm:styleLbl>
-  <dgm:styleLbl name="parChTrans2D4">
-    <dgm:fillClrLst meth="repeat">
-      <a:schemeClr val="accent1"/>
-    </dgm:fillClrLst>
-    <dgm:linClrLst meth="repeat">
-      <a:schemeClr val="accent1"/>
-    </dgm:linClrLst>
-    <dgm:effectClrLst/>
-    <dgm:txLinClrLst/>
-    <dgm:txFillClrLst meth="repeat">
-      <a:schemeClr val="lt1"/>
-    </dgm:txFillClrLst>
-    <dgm:txEffectClrLst/>
-  </dgm:styleLbl>
-  <dgm:styleLbl name="parChTrans1D1">
-    <dgm:fillClrLst meth="repeat">
-      <a:schemeClr val="accent1"/>
-    </dgm:fillClrLst>
-    <dgm:linClrLst meth="repeat">
-      <a:schemeClr val="accent1">
-        <a:shade val="60000"/>
-      </a:schemeClr>
-    </dgm:linClrLst>
-    <dgm:effectClrLst/>
-    <dgm:txLinClrLst/>
-    <dgm:txFillClrLst meth="repeat">
-      <a:schemeClr val="tx1"/>
-    </dgm:txFillClrLst>
-    <dgm:txEffectClrLst/>
-  </dgm:styleLbl>
-  <dgm:styleLbl name="parChTrans1D2">
-    <dgm:fillClrLst meth="repeat">
-      <a:schemeClr val="accent1"/>
-    </dgm:fillClrLst>
-    <dgm:linClrLst meth="repeat">
-      <a:schemeClr val="accent1">
-        <a:shade val="60000"/>
-      </a:schemeClr>
-    </dgm:linClrLst>
-    <dgm:effectClrLst/>
-    <dgm:txLinClrLst/>
-    <dgm:txFillClrLst meth="repeat">
-      <a:schemeClr val="tx1"/>
-    </dgm:txFillClrLst>
-    <dgm:txEffectClrLst/>
-  </dgm:styleLbl>
-  <dgm:styleLbl name="parChTrans1D3">
-    <dgm:fillClrLst meth="repeat">
-      <a:schemeClr val="accent1"/>
-    </dgm:fillClrLst>
-    <dgm:linClrLst meth="repeat">
-      <a:schemeClr val="accent1">
-        <a:shade val="80000"/>
-      </a:schemeClr>
-    </dgm:linClrLst>
-    <dgm:effectClrLst/>
-    <dgm:txLinClrLst/>
-    <dgm:txFillClrLst meth="repeat">
-      <a:schemeClr val="tx1"/>
-    </dgm:txFillClrLst>
-    <dgm:txEffectClrLst/>
-  </dgm:styleLbl>
-  <dgm:styleLbl name="parChTrans1D4">
-    <dgm:fillClrLst meth="repeat">
-      <a:schemeClr val="accent1"/>
-    </dgm:fillClrLst>
-    <dgm:linClrLst meth="repeat">
-      <a:schemeClr val="accent1">
-        <a:shade val="80000"/>
-      </a:schemeClr>
-    </dgm:linClrLst>
-    <dgm:effectClrLst/>
-    <dgm:txLinClrLst/>
-    <dgm:txFillClrLst meth="repeat">
-      <a:schemeClr val="tx1"/>
-    </dgm:txFillClrLst>
-    <dgm:txEffectClrLst/>
-  </dgm:styleLbl>
-  <dgm:styleLbl name="fgAcc1">
-    <dgm:fillClrLst meth="repeat">
-      <a:schemeClr val="lt1">
-        <a:alpha val="90000"/>
-      </a:schemeClr>
-    </dgm:fillClrLst>
-    <dgm:linClrLst meth="repeat">
-      <a:schemeClr val="accent1"/>
-    </dgm:linClrLst>
-    <dgm:effectClrLst/>
-    <dgm:txLinClrLst/>
-    <dgm:txFillClrLst meth="repeat">
-      <a:schemeClr val="dk1"/>
-    </dgm:txFillClrLst>
-    <dgm:txEffectClrLst/>
-  </dgm:styleLbl>
-  <dgm:styleLbl name="conFgAcc1">
-    <dgm:fillClrLst meth="repeat">
-      <a:schemeClr val="lt1">
-        <a:alpha val="90000"/>
-      </a:schemeClr>
-    </dgm:fillClrLst>
-    <dgm:linClrLst meth="repeat">
-      <a:schemeClr val="accent1"/>
-    </dgm:linClrLst>
-    <dgm:effectClrLst/>
-    <dgm:txLinClrLst/>
-    <dgm:txFillClrLst meth="repeat">
-      <a:schemeClr val="dk1"/>
-    </dgm:txFillClrLst>
-    <dgm:txEffectClrLst/>
-  </dgm:styleLbl>
-  <dgm:styleLbl name="alignAcc1">
-    <dgm:fillClrLst meth="repeat">
-      <a:schemeClr val="lt1">
-        <a:alpha val="90000"/>
-      </a:schemeClr>
-    </dgm:fillClrLst>
-    <dgm:linClrLst meth="repeat">
-      <a:schemeClr val="accent1"/>
-    </dgm:linClrLst>
-    <dgm:effectClrLst/>
-    <dgm:txLinClrLst/>
-    <dgm:txFillClrLst meth="repeat">
-      <a:schemeClr val="dk1"/>
-    </dgm:txFillClrLst>
-    <dgm:txEffectClrLst/>
-  </dgm:styleLbl>
-  <dgm:styleLbl name="trAlignAcc1">
-    <dgm:fillClrLst meth="repeat">
-      <a:schemeClr val="lt1">
-        <a:alpha val="40000"/>
-      </a:schemeClr>
-    </dgm:fillClrLst>
-    <dgm:linClrLst meth="repeat">
-      <a:schemeClr val="accent1"/>
-    </dgm:linClrLst>
-    <dgm:effectClrLst/>
-    <dgm:txLinClrLst/>
-    <dgm:txFillClrLst meth="repeat">
-      <a:schemeClr val="dk1"/>
-    </dgm:txFillClrLst>
-    <dgm:txEffectClrLst/>
-  </dgm:styleLbl>
-  <dgm:styleLbl name="bgAcc1">
-    <dgm:fillClrLst meth="repeat">
-      <a:schemeClr val="lt1">
-        <a:alpha val="90000"/>
-      </a:schemeClr>
-    </dgm:fillClrLst>
-    <dgm:linClrLst meth="repeat">
-      <a:schemeClr val="accent1"/>
-    </dgm:linClrLst>
-    <dgm:effectClrLst/>
-    <dgm:txLinClrLst/>
-    <dgm:txFillClrLst meth="repeat">
-      <a:schemeClr val="dk1"/>
-    </dgm:txFillClrLst>
-    <dgm:txEffectClrLst/>
-  </dgm:styleLbl>
-  <dgm:styleLbl name="solidFgAcc1">
-    <dgm:fillClrLst meth="repeat">
-      <a:schemeClr val="lt1"/>
-    </dgm:fillClrLst>
-    <dgm:linClrLst meth="repeat">
-      <a:schemeClr val="accent1"/>
-    </dgm:linClrLst>
-    <dgm:effectClrLst/>
-    <dgm:txLinClrLst/>
-    <dgm:txFillClrLst meth="repeat">
-      <a:schemeClr val="dk1"/>
-    </dgm:txFillClrLst>
-    <dgm:txEffectClrLst/>
-  </dgm:styleLbl>
-  <dgm:styleLbl name="solidAlignAcc1">
-    <dgm:fillClrLst meth="repeat">
-      <a:schemeClr val="lt1"/>
-    </dgm:fillClrLst>
-    <dgm:linClrLst meth="repeat">
-      <a:schemeClr val="accent1"/>
-    </dgm:linClrLst>
-    <dgm:effectClrLst/>
-    <dgm:txLinClrLst/>
-    <dgm:txFillClrLst meth="repeat">
-      <a:schemeClr val="dk1"/>
-    </dgm:txFillClrLst>
-    <dgm:txEffectClrLst/>
-  </dgm:styleLbl>
-  <dgm:styleLbl name="solidBgAcc1">
-    <dgm:fillClrLst meth="repeat">
-      <a:schemeClr val="lt1"/>
-    </dgm:fillClrLst>
-    <dgm:linClrLst meth="repeat">
-      <a:schemeClr val="accent1"/>
-    </dgm:linClrLst>
-    <dgm:effectClrLst/>
-    <dgm:txLinClrLst/>
-    <dgm:txFillClrLst meth="repeat">
-      <a:schemeClr val="dk1"/>
-    </dgm:txFillClrLst>
-    <dgm:txEffectClrLst/>
-  </dgm:styleLbl>
-  <dgm:styleLbl name="fgAccFollowNode1">
-    <dgm:fillClrLst meth="repeat">
-      <a:schemeClr val="accent1">
-        <a:alpha val="90000"/>
-        <a:tint val="40000"/>
-      </a:schemeClr>
-    </dgm:fillClrLst>
-    <dgm:linClrLst meth="repeat">
-      <a:schemeClr val="accent1">
-        <a:alpha val="90000"/>
-        <a:tint val="40000"/>
-      </a:schemeClr>
-    </dgm:linClrLst>
-    <dgm:effectClrLst/>
-    <dgm:txLinClrLst/>
-    <dgm:txFillClrLst meth="repeat">
-      <a:schemeClr val="dk1"/>
-    </dgm:txFillClrLst>
-    <dgm:txEffectClrLst/>
-  </dgm:styleLbl>
-  <dgm:styleLbl name="alignAccFollowNode1">
-    <dgm:fillClrLst meth="repeat">
-      <a:schemeClr val="accent1">
-        <a:alpha val="90000"/>
-        <a:tint val="40000"/>
-      </a:schemeClr>
-    </dgm:fillClrLst>
-    <dgm:linClrLst meth="repeat">
-      <a:schemeClr val="accent1">
-        <a:alpha val="90000"/>
-        <a:tint val="40000"/>
-      </a:schemeClr>
-    </dgm:linClrLst>
-    <dgm:effectClrLst/>
-    <dgm:txLinClrLst/>
-    <dgm:txFillClrLst meth="repeat">
-      <a:schemeClr val="dk1"/>
-    </dgm:txFillClrLst>
-    <dgm:txEffectClrLst/>
-  </dgm:styleLbl>
-  <dgm:styleLbl name="bgAccFollowNode1">
-    <dgm:fillClrLst meth="repeat">
-      <a:schemeClr val="accent1">
-        <a:alpha val="90000"/>
-        <a:tint val="40000"/>
-      </a:schemeClr>
-    </dgm:fillClrLst>
-    <dgm:linClrLst meth="repeat">
-      <a:schemeClr val="accent1">
-        <a:alpha val="90000"/>
-        <a:tint val="40000"/>
-      </a:schemeClr>
-    </dgm:linClrLst>
-    <dgm:effectClrLst/>
-    <dgm:txLinClrLst/>
-    <dgm:txFillClrLst meth="repeat">
-      <a:schemeClr val="dk1"/>
-    </dgm:txFillClrLst>
-    <dgm:txEffectClrLst/>
-  </dgm:styleLbl>
-  <dgm:styleLbl name="fgAcc0">
-    <dgm:fillClrLst meth="repeat">
-      <a:schemeClr val="lt1">
-        <a:alpha val="90000"/>
-      </a:schemeClr>
-    </dgm:fillClrLst>
-    <dgm:linClrLst meth="repeat">
-      <a:schemeClr val="accent1"/>
-    </dgm:linClrLst>
-    <dgm:effectClrLst/>
-    <dgm:txLinClrLst/>
-    <dgm:txFillClrLst meth="repeat">
-      <a:schemeClr val="dk1"/>
-    </dgm:txFillClrLst>
-    <dgm:txEffectClrLst/>
-  </dgm:styleLbl>
-  <dgm:styleLbl name="fgAcc2">
-    <dgm:fillClrLst meth="repeat">
-      <a:schemeClr val="lt1">
-        <a:alpha val="90000"/>
-      </a:schemeClr>
-    </dgm:fillClrLst>
-    <dgm:linClrLst meth="repeat">
-      <a:schemeClr val="accent1"/>
-    </dgm:linClrLst>
-    <dgm:effectClrLst/>
-    <dgm:txLinClrLst/>
-    <dgm:txFillClrLst meth="repeat">
-      <a:schemeClr val="dk1"/>
-    </dgm:txFillClrLst>
-    <dgm:txEffectClrLst/>
-  </dgm:styleLbl>
-  <dgm:styleLbl name="fgAcc3">
-    <dgm:fillClrLst meth="repeat">
-      <a:schemeClr val="lt1">
-        <a:alpha val="90000"/>
-      </a:schemeClr>
-    </dgm:fillClrLst>
-    <dgm:linClrLst meth="repeat">
-      <a:schemeClr val="accent1"/>
-    </dgm:linClrLst>
-    <dgm:effectClrLst/>
-    <dgm:txLinClrLst/>
-    <dgm:txFillClrLst meth="repeat">
-      <a:schemeClr val="dk1"/>
-    </dgm:txFillClrLst>
-    <dgm:txEffectClrLst/>
-  </dgm:styleLbl>
-  <dgm:styleLbl name="fgAcc4">
-    <dgm:fillClrLst meth="repeat">
-      <a:schemeClr val="lt1">
-        <a:alpha val="90000"/>
-      </a:schemeClr>
-    </dgm:fillClrLst>
-    <dgm:linClrLst meth="repeat">
-      <a:schemeClr val="accent1"/>
-    </dgm:linClrLst>
-    <dgm:effectClrLst/>
-    <dgm:txLinClrLst/>
-    <dgm:txFillClrLst meth="repeat">
-      <a:schemeClr val="dk1"/>
-    </dgm:txFillClrLst>
-    <dgm:txEffectClrLst/>
-  </dgm:styleLbl>
-  <dgm:styleLbl name="bgShp">
-    <dgm:fillClrLst meth="repeat">
-      <a:schemeClr val="accent1">
-        <a:tint val="40000"/>
-      </a:schemeClr>
-    </dgm:fillClrLst>
-    <dgm:linClrLst meth="repeat">
-      <a:schemeClr val="accent1"/>
-    </dgm:linClrLst>
-    <dgm:effectClrLst/>
-    <dgm:txLinClrLst/>
-    <dgm:txFillClrLst meth="repeat">
-      <a:schemeClr val="dk1"/>
-    </dgm:txFillClrLst>
-    <dgm:txEffectClrLst/>
-  </dgm:styleLbl>
-  <dgm:styleLbl name="dkBgShp">
-    <dgm:fillClrLst meth="repeat">
-      <a:schemeClr val="accent1">
-        <a:shade val="80000"/>
-      </a:schemeClr>
-    </dgm:fillClrLst>
-    <dgm:linClrLst meth="repeat">
-      <a:schemeClr val="accent1"/>
-    </dgm:linClrLst>
-    <dgm:effectClrLst/>
-    <dgm:txLinClrLst/>
-    <dgm:txFillClrLst meth="repeat">
-      <a:schemeClr val="lt1"/>
-    </dgm:txFillClrLst>
-    <dgm:txEffectClrLst/>
-  </dgm:styleLbl>
-  <dgm:styleLbl name="trBgShp">
-    <dgm:fillClrLst meth="repeat">
-      <a:schemeClr val="accent1">
-        <a:tint val="50000"/>
-        <a:alpha val="40000"/>
-      </a:schemeClr>
-    </dgm:fillClrLst>
-    <dgm:linClrLst meth="repeat">
-      <a:schemeClr val="accent1"/>
-    </dgm:linClrLst>
-    <dgm:effectClrLst/>
-    <dgm:txLinClrLst/>
-    <dgm:txFillClrLst meth="repeat">
-      <a:schemeClr val="lt1"/>
-    </dgm:txFillClrLst>
-    <dgm:txEffectClrLst/>
-  </dgm:styleLbl>
-  <dgm:styleLbl name="fgShp">
-    <dgm:fillClrLst meth="repeat">
-      <a:schemeClr val="accent1">
-        <a:tint val="60000"/>
-      </a:schemeClr>
-    </dgm:fillClrLst>
-    <dgm:linClrLst meth="repeat">
-      <a:schemeClr val="lt1"/>
-    </dgm:linClrLst>
-    <dgm:effectClrLst/>
-    <dgm:txLinClrLst/>
-    <dgm:txFillClrLst meth="repeat">
-      <a:schemeClr val="dk1"/>
-    </dgm:txFillClrLst>
-    <dgm:txEffectClrLst/>
-  </dgm:styleLbl>
-  <dgm:styleLbl name="revTx">
-    <dgm:fillClrLst meth="repeat">
-      <a:schemeClr val="lt1">
-        <a:alpha val="0"/>
-      </a:schemeClr>
-    </dgm:fillClrLst>
-    <dgm:linClrLst meth="repeat">
-      <a:schemeClr val="dk1">
-        <a:alpha val="0"/>
-      </a:schemeClr>
-    </dgm:linClrLst>
-    <dgm:effectClrLst/>
-    <dgm:txLinClrLst/>
-    <dgm:txFillClrLst meth="repeat">
-      <a:schemeClr val="tx1"/>
-    </dgm:txFillClrLst>
-    <dgm:txEffectClrLst/>
-  </dgm:styleLbl>
-</dgm:colorsDef>
-</file>
-
 <file path=ppt/diagrams/data1.xml><?xml version="1.0" encoding="utf-8"?>
 <dgm:dataModel xmlns:dgm="http://schemas.openxmlformats.org/drawingml/2006/diagram" xmlns:a="http://schemas.openxmlformats.org/drawingml/2006/main">
   <dgm:ptLst>
@@ -4877,6 +4131,13 @@
         </dgm:presLayoutVars>
       </dgm:prSet>
       <dgm:spPr/>
+      <dgm:t>
+        <a:bodyPr/>
+        <a:lstStyle/>
+        <a:p>
+          <a:endParaRPr lang="de-DE"/>
+        </a:p>
+      </dgm:t>
     </dgm:pt>
     <dgm:pt modelId="{E3B93B31-32D8-4416-A261-5CA14FC031FD}" type="pres">
       <dgm:prSet presAssocID="{8EFBBE4B-BA83-4F2C-B7DC-936C70EB636B}" presName="node" presStyleLbl="node1" presStyleIdx="0" presStyleCnt="4">
@@ -4889,6 +4150,13 @@
           <a:avLst/>
         </a:prstGeom>
       </dgm:spPr>
+      <dgm:t>
+        <a:bodyPr/>
+        <a:lstStyle/>
+        <a:p>
+          <a:endParaRPr lang="de-DE"/>
+        </a:p>
+      </dgm:t>
     </dgm:pt>
     <dgm:pt modelId="{3B5584AE-7BA2-478B-B7E2-5E43981F66FA}" type="pres">
       <dgm:prSet presAssocID="{DB0B624C-66F2-49D8-AEA4-6848F2530DCF}" presName="sibTrans" presStyleCnt="0"/>
@@ -4905,6 +4173,13 @@
           <a:avLst/>
         </a:prstGeom>
       </dgm:spPr>
+      <dgm:t>
+        <a:bodyPr/>
+        <a:lstStyle/>
+        <a:p>
+          <a:endParaRPr lang="de-DE"/>
+        </a:p>
+      </dgm:t>
     </dgm:pt>
     <dgm:pt modelId="{8C23EEB9-DE69-4152-8E1E-6AE36410C6D8}" type="pres">
       <dgm:prSet presAssocID="{E55ED425-828B-4A5B-B5BB-06D44A059386}" presName="sibTrans" presStyleCnt="0"/>
@@ -4921,6 +4196,13 @@
           <a:avLst/>
         </a:prstGeom>
       </dgm:spPr>
+      <dgm:t>
+        <a:bodyPr/>
+        <a:lstStyle/>
+        <a:p>
+          <a:endParaRPr lang="de-DE"/>
+        </a:p>
+      </dgm:t>
     </dgm:pt>
     <dgm:pt modelId="{0FFEF3FD-37F8-48FE-B648-A7F88BAA6A6D}" type="pres">
       <dgm:prSet presAssocID="{2C7202BE-4A70-4084-BDB8-CD1BDB153074}" presName="sibTrans" presStyleCnt="0"/>
@@ -4937,18 +4219,25 @@
           <a:avLst/>
         </a:prstGeom>
       </dgm:spPr>
+      <dgm:t>
+        <a:bodyPr/>
+        <a:lstStyle/>
+        <a:p>
+          <a:endParaRPr lang="de-DE"/>
+        </a:p>
+      </dgm:t>
     </dgm:pt>
   </dgm:ptLst>
   <dgm:cxnLst>
-    <dgm:cxn modelId="{86FAA609-E612-4419-BD92-E19A8BACB1BC}" srcId="{E8D35918-DEFC-4FAB-9D9C-A926D32C03E2}" destId="{EB6658FB-32EB-4FEB-91DB-B3933CF4EFB8}" srcOrd="3" destOrd="0" parTransId="{273B25B5-9C13-4F3F-B879-B8C54379EB53}" sibTransId="{D0414F0D-D38A-479E-BB6E-32A4C9F47ACB}"/>
-    <dgm:cxn modelId="{423F7139-FDE8-4782-AC5E-64078F9B25D1}" type="presOf" srcId="{EB6658FB-32EB-4FEB-91DB-B3933CF4EFB8}" destId="{DACF08B4-CC41-4B4C-8B10-6FC93923333B}" srcOrd="0" destOrd="0" presId="urn:microsoft.com/office/officeart/2005/8/layout/default"/>
-    <dgm:cxn modelId="{39F9C03A-94EF-4CDD-AC63-9784937FC1E5}" srcId="{E8D35918-DEFC-4FAB-9D9C-A926D32C03E2}" destId="{A9A6F6DD-4F40-4187-B81A-C9F15234F05B}" srcOrd="2" destOrd="0" parTransId="{8D2253CA-F2F1-415F-A3E6-8F9839653CEA}" sibTransId="{2C7202BE-4A70-4084-BDB8-CD1BDB153074}"/>
+    <dgm:cxn modelId="{B591BAD1-AA9D-42FC-B7A1-80C00C2A6E60}" type="presOf" srcId="{A9A6F6DD-4F40-4187-B81A-C9F15234F05B}" destId="{773ECFB5-00D3-479A-A6EE-EFEEE6AAFC91}" srcOrd="0" destOrd="0" presId="urn:microsoft.com/office/officeart/2005/8/layout/default"/>
+    <dgm:cxn modelId="{149652F4-13F7-4811-96B1-83FDD2B8CA2C}" srcId="{E8D35918-DEFC-4FAB-9D9C-A926D32C03E2}" destId="{8EFBBE4B-BA83-4F2C-B7DC-936C70EB636B}" srcOrd="0" destOrd="0" parTransId="{BF881EC4-403E-4350-825E-DAEE2ECCFC2F}" sibTransId="{DB0B624C-66F2-49D8-AEA4-6848F2530DCF}"/>
+    <dgm:cxn modelId="{36A735B5-772F-48C6-9C34-843F80D43D13}" type="presOf" srcId="{8EFBBE4B-BA83-4F2C-B7DC-936C70EB636B}" destId="{E3B93B31-32D8-4416-A261-5CA14FC031FD}" srcOrd="0" destOrd="0" presId="urn:microsoft.com/office/officeart/2005/8/layout/default"/>
     <dgm:cxn modelId="{79B7FC6A-5AC1-43E1-AB04-6BF18E01B56D}" srcId="{E8D35918-DEFC-4FAB-9D9C-A926D32C03E2}" destId="{CB852511-358C-492D-AB64-6F5656547F15}" srcOrd="1" destOrd="0" parTransId="{26DE5FAE-7B11-409B-B190-0C1C62B423BF}" sibTransId="{E55ED425-828B-4A5B-B5BB-06D44A059386}"/>
     <dgm:cxn modelId="{5C6F617D-9874-4D39-856A-A74149CBBFF3}" type="presOf" srcId="{CB852511-358C-492D-AB64-6F5656547F15}" destId="{16FD48F7-713A-4886-A2F9-3EC26972A198}" srcOrd="0" destOrd="0" presId="urn:microsoft.com/office/officeart/2005/8/layout/default"/>
+    <dgm:cxn modelId="{423F7139-FDE8-4782-AC5E-64078F9B25D1}" type="presOf" srcId="{EB6658FB-32EB-4FEB-91DB-B3933CF4EFB8}" destId="{DACF08B4-CC41-4B4C-8B10-6FC93923333B}" srcOrd="0" destOrd="0" presId="urn:microsoft.com/office/officeart/2005/8/layout/default"/>
     <dgm:cxn modelId="{3DBFEAB1-E8EC-4097-BE64-B420E604D1E5}" type="presOf" srcId="{E8D35918-DEFC-4FAB-9D9C-A926D32C03E2}" destId="{CAE94EC1-FB26-4C6F-B916-9EC44ED63B8E}" srcOrd="0" destOrd="0" presId="urn:microsoft.com/office/officeart/2005/8/layout/default"/>
-    <dgm:cxn modelId="{36A735B5-772F-48C6-9C34-843F80D43D13}" type="presOf" srcId="{8EFBBE4B-BA83-4F2C-B7DC-936C70EB636B}" destId="{E3B93B31-32D8-4416-A261-5CA14FC031FD}" srcOrd="0" destOrd="0" presId="urn:microsoft.com/office/officeart/2005/8/layout/default"/>
-    <dgm:cxn modelId="{B591BAD1-AA9D-42FC-B7A1-80C00C2A6E60}" type="presOf" srcId="{A9A6F6DD-4F40-4187-B81A-C9F15234F05B}" destId="{773ECFB5-00D3-479A-A6EE-EFEEE6AAFC91}" srcOrd="0" destOrd="0" presId="urn:microsoft.com/office/officeart/2005/8/layout/default"/>
-    <dgm:cxn modelId="{149652F4-13F7-4811-96B1-83FDD2B8CA2C}" srcId="{E8D35918-DEFC-4FAB-9D9C-A926D32C03E2}" destId="{8EFBBE4B-BA83-4F2C-B7DC-936C70EB636B}" srcOrd="0" destOrd="0" parTransId="{BF881EC4-403E-4350-825E-DAEE2ECCFC2F}" sibTransId="{DB0B624C-66F2-49D8-AEA4-6848F2530DCF}"/>
+    <dgm:cxn modelId="{86FAA609-E612-4419-BD92-E19A8BACB1BC}" srcId="{E8D35918-DEFC-4FAB-9D9C-A926D32C03E2}" destId="{EB6658FB-32EB-4FEB-91DB-B3933CF4EFB8}" srcOrd="3" destOrd="0" parTransId="{273B25B5-9C13-4F3F-B879-B8C54379EB53}" sibTransId="{D0414F0D-D38A-479E-BB6E-32A4C9F47ACB}"/>
+    <dgm:cxn modelId="{39F9C03A-94EF-4CDD-AC63-9784937FC1E5}" srcId="{E8D35918-DEFC-4FAB-9D9C-A926D32C03E2}" destId="{A9A6F6DD-4F40-4187-B81A-C9F15234F05B}" srcOrd="2" destOrd="0" parTransId="{8D2253CA-F2F1-415F-A3E6-8F9839653CEA}" sibTransId="{2C7202BE-4A70-4084-BDB8-CD1BDB153074}"/>
     <dgm:cxn modelId="{A7293AF9-0866-4EEC-86AF-2905A46C657C}" type="presParOf" srcId="{CAE94EC1-FB26-4C6F-B916-9EC44ED63B8E}" destId="{E3B93B31-32D8-4416-A261-5CA14FC031FD}" srcOrd="0" destOrd="0" presId="urn:microsoft.com/office/officeart/2005/8/layout/default"/>
     <dgm:cxn modelId="{D484D3AB-379E-4326-87EE-B14C95A99A43}" type="presParOf" srcId="{CAE94EC1-FB26-4C6F-B916-9EC44ED63B8E}" destId="{3B5584AE-7BA2-478B-B7E2-5E43981F66FA}" srcOrd="1" destOrd="0" presId="urn:microsoft.com/office/officeart/2005/8/layout/default"/>
     <dgm:cxn modelId="{85ED0EFF-9EF1-4D5A-8783-97A1BA787DB9}" type="presParOf" srcId="{CAE94EC1-FB26-4C6F-B916-9EC44ED63B8E}" destId="{16FD48F7-713A-4886-A2F9-3EC26972A198}" srcOrd="2" destOrd="0" presId="urn:microsoft.com/office/officeart/2005/8/layout/default"/>
@@ -4971,7 +4260,7 @@
 <dgm:dataModel xmlns:dgm="http://schemas.openxmlformats.org/drawingml/2006/diagram" xmlns:a="http://schemas.openxmlformats.org/drawingml/2006/main">
   <dgm:ptLst>
     <dgm:pt modelId="{E6B90233-3499-4EBD-846D-F4882C32CF44}" type="doc">
-      <dgm:prSet loTypeId="urn:microsoft.com/office/officeart/2005/8/layout/venn1" loCatId="relationship" qsTypeId="urn:microsoft.com/office/officeart/2005/8/quickstyle/simple1" qsCatId="simple" csTypeId="urn:microsoft.com/office/officeart/2005/8/colors/accent1_2" csCatId="accent1"/>
+      <dgm:prSet loTypeId="urn:microsoft.com/office/officeart/2005/8/layout/venn1" loCatId="relationship" qsTypeId="urn:microsoft.com/office/officeart/2005/8/quickstyle/simple1" qsCatId="simple" csTypeId="urn:microsoft.com/office/officeart/2005/8/colors/accent1_2" csCatId="accent1" phldr="1"/>
       <dgm:spPr/>
       <dgm:t>
         <a:bodyPr/>
@@ -4990,8 +4279,12 @@
         <a:p>
           <a:pPr rtl="0"/>
           <a:r>
-            <a:rPr lang="de-DE" sz="1400" b="1" dirty="0"/>
-            <a:t>TE-Produkt</a:t>
+            <a:rPr lang="de-DE" sz="1400" b="1" dirty="0" err="1" smtClean="0"/>
+            <a:t>Topology</a:t>
+          </a:r>
+          <a:r>
+            <a:rPr lang="de-DE" sz="1400" b="1" dirty="0" smtClean="0"/>
+            <a:t>-Editor-Release</a:t>
           </a:r>
           <a:endParaRPr lang="en-US" sz="1400" b="1" dirty="0"/>
         </a:p>
@@ -5028,8 +4321,12 @@
         <a:p>
           <a:pPr rtl="0"/>
           <a:r>
-            <a:rPr lang="de-DE" sz="1400" b="1" dirty="0"/>
-            <a:t>TE-Dokumentation</a:t>
+            <a:rPr lang="de-DE" sz="1400" b="1" dirty="0" err="1" smtClean="0"/>
+            <a:t>Topology</a:t>
+          </a:r>
+          <a:r>
+            <a:rPr lang="de-DE" sz="1400" b="1" dirty="0" smtClean="0"/>
+            <a:t>-Editor-Dokumentation</a:t>
           </a:r>
           <a:endParaRPr lang="en-US" sz="1400" b="1" dirty="0"/>
         </a:p>
@@ -5066,10 +4363,24 @@
         </dgm:presLayoutVars>
       </dgm:prSet>
       <dgm:spPr/>
+      <dgm:t>
+        <a:bodyPr/>
+        <a:lstStyle/>
+        <a:p>
+          <a:endParaRPr lang="de-DE"/>
+        </a:p>
+      </dgm:t>
     </dgm:pt>
     <dgm:pt modelId="{66E3E58E-4D97-4302-A17C-EC20E70E3793}" type="pres">
       <dgm:prSet presAssocID="{E4D0EF0E-DBA2-4531-A31C-C6930D214C84}" presName="circ1" presStyleLbl="vennNode1" presStyleIdx="0" presStyleCnt="2"/>
       <dgm:spPr/>
+      <dgm:t>
+        <a:bodyPr/>
+        <a:lstStyle/>
+        <a:p>
+          <a:endParaRPr lang="de-DE"/>
+        </a:p>
+      </dgm:t>
     </dgm:pt>
     <dgm:pt modelId="{8C7BF37F-BC1E-4275-849D-5A2D4F9C3F9D}" type="pres">
       <dgm:prSet presAssocID="{E4D0EF0E-DBA2-4531-A31C-C6930D214C84}" presName="circ1Tx" presStyleLbl="revTx" presStyleIdx="0" presStyleCnt="0">
@@ -5080,10 +4391,24 @@
         </dgm:presLayoutVars>
       </dgm:prSet>
       <dgm:spPr/>
+      <dgm:t>
+        <a:bodyPr/>
+        <a:lstStyle/>
+        <a:p>
+          <a:endParaRPr lang="de-DE"/>
+        </a:p>
+      </dgm:t>
     </dgm:pt>
     <dgm:pt modelId="{A1E145C4-BD38-4E1E-9C41-61BC097FBF06}" type="pres">
       <dgm:prSet presAssocID="{077EF243-B640-473B-BB71-B7A3B8393BAE}" presName="circ2" presStyleLbl="vennNode1" presStyleIdx="1" presStyleCnt="2"/>
       <dgm:spPr/>
+      <dgm:t>
+        <a:bodyPr/>
+        <a:lstStyle/>
+        <a:p>
+          <a:endParaRPr lang="de-DE"/>
+        </a:p>
+      </dgm:t>
     </dgm:pt>
     <dgm:pt modelId="{EAC5C05D-8120-4F73-A71F-02F05BA7C2FC}" type="pres">
       <dgm:prSet presAssocID="{077EF243-B640-473B-BB71-B7A3B8393BAE}" presName="circ2Tx" presStyleLbl="revTx" presStyleIdx="0" presStyleCnt="0">
@@ -5094,16 +4419,23 @@
         </dgm:presLayoutVars>
       </dgm:prSet>
       <dgm:spPr/>
+      <dgm:t>
+        <a:bodyPr/>
+        <a:lstStyle/>
+        <a:p>
+          <a:endParaRPr lang="de-DE"/>
+        </a:p>
+      </dgm:t>
     </dgm:pt>
   </dgm:ptLst>
   <dgm:cxnLst>
+    <dgm:cxn modelId="{B33D83B8-14CA-407D-B3EC-6692ABD962B1}" srcId="{E6B90233-3499-4EBD-846D-F4882C32CF44}" destId="{E4D0EF0E-DBA2-4531-A31C-C6930D214C84}" srcOrd="0" destOrd="0" parTransId="{889FCBBC-EE1A-42B9-9566-E1F5040A8482}" sibTransId="{398041D4-FF59-4E3A-9A4B-740C42FC210F}"/>
+    <dgm:cxn modelId="{182C297E-7A65-4D99-94A3-95A9A17F6F37}" type="presOf" srcId="{E4D0EF0E-DBA2-4531-A31C-C6930D214C84}" destId="{8C7BF37F-BC1E-4275-849D-5A2D4F9C3F9D}" srcOrd="1" destOrd="0" presId="urn:microsoft.com/office/officeart/2005/8/layout/venn1"/>
     <dgm:cxn modelId="{F9827419-875B-4992-B6DB-7039F0B93327}" srcId="{E6B90233-3499-4EBD-846D-F4882C32CF44}" destId="{077EF243-B640-473B-BB71-B7A3B8393BAE}" srcOrd="1" destOrd="0" parTransId="{4C4788DA-5D99-4988-9B48-84CE93F94A46}" sibTransId="{D0203047-3670-489B-AEEE-4D042F9D2635}"/>
+    <dgm:cxn modelId="{333B35FD-8412-40C9-BA4D-66A3636BB43A}" type="presOf" srcId="{077EF243-B640-473B-BB71-B7A3B8393BAE}" destId="{A1E145C4-BD38-4E1E-9C41-61BC097FBF06}" srcOrd="0" destOrd="0" presId="urn:microsoft.com/office/officeart/2005/8/layout/venn1"/>
+    <dgm:cxn modelId="{B0DF6674-1A89-40F3-A217-035F05ED4C17}" type="presOf" srcId="{E4D0EF0E-DBA2-4531-A31C-C6930D214C84}" destId="{66E3E58E-4D97-4302-A17C-EC20E70E3793}" srcOrd="0" destOrd="0" presId="urn:microsoft.com/office/officeart/2005/8/layout/venn1"/>
+    <dgm:cxn modelId="{79080AF1-9869-4F79-A4A2-D9AF4F2C582C}" type="presOf" srcId="{E6B90233-3499-4EBD-846D-F4882C32CF44}" destId="{2D0E4173-B873-4B5F-8340-E243B4472D6D}" srcOrd="0" destOrd="0" presId="urn:microsoft.com/office/officeart/2005/8/layout/venn1"/>
     <dgm:cxn modelId="{BC0F8567-DEDD-408D-B3B0-715512DD58F9}" type="presOf" srcId="{077EF243-B640-473B-BB71-B7A3B8393BAE}" destId="{EAC5C05D-8120-4F73-A71F-02F05BA7C2FC}" srcOrd="1" destOrd="0" presId="urn:microsoft.com/office/officeart/2005/8/layout/venn1"/>
-    <dgm:cxn modelId="{B0DF6674-1A89-40F3-A217-035F05ED4C17}" type="presOf" srcId="{E4D0EF0E-DBA2-4531-A31C-C6930D214C84}" destId="{66E3E58E-4D97-4302-A17C-EC20E70E3793}" srcOrd="0" destOrd="0" presId="urn:microsoft.com/office/officeart/2005/8/layout/venn1"/>
-    <dgm:cxn modelId="{182C297E-7A65-4D99-94A3-95A9A17F6F37}" type="presOf" srcId="{E4D0EF0E-DBA2-4531-A31C-C6930D214C84}" destId="{8C7BF37F-BC1E-4275-849D-5A2D4F9C3F9D}" srcOrd="1" destOrd="0" presId="urn:microsoft.com/office/officeart/2005/8/layout/venn1"/>
-    <dgm:cxn modelId="{B33D83B8-14CA-407D-B3EC-6692ABD962B1}" srcId="{E6B90233-3499-4EBD-846D-F4882C32CF44}" destId="{E4D0EF0E-DBA2-4531-A31C-C6930D214C84}" srcOrd="0" destOrd="0" parTransId="{889FCBBC-EE1A-42B9-9566-E1F5040A8482}" sibTransId="{398041D4-FF59-4E3A-9A4B-740C42FC210F}"/>
-    <dgm:cxn modelId="{79080AF1-9869-4F79-A4A2-D9AF4F2C582C}" type="presOf" srcId="{E6B90233-3499-4EBD-846D-F4882C32CF44}" destId="{2D0E4173-B873-4B5F-8340-E243B4472D6D}" srcOrd="0" destOrd="0" presId="urn:microsoft.com/office/officeart/2005/8/layout/venn1"/>
-    <dgm:cxn modelId="{333B35FD-8412-40C9-BA4D-66A3636BB43A}" type="presOf" srcId="{077EF243-B640-473B-BB71-B7A3B8393BAE}" destId="{A1E145C4-BD38-4E1E-9C41-61BC097FBF06}" srcOrd="0" destOrd="0" presId="urn:microsoft.com/office/officeart/2005/8/layout/venn1"/>
     <dgm:cxn modelId="{1971B7E5-2280-4990-9482-3320D2F4C247}" type="presParOf" srcId="{2D0E4173-B873-4B5F-8340-E243B4472D6D}" destId="{66E3E58E-4D97-4302-A17C-EC20E70E3793}" srcOrd="0" destOrd="0" presId="urn:microsoft.com/office/officeart/2005/8/layout/venn1"/>
     <dgm:cxn modelId="{C84CA035-C07C-4E46-95F7-D4E0D5D0CFD2}" type="presParOf" srcId="{2D0E4173-B873-4B5F-8340-E243B4472D6D}" destId="{8C7BF37F-BC1E-4275-849D-5A2D4F9C3F9D}" srcOrd="1" destOrd="0" presId="urn:microsoft.com/office/officeart/2005/8/layout/venn1"/>
     <dgm:cxn modelId="{FAE84917-6A7F-4FC3-86E8-1800D8BAF973}" type="presParOf" srcId="{2D0E4173-B873-4B5F-8340-E243B4472D6D}" destId="{A1E145C4-BD38-4E1E-9C41-61BC097FBF06}" srcOrd="2" destOrd="0" presId="urn:microsoft.com/office/officeart/2005/8/layout/venn1"/>
@@ -5182,6 +4514,13 @@
         </dgm:presLayoutVars>
       </dgm:prSet>
       <dgm:spPr/>
+      <dgm:t>
+        <a:bodyPr/>
+        <a:lstStyle/>
+        <a:p>
+          <a:endParaRPr lang="de-DE"/>
+        </a:p>
+      </dgm:t>
     </dgm:pt>
     <dgm:pt modelId="{1590028B-441C-4AF2-A195-E7406520C2FB}" type="pres">
       <dgm:prSet presAssocID="{5BD8170D-6914-4F7C-989B-81251EF67F3B}" presName="parentText" presStyleLbl="node1" presStyleIdx="0" presStyleCnt="1">
@@ -5191,12 +4530,19 @@
         </dgm:presLayoutVars>
       </dgm:prSet>
       <dgm:spPr/>
+      <dgm:t>
+        <a:bodyPr/>
+        <a:lstStyle/>
+        <a:p>
+          <a:endParaRPr lang="de-DE"/>
+        </a:p>
+      </dgm:t>
     </dgm:pt>
   </dgm:ptLst>
   <dgm:cxnLst>
     <dgm:cxn modelId="{9075C053-94FF-4A20-B294-A8233963EAEB}" type="presOf" srcId="{EEAD6A1E-9E00-40A4-8663-EE403A9C61C5}" destId="{AB7EED68-1A8A-4F84-9EA5-E26DD249B0FC}" srcOrd="0" destOrd="0" presId="urn:microsoft.com/office/officeart/2005/8/layout/vList2"/>
+    <dgm:cxn modelId="{AFAB6BC8-9B46-4EC3-B1B9-2F447096845B}" srcId="{EEAD6A1E-9E00-40A4-8663-EE403A9C61C5}" destId="{5BD8170D-6914-4F7C-989B-81251EF67F3B}" srcOrd="0" destOrd="0" parTransId="{A91D8662-2E52-4FFB-BFB2-B2CC734DF2A0}" sibTransId="{FEE4E19A-E51A-427D-96AB-7BB792BD8A99}"/>
     <dgm:cxn modelId="{6A0D65AF-9225-498F-AC78-CBE08D155998}" type="presOf" srcId="{5BD8170D-6914-4F7C-989B-81251EF67F3B}" destId="{1590028B-441C-4AF2-A195-E7406520C2FB}" srcOrd="0" destOrd="0" presId="urn:microsoft.com/office/officeart/2005/8/layout/vList2"/>
-    <dgm:cxn modelId="{AFAB6BC8-9B46-4EC3-B1B9-2F447096845B}" srcId="{EEAD6A1E-9E00-40A4-8663-EE403A9C61C5}" destId="{5BD8170D-6914-4F7C-989B-81251EF67F3B}" srcOrd="0" destOrd="0" parTransId="{A91D8662-2E52-4FFB-BFB2-B2CC734DF2A0}" sibTransId="{FEE4E19A-E51A-427D-96AB-7BB792BD8A99}"/>
     <dgm:cxn modelId="{6748F089-D990-45C8-85CE-8A116D17BC5D}" type="presParOf" srcId="{AB7EED68-1A8A-4F84-9EA5-E26DD249B0FC}" destId="{1590028B-441C-4AF2-A195-E7406520C2FB}" srcOrd="0" destOrd="0" presId="urn:microsoft.com/office/officeart/2005/8/layout/vList2"/>
   </dgm:cxnLst>
   <dgm:bg/>
@@ -5272,6 +4618,13 @@
         </dgm:presLayoutVars>
       </dgm:prSet>
       <dgm:spPr/>
+      <dgm:t>
+        <a:bodyPr/>
+        <a:lstStyle/>
+        <a:p>
+          <a:endParaRPr lang="de-DE"/>
+        </a:p>
+      </dgm:t>
     </dgm:pt>
     <dgm:pt modelId="{0B000412-79C1-4F4C-BD55-10878ADA0BB8}" type="pres">
       <dgm:prSet presAssocID="{963898D0-3ACE-4C7F-836F-851CC58364B7}" presName="parentText" presStyleLbl="node1" presStyleIdx="0" presStyleCnt="1" custLinFactNeighborX="-14" custLinFactNeighborY="-1534">
@@ -5281,12 +4634,19 @@
         </dgm:presLayoutVars>
       </dgm:prSet>
       <dgm:spPr/>
+      <dgm:t>
+        <a:bodyPr/>
+        <a:lstStyle/>
+        <a:p>
+          <a:endParaRPr lang="de-DE"/>
+        </a:p>
+      </dgm:t>
     </dgm:pt>
   </dgm:ptLst>
   <dgm:cxnLst>
+    <dgm:cxn modelId="{47D31DDA-ABD1-441F-AF93-1B15A40E639B}" srcId="{52C9E91C-D27C-41D0-8467-762D3E0E7337}" destId="{963898D0-3ACE-4C7F-836F-851CC58364B7}" srcOrd="0" destOrd="0" parTransId="{5FE8966D-A173-4AE0-AFB5-3BE653DF7699}" sibTransId="{43BD4552-44CA-46E5-B318-AE54330BC5DD}"/>
+    <dgm:cxn modelId="{5EB2E771-0368-46C8-91E2-49B72FEDCADC}" type="presOf" srcId="{963898D0-3ACE-4C7F-836F-851CC58364B7}" destId="{0B000412-79C1-4F4C-BD55-10878ADA0BB8}" srcOrd="0" destOrd="0" presId="urn:microsoft.com/office/officeart/2005/8/layout/vList2"/>
     <dgm:cxn modelId="{A1083C4E-5642-4E2D-8689-B28F986ABAC6}" type="presOf" srcId="{52C9E91C-D27C-41D0-8467-762D3E0E7337}" destId="{F1B56AF7-8638-4007-BA3C-03D5B8C7FCB3}" srcOrd="0" destOrd="0" presId="urn:microsoft.com/office/officeart/2005/8/layout/vList2"/>
-    <dgm:cxn modelId="{5EB2E771-0368-46C8-91E2-49B72FEDCADC}" type="presOf" srcId="{963898D0-3ACE-4C7F-836F-851CC58364B7}" destId="{0B000412-79C1-4F4C-BD55-10878ADA0BB8}" srcOrd="0" destOrd="0" presId="urn:microsoft.com/office/officeart/2005/8/layout/vList2"/>
-    <dgm:cxn modelId="{47D31DDA-ABD1-441F-AF93-1B15A40E639B}" srcId="{52C9E91C-D27C-41D0-8467-762D3E0E7337}" destId="{963898D0-3ACE-4C7F-836F-851CC58364B7}" srcOrd="0" destOrd="0" parTransId="{5FE8966D-A173-4AE0-AFB5-3BE653DF7699}" sibTransId="{43BD4552-44CA-46E5-B318-AE54330BC5DD}"/>
     <dgm:cxn modelId="{0895ABEF-F194-4261-AD32-9F9F28D13A8A}" type="presParOf" srcId="{F1B56AF7-8638-4007-BA3C-03D5B8C7FCB3}" destId="{0B000412-79C1-4F4C-BD55-10878ADA0BB8}" srcOrd="0" destOrd="0" presId="urn:microsoft.com/office/officeart/2005/8/layout/vList2"/>
   </dgm:cxnLst>
   <dgm:bg/>
@@ -5300,104 +4660,6 @@
 </file>
 
 <file path=ppt/diagrams/data5.xml><?xml version="1.0" encoding="utf-8"?>
-<dgm:dataModel xmlns:dgm="http://schemas.openxmlformats.org/drawingml/2006/diagram" xmlns:a="http://schemas.openxmlformats.org/drawingml/2006/main">
-  <dgm:ptLst>
-    <dgm:pt modelId="{D700E2CC-C059-48A4-A92A-97206BD35C12}" type="doc">
-      <dgm:prSet loTypeId="urn:microsoft.com/office/officeart/2005/8/layout/process1" loCatId="process" qsTypeId="urn:microsoft.com/office/officeart/2005/8/quickstyle/simple1" qsCatId="simple" csTypeId="urn:microsoft.com/office/officeart/2005/8/colors/accent1_2" csCatId="accent1" phldr="1"/>
-      <dgm:spPr/>
-      <dgm:t>
-        <a:bodyPr/>
-        <a:lstStyle/>
-        <a:p>
-          <a:endParaRPr lang="de-DE"/>
-        </a:p>
-      </dgm:t>
-    </dgm:pt>
-    <dgm:pt modelId="{891E7587-B95F-43CA-8B7A-A78160674248}">
-      <dgm:prSet/>
-      <dgm:spPr>
-        <a:solidFill>
-          <a:schemeClr val="bg1"/>
-        </a:solidFill>
-      </dgm:spPr>
-      <dgm:t>
-        <a:bodyPr/>
-        <a:lstStyle/>
-        <a:p>
-          <a:pPr rtl="0"/>
-          <a:r>
-            <a:rPr lang="de-DE" b="1" dirty="0">
-              <a:solidFill>
-                <a:schemeClr val="tx1"/>
-              </a:solidFill>
-            </a:rPr>
-            <a:t>Topology-Editor</a:t>
-          </a:r>
-          <a:endParaRPr lang="en-US" b="1" dirty="0">
-            <a:solidFill>
-              <a:schemeClr val="tx1"/>
-            </a:solidFill>
-          </a:endParaRPr>
-        </a:p>
-      </dgm:t>
-    </dgm:pt>
-    <dgm:pt modelId="{6EA0F944-A592-4ED5-8FC1-C23887607141}" type="parTrans" cxnId="{9C2C766E-5607-43BF-B1C4-C443F14FD6C0}">
-      <dgm:prSet/>
-      <dgm:spPr/>
-      <dgm:t>
-        <a:bodyPr/>
-        <a:lstStyle/>
-        <a:p>
-          <a:endParaRPr lang="de-DE"/>
-        </a:p>
-      </dgm:t>
-    </dgm:pt>
-    <dgm:pt modelId="{DBC6AAB9-8523-48A8-B1A3-965A3102C300}" type="sibTrans" cxnId="{9C2C766E-5607-43BF-B1C4-C443F14FD6C0}">
-      <dgm:prSet/>
-      <dgm:spPr/>
-      <dgm:t>
-        <a:bodyPr/>
-        <a:lstStyle/>
-        <a:p>
-          <a:endParaRPr lang="de-DE"/>
-        </a:p>
-      </dgm:t>
-    </dgm:pt>
-    <dgm:pt modelId="{4C505FCB-294A-4422-927C-C31A3E829151}" type="pres">
-      <dgm:prSet presAssocID="{D700E2CC-C059-48A4-A92A-97206BD35C12}" presName="Name0" presStyleCnt="0">
-        <dgm:presLayoutVars>
-          <dgm:dir/>
-          <dgm:resizeHandles val="exact"/>
-        </dgm:presLayoutVars>
-      </dgm:prSet>
-      <dgm:spPr/>
-    </dgm:pt>
-    <dgm:pt modelId="{404492EB-C4A1-4A53-8395-FFFABFA0E2B2}" type="pres">
-      <dgm:prSet presAssocID="{891E7587-B95F-43CA-8B7A-A78160674248}" presName="node" presStyleLbl="node1" presStyleIdx="0" presStyleCnt="1">
-        <dgm:presLayoutVars>
-          <dgm:bulletEnabled val="1"/>
-        </dgm:presLayoutVars>
-      </dgm:prSet>
-      <dgm:spPr/>
-    </dgm:pt>
-  </dgm:ptLst>
-  <dgm:cxnLst>
-    <dgm:cxn modelId="{4421C72F-BB6D-4F26-8F1B-B78D78F1D1EB}" type="presOf" srcId="{891E7587-B95F-43CA-8B7A-A78160674248}" destId="{404492EB-C4A1-4A53-8395-FFFABFA0E2B2}" srcOrd="0" destOrd="0" presId="urn:microsoft.com/office/officeart/2005/8/layout/process1"/>
-    <dgm:cxn modelId="{619EDF3A-255B-466F-9718-3A59BD7AA32A}" type="presOf" srcId="{D700E2CC-C059-48A4-A92A-97206BD35C12}" destId="{4C505FCB-294A-4422-927C-C31A3E829151}" srcOrd="0" destOrd="0" presId="urn:microsoft.com/office/officeart/2005/8/layout/process1"/>
-    <dgm:cxn modelId="{9C2C766E-5607-43BF-B1C4-C443F14FD6C0}" srcId="{D700E2CC-C059-48A4-A92A-97206BD35C12}" destId="{891E7587-B95F-43CA-8B7A-A78160674248}" srcOrd="0" destOrd="0" parTransId="{6EA0F944-A592-4ED5-8FC1-C23887607141}" sibTransId="{DBC6AAB9-8523-48A8-B1A3-965A3102C300}"/>
-    <dgm:cxn modelId="{B39DD29B-F02F-48A3-8C55-28342BEE672B}" type="presParOf" srcId="{4C505FCB-294A-4422-927C-C31A3E829151}" destId="{404492EB-C4A1-4A53-8395-FFFABFA0E2B2}" srcOrd="0" destOrd="0" presId="urn:microsoft.com/office/officeart/2005/8/layout/process1"/>
-  </dgm:cxnLst>
-  <dgm:bg/>
-  <dgm:whole/>
-  <dgm:extLst>
-    <a:ext uri="http://schemas.microsoft.com/office/drawing/2008/diagram">
-      <dsp:dataModelExt xmlns:dsp="http://schemas.microsoft.com/office/drawing/2008/diagram" relId="rId7" minVer="http://schemas.openxmlformats.org/drawingml/2006/diagram"/>
-    </a:ext>
-  </dgm:extLst>
-</dgm:dataModel>
-</file>
-
-<file path=ppt/diagrams/data6.xml><?xml version="1.0" encoding="utf-8"?>
 <dgm:dataModel xmlns:dgm="http://schemas.openxmlformats.org/drawingml/2006/diagram" xmlns:a="http://schemas.openxmlformats.org/drawingml/2006/main">
   <dgm:ptLst>
     <dgm:pt modelId="{0266A603-8232-4D71-B200-E5FE68D18F3F}" type="doc">
@@ -6065,6 +5327,13 @@
     <dgm:pt modelId="{59C231A3-4399-47E1-89DF-1C7125294808}" type="pres">
       <dgm:prSet presAssocID="{8FFAAD93-093A-4643-8666-6592133D5148}" presName="circ1" presStyleLbl="vennNode1" presStyleIdx="0" presStyleCnt="3"/>
       <dgm:spPr/>
+      <dgm:t>
+        <a:bodyPr/>
+        <a:lstStyle/>
+        <a:p>
+          <a:endParaRPr lang="de-DE"/>
+        </a:p>
+      </dgm:t>
     </dgm:pt>
     <dgm:pt modelId="{05A04829-3ADD-4A0E-AF44-AFC6C6576FCC}" type="pres">
       <dgm:prSet presAssocID="{8FFAAD93-093A-4643-8666-6592133D5148}" presName="circ1Tx" presStyleLbl="revTx" presStyleIdx="0" presStyleCnt="0">
@@ -6075,10 +5344,24 @@
         </dgm:presLayoutVars>
       </dgm:prSet>
       <dgm:spPr/>
+      <dgm:t>
+        <a:bodyPr/>
+        <a:lstStyle/>
+        <a:p>
+          <a:endParaRPr lang="de-DE"/>
+        </a:p>
+      </dgm:t>
     </dgm:pt>
     <dgm:pt modelId="{A0DFDC1B-77C7-48EB-A021-78AA69786ADD}" type="pres">
       <dgm:prSet presAssocID="{E8D6131E-3A0B-413C-A175-032074A7C8CD}" presName="circ2" presStyleLbl="vennNode1" presStyleIdx="1" presStyleCnt="3"/>
       <dgm:spPr/>
+      <dgm:t>
+        <a:bodyPr/>
+        <a:lstStyle/>
+        <a:p>
+          <a:endParaRPr lang="de-DE"/>
+        </a:p>
+      </dgm:t>
     </dgm:pt>
     <dgm:pt modelId="{9FF6521E-F963-4CC7-985F-8DE096D1D719}" type="pres">
       <dgm:prSet presAssocID="{E8D6131E-3A0B-413C-A175-032074A7C8CD}" presName="circ2Tx" presStyleLbl="revTx" presStyleIdx="0" presStyleCnt="0">
@@ -6089,10 +5372,24 @@
         </dgm:presLayoutVars>
       </dgm:prSet>
       <dgm:spPr/>
+      <dgm:t>
+        <a:bodyPr/>
+        <a:lstStyle/>
+        <a:p>
+          <a:endParaRPr lang="de-DE"/>
+        </a:p>
+      </dgm:t>
     </dgm:pt>
     <dgm:pt modelId="{0B0A4924-9448-4041-80D8-5133D77B1EF8}" type="pres">
       <dgm:prSet presAssocID="{C43C6B0E-82E8-459E-90D3-8FA28CDB9FEB}" presName="circ3" presStyleLbl="vennNode1" presStyleIdx="2" presStyleCnt="3" custLinFactNeighborX="-368" custLinFactNeighborY="-1797"/>
       <dgm:spPr/>
+      <dgm:t>
+        <a:bodyPr/>
+        <a:lstStyle/>
+        <a:p>
+          <a:endParaRPr lang="de-DE"/>
+        </a:p>
+      </dgm:t>
     </dgm:pt>
     <dgm:pt modelId="{23A5DA59-5A2F-44EA-A611-B33241847054}" type="pres">
       <dgm:prSet presAssocID="{C43C6B0E-82E8-459E-90D3-8FA28CDB9FEB}" presName="circ3Tx" presStyleLbl="revTx" presStyleIdx="0" presStyleCnt="0">
@@ -6103,64 +5400,71 @@
         </dgm:presLayoutVars>
       </dgm:prSet>
       <dgm:spPr/>
+      <dgm:t>
+        <a:bodyPr/>
+        <a:lstStyle/>
+        <a:p>
+          <a:endParaRPr lang="de-DE"/>
+        </a:p>
+      </dgm:t>
     </dgm:pt>
   </dgm:ptLst>
   <dgm:cxnLst>
-    <dgm:cxn modelId="{36391700-0362-45E5-86EA-8CA66C74C9B6}" type="presOf" srcId="{8FFAAD93-093A-4643-8666-6592133D5148}" destId="{59C231A3-4399-47E1-89DF-1C7125294808}" srcOrd="0" destOrd="0" presId="urn:microsoft.com/office/officeart/2005/8/layout/venn1"/>
-    <dgm:cxn modelId="{7A2FDA00-A953-4B39-9EFF-4175B7C7C32C}" type="presOf" srcId="{FC4407A3-4517-45E9-A03A-4F0190D76EDC}" destId="{59C231A3-4399-47E1-89DF-1C7125294808}" srcOrd="0" destOrd="1" presId="urn:microsoft.com/office/officeart/2005/8/layout/venn1"/>
     <dgm:cxn modelId="{C3FB9803-EF08-4F06-8E1E-DEA27C82DF1D}" type="presOf" srcId="{AE952CBC-AFBB-46D7-9562-B6107CA30E37}" destId="{A0DFDC1B-77C7-48EB-A021-78AA69786ADD}" srcOrd="0" destOrd="3" presId="urn:microsoft.com/office/officeart/2005/8/layout/venn1"/>
-    <dgm:cxn modelId="{DA1A8607-4CBA-41DE-9E7B-D89BDDFA81A3}" type="presOf" srcId="{15CBFCD6-3559-44E7-834A-375076522B1E}" destId="{0B0A4924-9448-4041-80D8-5133D77B1EF8}" srcOrd="0" destOrd="2" presId="urn:microsoft.com/office/officeart/2005/8/layout/venn1"/>
-    <dgm:cxn modelId="{378A8F0D-0AC3-4D7A-8286-7AE1F1CB9A4D}" type="presOf" srcId="{AE952CBC-AFBB-46D7-9562-B6107CA30E37}" destId="{9FF6521E-F963-4CC7-985F-8DE096D1D719}" srcOrd="1" destOrd="3" presId="urn:microsoft.com/office/officeart/2005/8/layout/venn1"/>
+    <dgm:cxn modelId="{A78C7EA7-1230-40E6-BDA7-3A1024414BC4}" type="presOf" srcId="{0D9103D6-0E0B-4A01-A0C2-A3D312E3F222}" destId="{23A5DA59-5A2F-44EA-A611-B33241847054}" srcOrd="1" destOrd="1" presId="urn:microsoft.com/office/officeart/2005/8/layout/venn1"/>
+    <dgm:cxn modelId="{D5854DC4-F81A-4FA2-80DB-7C7DBD12B42B}" srcId="{8FFAAD93-093A-4643-8666-6592133D5148}" destId="{B91FAD6A-8684-422F-8011-C8437909F67A}" srcOrd="1" destOrd="0" parTransId="{A792254C-7132-40A7-AE58-4421DC5EC861}" sibTransId="{2C588BD9-162A-4022-AF7B-2B78D08FB1DD}"/>
+    <dgm:cxn modelId="{0293A3AF-4ACB-4C8F-BB88-94B74219B65D}" type="presOf" srcId="{C43C6B0E-82E8-459E-90D3-8FA28CDB9FEB}" destId="{23A5DA59-5A2F-44EA-A611-B33241847054}" srcOrd="1" destOrd="0" presId="urn:microsoft.com/office/officeart/2005/8/layout/venn1"/>
+    <dgm:cxn modelId="{AB854BEB-DA56-4C77-A7A8-11C935F1A966}" type="presOf" srcId="{E8D6131E-3A0B-413C-A175-032074A7C8CD}" destId="{9FF6521E-F963-4CC7-985F-8DE096D1D719}" srcOrd="1" destOrd="0" presId="urn:microsoft.com/office/officeart/2005/8/layout/venn1"/>
+    <dgm:cxn modelId="{C1E0688A-C9FB-4CCF-9970-AAA0AB97FED8}" type="presOf" srcId="{9E1FD446-4E0A-4888-B45A-C24376B4CA33}" destId="{23A5DA59-5A2F-44EA-A611-B33241847054}" srcOrd="1" destOrd="3" presId="urn:microsoft.com/office/officeart/2005/8/layout/venn1"/>
+    <dgm:cxn modelId="{A79E1CD5-A539-40D4-85A5-EC2DD800039B}" type="presOf" srcId="{CD3BB932-1D7F-411F-8971-F6ADE642AEF2}" destId="{0B0A4924-9448-4041-80D8-5133D77B1EF8}" srcOrd="0" destOrd="4" presId="urn:microsoft.com/office/officeart/2005/8/layout/venn1"/>
     <dgm:cxn modelId="{12EB0213-BF67-4F4A-98AE-8BC4CEC58680}" srcId="{E8D6131E-3A0B-413C-A175-032074A7C8CD}" destId="{345FF024-0154-4AED-8D4F-D740CFF56DB4}" srcOrd="1" destOrd="0" parTransId="{DED5F523-A82A-4921-BEC4-CB77633F1A18}" sibTransId="{34246D6E-C3F0-4E13-8467-9BD04A8E94B2}"/>
-    <dgm:cxn modelId="{E09F531A-CD92-441D-96EB-680FED7EC68E}" type="presOf" srcId="{B91FAD6A-8684-422F-8011-C8437909F67A}" destId="{59C231A3-4399-47E1-89DF-1C7125294808}" srcOrd="0" destOrd="2" presId="urn:microsoft.com/office/officeart/2005/8/layout/venn1"/>
-    <dgm:cxn modelId="{266EFA1E-A305-4EE5-A882-4848E508A991}" type="presOf" srcId="{2FEA0FE4-34BA-4CAD-A918-D2CC4C70FC09}" destId="{23A5DA59-5A2F-44EA-A611-B33241847054}" srcOrd="1" destOrd="5" presId="urn:microsoft.com/office/officeart/2005/8/layout/venn1"/>
-    <dgm:cxn modelId="{1543BB28-2793-43C8-993A-8A943AF4481F}" srcId="{C43C6B0E-82E8-459E-90D3-8FA28CDB9FEB}" destId="{15CBFCD6-3559-44E7-834A-375076522B1E}" srcOrd="1" destOrd="0" parTransId="{2BDC8AB9-9099-48BF-8978-2CCF0FE0092B}" sibTransId="{96C5A207-380A-4897-BC7D-08AA38B8E6E0}"/>
-    <dgm:cxn modelId="{2AE0BB2C-D3BA-4191-8DA9-349466BA091C}" srcId="{0266A603-8232-4D71-B200-E5FE68D18F3F}" destId="{8FFAAD93-093A-4643-8666-6592133D5148}" srcOrd="0" destOrd="0" parTransId="{0EF3D4AB-DF62-4B12-9E7C-B625D3E22117}" sibTransId="{DD346E06-9D81-468D-B484-5A437B8B67C8}"/>
     <dgm:cxn modelId="{4C641434-2AFA-445A-A904-B27E1D3B8AFD}" srcId="{0266A603-8232-4D71-B200-E5FE68D18F3F}" destId="{C43C6B0E-82E8-459E-90D3-8FA28CDB9FEB}" srcOrd="2" destOrd="0" parTransId="{3A02CFBF-18DC-449F-9D07-D592D03DB4B9}" sibTransId="{BA408F00-8943-4CF4-A1AE-2FE0384E996C}"/>
-    <dgm:cxn modelId="{DDD97535-BB86-4EE5-A9DF-CFE0EB2F8521}" type="presOf" srcId="{FC92CE58-B219-47E7-B200-5C27E4A0F990}" destId="{05A04829-3ADD-4A0E-AF44-AFC6C6576FCC}" srcOrd="1" destOrd="5" presId="urn:microsoft.com/office/officeart/2005/8/layout/venn1"/>
-    <dgm:cxn modelId="{579AB135-88FB-4CCA-BA8D-32F30557EE0D}" type="presOf" srcId="{2CA1279D-C9E1-4254-95B4-AAC304B533A6}" destId="{59C231A3-4399-47E1-89DF-1C7125294808}" srcOrd="0" destOrd="3" presId="urn:microsoft.com/office/officeart/2005/8/layout/venn1"/>
-    <dgm:cxn modelId="{4A3E203D-EF88-463B-BFF5-F18F17A13201}" srcId="{C43C6B0E-82E8-459E-90D3-8FA28CDB9FEB}" destId="{CD3BB932-1D7F-411F-8971-F6ADE642AEF2}" srcOrd="3" destOrd="0" parTransId="{A2EFBDA0-4BB4-4A00-B9FC-4E9D544F850F}" sibTransId="{A423818E-CA79-49E2-9AB4-DDC02DE50575}"/>
-    <dgm:cxn modelId="{FCC1E85C-8D8F-4801-A8FC-41D62D5A5514}" srcId="{E8D6131E-3A0B-413C-A175-032074A7C8CD}" destId="{9997303C-1FFF-4B91-BAB7-2DA3BF7A2831}" srcOrd="0" destOrd="0" parTransId="{EF0D375C-04B7-4798-8AEF-201C8B6E85F3}" sibTransId="{19E359EB-905A-4BC4-97E0-B01B85EE99BD}"/>
-    <dgm:cxn modelId="{11CFA841-1C7B-459D-A9DD-20E73F9B1700}" type="presOf" srcId="{E8D6131E-3A0B-413C-A175-032074A7C8CD}" destId="{A0DFDC1B-77C7-48EB-A021-78AA69786ADD}" srcOrd="0" destOrd="0" presId="urn:microsoft.com/office/officeart/2005/8/layout/venn1"/>
-    <dgm:cxn modelId="{300E2264-29DE-4C65-AB6C-FC5FDE9551AA}" srcId="{E8D6131E-3A0B-413C-A175-032074A7C8CD}" destId="{4A47A56A-111E-4E82-BB41-959D8C716F07}" srcOrd="3" destOrd="0" parTransId="{2B8AEA3B-1339-4898-A438-20A76057A93C}" sibTransId="{E716280C-071B-4151-8DB0-FA8E7410CBDC}"/>
-    <dgm:cxn modelId="{735EE164-1F70-40B0-9FCB-70FB09CB7C2D}" type="presOf" srcId="{15CBFCD6-3559-44E7-834A-375076522B1E}" destId="{23A5DA59-5A2F-44EA-A611-B33241847054}" srcOrd="1" destOrd="2" presId="urn:microsoft.com/office/officeart/2005/8/layout/venn1"/>
-    <dgm:cxn modelId="{97851D67-2952-4049-AD5B-21A115667EEA}" type="presOf" srcId="{9E1FD446-4E0A-4888-B45A-C24376B4CA33}" destId="{0B0A4924-9448-4041-80D8-5133D77B1EF8}" srcOrd="0" destOrd="3" presId="urn:microsoft.com/office/officeart/2005/8/layout/venn1"/>
-    <dgm:cxn modelId="{80506249-D989-4ED3-BB63-0DA863A8703E}" type="presOf" srcId="{1D17ADD5-EDE9-4D10-B8FE-B9BEDF47454D}" destId="{A0DFDC1B-77C7-48EB-A021-78AA69786ADD}" srcOrd="0" destOrd="5" presId="urn:microsoft.com/office/officeart/2005/8/layout/venn1"/>
+    <dgm:cxn modelId="{1957E67E-0C8E-493C-83AE-20E4C7127FB6}" type="presOf" srcId="{FC92CE58-B219-47E7-B200-5C27E4A0F990}" destId="{59C231A3-4399-47E1-89DF-1C7125294808}" srcOrd="0" destOrd="5" presId="urn:microsoft.com/office/officeart/2005/8/layout/venn1"/>
+    <dgm:cxn modelId="{451FA8C3-F2C2-4934-9710-54746AB631D6}" type="presOf" srcId="{9997303C-1FFF-4B91-BAB7-2DA3BF7A2831}" destId="{9FF6521E-F963-4CC7-985F-8DE096D1D719}" srcOrd="1" destOrd="1" presId="urn:microsoft.com/office/officeart/2005/8/layout/venn1"/>
+    <dgm:cxn modelId="{0797F2B3-6251-47F4-BFB8-9C22FB837E90}" type="presOf" srcId="{8FFAAD93-093A-4643-8666-6592133D5148}" destId="{05A04829-3ADD-4A0E-AF44-AFC6C6576FCC}" srcOrd="1" destOrd="0" presId="urn:microsoft.com/office/officeart/2005/8/layout/venn1"/>
+    <dgm:cxn modelId="{6EF51F9D-9EDD-45E2-81C9-3886726A9979}" type="presOf" srcId="{4A47A56A-111E-4E82-BB41-959D8C716F07}" destId="{9FF6521E-F963-4CC7-985F-8DE096D1D719}" srcOrd="1" destOrd="4" presId="urn:microsoft.com/office/officeart/2005/8/layout/venn1"/>
     <dgm:cxn modelId="{0BB89B71-3713-4C02-8B24-5D365C3BA271}" srcId="{C43C6B0E-82E8-459E-90D3-8FA28CDB9FEB}" destId="{9E1FD446-4E0A-4888-B45A-C24376B4CA33}" srcOrd="2" destOrd="0" parTransId="{D3BCD53E-21F0-48B8-BC8A-C4599C850072}" sibTransId="{07FB338E-75D2-45C3-8256-12C1B078B611}"/>
     <dgm:cxn modelId="{CD6BC852-AEF1-4685-B23B-68EF73B1EF2C}" srcId="{C43C6B0E-82E8-459E-90D3-8FA28CDB9FEB}" destId="{2FEA0FE4-34BA-4CAD-A918-D2CC4C70FC09}" srcOrd="4" destOrd="0" parTransId="{34ED3A9A-8E79-4098-8385-4C66C655F964}" sibTransId="{843ABC16-560E-4351-8957-CD859503BAA4}"/>
+    <dgm:cxn modelId="{257BAFCB-0E0B-4A74-8E02-4D534F4BD4B8}" type="presOf" srcId="{345FF024-0154-4AED-8D4F-D740CFF56DB4}" destId="{9FF6521E-F963-4CC7-985F-8DE096D1D719}" srcOrd="1" destOrd="2" presId="urn:microsoft.com/office/officeart/2005/8/layout/venn1"/>
+    <dgm:cxn modelId="{11CFA841-1C7B-459D-A9DD-20E73F9B1700}" type="presOf" srcId="{E8D6131E-3A0B-413C-A175-032074A7C8CD}" destId="{A0DFDC1B-77C7-48EB-A021-78AA69786ADD}" srcOrd="0" destOrd="0" presId="urn:microsoft.com/office/officeart/2005/8/layout/venn1"/>
+    <dgm:cxn modelId="{DDD97535-BB86-4EE5-A9DF-CFE0EB2F8521}" type="presOf" srcId="{FC92CE58-B219-47E7-B200-5C27E4A0F990}" destId="{05A04829-3ADD-4A0E-AF44-AFC6C6576FCC}" srcOrd="1" destOrd="5" presId="urn:microsoft.com/office/officeart/2005/8/layout/venn1"/>
+    <dgm:cxn modelId="{4A3E203D-EF88-463B-BFF5-F18F17A13201}" srcId="{C43C6B0E-82E8-459E-90D3-8FA28CDB9FEB}" destId="{CD3BB932-1D7F-411F-8971-F6ADE642AEF2}" srcOrd="3" destOrd="0" parTransId="{A2EFBDA0-4BB4-4A00-B9FC-4E9D544F850F}" sibTransId="{A423818E-CA79-49E2-9AB4-DDC02DE50575}"/>
     <dgm:cxn modelId="{BF2C2474-CB8C-423F-8679-13C4E153F4D6}" type="presOf" srcId="{4A47A56A-111E-4E82-BB41-959D8C716F07}" destId="{A0DFDC1B-77C7-48EB-A021-78AA69786ADD}" srcOrd="0" destOrd="4" presId="urn:microsoft.com/office/officeart/2005/8/layout/venn1"/>
-    <dgm:cxn modelId="{9565E676-F665-4438-933C-AD9D6A714537}" srcId="{0266A603-8232-4D71-B200-E5FE68D18F3F}" destId="{E8D6131E-3A0B-413C-A175-032074A7C8CD}" srcOrd="1" destOrd="0" parTransId="{2DFF84A4-06B4-4DE0-9EA7-677B263B0A4E}" sibTransId="{0206CF11-AF04-44BF-8AAA-B0D459371092}"/>
+    <dgm:cxn modelId="{80506249-D989-4ED3-BB63-0DA863A8703E}" type="presOf" srcId="{1D17ADD5-EDE9-4D10-B8FE-B9BEDF47454D}" destId="{A0DFDC1B-77C7-48EB-A021-78AA69786ADD}" srcOrd="0" destOrd="5" presId="urn:microsoft.com/office/officeart/2005/8/layout/venn1"/>
+    <dgm:cxn modelId="{E09F531A-CD92-441D-96EB-680FED7EC68E}" type="presOf" srcId="{B91FAD6A-8684-422F-8011-C8437909F67A}" destId="{59C231A3-4399-47E1-89DF-1C7125294808}" srcOrd="0" destOrd="2" presId="urn:microsoft.com/office/officeart/2005/8/layout/venn1"/>
+    <dgm:cxn modelId="{DA1A8607-4CBA-41DE-9E7B-D89BDDFA81A3}" type="presOf" srcId="{15CBFCD6-3559-44E7-834A-375076522B1E}" destId="{0B0A4924-9448-4041-80D8-5133D77B1EF8}" srcOrd="0" destOrd="2" presId="urn:microsoft.com/office/officeart/2005/8/layout/venn1"/>
+    <dgm:cxn modelId="{36391700-0362-45E5-86EA-8CA66C74C9B6}" type="presOf" srcId="{8FFAAD93-093A-4643-8666-6592133D5148}" destId="{59C231A3-4399-47E1-89DF-1C7125294808}" srcOrd="0" destOrd="0" presId="urn:microsoft.com/office/officeart/2005/8/layout/venn1"/>
+    <dgm:cxn modelId="{09BF0CC4-F5A7-42ED-A5D3-BB6B3A7218EB}" type="presOf" srcId="{2CA1279D-C9E1-4254-95B4-AAC304B533A6}" destId="{05A04829-3ADD-4A0E-AF44-AFC6C6576FCC}" srcOrd="1" destOrd="3" presId="urn:microsoft.com/office/officeart/2005/8/layout/venn1"/>
+    <dgm:cxn modelId="{939FBD9F-3DCE-4621-9E2D-7239689574A6}" type="presOf" srcId="{CD3BB932-1D7F-411F-8971-F6ADE642AEF2}" destId="{23A5DA59-5A2F-44EA-A611-B33241847054}" srcOrd="1" destOrd="4" presId="urn:microsoft.com/office/officeart/2005/8/layout/venn1"/>
+    <dgm:cxn modelId="{579AB135-88FB-4CCA-BA8D-32F30557EE0D}" type="presOf" srcId="{2CA1279D-C9E1-4254-95B4-AAC304B533A6}" destId="{59C231A3-4399-47E1-89DF-1C7125294808}" srcOrd="0" destOrd="3" presId="urn:microsoft.com/office/officeart/2005/8/layout/venn1"/>
+    <dgm:cxn modelId="{266EFA1E-A305-4EE5-A882-4848E508A991}" type="presOf" srcId="{2FEA0FE4-34BA-4CAD-A918-D2CC4C70FC09}" destId="{23A5DA59-5A2F-44EA-A611-B33241847054}" srcOrd="1" destOrd="5" presId="urn:microsoft.com/office/officeart/2005/8/layout/venn1"/>
+    <dgm:cxn modelId="{378A8F0D-0AC3-4D7A-8286-7AE1F1CB9A4D}" type="presOf" srcId="{AE952CBC-AFBB-46D7-9562-B6107CA30E37}" destId="{9FF6521E-F963-4CC7-985F-8DE096D1D719}" srcOrd="1" destOrd="3" presId="urn:microsoft.com/office/officeart/2005/8/layout/venn1"/>
+    <dgm:cxn modelId="{98EB3BC1-3459-49EB-B008-68B127B2329B}" srcId="{E8D6131E-3A0B-413C-A175-032074A7C8CD}" destId="{1D17ADD5-EDE9-4D10-B8FE-B9BEDF47454D}" srcOrd="4" destOrd="0" parTransId="{49E298D7-1760-4CAC-8C82-F847AF980F72}" sibTransId="{62913C03-8430-4F72-881A-A1298FFEAFD9}"/>
+    <dgm:cxn modelId="{9D7A6090-F586-49A2-A90C-12ED958EC70E}" type="presOf" srcId="{1D17ADD5-EDE9-4D10-B8FE-B9BEDF47454D}" destId="{9FF6521E-F963-4CC7-985F-8DE096D1D719}" srcOrd="1" destOrd="5" presId="urn:microsoft.com/office/officeart/2005/8/layout/venn1"/>
+    <dgm:cxn modelId="{735EE164-1F70-40B0-9FCB-70FB09CB7C2D}" type="presOf" srcId="{15CBFCD6-3559-44E7-834A-375076522B1E}" destId="{23A5DA59-5A2F-44EA-A611-B33241847054}" srcOrd="1" destOrd="2" presId="urn:microsoft.com/office/officeart/2005/8/layout/venn1"/>
+    <dgm:cxn modelId="{3E7A1EBC-B8FF-4903-A794-99A63AA373B7}" srcId="{8FFAAD93-093A-4643-8666-6592133D5148}" destId="{FC4407A3-4517-45E9-A03A-4F0190D76EDC}" srcOrd="0" destOrd="0" parTransId="{CCF611A2-4C28-4056-95E0-BC1D65ECB54B}" sibTransId="{C2E3399E-AAEE-4906-8423-00867DEEE52B}"/>
+    <dgm:cxn modelId="{2AE0BB2C-D3BA-4191-8DA9-349466BA091C}" srcId="{0266A603-8232-4D71-B200-E5FE68D18F3F}" destId="{8FFAAD93-093A-4643-8666-6592133D5148}" srcOrd="0" destOrd="0" parTransId="{0EF3D4AB-DF62-4B12-9E7C-B625D3E22117}" sibTransId="{DD346E06-9D81-468D-B484-5A437B8B67C8}"/>
+    <dgm:cxn modelId="{7A2FDA00-A953-4B39-9EFF-4175B7C7C32C}" type="presOf" srcId="{FC4407A3-4517-45E9-A03A-4F0190D76EDC}" destId="{59C231A3-4399-47E1-89DF-1C7125294808}" srcOrd="0" destOrd="1" presId="urn:microsoft.com/office/officeart/2005/8/layout/venn1"/>
+    <dgm:cxn modelId="{E0D1A9B3-DB83-45E4-908B-8F02C3F1AC9D}" type="presOf" srcId="{9997303C-1FFF-4B91-BAB7-2DA3BF7A2831}" destId="{A0DFDC1B-77C7-48EB-A021-78AA69786ADD}" srcOrd="0" destOrd="1" presId="urn:microsoft.com/office/officeart/2005/8/layout/venn1"/>
+    <dgm:cxn modelId="{92FAAEB1-ED8B-4322-85F6-49BE2975C0A7}" srcId="{8FFAAD93-093A-4643-8666-6592133D5148}" destId="{FC92CE58-B219-47E7-B200-5C27E4A0F990}" srcOrd="4" destOrd="0" parTransId="{6B3440AC-FF9F-49AC-9EED-52367445DD2B}" sibTransId="{E4DA5AAC-EC3E-4EED-B347-9097D05713F8}"/>
+    <dgm:cxn modelId="{FD02E0E9-09A3-473A-808B-F01E4D57FE2A}" type="presOf" srcId="{FC4407A3-4517-45E9-A03A-4F0190D76EDC}" destId="{05A04829-3ADD-4A0E-AF44-AFC6C6576FCC}" srcOrd="1" destOrd="1" presId="urn:microsoft.com/office/officeart/2005/8/layout/venn1"/>
     <dgm:cxn modelId="{C687215A-9BA5-46D3-8880-2F277B629C47}" type="presOf" srcId="{B91FAD6A-8684-422F-8011-C8437909F67A}" destId="{05A04829-3ADD-4A0E-AF44-AFC6C6576FCC}" srcOrd="1" destOrd="2" presId="urn:microsoft.com/office/officeart/2005/8/layout/venn1"/>
-    <dgm:cxn modelId="{15272A7C-2627-495B-AABC-9C936DD8F01C}" type="presOf" srcId="{0D9103D6-0E0B-4A01-A0C2-A3D312E3F222}" destId="{0B0A4924-9448-4041-80D8-5133D77B1EF8}" srcOrd="0" destOrd="1" presId="urn:microsoft.com/office/officeart/2005/8/layout/venn1"/>
-    <dgm:cxn modelId="{1957E67E-0C8E-493C-83AE-20E4C7127FB6}" type="presOf" srcId="{FC92CE58-B219-47E7-B200-5C27E4A0F990}" destId="{59C231A3-4399-47E1-89DF-1C7125294808}" srcOrd="0" destOrd="5" presId="urn:microsoft.com/office/officeart/2005/8/layout/venn1"/>
-    <dgm:cxn modelId="{C1E0688A-C9FB-4CCF-9970-AAA0AB97FED8}" type="presOf" srcId="{9E1FD446-4E0A-4888-B45A-C24376B4CA33}" destId="{23A5DA59-5A2F-44EA-A611-B33241847054}" srcOrd="1" destOrd="3" presId="urn:microsoft.com/office/officeart/2005/8/layout/venn1"/>
     <dgm:cxn modelId="{6BD60790-1B6B-4099-8027-E518E7AACB14}" type="presOf" srcId="{0266A603-8232-4D71-B200-E5FE68D18F3F}" destId="{11300E79-F0C0-45BF-A27C-36DBA708EADA}" srcOrd="0" destOrd="0" presId="urn:microsoft.com/office/officeart/2005/8/layout/venn1"/>
-    <dgm:cxn modelId="{9D7A6090-F586-49A2-A90C-12ED958EC70E}" type="presOf" srcId="{1D17ADD5-EDE9-4D10-B8FE-B9BEDF47454D}" destId="{9FF6521E-F963-4CC7-985F-8DE096D1D719}" srcOrd="1" destOrd="5" presId="urn:microsoft.com/office/officeart/2005/8/layout/venn1"/>
     <dgm:cxn modelId="{033B3695-04DD-4CD9-9766-B5B9B21B8F5F}" type="presOf" srcId="{345FF024-0154-4AED-8D4F-D740CFF56DB4}" destId="{A0DFDC1B-77C7-48EB-A021-78AA69786ADD}" srcOrd="0" destOrd="2" presId="urn:microsoft.com/office/officeart/2005/8/layout/venn1"/>
-    <dgm:cxn modelId="{6EF51F9D-9EDD-45E2-81C9-3886726A9979}" type="presOf" srcId="{4A47A56A-111E-4E82-BB41-959D8C716F07}" destId="{9FF6521E-F963-4CC7-985F-8DE096D1D719}" srcOrd="1" destOrd="4" presId="urn:microsoft.com/office/officeart/2005/8/layout/venn1"/>
-    <dgm:cxn modelId="{939FBD9F-3DCE-4621-9E2D-7239689574A6}" type="presOf" srcId="{CD3BB932-1D7F-411F-8971-F6ADE642AEF2}" destId="{23A5DA59-5A2F-44EA-A611-B33241847054}" srcOrd="1" destOrd="4" presId="urn:microsoft.com/office/officeart/2005/8/layout/venn1"/>
-    <dgm:cxn modelId="{A78C7EA7-1230-40E6-BDA7-3A1024414BC4}" type="presOf" srcId="{0D9103D6-0E0B-4A01-A0C2-A3D312E3F222}" destId="{23A5DA59-5A2F-44EA-A611-B33241847054}" srcOrd="1" destOrd="1" presId="urn:microsoft.com/office/officeart/2005/8/layout/venn1"/>
-    <dgm:cxn modelId="{0293A3AF-4ACB-4C8F-BB88-94B74219B65D}" type="presOf" srcId="{C43C6B0E-82E8-459E-90D3-8FA28CDB9FEB}" destId="{23A5DA59-5A2F-44EA-A611-B33241847054}" srcOrd="1" destOrd="0" presId="urn:microsoft.com/office/officeart/2005/8/layout/venn1"/>
-    <dgm:cxn modelId="{92FAAEB1-ED8B-4322-85F6-49BE2975C0A7}" srcId="{8FFAAD93-093A-4643-8666-6592133D5148}" destId="{FC92CE58-B219-47E7-B200-5C27E4A0F990}" srcOrd="4" destOrd="0" parTransId="{6B3440AC-FF9F-49AC-9EED-52367445DD2B}" sibTransId="{E4DA5AAC-EC3E-4EED-B347-9097D05713F8}"/>
-    <dgm:cxn modelId="{E0D1A9B3-DB83-45E4-908B-8F02C3F1AC9D}" type="presOf" srcId="{9997303C-1FFF-4B91-BAB7-2DA3BF7A2831}" destId="{A0DFDC1B-77C7-48EB-A021-78AA69786ADD}" srcOrd="0" destOrd="1" presId="urn:microsoft.com/office/officeart/2005/8/layout/venn1"/>
-    <dgm:cxn modelId="{0797F2B3-6251-47F4-BFB8-9C22FB837E90}" type="presOf" srcId="{8FFAAD93-093A-4643-8666-6592133D5148}" destId="{05A04829-3ADD-4A0E-AF44-AFC6C6576FCC}" srcOrd="1" destOrd="0" presId="urn:microsoft.com/office/officeart/2005/8/layout/venn1"/>
-    <dgm:cxn modelId="{70F6C2B7-91C8-4E55-A360-171B2B5B137B}" type="presOf" srcId="{2FEA0FE4-34BA-4CAD-A918-D2CC4C70FC09}" destId="{0B0A4924-9448-4041-80D8-5133D77B1EF8}" srcOrd="0" destOrd="5" presId="urn:microsoft.com/office/officeart/2005/8/layout/venn1"/>
+    <dgm:cxn modelId="{3590A3BD-A98F-47F8-AC91-1B3EAC8CE1A1}" type="presOf" srcId="{C43C6B0E-82E8-459E-90D3-8FA28CDB9FEB}" destId="{0B0A4924-9448-4041-80D8-5133D77B1EF8}" srcOrd="0" destOrd="0" presId="urn:microsoft.com/office/officeart/2005/8/layout/venn1"/>
     <dgm:cxn modelId="{2848FFBA-90DC-4F48-9B44-D6DC5B6B9336}" srcId="{8FFAAD93-093A-4643-8666-6592133D5148}" destId="{68992B54-EE22-4748-A406-5444F4DDFCCB}" srcOrd="3" destOrd="0" parTransId="{A496F618-DE23-49F6-840B-6DE3EB5CD77E}" sibTransId="{8E00248D-6041-4A16-AC78-3F21D236E2FB}"/>
-    <dgm:cxn modelId="{3E7A1EBC-B8FF-4903-A794-99A63AA373B7}" srcId="{8FFAAD93-093A-4643-8666-6592133D5148}" destId="{FC4407A3-4517-45E9-A03A-4F0190D76EDC}" srcOrd="0" destOrd="0" parTransId="{CCF611A2-4C28-4056-95E0-BC1D65ECB54B}" sibTransId="{C2E3399E-AAEE-4906-8423-00867DEEE52B}"/>
-    <dgm:cxn modelId="{3590A3BD-A98F-47F8-AC91-1B3EAC8CE1A1}" type="presOf" srcId="{C43C6B0E-82E8-459E-90D3-8FA28CDB9FEB}" destId="{0B0A4924-9448-4041-80D8-5133D77B1EF8}" srcOrd="0" destOrd="0" presId="urn:microsoft.com/office/officeart/2005/8/layout/venn1"/>
-    <dgm:cxn modelId="{98EB3BC1-3459-49EB-B008-68B127B2329B}" srcId="{E8D6131E-3A0B-413C-A175-032074A7C8CD}" destId="{1D17ADD5-EDE9-4D10-B8FE-B9BEDF47454D}" srcOrd="4" destOrd="0" parTransId="{49E298D7-1760-4CAC-8C82-F847AF980F72}" sibTransId="{62913C03-8430-4F72-881A-A1298FFEAFD9}"/>
-    <dgm:cxn modelId="{451FA8C3-F2C2-4934-9710-54746AB631D6}" type="presOf" srcId="{9997303C-1FFF-4B91-BAB7-2DA3BF7A2831}" destId="{9FF6521E-F963-4CC7-985F-8DE096D1D719}" srcOrd="1" destOrd="1" presId="urn:microsoft.com/office/officeart/2005/8/layout/venn1"/>
-    <dgm:cxn modelId="{09BF0CC4-F5A7-42ED-A5D3-BB6B3A7218EB}" type="presOf" srcId="{2CA1279D-C9E1-4254-95B4-AAC304B533A6}" destId="{05A04829-3ADD-4A0E-AF44-AFC6C6576FCC}" srcOrd="1" destOrd="3" presId="urn:microsoft.com/office/officeart/2005/8/layout/venn1"/>
-    <dgm:cxn modelId="{D5854DC4-F81A-4FA2-80DB-7C7DBD12B42B}" srcId="{8FFAAD93-093A-4643-8666-6592133D5148}" destId="{B91FAD6A-8684-422F-8011-C8437909F67A}" srcOrd="1" destOrd="0" parTransId="{A792254C-7132-40A7-AE58-4421DC5EC861}" sibTransId="{2C588BD9-162A-4022-AF7B-2B78D08FB1DD}"/>
-    <dgm:cxn modelId="{257BAFCB-0E0B-4A74-8E02-4D534F4BD4B8}" type="presOf" srcId="{345FF024-0154-4AED-8D4F-D740CFF56DB4}" destId="{9FF6521E-F963-4CC7-985F-8DE096D1D719}" srcOrd="1" destOrd="2" presId="urn:microsoft.com/office/officeart/2005/8/layout/venn1"/>
-    <dgm:cxn modelId="{A79E1CD5-A539-40D4-85A5-EC2DD800039B}" type="presOf" srcId="{CD3BB932-1D7F-411F-8971-F6ADE642AEF2}" destId="{0B0A4924-9448-4041-80D8-5133D77B1EF8}" srcOrd="0" destOrd="4" presId="urn:microsoft.com/office/officeart/2005/8/layout/venn1"/>
-    <dgm:cxn modelId="{24B569E6-0410-4E6E-B3A9-29B8018766C1}" srcId="{E8D6131E-3A0B-413C-A175-032074A7C8CD}" destId="{AE952CBC-AFBB-46D7-9562-B6107CA30E37}" srcOrd="2" destOrd="0" parTransId="{CFCFF80A-CA68-48D7-9E16-EFC0C7511E83}" sibTransId="{5C9DCE54-BFC6-4A9B-9B5E-6A10CBFF0DAF}"/>
-    <dgm:cxn modelId="{FD02E0E9-09A3-473A-808B-F01E4D57FE2A}" type="presOf" srcId="{FC4407A3-4517-45E9-A03A-4F0190D76EDC}" destId="{05A04829-3ADD-4A0E-AF44-AFC6C6576FCC}" srcOrd="1" destOrd="1" presId="urn:microsoft.com/office/officeart/2005/8/layout/venn1"/>
     <dgm:cxn modelId="{016688EA-F4C6-426D-B6A7-2BED57046B26}" type="presOf" srcId="{68992B54-EE22-4748-A406-5444F4DDFCCB}" destId="{05A04829-3ADD-4A0E-AF44-AFC6C6576FCC}" srcOrd="1" destOrd="4" presId="urn:microsoft.com/office/officeart/2005/8/layout/venn1"/>
-    <dgm:cxn modelId="{AB854BEB-DA56-4C77-A7A8-11C935F1A966}" type="presOf" srcId="{E8D6131E-3A0B-413C-A175-032074A7C8CD}" destId="{9FF6521E-F963-4CC7-985F-8DE096D1D719}" srcOrd="1" destOrd="0" presId="urn:microsoft.com/office/officeart/2005/8/layout/venn1"/>
+    <dgm:cxn modelId="{300E2264-29DE-4C65-AB6C-FC5FDE9551AA}" srcId="{E8D6131E-3A0B-413C-A175-032074A7C8CD}" destId="{4A47A56A-111E-4E82-BB41-959D8C716F07}" srcOrd="3" destOrd="0" parTransId="{2B8AEA3B-1339-4898-A438-20A76057A93C}" sibTransId="{E716280C-071B-4151-8DB0-FA8E7410CBDC}"/>
+    <dgm:cxn modelId="{1543BB28-2793-43C8-993A-8A943AF4481F}" srcId="{C43C6B0E-82E8-459E-90D3-8FA28CDB9FEB}" destId="{15CBFCD6-3559-44E7-834A-375076522B1E}" srcOrd="1" destOrd="0" parTransId="{2BDC8AB9-9099-48BF-8978-2CCF0FE0092B}" sibTransId="{96C5A207-380A-4897-BC7D-08AA38B8E6E0}"/>
+    <dgm:cxn modelId="{FCC1E85C-8D8F-4801-A8FC-41D62D5A5514}" srcId="{E8D6131E-3A0B-413C-A175-032074A7C8CD}" destId="{9997303C-1FFF-4B91-BAB7-2DA3BF7A2831}" srcOrd="0" destOrd="0" parTransId="{EF0D375C-04B7-4798-8AEF-201C8B6E85F3}" sibTransId="{19E359EB-905A-4BC4-97E0-B01B85EE99BD}"/>
     <dgm:cxn modelId="{E776B5F9-0396-4747-8A77-F236C3D5FEC4}" type="presOf" srcId="{68992B54-EE22-4748-A406-5444F4DDFCCB}" destId="{59C231A3-4399-47E1-89DF-1C7125294808}" srcOrd="0" destOrd="4" presId="urn:microsoft.com/office/officeart/2005/8/layout/venn1"/>
     <dgm:cxn modelId="{EE3B88FC-5ECD-4AD8-8CA9-190CF339DA5D}" srcId="{8FFAAD93-093A-4643-8666-6592133D5148}" destId="{2CA1279D-C9E1-4254-95B4-AAC304B533A6}" srcOrd="2" destOrd="0" parTransId="{C33A9CFA-7161-4DFD-98CC-F13EDE82F84E}" sibTransId="{24EB42A6-9060-443B-B971-035EC8ADC523}"/>
     <dgm:cxn modelId="{37A01DFE-0964-4EB6-B04C-56427628D6EC}" srcId="{C43C6B0E-82E8-459E-90D3-8FA28CDB9FEB}" destId="{0D9103D6-0E0B-4A01-A0C2-A3D312E3F222}" srcOrd="0" destOrd="0" parTransId="{A1D0069F-1988-48C8-9FEA-319C7287A0B3}" sibTransId="{1AF917AA-981D-4B16-9E8E-BA24B49D4365}"/>
+    <dgm:cxn modelId="{24B569E6-0410-4E6E-B3A9-29B8018766C1}" srcId="{E8D6131E-3A0B-413C-A175-032074A7C8CD}" destId="{AE952CBC-AFBB-46D7-9562-B6107CA30E37}" srcOrd="2" destOrd="0" parTransId="{CFCFF80A-CA68-48D7-9E16-EFC0C7511E83}" sibTransId="{5C9DCE54-BFC6-4A9B-9B5E-6A10CBFF0DAF}"/>
+    <dgm:cxn modelId="{9565E676-F665-4438-933C-AD9D6A714537}" srcId="{0266A603-8232-4D71-B200-E5FE68D18F3F}" destId="{E8D6131E-3A0B-413C-A175-032074A7C8CD}" srcOrd="1" destOrd="0" parTransId="{2DFF84A4-06B4-4DE0-9EA7-677B263B0A4E}" sibTransId="{0206CF11-AF04-44BF-8AAA-B0D459371092}"/>
+    <dgm:cxn modelId="{70F6C2B7-91C8-4E55-A360-171B2B5B137B}" type="presOf" srcId="{2FEA0FE4-34BA-4CAD-A918-D2CC4C70FC09}" destId="{0B0A4924-9448-4041-80D8-5133D77B1EF8}" srcOrd="0" destOrd="5" presId="urn:microsoft.com/office/officeart/2005/8/layout/venn1"/>
+    <dgm:cxn modelId="{97851D67-2952-4049-AD5B-21A115667EEA}" type="presOf" srcId="{9E1FD446-4E0A-4888-B45A-C24376B4CA33}" destId="{0B0A4924-9448-4041-80D8-5133D77B1EF8}" srcOrd="0" destOrd="3" presId="urn:microsoft.com/office/officeart/2005/8/layout/venn1"/>
+    <dgm:cxn modelId="{15272A7C-2627-495B-AABC-9C936DD8F01C}" type="presOf" srcId="{0D9103D6-0E0B-4A01-A0C2-A3D312E3F222}" destId="{0B0A4924-9448-4041-80D8-5133D77B1EF8}" srcOrd="0" destOrd="1" presId="urn:microsoft.com/office/officeart/2005/8/layout/venn1"/>
     <dgm:cxn modelId="{DE88024E-9823-4C1C-8B29-0408B6F5C440}" type="presParOf" srcId="{11300E79-F0C0-45BF-A27C-36DBA708EADA}" destId="{59C231A3-4399-47E1-89DF-1C7125294808}" srcOrd="0" destOrd="0" presId="urn:microsoft.com/office/officeart/2005/8/layout/venn1"/>
     <dgm:cxn modelId="{756A008E-9D8A-4103-96F8-FB3AA9C2B117}" type="presParOf" srcId="{11300E79-F0C0-45BF-A27C-36DBA708EADA}" destId="{05A04829-3ADD-4A0E-AF44-AFC6C6576FCC}" srcOrd="1" destOrd="0" presId="urn:microsoft.com/office/officeart/2005/8/layout/venn1"/>
     <dgm:cxn modelId="{191021C9-35B7-4CAD-AFF8-559E2AF7472C}" type="presParOf" srcId="{11300E79-F0C0-45BF-A27C-36DBA708EADA}" destId="{A0DFDC1B-77C7-48EB-A021-78AA69786ADD}" srcOrd="2" destOrd="0" presId="urn:microsoft.com/office/officeart/2005/8/layout/venn1"/>
@@ -6241,7 +5545,7 @@
         </a:bodyPr>
         <a:lstStyle/>
         <a:p>
-          <a:pPr marL="0" lvl="0" indent="0" algn="ctr" defTabSz="1289050" rtl="0">
+          <a:pPr lvl="0" algn="ctr" defTabSz="1289050" rtl="0">
             <a:lnSpc>
               <a:spcPct val="90000"/>
             </a:lnSpc>
@@ -6251,7 +5555,6 @@
             <a:spcAft>
               <a:spcPct val="35000"/>
             </a:spcAft>
-            <a:buNone/>
           </a:pPr>
           <a:r>
             <a:rPr lang="de-DE" sz="2900" kern="1200" dirty="0" err="1"/>
@@ -6324,7 +5627,7 @@
         </a:bodyPr>
         <a:lstStyle/>
         <a:p>
-          <a:pPr marL="0" lvl="0" indent="0" algn="ctr" defTabSz="1289050" rtl="0">
+          <a:pPr lvl="0" algn="ctr" defTabSz="1289050" rtl="0">
             <a:lnSpc>
               <a:spcPct val="90000"/>
             </a:lnSpc>
@@ -6334,7 +5637,6 @@
             <a:spcAft>
               <a:spcPct val="35000"/>
             </a:spcAft>
-            <a:buNone/>
           </a:pPr>
           <a:r>
             <a:rPr lang="de-DE" sz="2900" kern="1200" dirty="0" err="1"/>
@@ -6403,7 +5705,7 @@
         </a:bodyPr>
         <a:lstStyle/>
         <a:p>
-          <a:pPr marL="0" lvl="0" indent="0" algn="ctr" defTabSz="1289050" rtl="0">
+          <a:pPr lvl="0" algn="ctr" defTabSz="1289050" rtl="0">
             <a:lnSpc>
               <a:spcPct val="90000"/>
             </a:lnSpc>
@@ -6413,7 +5715,6 @@
             <a:spcAft>
               <a:spcPct val="35000"/>
             </a:spcAft>
-            <a:buNone/>
           </a:pPr>
           <a:r>
             <a:rPr lang="de-DE" sz="2900" kern="1200"/>
@@ -6482,7 +5783,7 @@
         </a:bodyPr>
         <a:lstStyle/>
         <a:p>
-          <a:pPr marL="0" lvl="0" indent="0" algn="ctr" defTabSz="1289050" rtl="0">
+          <a:pPr lvl="0" algn="ctr" defTabSz="1289050" rtl="0">
             <a:lnSpc>
               <a:spcPct val="90000"/>
             </a:lnSpc>
@@ -6492,7 +5793,6 @@
             <a:spcAft>
               <a:spcPct val="35000"/>
             </a:spcAft>
-            <a:buNone/>
           </a:pPr>
           <a:r>
             <a:rPr lang="de-DE" sz="2900" kern="1200"/>
@@ -6574,7 +5874,7 @@
         </a:bodyPr>
         <a:lstStyle/>
         <a:p>
-          <a:pPr marL="0" lvl="0" indent="0" algn="ctr" defTabSz="622300" rtl="0">
+          <a:pPr lvl="0" algn="ctr" defTabSz="622300" rtl="0">
             <a:lnSpc>
               <a:spcPct val="90000"/>
             </a:lnSpc>
@@ -6584,11 +5884,14 @@
             <a:spcAft>
               <a:spcPct val="35000"/>
             </a:spcAft>
-            <a:buNone/>
           </a:pPr>
           <a:r>
-            <a:rPr lang="de-DE" sz="1400" b="1" kern="1200" dirty="0"/>
-            <a:t>TE-Produkt</a:t>
+            <a:rPr lang="de-DE" sz="1400" b="1" kern="1200" dirty="0" err="1" smtClean="0"/>
+            <a:t>Topology</a:t>
+          </a:r>
+          <a:r>
+            <a:rPr lang="de-DE" sz="1400" b="1" kern="1200" dirty="0" smtClean="0"/>
+            <a:t>-Editor-Release</a:t>
           </a:r>
           <a:endParaRPr lang="en-US" sz="1400" b="1" kern="1200" dirty="0"/>
         </a:p>
@@ -6654,7 +5957,7 @@
         </a:bodyPr>
         <a:lstStyle/>
         <a:p>
-          <a:pPr marL="0" lvl="0" indent="0" algn="ctr" defTabSz="622300" rtl="0">
+          <a:pPr lvl="0" algn="ctr" defTabSz="622300" rtl="0">
             <a:lnSpc>
               <a:spcPct val="90000"/>
             </a:lnSpc>
@@ -6664,11 +5967,14 @@
             <a:spcAft>
               <a:spcPct val="35000"/>
             </a:spcAft>
-            <a:buNone/>
           </a:pPr>
           <a:r>
-            <a:rPr lang="de-DE" sz="1400" b="1" kern="1200" dirty="0"/>
-            <a:t>TE-Dokumentation</a:t>
+            <a:rPr lang="de-DE" sz="1400" b="1" kern="1200" dirty="0" err="1" smtClean="0"/>
+            <a:t>Topology</a:t>
+          </a:r>
+          <a:r>
+            <a:rPr lang="de-DE" sz="1400" b="1" kern="1200" dirty="0" smtClean="0"/>
+            <a:t>-Editor-Dokumentation</a:t>
           </a:r>
           <a:endParaRPr lang="en-US" sz="1400" b="1" kern="1200" dirty="0"/>
         </a:p>
@@ -6740,7 +6046,7 @@
         </a:bodyPr>
         <a:lstStyle/>
         <a:p>
-          <a:pPr marL="0" lvl="0" indent="0" algn="l" defTabSz="1644650">
+          <a:pPr lvl="0" algn="l" defTabSz="1644650">
             <a:lnSpc>
               <a:spcPct val="90000"/>
             </a:lnSpc>
@@ -6750,7 +6056,6 @@
             <a:spcAft>
               <a:spcPct val="35000"/>
             </a:spcAft>
-            <a:buNone/>
           </a:pPr>
           <a:r>
             <a:rPr lang="de-DE" sz="3700" i="0" kern="1200" baseline="0" dirty="0"/>
@@ -6826,7 +6131,7 @@
         </a:bodyPr>
         <a:lstStyle/>
         <a:p>
-          <a:pPr marL="0" lvl="0" indent="0" algn="l" defTabSz="1644650">
+          <a:pPr lvl="0" algn="l" defTabSz="1644650">
             <a:lnSpc>
               <a:spcPct val="90000"/>
             </a:lnSpc>
@@ -6836,7 +6141,6 @@
             <a:spcAft>
               <a:spcPct val="35000"/>
             </a:spcAft>
-            <a:buNone/>
           </a:pPr>
           <a:r>
             <a:rPr lang="de-DE" sz="3700" i="0" kern="1200" baseline="0" dirty="0"/>
@@ -6855,102 +6159,6 @@
 </file>
 
 <file path=ppt/diagrams/drawing5.xml><?xml version="1.0" encoding="utf-8"?>
-<dsp:drawing xmlns:dgm="http://schemas.openxmlformats.org/drawingml/2006/diagram" xmlns:dsp="http://schemas.microsoft.com/office/drawing/2008/diagram" xmlns:a="http://schemas.openxmlformats.org/drawingml/2006/main">
-  <dsp:spTree>
-    <dsp:nvGrpSpPr>
-      <dsp:cNvPr id="0" name=""/>
-      <dsp:cNvGrpSpPr/>
-    </dsp:nvGrpSpPr>
-    <dsp:grpSpPr/>
-    <dsp:sp modelId="{404492EB-C4A1-4A53-8395-FFFABFA0E2B2}">
-      <dsp:nvSpPr>
-        <dsp:cNvPr id="0" name=""/>
-        <dsp:cNvSpPr/>
-      </dsp:nvSpPr>
-      <dsp:spPr>
-        <a:xfrm>
-          <a:off x="1125" y="0"/>
-          <a:ext cx="2302069" cy="432060"/>
-        </a:xfrm>
-        <a:prstGeom prst="roundRect">
-          <a:avLst>
-            <a:gd name="adj" fmla="val 10000"/>
-          </a:avLst>
-        </a:prstGeom>
-        <a:solidFill>
-          <a:schemeClr val="bg1"/>
-        </a:solidFill>
-        <a:ln w="12700" cap="flat" cmpd="sng" algn="ctr">
-          <a:solidFill>
-            <a:schemeClr val="lt1">
-              <a:hueOff val="0"/>
-              <a:satOff val="0"/>
-              <a:lumOff val="0"/>
-              <a:alphaOff val="0"/>
-            </a:schemeClr>
-          </a:solidFill>
-          <a:prstDash val="solid"/>
-          <a:miter lim="800000"/>
-        </a:ln>
-        <a:effectLst/>
-      </dsp:spPr>
-      <dsp:style>
-        <a:lnRef idx="2">
-          <a:scrgbClr r="0" g="0" b="0"/>
-        </a:lnRef>
-        <a:fillRef idx="1">
-          <a:scrgbClr r="0" g="0" b="0"/>
-        </a:fillRef>
-        <a:effectRef idx="0">
-          <a:scrgbClr r="0" g="0" b="0"/>
-        </a:effectRef>
-        <a:fontRef idx="minor">
-          <a:schemeClr val="lt1"/>
-        </a:fontRef>
-      </dsp:style>
-      <dsp:txBody>
-        <a:bodyPr spcFirstLastPara="0" vert="horz" wrap="square" lIns="72390" tIns="72390" rIns="72390" bIns="72390" numCol="1" spcCol="1270" anchor="ctr" anchorCtr="0">
-          <a:noAutofit/>
-        </a:bodyPr>
-        <a:lstStyle/>
-        <a:p>
-          <a:pPr marL="0" lvl="0" indent="0" algn="ctr" defTabSz="844550" rtl="0">
-            <a:lnSpc>
-              <a:spcPct val="90000"/>
-            </a:lnSpc>
-            <a:spcBef>
-              <a:spcPct val="0"/>
-            </a:spcBef>
-            <a:spcAft>
-              <a:spcPct val="35000"/>
-            </a:spcAft>
-            <a:buNone/>
-          </a:pPr>
-          <a:r>
-            <a:rPr lang="de-DE" sz="1900" b="1" kern="1200" dirty="0">
-              <a:solidFill>
-                <a:schemeClr val="tx1"/>
-              </a:solidFill>
-            </a:rPr>
-            <a:t>Topology-Editor</a:t>
-          </a:r>
-          <a:endParaRPr lang="en-US" sz="1900" b="1" kern="1200" dirty="0">
-            <a:solidFill>
-              <a:schemeClr val="tx1"/>
-            </a:solidFill>
-          </a:endParaRPr>
-        </a:p>
-      </dsp:txBody>
-      <dsp:txXfrm>
-        <a:off x="13780" y="12655"/>
-        <a:ext cx="2276759" cy="406750"/>
-      </dsp:txXfrm>
-    </dsp:sp>
-  </dsp:spTree>
-</dsp:drawing>
-</file>
-
-<file path=ppt/diagrams/drawing6.xml><?xml version="1.0" encoding="utf-8"?>
 <dsp:drawing xmlns:dgm="http://schemas.openxmlformats.org/drawingml/2006/diagram" xmlns:dsp="http://schemas.microsoft.com/office/drawing/2008/diagram" xmlns:a="http://schemas.openxmlformats.org/drawingml/2006/main">
   <dsp:spTree>
     <dsp:nvGrpSpPr>
@@ -7014,7 +6222,7 @@
         </a:bodyPr>
         <a:lstStyle/>
         <a:p>
-          <a:pPr marL="0" lvl="0" indent="0" algn="l" defTabSz="622300">
+          <a:pPr lvl="0" algn="l" defTabSz="622300">
             <a:lnSpc>
               <a:spcPct val="90000"/>
             </a:lnSpc>
@@ -7024,7 +6232,6 @@
             <a:spcAft>
               <a:spcPct val="35000"/>
             </a:spcAft>
-            <a:buNone/>
           </a:pPr>
           <a:r>
             <a:rPr lang="de-DE" sz="1400" kern="1200" dirty="0"/>
@@ -7042,7 +6249,7 @@
             <a:spcAft>
               <a:spcPct val="15000"/>
             </a:spcAft>
-            <a:buChar char="•"/>
+            <a:buChar char="••"/>
           </a:pPr>
           <a:r>
             <a:rPr lang="de-DE" sz="1100" kern="1200" dirty="0"/>
@@ -7060,7 +6267,7 @@
             <a:spcAft>
               <a:spcPct val="15000"/>
             </a:spcAft>
-            <a:buChar char="•"/>
+            <a:buChar char="••"/>
           </a:pPr>
           <a:r>
             <a:rPr lang="de-DE" sz="1100" kern="1200" dirty="0"/>
@@ -7078,7 +6285,7 @@
             <a:spcAft>
               <a:spcPct val="15000"/>
             </a:spcAft>
-            <a:buChar char="•"/>
+            <a:buChar char="••"/>
           </a:pPr>
           <a:r>
             <a:rPr lang="de-DE" sz="1100" kern="1200" dirty="0"/>
@@ -7096,7 +6303,7 @@
             <a:spcAft>
               <a:spcPct val="15000"/>
             </a:spcAft>
-            <a:buChar char="•"/>
+            <a:buChar char="••"/>
           </a:pPr>
           <a:r>
             <a:rPr lang="de-DE" sz="1100" kern="1200" dirty="0"/>
@@ -7114,7 +6321,7 @@
             <a:spcAft>
               <a:spcPct val="15000"/>
             </a:spcAft>
-            <a:buChar char="•"/>
+            <a:buChar char="••"/>
           </a:pPr>
           <a:r>
             <a:rPr lang="de-DE" sz="1100" kern="1200" dirty="0"/>
@@ -7183,7 +6390,7 @@
         </a:bodyPr>
         <a:lstStyle/>
         <a:p>
-          <a:pPr marL="0" lvl="0" indent="0" algn="l" defTabSz="622300">
+          <a:pPr lvl="0" algn="l" defTabSz="622300">
             <a:lnSpc>
               <a:spcPct val="90000"/>
             </a:lnSpc>
@@ -7193,7 +6400,6 @@
             <a:spcAft>
               <a:spcPct val="35000"/>
             </a:spcAft>
-            <a:buNone/>
           </a:pPr>
           <a:r>
             <a:rPr lang="de-DE" sz="1400" kern="1200" dirty="0"/>
@@ -7211,7 +6417,7 @@
             <a:spcAft>
               <a:spcPct val="15000"/>
             </a:spcAft>
-            <a:buChar char="•"/>
+            <a:buChar char="••"/>
           </a:pPr>
           <a:r>
             <a:rPr lang="de-DE" sz="1100" kern="1200" dirty="0"/>
@@ -7229,7 +6435,7 @@
             <a:spcAft>
               <a:spcPct val="15000"/>
             </a:spcAft>
-            <a:buChar char="•"/>
+            <a:buChar char="••"/>
           </a:pPr>
           <a:r>
             <a:rPr lang="de-DE" sz="1100" kern="1200" dirty="0"/>
@@ -7247,7 +6453,7 @@
             <a:spcAft>
               <a:spcPct val="15000"/>
             </a:spcAft>
-            <a:buChar char="•"/>
+            <a:buChar char="••"/>
           </a:pPr>
           <a:r>
             <a:rPr lang="de-DE" sz="1100" kern="1200" dirty="0"/>
@@ -7265,7 +6471,7 @@
             <a:spcAft>
               <a:spcPct val="15000"/>
             </a:spcAft>
-            <a:buChar char="•"/>
+            <a:buChar char="••"/>
           </a:pPr>
           <a:r>
             <a:rPr lang="de-DE" sz="1100" kern="1200" dirty="0"/>
@@ -7283,7 +6489,7 @@
             <a:spcAft>
               <a:spcPct val="15000"/>
             </a:spcAft>
-            <a:buChar char="•"/>
+            <a:buChar char="••"/>
           </a:pPr>
           <a:r>
             <a:rPr lang="de-DE" sz="1100" kern="1200" dirty="0"/>
@@ -7352,7 +6558,7 @@
         </a:bodyPr>
         <a:lstStyle/>
         <a:p>
-          <a:pPr marL="0" lvl="0" indent="0" algn="l" defTabSz="622300">
+          <a:pPr lvl="0" algn="l" defTabSz="622300">
             <a:lnSpc>
               <a:spcPct val="90000"/>
             </a:lnSpc>
@@ -7362,7 +6568,6 @@
             <a:spcAft>
               <a:spcPct val="35000"/>
             </a:spcAft>
-            <a:buNone/>
           </a:pPr>
           <a:r>
             <a:rPr lang="de-DE" sz="1400" kern="1200" dirty="0"/>
@@ -7380,7 +6585,7 @@
             <a:spcAft>
               <a:spcPct val="15000"/>
             </a:spcAft>
-            <a:buChar char="•"/>
+            <a:buChar char="••"/>
           </a:pPr>
           <a:r>
             <a:rPr lang="de-DE" sz="1100" kern="1200" dirty="0"/>
@@ -7398,7 +6603,7 @@
             <a:spcAft>
               <a:spcPct val="15000"/>
             </a:spcAft>
-            <a:buChar char="•"/>
+            <a:buChar char="••"/>
           </a:pPr>
           <a:r>
             <a:rPr lang="de-DE" sz="1100" kern="1200" dirty="0"/>
@@ -7416,7 +6621,7 @@
             <a:spcAft>
               <a:spcPct val="15000"/>
             </a:spcAft>
-            <a:buChar char="•"/>
+            <a:buChar char="••"/>
           </a:pPr>
           <a:r>
             <a:rPr lang="de-DE" sz="1100" kern="1200" dirty="0"/>
@@ -7434,7 +6639,7 @@
             <a:spcAft>
               <a:spcPct val="15000"/>
             </a:spcAft>
-            <a:buChar char="•"/>
+            <a:buChar char="••"/>
           </a:pPr>
           <a:r>
             <a:rPr lang="de-DE" sz="1100" kern="1200" dirty="0"/>
@@ -7452,7 +6657,7 @@
             <a:spcAft>
               <a:spcPct val="15000"/>
             </a:spcAft>
-            <a:buChar char="•"/>
+            <a:buChar char="••"/>
           </a:pPr>
           <a:r>
             <a:rPr lang="de-DE" sz="1100" kern="1200" dirty="0"/>
@@ -8826,152 +8031,6 @@
 </file>
 
 <file path=ppt/diagrams/layout5.xml><?xml version="1.0" encoding="utf-8"?>
-<dgm:layoutDef xmlns:dgm="http://schemas.openxmlformats.org/drawingml/2006/diagram" xmlns:a="http://schemas.openxmlformats.org/drawingml/2006/main" uniqueId="urn:microsoft.com/office/officeart/2005/8/layout/process1">
-  <dgm:title val=""/>
-  <dgm:desc val=""/>
-  <dgm:catLst>
-    <dgm:cat type="process" pri="1000"/>
-    <dgm:cat type="convert" pri="15000"/>
-  </dgm:catLst>
-  <dgm:sampData useDef="1">
-    <dgm:dataModel>
-      <dgm:ptLst/>
-      <dgm:bg/>
-      <dgm:whole/>
-    </dgm:dataModel>
-  </dgm:sampData>
-  <dgm:styleData>
-    <dgm:dataModel>
-      <dgm:ptLst>
-        <dgm:pt modelId="0" type="doc"/>
-        <dgm:pt modelId="1"/>
-        <dgm:pt modelId="2"/>
-      </dgm:ptLst>
-      <dgm:cxnLst>
-        <dgm:cxn modelId="3" srcId="0" destId="1" srcOrd="0" destOrd="0"/>
-        <dgm:cxn modelId="4" srcId="0" destId="2" srcOrd="1" destOrd="0"/>
-      </dgm:cxnLst>
-      <dgm:bg/>
-      <dgm:whole/>
-    </dgm:dataModel>
-  </dgm:styleData>
-  <dgm:clrData>
-    <dgm:dataModel>
-      <dgm:ptLst>
-        <dgm:pt modelId="0" type="doc"/>
-        <dgm:pt modelId="1"/>
-        <dgm:pt modelId="2"/>
-        <dgm:pt modelId="3"/>
-        <dgm:pt modelId="4"/>
-      </dgm:ptLst>
-      <dgm:cxnLst>
-        <dgm:cxn modelId="5" srcId="0" destId="1" srcOrd="0" destOrd="0"/>
-        <dgm:cxn modelId="6" srcId="0" destId="2" srcOrd="1" destOrd="0"/>
-        <dgm:cxn modelId="7" srcId="0" destId="3" srcOrd="2" destOrd="0"/>
-        <dgm:cxn modelId="8" srcId="0" destId="4" srcOrd="3" destOrd="0"/>
-      </dgm:cxnLst>
-      <dgm:bg/>
-      <dgm:whole/>
-    </dgm:dataModel>
-  </dgm:clrData>
-  <dgm:layoutNode name="Name0">
-    <dgm:varLst>
-      <dgm:dir/>
-      <dgm:resizeHandles val="exact"/>
-    </dgm:varLst>
-    <dgm:choose name="Name1">
-      <dgm:if name="Name2" func="var" arg="dir" op="equ" val="norm">
-        <dgm:alg type="lin"/>
-      </dgm:if>
-      <dgm:else name="Name3">
-        <dgm:alg type="lin">
-          <dgm:param type="linDir" val="fromR"/>
-        </dgm:alg>
-      </dgm:else>
-    </dgm:choose>
-    <dgm:shape xmlns:r="http://schemas.openxmlformats.org/officeDocument/2006/relationships" r:blip="">
-      <dgm:adjLst/>
-    </dgm:shape>
-    <dgm:presOf/>
-    <dgm:constrLst>
-      <dgm:constr type="w" for="ch" ptType="node" refType="w"/>
-      <dgm:constr type="h" for="ch" ptType="node" op="equ"/>
-      <dgm:constr type="primFontSz" for="ch" ptType="node" op="equ" val="65"/>
-      <dgm:constr type="w" for="ch" ptType="sibTrans" refType="w" refFor="ch" refPtType="node" op="equ" fact="0.4"/>
-      <dgm:constr type="h" for="ch" ptType="sibTrans" op="equ"/>
-      <dgm:constr type="primFontSz" for="des" forName="connectorText" op="equ" val="55"/>
-      <dgm:constr type="primFontSz" for="des" forName="connectorText" refType="primFontSz" refFor="ch" refPtType="node" op="lte" fact="0.8"/>
-    </dgm:constrLst>
-    <dgm:ruleLst/>
-    <dgm:forEach name="nodesForEach" axis="ch" ptType="node">
-      <dgm:layoutNode name="node">
-        <dgm:varLst>
-          <dgm:bulletEnabled val="1"/>
-        </dgm:varLst>
-        <dgm:alg type="tx"/>
-        <dgm:shape xmlns:r="http://schemas.openxmlformats.org/officeDocument/2006/relationships" type="roundRect" r:blip="">
-          <dgm:adjLst>
-            <dgm:adj idx="1" val="0.1"/>
-          </dgm:adjLst>
-        </dgm:shape>
-        <dgm:presOf axis="desOrSelf" ptType="node"/>
-        <dgm:constrLst>
-          <dgm:constr type="h" refType="w" fact="0.6"/>
-          <dgm:constr type="tMarg" refType="primFontSz" fact="0.3"/>
-          <dgm:constr type="bMarg" refType="primFontSz" fact="0.3"/>
-          <dgm:constr type="lMarg" refType="primFontSz" fact="0.3"/>
-          <dgm:constr type="rMarg" refType="primFontSz" fact="0.3"/>
-        </dgm:constrLst>
-        <dgm:ruleLst>
-          <dgm:rule type="primFontSz" val="18" fact="NaN" max="NaN"/>
-          <dgm:rule type="h" val="NaN" fact="1.5" max="NaN"/>
-          <dgm:rule type="primFontSz" val="5" fact="NaN" max="NaN"/>
-          <dgm:rule type="h" val="INF" fact="NaN" max="NaN"/>
-        </dgm:ruleLst>
-      </dgm:layoutNode>
-      <dgm:forEach name="sibTransForEach" axis="followSib" ptType="sibTrans" cnt="1">
-        <dgm:layoutNode name="sibTrans">
-          <dgm:alg type="conn">
-            <dgm:param type="begPts" val="auto"/>
-            <dgm:param type="endPts" val="auto"/>
-          </dgm:alg>
-          <dgm:shape xmlns:r="http://schemas.openxmlformats.org/officeDocument/2006/relationships" type="conn" r:blip="">
-            <dgm:adjLst/>
-          </dgm:shape>
-          <dgm:presOf axis="self"/>
-          <dgm:constrLst>
-            <dgm:constr type="h" refType="w" fact="0.62"/>
-            <dgm:constr type="connDist"/>
-            <dgm:constr type="begPad" refType="connDist" fact="0.25"/>
-            <dgm:constr type="endPad" refType="connDist" fact="0.22"/>
-          </dgm:constrLst>
-          <dgm:ruleLst/>
-          <dgm:layoutNode name="connectorText">
-            <dgm:alg type="tx">
-              <dgm:param type="autoTxRot" val="grav"/>
-            </dgm:alg>
-            <dgm:shape xmlns:r="http://schemas.openxmlformats.org/officeDocument/2006/relationships" type="conn" r:blip="" hideGeom="1">
-              <dgm:adjLst/>
-            </dgm:shape>
-            <dgm:presOf axis="self"/>
-            <dgm:constrLst>
-              <dgm:constr type="lMarg"/>
-              <dgm:constr type="rMarg"/>
-              <dgm:constr type="tMarg"/>
-              <dgm:constr type="bMarg"/>
-            </dgm:constrLst>
-            <dgm:ruleLst>
-              <dgm:rule type="primFontSz" val="5" fact="NaN" max="NaN"/>
-            </dgm:ruleLst>
-          </dgm:layoutNode>
-        </dgm:layoutNode>
-      </dgm:forEach>
-    </dgm:forEach>
-  </dgm:layoutNode>
-</dgm:layoutDef>
-</file>
-
-<file path=ppt/diagrams/layout6.xml><?xml version="1.0" encoding="utf-8"?>
 <dgm:layoutDef xmlns:dgm="http://schemas.openxmlformats.org/drawingml/2006/diagram" xmlns:a="http://schemas.openxmlformats.org/drawingml/2006/main" uniqueId="urn:microsoft.com/office/officeart/2005/8/layout/venn1">
   <dgm:title val=""/>
   <dgm:desc val=""/>
@@ -15016,1040 +14075,6 @@
 </dgm:styleDef>
 </file>
 
-<file path=ppt/diagrams/quickStyle6.xml><?xml version="1.0" encoding="utf-8"?>
-<dgm:styleDef xmlns:dgm="http://schemas.openxmlformats.org/drawingml/2006/diagram" xmlns:a="http://schemas.openxmlformats.org/drawingml/2006/main" uniqueId="urn:microsoft.com/office/officeart/2005/8/quickstyle/simple1">
-  <dgm:title val=""/>
-  <dgm:desc val=""/>
-  <dgm:catLst>
-    <dgm:cat type="simple" pri="10100"/>
-  </dgm:catLst>
-  <dgm:scene3d>
-    <a:camera prst="orthographicFront"/>
-    <a:lightRig rig="threePt" dir="t"/>
-  </dgm:scene3d>
-  <dgm:styleLbl name="node0">
-    <dgm:scene3d>
-      <a:camera prst="orthographicFront"/>
-      <a:lightRig rig="threePt" dir="t"/>
-    </dgm:scene3d>
-    <dgm:sp3d/>
-    <dgm:txPr/>
-    <dgm:style>
-      <a:lnRef idx="2">
-        <a:scrgbClr r="0" g="0" b="0"/>
-      </a:lnRef>
-      <a:fillRef idx="1">
-        <a:scrgbClr r="0" g="0" b="0"/>
-      </a:fillRef>
-      <a:effectRef idx="0">
-        <a:scrgbClr r="0" g="0" b="0"/>
-      </a:effectRef>
-      <a:fontRef idx="minor">
-        <a:schemeClr val="lt1"/>
-      </a:fontRef>
-    </dgm:style>
-  </dgm:styleLbl>
-  <dgm:styleLbl name="lnNode1">
-    <dgm:scene3d>
-      <a:camera prst="orthographicFront"/>
-      <a:lightRig rig="threePt" dir="t"/>
-    </dgm:scene3d>
-    <dgm:sp3d/>
-    <dgm:txPr/>
-    <dgm:style>
-      <a:lnRef idx="2">
-        <a:scrgbClr r="0" g="0" b="0"/>
-      </a:lnRef>
-      <a:fillRef idx="1">
-        <a:scrgbClr r="0" g="0" b="0"/>
-      </a:fillRef>
-      <a:effectRef idx="0">
-        <a:scrgbClr r="0" g="0" b="0"/>
-      </a:effectRef>
-      <a:fontRef idx="minor">
-        <a:schemeClr val="lt1"/>
-      </a:fontRef>
-    </dgm:style>
-  </dgm:styleLbl>
-  <dgm:styleLbl name="vennNode1">
-    <dgm:scene3d>
-      <a:camera prst="orthographicFront"/>
-      <a:lightRig rig="threePt" dir="t"/>
-    </dgm:scene3d>
-    <dgm:sp3d/>
-    <dgm:txPr/>
-    <dgm:style>
-      <a:lnRef idx="2">
-        <a:scrgbClr r="0" g="0" b="0"/>
-      </a:lnRef>
-      <a:fillRef idx="1">
-        <a:scrgbClr r="0" g="0" b="0"/>
-      </a:fillRef>
-      <a:effectRef idx="0">
-        <a:scrgbClr r="0" g="0" b="0"/>
-      </a:effectRef>
-      <a:fontRef idx="minor">
-        <a:schemeClr val="tx1"/>
-      </a:fontRef>
-    </dgm:style>
-  </dgm:styleLbl>
-  <dgm:styleLbl name="alignNode1">
-    <dgm:scene3d>
-      <a:camera prst="orthographicFront"/>
-      <a:lightRig rig="threePt" dir="t"/>
-    </dgm:scene3d>
-    <dgm:sp3d/>
-    <dgm:txPr/>
-    <dgm:style>
-      <a:lnRef idx="2">
-        <a:scrgbClr r="0" g="0" b="0"/>
-      </a:lnRef>
-      <a:fillRef idx="1">
-        <a:scrgbClr r="0" g="0" b="0"/>
-      </a:fillRef>
-      <a:effectRef idx="0">
-        <a:scrgbClr r="0" g="0" b="0"/>
-      </a:effectRef>
-      <a:fontRef idx="minor">
-        <a:schemeClr val="lt1"/>
-      </a:fontRef>
-    </dgm:style>
-  </dgm:styleLbl>
-  <dgm:styleLbl name="node1">
-    <dgm:scene3d>
-      <a:camera prst="orthographicFront"/>
-      <a:lightRig rig="threePt" dir="t"/>
-    </dgm:scene3d>
-    <dgm:sp3d/>
-    <dgm:txPr/>
-    <dgm:style>
-      <a:lnRef idx="2">
-        <a:scrgbClr r="0" g="0" b="0"/>
-      </a:lnRef>
-      <a:fillRef idx="1">
-        <a:scrgbClr r="0" g="0" b="0"/>
-      </a:fillRef>
-      <a:effectRef idx="0">
-        <a:scrgbClr r="0" g="0" b="0"/>
-      </a:effectRef>
-      <a:fontRef idx="minor">
-        <a:schemeClr val="lt1"/>
-      </a:fontRef>
-    </dgm:style>
-  </dgm:styleLbl>
-  <dgm:styleLbl name="node2">
-    <dgm:scene3d>
-      <a:camera prst="orthographicFront"/>
-      <a:lightRig rig="threePt" dir="t"/>
-    </dgm:scene3d>
-    <dgm:sp3d/>
-    <dgm:txPr/>
-    <dgm:style>
-      <a:lnRef idx="2">
-        <a:scrgbClr r="0" g="0" b="0"/>
-      </a:lnRef>
-      <a:fillRef idx="1">
-        <a:scrgbClr r="0" g="0" b="0"/>
-      </a:fillRef>
-      <a:effectRef idx="0">
-        <a:scrgbClr r="0" g="0" b="0"/>
-      </a:effectRef>
-      <a:fontRef idx="minor">
-        <a:schemeClr val="lt1"/>
-      </a:fontRef>
-    </dgm:style>
-  </dgm:styleLbl>
-  <dgm:styleLbl name="node3">
-    <dgm:scene3d>
-      <a:camera prst="orthographicFront"/>
-      <a:lightRig rig="threePt" dir="t"/>
-    </dgm:scene3d>
-    <dgm:sp3d/>
-    <dgm:txPr/>
-    <dgm:style>
-      <a:lnRef idx="2">
-        <a:scrgbClr r="0" g="0" b="0"/>
-      </a:lnRef>
-      <a:fillRef idx="1">
-        <a:scrgbClr r="0" g="0" b="0"/>
-      </a:fillRef>
-      <a:effectRef idx="0">
-        <a:scrgbClr r="0" g="0" b="0"/>
-      </a:effectRef>
-      <a:fontRef idx="minor">
-        <a:schemeClr val="lt1"/>
-      </a:fontRef>
-    </dgm:style>
-  </dgm:styleLbl>
-  <dgm:styleLbl name="node4">
-    <dgm:scene3d>
-      <a:camera prst="orthographicFront"/>
-      <a:lightRig rig="threePt" dir="t"/>
-    </dgm:scene3d>
-    <dgm:sp3d/>
-    <dgm:txPr/>
-    <dgm:style>
-      <a:lnRef idx="2">
-        <a:scrgbClr r="0" g="0" b="0"/>
-      </a:lnRef>
-      <a:fillRef idx="1">
-        <a:scrgbClr r="0" g="0" b="0"/>
-      </a:fillRef>
-      <a:effectRef idx="0">
-        <a:scrgbClr r="0" g="0" b="0"/>
-      </a:effectRef>
-      <a:fontRef idx="minor">
-        <a:schemeClr val="lt1"/>
-      </a:fontRef>
-    </dgm:style>
-  </dgm:styleLbl>
-  <dgm:styleLbl name="fgImgPlace1">
-    <dgm:scene3d>
-      <a:camera prst="orthographicFront"/>
-      <a:lightRig rig="threePt" dir="t"/>
-    </dgm:scene3d>
-    <dgm:sp3d/>
-    <dgm:txPr/>
-    <dgm:style>
-      <a:lnRef idx="2">
-        <a:scrgbClr r="0" g="0" b="0"/>
-      </a:lnRef>
-      <a:fillRef idx="1">
-        <a:scrgbClr r="0" g="0" b="0"/>
-      </a:fillRef>
-      <a:effectRef idx="0">
-        <a:scrgbClr r="0" g="0" b="0"/>
-      </a:effectRef>
-      <a:fontRef idx="minor"/>
-    </dgm:style>
-  </dgm:styleLbl>
-  <dgm:styleLbl name="alignImgPlace1">
-    <dgm:scene3d>
-      <a:camera prst="orthographicFront"/>
-      <a:lightRig rig="threePt" dir="t"/>
-    </dgm:scene3d>
-    <dgm:sp3d/>
-    <dgm:txPr/>
-    <dgm:style>
-      <a:lnRef idx="2">
-        <a:scrgbClr r="0" g="0" b="0"/>
-      </a:lnRef>
-      <a:fillRef idx="1">
-        <a:scrgbClr r="0" g="0" b="0"/>
-      </a:fillRef>
-      <a:effectRef idx="0">
-        <a:scrgbClr r="0" g="0" b="0"/>
-      </a:effectRef>
-      <a:fontRef idx="minor"/>
-    </dgm:style>
-  </dgm:styleLbl>
-  <dgm:styleLbl name="bgImgPlace1">
-    <dgm:scene3d>
-      <a:camera prst="orthographicFront"/>
-      <a:lightRig rig="threePt" dir="t"/>
-    </dgm:scene3d>
-    <dgm:sp3d/>
-    <dgm:txPr/>
-    <dgm:style>
-      <a:lnRef idx="2">
-        <a:scrgbClr r="0" g="0" b="0"/>
-      </a:lnRef>
-      <a:fillRef idx="1">
-        <a:scrgbClr r="0" g="0" b="0"/>
-      </a:fillRef>
-      <a:effectRef idx="0">
-        <a:scrgbClr r="0" g="0" b="0"/>
-      </a:effectRef>
-      <a:fontRef idx="minor"/>
-    </dgm:style>
-  </dgm:styleLbl>
-  <dgm:styleLbl name="sibTrans2D1">
-    <dgm:scene3d>
-      <a:camera prst="orthographicFront"/>
-      <a:lightRig rig="threePt" dir="t"/>
-    </dgm:scene3d>
-    <dgm:sp3d/>
-    <dgm:txPr/>
-    <dgm:style>
-      <a:lnRef idx="0">
-        <a:scrgbClr r="0" g="0" b="0"/>
-      </a:lnRef>
-      <a:fillRef idx="1">
-        <a:scrgbClr r="0" g="0" b="0"/>
-      </a:fillRef>
-      <a:effectRef idx="0">
-        <a:scrgbClr r="0" g="0" b="0"/>
-      </a:effectRef>
-      <a:fontRef idx="minor">
-        <a:schemeClr val="lt1"/>
-      </a:fontRef>
-    </dgm:style>
-  </dgm:styleLbl>
-  <dgm:styleLbl name="fgSibTrans2D1">
-    <dgm:scene3d>
-      <a:camera prst="orthographicFront"/>
-      <a:lightRig rig="threePt" dir="t"/>
-    </dgm:scene3d>
-    <dgm:sp3d/>
-    <dgm:txPr/>
-    <dgm:style>
-      <a:lnRef idx="0">
-        <a:scrgbClr r="0" g="0" b="0"/>
-      </a:lnRef>
-      <a:fillRef idx="1">
-        <a:scrgbClr r="0" g="0" b="0"/>
-      </a:fillRef>
-      <a:effectRef idx="0">
-        <a:scrgbClr r="0" g="0" b="0"/>
-      </a:effectRef>
-      <a:fontRef idx="minor">
-        <a:schemeClr val="lt1"/>
-      </a:fontRef>
-    </dgm:style>
-  </dgm:styleLbl>
-  <dgm:styleLbl name="bgSibTrans2D1">
-    <dgm:scene3d>
-      <a:camera prst="orthographicFront"/>
-      <a:lightRig rig="threePt" dir="t"/>
-    </dgm:scene3d>
-    <dgm:sp3d/>
-    <dgm:txPr/>
-    <dgm:style>
-      <a:lnRef idx="0">
-        <a:scrgbClr r="0" g="0" b="0"/>
-      </a:lnRef>
-      <a:fillRef idx="1">
-        <a:scrgbClr r="0" g="0" b="0"/>
-      </a:fillRef>
-      <a:effectRef idx="0">
-        <a:scrgbClr r="0" g="0" b="0"/>
-      </a:effectRef>
-      <a:fontRef idx="minor">
-        <a:schemeClr val="lt1"/>
-      </a:fontRef>
-    </dgm:style>
-  </dgm:styleLbl>
-  <dgm:styleLbl name="sibTrans1D1">
-    <dgm:scene3d>
-      <a:camera prst="orthographicFront"/>
-      <a:lightRig rig="threePt" dir="t"/>
-    </dgm:scene3d>
-    <dgm:sp3d/>
-    <dgm:txPr/>
-    <dgm:style>
-      <a:lnRef idx="1">
-        <a:scrgbClr r="0" g="0" b="0"/>
-      </a:lnRef>
-      <a:fillRef idx="0">
-        <a:scrgbClr r="0" g="0" b="0"/>
-      </a:fillRef>
-      <a:effectRef idx="0">
-        <a:scrgbClr r="0" g="0" b="0"/>
-      </a:effectRef>
-      <a:fontRef idx="minor"/>
-    </dgm:style>
-  </dgm:styleLbl>
-  <dgm:styleLbl name="callout">
-    <dgm:scene3d>
-      <a:camera prst="orthographicFront"/>
-      <a:lightRig rig="threePt" dir="t"/>
-    </dgm:scene3d>
-    <dgm:sp3d/>
-    <dgm:txPr/>
-    <dgm:style>
-      <a:lnRef idx="2">
-        <a:scrgbClr r="0" g="0" b="0"/>
-      </a:lnRef>
-      <a:fillRef idx="1">
-        <a:scrgbClr r="0" g="0" b="0"/>
-      </a:fillRef>
-      <a:effectRef idx="0">
-        <a:scrgbClr r="0" g="0" b="0"/>
-      </a:effectRef>
-      <a:fontRef idx="minor"/>
-    </dgm:style>
-  </dgm:styleLbl>
-  <dgm:styleLbl name="asst0">
-    <dgm:scene3d>
-      <a:camera prst="orthographicFront"/>
-      <a:lightRig rig="threePt" dir="t"/>
-    </dgm:scene3d>
-    <dgm:sp3d/>
-    <dgm:txPr/>
-    <dgm:style>
-      <a:lnRef idx="2">
-        <a:scrgbClr r="0" g="0" b="0"/>
-      </a:lnRef>
-      <a:fillRef idx="1">
-        <a:scrgbClr r="0" g="0" b="0"/>
-      </a:fillRef>
-      <a:effectRef idx="0">
-        <a:scrgbClr r="0" g="0" b="0"/>
-      </a:effectRef>
-      <a:fontRef idx="minor">
-        <a:schemeClr val="lt1"/>
-      </a:fontRef>
-    </dgm:style>
-  </dgm:styleLbl>
-  <dgm:styleLbl name="asst1">
-    <dgm:scene3d>
-      <a:camera prst="orthographicFront"/>
-      <a:lightRig rig="threePt" dir="t"/>
-    </dgm:scene3d>
-    <dgm:sp3d/>
-    <dgm:txPr/>
-    <dgm:style>
-      <a:lnRef idx="2">
-        <a:scrgbClr r="0" g="0" b="0"/>
-      </a:lnRef>
-      <a:fillRef idx="1">
-        <a:scrgbClr r="0" g="0" b="0"/>
-      </a:fillRef>
-      <a:effectRef idx="0">
-        <a:scrgbClr r="0" g="0" b="0"/>
-      </a:effectRef>
-      <a:fontRef idx="minor">
-        <a:schemeClr val="lt1"/>
-      </a:fontRef>
-    </dgm:style>
-  </dgm:styleLbl>
-  <dgm:styleLbl name="asst2">
-    <dgm:scene3d>
-      <a:camera prst="orthographicFront"/>
-      <a:lightRig rig="threePt" dir="t"/>
-    </dgm:scene3d>
-    <dgm:sp3d/>
-    <dgm:txPr/>
-    <dgm:style>
-      <a:lnRef idx="2">
-        <a:scrgbClr r="0" g="0" b="0"/>
-      </a:lnRef>
-      <a:fillRef idx="1">
-        <a:scrgbClr r="0" g="0" b="0"/>
-      </a:fillRef>
-      <a:effectRef idx="0">
-        <a:scrgbClr r="0" g="0" b="0"/>
-      </a:effectRef>
-      <a:fontRef idx="minor">
-        <a:schemeClr val="lt1"/>
-      </a:fontRef>
-    </dgm:style>
-  </dgm:styleLbl>
-  <dgm:styleLbl name="asst3">
-    <dgm:scene3d>
-      <a:camera prst="orthographicFront"/>
-      <a:lightRig rig="threePt" dir="t"/>
-    </dgm:scene3d>
-    <dgm:sp3d/>
-    <dgm:txPr/>
-    <dgm:style>
-      <a:lnRef idx="2">
-        <a:scrgbClr r="0" g="0" b="0"/>
-      </a:lnRef>
-      <a:fillRef idx="1">
-        <a:scrgbClr r="0" g="0" b="0"/>
-      </a:fillRef>
-      <a:effectRef idx="0">
-        <a:scrgbClr r="0" g="0" b="0"/>
-      </a:effectRef>
-      <a:fontRef idx="minor">
-        <a:schemeClr val="lt1"/>
-      </a:fontRef>
-    </dgm:style>
-  </dgm:styleLbl>
-  <dgm:styleLbl name="asst4">
-    <dgm:scene3d>
-      <a:camera prst="orthographicFront"/>
-      <a:lightRig rig="threePt" dir="t"/>
-    </dgm:scene3d>
-    <dgm:sp3d/>
-    <dgm:txPr/>
-    <dgm:style>
-      <a:lnRef idx="2">
-        <a:scrgbClr r="0" g="0" b="0"/>
-      </a:lnRef>
-      <a:fillRef idx="1">
-        <a:scrgbClr r="0" g="0" b="0"/>
-      </a:fillRef>
-      <a:effectRef idx="0">
-        <a:scrgbClr r="0" g="0" b="0"/>
-      </a:effectRef>
-      <a:fontRef idx="minor">
-        <a:schemeClr val="lt1"/>
-      </a:fontRef>
-    </dgm:style>
-  </dgm:styleLbl>
-  <dgm:styleLbl name="parChTrans2D1">
-    <dgm:scene3d>
-      <a:camera prst="orthographicFront"/>
-      <a:lightRig rig="threePt" dir="t"/>
-    </dgm:scene3d>
-    <dgm:sp3d/>
-    <dgm:txPr/>
-    <dgm:style>
-      <a:lnRef idx="2">
-        <a:scrgbClr r="0" g="0" b="0"/>
-      </a:lnRef>
-      <a:fillRef idx="1">
-        <a:scrgbClr r="0" g="0" b="0"/>
-      </a:fillRef>
-      <a:effectRef idx="0">
-        <a:scrgbClr r="0" g="0" b="0"/>
-      </a:effectRef>
-      <a:fontRef idx="minor">
-        <a:schemeClr val="lt1"/>
-      </a:fontRef>
-    </dgm:style>
-  </dgm:styleLbl>
-  <dgm:styleLbl name="parChTrans2D2">
-    <dgm:scene3d>
-      <a:camera prst="orthographicFront"/>
-      <a:lightRig rig="threePt" dir="t"/>
-    </dgm:scene3d>
-    <dgm:sp3d/>
-    <dgm:txPr/>
-    <dgm:style>
-      <a:lnRef idx="2">
-        <a:scrgbClr r="0" g="0" b="0"/>
-      </a:lnRef>
-      <a:fillRef idx="1">
-        <a:scrgbClr r="0" g="0" b="0"/>
-      </a:fillRef>
-      <a:effectRef idx="0">
-        <a:scrgbClr r="0" g="0" b="0"/>
-      </a:effectRef>
-      <a:fontRef idx="minor">
-        <a:schemeClr val="lt1"/>
-      </a:fontRef>
-    </dgm:style>
-  </dgm:styleLbl>
-  <dgm:styleLbl name="parChTrans2D3">
-    <dgm:scene3d>
-      <a:camera prst="orthographicFront"/>
-      <a:lightRig rig="threePt" dir="t"/>
-    </dgm:scene3d>
-    <dgm:sp3d/>
-    <dgm:txPr/>
-    <dgm:style>
-      <a:lnRef idx="2">
-        <a:scrgbClr r="0" g="0" b="0"/>
-      </a:lnRef>
-      <a:fillRef idx="1">
-        <a:scrgbClr r="0" g="0" b="0"/>
-      </a:fillRef>
-      <a:effectRef idx="0">
-        <a:scrgbClr r="0" g="0" b="0"/>
-      </a:effectRef>
-      <a:fontRef idx="minor">
-        <a:schemeClr val="lt1"/>
-      </a:fontRef>
-    </dgm:style>
-  </dgm:styleLbl>
-  <dgm:styleLbl name="parChTrans2D4">
-    <dgm:scene3d>
-      <a:camera prst="orthographicFront"/>
-      <a:lightRig rig="threePt" dir="t"/>
-    </dgm:scene3d>
-    <dgm:sp3d/>
-    <dgm:txPr/>
-    <dgm:style>
-      <a:lnRef idx="2">
-        <a:scrgbClr r="0" g="0" b="0"/>
-      </a:lnRef>
-      <a:fillRef idx="1">
-        <a:scrgbClr r="0" g="0" b="0"/>
-      </a:fillRef>
-      <a:effectRef idx="0">
-        <a:scrgbClr r="0" g="0" b="0"/>
-      </a:effectRef>
-      <a:fontRef idx="minor">
-        <a:schemeClr val="lt1"/>
-      </a:fontRef>
-    </dgm:style>
-  </dgm:styleLbl>
-  <dgm:styleLbl name="parChTrans1D1">
-    <dgm:scene3d>
-      <a:camera prst="orthographicFront"/>
-      <a:lightRig rig="threePt" dir="t"/>
-    </dgm:scene3d>
-    <dgm:sp3d/>
-    <dgm:txPr/>
-    <dgm:style>
-      <a:lnRef idx="2">
-        <a:scrgbClr r="0" g="0" b="0"/>
-      </a:lnRef>
-      <a:fillRef idx="0">
-        <a:scrgbClr r="0" g="0" b="0"/>
-      </a:fillRef>
-      <a:effectRef idx="0">
-        <a:scrgbClr r="0" g="0" b="0"/>
-      </a:effectRef>
-      <a:fontRef idx="minor"/>
-    </dgm:style>
-  </dgm:styleLbl>
-  <dgm:styleLbl name="parChTrans1D2">
-    <dgm:scene3d>
-      <a:camera prst="orthographicFront"/>
-      <a:lightRig rig="threePt" dir="t"/>
-    </dgm:scene3d>
-    <dgm:sp3d/>
-    <dgm:txPr/>
-    <dgm:style>
-      <a:lnRef idx="2">
-        <a:scrgbClr r="0" g="0" b="0"/>
-      </a:lnRef>
-      <a:fillRef idx="0">
-        <a:scrgbClr r="0" g="0" b="0"/>
-      </a:fillRef>
-      <a:effectRef idx="0">
-        <a:scrgbClr r="0" g="0" b="0"/>
-      </a:effectRef>
-      <a:fontRef idx="minor"/>
-    </dgm:style>
-  </dgm:styleLbl>
-  <dgm:styleLbl name="parChTrans1D3">
-    <dgm:scene3d>
-      <a:camera prst="orthographicFront"/>
-      <a:lightRig rig="threePt" dir="t"/>
-    </dgm:scene3d>
-    <dgm:sp3d/>
-    <dgm:txPr/>
-    <dgm:style>
-      <a:lnRef idx="2">
-        <a:scrgbClr r="0" g="0" b="0"/>
-      </a:lnRef>
-      <a:fillRef idx="0">
-        <a:scrgbClr r="0" g="0" b="0"/>
-      </a:fillRef>
-      <a:effectRef idx="0">
-        <a:scrgbClr r="0" g="0" b="0"/>
-      </a:effectRef>
-      <a:fontRef idx="minor"/>
-    </dgm:style>
-  </dgm:styleLbl>
-  <dgm:styleLbl name="parChTrans1D4">
-    <dgm:scene3d>
-      <a:camera prst="orthographicFront"/>
-      <a:lightRig rig="threePt" dir="t"/>
-    </dgm:scene3d>
-    <dgm:sp3d/>
-    <dgm:txPr/>
-    <dgm:style>
-      <a:lnRef idx="2">
-        <a:scrgbClr r="0" g="0" b="0"/>
-      </a:lnRef>
-      <a:fillRef idx="0">
-        <a:scrgbClr r="0" g="0" b="0"/>
-      </a:fillRef>
-      <a:effectRef idx="0">
-        <a:scrgbClr r="0" g="0" b="0"/>
-      </a:effectRef>
-      <a:fontRef idx="minor"/>
-    </dgm:style>
-  </dgm:styleLbl>
-  <dgm:styleLbl name="fgAcc1">
-    <dgm:scene3d>
-      <a:camera prst="orthographicFront"/>
-      <a:lightRig rig="threePt" dir="t"/>
-    </dgm:scene3d>
-    <dgm:sp3d/>
-    <dgm:txPr/>
-    <dgm:style>
-      <a:lnRef idx="2">
-        <a:scrgbClr r="0" g="0" b="0"/>
-      </a:lnRef>
-      <a:fillRef idx="1">
-        <a:scrgbClr r="0" g="0" b="0"/>
-      </a:fillRef>
-      <a:effectRef idx="0">
-        <a:scrgbClr r="0" g="0" b="0"/>
-      </a:effectRef>
-      <a:fontRef idx="minor"/>
-    </dgm:style>
-  </dgm:styleLbl>
-  <dgm:styleLbl name="conFgAcc1">
-    <dgm:scene3d>
-      <a:camera prst="orthographicFront"/>
-      <a:lightRig rig="threePt" dir="t"/>
-    </dgm:scene3d>
-    <dgm:sp3d/>
-    <dgm:txPr/>
-    <dgm:style>
-      <a:lnRef idx="2">
-        <a:scrgbClr r="0" g="0" b="0"/>
-      </a:lnRef>
-      <a:fillRef idx="1">
-        <a:scrgbClr r="0" g="0" b="0"/>
-      </a:fillRef>
-      <a:effectRef idx="0">
-        <a:scrgbClr r="0" g="0" b="0"/>
-      </a:effectRef>
-      <a:fontRef idx="minor"/>
-    </dgm:style>
-  </dgm:styleLbl>
-  <dgm:styleLbl name="alignAcc1">
-    <dgm:scene3d>
-      <a:camera prst="orthographicFront"/>
-      <a:lightRig rig="threePt" dir="t"/>
-    </dgm:scene3d>
-    <dgm:sp3d/>
-    <dgm:txPr/>
-    <dgm:style>
-      <a:lnRef idx="2">
-        <a:scrgbClr r="0" g="0" b="0"/>
-      </a:lnRef>
-      <a:fillRef idx="1">
-        <a:scrgbClr r="0" g="0" b="0"/>
-      </a:fillRef>
-      <a:effectRef idx="0">
-        <a:scrgbClr r="0" g="0" b="0"/>
-      </a:effectRef>
-      <a:fontRef idx="minor"/>
-    </dgm:style>
-  </dgm:styleLbl>
-  <dgm:styleLbl name="trAlignAcc1">
-    <dgm:scene3d>
-      <a:camera prst="orthographicFront"/>
-      <a:lightRig rig="threePt" dir="t"/>
-    </dgm:scene3d>
-    <dgm:sp3d/>
-    <dgm:txPr/>
-    <dgm:style>
-      <a:lnRef idx="1">
-        <a:scrgbClr r="0" g="0" b="0"/>
-      </a:lnRef>
-      <a:fillRef idx="1">
-        <a:scrgbClr r="0" g="0" b="0"/>
-      </a:fillRef>
-      <a:effectRef idx="0">
-        <a:scrgbClr r="0" g="0" b="0"/>
-      </a:effectRef>
-      <a:fontRef idx="minor"/>
-    </dgm:style>
-  </dgm:styleLbl>
-  <dgm:styleLbl name="bgAcc1">
-    <dgm:scene3d>
-      <a:camera prst="orthographicFront"/>
-      <a:lightRig rig="threePt" dir="t"/>
-    </dgm:scene3d>
-    <dgm:sp3d/>
-    <dgm:txPr/>
-    <dgm:style>
-      <a:lnRef idx="2">
-        <a:scrgbClr r="0" g="0" b="0"/>
-      </a:lnRef>
-      <a:fillRef idx="1">
-        <a:scrgbClr r="0" g="0" b="0"/>
-      </a:fillRef>
-      <a:effectRef idx="0">
-        <a:scrgbClr r="0" g="0" b="0"/>
-      </a:effectRef>
-      <a:fontRef idx="minor"/>
-    </dgm:style>
-  </dgm:styleLbl>
-  <dgm:styleLbl name="solidFgAcc1">
-    <dgm:scene3d>
-      <a:camera prst="orthographicFront"/>
-      <a:lightRig rig="threePt" dir="t"/>
-    </dgm:scene3d>
-    <dgm:sp3d/>
-    <dgm:txPr/>
-    <dgm:style>
-      <a:lnRef idx="2">
-        <a:scrgbClr r="0" g="0" b="0"/>
-      </a:lnRef>
-      <a:fillRef idx="1">
-        <a:scrgbClr r="0" g="0" b="0"/>
-      </a:fillRef>
-      <a:effectRef idx="0">
-        <a:scrgbClr r="0" g="0" b="0"/>
-      </a:effectRef>
-      <a:fontRef idx="minor"/>
-    </dgm:style>
-  </dgm:styleLbl>
-  <dgm:styleLbl name="solidAlignAcc1">
-    <dgm:scene3d>
-      <a:camera prst="orthographicFront"/>
-      <a:lightRig rig="threePt" dir="t"/>
-    </dgm:scene3d>
-    <dgm:sp3d/>
-    <dgm:txPr/>
-    <dgm:style>
-      <a:lnRef idx="2">
-        <a:scrgbClr r="0" g="0" b="0"/>
-      </a:lnRef>
-      <a:fillRef idx="1">
-        <a:scrgbClr r="0" g="0" b="0"/>
-      </a:fillRef>
-      <a:effectRef idx="0">
-        <a:scrgbClr r="0" g="0" b="0"/>
-      </a:effectRef>
-      <a:fontRef idx="minor"/>
-    </dgm:style>
-  </dgm:styleLbl>
-  <dgm:styleLbl name="solidBgAcc1">
-    <dgm:scene3d>
-      <a:camera prst="orthographicFront"/>
-      <a:lightRig rig="threePt" dir="t"/>
-    </dgm:scene3d>
-    <dgm:sp3d/>
-    <dgm:txPr/>
-    <dgm:style>
-      <a:lnRef idx="2">
-        <a:scrgbClr r="0" g="0" b="0"/>
-      </a:lnRef>
-      <a:fillRef idx="1">
-        <a:scrgbClr r="0" g="0" b="0"/>
-      </a:fillRef>
-      <a:effectRef idx="0">
-        <a:scrgbClr r="0" g="0" b="0"/>
-      </a:effectRef>
-      <a:fontRef idx="minor"/>
-    </dgm:style>
-  </dgm:styleLbl>
-  <dgm:styleLbl name="fgAccFollowNode1">
-    <dgm:scene3d>
-      <a:camera prst="orthographicFront"/>
-      <a:lightRig rig="threePt" dir="t"/>
-    </dgm:scene3d>
-    <dgm:sp3d/>
-    <dgm:txPr/>
-    <dgm:style>
-      <a:lnRef idx="2">
-        <a:scrgbClr r="0" g="0" b="0"/>
-      </a:lnRef>
-      <a:fillRef idx="1">
-        <a:scrgbClr r="0" g="0" b="0"/>
-      </a:fillRef>
-      <a:effectRef idx="0">
-        <a:scrgbClr r="0" g="0" b="0"/>
-      </a:effectRef>
-      <a:fontRef idx="minor"/>
-    </dgm:style>
-  </dgm:styleLbl>
-  <dgm:styleLbl name="alignAccFollowNode1">
-    <dgm:scene3d>
-      <a:camera prst="orthographicFront"/>
-      <a:lightRig rig="threePt" dir="t"/>
-    </dgm:scene3d>
-    <dgm:sp3d/>
-    <dgm:txPr/>
-    <dgm:style>
-      <a:lnRef idx="2">
-        <a:scrgbClr r="0" g="0" b="0"/>
-      </a:lnRef>
-      <a:fillRef idx="1">
-        <a:scrgbClr r="0" g="0" b="0"/>
-      </a:fillRef>
-      <a:effectRef idx="0">
-        <a:scrgbClr r="0" g="0" b="0"/>
-      </a:effectRef>
-      <a:fontRef idx="minor"/>
-    </dgm:style>
-  </dgm:styleLbl>
-  <dgm:styleLbl name="bgAccFollowNode1">
-    <dgm:scene3d>
-      <a:camera prst="orthographicFront"/>
-      <a:lightRig rig="threePt" dir="t"/>
-    </dgm:scene3d>
-    <dgm:sp3d/>
-    <dgm:txPr/>
-    <dgm:style>
-      <a:lnRef idx="2">
-        <a:scrgbClr r="0" g="0" b="0"/>
-      </a:lnRef>
-      <a:fillRef idx="1">
-        <a:scrgbClr r="0" g="0" b="0"/>
-      </a:fillRef>
-      <a:effectRef idx="0">
-        <a:scrgbClr r="0" g="0" b="0"/>
-      </a:effectRef>
-      <a:fontRef idx="minor"/>
-    </dgm:style>
-  </dgm:styleLbl>
-  <dgm:styleLbl name="fgAcc0">
-    <dgm:scene3d>
-      <a:camera prst="orthographicFront"/>
-      <a:lightRig rig="threePt" dir="t"/>
-    </dgm:scene3d>
-    <dgm:sp3d/>
-    <dgm:txPr/>
-    <dgm:style>
-      <a:lnRef idx="2">
-        <a:scrgbClr r="0" g="0" b="0"/>
-      </a:lnRef>
-      <a:fillRef idx="1">
-        <a:scrgbClr r="0" g="0" b="0"/>
-      </a:fillRef>
-      <a:effectRef idx="0">
-        <a:scrgbClr r="0" g="0" b="0"/>
-      </a:effectRef>
-      <a:fontRef idx="minor"/>
-    </dgm:style>
-  </dgm:styleLbl>
-  <dgm:styleLbl name="fgAcc2">
-    <dgm:scene3d>
-      <a:camera prst="orthographicFront"/>
-      <a:lightRig rig="threePt" dir="t"/>
-    </dgm:scene3d>
-    <dgm:sp3d/>
-    <dgm:txPr/>
-    <dgm:style>
-      <a:lnRef idx="2">
-        <a:scrgbClr r="0" g="0" b="0"/>
-      </a:lnRef>
-      <a:fillRef idx="1">
-        <a:scrgbClr r="0" g="0" b="0"/>
-      </a:fillRef>
-      <a:effectRef idx="0">
-        <a:scrgbClr r="0" g="0" b="0"/>
-      </a:effectRef>
-      <a:fontRef idx="minor"/>
-    </dgm:style>
-  </dgm:styleLbl>
-  <dgm:styleLbl name="fgAcc3">
-    <dgm:scene3d>
-      <a:camera prst="orthographicFront"/>
-      <a:lightRig rig="threePt" dir="t"/>
-    </dgm:scene3d>
-    <dgm:sp3d/>
-    <dgm:txPr/>
-    <dgm:style>
-      <a:lnRef idx="2">
-        <a:scrgbClr r="0" g="0" b="0"/>
-      </a:lnRef>
-      <a:fillRef idx="1">
-        <a:scrgbClr r="0" g="0" b="0"/>
-      </a:fillRef>
-      <a:effectRef idx="0">
-        <a:scrgbClr r="0" g="0" b="0"/>
-      </a:effectRef>
-      <a:fontRef idx="minor"/>
-    </dgm:style>
-  </dgm:styleLbl>
-  <dgm:styleLbl name="fgAcc4">
-    <dgm:scene3d>
-      <a:camera prst="orthographicFront"/>
-      <a:lightRig rig="threePt" dir="t"/>
-    </dgm:scene3d>
-    <dgm:sp3d/>
-    <dgm:txPr/>
-    <dgm:style>
-      <a:lnRef idx="2">
-        <a:scrgbClr r="0" g="0" b="0"/>
-      </a:lnRef>
-      <a:fillRef idx="1">
-        <a:scrgbClr r="0" g="0" b="0"/>
-      </a:fillRef>
-      <a:effectRef idx="0">
-        <a:scrgbClr r="0" g="0" b="0"/>
-      </a:effectRef>
-      <a:fontRef idx="minor"/>
-    </dgm:style>
-  </dgm:styleLbl>
-  <dgm:styleLbl name="bgShp">
-    <dgm:scene3d>
-      <a:camera prst="orthographicFront"/>
-      <a:lightRig rig="threePt" dir="t"/>
-    </dgm:scene3d>
-    <dgm:sp3d/>
-    <dgm:txPr/>
-    <dgm:style>
-      <a:lnRef idx="0">
-        <a:scrgbClr r="0" g="0" b="0"/>
-      </a:lnRef>
-      <a:fillRef idx="1">
-        <a:scrgbClr r="0" g="0" b="0"/>
-      </a:fillRef>
-      <a:effectRef idx="0">
-        <a:scrgbClr r="0" g="0" b="0"/>
-      </a:effectRef>
-      <a:fontRef idx="minor"/>
-    </dgm:style>
-  </dgm:styleLbl>
-  <dgm:styleLbl name="dkBgShp">
-    <dgm:scene3d>
-      <a:camera prst="orthographicFront"/>
-      <a:lightRig rig="threePt" dir="t"/>
-    </dgm:scene3d>
-    <dgm:sp3d/>
-    <dgm:txPr/>
-    <dgm:style>
-      <a:lnRef idx="0">
-        <a:scrgbClr r="0" g="0" b="0"/>
-      </a:lnRef>
-      <a:fillRef idx="1">
-        <a:scrgbClr r="0" g="0" b="0"/>
-      </a:fillRef>
-      <a:effectRef idx="0">
-        <a:scrgbClr r="0" g="0" b="0"/>
-      </a:effectRef>
-      <a:fontRef idx="minor"/>
-    </dgm:style>
-  </dgm:styleLbl>
-  <dgm:styleLbl name="trBgShp">
-    <dgm:scene3d>
-      <a:camera prst="orthographicFront"/>
-      <a:lightRig rig="threePt" dir="t"/>
-    </dgm:scene3d>
-    <dgm:sp3d/>
-    <dgm:txPr/>
-    <dgm:style>
-      <a:lnRef idx="0">
-        <a:scrgbClr r="0" g="0" b="0"/>
-      </a:lnRef>
-      <a:fillRef idx="1">
-        <a:scrgbClr r="0" g="0" b="0"/>
-      </a:fillRef>
-      <a:effectRef idx="0">
-        <a:scrgbClr r="0" g="0" b="0"/>
-      </a:effectRef>
-      <a:fontRef idx="minor"/>
-    </dgm:style>
-  </dgm:styleLbl>
-  <dgm:styleLbl name="fgShp">
-    <dgm:scene3d>
-      <a:camera prst="orthographicFront"/>
-      <a:lightRig rig="threePt" dir="t"/>
-    </dgm:scene3d>
-    <dgm:sp3d/>
-    <dgm:txPr/>
-    <dgm:style>
-      <a:lnRef idx="2">
-        <a:scrgbClr r="0" g="0" b="0"/>
-      </a:lnRef>
-      <a:fillRef idx="1">
-        <a:scrgbClr r="0" g="0" b="0"/>
-      </a:fillRef>
-      <a:effectRef idx="0">
-        <a:scrgbClr r="0" g="0" b="0"/>
-      </a:effectRef>
-      <a:fontRef idx="minor"/>
-    </dgm:style>
-  </dgm:styleLbl>
-  <dgm:styleLbl name="revTx">
-    <dgm:scene3d>
-      <a:camera prst="orthographicFront"/>
-      <a:lightRig rig="threePt" dir="t"/>
-    </dgm:scene3d>
-    <dgm:sp3d/>
-    <dgm:txPr/>
-    <dgm:style>
-      <a:lnRef idx="0">
-        <a:scrgbClr r="0" g="0" b="0"/>
-      </a:lnRef>
-      <a:fillRef idx="0">
-        <a:scrgbClr r="0" g="0" b="0"/>
-      </a:fillRef>
-      <a:effectRef idx="0">
-        <a:scrgbClr r="0" g="0" b="0"/>
-      </a:effectRef>
-      <a:fontRef idx="minor"/>
-    </dgm:style>
-  </dgm:styleLbl>
-</dgm:styleDef>
-</file>
-
 <file path=ppt/handoutMasters/handoutMaster1.xml><?xml version="1.0" encoding="utf-8"?>
 <p:handoutMaster xmlns:a="http://schemas.openxmlformats.org/drawingml/2006/main" xmlns:r="http://schemas.openxmlformats.org/officeDocument/2006/relationships" xmlns:p="http://schemas.openxmlformats.org/presentationml/2006/main">
   <p:cSld>
@@ -17130,11 +15155,15 @@
             </a:r>
             <a:r>
               <a:rPr lang="de-DE" b="1" baseline="0" dirty="0"/>
-              <a:t>Die Antwort ist ganz einfach: 1) </a:t>
+              <a:t>Die Antwort ist ganz einfach: </a:t>
+            </a:r>
+            <a:r>
+              <a:rPr lang="de-DE" baseline="0" dirty="0" smtClean="0"/>
+              <a:t>ich </a:t>
             </a:r>
             <a:r>
               <a:rPr lang="de-DE" baseline="0" dirty="0"/>
-              <a:t>ich möchte etwas über das Produkt TE mitteilen </a:t>
+              <a:t>möchte etwas über das Produkt TE mitteilen </a:t>
             </a:r>
             <a:r>
               <a:rPr lang="de-DE" b="1" baseline="0" dirty="0"/>
@@ -17142,7 +15171,15 @@
             </a:r>
             <a:r>
               <a:rPr lang="de-DE" baseline="0" dirty="0"/>
-              <a:t> eine Überblick vermitteln. </a:t>
+              <a:t> eine </a:t>
+            </a:r>
+            <a:r>
+              <a:rPr lang="de-DE" baseline="0" dirty="0" smtClean="0"/>
+              <a:t>Überblick, was in der Zukunft kommen soll, </a:t>
+            </a:r>
+            <a:r>
+              <a:rPr lang="de-DE" baseline="0" dirty="0"/>
+              <a:t>vermitteln. </a:t>
             </a:r>
             <a:r>
               <a:rPr lang="de-DE" b="1" baseline="0" dirty="0"/>
@@ -17150,7 +15187,15 @@
             </a:r>
             <a:r>
               <a:rPr lang="de-DE" baseline="0" dirty="0"/>
-              <a:t> möchte ich mein Standpunkt verteidigen und zum Schluss eine Diskussion </a:t>
+              <a:t> möchte ich mein Standpunkt </a:t>
+            </a:r>
+            <a:r>
+              <a:rPr lang="de-DE" baseline="0" dirty="0" smtClean="0"/>
+              <a:t>klarstellen </a:t>
+            </a:r>
+            <a:r>
+              <a:rPr lang="de-DE" baseline="0" dirty="0"/>
+              <a:t>und zum Schluss eine Diskussion </a:t>
             </a:r>
             <a:r>
               <a:rPr lang="de-DE" u="sng" baseline="0" dirty="0"/>
@@ -17192,6 +15237,220 @@
     <p:extLst>
       <p:ext uri="{BB962C8B-B14F-4D97-AF65-F5344CB8AC3E}">
         <p14:creationId xmlns:p14="http://schemas.microsoft.com/office/powerpoint/2010/main" val="3512469104"/>
+      </p:ext>
+    </p:extLst>
+  </p:cSld>
+  <p:clrMapOvr>
+    <a:masterClrMapping/>
+  </p:clrMapOvr>
+</p:notes>
+</file>
+
+<file path=ppt/notesSlides/notesSlide10.xml><?xml version="1.0" encoding="utf-8"?>
+<p:notes xmlns:a="http://schemas.openxmlformats.org/drawingml/2006/main" xmlns:r="http://schemas.openxmlformats.org/officeDocument/2006/relationships" xmlns:p="http://schemas.openxmlformats.org/presentationml/2006/main">
+  <p:cSld>
+    <p:spTree>
+      <p:nvGrpSpPr>
+        <p:cNvPr id="1" name=""/>
+        <p:cNvGrpSpPr/>
+        <p:nvPr/>
+      </p:nvGrpSpPr>
+      <p:grpSpPr>
+        <a:xfrm>
+          <a:off x="0" y="0"/>
+          <a:ext cx="0" cy="0"/>
+          <a:chOff x="0" y="0"/>
+          <a:chExt cx="0" cy="0"/>
+        </a:xfrm>
+      </p:grpSpPr>
+      <p:sp>
+        <p:nvSpPr>
+          <p:cNvPr id="7" name="Rectangle 7">
+            <a:extLst>
+              <a:ext uri="{FF2B5EF4-FFF2-40B4-BE49-F238E27FC236}">
+                <a16:creationId xmlns:a16="http://schemas.microsoft.com/office/drawing/2014/main" id="{86B30B09-32F3-49D5-BEC4-C551473B3061}"/>
+              </a:ext>
+            </a:extLst>
+          </p:cNvPr>
+          <p:cNvSpPr>
+            <a:spLocks noGrp="1" noChangeArrowheads="1"/>
+          </p:cNvSpPr>
+          <p:nvPr>
+            <p:ph type="sldNum" sz="quarter" idx="5"/>
+          </p:nvPr>
+        </p:nvSpPr>
+        <p:spPr>
+          <a:ln/>
+        </p:spPr>
+        <p:txBody>
+          <a:bodyPr/>
+          <a:lstStyle/>
+          <a:p>
+            <a:fld id="{C21EDE77-6E6B-46CF-9346-5CFD3F861C54}" type="slidenum">
+              <a:rPr lang="de-DE" altLang="de-DE"/>
+              <a:pPr/>
+              <a:t>13</a:t>
+            </a:fld>
+            <a:endParaRPr lang="de-DE" altLang="de-DE"/>
+          </a:p>
+        </p:txBody>
+      </p:sp>
+      <p:sp>
+        <p:nvSpPr>
+          <p:cNvPr id="375810" name="Rectangle 2">
+            <a:extLst>
+              <a:ext uri="{FF2B5EF4-FFF2-40B4-BE49-F238E27FC236}">
+                <a16:creationId xmlns:a16="http://schemas.microsoft.com/office/drawing/2014/main" id="{23323E4E-CCF2-4719-8899-6AEBC14F5168}"/>
+              </a:ext>
+            </a:extLst>
+          </p:cNvPr>
+          <p:cNvSpPr>
+            <a:spLocks noGrp="1" noRot="1" noChangeAspect="1" noChangeArrowheads="1" noTextEdit="1"/>
+          </p:cNvSpPr>
+          <p:nvPr>
+            <p:ph type="sldImg"/>
+          </p:nvPr>
+        </p:nvSpPr>
+        <p:spPr>
+          <a:ln/>
+        </p:spPr>
+      </p:sp>
+      <p:sp>
+        <p:nvSpPr>
+          <p:cNvPr id="375811" name="Rectangle 3">
+            <a:extLst>
+              <a:ext uri="{FF2B5EF4-FFF2-40B4-BE49-F238E27FC236}">
+                <a16:creationId xmlns:a16="http://schemas.microsoft.com/office/drawing/2014/main" id="{0F016D12-A161-49C3-BB86-190B1F978A2C}"/>
+              </a:ext>
+            </a:extLst>
+          </p:cNvPr>
+          <p:cNvSpPr>
+            <a:spLocks noGrp="1" noChangeArrowheads="1"/>
+          </p:cNvSpPr>
+          <p:nvPr>
+            <p:ph type="body" idx="1"/>
+          </p:nvPr>
+        </p:nvSpPr>
+        <p:spPr/>
+        <p:txBody>
+          <a:bodyPr/>
+          <a:lstStyle/>
+          <a:p>
+            <a:endParaRPr lang="de-DE" altLang="de-DE"/>
+          </a:p>
+        </p:txBody>
+      </p:sp>
+    </p:spTree>
+  </p:cSld>
+  <p:clrMapOvr>
+    <a:masterClrMapping/>
+  </p:clrMapOvr>
+</p:notes>
+</file>
+
+<file path=ppt/notesSlides/notesSlide11.xml><?xml version="1.0" encoding="utf-8"?>
+<p:notes xmlns:a="http://schemas.openxmlformats.org/drawingml/2006/main" xmlns:r="http://schemas.openxmlformats.org/officeDocument/2006/relationships" xmlns:p="http://schemas.openxmlformats.org/presentationml/2006/main">
+  <p:cSld>
+    <p:spTree>
+      <p:nvGrpSpPr>
+        <p:cNvPr id="1" name=""/>
+        <p:cNvGrpSpPr/>
+        <p:nvPr/>
+      </p:nvGrpSpPr>
+      <p:grpSpPr>
+        <a:xfrm>
+          <a:off x="0" y="0"/>
+          <a:ext cx="0" cy="0"/>
+          <a:chOff x="0" y="0"/>
+          <a:chExt cx="0" cy="0"/>
+        </a:xfrm>
+      </p:grpSpPr>
+      <p:sp>
+        <p:nvSpPr>
+          <p:cNvPr id="2" name="Folienbildplatzhalter 1"/>
+          <p:cNvSpPr>
+            <a:spLocks noGrp="1" noRot="1" noChangeAspect="1"/>
+          </p:cNvSpPr>
+          <p:nvPr>
+            <p:ph type="sldImg"/>
+          </p:nvPr>
+        </p:nvSpPr>
+        <p:spPr/>
+      </p:sp>
+      <p:sp>
+        <p:nvSpPr>
+          <p:cNvPr id="3" name="Notizenplatzhalter 2"/>
+          <p:cNvSpPr>
+            <a:spLocks noGrp="1"/>
+          </p:cNvSpPr>
+          <p:nvPr>
+            <p:ph type="body" idx="1"/>
+          </p:nvPr>
+        </p:nvSpPr>
+        <p:spPr/>
+        <p:txBody>
+          <a:bodyPr/>
+          <a:lstStyle/>
+          <a:p>
+            <a:r>
+              <a:rPr lang="de-DE" dirty="0"/>
+              <a:t>Was ist Portierbarkeit?</a:t>
+            </a:r>
+          </a:p>
+          <a:p>
+            <a:r>
+              <a:rPr lang="de-DE" dirty="0" err="1"/>
+              <a:t>Korrekheit</a:t>
+            </a:r>
+            <a:r>
+              <a:rPr lang="de-DE" dirty="0"/>
+              <a:t>?</a:t>
+            </a:r>
+          </a:p>
+          <a:p>
+            <a:r>
+              <a:rPr lang="de-DE" dirty="0"/>
+              <a:t>Alle </a:t>
+            </a:r>
+            <a:r>
+              <a:rPr lang="de-DE" dirty="0" err="1"/>
+              <a:t>unterpunkte</a:t>
+            </a:r>
+            <a:r>
+              <a:rPr lang="de-DE" dirty="0"/>
+              <a:t> verstehen?</a:t>
+            </a:r>
+          </a:p>
+        </p:txBody>
+      </p:sp>
+      <p:sp>
+        <p:nvSpPr>
+          <p:cNvPr id="4" name="Foliennummernplatzhalter 3"/>
+          <p:cNvSpPr>
+            <a:spLocks noGrp="1"/>
+          </p:cNvSpPr>
+          <p:nvPr>
+            <p:ph type="sldNum" sz="quarter" idx="10"/>
+          </p:nvPr>
+        </p:nvSpPr>
+        <p:spPr/>
+        <p:txBody>
+          <a:bodyPr/>
+          <a:lstStyle/>
+          <a:p>
+            <a:fld id="{7C56EBB8-86B7-4B17-9FE6-1D6C78FAEC35}" type="slidenum">
+              <a:rPr lang="de-DE" altLang="de-DE" smtClean="0"/>
+              <a:pPr/>
+              <a:t>16</a:t>
+            </a:fld>
+            <a:endParaRPr lang="de-DE" altLang="de-DE"/>
+          </a:p>
+        </p:txBody>
+      </p:sp>
+    </p:spTree>
+    <p:extLst>
+      <p:ext uri="{BB962C8B-B14F-4D97-AF65-F5344CB8AC3E}">
+        <p14:creationId xmlns:p14="http://schemas.microsoft.com/office/powerpoint/2010/main" val="3964579411"/>
       </p:ext>
     </p:extLst>
   </p:cSld>
@@ -17692,17 +15951,31 @@
           <a:lstStyle/>
           <a:p>
             <a:r>
-              <a:rPr lang="de-DE" dirty="0"/>
-              <a:t>SDD: SYSTEM Design </a:t>
-            </a:r>
-            <a:r>
-              <a:rPr lang="de-DE" dirty="0" err="1"/>
-              <a:t>Documents</a:t>
-            </a:r>
-            <a:r>
-              <a:rPr lang="de-DE" dirty="0"/>
-              <a:t> was?</a:t>
-            </a:r>
+              <a:rPr lang="de-DE" dirty="0" smtClean="0"/>
+              <a:t>Quellcode</a:t>
+            </a:r>
+            <a:r>
+              <a:rPr lang="de-DE" baseline="0" dirty="0" smtClean="0"/>
+              <a:t> ===? Repository</a:t>
+            </a:r>
+          </a:p>
+          <a:p>
+            <a:r>
+              <a:rPr lang="de-DE" baseline="0" dirty="0" err="1" smtClean="0"/>
+              <a:t>Issue</a:t>
+            </a:r>
+            <a:r>
+              <a:rPr lang="de-DE" baseline="0" dirty="0" smtClean="0"/>
+              <a:t> Tracking == Fehlermeldung</a:t>
+            </a:r>
+          </a:p>
+          <a:p>
+            <a:pPr lvl="1"/>
+            <a:r>
+              <a:rPr lang="de-DE" baseline="0" dirty="0" smtClean="0"/>
+              <a:t>*  </a:t>
+            </a:r>
+            <a:endParaRPr lang="en-US" dirty="0"/>
           </a:p>
         </p:txBody>
       </p:sp>
@@ -17724,7 +15997,7 @@
             <a:fld id="{7C56EBB8-86B7-4B17-9FE6-1D6C78FAEC35}" type="slidenum">
               <a:rPr lang="de-DE" altLang="de-DE" smtClean="0"/>
               <a:pPr/>
-              <a:t>9</a:t>
+              <a:t>8</a:t>
             </a:fld>
             <a:endParaRPr lang="de-DE" altLang="de-DE"/>
           </a:p>
@@ -17733,7 +16006,7 @@
     </p:spTree>
     <p:extLst>
       <p:ext uri="{BB962C8B-B14F-4D97-AF65-F5344CB8AC3E}">
-        <p14:creationId xmlns:p14="http://schemas.microsoft.com/office/powerpoint/2010/main" val="1466542457"/>
+        <p14:creationId xmlns:p14="http://schemas.microsoft.com/office/powerpoint/2010/main" val="2385980104"/>
       </p:ext>
     </p:extLst>
   </p:cSld>
@@ -17789,19 +16062,11 @@
           <a:p>
             <a:r>
               <a:rPr lang="de-DE" dirty="0"/>
-              <a:t>SDD: Software Design </a:t>
+              <a:t>SDD: SYSTEM Design </a:t>
             </a:r>
             <a:r>
               <a:rPr lang="de-DE" dirty="0" err="1"/>
               <a:t>Documents</a:t>
-            </a:r>
-            <a:r>
-              <a:rPr lang="de-DE" dirty="0"/>
-              <a:t>/</a:t>
-            </a:r>
-            <a:r>
-              <a:rPr lang="de-DE" dirty="0" err="1"/>
-              <a:t>Decription</a:t>
             </a:r>
             <a:r>
               <a:rPr lang="de-DE" dirty="0"/>
@@ -17828,7 +16093,7 @@
             <a:fld id="{7C56EBB8-86B7-4B17-9FE6-1D6C78FAEC35}" type="slidenum">
               <a:rPr lang="de-DE" altLang="de-DE" smtClean="0"/>
               <a:pPr/>
-              <a:t>10</a:t>
+              <a:t>9</a:t>
             </a:fld>
             <a:endParaRPr lang="de-DE" altLang="de-DE"/>
           </a:p>
@@ -17837,7 +16102,7 @@
     </p:spTree>
     <p:extLst>
       <p:ext uri="{BB962C8B-B14F-4D97-AF65-F5344CB8AC3E}">
-        <p14:creationId xmlns:p14="http://schemas.microsoft.com/office/powerpoint/2010/main" val="2185017981"/>
+        <p14:creationId xmlns:p14="http://schemas.microsoft.com/office/powerpoint/2010/main" val="1466542457"/>
       </p:ext>
     </p:extLst>
   </p:cSld>
@@ -17893,6 +16158,118 @@
           <a:p>
             <a:r>
               <a:rPr lang="de-DE" dirty="0"/>
+              <a:t>SDD: </a:t>
+            </a:r>
+            <a:r>
+              <a:rPr lang="de-DE" dirty="0" smtClean="0"/>
+              <a:t>System </a:t>
+            </a:r>
+            <a:r>
+              <a:rPr lang="de-DE" dirty="0"/>
+              <a:t>Design </a:t>
+            </a:r>
+            <a:r>
+              <a:rPr lang="de-DE" dirty="0" err="1"/>
+              <a:t>Documents</a:t>
+            </a:r>
+            <a:r>
+              <a:rPr lang="de-DE" dirty="0"/>
+              <a:t>/</a:t>
+            </a:r>
+            <a:r>
+              <a:rPr lang="de-DE" dirty="0" err="1"/>
+              <a:t>Decription</a:t>
+            </a:r>
+            <a:r>
+              <a:rPr lang="de-DE" dirty="0"/>
+              <a:t> was?</a:t>
+            </a:r>
+          </a:p>
+        </p:txBody>
+      </p:sp>
+      <p:sp>
+        <p:nvSpPr>
+          <p:cNvPr id="4" name="Foliennummernplatzhalter 3"/>
+          <p:cNvSpPr>
+            <a:spLocks noGrp="1"/>
+          </p:cNvSpPr>
+          <p:nvPr>
+            <p:ph type="sldNum" sz="quarter" idx="10"/>
+          </p:nvPr>
+        </p:nvSpPr>
+        <p:spPr/>
+        <p:txBody>
+          <a:bodyPr/>
+          <a:lstStyle/>
+          <a:p>
+            <a:fld id="{7C56EBB8-86B7-4B17-9FE6-1D6C78FAEC35}" type="slidenum">
+              <a:rPr lang="de-DE" altLang="de-DE" smtClean="0"/>
+              <a:pPr/>
+              <a:t>10</a:t>
+            </a:fld>
+            <a:endParaRPr lang="de-DE" altLang="de-DE"/>
+          </a:p>
+        </p:txBody>
+      </p:sp>
+    </p:spTree>
+    <p:extLst>
+      <p:ext uri="{BB962C8B-B14F-4D97-AF65-F5344CB8AC3E}">
+        <p14:creationId xmlns:p14="http://schemas.microsoft.com/office/powerpoint/2010/main" val="2185017981"/>
+      </p:ext>
+    </p:extLst>
+  </p:cSld>
+  <p:clrMapOvr>
+    <a:masterClrMapping/>
+  </p:clrMapOvr>
+</p:notes>
+</file>
+
+<file path=ppt/notesSlides/notesSlide8.xml><?xml version="1.0" encoding="utf-8"?>
+<p:notes xmlns:a="http://schemas.openxmlformats.org/drawingml/2006/main" xmlns:r="http://schemas.openxmlformats.org/officeDocument/2006/relationships" xmlns:p="http://schemas.openxmlformats.org/presentationml/2006/main">
+  <p:cSld>
+    <p:spTree>
+      <p:nvGrpSpPr>
+        <p:cNvPr id="1" name=""/>
+        <p:cNvGrpSpPr/>
+        <p:nvPr/>
+      </p:nvGrpSpPr>
+      <p:grpSpPr>
+        <a:xfrm>
+          <a:off x="0" y="0"/>
+          <a:ext cx="0" cy="0"/>
+          <a:chOff x="0" y="0"/>
+          <a:chExt cx="0" cy="0"/>
+        </a:xfrm>
+      </p:grpSpPr>
+      <p:sp>
+        <p:nvSpPr>
+          <p:cNvPr id="2" name="Folienbildplatzhalter 1"/>
+          <p:cNvSpPr>
+            <a:spLocks noGrp="1" noRot="1" noChangeAspect="1"/>
+          </p:cNvSpPr>
+          <p:nvPr>
+            <p:ph type="sldImg"/>
+          </p:nvPr>
+        </p:nvSpPr>
+        <p:spPr/>
+      </p:sp>
+      <p:sp>
+        <p:nvSpPr>
+          <p:cNvPr id="3" name="Notizenplatzhalter 2"/>
+          <p:cNvSpPr>
+            <a:spLocks noGrp="1"/>
+          </p:cNvSpPr>
+          <p:nvPr>
+            <p:ph type="body" idx="1"/>
+          </p:nvPr>
+        </p:nvSpPr>
+        <p:spPr/>
+        <p:txBody>
+          <a:bodyPr/>
+          <a:lstStyle/>
+          <a:p>
+            <a:r>
+              <a:rPr lang="de-DE" dirty="0"/>
               <a:t>SDD: Software Design </a:t>
             </a:r>
             <a:r>
@@ -17944,108 +16321,6 @@
         <p14:creationId xmlns:p14="http://schemas.microsoft.com/office/powerpoint/2010/main" val="1855379874"/>
       </p:ext>
     </p:extLst>
-  </p:cSld>
-  <p:clrMapOvr>
-    <a:masterClrMapping/>
-  </p:clrMapOvr>
-</p:notes>
-</file>
-
-<file path=ppt/notesSlides/notesSlide8.xml><?xml version="1.0" encoding="utf-8"?>
-<p:notes xmlns:a="http://schemas.openxmlformats.org/drawingml/2006/main" xmlns:r="http://schemas.openxmlformats.org/officeDocument/2006/relationships" xmlns:p="http://schemas.openxmlformats.org/presentationml/2006/main">
-  <p:cSld>
-    <p:spTree>
-      <p:nvGrpSpPr>
-        <p:cNvPr id="1" name=""/>
-        <p:cNvGrpSpPr/>
-        <p:nvPr/>
-      </p:nvGrpSpPr>
-      <p:grpSpPr>
-        <a:xfrm>
-          <a:off x="0" y="0"/>
-          <a:ext cx="0" cy="0"/>
-          <a:chOff x="0" y="0"/>
-          <a:chExt cx="0" cy="0"/>
-        </a:xfrm>
-      </p:grpSpPr>
-      <p:sp>
-        <p:nvSpPr>
-          <p:cNvPr id="7" name="Rectangle 7">
-            <a:extLst>
-              <a:ext uri="{FF2B5EF4-FFF2-40B4-BE49-F238E27FC236}">
-                <a16:creationId xmlns:a16="http://schemas.microsoft.com/office/drawing/2014/main" id="{86B30B09-32F3-49D5-BEC4-C551473B3061}"/>
-              </a:ext>
-            </a:extLst>
-          </p:cNvPr>
-          <p:cNvSpPr>
-            <a:spLocks noGrp="1" noChangeArrowheads="1"/>
-          </p:cNvSpPr>
-          <p:nvPr>
-            <p:ph type="sldNum" sz="quarter" idx="5"/>
-          </p:nvPr>
-        </p:nvSpPr>
-        <p:spPr>
-          <a:ln/>
-        </p:spPr>
-        <p:txBody>
-          <a:bodyPr/>
-          <a:lstStyle/>
-          <a:p>
-            <a:fld id="{C21EDE77-6E6B-46CF-9346-5CFD3F861C54}" type="slidenum">
-              <a:rPr lang="de-DE" altLang="de-DE"/>
-              <a:pPr/>
-              <a:t>12</a:t>
-            </a:fld>
-            <a:endParaRPr lang="de-DE" altLang="de-DE"/>
-          </a:p>
-        </p:txBody>
-      </p:sp>
-      <p:sp>
-        <p:nvSpPr>
-          <p:cNvPr id="375810" name="Rectangle 2">
-            <a:extLst>
-              <a:ext uri="{FF2B5EF4-FFF2-40B4-BE49-F238E27FC236}">
-                <a16:creationId xmlns:a16="http://schemas.microsoft.com/office/drawing/2014/main" id="{23323E4E-CCF2-4719-8899-6AEBC14F5168}"/>
-              </a:ext>
-            </a:extLst>
-          </p:cNvPr>
-          <p:cNvSpPr>
-            <a:spLocks noGrp="1" noRot="1" noChangeAspect="1" noChangeArrowheads="1" noTextEdit="1"/>
-          </p:cNvSpPr>
-          <p:nvPr>
-            <p:ph type="sldImg"/>
-          </p:nvPr>
-        </p:nvSpPr>
-        <p:spPr>
-          <a:ln/>
-        </p:spPr>
-      </p:sp>
-      <p:sp>
-        <p:nvSpPr>
-          <p:cNvPr id="375811" name="Rectangle 3">
-            <a:extLst>
-              <a:ext uri="{FF2B5EF4-FFF2-40B4-BE49-F238E27FC236}">
-                <a16:creationId xmlns:a16="http://schemas.microsoft.com/office/drawing/2014/main" id="{0F016D12-A161-49C3-BB86-190B1F978A2C}"/>
-              </a:ext>
-            </a:extLst>
-          </p:cNvPr>
-          <p:cNvSpPr>
-            <a:spLocks noGrp="1" noChangeArrowheads="1"/>
-          </p:cNvSpPr>
-          <p:nvPr>
-            <p:ph type="body" idx="1"/>
-          </p:nvPr>
-        </p:nvSpPr>
-        <p:spPr/>
-        <p:txBody>
-          <a:bodyPr/>
-          <a:lstStyle/>
-          <a:p>
-            <a:endParaRPr lang="de-DE" altLang="de-DE"/>
-          </a:p>
-        </p:txBody>
-      </p:sp>
-    </p:spTree>
   </p:cSld>
   <p:clrMapOvr>
     <a:masterClrMapping/>
@@ -18097,34 +16372,319 @@
           <a:bodyPr/>
           <a:lstStyle/>
           <a:p>
-            <a:r>
-              <a:rPr lang="de-DE" dirty="0"/>
-              <a:t>Was ist Portierbarkeit?</a:t>
+            <a:pPr marL="171450" indent="-171450">
+              <a:buFont typeface="Arial" panose="020B0604020202020204" pitchFamily="34" charset="0"/>
+              <a:buChar char="•"/>
+            </a:pPr>
+            <a:r>
+              <a:rPr lang="en-US" sz="1200" b="1" kern="1200" dirty="0" smtClean="0">
+                <a:solidFill>
+                  <a:schemeClr val="tx1"/>
+                </a:solidFill>
+                <a:latin typeface="Arial" panose="020B0604020202020204" pitchFamily="34" charset="0"/>
+                <a:ea typeface="+mn-ea"/>
+                <a:cs typeface="+mn-cs"/>
+              </a:rPr>
+              <a:t>Hilscher.IDE.Core.Interface.dll</a:t>
             </a:r>
           </a:p>
           <a:p>
-            <a:r>
-              <a:rPr lang="de-DE" dirty="0" err="1"/>
-              <a:t>Korrekheit</a:t>
-            </a:r>
-            <a:r>
-              <a:rPr lang="de-DE" dirty="0"/>
-              <a:t>?</a:t>
-            </a:r>
+            <a:pPr marL="628650" lvl="1" indent="-171450">
+              <a:buFont typeface="Arial" panose="020B0604020202020204" pitchFamily="34" charset="0"/>
+              <a:buChar char="•"/>
+            </a:pPr>
+            <a:r>
+              <a:rPr lang="en-US" sz="1200" kern="1200" dirty="0" err="1" smtClean="0">
+                <a:solidFill>
+                  <a:schemeClr val="tx1"/>
+                </a:solidFill>
+                <a:latin typeface="Arial" panose="020B0604020202020204" pitchFamily="34" charset="0"/>
+                <a:ea typeface="+mn-ea"/>
+                <a:cs typeface="+mn-cs"/>
+              </a:rPr>
+              <a:t>IProgressMonitor</a:t>
+            </a:r>
+            <a:endParaRPr lang="en-US" sz="1200" kern="1200" dirty="0" smtClean="0">
+              <a:solidFill>
+                <a:schemeClr val="tx1"/>
+              </a:solidFill>
+              <a:latin typeface="Arial" panose="020B0604020202020204" pitchFamily="34" charset="0"/>
+              <a:ea typeface="+mn-ea"/>
+              <a:cs typeface="+mn-cs"/>
+            </a:endParaRPr>
           </a:p>
           <a:p>
-            <a:r>
-              <a:rPr lang="de-DE" dirty="0"/>
-              <a:t>Alle </a:t>
-            </a:r>
-            <a:r>
-              <a:rPr lang="de-DE" dirty="0" err="1"/>
-              <a:t>unterpunkte</a:t>
-            </a:r>
-            <a:r>
-              <a:rPr lang="de-DE" dirty="0"/>
-              <a:t> verstehen?</a:t>
-            </a:r>
+            <a:pPr marL="628650" lvl="1" indent="-171450">
+              <a:buFont typeface="Arial" panose="020B0604020202020204" pitchFamily="34" charset="0"/>
+              <a:buChar char="•"/>
+            </a:pPr>
+            <a:r>
+              <a:rPr lang="en-US" sz="1200" kern="1200" dirty="0" err="1" smtClean="0">
+                <a:solidFill>
+                  <a:schemeClr val="tx1"/>
+                </a:solidFill>
+                <a:latin typeface="Arial" panose="020B0604020202020204" pitchFamily="34" charset="0"/>
+                <a:ea typeface="+mn-ea"/>
+                <a:cs typeface="+mn-cs"/>
+              </a:rPr>
+              <a:t>ITopologyItem</a:t>
+            </a:r>
+            <a:endParaRPr lang="en-US" sz="1200" kern="1200" dirty="0" smtClean="0">
+              <a:solidFill>
+                <a:schemeClr val="tx1"/>
+              </a:solidFill>
+              <a:latin typeface="Arial" panose="020B0604020202020204" pitchFamily="34" charset="0"/>
+              <a:ea typeface="+mn-ea"/>
+              <a:cs typeface="+mn-cs"/>
+            </a:endParaRPr>
+          </a:p>
+          <a:p>
+            <a:pPr marL="171450" lvl="0" indent="-171450">
+              <a:buFont typeface="Arial" panose="020B0604020202020204" pitchFamily="34" charset="0"/>
+              <a:buChar char="•"/>
+            </a:pPr>
+            <a:r>
+              <a:rPr lang="de-DE" sz="1200" b="1" kern="1200" dirty="0" smtClean="0">
+                <a:solidFill>
+                  <a:schemeClr val="tx1"/>
+                </a:solidFill>
+                <a:latin typeface="Arial" panose="020B0604020202020204" pitchFamily="34" charset="0"/>
+                <a:ea typeface="+mn-ea"/>
+                <a:cs typeface="+mn-cs"/>
+              </a:rPr>
+              <a:t>Prism.Unity.dll</a:t>
+            </a:r>
+          </a:p>
+          <a:p>
+            <a:pPr marL="628650" lvl="1" indent="-171450">
+              <a:buFont typeface="Arial" panose="020B0604020202020204" pitchFamily="34" charset="0"/>
+              <a:buChar char="•"/>
+            </a:pPr>
+            <a:r>
+              <a:rPr lang="de-DE" sz="1200" kern="1200" dirty="0" err="1" smtClean="0">
+                <a:solidFill>
+                  <a:schemeClr val="tx1"/>
+                </a:solidFill>
+                <a:latin typeface="Arial" panose="020B0604020202020204" pitchFamily="34" charset="0"/>
+                <a:ea typeface="+mn-ea"/>
+                <a:cs typeface="+mn-cs"/>
+              </a:rPr>
+              <a:t>IUnityContainer</a:t>
+            </a:r>
+            <a:endParaRPr lang="de-DE" sz="1200" kern="1200" dirty="0" smtClean="0">
+              <a:solidFill>
+                <a:schemeClr val="tx1"/>
+              </a:solidFill>
+              <a:latin typeface="Arial" panose="020B0604020202020204" pitchFamily="34" charset="0"/>
+              <a:ea typeface="+mn-ea"/>
+              <a:cs typeface="+mn-cs"/>
+            </a:endParaRPr>
+          </a:p>
+          <a:p>
+            <a:pPr marL="628650" lvl="1" indent="-171450">
+              <a:buFont typeface="Arial" panose="020B0604020202020204" pitchFamily="34" charset="0"/>
+              <a:buChar char="•"/>
+            </a:pPr>
+            <a:r>
+              <a:rPr lang="en-US" sz="1200" kern="1200" dirty="0" err="1" smtClean="0">
+                <a:solidFill>
+                  <a:schemeClr val="tx1"/>
+                </a:solidFill>
+                <a:latin typeface="Arial" panose="020B0604020202020204" pitchFamily="34" charset="0"/>
+                <a:ea typeface="+mn-ea"/>
+                <a:cs typeface="+mn-cs"/>
+              </a:rPr>
+              <a:t>IRegionManager</a:t>
+            </a:r>
+            <a:endParaRPr lang="en-US" sz="1200" kern="1200" dirty="0" smtClean="0">
+              <a:solidFill>
+                <a:schemeClr val="tx1"/>
+              </a:solidFill>
+              <a:latin typeface="Arial" panose="020B0604020202020204" pitchFamily="34" charset="0"/>
+              <a:ea typeface="+mn-ea"/>
+              <a:cs typeface="+mn-cs"/>
+            </a:endParaRPr>
+          </a:p>
+          <a:p>
+            <a:pPr marL="628650" lvl="1" indent="-171450">
+              <a:buFont typeface="Arial" panose="020B0604020202020204" pitchFamily="34" charset="0"/>
+              <a:buChar char="•"/>
+            </a:pPr>
+            <a:r>
+              <a:rPr lang="en-US" sz="1200" kern="1200" dirty="0" err="1" smtClean="0">
+                <a:solidFill>
+                  <a:schemeClr val="tx1"/>
+                </a:solidFill>
+                <a:latin typeface="Arial" panose="020B0604020202020204" pitchFamily="34" charset="0"/>
+                <a:ea typeface="+mn-ea"/>
+                <a:cs typeface="+mn-cs"/>
+              </a:rPr>
+              <a:t>IRegion</a:t>
+            </a:r>
+            <a:endParaRPr lang="de-DE" sz="1200" kern="1200" dirty="0" smtClean="0">
+              <a:solidFill>
+                <a:schemeClr val="tx1"/>
+              </a:solidFill>
+              <a:latin typeface="Arial" panose="020B0604020202020204" pitchFamily="34" charset="0"/>
+              <a:ea typeface="+mn-ea"/>
+              <a:cs typeface="+mn-cs"/>
+            </a:endParaRPr>
+          </a:p>
+          <a:p>
+            <a:pPr marL="171450" lvl="0" indent="-171450">
+              <a:buFont typeface="Arial" panose="020B0604020202020204" pitchFamily="34" charset="0"/>
+              <a:buChar char="•"/>
+            </a:pPr>
+            <a:r>
+              <a:rPr lang="de-DE" sz="1200" b="1" kern="1200" dirty="0" smtClean="0">
+                <a:solidFill>
+                  <a:schemeClr val="tx1"/>
+                </a:solidFill>
+                <a:latin typeface="Arial" panose="020B0604020202020204" pitchFamily="34" charset="0"/>
+                <a:ea typeface="+mn-ea"/>
+                <a:cs typeface="+mn-cs"/>
+              </a:rPr>
+              <a:t>Prism.dll (</a:t>
+            </a:r>
+            <a:r>
+              <a:rPr lang="de-DE" sz="1200" b="1" kern="1200" dirty="0" err="1" smtClean="0">
+                <a:solidFill>
+                  <a:schemeClr val="tx1"/>
+                </a:solidFill>
+                <a:latin typeface="Arial" panose="020B0604020202020204" pitchFamily="34" charset="0"/>
+                <a:ea typeface="+mn-ea"/>
+                <a:cs typeface="+mn-cs"/>
+              </a:rPr>
+              <a:t>Id</a:t>
+            </a:r>
+            <a:r>
+              <a:rPr lang="de-DE" sz="1200" b="1" kern="1200" dirty="0" smtClean="0">
+                <a:solidFill>
+                  <a:schemeClr val="tx1"/>
+                </a:solidFill>
+                <a:latin typeface="Arial" panose="020B0604020202020204" pitchFamily="34" charset="0"/>
+                <a:ea typeface="+mn-ea"/>
+                <a:cs typeface="+mn-cs"/>
+              </a:rPr>
+              <a:t>= </a:t>
+            </a:r>
+            <a:r>
+              <a:rPr lang="de-DE" sz="1200" b="1" kern="1200" dirty="0" err="1" smtClean="0">
+                <a:solidFill>
+                  <a:schemeClr val="tx1"/>
+                </a:solidFill>
+                <a:latin typeface="Arial" panose="020B0604020202020204" pitchFamily="34" charset="0"/>
+                <a:ea typeface="+mn-ea"/>
+                <a:cs typeface="+mn-cs"/>
+              </a:rPr>
+              <a:t>Prism.core</a:t>
+            </a:r>
+            <a:r>
+              <a:rPr lang="de-DE" sz="1200" b="1" kern="1200" dirty="0" smtClean="0">
+                <a:solidFill>
+                  <a:schemeClr val="tx1"/>
+                </a:solidFill>
+                <a:latin typeface="Arial" panose="020B0604020202020204" pitchFamily="34" charset="0"/>
+                <a:ea typeface="+mn-ea"/>
+                <a:cs typeface="+mn-cs"/>
+              </a:rPr>
+              <a:t>)</a:t>
+            </a:r>
+          </a:p>
+          <a:p>
+            <a:pPr marL="628650" lvl="1" indent="-171450">
+              <a:buFont typeface="Arial" panose="020B0604020202020204" pitchFamily="34" charset="0"/>
+              <a:buChar char="•"/>
+            </a:pPr>
+            <a:r>
+              <a:rPr lang="en-US" sz="1200" kern="1200" dirty="0" err="1" smtClean="0">
+                <a:solidFill>
+                  <a:schemeClr val="tx1"/>
+                </a:solidFill>
+                <a:latin typeface="Arial" panose="020B0604020202020204" pitchFamily="34" charset="0"/>
+                <a:ea typeface="+mn-ea"/>
+                <a:cs typeface="+mn-cs"/>
+              </a:rPr>
+              <a:t>IModule</a:t>
+            </a:r>
+            <a:endParaRPr lang="en-US" sz="1200" kern="1200" dirty="0" smtClean="0">
+              <a:solidFill>
+                <a:schemeClr val="tx1"/>
+              </a:solidFill>
+              <a:latin typeface="Arial" panose="020B0604020202020204" pitchFamily="34" charset="0"/>
+              <a:ea typeface="+mn-ea"/>
+              <a:cs typeface="+mn-cs"/>
+            </a:endParaRPr>
+          </a:p>
+          <a:p>
+            <a:pPr marL="628650" lvl="1" indent="-171450">
+              <a:buFont typeface="Arial" panose="020B0604020202020204" pitchFamily="34" charset="0"/>
+              <a:buChar char="•"/>
+            </a:pPr>
+            <a:r>
+              <a:rPr lang="en-US" sz="1200" kern="1200" dirty="0" err="1" smtClean="0">
+                <a:solidFill>
+                  <a:schemeClr val="tx1"/>
+                </a:solidFill>
+                <a:latin typeface="Arial" panose="020B0604020202020204" pitchFamily="34" charset="0"/>
+                <a:ea typeface="+mn-ea"/>
+                <a:cs typeface="+mn-cs"/>
+              </a:rPr>
+              <a:t>IEventAggregator</a:t>
+            </a:r>
+            <a:endParaRPr lang="en-US" sz="1200" kern="1200" dirty="0" smtClean="0">
+              <a:solidFill>
+                <a:schemeClr val="tx1"/>
+              </a:solidFill>
+              <a:latin typeface="Arial" panose="020B0604020202020204" pitchFamily="34" charset="0"/>
+              <a:ea typeface="+mn-ea"/>
+              <a:cs typeface="+mn-cs"/>
+            </a:endParaRPr>
+          </a:p>
+          <a:p>
+            <a:pPr marL="628650" lvl="1" indent="-171450">
+              <a:buFont typeface="Arial" panose="020B0604020202020204" pitchFamily="34" charset="0"/>
+              <a:buChar char="•"/>
+            </a:pPr>
+            <a:endParaRPr lang="de-DE" sz="1200" kern="1200" dirty="0" smtClean="0">
+              <a:solidFill>
+                <a:schemeClr val="tx1"/>
+              </a:solidFill>
+              <a:latin typeface="Arial" panose="020B0604020202020204" pitchFamily="34" charset="0"/>
+              <a:ea typeface="+mn-ea"/>
+              <a:cs typeface="+mn-cs"/>
+            </a:endParaRPr>
+          </a:p>
+          <a:p>
+            <a:pPr marL="628650" lvl="1" indent="-171450">
+              <a:buFont typeface="Arial" panose="020B0604020202020204" pitchFamily="34" charset="0"/>
+              <a:buChar char="•"/>
+            </a:pPr>
+            <a:endParaRPr lang="en-US" sz="1200" kern="1200" dirty="0" smtClean="0">
+              <a:solidFill>
+                <a:schemeClr val="tx1"/>
+              </a:solidFill>
+              <a:latin typeface="Arial" panose="020B0604020202020204" pitchFamily="34" charset="0"/>
+              <a:ea typeface="+mn-ea"/>
+              <a:cs typeface="+mn-cs"/>
+            </a:endParaRPr>
+          </a:p>
+          <a:p>
+            <a:pPr marL="1085850" lvl="2" indent="-171450">
+              <a:buFont typeface="Arial" panose="020B0604020202020204" pitchFamily="34" charset="0"/>
+              <a:buChar char="•"/>
+            </a:pPr>
+            <a:endParaRPr lang="en-US" sz="1200" kern="1200" dirty="0" smtClean="0">
+              <a:solidFill>
+                <a:schemeClr val="tx1"/>
+              </a:solidFill>
+              <a:latin typeface="Arial" panose="020B0604020202020204" pitchFamily="34" charset="0"/>
+              <a:ea typeface="+mn-ea"/>
+              <a:cs typeface="+mn-cs"/>
+            </a:endParaRPr>
+          </a:p>
+          <a:p>
+            <a:endParaRPr lang="de-DE" dirty="0"/>
           </a:p>
         </p:txBody>
       </p:sp>
@@ -18146,7 +16706,7 @@
             <a:fld id="{7C56EBB8-86B7-4B17-9FE6-1D6C78FAEC35}" type="slidenum">
               <a:rPr lang="de-DE" altLang="de-DE" smtClean="0"/>
               <a:pPr/>
-              <a:t>15</a:t>
+              <a:t>12</a:t>
             </a:fld>
             <a:endParaRPr lang="de-DE" altLang="de-DE"/>
           </a:p>
@@ -18155,7 +16715,7 @@
     </p:spTree>
     <p:extLst>
       <p:ext uri="{BB962C8B-B14F-4D97-AF65-F5344CB8AC3E}">
-        <p14:creationId xmlns:p14="http://schemas.microsoft.com/office/powerpoint/2010/main" val="3964579411"/>
+        <p14:creationId xmlns:p14="http://schemas.microsoft.com/office/powerpoint/2010/main" val="399988329"/>
       </p:ext>
     </p:extLst>
   </p:cSld>
@@ -21734,6 +20294,14 @@
               </a:rPr>
               <a:t>Intelligente Lösungen für die industrielle Kommunikation</a:t>
             </a:r>
+            <a:r>
+              <a:rPr lang="de-DE" altLang="de-DE" sz="1400">
+                <a:solidFill>
+                  <a:schemeClr val="bg1"/>
+                </a:solidFill>
+              </a:rPr>
+              <a:t/>
+            </a:r>
             <a:br>
               <a:rPr lang="de-DE" altLang="de-DE" sz="1400">
                 <a:solidFill>
@@ -21757,6 +20325,13 @@
   <p:transition>
     <p:randomBar/>
   </p:transition>
+  <p:timing>
+    <p:tnLst>
+      <p:par>
+        <p:cTn id="1" dur="indefinite" restart="never" nodeType="tmRoot"/>
+      </p:par>
+    </p:tnLst>
+  </p:timing>
 </p:sld>
 </file>
 
@@ -21833,15 +20408,10 @@
           </a:p>
           <a:p>
             <a:r>
-              <a:rPr lang="de-DE" dirty="0"/>
+              <a:rPr lang="de-DE" dirty="0" smtClean="0"/>
               <a:t>Design-Übersicht</a:t>
             </a:r>
-          </a:p>
-          <a:p>
-            <a:r>
-              <a:rPr lang="de-DE" dirty="0"/>
-              <a:t>Anforderungs-Matrix</a:t>
-            </a:r>
+            <a:endParaRPr lang="de-DE" dirty="0"/>
           </a:p>
           <a:p>
             <a:r>
@@ -21935,6 +20505,13 @@
   <p:transition>
     <p:zoom/>
   </p:transition>
+  <p:timing>
+    <p:tnLst>
+      <p:par>
+        <p:cTn id="1" dur="indefinite" restart="never" nodeType="tmRoot"/>
+      </p:par>
+    </p:tnLst>
+  </p:timing>
 </p:sld>
 </file>
 
@@ -22016,6 +20593,9 @@
             <a:endParaRPr lang="de-DE" dirty="0"/>
           </a:p>
           <a:p>
+            <a:pPr marL="0" indent="0">
+              <a:buNone/>
+            </a:pPr>
             <a:endParaRPr lang="en-US" dirty="0"/>
           </a:p>
           <a:p>
@@ -22025,6 +20605,9 @@
             <a:endParaRPr lang="de-DE" dirty="0"/>
           </a:p>
           <a:p>
+            <a:pPr marL="0" indent="0">
+              <a:buNone/>
+            </a:pPr>
             <a:endParaRPr lang="de-DE" dirty="0"/>
           </a:p>
         </p:txBody>
@@ -22338,28 +20921,1437 @@
       </p:sp>
       <p:sp>
         <p:nvSpPr>
-          <p:cNvPr id="8" name="Abgerundetes Rechteck 7"/>
+          <p:cNvPr id="9" name="Abgerundetes Rechteck 8"/>
           <p:cNvSpPr/>
           <p:nvPr/>
         </p:nvSpPr>
         <p:spPr bwMode="auto">
           <a:xfrm>
-            <a:off x="863485" y="4797190"/>
-            <a:ext cx="5256730" cy="1267288"/>
+            <a:off x="587854" y="2204830"/>
+            <a:ext cx="528200" cy="3672510"/>
           </a:xfrm>
           <a:prstGeom prst="roundRect">
             <a:avLst/>
           </a:prstGeom>
-          <a:solidFill>
-            <a:srgbClr val="C00000"/>
-          </a:solidFill>
-          <a:ln w="25400">
+          <a:ln/>
+          <a:extLst/>
+        </p:spPr>
+        <p:style>
+          <a:lnRef idx="2">
+            <a:schemeClr val="accent1">
+              <a:shade val="50000"/>
+            </a:schemeClr>
+          </a:lnRef>
+          <a:fillRef idx="1">
+            <a:schemeClr val="accent1"/>
+          </a:fillRef>
+          <a:effectRef idx="0">
+            <a:schemeClr val="accent1"/>
+          </a:effectRef>
+          <a:fontRef idx="minor">
+            <a:schemeClr val="lt1"/>
+          </a:fontRef>
+        </p:style>
+        <p:txBody>
+          <a:bodyPr vert="vert270" wrap="square" lIns="91440" tIns="45720" rIns="91440" bIns="45720" numCol="1" rtlCol="0" anchor="ctr" anchorCtr="0" compatLnSpc="1">
+            <a:prstTxWarp prst="textNoShape">
+              <a:avLst/>
+            </a:prstTxWarp>
+          </a:bodyPr>
+          <a:lstStyle/>
+          <a:p>
+            <a:pPr marR="0" algn="l" defTabSz="914400" rtl="0" eaLnBrk="1" fontAlgn="base" latinLnBrk="0" hangingPunct="1">
+              <a:lnSpc>
+                <a:spcPct val="100000"/>
+              </a:lnSpc>
+              <a:spcBef>
+                <a:spcPct val="20000"/>
+              </a:spcBef>
+              <a:spcAft>
+                <a:spcPct val="0"/>
+              </a:spcAft>
+              <a:buClr>
+                <a:srgbClr val="DF0029"/>
+              </a:buClr>
+              <a:buSzPct val="140000"/>
+              <a:buNone/>
+              <a:tabLst/>
+            </a:pPr>
+            <a:r>
+              <a:rPr kumimoji="0" lang="de-DE" sz="2400" b="0" i="0" u="none" strike="noStrike" cap="none" normalizeH="0" baseline="0" dirty="0" err="1" smtClean="0">
+                <a:ln>
+                  <a:noFill/>
+                </a:ln>
+                <a:solidFill>
+                  <a:srgbClr val="5F5F5F"/>
+                </a:solidFill>
+                <a:effectLst/>
+                <a:latin typeface="Arial" panose="020B0604020202020204" pitchFamily="34" charset="0"/>
+              </a:rPr>
+              <a:t>Topology</a:t>
+            </a:r>
+            <a:r>
+              <a:rPr kumimoji="0" lang="de-DE" sz="2400" b="0" i="0" u="none" strike="noStrike" cap="none" normalizeH="0" baseline="0" dirty="0" smtClean="0">
+                <a:ln>
+                  <a:noFill/>
+                </a:ln>
+                <a:solidFill>
+                  <a:srgbClr val="5F5F5F"/>
+                </a:solidFill>
+                <a:effectLst/>
+                <a:latin typeface="Arial" panose="020B0604020202020204" pitchFamily="34" charset="0"/>
+              </a:rPr>
+              <a:t>-Editor-Client</a:t>
+            </a:r>
+            <a:endParaRPr kumimoji="0" lang="en-US" sz="2400" b="0" i="0" u="none" strike="noStrike" cap="none" normalizeH="0" baseline="0" dirty="0" smtClean="0">
+              <a:ln>
+                <a:noFill/>
+              </a:ln>
+              <a:solidFill>
+                <a:srgbClr val="5F5F5F"/>
+              </a:solidFill>
+              <a:effectLst/>
+              <a:latin typeface="Arial" panose="020B0604020202020204" pitchFamily="34" charset="0"/>
+            </a:endParaRPr>
+          </a:p>
+        </p:txBody>
+      </p:sp>
+      <p:pic>
+        <p:nvPicPr>
+          <p:cNvPr id="13" name="Grafik 12"/>
+          <p:cNvPicPr>
+            <a:picLocks noChangeAspect="1"/>
+          </p:cNvPicPr>
+          <p:nvPr/>
+        </p:nvPicPr>
+        <p:blipFill>
+          <a:blip r:embed="rId3"/>
+          <a:stretch>
+            <a:fillRect/>
+          </a:stretch>
+        </p:blipFill>
+        <p:spPr>
+          <a:xfrm rot="21283219">
+            <a:off x="1625370" y="3549887"/>
+            <a:ext cx="1616815" cy="981075"/>
+          </a:xfrm>
+          <a:prstGeom prst="rect">
+            <a:avLst/>
+          </a:prstGeom>
+        </p:spPr>
+      </p:pic>
+      <p:sp>
+        <p:nvSpPr>
+          <p:cNvPr id="14" name="Textfeld 13"/>
+          <p:cNvSpPr txBox="1"/>
+          <p:nvPr/>
+        </p:nvSpPr>
+        <p:spPr>
+          <a:xfrm>
+            <a:off x="1756003" y="3809591"/>
+            <a:ext cx="1869966" cy="461665"/>
+          </a:xfrm>
+          <a:prstGeom prst="rect">
+            <a:avLst/>
+          </a:prstGeom>
+          <a:noFill/>
+        </p:spPr>
+        <p:txBody>
+          <a:bodyPr wrap="square" rtlCol="0">
+            <a:spAutoFit/>
+          </a:bodyPr>
+          <a:lstStyle/>
+          <a:p>
+            <a:pPr>
+              <a:buNone/>
+            </a:pPr>
+            <a:r>
+              <a:rPr lang="de-DE" dirty="0" smtClean="0"/>
+              <a:t>Internet</a:t>
+            </a:r>
+            <a:endParaRPr lang="en-US" dirty="0"/>
+          </a:p>
+        </p:txBody>
+      </p:sp>
+      <p:pic>
+        <p:nvPicPr>
+          <p:cNvPr id="17" name="Grafik 16"/>
+          <p:cNvPicPr>
+            <a:picLocks noChangeAspect="1"/>
+          </p:cNvPicPr>
+          <p:nvPr/>
+        </p:nvPicPr>
+        <p:blipFill>
+          <a:blip r:embed="rId4"/>
+          <a:stretch>
+            <a:fillRect/>
+          </a:stretch>
+        </p:blipFill>
+        <p:spPr>
+          <a:xfrm>
+            <a:off x="7472971" y="2539515"/>
+            <a:ext cx="1053530" cy="584800"/>
+          </a:xfrm>
+          <a:prstGeom prst="rect">
+            <a:avLst/>
+          </a:prstGeom>
+        </p:spPr>
+      </p:pic>
+      <p:sp>
+        <p:nvSpPr>
+          <p:cNvPr id="18" name="Rechteck 17"/>
+          <p:cNvSpPr/>
+          <p:nvPr/>
+        </p:nvSpPr>
+        <p:spPr bwMode="auto">
+          <a:xfrm>
+            <a:off x="7472971" y="3284981"/>
+            <a:ext cx="1275609" cy="2376330"/>
+          </a:xfrm>
+          <a:prstGeom prst="rect">
+            <a:avLst/>
+          </a:prstGeom>
+          <a:noFill/>
+          <a:ln/>
+          <a:extLst/>
+        </p:spPr>
+        <p:style>
+          <a:lnRef idx="2">
+            <a:schemeClr val="accent1">
+              <a:shade val="50000"/>
+            </a:schemeClr>
+          </a:lnRef>
+          <a:fillRef idx="1">
+            <a:schemeClr val="accent1"/>
+          </a:fillRef>
+          <a:effectRef idx="0">
+            <a:schemeClr val="accent1"/>
+          </a:effectRef>
+          <a:fontRef idx="minor">
+            <a:schemeClr val="lt1"/>
+          </a:fontRef>
+        </p:style>
+        <p:txBody>
+          <a:bodyPr vert="horz" wrap="square" lIns="91440" tIns="45720" rIns="91440" bIns="45720" numCol="1" rtlCol="0" anchor="t" anchorCtr="0" compatLnSpc="1">
+            <a:prstTxWarp prst="textNoShape">
+              <a:avLst/>
+            </a:prstTxWarp>
+          </a:bodyPr>
+          <a:lstStyle/>
+          <a:p>
+            <a:pPr marL="342900" marR="0" indent="-342900" algn="l" defTabSz="914400" rtl="0" eaLnBrk="1" fontAlgn="base" latinLnBrk="0" hangingPunct="1">
+              <a:lnSpc>
+                <a:spcPct val="100000"/>
+              </a:lnSpc>
+              <a:spcBef>
+                <a:spcPct val="20000"/>
+              </a:spcBef>
+              <a:spcAft>
+                <a:spcPct val="0"/>
+              </a:spcAft>
+              <a:buClr>
+                <a:srgbClr val="DF0029"/>
+              </a:buClr>
+              <a:buSzPct val="140000"/>
+              <a:buFont typeface="Wingdings" panose="05000000000000000000" pitchFamily="2" charset="2"/>
+              <a:buChar char="§"/>
+              <a:tabLst/>
+            </a:pPr>
+            <a:endParaRPr kumimoji="0" lang="en-US" sz="2400" b="0" i="0" u="none" strike="noStrike" cap="none" normalizeH="0" baseline="0" smtClean="0">
+              <a:ln>
+                <a:noFill/>
+              </a:ln>
+              <a:solidFill>
+                <a:srgbClr val="5F5F5F"/>
+              </a:solidFill>
+              <a:effectLst/>
+              <a:latin typeface="Arial" panose="020B0604020202020204" pitchFamily="34" charset="0"/>
+            </a:endParaRPr>
+          </a:p>
+        </p:txBody>
+      </p:sp>
+      <p:pic>
+        <p:nvPicPr>
+          <p:cNvPr id="20" name="Grafik 19"/>
+          <p:cNvPicPr>
+            <a:picLocks noChangeAspect="1"/>
+          </p:cNvPicPr>
+          <p:nvPr/>
+        </p:nvPicPr>
+        <p:blipFill>
+          <a:blip r:embed="rId5"/>
+          <a:stretch>
+            <a:fillRect/>
+          </a:stretch>
+        </p:blipFill>
+        <p:spPr>
+          <a:xfrm>
+            <a:off x="7597648" y="3327953"/>
+            <a:ext cx="1080000" cy="442877"/>
+          </a:xfrm>
+          <a:prstGeom prst="rect">
+            <a:avLst/>
+          </a:prstGeom>
+        </p:spPr>
+      </p:pic>
+      <p:pic>
+        <p:nvPicPr>
+          <p:cNvPr id="21" name="Grafik 20"/>
+          <p:cNvPicPr>
+            <a:picLocks noChangeAspect="1"/>
+          </p:cNvPicPr>
+          <p:nvPr/>
+        </p:nvPicPr>
+        <p:blipFill>
+          <a:blip r:embed="rId6"/>
+          <a:stretch>
+            <a:fillRect/>
+          </a:stretch>
+        </p:blipFill>
+        <p:spPr>
+          <a:xfrm>
+            <a:off x="7597648" y="3811598"/>
+            <a:ext cx="1080000" cy="480458"/>
+          </a:xfrm>
+          <a:prstGeom prst="rect">
+            <a:avLst/>
+          </a:prstGeom>
+        </p:spPr>
+      </p:pic>
+      <p:pic>
+        <p:nvPicPr>
+          <p:cNvPr id="22" name="Grafik 21"/>
+          <p:cNvPicPr>
+            <a:picLocks noChangeAspect="1"/>
+          </p:cNvPicPr>
+          <p:nvPr/>
+        </p:nvPicPr>
+        <p:blipFill>
+          <a:blip r:embed="rId7"/>
+          <a:stretch>
+            <a:fillRect/>
+          </a:stretch>
+        </p:blipFill>
+        <p:spPr>
+          <a:xfrm>
+            <a:off x="7597648" y="4332824"/>
+            <a:ext cx="949153" cy="1328486"/>
+          </a:xfrm>
+          <a:prstGeom prst="rect">
+            <a:avLst/>
+          </a:prstGeom>
+        </p:spPr>
+      </p:pic>
+      <p:cxnSp>
+        <p:nvCxnSpPr>
+          <p:cNvPr id="25" name="Gerade Verbindung mit Pfeil 24"/>
+          <p:cNvCxnSpPr/>
+          <p:nvPr/>
+        </p:nvCxnSpPr>
+        <p:spPr bwMode="auto">
+          <a:xfrm rot="-420000">
+            <a:off x="1161921" y="4026007"/>
+            <a:ext cx="563213" cy="74389"/>
+          </a:xfrm>
+          <a:prstGeom prst="straightConnector1">
+            <a:avLst/>
+          </a:prstGeom>
+          <a:noFill/>
+          <a:ln w="25400" cap="flat" cmpd="sng" algn="ctr">
             <a:solidFill>
-              <a:srgbClr val="C00000"/>
+              <a:schemeClr val="tx1"/>
             </a:solidFill>
+            <a:prstDash val="sysDot"/>
+            <a:round/>
+            <a:headEnd type="triangle" w="med" len="med"/>
+            <a:tailEnd type="triangle" w="med" len="med"/>
           </a:ln>
           <a:effectLst/>
+          <a:extLst>
+            <a:ext uri="{909E8E84-426E-40DD-AFC4-6F175D3DCCD1}">
+              <a14:hiddenFill xmlns:a14="http://schemas.microsoft.com/office/drawing/2010/main">
+                <a:solidFill>
+                  <a:schemeClr val="accent1"/>
+                </a:solidFill>
+              </a14:hiddenFill>
+            </a:ext>
+            <a:ext uri="{AF507438-7753-43E0-B8FC-AC1667EBCBE1}">
+              <a14:hiddenEffects xmlns:a14="http://schemas.microsoft.com/office/drawing/2010/main">
+                <a:effectLst>
+                  <a:outerShdw dist="35921" dir="2700000" algn="ctr" rotWithShape="0">
+                    <a:schemeClr val="bg2"/>
+                  </a:outerShdw>
+                </a:effectLst>
+              </a14:hiddenEffects>
+            </a:ext>
+          </a:extLst>
+        </p:spPr>
+      </p:cxnSp>
+      <p:cxnSp>
+        <p:nvCxnSpPr>
+          <p:cNvPr id="31" name="Gerade Verbindung mit Pfeil 30"/>
+          <p:cNvCxnSpPr/>
+          <p:nvPr/>
+        </p:nvCxnSpPr>
+        <p:spPr bwMode="auto">
+          <a:xfrm rot="-420000">
+            <a:off x="3181534" y="4003228"/>
+            <a:ext cx="563213" cy="74389"/>
+          </a:xfrm>
+          <a:prstGeom prst="straightConnector1">
+            <a:avLst/>
+          </a:prstGeom>
+          <a:noFill/>
+          <a:ln w="25400" cap="flat" cmpd="sng" algn="ctr">
+            <a:solidFill>
+              <a:schemeClr val="tx1"/>
+            </a:solidFill>
+            <a:prstDash val="sysDot"/>
+            <a:round/>
+            <a:headEnd type="triangle" w="med" len="med"/>
+            <a:tailEnd type="triangle" w="med" len="med"/>
+          </a:ln>
+          <a:effectLst/>
+          <a:extLst>
+            <a:ext uri="{909E8E84-426E-40DD-AFC4-6F175D3DCCD1}">
+              <a14:hiddenFill xmlns:a14="http://schemas.microsoft.com/office/drawing/2010/main">
+                <a:solidFill>
+                  <a:schemeClr val="accent1"/>
+                </a:solidFill>
+              </a14:hiddenFill>
+            </a:ext>
+            <a:ext uri="{AF507438-7753-43E0-B8FC-AC1667EBCBE1}">
+              <a14:hiddenEffects xmlns:a14="http://schemas.microsoft.com/office/drawing/2010/main">
+                <a:effectLst>
+                  <a:outerShdw dist="35921" dir="2700000" algn="ctr" rotWithShape="0">
+                    <a:schemeClr val="bg2"/>
+                  </a:outerShdw>
+                </a:effectLst>
+              </a14:hiddenEffects>
+            </a:ext>
+          </a:extLst>
+        </p:spPr>
+      </p:cxnSp>
+      <p:sp>
+        <p:nvSpPr>
+          <p:cNvPr id="35" name="Abgerundetes Rechteck 34"/>
+          <p:cNvSpPr/>
+          <p:nvPr/>
+        </p:nvSpPr>
+        <p:spPr bwMode="auto">
+          <a:xfrm>
+            <a:off x="3764746" y="2204830"/>
+            <a:ext cx="528200" cy="3672510"/>
+          </a:xfrm>
+          <a:prstGeom prst="roundRect">
+            <a:avLst/>
+          </a:prstGeom>
+          <a:ln/>
           <a:extLst/>
+        </p:spPr>
+        <p:style>
+          <a:lnRef idx="2">
+            <a:schemeClr val="accent1">
+              <a:shade val="50000"/>
+            </a:schemeClr>
+          </a:lnRef>
+          <a:fillRef idx="1">
+            <a:schemeClr val="accent1"/>
+          </a:fillRef>
+          <a:effectRef idx="0">
+            <a:schemeClr val="accent1"/>
+          </a:effectRef>
+          <a:fontRef idx="minor">
+            <a:schemeClr val="lt1"/>
+          </a:fontRef>
+        </p:style>
+        <p:txBody>
+          <a:bodyPr vert="vert270" wrap="square" lIns="91440" tIns="45720" rIns="91440" bIns="45720" numCol="1" rtlCol="0" anchor="ctr" anchorCtr="0" compatLnSpc="1">
+            <a:prstTxWarp prst="textNoShape">
+              <a:avLst/>
+            </a:prstTxWarp>
+          </a:bodyPr>
+          <a:lstStyle/>
+          <a:p>
+            <a:pPr marR="0" algn="l" defTabSz="914400" rtl="0" eaLnBrk="1" fontAlgn="base" latinLnBrk="0" hangingPunct="1">
+              <a:lnSpc>
+                <a:spcPct val="100000"/>
+              </a:lnSpc>
+              <a:spcBef>
+                <a:spcPct val="20000"/>
+              </a:spcBef>
+              <a:spcAft>
+                <a:spcPct val="0"/>
+              </a:spcAft>
+              <a:buClr>
+                <a:srgbClr val="DF0029"/>
+              </a:buClr>
+              <a:buSzPct val="140000"/>
+              <a:buNone/>
+              <a:tabLst/>
+            </a:pPr>
+            <a:r>
+              <a:rPr kumimoji="0" lang="de-DE" sz="2400" b="0" i="0" u="none" strike="noStrike" cap="none" normalizeH="0" baseline="0" dirty="0" err="1" smtClean="0">
+                <a:ln>
+                  <a:noFill/>
+                </a:ln>
+                <a:solidFill>
+                  <a:srgbClr val="5F5F5F"/>
+                </a:solidFill>
+                <a:effectLst/>
+                <a:latin typeface="Arial" panose="020B0604020202020204" pitchFamily="34" charset="0"/>
+              </a:rPr>
+              <a:t>Topology</a:t>
+            </a:r>
+            <a:r>
+              <a:rPr kumimoji="0" lang="de-DE" sz="2400" b="0" i="0" u="none" strike="noStrike" cap="none" normalizeH="0" baseline="0" dirty="0" smtClean="0">
+                <a:ln>
+                  <a:noFill/>
+                </a:ln>
+                <a:solidFill>
+                  <a:srgbClr val="5F5F5F"/>
+                </a:solidFill>
+                <a:effectLst/>
+                <a:latin typeface="Arial" panose="020B0604020202020204" pitchFamily="34" charset="0"/>
+              </a:rPr>
+              <a:t>-Editor-Server</a:t>
+            </a:r>
+            <a:endParaRPr kumimoji="0" lang="en-US" sz="2400" b="0" i="0" u="none" strike="noStrike" cap="none" normalizeH="0" baseline="0" dirty="0" smtClean="0">
+              <a:ln>
+                <a:noFill/>
+              </a:ln>
+              <a:solidFill>
+                <a:srgbClr val="5F5F5F"/>
+              </a:solidFill>
+              <a:effectLst/>
+              <a:latin typeface="Arial" panose="020B0604020202020204" pitchFamily="34" charset="0"/>
+            </a:endParaRPr>
+          </a:p>
+        </p:txBody>
+      </p:sp>
+      <p:sp>
+        <p:nvSpPr>
+          <p:cNvPr id="36" name="Abgerundetes Rechteck 35"/>
+          <p:cNvSpPr/>
+          <p:nvPr/>
+        </p:nvSpPr>
+        <p:spPr bwMode="auto">
+          <a:xfrm>
+            <a:off x="4865642" y="2204830"/>
+            <a:ext cx="528200" cy="3672510"/>
+          </a:xfrm>
+          <a:prstGeom prst="roundRect">
+            <a:avLst/>
+          </a:prstGeom>
+          <a:ln/>
+          <a:extLst/>
+        </p:spPr>
+        <p:style>
+          <a:lnRef idx="2">
+            <a:schemeClr val="accent1">
+              <a:shade val="50000"/>
+            </a:schemeClr>
+          </a:lnRef>
+          <a:fillRef idx="1">
+            <a:schemeClr val="accent1"/>
+          </a:fillRef>
+          <a:effectRef idx="0">
+            <a:schemeClr val="accent1"/>
+          </a:effectRef>
+          <a:fontRef idx="minor">
+            <a:schemeClr val="lt1"/>
+          </a:fontRef>
+        </p:style>
+        <p:txBody>
+          <a:bodyPr vert="vert270" wrap="square" lIns="91440" tIns="45720" rIns="91440" bIns="45720" numCol="1" rtlCol="0" anchor="ctr" anchorCtr="0" compatLnSpc="1">
+            <a:prstTxWarp prst="textNoShape">
+              <a:avLst/>
+            </a:prstTxWarp>
+          </a:bodyPr>
+          <a:lstStyle/>
+          <a:p>
+            <a:pPr marR="0" algn="l" defTabSz="914400" rtl="0" eaLnBrk="1" fontAlgn="base" latinLnBrk="0" hangingPunct="1">
+              <a:lnSpc>
+                <a:spcPct val="100000"/>
+              </a:lnSpc>
+              <a:spcBef>
+                <a:spcPct val="20000"/>
+              </a:spcBef>
+              <a:spcAft>
+                <a:spcPct val="0"/>
+              </a:spcAft>
+              <a:buClr>
+                <a:srgbClr val="DF0029"/>
+              </a:buClr>
+              <a:buSzPct val="140000"/>
+              <a:buNone/>
+              <a:tabLst/>
+            </a:pPr>
+            <a:r>
+              <a:rPr kumimoji="0" lang="de-DE" sz="2400" b="0" i="0" u="none" strike="noStrike" cap="none" normalizeH="0" baseline="0" dirty="0" err="1" smtClean="0">
+                <a:ln>
+                  <a:noFill/>
+                </a:ln>
+                <a:solidFill>
+                  <a:srgbClr val="5F5F5F"/>
+                </a:solidFill>
+                <a:effectLst/>
+                <a:latin typeface="Arial" panose="020B0604020202020204" pitchFamily="34" charset="0"/>
+              </a:rPr>
+              <a:t>Topology</a:t>
+            </a:r>
+            <a:r>
+              <a:rPr kumimoji="0" lang="de-DE" sz="2400" b="0" i="0" u="none" strike="noStrike" cap="none" normalizeH="0" baseline="0" dirty="0" smtClean="0">
+                <a:ln>
+                  <a:noFill/>
+                </a:ln>
+                <a:solidFill>
+                  <a:srgbClr val="5F5F5F"/>
+                </a:solidFill>
+                <a:effectLst/>
+                <a:latin typeface="Arial" panose="020B0604020202020204" pitchFamily="34" charset="0"/>
+              </a:rPr>
+              <a:t>-Editor-Fassade</a:t>
+            </a:r>
+            <a:endParaRPr kumimoji="0" lang="en-US" sz="2400" b="0" i="0" u="none" strike="noStrike" cap="none" normalizeH="0" baseline="0" dirty="0" smtClean="0">
+              <a:ln>
+                <a:noFill/>
+              </a:ln>
+              <a:solidFill>
+                <a:srgbClr val="5F5F5F"/>
+              </a:solidFill>
+              <a:effectLst/>
+              <a:latin typeface="Arial" panose="020B0604020202020204" pitchFamily="34" charset="0"/>
+            </a:endParaRPr>
+          </a:p>
+        </p:txBody>
+      </p:sp>
+      <p:sp>
+        <p:nvSpPr>
+          <p:cNvPr id="37" name="Abgerundetes Rechteck 36"/>
+          <p:cNvSpPr/>
+          <p:nvPr/>
+        </p:nvSpPr>
+        <p:spPr bwMode="auto">
+          <a:xfrm>
+            <a:off x="5939085" y="2204830"/>
+            <a:ext cx="528200" cy="3672510"/>
+          </a:xfrm>
+          <a:prstGeom prst="roundRect">
+            <a:avLst/>
+          </a:prstGeom>
+          <a:ln/>
+          <a:extLst/>
+        </p:spPr>
+        <p:style>
+          <a:lnRef idx="2">
+            <a:schemeClr val="accent1">
+              <a:shade val="50000"/>
+            </a:schemeClr>
+          </a:lnRef>
+          <a:fillRef idx="1">
+            <a:schemeClr val="accent1"/>
+          </a:fillRef>
+          <a:effectRef idx="0">
+            <a:schemeClr val="accent1"/>
+          </a:effectRef>
+          <a:fontRef idx="minor">
+            <a:schemeClr val="lt1"/>
+          </a:fontRef>
+        </p:style>
+        <p:txBody>
+          <a:bodyPr vert="vert270" wrap="square" lIns="91440" tIns="45720" rIns="91440" bIns="45720" numCol="1" rtlCol="0" anchor="ctr" anchorCtr="0" compatLnSpc="1">
+            <a:prstTxWarp prst="textNoShape">
+              <a:avLst/>
+            </a:prstTxWarp>
+          </a:bodyPr>
+          <a:lstStyle/>
+          <a:p>
+            <a:pPr marR="0" algn="l" defTabSz="914400" rtl="0" eaLnBrk="1" fontAlgn="base" latinLnBrk="0" hangingPunct="1">
+              <a:lnSpc>
+                <a:spcPct val="100000"/>
+              </a:lnSpc>
+              <a:spcBef>
+                <a:spcPct val="20000"/>
+              </a:spcBef>
+              <a:spcAft>
+                <a:spcPct val="0"/>
+              </a:spcAft>
+              <a:buClr>
+                <a:srgbClr val="DF0029"/>
+              </a:buClr>
+              <a:buSzPct val="140000"/>
+              <a:buNone/>
+              <a:tabLst/>
+            </a:pPr>
+            <a:r>
+              <a:rPr kumimoji="0" lang="de-DE" sz="2400" b="0" i="0" u="none" strike="noStrike" cap="none" normalizeH="0" baseline="0" dirty="0" smtClean="0">
+                <a:ln>
+                  <a:noFill/>
+                </a:ln>
+                <a:solidFill>
+                  <a:srgbClr val="5F5F5F"/>
+                </a:solidFill>
+                <a:effectLst/>
+                <a:latin typeface="Arial" panose="020B0604020202020204" pitchFamily="34" charset="0"/>
+              </a:rPr>
+              <a:t>Communication Studio</a:t>
+            </a:r>
+            <a:endParaRPr kumimoji="0" lang="en-US" sz="2400" b="0" i="0" u="none" strike="noStrike" cap="none" normalizeH="0" baseline="0" dirty="0" smtClean="0">
+              <a:ln>
+                <a:noFill/>
+              </a:ln>
+              <a:solidFill>
+                <a:srgbClr val="5F5F5F"/>
+              </a:solidFill>
+              <a:effectLst/>
+              <a:latin typeface="Arial" panose="020B0604020202020204" pitchFamily="34" charset="0"/>
+            </a:endParaRPr>
+          </a:p>
+        </p:txBody>
+      </p:sp>
+      <p:cxnSp>
+        <p:nvCxnSpPr>
+          <p:cNvPr id="39" name="Gerader Verbinder 38"/>
+          <p:cNvCxnSpPr/>
+          <p:nvPr/>
+        </p:nvCxnSpPr>
+        <p:spPr bwMode="auto">
+          <a:xfrm rot="180000" flipV="1">
+            <a:off x="4292946" y="4041085"/>
+            <a:ext cx="572696" cy="35287"/>
+          </a:xfrm>
+          <a:prstGeom prst="line">
+            <a:avLst/>
+          </a:prstGeom>
+          <a:noFill/>
+          <a:ln w="22225" cap="flat" cmpd="sng" algn="ctr">
+            <a:solidFill>
+              <a:schemeClr val="tx1"/>
+            </a:solidFill>
+            <a:prstDash val="solid"/>
+            <a:round/>
+            <a:headEnd type="triangle" w="med" len="med"/>
+            <a:tailEnd type="triangle" w="med" len="med"/>
+          </a:ln>
+          <a:effectLst/>
+          <a:extLst>
+            <a:ext uri="{909E8E84-426E-40DD-AFC4-6F175D3DCCD1}">
+              <a14:hiddenFill xmlns:a14="http://schemas.microsoft.com/office/drawing/2010/main">
+                <a:solidFill>
+                  <a:schemeClr val="accent1"/>
+                </a:solidFill>
+              </a14:hiddenFill>
+            </a:ext>
+            <a:ext uri="{AF507438-7753-43E0-B8FC-AC1667EBCBE1}">
+              <a14:hiddenEffects xmlns:a14="http://schemas.microsoft.com/office/drawing/2010/main">
+                <a:effectLst>
+                  <a:outerShdw dist="35921" dir="2700000" algn="ctr" rotWithShape="0">
+                    <a:schemeClr val="bg2"/>
+                  </a:outerShdw>
+                </a:effectLst>
+              </a14:hiddenEffects>
+            </a:ext>
+          </a:extLst>
+        </p:spPr>
+      </p:cxnSp>
+      <p:cxnSp>
+        <p:nvCxnSpPr>
+          <p:cNvPr id="40" name="Gerader Verbinder 39"/>
+          <p:cNvCxnSpPr/>
+          <p:nvPr/>
+        </p:nvCxnSpPr>
+        <p:spPr bwMode="auto">
+          <a:xfrm rot="60000" flipV="1">
+            <a:off x="6467080" y="5532932"/>
+            <a:ext cx="1008000" cy="36000"/>
+          </a:xfrm>
+          <a:prstGeom prst="line">
+            <a:avLst/>
+          </a:prstGeom>
+          <a:noFill/>
+          <a:ln w="22225" cap="flat" cmpd="sng" algn="ctr">
+            <a:solidFill>
+              <a:schemeClr val="tx1"/>
+            </a:solidFill>
+            <a:prstDash val="solid"/>
+            <a:round/>
+            <a:headEnd type="triangle" w="med" len="med"/>
+            <a:tailEnd type="triangle" w="med" len="med"/>
+          </a:ln>
+          <a:effectLst/>
+          <a:extLst>
+            <a:ext uri="{909E8E84-426E-40DD-AFC4-6F175D3DCCD1}">
+              <a14:hiddenFill xmlns:a14="http://schemas.microsoft.com/office/drawing/2010/main">
+                <a:solidFill>
+                  <a:schemeClr val="accent1"/>
+                </a:solidFill>
+              </a14:hiddenFill>
+            </a:ext>
+            <a:ext uri="{AF507438-7753-43E0-B8FC-AC1667EBCBE1}">
+              <a14:hiddenEffects xmlns:a14="http://schemas.microsoft.com/office/drawing/2010/main">
+                <a:effectLst>
+                  <a:outerShdw dist="35921" dir="2700000" algn="ctr" rotWithShape="0">
+                    <a:schemeClr val="bg2"/>
+                  </a:outerShdw>
+                </a:effectLst>
+              </a14:hiddenEffects>
+            </a:ext>
+          </a:extLst>
+        </p:spPr>
+      </p:cxnSp>
+      <p:cxnSp>
+        <p:nvCxnSpPr>
+          <p:cNvPr id="41" name="Gerader Verbinder 40"/>
+          <p:cNvCxnSpPr/>
+          <p:nvPr/>
+        </p:nvCxnSpPr>
+        <p:spPr bwMode="auto">
+          <a:xfrm rot="60000" flipV="1">
+            <a:off x="6464418" y="5238944"/>
+            <a:ext cx="1008000" cy="36000"/>
+          </a:xfrm>
+          <a:prstGeom prst="line">
+            <a:avLst/>
+          </a:prstGeom>
+          <a:noFill/>
+          <a:ln w="22225" cap="flat" cmpd="sng" algn="ctr">
+            <a:solidFill>
+              <a:schemeClr val="tx1"/>
+            </a:solidFill>
+            <a:prstDash val="solid"/>
+            <a:round/>
+            <a:headEnd type="triangle" w="med" len="med"/>
+            <a:tailEnd type="triangle" w="med" len="med"/>
+          </a:ln>
+          <a:effectLst/>
+          <a:extLst>
+            <a:ext uri="{909E8E84-426E-40DD-AFC4-6F175D3DCCD1}">
+              <a14:hiddenFill xmlns:a14="http://schemas.microsoft.com/office/drawing/2010/main">
+                <a:solidFill>
+                  <a:schemeClr val="accent1"/>
+                </a:solidFill>
+              </a14:hiddenFill>
+            </a:ext>
+            <a:ext uri="{AF507438-7753-43E0-B8FC-AC1667EBCBE1}">
+              <a14:hiddenEffects xmlns:a14="http://schemas.microsoft.com/office/drawing/2010/main">
+                <a:effectLst>
+                  <a:outerShdw dist="35921" dir="2700000" algn="ctr" rotWithShape="0">
+                    <a:schemeClr val="bg2"/>
+                  </a:outerShdw>
+                </a:effectLst>
+              </a14:hiddenEffects>
+            </a:ext>
+          </a:extLst>
+        </p:spPr>
+      </p:cxnSp>
+      <p:cxnSp>
+        <p:nvCxnSpPr>
+          <p:cNvPr id="42" name="Gerader Verbinder 41"/>
+          <p:cNvCxnSpPr/>
+          <p:nvPr/>
+        </p:nvCxnSpPr>
+        <p:spPr bwMode="auto">
+          <a:xfrm rot="60000" flipV="1">
+            <a:off x="6464419" y="5002053"/>
+            <a:ext cx="1008000" cy="36000"/>
+          </a:xfrm>
+          <a:prstGeom prst="line">
+            <a:avLst/>
+          </a:prstGeom>
+          <a:noFill/>
+          <a:ln w="22225" cap="flat" cmpd="sng" algn="ctr">
+            <a:solidFill>
+              <a:schemeClr val="tx1"/>
+            </a:solidFill>
+            <a:prstDash val="solid"/>
+            <a:round/>
+            <a:headEnd type="triangle" w="med" len="med"/>
+            <a:tailEnd type="triangle" w="med" len="med"/>
+          </a:ln>
+          <a:effectLst/>
+          <a:extLst>
+            <a:ext uri="{909E8E84-426E-40DD-AFC4-6F175D3DCCD1}">
+              <a14:hiddenFill xmlns:a14="http://schemas.microsoft.com/office/drawing/2010/main">
+                <a:solidFill>
+                  <a:schemeClr val="accent1"/>
+                </a:solidFill>
+              </a14:hiddenFill>
+            </a:ext>
+            <a:ext uri="{AF507438-7753-43E0-B8FC-AC1667EBCBE1}">
+              <a14:hiddenEffects xmlns:a14="http://schemas.microsoft.com/office/drawing/2010/main">
+                <a:effectLst>
+                  <a:outerShdw dist="35921" dir="2700000" algn="ctr" rotWithShape="0">
+                    <a:schemeClr val="bg2"/>
+                  </a:outerShdw>
+                </a:effectLst>
+              </a14:hiddenEffects>
+            </a:ext>
+          </a:extLst>
+        </p:spPr>
+      </p:cxnSp>
+      <p:cxnSp>
+        <p:nvCxnSpPr>
+          <p:cNvPr id="43" name="Gerader Verbinder 42"/>
+          <p:cNvCxnSpPr/>
+          <p:nvPr/>
+        </p:nvCxnSpPr>
+        <p:spPr bwMode="auto">
+          <a:xfrm rot="60000" flipV="1">
+            <a:off x="6470695" y="4585269"/>
+            <a:ext cx="1008000" cy="36000"/>
+          </a:xfrm>
+          <a:prstGeom prst="line">
+            <a:avLst/>
+          </a:prstGeom>
+          <a:noFill/>
+          <a:ln w="22225" cap="flat" cmpd="sng" algn="ctr">
+            <a:solidFill>
+              <a:schemeClr val="tx1"/>
+            </a:solidFill>
+            <a:prstDash val="solid"/>
+            <a:round/>
+            <a:headEnd type="triangle" w="med" len="med"/>
+            <a:tailEnd type="triangle" w="med" len="med"/>
+          </a:ln>
+          <a:effectLst/>
+          <a:extLst>
+            <a:ext uri="{909E8E84-426E-40DD-AFC4-6F175D3DCCD1}">
+              <a14:hiddenFill xmlns:a14="http://schemas.microsoft.com/office/drawing/2010/main">
+                <a:solidFill>
+                  <a:schemeClr val="accent1"/>
+                </a:solidFill>
+              </a14:hiddenFill>
+            </a:ext>
+            <a:ext uri="{AF507438-7753-43E0-B8FC-AC1667EBCBE1}">
+              <a14:hiddenEffects xmlns:a14="http://schemas.microsoft.com/office/drawing/2010/main">
+                <a:effectLst>
+                  <a:outerShdw dist="35921" dir="2700000" algn="ctr" rotWithShape="0">
+                    <a:schemeClr val="bg2"/>
+                  </a:outerShdw>
+                </a:effectLst>
+              </a14:hiddenEffects>
+            </a:ext>
+          </a:extLst>
+        </p:spPr>
+      </p:cxnSp>
+      <p:cxnSp>
+        <p:nvCxnSpPr>
+          <p:cNvPr id="44" name="Gerader Verbinder 43"/>
+          <p:cNvCxnSpPr/>
+          <p:nvPr/>
+        </p:nvCxnSpPr>
+        <p:spPr bwMode="auto">
+          <a:xfrm rot="60000" flipV="1">
+            <a:off x="6464418" y="4093658"/>
+            <a:ext cx="1008000" cy="36000"/>
+          </a:xfrm>
+          <a:prstGeom prst="line">
+            <a:avLst/>
+          </a:prstGeom>
+          <a:noFill/>
+          <a:ln w="22225" cap="flat" cmpd="sng" algn="ctr">
+            <a:solidFill>
+              <a:schemeClr val="tx1"/>
+            </a:solidFill>
+            <a:prstDash val="solid"/>
+            <a:round/>
+            <a:headEnd type="triangle" w="med" len="med"/>
+            <a:tailEnd type="triangle" w="med" len="med"/>
+          </a:ln>
+          <a:effectLst/>
+          <a:extLst>
+            <a:ext uri="{909E8E84-426E-40DD-AFC4-6F175D3DCCD1}">
+              <a14:hiddenFill xmlns:a14="http://schemas.microsoft.com/office/drawing/2010/main">
+                <a:solidFill>
+                  <a:schemeClr val="accent1"/>
+                </a:solidFill>
+              </a14:hiddenFill>
+            </a:ext>
+            <a:ext uri="{AF507438-7753-43E0-B8FC-AC1667EBCBE1}">
+              <a14:hiddenEffects xmlns:a14="http://schemas.microsoft.com/office/drawing/2010/main">
+                <a:effectLst>
+                  <a:outerShdw dist="35921" dir="2700000" algn="ctr" rotWithShape="0">
+                    <a:schemeClr val="bg2"/>
+                  </a:outerShdw>
+                </a:effectLst>
+              </a14:hiddenEffects>
+            </a:ext>
+          </a:extLst>
+        </p:spPr>
+      </p:cxnSp>
+      <p:cxnSp>
+        <p:nvCxnSpPr>
+          <p:cNvPr id="45" name="Gerader Verbinder 44"/>
+          <p:cNvCxnSpPr/>
+          <p:nvPr/>
+        </p:nvCxnSpPr>
+        <p:spPr bwMode="auto">
+          <a:xfrm rot="60000" flipV="1">
+            <a:off x="6470682" y="3557659"/>
+            <a:ext cx="1008000" cy="36000"/>
+          </a:xfrm>
+          <a:prstGeom prst="line">
+            <a:avLst/>
+          </a:prstGeom>
+          <a:noFill/>
+          <a:ln w="22225" cap="flat" cmpd="sng" algn="ctr">
+            <a:solidFill>
+              <a:schemeClr val="tx1"/>
+            </a:solidFill>
+            <a:prstDash val="solid"/>
+            <a:round/>
+            <a:headEnd type="triangle" w="med" len="med"/>
+            <a:tailEnd type="triangle" w="med" len="med"/>
+          </a:ln>
+          <a:effectLst/>
+          <a:extLst>
+            <a:ext uri="{909E8E84-426E-40DD-AFC4-6F175D3DCCD1}">
+              <a14:hiddenFill xmlns:a14="http://schemas.microsoft.com/office/drawing/2010/main">
+                <a:solidFill>
+                  <a:schemeClr val="accent1"/>
+                </a:solidFill>
+              </a14:hiddenFill>
+            </a:ext>
+            <a:ext uri="{AF507438-7753-43E0-B8FC-AC1667EBCBE1}">
+              <a14:hiddenEffects xmlns:a14="http://schemas.microsoft.com/office/drawing/2010/main">
+                <a:effectLst>
+                  <a:outerShdw dist="35921" dir="2700000" algn="ctr" rotWithShape="0">
+                    <a:schemeClr val="bg2"/>
+                  </a:outerShdw>
+                </a:effectLst>
+              </a14:hiddenEffects>
+            </a:ext>
+          </a:extLst>
+        </p:spPr>
+      </p:cxnSp>
+      <p:cxnSp>
+        <p:nvCxnSpPr>
+          <p:cNvPr id="46" name="Gerader Verbinder 45"/>
+          <p:cNvCxnSpPr/>
+          <p:nvPr/>
+        </p:nvCxnSpPr>
+        <p:spPr bwMode="auto">
+          <a:xfrm rot="60000" flipV="1">
+            <a:off x="6464432" y="2865790"/>
+            <a:ext cx="1008000" cy="36000"/>
+          </a:xfrm>
+          <a:prstGeom prst="line">
+            <a:avLst/>
+          </a:prstGeom>
+          <a:noFill/>
+          <a:ln w="22225" cap="flat" cmpd="sng" algn="ctr">
+            <a:solidFill>
+              <a:schemeClr val="tx1"/>
+            </a:solidFill>
+            <a:prstDash val="solid"/>
+            <a:round/>
+            <a:headEnd type="triangle" w="med" len="med"/>
+            <a:tailEnd type="triangle" w="med" len="med"/>
+          </a:ln>
+          <a:effectLst/>
+          <a:extLst>
+            <a:ext uri="{909E8E84-426E-40DD-AFC4-6F175D3DCCD1}">
+              <a14:hiddenFill xmlns:a14="http://schemas.microsoft.com/office/drawing/2010/main">
+                <a:solidFill>
+                  <a:schemeClr val="accent1"/>
+                </a:solidFill>
+              </a14:hiddenFill>
+            </a:ext>
+            <a:ext uri="{AF507438-7753-43E0-B8FC-AC1667EBCBE1}">
+              <a14:hiddenEffects xmlns:a14="http://schemas.microsoft.com/office/drawing/2010/main">
+                <a:effectLst>
+                  <a:outerShdw dist="35921" dir="2700000" algn="ctr" rotWithShape="0">
+                    <a:schemeClr val="bg2"/>
+                  </a:outerShdw>
+                </a:effectLst>
+              </a14:hiddenEffects>
+            </a:ext>
+          </a:extLst>
+        </p:spPr>
+      </p:cxnSp>
+      <p:cxnSp>
+        <p:nvCxnSpPr>
+          <p:cNvPr id="48" name="Gerader Verbinder 47"/>
+          <p:cNvCxnSpPr/>
+          <p:nvPr/>
+        </p:nvCxnSpPr>
+        <p:spPr bwMode="auto">
+          <a:xfrm flipV="1">
+            <a:off x="5393842" y="4069402"/>
+            <a:ext cx="529828" cy="3300"/>
+          </a:xfrm>
+          <a:prstGeom prst="line">
+            <a:avLst/>
+          </a:prstGeom>
+          <a:noFill/>
+          <a:ln w="25400" cap="flat" cmpd="sng" algn="ctr">
+            <a:solidFill>
+              <a:schemeClr val="tx1"/>
+            </a:solidFill>
+            <a:prstDash val="solid"/>
+            <a:round/>
+            <a:headEnd type="triangle" w="med" len="med"/>
+            <a:tailEnd type="triangle" w="med" len="med"/>
+          </a:ln>
+          <a:effectLst/>
+          <a:extLst>
+            <a:ext uri="{909E8E84-426E-40DD-AFC4-6F175D3DCCD1}">
+              <a14:hiddenFill xmlns:a14="http://schemas.microsoft.com/office/drawing/2010/main">
+                <a:solidFill>
+                  <a:schemeClr val="accent1"/>
+                </a:solidFill>
+              </a14:hiddenFill>
+            </a:ext>
+            <a:ext uri="{AF507438-7753-43E0-B8FC-AC1667EBCBE1}">
+              <a14:hiddenEffects xmlns:a14="http://schemas.microsoft.com/office/drawing/2010/main">
+                <a:effectLst>
+                  <a:outerShdw dist="35921" dir="2700000" algn="ctr" rotWithShape="0">
+                    <a:schemeClr val="bg2"/>
+                  </a:outerShdw>
+                </a:effectLst>
+              </a14:hiddenEffects>
+            </a:ext>
+          </a:extLst>
+        </p:spPr>
+      </p:cxnSp>
+    </p:spTree>
+    <p:extLst>
+      <p:ext uri="{BB962C8B-B14F-4D97-AF65-F5344CB8AC3E}">
+        <p14:creationId xmlns:p14="http://schemas.microsoft.com/office/powerpoint/2010/main" val="1088132503"/>
+      </p:ext>
+    </p:extLst>
+  </p:cSld>
+  <p:clrMapOvr>
+    <a:masterClrMapping/>
+  </p:clrMapOvr>
+  <p:transition>
+    <p:zoom/>
+  </p:transition>
+  <p:timing>
+    <p:tnLst>
+      <p:par>
+        <p:cTn id="1" dur="indefinite" restart="never" nodeType="tmRoot"/>
+      </p:par>
+    </p:tnLst>
+  </p:timing>
+</p:sld>
+</file>
+
+<file path=ppt/slides/slide12.xml><?xml version="1.0" encoding="utf-8"?>
+<p:sld xmlns:a="http://schemas.openxmlformats.org/drawingml/2006/main" xmlns:r="http://schemas.openxmlformats.org/officeDocument/2006/relationships" xmlns:p="http://schemas.openxmlformats.org/presentationml/2006/main">
+  <p:cSld>
+    <p:spTree>
+      <p:nvGrpSpPr>
+        <p:cNvPr id="1" name=""/>
+        <p:cNvGrpSpPr/>
+        <p:nvPr/>
+      </p:nvGrpSpPr>
+      <p:grpSpPr>
+        <a:xfrm>
+          <a:off x="0" y="0"/>
+          <a:ext cx="0" cy="0"/>
+          <a:chOff x="0" y="0"/>
+          <a:chExt cx="0" cy="0"/>
+        </a:xfrm>
+      </p:grpSpPr>
+      <p:cxnSp>
+        <p:nvCxnSpPr>
+          <p:cNvPr id="48" name="Gerader Verbinder 47"/>
+          <p:cNvCxnSpPr/>
+          <p:nvPr/>
+        </p:nvCxnSpPr>
+        <p:spPr bwMode="auto">
+          <a:xfrm flipH="1">
+            <a:off x="6095009" y="1889634"/>
+            <a:ext cx="444925" cy="0"/>
+          </a:xfrm>
+          <a:prstGeom prst="line">
+            <a:avLst/>
+          </a:prstGeom>
+          <a:noFill/>
+          <a:ln w="50800" cap="flat" cmpd="sng" algn="ctr">
+            <a:solidFill>
+              <a:schemeClr val="tx1"/>
+            </a:solidFill>
+            <a:prstDash val="solid"/>
+            <a:round/>
+            <a:headEnd type="none" w="med" len="med"/>
+            <a:tailEnd type="oval" w="med" len="med"/>
+          </a:ln>
+          <a:effectLst/>
+          <a:extLst>
+            <a:ext uri="{909E8E84-426E-40DD-AFC4-6F175D3DCCD1}">
+              <a14:hiddenFill xmlns:a14="http://schemas.microsoft.com/office/drawing/2010/main">
+                <a:solidFill>
+                  <a:schemeClr val="accent1"/>
+                </a:solidFill>
+              </a14:hiddenFill>
+            </a:ext>
+            <a:ext uri="{AF507438-7753-43E0-B8FC-AC1667EBCBE1}">
+              <a14:hiddenEffects xmlns:a14="http://schemas.microsoft.com/office/drawing/2010/main">
+                <a:effectLst>
+                  <a:outerShdw dist="35921" dir="2700000" algn="ctr" rotWithShape="0">
+                    <a:schemeClr val="bg2"/>
+                  </a:outerShdw>
+                </a:effectLst>
+              </a14:hiddenEffects>
+            </a:ext>
+          </a:extLst>
+        </p:spPr>
+      </p:cxnSp>
+      <p:cxnSp>
+        <p:nvCxnSpPr>
+          <p:cNvPr id="45" name="Gerader Verbinder 44"/>
+          <p:cNvCxnSpPr/>
+          <p:nvPr/>
+        </p:nvCxnSpPr>
+        <p:spPr bwMode="auto">
+          <a:xfrm flipH="1">
+            <a:off x="6126716" y="1335827"/>
+            <a:ext cx="253573" cy="4757"/>
+          </a:xfrm>
+          <a:prstGeom prst="line">
+            <a:avLst/>
+          </a:prstGeom>
+          <a:noFill/>
+          <a:ln w="50800" cap="flat" cmpd="sng" algn="ctr">
+            <a:solidFill>
+              <a:schemeClr val="tx1"/>
+            </a:solidFill>
+            <a:prstDash val="solid"/>
+            <a:round/>
+            <a:headEnd type="none" w="med" len="med"/>
+            <a:tailEnd type="oval" w="med" len="med"/>
+          </a:ln>
+          <a:effectLst/>
+          <a:extLst>
+            <a:ext uri="{909E8E84-426E-40DD-AFC4-6F175D3DCCD1}">
+              <a14:hiddenFill xmlns:a14="http://schemas.microsoft.com/office/drawing/2010/main">
+                <a:solidFill>
+                  <a:schemeClr val="accent1"/>
+                </a:solidFill>
+              </a14:hiddenFill>
+            </a:ext>
+            <a:ext uri="{AF507438-7753-43E0-B8FC-AC1667EBCBE1}">
+              <a14:hiddenEffects xmlns:a14="http://schemas.microsoft.com/office/drawing/2010/main">
+                <a:effectLst>
+                  <a:outerShdw dist="35921" dir="2700000" algn="ctr" rotWithShape="0">
+                    <a:schemeClr val="bg2"/>
+                  </a:outerShdw>
+                </a:effectLst>
+              </a14:hiddenEffects>
+            </a:ext>
+          </a:extLst>
+        </p:spPr>
+      </p:cxnSp>
+      <p:sp>
+        <p:nvSpPr>
+          <p:cNvPr id="2" name="Titel 1">
+            <a:extLst>
+              <a:ext uri="{FF2B5EF4-FFF2-40B4-BE49-F238E27FC236}">
+                <a16:creationId xmlns:a16="http://schemas.microsoft.com/office/drawing/2014/main" id="{63435F02-846C-4E9A-9FDE-FCF77DE49196}"/>
+              </a:ext>
+            </a:extLst>
+          </p:cNvPr>
+          <p:cNvSpPr>
+            <a:spLocks noGrp="1"/>
+          </p:cNvSpPr>
+          <p:nvPr>
+            <p:ph type="title"/>
+          </p:nvPr>
+        </p:nvSpPr>
+        <p:spPr/>
+        <p:txBody>
+          <a:bodyPr/>
+          <a:lstStyle/>
+          <a:p>
+            <a:r>
+              <a:rPr lang="de-DE" dirty="0"/>
+              <a:t>Wiki: SDD</a:t>
+            </a:r>
+          </a:p>
+        </p:txBody>
+      </p:sp>
+      <p:sp>
+        <p:nvSpPr>
+          <p:cNvPr id="4" name="Fußzeilenplatzhalter 3">
+            <a:extLst>
+              <a:ext uri="{FF2B5EF4-FFF2-40B4-BE49-F238E27FC236}">
+                <a16:creationId xmlns:a16="http://schemas.microsoft.com/office/drawing/2014/main" id="{F20A4591-255A-436E-9282-9F534856B76B}"/>
+              </a:ext>
+            </a:extLst>
+          </p:cNvPr>
+          <p:cNvSpPr>
+            <a:spLocks noGrp="1"/>
+          </p:cNvSpPr>
+          <p:nvPr>
+            <p:ph type="ftr" sz="quarter" idx="10"/>
+          </p:nvPr>
+        </p:nvSpPr>
+        <p:spPr/>
+        <p:txBody>
+          <a:bodyPr/>
+          <a:lstStyle/>
+          <a:p>
+            <a:r>
+              <a:rPr lang="de-DE" altLang="de-DE"/>
+              <a:t>Hilscher Gesellschaft für Systemautomation mbH  </a:t>
+            </a:r>
+            <a:r>
+              <a:rPr lang="en-US" altLang="de-DE">
+                <a:cs typeface="Arial" panose="020B0604020202020204" pitchFamily="34" charset="0"/>
+              </a:rPr>
+              <a:t>l  www.hilscher.com</a:t>
+            </a:r>
+            <a:endParaRPr lang="de-DE" altLang="de-DE">
+              <a:cs typeface="Arial" panose="020B0604020202020204" pitchFamily="34" charset="0"/>
+            </a:endParaRPr>
+          </a:p>
+        </p:txBody>
+      </p:sp>
+      <p:sp>
+        <p:nvSpPr>
+          <p:cNvPr id="6" name="Rechteck 5">
+            <a:extLst>
+              <a:ext uri="{FF2B5EF4-FFF2-40B4-BE49-F238E27FC236}">
+                <a16:creationId xmlns:a16="http://schemas.microsoft.com/office/drawing/2014/main" id="{F75D3A61-35ED-4507-B7D1-4C8AC3E05596}"/>
+              </a:ext>
+            </a:extLst>
+          </p:cNvPr>
+          <p:cNvSpPr/>
+          <p:nvPr/>
+        </p:nvSpPr>
+        <p:spPr bwMode="auto">
+          <a:xfrm>
+            <a:off x="1331550" y="3140960"/>
+            <a:ext cx="2304320" cy="1008140"/>
+          </a:xfrm>
+          <a:prstGeom prst="rect">
+            <a:avLst/>
+          </a:prstGeom>
+          <a:noFill/>
+          <a:ln>
+            <a:noFill/>
+          </a:ln>
+          <a:effectLst/>
+          <a:extLst>
+            <a:ext uri="{909E8E84-426E-40DD-AFC4-6F175D3DCCD1}">
+              <a14:hiddenFill xmlns:a14="http://schemas.microsoft.com/office/drawing/2010/main">
+                <a:solidFill>
+                  <a:schemeClr val="accent1"/>
+                </a:solidFill>
+              </a14:hiddenFill>
+            </a:ext>
+            <a:ext uri="{91240B29-F687-4F45-9708-019B960494DF}">
+              <a14:hiddenLine xmlns:a14="http://schemas.microsoft.com/office/drawing/2010/main" w="9525" cap="flat" cmpd="sng" algn="ctr">
+                <a:solidFill>
+                  <a:schemeClr val="tx1"/>
+                </a:solidFill>
+                <a:prstDash val="solid"/>
+                <a:round/>
+                <a:headEnd type="none" w="med" len="med"/>
+                <a:tailEnd type="none" w="med" len="med"/>
+              </a14:hiddenLine>
+            </a:ext>
+            <a:ext uri="{AF507438-7753-43E0-B8FC-AC1667EBCBE1}">
+              <a14:hiddenEffects xmlns:a14="http://schemas.microsoft.com/office/drawing/2010/main">
+                <a:effectLst>
+                  <a:outerShdw dist="35921" dir="2700000" algn="ctr" rotWithShape="0">
+                    <a:schemeClr val="bg2"/>
+                  </a:outerShdw>
+                </a:effectLst>
+              </a14:hiddenEffects>
+            </a:ext>
+          </a:extLst>
+        </p:spPr>
+        <p:txBody>
+          <a:bodyPr vert="horz" wrap="square" lIns="91440" tIns="45720" rIns="91440" bIns="45720" numCol="1" rtlCol="0" anchor="t" anchorCtr="0" compatLnSpc="1">
+            <a:prstTxWarp prst="textNoShape">
+              <a:avLst/>
+            </a:prstTxWarp>
+          </a:bodyPr>
+          <a:lstStyle/>
+          <a:p>
+            <a:pPr marL="342900" marR="0" indent="-342900" algn="l" defTabSz="914400" rtl="0" eaLnBrk="1" fontAlgn="base" latinLnBrk="0" hangingPunct="1">
+              <a:lnSpc>
+                <a:spcPct val="100000"/>
+              </a:lnSpc>
+              <a:spcBef>
+                <a:spcPct val="20000"/>
+              </a:spcBef>
+              <a:spcAft>
+                <a:spcPct val="0"/>
+              </a:spcAft>
+              <a:buClr>
+                <a:srgbClr val="DF0029"/>
+              </a:buClr>
+              <a:buSzPct val="140000"/>
+              <a:buFont typeface="Wingdings" panose="05000000000000000000" pitchFamily="2" charset="2"/>
+              <a:buChar char="§"/>
+              <a:tabLst/>
+            </a:pPr>
+            <a:endParaRPr kumimoji="0" lang="de-DE" sz="2400" b="0" i="0" u="none" strike="noStrike" cap="none" normalizeH="0" baseline="0">
+              <a:ln>
+                <a:noFill/>
+              </a:ln>
+              <a:solidFill>
+                <a:srgbClr val="5F5F5F"/>
+              </a:solidFill>
+              <a:effectLst/>
+              <a:latin typeface="Arial" panose="020B0604020202020204" pitchFamily="34" charset="0"/>
+            </a:endParaRPr>
+          </a:p>
+        </p:txBody>
+      </p:sp>
+      <p:sp>
+        <p:nvSpPr>
+          <p:cNvPr id="5" name="Abgerundetes Rechteck 4"/>
+          <p:cNvSpPr/>
+          <p:nvPr/>
+        </p:nvSpPr>
+        <p:spPr bwMode="auto">
+          <a:xfrm>
+            <a:off x="1187530" y="3429000"/>
+            <a:ext cx="2880400" cy="1008140"/>
+          </a:xfrm>
+          <a:prstGeom prst="roundRect">
+            <a:avLst/>
+          </a:prstGeom>
+          <a:noFill/>
+          <a:ln>
+            <a:noFill/>
+          </a:ln>
+          <a:effectLst/>
+          <a:extLst>
+            <a:ext uri="{909E8E84-426E-40DD-AFC4-6F175D3DCCD1}">
+              <a14:hiddenFill xmlns:a14="http://schemas.microsoft.com/office/drawing/2010/main">
+                <a:solidFill>
+                  <a:schemeClr val="accent1"/>
+                </a:solidFill>
+              </a14:hiddenFill>
+            </a:ext>
+            <a:ext uri="{91240B29-F687-4F45-9708-019B960494DF}">
+              <a14:hiddenLine xmlns:a14="http://schemas.microsoft.com/office/drawing/2010/main" w="9525" cap="flat" cmpd="sng" algn="ctr">
+                <a:solidFill>
+                  <a:schemeClr val="tx1"/>
+                </a:solidFill>
+                <a:prstDash val="solid"/>
+                <a:round/>
+                <a:headEnd type="none" w="med" len="med"/>
+                <a:tailEnd type="none" w="med" len="med"/>
+              </a14:hiddenLine>
+            </a:ext>
+            <a:ext uri="{AF507438-7753-43E0-B8FC-AC1667EBCBE1}">
+              <a14:hiddenEffects xmlns:a14="http://schemas.microsoft.com/office/drawing/2010/main">
+                <a:effectLst>
+                  <a:outerShdw dist="35921" dir="2700000" algn="ctr" rotWithShape="0">
+                    <a:schemeClr val="bg2"/>
+                  </a:outerShdw>
+                </a:effectLst>
+              </a14:hiddenEffects>
+            </a:ext>
+          </a:extLst>
         </p:spPr>
         <p:txBody>
           <a:bodyPr vert="horz" wrap="square" lIns="91440" tIns="45720" rIns="91440" bIns="45720" numCol="1" rtlCol="0" anchor="t" anchorCtr="0" compatLnSpc="1">
@@ -22400,28 +22392,6 @@
           </a:p>
         </p:txBody>
       </p:sp>
-      <p:graphicFrame>
-        <p:nvGraphicFramePr>
-          <p:cNvPr id="10" name="Diagramm 9"/>
-          <p:cNvGraphicFramePr/>
-          <p:nvPr>
-            <p:extLst>
-              <p:ext uri="{D42A27DB-BD31-4B8C-83A1-F6EECF244321}">
-                <p14:modId xmlns:p14="http://schemas.microsoft.com/office/powerpoint/2010/main" val="4104528262"/>
-              </p:ext>
-            </p:extLst>
-          </p:nvPr>
-        </p:nvGraphicFramePr>
-        <p:xfrm>
-          <a:off x="1187530" y="5085230"/>
-          <a:ext cx="2304320" cy="432060"/>
-        </p:xfrm>
-        <a:graphic>
-          <a:graphicData uri="http://schemas.openxmlformats.org/drawingml/2006/diagram">
-            <dgm:relIds xmlns:dgm="http://schemas.openxmlformats.org/drawingml/2006/diagram" xmlns:r="http://schemas.openxmlformats.org/officeDocument/2006/relationships" r:dm="rId3" r:lo="rId4" r:qs="rId5" r:cs="rId6"/>
-          </a:graphicData>
-        </a:graphic>
-      </p:graphicFrame>
       <p:cxnSp>
         <p:nvCxnSpPr>
           <p:cNvPr id="12" name="Gerader Verbinder 11"/>
@@ -22429,9 +22399,9 @@
           <p:nvPr/>
         </p:nvCxnSpPr>
         <p:spPr bwMode="auto">
-          <a:xfrm flipV="1">
-            <a:off x="2339690" y="4005080"/>
-            <a:ext cx="0" cy="1080150"/>
+          <a:xfrm rot="240000" flipH="1" flipV="1">
+            <a:off x="1079762" y="4437140"/>
+            <a:ext cx="35758" cy="385060"/>
           </a:xfrm>
           <a:prstGeom prst="line">
             <a:avLst/>
@@ -22467,10 +22437,1057 @@
           </a:extLst>
         </p:spPr>
       </p:cxnSp>
+      <p:sp>
+        <p:nvSpPr>
+          <p:cNvPr id="9" name="Abgerundetes Rechteck 8"/>
+          <p:cNvSpPr/>
+          <p:nvPr/>
+        </p:nvSpPr>
+        <p:spPr bwMode="auto">
+          <a:xfrm>
+            <a:off x="225424" y="4545124"/>
+            <a:ext cx="6002804" cy="1396740"/>
+          </a:xfrm>
+          <a:prstGeom prst="roundRect">
+            <a:avLst/>
+          </a:prstGeom>
+          <a:noFill/>
+          <a:ln w="50800">
+            <a:solidFill>
+              <a:schemeClr val="tx1"/>
+            </a:solidFill>
+          </a:ln>
+          <a:effectLst/>
+          <a:extLst/>
+        </p:spPr>
+        <p:txBody>
+          <a:bodyPr vert="horz" wrap="square" lIns="91440" tIns="45720" rIns="91440" bIns="45720" numCol="1" rtlCol="0" anchor="t" anchorCtr="0" compatLnSpc="1">
+            <a:prstTxWarp prst="textNoShape">
+              <a:avLst/>
+            </a:prstTxWarp>
+          </a:bodyPr>
+          <a:lstStyle/>
+          <a:p>
+            <a:pPr marL="342900" marR="0" indent="-342900" algn="l" defTabSz="914400" rtl="0" eaLnBrk="1" fontAlgn="base" latinLnBrk="0" hangingPunct="1">
+              <a:lnSpc>
+                <a:spcPct val="100000"/>
+              </a:lnSpc>
+              <a:spcBef>
+                <a:spcPct val="20000"/>
+              </a:spcBef>
+              <a:spcAft>
+                <a:spcPct val="0"/>
+              </a:spcAft>
+              <a:buClr>
+                <a:srgbClr val="DF0029"/>
+              </a:buClr>
+              <a:buSzPct val="140000"/>
+              <a:buFont typeface="Wingdings" panose="05000000000000000000" pitchFamily="2" charset="2"/>
+              <a:buChar char="§"/>
+              <a:tabLst/>
+            </a:pPr>
+            <a:endParaRPr kumimoji="0" lang="en-US" sz="2400" b="0" i="0" u="none" strike="noStrike" cap="none" normalizeH="0" baseline="0" smtClean="0">
+              <a:ln>
+                <a:noFill/>
+              </a:ln>
+              <a:solidFill>
+                <a:srgbClr val="5F5F5F"/>
+              </a:solidFill>
+              <a:effectLst/>
+              <a:latin typeface="Arial" panose="020B0604020202020204" pitchFamily="34" charset="0"/>
+            </a:endParaRPr>
+          </a:p>
+        </p:txBody>
+      </p:sp>
+      <p:sp>
+        <p:nvSpPr>
+          <p:cNvPr id="11" name="Abgerundetes Rechteck 10"/>
+          <p:cNvSpPr/>
+          <p:nvPr/>
+        </p:nvSpPr>
+        <p:spPr bwMode="auto">
+          <a:xfrm>
+            <a:off x="755470" y="4822200"/>
+            <a:ext cx="4248330" cy="479060"/>
+          </a:xfrm>
+          <a:prstGeom prst="roundRect">
+            <a:avLst/>
+          </a:prstGeom>
+          <a:solidFill>
+            <a:srgbClr val="DF0029"/>
+          </a:solidFill>
+          <a:ln>
+            <a:noFill/>
+          </a:ln>
+          <a:effectLst/>
+          <a:extLst/>
+        </p:spPr>
+        <p:txBody>
+          <a:bodyPr vert="horz" wrap="square" lIns="91440" tIns="45720" rIns="91440" bIns="45720" numCol="1" rtlCol="0" anchor="ctr" anchorCtr="0" compatLnSpc="1">
+            <a:prstTxWarp prst="textNoShape">
+              <a:avLst/>
+            </a:prstTxWarp>
+          </a:bodyPr>
+          <a:lstStyle/>
+          <a:p>
+            <a:pPr>
+              <a:buNone/>
+            </a:pPr>
+            <a:r>
+              <a:rPr lang="en-US" b="1" dirty="0" err="1">
+                <a:solidFill>
+                  <a:schemeClr val="tx1"/>
+                </a:solidFill>
+              </a:rPr>
+              <a:t>Hilscher.IDE.Core.Interface</a:t>
+            </a:r>
+            <a:endParaRPr kumimoji="0" lang="en-US" sz="2400" b="0" i="0" u="none" strike="noStrike" cap="none" normalizeH="0" baseline="0" dirty="0" smtClean="0">
+              <a:ln>
+                <a:noFill/>
+              </a:ln>
+              <a:solidFill>
+                <a:srgbClr val="5F5F5F"/>
+              </a:solidFill>
+              <a:effectLst/>
+              <a:latin typeface="Arial" panose="020B0604020202020204" pitchFamily="34" charset="0"/>
+            </a:endParaRPr>
+          </a:p>
+        </p:txBody>
+      </p:sp>
+      <p:cxnSp>
+        <p:nvCxnSpPr>
+          <p:cNvPr id="13" name="Gerader Verbinder 12"/>
+          <p:cNvCxnSpPr/>
+          <p:nvPr/>
+        </p:nvCxnSpPr>
+        <p:spPr bwMode="auto">
+          <a:xfrm flipV="1">
+            <a:off x="1835620" y="4437140"/>
+            <a:ext cx="0" cy="385060"/>
+          </a:xfrm>
+          <a:prstGeom prst="line">
+            <a:avLst/>
+          </a:prstGeom>
+          <a:noFill/>
+          <a:ln w="50800" cap="flat" cmpd="sng" algn="ctr">
+            <a:solidFill>
+              <a:schemeClr val="tx1"/>
+            </a:solidFill>
+            <a:prstDash val="solid"/>
+            <a:round/>
+            <a:headEnd type="none" w="med" len="med"/>
+            <a:tailEnd type="oval" w="med" len="med"/>
+          </a:ln>
+          <a:effectLst/>
+          <a:extLst>
+            <a:ext uri="{909E8E84-426E-40DD-AFC4-6F175D3DCCD1}">
+              <a14:hiddenFill xmlns:a14="http://schemas.microsoft.com/office/drawing/2010/main">
+                <a:solidFill>
+                  <a:schemeClr val="accent1"/>
+                </a:solidFill>
+              </a14:hiddenFill>
+            </a:ext>
+            <a:ext uri="{AF507438-7753-43E0-B8FC-AC1667EBCBE1}">
+              <a14:hiddenEffects xmlns:a14="http://schemas.microsoft.com/office/drawing/2010/main">
+                <a:effectLst>
+                  <a:outerShdw dist="35921" dir="2700000" algn="ctr" rotWithShape="0">
+                    <a:schemeClr val="bg2"/>
+                  </a:outerShdw>
+                </a:effectLst>
+              </a14:hiddenEffects>
+            </a:ext>
+          </a:extLst>
+        </p:spPr>
+      </p:cxnSp>
+      <p:cxnSp>
+        <p:nvCxnSpPr>
+          <p:cNvPr id="14" name="Gerader Verbinder 13"/>
+          <p:cNvCxnSpPr/>
+          <p:nvPr/>
+        </p:nvCxnSpPr>
+        <p:spPr bwMode="auto">
+          <a:xfrm flipH="1">
+            <a:off x="6075920" y="2412678"/>
+            <a:ext cx="608738" cy="20186"/>
+          </a:xfrm>
+          <a:prstGeom prst="line">
+            <a:avLst/>
+          </a:prstGeom>
+          <a:noFill/>
+          <a:ln w="50800" cap="flat" cmpd="sng" algn="ctr">
+            <a:solidFill>
+              <a:schemeClr val="tx1"/>
+            </a:solidFill>
+            <a:prstDash val="solid"/>
+            <a:round/>
+            <a:headEnd type="none" w="med" len="med"/>
+            <a:tailEnd type="oval" w="med" len="med"/>
+          </a:ln>
+          <a:effectLst/>
+          <a:extLst>
+            <a:ext uri="{909E8E84-426E-40DD-AFC4-6F175D3DCCD1}">
+              <a14:hiddenFill xmlns:a14="http://schemas.microsoft.com/office/drawing/2010/main">
+                <a:solidFill>
+                  <a:schemeClr val="accent1"/>
+                </a:solidFill>
+              </a14:hiddenFill>
+            </a:ext>
+            <a:ext uri="{AF507438-7753-43E0-B8FC-AC1667EBCBE1}">
+              <a14:hiddenEffects xmlns:a14="http://schemas.microsoft.com/office/drawing/2010/main">
+                <a:effectLst>
+                  <a:outerShdw dist="35921" dir="2700000" algn="ctr" rotWithShape="0">
+                    <a:schemeClr val="bg2"/>
+                  </a:outerShdw>
+                </a:effectLst>
+              </a14:hiddenEffects>
+            </a:ext>
+          </a:extLst>
+        </p:spPr>
+      </p:cxnSp>
+      <p:sp>
+        <p:nvSpPr>
+          <p:cNvPr id="15" name="Textfeld 14"/>
+          <p:cNvSpPr txBox="1"/>
+          <p:nvPr/>
+        </p:nvSpPr>
+        <p:spPr>
+          <a:xfrm rot="16200000">
+            <a:off x="138535" y="3858486"/>
+            <a:ext cx="1449901" cy="276999"/>
+          </a:xfrm>
+          <a:prstGeom prst="rect">
+            <a:avLst/>
+          </a:prstGeom>
+          <a:noFill/>
+        </p:spPr>
+        <p:txBody>
+          <a:bodyPr wrap="square" rtlCol="0">
+            <a:spAutoFit/>
+          </a:bodyPr>
+          <a:lstStyle/>
+          <a:p>
+            <a:pPr>
+              <a:buNone/>
+            </a:pPr>
+            <a:r>
+              <a:rPr lang="en-US" sz="1200" b="1" dirty="0" err="1">
+                <a:solidFill>
+                  <a:schemeClr val="tx1"/>
+                </a:solidFill>
+              </a:rPr>
+              <a:t>ITopologyItem</a:t>
+            </a:r>
+            <a:endParaRPr lang="en-US" sz="1200" b="1" dirty="0"/>
+          </a:p>
+        </p:txBody>
+      </p:sp>
+      <p:sp>
+        <p:nvSpPr>
+          <p:cNvPr id="17" name="Abgerundetes Rechteck 16"/>
+          <p:cNvSpPr/>
+          <p:nvPr/>
+        </p:nvSpPr>
+        <p:spPr bwMode="auto">
+          <a:xfrm>
+            <a:off x="6241063" y="764630"/>
+            <a:ext cx="1656231" cy="5141260"/>
+          </a:xfrm>
+          <a:prstGeom prst="roundRect">
+            <a:avLst/>
+          </a:prstGeom>
+          <a:noFill/>
+          <a:ln w="50800">
+            <a:solidFill>
+              <a:schemeClr val="tx1"/>
+            </a:solidFill>
+          </a:ln>
+          <a:effectLst/>
+          <a:extLst/>
+        </p:spPr>
+        <p:txBody>
+          <a:bodyPr vert="horz" wrap="square" lIns="91440" tIns="45720" rIns="91440" bIns="45720" numCol="1" rtlCol="0" anchor="t" anchorCtr="0" compatLnSpc="1">
+            <a:prstTxWarp prst="textNoShape">
+              <a:avLst/>
+            </a:prstTxWarp>
+          </a:bodyPr>
+          <a:lstStyle/>
+          <a:p>
+            <a:pPr marL="342900" marR="0" indent="-342900" algn="l" defTabSz="914400" rtl="0" eaLnBrk="1" fontAlgn="base" latinLnBrk="0" hangingPunct="1">
+              <a:lnSpc>
+                <a:spcPct val="100000"/>
+              </a:lnSpc>
+              <a:spcBef>
+                <a:spcPct val="20000"/>
+              </a:spcBef>
+              <a:spcAft>
+                <a:spcPct val="0"/>
+              </a:spcAft>
+              <a:buClr>
+                <a:srgbClr val="DF0029"/>
+              </a:buClr>
+              <a:buSzPct val="140000"/>
+              <a:buFont typeface="Wingdings" panose="05000000000000000000" pitchFamily="2" charset="2"/>
+              <a:buChar char="§"/>
+              <a:tabLst/>
+            </a:pPr>
+            <a:endParaRPr kumimoji="0" lang="en-US" sz="2400" b="0" i="0" u="none" strike="noStrike" cap="none" normalizeH="0" baseline="0" smtClean="0">
+              <a:ln>
+                <a:noFill/>
+              </a:ln>
+              <a:solidFill>
+                <a:srgbClr val="5F5F5F"/>
+              </a:solidFill>
+              <a:effectLst/>
+              <a:latin typeface="Arial" panose="020B0604020202020204" pitchFamily="34" charset="0"/>
+            </a:endParaRPr>
+          </a:p>
+        </p:txBody>
+      </p:sp>
+      <p:sp>
+        <p:nvSpPr>
+          <p:cNvPr id="18" name="Abgerundetes Rechteck 17"/>
+          <p:cNvSpPr/>
+          <p:nvPr/>
+        </p:nvSpPr>
+        <p:spPr bwMode="auto">
+          <a:xfrm>
+            <a:off x="6389070" y="1104099"/>
+            <a:ext cx="1400272" cy="894829"/>
+          </a:xfrm>
+          <a:prstGeom prst="roundRect">
+            <a:avLst/>
+          </a:prstGeom>
+          <a:solidFill>
+            <a:srgbClr val="DF0029"/>
+          </a:solidFill>
+          <a:ln>
+            <a:noFill/>
+          </a:ln>
+          <a:effectLst/>
+          <a:extLst/>
+        </p:spPr>
+        <p:txBody>
+          <a:bodyPr vert="horz" wrap="square" lIns="91440" tIns="45720" rIns="91440" bIns="45720" numCol="1" rtlCol="0" anchor="ctr" anchorCtr="0" compatLnSpc="1">
+            <a:prstTxWarp prst="textNoShape">
+              <a:avLst/>
+            </a:prstTxWarp>
+          </a:bodyPr>
+          <a:lstStyle/>
+          <a:p>
+            <a:pPr>
+              <a:buNone/>
+            </a:pPr>
+            <a:r>
+              <a:rPr lang="de-DE" b="1" dirty="0" err="1" smtClean="0">
+                <a:solidFill>
+                  <a:schemeClr val="tx1"/>
+                </a:solidFill>
+              </a:rPr>
+              <a:t>Prism</a:t>
+            </a:r>
+            <a:endParaRPr kumimoji="0" lang="en-US" sz="2400" b="0" i="0" u="none" strike="noStrike" cap="none" normalizeH="0" baseline="0" dirty="0" smtClean="0">
+              <a:ln>
+                <a:noFill/>
+              </a:ln>
+              <a:solidFill>
+                <a:srgbClr val="5F5F5F"/>
+              </a:solidFill>
+              <a:effectLst/>
+              <a:latin typeface="Arial" panose="020B0604020202020204" pitchFamily="34" charset="0"/>
+            </a:endParaRPr>
+          </a:p>
+        </p:txBody>
+      </p:sp>
+      <p:cxnSp>
+        <p:nvCxnSpPr>
+          <p:cNvPr id="22" name="Gerader Verbinder 21"/>
+          <p:cNvCxnSpPr/>
+          <p:nvPr/>
+        </p:nvCxnSpPr>
+        <p:spPr bwMode="auto">
+          <a:xfrm flipH="1">
+            <a:off x="6095009" y="3051241"/>
+            <a:ext cx="697007" cy="25313"/>
+          </a:xfrm>
+          <a:prstGeom prst="line">
+            <a:avLst/>
+          </a:prstGeom>
+          <a:noFill/>
+          <a:ln w="50800" cap="flat" cmpd="sng" algn="ctr">
+            <a:solidFill>
+              <a:schemeClr val="tx1"/>
+            </a:solidFill>
+            <a:prstDash val="solid"/>
+            <a:round/>
+            <a:headEnd type="none" w="med" len="med"/>
+            <a:tailEnd type="oval" w="med" len="med"/>
+          </a:ln>
+          <a:effectLst/>
+          <a:extLst>
+            <a:ext uri="{909E8E84-426E-40DD-AFC4-6F175D3DCCD1}">
+              <a14:hiddenFill xmlns:a14="http://schemas.microsoft.com/office/drawing/2010/main">
+                <a:solidFill>
+                  <a:schemeClr val="accent1"/>
+                </a:solidFill>
+              </a14:hiddenFill>
+            </a:ext>
+            <a:ext uri="{AF507438-7753-43E0-B8FC-AC1667EBCBE1}">
+              <a14:hiddenEffects xmlns:a14="http://schemas.microsoft.com/office/drawing/2010/main">
+                <a:effectLst>
+                  <a:outerShdw dist="35921" dir="2700000" algn="ctr" rotWithShape="0">
+                    <a:schemeClr val="bg2"/>
+                  </a:outerShdw>
+                </a:effectLst>
+              </a14:hiddenEffects>
+            </a:ext>
+          </a:extLst>
+        </p:spPr>
+      </p:cxnSp>
+      <p:sp>
+        <p:nvSpPr>
+          <p:cNvPr id="25" name="Abgerundetes Rechteck 24"/>
+          <p:cNvSpPr/>
+          <p:nvPr/>
+        </p:nvSpPr>
+        <p:spPr bwMode="auto">
+          <a:xfrm>
+            <a:off x="568400" y="1398445"/>
+            <a:ext cx="3830620" cy="479060"/>
+          </a:xfrm>
+          <a:prstGeom prst="roundRect">
+            <a:avLst/>
+          </a:prstGeom>
+          <a:solidFill>
+            <a:schemeClr val="accent1">
+              <a:lumMod val="75000"/>
+            </a:schemeClr>
+          </a:solidFill>
+          <a:ln>
+            <a:noFill/>
+          </a:ln>
+          <a:effectLst/>
+          <a:extLst/>
+        </p:spPr>
+        <p:txBody>
+          <a:bodyPr vert="horz" wrap="square" lIns="91440" tIns="45720" rIns="91440" bIns="45720" numCol="1" rtlCol="0" anchor="ctr" anchorCtr="0" compatLnSpc="1">
+            <a:prstTxWarp prst="textNoShape">
+              <a:avLst/>
+            </a:prstTxWarp>
+          </a:bodyPr>
+          <a:lstStyle/>
+          <a:p>
+            <a:pPr>
+              <a:buNone/>
+            </a:pPr>
+            <a:r>
+              <a:rPr lang="de-DE" b="1" dirty="0" err="1" smtClean="0">
+                <a:solidFill>
+                  <a:schemeClr val="tx1"/>
+                </a:solidFill>
+              </a:rPr>
+              <a:t>Topology</a:t>
+            </a:r>
+            <a:r>
+              <a:rPr lang="de-DE" b="1" dirty="0" smtClean="0">
+                <a:solidFill>
+                  <a:schemeClr val="tx1"/>
+                </a:solidFill>
+              </a:rPr>
+              <a:t>-Editor-Server</a:t>
+            </a:r>
+            <a:endParaRPr kumimoji="0" lang="en-US" sz="2400" b="0" i="0" u="none" strike="noStrike" cap="none" normalizeH="0" baseline="0" dirty="0" smtClean="0">
+              <a:ln>
+                <a:noFill/>
+              </a:ln>
+              <a:solidFill>
+                <a:srgbClr val="5F5F5F"/>
+              </a:solidFill>
+              <a:effectLst/>
+              <a:latin typeface="Arial" panose="020B0604020202020204" pitchFamily="34" charset="0"/>
+            </a:endParaRPr>
+          </a:p>
+        </p:txBody>
+      </p:sp>
+      <p:sp>
+        <p:nvSpPr>
+          <p:cNvPr id="26" name="Abgerundetes Rechteck 25"/>
+          <p:cNvSpPr/>
+          <p:nvPr/>
+        </p:nvSpPr>
+        <p:spPr bwMode="auto">
+          <a:xfrm>
+            <a:off x="375852" y="2237253"/>
+            <a:ext cx="4340168" cy="479060"/>
+          </a:xfrm>
+          <a:prstGeom prst="roundRect">
+            <a:avLst/>
+          </a:prstGeom>
+          <a:solidFill>
+            <a:schemeClr val="accent1">
+              <a:lumMod val="75000"/>
+            </a:schemeClr>
+          </a:solidFill>
+          <a:ln>
+            <a:noFill/>
+          </a:ln>
+          <a:effectLst/>
+          <a:extLst/>
+        </p:spPr>
+        <p:txBody>
+          <a:bodyPr vert="horz" wrap="square" lIns="91440" tIns="45720" rIns="91440" bIns="45720" numCol="1" rtlCol="0" anchor="ctr" anchorCtr="0" compatLnSpc="1">
+            <a:prstTxWarp prst="textNoShape">
+              <a:avLst/>
+            </a:prstTxWarp>
+          </a:bodyPr>
+          <a:lstStyle/>
+          <a:p>
+            <a:pPr>
+              <a:buNone/>
+            </a:pPr>
+            <a:r>
+              <a:rPr lang="de-DE" b="1" dirty="0" err="1" smtClean="0">
+                <a:solidFill>
+                  <a:schemeClr val="tx1"/>
+                </a:solidFill>
+              </a:rPr>
+              <a:t>Topology</a:t>
+            </a:r>
+            <a:r>
+              <a:rPr lang="de-DE" b="1" dirty="0" smtClean="0">
+                <a:solidFill>
+                  <a:schemeClr val="tx1"/>
+                </a:solidFill>
+              </a:rPr>
+              <a:t>-Editor-Fassade</a:t>
+            </a:r>
+            <a:endParaRPr kumimoji="0" lang="en-US" sz="2400" b="0" i="0" u="none" strike="noStrike" cap="none" normalizeH="0" baseline="0" dirty="0" smtClean="0">
+              <a:ln>
+                <a:noFill/>
+              </a:ln>
+              <a:solidFill>
+                <a:srgbClr val="5F5F5F"/>
+              </a:solidFill>
+              <a:effectLst/>
+              <a:latin typeface="Arial" panose="020B0604020202020204" pitchFamily="34" charset="0"/>
+            </a:endParaRPr>
+          </a:p>
+        </p:txBody>
+      </p:sp>
+      <p:sp>
+        <p:nvSpPr>
+          <p:cNvPr id="32" name="Abgerundetes Rechteck 31"/>
+          <p:cNvSpPr/>
+          <p:nvPr/>
+        </p:nvSpPr>
+        <p:spPr bwMode="auto">
+          <a:xfrm>
+            <a:off x="309812" y="1039698"/>
+            <a:ext cx="4478710" cy="2409149"/>
+          </a:xfrm>
+          <a:prstGeom prst="roundRect">
+            <a:avLst/>
+          </a:prstGeom>
+          <a:noFill/>
+          <a:ln w="50800" cap="flat" cmpd="sng" algn="ctr">
+            <a:solidFill>
+              <a:schemeClr val="tx1"/>
+            </a:solidFill>
+            <a:prstDash val="solid"/>
+            <a:round/>
+            <a:headEnd type="none" w="med" len="med"/>
+            <a:tailEnd type="none" w="med" len="med"/>
+          </a:ln>
+          <a:effectLst/>
+          <a:extLst>
+            <a:ext uri="{909E8E84-426E-40DD-AFC4-6F175D3DCCD1}">
+              <a14:hiddenFill xmlns:a14="http://schemas.microsoft.com/office/drawing/2010/main">
+                <a:solidFill>
+                  <a:schemeClr val="accent1"/>
+                </a:solidFill>
+              </a14:hiddenFill>
+            </a:ext>
+            <a:ext uri="{AF507438-7753-43E0-B8FC-AC1667EBCBE1}">
+              <a14:hiddenEffects xmlns:a14="http://schemas.microsoft.com/office/drawing/2010/main">
+                <a:effectLst>
+                  <a:outerShdw dist="35921" dir="2700000" algn="ctr" rotWithShape="0">
+                    <a:schemeClr val="bg2"/>
+                  </a:outerShdw>
+                </a:effectLst>
+              </a14:hiddenEffects>
+            </a:ext>
+          </a:extLst>
+        </p:spPr>
+        <p:txBody>
+          <a:bodyPr vert="horz" wrap="square" lIns="91440" tIns="45720" rIns="91440" bIns="45720" numCol="1" rtlCol="0" anchor="t" anchorCtr="0" compatLnSpc="1">
+            <a:prstTxWarp prst="textNoShape">
+              <a:avLst/>
+            </a:prstTxWarp>
+          </a:bodyPr>
+          <a:lstStyle/>
+          <a:p>
+            <a:pPr marL="342900" marR="0" indent="-342900" algn="l" defTabSz="914400" rtl="0" eaLnBrk="1" fontAlgn="base" latinLnBrk="0" hangingPunct="1">
+              <a:lnSpc>
+                <a:spcPct val="100000"/>
+              </a:lnSpc>
+              <a:spcBef>
+                <a:spcPct val="20000"/>
+              </a:spcBef>
+              <a:spcAft>
+                <a:spcPct val="0"/>
+              </a:spcAft>
+              <a:buClr>
+                <a:srgbClr val="DF0029"/>
+              </a:buClr>
+              <a:buSzPct val="140000"/>
+              <a:buFont typeface="Wingdings" panose="05000000000000000000" pitchFamily="2" charset="2"/>
+              <a:buChar char="§"/>
+              <a:tabLst/>
+            </a:pPr>
+            <a:endParaRPr kumimoji="0" lang="en-US" sz="2400" b="0" i="0" u="none" strike="noStrike" cap="none" normalizeH="0" baseline="0" smtClean="0">
+              <a:ln>
+                <a:noFill/>
+              </a:ln>
+              <a:solidFill>
+                <a:srgbClr val="5F5F5F"/>
+              </a:solidFill>
+              <a:effectLst/>
+              <a:latin typeface="Arial" panose="020B0604020202020204" pitchFamily="34" charset="0"/>
+            </a:endParaRPr>
+          </a:p>
+        </p:txBody>
+      </p:sp>
+      <p:sp>
+        <p:nvSpPr>
+          <p:cNvPr id="33" name="Abgerundetes Rechteck 32"/>
+          <p:cNvSpPr/>
+          <p:nvPr/>
+        </p:nvSpPr>
+        <p:spPr bwMode="auto">
+          <a:xfrm>
+            <a:off x="6396120" y="2257634"/>
+            <a:ext cx="1428696" cy="1077626"/>
+          </a:xfrm>
+          <a:prstGeom prst="roundRect">
+            <a:avLst/>
+          </a:prstGeom>
+          <a:solidFill>
+            <a:srgbClr val="DF0029"/>
+          </a:solidFill>
+          <a:ln>
+            <a:noFill/>
+          </a:ln>
+          <a:effectLst/>
+          <a:extLst/>
+        </p:spPr>
+        <p:txBody>
+          <a:bodyPr vert="horz" wrap="square" lIns="91440" tIns="45720" rIns="91440" bIns="45720" numCol="1" rtlCol="0" anchor="ctr" anchorCtr="0" compatLnSpc="1">
+            <a:prstTxWarp prst="textNoShape">
+              <a:avLst/>
+            </a:prstTxWarp>
+          </a:bodyPr>
+          <a:lstStyle/>
+          <a:p>
+            <a:pPr>
+              <a:buNone/>
+            </a:pPr>
+            <a:r>
+              <a:rPr lang="de-DE" b="1" dirty="0" err="1" smtClean="0">
+                <a:solidFill>
+                  <a:schemeClr val="tx1"/>
+                </a:solidFill>
+              </a:rPr>
+              <a:t>Prism.Unity</a:t>
+            </a:r>
+            <a:endParaRPr kumimoji="0" lang="en-US" sz="2400" b="0" i="0" u="none" strike="noStrike" cap="none" normalizeH="0" baseline="0" dirty="0" smtClean="0">
+              <a:ln>
+                <a:noFill/>
+              </a:ln>
+              <a:solidFill>
+                <a:srgbClr val="5F5F5F"/>
+              </a:solidFill>
+              <a:effectLst/>
+              <a:latin typeface="Arial" panose="020B0604020202020204" pitchFamily="34" charset="0"/>
+            </a:endParaRPr>
+          </a:p>
+        </p:txBody>
+      </p:sp>
+      <p:cxnSp>
+        <p:nvCxnSpPr>
+          <p:cNvPr id="37" name="Gerader Verbinder 36"/>
+          <p:cNvCxnSpPr/>
+          <p:nvPr/>
+        </p:nvCxnSpPr>
+        <p:spPr bwMode="auto">
+          <a:xfrm flipV="1">
+            <a:off x="4761635" y="2403610"/>
+            <a:ext cx="1224000" cy="9068"/>
+          </a:xfrm>
+          <a:prstGeom prst="line">
+            <a:avLst/>
+          </a:prstGeom>
+          <a:noFill/>
+          <a:ln w="50800" cap="flat" cmpd="sng" algn="ctr">
+            <a:solidFill>
+              <a:schemeClr val="tx1"/>
+            </a:solidFill>
+            <a:prstDash val="solid"/>
+            <a:round/>
+            <a:headEnd type="none" w="med" len="med"/>
+            <a:tailEnd type="arrow" w="med" len="med"/>
+          </a:ln>
+          <a:effectLst/>
+          <a:extLst>
+            <a:ext uri="{909E8E84-426E-40DD-AFC4-6F175D3DCCD1}">
+              <a14:hiddenFill xmlns:a14="http://schemas.microsoft.com/office/drawing/2010/main">
+                <a:solidFill>
+                  <a:schemeClr val="accent1"/>
+                </a:solidFill>
+              </a14:hiddenFill>
+            </a:ext>
+            <a:ext uri="{AF507438-7753-43E0-B8FC-AC1667EBCBE1}">
+              <a14:hiddenEffects xmlns:a14="http://schemas.microsoft.com/office/drawing/2010/main">
+                <a:effectLst>
+                  <a:outerShdw dist="35921" dir="2700000" algn="ctr" rotWithShape="0">
+                    <a:schemeClr val="bg2"/>
+                  </a:outerShdw>
+                </a:effectLst>
+              </a14:hiddenEffects>
+            </a:ext>
+          </a:extLst>
+        </p:spPr>
+      </p:cxnSp>
+      <p:cxnSp>
+        <p:nvCxnSpPr>
+          <p:cNvPr id="40" name="Gerader Verbinder 39"/>
+          <p:cNvCxnSpPr/>
+          <p:nvPr/>
+        </p:nvCxnSpPr>
+        <p:spPr bwMode="auto">
+          <a:xfrm flipV="1">
+            <a:off x="4784981" y="3077483"/>
+            <a:ext cx="1224000" cy="9068"/>
+          </a:xfrm>
+          <a:prstGeom prst="line">
+            <a:avLst/>
+          </a:prstGeom>
+          <a:noFill/>
+          <a:ln w="50800" cap="flat" cmpd="sng" algn="ctr">
+            <a:solidFill>
+              <a:schemeClr val="tx1"/>
+            </a:solidFill>
+            <a:prstDash val="solid"/>
+            <a:round/>
+            <a:headEnd type="none" w="med" len="med"/>
+            <a:tailEnd type="arrow" w="med" len="med"/>
+          </a:ln>
+          <a:effectLst/>
+          <a:extLst>
+            <a:ext uri="{909E8E84-426E-40DD-AFC4-6F175D3DCCD1}">
+              <a14:hiddenFill xmlns:a14="http://schemas.microsoft.com/office/drawing/2010/main">
+                <a:solidFill>
+                  <a:schemeClr val="accent1"/>
+                </a:solidFill>
+              </a14:hiddenFill>
+            </a:ext>
+            <a:ext uri="{AF507438-7753-43E0-B8FC-AC1667EBCBE1}">
+              <a14:hiddenEffects xmlns:a14="http://schemas.microsoft.com/office/drawing/2010/main">
+                <a:effectLst>
+                  <a:outerShdw dist="35921" dir="2700000" algn="ctr" rotWithShape="0">
+                    <a:schemeClr val="bg2"/>
+                  </a:outerShdw>
+                </a:effectLst>
+              </a14:hiddenEffects>
+            </a:ext>
+          </a:extLst>
+        </p:spPr>
+      </p:cxnSp>
+      <p:cxnSp>
+        <p:nvCxnSpPr>
+          <p:cNvPr id="53" name="Gerader Verbinder 52"/>
+          <p:cNvCxnSpPr/>
+          <p:nvPr/>
+        </p:nvCxnSpPr>
+        <p:spPr bwMode="auto">
+          <a:xfrm>
+            <a:off x="4742185" y="1320704"/>
+            <a:ext cx="1321920" cy="22425"/>
+          </a:xfrm>
+          <a:prstGeom prst="straightConnector1">
+            <a:avLst/>
+          </a:prstGeom>
+          <a:noFill/>
+          <a:ln w="50800" cap="flat" cmpd="sng" algn="ctr">
+            <a:solidFill>
+              <a:schemeClr val="tx1"/>
+            </a:solidFill>
+            <a:prstDash val="solid"/>
+            <a:round/>
+            <a:headEnd type="none" w="med" len="med"/>
+            <a:tailEnd type="arrow" w="med" len="med"/>
+          </a:ln>
+          <a:effectLst/>
+          <a:extLst>
+            <a:ext uri="{909E8E84-426E-40DD-AFC4-6F175D3DCCD1}">
+              <a14:hiddenFill xmlns:a14="http://schemas.microsoft.com/office/drawing/2010/main">
+                <a:solidFill>
+                  <a:schemeClr val="accent1"/>
+                </a:solidFill>
+              </a14:hiddenFill>
+            </a:ext>
+            <a:ext uri="{AF507438-7753-43E0-B8FC-AC1667EBCBE1}">
+              <a14:hiddenEffects xmlns:a14="http://schemas.microsoft.com/office/drawing/2010/main">
+                <a:effectLst>
+                  <a:outerShdw dist="35921" dir="2700000" algn="ctr" rotWithShape="0">
+                    <a:schemeClr val="bg2"/>
+                  </a:outerShdw>
+                </a:effectLst>
+              </a14:hiddenEffects>
+            </a:ext>
+          </a:extLst>
+        </p:spPr>
+      </p:cxnSp>
+      <p:cxnSp>
+        <p:nvCxnSpPr>
+          <p:cNvPr id="55" name="Gerader Verbinder 54"/>
+          <p:cNvCxnSpPr/>
+          <p:nvPr/>
+        </p:nvCxnSpPr>
+        <p:spPr bwMode="auto">
+          <a:xfrm>
+            <a:off x="4827617" y="1875115"/>
+            <a:ext cx="1181364" cy="2390"/>
+          </a:xfrm>
+          <a:prstGeom prst="straightConnector1">
+            <a:avLst/>
+          </a:prstGeom>
+          <a:noFill/>
+          <a:ln w="50800" cap="flat" cmpd="sng" algn="ctr">
+            <a:solidFill>
+              <a:schemeClr val="tx1"/>
+            </a:solidFill>
+            <a:prstDash val="solid"/>
+            <a:round/>
+            <a:headEnd type="none" w="med" len="med"/>
+            <a:tailEnd type="arrow" w="med" len="med"/>
+          </a:ln>
+          <a:effectLst/>
+          <a:extLst>
+            <a:ext uri="{909E8E84-426E-40DD-AFC4-6F175D3DCCD1}">
+              <a14:hiddenFill xmlns:a14="http://schemas.microsoft.com/office/drawing/2010/main">
+                <a:solidFill>
+                  <a:schemeClr val="accent1"/>
+                </a:solidFill>
+              </a14:hiddenFill>
+            </a:ext>
+            <a:ext uri="{AF507438-7753-43E0-B8FC-AC1667EBCBE1}">
+              <a14:hiddenEffects xmlns:a14="http://schemas.microsoft.com/office/drawing/2010/main">
+                <a:effectLst>
+                  <a:outerShdw dist="35921" dir="2700000" algn="ctr" rotWithShape="0">
+                    <a:schemeClr val="bg2"/>
+                  </a:outerShdw>
+                </a:effectLst>
+              </a14:hiddenEffects>
+            </a:ext>
+          </a:extLst>
+        </p:spPr>
+      </p:cxnSp>
+      <p:cxnSp>
+        <p:nvCxnSpPr>
+          <p:cNvPr id="58" name="Gerader Verbinder 57"/>
+          <p:cNvCxnSpPr/>
+          <p:nvPr/>
+        </p:nvCxnSpPr>
+        <p:spPr bwMode="auto">
+          <a:xfrm>
+            <a:off x="1835620" y="3429000"/>
+            <a:ext cx="0" cy="929641"/>
+          </a:xfrm>
+          <a:prstGeom prst="line">
+            <a:avLst/>
+          </a:prstGeom>
+          <a:noFill/>
+          <a:ln w="50800" cap="flat" cmpd="sng" algn="ctr">
+            <a:solidFill>
+              <a:schemeClr val="tx1"/>
+            </a:solidFill>
+            <a:prstDash val="solid"/>
+            <a:round/>
+            <a:headEnd type="none" w="med" len="med"/>
+            <a:tailEnd type="arrow" w="med" len="med"/>
+          </a:ln>
+          <a:effectLst/>
+          <a:extLst>
+            <a:ext uri="{909E8E84-426E-40DD-AFC4-6F175D3DCCD1}">
+              <a14:hiddenFill xmlns:a14="http://schemas.microsoft.com/office/drawing/2010/main">
+                <a:solidFill>
+                  <a:schemeClr val="accent1"/>
+                </a:solidFill>
+              </a14:hiddenFill>
+            </a:ext>
+            <a:ext uri="{AF507438-7753-43E0-B8FC-AC1667EBCBE1}">
+              <a14:hiddenEffects xmlns:a14="http://schemas.microsoft.com/office/drawing/2010/main">
+                <a:effectLst>
+                  <a:outerShdw dist="35921" dir="2700000" algn="ctr" rotWithShape="0">
+                    <a:schemeClr val="bg2"/>
+                  </a:outerShdw>
+                </a:effectLst>
+              </a14:hiddenEffects>
+            </a:ext>
+          </a:extLst>
+        </p:spPr>
+      </p:cxnSp>
+      <p:cxnSp>
+        <p:nvCxnSpPr>
+          <p:cNvPr id="64" name="Gerader Verbinder 63"/>
+          <p:cNvCxnSpPr/>
+          <p:nvPr/>
+        </p:nvCxnSpPr>
+        <p:spPr bwMode="auto">
+          <a:xfrm>
+            <a:off x="1097641" y="3448847"/>
+            <a:ext cx="0" cy="909794"/>
+          </a:xfrm>
+          <a:prstGeom prst="line">
+            <a:avLst/>
+          </a:prstGeom>
+          <a:noFill/>
+          <a:ln w="50800" cap="flat" cmpd="sng" algn="ctr">
+            <a:solidFill>
+              <a:schemeClr val="tx1"/>
+            </a:solidFill>
+            <a:prstDash val="solid"/>
+            <a:round/>
+            <a:headEnd type="none" w="med" len="med"/>
+            <a:tailEnd type="arrow" w="med" len="med"/>
+          </a:ln>
+          <a:effectLst/>
+          <a:extLst>
+            <a:ext uri="{909E8E84-426E-40DD-AFC4-6F175D3DCCD1}">
+              <a14:hiddenFill xmlns:a14="http://schemas.microsoft.com/office/drawing/2010/main">
+                <a:solidFill>
+                  <a:schemeClr val="accent1"/>
+                </a:solidFill>
+              </a14:hiddenFill>
+            </a:ext>
+            <a:ext uri="{AF507438-7753-43E0-B8FC-AC1667EBCBE1}">
+              <a14:hiddenEffects xmlns:a14="http://schemas.microsoft.com/office/drawing/2010/main">
+                <a:effectLst>
+                  <a:outerShdw dist="35921" dir="2700000" algn="ctr" rotWithShape="0">
+                    <a:schemeClr val="bg2"/>
+                  </a:outerShdw>
+                </a:effectLst>
+              </a14:hiddenEffects>
+            </a:ext>
+          </a:extLst>
+        </p:spPr>
+      </p:cxnSp>
+      <p:sp>
+        <p:nvSpPr>
+          <p:cNvPr id="74" name="Textfeld 73"/>
+          <p:cNvSpPr txBox="1"/>
+          <p:nvPr/>
+        </p:nvSpPr>
+        <p:spPr>
+          <a:xfrm>
+            <a:off x="1498586" y="5480199"/>
+            <a:ext cx="3456480" cy="461665"/>
+          </a:xfrm>
+          <a:prstGeom prst="rect">
+            <a:avLst/>
+          </a:prstGeom>
+          <a:noFill/>
+        </p:spPr>
+        <p:txBody>
+          <a:bodyPr wrap="square" rtlCol="0">
+            <a:spAutoFit/>
+          </a:bodyPr>
+          <a:lstStyle/>
+          <a:p>
+            <a:pPr>
+              <a:buNone/>
+            </a:pPr>
+            <a:r>
+              <a:rPr lang="de-DE" dirty="0" smtClean="0"/>
+              <a:t>Communication Studio</a:t>
+            </a:r>
+            <a:endParaRPr lang="en-US" dirty="0"/>
+          </a:p>
+        </p:txBody>
+      </p:sp>
+      <p:sp>
+        <p:nvSpPr>
+          <p:cNvPr id="75" name="Textfeld 74"/>
+          <p:cNvSpPr txBox="1"/>
+          <p:nvPr/>
+        </p:nvSpPr>
+        <p:spPr>
+          <a:xfrm>
+            <a:off x="6591536" y="5039483"/>
+            <a:ext cx="955283" cy="830997"/>
+          </a:xfrm>
+          <a:prstGeom prst="rect">
+            <a:avLst/>
+          </a:prstGeom>
+          <a:noFill/>
+        </p:spPr>
+        <p:txBody>
+          <a:bodyPr wrap="square" rtlCol="0">
+            <a:spAutoFit/>
+          </a:bodyPr>
+          <a:lstStyle/>
+          <a:p>
+            <a:pPr>
+              <a:buNone/>
+            </a:pPr>
+            <a:r>
+              <a:rPr lang="de-DE" dirty="0" smtClean="0"/>
+              <a:t>Third Party</a:t>
+            </a:r>
+            <a:endParaRPr lang="en-US" dirty="0"/>
+          </a:p>
+        </p:txBody>
+      </p:sp>
+      <p:sp>
+        <p:nvSpPr>
+          <p:cNvPr id="76" name="Textfeld 75"/>
+          <p:cNvSpPr txBox="1"/>
+          <p:nvPr/>
+        </p:nvSpPr>
+        <p:spPr>
+          <a:xfrm>
+            <a:off x="1467407" y="3001436"/>
+            <a:ext cx="2307110" cy="461665"/>
+          </a:xfrm>
+          <a:prstGeom prst="rect">
+            <a:avLst/>
+          </a:prstGeom>
+          <a:noFill/>
+        </p:spPr>
+        <p:txBody>
+          <a:bodyPr wrap="square" rtlCol="0">
+            <a:spAutoFit/>
+          </a:bodyPr>
+          <a:lstStyle/>
+          <a:p>
+            <a:pPr>
+              <a:buNone/>
+            </a:pPr>
+            <a:r>
+              <a:rPr lang="de-DE" dirty="0" err="1" smtClean="0"/>
+              <a:t>Topology</a:t>
+            </a:r>
+            <a:r>
+              <a:rPr lang="de-DE" dirty="0" smtClean="0"/>
+              <a:t>-Editor</a:t>
+            </a:r>
+            <a:endParaRPr lang="en-US" dirty="0"/>
+          </a:p>
+        </p:txBody>
+      </p:sp>
     </p:spTree>
     <p:extLst>
       <p:ext uri="{BB962C8B-B14F-4D97-AF65-F5344CB8AC3E}">
-        <p14:creationId xmlns:p14="http://schemas.microsoft.com/office/powerpoint/2010/main" val="1088132503"/>
+        <p14:creationId xmlns:p14="http://schemas.microsoft.com/office/powerpoint/2010/main" val="4034301345"/>
       </p:ext>
     </p:extLst>
   </p:cSld>
@@ -22480,10 +23497,17 @@
   <p:transition>
     <p:zoom/>
   </p:transition>
+  <p:timing>
+    <p:tnLst>
+      <p:par>
+        <p:cTn id="1" dur="indefinite" restart="never" nodeType="tmRoot"/>
+      </p:par>
+    </p:tnLst>
+  </p:timing>
 </p:sld>
 </file>
 
-<file path=ppt/slides/slide12.xml><?xml version="1.0" encoding="utf-8"?>
+<file path=ppt/slides/slide13.xml><?xml version="1.0" encoding="utf-8"?>
 <p:sld xmlns:a="http://schemas.openxmlformats.org/drawingml/2006/main" xmlns:r="http://schemas.openxmlformats.org/officeDocument/2006/relationships" xmlns:p="http://schemas.openxmlformats.org/presentationml/2006/main">
   <p:cSld>
     <p:spTree>
@@ -22621,7 +23645,7 @@
                 <a:buFontTx/>
                 <a:buNone/>
               </a:pPr>
-              <a:t>12</a:t>
+              <a:t>13</a:t>
             </a:fld>
             <a:endParaRPr lang="de-DE" altLang="de-DE" sz="1100" b="1">
               <a:solidFill>
@@ -22808,6 +23832,10 @@
             <a:br>
               <a:rPr lang="de-DE" altLang="de-DE" sz="2400" b="0"/>
             </a:br>
+            <a:r>
+              <a:rPr lang="de-DE" altLang="de-DE" sz="700"/>
+              <a:t/>
+            </a:r>
             <a:br>
               <a:rPr lang="de-DE" altLang="de-DE" sz="700"/>
             </a:br>
@@ -23037,6 +24065,14 @@
               </a:rPr>
               <a:t>Vorname Nachname</a:t>
             </a:r>
+            <a:r>
+              <a:rPr lang="de-DE" altLang="de-DE" sz="2100">
+                <a:solidFill>
+                  <a:schemeClr val="bg2"/>
+                </a:solidFill>
+              </a:rPr>
+              <a:t/>
+            </a:r>
             <a:br>
               <a:rPr lang="de-DE" altLang="de-DE" sz="2100">
                 <a:solidFill>
@@ -23377,6 +24413,14 @@
                 </a:solidFill>
               </a:rPr>
             </a:br>
+            <a:r>
+              <a:rPr lang="de-DE" altLang="de-DE" sz="700">
+                <a:solidFill>
+                  <a:srgbClr val="DF0029"/>
+                </a:solidFill>
+              </a:rPr>
+              <a:t/>
+            </a:r>
             <a:br>
               <a:rPr lang="de-DE" altLang="de-DE" sz="700">
                 <a:solidFill>
@@ -23415,10 +24459,17 @@
   <p:transition>
     <p:zoom/>
   </p:transition>
+  <p:timing>
+    <p:tnLst>
+      <p:par>
+        <p:cTn id="1" dur="indefinite" restart="never" nodeType="tmRoot"/>
+      </p:par>
+    </p:tnLst>
+  </p:timing>
 </p:sld>
 </file>
 
-<file path=ppt/slides/slide13.xml><?xml version="1.0" encoding="utf-8"?>
+<file path=ppt/slides/slide14.xml><?xml version="1.0" encoding="utf-8"?>
 <p:sld xmlns:a="http://schemas.openxmlformats.org/drawingml/2006/main" xmlns:r="http://schemas.openxmlformats.org/officeDocument/2006/relationships" xmlns:p="http://schemas.openxmlformats.org/presentationml/2006/main">
   <p:cSld>
     <p:spTree>
@@ -23808,7 +24859,7 @@
 </p:sld>
 </file>
 
-<file path=ppt/slides/slide14.xml><?xml version="1.0" encoding="utf-8"?>
+<file path=ppt/slides/slide15.xml><?xml version="1.0" encoding="utf-8"?>
 <p:sld xmlns:a="http://schemas.openxmlformats.org/drawingml/2006/main" xmlns:r="http://schemas.openxmlformats.org/officeDocument/2006/relationships" xmlns:p="http://schemas.openxmlformats.org/presentationml/2006/main">
   <p:cSld>
     <p:spTree>
@@ -24476,10 +25527,17 @@
   <p:transition>
     <p:zoom/>
   </p:transition>
+  <p:timing>
+    <p:tnLst>
+      <p:par>
+        <p:cTn id="1" dur="indefinite" restart="never" nodeType="tmRoot"/>
+      </p:par>
+    </p:tnLst>
+  </p:timing>
 </p:sld>
 </file>
 
-<file path=ppt/slides/slide15.xml><?xml version="1.0" encoding="utf-8"?>
+<file path=ppt/slides/slide16.xml><?xml version="1.0" encoding="utf-8"?>
 <p:sld xmlns:a="http://schemas.openxmlformats.org/drawingml/2006/main" xmlns:r="http://schemas.openxmlformats.org/officeDocument/2006/relationships" xmlns:p="http://schemas.openxmlformats.org/presentationml/2006/main">
   <p:cSld>
     <p:spTree>
@@ -25487,6 +26545,13 @@
   <p:transition>
     <p:randomBar/>
   </p:transition>
+  <p:timing>
+    <p:tnLst>
+      <p:par>
+        <p:cTn id="1" dur="indefinite" restart="never" nodeType="tmRoot"/>
+      </p:par>
+    </p:tnLst>
+  </p:timing>
 </p:sld>
 </file>
 
@@ -26986,7 +28051,7 @@
             <p:ph idx="1"/>
             <p:extLst>
               <p:ext uri="{D42A27DB-BD31-4B8C-83A1-F6EECF244321}">
-                <p14:modId xmlns:p14="http://schemas.microsoft.com/office/powerpoint/2010/main" val="410075253"/>
+                <p14:modId xmlns:p14="http://schemas.microsoft.com/office/powerpoint/2010/main" val="2025467646"/>
               </p:ext>
             </p:extLst>
           </p:nvPr>
@@ -27056,6 +28121,149 @@
           </a:prstGeom>
         </p:spPr>
       </p:pic>
+      <p:sp>
+        <p:nvSpPr>
+          <p:cNvPr id="3" name="Textfeld 2"/>
+          <p:cNvSpPr txBox="1"/>
+          <p:nvPr/>
+        </p:nvSpPr>
+        <p:spPr>
+          <a:xfrm>
+            <a:off x="6732300" y="1455125"/>
+            <a:ext cx="1944270" cy="2677656"/>
+          </a:xfrm>
+          <a:prstGeom prst="rect">
+            <a:avLst/>
+          </a:prstGeom>
+          <a:noFill/>
+        </p:spPr>
+        <p:txBody>
+          <a:bodyPr wrap="square" rtlCol="0">
+            <a:spAutoFit/>
+          </a:bodyPr>
+          <a:lstStyle/>
+          <a:p>
+            <a:r>
+              <a:rPr lang="de-DE" dirty="0" smtClean="0"/>
+              <a:t>SPMP</a:t>
+            </a:r>
+          </a:p>
+          <a:p>
+            <a:r>
+              <a:rPr lang="de-DE" dirty="0" smtClean="0"/>
+              <a:t>RAD</a:t>
+            </a:r>
+          </a:p>
+          <a:p>
+            <a:r>
+              <a:rPr lang="de-DE" dirty="0" smtClean="0"/>
+              <a:t>SDD</a:t>
+            </a:r>
+          </a:p>
+          <a:p>
+            <a:r>
+              <a:rPr lang="de-DE" dirty="0" smtClean="0"/>
+              <a:t>ODD</a:t>
+            </a:r>
+          </a:p>
+          <a:p>
+            <a:r>
+              <a:rPr lang="de-DE" dirty="0" smtClean="0"/>
+              <a:t>TM</a:t>
+            </a:r>
+          </a:p>
+          <a:p>
+            <a:r>
+              <a:rPr lang="de-DE" dirty="0" smtClean="0"/>
+              <a:t>UM</a:t>
+            </a:r>
+            <a:endParaRPr lang="en-US" dirty="0"/>
+          </a:p>
+        </p:txBody>
+      </p:sp>
+      <p:sp>
+        <p:nvSpPr>
+          <p:cNvPr id="6" name="Ellipse 5"/>
+          <p:cNvSpPr/>
+          <p:nvPr/>
+        </p:nvSpPr>
+        <p:spPr bwMode="auto">
+          <a:xfrm>
+            <a:off x="6732300" y="2348850"/>
+            <a:ext cx="1224170" cy="360050"/>
+          </a:xfrm>
+          <a:prstGeom prst="ellipse">
+            <a:avLst/>
+          </a:prstGeom>
+          <a:noFill/>
+          <a:ln w="25400" cap="flat" cmpd="sng" algn="ctr">
+            <a:solidFill>
+              <a:srgbClr val="C00000"/>
+            </a:solidFill>
+            <a:prstDash val="solid"/>
+            <a:round/>
+            <a:headEnd type="none" w="med" len="med"/>
+            <a:tailEnd type="none" w="med" len="med"/>
+          </a:ln>
+          <a:effectLst/>
+          <a:extLst>
+            <a:ext uri="{909E8E84-426E-40DD-AFC4-6F175D3DCCD1}">
+              <a14:hiddenFill xmlns:a14="http://schemas.microsoft.com/office/drawing/2010/main">
+                <a:solidFill>
+                  <a:schemeClr val="accent1"/>
+                </a:solidFill>
+              </a14:hiddenFill>
+            </a:ext>
+            <a:ext uri="{AF507438-7753-43E0-B8FC-AC1667EBCBE1}">
+              <a14:hiddenEffects xmlns:a14="http://schemas.microsoft.com/office/drawing/2010/main">
+                <a:effectLst>
+                  <a:outerShdw dist="35921" dir="2700000" algn="ctr" rotWithShape="0">
+                    <a:schemeClr val="bg2"/>
+                  </a:outerShdw>
+                </a:effectLst>
+              </a14:hiddenEffects>
+            </a:ext>
+          </a:extLst>
+        </p:spPr>
+        <p:txBody>
+          <a:bodyPr vert="horz" wrap="square" lIns="91440" tIns="45720" rIns="91440" bIns="45720" numCol="1" rtlCol="0" anchor="t" anchorCtr="0" compatLnSpc="1">
+            <a:prstTxWarp prst="textNoShape">
+              <a:avLst/>
+            </a:prstTxWarp>
+          </a:bodyPr>
+          <a:lstStyle/>
+          <a:p>
+            <a:pPr marL="342900" marR="0" indent="-342900" algn="l" defTabSz="914400" rtl="0" eaLnBrk="1" fontAlgn="base" latinLnBrk="0" hangingPunct="1">
+              <a:lnSpc>
+                <a:spcPct val="100000"/>
+              </a:lnSpc>
+              <a:spcBef>
+                <a:spcPct val="20000"/>
+              </a:spcBef>
+              <a:spcAft>
+                <a:spcPct val="0"/>
+              </a:spcAft>
+              <a:buClr>
+                <a:srgbClr val="DF0029"/>
+              </a:buClr>
+              <a:buSzPct val="140000"/>
+              <a:buFont typeface="Wingdings" panose="05000000000000000000" pitchFamily="2" charset="2"/>
+              <a:buChar char="§"/>
+              <a:tabLst/>
+            </a:pPr>
+            <a:endParaRPr kumimoji="0" lang="en-US" sz="2400" b="0" i="0" u="none" strike="noStrike" cap="none" normalizeH="0" baseline="0" smtClean="0">
+              <a:ln>
+                <a:noFill/>
+              </a:ln>
+              <a:solidFill>
+                <a:srgbClr val="5F5F5F"/>
+              </a:solidFill>
+              <a:effectLst/>
+              <a:latin typeface="Arial" panose="020B0604020202020204" pitchFamily="34" charset="0"/>
+            </a:endParaRPr>
+          </a:p>
+        </p:txBody>
+      </p:sp>
     </p:spTree>
     <p:extLst>
       <p:ext uri="{BB962C8B-B14F-4D97-AF65-F5344CB8AC3E}">
@@ -27252,6 +28460,425 @@
                       </p:childTnLst>
                     </p:cTn>
                   </p:par>
+                  <p:par>
+                    <p:cTn id="18" fill="hold">
+                      <p:stCondLst>
+                        <p:cond delay="indefinite"/>
+                      </p:stCondLst>
+                      <p:childTnLst>
+                        <p:par>
+                          <p:cTn id="19" fill="hold">
+                            <p:stCondLst>
+                              <p:cond delay="0"/>
+                            </p:stCondLst>
+                            <p:childTnLst>
+                              <p:par>
+                                <p:cTn id="20" presetID="22" presetClass="entr" presetSubtype="4" fill="hold" nodeType="clickEffect">
+                                  <p:stCondLst>
+                                    <p:cond delay="0"/>
+                                  </p:stCondLst>
+                                  <p:childTnLst>
+                                    <p:set>
+                                      <p:cBhvr>
+                                        <p:cTn id="21" dur="1" fill="hold">
+                                          <p:stCondLst>
+                                            <p:cond delay="0"/>
+                                          </p:stCondLst>
+                                        </p:cTn>
+                                        <p:tgtEl>
+                                          <p:spTgt spid="3">
+                                            <p:txEl>
+                                              <p:pRg st="0" end="0"/>
+                                            </p:txEl>
+                                          </p:spTgt>
+                                        </p:tgtEl>
+                                        <p:attrNameLst>
+                                          <p:attrName>style.visibility</p:attrName>
+                                        </p:attrNameLst>
+                                      </p:cBhvr>
+                                      <p:to>
+                                        <p:strVal val="visible"/>
+                                      </p:to>
+                                    </p:set>
+                                    <p:animEffect transition="in" filter="wipe(down)">
+                                      <p:cBhvr>
+                                        <p:cTn id="22" dur="500"/>
+                                        <p:tgtEl>
+                                          <p:spTgt spid="3">
+                                            <p:txEl>
+                                              <p:pRg st="0" end="0"/>
+                                            </p:txEl>
+                                          </p:spTgt>
+                                        </p:tgtEl>
+                                      </p:cBhvr>
+                                    </p:animEffect>
+                                  </p:childTnLst>
+                                </p:cTn>
+                              </p:par>
+                            </p:childTnLst>
+                          </p:cTn>
+                        </p:par>
+                      </p:childTnLst>
+                    </p:cTn>
+                  </p:par>
+                  <p:par>
+                    <p:cTn id="23" fill="hold">
+                      <p:stCondLst>
+                        <p:cond delay="indefinite"/>
+                      </p:stCondLst>
+                      <p:childTnLst>
+                        <p:par>
+                          <p:cTn id="24" fill="hold">
+                            <p:stCondLst>
+                              <p:cond delay="0"/>
+                            </p:stCondLst>
+                            <p:childTnLst>
+                              <p:par>
+                                <p:cTn id="25" presetID="22" presetClass="entr" presetSubtype="4" fill="hold" nodeType="clickEffect">
+                                  <p:stCondLst>
+                                    <p:cond delay="0"/>
+                                  </p:stCondLst>
+                                  <p:childTnLst>
+                                    <p:set>
+                                      <p:cBhvr>
+                                        <p:cTn id="26" dur="1" fill="hold">
+                                          <p:stCondLst>
+                                            <p:cond delay="0"/>
+                                          </p:stCondLst>
+                                        </p:cTn>
+                                        <p:tgtEl>
+                                          <p:spTgt spid="3">
+                                            <p:txEl>
+                                              <p:pRg st="1" end="1"/>
+                                            </p:txEl>
+                                          </p:spTgt>
+                                        </p:tgtEl>
+                                        <p:attrNameLst>
+                                          <p:attrName>style.visibility</p:attrName>
+                                        </p:attrNameLst>
+                                      </p:cBhvr>
+                                      <p:to>
+                                        <p:strVal val="visible"/>
+                                      </p:to>
+                                    </p:set>
+                                    <p:animEffect transition="in" filter="wipe(down)">
+                                      <p:cBhvr>
+                                        <p:cTn id="27" dur="500"/>
+                                        <p:tgtEl>
+                                          <p:spTgt spid="3">
+                                            <p:txEl>
+                                              <p:pRg st="1" end="1"/>
+                                            </p:txEl>
+                                          </p:spTgt>
+                                        </p:tgtEl>
+                                      </p:cBhvr>
+                                    </p:animEffect>
+                                  </p:childTnLst>
+                                </p:cTn>
+                              </p:par>
+                            </p:childTnLst>
+                          </p:cTn>
+                        </p:par>
+                      </p:childTnLst>
+                    </p:cTn>
+                  </p:par>
+                  <p:par>
+                    <p:cTn id="28" fill="hold">
+                      <p:stCondLst>
+                        <p:cond delay="indefinite"/>
+                      </p:stCondLst>
+                      <p:childTnLst>
+                        <p:par>
+                          <p:cTn id="29" fill="hold">
+                            <p:stCondLst>
+                              <p:cond delay="0"/>
+                            </p:stCondLst>
+                            <p:childTnLst>
+                              <p:par>
+                                <p:cTn id="30" presetID="22" presetClass="entr" presetSubtype="4" fill="hold" nodeType="clickEffect">
+                                  <p:stCondLst>
+                                    <p:cond delay="0"/>
+                                  </p:stCondLst>
+                                  <p:childTnLst>
+                                    <p:set>
+                                      <p:cBhvr>
+                                        <p:cTn id="31" dur="1" fill="hold">
+                                          <p:stCondLst>
+                                            <p:cond delay="0"/>
+                                          </p:stCondLst>
+                                        </p:cTn>
+                                        <p:tgtEl>
+                                          <p:spTgt spid="3">
+                                            <p:txEl>
+                                              <p:pRg st="2" end="2"/>
+                                            </p:txEl>
+                                          </p:spTgt>
+                                        </p:tgtEl>
+                                        <p:attrNameLst>
+                                          <p:attrName>style.visibility</p:attrName>
+                                        </p:attrNameLst>
+                                      </p:cBhvr>
+                                      <p:to>
+                                        <p:strVal val="visible"/>
+                                      </p:to>
+                                    </p:set>
+                                    <p:animEffect transition="in" filter="wipe(down)">
+                                      <p:cBhvr>
+                                        <p:cTn id="32" dur="500"/>
+                                        <p:tgtEl>
+                                          <p:spTgt spid="3">
+                                            <p:txEl>
+                                              <p:pRg st="2" end="2"/>
+                                            </p:txEl>
+                                          </p:spTgt>
+                                        </p:tgtEl>
+                                      </p:cBhvr>
+                                    </p:animEffect>
+                                  </p:childTnLst>
+                                </p:cTn>
+                              </p:par>
+                            </p:childTnLst>
+                          </p:cTn>
+                        </p:par>
+                      </p:childTnLst>
+                    </p:cTn>
+                  </p:par>
+                  <p:par>
+                    <p:cTn id="33" fill="hold">
+                      <p:stCondLst>
+                        <p:cond delay="indefinite"/>
+                      </p:stCondLst>
+                      <p:childTnLst>
+                        <p:par>
+                          <p:cTn id="34" fill="hold">
+                            <p:stCondLst>
+                              <p:cond delay="0"/>
+                            </p:stCondLst>
+                            <p:childTnLst>
+                              <p:par>
+                                <p:cTn id="35" presetID="22" presetClass="entr" presetSubtype="4" fill="hold" nodeType="clickEffect">
+                                  <p:stCondLst>
+                                    <p:cond delay="0"/>
+                                  </p:stCondLst>
+                                  <p:childTnLst>
+                                    <p:set>
+                                      <p:cBhvr>
+                                        <p:cTn id="36" dur="1" fill="hold">
+                                          <p:stCondLst>
+                                            <p:cond delay="0"/>
+                                          </p:stCondLst>
+                                        </p:cTn>
+                                        <p:tgtEl>
+                                          <p:spTgt spid="3">
+                                            <p:txEl>
+                                              <p:pRg st="3" end="3"/>
+                                            </p:txEl>
+                                          </p:spTgt>
+                                        </p:tgtEl>
+                                        <p:attrNameLst>
+                                          <p:attrName>style.visibility</p:attrName>
+                                        </p:attrNameLst>
+                                      </p:cBhvr>
+                                      <p:to>
+                                        <p:strVal val="visible"/>
+                                      </p:to>
+                                    </p:set>
+                                    <p:animEffect transition="in" filter="wipe(down)">
+                                      <p:cBhvr>
+                                        <p:cTn id="37" dur="500"/>
+                                        <p:tgtEl>
+                                          <p:spTgt spid="3">
+                                            <p:txEl>
+                                              <p:pRg st="3" end="3"/>
+                                            </p:txEl>
+                                          </p:spTgt>
+                                        </p:tgtEl>
+                                      </p:cBhvr>
+                                    </p:animEffect>
+                                  </p:childTnLst>
+                                </p:cTn>
+                              </p:par>
+                            </p:childTnLst>
+                          </p:cTn>
+                        </p:par>
+                      </p:childTnLst>
+                    </p:cTn>
+                  </p:par>
+                  <p:par>
+                    <p:cTn id="38" fill="hold">
+                      <p:stCondLst>
+                        <p:cond delay="indefinite"/>
+                      </p:stCondLst>
+                      <p:childTnLst>
+                        <p:par>
+                          <p:cTn id="39" fill="hold">
+                            <p:stCondLst>
+                              <p:cond delay="0"/>
+                            </p:stCondLst>
+                            <p:childTnLst>
+                              <p:par>
+                                <p:cTn id="40" presetID="22" presetClass="entr" presetSubtype="4" fill="hold" nodeType="clickEffect">
+                                  <p:stCondLst>
+                                    <p:cond delay="0"/>
+                                  </p:stCondLst>
+                                  <p:childTnLst>
+                                    <p:set>
+                                      <p:cBhvr>
+                                        <p:cTn id="41" dur="1" fill="hold">
+                                          <p:stCondLst>
+                                            <p:cond delay="0"/>
+                                          </p:stCondLst>
+                                        </p:cTn>
+                                        <p:tgtEl>
+                                          <p:spTgt spid="3">
+                                            <p:txEl>
+                                              <p:pRg st="4" end="4"/>
+                                            </p:txEl>
+                                          </p:spTgt>
+                                        </p:tgtEl>
+                                        <p:attrNameLst>
+                                          <p:attrName>style.visibility</p:attrName>
+                                        </p:attrNameLst>
+                                      </p:cBhvr>
+                                      <p:to>
+                                        <p:strVal val="visible"/>
+                                      </p:to>
+                                    </p:set>
+                                    <p:animEffect transition="in" filter="wipe(down)">
+                                      <p:cBhvr>
+                                        <p:cTn id="42" dur="500"/>
+                                        <p:tgtEl>
+                                          <p:spTgt spid="3">
+                                            <p:txEl>
+                                              <p:pRg st="4" end="4"/>
+                                            </p:txEl>
+                                          </p:spTgt>
+                                        </p:tgtEl>
+                                      </p:cBhvr>
+                                    </p:animEffect>
+                                  </p:childTnLst>
+                                </p:cTn>
+                              </p:par>
+                            </p:childTnLst>
+                          </p:cTn>
+                        </p:par>
+                      </p:childTnLst>
+                    </p:cTn>
+                  </p:par>
+                  <p:par>
+                    <p:cTn id="43" fill="hold">
+                      <p:stCondLst>
+                        <p:cond delay="indefinite"/>
+                      </p:stCondLst>
+                      <p:childTnLst>
+                        <p:par>
+                          <p:cTn id="44" fill="hold">
+                            <p:stCondLst>
+                              <p:cond delay="0"/>
+                            </p:stCondLst>
+                            <p:childTnLst>
+                              <p:par>
+                                <p:cTn id="45" presetID="22" presetClass="entr" presetSubtype="4" fill="hold" nodeType="clickEffect">
+                                  <p:stCondLst>
+                                    <p:cond delay="0"/>
+                                  </p:stCondLst>
+                                  <p:childTnLst>
+                                    <p:set>
+                                      <p:cBhvr>
+                                        <p:cTn id="46" dur="1" fill="hold">
+                                          <p:stCondLst>
+                                            <p:cond delay="0"/>
+                                          </p:stCondLst>
+                                        </p:cTn>
+                                        <p:tgtEl>
+                                          <p:spTgt spid="3">
+                                            <p:txEl>
+                                              <p:pRg st="5" end="5"/>
+                                            </p:txEl>
+                                          </p:spTgt>
+                                        </p:tgtEl>
+                                        <p:attrNameLst>
+                                          <p:attrName>style.visibility</p:attrName>
+                                        </p:attrNameLst>
+                                      </p:cBhvr>
+                                      <p:to>
+                                        <p:strVal val="visible"/>
+                                      </p:to>
+                                    </p:set>
+                                    <p:animEffect transition="in" filter="wipe(down)">
+                                      <p:cBhvr>
+                                        <p:cTn id="47" dur="500"/>
+                                        <p:tgtEl>
+                                          <p:spTgt spid="3">
+                                            <p:txEl>
+                                              <p:pRg st="5" end="5"/>
+                                            </p:txEl>
+                                          </p:spTgt>
+                                        </p:tgtEl>
+                                      </p:cBhvr>
+                                    </p:animEffect>
+                                  </p:childTnLst>
+                                </p:cTn>
+                              </p:par>
+                            </p:childTnLst>
+                          </p:cTn>
+                        </p:par>
+                      </p:childTnLst>
+                    </p:cTn>
+                  </p:par>
+                  <p:par>
+                    <p:cTn id="48" fill="hold">
+                      <p:stCondLst>
+                        <p:cond delay="indefinite"/>
+                      </p:stCondLst>
+                      <p:childTnLst>
+                        <p:par>
+                          <p:cTn id="49" fill="hold">
+                            <p:stCondLst>
+                              <p:cond delay="0"/>
+                            </p:stCondLst>
+                            <p:childTnLst>
+                              <p:par>
+                                <p:cTn id="50" presetID="22" presetClass="entr" presetSubtype="4" fill="hold" grpId="0" nodeType="clickEffect">
+                                  <p:stCondLst>
+                                    <p:cond delay="0"/>
+                                  </p:stCondLst>
+                                  <p:childTnLst>
+                                    <p:set>
+                                      <p:cBhvr>
+                                        <p:cTn id="51" dur="1" fill="hold">
+                                          <p:stCondLst>
+                                            <p:cond delay="0"/>
+                                          </p:stCondLst>
+                                        </p:cTn>
+                                        <p:tgtEl>
+                                          <p:spTgt spid="6"/>
+                                        </p:tgtEl>
+                                        <p:attrNameLst>
+                                          <p:attrName>style.visibility</p:attrName>
+                                        </p:attrNameLst>
+                                      </p:cBhvr>
+                                      <p:to>
+                                        <p:strVal val="visible"/>
+                                      </p:to>
+                                    </p:set>
+                                    <p:animEffect transition="in" filter="wipe(down)">
+                                      <p:cBhvr>
+                                        <p:cTn id="52" dur="500"/>
+                                        <p:tgtEl>
+                                          <p:spTgt spid="6"/>
+                                        </p:tgtEl>
+                                      </p:cBhvr>
+                                    </p:animEffect>
+                                  </p:childTnLst>
+                                </p:cTn>
+                              </p:par>
+                            </p:childTnLst>
+                          </p:cTn>
+                        </p:par>
+                      </p:childTnLst>
+                    </p:cTn>
+                  </p:par>
                 </p:childTnLst>
               </p:cTn>
               <p:prevCondLst>
@@ -27279,6 +28906,7 @@
           <a:bldDgm bld="one"/>
         </p:bldSub>
       </p:bldGraphic>
+      <p:bldP spid="6" grpId="0" animBg="1"/>
     </p:bldLst>
   </p:timing>
 </p:sld>
@@ -28518,6 +30146,13 @@
   <p:transition>
     <p:zoom/>
   </p:transition>
+  <p:timing>
+    <p:tnLst>
+      <p:par>
+        <p:cTn id="1" dur="indefinite" restart="never" nodeType="tmRoot"/>
+      </p:par>
+    </p:tnLst>
+  </p:timing>
 </p:sld>
 </file>
 
@@ -28595,42 +30230,90 @@
           <a:p>
             <a:pPr lvl="1"/>
             <a:r>
+              <a:rPr lang="en-US" dirty="0" smtClean="0"/>
+              <a:t>Wiki</a:t>
+            </a:r>
+          </a:p>
+          <a:p>
+            <a:pPr lvl="2"/>
+            <a:r>
+              <a:rPr lang="en-US" dirty="0" smtClean="0"/>
+              <a:t>What is Topology-Editor? (Screenshots)</a:t>
+            </a:r>
+          </a:p>
+          <a:p>
+            <a:pPr lvl="2"/>
+            <a:r>
+              <a:rPr lang="de-DE" dirty="0" smtClean="0"/>
+              <a:t>SDD</a:t>
+            </a:r>
+          </a:p>
+          <a:p>
+            <a:pPr lvl="2"/>
+            <a:r>
               <a:rPr lang="en-US" dirty="0"/>
-              <a:t>Wiki </a:t>
+              <a:t>Tech Stacks</a:t>
             </a:r>
           </a:p>
           <a:p>
             <a:pPr lvl="1"/>
             <a:r>
-              <a:rPr lang="en-US" dirty="0" err="1"/>
-              <a:t>Quellcode</a:t>
+              <a:rPr lang="en-US" dirty="0" err="1" smtClean="0"/>
+              <a:t>Howtos</a:t>
+            </a:r>
+            <a:endParaRPr lang="en-US" dirty="0" smtClean="0"/>
+          </a:p>
+          <a:p>
+            <a:pPr lvl="2"/>
+            <a:r>
+              <a:rPr lang="de-DE" dirty="0" smtClean="0"/>
+              <a:t>Repository</a:t>
             </a:r>
             <a:endParaRPr lang="en-US" dirty="0"/>
           </a:p>
           <a:p>
-            <a:pPr lvl="1"/>
-            <a:r>
-              <a:rPr lang="en-US" dirty="0"/>
-              <a:t>Screenshots</a:t>
-            </a:r>
+            <a:pPr lvl="2"/>
+            <a:r>
+              <a:rPr lang="de-DE" dirty="0" err="1" smtClean="0"/>
+              <a:t>Issue</a:t>
+            </a:r>
+            <a:r>
+              <a:rPr lang="de-DE" dirty="0" smtClean="0"/>
+              <a:t> Tracking</a:t>
+            </a:r>
+            <a:endParaRPr lang="en-US" dirty="0"/>
+          </a:p>
+          <a:p>
+            <a:pPr lvl="2"/>
+            <a:r>
+              <a:rPr lang="de-DE" dirty="0" err="1" smtClean="0"/>
+              <a:t>How</a:t>
+            </a:r>
+            <a:r>
+              <a:rPr lang="de-DE" dirty="0" smtClean="0"/>
+              <a:t> </a:t>
+            </a:r>
+            <a:r>
+              <a:rPr lang="de-DE" dirty="0" err="1" smtClean="0"/>
+              <a:t>to</a:t>
+            </a:r>
+            <a:r>
+              <a:rPr lang="de-DE" dirty="0" smtClean="0"/>
+              <a:t> </a:t>
+            </a:r>
+            <a:r>
+              <a:rPr lang="de-DE" dirty="0" err="1" smtClean="0"/>
+              <a:t>start</a:t>
+            </a:r>
+            <a:endParaRPr lang="de-DE" dirty="0" smtClean="0"/>
           </a:p>
           <a:p>
             <a:pPr lvl="1"/>
             <a:r>
-              <a:rPr lang="en-US" dirty="0" err="1"/>
-              <a:t>Fehlermeldung</a:t>
-            </a:r>
-            <a:r>
-              <a:rPr lang="en-US" dirty="0"/>
-              <a:t> </a:t>
-            </a:r>
-          </a:p>
-          <a:p>
-            <a:pPr lvl="1"/>
-            <a:r>
-              <a:rPr lang="en-US" dirty="0"/>
-              <a:t>Tech Stacks</a:t>
-            </a:r>
+              <a:rPr lang="de-DE" dirty="0" err="1" smtClean="0"/>
+              <a:t>Proposals</a:t>
+            </a:r>
+            <a:endParaRPr lang="en-US" dirty="0"/>
           </a:p>
           <a:p>
             <a:pPr lvl="1"/>
@@ -28695,6 +30378,646 @@
   <p:transition>
     <p:zoom/>
   </p:transition>
+  <p:timing>
+    <p:tnLst>
+      <p:par>
+        <p:cTn id="1" dur="indefinite" restart="never" nodeType="tmRoot">
+          <p:childTnLst>
+            <p:seq concurrent="1" nextAc="seek">
+              <p:cTn id="2" dur="indefinite" nodeType="mainSeq">
+                <p:childTnLst>
+                  <p:par>
+                    <p:cTn id="3" fill="hold">
+                      <p:stCondLst>
+                        <p:cond delay="indefinite"/>
+                      </p:stCondLst>
+                      <p:childTnLst>
+                        <p:par>
+                          <p:cTn id="4" fill="hold">
+                            <p:stCondLst>
+                              <p:cond delay="0"/>
+                            </p:stCondLst>
+                            <p:childTnLst>
+                              <p:par>
+                                <p:cTn id="5" presetID="22" presetClass="entr" presetSubtype="4" fill="hold" nodeType="clickEffect">
+                                  <p:stCondLst>
+                                    <p:cond delay="0"/>
+                                  </p:stCondLst>
+                                  <p:childTnLst>
+                                    <p:set>
+                                      <p:cBhvr>
+                                        <p:cTn id="6" dur="1" fill="hold">
+                                          <p:stCondLst>
+                                            <p:cond delay="0"/>
+                                          </p:stCondLst>
+                                        </p:cTn>
+                                        <p:tgtEl>
+                                          <p:spTgt spid="3">
+                                            <p:txEl>
+                                              <p:pRg st="1" end="1"/>
+                                            </p:txEl>
+                                          </p:spTgt>
+                                        </p:tgtEl>
+                                        <p:attrNameLst>
+                                          <p:attrName>style.visibility</p:attrName>
+                                        </p:attrNameLst>
+                                      </p:cBhvr>
+                                      <p:to>
+                                        <p:strVal val="visible"/>
+                                      </p:to>
+                                    </p:set>
+                                    <p:animEffect transition="in" filter="wipe(down)">
+                                      <p:cBhvr>
+                                        <p:cTn id="7" dur="500"/>
+                                        <p:tgtEl>
+                                          <p:spTgt spid="3">
+                                            <p:txEl>
+                                              <p:pRg st="1" end="1"/>
+                                            </p:txEl>
+                                          </p:spTgt>
+                                        </p:tgtEl>
+                                      </p:cBhvr>
+                                    </p:animEffect>
+                                  </p:childTnLst>
+                                </p:cTn>
+                              </p:par>
+                            </p:childTnLst>
+                          </p:cTn>
+                        </p:par>
+                      </p:childTnLst>
+                    </p:cTn>
+                  </p:par>
+                  <p:par>
+                    <p:cTn id="8" fill="hold">
+                      <p:stCondLst>
+                        <p:cond delay="indefinite"/>
+                      </p:stCondLst>
+                      <p:childTnLst>
+                        <p:par>
+                          <p:cTn id="9" fill="hold">
+                            <p:stCondLst>
+                              <p:cond delay="0"/>
+                            </p:stCondLst>
+                            <p:childTnLst>
+                              <p:par>
+                                <p:cTn id="10" presetID="22" presetClass="entr" presetSubtype="4" fill="hold" nodeType="clickEffect">
+                                  <p:stCondLst>
+                                    <p:cond delay="0"/>
+                                  </p:stCondLst>
+                                  <p:childTnLst>
+                                    <p:set>
+                                      <p:cBhvr>
+                                        <p:cTn id="11" dur="1" fill="hold">
+                                          <p:stCondLst>
+                                            <p:cond delay="0"/>
+                                          </p:stCondLst>
+                                        </p:cTn>
+                                        <p:tgtEl>
+                                          <p:spTgt spid="3">
+                                            <p:txEl>
+                                              <p:pRg st="2" end="2"/>
+                                            </p:txEl>
+                                          </p:spTgt>
+                                        </p:tgtEl>
+                                        <p:attrNameLst>
+                                          <p:attrName>style.visibility</p:attrName>
+                                        </p:attrNameLst>
+                                      </p:cBhvr>
+                                      <p:to>
+                                        <p:strVal val="visible"/>
+                                      </p:to>
+                                    </p:set>
+                                    <p:animEffect transition="in" filter="wipe(down)">
+                                      <p:cBhvr>
+                                        <p:cTn id="12" dur="500"/>
+                                        <p:tgtEl>
+                                          <p:spTgt spid="3">
+                                            <p:txEl>
+                                              <p:pRg st="2" end="2"/>
+                                            </p:txEl>
+                                          </p:spTgt>
+                                        </p:tgtEl>
+                                      </p:cBhvr>
+                                    </p:animEffect>
+                                  </p:childTnLst>
+                                </p:cTn>
+                              </p:par>
+                            </p:childTnLst>
+                          </p:cTn>
+                        </p:par>
+                      </p:childTnLst>
+                    </p:cTn>
+                  </p:par>
+                  <p:par>
+                    <p:cTn id="13" fill="hold">
+                      <p:stCondLst>
+                        <p:cond delay="indefinite"/>
+                      </p:stCondLst>
+                      <p:childTnLst>
+                        <p:par>
+                          <p:cTn id="14" fill="hold">
+                            <p:stCondLst>
+                              <p:cond delay="0"/>
+                            </p:stCondLst>
+                            <p:childTnLst>
+                              <p:par>
+                                <p:cTn id="15" presetID="22" presetClass="entr" presetSubtype="4" fill="hold" nodeType="clickEffect">
+                                  <p:stCondLst>
+                                    <p:cond delay="0"/>
+                                  </p:stCondLst>
+                                  <p:childTnLst>
+                                    <p:set>
+                                      <p:cBhvr>
+                                        <p:cTn id="16" dur="1" fill="hold">
+                                          <p:stCondLst>
+                                            <p:cond delay="0"/>
+                                          </p:stCondLst>
+                                        </p:cTn>
+                                        <p:tgtEl>
+                                          <p:spTgt spid="3">
+                                            <p:txEl>
+                                              <p:pRg st="3" end="3"/>
+                                            </p:txEl>
+                                          </p:spTgt>
+                                        </p:tgtEl>
+                                        <p:attrNameLst>
+                                          <p:attrName>style.visibility</p:attrName>
+                                        </p:attrNameLst>
+                                      </p:cBhvr>
+                                      <p:to>
+                                        <p:strVal val="visible"/>
+                                      </p:to>
+                                    </p:set>
+                                    <p:animEffect transition="in" filter="wipe(down)">
+                                      <p:cBhvr>
+                                        <p:cTn id="17" dur="500"/>
+                                        <p:tgtEl>
+                                          <p:spTgt spid="3">
+                                            <p:txEl>
+                                              <p:pRg st="3" end="3"/>
+                                            </p:txEl>
+                                          </p:spTgt>
+                                        </p:tgtEl>
+                                      </p:cBhvr>
+                                    </p:animEffect>
+                                  </p:childTnLst>
+                                </p:cTn>
+                              </p:par>
+                            </p:childTnLst>
+                          </p:cTn>
+                        </p:par>
+                      </p:childTnLst>
+                    </p:cTn>
+                  </p:par>
+                  <p:par>
+                    <p:cTn id="18" fill="hold">
+                      <p:stCondLst>
+                        <p:cond delay="indefinite"/>
+                      </p:stCondLst>
+                      <p:childTnLst>
+                        <p:par>
+                          <p:cTn id="19" fill="hold">
+                            <p:stCondLst>
+                              <p:cond delay="0"/>
+                            </p:stCondLst>
+                            <p:childTnLst>
+                              <p:par>
+                                <p:cTn id="20" presetID="22" presetClass="entr" presetSubtype="4" fill="hold" nodeType="clickEffect">
+                                  <p:stCondLst>
+                                    <p:cond delay="0"/>
+                                  </p:stCondLst>
+                                  <p:childTnLst>
+                                    <p:set>
+                                      <p:cBhvr>
+                                        <p:cTn id="21" dur="1" fill="hold">
+                                          <p:stCondLst>
+                                            <p:cond delay="0"/>
+                                          </p:stCondLst>
+                                        </p:cTn>
+                                        <p:tgtEl>
+                                          <p:spTgt spid="3">
+                                            <p:txEl>
+                                              <p:pRg st="4" end="4"/>
+                                            </p:txEl>
+                                          </p:spTgt>
+                                        </p:tgtEl>
+                                        <p:attrNameLst>
+                                          <p:attrName>style.visibility</p:attrName>
+                                        </p:attrNameLst>
+                                      </p:cBhvr>
+                                      <p:to>
+                                        <p:strVal val="visible"/>
+                                      </p:to>
+                                    </p:set>
+                                    <p:animEffect transition="in" filter="wipe(down)">
+                                      <p:cBhvr>
+                                        <p:cTn id="22" dur="500"/>
+                                        <p:tgtEl>
+                                          <p:spTgt spid="3">
+                                            <p:txEl>
+                                              <p:pRg st="4" end="4"/>
+                                            </p:txEl>
+                                          </p:spTgt>
+                                        </p:tgtEl>
+                                      </p:cBhvr>
+                                    </p:animEffect>
+                                  </p:childTnLst>
+                                </p:cTn>
+                              </p:par>
+                            </p:childTnLst>
+                          </p:cTn>
+                        </p:par>
+                      </p:childTnLst>
+                    </p:cTn>
+                  </p:par>
+                  <p:par>
+                    <p:cTn id="23" fill="hold">
+                      <p:stCondLst>
+                        <p:cond delay="indefinite"/>
+                      </p:stCondLst>
+                      <p:childTnLst>
+                        <p:par>
+                          <p:cTn id="24" fill="hold">
+                            <p:stCondLst>
+                              <p:cond delay="0"/>
+                            </p:stCondLst>
+                            <p:childTnLst>
+                              <p:par>
+                                <p:cTn id="25" presetID="22" presetClass="entr" presetSubtype="4" fill="hold" nodeType="clickEffect">
+                                  <p:stCondLst>
+                                    <p:cond delay="0"/>
+                                  </p:stCondLst>
+                                  <p:childTnLst>
+                                    <p:set>
+                                      <p:cBhvr>
+                                        <p:cTn id="26" dur="1" fill="hold">
+                                          <p:stCondLst>
+                                            <p:cond delay="0"/>
+                                          </p:stCondLst>
+                                        </p:cTn>
+                                        <p:tgtEl>
+                                          <p:spTgt spid="3">
+                                            <p:txEl>
+                                              <p:pRg st="5" end="5"/>
+                                            </p:txEl>
+                                          </p:spTgt>
+                                        </p:tgtEl>
+                                        <p:attrNameLst>
+                                          <p:attrName>style.visibility</p:attrName>
+                                        </p:attrNameLst>
+                                      </p:cBhvr>
+                                      <p:to>
+                                        <p:strVal val="visible"/>
+                                      </p:to>
+                                    </p:set>
+                                    <p:animEffect transition="in" filter="wipe(down)">
+                                      <p:cBhvr>
+                                        <p:cTn id="27" dur="500"/>
+                                        <p:tgtEl>
+                                          <p:spTgt spid="3">
+                                            <p:txEl>
+                                              <p:pRg st="5" end="5"/>
+                                            </p:txEl>
+                                          </p:spTgt>
+                                        </p:tgtEl>
+                                      </p:cBhvr>
+                                    </p:animEffect>
+                                  </p:childTnLst>
+                                </p:cTn>
+                              </p:par>
+                            </p:childTnLst>
+                          </p:cTn>
+                        </p:par>
+                      </p:childTnLst>
+                    </p:cTn>
+                  </p:par>
+                  <p:par>
+                    <p:cTn id="28" fill="hold">
+                      <p:stCondLst>
+                        <p:cond delay="indefinite"/>
+                      </p:stCondLst>
+                      <p:childTnLst>
+                        <p:par>
+                          <p:cTn id="29" fill="hold">
+                            <p:stCondLst>
+                              <p:cond delay="0"/>
+                            </p:stCondLst>
+                            <p:childTnLst>
+                              <p:par>
+                                <p:cTn id="30" presetID="22" presetClass="entr" presetSubtype="4" fill="hold" nodeType="clickEffect">
+                                  <p:stCondLst>
+                                    <p:cond delay="0"/>
+                                  </p:stCondLst>
+                                  <p:childTnLst>
+                                    <p:set>
+                                      <p:cBhvr>
+                                        <p:cTn id="31" dur="1" fill="hold">
+                                          <p:stCondLst>
+                                            <p:cond delay="0"/>
+                                          </p:stCondLst>
+                                        </p:cTn>
+                                        <p:tgtEl>
+                                          <p:spTgt spid="3">
+                                            <p:txEl>
+                                              <p:pRg st="6" end="6"/>
+                                            </p:txEl>
+                                          </p:spTgt>
+                                        </p:tgtEl>
+                                        <p:attrNameLst>
+                                          <p:attrName>style.visibility</p:attrName>
+                                        </p:attrNameLst>
+                                      </p:cBhvr>
+                                      <p:to>
+                                        <p:strVal val="visible"/>
+                                      </p:to>
+                                    </p:set>
+                                    <p:animEffect transition="in" filter="wipe(down)">
+                                      <p:cBhvr>
+                                        <p:cTn id="32" dur="500"/>
+                                        <p:tgtEl>
+                                          <p:spTgt spid="3">
+                                            <p:txEl>
+                                              <p:pRg st="6" end="6"/>
+                                            </p:txEl>
+                                          </p:spTgt>
+                                        </p:tgtEl>
+                                      </p:cBhvr>
+                                    </p:animEffect>
+                                  </p:childTnLst>
+                                </p:cTn>
+                              </p:par>
+                            </p:childTnLst>
+                          </p:cTn>
+                        </p:par>
+                      </p:childTnLst>
+                    </p:cTn>
+                  </p:par>
+                  <p:par>
+                    <p:cTn id="33" fill="hold">
+                      <p:stCondLst>
+                        <p:cond delay="indefinite"/>
+                      </p:stCondLst>
+                      <p:childTnLst>
+                        <p:par>
+                          <p:cTn id="34" fill="hold">
+                            <p:stCondLst>
+                              <p:cond delay="0"/>
+                            </p:stCondLst>
+                            <p:childTnLst>
+                              <p:par>
+                                <p:cTn id="35" presetID="22" presetClass="entr" presetSubtype="4" fill="hold" nodeType="clickEffect">
+                                  <p:stCondLst>
+                                    <p:cond delay="0"/>
+                                  </p:stCondLst>
+                                  <p:childTnLst>
+                                    <p:set>
+                                      <p:cBhvr>
+                                        <p:cTn id="36" dur="1" fill="hold">
+                                          <p:stCondLst>
+                                            <p:cond delay="0"/>
+                                          </p:stCondLst>
+                                        </p:cTn>
+                                        <p:tgtEl>
+                                          <p:spTgt spid="3">
+                                            <p:txEl>
+                                              <p:pRg st="7" end="7"/>
+                                            </p:txEl>
+                                          </p:spTgt>
+                                        </p:tgtEl>
+                                        <p:attrNameLst>
+                                          <p:attrName>style.visibility</p:attrName>
+                                        </p:attrNameLst>
+                                      </p:cBhvr>
+                                      <p:to>
+                                        <p:strVal val="visible"/>
+                                      </p:to>
+                                    </p:set>
+                                    <p:animEffect transition="in" filter="wipe(down)">
+                                      <p:cBhvr>
+                                        <p:cTn id="37" dur="500"/>
+                                        <p:tgtEl>
+                                          <p:spTgt spid="3">
+                                            <p:txEl>
+                                              <p:pRg st="7" end="7"/>
+                                            </p:txEl>
+                                          </p:spTgt>
+                                        </p:tgtEl>
+                                      </p:cBhvr>
+                                    </p:animEffect>
+                                  </p:childTnLst>
+                                </p:cTn>
+                              </p:par>
+                            </p:childTnLst>
+                          </p:cTn>
+                        </p:par>
+                      </p:childTnLst>
+                    </p:cTn>
+                  </p:par>
+                  <p:par>
+                    <p:cTn id="38" fill="hold">
+                      <p:stCondLst>
+                        <p:cond delay="indefinite"/>
+                      </p:stCondLst>
+                      <p:childTnLst>
+                        <p:par>
+                          <p:cTn id="39" fill="hold">
+                            <p:stCondLst>
+                              <p:cond delay="0"/>
+                            </p:stCondLst>
+                            <p:childTnLst>
+                              <p:par>
+                                <p:cTn id="40" presetID="22" presetClass="entr" presetSubtype="4" fill="hold" nodeType="clickEffect">
+                                  <p:stCondLst>
+                                    <p:cond delay="0"/>
+                                  </p:stCondLst>
+                                  <p:childTnLst>
+                                    <p:set>
+                                      <p:cBhvr>
+                                        <p:cTn id="41" dur="1" fill="hold">
+                                          <p:stCondLst>
+                                            <p:cond delay="0"/>
+                                          </p:stCondLst>
+                                        </p:cTn>
+                                        <p:tgtEl>
+                                          <p:spTgt spid="3">
+                                            <p:txEl>
+                                              <p:pRg st="8" end="8"/>
+                                            </p:txEl>
+                                          </p:spTgt>
+                                        </p:tgtEl>
+                                        <p:attrNameLst>
+                                          <p:attrName>style.visibility</p:attrName>
+                                        </p:attrNameLst>
+                                      </p:cBhvr>
+                                      <p:to>
+                                        <p:strVal val="visible"/>
+                                      </p:to>
+                                    </p:set>
+                                    <p:animEffect transition="in" filter="wipe(down)">
+                                      <p:cBhvr>
+                                        <p:cTn id="42" dur="500"/>
+                                        <p:tgtEl>
+                                          <p:spTgt spid="3">
+                                            <p:txEl>
+                                              <p:pRg st="8" end="8"/>
+                                            </p:txEl>
+                                          </p:spTgt>
+                                        </p:tgtEl>
+                                      </p:cBhvr>
+                                    </p:animEffect>
+                                  </p:childTnLst>
+                                </p:cTn>
+                              </p:par>
+                            </p:childTnLst>
+                          </p:cTn>
+                        </p:par>
+                      </p:childTnLst>
+                    </p:cTn>
+                  </p:par>
+                  <p:par>
+                    <p:cTn id="43" fill="hold">
+                      <p:stCondLst>
+                        <p:cond delay="indefinite"/>
+                      </p:stCondLst>
+                      <p:childTnLst>
+                        <p:par>
+                          <p:cTn id="44" fill="hold">
+                            <p:stCondLst>
+                              <p:cond delay="0"/>
+                            </p:stCondLst>
+                            <p:childTnLst>
+                              <p:par>
+                                <p:cTn id="45" presetID="22" presetClass="entr" presetSubtype="4" fill="hold" nodeType="clickEffect">
+                                  <p:stCondLst>
+                                    <p:cond delay="0"/>
+                                  </p:stCondLst>
+                                  <p:childTnLst>
+                                    <p:set>
+                                      <p:cBhvr>
+                                        <p:cTn id="46" dur="1" fill="hold">
+                                          <p:stCondLst>
+                                            <p:cond delay="0"/>
+                                          </p:stCondLst>
+                                        </p:cTn>
+                                        <p:tgtEl>
+                                          <p:spTgt spid="3">
+                                            <p:txEl>
+                                              <p:pRg st="9" end="9"/>
+                                            </p:txEl>
+                                          </p:spTgt>
+                                        </p:tgtEl>
+                                        <p:attrNameLst>
+                                          <p:attrName>style.visibility</p:attrName>
+                                        </p:attrNameLst>
+                                      </p:cBhvr>
+                                      <p:to>
+                                        <p:strVal val="visible"/>
+                                      </p:to>
+                                    </p:set>
+                                    <p:animEffect transition="in" filter="wipe(down)">
+                                      <p:cBhvr>
+                                        <p:cTn id="47" dur="500"/>
+                                        <p:tgtEl>
+                                          <p:spTgt spid="3">
+                                            <p:txEl>
+                                              <p:pRg st="9" end="9"/>
+                                            </p:txEl>
+                                          </p:spTgt>
+                                        </p:tgtEl>
+                                      </p:cBhvr>
+                                    </p:animEffect>
+                                  </p:childTnLst>
+                                </p:cTn>
+                              </p:par>
+                            </p:childTnLst>
+                          </p:cTn>
+                        </p:par>
+                      </p:childTnLst>
+                    </p:cTn>
+                  </p:par>
+                  <p:par>
+                    <p:cTn id="48" fill="hold">
+                      <p:stCondLst>
+                        <p:cond delay="indefinite"/>
+                      </p:stCondLst>
+                      <p:childTnLst>
+                        <p:par>
+                          <p:cTn id="49" fill="hold">
+                            <p:stCondLst>
+                              <p:cond delay="0"/>
+                            </p:stCondLst>
+                            <p:childTnLst>
+                              <p:par>
+                                <p:cTn id="50" presetID="22" presetClass="entr" presetSubtype="4" fill="hold" nodeType="clickEffect">
+                                  <p:stCondLst>
+                                    <p:cond delay="0"/>
+                                  </p:stCondLst>
+                                  <p:childTnLst>
+                                    <p:set>
+                                      <p:cBhvr>
+                                        <p:cTn id="51" dur="1" fill="hold">
+                                          <p:stCondLst>
+                                            <p:cond delay="0"/>
+                                          </p:stCondLst>
+                                        </p:cTn>
+                                        <p:tgtEl>
+                                          <p:spTgt spid="3">
+                                            <p:txEl>
+                                              <p:pRg st="10" end="10"/>
+                                            </p:txEl>
+                                          </p:spTgt>
+                                        </p:tgtEl>
+                                        <p:attrNameLst>
+                                          <p:attrName>style.visibility</p:attrName>
+                                        </p:attrNameLst>
+                                      </p:cBhvr>
+                                      <p:to>
+                                        <p:strVal val="visible"/>
+                                      </p:to>
+                                    </p:set>
+                                    <p:animEffect transition="in" filter="wipe(down)">
+                                      <p:cBhvr>
+                                        <p:cTn id="52" dur="500"/>
+                                        <p:tgtEl>
+                                          <p:spTgt spid="3">
+                                            <p:txEl>
+                                              <p:pRg st="10" end="10"/>
+                                            </p:txEl>
+                                          </p:spTgt>
+                                        </p:tgtEl>
+                                      </p:cBhvr>
+                                    </p:animEffect>
+                                  </p:childTnLst>
+                                </p:cTn>
+                              </p:par>
+                            </p:childTnLst>
+                          </p:cTn>
+                        </p:par>
+                      </p:childTnLst>
+                    </p:cTn>
+                  </p:par>
+                </p:childTnLst>
+              </p:cTn>
+              <p:prevCondLst>
+                <p:cond evt="onPrev" delay="0">
+                  <p:tgtEl>
+                    <p:sldTgt/>
+                  </p:tgtEl>
+                </p:cond>
+              </p:prevCondLst>
+              <p:nextCondLst>
+                <p:cond evt="onNext" delay="0">
+                  <p:tgtEl>
+                    <p:sldTgt/>
+                  </p:tgtEl>
+                </p:cond>
+              </p:nextCondLst>
+            </p:seq>
+          </p:childTnLst>
+        </p:cTn>
+      </p:par>
+    </p:tnLst>
+  </p:timing>
 </p:sld>
 </file>
 
@@ -28773,52 +31096,27 @@
             <a:pPr lvl="1"/>
             <a:r>
               <a:rPr lang="en-US" dirty="0"/>
-              <a:t>Project </a:t>
-            </a:r>
-            <a:r>
-              <a:rPr lang="en-US" dirty="0" err="1"/>
-              <a:t>Organisation</a:t>
-            </a:r>
-            <a:r>
-              <a:rPr lang="en-US" dirty="0"/>
-              <a:t> </a:t>
+              <a:t>What is Topology-Editor? (Screenshots)</a:t>
             </a:r>
           </a:p>
           <a:p>
             <a:pPr lvl="1"/>
             <a:r>
-              <a:rPr lang="en-US" dirty="0"/>
-              <a:t>Developer Guidelines and </a:t>
-            </a:r>
-            <a:r>
-              <a:rPr lang="en-US" dirty="0" err="1"/>
-              <a:t>Howtos</a:t>
-            </a:r>
-            <a:endParaRPr lang="en-US" dirty="0"/>
+              <a:rPr lang="de-DE" dirty="0"/>
+              <a:t>SDD</a:t>
+            </a:r>
           </a:p>
           <a:p>
             <a:pPr lvl="1"/>
             <a:r>
               <a:rPr lang="en-US" dirty="0"/>
-              <a:t>SDD</a:t>
+              <a:t>Tech Stacks</a:t>
             </a:r>
           </a:p>
           <a:p>
-            <a:pPr lvl="1"/>
-            <a:r>
-              <a:rPr lang="en-US" dirty="0"/>
-              <a:t>Quality Assurance </a:t>
-            </a:r>
-          </a:p>
-          <a:p>
-            <a:pPr lvl="1"/>
-            <a:r>
-              <a:rPr lang="en-US" dirty="0"/>
-              <a:t>User Information </a:t>
-            </a:r>
-            <a:endParaRPr lang="de-DE" dirty="0"/>
-          </a:p>
-          <a:p>
+            <a:pPr marL="0" indent="0">
+              <a:buNone/>
+            </a:pPr>
             <a:endParaRPr lang="de-DE" dirty="0"/>
           </a:p>
         </p:txBody>
@@ -28873,6 +31171,13 @@
   <p:transition>
     <p:zoom/>
   </p:transition>
+  <p:timing>
+    <p:tnLst>
+      <p:par>
+        <p:cTn id="1" dur="indefinite" restart="never" nodeType="tmRoot"/>
+      </p:par>
+    </p:tnLst>
+  </p:timing>
 </p:sld>
 </file>
 
@@ -29070,85 +31375,27 @@
   <a:objectDefaults>
     <a:spDef>
       <a:spPr bwMode="auto">
-        <a:xfrm>
-          <a:off x="0" y="0"/>
-          <a:ext cx="1" cy="1"/>
-        </a:xfrm>
-        <a:custGeom>
-          <a:avLst/>
-          <a:gdLst/>
-          <a:ahLst/>
-          <a:cxnLst/>
-          <a:rect l="0" t="0" r="0" b="0"/>
-          <a:pathLst/>
-        </a:custGeom>
-        <a:noFill/>
+        <a:solidFill>
+          <a:srgbClr val="DF0029"/>
+        </a:solidFill>
         <a:ln>
           <a:noFill/>
         </a:ln>
         <a:effectLst/>
-        <a:extLst>
-          <a:ext uri="{909E8E84-426E-40DD-AFC4-6F175D3DCCD1}">
-            <a14:hiddenFill xmlns:a14="http://schemas.microsoft.com/office/drawing/2010/main">
-              <a:solidFill>
-                <a:schemeClr val="accent1"/>
-              </a:solidFill>
-            </a14:hiddenFill>
-          </a:ext>
-          <a:ext uri="{91240B29-F687-4F45-9708-019B960494DF}">
-            <a14:hiddenLine xmlns:a14="http://schemas.microsoft.com/office/drawing/2010/main" w="9525" cap="flat" cmpd="sng" algn="ctr">
-              <a:solidFill>
-                <a:schemeClr val="tx1"/>
-              </a:solidFill>
-              <a:prstDash val="solid"/>
-              <a:round/>
-              <a:headEnd type="none" w="med" len="med"/>
-              <a:tailEnd type="none" w="med" len="med"/>
-            </a14:hiddenLine>
-          </a:ext>
-          <a:ext uri="{AF507438-7753-43E0-B8FC-AC1667EBCBE1}">
-            <a14:hiddenEffects xmlns:a14="http://schemas.microsoft.com/office/drawing/2010/main">
-              <a:effectLst>
-                <a:outerShdw dist="35921" dir="2700000" algn="ctr" rotWithShape="0">
-                  <a:schemeClr val="bg2"/>
-                </a:outerShdw>
-              </a:effectLst>
-            </a14:hiddenEffects>
-          </a:ext>
-        </a:extLst>
+        <a:extLst/>
       </a:spPr>
-      <a:bodyPr vert="horz" wrap="square" lIns="91440" tIns="45720" rIns="91440" bIns="45720" numCol="1" anchor="t" anchorCtr="0" compatLnSpc="1">
+      <a:bodyPr vert="horz" wrap="square" lIns="91440" tIns="45720" rIns="91440" bIns="45720" numCol="1" rtlCol="0" anchor="ctr" anchorCtr="0" compatLnSpc="1">
         <a:prstTxWarp prst="textNoShape">
           <a:avLst/>
         </a:prstTxWarp>
       </a:bodyPr>
       <a:lstStyle>
-        <a:defPPr marL="342900" marR="0" indent="-342900" algn="l" defTabSz="914400" rtl="0" eaLnBrk="1" fontAlgn="base" latinLnBrk="0" hangingPunct="1">
-          <a:lnSpc>
-            <a:spcPct val="100000"/>
-          </a:lnSpc>
-          <a:spcBef>
-            <a:spcPct val="20000"/>
-          </a:spcBef>
-          <a:spcAft>
-            <a:spcPct val="0"/>
-          </a:spcAft>
-          <a:buClr>
-            <a:srgbClr val="DF0029"/>
-          </a:buClr>
-          <a:buSzPct val="140000"/>
-          <a:buFont typeface="Wingdings" panose="05000000000000000000" pitchFamily="2" charset="2"/>
-          <a:buChar char="§"/>
-          <a:tabLst/>
-          <a:defRPr kumimoji="0" lang="de-DE" altLang="de-DE" sz="2400" b="0" i="0" u="none" strike="noStrike" cap="none" normalizeH="0" baseline="0" smtClean="0">
-            <a:ln>
-              <a:noFill/>
-            </a:ln>
+        <a:defPPr>
+          <a:buNone/>
+          <a:defRPr b="1" dirty="0" err="1" smtClean="0">
             <a:solidFill>
-              <a:srgbClr val="5F5F5F"/>
+              <a:schemeClr val="tx1"/>
             </a:solidFill>
-            <a:effectLst/>
-            <a:latin typeface="Arial" panose="020B0604020202020204" pitchFamily="34" charset="0"/>
           </a:defRPr>
         </a:defPPr>
       </a:lstStyle>

--- a/Topology-Editor.pptx
+++ b/Topology-Editor.pptx
@@ -5,10 +5,10 @@
     <p:sldMasterId id="2147483657" r:id="rId1"/>
   </p:sldMasterIdLst>
   <p:notesMasterIdLst>
-    <p:notesMasterId r:id="rId18"/>
+    <p:notesMasterId r:id="rId17"/>
   </p:notesMasterIdLst>
   <p:handoutMasterIdLst>
-    <p:handoutMasterId r:id="rId19"/>
+    <p:handoutMasterId r:id="rId18"/>
   </p:handoutMasterIdLst>
   <p:sldIdLst>
     <p:sldId id="256" r:id="rId2"/>
@@ -19,14 +19,13 @@
     <p:sldId id="266" r:id="rId7"/>
     <p:sldId id="268" r:id="rId8"/>
     <p:sldId id="269" r:id="rId9"/>
-    <p:sldId id="270" r:id="rId10"/>
-    <p:sldId id="271" r:id="rId11"/>
-    <p:sldId id="272" r:id="rId12"/>
-    <p:sldId id="275" r:id="rId13"/>
-    <p:sldId id="263" r:id="rId14"/>
-    <p:sldId id="265" r:id="rId15"/>
-    <p:sldId id="262" r:id="rId16"/>
-    <p:sldId id="274" r:id="rId17"/>
+    <p:sldId id="271" r:id="rId10"/>
+    <p:sldId id="272" r:id="rId11"/>
+    <p:sldId id="275" r:id="rId12"/>
+    <p:sldId id="263" r:id="rId13"/>
+    <p:sldId id="265" r:id="rId14"/>
+    <p:sldId id="262" r:id="rId15"/>
+    <p:sldId id="274" r:id="rId16"/>
   </p:sldIdLst>
   <p:sldSz cx="9144000" cy="6858000" type="screen4x3"/>
   <p:notesSz cx="6858000" cy="9144000"/>
@@ -4131,13 +4130,6 @@
         </dgm:presLayoutVars>
       </dgm:prSet>
       <dgm:spPr/>
-      <dgm:t>
-        <a:bodyPr/>
-        <a:lstStyle/>
-        <a:p>
-          <a:endParaRPr lang="de-DE"/>
-        </a:p>
-      </dgm:t>
     </dgm:pt>
     <dgm:pt modelId="{E3B93B31-32D8-4416-A261-5CA14FC031FD}" type="pres">
       <dgm:prSet presAssocID="{8EFBBE4B-BA83-4F2C-B7DC-936C70EB636B}" presName="node" presStyleLbl="node1" presStyleIdx="0" presStyleCnt="4">
@@ -4150,13 +4142,6 @@
           <a:avLst/>
         </a:prstGeom>
       </dgm:spPr>
-      <dgm:t>
-        <a:bodyPr/>
-        <a:lstStyle/>
-        <a:p>
-          <a:endParaRPr lang="de-DE"/>
-        </a:p>
-      </dgm:t>
     </dgm:pt>
     <dgm:pt modelId="{3B5584AE-7BA2-478B-B7E2-5E43981F66FA}" type="pres">
       <dgm:prSet presAssocID="{DB0B624C-66F2-49D8-AEA4-6848F2530DCF}" presName="sibTrans" presStyleCnt="0"/>
@@ -4173,13 +4158,6 @@
           <a:avLst/>
         </a:prstGeom>
       </dgm:spPr>
-      <dgm:t>
-        <a:bodyPr/>
-        <a:lstStyle/>
-        <a:p>
-          <a:endParaRPr lang="de-DE"/>
-        </a:p>
-      </dgm:t>
     </dgm:pt>
     <dgm:pt modelId="{8C23EEB9-DE69-4152-8E1E-6AE36410C6D8}" type="pres">
       <dgm:prSet presAssocID="{E55ED425-828B-4A5B-B5BB-06D44A059386}" presName="sibTrans" presStyleCnt="0"/>
@@ -4196,13 +4174,6 @@
           <a:avLst/>
         </a:prstGeom>
       </dgm:spPr>
-      <dgm:t>
-        <a:bodyPr/>
-        <a:lstStyle/>
-        <a:p>
-          <a:endParaRPr lang="de-DE"/>
-        </a:p>
-      </dgm:t>
     </dgm:pt>
     <dgm:pt modelId="{0FFEF3FD-37F8-48FE-B648-A7F88BAA6A6D}" type="pres">
       <dgm:prSet presAssocID="{2C7202BE-4A70-4084-BDB8-CD1BDB153074}" presName="sibTrans" presStyleCnt="0"/>
@@ -4219,25 +4190,18 @@
           <a:avLst/>
         </a:prstGeom>
       </dgm:spPr>
-      <dgm:t>
-        <a:bodyPr/>
-        <a:lstStyle/>
-        <a:p>
-          <a:endParaRPr lang="de-DE"/>
-        </a:p>
-      </dgm:t>
     </dgm:pt>
   </dgm:ptLst>
   <dgm:cxnLst>
+    <dgm:cxn modelId="{86FAA609-E612-4419-BD92-E19A8BACB1BC}" srcId="{E8D35918-DEFC-4FAB-9D9C-A926D32C03E2}" destId="{EB6658FB-32EB-4FEB-91DB-B3933CF4EFB8}" srcOrd="3" destOrd="0" parTransId="{273B25B5-9C13-4F3F-B879-B8C54379EB53}" sibTransId="{D0414F0D-D38A-479E-BB6E-32A4C9F47ACB}"/>
+    <dgm:cxn modelId="{423F7139-FDE8-4782-AC5E-64078F9B25D1}" type="presOf" srcId="{EB6658FB-32EB-4FEB-91DB-B3933CF4EFB8}" destId="{DACF08B4-CC41-4B4C-8B10-6FC93923333B}" srcOrd="0" destOrd="0" presId="urn:microsoft.com/office/officeart/2005/8/layout/default"/>
+    <dgm:cxn modelId="{39F9C03A-94EF-4CDD-AC63-9784937FC1E5}" srcId="{E8D35918-DEFC-4FAB-9D9C-A926D32C03E2}" destId="{A9A6F6DD-4F40-4187-B81A-C9F15234F05B}" srcOrd="2" destOrd="0" parTransId="{8D2253CA-F2F1-415F-A3E6-8F9839653CEA}" sibTransId="{2C7202BE-4A70-4084-BDB8-CD1BDB153074}"/>
+    <dgm:cxn modelId="{79B7FC6A-5AC1-43E1-AB04-6BF18E01B56D}" srcId="{E8D35918-DEFC-4FAB-9D9C-A926D32C03E2}" destId="{CB852511-358C-492D-AB64-6F5656547F15}" srcOrd="1" destOrd="0" parTransId="{26DE5FAE-7B11-409B-B190-0C1C62B423BF}" sibTransId="{E55ED425-828B-4A5B-B5BB-06D44A059386}"/>
+    <dgm:cxn modelId="{5C6F617D-9874-4D39-856A-A74149CBBFF3}" type="presOf" srcId="{CB852511-358C-492D-AB64-6F5656547F15}" destId="{16FD48F7-713A-4886-A2F9-3EC26972A198}" srcOrd="0" destOrd="0" presId="urn:microsoft.com/office/officeart/2005/8/layout/default"/>
+    <dgm:cxn modelId="{3DBFEAB1-E8EC-4097-BE64-B420E604D1E5}" type="presOf" srcId="{E8D35918-DEFC-4FAB-9D9C-A926D32C03E2}" destId="{CAE94EC1-FB26-4C6F-B916-9EC44ED63B8E}" srcOrd="0" destOrd="0" presId="urn:microsoft.com/office/officeart/2005/8/layout/default"/>
+    <dgm:cxn modelId="{36A735B5-772F-48C6-9C34-843F80D43D13}" type="presOf" srcId="{8EFBBE4B-BA83-4F2C-B7DC-936C70EB636B}" destId="{E3B93B31-32D8-4416-A261-5CA14FC031FD}" srcOrd="0" destOrd="0" presId="urn:microsoft.com/office/officeart/2005/8/layout/default"/>
     <dgm:cxn modelId="{B591BAD1-AA9D-42FC-B7A1-80C00C2A6E60}" type="presOf" srcId="{A9A6F6DD-4F40-4187-B81A-C9F15234F05B}" destId="{773ECFB5-00D3-479A-A6EE-EFEEE6AAFC91}" srcOrd="0" destOrd="0" presId="urn:microsoft.com/office/officeart/2005/8/layout/default"/>
     <dgm:cxn modelId="{149652F4-13F7-4811-96B1-83FDD2B8CA2C}" srcId="{E8D35918-DEFC-4FAB-9D9C-A926D32C03E2}" destId="{8EFBBE4B-BA83-4F2C-B7DC-936C70EB636B}" srcOrd="0" destOrd="0" parTransId="{BF881EC4-403E-4350-825E-DAEE2ECCFC2F}" sibTransId="{DB0B624C-66F2-49D8-AEA4-6848F2530DCF}"/>
-    <dgm:cxn modelId="{36A735B5-772F-48C6-9C34-843F80D43D13}" type="presOf" srcId="{8EFBBE4B-BA83-4F2C-B7DC-936C70EB636B}" destId="{E3B93B31-32D8-4416-A261-5CA14FC031FD}" srcOrd="0" destOrd="0" presId="urn:microsoft.com/office/officeart/2005/8/layout/default"/>
-    <dgm:cxn modelId="{79B7FC6A-5AC1-43E1-AB04-6BF18E01B56D}" srcId="{E8D35918-DEFC-4FAB-9D9C-A926D32C03E2}" destId="{CB852511-358C-492D-AB64-6F5656547F15}" srcOrd="1" destOrd="0" parTransId="{26DE5FAE-7B11-409B-B190-0C1C62B423BF}" sibTransId="{E55ED425-828B-4A5B-B5BB-06D44A059386}"/>
-    <dgm:cxn modelId="{5C6F617D-9874-4D39-856A-A74149CBBFF3}" type="presOf" srcId="{CB852511-358C-492D-AB64-6F5656547F15}" destId="{16FD48F7-713A-4886-A2F9-3EC26972A198}" srcOrd="0" destOrd="0" presId="urn:microsoft.com/office/officeart/2005/8/layout/default"/>
-    <dgm:cxn modelId="{423F7139-FDE8-4782-AC5E-64078F9B25D1}" type="presOf" srcId="{EB6658FB-32EB-4FEB-91DB-B3933CF4EFB8}" destId="{DACF08B4-CC41-4B4C-8B10-6FC93923333B}" srcOrd="0" destOrd="0" presId="urn:microsoft.com/office/officeart/2005/8/layout/default"/>
-    <dgm:cxn modelId="{3DBFEAB1-E8EC-4097-BE64-B420E604D1E5}" type="presOf" srcId="{E8D35918-DEFC-4FAB-9D9C-A926D32C03E2}" destId="{CAE94EC1-FB26-4C6F-B916-9EC44ED63B8E}" srcOrd="0" destOrd="0" presId="urn:microsoft.com/office/officeart/2005/8/layout/default"/>
-    <dgm:cxn modelId="{86FAA609-E612-4419-BD92-E19A8BACB1BC}" srcId="{E8D35918-DEFC-4FAB-9D9C-A926D32C03E2}" destId="{EB6658FB-32EB-4FEB-91DB-B3933CF4EFB8}" srcOrd="3" destOrd="0" parTransId="{273B25B5-9C13-4F3F-B879-B8C54379EB53}" sibTransId="{D0414F0D-D38A-479E-BB6E-32A4C9F47ACB}"/>
-    <dgm:cxn modelId="{39F9C03A-94EF-4CDD-AC63-9784937FC1E5}" srcId="{E8D35918-DEFC-4FAB-9D9C-A926D32C03E2}" destId="{A9A6F6DD-4F40-4187-B81A-C9F15234F05B}" srcOrd="2" destOrd="0" parTransId="{8D2253CA-F2F1-415F-A3E6-8F9839653CEA}" sibTransId="{2C7202BE-4A70-4084-BDB8-CD1BDB153074}"/>
     <dgm:cxn modelId="{A7293AF9-0866-4EEC-86AF-2905A46C657C}" type="presParOf" srcId="{CAE94EC1-FB26-4C6F-B916-9EC44ED63B8E}" destId="{E3B93B31-32D8-4416-A261-5CA14FC031FD}" srcOrd="0" destOrd="0" presId="urn:microsoft.com/office/officeart/2005/8/layout/default"/>
     <dgm:cxn modelId="{D484D3AB-379E-4326-87EE-B14C95A99A43}" type="presParOf" srcId="{CAE94EC1-FB26-4C6F-B916-9EC44ED63B8E}" destId="{3B5584AE-7BA2-478B-B7E2-5E43981F66FA}" srcOrd="1" destOrd="0" presId="urn:microsoft.com/office/officeart/2005/8/layout/default"/>
     <dgm:cxn modelId="{85ED0EFF-9EF1-4D5A-8783-97A1BA787DB9}" type="presParOf" srcId="{CAE94EC1-FB26-4C6F-B916-9EC44ED63B8E}" destId="{16FD48F7-713A-4886-A2F9-3EC26972A198}" srcOrd="2" destOrd="0" presId="urn:microsoft.com/office/officeart/2005/8/layout/default"/>
@@ -4279,11 +4243,11 @@
         <a:p>
           <a:pPr rtl="0"/>
           <a:r>
-            <a:rPr lang="de-DE" sz="1400" b="1" dirty="0" err="1" smtClean="0"/>
+            <a:rPr lang="de-DE" sz="1400" b="1" dirty="0" err="1"/>
             <a:t>Topology</a:t>
           </a:r>
           <a:r>
-            <a:rPr lang="de-DE" sz="1400" b="1" dirty="0" smtClean="0"/>
+            <a:rPr lang="de-DE" sz="1400" b="1" dirty="0"/>
             <a:t>-Editor-Release</a:t>
           </a:r>
           <a:endParaRPr lang="en-US" sz="1400" b="1" dirty="0"/>
@@ -4321,11 +4285,11 @@
         <a:p>
           <a:pPr rtl="0"/>
           <a:r>
-            <a:rPr lang="de-DE" sz="1400" b="1" dirty="0" err="1" smtClean="0"/>
+            <a:rPr lang="de-DE" sz="1400" b="1" dirty="0" err="1"/>
             <a:t>Topology</a:t>
           </a:r>
           <a:r>
-            <a:rPr lang="de-DE" sz="1400" b="1" dirty="0" smtClean="0"/>
+            <a:rPr lang="de-DE" sz="1400" b="1" dirty="0"/>
             <a:t>-Editor-Dokumentation</a:t>
           </a:r>
           <a:endParaRPr lang="en-US" sz="1400" b="1" dirty="0"/>
@@ -4363,24 +4327,10 @@
         </dgm:presLayoutVars>
       </dgm:prSet>
       <dgm:spPr/>
-      <dgm:t>
-        <a:bodyPr/>
-        <a:lstStyle/>
-        <a:p>
-          <a:endParaRPr lang="de-DE"/>
-        </a:p>
-      </dgm:t>
     </dgm:pt>
     <dgm:pt modelId="{66E3E58E-4D97-4302-A17C-EC20E70E3793}" type="pres">
       <dgm:prSet presAssocID="{E4D0EF0E-DBA2-4531-A31C-C6930D214C84}" presName="circ1" presStyleLbl="vennNode1" presStyleIdx="0" presStyleCnt="2"/>
       <dgm:spPr/>
-      <dgm:t>
-        <a:bodyPr/>
-        <a:lstStyle/>
-        <a:p>
-          <a:endParaRPr lang="de-DE"/>
-        </a:p>
-      </dgm:t>
     </dgm:pt>
     <dgm:pt modelId="{8C7BF37F-BC1E-4275-849D-5A2D4F9C3F9D}" type="pres">
       <dgm:prSet presAssocID="{E4D0EF0E-DBA2-4531-A31C-C6930D214C84}" presName="circ1Tx" presStyleLbl="revTx" presStyleIdx="0" presStyleCnt="0">
@@ -4391,24 +4341,10 @@
         </dgm:presLayoutVars>
       </dgm:prSet>
       <dgm:spPr/>
-      <dgm:t>
-        <a:bodyPr/>
-        <a:lstStyle/>
-        <a:p>
-          <a:endParaRPr lang="de-DE"/>
-        </a:p>
-      </dgm:t>
     </dgm:pt>
     <dgm:pt modelId="{A1E145C4-BD38-4E1E-9C41-61BC097FBF06}" type="pres">
       <dgm:prSet presAssocID="{077EF243-B640-473B-BB71-B7A3B8393BAE}" presName="circ2" presStyleLbl="vennNode1" presStyleIdx="1" presStyleCnt="2"/>
       <dgm:spPr/>
-      <dgm:t>
-        <a:bodyPr/>
-        <a:lstStyle/>
-        <a:p>
-          <a:endParaRPr lang="de-DE"/>
-        </a:p>
-      </dgm:t>
     </dgm:pt>
     <dgm:pt modelId="{EAC5C05D-8120-4F73-A71F-02F05BA7C2FC}" type="pres">
       <dgm:prSet presAssocID="{077EF243-B640-473B-BB71-B7A3B8393BAE}" presName="circ2Tx" presStyleLbl="revTx" presStyleIdx="0" presStyleCnt="0">
@@ -4419,23 +4355,16 @@
         </dgm:presLayoutVars>
       </dgm:prSet>
       <dgm:spPr/>
-      <dgm:t>
-        <a:bodyPr/>
-        <a:lstStyle/>
-        <a:p>
-          <a:endParaRPr lang="de-DE"/>
-        </a:p>
-      </dgm:t>
     </dgm:pt>
   </dgm:ptLst>
   <dgm:cxnLst>
+    <dgm:cxn modelId="{F9827419-875B-4992-B6DB-7039F0B93327}" srcId="{E6B90233-3499-4EBD-846D-F4882C32CF44}" destId="{077EF243-B640-473B-BB71-B7A3B8393BAE}" srcOrd="1" destOrd="0" parTransId="{4C4788DA-5D99-4988-9B48-84CE93F94A46}" sibTransId="{D0203047-3670-489B-AEEE-4D042F9D2635}"/>
+    <dgm:cxn modelId="{BC0F8567-DEDD-408D-B3B0-715512DD58F9}" type="presOf" srcId="{077EF243-B640-473B-BB71-B7A3B8393BAE}" destId="{EAC5C05D-8120-4F73-A71F-02F05BA7C2FC}" srcOrd="1" destOrd="0" presId="urn:microsoft.com/office/officeart/2005/8/layout/venn1"/>
+    <dgm:cxn modelId="{B0DF6674-1A89-40F3-A217-035F05ED4C17}" type="presOf" srcId="{E4D0EF0E-DBA2-4531-A31C-C6930D214C84}" destId="{66E3E58E-4D97-4302-A17C-EC20E70E3793}" srcOrd="0" destOrd="0" presId="urn:microsoft.com/office/officeart/2005/8/layout/venn1"/>
+    <dgm:cxn modelId="{182C297E-7A65-4D99-94A3-95A9A17F6F37}" type="presOf" srcId="{E4D0EF0E-DBA2-4531-A31C-C6930D214C84}" destId="{8C7BF37F-BC1E-4275-849D-5A2D4F9C3F9D}" srcOrd="1" destOrd="0" presId="urn:microsoft.com/office/officeart/2005/8/layout/venn1"/>
     <dgm:cxn modelId="{B33D83B8-14CA-407D-B3EC-6692ABD962B1}" srcId="{E6B90233-3499-4EBD-846D-F4882C32CF44}" destId="{E4D0EF0E-DBA2-4531-A31C-C6930D214C84}" srcOrd="0" destOrd="0" parTransId="{889FCBBC-EE1A-42B9-9566-E1F5040A8482}" sibTransId="{398041D4-FF59-4E3A-9A4B-740C42FC210F}"/>
-    <dgm:cxn modelId="{182C297E-7A65-4D99-94A3-95A9A17F6F37}" type="presOf" srcId="{E4D0EF0E-DBA2-4531-A31C-C6930D214C84}" destId="{8C7BF37F-BC1E-4275-849D-5A2D4F9C3F9D}" srcOrd="1" destOrd="0" presId="urn:microsoft.com/office/officeart/2005/8/layout/venn1"/>
-    <dgm:cxn modelId="{F9827419-875B-4992-B6DB-7039F0B93327}" srcId="{E6B90233-3499-4EBD-846D-F4882C32CF44}" destId="{077EF243-B640-473B-BB71-B7A3B8393BAE}" srcOrd="1" destOrd="0" parTransId="{4C4788DA-5D99-4988-9B48-84CE93F94A46}" sibTransId="{D0203047-3670-489B-AEEE-4D042F9D2635}"/>
+    <dgm:cxn modelId="{79080AF1-9869-4F79-A4A2-D9AF4F2C582C}" type="presOf" srcId="{E6B90233-3499-4EBD-846D-F4882C32CF44}" destId="{2D0E4173-B873-4B5F-8340-E243B4472D6D}" srcOrd="0" destOrd="0" presId="urn:microsoft.com/office/officeart/2005/8/layout/venn1"/>
     <dgm:cxn modelId="{333B35FD-8412-40C9-BA4D-66A3636BB43A}" type="presOf" srcId="{077EF243-B640-473B-BB71-B7A3B8393BAE}" destId="{A1E145C4-BD38-4E1E-9C41-61BC097FBF06}" srcOrd="0" destOrd="0" presId="urn:microsoft.com/office/officeart/2005/8/layout/venn1"/>
-    <dgm:cxn modelId="{B0DF6674-1A89-40F3-A217-035F05ED4C17}" type="presOf" srcId="{E4D0EF0E-DBA2-4531-A31C-C6930D214C84}" destId="{66E3E58E-4D97-4302-A17C-EC20E70E3793}" srcOrd="0" destOrd="0" presId="urn:microsoft.com/office/officeart/2005/8/layout/venn1"/>
-    <dgm:cxn modelId="{79080AF1-9869-4F79-A4A2-D9AF4F2C582C}" type="presOf" srcId="{E6B90233-3499-4EBD-846D-F4882C32CF44}" destId="{2D0E4173-B873-4B5F-8340-E243B4472D6D}" srcOrd="0" destOrd="0" presId="urn:microsoft.com/office/officeart/2005/8/layout/venn1"/>
-    <dgm:cxn modelId="{BC0F8567-DEDD-408D-B3B0-715512DD58F9}" type="presOf" srcId="{077EF243-B640-473B-BB71-B7A3B8393BAE}" destId="{EAC5C05D-8120-4F73-A71F-02F05BA7C2FC}" srcOrd="1" destOrd="0" presId="urn:microsoft.com/office/officeart/2005/8/layout/venn1"/>
     <dgm:cxn modelId="{1971B7E5-2280-4990-9482-3320D2F4C247}" type="presParOf" srcId="{2D0E4173-B873-4B5F-8340-E243B4472D6D}" destId="{66E3E58E-4D97-4302-A17C-EC20E70E3793}" srcOrd="0" destOrd="0" presId="urn:microsoft.com/office/officeart/2005/8/layout/venn1"/>
     <dgm:cxn modelId="{C84CA035-C07C-4E46-95F7-D4E0D5D0CFD2}" type="presParOf" srcId="{2D0E4173-B873-4B5F-8340-E243B4472D6D}" destId="{8C7BF37F-BC1E-4275-849D-5A2D4F9C3F9D}" srcOrd="1" destOrd="0" presId="urn:microsoft.com/office/officeart/2005/8/layout/venn1"/>
     <dgm:cxn modelId="{FAE84917-6A7F-4FC3-86E8-1800D8BAF973}" type="presParOf" srcId="{2D0E4173-B873-4B5F-8340-E243B4472D6D}" destId="{A1E145C4-BD38-4E1E-9C41-61BC097FBF06}" srcOrd="2" destOrd="0" presId="urn:microsoft.com/office/officeart/2005/8/layout/venn1"/>
@@ -4514,13 +4443,6 @@
         </dgm:presLayoutVars>
       </dgm:prSet>
       <dgm:spPr/>
-      <dgm:t>
-        <a:bodyPr/>
-        <a:lstStyle/>
-        <a:p>
-          <a:endParaRPr lang="de-DE"/>
-        </a:p>
-      </dgm:t>
     </dgm:pt>
     <dgm:pt modelId="{1590028B-441C-4AF2-A195-E7406520C2FB}" type="pres">
       <dgm:prSet presAssocID="{5BD8170D-6914-4F7C-989B-81251EF67F3B}" presName="parentText" presStyleLbl="node1" presStyleIdx="0" presStyleCnt="1">
@@ -4530,19 +4452,12 @@
         </dgm:presLayoutVars>
       </dgm:prSet>
       <dgm:spPr/>
-      <dgm:t>
-        <a:bodyPr/>
-        <a:lstStyle/>
-        <a:p>
-          <a:endParaRPr lang="de-DE"/>
-        </a:p>
-      </dgm:t>
     </dgm:pt>
   </dgm:ptLst>
   <dgm:cxnLst>
     <dgm:cxn modelId="{9075C053-94FF-4A20-B294-A8233963EAEB}" type="presOf" srcId="{EEAD6A1E-9E00-40A4-8663-EE403A9C61C5}" destId="{AB7EED68-1A8A-4F84-9EA5-E26DD249B0FC}" srcOrd="0" destOrd="0" presId="urn:microsoft.com/office/officeart/2005/8/layout/vList2"/>
+    <dgm:cxn modelId="{6A0D65AF-9225-498F-AC78-CBE08D155998}" type="presOf" srcId="{5BD8170D-6914-4F7C-989B-81251EF67F3B}" destId="{1590028B-441C-4AF2-A195-E7406520C2FB}" srcOrd="0" destOrd="0" presId="urn:microsoft.com/office/officeart/2005/8/layout/vList2"/>
     <dgm:cxn modelId="{AFAB6BC8-9B46-4EC3-B1B9-2F447096845B}" srcId="{EEAD6A1E-9E00-40A4-8663-EE403A9C61C5}" destId="{5BD8170D-6914-4F7C-989B-81251EF67F3B}" srcOrd="0" destOrd="0" parTransId="{A91D8662-2E52-4FFB-BFB2-B2CC734DF2A0}" sibTransId="{FEE4E19A-E51A-427D-96AB-7BB792BD8A99}"/>
-    <dgm:cxn modelId="{6A0D65AF-9225-498F-AC78-CBE08D155998}" type="presOf" srcId="{5BD8170D-6914-4F7C-989B-81251EF67F3B}" destId="{1590028B-441C-4AF2-A195-E7406520C2FB}" srcOrd="0" destOrd="0" presId="urn:microsoft.com/office/officeart/2005/8/layout/vList2"/>
     <dgm:cxn modelId="{6748F089-D990-45C8-85CE-8A116D17BC5D}" type="presParOf" srcId="{AB7EED68-1A8A-4F84-9EA5-E26DD249B0FC}" destId="{1590028B-441C-4AF2-A195-E7406520C2FB}" srcOrd="0" destOrd="0" presId="urn:microsoft.com/office/officeart/2005/8/layout/vList2"/>
   </dgm:cxnLst>
   <dgm:bg/>
@@ -4618,13 +4533,6 @@
         </dgm:presLayoutVars>
       </dgm:prSet>
       <dgm:spPr/>
-      <dgm:t>
-        <a:bodyPr/>
-        <a:lstStyle/>
-        <a:p>
-          <a:endParaRPr lang="de-DE"/>
-        </a:p>
-      </dgm:t>
     </dgm:pt>
     <dgm:pt modelId="{0B000412-79C1-4F4C-BD55-10878ADA0BB8}" type="pres">
       <dgm:prSet presAssocID="{963898D0-3ACE-4C7F-836F-851CC58364B7}" presName="parentText" presStyleLbl="node1" presStyleIdx="0" presStyleCnt="1" custLinFactNeighborX="-14" custLinFactNeighborY="-1534">
@@ -4634,19 +4542,12 @@
         </dgm:presLayoutVars>
       </dgm:prSet>
       <dgm:spPr/>
-      <dgm:t>
-        <a:bodyPr/>
-        <a:lstStyle/>
-        <a:p>
-          <a:endParaRPr lang="de-DE"/>
-        </a:p>
-      </dgm:t>
     </dgm:pt>
   </dgm:ptLst>
   <dgm:cxnLst>
+    <dgm:cxn modelId="{A1083C4E-5642-4E2D-8689-B28F986ABAC6}" type="presOf" srcId="{52C9E91C-D27C-41D0-8467-762D3E0E7337}" destId="{F1B56AF7-8638-4007-BA3C-03D5B8C7FCB3}" srcOrd="0" destOrd="0" presId="urn:microsoft.com/office/officeart/2005/8/layout/vList2"/>
+    <dgm:cxn modelId="{5EB2E771-0368-46C8-91E2-49B72FEDCADC}" type="presOf" srcId="{963898D0-3ACE-4C7F-836F-851CC58364B7}" destId="{0B000412-79C1-4F4C-BD55-10878ADA0BB8}" srcOrd="0" destOrd="0" presId="urn:microsoft.com/office/officeart/2005/8/layout/vList2"/>
     <dgm:cxn modelId="{47D31DDA-ABD1-441F-AF93-1B15A40E639B}" srcId="{52C9E91C-D27C-41D0-8467-762D3E0E7337}" destId="{963898D0-3ACE-4C7F-836F-851CC58364B7}" srcOrd="0" destOrd="0" parTransId="{5FE8966D-A173-4AE0-AFB5-3BE653DF7699}" sibTransId="{43BD4552-44CA-46E5-B318-AE54330BC5DD}"/>
-    <dgm:cxn modelId="{5EB2E771-0368-46C8-91E2-49B72FEDCADC}" type="presOf" srcId="{963898D0-3ACE-4C7F-836F-851CC58364B7}" destId="{0B000412-79C1-4F4C-BD55-10878ADA0BB8}" srcOrd="0" destOrd="0" presId="urn:microsoft.com/office/officeart/2005/8/layout/vList2"/>
-    <dgm:cxn modelId="{A1083C4E-5642-4E2D-8689-B28F986ABAC6}" type="presOf" srcId="{52C9E91C-D27C-41D0-8467-762D3E0E7337}" destId="{F1B56AF7-8638-4007-BA3C-03D5B8C7FCB3}" srcOrd="0" destOrd="0" presId="urn:microsoft.com/office/officeart/2005/8/layout/vList2"/>
     <dgm:cxn modelId="{0895ABEF-F194-4261-AD32-9F9F28D13A8A}" type="presParOf" srcId="{F1B56AF7-8638-4007-BA3C-03D5B8C7FCB3}" destId="{0B000412-79C1-4F4C-BD55-10878ADA0BB8}" srcOrd="0" destOrd="0" presId="urn:microsoft.com/office/officeart/2005/8/layout/vList2"/>
   </dgm:cxnLst>
   <dgm:bg/>
@@ -5327,13 +5228,6 @@
     <dgm:pt modelId="{59C231A3-4399-47E1-89DF-1C7125294808}" type="pres">
       <dgm:prSet presAssocID="{8FFAAD93-093A-4643-8666-6592133D5148}" presName="circ1" presStyleLbl="vennNode1" presStyleIdx="0" presStyleCnt="3"/>
       <dgm:spPr/>
-      <dgm:t>
-        <a:bodyPr/>
-        <a:lstStyle/>
-        <a:p>
-          <a:endParaRPr lang="de-DE"/>
-        </a:p>
-      </dgm:t>
     </dgm:pt>
     <dgm:pt modelId="{05A04829-3ADD-4A0E-AF44-AFC6C6576FCC}" type="pres">
       <dgm:prSet presAssocID="{8FFAAD93-093A-4643-8666-6592133D5148}" presName="circ1Tx" presStyleLbl="revTx" presStyleIdx="0" presStyleCnt="0">
@@ -5344,24 +5238,10 @@
         </dgm:presLayoutVars>
       </dgm:prSet>
       <dgm:spPr/>
-      <dgm:t>
-        <a:bodyPr/>
-        <a:lstStyle/>
-        <a:p>
-          <a:endParaRPr lang="de-DE"/>
-        </a:p>
-      </dgm:t>
     </dgm:pt>
     <dgm:pt modelId="{A0DFDC1B-77C7-48EB-A021-78AA69786ADD}" type="pres">
       <dgm:prSet presAssocID="{E8D6131E-3A0B-413C-A175-032074A7C8CD}" presName="circ2" presStyleLbl="vennNode1" presStyleIdx="1" presStyleCnt="3"/>
       <dgm:spPr/>
-      <dgm:t>
-        <a:bodyPr/>
-        <a:lstStyle/>
-        <a:p>
-          <a:endParaRPr lang="de-DE"/>
-        </a:p>
-      </dgm:t>
     </dgm:pt>
     <dgm:pt modelId="{9FF6521E-F963-4CC7-985F-8DE096D1D719}" type="pres">
       <dgm:prSet presAssocID="{E8D6131E-3A0B-413C-A175-032074A7C8CD}" presName="circ2Tx" presStyleLbl="revTx" presStyleIdx="0" presStyleCnt="0">
@@ -5372,24 +5252,10 @@
         </dgm:presLayoutVars>
       </dgm:prSet>
       <dgm:spPr/>
-      <dgm:t>
-        <a:bodyPr/>
-        <a:lstStyle/>
-        <a:p>
-          <a:endParaRPr lang="de-DE"/>
-        </a:p>
-      </dgm:t>
     </dgm:pt>
     <dgm:pt modelId="{0B0A4924-9448-4041-80D8-5133D77B1EF8}" type="pres">
       <dgm:prSet presAssocID="{C43C6B0E-82E8-459E-90D3-8FA28CDB9FEB}" presName="circ3" presStyleLbl="vennNode1" presStyleIdx="2" presStyleCnt="3" custLinFactNeighborX="-368" custLinFactNeighborY="-1797"/>
       <dgm:spPr/>
-      <dgm:t>
-        <a:bodyPr/>
-        <a:lstStyle/>
-        <a:p>
-          <a:endParaRPr lang="de-DE"/>
-        </a:p>
-      </dgm:t>
     </dgm:pt>
     <dgm:pt modelId="{23A5DA59-5A2F-44EA-A611-B33241847054}" type="pres">
       <dgm:prSet presAssocID="{C43C6B0E-82E8-459E-90D3-8FA28CDB9FEB}" presName="circ3Tx" presStyleLbl="revTx" presStyleIdx="0" presStyleCnt="0">
@@ -5400,71 +5266,64 @@
         </dgm:presLayoutVars>
       </dgm:prSet>
       <dgm:spPr/>
-      <dgm:t>
-        <a:bodyPr/>
-        <a:lstStyle/>
-        <a:p>
-          <a:endParaRPr lang="de-DE"/>
-        </a:p>
-      </dgm:t>
     </dgm:pt>
   </dgm:ptLst>
   <dgm:cxnLst>
+    <dgm:cxn modelId="{36391700-0362-45E5-86EA-8CA66C74C9B6}" type="presOf" srcId="{8FFAAD93-093A-4643-8666-6592133D5148}" destId="{59C231A3-4399-47E1-89DF-1C7125294808}" srcOrd="0" destOrd="0" presId="urn:microsoft.com/office/officeart/2005/8/layout/venn1"/>
+    <dgm:cxn modelId="{7A2FDA00-A953-4B39-9EFF-4175B7C7C32C}" type="presOf" srcId="{FC4407A3-4517-45E9-A03A-4F0190D76EDC}" destId="{59C231A3-4399-47E1-89DF-1C7125294808}" srcOrd="0" destOrd="1" presId="urn:microsoft.com/office/officeart/2005/8/layout/venn1"/>
     <dgm:cxn modelId="{C3FB9803-EF08-4F06-8E1E-DEA27C82DF1D}" type="presOf" srcId="{AE952CBC-AFBB-46D7-9562-B6107CA30E37}" destId="{A0DFDC1B-77C7-48EB-A021-78AA69786ADD}" srcOrd="0" destOrd="3" presId="urn:microsoft.com/office/officeart/2005/8/layout/venn1"/>
-    <dgm:cxn modelId="{A78C7EA7-1230-40E6-BDA7-3A1024414BC4}" type="presOf" srcId="{0D9103D6-0E0B-4A01-A0C2-A3D312E3F222}" destId="{23A5DA59-5A2F-44EA-A611-B33241847054}" srcOrd="1" destOrd="1" presId="urn:microsoft.com/office/officeart/2005/8/layout/venn1"/>
-    <dgm:cxn modelId="{D5854DC4-F81A-4FA2-80DB-7C7DBD12B42B}" srcId="{8FFAAD93-093A-4643-8666-6592133D5148}" destId="{B91FAD6A-8684-422F-8011-C8437909F67A}" srcOrd="1" destOrd="0" parTransId="{A792254C-7132-40A7-AE58-4421DC5EC861}" sibTransId="{2C588BD9-162A-4022-AF7B-2B78D08FB1DD}"/>
-    <dgm:cxn modelId="{0293A3AF-4ACB-4C8F-BB88-94B74219B65D}" type="presOf" srcId="{C43C6B0E-82E8-459E-90D3-8FA28CDB9FEB}" destId="{23A5DA59-5A2F-44EA-A611-B33241847054}" srcOrd="1" destOrd="0" presId="urn:microsoft.com/office/officeart/2005/8/layout/venn1"/>
-    <dgm:cxn modelId="{AB854BEB-DA56-4C77-A7A8-11C935F1A966}" type="presOf" srcId="{E8D6131E-3A0B-413C-A175-032074A7C8CD}" destId="{9FF6521E-F963-4CC7-985F-8DE096D1D719}" srcOrd="1" destOrd="0" presId="urn:microsoft.com/office/officeart/2005/8/layout/venn1"/>
-    <dgm:cxn modelId="{C1E0688A-C9FB-4CCF-9970-AAA0AB97FED8}" type="presOf" srcId="{9E1FD446-4E0A-4888-B45A-C24376B4CA33}" destId="{23A5DA59-5A2F-44EA-A611-B33241847054}" srcOrd="1" destOrd="3" presId="urn:microsoft.com/office/officeart/2005/8/layout/venn1"/>
-    <dgm:cxn modelId="{A79E1CD5-A539-40D4-85A5-EC2DD800039B}" type="presOf" srcId="{CD3BB932-1D7F-411F-8971-F6ADE642AEF2}" destId="{0B0A4924-9448-4041-80D8-5133D77B1EF8}" srcOrd="0" destOrd="4" presId="urn:microsoft.com/office/officeart/2005/8/layout/venn1"/>
+    <dgm:cxn modelId="{DA1A8607-4CBA-41DE-9E7B-D89BDDFA81A3}" type="presOf" srcId="{15CBFCD6-3559-44E7-834A-375076522B1E}" destId="{0B0A4924-9448-4041-80D8-5133D77B1EF8}" srcOrd="0" destOrd="2" presId="urn:microsoft.com/office/officeart/2005/8/layout/venn1"/>
+    <dgm:cxn modelId="{378A8F0D-0AC3-4D7A-8286-7AE1F1CB9A4D}" type="presOf" srcId="{AE952CBC-AFBB-46D7-9562-B6107CA30E37}" destId="{9FF6521E-F963-4CC7-985F-8DE096D1D719}" srcOrd="1" destOrd="3" presId="urn:microsoft.com/office/officeart/2005/8/layout/venn1"/>
     <dgm:cxn modelId="{12EB0213-BF67-4F4A-98AE-8BC4CEC58680}" srcId="{E8D6131E-3A0B-413C-A175-032074A7C8CD}" destId="{345FF024-0154-4AED-8D4F-D740CFF56DB4}" srcOrd="1" destOrd="0" parTransId="{DED5F523-A82A-4921-BEC4-CB77633F1A18}" sibTransId="{34246D6E-C3F0-4E13-8467-9BD04A8E94B2}"/>
+    <dgm:cxn modelId="{E09F531A-CD92-441D-96EB-680FED7EC68E}" type="presOf" srcId="{B91FAD6A-8684-422F-8011-C8437909F67A}" destId="{59C231A3-4399-47E1-89DF-1C7125294808}" srcOrd="0" destOrd="2" presId="urn:microsoft.com/office/officeart/2005/8/layout/venn1"/>
+    <dgm:cxn modelId="{266EFA1E-A305-4EE5-A882-4848E508A991}" type="presOf" srcId="{2FEA0FE4-34BA-4CAD-A918-D2CC4C70FC09}" destId="{23A5DA59-5A2F-44EA-A611-B33241847054}" srcOrd="1" destOrd="5" presId="urn:microsoft.com/office/officeart/2005/8/layout/venn1"/>
+    <dgm:cxn modelId="{1543BB28-2793-43C8-993A-8A943AF4481F}" srcId="{C43C6B0E-82E8-459E-90D3-8FA28CDB9FEB}" destId="{15CBFCD6-3559-44E7-834A-375076522B1E}" srcOrd="1" destOrd="0" parTransId="{2BDC8AB9-9099-48BF-8978-2CCF0FE0092B}" sibTransId="{96C5A207-380A-4897-BC7D-08AA38B8E6E0}"/>
+    <dgm:cxn modelId="{2AE0BB2C-D3BA-4191-8DA9-349466BA091C}" srcId="{0266A603-8232-4D71-B200-E5FE68D18F3F}" destId="{8FFAAD93-093A-4643-8666-6592133D5148}" srcOrd="0" destOrd="0" parTransId="{0EF3D4AB-DF62-4B12-9E7C-B625D3E22117}" sibTransId="{DD346E06-9D81-468D-B484-5A437B8B67C8}"/>
     <dgm:cxn modelId="{4C641434-2AFA-445A-A904-B27E1D3B8AFD}" srcId="{0266A603-8232-4D71-B200-E5FE68D18F3F}" destId="{C43C6B0E-82E8-459E-90D3-8FA28CDB9FEB}" srcOrd="2" destOrd="0" parTransId="{3A02CFBF-18DC-449F-9D07-D592D03DB4B9}" sibTransId="{BA408F00-8943-4CF4-A1AE-2FE0384E996C}"/>
-    <dgm:cxn modelId="{1957E67E-0C8E-493C-83AE-20E4C7127FB6}" type="presOf" srcId="{FC92CE58-B219-47E7-B200-5C27E4A0F990}" destId="{59C231A3-4399-47E1-89DF-1C7125294808}" srcOrd="0" destOrd="5" presId="urn:microsoft.com/office/officeart/2005/8/layout/venn1"/>
-    <dgm:cxn modelId="{451FA8C3-F2C2-4934-9710-54746AB631D6}" type="presOf" srcId="{9997303C-1FFF-4B91-BAB7-2DA3BF7A2831}" destId="{9FF6521E-F963-4CC7-985F-8DE096D1D719}" srcOrd="1" destOrd="1" presId="urn:microsoft.com/office/officeart/2005/8/layout/venn1"/>
-    <dgm:cxn modelId="{0797F2B3-6251-47F4-BFB8-9C22FB837E90}" type="presOf" srcId="{8FFAAD93-093A-4643-8666-6592133D5148}" destId="{05A04829-3ADD-4A0E-AF44-AFC6C6576FCC}" srcOrd="1" destOrd="0" presId="urn:microsoft.com/office/officeart/2005/8/layout/venn1"/>
-    <dgm:cxn modelId="{6EF51F9D-9EDD-45E2-81C9-3886726A9979}" type="presOf" srcId="{4A47A56A-111E-4E82-BB41-959D8C716F07}" destId="{9FF6521E-F963-4CC7-985F-8DE096D1D719}" srcOrd="1" destOrd="4" presId="urn:microsoft.com/office/officeart/2005/8/layout/venn1"/>
+    <dgm:cxn modelId="{DDD97535-BB86-4EE5-A9DF-CFE0EB2F8521}" type="presOf" srcId="{FC92CE58-B219-47E7-B200-5C27E4A0F990}" destId="{05A04829-3ADD-4A0E-AF44-AFC6C6576FCC}" srcOrd="1" destOrd="5" presId="urn:microsoft.com/office/officeart/2005/8/layout/venn1"/>
+    <dgm:cxn modelId="{579AB135-88FB-4CCA-BA8D-32F30557EE0D}" type="presOf" srcId="{2CA1279D-C9E1-4254-95B4-AAC304B533A6}" destId="{59C231A3-4399-47E1-89DF-1C7125294808}" srcOrd="0" destOrd="3" presId="urn:microsoft.com/office/officeart/2005/8/layout/venn1"/>
+    <dgm:cxn modelId="{4A3E203D-EF88-463B-BFF5-F18F17A13201}" srcId="{C43C6B0E-82E8-459E-90D3-8FA28CDB9FEB}" destId="{CD3BB932-1D7F-411F-8971-F6ADE642AEF2}" srcOrd="3" destOrd="0" parTransId="{A2EFBDA0-4BB4-4A00-B9FC-4E9D544F850F}" sibTransId="{A423818E-CA79-49E2-9AB4-DDC02DE50575}"/>
+    <dgm:cxn modelId="{FCC1E85C-8D8F-4801-A8FC-41D62D5A5514}" srcId="{E8D6131E-3A0B-413C-A175-032074A7C8CD}" destId="{9997303C-1FFF-4B91-BAB7-2DA3BF7A2831}" srcOrd="0" destOrd="0" parTransId="{EF0D375C-04B7-4798-8AEF-201C8B6E85F3}" sibTransId="{19E359EB-905A-4BC4-97E0-B01B85EE99BD}"/>
+    <dgm:cxn modelId="{11CFA841-1C7B-459D-A9DD-20E73F9B1700}" type="presOf" srcId="{E8D6131E-3A0B-413C-A175-032074A7C8CD}" destId="{A0DFDC1B-77C7-48EB-A021-78AA69786ADD}" srcOrd="0" destOrd="0" presId="urn:microsoft.com/office/officeart/2005/8/layout/venn1"/>
+    <dgm:cxn modelId="{300E2264-29DE-4C65-AB6C-FC5FDE9551AA}" srcId="{E8D6131E-3A0B-413C-A175-032074A7C8CD}" destId="{4A47A56A-111E-4E82-BB41-959D8C716F07}" srcOrd="3" destOrd="0" parTransId="{2B8AEA3B-1339-4898-A438-20A76057A93C}" sibTransId="{E716280C-071B-4151-8DB0-FA8E7410CBDC}"/>
+    <dgm:cxn modelId="{735EE164-1F70-40B0-9FCB-70FB09CB7C2D}" type="presOf" srcId="{15CBFCD6-3559-44E7-834A-375076522B1E}" destId="{23A5DA59-5A2F-44EA-A611-B33241847054}" srcOrd="1" destOrd="2" presId="urn:microsoft.com/office/officeart/2005/8/layout/venn1"/>
+    <dgm:cxn modelId="{97851D67-2952-4049-AD5B-21A115667EEA}" type="presOf" srcId="{9E1FD446-4E0A-4888-B45A-C24376B4CA33}" destId="{0B0A4924-9448-4041-80D8-5133D77B1EF8}" srcOrd="0" destOrd="3" presId="urn:microsoft.com/office/officeart/2005/8/layout/venn1"/>
+    <dgm:cxn modelId="{80506249-D989-4ED3-BB63-0DA863A8703E}" type="presOf" srcId="{1D17ADD5-EDE9-4D10-B8FE-B9BEDF47454D}" destId="{A0DFDC1B-77C7-48EB-A021-78AA69786ADD}" srcOrd="0" destOrd="5" presId="urn:microsoft.com/office/officeart/2005/8/layout/venn1"/>
     <dgm:cxn modelId="{0BB89B71-3713-4C02-8B24-5D365C3BA271}" srcId="{C43C6B0E-82E8-459E-90D3-8FA28CDB9FEB}" destId="{9E1FD446-4E0A-4888-B45A-C24376B4CA33}" srcOrd="2" destOrd="0" parTransId="{D3BCD53E-21F0-48B8-BC8A-C4599C850072}" sibTransId="{07FB338E-75D2-45C3-8256-12C1B078B611}"/>
     <dgm:cxn modelId="{CD6BC852-AEF1-4685-B23B-68EF73B1EF2C}" srcId="{C43C6B0E-82E8-459E-90D3-8FA28CDB9FEB}" destId="{2FEA0FE4-34BA-4CAD-A918-D2CC4C70FC09}" srcOrd="4" destOrd="0" parTransId="{34ED3A9A-8E79-4098-8385-4C66C655F964}" sibTransId="{843ABC16-560E-4351-8957-CD859503BAA4}"/>
+    <dgm:cxn modelId="{BF2C2474-CB8C-423F-8679-13C4E153F4D6}" type="presOf" srcId="{4A47A56A-111E-4E82-BB41-959D8C716F07}" destId="{A0DFDC1B-77C7-48EB-A021-78AA69786ADD}" srcOrd="0" destOrd="4" presId="urn:microsoft.com/office/officeart/2005/8/layout/venn1"/>
+    <dgm:cxn modelId="{9565E676-F665-4438-933C-AD9D6A714537}" srcId="{0266A603-8232-4D71-B200-E5FE68D18F3F}" destId="{E8D6131E-3A0B-413C-A175-032074A7C8CD}" srcOrd="1" destOrd="0" parTransId="{2DFF84A4-06B4-4DE0-9EA7-677B263B0A4E}" sibTransId="{0206CF11-AF04-44BF-8AAA-B0D459371092}"/>
+    <dgm:cxn modelId="{C687215A-9BA5-46D3-8880-2F277B629C47}" type="presOf" srcId="{B91FAD6A-8684-422F-8011-C8437909F67A}" destId="{05A04829-3ADD-4A0E-AF44-AFC6C6576FCC}" srcOrd="1" destOrd="2" presId="urn:microsoft.com/office/officeart/2005/8/layout/venn1"/>
+    <dgm:cxn modelId="{15272A7C-2627-495B-AABC-9C936DD8F01C}" type="presOf" srcId="{0D9103D6-0E0B-4A01-A0C2-A3D312E3F222}" destId="{0B0A4924-9448-4041-80D8-5133D77B1EF8}" srcOrd="0" destOrd="1" presId="urn:microsoft.com/office/officeart/2005/8/layout/venn1"/>
+    <dgm:cxn modelId="{1957E67E-0C8E-493C-83AE-20E4C7127FB6}" type="presOf" srcId="{FC92CE58-B219-47E7-B200-5C27E4A0F990}" destId="{59C231A3-4399-47E1-89DF-1C7125294808}" srcOrd="0" destOrd="5" presId="urn:microsoft.com/office/officeart/2005/8/layout/venn1"/>
+    <dgm:cxn modelId="{C1E0688A-C9FB-4CCF-9970-AAA0AB97FED8}" type="presOf" srcId="{9E1FD446-4E0A-4888-B45A-C24376B4CA33}" destId="{23A5DA59-5A2F-44EA-A611-B33241847054}" srcOrd="1" destOrd="3" presId="urn:microsoft.com/office/officeart/2005/8/layout/venn1"/>
+    <dgm:cxn modelId="{6BD60790-1B6B-4099-8027-E518E7AACB14}" type="presOf" srcId="{0266A603-8232-4D71-B200-E5FE68D18F3F}" destId="{11300E79-F0C0-45BF-A27C-36DBA708EADA}" srcOrd="0" destOrd="0" presId="urn:microsoft.com/office/officeart/2005/8/layout/venn1"/>
+    <dgm:cxn modelId="{9D7A6090-F586-49A2-A90C-12ED958EC70E}" type="presOf" srcId="{1D17ADD5-EDE9-4D10-B8FE-B9BEDF47454D}" destId="{9FF6521E-F963-4CC7-985F-8DE096D1D719}" srcOrd="1" destOrd="5" presId="urn:microsoft.com/office/officeart/2005/8/layout/venn1"/>
+    <dgm:cxn modelId="{033B3695-04DD-4CD9-9766-B5B9B21B8F5F}" type="presOf" srcId="{345FF024-0154-4AED-8D4F-D740CFF56DB4}" destId="{A0DFDC1B-77C7-48EB-A021-78AA69786ADD}" srcOrd="0" destOrd="2" presId="urn:microsoft.com/office/officeart/2005/8/layout/venn1"/>
+    <dgm:cxn modelId="{6EF51F9D-9EDD-45E2-81C9-3886726A9979}" type="presOf" srcId="{4A47A56A-111E-4E82-BB41-959D8C716F07}" destId="{9FF6521E-F963-4CC7-985F-8DE096D1D719}" srcOrd="1" destOrd="4" presId="urn:microsoft.com/office/officeart/2005/8/layout/venn1"/>
+    <dgm:cxn modelId="{939FBD9F-3DCE-4621-9E2D-7239689574A6}" type="presOf" srcId="{CD3BB932-1D7F-411F-8971-F6ADE642AEF2}" destId="{23A5DA59-5A2F-44EA-A611-B33241847054}" srcOrd="1" destOrd="4" presId="urn:microsoft.com/office/officeart/2005/8/layout/venn1"/>
+    <dgm:cxn modelId="{A78C7EA7-1230-40E6-BDA7-3A1024414BC4}" type="presOf" srcId="{0D9103D6-0E0B-4A01-A0C2-A3D312E3F222}" destId="{23A5DA59-5A2F-44EA-A611-B33241847054}" srcOrd="1" destOrd="1" presId="urn:microsoft.com/office/officeart/2005/8/layout/venn1"/>
+    <dgm:cxn modelId="{0293A3AF-4ACB-4C8F-BB88-94B74219B65D}" type="presOf" srcId="{C43C6B0E-82E8-459E-90D3-8FA28CDB9FEB}" destId="{23A5DA59-5A2F-44EA-A611-B33241847054}" srcOrd="1" destOrd="0" presId="urn:microsoft.com/office/officeart/2005/8/layout/venn1"/>
+    <dgm:cxn modelId="{92FAAEB1-ED8B-4322-85F6-49BE2975C0A7}" srcId="{8FFAAD93-093A-4643-8666-6592133D5148}" destId="{FC92CE58-B219-47E7-B200-5C27E4A0F990}" srcOrd="4" destOrd="0" parTransId="{6B3440AC-FF9F-49AC-9EED-52367445DD2B}" sibTransId="{E4DA5AAC-EC3E-4EED-B347-9097D05713F8}"/>
+    <dgm:cxn modelId="{E0D1A9B3-DB83-45E4-908B-8F02C3F1AC9D}" type="presOf" srcId="{9997303C-1FFF-4B91-BAB7-2DA3BF7A2831}" destId="{A0DFDC1B-77C7-48EB-A021-78AA69786ADD}" srcOrd="0" destOrd="1" presId="urn:microsoft.com/office/officeart/2005/8/layout/venn1"/>
+    <dgm:cxn modelId="{0797F2B3-6251-47F4-BFB8-9C22FB837E90}" type="presOf" srcId="{8FFAAD93-093A-4643-8666-6592133D5148}" destId="{05A04829-3ADD-4A0E-AF44-AFC6C6576FCC}" srcOrd="1" destOrd="0" presId="urn:microsoft.com/office/officeart/2005/8/layout/venn1"/>
+    <dgm:cxn modelId="{70F6C2B7-91C8-4E55-A360-171B2B5B137B}" type="presOf" srcId="{2FEA0FE4-34BA-4CAD-A918-D2CC4C70FC09}" destId="{0B0A4924-9448-4041-80D8-5133D77B1EF8}" srcOrd="0" destOrd="5" presId="urn:microsoft.com/office/officeart/2005/8/layout/venn1"/>
+    <dgm:cxn modelId="{2848FFBA-90DC-4F48-9B44-D6DC5B6B9336}" srcId="{8FFAAD93-093A-4643-8666-6592133D5148}" destId="{68992B54-EE22-4748-A406-5444F4DDFCCB}" srcOrd="3" destOrd="0" parTransId="{A496F618-DE23-49F6-840B-6DE3EB5CD77E}" sibTransId="{8E00248D-6041-4A16-AC78-3F21D236E2FB}"/>
+    <dgm:cxn modelId="{3E7A1EBC-B8FF-4903-A794-99A63AA373B7}" srcId="{8FFAAD93-093A-4643-8666-6592133D5148}" destId="{FC4407A3-4517-45E9-A03A-4F0190D76EDC}" srcOrd="0" destOrd="0" parTransId="{CCF611A2-4C28-4056-95E0-BC1D65ECB54B}" sibTransId="{C2E3399E-AAEE-4906-8423-00867DEEE52B}"/>
+    <dgm:cxn modelId="{3590A3BD-A98F-47F8-AC91-1B3EAC8CE1A1}" type="presOf" srcId="{C43C6B0E-82E8-459E-90D3-8FA28CDB9FEB}" destId="{0B0A4924-9448-4041-80D8-5133D77B1EF8}" srcOrd="0" destOrd="0" presId="urn:microsoft.com/office/officeart/2005/8/layout/venn1"/>
+    <dgm:cxn modelId="{98EB3BC1-3459-49EB-B008-68B127B2329B}" srcId="{E8D6131E-3A0B-413C-A175-032074A7C8CD}" destId="{1D17ADD5-EDE9-4D10-B8FE-B9BEDF47454D}" srcOrd="4" destOrd="0" parTransId="{49E298D7-1760-4CAC-8C82-F847AF980F72}" sibTransId="{62913C03-8430-4F72-881A-A1298FFEAFD9}"/>
+    <dgm:cxn modelId="{451FA8C3-F2C2-4934-9710-54746AB631D6}" type="presOf" srcId="{9997303C-1FFF-4B91-BAB7-2DA3BF7A2831}" destId="{9FF6521E-F963-4CC7-985F-8DE096D1D719}" srcOrd="1" destOrd="1" presId="urn:microsoft.com/office/officeart/2005/8/layout/venn1"/>
+    <dgm:cxn modelId="{09BF0CC4-F5A7-42ED-A5D3-BB6B3A7218EB}" type="presOf" srcId="{2CA1279D-C9E1-4254-95B4-AAC304B533A6}" destId="{05A04829-3ADD-4A0E-AF44-AFC6C6576FCC}" srcOrd="1" destOrd="3" presId="urn:microsoft.com/office/officeart/2005/8/layout/venn1"/>
+    <dgm:cxn modelId="{D5854DC4-F81A-4FA2-80DB-7C7DBD12B42B}" srcId="{8FFAAD93-093A-4643-8666-6592133D5148}" destId="{B91FAD6A-8684-422F-8011-C8437909F67A}" srcOrd="1" destOrd="0" parTransId="{A792254C-7132-40A7-AE58-4421DC5EC861}" sibTransId="{2C588BD9-162A-4022-AF7B-2B78D08FB1DD}"/>
     <dgm:cxn modelId="{257BAFCB-0E0B-4A74-8E02-4D534F4BD4B8}" type="presOf" srcId="{345FF024-0154-4AED-8D4F-D740CFF56DB4}" destId="{9FF6521E-F963-4CC7-985F-8DE096D1D719}" srcOrd="1" destOrd="2" presId="urn:microsoft.com/office/officeart/2005/8/layout/venn1"/>
-    <dgm:cxn modelId="{11CFA841-1C7B-459D-A9DD-20E73F9B1700}" type="presOf" srcId="{E8D6131E-3A0B-413C-A175-032074A7C8CD}" destId="{A0DFDC1B-77C7-48EB-A021-78AA69786ADD}" srcOrd="0" destOrd="0" presId="urn:microsoft.com/office/officeart/2005/8/layout/venn1"/>
-    <dgm:cxn modelId="{DDD97535-BB86-4EE5-A9DF-CFE0EB2F8521}" type="presOf" srcId="{FC92CE58-B219-47E7-B200-5C27E4A0F990}" destId="{05A04829-3ADD-4A0E-AF44-AFC6C6576FCC}" srcOrd="1" destOrd="5" presId="urn:microsoft.com/office/officeart/2005/8/layout/venn1"/>
-    <dgm:cxn modelId="{4A3E203D-EF88-463B-BFF5-F18F17A13201}" srcId="{C43C6B0E-82E8-459E-90D3-8FA28CDB9FEB}" destId="{CD3BB932-1D7F-411F-8971-F6ADE642AEF2}" srcOrd="3" destOrd="0" parTransId="{A2EFBDA0-4BB4-4A00-B9FC-4E9D544F850F}" sibTransId="{A423818E-CA79-49E2-9AB4-DDC02DE50575}"/>
-    <dgm:cxn modelId="{BF2C2474-CB8C-423F-8679-13C4E153F4D6}" type="presOf" srcId="{4A47A56A-111E-4E82-BB41-959D8C716F07}" destId="{A0DFDC1B-77C7-48EB-A021-78AA69786ADD}" srcOrd="0" destOrd="4" presId="urn:microsoft.com/office/officeart/2005/8/layout/venn1"/>
-    <dgm:cxn modelId="{80506249-D989-4ED3-BB63-0DA863A8703E}" type="presOf" srcId="{1D17ADD5-EDE9-4D10-B8FE-B9BEDF47454D}" destId="{A0DFDC1B-77C7-48EB-A021-78AA69786ADD}" srcOrd="0" destOrd="5" presId="urn:microsoft.com/office/officeart/2005/8/layout/venn1"/>
-    <dgm:cxn modelId="{E09F531A-CD92-441D-96EB-680FED7EC68E}" type="presOf" srcId="{B91FAD6A-8684-422F-8011-C8437909F67A}" destId="{59C231A3-4399-47E1-89DF-1C7125294808}" srcOrd="0" destOrd="2" presId="urn:microsoft.com/office/officeart/2005/8/layout/venn1"/>
-    <dgm:cxn modelId="{DA1A8607-4CBA-41DE-9E7B-D89BDDFA81A3}" type="presOf" srcId="{15CBFCD6-3559-44E7-834A-375076522B1E}" destId="{0B0A4924-9448-4041-80D8-5133D77B1EF8}" srcOrd="0" destOrd="2" presId="urn:microsoft.com/office/officeart/2005/8/layout/venn1"/>
-    <dgm:cxn modelId="{36391700-0362-45E5-86EA-8CA66C74C9B6}" type="presOf" srcId="{8FFAAD93-093A-4643-8666-6592133D5148}" destId="{59C231A3-4399-47E1-89DF-1C7125294808}" srcOrd="0" destOrd="0" presId="urn:microsoft.com/office/officeart/2005/8/layout/venn1"/>
-    <dgm:cxn modelId="{09BF0CC4-F5A7-42ED-A5D3-BB6B3A7218EB}" type="presOf" srcId="{2CA1279D-C9E1-4254-95B4-AAC304B533A6}" destId="{05A04829-3ADD-4A0E-AF44-AFC6C6576FCC}" srcOrd="1" destOrd="3" presId="urn:microsoft.com/office/officeart/2005/8/layout/venn1"/>
-    <dgm:cxn modelId="{939FBD9F-3DCE-4621-9E2D-7239689574A6}" type="presOf" srcId="{CD3BB932-1D7F-411F-8971-F6ADE642AEF2}" destId="{23A5DA59-5A2F-44EA-A611-B33241847054}" srcOrd="1" destOrd="4" presId="urn:microsoft.com/office/officeart/2005/8/layout/venn1"/>
-    <dgm:cxn modelId="{579AB135-88FB-4CCA-BA8D-32F30557EE0D}" type="presOf" srcId="{2CA1279D-C9E1-4254-95B4-AAC304B533A6}" destId="{59C231A3-4399-47E1-89DF-1C7125294808}" srcOrd="0" destOrd="3" presId="urn:microsoft.com/office/officeart/2005/8/layout/venn1"/>
-    <dgm:cxn modelId="{266EFA1E-A305-4EE5-A882-4848E508A991}" type="presOf" srcId="{2FEA0FE4-34BA-4CAD-A918-D2CC4C70FC09}" destId="{23A5DA59-5A2F-44EA-A611-B33241847054}" srcOrd="1" destOrd="5" presId="urn:microsoft.com/office/officeart/2005/8/layout/venn1"/>
-    <dgm:cxn modelId="{378A8F0D-0AC3-4D7A-8286-7AE1F1CB9A4D}" type="presOf" srcId="{AE952CBC-AFBB-46D7-9562-B6107CA30E37}" destId="{9FF6521E-F963-4CC7-985F-8DE096D1D719}" srcOrd="1" destOrd="3" presId="urn:microsoft.com/office/officeart/2005/8/layout/venn1"/>
-    <dgm:cxn modelId="{98EB3BC1-3459-49EB-B008-68B127B2329B}" srcId="{E8D6131E-3A0B-413C-A175-032074A7C8CD}" destId="{1D17ADD5-EDE9-4D10-B8FE-B9BEDF47454D}" srcOrd="4" destOrd="0" parTransId="{49E298D7-1760-4CAC-8C82-F847AF980F72}" sibTransId="{62913C03-8430-4F72-881A-A1298FFEAFD9}"/>
-    <dgm:cxn modelId="{9D7A6090-F586-49A2-A90C-12ED958EC70E}" type="presOf" srcId="{1D17ADD5-EDE9-4D10-B8FE-B9BEDF47454D}" destId="{9FF6521E-F963-4CC7-985F-8DE096D1D719}" srcOrd="1" destOrd="5" presId="urn:microsoft.com/office/officeart/2005/8/layout/venn1"/>
-    <dgm:cxn modelId="{735EE164-1F70-40B0-9FCB-70FB09CB7C2D}" type="presOf" srcId="{15CBFCD6-3559-44E7-834A-375076522B1E}" destId="{23A5DA59-5A2F-44EA-A611-B33241847054}" srcOrd="1" destOrd="2" presId="urn:microsoft.com/office/officeart/2005/8/layout/venn1"/>
-    <dgm:cxn modelId="{3E7A1EBC-B8FF-4903-A794-99A63AA373B7}" srcId="{8FFAAD93-093A-4643-8666-6592133D5148}" destId="{FC4407A3-4517-45E9-A03A-4F0190D76EDC}" srcOrd="0" destOrd="0" parTransId="{CCF611A2-4C28-4056-95E0-BC1D65ECB54B}" sibTransId="{C2E3399E-AAEE-4906-8423-00867DEEE52B}"/>
-    <dgm:cxn modelId="{2AE0BB2C-D3BA-4191-8DA9-349466BA091C}" srcId="{0266A603-8232-4D71-B200-E5FE68D18F3F}" destId="{8FFAAD93-093A-4643-8666-6592133D5148}" srcOrd="0" destOrd="0" parTransId="{0EF3D4AB-DF62-4B12-9E7C-B625D3E22117}" sibTransId="{DD346E06-9D81-468D-B484-5A437B8B67C8}"/>
-    <dgm:cxn modelId="{7A2FDA00-A953-4B39-9EFF-4175B7C7C32C}" type="presOf" srcId="{FC4407A3-4517-45E9-A03A-4F0190D76EDC}" destId="{59C231A3-4399-47E1-89DF-1C7125294808}" srcOrd="0" destOrd="1" presId="urn:microsoft.com/office/officeart/2005/8/layout/venn1"/>
-    <dgm:cxn modelId="{E0D1A9B3-DB83-45E4-908B-8F02C3F1AC9D}" type="presOf" srcId="{9997303C-1FFF-4B91-BAB7-2DA3BF7A2831}" destId="{A0DFDC1B-77C7-48EB-A021-78AA69786ADD}" srcOrd="0" destOrd="1" presId="urn:microsoft.com/office/officeart/2005/8/layout/venn1"/>
-    <dgm:cxn modelId="{92FAAEB1-ED8B-4322-85F6-49BE2975C0A7}" srcId="{8FFAAD93-093A-4643-8666-6592133D5148}" destId="{FC92CE58-B219-47E7-B200-5C27E4A0F990}" srcOrd="4" destOrd="0" parTransId="{6B3440AC-FF9F-49AC-9EED-52367445DD2B}" sibTransId="{E4DA5AAC-EC3E-4EED-B347-9097D05713F8}"/>
+    <dgm:cxn modelId="{A79E1CD5-A539-40D4-85A5-EC2DD800039B}" type="presOf" srcId="{CD3BB932-1D7F-411F-8971-F6ADE642AEF2}" destId="{0B0A4924-9448-4041-80D8-5133D77B1EF8}" srcOrd="0" destOrd="4" presId="urn:microsoft.com/office/officeart/2005/8/layout/venn1"/>
+    <dgm:cxn modelId="{24B569E6-0410-4E6E-B3A9-29B8018766C1}" srcId="{E8D6131E-3A0B-413C-A175-032074A7C8CD}" destId="{AE952CBC-AFBB-46D7-9562-B6107CA30E37}" srcOrd="2" destOrd="0" parTransId="{CFCFF80A-CA68-48D7-9E16-EFC0C7511E83}" sibTransId="{5C9DCE54-BFC6-4A9B-9B5E-6A10CBFF0DAF}"/>
     <dgm:cxn modelId="{FD02E0E9-09A3-473A-808B-F01E4D57FE2A}" type="presOf" srcId="{FC4407A3-4517-45E9-A03A-4F0190D76EDC}" destId="{05A04829-3ADD-4A0E-AF44-AFC6C6576FCC}" srcOrd="1" destOrd="1" presId="urn:microsoft.com/office/officeart/2005/8/layout/venn1"/>
-    <dgm:cxn modelId="{C687215A-9BA5-46D3-8880-2F277B629C47}" type="presOf" srcId="{B91FAD6A-8684-422F-8011-C8437909F67A}" destId="{05A04829-3ADD-4A0E-AF44-AFC6C6576FCC}" srcOrd="1" destOrd="2" presId="urn:microsoft.com/office/officeart/2005/8/layout/venn1"/>
-    <dgm:cxn modelId="{6BD60790-1B6B-4099-8027-E518E7AACB14}" type="presOf" srcId="{0266A603-8232-4D71-B200-E5FE68D18F3F}" destId="{11300E79-F0C0-45BF-A27C-36DBA708EADA}" srcOrd="0" destOrd="0" presId="urn:microsoft.com/office/officeart/2005/8/layout/venn1"/>
-    <dgm:cxn modelId="{033B3695-04DD-4CD9-9766-B5B9B21B8F5F}" type="presOf" srcId="{345FF024-0154-4AED-8D4F-D740CFF56DB4}" destId="{A0DFDC1B-77C7-48EB-A021-78AA69786ADD}" srcOrd="0" destOrd="2" presId="urn:microsoft.com/office/officeart/2005/8/layout/venn1"/>
-    <dgm:cxn modelId="{3590A3BD-A98F-47F8-AC91-1B3EAC8CE1A1}" type="presOf" srcId="{C43C6B0E-82E8-459E-90D3-8FA28CDB9FEB}" destId="{0B0A4924-9448-4041-80D8-5133D77B1EF8}" srcOrd="0" destOrd="0" presId="urn:microsoft.com/office/officeart/2005/8/layout/venn1"/>
-    <dgm:cxn modelId="{2848FFBA-90DC-4F48-9B44-D6DC5B6B9336}" srcId="{8FFAAD93-093A-4643-8666-6592133D5148}" destId="{68992B54-EE22-4748-A406-5444F4DDFCCB}" srcOrd="3" destOrd="0" parTransId="{A496F618-DE23-49F6-840B-6DE3EB5CD77E}" sibTransId="{8E00248D-6041-4A16-AC78-3F21D236E2FB}"/>
     <dgm:cxn modelId="{016688EA-F4C6-426D-B6A7-2BED57046B26}" type="presOf" srcId="{68992B54-EE22-4748-A406-5444F4DDFCCB}" destId="{05A04829-3ADD-4A0E-AF44-AFC6C6576FCC}" srcOrd="1" destOrd="4" presId="urn:microsoft.com/office/officeart/2005/8/layout/venn1"/>
-    <dgm:cxn modelId="{300E2264-29DE-4C65-AB6C-FC5FDE9551AA}" srcId="{E8D6131E-3A0B-413C-A175-032074A7C8CD}" destId="{4A47A56A-111E-4E82-BB41-959D8C716F07}" srcOrd="3" destOrd="0" parTransId="{2B8AEA3B-1339-4898-A438-20A76057A93C}" sibTransId="{E716280C-071B-4151-8DB0-FA8E7410CBDC}"/>
-    <dgm:cxn modelId="{1543BB28-2793-43C8-993A-8A943AF4481F}" srcId="{C43C6B0E-82E8-459E-90D3-8FA28CDB9FEB}" destId="{15CBFCD6-3559-44E7-834A-375076522B1E}" srcOrd="1" destOrd="0" parTransId="{2BDC8AB9-9099-48BF-8978-2CCF0FE0092B}" sibTransId="{96C5A207-380A-4897-BC7D-08AA38B8E6E0}"/>
-    <dgm:cxn modelId="{FCC1E85C-8D8F-4801-A8FC-41D62D5A5514}" srcId="{E8D6131E-3A0B-413C-A175-032074A7C8CD}" destId="{9997303C-1FFF-4B91-BAB7-2DA3BF7A2831}" srcOrd="0" destOrd="0" parTransId="{EF0D375C-04B7-4798-8AEF-201C8B6E85F3}" sibTransId="{19E359EB-905A-4BC4-97E0-B01B85EE99BD}"/>
+    <dgm:cxn modelId="{AB854BEB-DA56-4C77-A7A8-11C935F1A966}" type="presOf" srcId="{E8D6131E-3A0B-413C-A175-032074A7C8CD}" destId="{9FF6521E-F963-4CC7-985F-8DE096D1D719}" srcOrd="1" destOrd="0" presId="urn:microsoft.com/office/officeart/2005/8/layout/venn1"/>
     <dgm:cxn modelId="{E776B5F9-0396-4747-8A77-F236C3D5FEC4}" type="presOf" srcId="{68992B54-EE22-4748-A406-5444F4DDFCCB}" destId="{59C231A3-4399-47E1-89DF-1C7125294808}" srcOrd="0" destOrd="4" presId="urn:microsoft.com/office/officeart/2005/8/layout/venn1"/>
     <dgm:cxn modelId="{EE3B88FC-5ECD-4AD8-8CA9-190CF339DA5D}" srcId="{8FFAAD93-093A-4643-8666-6592133D5148}" destId="{2CA1279D-C9E1-4254-95B4-AAC304B533A6}" srcOrd="2" destOrd="0" parTransId="{C33A9CFA-7161-4DFD-98CC-F13EDE82F84E}" sibTransId="{24EB42A6-9060-443B-B971-035EC8ADC523}"/>
     <dgm:cxn modelId="{37A01DFE-0964-4EB6-B04C-56427628D6EC}" srcId="{C43C6B0E-82E8-459E-90D3-8FA28CDB9FEB}" destId="{0D9103D6-0E0B-4A01-A0C2-A3D312E3F222}" srcOrd="0" destOrd="0" parTransId="{A1D0069F-1988-48C8-9FEA-319C7287A0B3}" sibTransId="{1AF917AA-981D-4B16-9E8E-BA24B49D4365}"/>
-    <dgm:cxn modelId="{24B569E6-0410-4E6E-B3A9-29B8018766C1}" srcId="{E8D6131E-3A0B-413C-A175-032074A7C8CD}" destId="{AE952CBC-AFBB-46D7-9562-B6107CA30E37}" srcOrd="2" destOrd="0" parTransId="{CFCFF80A-CA68-48D7-9E16-EFC0C7511E83}" sibTransId="{5C9DCE54-BFC6-4A9B-9B5E-6A10CBFF0DAF}"/>
-    <dgm:cxn modelId="{9565E676-F665-4438-933C-AD9D6A714537}" srcId="{0266A603-8232-4D71-B200-E5FE68D18F3F}" destId="{E8D6131E-3A0B-413C-A175-032074A7C8CD}" srcOrd="1" destOrd="0" parTransId="{2DFF84A4-06B4-4DE0-9EA7-677B263B0A4E}" sibTransId="{0206CF11-AF04-44BF-8AAA-B0D459371092}"/>
-    <dgm:cxn modelId="{70F6C2B7-91C8-4E55-A360-171B2B5B137B}" type="presOf" srcId="{2FEA0FE4-34BA-4CAD-A918-D2CC4C70FC09}" destId="{0B0A4924-9448-4041-80D8-5133D77B1EF8}" srcOrd="0" destOrd="5" presId="urn:microsoft.com/office/officeart/2005/8/layout/venn1"/>
-    <dgm:cxn modelId="{97851D67-2952-4049-AD5B-21A115667EEA}" type="presOf" srcId="{9E1FD446-4E0A-4888-B45A-C24376B4CA33}" destId="{0B0A4924-9448-4041-80D8-5133D77B1EF8}" srcOrd="0" destOrd="3" presId="urn:microsoft.com/office/officeart/2005/8/layout/venn1"/>
-    <dgm:cxn modelId="{15272A7C-2627-495B-AABC-9C936DD8F01C}" type="presOf" srcId="{0D9103D6-0E0B-4A01-A0C2-A3D312E3F222}" destId="{0B0A4924-9448-4041-80D8-5133D77B1EF8}" srcOrd="0" destOrd="1" presId="urn:microsoft.com/office/officeart/2005/8/layout/venn1"/>
     <dgm:cxn modelId="{DE88024E-9823-4C1C-8B29-0408B6F5C440}" type="presParOf" srcId="{11300E79-F0C0-45BF-A27C-36DBA708EADA}" destId="{59C231A3-4399-47E1-89DF-1C7125294808}" srcOrd="0" destOrd="0" presId="urn:microsoft.com/office/officeart/2005/8/layout/venn1"/>
     <dgm:cxn modelId="{756A008E-9D8A-4103-96F8-FB3AA9C2B117}" type="presParOf" srcId="{11300E79-F0C0-45BF-A27C-36DBA708EADA}" destId="{05A04829-3ADD-4A0E-AF44-AFC6C6576FCC}" srcOrd="1" destOrd="0" presId="urn:microsoft.com/office/officeart/2005/8/layout/venn1"/>
     <dgm:cxn modelId="{191021C9-35B7-4CAD-AFF8-559E2AF7472C}" type="presParOf" srcId="{11300E79-F0C0-45BF-A27C-36DBA708EADA}" destId="{A0DFDC1B-77C7-48EB-A021-78AA69786ADD}" srcOrd="2" destOrd="0" presId="urn:microsoft.com/office/officeart/2005/8/layout/venn1"/>
@@ -5545,7 +5404,7 @@
         </a:bodyPr>
         <a:lstStyle/>
         <a:p>
-          <a:pPr lvl="0" algn="ctr" defTabSz="1289050" rtl="0">
+          <a:pPr marL="0" lvl="0" indent="0" algn="ctr" defTabSz="1289050" rtl="0">
             <a:lnSpc>
               <a:spcPct val="90000"/>
             </a:lnSpc>
@@ -5555,6 +5414,7 @@
             <a:spcAft>
               <a:spcPct val="35000"/>
             </a:spcAft>
+            <a:buNone/>
           </a:pPr>
           <a:r>
             <a:rPr lang="de-DE" sz="2900" kern="1200" dirty="0" err="1"/>
@@ -5627,7 +5487,7 @@
         </a:bodyPr>
         <a:lstStyle/>
         <a:p>
-          <a:pPr lvl="0" algn="ctr" defTabSz="1289050" rtl="0">
+          <a:pPr marL="0" lvl="0" indent="0" algn="ctr" defTabSz="1289050" rtl="0">
             <a:lnSpc>
               <a:spcPct val="90000"/>
             </a:lnSpc>
@@ -5637,6 +5497,7 @@
             <a:spcAft>
               <a:spcPct val="35000"/>
             </a:spcAft>
+            <a:buNone/>
           </a:pPr>
           <a:r>
             <a:rPr lang="de-DE" sz="2900" kern="1200" dirty="0" err="1"/>
@@ -5705,7 +5566,7 @@
         </a:bodyPr>
         <a:lstStyle/>
         <a:p>
-          <a:pPr lvl="0" algn="ctr" defTabSz="1289050" rtl="0">
+          <a:pPr marL="0" lvl="0" indent="0" algn="ctr" defTabSz="1289050" rtl="0">
             <a:lnSpc>
               <a:spcPct val="90000"/>
             </a:lnSpc>
@@ -5715,6 +5576,7 @@
             <a:spcAft>
               <a:spcPct val="35000"/>
             </a:spcAft>
+            <a:buNone/>
           </a:pPr>
           <a:r>
             <a:rPr lang="de-DE" sz="2900" kern="1200"/>
@@ -5783,7 +5645,7 @@
         </a:bodyPr>
         <a:lstStyle/>
         <a:p>
-          <a:pPr lvl="0" algn="ctr" defTabSz="1289050" rtl="0">
+          <a:pPr marL="0" lvl="0" indent="0" algn="ctr" defTabSz="1289050" rtl="0">
             <a:lnSpc>
               <a:spcPct val="90000"/>
             </a:lnSpc>
@@ -5793,6 +5655,7 @@
             <a:spcAft>
               <a:spcPct val="35000"/>
             </a:spcAft>
+            <a:buNone/>
           </a:pPr>
           <a:r>
             <a:rPr lang="de-DE" sz="2900" kern="1200"/>
@@ -5874,7 +5737,7 @@
         </a:bodyPr>
         <a:lstStyle/>
         <a:p>
-          <a:pPr lvl="0" algn="ctr" defTabSz="622300" rtl="0">
+          <a:pPr marL="0" lvl="0" indent="0" algn="ctr" defTabSz="622300" rtl="0">
             <a:lnSpc>
               <a:spcPct val="90000"/>
             </a:lnSpc>
@@ -5884,13 +5747,14 @@
             <a:spcAft>
               <a:spcPct val="35000"/>
             </a:spcAft>
+            <a:buNone/>
           </a:pPr>
           <a:r>
-            <a:rPr lang="de-DE" sz="1400" b="1" kern="1200" dirty="0" err="1" smtClean="0"/>
+            <a:rPr lang="de-DE" sz="1400" b="1" kern="1200" dirty="0" err="1"/>
             <a:t>Topology</a:t>
           </a:r>
           <a:r>
-            <a:rPr lang="de-DE" sz="1400" b="1" kern="1200" dirty="0" smtClean="0"/>
+            <a:rPr lang="de-DE" sz="1400" b="1" kern="1200" dirty="0"/>
             <a:t>-Editor-Release</a:t>
           </a:r>
           <a:endParaRPr lang="en-US" sz="1400" b="1" kern="1200" dirty="0"/>
@@ -5957,7 +5821,7 @@
         </a:bodyPr>
         <a:lstStyle/>
         <a:p>
-          <a:pPr lvl="0" algn="ctr" defTabSz="622300" rtl="0">
+          <a:pPr marL="0" lvl="0" indent="0" algn="ctr" defTabSz="622300" rtl="0">
             <a:lnSpc>
               <a:spcPct val="90000"/>
             </a:lnSpc>
@@ -5967,13 +5831,14 @@
             <a:spcAft>
               <a:spcPct val="35000"/>
             </a:spcAft>
+            <a:buNone/>
           </a:pPr>
           <a:r>
-            <a:rPr lang="de-DE" sz="1400" b="1" kern="1200" dirty="0" err="1" smtClean="0"/>
+            <a:rPr lang="de-DE" sz="1400" b="1" kern="1200" dirty="0" err="1"/>
             <a:t>Topology</a:t>
           </a:r>
           <a:r>
-            <a:rPr lang="de-DE" sz="1400" b="1" kern="1200" dirty="0" smtClean="0"/>
+            <a:rPr lang="de-DE" sz="1400" b="1" kern="1200" dirty="0"/>
             <a:t>-Editor-Dokumentation</a:t>
           </a:r>
           <a:endParaRPr lang="en-US" sz="1400" b="1" kern="1200" dirty="0"/>
@@ -6046,7 +5911,7 @@
         </a:bodyPr>
         <a:lstStyle/>
         <a:p>
-          <a:pPr lvl="0" algn="l" defTabSz="1644650">
+          <a:pPr marL="0" lvl="0" indent="0" algn="l" defTabSz="1644650">
             <a:lnSpc>
               <a:spcPct val="90000"/>
             </a:lnSpc>
@@ -6056,6 +5921,7 @@
             <a:spcAft>
               <a:spcPct val="35000"/>
             </a:spcAft>
+            <a:buNone/>
           </a:pPr>
           <a:r>
             <a:rPr lang="de-DE" sz="3700" i="0" kern="1200" baseline="0" dirty="0"/>
@@ -6131,7 +5997,7 @@
         </a:bodyPr>
         <a:lstStyle/>
         <a:p>
-          <a:pPr lvl="0" algn="l" defTabSz="1644650">
+          <a:pPr marL="0" lvl="0" indent="0" algn="l" defTabSz="1644650">
             <a:lnSpc>
               <a:spcPct val="90000"/>
             </a:lnSpc>
@@ -6141,6 +6007,7 @@
             <a:spcAft>
               <a:spcPct val="35000"/>
             </a:spcAft>
+            <a:buNone/>
           </a:pPr>
           <a:r>
             <a:rPr lang="de-DE" sz="3700" i="0" kern="1200" baseline="0" dirty="0"/>
@@ -6222,7 +6089,7 @@
         </a:bodyPr>
         <a:lstStyle/>
         <a:p>
-          <a:pPr lvl="0" algn="l" defTabSz="622300">
+          <a:pPr marL="0" lvl="0" indent="0" algn="l" defTabSz="622300">
             <a:lnSpc>
               <a:spcPct val="90000"/>
             </a:lnSpc>
@@ -6232,6 +6099,7 @@
             <a:spcAft>
               <a:spcPct val="35000"/>
             </a:spcAft>
+            <a:buNone/>
           </a:pPr>
           <a:r>
             <a:rPr lang="de-DE" sz="1400" kern="1200" dirty="0"/>
@@ -6249,7 +6117,7 @@
             <a:spcAft>
               <a:spcPct val="15000"/>
             </a:spcAft>
-            <a:buChar char="••"/>
+            <a:buChar char="•"/>
           </a:pPr>
           <a:r>
             <a:rPr lang="de-DE" sz="1100" kern="1200" dirty="0"/>
@@ -6267,7 +6135,7 @@
             <a:spcAft>
               <a:spcPct val="15000"/>
             </a:spcAft>
-            <a:buChar char="••"/>
+            <a:buChar char="•"/>
           </a:pPr>
           <a:r>
             <a:rPr lang="de-DE" sz="1100" kern="1200" dirty="0"/>
@@ -6285,7 +6153,7 @@
             <a:spcAft>
               <a:spcPct val="15000"/>
             </a:spcAft>
-            <a:buChar char="••"/>
+            <a:buChar char="•"/>
           </a:pPr>
           <a:r>
             <a:rPr lang="de-DE" sz="1100" kern="1200" dirty="0"/>
@@ -6303,7 +6171,7 @@
             <a:spcAft>
               <a:spcPct val="15000"/>
             </a:spcAft>
-            <a:buChar char="••"/>
+            <a:buChar char="•"/>
           </a:pPr>
           <a:r>
             <a:rPr lang="de-DE" sz="1100" kern="1200" dirty="0"/>
@@ -6321,7 +6189,7 @@
             <a:spcAft>
               <a:spcPct val="15000"/>
             </a:spcAft>
-            <a:buChar char="••"/>
+            <a:buChar char="•"/>
           </a:pPr>
           <a:r>
             <a:rPr lang="de-DE" sz="1100" kern="1200" dirty="0"/>
@@ -6390,7 +6258,7 @@
         </a:bodyPr>
         <a:lstStyle/>
         <a:p>
-          <a:pPr lvl="0" algn="l" defTabSz="622300">
+          <a:pPr marL="0" lvl="0" indent="0" algn="l" defTabSz="622300">
             <a:lnSpc>
               <a:spcPct val="90000"/>
             </a:lnSpc>
@@ -6400,6 +6268,7 @@
             <a:spcAft>
               <a:spcPct val="35000"/>
             </a:spcAft>
+            <a:buNone/>
           </a:pPr>
           <a:r>
             <a:rPr lang="de-DE" sz="1400" kern="1200" dirty="0"/>
@@ -6417,7 +6286,7 @@
             <a:spcAft>
               <a:spcPct val="15000"/>
             </a:spcAft>
-            <a:buChar char="••"/>
+            <a:buChar char="•"/>
           </a:pPr>
           <a:r>
             <a:rPr lang="de-DE" sz="1100" kern="1200" dirty="0"/>
@@ -6435,7 +6304,7 @@
             <a:spcAft>
               <a:spcPct val="15000"/>
             </a:spcAft>
-            <a:buChar char="••"/>
+            <a:buChar char="•"/>
           </a:pPr>
           <a:r>
             <a:rPr lang="de-DE" sz="1100" kern="1200" dirty="0"/>
@@ -6453,7 +6322,7 @@
             <a:spcAft>
               <a:spcPct val="15000"/>
             </a:spcAft>
-            <a:buChar char="••"/>
+            <a:buChar char="•"/>
           </a:pPr>
           <a:r>
             <a:rPr lang="de-DE" sz="1100" kern="1200" dirty="0"/>
@@ -6471,7 +6340,7 @@
             <a:spcAft>
               <a:spcPct val="15000"/>
             </a:spcAft>
-            <a:buChar char="••"/>
+            <a:buChar char="•"/>
           </a:pPr>
           <a:r>
             <a:rPr lang="de-DE" sz="1100" kern="1200" dirty="0"/>
@@ -6489,7 +6358,7 @@
             <a:spcAft>
               <a:spcPct val="15000"/>
             </a:spcAft>
-            <a:buChar char="••"/>
+            <a:buChar char="•"/>
           </a:pPr>
           <a:r>
             <a:rPr lang="de-DE" sz="1100" kern="1200" dirty="0"/>
@@ -6558,7 +6427,7 @@
         </a:bodyPr>
         <a:lstStyle/>
         <a:p>
-          <a:pPr lvl="0" algn="l" defTabSz="622300">
+          <a:pPr marL="0" lvl="0" indent="0" algn="l" defTabSz="622300">
             <a:lnSpc>
               <a:spcPct val="90000"/>
             </a:lnSpc>
@@ -6568,6 +6437,7 @@
             <a:spcAft>
               <a:spcPct val="35000"/>
             </a:spcAft>
+            <a:buNone/>
           </a:pPr>
           <a:r>
             <a:rPr lang="de-DE" sz="1400" kern="1200" dirty="0"/>
@@ -6585,7 +6455,7 @@
             <a:spcAft>
               <a:spcPct val="15000"/>
             </a:spcAft>
-            <a:buChar char="••"/>
+            <a:buChar char="•"/>
           </a:pPr>
           <a:r>
             <a:rPr lang="de-DE" sz="1100" kern="1200" dirty="0"/>
@@ -6603,7 +6473,7 @@
             <a:spcAft>
               <a:spcPct val="15000"/>
             </a:spcAft>
-            <a:buChar char="••"/>
+            <a:buChar char="•"/>
           </a:pPr>
           <a:r>
             <a:rPr lang="de-DE" sz="1100" kern="1200" dirty="0"/>
@@ -6621,7 +6491,7 @@
             <a:spcAft>
               <a:spcPct val="15000"/>
             </a:spcAft>
-            <a:buChar char="••"/>
+            <a:buChar char="•"/>
           </a:pPr>
           <a:r>
             <a:rPr lang="de-DE" sz="1100" kern="1200" dirty="0"/>
@@ -6639,7 +6509,7 @@
             <a:spcAft>
               <a:spcPct val="15000"/>
             </a:spcAft>
-            <a:buChar char="••"/>
+            <a:buChar char="•"/>
           </a:pPr>
           <a:r>
             <a:rPr lang="de-DE" sz="1100" kern="1200" dirty="0"/>
@@ -6657,7 +6527,7 @@
             <a:spcAft>
               <a:spcPct val="15000"/>
             </a:spcAft>
-            <a:buChar char="••"/>
+            <a:buChar char="•"/>
           </a:pPr>
           <a:r>
             <a:rPr lang="de-DE" sz="1100" kern="1200" dirty="0"/>
@@ -15151,19 +15021,40 @@
             </a:r>
             <a:r>
               <a:rPr lang="de-DE" baseline="0" dirty="0"/>
-              <a:t> heute werde ich  über TE-Dokumentation sprechen. Viel von euch stellen Sie sich schon die Fragen Warum einen Vortrag dafür halten soll. </a:t>
-            </a:r>
+              <a:t> heute werde ich  über das TE sprechen besser gesagt über  die Dokumentation Struktur von TE. </a:t>
+            </a:r>
+          </a:p>
+          <a:p>
+            <a:pPr marL="228600" indent="-228600">
+              <a:buFont typeface="+mj-lt"/>
+              <a:buAutoNum type="arabicPeriod"/>
+            </a:pPr>
+            <a:r>
+              <a:rPr lang="de-DE" baseline="0" dirty="0"/>
+              <a:t>Viel von euch stellen Sie sich schon die Fragen Warum einen Vortrag dafür gehalten </a:t>
+            </a:r>
+            <a:r>
+              <a:rPr lang="de-DE" baseline="0" dirty="0" err="1"/>
+              <a:t>weren</a:t>
+            </a:r>
+            <a:r>
+              <a:rPr lang="de-DE" baseline="0" dirty="0"/>
+              <a:t> soll. </a:t>
+            </a:r>
+            <a:endParaRPr lang="de-DE" b="1" baseline="0" dirty="0"/>
+          </a:p>
+          <a:p>
+            <a:pPr marL="228600" indent="-228600">
+              <a:buFont typeface="+mj-lt"/>
+              <a:buAutoNum type="arabicPeriod"/>
+            </a:pPr>
             <a:r>
               <a:rPr lang="de-DE" b="1" baseline="0" dirty="0"/>
-              <a:t>Die Antwort ist ganz einfach: </a:t>
-            </a:r>
-            <a:r>
-              <a:rPr lang="de-DE" baseline="0" dirty="0" smtClean="0"/>
-              <a:t>ich </a:t>
+              <a:t>I</a:t>
             </a:r>
             <a:r>
               <a:rPr lang="de-DE" baseline="0" dirty="0"/>
-              <a:t>möchte etwas über das Produkt TE mitteilen </a:t>
+              <a:t>ch möchte etwas über das Produkt TE mitteilen </a:t>
             </a:r>
             <a:r>
               <a:rPr lang="de-DE" b="1" baseline="0" dirty="0"/>
@@ -15171,31 +15062,21 @@
             </a:r>
             <a:r>
               <a:rPr lang="de-DE" baseline="0" dirty="0"/>
-              <a:t> eine </a:t>
-            </a:r>
-            <a:r>
-              <a:rPr lang="de-DE" baseline="0" dirty="0" smtClean="0"/>
-              <a:t>Überblick, was in der Zukunft kommen soll, </a:t>
-            </a:r>
-            <a:r>
-              <a:rPr lang="de-DE" baseline="0" dirty="0"/>
-              <a:t>vermitteln. </a:t>
-            </a:r>
+              <a:t> eine Überblick vermitteln, was in der Zukunft kommen soll. </a:t>
+            </a:r>
+          </a:p>
+          <a:p>
+            <a:pPr marL="228600" indent="-228600">
+              <a:buFont typeface="+mj-lt"/>
+              <a:buAutoNum type="arabicPeriod"/>
+            </a:pPr>
             <a:r>
               <a:rPr lang="de-DE" b="1" baseline="0" dirty="0"/>
               <a:t>Dabei</a:t>
             </a:r>
             <a:r>
               <a:rPr lang="de-DE" baseline="0" dirty="0"/>
-              <a:t> möchte ich mein Standpunkt </a:t>
-            </a:r>
-            <a:r>
-              <a:rPr lang="de-DE" baseline="0" dirty="0" smtClean="0"/>
-              <a:t>klarstellen </a:t>
-            </a:r>
-            <a:r>
-              <a:rPr lang="de-DE" baseline="0" dirty="0"/>
-              <a:t>und zum Schluss eine Diskussion </a:t>
+              <a:t> möchte ich mein Standpunkt klarstellen und zum Schluss eine Diskussion </a:t>
             </a:r>
             <a:r>
               <a:rPr lang="de-DE" u="sng" baseline="0" dirty="0"/>
@@ -15265,108 +15146,6 @@
       </p:grpSpPr>
       <p:sp>
         <p:nvSpPr>
-          <p:cNvPr id="7" name="Rectangle 7">
-            <a:extLst>
-              <a:ext uri="{FF2B5EF4-FFF2-40B4-BE49-F238E27FC236}">
-                <a16:creationId xmlns:a16="http://schemas.microsoft.com/office/drawing/2014/main" id="{86B30B09-32F3-49D5-BEC4-C551473B3061}"/>
-              </a:ext>
-            </a:extLst>
-          </p:cNvPr>
-          <p:cNvSpPr>
-            <a:spLocks noGrp="1" noChangeArrowheads="1"/>
-          </p:cNvSpPr>
-          <p:nvPr>
-            <p:ph type="sldNum" sz="quarter" idx="5"/>
-          </p:nvPr>
-        </p:nvSpPr>
-        <p:spPr>
-          <a:ln/>
-        </p:spPr>
-        <p:txBody>
-          <a:bodyPr/>
-          <a:lstStyle/>
-          <a:p>
-            <a:fld id="{C21EDE77-6E6B-46CF-9346-5CFD3F861C54}" type="slidenum">
-              <a:rPr lang="de-DE" altLang="de-DE"/>
-              <a:pPr/>
-              <a:t>13</a:t>
-            </a:fld>
-            <a:endParaRPr lang="de-DE" altLang="de-DE"/>
-          </a:p>
-        </p:txBody>
-      </p:sp>
-      <p:sp>
-        <p:nvSpPr>
-          <p:cNvPr id="375810" name="Rectangle 2">
-            <a:extLst>
-              <a:ext uri="{FF2B5EF4-FFF2-40B4-BE49-F238E27FC236}">
-                <a16:creationId xmlns:a16="http://schemas.microsoft.com/office/drawing/2014/main" id="{23323E4E-CCF2-4719-8899-6AEBC14F5168}"/>
-              </a:ext>
-            </a:extLst>
-          </p:cNvPr>
-          <p:cNvSpPr>
-            <a:spLocks noGrp="1" noRot="1" noChangeAspect="1" noChangeArrowheads="1" noTextEdit="1"/>
-          </p:cNvSpPr>
-          <p:nvPr>
-            <p:ph type="sldImg"/>
-          </p:nvPr>
-        </p:nvSpPr>
-        <p:spPr>
-          <a:ln/>
-        </p:spPr>
-      </p:sp>
-      <p:sp>
-        <p:nvSpPr>
-          <p:cNvPr id="375811" name="Rectangle 3">
-            <a:extLst>
-              <a:ext uri="{FF2B5EF4-FFF2-40B4-BE49-F238E27FC236}">
-                <a16:creationId xmlns:a16="http://schemas.microsoft.com/office/drawing/2014/main" id="{0F016D12-A161-49C3-BB86-190B1F978A2C}"/>
-              </a:ext>
-            </a:extLst>
-          </p:cNvPr>
-          <p:cNvSpPr>
-            <a:spLocks noGrp="1" noChangeArrowheads="1"/>
-          </p:cNvSpPr>
-          <p:nvPr>
-            <p:ph type="body" idx="1"/>
-          </p:nvPr>
-        </p:nvSpPr>
-        <p:spPr/>
-        <p:txBody>
-          <a:bodyPr/>
-          <a:lstStyle/>
-          <a:p>
-            <a:endParaRPr lang="de-DE" altLang="de-DE"/>
-          </a:p>
-        </p:txBody>
-      </p:sp>
-    </p:spTree>
-  </p:cSld>
-  <p:clrMapOvr>
-    <a:masterClrMapping/>
-  </p:clrMapOvr>
-</p:notes>
-</file>
-
-<file path=ppt/notesSlides/notesSlide11.xml><?xml version="1.0" encoding="utf-8"?>
-<p:notes xmlns:a="http://schemas.openxmlformats.org/drawingml/2006/main" xmlns:r="http://schemas.openxmlformats.org/officeDocument/2006/relationships" xmlns:p="http://schemas.openxmlformats.org/presentationml/2006/main">
-  <p:cSld>
-    <p:spTree>
-      <p:nvGrpSpPr>
-        <p:cNvPr id="1" name=""/>
-        <p:cNvGrpSpPr/>
-        <p:nvPr/>
-      </p:nvGrpSpPr>
-      <p:grpSpPr>
-        <a:xfrm>
-          <a:off x="0" y="0"/>
-          <a:ext cx="0" cy="0"/>
-          <a:chOff x="0" y="0"/>
-          <a:chExt cx="0" cy="0"/>
-        </a:xfrm>
-      </p:grpSpPr>
-      <p:sp>
-        <p:nvSpPr>
           <p:cNvPr id="2" name="Folienbildplatzhalter 1"/>
           <p:cNvSpPr>
             <a:spLocks noGrp="1" noRot="1" noChangeAspect="1"/>
@@ -15441,7 +15220,7 @@
             <a:fld id="{7C56EBB8-86B7-4B17-9FE6-1D6C78FAEC35}" type="slidenum">
               <a:rPr lang="de-DE" altLang="de-DE" smtClean="0"/>
               <a:pPr/>
-              <a:t>16</a:t>
+              <a:t>15</a:t>
             </a:fld>
             <a:endParaRPr lang="de-DE" altLang="de-DE"/>
           </a:p>
@@ -15519,8 +15298,12 @@
               <a:buAutoNum type="arabicPeriod"/>
             </a:pPr>
             <a:r>
+              <a:rPr lang="de-DE" b="1" dirty="0"/>
+              <a:t>Einleitung</a:t>
+            </a:r>
+            <a:r>
               <a:rPr lang="de-DE" dirty="0"/>
-              <a:t>Einleitung</a:t>
+              <a:t>: wo die Motivation und Ziele kurz gesprochen werden sollen</a:t>
             </a:r>
           </a:p>
           <a:p>
@@ -15688,7 +15471,103 @@
           <a:bodyPr/>
           <a:lstStyle/>
           <a:p>
-            <a:endParaRPr lang="en-US" dirty="0"/>
+            <a:r>
+              <a:rPr lang="de-DE" sz="1200" b="0" i="0" u="none" strike="noStrike" kern="1200" baseline="0" dirty="0">
+                <a:solidFill>
+                  <a:schemeClr val="tx1"/>
+                </a:solidFill>
+                <a:latin typeface="Arial" panose="020B0604020202020204" pitchFamily="34" charset="0"/>
+                <a:ea typeface="+mn-ea"/>
+                <a:cs typeface="+mn-cs"/>
+              </a:rPr>
+              <a:t>Die Firma Hilscher sucht eine Möglichkeit, das Engineering Tool Communication Studio um eine grafische Komponente für die Abbildung komplexer industriellen Netzwerke zu erweitern. </a:t>
+            </a:r>
+          </a:p>
+          <a:p>
+            <a:pPr marL="228600" indent="-228600">
+              <a:buAutoNum type="arabicPeriod"/>
+            </a:pPr>
+            <a:r>
+              <a:rPr lang="de-DE" sz="1200" b="0" i="0" u="none" strike="noStrike" kern="1200" baseline="0" dirty="0">
+                <a:solidFill>
+                  <a:schemeClr val="tx1"/>
+                </a:solidFill>
+                <a:latin typeface="Arial" panose="020B0604020202020204" pitchFamily="34" charset="0"/>
+                <a:ea typeface="+mn-ea"/>
+                <a:cs typeface="+mn-cs"/>
+              </a:rPr>
+              <a:t>Gefordert ist</a:t>
+            </a:r>
+          </a:p>
+          <a:p>
+            <a:pPr marL="228600" indent="-228600">
+              <a:buAutoNum type="arabicPeriod"/>
+            </a:pPr>
+            <a:r>
+              <a:rPr lang="de-DE" sz="1200" b="0" i="0" u="none" strike="noStrike" kern="1200" baseline="0" dirty="0">
+                <a:solidFill>
+                  <a:schemeClr val="tx1"/>
+                </a:solidFill>
+                <a:latin typeface="Arial" panose="020B0604020202020204" pitchFamily="34" charset="0"/>
+                <a:ea typeface="+mn-ea"/>
+                <a:cs typeface="+mn-cs"/>
+              </a:rPr>
+              <a:t>Das Modul soll integrierbar sein</a:t>
+            </a:r>
+          </a:p>
+          <a:p>
+            <a:pPr marL="228600" indent="-228600">
+              <a:buAutoNum type="arabicPeriod"/>
+            </a:pPr>
+            <a:r>
+              <a:rPr lang="de-DE" sz="1200" b="0" i="0" u="none" strike="noStrike" kern="1200" baseline="0" dirty="0">
+                <a:solidFill>
+                  <a:schemeClr val="tx1"/>
+                </a:solidFill>
+                <a:latin typeface="Arial" panose="020B0604020202020204" pitchFamily="34" charset="0"/>
+                <a:ea typeface="+mn-ea"/>
+                <a:cs typeface="+mn-cs"/>
+              </a:rPr>
+              <a:t>Die Geräte soll übersichtlich und intuitiv dargestellt werden</a:t>
+            </a:r>
+          </a:p>
+          <a:p>
+            <a:pPr marL="228600" indent="-228600">
+              <a:buAutoNum type="arabicPeriod"/>
+            </a:pPr>
+            <a:r>
+              <a:rPr lang="de-DE" sz="1200" b="0" i="0" u="none" strike="noStrike" kern="1200" baseline="0" dirty="0">
+                <a:solidFill>
+                  <a:schemeClr val="tx1"/>
+                </a:solidFill>
+                <a:latin typeface="Arial" panose="020B0604020202020204" pitchFamily="34" charset="0"/>
+                <a:ea typeface="+mn-ea"/>
+                <a:cs typeface="+mn-cs"/>
+              </a:rPr>
+              <a:t>Für eine effiziente Wartung des Komponenten soll  verschiedene Dokumentation bereitgestellt werden. Heute werden wir </a:t>
+            </a:r>
+            <a:r>
+              <a:rPr lang="de-DE" sz="1200" b="0" i="0" u="none" strike="noStrike" kern="1200" baseline="0" dirty="0" err="1">
+                <a:solidFill>
+                  <a:schemeClr val="tx1"/>
+                </a:solidFill>
+                <a:latin typeface="Arial" panose="020B0604020202020204" pitchFamily="34" charset="0"/>
+                <a:ea typeface="+mn-ea"/>
+                <a:cs typeface="+mn-cs"/>
+              </a:rPr>
+              <a:t>hauptsätlcih</a:t>
+            </a:r>
+            <a:r>
+              <a:rPr lang="de-DE" sz="1200" b="0" i="0" u="none" strike="noStrike" kern="1200" baseline="0" dirty="0">
+                <a:solidFill>
+                  <a:schemeClr val="tx1"/>
+                </a:solidFill>
+                <a:latin typeface="Arial" panose="020B0604020202020204" pitchFamily="34" charset="0"/>
+                <a:ea typeface="+mn-ea"/>
+                <a:cs typeface="+mn-cs"/>
+              </a:rPr>
+              <a:t> über die Dokumentation-Struktur sprechen</a:t>
+            </a:r>
           </a:p>
         </p:txBody>
       </p:sp>
@@ -15775,6 +15654,48 @@
           <a:p>
             <a:r>
               <a:rPr lang="de-DE" b="1" dirty="0"/>
+              <a:t>Die Ziele sind klar:</a:t>
+            </a:r>
+          </a:p>
+          <a:p>
+            <a:pPr marL="228600" indent="-228600">
+              <a:buFont typeface="+mj-lt"/>
+              <a:buAutoNum type="arabicPeriod"/>
+            </a:pPr>
+            <a:r>
+              <a:rPr lang="de-DE" b="0" dirty="0"/>
+              <a:t>Die tatsächliche TE soll  implementiert werden</a:t>
+            </a:r>
+          </a:p>
+          <a:p>
+            <a:pPr marL="228600" indent="-228600">
+              <a:buFont typeface="+mj-lt"/>
+              <a:buAutoNum type="arabicPeriod"/>
+            </a:pPr>
+            <a:r>
+              <a:rPr lang="de-DE" b="0" dirty="0"/>
+              <a:t>Die verschiede </a:t>
+            </a:r>
+            <a:r>
+              <a:rPr lang="de-DE" b="0" dirty="0" err="1"/>
+              <a:t>Dokumentype</a:t>
+            </a:r>
+            <a:r>
+              <a:rPr lang="de-DE" b="0" dirty="0"/>
+              <a:t> soll </a:t>
+            </a:r>
+            <a:r>
+              <a:rPr lang="de-DE" b="0" dirty="0" err="1"/>
+              <a:t>bereithestellt</a:t>
+            </a:r>
+            <a:r>
+              <a:rPr lang="de-DE" b="0" dirty="0"/>
+              <a:t> werden. Nämlich </a:t>
+            </a:r>
+          </a:p>
+          <a:p>
+            <a:r>
+              <a:rPr lang="de-DE" b="1" dirty="0"/>
               <a:t>Produkte eines Release</a:t>
             </a:r>
           </a:p>
@@ -15951,28 +15872,28 @@
           <a:lstStyle/>
           <a:p>
             <a:r>
-              <a:rPr lang="de-DE" dirty="0" smtClean="0"/>
+              <a:rPr lang="de-DE" dirty="0"/>
               <a:t>Quellcode</a:t>
             </a:r>
             <a:r>
-              <a:rPr lang="de-DE" baseline="0" dirty="0" smtClean="0"/>
+              <a:rPr lang="de-DE" baseline="0" dirty="0"/>
               <a:t> ===? Repository</a:t>
             </a:r>
           </a:p>
           <a:p>
             <a:r>
-              <a:rPr lang="de-DE" baseline="0" dirty="0" err="1" smtClean="0"/>
+              <a:rPr lang="de-DE" baseline="0" dirty="0" err="1"/>
               <a:t>Issue</a:t>
             </a:r>
             <a:r>
-              <a:rPr lang="de-DE" baseline="0" dirty="0" smtClean="0"/>
+              <a:rPr lang="de-DE" baseline="0" dirty="0"/>
               <a:t> Tracking == Fehlermeldung</a:t>
             </a:r>
           </a:p>
           <a:p>
             <a:pPr lvl="1"/>
             <a:r>
-              <a:rPr lang="de-DE" baseline="0" dirty="0" smtClean="0"/>
+              <a:rPr lang="de-DE" baseline="0" dirty="0"/>
               <a:t>*  </a:t>
             </a:r>
             <a:endParaRPr lang="en-US" dirty="0"/>
@@ -16062,11 +15983,19 @@
           <a:p>
             <a:r>
               <a:rPr lang="de-DE" dirty="0"/>
-              <a:t>SDD: SYSTEM Design </a:t>
+              <a:t>SDD: System Design </a:t>
             </a:r>
             <a:r>
               <a:rPr lang="de-DE" dirty="0" err="1"/>
               <a:t>Documents</a:t>
+            </a:r>
+            <a:r>
+              <a:rPr lang="de-DE" dirty="0"/>
+              <a:t>/</a:t>
+            </a:r>
+            <a:r>
+              <a:rPr lang="de-DE" dirty="0" err="1"/>
+              <a:t>Decription</a:t>
             </a:r>
             <a:r>
               <a:rPr lang="de-DE" dirty="0"/>
@@ -16102,7 +16031,7 @@
     </p:spTree>
     <p:extLst>
       <p:ext uri="{BB962C8B-B14F-4D97-AF65-F5344CB8AC3E}">
-        <p14:creationId xmlns:p14="http://schemas.microsoft.com/office/powerpoint/2010/main" val="1466542457"/>
+        <p14:creationId xmlns:p14="http://schemas.microsoft.com/office/powerpoint/2010/main" val="2185017981"/>
       </p:ext>
     </p:extLst>
   </p:cSld>
@@ -16158,15 +16087,7 @@
           <a:p>
             <a:r>
               <a:rPr lang="de-DE" dirty="0"/>
-              <a:t>SDD: </a:t>
-            </a:r>
-            <a:r>
-              <a:rPr lang="de-DE" dirty="0" smtClean="0"/>
-              <a:t>System </a:t>
-            </a:r>
-            <a:r>
-              <a:rPr lang="de-DE" dirty="0"/>
-              <a:t>Design </a:t>
+              <a:t>SDD: Software Design </a:t>
             </a:r>
             <a:r>
               <a:rPr lang="de-DE" dirty="0" err="1"/>
@@ -16214,7 +16135,7 @@
     </p:spTree>
     <p:extLst>
       <p:ext uri="{BB962C8B-B14F-4D97-AF65-F5344CB8AC3E}">
-        <p14:creationId xmlns:p14="http://schemas.microsoft.com/office/powerpoint/2010/main" val="2185017981"/>
+        <p14:creationId xmlns:p14="http://schemas.microsoft.com/office/powerpoint/2010/main" val="1855379874"/>
       </p:ext>
     </p:extLst>
   </p:cSld>
@@ -16268,116 +16189,12 @@
           <a:bodyPr/>
           <a:lstStyle/>
           <a:p>
-            <a:r>
-              <a:rPr lang="de-DE" dirty="0"/>
-              <a:t>SDD: Software Design </a:t>
-            </a:r>
-            <a:r>
-              <a:rPr lang="de-DE" dirty="0" err="1"/>
-              <a:t>Documents</a:t>
-            </a:r>
-            <a:r>
-              <a:rPr lang="de-DE" dirty="0"/>
-              <a:t>/</a:t>
-            </a:r>
-            <a:r>
-              <a:rPr lang="de-DE" dirty="0" err="1"/>
-              <a:t>Decription</a:t>
-            </a:r>
-            <a:r>
-              <a:rPr lang="de-DE" dirty="0"/>
-              <a:t> was?</a:t>
-            </a:r>
-          </a:p>
-        </p:txBody>
-      </p:sp>
-      <p:sp>
-        <p:nvSpPr>
-          <p:cNvPr id="4" name="Foliennummernplatzhalter 3"/>
-          <p:cNvSpPr>
-            <a:spLocks noGrp="1"/>
-          </p:cNvSpPr>
-          <p:nvPr>
-            <p:ph type="sldNum" sz="quarter" idx="10"/>
-          </p:nvPr>
-        </p:nvSpPr>
-        <p:spPr/>
-        <p:txBody>
-          <a:bodyPr/>
-          <a:lstStyle/>
-          <a:p>
-            <a:fld id="{7C56EBB8-86B7-4B17-9FE6-1D6C78FAEC35}" type="slidenum">
-              <a:rPr lang="de-DE" altLang="de-DE" smtClean="0"/>
-              <a:pPr/>
-              <a:t>11</a:t>
-            </a:fld>
-            <a:endParaRPr lang="de-DE" altLang="de-DE"/>
-          </a:p>
-        </p:txBody>
-      </p:sp>
-    </p:spTree>
-    <p:extLst>
-      <p:ext uri="{BB962C8B-B14F-4D97-AF65-F5344CB8AC3E}">
-        <p14:creationId xmlns:p14="http://schemas.microsoft.com/office/powerpoint/2010/main" val="1855379874"/>
-      </p:ext>
-    </p:extLst>
-  </p:cSld>
-  <p:clrMapOvr>
-    <a:masterClrMapping/>
-  </p:clrMapOvr>
-</p:notes>
-</file>
-
-<file path=ppt/notesSlides/notesSlide9.xml><?xml version="1.0" encoding="utf-8"?>
-<p:notes xmlns:a="http://schemas.openxmlformats.org/drawingml/2006/main" xmlns:r="http://schemas.openxmlformats.org/officeDocument/2006/relationships" xmlns:p="http://schemas.openxmlformats.org/presentationml/2006/main">
-  <p:cSld>
-    <p:spTree>
-      <p:nvGrpSpPr>
-        <p:cNvPr id="1" name=""/>
-        <p:cNvGrpSpPr/>
-        <p:nvPr/>
-      </p:nvGrpSpPr>
-      <p:grpSpPr>
-        <a:xfrm>
-          <a:off x="0" y="0"/>
-          <a:ext cx="0" cy="0"/>
-          <a:chOff x="0" y="0"/>
-          <a:chExt cx="0" cy="0"/>
-        </a:xfrm>
-      </p:grpSpPr>
-      <p:sp>
-        <p:nvSpPr>
-          <p:cNvPr id="2" name="Folienbildplatzhalter 1"/>
-          <p:cNvSpPr>
-            <a:spLocks noGrp="1" noRot="1" noChangeAspect="1"/>
-          </p:cNvSpPr>
-          <p:nvPr>
-            <p:ph type="sldImg"/>
-          </p:nvPr>
-        </p:nvSpPr>
-        <p:spPr/>
-      </p:sp>
-      <p:sp>
-        <p:nvSpPr>
-          <p:cNvPr id="3" name="Notizenplatzhalter 2"/>
-          <p:cNvSpPr>
-            <a:spLocks noGrp="1"/>
-          </p:cNvSpPr>
-          <p:nvPr>
-            <p:ph type="body" idx="1"/>
-          </p:nvPr>
-        </p:nvSpPr>
-        <p:spPr/>
-        <p:txBody>
-          <a:bodyPr/>
-          <a:lstStyle/>
-          <a:p>
             <a:pPr marL="171450" indent="-171450">
               <a:buFont typeface="Arial" panose="020B0604020202020204" pitchFamily="34" charset="0"/>
               <a:buChar char="•"/>
             </a:pPr>
             <a:r>
-              <a:rPr lang="en-US" sz="1200" b="1" kern="1200" dirty="0" smtClean="0">
+              <a:rPr lang="en-US" sz="1200" b="1" kern="1200" dirty="0">
                 <a:solidFill>
                   <a:schemeClr val="tx1"/>
                 </a:solidFill>
@@ -16394,7 +16211,7 @@
               <a:buChar char="•"/>
             </a:pPr>
             <a:r>
-              <a:rPr lang="en-US" sz="1200" kern="1200" dirty="0" err="1" smtClean="0">
+              <a:rPr lang="en-US" sz="1200" kern="1200" dirty="0" err="1">
                 <a:solidFill>
                   <a:schemeClr val="tx1"/>
                 </a:solidFill>
@@ -16404,7 +16221,7 @@
               </a:rPr>
               <a:t>IProgressMonitor</a:t>
             </a:r>
-            <a:endParaRPr lang="en-US" sz="1200" kern="1200" dirty="0" smtClean="0">
+            <a:endParaRPr lang="en-US" sz="1200" kern="1200" dirty="0">
               <a:solidFill>
                 <a:schemeClr val="tx1"/>
               </a:solidFill>
@@ -16419,7 +16236,7 @@
               <a:buChar char="•"/>
             </a:pPr>
             <a:r>
-              <a:rPr lang="en-US" sz="1200" kern="1200" dirty="0" err="1" smtClean="0">
+              <a:rPr lang="en-US" sz="1200" kern="1200" dirty="0" err="1">
                 <a:solidFill>
                   <a:schemeClr val="tx1"/>
                 </a:solidFill>
@@ -16429,7 +16246,7 @@
               </a:rPr>
               <a:t>ITopologyItem</a:t>
             </a:r>
-            <a:endParaRPr lang="en-US" sz="1200" kern="1200" dirty="0" smtClean="0">
+            <a:endParaRPr lang="en-US" sz="1200" kern="1200" dirty="0">
               <a:solidFill>
                 <a:schemeClr val="tx1"/>
               </a:solidFill>
@@ -16444,7 +16261,7 @@
               <a:buChar char="•"/>
             </a:pPr>
             <a:r>
-              <a:rPr lang="de-DE" sz="1200" b="1" kern="1200" dirty="0" smtClean="0">
+              <a:rPr lang="de-DE" sz="1200" b="1" kern="1200" dirty="0">
                 <a:solidFill>
                   <a:schemeClr val="tx1"/>
                 </a:solidFill>
@@ -16461,7 +16278,7 @@
               <a:buChar char="•"/>
             </a:pPr>
             <a:r>
-              <a:rPr lang="de-DE" sz="1200" kern="1200" dirty="0" err="1" smtClean="0">
+              <a:rPr lang="de-DE" sz="1200" kern="1200" dirty="0" err="1">
                 <a:solidFill>
                   <a:schemeClr val="tx1"/>
                 </a:solidFill>
@@ -16471,7 +16288,7 @@
               </a:rPr>
               <a:t>IUnityContainer</a:t>
             </a:r>
-            <a:endParaRPr lang="de-DE" sz="1200" kern="1200" dirty="0" smtClean="0">
+            <a:endParaRPr lang="de-DE" sz="1200" kern="1200" dirty="0">
               <a:solidFill>
                 <a:schemeClr val="tx1"/>
               </a:solidFill>
@@ -16486,7 +16303,7 @@
               <a:buChar char="•"/>
             </a:pPr>
             <a:r>
-              <a:rPr lang="en-US" sz="1200" kern="1200" dirty="0" err="1" smtClean="0">
+              <a:rPr lang="en-US" sz="1200" kern="1200" dirty="0" err="1">
                 <a:solidFill>
                   <a:schemeClr val="tx1"/>
                 </a:solidFill>
@@ -16496,7 +16313,7 @@
               </a:rPr>
               <a:t>IRegionManager</a:t>
             </a:r>
-            <a:endParaRPr lang="en-US" sz="1200" kern="1200" dirty="0" smtClean="0">
+            <a:endParaRPr lang="en-US" sz="1200" kern="1200" dirty="0">
               <a:solidFill>
                 <a:schemeClr val="tx1"/>
               </a:solidFill>
@@ -16511,7 +16328,7 @@
               <a:buChar char="•"/>
             </a:pPr>
             <a:r>
-              <a:rPr lang="en-US" sz="1200" kern="1200" dirty="0" err="1" smtClean="0">
+              <a:rPr lang="en-US" sz="1200" kern="1200" dirty="0" err="1">
                 <a:solidFill>
                   <a:schemeClr val="tx1"/>
                 </a:solidFill>
@@ -16521,7 +16338,7 @@
               </a:rPr>
               <a:t>IRegion</a:t>
             </a:r>
-            <a:endParaRPr lang="de-DE" sz="1200" kern="1200" dirty="0" smtClean="0">
+            <a:endParaRPr lang="de-DE" sz="1200" kern="1200" dirty="0">
               <a:solidFill>
                 <a:schemeClr val="tx1"/>
               </a:solidFill>
@@ -16536,7 +16353,7 @@
               <a:buChar char="•"/>
             </a:pPr>
             <a:r>
-              <a:rPr lang="de-DE" sz="1200" b="1" kern="1200" dirty="0" smtClean="0">
+              <a:rPr lang="de-DE" sz="1200" b="1" kern="1200" dirty="0">
                 <a:solidFill>
                   <a:schemeClr val="tx1"/>
                 </a:solidFill>
@@ -16547,7 +16364,7 @@
               <a:t>Prism.dll (</a:t>
             </a:r>
             <a:r>
-              <a:rPr lang="de-DE" sz="1200" b="1" kern="1200" dirty="0" err="1" smtClean="0">
+              <a:rPr lang="de-DE" sz="1200" b="1" kern="1200" dirty="0" err="1">
                 <a:solidFill>
                   <a:schemeClr val="tx1"/>
                 </a:solidFill>
@@ -16558,7 +16375,7 @@
               <a:t>Id</a:t>
             </a:r>
             <a:r>
-              <a:rPr lang="de-DE" sz="1200" b="1" kern="1200" dirty="0" smtClean="0">
+              <a:rPr lang="de-DE" sz="1200" b="1" kern="1200" dirty="0">
                 <a:solidFill>
                   <a:schemeClr val="tx1"/>
                 </a:solidFill>
@@ -16569,7 +16386,7 @@
               <a:t>= </a:t>
             </a:r>
             <a:r>
-              <a:rPr lang="de-DE" sz="1200" b="1" kern="1200" dirty="0" err="1" smtClean="0">
+              <a:rPr lang="de-DE" sz="1200" b="1" kern="1200" dirty="0" err="1">
                 <a:solidFill>
                   <a:schemeClr val="tx1"/>
                 </a:solidFill>
@@ -16580,7 +16397,7 @@
               <a:t>Prism.core</a:t>
             </a:r>
             <a:r>
-              <a:rPr lang="de-DE" sz="1200" b="1" kern="1200" dirty="0" smtClean="0">
+              <a:rPr lang="de-DE" sz="1200" b="1" kern="1200" dirty="0">
                 <a:solidFill>
                   <a:schemeClr val="tx1"/>
                 </a:solidFill>
@@ -16597,7 +16414,7 @@
               <a:buChar char="•"/>
             </a:pPr>
             <a:r>
-              <a:rPr lang="en-US" sz="1200" kern="1200" dirty="0" err="1" smtClean="0">
+              <a:rPr lang="en-US" sz="1200" kern="1200" dirty="0" err="1">
                 <a:solidFill>
                   <a:schemeClr val="tx1"/>
                 </a:solidFill>
@@ -16607,7 +16424,7 @@
               </a:rPr>
               <a:t>IModule</a:t>
             </a:r>
-            <a:endParaRPr lang="en-US" sz="1200" kern="1200" dirty="0" smtClean="0">
+            <a:endParaRPr lang="en-US" sz="1200" kern="1200" dirty="0">
               <a:solidFill>
                 <a:schemeClr val="tx1"/>
               </a:solidFill>
@@ -16622,7 +16439,7 @@
               <a:buChar char="•"/>
             </a:pPr>
             <a:r>
-              <a:rPr lang="en-US" sz="1200" kern="1200" dirty="0" err="1" smtClean="0">
+              <a:rPr lang="en-US" sz="1200" kern="1200" dirty="0" err="1">
                 <a:solidFill>
                   <a:schemeClr val="tx1"/>
                 </a:solidFill>
@@ -16632,7 +16449,7 @@
               </a:rPr>
               <a:t>IEventAggregator</a:t>
             </a:r>
-            <a:endParaRPr lang="en-US" sz="1200" kern="1200" dirty="0" smtClean="0">
+            <a:endParaRPr lang="en-US" sz="1200" kern="1200" dirty="0">
               <a:solidFill>
                 <a:schemeClr val="tx1"/>
               </a:solidFill>
@@ -16646,7 +16463,7 @@
               <a:buFont typeface="Arial" panose="020B0604020202020204" pitchFamily="34" charset="0"/>
               <a:buChar char="•"/>
             </a:pPr>
-            <a:endParaRPr lang="de-DE" sz="1200" kern="1200" dirty="0" smtClean="0">
+            <a:endParaRPr lang="de-DE" sz="1200" kern="1200" dirty="0">
               <a:solidFill>
                 <a:schemeClr val="tx1"/>
               </a:solidFill>
@@ -16660,7 +16477,7 @@
               <a:buFont typeface="Arial" panose="020B0604020202020204" pitchFamily="34" charset="0"/>
               <a:buChar char="•"/>
             </a:pPr>
-            <a:endParaRPr lang="en-US" sz="1200" kern="1200" dirty="0" smtClean="0">
+            <a:endParaRPr lang="en-US" sz="1200" kern="1200" dirty="0">
               <a:solidFill>
                 <a:schemeClr val="tx1"/>
               </a:solidFill>
@@ -16674,7 +16491,7 @@
               <a:buFont typeface="Arial" panose="020B0604020202020204" pitchFamily="34" charset="0"/>
               <a:buChar char="•"/>
             </a:pPr>
-            <a:endParaRPr lang="en-US" sz="1200" kern="1200" dirty="0" smtClean="0">
+            <a:endParaRPr lang="en-US" sz="1200" kern="1200" dirty="0">
               <a:solidFill>
                 <a:schemeClr val="tx1"/>
               </a:solidFill>
@@ -16706,7 +16523,7 @@
             <a:fld id="{7C56EBB8-86B7-4B17-9FE6-1D6C78FAEC35}" type="slidenum">
               <a:rPr lang="de-DE" altLang="de-DE" smtClean="0"/>
               <a:pPr/>
-              <a:t>12</a:t>
+              <a:t>11</a:t>
             </a:fld>
             <a:endParaRPr lang="de-DE" altLang="de-DE"/>
           </a:p>
@@ -16718,6 +16535,108 @@
         <p14:creationId xmlns:p14="http://schemas.microsoft.com/office/powerpoint/2010/main" val="399988329"/>
       </p:ext>
     </p:extLst>
+  </p:cSld>
+  <p:clrMapOvr>
+    <a:masterClrMapping/>
+  </p:clrMapOvr>
+</p:notes>
+</file>
+
+<file path=ppt/notesSlides/notesSlide9.xml><?xml version="1.0" encoding="utf-8"?>
+<p:notes xmlns:a="http://schemas.openxmlformats.org/drawingml/2006/main" xmlns:r="http://schemas.openxmlformats.org/officeDocument/2006/relationships" xmlns:p="http://schemas.openxmlformats.org/presentationml/2006/main">
+  <p:cSld>
+    <p:spTree>
+      <p:nvGrpSpPr>
+        <p:cNvPr id="1" name=""/>
+        <p:cNvGrpSpPr/>
+        <p:nvPr/>
+      </p:nvGrpSpPr>
+      <p:grpSpPr>
+        <a:xfrm>
+          <a:off x="0" y="0"/>
+          <a:ext cx="0" cy="0"/>
+          <a:chOff x="0" y="0"/>
+          <a:chExt cx="0" cy="0"/>
+        </a:xfrm>
+      </p:grpSpPr>
+      <p:sp>
+        <p:nvSpPr>
+          <p:cNvPr id="7" name="Rectangle 7">
+            <a:extLst>
+              <a:ext uri="{FF2B5EF4-FFF2-40B4-BE49-F238E27FC236}">
+                <a16:creationId xmlns:a16="http://schemas.microsoft.com/office/drawing/2014/main" id="{86B30B09-32F3-49D5-BEC4-C551473B3061}"/>
+              </a:ext>
+            </a:extLst>
+          </p:cNvPr>
+          <p:cNvSpPr>
+            <a:spLocks noGrp="1" noChangeArrowheads="1"/>
+          </p:cNvSpPr>
+          <p:nvPr>
+            <p:ph type="sldNum" sz="quarter" idx="5"/>
+          </p:nvPr>
+        </p:nvSpPr>
+        <p:spPr>
+          <a:ln/>
+        </p:spPr>
+        <p:txBody>
+          <a:bodyPr/>
+          <a:lstStyle/>
+          <a:p>
+            <a:fld id="{C21EDE77-6E6B-46CF-9346-5CFD3F861C54}" type="slidenum">
+              <a:rPr lang="de-DE" altLang="de-DE"/>
+              <a:pPr/>
+              <a:t>12</a:t>
+            </a:fld>
+            <a:endParaRPr lang="de-DE" altLang="de-DE"/>
+          </a:p>
+        </p:txBody>
+      </p:sp>
+      <p:sp>
+        <p:nvSpPr>
+          <p:cNvPr id="375810" name="Rectangle 2">
+            <a:extLst>
+              <a:ext uri="{FF2B5EF4-FFF2-40B4-BE49-F238E27FC236}">
+                <a16:creationId xmlns:a16="http://schemas.microsoft.com/office/drawing/2014/main" id="{23323E4E-CCF2-4719-8899-6AEBC14F5168}"/>
+              </a:ext>
+            </a:extLst>
+          </p:cNvPr>
+          <p:cNvSpPr>
+            <a:spLocks noGrp="1" noRot="1" noChangeAspect="1" noChangeArrowheads="1" noTextEdit="1"/>
+          </p:cNvSpPr>
+          <p:nvPr>
+            <p:ph type="sldImg"/>
+          </p:nvPr>
+        </p:nvSpPr>
+        <p:spPr>
+          <a:ln/>
+        </p:spPr>
+      </p:sp>
+      <p:sp>
+        <p:nvSpPr>
+          <p:cNvPr id="375811" name="Rectangle 3">
+            <a:extLst>
+              <a:ext uri="{FF2B5EF4-FFF2-40B4-BE49-F238E27FC236}">
+                <a16:creationId xmlns:a16="http://schemas.microsoft.com/office/drawing/2014/main" id="{0F016D12-A161-49C3-BB86-190B1F978A2C}"/>
+              </a:ext>
+            </a:extLst>
+          </p:cNvPr>
+          <p:cNvSpPr>
+            <a:spLocks noGrp="1" noChangeArrowheads="1"/>
+          </p:cNvSpPr>
+          <p:nvPr>
+            <p:ph type="body" idx="1"/>
+          </p:nvPr>
+        </p:nvSpPr>
+        <p:spPr/>
+        <p:txBody>
+          <a:bodyPr/>
+          <a:lstStyle/>
+          <a:p>
+            <a:endParaRPr lang="de-DE" altLang="de-DE"/>
+          </a:p>
+        </p:txBody>
+      </p:sp>
+    </p:spTree>
   </p:cSld>
   <p:clrMapOvr>
     <a:masterClrMapping/>
@@ -20294,14 +20213,6 @@
               </a:rPr>
               <a:t>Intelligente Lösungen für die industrielle Kommunikation</a:t>
             </a:r>
-            <a:r>
-              <a:rPr lang="de-DE" altLang="de-DE" sz="1400">
-                <a:solidFill>
-                  <a:schemeClr val="bg1"/>
-                </a:solidFill>
-              </a:rPr>
-              <a:t/>
-            </a:r>
             <a:br>
               <a:rPr lang="de-DE" altLang="de-DE" sz="1400">
                 <a:solidFill>
@@ -20325,197 +20236,10 @@
   <p:transition>
     <p:randomBar/>
   </p:transition>
-  <p:timing>
-    <p:tnLst>
-      <p:par>
-        <p:cTn id="1" dur="indefinite" restart="never" nodeType="tmRoot"/>
-      </p:par>
-    </p:tnLst>
-  </p:timing>
 </p:sld>
 </file>
 
 <file path=ppt/slides/slide10.xml><?xml version="1.0" encoding="utf-8"?>
-<p:sld xmlns:a="http://schemas.openxmlformats.org/drawingml/2006/main" xmlns:r="http://schemas.openxmlformats.org/officeDocument/2006/relationships" xmlns:p="http://schemas.openxmlformats.org/presentationml/2006/main">
-  <p:cSld>
-    <p:spTree>
-      <p:nvGrpSpPr>
-        <p:cNvPr id="1" name=""/>
-        <p:cNvGrpSpPr/>
-        <p:nvPr/>
-      </p:nvGrpSpPr>
-      <p:grpSpPr>
-        <a:xfrm>
-          <a:off x="0" y="0"/>
-          <a:ext cx="0" cy="0"/>
-          <a:chOff x="0" y="0"/>
-          <a:chExt cx="0" cy="0"/>
-        </a:xfrm>
-      </p:grpSpPr>
-      <p:sp>
-        <p:nvSpPr>
-          <p:cNvPr id="2" name="Titel 1">
-            <a:extLst>
-              <a:ext uri="{FF2B5EF4-FFF2-40B4-BE49-F238E27FC236}">
-                <a16:creationId xmlns:a16="http://schemas.microsoft.com/office/drawing/2014/main" id="{63435F02-846C-4E9A-9FDE-FCF77DE49196}"/>
-              </a:ext>
-            </a:extLst>
-          </p:cNvPr>
-          <p:cNvSpPr>
-            <a:spLocks noGrp="1"/>
-          </p:cNvSpPr>
-          <p:nvPr>
-            <p:ph type="title"/>
-          </p:nvPr>
-        </p:nvSpPr>
-        <p:spPr/>
-        <p:txBody>
-          <a:bodyPr/>
-          <a:lstStyle/>
-          <a:p>
-            <a:r>
-              <a:rPr lang="de-DE" dirty="0"/>
-              <a:t>Wiki: SDD</a:t>
-            </a:r>
-          </a:p>
-        </p:txBody>
-      </p:sp>
-      <p:sp>
-        <p:nvSpPr>
-          <p:cNvPr id="3" name="Inhaltsplatzhalter 2">
-            <a:extLst>
-              <a:ext uri="{FF2B5EF4-FFF2-40B4-BE49-F238E27FC236}">
-                <a16:creationId xmlns:a16="http://schemas.microsoft.com/office/drawing/2014/main" id="{EC35EFCB-B978-4CB0-B28F-0EA4AC23607D}"/>
-              </a:ext>
-            </a:extLst>
-          </p:cNvPr>
-          <p:cNvSpPr>
-            <a:spLocks noGrp="1"/>
-          </p:cNvSpPr>
-          <p:nvPr>
-            <p:ph idx="1"/>
-          </p:nvPr>
-        </p:nvSpPr>
-        <p:spPr/>
-        <p:txBody>
-          <a:bodyPr/>
-          <a:lstStyle/>
-          <a:p>
-            <a:r>
-              <a:rPr lang="en-US" dirty="0"/>
-              <a:t>Definition</a:t>
-            </a:r>
-          </a:p>
-          <a:p>
-            <a:r>
-              <a:rPr lang="de-DE" dirty="0" smtClean="0"/>
-              <a:t>Design-Übersicht</a:t>
-            </a:r>
-            <a:endParaRPr lang="de-DE" dirty="0"/>
-          </a:p>
-          <a:p>
-            <a:r>
-              <a:rPr lang="de-DE" dirty="0"/>
-              <a:t>System-Architektur</a:t>
-            </a:r>
-          </a:p>
-          <a:p>
-            <a:pPr lvl="1"/>
-            <a:r>
-              <a:rPr lang="de-DE" dirty="0"/>
-              <a:t>Beschreibung der Schnittstellen des Systems</a:t>
-            </a:r>
-          </a:p>
-          <a:p>
-            <a:r>
-              <a:rPr lang="de-DE" dirty="0"/>
-              <a:t>Detailbeschreibung der Komponenten</a:t>
-            </a:r>
-          </a:p>
-          <a:p>
-            <a:r>
-              <a:rPr lang="de-DE" dirty="0"/>
-              <a:t>Benutzerschnittstelle (UI)</a:t>
-            </a:r>
-          </a:p>
-          <a:p>
-            <a:endParaRPr lang="de-DE" dirty="0"/>
-          </a:p>
-          <a:p>
-            <a:endParaRPr lang="en-US" dirty="0"/>
-          </a:p>
-          <a:p>
-            <a:pPr marL="457200" lvl="1" indent="0">
-              <a:buNone/>
-            </a:pPr>
-            <a:endParaRPr lang="de-DE" dirty="0"/>
-          </a:p>
-          <a:p>
-            <a:endParaRPr lang="de-DE" dirty="0"/>
-          </a:p>
-        </p:txBody>
-      </p:sp>
-      <p:sp>
-        <p:nvSpPr>
-          <p:cNvPr id="4" name="Fußzeilenplatzhalter 3">
-            <a:extLst>
-              <a:ext uri="{FF2B5EF4-FFF2-40B4-BE49-F238E27FC236}">
-                <a16:creationId xmlns:a16="http://schemas.microsoft.com/office/drawing/2014/main" id="{F20A4591-255A-436E-9282-9F534856B76B}"/>
-              </a:ext>
-            </a:extLst>
-          </p:cNvPr>
-          <p:cNvSpPr>
-            <a:spLocks noGrp="1"/>
-          </p:cNvSpPr>
-          <p:nvPr>
-            <p:ph type="ftr" sz="quarter" idx="10"/>
-          </p:nvPr>
-        </p:nvSpPr>
-        <p:spPr/>
-        <p:txBody>
-          <a:bodyPr/>
-          <a:lstStyle/>
-          <a:p>
-            <a:r>
-              <a:rPr lang="de-DE" altLang="de-DE"/>
-              <a:t>Hilscher Gesellschaft für Systemautomation mbH  </a:t>
-            </a:r>
-            <a:r>
-              <a:rPr lang="en-US" altLang="de-DE">
-                <a:cs typeface="Arial" panose="020B0604020202020204" pitchFamily="34" charset="0"/>
-              </a:rPr>
-              <a:t>l  www.hilscher.com</a:t>
-            </a:r>
-            <a:endParaRPr lang="de-DE" altLang="de-DE">
-              <a:cs typeface="Arial" panose="020B0604020202020204" pitchFamily="34" charset="0"/>
-            </a:endParaRPr>
-          </a:p>
-        </p:txBody>
-      </p:sp>
-    </p:spTree>
-    <p:extLst>
-      <p:ext uri="{BB962C8B-B14F-4D97-AF65-F5344CB8AC3E}">
-        <p14:creationId xmlns:p14="http://schemas.microsoft.com/office/powerpoint/2010/main" val="4257936119"/>
-      </p:ext>
-    </p:extLst>
-  </p:cSld>
-  <p:clrMapOvr>
-    <a:masterClrMapping/>
-  </p:clrMapOvr>
-  <p:transition>
-    <p:zoom/>
-  </p:transition>
-  <p:timing>
-    <p:tnLst>
-      <p:par>
-        <p:cTn id="1" dur="indefinite" restart="never" nodeType="tmRoot"/>
-      </p:par>
-    </p:tnLst>
-  </p:timing>
-</p:sld>
-</file>
-
-<file path=ppt/slides/slide11.xml><?xml version="1.0" encoding="utf-8"?>
 <p:sld xmlns:a="http://schemas.openxmlformats.org/drawingml/2006/main" xmlns:r="http://schemas.openxmlformats.org/officeDocument/2006/relationships" xmlns:p="http://schemas.openxmlformats.org/presentationml/2006/main">
   <p:cSld>
     <p:spTree>
@@ -20978,7 +20702,7 @@
               <a:tabLst/>
             </a:pPr>
             <a:r>
-              <a:rPr kumimoji="0" lang="de-DE" sz="2400" b="0" i="0" u="none" strike="noStrike" cap="none" normalizeH="0" baseline="0" dirty="0" err="1" smtClean="0">
+              <a:rPr kumimoji="0" lang="de-DE" sz="2400" b="0" i="0" u="none" strike="noStrike" cap="none" normalizeH="0" baseline="0" dirty="0" err="1">
                 <a:ln>
                   <a:noFill/>
                 </a:ln>
@@ -20991,7 +20715,7 @@
               <a:t>Topology</a:t>
             </a:r>
             <a:r>
-              <a:rPr kumimoji="0" lang="de-DE" sz="2400" b="0" i="0" u="none" strike="noStrike" cap="none" normalizeH="0" baseline="0" dirty="0" smtClean="0">
+              <a:rPr kumimoji="0" lang="de-DE" sz="2400" b="0" i="0" u="none" strike="noStrike" cap="none" normalizeH="0" baseline="0" dirty="0">
                 <a:ln>
                   <a:noFill/>
                 </a:ln>
@@ -21003,7 +20727,7 @@
               </a:rPr>
               <a:t>-Editor-Client</a:t>
             </a:r>
-            <a:endParaRPr kumimoji="0" lang="en-US" sz="2400" b="0" i="0" u="none" strike="noStrike" cap="none" normalizeH="0" baseline="0" dirty="0" smtClean="0">
+            <a:endParaRPr kumimoji="0" lang="en-US" sz="2400" b="0" i="0" u="none" strike="noStrike" cap="none" normalizeH="0" baseline="0" dirty="0">
               <a:ln>
                 <a:noFill/>
               </a:ln>
@@ -21066,7 +20790,7 @@
               <a:buNone/>
             </a:pPr>
             <a:r>
-              <a:rPr lang="de-DE" dirty="0" smtClean="0"/>
+              <a:rPr lang="de-DE" dirty="0"/>
               <a:t>Internet</a:t>
             </a:r>
             <a:endParaRPr lang="en-US" dirty="0"/>
@@ -21157,7 +20881,7 @@
               <a:buChar char="§"/>
               <a:tabLst/>
             </a:pPr>
-            <a:endParaRPr kumimoji="0" lang="en-US" sz="2400" b="0" i="0" u="none" strike="noStrike" cap="none" normalizeH="0" baseline="0" smtClean="0">
+            <a:endParaRPr kumimoji="0" lang="en-US" sz="2400" b="0" i="0" u="none" strike="noStrike" cap="none" normalizeH="0" baseline="0">
               <a:ln>
                 <a:noFill/>
               </a:ln>
@@ -21391,7 +21115,7 @@
               <a:tabLst/>
             </a:pPr>
             <a:r>
-              <a:rPr kumimoji="0" lang="de-DE" sz="2400" b="0" i="0" u="none" strike="noStrike" cap="none" normalizeH="0" baseline="0" dirty="0" err="1" smtClean="0">
+              <a:rPr kumimoji="0" lang="de-DE" sz="2400" b="0" i="0" u="none" strike="noStrike" cap="none" normalizeH="0" baseline="0" dirty="0" err="1">
                 <a:ln>
                   <a:noFill/>
                 </a:ln>
@@ -21404,7 +21128,7 @@
               <a:t>Topology</a:t>
             </a:r>
             <a:r>
-              <a:rPr kumimoji="0" lang="de-DE" sz="2400" b="0" i="0" u="none" strike="noStrike" cap="none" normalizeH="0" baseline="0" dirty="0" smtClean="0">
+              <a:rPr kumimoji="0" lang="de-DE" sz="2400" b="0" i="0" u="none" strike="noStrike" cap="none" normalizeH="0" baseline="0" dirty="0">
                 <a:ln>
                   <a:noFill/>
                 </a:ln>
@@ -21416,7 +21140,7 @@
               </a:rPr>
               <a:t>-Editor-Server</a:t>
             </a:r>
-            <a:endParaRPr kumimoji="0" lang="en-US" sz="2400" b="0" i="0" u="none" strike="noStrike" cap="none" normalizeH="0" baseline="0" dirty="0" smtClean="0">
+            <a:endParaRPr kumimoji="0" lang="en-US" sz="2400" b="0" i="0" u="none" strike="noStrike" cap="none" normalizeH="0" baseline="0" dirty="0">
               <a:ln>
                 <a:noFill/>
               </a:ln>
@@ -21488,7 +21212,7 @@
               <a:tabLst/>
             </a:pPr>
             <a:r>
-              <a:rPr kumimoji="0" lang="de-DE" sz="2400" b="0" i="0" u="none" strike="noStrike" cap="none" normalizeH="0" baseline="0" dirty="0" err="1" smtClean="0">
+              <a:rPr kumimoji="0" lang="de-DE" sz="2400" b="0" i="0" u="none" strike="noStrike" cap="none" normalizeH="0" baseline="0" dirty="0" err="1">
                 <a:ln>
                   <a:noFill/>
                 </a:ln>
@@ -21501,7 +21225,7 @@
               <a:t>Topology</a:t>
             </a:r>
             <a:r>
-              <a:rPr kumimoji="0" lang="de-DE" sz="2400" b="0" i="0" u="none" strike="noStrike" cap="none" normalizeH="0" baseline="0" dirty="0" smtClean="0">
+              <a:rPr kumimoji="0" lang="de-DE" sz="2400" b="0" i="0" u="none" strike="noStrike" cap="none" normalizeH="0" baseline="0" dirty="0">
                 <a:ln>
                   <a:noFill/>
                 </a:ln>
@@ -21513,7 +21237,7 @@
               </a:rPr>
               <a:t>-Editor-Fassade</a:t>
             </a:r>
-            <a:endParaRPr kumimoji="0" lang="en-US" sz="2400" b="0" i="0" u="none" strike="noStrike" cap="none" normalizeH="0" baseline="0" dirty="0" smtClean="0">
+            <a:endParaRPr kumimoji="0" lang="en-US" sz="2400" b="0" i="0" u="none" strike="noStrike" cap="none" normalizeH="0" baseline="0" dirty="0">
               <a:ln>
                 <a:noFill/>
               </a:ln>
@@ -21585,7 +21309,7 @@
               <a:tabLst/>
             </a:pPr>
             <a:r>
-              <a:rPr kumimoji="0" lang="de-DE" sz="2400" b="0" i="0" u="none" strike="noStrike" cap="none" normalizeH="0" baseline="0" dirty="0" smtClean="0">
+              <a:rPr kumimoji="0" lang="de-DE" sz="2400" b="0" i="0" u="none" strike="noStrike" cap="none" normalizeH="0" baseline="0" dirty="0">
                 <a:ln>
                   <a:noFill/>
                 </a:ln>
@@ -21597,7 +21321,7 @@
               </a:rPr>
               <a:t>Communication Studio</a:t>
             </a:r>
-            <a:endParaRPr kumimoji="0" lang="en-US" sz="2400" b="0" i="0" u="none" strike="noStrike" cap="none" normalizeH="0" baseline="0" dirty="0" smtClean="0">
+            <a:endParaRPr kumimoji="0" lang="en-US" sz="2400" b="0" i="0" u="none" strike="noStrike" cap="none" normalizeH="0" baseline="0" dirty="0">
               <a:ln>
                 <a:noFill/>
               </a:ln>
@@ -22028,17 +21752,10 @@
   <p:transition>
     <p:zoom/>
   </p:transition>
-  <p:timing>
-    <p:tnLst>
-      <p:par>
-        <p:cTn id="1" dur="indefinite" restart="never" nodeType="tmRoot"/>
-      </p:par>
-    </p:tnLst>
-  </p:timing>
 </p:sld>
 </file>
 
-<file path=ppt/slides/slide12.xml><?xml version="1.0" encoding="utf-8"?>
+<file path=ppt/slides/slide11.xml><?xml version="1.0" encoding="utf-8"?>
 <p:sld xmlns:a="http://schemas.openxmlformats.org/drawingml/2006/main" xmlns:r="http://schemas.openxmlformats.org/officeDocument/2006/relationships" xmlns:p="http://schemas.openxmlformats.org/presentationml/2006/main">
   <p:cSld>
     <p:spTree>
@@ -22486,7 +22203,7 @@
               <a:buChar char="§"/>
               <a:tabLst/>
             </a:pPr>
-            <a:endParaRPr kumimoji="0" lang="en-US" sz="2400" b="0" i="0" u="none" strike="noStrike" cap="none" normalizeH="0" baseline="0" smtClean="0">
+            <a:endParaRPr kumimoji="0" lang="en-US" sz="2400" b="0" i="0" u="none" strike="noStrike" cap="none" normalizeH="0" baseline="0">
               <a:ln>
                 <a:noFill/>
               </a:ln>
@@ -22541,7 +22258,7 @@
               </a:rPr>
               <a:t>Hilscher.IDE.Core.Interface</a:t>
             </a:r>
-            <a:endParaRPr kumimoji="0" lang="en-US" sz="2400" b="0" i="0" u="none" strike="noStrike" cap="none" normalizeH="0" baseline="0" dirty="0" smtClean="0">
+            <a:endParaRPr kumimoji="0" lang="en-US" sz="2400" b="0" i="0" u="none" strike="noStrike" cap="none" normalizeH="0" baseline="0" dirty="0">
               <a:ln>
                 <a:noFill/>
               </a:ln>
@@ -22730,7 +22447,7 @@
               <a:buChar char="§"/>
               <a:tabLst/>
             </a:pPr>
-            <a:endParaRPr kumimoji="0" lang="en-US" sz="2400" b="0" i="0" u="none" strike="noStrike" cap="none" normalizeH="0" baseline="0" smtClean="0">
+            <a:endParaRPr kumimoji="0" lang="en-US" sz="2400" b="0" i="0" u="none" strike="noStrike" cap="none" normalizeH="0" baseline="0">
               <a:ln>
                 <a:noFill/>
               </a:ln>
@@ -22778,14 +22495,14 @@
               <a:buNone/>
             </a:pPr>
             <a:r>
-              <a:rPr lang="de-DE" b="1" dirty="0" err="1" smtClean="0">
+              <a:rPr lang="de-DE" b="1" dirty="0" err="1">
                 <a:solidFill>
                   <a:schemeClr val="tx1"/>
                 </a:solidFill>
               </a:rPr>
               <a:t>Prism</a:t>
             </a:r>
-            <a:endParaRPr kumimoji="0" lang="en-US" sz="2400" b="0" i="0" u="none" strike="noStrike" cap="none" normalizeH="0" baseline="0" dirty="0" smtClean="0">
+            <a:endParaRPr kumimoji="0" lang="en-US" sz="2400" b="0" i="0" u="none" strike="noStrike" cap="none" normalizeH="0" baseline="0" dirty="0">
               <a:ln>
                 <a:noFill/>
               </a:ln>
@@ -22880,7 +22597,7 @@
               <a:buNone/>
             </a:pPr>
             <a:r>
-              <a:rPr lang="de-DE" b="1" dirty="0" err="1" smtClean="0">
+              <a:rPr lang="de-DE" b="1" dirty="0" err="1">
                 <a:solidFill>
                   <a:schemeClr val="tx1"/>
                 </a:solidFill>
@@ -22888,14 +22605,14 @@
               <a:t>Topology</a:t>
             </a:r>
             <a:r>
-              <a:rPr lang="de-DE" b="1" dirty="0" smtClean="0">
+              <a:rPr lang="de-DE" b="1" dirty="0">
                 <a:solidFill>
                   <a:schemeClr val="tx1"/>
                 </a:solidFill>
               </a:rPr>
               <a:t>-Editor-Server</a:t>
             </a:r>
-            <a:endParaRPr kumimoji="0" lang="en-US" sz="2400" b="0" i="0" u="none" strike="noStrike" cap="none" normalizeH="0" baseline="0" dirty="0" smtClean="0">
+            <a:endParaRPr kumimoji="0" lang="en-US" sz="2400" b="0" i="0" u="none" strike="noStrike" cap="none" normalizeH="0" baseline="0" dirty="0">
               <a:ln>
                 <a:noFill/>
               </a:ln>
@@ -22945,7 +22662,7 @@
               <a:buNone/>
             </a:pPr>
             <a:r>
-              <a:rPr lang="de-DE" b="1" dirty="0" err="1" smtClean="0">
+              <a:rPr lang="de-DE" b="1" dirty="0" err="1">
                 <a:solidFill>
                   <a:schemeClr val="tx1"/>
                 </a:solidFill>
@@ -22953,14 +22670,14 @@
               <a:t>Topology</a:t>
             </a:r>
             <a:r>
-              <a:rPr lang="de-DE" b="1" dirty="0" smtClean="0">
+              <a:rPr lang="de-DE" b="1" dirty="0">
                 <a:solidFill>
                   <a:schemeClr val="tx1"/>
                 </a:solidFill>
               </a:rPr>
               <a:t>-Editor-Fassade</a:t>
             </a:r>
-            <a:endParaRPr kumimoji="0" lang="en-US" sz="2400" b="0" i="0" u="none" strike="noStrike" cap="none" normalizeH="0" baseline="0" dirty="0" smtClean="0">
+            <a:endParaRPr kumimoji="0" lang="en-US" sz="2400" b="0" i="0" u="none" strike="noStrike" cap="none" normalizeH="0" baseline="0" dirty="0">
               <a:ln>
                 <a:noFill/>
               </a:ln>
@@ -23043,7 +22760,7 @@
               <a:buChar char="§"/>
               <a:tabLst/>
             </a:pPr>
-            <a:endParaRPr kumimoji="0" lang="en-US" sz="2400" b="0" i="0" u="none" strike="noStrike" cap="none" normalizeH="0" baseline="0" smtClean="0">
+            <a:endParaRPr kumimoji="0" lang="en-US" sz="2400" b="0" i="0" u="none" strike="noStrike" cap="none" normalizeH="0" baseline="0">
               <a:ln>
                 <a:noFill/>
               </a:ln>
@@ -23091,14 +22808,14 @@
               <a:buNone/>
             </a:pPr>
             <a:r>
-              <a:rPr lang="de-DE" b="1" dirty="0" err="1" smtClean="0">
+              <a:rPr lang="de-DE" b="1" dirty="0" err="1">
                 <a:solidFill>
                   <a:schemeClr val="tx1"/>
                 </a:solidFill>
               </a:rPr>
               <a:t>Prism.Unity</a:t>
             </a:r>
-            <a:endParaRPr kumimoji="0" lang="en-US" sz="2400" b="0" i="0" u="none" strike="noStrike" cap="none" normalizeH="0" baseline="0" dirty="0" smtClean="0">
+            <a:endParaRPr kumimoji="0" lang="en-US" sz="2400" b="0" i="0" u="none" strike="noStrike" cap="none" normalizeH="0" baseline="0" dirty="0">
               <a:ln>
                 <a:noFill/>
               </a:ln>
@@ -23407,7 +23124,7 @@
               <a:buNone/>
             </a:pPr>
             <a:r>
-              <a:rPr lang="de-DE" dirty="0" smtClean="0"/>
+              <a:rPr lang="de-DE" dirty="0"/>
               <a:t>Communication Studio</a:t>
             </a:r>
             <a:endParaRPr lang="en-US" dirty="0"/>
@@ -23440,7 +23157,7 @@
               <a:buNone/>
             </a:pPr>
             <a:r>
-              <a:rPr lang="de-DE" dirty="0" smtClean="0"/>
+              <a:rPr lang="de-DE" dirty="0"/>
               <a:t>Third Party</a:t>
             </a:r>
             <a:endParaRPr lang="en-US" dirty="0"/>
@@ -23473,11 +23190,11 @@
               <a:buNone/>
             </a:pPr>
             <a:r>
-              <a:rPr lang="de-DE" dirty="0" err="1" smtClean="0"/>
+              <a:rPr lang="de-DE" dirty="0" err="1"/>
               <a:t>Topology</a:t>
             </a:r>
             <a:r>
-              <a:rPr lang="de-DE" dirty="0" smtClean="0"/>
+              <a:rPr lang="de-DE" dirty="0"/>
               <a:t>-Editor</a:t>
             </a:r>
             <a:endParaRPr lang="en-US" dirty="0"/>
@@ -23497,17 +23214,10 @@
   <p:transition>
     <p:zoom/>
   </p:transition>
-  <p:timing>
-    <p:tnLst>
-      <p:par>
-        <p:cTn id="1" dur="indefinite" restart="never" nodeType="tmRoot"/>
-      </p:par>
-    </p:tnLst>
-  </p:timing>
 </p:sld>
 </file>
 
-<file path=ppt/slides/slide13.xml><?xml version="1.0" encoding="utf-8"?>
+<file path=ppt/slides/slide12.xml><?xml version="1.0" encoding="utf-8"?>
 <p:sld xmlns:a="http://schemas.openxmlformats.org/drawingml/2006/main" xmlns:r="http://schemas.openxmlformats.org/officeDocument/2006/relationships" xmlns:p="http://schemas.openxmlformats.org/presentationml/2006/main">
   <p:cSld>
     <p:spTree>
@@ -23645,7 +23355,7 @@
                 <a:buFontTx/>
                 <a:buNone/>
               </a:pPr>
-              <a:t>13</a:t>
+              <a:t>12</a:t>
             </a:fld>
             <a:endParaRPr lang="de-DE" altLang="de-DE" sz="1100" b="1">
               <a:solidFill>
@@ -23832,10 +23542,6 @@
             <a:br>
               <a:rPr lang="de-DE" altLang="de-DE" sz="2400" b="0"/>
             </a:br>
-            <a:r>
-              <a:rPr lang="de-DE" altLang="de-DE" sz="700"/>
-              <a:t/>
-            </a:r>
             <a:br>
               <a:rPr lang="de-DE" altLang="de-DE" sz="700"/>
             </a:br>
@@ -24065,14 +23771,6 @@
               </a:rPr>
               <a:t>Vorname Nachname</a:t>
             </a:r>
-            <a:r>
-              <a:rPr lang="de-DE" altLang="de-DE" sz="2100">
-                <a:solidFill>
-                  <a:schemeClr val="bg2"/>
-                </a:solidFill>
-              </a:rPr>
-              <a:t/>
-            </a:r>
             <a:br>
               <a:rPr lang="de-DE" altLang="de-DE" sz="2100">
                 <a:solidFill>
@@ -24413,14 +24111,6 @@
                 </a:solidFill>
               </a:rPr>
             </a:br>
-            <a:r>
-              <a:rPr lang="de-DE" altLang="de-DE" sz="700">
-                <a:solidFill>
-                  <a:srgbClr val="DF0029"/>
-                </a:solidFill>
-              </a:rPr>
-              <a:t/>
-            </a:r>
             <a:br>
               <a:rPr lang="de-DE" altLang="de-DE" sz="700">
                 <a:solidFill>
@@ -24459,17 +24149,10 @@
   <p:transition>
     <p:zoom/>
   </p:transition>
-  <p:timing>
-    <p:tnLst>
-      <p:par>
-        <p:cTn id="1" dur="indefinite" restart="never" nodeType="tmRoot"/>
-      </p:par>
-    </p:tnLst>
-  </p:timing>
 </p:sld>
 </file>
 
-<file path=ppt/slides/slide14.xml><?xml version="1.0" encoding="utf-8"?>
+<file path=ppt/slides/slide13.xml><?xml version="1.0" encoding="utf-8"?>
 <p:sld xmlns:a="http://schemas.openxmlformats.org/drawingml/2006/main" xmlns:r="http://schemas.openxmlformats.org/officeDocument/2006/relationships" xmlns:p="http://schemas.openxmlformats.org/presentationml/2006/main">
   <p:cSld>
     <p:spTree>
@@ -24859,7 +24542,7 @@
 </p:sld>
 </file>
 
-<file path=ppt/slides/slide15.xml><?xml version="1.0" encoding="utf-8"?>
+<file path=ppt/slides/slide14.xml><?xml version="1.0" encoding="utf-8"?>
 <p:sld xmlns:a="http://schemas.openxmlformats.org/drawingml/2006/main" xmlns:r="http://schemas.openxmlformats.org/officeDocument/2006/relationships" xmlns:p="http://schemas.openxmlformats.org/presentationml/2006/main">
   <p:cSld>
     <p:spTree>
@@ -25527,17 +25210,10 @@
   <p:transition>
     <p:zoom/>
   </p:transition>
-  <p:timing>
-    <p:tnLst>
-      <p:par>
-        <p:cTn id="1" dur="indefinite" restart="never" nodeType="tmRoot"/>
-      </p:par>
-    </p:tnLst>
-  </p:timing>
 </p:sld>
 </file>
 
-<file path=ppt/slides/slide16.xml><?xml version="1.0" encoding="utf-8"?>
+<file path=ppt/slides/slide15.xml><?xml version="1.0" encoding="utf-8"?>
 <p:sld xmlns:a="http://schemas.openxmlformats.org/drawingml/2006/main" xmlns:r="http://schemas.openxmlformats.org/officeDocument/2006/relationships" xmlns:p="http://schemas.openxmlformats.org/presentationml/2006/main">
   <p:cSld>
     <p:spTree>
@@ -26545,13 +26221,6 @@
   <p:transition>
     <p:randomBar/>
   </p:transition>
-  <p:timing>
-    <p:tnLst>
-      <p:par>
-        <p:cTn id="1" dur="indefinite" restart="never" nodeType="tmRoot"/>
-      </p:par>
-    </p:tnLst>
-  </p:timing>
 </p:sld>
 </file>
 
@@ -26678,16 +26347,13 @@
             </a:r>
           </a:p>
           <a:p>
-            <a:pPr lvl="1"/>
+            <a:r>
+              <a:rPr lang="de-DE" altLang="de-DE" dirty="0" err="1"/>
+              <a:t>Issue</a:t>
+            </a:r>
             <a:r>
               <a:rPr lang="de-DE" altLang="de-DE" dirty="0"/>
-              <a:t>Zugang zum TE Quellcode</a:t>
-            </a:r>
-          </a:p>
-          <a:p>
-            <a:r>
-              <a:rPr lang="de-DE" altLang="de-DE" dirty="0"/>
-              <a:t>Fehlermeldung</a:t>
+              <a:t> Tracking</a:t>
             </a:r>
           </a:p>
           <a:p>
@@ -27400,67 +27066,6 @@
                       </p:childTnLst>
                     </p:cTn>
                   </p:par>
-                  <p:par>
-                    <p:cTn id="48" fill="hold">
-                      <p:stCondLst>
-                        <p:cond delay="indefinite"/>
-                      </p:stCondLst>
-                      <p:childTnLst>
-                        <p:par>
-                          <p:cTn id="49" fill="hold">
-                            <p:stCondLst>
-                              <p:cond delay="0"/>
-                            </p:stCondLst>
-                            <p:childTnLst>
-                              <p:par>
-                                <p:cTn id="50" presetID="22" presetClass="entr" presetSubtype="4" fill="hold" grpId="0" nodeType="clickEffect">
-                                  <p:stCondLst>
-                                    <p:cond delay="0"/>
-                                  </p:stCondLst>
-                                  <p:childTnLst>
-                                    <p:set>
-                                      <p:cBhvr>
-                                        <p:cTn id="51" dur="1" fill="hold">
-                                          <p:stCondLst>
-                                            <p:cond delay="0"/>
-                                          </p:stCondLst>
-                                        </p:cTn>
-                                        <p:tgtEl>
-                                          <p:spTgt spid="351240">
-                                            <p:txEl>
-                                              <p:pRg st="9" end="9"/>
-                                            </p:txEl>
-                                          </p:spTgt>
-                                        </p:tgtEl>
-                                        <p:attrNameLst>
-                                          <p:attrName>style.visibility</p:attrName>
-                                        </p:attrNameLst>
-                                      </p:cBhvr>
-                                      <p:to>
-                                        <p:strVal val="visible"/>
-                                      </p:to>
-                                    </p:set>
-                                    <p:animEffect transition="in" filter="wipe(down)">
-                                      <p:cBhvr>
-                                        <p:cTn id="52" dur="500"/>
-                                        <p:tgtEl>
-                                          <p:spTgt spid="351240">
-                                            <p:txEl>
-                                              <p:pRg st="9" end="9"/>
-                                            </p:txEl>
-                                          </p:spTgt>
-                                        </p:tgtEl>
-                                      </p:cBhvr>
-                                    </p:animEffect>
-                                  </p:childTnLst>
-                                </p:cTn>
-                              </p:par>
-                            </p:childTnLst>
-                          </p:cTn>
-                        </p:par>
-                      </p:childTnLst>
-                    </p:cTn>
-                  </p:par>
                 </p:childTnLst>
               </p:cTn>
               <p:prevCondLst>
@@ -28144,37 +27749,37 @@
           <a:lstStyle/>
           <a:p>
             <a:r>
-              <a:rPr lang="de-DE" dirty="0" smtClean="0"/>
+              <a:rPr lang="de-DE" dirty="0"/>
               <a:t>SPMP</a:t>
             </a:r>
           </a:p>
           <a:p>
             <a:r>
-              <a:rPr lang="de-DE" dirty="0" smtClean="0"/>
+              <a:rPr lang="de-DE" dirty="0"/>
               <a:t>RAD</a:t>
             </a:r>
           </a:p>
           <a:p>
             <a:r>
-              <a:rPr lang="de-DE" dirty="0" smtClean="0"/>
+              <a:rPr lang="de-DE" dirty="0"/>
               <a:t>SDD</a:t>
             </a:r>
           </a:p>
           <a:p>
             <a:r>
-              <a:rPr lang="de-DE" dirty="0" smtClean="0"/>
+              <a:rPr lang="de-DE" dirty="0"/>
               <a:t>ODD</a:t>
             </a:r>
           </a:p>
           <a:p>
             <a:r>
-              <a:rPr lang="de-DE" dirty="0" smtClean="0"/>
+              <a:rPr lang="de-DE" dirty="0"/>
               <a:t>TM</a:t>
             </a:r>
           </a:p>
           <a:p>
             <a:r>
-              <a:rPr lang="de-DE" dirty="0" smtClean="0"/>
+              <a:rPr lang="de-DE" dirty="0"/>
               <a:t>UM</a:t>
             </a:r>
             <a:endParaRPr lang="en-US" dirty="0"/>
@@ -28251,7 +27856,7 @@
               <a:buChar char="§"/>
               <a:tabLst/>
             </a:pPr>
-            <a:endParaRPr kumimoji="0" lang="en-US" sz="2400" b="0" i="0" u="none" strike="noStrike" cap="none" normalizeH="0" baseline="0" smtClean="0">
+            <a:endParaRPr kumimoji="0" lang="en-US" sz="2400" b="0" i="0" u="none" strike="noStrike" cap="none" normalizeH="0" baseline="0">
               <a:ln>
                 <a:noFill/>
               </a:ln>
@@ -30146,13 +29751,6 @@
   <p:transition>
     <p:zoom/>
   </p:transition>
-  <p:timing>
-    <p:tnLst>
-      <p:par>
-        <p:cTn id="1" dur="indefinite" restart="never" nodeType="tmRoot"/>
-      </p:par>
-    </p:tnLst>
-  </p:timing>
 </p:sld>
 </file>
 
@@ -30230,21 +29828,21 @@
           <a:p>
             <a:pPr lvl="1"/>
             <a:r>
-              <a:rPr lang="en-US" dirty="0" smtClean="0"/>
+              <a:rPr lang="en-US" dirty="0"/>
               <a:t>Wiki</a:t>
             </a:r>
           </a:p>
           <a:p>
             <a:pPr lvl="2"/>
             <a:r>
-              <a:rPr lang="en-US" dirty="0" smtClean="0"/>
+              <a:rPr lang="en-US" dirty="0"/>
               <a:t>What is Topology-Editor? (Screenshots)</a:t>
             </a:r>
           </a:p>
           <a:p>
             <a:pPr lvl="2"/>
             <a:r>
-              <a:rPr lang="de-DE" dirty="0" smtClean="0"/>
+              <a:rPr lang="de-DE" dirty="0"/>
               <a:t>SDD</a:t>
             </a:r>
           </a:p>
@@ -30258,59 +29856,59 @@
           <a:p>
             <a:pPr lvl="1"/>
             <a:r>
-              <a:rPr lang="en-US" dirty="0" err="1" smtClean="0"/>
+              <a:rPr lang="en-US" dirty="0" err="1"/>
               <a:t>Howtos</a:t>
-            </a:r>
-            <a:endParaRPr lang="en-US" dirty="0" smtClean="0"/>
-          </a:p>
-          <a:p>
-            <a:pPr lvl="2"/>
-            <a:r>
-              <a:rPr lang="de-DE" dirty="0" smtClean="0"/>
-              <a:t>Repository</a:t>
             </a:r>
             <a:endParaRPr lang="en-US" dirty="0"/>
           </a:p>
           <a:p>
             <a:pPr lvl="2"/>
             <a:r>
-              <a:rPr lang="de-DE" dirty="0" err="1" smtClean="0"/>
-              <a:t>Issue</a:t>
-            </a:r>
-            <a:r>
-              <a:rPr lang="de-DE" dirty="0" smtClean="0"/>
-              <a:t> Tracking</a:t>
+              <a:rPr lang="de-DE" dirty="0"/>
+              <a:t>Repository</a:t>
             </a:r>
             <a:endParaRPr lang="en-US" dirty="0"/>
           </a:p>
           <a:p>
             <a:pPr lvl="2"/>
             <a:r>
-              <a:rPr lang="de-DE" dirty="0" err="1" smtClean="0"/>
+              <a:rPr lang="de-DE" dirty="0" err="1"/>
+              <a:t>Issue</a:t>
+            </a:r>
+            <a:r>
+              <a:rPr lang="de-DE" dirty="0"/>
+              <a:t> Tracking</a:t>
+            </a:r>
+            <a:endParaRPr lang="en-US" dirty="0"/>
+          </a:p>
+          <a:p>
+            <a:pPr lvl="2"/>
+            <a:r>
+              <a:rPr lang="de-DE" dirty="0" err="1"/>
               <a:t>How</a:t>
             </a:r>
             <a:r>
-              <a:rPr lang="de-DE" dirty="0" smtClean="0"/>
+              <a:rPr lang="de-DE" dirty="0"/>
               <a:t> </a:t>
             </a:r>
             <a:r>
-              <a:rPr lang="de-DE" dirty="0" err="1" smtClean="0"/>
+              <a:rPr lang="de-DE" dirty="0" err="1"/>
               <a:t>to</a:t>
             </a:r>
             <a:r>
-              <a:rPr lang="de-DE" dirty="0" smtClean="0"/>
+              <a:rPr lang="de-DE" dirty="0"/>
               <a:t> </a:t>
             </a:r>
             <a:r>
-              <a:rPr lang="de-DE" dirty="0" err="1" smtClean="0"/>
+              <a:rPr lang="de-DE" dirty="0" err="1"/>
               <a:t>start</a:t>
             </a:r>
-            <a:endParaRPr lang="de-DE" dirty="0" smtClean="0"/>
+            <a:endParaRPr lang="de-DE" dirty="0"/>
           </a:p>
           <a:p>
             <a:pPr lvl="1"/>
             <a:r>
-              <a:rPr lang="de-DE" dirty="0" err="1" smtClean="0"/>
+              <a:rPr lang="de-DE" dirty="0" err="1"/>
               <a:t>Proposals</a:t>
             </a:r>
             <a:endParaRPr lang="en-US" dirty="0"/>
@@ -31061,7 +30659,7 @@
           <a:p>
             <a:r>
               <a:rPr lang="de-DE" dirty="0"/>
-              <a:t>Hidden Workspace: Wiki</a:t>
+              <a:t>Wiki: SDD</a:t>
             </a:r>
           </a:p>
         </p:txBody>
@@ -31088,35 +30686,54 @@
           <a:lstStyle/>
           <a:p>
             <a:r>
+              <a:rPr lang="en-US" dirty="0"/>
+              <a:t>Definition</a:t>
+            </a:r>
+          </a:p>
+          <a:p>
+            <a:r>
               <a:rPr lang="de-DE" dirty="0"/>
-              <a:t>Wiki</a:t>
+              <a:t>Design-Übersicht</a:t>
+            </a:r>
+          </a:p>
+          <a:p>
+            <a:r>
+              <a:rPr lang="de-DE" dirty="0"/>
+              <a:t>System-Architektur</a:t>
             </a:r>
           </a:p>
           <a:p>
             <a:pPr lvl="1"/>
             <a:r>
-              <a:rPr lang="en-US" dirty="0"/>
-              <a:t>What is Topology-Editor? (Screenshots)</a:t>
+              <a:rPr lang="de-DE" dirty="0"/>
+              <a:t>Beschreibung der Schnittstellen des Systems</a:t>
             </a:r>
           </a:p>
           <a:p>
-            <a:pPr lvl="1"/>
             <a:r>
               <a:rPr lang="de-DE" dirty="0"/>
-              <a:t>SDD</a:t>
+              <a:t>Detailbeschreibung der Komponenten</a:t>
             </a:r>
           </a:p>
           <a:p>
-            <a:pPr lvl="1"/>
-            <a:r>
-              <a:rPr lang="en-US" dirty="0"/>
-              <a:t>Tech Stacks</a:t>
+            <a:r>
+              <a:rPr lang="de-DE" dirty="0"/>
+              <a:t>Benutzerschnittstelle (UI)</a:t>
             </a:r>
           </a:p>
           <a:p>
-            <a:pPr marL="0" indent="0">
+            <a:endParaRPr lang="de-DE" dirty="0"/>
+          </a:p>
+          <a:p>
+            <a:endParaRPr lang="en-US" dirty="0"/>
+          </a:p>
+          <a:p>
+            <a:pPr marL="457200" lvl="1" indent="0">
               <a:buNone/>
             </a:pPr>
+            <a:endParaRPr lang="de-DE" dirty="0"/>
+          </a:p>
+          <a:p>
             <a:endParaRPr lang="de-DE" dirty="0"/>
           </a:p>
         </p:txBody>
@@ -31161,7 +30778,7 @@
     </p:spTree>
     <p:extLst>
       <p:ext uri="{BB962C8B-B14F-4D97-AF65-F5344CB8AC3E}">
-        <p14:creationId xmlns:p14="http://schemas.microsoft.com/office/powerpoint/2010/main" val="809735031"/>
+        <p14:creationId xmlns:p14="http://schemas.microsoft.com/office/powerpoint/2010/main" val="4257936119"/>
       </p:ext>
     </p:extLst>
   </p:cSld>
@@ -31171,13 +30788,6 @@
   <p:transition>
     <p:zoom/>
   </p:transition>
-  <p:timing>
-    <p:tnLst>
-      <p:par>
-        <p:cTn id="1" dur="indefinite" restart="never" nodeType="tmRoot"/>
-      </p:par>
-    </p:tnLst>
-  </p:timing>
 </p:sld>
 </file>
 

--- a/Topology-Editor.pptx
+++ b/Topology-Editor.pptx
@@ -4130,6 +4130,13 @@
         </dgm:presLayoutVars>
       </dgm:prSet>
       <dgm:spPr/>
+      <dgm:t>
+        <a:bodyPr/>
+        <a:lstStyle/>
+        <a:p>
+          <a:endParaRPr lang="de-DE"/>
+        </a:p>
+      </dgm:t>
     </dgm:pt>
     <dgm:pt modelId="{E3B93B31-32D8-4416-A261-5CA14FC031FD}" type="pres">
       <dgm:prSet presAssocID="{8EFBBE4B-BA83-4F2C-B7DC-936C70EB636B}" presName="node" presStyleLbl="node1" presStyleIdx="0" presStyleCnt="4">
@@ -4142,6 +4149,13 @@
           <a:avLst/>
         </a:prstGeom>
       </dgm:spPr>
+      <dgm:t>
+        <a:bodyPr/>
+        <a:lstStyle/>
+        <a:p>
+          <a:endParaRPr lang="de-DE"/>
+        </a:p>
+      </dgm:t>
     </dgm:pt>
     <dgm:pt modelId="{3B5584AE-7BA2-478B-B7E2-5E43981F66FA}" type="pres">
       <dgm:prSet presAssocID="{DB0B624C-66F2-49D8-AEA4-6848F2530DCF}" presName="sibTrans" presStyleCnt="0"/>
@@ -4158,6 +4172,13 @@
           <a:avLst/>
         </a:prstGeom>
       </dgm:spPr>
+      <dgm:t>
+        <a:bodyPr/>
+        <a:lstStyle/>
+        <a:p>
+          <a:endParaRPr lang="de-DE"/>
+        </a:p>
+      </dgm:t>
     </dgm:pt>
     <dgm:pt modelId="{8C23EEB9-DE69-4152-8E1E-6AE36410C6D8}" type="pres">
       <dgm:prSet presAssocID="{E55ED425-828B-4A5B-B5BB-06D44A059386}" presName="sibTrans" presStyleCnt="0"/>
@@ -4174,6 +4195,13 @@
           <a:avLst/>
         </a:prstGeom>
       </dgm:spPr>
+      <dgm:t>
+        <a:bodyPr/>
+        <a:lstStyle/>
+        <a:p>
+          <a:endParaRPr lang="de-DE"/>
+        </a:p>
+      </dgm:t>
     </dgm:pt>
     <dgm:pt modelId="{0FFEF3FD-37F8-48FE-B648-A7F88BAA6A6D}" type="pres">
       <dgm:prSet presAssocID="{2C7202BE-4A70-4084-BDB8-CD1BDB153074}" presName="sibTrans" presStyleCnt="0"/>
@@ -4190,18 +4218,25 @@
           <a:avLst/>
         </a:prstGeom>
       </dgm:spPr>
+      <dgm:t>
+        <a:bodyPr/>
+        <a:lstStyle/>
+        <a:p>
+          <a:endParaRPr lang="de-DE"/>
+        </a:p>
+      </dgm:t>
     </dgm:pt>
   </dgm:ptLst>
   <dgm:cxnLst>
-    <dgm:cxn modelId="{86FAA609-E612-4419-BD92-E19A8BACB1BC}" srcId="{E8D35918-DEFC-4FAB-9D9C-A926D32C03E2}" destId="{EB6658FB-32EB-4FEB-91DB-B3933CF4EFB8}" srcOrd="3" destOrd="0" parTransId="{273B25B5-9C13-4F3F-B879-B8C54379EB53}" sibTransId="{D0414F0D-D38A-479E-BB6E-32A4C9F47ACB}"/>
-    <dgm:cxn modelId="{423F7139-FDE8-4782-AC5E-64078F9B25D1}" type="presOf" srcId="{EB6658FB-32EB-4FEB-91DB-B3933CF4EFB8}" destId="{DACF08B4-CC41-4B4C-8B10-6FC93923333B}" srcOrd="0" destOrd="0" presId="urn:microsoft.com/office/officeart/2005/8/layout/default"/>
-    <dgm:cxn modelId="{39F9C03A-94EF-4CDD-AC63-9784937FC1E5}" srcId="{E8D35918-DEFC-4FAB-9D9C-A926D32C03E2}" destId="{A9A6F6DD-4F40-4187-B81A-C9F15234F05B}" srcOrd="2" destOrd="0" parTransId="{8D2253CA-F2F1-415F-A3E6-8F9839653CEA}" sibTransId="{2C7202BE-4A70-4084-BDB8-CD1BDB153074}"/>
+    <dgm:cxn modelId="{B591BAD1-AA9D-42FC-B7A1-80C00C2A6E60}" type="presOf" srcId="{A9A6F6DD-4F40-4187-B81A-C9F15234F05B}" destId="{773ECFB5-00D3-479A-A6EE-EFEEE6AAFC91}" srcOrd="0" destOrd="0" presId="urn:microsoft.com/office/officeart/2005/8/layout/default"/>
+    <dgm:cxn modelId="{149652F4-13F7-4811-96B1-83FDD2B8CA2C}" srcId="{E8D35918-DEFC-4FAB-9D9C-A926D32C03E2}" destId="{8EFBBE4B-BA83-4F2C-B7DC-936C70EB636B}" srcOrd="0" destOrd="0" parTransId="{BF881EC4-403E-4350-825E-DAEE2ECCFC2F}" sibTransId="{DB0B624C-66F2-49D8-AEA4-6848F2530DCF}"/>
+    <dgm:cxn modelId="{36A735B5-772F-48C6-9C34-843F80D43D13}" type="presOf" srcId="{8EFBBE4B-BA83-4F2C-B7DC-936C70EB636B}" destId="{E3B93B31-32D8-4416-A261-5CA14FC031FD}" srcOrd="0" destOrd="0" presId="urn:microsoft.com/office/officeart/2005/8/layout/default"/>
     <dgm:cxn modelId="{79B7FC6A-5AC1-43E1-AB04-6BF18E01B56D}" srcId="{E8D35918-DEFC-4FAB-9D9C-A926D32C03E2}" destId="{CB852511-358C-492D-AB64-6F5656547F15}" srcOrd="1" destOrd="0" parTransId="{26DE5FAE-7B11-409B-B190-0C1C62B423BF}" sibTransId="{E55ED425-828B-4A5B-B5BB-06D44A059386}"/>
     <dgm:cxn modelId="{5C6F617D-9874-4D39-856A-A74149CBBFF3}" type="presOf" srcId="{CB852511-358C-492D-AB64-6F5656547F15}" destId="{16FD48F7-713A-4886-A2F9-3EC26972A198}" srcOrd="0" destOrd="0" presId="urn:microsoft.com/office/officeart/2005/8/layout/default"/>
+    <dgm:cxn modelId="{423F7139-FDE8-4782-AC5E-64078F9B25D1}" type="presOf" srcId="{EB6658FB-32EB-4FEB-91DB-B3933CF4EFB8}" destId="{DACF08B4-CC41-4B4C-8B10-6FC93923333B}" srcOrd="0" destOrd="0" presId="urn:microsoft.com/office/officeart/2005/8/layout/default"/>
     <dgm:cxn modelId="{3DBFEAB1-E8EC-4097-BE64-B420E604D1E5}" type="presOf" srcId="{E8D35918-DEFC-4FAB-9D9C-A926D32C03E2}" destId="{CAE94EC1-FB26-4C6F-B916-9EC44ED63B8E}" srcOrd="0" destOrd="0" presId="urn:microsoft.com/office/officeart/2005/8/layout/default"/>
-    <dgm:cxn modelId="{36A735B5-772F-48C6-9C34-843F80D43D13}" type="presOf" srcId="{8EFBBE4B-BA83-4F2C-B7DC-936C70EB636B}" destId="{E3B93B31-32D8-4416-A261-5CA14FC031FD}" srcOrd="0" destOrd="0" presId="urn:microsoft.com/office/officeart/2005/8/layout/default"/>
-    <dgm:cxn modelId="{B591BAD1-AA9D-42FC-B7A1-80C00C2A6E60}" type="presOf" srcId="{A9A6F6DD-4F40-4187-B81A-C9F15234F05B}" destId="{773ECFB5-00D3-479A-A6EE-EFEEE6AAFC91}" srcOrd="0" destOrd="0" presId="urn:microsoft.com/office/officeart/2005/8/layout/default"/>
-    <dgm:cxn modelId="{149652F4-13F7-4811-96B1-83FDD2B8CA2C}" srcId="{E8D35918-DEFC-4FAB-9D9C-A926D32C03E2}" destId="{8EFBBE4B-BA83-4F2C-B7DC-936C70EB636B}" srcOrd="0" destOrd="0" parTransId="{BF881EC4-403E-4350-825E-DAEE2ECCFC2F}" sibTransId="{DB0B624C-66F2-49D8-AEA4-6848F2530DCF}"/>
+    <dgm:cxn modelId="{86FAA609-E612-4419-BD92-E19A8BACB1BC}" srcId="{E8D35918-DEFC-4FAB-9D9C-A926D32C03E2}" destId="{EB6658FB-32EB-4FEB-91DB-B3933CF4EFB8}" srcOrd="3" destOrd="0" parTransId="{273B25B5-9C13-4F3F-B879-B8C54379EB53}" sibTransId="{D0414F0D-D38A-479E-BB6E-32A4C9F47ACB}"/>
+    <dgm:cxn modelId="{39F9C03A-94EF-4CDD-AC63-9784937FC1E5}" srcId="{E8D35918-DEFC-4FAB-9D9C-A926D32C03E2}" destId="{A9A6F6DD-4F40-4187-B81A-C9F15234F05B}" srcOrd="2" destOrd="0" parTransId="{8D2253CA-F2F1-415F-A3E6-8F9839653CEA}" sibTransId="{2C7202BE-4A70-4084-BDB8-CD1BDB153074}"/>
     <dgm:cxn modelId="{A7293AF9-0866-4EEC-86AF-2905A46C657C}" type="presParOf" srcId="{CAE94EC1-FB26-4C6F-B916-9EC44ED63B8E}" destId="{E3B93B31-32D8-4416-A261-5CA14FC031FD}" srcOrd="0" destOrd="0" presId="urn:microsoft.com/office/officeart/2005/8/layout/default"/>
     <dgm:cxn modelId="{D484D3AB-379E-4326-87EE-B14C95A99A43}" type="presParOf" srcId="{CAE94EC1-FB26-4C6F-B916-9EC44ED63B8E}" destId="{3B5584AE-7BA2-478B-B7E2-5E43981F66FA}" srcOrd="1" destOrd="0" presId="urn:microsoft.com/office/officeart/2005/8/layout/default"/>
     <dgm:cxn modelId="{85ED0EFF-9EF1-4D5A-8783-97A1BA787DB9}" type="presParOf" srcId="{CAE94EC1-FB26-4C6F-B916-9EC44ED63B8E}" destId="{16FD48F7-713A-4886-A2F9-3EC26972A198}" srcOrd="2" destOrd="0" presId="urn:microsoft.com/office/officeart/2005/8/layout/default"/>
@@ -4327,10 +4362,24 @@
         </dgm:presLayoutVars>
       </dgm:prSet>
       <dgm:spPr/>
+      <dgm:t>
+        <a:bodyPr/>
+        <a:lstStyle/>
+        <a:p>
+          <a:endParaRPr lang="de-DE"/>
+        </a:p>
+      </dgm:t>
     </dgm:pt>
     <dgm:pt modelId="{66E3E58E-4D97-4302-A17C-EC20E70E3793}" type="pres">
       <dgm:prSet presAssocID="{E4D0EF0E-DBA2-4531-A31C-C6930D214C84}" presName="circ1" presStyleLbl="vennNode1" presStyleIdx="0" presStyleCnt="2"/>
       <dgm:spPr/>
+      <dgm:t>
+        <a:bodyPr/>
+        <a:lstStyle/>
+        <a:p>
+          <a:endParaRPr lang="de-DE"/>
+        </a:p>
+      </dgm:t>
     </dgm:pt>
     <dgm:pt modelId="{8C7BF37F-BC1E-4275-849D-5A2D4F9C3F9D}" type="pres">
       <dgm:prSet presAssocID="{E4D0EF0E-DBA2-4531-A31C-C6930D214C84}" presName="circ1Tx" presStyleLbl="revTx" presStyleIdx="0" presStyleCnt="0">
@@ -4341,10 +4390,24 @@
         </dgm:presLayoutVars>
       </dgm:prSet>
       <dgm:spPr/>
+      <dgm:t>
+        <a:bodyPr/>
+        <a:lstStyle/>
+        <a:p>
+          <a:endParaRPr lang="de-DE"/>
+        </a:p>
+      </dgm:t>
     </dgm:pt>
     <dgm:pt modelId="{A1E145C4-BD38-4E1E-9C41-61BC097FBF06}" type="pres">
       <dgm:prSet presAssocID="{077EF243-B640-473B-BB71-B7A3B8393BAE}" presName="circ2" presStyleLbl="vennNode1" presStyleIdx="1" presStyleCnt="2"/>
       <dgm:spPr/>
+      <dgm:t>
+        <a:bodyPr/>
+        <a:lstStyle/>
+        <a:p>
+          <a:endParaRPr lang="de-DE"/>
+        </a:p>
+      </dgm:t>
     </dgm:pt>
     <dgm:pt modelId="{EAC5C05D-8120-4F73-A71F-02F05BA7C2FC}" type="pres">
       <dgm:prSet presAssocID="{077EF243-B640-473B-BB71-B7A3B8393BAE}" presName="circ2Tx" presStyleLbl="revTx" presStyleIdx="0" presStyleCnt="0">
@@ -4355,16 +4418,23 @@
         </dgm:presLayoutVars>
       </dgm:prSet>
       <dgm:spPr/>
+      <dgm:t>
+        <a:bodyPr/>
+        <a:lstStyle/>
+        <a:p>
+          <a:endParaRPr lang="de-DE"/>
+        </a:p>
+      </dgm:t>
     </dgm:pt>
   </dgm:ptLst>
   <dgm:cxnLst>
+    <dgm:cxn modelId="{B33D83B8-14CA-407D-B3EC-6692ABD962B1}" srcId="{E6B90233-3499-4EBD-846D-F4882C32CF44}" destId="{E4D0EF0E-DBA2-4531-A31C-C6930D214C84}" srcOrd="0" destOrd="0" parTransId="{889FCBBC-EE1A-42B9-9566-E1F5040A8482}" sibTransId="{398041D4-FF59-4E3A-9A4B-740C42FC210F}"/>
+    <dgm:cxn modelId="{182C297E-7A65-4D99-94A3-95A9A17F6F37}" type="presOf" srcId="{E4D0EF0E-DBA2-4531-A31C-C6930D214C84}" destId="{8C7BF37F-BC1E-4275-849D-5A2D4F9C3F9D}" srcOrd="1" destOrd="0" presId="urn:microsoft.com/office/officeart/2005/8/layout/venn1"/>
     <dgm:cxn modelId="{F9827419-875B-4992-B6DB-7039F0B93327}" srcId="{E6B90233-3499-4EBD-846D-F4882C32CF44}" destId="{077EF243-B640-473B-BB71-B7A3B8393BAE}" srcOrd="1" destOrd="0" parTransId="{4C4788DA-5D99-4988-9B48-84CE93F94A46}" sibTransId="{D0203047-3670-489B-AEEE-4D042F9D2635}"/>
+    <dgm:cxn modelId="{333B35FD-8412-40C9-BA4D-66A3636BB43A}" type="presOf" srcId="{077EF243-B640-473B-BB71-B7A3B8393BAE}" destId="{A1E145C4-BD38-4E1E-9C41-61BC097FBF06}" srcOrd="0" destOrd="0" presId="urn:microsoft.com/office/officeart/2005/8/layout/venn1"/>
+    <dgm:cxn modelId="{B0DF6674-1A89-40F3-A217-035F05ED4C17}" type="presOf" srcId="{E4D0EF0E-DBA2-4531-A31C-C6930D214C84}" destId="{66E3E58E-4D97-4302-A17C-EC20E70E3793}" srcOrd="0" destOrd="0" presId="urn:microsoft.com/office/officeart/2005/8/layout/venn1"/>
+    <dgm:cxn modelId="{79080AF1-9869-4F79-A4A2-D9AF4F2C582C}" type="presOf" srcId="{E6B90233-3499-4EBD-846D-F4882C32CF44}" destId="{2D0E4173-B873-4B5F-8340-E243B4472D6D}" srcOrd="0" destOrd="0" presId="urn:microsoft.com/office/officeart/2005/8/layout/venn1"/>
     <dgm:cxn modelId="{BC0F8567-DEDD-408D-B3B0-715512DD58F9}" type="presOf" srcId="{077EF243-B640-473B-BB71-B7A3B8393BAE}" destId="{EAC5C05D-8120-4F73-A71F-02F05BA7C2FC}" srcOrd="1" destOrd="0" presId="urn:microsoft.com/office/officeart/2005/8/layout/venn1"/>
-    <dgm:cxn modelId="{B0DF6674-1A89-40F3-A217-035F05ED4C17}" type="presOf" srcId="{E4D0EF0E-DBA2-4531-A31C-C6930D214C84}" destId="{66E3E58E-4D97-4302-A17C-EC20E70E3793}" srcOrd="0" destOrd="0" presId="urn:microsoft.com/office/officeart/2005/8/layout/venn1"/>
-    <dgm:cxn modelId="{182C297E-7A65-4D99-94A3-95A9A17F6F37}" type="presOf" srcId="{E4D0EF0E-DBA2-4531-A31C-C6930D214C84}" destId="{8C7BF37F-BC1E-4275-849D-5A2D4F9C3F9D}" srcOrd="1" destOrd="0" presId="urn:microsoft.com/office/officeart/2005/8/layout/venn1"/>
-    <dgm:cxn modelId="{B33D83B8-14CA-407D-B3EC-6692ABD962B1}" srcId="{E6B90233-3499-4EBD-846D-F4882C32CF44}" destId="{E4D0EF0E-DBA2-4531-A31C-C6930D214C84}" srcOrd="0" destOrd="0" parTransId="{889FCBBC-EE1A-42B9-9566-E1F5040A8482}" sibTransId="{398041D4-FF59-4E3A-9A4B-740C42FC210F}"/>
-    <dgm:cxn modelId="{79080AF1-9869-4F79-A4A2-D9AF4F2C582C}" type="presOf" srcId="{E6B90233-3499-4EBD-846D-F4882C32CF44}" destId="{2D0E4173-B873-4B5F-8340-E243B4472D6D}" srcOrd="0" destOrd="0" presId="urn:microsoft.com/office/officeart/2005/8/layout/venn1"/>
-    <dgm:cxn modelId="{333B35FD-8412-40C9-BA4D-66A3636BB43A}" type="presOf" srcId="{077EF243-B640-473B-BB71-B7A3B8393BAE}" destId="{A1E145C4-BD38-4E1E-9C41-61BC097FBF06}" srcOrd="0" destOrd="0" presId="urn:microsoft.com/office/officeart/2005/8/layout/venn1"/>
     <dgm:cxn modelId="{1971B7E5-2280-4990-9482-3320D2F4C247}" type="presParOf" srcId="{2D0E4173-B873-4B5F-8340-E243B4472D6D}" destId="{66E3E58E-4D97-4302-A17C-EC20E70E3793}" srcOrd="0" destOrd="0" presId="urn:microsoft.com/office/officeart/2005/8/layout/venn1"/>
     <dgm:cxn modelId="{C84CA035-C07C-4E46-95F7-D4E0D5D0CFD2}" type="presParOf" srcId="{2D0E4173-B873-4B5F-8340-E243B4472D6D}" destId="{8C7BF37F-BC1E-4275-849D-5A2D4F9C3F9D}" srcOrd="1" destOrd="0" presId="urn:microsoft.com/office/officeart/2005/8/layout/venn1"/>
     <dgm:cxn modelId="{FAE84917-6A7F-4FC3-86E8-1800D8BAF973}" type="presParOf" srcId="{2D0E4173-B873-4B5F-8340-E243B4472D6D}" destId="{A1E145C4-BD38-4E1E-9C41-61BC097FBF06}" srcOrd="2" destOrd="0" presId="urn:microsoft.com/office/officeart/2005/8/layout/venn1"/>
@@ -4443,6 +4513,13 @@
         </dgm:presLayoutVars>
       </dgm:prSet>
       <dgm:spPr/>
+      <dgm:t>
+        <a:bodyPr/>
+        <a:lstStyle/>
+        <a:p>
+          <a:endParaRPr lang="de-DE"/>
+        </a:p>
+      </dgm:t>
     </dgm:pt>
     <dgm:pt modelId="{1590028B-441C-4AF2-A195-E7406520C2FB}" type="pres">
       <dgm:prSet presAssocID="{5BD8170D-6914-4F7C-989B-81251EF67F3B}" presName="parentText" presStyleLbl="node1" presStyleIdx="0" presStyleCnt="1">
@@ -4452,19 +4529,26 @@
         </dgm:presLayoutVars>
       </dgm:prSet>
       <dgm:spPr/>
+      <dgm:t>
+        <a:bodyPr/>
+        <a:lstStyle/>
+        <a:p>
+          <a:endParaRPr lang="de-DE"/>
+        </a:p>
+      </dgm:t>
     </dgm:pt>
   </dgm:ptLst>
   <dgm:cxnLst>
     <dgm:cxn modelId="{9075C053-94FF-4A20-B294-A8233963EAEB}" type="presOf" srcId="{EEAD6A1E-9E00-40A4-8663-EE403A9C61C5}" destId="{AB7EED68-1A8A-4F84-9EA5-E26DD249B0FC}" srcOrd="0" destOrd="0" presId="urn:microsoft.com/office/officeart/2005/8/layout/vList2"/>
+    <dgm:cxn modelId="{AFAB6BC8-9B46-4EC3-B1B9-2F447096845B}" srcId="{EEAD6A1E-9E00-40A4-8663-EE403A9C61C5}" destId="{5BD8170D-6914-4F7C-989B-81251EF67F3B}" srcOrd="0" destOrd="0" parTransId="{A91D8662-2E52-4FFB-BFB2-B2CC734DF2A0}" sibTransId="{FEE4E19A-E51A-427D-96AB-7BB792BD8A99}"/>
     <dgm:cxn modelId="{6A0D65AF-9225-498F-AC78-CBE08D155998}" type="presOf" srcId="{5BD8170D-6914-4F7C-989B-81251EF67F3B}" destId="{1590028B-441C-4AF2-A195-E7406520C2FB}" srcOrd="0" destOrd="0" presId="urn:microsoft.com/office/officeart/2005/8/layout/vList2"/>
-    <dgm:cxn modelId="{AFAB6BC8-9B46-4EC3-B1B9-2F447096845B}" srcId="{EEAD6A1E-9E00-40A4-8663-EE403A9C61C5}" destId="{5BD8170D-6914-4F7C-989B-81251EF67F3B}" srcOrd="0" destOrd="0" parTransId="{A91D8662-2E52-4FFB-BFB2-B2CC734DF2A0}" sibTransId="{FEE4E19A-E51A-427D-96AB-7BB792BD8A99}"/>
     <dgm:cxn modelId="{6748F089-D990-45C8-85CE-8A116D17BC5D}" type="presParOf" srcId="{AB7EED68-1A8A-4F84-9EA5-E26DD249B0FC}" destId="{1590028B-441C-4AF2-A195-E7406520C2FB}" srcOrd="0" destOrd="0" presId="urn:microsoft.com/office/officeart/2005/8/layout/vList2"/>
   </dgm:cxnLst>
   <dgm:bg/>
   <dgm:whole/>
   <dgm:extLst>
     <a:ext uri="http://schemas.microsoft.com/office/drawing/2008/diagram">
-      <dsp:dataModelExt xmlns:dsp="http://schemas.microsoft.com/office/drawing/2008/diagram" relId="rId7" minVer="http://schemas.openxmlformats.org/drawingml/2006/diagram"/>
+      <dsp:dataModelExt xmlns:dsp="http://schemas.microsoft.com/office/drawing/2008/diagram" relId="rId8" minVer="http://schemas.openxmlformats.org/drawingml/2006/diagram"/>
     </a:ext>
   </dgm:extLst>
 </dgm:dataModel>
@@ -4533,6 +4617,13 @@
         </dgm:presLayoutVars>
       </dgm:prSet>
       <dgm:spPr/>
+      <dgm:t>
+        <a:bodyPr/>
+        <a:lstStyle/>
+        <a:p>
+          <a:endParaRPr lang="de-DE"/>
+        </a:p>
+      </dgm:t>
     </dgm:pt>
     <dgm:pt modelId="{0B000412-79C1-4F4C-BD55-10878ADA0BB8}" type="pres">
       <dgm:prSet presAssocID="{963898D0-3ACE-4C7F-836F-851CC58364B7}" presName="parentText" presStyleLbl="node1" presStyleIdx="0" presStyleCnt="1" custLinFactNeighborX="-14" custLinFactNeighborY="-1534">
@@ -4542,19 +4633,26 @@
         </dgm:presLayoutVars>
       </dgm:prSet>
       <dgm:spPr/>
+      <dgm:t>
+        <a:bodyPr/>
+        <a:lstStyle/>
+        <a:p>
+          <a:endParaRPr lang="de-DE"/>
+        </a:p>
+      </dgm:t>
     </dgm:pt>
   </dgm:ptLst>
   <dgm:cxnLst>
+    <dgm:cxn modelId="{47D31DDA-ABD1-441F-AF93-1B15A40E639B}" srcId="{52C9E91C-D27C-41D0-8467-762D3E0E7337}" destId="{963898D0-3ACE-4C7F-836F-851CC58364B7}" srcOrd="0" destOrd="0" parTransId="{5FE8966D-A173-4AE0-AFB5-3BE653DF7699}" sibTransId="{43BD4552-44CA-46E5-B318-AE54330BC5DD}"/>
+    <dgm:cxn modelId="{5EB2E771-0368-46C8-91E2-49B72FEDCADC}" type="presOf" srcId="{963898D0-3ACE-4C7F-836F-851CC58364B7}" destId="{0B000412-79C1-4F4C-BD55-10878ADA0BB8}" srcOrd="0" destOrd="0" presId="urn:microsoft.com/office/officeart/2005/8/layout/vList2"/>
     <dgm:cxn modelId="{A1083C4E-5642-4E2D-8689-B28F986ABAC6}" type="presOf" srcId="{52C9E91C-D27C-41D0-8467-762D3E0E7337}" destId="{F1B56AF7-8638-4007-BA3C-03D5B8C7FCB3}" srcOrd="0" destOrd="0" presId="urn:microsoft.com/office/officeart/2005/8/layout/vList2"/>
-    <dgm:cxn modelId="{5EB2E771-0368-46C8-91E2-49B72FEDCADC}" type="presOf" srcId="{963898D0-3ACE-4C7F-836F-851CC58364B7}" destId="{0B000412-79C1-4F4C-BD55-10878ADA0BB8}" srcOrd="0" destOrd="0" presId="urn:microsoft.com/office/officeart/2005/8/layout/vList2"/>
-    <dgm:cxn modelId="{47D31DDA-ABD1-441F-AF93-1B15A40E639B}" srcId="{52C9E91C-D27C-41D0-8467-762D3E0E7337}" destId="{963898D0-3ACE-4C7F-836F-851CC58364B7}" srcOrd="0" destOrd="0" parTransId="{5FE8966D-A173-4AE0-AFB5-3BE653DF7699}" sibTransId="{43BD4552-44CA-46E5-B318-AE54330BC5DD}"/>
     <dgm:cxn modelId="{0895ABEF-F194-4261-AD32-9F9F28D13A8A}" type="presParOf" srcId="{F1B56AF7-8638-4007-BA3C-03D5B8C7FCB3}" destId="{0B000412-79C1-4F4C-BD55-10878ADA0BB8}" srcOrd="0" destOrd="0" presId="urn:microsoft.com/office/officeart/2005/8/layout/vList2"/>
   </dgm:cxnLst>
   <dgm:bg/>
   <dgm:whole/>
   <dgm:extLst>
     <a:ext uri="http://schemas.microsoft.com/office/drawing/2008/diagram">
-      <dsp:dataModelExt xmlns:dsp="http://schemas.microsoft.com/office/drawing/2008/diagram" relId="rId12" minVer="http://schemas.openxmlformats.org/drawingml/2006/diagram"/>
+      <dsp:dataModelExt xmlns:dsp="http://schemas.microsoft.com/office/drawing/2008/diagram" relId="rId13" minVer="http://schemas.openxmlformats.org/drawingml/2006/diagram"/>
     </a:ext>
   </dgm:extLst>
 </dgm:dataModel>
@@ -5228,6 +5326,13 @@
     <dgm:pt modelId="{59C231A3-4399-47E1-89DF-1C7125294808}" type="pres">
       <dgm:prSet presAssocID="{8FFAAD93-093A-4643-8666-6592133D5148}" presName="circ1" presStyleLbl="vennNode1" presStyleIdx="0" presStyleCnt="3"/>
       <dgm:spPr/>
+      <dgm:t>
+        <a:bodyPr/>
+        <a:lstStyle/>
+        <a:p>
+          <a:endParaRPr lang="de-DE"/>
+        </a:p>
+      </dgm:t>
     </dgm:pt>
     <dgm:pt modelId="{05A04829-3ADD-4A0E-AF44-AFC6C6576FCC}" type="pres">
       <dgm:prSet presAssocID="{8FFAAD93-093A-4643-8666-6592133D5148}" presName="circ1Tx" presStyleLbl="revTx" presStyleIdx="0" presStyleCnt="0">
@@ -5238,10 +5343,24 @@
         </dgm:presLayoutVars>
       </dgm:prSet>
       <dgm:spPr/>
+      <dgm:t>
+        <a:bodyPr/>
+        <a:lstStyle/>
+        <a:p>
+          <a:endParaRPr lang="de-DE"/>
+        </a:p>
+      </dgm:t>
     </dgm:pt>
     <dgm:pt modelId="{A0DFDC1B-77C7-48EB-A021-78AA69786ADD}" type="pres">
       <dgm:prSet presAssocID="{E8D6131E-3A0B-413C-A175-032074A7C8CD}" presName="circ2" presStyleLbl="vennNode1" presStyleIdx="1" presStyleCnt="3"/>
       <dgm:spPr/>
+      <dgm:t>
+        <a:bodyPr/>
+        <a:lstStyle/>
+        <a:p>
+          <a:endParaRPr lang="de-DE"/>
+        </a:p>
+      </dgm:t>
     </dgm:pt>
     <dgm:pt modelId="{9FF6521E-F963-4CC7-985F-8DE096D1D719}" type="pres">
       <dgm:prSet presAssocID="{E8D6131E-3A0B-413C-A175-032074A7C8CD}" presName="circ2Tx" presStyleLbl="revTx" presStyleIdx="0" presStyleCnt="0">
@@ -5252,10 +5371,24 @@
         </dgm:presLayoutVars>
       </dgm:prSet>
       <dgm:spPr/>
+      <dgm:t>
+        <a:bodyPr/>
+        <a:lstStyle/>
+        <a:p>
+          <a:endParaRPr lang="de-DE"/>
+        </a:p>
+      </dgm:t>
     </dgm:pt>
     <dgm:pt modelId="{0B0A4924-9448-4041-80D8-5133D77B1EF8}" type="pres">
       <dgm:prSet presAssocID="{C43C6B0E-82E8-459E-90D3-8FA28CDB9FEB}" presName="circ3" presStyleLbl="vennNode1" presStyleIdx="2" presStyleCnt="3" custLinFactNeighborX="-368" custLinFactNeighborY="-1797"/>
       <dgm:spPr/>
+      <dgm:t>
+        <a:bodyPr/>
+        <a:lstStyle/>
+        <a:p>
+          <a:endParaRPr lang="de-DE"/>
+        </a:p>
+      </dgm:t>
     </dgm:pt>
     <dgm:pt modelId="{23A5DA59-5A2F-44EA-A611-B33241847054}" type="pres">
       <dgm:prSet presAssocID="{C43C6B0E-82E8-459E-90D3-8FA28CDB9FEB}" presName="circ3Tx" presStyleLbl="revTx" presStyleIdx="0" presStyleCnt="0">
@@ -5266,64 +5399,71 @@
         </dgm:presLayoutVars>
       </dgm:prSet>
       <dgm:spPr/>
+      <dgm:t>
+        <a:bodyPr/>
+        <a:lstStyle/>
+        <a:p>
+          <a:endParaRPr lang="de-DE"/>
+        </a:p>
+      </dgm:t>
     </dgm:pt>
   </dgm:ptLst>
   <dgm:cxnLst>
-    <dgm:cxn modelId="{36391700-0362-45E5-86EA-8CA66C74C9B6}" type="presOf" srcId="{8FFAAD93-093A-4643-8666-6592133D5148}" destId="{59C231A3-4399-47E1-89DF-1C7125294808}" srcOrd="0" destOrd="0" presId="urn:microsoft.com/office/officeart/2005/8/layout/venn1"/>
-    <dgm:cxn modelId="{7A2FDA00-A953-4B39-9EFF-4175B7C7C32C}" type="presOf" srcId="{FC4407A3-4517-45E9-A03A-4F0190D76EDC}" destId="{59C231A3-4399-47E1-89DF-1C7125294808}" srcOrd="0" destOrd="1" presId="urn:microsoft.com/office/officeart/2005/8/layout/venn1"/>
     <dgm:cxn modelId="{C3FB9803-EF08-4F06-8E1E-DEA27C82DF1D}" type="presOf" srcId="{AE952CBC-AFBB-46D7-9562-B6107CA30E37}" destId="{A0DFDC1B-77C7-48EB-A021-78AA69786ADD}" srcOrd="0" destOrd="3" presId="urn:microsoft.com/office/officeart/2005/8/layout/venn1"/>
-    <dgm:cxn modelId="{DA1A8607-4CBA-41DE-9E7B-D89BDDFA81A3}" type="presOf" srcId="{15CBFCD6-3559-44E7-834A-375076522B1E}" destId="{0B0A4924-9448-4041-80D8-5133D77B1EF8}" srcOrd="0" destOrd="2" presId="urn:microsoft.com/office/officeart/2005/8/layout/venn1"/>
-    <dgm:cxn modelId="{378A8F0D-0AC3-4D7A-8286-7AE1F1CB9A4D}" type="presOf" srcId="{AE952CBC-AFBB-46D7-9562-B6107CA30E37}" destId="{9FF6521E-F963-4CC7-985F-8DE096D1D719}" srcOrd="1" destOrd="3" presId="urn:microsoft.com/office/officeart/2005/8/layout/venn1"/>
+    <dgm:cxn modelId="{A78C7EA7-1230-40E6-BDA7-3A1024414BC4}" type="presOf" srcId="{0D9103D6-0E0B-4A01-A0C2-A3D312E3F222}" destId="{23A5DA59-5A2F-44EA-A611-B33241847054}" srcOrd="1" destOrd="1" presId="urn:microsoft.com/office/officeart/2005/8/layout/venn1"/>
+    <dgm:cxn modelId="{D5854DC4-F81A-4FA2-80DB-7C7DBD12B42B}" srcId="{8FFAAD93-093A-4643-8666-6592133D5148}" destId="{B91FAD6A-8684-422F-8011-C8437909F67A}" srcOrd="1" destOrd="0" parTransId="{A792254C-7132-40A7-AE58-4421DC5EC861}" sibTransId="{2C588BD9-162A-4022-AF7B-2B78D08FB1DD}"/>
+    <dgm:cxn modelId="{0293A3AF-4ACB-4C8F-BB88-94B74219B65D}" type="presOf" srcId="{C43C6B0E-82E8-459E-90D3-8FA28CDB9FEB}" destId="{23A5DA59-5A2F-44EA-A611-B33241847054}" srcOrd="1" destOrd="0" presId="urn:microsoft.com/office/officeart/2005/8/layout/venn1"/>
+    <dgm:cxn modelId="{AB854BEB-DA56-4C77-A7A8-11C935F1A966}" type="presOf" srcId="{E8D6131E-3A0B-413C-A175-032074A7C8CD}" destId="{9FF6521E-F963-4CC7-985F-8DE096D1D719}" srcOrd="1" destOrd="0" presId="urn:microsoft.com/office/officeart/2005/8/layout/venn1"/>
+    <dgm:cxn modelId="{C1E0688A-C9FB-4CCF-9970-AAA0AB97FED8}" type="presOf" srcId="{9E1FD446-4E0A-4888-B45A-C24376B4CA33}" destId="{23A5DA59-5A2F-44EA-A611-B33241847054}" srcOrd="1" destOrd="3" presId="urn:microsoft.com/office/officeart/2005/8/layout/venn1"/>
+    <dgm:cxn modelId="{A79E1CD5-A539-40D4-85A5-EC2DD800039B}" type="presOf" srcId="{CD3BB932-1D7F-411F-8971-F6ADE642AEF2}" destId="{0B0A4924-9448-4041-80D8-5133D77B1EF8}" srcOrd="0" destOrd="4" presId="urn:microsoft.com/office/officeart/2005/8/layout/venn1"/>
     <dgm:cxn modelId="{12EB0213-BF67-4F4A-98AE-8BC4CEC58680}" srcId="{E8D6131E-3A0B-413C-A175-032074A7C8CD}" destId="{345FF024-0154-4AED-8D4F-D740CFF56DB4}" srcOrd="1" destOrd="0" parTransId="{DED5F523-A82A-4921-BEC4-CB77633F1A18}" sibTransId="{34246D6E-C3F0-4E13-8467-9BD04A8E94B2}"/>
-    <dgm:cxn modelId="{E09F531A-CD92-441D-96EB-680FED7EC68E}" type="presOf" srcId="{B91FAD6A-8684-422F-8011-C8437909F67A}" destId="{59C231A3-4399-47E1-89DF-1C7125294808}" srcOrd="0" destOrd="2" presId="urn:microsoft.com/office/officeart/2005/8/layout/venn1"/>
-    <dgm:cxn modelId="{266EFA1E-A305-4EE5-A882-4848E508A991}" type="presOf" srcId="{2FEA0FE4-34BA-4CAD-A918-D2CC4C70FC09}" destId="{23A5DA59-5A2F-44EA-A611-B33241847054}" srcOrd="1" destOrd="5" presId="urn:microsoft.com/office/officeart/2005/8/layout/venn1"/>
-    <dgm:cxn modelId="{1543BB28-2793-43C8-993A-8A943AF4481F}" srcId="{C43C6B0E-82E8-459E-90D3-8FA28CDB9FEB}" destId="{15CBFCD6-3559-44E7-834A-375076522B1E}" srcOrd="1" destOrd="0" parTransId="{2BDC8AB9-9099-48BF-8978-2CCF0FE0092B}" sibTransId="{96C5A207-380A-4897-BC7D-08AA38B8E6E0}"/>
-    <dgm:cxn modelId="{2AE0BB2C-D3BA-4191-8DA9-349466BA091C}" srcId="{0266A603-8232-4D71-B200-E5FE68D18F3F}" destId="{8FFAAD93-093A-4643-8666-6592133D5148}" srcOrd="0" destOrd="0" parTransId="{0EF3D4AB-DF62-4B12-9E7C-B625D3E22117}" sibTransId="{DD346E06-9D81-468D-B484-5A437B8B67C8}"/>
     <dgm:cxn modelId="{4C641434-2AFA-445A-A904-B27E1D3B8AFD}" srcId="{0266A603-8232-4D71-B200-E5FE68D18F3F}" destId="{C43C6B0E-82E8-459E-90D3-8FA28CDB9FEB}" srcOrd="2" destOrd="0" parTransId="{3A02CFBF-18DC-449F-9D07-D592D03DB4B9}" sibTransId="{BA408F00-8943-4CF4-A1AE-2FE0384E996C}"/>
-    <dgm:cxn modelId="{DDD97535-BB86-4EE5-A9DF-CFE0EB2F8521}" type="presOf" srcId="{FC92CE58-B219-47E7-B200-5C27E4A0F990}" destId="{05A04829-3ADD-4A0E-AF44-AFC6C6576FCC}" srcOrd="1" destOrd="5" presId="urn:microsoft.com/office/officeart/2005/8/layout/venn1"/>
-    <dgm:cxn modelId="{579AB135-88FB-4CCA-BA8D-32F30557EE0D}" type="presOf" srcId="{2CA1279D-C9E1-4254-95B4-AAC304B533A6}" destId="{59C231A3-4399-47E1-89DF-1C7125294808}" srcOrd="0" destOrd="3" presId="urn:microsoft.com/office/officeart/2005/8/layout/venn1"/>
-    <dgm:cxn modelId="{4A3E203D-EF88-463B-BFF5-F18F17A13201}" srcId="{C43C6B0E-82E8-459E-90D3-8FA28CDB9FEB}" destId="{CD3BB932-1D7F-411F-8971-F6ADE642AEF2}" srcOrd="3" destOrd="0" parTransId="{A2EFBDA0-4BB4-4A00-B9FC-4E9D544F850F}" sibTransId="{A423818E-CA79-49E2-9AB4-DDC02DE50575}"/>
-    <dgm:cxn modelId="{FCC1E85C-8D8F-4801-A8FC-41D62D5A5514}" srcId="{E8D6131E-3A0B-413C-A175-032074A7C8CD}" destId="{9997303C-1FFF-4B91-BAB7-2DA3BF7A2831}" srcOrd="0" destOrd="0" parTransId="{EF0D375C-04B7-4798-8AEF-201C8B6E85F3}" sibTransId="{19E359EB-905A-4BC4-97E0-B01B85EE99BD}"/>
-    <dgm:cxn modelId="{11CFA841-1C7B-459D-A9DD-20E73F9B1700}" type="presOf" srcId="{E8D6131E-3A0B-413C-A175-032074A7C8CD}" destId="{A0DFDC1B-77C7-48EB-A021-78AA69786ADD}" srcOrd="0" destOrd="0" presId="urn:microsoft.com/office/officeart/2005/8/layout/venn1"/>
-    <dgm:cxn modelId="{300E2264-29DE-4C65-AB6C-FC5FDE9551AA}" srcId="{E8D6131E-3A0B-413C-A175-032074A7C8CD}" destId="{4A47A56A-111E-4E82-BB41-959D8C716F07}" srcOrd="3" destOrd="0" parTransId="{2B8AEA3B-1339-4898-A438-20A76057A93C}" sibTransId="{E716280C-071B-4151-8DB0-FA8E7410CBDC}"/>
-    <dgm:cxn modelId="{735EE164-1F70-40B0-9FCB-70FB09CB7C2D}" type="presOf" srcId="{15CBFCD6-3559-44E7-834A-375076522B1E}" destId="{23A5DA59-5A2F-44EA-A611-B33241847054}" srcOrd="1" destOrd="2" presId="urn:microsoft.com/office/officeart/2005/8/layout/venn1"/>
-    <dgm:cxn modelId="{97851D67-2952-4049-AD5B-21A115667EEA}" type="presOf" srcId="{9E1FD446-4E0A-4888-B45A-C24376B4CA33}" destId="{0B0A4924-9448-4041-80D8-5133D77B1EF8}" srcOrd="0" destOrd="3" presId="urn:microsoft.com/office/officeart/2005/8/layout/venn1"/>
-    <dgm:cxn modelId="{80506249-D989-4ED3-BB63-0DA863A8703E}" type="presOf" srcId="{1D17ADD5-EDE9-4D10-B8FE-B9BEDF47454D}" destId="{A0DFDC1B-77C7-48EB-A021-78AA69786ADD}" srcOrd="0" destOrd="5" presId="urn:microsoft.com/office/officeart/2005/8/layout/venn1"/>
+    <dgm:cxn modelId="{1957E67E-0C8E-493C-83AE-20E4C7127FB6}" type="presOf" srcId="{FC92CE58-B219-47E7-B200-5C27E4A0F990}" destId="{59C231A3-4399-47E1-89DF-1C7125294808}" srcOrd="0" destOrd="5" presId="urn:microsoft.com/office/officeart/2005/8/layout/venn1"/>
+    <dgm:cxn modelId="{451FA8C3-F2C2-4934-9710-54746AB631D6}" type="presOf" srcId="{9997303C-1FFF-4B91-BAB7-2DA3BF7A2831}" destId="{9FF6521E-F963-4CC7-985F-8DE096D1D719}" srcOrd="1" destOrd="1" presId="urn:microsoft.com/office/officeart/2005/8/layout/venn1"/>
+    <dgm:cxn modelId="{0797F2B3-6251-47F4-BFB8-9C22FB837E90}" type="presOf" srcId="{8FFAAD93-093A-4643-8666-6592133D5148}" destId="{05A04829-3ADD-4A0E-AF44-AFC6C6576FCC}" srcOrd="1" destOrd="0" presId="urn:microsoft.com/office/officeart/2005/8/layout/venn1"/>
+    <dgm:cxn modelId="{6EF51F9D-9EDD-45E2-81C9-3886726A9979}" type="presOf" srcId="{4A47A56A-111E-4E82-BB41-959D8C716F07}" destId="{9FF6521E-F963-4CC7-985F-8DE096D1D719}" srcOrd="1" destOrd="4" presId="urn:microsoft.com/office/officeart/2005/8/layout/venn1"/>
     <dgm:cxn modelId="{0BB89B71-3713-4C02-8B24-5D365C3BA271}" srcId="{C43C6B0E-82E8-459E-90D3-8FA28CDB9FEB}" destId="{9E1FD446-4E0A-4888-B45A-C24376B4CA33}" srcOrd="2" destOrd="0" parTransId="{D3BCD53E-21F0-48B8-BC8A-C4599C850072}" sibTransId="{07FB338E-75D2-45C3-8256-12C1B078B611}"/>
     <dgm:cxn modelId="{CD6BC852-AEF1-4685-B23B-68EF73B1EF2C}" srcId="{C43C6B0E-82E8-459E-90D3-8FA28CDB9FEB}" destId="{2FEA0FE4-34BA-4CAD-A918-D2CC4C70FC09}" srcOrd="4" destOrd="0" parTransId="{34ED3A9A-8E79-4098-8385-4C66C655F964}" sibTransId="{843ABC16-560E-4351-8957-CD859503BAA4}"/>
+    <dgm:cxn modelId="{257BAFCB-0E0B-4A74-8E02-4D534F4BD4B8}" type="presOf" srcId="{345FF024-0154-4AED-8D4F-D740CFF56DB4}" destId="{9FF6521E-F963-4CC7-985F-8DE096D1D719}" srcOrd="1" destOrd="2" presId="urn:microsoft.com/office/officeart/2005/8/layout/venn1"/>
+    <dgm:cxn modelId="{11CFA841-1C7B-459D-A9DD-20E73F9B1700}" type="presOf" srcId="{E8D6131E-3A0B-413C-A175-032074A7C8CD}" destId="{A0DFDC1B-77C7-48EB-A021-78AA69786ADD}" srcOrd="0" destOrd="0" presId="urn:microsoft.com/office/officeart/2005/8/layout/venn1"/>
+    <dgm:cxn modelId="{DDD97535-BB86-4EE5-A9DF-CFE0EB2F8521}" type="presOf" srcId="{FC92CE58-B219-47E7-B200-5C27E4A0F990}" destId="{05A04829-3ADD-4A0E-AF44-AFC6C6576FCC}" srcOrd="1" destOrd="5" presId="urn:microsoft.com/office/officeart/2005/8/layout/venn1"/>
+    <dgm:cxn modelId="{4A3E203D-EF88-463B-BFF5-F18F17A13201}" srcId="{C43C6B0E-82E8-459E-90D3-8FA28CDB9FEB}" destId="{CD3BB932-1D7F-411F-8971-F6ADE642AEF2}" srcOrd="3" destOrd="0" parTransId="{A2EFBDA0-4BB4-4A00-B9FC-4E9D544F850F}" sibTransId="{A423818E-CA79-49E2-9AB4-DDC02DE50575}"/>
     <dgm:cxn modelId="{BF2C2474-CB8C-423F-8679-13C4E153F4D6}" type="presOf" srcId="{4A47A56A-111E-4E82-BB41-959D8C716F07}" destId="{A0DFDC1B-77C7-48EB-A021-78AA69786ADD}" srcOrd="0" destOrd="4" presId="urn:microsoft.com/office/officeart/2005/8/layout/venn1"/>
-    <dgm:cxn modelId="{9565E676-F665-4438-933C-AD9D6A714537}" srcId="{0266A603-8232-4D71-B200-E5FE68D18F3F}" destId="{E8D6131E-3A0B-413C-A175-032074A7C8CD}" srcOrd="1" destOrd="0" parTransId="{2DFF84A4-06B4-4DE0-9EA7-677B263B0A4E}" sibTransId="{0206CF11-AF04-44BF-8AAA-B0D459371092}"/>
+    <dgm:cxn modelId="{80506249-D989-4ED3-BB63-0DA863A8703E}" type="presOf" srcId="{1D17ADD5-EDE9-4D10-B8FE-B9BEDF47454D}" destId="{A0DFDC1B-77C7-48EB-A021-78AA69786ADD}" srcOrd="0" destOrd="5" presId="urn:microsoft.com/office/officeart/2005/8/layout/venn1"/>
+    <dgm:cxn modelId="{E09F531A-CD92-441D-96EB-680FED7EC68E}" type="presOf" srcId="{B91FAD6A-8684-422F-8011-C8437909F67A}" destId="{59C231A3-4399-47E1-89DF-1C7125294808}" srcOrd="0" destOrd="2" presId="urn:microsoft.com/office/officeart/2005/8/layout/venn1"/>
+    <dgm:cxn modelId="{DA1A8607-4CBA-41DE-9E7B-D89BDDFA81A3}" type="presOf" srcId="{15CBFCD6-3559-44E7-834A-375076522B1E}" destId="{0B0A4924-9448-4041-80D8-5133D77B1EF8}" srcOrd="0" destOrd="2" presId="urn:microsoft.com/office/officeart/2005/8/layout/venn1"/>
+    <dgm:cxn modelId="{36391700-0362-45E5-86EA-8CA66C74C9B6}" type="presOf" srcId="{8FFAAD93-093A-4643-8666-6592133D5148}" destId="{59C231A3-4399-47E1-89DF-1C7125294808}" srcOrd="0" destOrd="0" presId="urn:microsoft.com/office/officeart/2005/8/layout/venn1"/>
+    <dgm:cxn modelId="{09BF0CC4-F5A7-42ED-A5D3-BB6B3A7218EB}" type="presOf" srcId="{2CA1279D-C9E1-4254-95B4-AAC304B533A6}" destId="{05A04829-3ADD-4A0E-AF44-AFC6C6576FCC}" srcOrd="1" destOrd="3" presId="urn:microsoft.com/office/officeart/2005/8/layout/venn1"/>
+    <dgm:cxn modelId="{939FBD9F-3DCE-4621-9E2D-7239689574A6}" type="presOf" srcId="{CD3BB932-1D7F-411F-8971-F6ADE642AEF2}" destId="{23A5DA59-5A2F-44EA-A611-B33241847054}" srcOrd="1" destOrd="4" presId="urn:microsoft.com/office/officeart/2005/8/layout/venn1"/>
+    <dgm:cxn modelId="{579AB135-88FB-4CCA-BA8D-32F30557EE0D}" type="presOf" srcId="{2CA1279D-C9E1-4254-95B4-AAC304B533A6}" destId="{59C231A3-4399-47E1-89DF-1C7125294808}" srcOrd="0" destOrd="3" presId="urn:microsoft.com/office/officeart/2005/8/layout/venn1"/>
+    <dgm:cxn modelId="{266EFA1E-A305-4EE5-A882-4848E508A991}" type="presOf" srcId="{2FEA0FE4-34BA-4CAD-A918-D2CC4C70FC09}" destId="{23A5DA59-5A2F-44EA-A611-B33241847054}" srcOrd="1" destOrd="5" presId="urn:microsoft.com/office/officeart/2005/8/layout/venn1"/>
+    <dgm:cxn modelId="{378A8F0D-0AC3-4D7A-8286-7AE1F1CB9A4D}" type="presOf" srcId="{AE952CBC-AFBB-46D7-9562-B6107CA30E37}" destId="{9FF6521E-F963-4CC7-985F-8DE096D1D719}" srcOrd="1" destOrd="3" presId="urn:microsoft.com/office/officeart/2005/8/layout/venn1"/>
+    <dgm:cxn modelId="{98EB3BC1-3459-49EB-B008-68B127B2329B}" srcId="{E8D6131E-3A0B-413C-A175-032074A7C8CD}" destId="{1D17ADD5-EDE9-4D10-B8FE-B9BEDF47454D}" srcOrd="4" destOrd="0" parTransId="{49E298D7-1760-4CAC-8C82-F847AF980F72}" sibTransId="{62913C03-8430-4F72-881A-A1298FFEAFD9}"/>
+    <dgm:cxn modelId="{9D7A6090-F586-49A2-A90C-12ED958EC70E}" type="presOf" srcId="{1D17ADD5-EDE9-4D10-B8FE-B9BEDF47454D}" destId="{9FF6521E-F963-4CC7-985F-8DE096D1D719}" srcOrd="1" destOrd="5" presId="urn:microsoft.com/office/officeart/2005/8/layout/venn1"/>
+    <dgm:cxn modelId="{735EE164-1F70-40B0-9FCB-70FB09CB7C2D}" type="presOf" srcId="{15CBFCD6-3559-44E7-834A-375076522B1E}" destId="{23A5DA59-5A2F-44EA-A611-B33241847054}" srcOrd="1" destOrd="2" presId="urn:microsoft.com/office/officeart/2005/8/layout/venn1"/>
+    <dgm:cxn modelId="{3E7A1EBC-B8FF-4903-A794-99A63AA373B7}" srcId="{8FFAAD93-093A-4643-8666-6592133D5148}" destId="{FC4407A3-4517-45E9-A03A-4F0190D76EDC}" srcOrd="0" destOrd="0" parTransId="{CCF611A2-4C28-4056-95E0-BC1D65ECB54B}" sibTransId="{C2E3399E-AAEE-4906-8423-00867DEEE52B}"/>
+    <dgm:cxn modelId="{2AE0BB2C-D3BA-4191-8DA9-349466BA091C}" srcId="{0266A603-8232-4D71-B200-E5FE68D18F3F}" destId="{8FFAAD93-093A-4643-8666-6592133D5148}" srcOrd="0" destOrd="0" parTransId="{0EF3D4AB-DF62-4B12-9E7C-B625D3E22117}" sibTransId="{DD346E06-9D81-468D-B484-5A437B8B67C8}"/>
+    <dgm:cxn modelId="{7A2FDA00-A953-4B39-9EFF-4175B7C7C32C}" type="presOf" srcId="{FC4407A3-4517-45E9-A03A-4F0190D76EDC}" destId="{59C231A3-4399-47E1-89DF-1C7125294808}" srcOrd="0" destOrd="1" presId="urn:microsoft.com/office/officeart/2005/8/layout/venn1"/>
+    <dgm:cxn modelId="{E0D1A9B3-DB83-45E4-908B-8F02C3F1AC9D}" type="presOf" srcId="{9997303C-1FFF-4B91-BAB7-2DA3BF7A2831}" destId="{A0DFDC1B-77C7-48EB-A021-78AA69786ADD}" srcOrd="0" destOrd="1" presId="urn:microsoft.com/office/officeart/2005/8/layout/venn1"/>
+    <dgm:cxn modelId="{92FAAEB1-ED8B-4322-85F6-49BE2975C0A7}" srcId="{8FFAAD93-093A-4643-8666-6592133D5148}" destId="{FC92CE58-B219-47E7-B200-5C27E4A0F990}" srcOrd="4" destOrd="0" parTransId="{6B3440AC-FF9F-49AC-9EED-52367445DD2B}" sibTransId="{E4DA5AAC-EC3E-4EED-B347-9097D05713F8}"/>
+    <dgm:cxn modelId="{FD02E0E9-09A3-473A-808B-F01E4D57FE2A}" type="presOf" srcId="{FC4407A3-4517-45E9-A03A-4F0190D76EDC}" destId="{05A04829-3ADD-4A0E-AF44-AFC6C6576FCC}" srcOrd="1" destOrd="1" presId="urn:microsoft.com/office/officeart/2005/8/layout/venn1"/>
     <dgm:cxn modelId="{C687215A-9BA5-46D3-8880-2F277B629C47}" type="presOf" srcId="{B91FAD6A-8684-422F-8011-C8437909F67A}" destId="{05A04829-3ADD-4A0E-AF44-AFC6C6576FCC}" srcOrd="1" destOrd="2" presId="urn:microsoft.com/office/officeart/2005/8/layout/venn1"/>
-    <dgm:cxn modelId="{15272A7C-2627-495B-AABC-9C936DD8F01C}" type="presOf" srcId="{0D9103D6-0E0B-4A01-A0C2-A3D312E3F222}" destId="{0B0A4924-9448-4041-80D8-5133D77B1EF8}" srcOrd="0" destOrd="1" presId="urn:microsoft.com/office/officeart/2005/8/layout/venn1"/>
-    <dgm:cxn modelId="{1957E67E-0C8E-493C-83AE-20E4C7127FB6}" type="presOf" srcId="{FC92CE58-B219-47E7-B200-5C27E4A0F990}" destId="{59C231A3-4399-47E1-89DF-1C7125294808}" srcOrd="0" destOrd="5" presId="urn:microsoft.com/office/officeart/2005/8/layout/venn1"/>
-    <dgm:cxn modelId="{C1E0688A-C9FB-4CCF-9970-AAA0AB97FED8}" type="presOf" srcId="{9E1FD446-4E0A-4888-B45A-C24376B4CA33}" destId="{23A5DA59-5A2F-44EA-A611-B33241847054}" srcOrd="1" destOrd="3" presId="urn:microsoft.com/office/officeart/2005/8/layout/venn1"/>
     <dgm:cxn modelId="{6BD60790-1B6B-4099-8027-E518E7AACB14}" type="presOf" srcId="{0266A603-8232-4D71-B200-E5FE68D18F3F}" destId="{11300E79-F0C0-45BF-A27C-36DBA708EADA}" srcOrd="0" destOrd="0" presId="urn:microsoft.com/office/officeart/2005/8/layout/venn1"/>
-    <dgm:cxn modelId="{9D7A6090-F586-49A2-A90C-12ED958EC70E}" type="presOf" srcId="{1D17ADD5-EDE9-4D10-B8FE-B9BEDF47454D}" destId="{9FF6521E-F963-4CC7-985F-8DE096D1D719}" srcOrd="1" destOrd="5" presId="urn:microsoft.com/office/officeart/2005/8/layout/venn1"/>
     <dgm:cxn modelId="{033B3695-04DD-4CD9-9766-B5B9B21B8F5F}" type="presOf" srcId="{345FF024-0154-4AED-8D4F-D740CFF56DB4}" destId="{A0DFDC1B-77C7-48EB-A021-78AA69786ADD}" srcOrd="0" destOrd="2" presId="urn:microsoft.com/office/officeart/2005/8/layout/venn1"/>
-    <dgm:cxn modelId="{6EF51F9D-9EDD-45E2-81C9-3886726A9979}" type="presOf" srcId="{4A47A56A-111E-4E82-BB41-959D8C716F07}" destId="{9FF6521E-F963-4CC7-985F-8DE096D1D719}" srcOrd="1" destOrd="4" presId="urn:microsoft.com/office/officeart/2005/8/layout/venn1"/>
-    <dgm:cxn modelId="{939FBD9F-3DCE-4621-9E2D-7239689574A6}" type="presOf" srcId="{CD3BB932-1D7F-411F-8971-F6ADE642AEF2}" destId="{23A5DA59-5A2F-44EA-A611-B33241847054}" srcOrd="1" destOrd="4" presId="urn:microsoft.com/office/officeart/2005/8/layout/venn1"/>
-    <dgm:cxn modelId="{A78C7EA7-1230-40E6-BDA7-3A1024414BC4}" type="presOf" srcId="{0D9103D6-0E0B-4A01-A0C2-A3D312E3F222}" destId="{23A5DA59-5A2F-44EA-A611-B33241847054}" srcOrd="1" destOrd="1" presId="urn:microsoft.com/office/officeart/2005/8/layout/venn1"/>
-    <dgm:cxn modelId="{0293A3AF-4ACB-4C8F-BB88-94B74219B65D}" type="presOf" srcId="{C43C6B0E-82E8-459E-90D3-8FA28CDB9FEB}" destId="{23A5DA59-5A2F-44EA-A611-B33241847054}" srcOrd="1" destOrd="0" presId="urn:microsoft.com/office/officeart/2005/8/layout/venn1"/>
-    <dgm:cxn modelId="{92FAAEB1-ED8B-4322-85F6-49BE2975C0A7}" srcId="{8FFAAD93-093A-4643-8666-6592133D5148}" destId="{FC92CE58-B219-47E7-B200-5C27E4A0F990}" srcOrd="4" destOrd="0" parTransId="{6B3440AC-FF9F-49AC-9EED-52367445DD2B}" sibTransId="{E4DA5AAC-EC3E-4EED-B347-9097D05713F8}"/>
-    <dgm:cxn modelId="{E0D1A9B3-DB83-45E4-908B-8F02C3F1AC9D}" type="presOf" srcId="{9997303C-1FFF-4B91-BAB7-2DA3BF7A2831}" destId="{A0DFDC1B-77C7-48EB-A021-78AA69786ADD}" srcOrd="0" destOrd="1" presId="urn:microsoft.com/office/officeart/2005/8/layout/venn1"/>
-    <dgm:cxn modelId="{0797F2B3-6251-47F4-BFB8-9C22FB837E90}" type="presOf" srcId="{8FFAAD93-093A-4643-8666-6592133D5148}" destId="{05A04829-3ADD-4A0E-AF44-AFC6C6576FCC}" srcOrd="1" destOrd="0" presId="urn:microsoft.com/office/officeart/2005/8/layout/venn1"/>
-    <dgm:cxn modelId="{70F6C2B7-91C8-4E55-A360-171B2B5B137B}" type="presOf" srcId="{2FEA0FE4-34BA-4CAD-A918-D2CC4C70FC09}" destId="{0B0A4924-9448-4041-80D8-5133D77B1EF8}" srcOrd="0" destOrd="5" presId="urn:microsoft.com/office/officeart/2005/8/layout/venn1"/>
+    <dgm:cxn modelId="{3590A3BD-A98F-47F8-AC91-1B3EAC8CE1A1}" type="presOf" srcId="{C43C6B0E-82E8-459E-90D3-8FA28CDB9FEB}" destId="{0B0A4924-9448-4041-80D8-5133D77B1EF8}" srcOrd="0" destOrd="0" presId="urn:microsoft.com/office/officeart/2005/8/layout/venn1"/>
     <dgm:cxn modelId="{2848FFBA-90DC-4F48-9B44-D6DC5B6B9336}" srcId="{8FFAAD93-093A-4643-8666-6592133D5148}" destId="{68992B54-EE22-4748-A406-5444F4DDFCCB}" srcOrd="3" destOrd="0" parTransId="{A496F618-DE23-49F6-840B-6DE3EB5CD77E}" sibTransId="{8E00248D-6041-4A16-AC78-3F21D236E2FB}"/>
-    <dgm:cxn modelId="{3E7A1EBC-B8FF-4903-A794-99A63AA373B7}" srcId="{8FFAAD93-093A-4643-8666-6592133D5148}" destId="{FC4407A3-4517-45E9-A03A-4F0190D76EDC}" srcOrd="0" destOrd="0" parTransId="{CCF611A2-4C28-4056-95E0-BC1D65ECB54B}" sibTransId="{C2E3399E-AAEE-4906-8423-00867DEEE52B}"/>
-    <dgm:cxn modelId="{3590A3BD-A98F-47F8-AC91-1B3EAC8CE1A1}" type="presOf" srcId="{C43C6B0E-82E8-459E-90D3-8FA28CDB9FEB}" destId="{0B0A4924-9448-4041-80D8-5133D77B1EF8}" srcOrd="0" destOrd="0" presId="urn:microsoft.com/office/officeart/2005/8/layout/venn1"/>
-    <dgm:cxn modelId="{98EB3BC1-3459-49EB-B008-68B127B2329B}" srcId="{E8D6131E-3A0B-413C-A175-032074A7C8CD}" destId="{1D17ADD5-EDE9-4D10-B8FE-B9BEDF47454D}" srcOrd="4" destOrd="0" parTransId="{49E298D7-1760-4CAC-8C82-F847AF980F72}" sibTransId="{62913C03-8430-4F72-881A-A1298FFEAFD9}"/>
-    <dgm:cxn modelId="{451FA8C3-F2C2-4934-9710-54746AB631D6}" type="presOf" srcId="{9997303C-1FFF-4B91-BAB7-2DA3BF7A2831}" destId="{9FF6521E-F963-4CC7-985F-8DE096D1D719}" srcOrd="1" destOrd="1" presId="urn:microsoft.com/office/officeart/2005/8/layout/venn1"/>
-    <dgm:cxn modelId="{09BF0CC4-F5A7-42ED-A5D3-BB6B3A7218EB}" type="presOf" srcId="{2CA1279D-C9E1-4254-95B4-AAC304B533A6}" destId="{05A04829-3ADD-4A0E-AF44-AFC6C6576FCC}" srcOrd="1" destOrd="3" presId="urn:microsoft.com/office/officeart/2005/8/layout/venn1"/>
-    <dgm:cxn modelId="{D5854DC4-F81A-4FA2-80DB-7C7DBD12B42B}" srcId="{8FFAAD93-093A-4643-8666-6592133D5148}" destId="{B91FAD6A-8684-422F-8011-C8437909F67A}" srcOrd="1" destOrd="0" parTransId="{A792254C-7132-40A7-AE58-4421DC5EC861}" sibTransId="{2C588BD9-162A-4022-AF7B-2B78D08FB1DD}"/>
-    <dgm:cxn modelId="{257BAFCB-0E0B-4A74-8E02-4D534F4BD4B8}" type="presOf" srcId="{345FF024-0154-4AED-8D4F-D740CFF56DB4}" destId="{9FF6521E-F963-4CC7-985F-8DE096D1D719}" srcOrd="1" destOrd="2" presId="urn:microsoft.com/office/officeart/2005/8/layout/venn1"/>
-    <dgm:cxn modelId="{A79E1CD5-A539-40D4-85A5-EC2DD800039B}" type="presOf" srcId="{CD3BB932-1D7F-411F-8971-F6ADE642AEF2}" destId="{0B0A4924-9448-4041-80D8-5133D77B1EF8}" srcOrd="0" destOrd="4" presId="urn:microsoft.com/office/officeart/2005/8/layout/venn1"/>
-    <dgm:cxn modelId="{24B569E6-0410-4E6E-B3A9-29B8018766C1}" srcId="{E8D6131E-3A0B-413C-A175-032074A7C8CD}" destId="{AE952CBC-AFBB-46D7-9562-B6107CA30E37}" srcOrd="2" destOrd="0" parTransId="{CFCFF80A-CA68-48D7-9E16-EFC0C7511E83}" sibTransId="{5C9DCE54-BFC6-4A9B-9B5E-6A10CBFF0DAF}"/>
-    <dgm:cxn modelId="{FD02E0E9-09A3-473A-808B-F01E4D57FE2A}" type="presOf" srcId="{FC4407A3-4517-45E9-A03A-4F0190D76EDC}" destId="{05A04829-3ADD-4A0E-AF44-AFC6C6576FCC}" srcOrd="1" destOrd="1" presId="urn:microsoft.com/office/officeart/2005/8/layout/venn1"/>
     <dgm:cxn modelId="{016688EA-F4C6-426D-B6A7-2BED57046B26}" type="presOf" srcId="{68992B54-EE22-4748-A406-5444F4DDFCCB}" destId="{05A04829-3ADD-4A0E-AF44-AFC6C6576FCC}" srcOrd="1" destOrd="4" presId="urn:microsoft.com/office/officeart/2005/8/layout/venn1"/>
-    <dgm:cxn modelId="{AB854BEB-DA56-4C77-A7A8-11C935F1A966}" type="presOf" srcId="{E8D6131E-3A0B-413C-A175-032074A7C8CD}" destId="{9FF6521E-F963-4CC7-985F-8DE096D1D719}" srcOrd="1" destOrd="0" presId="urn:microsoft.com/office/officeart/2005/8/layout/venn1"/>
+    <dgm:cxn modelId="{300E2264-29DE-4C65-AB6C-FC5FDE9551AA}" srcId="{E8D6131E-3A0B-413C-A175-032074A7C8CD}" destId="{4A47A56A-111E-4E82-BB41-959D8C716F07}" srcOrd="3" destOrd="0" parTransId="{2B8AEA3B-1339-4898-A438-20A76057A93C}" sibTransId="{E716280C-071B-4151-8DB0-FA8E7410CBDC}"/>
+    <dgm:cxn modelId="{1543BB28-2793-43C8-993A-8A943AF4481F}" srcId="{C43C6B0E-82E8-459E-90D3-8FA28CDB9FEB}" destId="{15CBFCD6-3559-44E7-834A-375076522B1E}" srcOrd="1" destOrd="0" parTransId="{2BDC8AB9-9099-48BF-8978-2CCF0FE0092B}" sibTransId="{96C5A207-380A-4897-BC7D-08AA38B8E6E0}"/>
+    <dgm:cxn modelId="{FCC1E85C-8D8F-4801-A8FC-41D62D5A5514}" srcId="{E8D6131E-3A0B-413C-A175-032074A7C8CD}" destId="{9997303C-1FFF-4B91-BAB7-2DA3BF7A2831}" srcOrd="0" destOrd="0" parTransId="{EF0D375C-04B7-4798-8AEF-201C8B6E85F3}" sibTransId="{19E359EB-905A-4BC4-97E0-B01B85EE99BD}"/>
     <dgm:cxn modelId="{E776B5F9-0396-4747-8A77-F236C3D5FEC4}" type="presOf" srcId="{68992B54-EE22-4748-A406-5444F4DDFCCB}" destId="{59C231A3-4399-47E1-89DF-1C7125294808}" srcOrd="0" destOrd="4" presId="urn:microsoft.com/office/officeart/2005/8/layout/venn1"/>
     <dgm:cxn modelId="{EE3B88FC-5ECD-4AD8-8CA9-190CF339DA5D}" srcId="{8FFAAD93-093A-4643-8666-6592133D5148}" destId="{2CA1279D-C9E1-4254-95B4-AAC304B533A6}" srcOrd="2" destOrd="0" parTransId="{C33A9CFA-7161-4DFD-98CC-F13EDE82F84E}" sibTransId="{24EB42A6-9060-443B-B971-035EC8ADC523}"/>
     <dgm:cxn modelId="{37A01DFE-0964-4EB6-B04C-56427628D6EC}" srcId="{C43C6B0E-82E8-459E-90D3-8FA28CDB9FEB}" destId="{0D9103D6-0E0B-4A01-A0C2-A3D312E3F222}" srcOrd="0" destOrd="0" parTransId="{A1D0069F-1988-48C8-9FEA-319C7287A0B3}" sibTransId="{1AF917AA-981D-4B16-9E8E-BA24B49D4365}"/>
+    <dgm:cxn modelId="{24B569E6-0410-4E6E-B3A9-29B8018766C1}" srcId="{E8D6131E-3A0B-413C-A175-032074A7C8CD}" destId="{AE952CBC-AFBB-46D7-9562-B6107CA30E37}" srcOrd="2" destOrd="0" parTransId="{CFCFF80A-CA68-48D7-9E16-EFC0C7511E83}" sibTransId="{5C9DCE54-BFC6-4A9B-9B5E-6A10CBFF0DAF}"/>
+    <dgm:cxn modelId="{9565E676-F665-4438-933C-AD9D6A714537}" srcId="{0266A603-8232-4D71-B200-E5FE68D18F3F}" destId="{E8D6131E-3A0B-413C-A175-032074A7C8CD}" srcOrd="1" destOrd="0" parTransId="{2DFF84A4-06B4-4DE0-9EA7-677B263B0A4E}" sibTransId="{0206CF11-AF04-44BF-8AAA-B0D459371092}"/>
+    <dgm:cxn modelId="{70F6C2B7-91C8-4E55-A360-171B2B5B137B}" type="presOf" srcId="{2FEA0FE4-34BA-4CAD-A918-D2CC4C70FC09}" destId="{0B0A4924-9448-4041-80D8-5133D77B1EF8}" srcOrd="0" destOrd="5" presId="urn:microsoft.com/office/officeart/2005/8/layout/venn1"/>
+    <dgm:cxn modelId="{97851D67-2952-4049-AD5B-21A115667EEA}" type="presOf" srcId="{9E1FD446-4E0A-4888-B45A-C24376B4CA33}" destId="{0B0A4924-9448-4041-80D8-5133D77B1EF8}" srcOrd="0" destOrd="3" presId="urn:microsoft.com/office/officeart/2005/8/layout/venn1"/>
+    <dgm:cxn modelId="{15272A7C-2627-495B-AABC-9C936DD8F01C}" type="presOf" srcId="{0D9103D6-0E0B-4A01-A0C2-A3D312E3F222}" destId="{0B0A4924-9448-4041-80D8-5133D77B1EF8}" srcOrd="0" destOrd="1" presId="urn:microsoft.com/office/officeart/2005/8/layout/venn1"/>
     <dgm:cxn modelId="{DE88024E-9823-4C1C-8B29-0408B6F5C440}" type="presParOf" srcId="{11300E79-F0C0-45BF-A27C-36DBA708EADA}" destId="{59C231A3-4399-47E1-89DF-1C7125294808}" srcOrd="0" destOrd="0" presId="urn:microsoft.com/office/officeart/2005/8/layout/venn1"/>
     <dgm:cxn modelId="{756A008E-9D8A-4103-96F8-FB3AA9C2B117}" type="presParOf" srcId="{11300E79-F0C0-45BF-A27C-36DBA708EADA}" destId="{05A04829-3ADD-4A0E-AF44-AFC6C6576FCC}" srcOrd="1" destOrd="0" presId="urn:microsoft.com/office/officeart/2005/8/layout/venn1"/>
     <dgm:cxn modelId="{191021C9-35B7-4CAD-AFF8-559E2AF7472C}" type="presParOf" srcId="{11300E79-F0C0-45BF-A27C-36DBA708EADA}" destId="{A0DFDC1B-77C7-48EB-A021-78AA69786ADD}" srcOrd="2" destOrd="0" presId="urn:microsoft.com/office/officeart/2005/8/layout/venn1"/>
@@ -5404,7 +5544,7 @@
         </a:bodyPr>
         <a:lstStyle/>
         <a:p>
-          <a:pPr marL="0" lvl="0" indent="0" algn="ctr" defTabSz="1289050" rtl="0">
+          <a:pPr lvl="0" algn="ctr" defTabSz="1289050" rtl="0">
             <a:lnSpc>
               <a:spcPct val="90000"/>
             </a:lnSpc>
@@ -5414,7 +5554,6 @@
             <a:spcAft>
               <a:spcPct val="35000"/>
             </a:spcAft>
-            <a:buNone/>
           </a:pPr>
           <a:r>
             <a:rPr lang="de-DE" sz="2900" kern="1200" dirty="0" err="1"/>
@@ -5487,7 +5626,7 @@
         </a:bodyPr>
         <a:lstStyle/>
         <a:p>
-          <a:pPr marL="0" lvl="0" indent="0" algn="ctr" defTabSz="1289050" rtl="0">
+          <a:pPr lvl="0" algn="ctr" defTabSz="1289050" rtl="0">
             <a:lnSpc>
               <a:spcPct val="90000"/>
             </a:lnSpc>
@@ -5497,7 +5636,6 @@
             <a:spcAft>
               <a:spcPct val="35000"/>
             </a:spcAft>
-            <a:buNone/>
           </a:pPr>
           <a:r>
             <a:rPr lang="de-DE" sz="2900" kern="1200" dirty="0" err="1"/>
@@ -5566,7 +5704,7 @@
         </a:bodyPr>
         <a:lstStyle/>
         <a:p>
-          <a:pPr marL="0" lvl="0" indent="0" algn="ctr" defTabSz="1289050" rtl="0">
+          <a:pPr lvl="0" algn="ctr" defTabSz="1289050" rtl="0">
             <a:lnSpc>
               <a:spcPct val="90000"/>
             </a:lnSpc>
@@ -5576,7 +5714,6 @@
             <a:spcAft>
               <a:spcPct val="35000"/>
             </a:spcAft>
-            <a:buNone/>
           </a:pPr>
           <a:r>
             <a:rPr lang="de-DE" sz="2900" kern="1200"/>
@@ -5645,7 +5782,7 @@
         </a:bodyPr>
         <a:lstStyle/>
         <a:p>
-          <a:pPr marL="0" lvl="0" indent="0" algn="ctr" defTabSz="1289050" rtl="0">
+          <a:pPr lvl="0" algn="ctr" defTabSz="1289050" rtl="0">
             <a:lnSpc>
               <a:spcPct val="90000"/>
             </a:lnSpc>
@@ -5655,7 +5792,6 @@
             <a:spcAft>
               <a:spcPct val="35000"/>
             </a:spcAft>
-            <a:buNone/>
           </a:pPr>
           <a:r>
             <a:rPr lang="de-DE" sz="2900" kern="1200"/>
@@ -5737,7 +5873,7 @@
         </a:bodyPr>
         <a:lstStyle/>
         <a:p>
-          <a:pPr marL="0" lvl="0" indent="0" algn="ctr" defTabSz="622300" rtl="0">
+          <a:pPr lvl="0" algn="ctr" defTabSz="622300" rtl="0">
             <a:lnSpc>
               <a:spcPct val="90000"/>
             </a:lnSpc>
@@ -5747,7 +5883,6 @@
             <a:spcAft>
               <a:spcPct val="35000"/>
             </a:spcAft>
-            <a:buNone/>
           </a:pPr>
           <a:r>
             <a:rPr lang="de-DE" sz="1400" b="1" kern="1200" dirty="0" err="1"/>
@@ -5821,7 +5956,7 @@
         </a:bodyPr>
         <a:lstStyle/>
         <a:p>
-          <a:pPr marL="0" lvl="0" indent="0" algn="ctr" defTabSz="622300" rtl="0">
+          <a:pPr lvl="0" algn="ctr" defTabSz="622300" rtl="0">
             <a:lnSpc>
               <a:spcPct val="90000"/>
             </a:lnSpc>
@@ -5831,7 +5966,6 @@
             <a:spcAft>
               <a:spcPct val="35000"/>
             </a:spcAft>
-            <a:buNone/>
           </a:pPr>
           <a:r>
             <a:rPr lang="de-DE" sz="1400" b="1" kern="1200" dirty="0" err="1"/>
@@ -5911,7 +6045,7 @@
         </a:bodyPr>
         <a:lstStyle/>
         <a:p>
-          <a:pPr marL="0" lvl="0" indent="0" algn="l" defTabSz="1644650">
+          <a:pPr lvl="0" algn="l" defTabSz="1644650">
             <a:lnSpc>
               <a:spcPct val="90000"/>
             </a:lnSpc>
@@ -5921,7 +6055,6 @@
             <a:spcAft>
               <a:spcPct val="35000"/>
             </a:spcAft>
-            <a:buNone/>
           </a:pPr>
           <a:r>
             <a:rPr lang="de-DE" sz="3700" i="0" kern="1200" baseline="0" dirty="0"/>
@@ -5997,7 +6130,7 @@
         </a:bodyPr>
         <a:lstStyle/>
         <a:p>
-          <a:pPr marL="0" lvl="0" indent="0" algn="l" defTabSz="1644650">
+          <a:pPr lvl="0" algn="l" defTabSz="1644650">
             <a:lnSpc>
               <a:spcPct val="90000"/>
             </a:lnSpc>
@@ -6007,7 +6140,6 @@
             <a:spcAft>
               <a:spcPct val="35000"/>
             </a:spcAft>
-            <a:buNone/>
           </a:pPr>
           <a:r>
             <a:rPr lang="de-DE" sz="3700" i="0" kern="1200" baseline="0" dirty="0"/>
@@ -6089,7 +6221,7 @@
         </a:bodyPr>
         <a:lstStyle/>
         <a:p>
-          <a:pPr marL="0" lvl="0" indent="0" algn="l" defTabSz="622300">
+          <a:pPr lvl="0" algn="l" defTabSz="622300">
             <a:lnSpc>
               <a:spcPct val="90000"/>
             </a:lnSpc>
@@ -6099,7 +6231,6 @@
             <a:spcAft>
               <a:spcPct val="35000"/>
             </a:spcAft>
-            <a:buNone/>
           </a:pPr>
           <a:r>
             <a:rPr lang="de-DE" sz="1400" kern="1200" dirty="0"/>
@@ -6117,7 +6248,7 @@
             <a:spcAft>
               <a:spcPct val="15000"/>
             </a:spcAft>
-            <a:buChar char="•"/>
+            <a:buChar char="••"/>
           </a:pPr>
           <a:r>
             <a:rPr lang="de-DE" sz="1100" kern="1200" dirty="0"/>
@@ -6135,7 +6266,7 @@
             <a:spcAft>
               <a:spcPct val="15000"/>
             </a:spcAft>
-            <a:buChar char="•"/>
+            <a:buChar char="••"/>
           </a:pPr>
           <a:r>
             <a:rPr lang="de-DE" sz="1100" kern="1200" dirty="0"/>
@@ -6153,7 +6284,7 @@
             <a:spcAft>
               <a:spcPct val="15000"/>
             </a:spcAft>
-            <a:buChar char="•"/>
+            <a:buChar char="••"/>
           </a:pPr>
           <a:r>
             <a:rPr lang="de-DE" sz="1100" kern="1200" dirty="0"/>
@@ -6171,7 +6302,7 @@
             <a:spcAft>
               <a:spcPct val="15000"/>
             </a:spcAft>
-            <a:buChar char="•"/>
+            <a:buChar char="••"/>
           </a:pPr>
           <a:r>
             <a:rPr lang="de-DE" sz="1100" kern="1200" dirty="0"/>
@@ -6189,7 +6320,7 @@
             <a:spcAft>
               <a:spcPct val="15000"/>
             </a:spcAft>
-            <a:buChar char="•"/>
+            <a:buChar char="••"/>
           </a:pPr>
           <a:r>
             <a:rPr lang="de-DE" sz="1100" kern="1200" dirty="0"/>
@@ -6258,7 +6389,7 @@
         </a:bodyPr>
         <a:lstStyle/>
         <a:p>
-          <a:pPr marL="0" lvl="0" indent="0" algn="l" defTabSz="622300">
+          <a:pPr lvl="0" algn="l" defTabSz="622300">
             <a:lnSpc>
               <a:spcPct val="90000"/>
             </a:lnSpc>
@@ -6268,7 +6399,6 @@
             <a:spcAft>
               <a:spcPct val="35000"/>
             </a:spcAft>
-            <a:buNone/>
           </a:pPr>
           <a:r>
             <a:rPr lang="de-DE" sz="1400" kern="1200" dirty="0"/>
@@ -6286,7 +6416,7 @@
             <a:spcAft>
               <a:spcPct val="15000"/>
             </a:spcAft>
-            <a:buChar char="•"/>
+            <a:buChar char="••"/>
           </a:pPr>
           <a:r>
             <a:rPr lang="de-DE" sz="1100" kern="1200" dirty="0"/>
@@ -6304,7 +6434,7 @@
             <a:spcAft>
               <a:spcPct val="15000"/>
             </a:spcAft>
-            <a:buChar char="•"/>
+            <a:buChar char="••"/>
           </a:pPr>
           <a:r>
             <a:rPr lang="de-DE" sz="1100" kern="1200" dirty="0"/>
@@ -6322,7 +6452,7 @@
             <a:spcAft>
               <a:spcPct val="15000"/>
             </a:spcAft>
-            <a:buChar char="•"/>
+            <a:buChar char="••"/>
           </a:pPr>
           <a:r>
             <a:rPr lang="de-DE" sz="1100" kern="1200" dirty="0"/>
@@ -6340,7 +6470,7 @@
             <a:spcAft>
               <a:spcPct val="15000"/>
             </a:spcAft>
-            <a:buChar char="•"/>
+            <a:buChar char="••"/>
           </a:pPr>
           <a:r>
             <a:rPr lang="de-DE" sz="1100" kern="1200" dirty="0"/>
@@ -6358,7 +6488,7 @@
             <a:spcAft>
               <a:spcPct val="15000"/>
             </a:spcAft>
-            <a:buChar char="•"/>
+            <a:buChar char="••"/>
           </a:pPr>
           <a:r>
             <a:rPr lang="de-DE" sz="1100" kern="1200" dirty="0"/>
@@ -6427,7 +6557,7 @@
         </a:bodyPr>
         <a:lstStyle/>
         <a:p>
-          <a:pPr marL="0" lvl="0" indent="0" algn="l" defTabSz="622300">
+          <a:pPr lvl="0" algn="l" defTabSz="622300">
             <a:lnSpc>
               <a:spcPct val="90000"/>
             </a:lnSpc>
@@ -6437,7 +6567,6 @@
             <a:spcAft>
               <a:spcPct val="35000"/>
             </a:spcAft>
-            <a:buNone/>
           </a:pPr>
           <a:r>
             <a:rPr lang="de-DE" sz="1400" kern="1200" dirty="0"/>
@@ -6455,7 +6584,7 @@
             <a:spcAft>
               <a:spcPct val="15000"/>
             </a:spcAft>
-            <a:buChar char="•"/>
+            <a:buChar char="••"/>
           </a:pPr>
           <a:r>
             <a:rPr lang="de-DE" sz="1100" kern="1200" dirty="0"/>
@@ -6473,7 +6602,7 @@
             <a:spcAft>
               <a:spcPct val="15000"/>
             </a:spcAft>
-            <a:buChar char="•"/>
+            <a:buChar char="••"/>
           </a:pPr>
           <a:r>
             <a:rPr lang="de-DE" sz="1100" kern="1200" dirty="0"/>
@@ -6491,7 +6620,7 @@
             <a:spcAft>
               <a:spcPct val="15000"/>
             </a:spcAft>
-            <a:buChar char="•"/>
+            <a:buChar char="••"/>
           </a:pPr>
           <a:r>
             <a:rPr lang="de-DE" sz="1100" kern="1200" dirty="0"/>
@@ -6509,7 +6638,7 @@
             <a:spcAft>
               <a:spcPct val="15000"/>
             </a:spcAft>
-            <a:buChar char="•"/>
+            <a:buChar char="••"/>
           </a:pPr>
           <a:r>
             <a:rPr lang="de-DE" sz="1100" kern="1200" dirty="0"/>
@@ -6527,7 +6656,7 @@
             <a:spcAft>
               <a:spcPct val="15000"/>
             </a:spcAft>
-            <a:buChar char="•"/>
+            <a:buChar char="••"/>
           </a:pPr>
           <a:r>
             <a:rPr lang="de-DE" sz="1100" kern="1200" dirty="0"/>
@@ -15171,1024 +15300,6 @@
           <a:bodyPr/>
           <a:lstStyle/>
           <a:p>
-            <a:r>
-              <a:rPr lang="de-DE" dirty="0"/>
-              <a:t>Was ist Portierbarkeit?</a:t>
-            </a:r>
-          </a:p>
-          <a:p>
-            <a:r>
-              <a:rPr lang="de-DE" dirty="0" err="1"/>
-              <a:t>Korrekheit</a:t>
-            </a:r>
-            <a:r>
-              <a:rPr lang="de-DE" dirty="0"/>
-              <a:t>?</a:t>
-            </a:r>
-          </a:p>
-          <a:p>
-            <a:r>
-              <a:rPr lang="de-DE" dirty="0"/>
-              <a:t>Alle </a:t>
-            </a:r>
-            <a:r>
-              <a:rPr lang="de-DE" dirty="0" err="1"/>
-              <a:t>unterpunkte</a:t>
-            </a:r>
-            <a:r>
-              <a:rPr lang="de-DE" dirty="0"/>
-              <a:t> verstehen?</a:t>
-            </a:r>
-          </a:p>
-        </p:txBody>
-      </p:sp>
-      <p:sp>
-        <p:nvSpPr>
-          <p:cNvPr id="4" name="Foliennummernplatzhalter 3"/>
-          <p:cNvSpPr>
-            <a:spLocks noGrp="1"/>
-          </p:cNvSpPr>
-          <p:nvPr>
-            <p:ph type="sldNum" sz="quarter" idx="10"/>
-          </p:nvPr>
-        </p:nvSpPr>
-        <p:spPr/>
-        <p:txBody>
-          <a:bodyPr/>
-          <a:lstStyle/>
-          <a:p>
-            <a:fld id="{7C56EBB8-86B7-4B17-9FE6-1D6C78FAEC35}" type="slidenum">
-              <a:rPr lang="de-DE" altLang="de-DE" smtClean="0"/>
-              <a:pPr/>
-              <a:t>15</a:t>
-            </a:fld>
-            <a:endParaRPr lang="de-DE" altLang="de-DE"/>
-          </a:p>
-        </p:txBody>
-      </p:sp>
-    </p:spTree>
-    <p:extLst>
-      <p:ext uri="{BB962C8B-B14F-4D97-AF65-F5344CB8AC3E}">
-        <p14:creationId xmlns:p14="http://schemas.microsoft.com/office/powerpoint/2010/main" val="3964579411"/>
-      </p:ext>
-    </p:extLst>
-  </p:cSld>
-  <p:clrMapOvr>
-    <a:masterClrMapping/>
-  </p:clrMapOvr>
-</p:notes>
-</file>
-
-<file path=ppt/notesSlides/notesSlide2.xml><?xml version="1.0" encoding="utf-8"?>
-<p:notes xmlns:a="http://schemas.openxmlformats.org/drawingml/2006/main" xmlns:r="http://schemas.openxmlformats.org/officeDocument/2006/relationships" xmlns:p="http://schemas.openxmlformats.org/presentationml/2006/main">
-  <p:cSld>
-    <p:spTree>
-      <p:nvGrpSpPr>
-        <p:cNvPr id="1" name=""/>
-        <p:cNvGrpSpPr/>
-        <p:nvPr/>
-      </p:nvGrpSpPr>
-      <p:grpSpPr>
-        <a:xfrm>
-          <a:off x="0" y="0"/>
-          <a:ext cx="0" cy="0"/>
-          <a:chOff x="0" y="0"/>
-          <a:chExt cx="0" cy="0"/>
-        </a:xfrm>
-      </p:grpSpPr>
-      <p:sp>
-        <p:nvSpPr>
-          <p:cNvPr id="2" name="Folienbildplatzhalter 1"/>
-          <p:cNvSpPr>
-            <a:spLocks noGrp="1" noRot="1" noChangeAspect="1"/>
-          </p:cNvSpPr>
-          <p:nvPr>
-            <p:ph type="sldImg"/>
-          </p:nvPr>
-        </p:nvSpPr>
-        <p:spPr/>
-      </p:sp>
-      <p:sp>
-        <p:nvSpPr>
-          <p:cNvPr id="3" name="Notizenplatzhalter 2"/>
-          <p:cNvSpPr>
-            <a:spLocks noGrp="1"/>
-          </p:cNvSpPr>
-          <p:nvPr>
-            <p:ph type="body" idx="1"/>
-          </p:nvPr>
-        </p:nvSpPr>
-        <p:spPr/>
-        <p:txBody>
-          <a:bodyPr/>
-          <a:lstStyle/>
-          <a:p>
-            <a:pPr marL="0" indent="0">
-              <a:buFont typeface="+mj-lt"/>
-              <a:buNone/>
-            </a:pPr>
-            <a:r>
-              <a:rPr lang="de-DE" dirty="0"/>
-              <a:t>Mein Vortrag besteht aus 5 Teilen:</a:t>
-            </a:r>
-          </a:p>
-          <a:p>
-            <a:pPr marL="228600" indent="-228600">
-              <a:buFont typeface="+mj-lt"/>
-              <a:buAutoNum type="arabicPeriod"/>
-            </a:pPr>
-            <a:r>
-              <a:rPr lang="de-DE" b="1" dirty="0"/>
-              <a:t>Einleitung</a:t>
-            </a:r>
-            <a:r>
-              <a:rPr lang="de-DE" dirty="0"/>
-              <a:t>: wo die Motivation und Ziele kurz gesprochen werden sollen</a:t>
-            </a:r>
-          </a:p>
-          <a:p>
-            <a:pPr marL="228600" indent="-228600">
-              <a:buFont typeface="+mj-lt"/>
-              <a:buAutoNum type="arabicPeriod"/>
-            </a:pPr>
-            <a:r>
-              <a:rPr lang="de-DE" dirty="0"/>
-              <a:t>Wissensbasis=Knowledge Base:</a:t>
-            </a:r>
-          </a:p>
-          <a:p>
-            <a:pPr marL="685800" lvl="1" indent="-228600">
-              <a:buFont typeface="+mj-lt"/>
-              <a:buAutoNum type="arabicPeriod"/>
-            </a:pPr>
-            <a:r>
-              <a:rPr lang="de-DE" dirty="0"/>
-              <a:t>Öffentlicher Arbeitsbereich= was die Kunde sehen sollen zw. FAQ f abrufen kann.</a:t>
-            </a:r>
-          </a:p>
-          <a:p>
-            <a:pPr marL="685800" lvl="1" indent="-228600">
-              <a:buFont typeface="+mj-lt"/>
-              <a:buAutoNum type="arabicPeriod"/>
-            </a:pPr>
-            <a:r>
-              <a:rPr lang="de-DE" dirty="0"/>
-              <a:t>Versteckter Arbeitsbereich =</a:t>
-            </a:r>
-          </a:p>
-          <a:p>
-            <a:pPr marL="228600" lvl="0" indent="-228600">
-              <a:buFont typeface="+mj-lt"/>
-              <a:buAutoNum type="arabicPeriod"/>
-            </a:pPr>
-            <a:r>
-              <a:rPr lang="de-DE" dirty="0"/>
-              <a:t>Dokumentation</a:t>
-            </a:r>
-          </a:p>
-          <a:p>
-            <a:pPr marL="228600" lvl="0" indent="-228600">
-              <a:buFont typeface="+mj-lt"/>
-              <a:buAutoNum type="arabicPeriod"/>
-            </a:pPr>
-            <a:r>
-              <a:rPr lang="de-DE" dirty="0"/>
-              <a:t>Fehlermeldung: mit </a:t>
-            </a:r>
-            <a:r>
-              <a:rPr lang="de-DE" dirty="0" err="1"/>
-              <a:t>Epi</a:t>
-            </a:r>
-            <a:r>
-              <a:rPr lang="de-DE" dirty="0"/>
-              <a:t> in JIRA den </a:t>
-            </a:r>
-            <a:r>
-              <a:rPr lang="de-DE" dirty="0" err="1"/>
-              <a:t>Issue</a:t>
-            </a:r>
-            <a:r>
-              <a:rPr lang="de-DE" dirty="0"/>
-              <a:t> kennzeichnen. Was ein </a:t>
-            </a:r>
-            <a:r>
-              <a:rPr lang="de-DE" dirty="0" err="1"/>
-              <a:t>issue</a:t>
-            </a:r>
-            <a:r>
-              <a:rPr lang="de-DE" dirty="0"/>
-              <a:t> bzw. feature </a:t>
-            </a:r>
-            <a:r>
-              <a:rPr lang="de-DE" dirty="0" err="1"/>
-              <a:t>umbeding</a:t>
-            </a:r>
-            <a:r>
-              <a:rPr lang="de-DE" dirty="0"/>
-              <a:t> erhalten soll.</a:t>
-            </a:r>
-          </a:p>
-        </p:txBody>
-      </p:sp>
-      <p:sp>
-        <p:nvSpPr>
-          <p:cNvPr id="4" name="Foliennummernplatzhalter 3"/>
-          <p:cNvSpPr>
-            <a:spLocks noGrp="1"/>
-          </p:cNvSpPr>
-          <p:nvPr>
-            <p:ph type="sldNum" sz="quarter" idx="10"/>
-          </p:nvPr>
-        </p:nvSpPr>
-        <p:spPr/>
-        <p:txBody>
-          <a:bodyPr/>
-          <a:lstStyle/>
-          <a:p>
-            <a:fld id="{7C56EBB8-86B7-4B17-9FE6-1D6C78FAEC35}" type="slidenum">
-              <a:rPr lang="de-DE" altLang="de-DE" smtClean="0"/>
-              <a:pPr/>
-              <a:t>3</a:t>
-            </a:fld>
-            <a:endParaRPr lang="de-DE" altLang="de-DE"/>
-          </a:p>
-        </p:txBody>
-      </p:sp>
-    </p:spTree>
-    <p:extLst>
-      <p:ext uri="{BB962C8B-B14F-4D97-AF65-F5344CB8AC3E}">
-        <p14:creationId xmlns:p14="http://schemas.microsoft.com/office/powerpoint/2010/main" val="3517218494"/>
-      </p:ext>
-    </p:extLst>
-  </p:cSld>
-  <p:clrMapOvr>
-    <a:masterClrMapping/>
-  </p:clrMapOvr>
-</p:notes>
-</file>
-
-<file path=ppt/notesSlides/notesSlide3.xml><?xml version="1.0" encoding="utf-8"?>
-<p:notes xmlns:a="http://schemas.openxmlformats.org/drawingml/2006/main" xmlns:r="http://schemas.openxmlformats.org/officeDocument/2006/relationships" xmlns:p="http://schemas.openxmlformats.org/presentationml/2006/main">
-  <p:cSld>
-    <p:spTree>
-      <p:nvGrpSpPr>
-        <p:cNvPr id="1" name=""/>
-        <p:cNvGrpSpPr/>
-        <p:nvPr/>
-      </p:nvGrpSpPr>
-      <p:grpSpPr>
-        <a:xfrm>
-          <a:off x="0" y="0"/>
-          <a:ext cx="0" cy="0"/>
-          <a:chOff x="0" y="0"/>
-          <a:chExt cx="0" cy="0"/>
-        </a:xfrm>
-      </p:grpSpPr>
-      <p:sp>
-        <p:nvSpPr>
-          <p:cNvPr id="2" name="Folienbildplatzhalter 1"/>
-          <p:cNvSpPr>
-            <a:spLocks noGrp="1" noRot="1" noChangeAspect="1"/>
-          </p:cNvSpPr>
-          <p:nvPr>
-            <p:ph type="sldImg"/>
-          </p:nvPr>
-        </p:nvSpPr>
-        <p:spPr/>
-      </p:sp>
-      <p:sp>
-        <p:nvSpPr>
-          <p:cNvPr id="3" name="Notizenplatzhalter 2"/>
-          <p:cNvSpPr>
-            <a:spLocks noGrp="1"/>
-          </p:cNvSpPr>
-          <p:nvPr>
-            <p:ph type="body" idx="1"/>
-          </p:nvPr>
-        </p:nvSpPr>
-        <p:spPr/>
-        <p:txBody>
-          <a:bodyPr/>
-          <a:lstStyle/>
-          <a:p>
-            <a:r>
-              <a:rPr lang="de-DE" sz="1200" b="0" i="0" u="none" strike="noStrike" kern="1200" baseline="0" dirty="0">
-                <a:solidFill>
-                  <a:schemeClr val="tx1"/>
-                </a:solidFill>
-                <a:latin typeface="Arial" panose="020B0604020202020204" pitchFamily="34" charset="0"/>
-                <a:ea typeface="+mn-ea"/>
-                <a:cs typeface="+mn-cs"/>
-              </a:rPr>
-              <a:t>Die Firma Hilscher sucht eine Möglichkeit, das Engineering Tool Communication Studio um eine grafische Komponente für die Abbildung komplexer industriellen Netzwerke zu erweitern. </a:t>
-            </a:r>
-          </a:p>
-          <a:p>
-            <a:pPr marL="228600" indent="-228600">
-              <a:buAutoNum type="arabicPeriod"/>
-            </a:pPr>
-            <a:r>
-              <a:rPr lang="de-DE" sz="1200" b="0" i="0" u="none" strike="noStrike" kern="1200" baseline="0" dirty="0">
-                <a:solidFill>
-                  <a:schemeClr val="tx1"/>
-                </a:solidFill>
-                <a:latin typeface="Arial" panose="020B0604020202020204" pitchFamily="34" charset="0"/>
-                <a:ea typeface="+mn-ea"/>
-                <a:cs typeface="+mn-cs"/>
-              </a:rPr>
-              <a:t>Gefordert ist</a:t>
-            </a:r>
-          </a:p>
-          <a:p>
-            <a:pPr marL="228600" indent="-228600">
-              <a:buAutoNum type="arabicPeriod"/>
-            </a:pPr>
-            <a:r>
-              <a:rPr lang="de-DE" sz="1200" b="0" i="0" u="none" strike="noStrike" kern="1200" baseline="0" dirty="0">
-                <a:solidFill>
-                  <a:schemeClr val="tx1"/>
-                </a:solidFill>
-                <a:latin typeface="Arial" panose="020B0604020202020204" pitchFamily="34" charset="0"/>
-                <a:ea typeface="+mn-ea"/>
-                <a:cs typeface="+mn-cs"/>
-              </a:rPr>
-              <a:t>Das Modul soll integrierbar sein</a:t>
-            </a:r>
-          </a:p>
-          <a:p>
-            <a:pPr marL="228600" indent="-228600">
-              <a:buAutoNum type="arabicPeriod"/>
-            </a:pPr>
-            <a:r>
-              <a:rPr lang="de-DE" sz="1200" b="0" i="0" u="none" strike="noStrike" kern="1200" baseline="0" dirty="0">
-                <a:solidFill>
-                  <a:schemeClr val="tx1"/>
-                </a:solidFill>
-                <a:latin typeface="Arial" panose="020B0604020202020204" pitchFamily="34" charset="0"/>
-                <a:ea typeface="+mn-ea"/>
-                <a:cs typeface="+mn-cs"/>
-              </a:rPr>
-              <a:t>Die Geräte soll übersichtlich und intuitiv dargestellt werden</a:t>
-            </a:r>
-          </a:p>
-          <a:p>
-            <a:pPr marL="228600" indent="-228600">
-              <a:buAutoNum type="arabicPeriod"/>
-            </a:pPr>
-            <a:r>
-              <a:rPr lang="de-DE" sz="1200" b="0" i="0" u="none" strike="noStrike" kern="1200" baseline="0" dirty="0">
-                <a:solidFill>
-                  <a:schemeClr val="tx1"/>
-                </a:solidFill>
-                <a:latin typeface="Arial" panose="020B0604020202020204" pitchFamily="34" charset="0"/>
-                <a:ea typeface="+mn-ea"/>
-                <a:cs typeface="+mn-cs"/>
-              </a:rPr>
-              <a:t>Für eine effiziente Wartung des Komponenten soll  verschiedene Dokumentation bereitgestellt werden. Heute werden wir </a:t>
-            </a:r>
-            <a:r>
-              <a:rPr lang="de-DE" sz="1200" b="0" i="0" u="none" strike="noStrike" kern="1200" baseline="0" dirty="0" err="1">
-                <a:solidFill>
-                  <a:schemeClr val="tx1"/>
-                </a:solidFill>
-                <a:latin typeface="Arial" panose="020B0604020202020204" pitchFamily="34" charset="0"/>
-                <a:ea typeface="+mn-ea"/>
-                <a:cs typeface="+mn-cs"/>
-              </a:rPr>
-              <a:t>hauptsätlcih</a:t>
-            </a:r>
-            <a:r>
-              <a:rPr lang="de-DE" sz="1200" b="0" i="0" u="none" strike="noStrike" kern="1200" baseline="0" dirty="0">
-                <a:solidFill>
-                  <a:schemeClr val="tx1"/>
-                </a:solidFill>
-                <a:latin typeface="Arial" panose="020B0604020202020204" pitchFamily="34" charset="0"/>
-                <a:ea typeface="+mn-ea"/>
-                <a:cs typeface="+mn-cs"/>
-              </a:rPr>
-              <a:t> über die Dokumentation-Struktur sprechen</a:t>
-            </a:r>
-          </a:p>
-        </p:txBody>
-      </p:sp>
-      <p:sp>
-        <p:nvSpPr>
-          <p:cNvPr id="4" name="Foliennummernplatzhalter 3"/>
-          <p:cNvSpPr>
-            <a:spLocks noGrp="1"/>
-          </p:cNvSpPr>
-          <p:nvPr>
-            <p:ph type="sldNum" sz="quarter" idx="10"/>
-          </p:nvPr>
-        </p:nvSpPr>
-        <p:spPr/>
-        <p:txBody>
-          <a:bodyPr/>
-          <a:lstStyle/>
-          <a:p>
-            <a:fld id="{7C56EBB8-86B7-4B17-9FE6-1D6C78FAEC35}" type="slidenum">
-              <a:rPr lang="de-DE" altLang="de-DE" smtClean="0"/>
-              <a:pPr/>
-              <a:t>4</a:t>
-            </a:fld>
-            <a:endParaRPr lang="de-DE" altLang="de-DE"/>
-          </a:p>
-        </p:txBody>
-      </p:sp>
-    </p:spTree>
-    <p:extLst>
-      <p:ext uri="{BB962C8B-B14F-4D97-AF65-F5344CB8AC3E}">
-        <p14:creationId xmlns:p14="http://schemas.microsoft.com/office/powerpoint/2010/main" val="2046055574"/>
-      </p:ext>
-    </p:extLst>
-  </p:cSld>
-  <p:clrMapOvr>
-    <a:masterClrMapping/>
-  </p:clrMapOvr>
-</p:notes>
-</file>
-
-<file path=ppt/notesSlides/notesSlide4.xml><?xml version="1.0" encoding="utf-8"?>
-<p:notes xmlns:a="http://schemas.openxmlformats.org/drawingml/2006/main" xmlns:r="http://schemas.openxmlformats.org/officeDocument/2006/relationships" xmlns:p="http://schemas.openxmlformats.org/presentationml/2006/main">
-  <p:cSld>
-    <p:spTree>
-      <p:nvGrpSpPr>
-        <p:cNvPr id="1" name=""/>
-        <p:cNvGrpSpPr/>
-        <p:nvPr/>
-      </p:nvGrpSpPr>
-      <p:grpSpPr>
-        <a:xfrm>
-          <a:off x="0" y="0"/>
-          <a:ext cx="0" cy="0"/>
-          <a:chOff x="0" y="0"/>
-          <a:chExt cx="0" cy="0"/>
-        </a:xfrm>
-      </p:grpSpPr>
-      <p:sp>
-        <p:nvSpPr>
-          <p:cNvPr id="2" name="Folienbildplatzhalter 1"/>
-          <p:cNvSpPr>
-            <a:spLocks noGrp="1" noRot="1" noChangeAspect="1"/>
-          </p:cNvSpPr>
-          <p:nvPr>
-            <p:ph type="sldImg"/>
-          </p:nvPr>
-        </p:nvSpPr>
-        <p:spPr/>
-      </p:sp>
-      <p:sp>
-        <p:nvSpPr>
-          <p:cNvPr id="3" name="Notizenplatzhalter 2"/>
-          <p:cNvSpPr>
-            <a:spLocks noGrp="1"/>
-          </p:cNvSpPr>
-          <p:nvPr>
-            <p:ph type="body" idx="1"/>
-          </p:nvPr>
-        </p:nvSpPr>
-        <p:spPr/>
-        <p:txBody>
-          <a:bodyPr/>
-          <a:lstStyle/>
-          <a:p>
-            <a:r>
-              <a:rPr lang="de-DE" b="1" dirty="0"/>
-              <a:t>Die Ziele sind klar:</a:t>
-            </a:r>
-          </a:p>
-          <a:p>
-            <a:pPr marL="228600" indent="-228600">
-              <a:buFont typeface="+mj-lt"/>
-              <a:buAutoNum type="arabicPeriod"/>
-            </a:pPr>
-            <a:r>
-              <a:rPr lang="de-DE" b="0" dirty="0"/>
-              <a:t>Die tatsächliche TE soll  implementiert werden</a:t>
-            </a:r>
-          </a:p>
-          <a:p>
-            <a:pPr marL="228600" indent="-228600">
-              <a:buFont typeface="+mj-lt"/>
-              <a:buAutoNum type="arabicPeriod"/>
-            </a:pPr>
-            <a:r>
-              <a:rPr lang="de-DE" b="0" dirty="0"/>
-              <a:t>Die verschiede </a:t>
-            </a:r>
-            <a:r>
-              <a:rPr lang="de-DE" b="0" dirty="0" err="1"/>
-              <a:t>Dokumentype</a:t>
-            </a:r>
-            <a:r>
-              <a:rPr lang="de-DE" b="0" dirty="0"/>
-              <a:t> soll </a:t>
-            </a:r>
-            <a:r>
-              <a:rPr lang="de-DE" b="0" dirty="0" err="1"/>
-              <a:t>bereithestellt</a:t>
-            </a:r>
-            <a:r>
-              <a:rPr lang="de-DE" b="0" dirty="0"/>
-              <a:t> werden. Nämlich </a:t>
-            </a:r>
-          </a:p>
-          <a:p>
-            <a:r>
-              <a:rPr lang="de-DE" b="1" dirty="0"/>
-              <a:t>Produkte eines Release</a:t>
-            </a:r>
-          </a:p>
-          <a:p>
-            <a:r>
-              <a:rPr lang="de-DE" dirty="0"/>
-              <a:t>Î Software Project Management Plan (SPMP)</a:t>
-            </a:r>
-          </a:p>
-          <a:p>
-            <a:r>
-              <a:rPr lang="de-DE" dirty="0"/>
-              <a:t>Î </a:t>
-            </a:r>
-            <a:r>
-              <a:rPr lang="de-DE" dirty="0" err="1"/>
-              <a:t>Requirements</a:t>
-            </a:r>
-            <a:r>
-              <a:rPr lang="de-DE" dirty="0"/>
-              <a:t> Analysis </a:t>
-            </a:r>
-            <a:r>
-              <a:rPr lang="de-DE" dirty="0" err="1"/>
-              <a:t>Document</a:t>
-            </a:r>
-            <a:r>
-              <a:rPr lang="de-DE" dirty="0"/>
-              <a:t> (RAD) -</a:t>
-            </a:r>
-            <a:r>
-              <a:rPr lang="de-DE" dirty="0">
-                <a:sym typeface="Wingdings" panose="05000000000000000000" pitchFamily="2" charset="2"/>
-              </a:rPr>
-              <a:t>--&gt;https://www1.in.tum.de/lehrstuhl_1/component/content/article/43-books/241-oose-template-requirementsanalysisdocument</a:t>
-            </a:r>
-            <a:endParaRPr lang="de-DE" dirty="0"/>
-          </a:p>
-          <a:p>
-            <a:r>
-              <a:rPr lang="de-DE" dirty="0"/>
-              <a:t>Î System Design </a:t>
-            </a:r>
-            <a:r>
-              <a:rPr lang="de-DE" dirty="0" err="1"/>
-              <a:t>Document</a:t>
-            </a:r>
-            <a:r>
-              <a:rPr lang="de-DE" dirty="0"/>
-              <a:t> (SDD)</a:t>
-            </a:r>
-          </a:p>
-          <a:p>
-            <a:r>
-              <a:rPr lang="de-DE" dirty="0"/>
-              <a:t>Î </a:t>
-            </a:r>
-            <a:r>
-              <a:rPr lang="de-DE" dirty="0" err="1"/>
-              <a:t>Object</a:t>
-            </a:r>
-            <a:r>
-              <a:rPr lang="de-DE" dirty="0"/>
-              <a:t> Design </a:t>
-            </a:r>
-            <a:r>
-              <a:rPr lang="de-DE" dirty="0" err="1"/>
-              <a:t>Document</a:t>
-            </a:r>
-            <a:r>
-              <a:rPr lang="de-DE" dirty="0"/>
-              <a:t> (ODD)</a:t>
-            </a:r>
-          </a:p>
-          <a:p>
-            <a:r>
-              <a:rPr lang="de-DE" dirty="0"/>
-              <a:t>Î Test Manual (TM)</a:t>
-            </a:r>
-          </a:p>
-          <a:p>
-            <a:r>
-              <a:rPr lang="de-DE" dirty="0"/>
-              <a:t>Î User Manual (UM)</a:t>
-            </a:r>
-          </a:p>
-          <a:p>
-            <a:r>
-              <a:rPr lang="de-DE" dirty="0"/>
-              <a:t>Î Code</a:t>
-            </a:r>
-          </a:p>
-        </p:txBody>
-      </p:sp>
-      <p:sp>
-        <p:nvSpPr>
-          <p:cNvPr id="4" name="Foliennummernplatzhalter 3"/>
-          <p:cNvSpPr>
-            <a:spLocks noGrp="1"/>
-          </p:cNvSpPr>
-          <p:nvPr>
-            <p:ph type="sldNum" sz="quarter" idx="10"/>
-          </p:nvPr>
-        </p:nvSpPr>
-        <p:spPr/>
-        <p:txBody>
-          <a:bodyPr/>
-          <a:lstStyle/>
-          <a:p>
-            <a:fld id="{7C56EBB8-86B7-4B17-9FE6-1D6C78FAEC35}" type="slidenum">
-              <a:rPr lang="de-DE" altLang="de-DE" smtClean="0"/>
-              <a:pPr/>
-              <a:t>5</a:t>
-            </a:fld>
-            <a:endParaRPr lang="de-DE" altLang="de-DE"/>
-          </a:p>
-        </p:txBody>
-      </p:sp>
-    </p:spTree>
-    <p:extLst>
-      <p:ext uri="{BB962C8B-B14F-4D97-AF65-F5344CB8AC3E}">
-        <p14:creationId xmlns:p14="http://schemas.microsoft.com/office/powerpoint/2010/main" val="4186262116"/>
-      </p:ext>
-    </p:extLst>
-  </p:cSld>
-  <p:clrMapOvr>
-    <a:masterClrMapping/>
-  </p:clrMapOvr>
-</p:notes>
-</file>
-
-<file path=ppt/notesSlides/notesSlide5.xml><?xml version="1.0" encoding="utf-8"?>
-<p:notes xmlns:a="http://schemas.openxmlformats.org/drawingml/2006/main" xmlns:r="http://schemas.openxmlformats.org/officeDocument/2006/relationships" xmlns:p="http://schemas.openxmlformats.org/presentationml/2006/main">
-  <p:cSld>
-    <p:spTree>
-      <p:nvGrpSpPr>
-        <p:cNvPr id="1" name=""/>
-        <p:cNvGrpSpPr/>
-        <p:nvPr/>
-      </p:nvGrpSpPr>
-      <p:grpSpPr>
-        <a:xfrm>
-          <a:off x="0" y="0"/>
-          <a:ext cx="0" cy="0"/>
-          <a:chOff x="0" y="0"/>
-          <a:chExt cx="0" cy="0"/>
-        </a:xfrm>
-      </p:grpSpPr>
-      <p:sp>
-        <p:nvSpPr>
-          <p:cNvPr id="2" name="Folienbildplatzhalter 1"/>
-          <p:cNvSpPr>
-            <a:spLocks noGrp="1" noRot="1" noChangeAspect="1"/>
-          </p:cNvSpPr>
-          <p:nvPr>
-            <p:ph type="sldImg"/>
-          </p:nvPr>
-        </p:nvSpPr>
-        <p:spPr/>
-      </p:sp>
-      <p:sp>
-        <p:nvSpPr>
-          <p:cNvPr id="3" name="Notizenplatzhalter 2"/>
-          <p:cNvSpPr>
-            <a:spLocks noGrp="1"/>
-          </p:cNvSpPr>
-          <p:nvPr>
-            <p:ph type="body" idx="1"/>
-          </p:nvPr>
-        </p:nvSpPr>
-        <p:spPr/>
-        <p:txBody>
-          <a:bodyPr/>
-          <a:lstStyle/>
-          <a:p>
-            <a:r>
-              <a:rPr lang="de-DE" dirty="0"/>
-              <a:t>Quellcode</a:t>
-            </a:r>
-            <a:r>
-              <a:rPr lang="de-DE" baseline="0" dirty="0"/>
-              <a:t> ===? Repository</a:t>
-            </a:r>
-          </a:p>
-          <a:p>
-            <a:r>
-              <a:rPr lang="de-DE" baseline="0" dirty="0" err="1"/>
-              <a:t>Issue</a:t>
-            </a:r>
-            <a:r>
-              <a:rPr lang="de-DE" baseline="0" dirty="0"/>
-              <a:t> Tracking == Fehlermeldung</a:t>
-            </a:r>
-          </a:p>
-          <a:p>
-            <a:pPr lvl="1"/>
-            <a:r>
-              <a:rPr lang="de-DE" baseline="0" dirty="0"/>
-              <a:t>*  </a:t>
-            </a:r>
-            <a:endParaRPr lang="en-US" dirty="0"/>
-          </a:p>
-        </p:txBody>
-      </p:sp>
-      <p:sp>
-        <p:nvSpPr>
-          <p:cNvPr id="4" name="Foliennummernplatzhalter 3"/>
-          <p:cNvSpPr>
-            <a:spLocks noGrp="1"/>
-          </p:cNvSpPr>
-          <p:nvPr>
-            <p:ph type="sldNum" sz="quarter" idx="10"/>
-          </p:nvPr>
-        </p:nvSpPr>
-        <p:spPr/>
-        <p:txBody>
-          <a:bodyPr/>
-          <a:lstStyle/>
-          <a:p>
-            <a:fld id="{7C56EBB8-86B7-4B17-9FE6-1D6C78FAEC35}" type="slidenum">
-              <a:rPr lang="de-DE" altLang="de-DE" smtClean="0"/>
-              <a:pPr/>
-              <a:t>8</a:t>
-            </a:fld>
-            <a:endParaRPr lang="de-DE" altLang="de-DE"/>
-          </a:p>
-        </p:txBody>
-      </p:sp>
-    </p:spTree>
-    <p:extLst>
-      <p:ext uri="{BB962C8B-B14F-4D97-AF65-F5344CB8AC3E}">
-        <p14:creationId xmlns:p14="http://schemas.microsoft.com/office/powerpoint/2010/main" val="2385980104"/>
-      </p:ext>
-    </p:extLst>
-  </p:cSld>
-  <p:clrMapOvr>
-    <a:masterClrMapping/>
-  </p:clrMapOvr>
-</p:notes>
-</file>
-
-<file path=ppt/notesSlides/notesSlide6.xml><?xml version="1.0" encoding="utf-8"?>
-<p:notes xmlns:a="http://schemas.openxmlformats.org/drawingml/2006/main" xmlns:r="http://schemas.openxmlformats.org/officeDocument/2006/relationships" xmlns:p="http://schemas.openxmlformats.org/presentationml/2006/main">
-  <p:cSld>
-    <p:spTree>
-      <p:nvGrpSpPr>
-        <p:cNvPr id="1" name=""/>
-        <p:cNvGrpSpPr/>
-        <p:nvPr/>
-      </p:nvGrpSpPr>
-      <p:grpSpPr>
-        <a:xfrm>
-          <a:off x="0" y="0"/>
-          <a:ext cx="0" cy="0"/>
-          <a:chOff x="0" y="0"/>
-          <a:chExt cx="0" cy="0"/>
-        </a:xfrm>
-      </p:grpSpPr>
-      <p:sp>
-        <p:nvSpPr>
-          <p:cNvPr id="2" name="Folienbildplatzhalter 1"/>
-          <p:cNvSpPr>
-            <a:spLocks noGrp="1" noRot="1" noChangeAspect="1"/>
-          </p:cNvSpPr>
-          <p:nvPr>
-            <p:ph type="sldImg"/>
-          </p:nvPr>
-        </p:nvSpPr>
-        <p:spPr/>
-      </p:sp>
-      <p:sp>
-        <p:nvSpPr>
-          <p:cNvPr id="3" name="Notizenplatzhalter 2"/>
-          <p:cNvSpPr>
-            <a:spLocks noGrp="1"/>
-          </p:cNvSpPr>
-          <p:nvPr>
-            <p:ph type="body" idx="1"/>
-          </p:nvPr>
-        </p:nvSpPr>
-        <p:spPr/>
-        <p:txBody>
-          <a:bodyPr/>
-          <a:lstStyle/>
-          <a:p>
-            <a:r>
-              <a:rPr lang="de-DE" dirty="0"/>
-              <a:t>SDD: System Design </a:t>
-            </a:r>
-            <a:r>
-              <a:rPr lang="de-DE" dirty="0" err="1"/>
-              <a:t>Documents</a:t>
-            </a:r>
-            <a:r>
-              <a:rPr lang="de-DE" dirty="0"/>
-              <a:t>/</a:t>
-            </a:r>
-            <a:r>
-              <a:rPr lang="de-DE" dirty="0" err="1"/>
-              <a:t>Decription</a:t>
-            </a:r>
-            <a:r>
-              <a:rPr lang="de-DE" dirty="0"/>
-              <a:t> was?</a:t>
-            </a:r>
-          </a:p>
-        </p:txBody>
-      </p:sp>
-      <p:sp>
-        <p:nvSpPr>
-          <p:cNvPr id="4" name="Foliennummernplatzhalter 3"/>
-          <p:cNvSpPr>
-            <a:spLocks noGrp="1"/>
-          </p:cNvSpPr>
-          <p:nvPr>
-            <p:ph type="sldNum" sz="quarter" idx="10"/>
-          </p:nvPr>
-        </p:nvSpPr>
-        <p:spPr/>
-        <p:txBody>
-          <a:bodyPr/>
-          <a:lstStyle/>
-          <a:p>
-            <a:fld id="{7C56EBB8-86B7-4B17-9FE6-1D6C78FAEC35}" type="slidenum">
-              <a:rPr lang="de-DE" altLang="de-DE" smtClean="0"/>
-              <a:pPr/>
-              <a:t>9</a:t>
-            </a:fld>
-            <a:endParaRPr lang="de-DE" altLang="de-DE"/>
-          </a:p>
-        </p:txBody>
-      </p:sp>
-    </p:spTree>
-    <p:extLst>
-      <p:ext uri="{BB962C8B-B14F-4D97-AF65-F5344CB8AC3E}">
-        <p14:creationId xmlns:p14="http://schemas.microsoft.com/office/powerpoint/2010/main" val="2185017981"/>
-      </p:ext>
-    </p:extLst>
-  </p:cSld>
-  <p:clrMapOvr>
-    <a:masterClrMapping/>
-  </p:clrMapOvr>
-</p:notes>
-</file>
-
-<file path=ppt/notesSlides/notesSlide7.xml><?xml version="1.0" encoding="utf-8"?>
-<p:notes xmlns:a="http://schemas.openxmlformats.org/drawingml/2006/main" xmlns:r="http://schemas.openxmlformats.org/officeDocument/2006/relationships" xmlns:p="http://schemas.openxmlformats.org/presentationml/2006/main">
-  <p:cSld>
-    <p:spTree>
-      <p:nvGrpSpPr>
-        <p:cNvPr id="1" name=""/>
-        <p:cNvGrpSpPr/>
-        <p:nvPr/>
-      </p:nvGrpSpPr>
-      <p:grpSpPr>
-        <a:xfrm>
-          <a:off x="0" y="0"/>
-          <a:ext cx="0" cy="0"/>
-          <a:chOff x="0" y="0"/>
-          <a:chExt cx="0" cy="0"/>
-        </a:xfrm>
-      </p:grpSpPr>
-      <p:sp>
-        <p:nvSpPr>
-          <p:cNvPr id="2" name="Folienbildplatzhalter 1"/>
-          <p:cNvSpPr>
-            <a:spLocks noGrp="1" noRot="1" noChangeAspect="1"/>
-          </p:cNvSpPr>
-          <p:nvPr>
-            <p:ph type="sldImg"/>
-          </p:nvPr>
-        </p:nvSpPr>
-        <p:spPr/>
-      </p:sp>
-      <p:sp>
-        <p:nvSpPr>
-          <p:cNvPr id="3" name="Notizenplatzhalter 2"/>
-          <p:cNvSpPr>
-            <a:spLocks noGrp="1"/>
-          </p:cNvSpPr>
-          <p:nvPr>
-            <p:ph type="body" idx="1"/>
-          </p:nvPr>
-        </p:nvSpPr>
-        <p:spPr/>
-        <p:txBody>
-          <a:bodyPr/>
-          <a:lstStyle/>
-          <a:p>
-            <a:r>
-              <a:rPr lang="de-DE" dirty="0"/>
-              <a:t>SDD: Software Design </a:t>
-            </a:r>
-            <a:r>
-              <a:rPr lang="de-DE" dirty="0" err="1"/>
-              <a:t>Documents</a:t>
-            </a:r>
-            <a:r>
-              <a:rPr lang="de-DE" dirty="0"/>
-              <a:t>/</a:t>
-            </a:r>
-            <a:r>
-              <a:rPr lang="de-DE" dirty="0" err="1"/>
-              <a:t>Decription</a:t>
-            </a:r>
-            <a:r>
-              <a:rPr lang="de-DE" dirty="0"/>
-              <a:t> was?</a:t>
-            </a:r>
-          </a:p>
-        </p:txBody>
-      </p:sp>
-      <p:sp>
-        <p:nvSpPr>
-          <p:cNvPr id="4" name="Foliennummernplatzhalter 3"/>
-          <p:cNvSpPr>
-            <a:spLocks noGrp="1"/>
-          </p:cNvSpPr>
-          <p:nvPr>
-            <p:ph type="sldNum" sz="quarter" idx="10"/>
-          </p:nvPr>
-        </p:nvSpPr>
-        <p:spPr/>
-        <p:txBody>
-          <a:bodyPr/>
-          <a:lstStyle/>
-          <a:p>
-            <a:fld id="{7C56EBB8-86B7-4B17-9FE6-1D6C78FAEC35}" type="slidenum">
-              <a:rPr lang="de-DE" altLang="de-DE" smtClean="0"/>
-              <a:pPr/>
-              <a:t>10</a:t>
-            </a:fld>
-            <a:endParaRPr lang="de-DE" altLang="de-DE"/>
-          </a:p>
-        </p:txBody>
-      </p:sp>
-    </p:spTree>
-    <p:extLst>
-      <p:ext uri="{BB962C8B-B14F-4D97-AF65-F5344CB8AC3E}">
-        <p14:creationId xmlns:p14="http://schemas.microsoft.com/office/powerpoint/2010/main" val="1855379874"/>
-      </p:ext>
-    </p:extLst>
-  </p:cSld>
-  <p:clrMapOvr>
-    <a:masterClrMapping/>
-  </p:clrMapOvr>
-</p:notes>
-</file>
-
-<file path=ppt/notesSlides/notesSlide8.xml><?xml version="1.0" encoding="utf-8"?>
-<p:notes xmlns:a="http://schemas.openxmlformats.org/drawingml/2006/main" xmlns:r="http://schemas.openxmlformats.org/officeDocument/2006/relationships" xmlns:p="http://schemas.openxmlformats.org/presentationml/2006/main">
-  <p:cSld>
-    <p:spTree>
-      <p:nvGrpSpPr>
-        <p:cNvPr id="1" name=""/>
-        <p:cNvGrpSpPr/>
-        <p:nvPr/>
-      </p:nvGrpSpPr>
-      <p:grpSpPr>
-        <a:xfrm>
-          <a:off x="0" y="0"/>
-          <a:ext cx="0" cy="0"/>
-          <a:chOff x="0" y="0"/>
-          <a:chExt cx="0" cy="0"/>
-        </a:xfrm>
-      </p:grpSpPr>
-      <p:sp>
-        <p:nvSpPr>
-          <p:cNvPr id="2" name="Folienbildplatzhalter 1"/>
-          <p:cNvSpPr>
-            <a:spLocks noGrp="1" noRot="1" noChangeAspect="1"/>
-          </p:cNvSpPr>
-          <p:nvPr>
-            <p:ph type="sldImg"/>
-          </p:nvPr>
-        </p:nvSpPr>
-        <p:spPr/>
-      </p:sp>
-      <p:sp>
-        <p:nvSpPr>
-          <p:cNvPr id="3" name="Notizenplatzhalter 2"/>
-          <p:cNvSpPr>
-            <a:spLocks noGrp="1"/>
-          </p:cNvSpPr>
-          <p:nvPr>
-            <p:ph type="body" idx="1"/>
-          </p:nvPr>
-        </p:nvSpPr>
-        <p:spPr/>
-        <p:txBody>
-          <a:bodyPr/>
-          <a:lstStyle/>
-          <a:p>
             <a:pPr marL="171450" indent="-171450">
               <a:buFont typeface="Arial" panose="020B0604020202020204" pitchFamily="34" charset="0"/>
               <a:buChar char="•"/>
@@ -16542,7 +15653,7 @@
 </p:notes>
 </file>
 
-<file path=ppt/notesSlides/notesSlide9.xml><?xml version="1.0" encoding="utf-8"?>
+<file path=ppt/notesSlides/notesSlide11.xml><?xml version="1.0" encoding="utf-8"?>
 <p:notes xmlns:a="http://schemas.openxmlformats.org/drawingml/2006/main" xmlns:r="http://schemas.openxmlformats.org/officeDocument/2006/relationships" xmlns:p="http://schemas.openxmlformats.org/presentationml/2006/main">
   <p:cSld>
     <p:spTree>
@@ -16637,6 +15748,1533 @@
         </p:txBody>
       </p:sp>
     </p:spTree>
+  </p:cSld>
+  <p:clrMapOvr>
+    <a:masterClrMapping/>
+  </p:clrMapOvr>
+</p:notes>
+</file>
+
+<file path=ppt/notesSlides/notesSlide12.xml><?xml version="1.0" encoding="utf-8"?>
+<p:notes xmlns:a="http://schemas.openxmlformats.org/drawingml/2006/main" xmlns:r="http://schemas.openxmlformats.org/officeDocument/2006/relationships" xmlns:p="http://schemas.openxmlformats.org/presentationml/2006/main">
+  <p:cSld>
+    <p:spTree>
+      <p:nvGrpSpPr>
+        <p:cNvPr id="1" name=""/>
+        <p:cNvGrpSpPr/>
+        <p:nvPr/>
+      </p:nvGrpSpPr>
+      <p:grpSpPr>
+        <a:xfrm>
+          <a:off x="0" y="0"/>
+          <a:ext cx="0" cy="0"/>
+          <a:chOff x="0" y="0"/>
+          <a:chExt cx="0" cy="0"/>
+        </a:xfrm>
+      </p:grpSpPr>
+      <p:sp>
+        <p:nvSpPr>
+          <p:cNvPr id="2" name="Folienbildplatzhalter 1"/>
+          <p:cNvSpPr>
+            <a:spLocks noGrp="1" noRot="1" noChangeAspect="1"/>
+          </p:cNvSpPr>
+          <p:nvPr>
+            <p:ph type="sldImg"/>
+          </p:nvPr>
+        </p:nvSpPr>
+        <p:spPr/>
+      </p:sp>
+      <p:sp>
+        <p:nvSpPr>
+          <p:cNvPr id="3" name="Notizenplatzhalter 2"/>
+          <p:cNvSpPr>
+            <a:spLocks noGrp="1"/>
+          </p:cNvSpPr>
+          <p:nvPr>
+            <p:ph type="body" idx="1"/>
+          </p:nvPr>
+        </p:nvSpPr>
+        <p:spPr/>
+        <p:txBody>
+          <a:bodyPr/>
+          <a:lstStyle/>
+          <a:p>
+            <a:r>
+              <a:rPr lang="de-DE" dirty="0"/>
+              <a:t>Was ist Portierbarkeit?</a:t>
+            </a:r>
+          </a:p>
+          <a:p>
+            <a:r>
+              <a:rPr lang="de-DE" dirty="0" err="1"/>
+              <a:t>Korrekheit</a:t>
+            </a:r>
+            <a:r>
+              <a:rPr lang="de-DE" dirty="0"/>
+              <a:t>?</a:t>
+            </a:r>
+          </a:p>
+          <a:p>
+            <a:r>
+              <a:rPr lang="de-DE" dirty="0"/>
+              <a:t>Alle </a:t>
+            </a:r>
+            <a:r>
+              <a:rPr lang="de-DE" dirty="0" err="1"/>
+              <a:t>unterpunkte</a:t>
+            </a:r>
+            <a:r>
+              <a:rPr lang="de-DE" dirty="0"/>
+              <a:t> verstehen?</a:t>
+            </a:r>
+          </a:p>
+        </p:txBody>
+      </p:sp>
+      <p:sp>
+        <p:nvSpPr>
+          <p:cNvPr id="4" name="Foliennummernplatzhalter 3"/>
+          <p:cNvSpPr>
+            <a:spLocks noGrp="1"/>
+          </p:cNvSpPr>
+          <p:nvPr>
+            <p:ph type="sldNum" sz="quarter" idx="10"/>
+          </p:nvPr>
+        </p:nvSpPr>
+        <p:spPr/>
+        <p:txBody>
+          <a:bodyPr/>
+          <a:lstStyle/>
+          <a:p>
+            <a:fld id="{7C56EBB8-86B7-4B17-9FE6-1D6C78FAEC35}" type="slidenum">
+              <a:rPr lang="de-DE" altLang="de-DE" smtClean="0"/>
+              <a:pPr/>
+              <a:t>15</a:t>
+            </a:fld>
+            <a:endParaRPr lang="de-DE" altLang="de-DE"/>
+          </a:p>
+        </p:txBody>
+      </p:sp>
+    </p:spTree>
+    <p:extLst>
+      <p:ext uri="{BB962C8B-B14F-4D97-AF65-F5344CB8AC3E}">
+        <p14:creationId xmlns:p14="http://schemas.microsoft.com/office/powerpoint/2010/main" val="3964579411"/>
+      </p:ext>
+    </p:extLst>
+  </p:cSld>
+  <p:clrMapOvr>
+    <a:masterClrMapping/>
+  </p:clrMapOvr>
+</p:notes>
+</file>
+
+<file path=ppt/notesSlides/notesSlide2.xml><?xml version="1.0" encoding="utf-8"?>
+<p:notes xmlns:a="http://schemas.openxmlformats.org/drawingml/2006/main" xmlns:r="http://schemas.openxmlformats.org/officeDocument/2006/relationships" xmlns:p="http://schemas.openxmlformats.org/presentationml/2006/main">
+  <p:cSld>
+    <p:spTree>
+      <p:nvGrpSpPr>
+        <p:cNvPr id="1" name=""/>
+        <p:cNvGrpSpPr/>
+        <p:nvPr/>
+      </p:nvGrpSpPr>
+      <p:grpSpPr>
+        <a:xfrm>
+          <a:off x="0" y="0"/>
+          <a:ext cx="0" cy="0"/>
+          <a:chOff x="0" y="0"/>
+          <a:chExt cx="0" cy="0"/>
+        </a:xfrm>
+      </p:grpSpPr>
+      <p:sp>
+        <p:nvSpPr>
+          <p:cNvPr id="2" name="Folienbildplatzhalter 1"/>
+          <p:cNvSpPr>
+            <a:spLocks noGrp="1" noRot="1" noChangeAspect="1"/>
+          </p:cNvSpPr>
+          <p:nvPr>
+            <p:ph type="sldImg"/>
+          </p:nvPr>
+        </p:nvSpPr>
+        <p:spPr/>
+      </p:sp>
+      <p:sp>
+        <p:nvSpPr>
+          <p:cNvPr id="3" name="Notizenplatzhalter 2"/>
+          <p:cNvSpPr>
+            <a:spLocks noGrp="1"/>
+          </p:cNvSpPr>
+          <p:nvPr>
+            <p:ph type="body" idx="1"/>
+          </p:nvPr>
+        </p:nvSpPr>
+        <p:spPr/>
+        <p:txBody>
+          <a:bodyPr/>
+          <a:lstStyle/>
+          <a:p>
+            <a:pPr marL="0" indent="0">
+              <a:buFont typeface="+mj-lt"/>
+              <a:buNone/>
+            </a:pPr>
+            <a:r>
+              <a:rPr lang="de-DE" dirty="0"/>
+              <a:t>Mein Vortrag besteht aus 5 Teilen:</a:t>
+            </a:r>
+          </a:p>
+          <a:p>
+            <a:pPr marL="228600" indent="-228600">
+              <a:buFont typeface="+mj-lt"/>
+              <a:buAutoNum type="arabicPeriod"/>
+            </a:pPr>
+            <a:r>
+              <a:rPr lang="de-DE" b="1" dirty="0"/>
+              <a:t>Einleitung</a:t>
+            </a:r>
+            <a:r>
+              <a:rPr lang="de-DE" dirty="0"/>
+              <a:t>: wo die Motivation und Ziele kurz gesprochen werden sollen</a:t>
+            </a:r>
+          </a:p>
+          <a:p>
+            <a:pPr marL="228600" indent="-228600">
+              <a:buFont typeface="+mj-lt"/>
+              <a:buAutoNum type="arabicPeriod"/>
+            </a:pPr>
+            <a:r>
+              <a:rPr lang="de-DE" b="1" dirty="0" smtClean="0"/>
+              <a:t>Knowledge </a:t>
+            </a:r>
+            <a:r>
+              <a:rPr lang="de-DE" b="1" dirty="0"/>
+              <a:t>Base</a:t>
+            </a:r>
+            <a:r>
+              <a:rPr lang="de-DE" dirty="0" smtClean="0"/>
+              <a:t>: ist die Webseite</a:t>
+            </a:r>
+            <a:r>
+              <a:rPr lang="de-DE" baseline="0" dirty="0" smtClean="0"/>
+              <a:t> wo alle benötigten Informationen über das Modul zu finden sind. Diese Webseite ist in 2 Bereiche Unterteilt.</a:t>
+            </a:r>
+            <a:endParaRPr lang="de-DE" dirty="0"/>
+          </a:p>
+          <a:p>
+            <a:pPr marL="685800" lvl="1" indent="-228600">
+              <a:buFont typeface="+mj-lt"/>
+              <a:buAutoNum type="arabicPeriod"/>
+            </a:pPr>
+            <a:r>
+              <a:rPr lang="de-DE" dirty="0" smtClean="0"/>
+              <a:t>ÖA= wo </a:t>
+            </a:r>
+            <a:r>
+              <a:rPr lang="de-DE" dirty="0"/>
+              <a:t>die Kunde </a:t>
+            </a:r>
+            <a:r>
+              <a:rPr lang="de-DE" dirty="0" smtClean="0"/>
+              <a:t> und </a:t>
+            </a:r>
+            <a:r>
+              <a:rPr lang="de-DE" b="1" dirty="0" smtClean="0"/>
+              <a:t>Endbenutzer Support</a:t>
+            </a:r>
+            <a:r>
+              <a:rPr lang="de-DE" b="1" baseline="0" dirty="0" smtClean="0"/>
+              <a:t> bekommen </a:t>
+            </a:r>
+            <a:r>
+              <a:rPr lang="de-DE" baseline="0" dirty="0" smtClean="0"/>
+              <a:t>können</a:t>
+            </a:r>
+            <a:r>
+              <a:rPr lang="de-DE" dirty="0" smtClean="0"/>
+              <a:t>.</a:t>
+            </a:r>
+            <a:endParaRPr lang="de-DE" dirty="0"/>
+          </a:p>
+          <a:p>
+            <a:pPr marL="685800" lvl="1" indent="-228600">
+              <a:buFont typeface="+mj-lt"/>
+              <a:buAutoNum type="arabicPeriod"/>
+            </a:pPr>
+            <a:r>
+              <a:rPr lang="de-DE" dirty="0" smtClean="0"/>
+              <a:t>VA= wo der </a:t>
+            </a:r>
+            <a:r>
+              <a:rPr lang="de-DE" b="1" dirty="0" smtClean="0"/>
+              <a:t>Entwickler</a:t>
+            </a:r>
+            <a:r>
+              <a:rPr lang="de-DE" b="1" baseline="0" dirty="0" smtClean="0"/>
+              <a:t> einsteigen </a:t>
+            </a:r>
+            <a:r>
+              <a:rPr lang="de-DE" baseline="0" dirty="0" smtClean="0"/>
+              <a:t>soll</a:t>
+            </a:r>
+            <a:endParaRPr lang="de-DE" dirty="0"/>
+          </a:p>
+          <a:p>
+            <a:pPr marL="228600" lvl="0" indent="-228600">
+              <a:buFont typeface="+mj-lt"/>
+              <a:buAutoNum type="arabicPeriod"/>
+            </a:pPr>
+            <a:r>
+              <a:rPr lang="de-DE" dirty="0" smtClean="0"/>
+              <a:t>Dokumentation: hier wird die </a:t>
+            </a:r>
+            <a:r>
+              <a:rPr lang="de-DE" b="1" dirty="0" smtClean="0"/>
+              <a:t>Dokumentation-Gliederung</a:t>
+            </a:r>
+            <a:r>
+              <a:rPr lang="de-DE" b="1" baseline="0" dirty="0" smtClean="0"/>
+              <a:t> angesprochen</a:t>
+            </a:r>
+            <a:r>
+              <a:rPr lang="de-DE" baseline="0" dirty="0" smtClean="0"/>
+              <a:t>: die Wiki und regelmäßige Meeting über das Modul</a:t>
+            </a:r>
+            <a:endParaRPr lang="de-DE" dirty="0"/>
+          </a:p>
+          <a:p>
+            <a:pPr marL="228600" lvl="0" indent="-228600">
+              <a:buFont typeface="+mj-lt"/>
+              <a:buAutoNum type="arabicPeriod"/>
+            </a:pPr>
+            <a:r>
+              <a:rPr lang="de-DE" b="1" dirty="0" smtClean="0"/>
+              <a:t>IS</a:t>
+            </a:r>
+            <a:r>
+              <a:rPr lang="de-DE" dirty="0" smtClean="0"/>
+              <a:t>: </a:t>
+            </a:r>
+            <a:r>
+              <a:rPr lang="de-DE" dirty="0"/>
+              <a:t>Was ein </a:t>
+            </a:r>
+            <a:r>
+              <a:rPr lang="de-DE" dirty="0" err="1"/>
+              <a:t>issue</a:t>
+            </a:r>
+            <a:r>
+              <a:rPr lang="de-DE" dirty="0"/>
+              <a:t> bzw. </a:t>
+            </a:r>
+            <a:r>
+              <a:rPr lang="de-DE" dirty="0" err="1"/>
+              <a:t>feature</a:t>
+            </a:r>
+            <a:r>
+              <a:rPr lang="de-DE" dirty="0"/>
+              <a:t> </a:t>
+            </a:r>
+            <a:r>
+              <a:rPr lang="de-DE" dirty="0" smtClean="0"/>
+              <a:t>unbedingt </a:t>
+            </a:r>
+            <a:r>
+              <a:rPr lang="de-DE" dirty="0"/>
+              <a:t>erhalten </a:t>
+            </a:r>
+            <a:r>
+              <a:rPr lang="de-DE" dirty="0" smtClean="0"/>
+              <a:t>soll</a:t>
+            </a:r>
+            <a:r>
+              <a:rPr lang="de-DE" baseline="0" dirty="0" smtClean="0"/>
+              <a:t>  zum Bsp.: </a:t>
+            </a:r>
+            <a:r>
+              <a:rPr lang="de-DE" dirty="0" smtClean="0"/>
+              <a:t>mit einem</a:t>
+            </a:r>
+            <a:r>
+              <a:rPr lang="de-DE" baseline="0" dirty="0" smtClean="0"/>
+              <a:t> </a:t>
+            </a:r>
+            <a:r>
+              <a:rPr lang="de-DE" dirty="0" err="1" smtClean="0"/>
+              <a:t>Epi</a:t>
+            </a:r>
+            <a:r>
+              <a:rPr lang="de-DE" dirty="0" smtClean="0"/>
+              <a:t> in JIRA den </a:t>
+            </a:r>
+            <a:r>
+              <a:rPr lang="de-DE" dirty="0" err="1" smtClean="0"/>
+              <a:t>Issue</a:t>
+            </a:r>
+            <a:r>
+              <a:rPr lang="de-DE" dirty="0" smtClean="0"/>
+              <a:t> kennzeichnen.</a:t>
+            </a:r>
+          </a:p>
+          <a:p>
+            <a:pPr marL="228600" lvl="0" indent="-228600">
+              <a:buFont typeface="+mj-lt"/>
+              <a:buAutoNum type="arabicPeriod"/>
+            </a:pPr>
+            <a:r>
+              <a:rPr lang="de-DE" dirty="0" smtClean="0"/>
+              <a:t>Zum Schluss gibt es einige Fakte zur Dokumentation bzw. Diskussion</a:t>
+            </a:r>
+            <a:endParaRPr lang="de-DE" dirty="0"/>
+          </a:p>
+        </p:txBody>
+      </p:sp>
+      <p:sp>
+        <p:nvSpPr>
+          <p:cNvPr id="4" name="Foliennummernplatzhalter 3"/>
+          <p:cNvSpPr>
+            <a:spLocks noGrp="1"/>
+          </p:cNvSpPr>
+          <p:nvPr>
+            <p:ph type="sldNum" sz="quarter" idx="10"/>
+          </p:nvPr>
+        </p:nvSpPr>
+        <p:spPr/>
+        <p:txBody>
+          <a:bodyPr/>
+          <a:lstStyle/>
+          <a:p>
+            <a:fld id="{7C56EBB8-86B7-4B17-9FE6-1D6C78FAEC35}" type="slidenum">
+              <a:rPr lang="de-DE" altLang="de-DE" smtClean="0"/>
+              <a:pPr/>
+              <a:t>3</a:t>
+            </a:fld>
+            <a:endParaRPr lang="de-DE" altLang="de-DE"/>
+          </a:p>
+        </p:txBody>
+      </p:sp>
+    </p:spTree>
+    <p:extLst>
+      <p:ext uri="{BB962C8B-B14F-4D97-AF65-F5344CB8AC3E}">
+        <p14:creationId xmlns:p14="http://schemas.microsoft.com/office/powerpoint/2010/main" val="3517218494"/>
+      </p:ext>
+    </p:extLst>
+  </p:cSld>
+  <p:clrMapOvr>
+    <a:masterClrMapping/>
+  </p:clrMapOvr>
+</p:notes>
+</file>
+
+<file path=ppt/notesSlides/notesSlide3.xml><?xml version="1.0" encoding="utf-8"?>
+<p:notes xmlns:a="http://schemas.openxmlformats.org/drawingml/2006/main" xmlns:r="http://schemas.openxmlformats.org/officeDocument/2006/relationships" xmlns:p="http://schemas.openxmlformats.org/presentationml/2006/main">
+  <p:cSld>
+    <p:spTree>
+      <p:nvGrpSpPr>
+        <p:cNvPr id="1" name=""/>
+        <p:cNvGrpSpPr/>
+        <p:nvPr/>
+      </p:nvGrpSpPr>
+      <p:grpSpPr>
+        <a:xfrm>
+          <a:off x="0" y="0"/>
+          <a:ext cx="0" cy="0"/>
+          <a:chOff x="0" y="0"/>
+          <a:chExt cx="0" cy="0"/>
+        </a:xfrm>
+      </p:grpSpPr>
+      <p:sp>
+        <p:nvSpPr>
+          <p:cNvPr id="2" name="Folienbildplatzhalter 1"/>
+          <p:cNvSpPr>
+            <a:spLocks noGrp="1" noRot="1" noChangeAspect="1"/>
+          </p:cNvSpPr>
+          <p:nvPr>
+            <p:ph type="sldImg"/>
+          </p:nvPr>
+        </p:nvSpPr>
+        <p:spPr/>
+      </p:sp>
+      <p:sp>
+        <p:nvSpPr>
+          <p:cNvPr id="3" name="Notizenplatzhalter 2"/>
+          <p:cNvSpPr>
+            <a:spLocks noGrp="1"/>
+          </p:cNvSpPr>
+          <p:nvPr>
+            <p:ph type="body" idx="1"/>
+          </p:nvPr>
+        </p:nvSpPr>
+        <p:spPr/>
+        <p:txBody>
+          <a:bodyPr/>
+          <a:lstStyle/>
+          <a:p>
+            <a:r>
+              <a:rPr lang="de-DE" sz="1200" b="0" i="0" u="none" strike="noStrike" kern="1200" baseline="0" dirty="0">
+                <a:solidFill>
+                  <a:schemeClr val="tx1"/>
+                </a:solidFill>
+                <a:latin typeface="Arial" panose="020B0604020202020204" pitchFamily="34" charset="0"/>
+                <a:ea typeface="+mn-ea"/>
+                <a:cs typeface="+mn-cs"/>
+              </a:rPr>
+              <a:t>Die Firma Hilscher sucht eine Möglichkeit, das Engineering Tool Communication Studio um eine grafische Komponente für die Abbildung komplexer industriellen Netzwerke zu erweitern. </a:t>
+            </a:r>
+          </a:p>
+          <a:p>
+            <a:pPr marL="228600" indent="-228600">
+              <a:buAutoNum type="arabicPeriod"/>
+            </a:pPr>
+            <a:r>
+              <a:rPr lang="de-DE" sz="1200" b="0" i="0" u="none" strike="noStrike" kern="1200" baseline="0" dirty="0">
+                <a:solidFill>
+                  <a:schemeClr val="tx1"/>
+                </a:solidFill>
+                <a:latin typeface="Arial" panose="020B0604020202020204" pitchFamily="34" charset="0"/>
+                <a:ea typeface="+mn-ea"/>
+                <a:cs typeface="+mn-cs"/>
+              </a:rPr>
+              <a:t>Gefordert ist</a:t>
+            </a:r>
+          </a:p>
+          <a:p>
+            <a:pPr marL="228600" indent="-228600">
+              <a:buAutoNum type="arabicPeriod"/>
+            </a:pPr>
+            <a:r>
+              <a:rPr lang="de-DE" sz="1200" b="0" i="0" u="none" strike="noStrike" kern="1200" baseline="0" dirty="0">
+                <a:solidFill>
+                  <a:schemeClr val="tx1"/>
+                </a:solidFill>
+                <a:latin typeface="Arial" panose="020B0604020202020204" pitchFamily="34" charset="0"/>
+                <a:ea typeface="+mn-ea"/>
+                <a:cs typeface="+mn-cs"/>
+              </a:rPr>
+              <a:t>Das Modul soll integrierbar sein</a:t>
+            </a:r>
+          </a:p>
+          <a:p>
+            <a:pPr marL="228600" indent="-228600">
+              <a:buAutoNum type="arabicPeriod"/>
+            </a:pPr>
+            <a:r>
+              <a:rPr lang="de-DE" sz="1200" b="0" i="0" u="none" strike="noStrike" kern="1200" baseline="0" dirty="0">
+                <a:solidFill>
+                  <a:schemeClr val="tx1"/>
+                </a:solidFill>
+                <a:latin typeface="Arial" panose="020B0604020202020204" pitchFamily="34" charset="0"/>
+                <a:ea typeface="+mn-ea"/>
+                <a:cs typeface="+mn-cs"/>
+              </a:rPr>
+              <a:t>Die Geräte </a:t>
+            </a:r>
+            <a:r>
+              <a:rPr lang="de-DE" sz="1200" b="0" i="0" u="none" strike="noStrike" kern="1200" baseline="0" dirty="0" smtClean="0">
+                <a:solidFill>
+                  <a:schemeClr val="tx1"/>
+                </a:solidFill>
+                <a:latin typeface="Arial" panose="020B0604020202020204" pitchFamily="34" charset="0"/>
+                <a:ea typeface="+mn-ea"/>
+                <a:cs typeface="+mn-cs"/>
+              </a:rPr>
+              <a:t>und Verbindungen sollen </a:t>
+            </a:r>
+            <a:r>
+              <a:rPr lang="de-DE" sz="1200" b="0" i="0" u="none" strike="noStrike" kern="1200" baseline="0" dirty="0">
+                <a:solidFill>
+                  <a:schemeClr val="tx1"/>
+                </a:solidFill>
+                <a:latin typeface="Arial" panose="020B0604020202020204" pitchFamily="34" charset="0"/>
+                <a:ea typeface="+mn-ea"/>
+                <a:cs typeface="+mn-cs"/>
+              </a:rPr>
+              <a:t>übersichtlich und intuitiv </a:t>
+            </a:r>
+            <a:r>
+              <a:rPr lang="de-DE" sz="1200" b="1" i="0" u="none" strike="noStrike" kern="1200" baseline="0" dirty="0" smtClean="0">
+                <a:solidFill>
+                  <a:schemeClr val="tx1"/>
+                </a:solidFill>
+                <a:latin typeface="Arial" panose="020B0604020202020204" pitchFamily="34" charset="0"/>
+                <a:ea typeface="+mn-ea"/>
+                <a:cs typeface="+mn-cs"/>
+              </a:rPr>
+              <a:t>symbolisiert</a:t>
+            </a:r>
+            <a:r>
+              <a:rPr lang="de-DE" sz="1200" b="0" i="0" u="none" strike="noStrike" kern="1200" baseline="0" dirty="0" smtClean="0">
+                <a:solidFill>
+                  <a:schemeClr val="tx1"/>
+                </a:solidFill>
+                <a:latin typeface="Arial" panose="020B0604020202020204" pitchFamily="34" charset="0"/>
+                <a:ea typeface="+mn-ea"/>
+                <a:cs typeface="+mn-cs"/>
+              </a:rPr>
+              <a:t> </a:t>
+            </a:r>
+            <a:r>
+              <a:rPr lang="de-DE" sz="1200" b="0" i="0" u="none" strike="noStrike" kern="1200" baseline="0" dirty="0">
+                <a:solidFill>
+                  <a:schemeClr val="tx1"/>
+                </a:solidFill>
+                <a:latin typeface="Arial" panose="020B0604020202020204" pitchFamily="34" charset="0"/>
+                <a:ea typeface="+mn-ea"/>
+                <a:cs typeface="+mn-cs"/>
+              </a:rPr>
+              <a:t>werden</a:t>
+            </a:r>
+          </a:p>
+          <a:p>
+            <a:pPr marL="228600" indent="-228600">
+              <a:buAutoNum type="arabicPeriod"/>
+            </a:pPr>
+            <a:r>
+              <a:rPr lang="de-DE" sz="1200" b="0" i="0" u="none" strike="noStrike" kern="1200" baseline="0" dirty="0">
+                <a:solidFill>
+                  <a:schemeClr val="tx1"/>
+                </a:solidFill>
+                <a:latin typeface="Arial" panose="020B0604020202020204" pitchFamily="34" charset="0"/>
+                <a:ea typeface="+mn-ea"/>
+                <a:cs typeface="+mn-cs"/>
+              </a:rPr>
+              <a:t>Für eine effiziente Wartung des Komponenten soll  verschiedene </a:t>
+            </a:r>
+            <a:r>
+              <a:rPr lang="de-DE" sz="1200" b="0" i="0" u="none" strike="noStrike" kern="1200" baseline="0" dirty="0" smtClean="0">
+                <a:solidFill>
+                  <a:schemeClr val="tx1"/>
+                </a:solidFill>
+                <a:latin typeface="Arial" panose="020B0604020202020204" pitchFamily="34" charset="0"/>
+                <a:ea typeface="+mn-ea"/>
+                <a:cs typeface="+mn-cs"/>
+              </a:rPr>
+              <a:t>Dokumentation-Type </a:t>
+            </a:r>
+            <a:r>
+              <a:rPr lang="de-DE" sz="1200" b="0" i="0" u="none" strike="noStrike" kern="1200" baseline="0" dirty="0">
+                <a:solidFill>
+                  <a:schemeClr val="tx1"/>
+                </a:solidFill>
+                <a:latin typeface="Arial" panose="020B0604020202020204" pitchFamily="34" charset="0"/>
+                <a:ea typeface="+mn-ea"/>
+                <a:cs typeface="+mn-cs"/>
+              </a:rPr>
+              <a:t>bereitgestellt werden. Heute werden wir </a:t>
+            </a:r>
+            <a:r>
+              <a:rPr lang="de-DE" sz="1200" b="0" i="0" u="none" strike="noStrike" kern="1200" baseline="0" dirty="0" err="1" smtClean="0">
+                <a:solidFill>
+                  <a:schemeClr val="tx1"/>
+                </a:solidFill>
+                <a:latin typeface="Arial" panose="020B0604020202020204" pitchFamily="34" charset="0"/>
+                <a:ea typeface="+mn-ea"/>
+                <a:cs typeface="+mn-cs"/>
+              </a:rPr>
+              <a:t>hauptsätchtlich</a:t>
+            </a:r>
+            <a:r>
+              <a:rPr lang="de-DE" sz="1200" b="0" i="0" u="none" strike="noStrike" kern="1200" baseline="0" dirty="0" smtClean="0">
+                <a:solidFill>
+                  <a:schemeClr val="tx1"/>
+                </a:solidFill>
+                <a:latin typeface="Arial" panose="020B0604020202020204" pitchFamily="34" charset="0"/>
+                <a:ea typeface="+mn-ea"/>
+                <a:cs typeface="+mn-cs"/>
+              </a:rPr>
+              <a:t> </a:t>
+            </a:r>
+            <a:r>
+              <a:rPr lang="de-DE" sz="1200" b="0" i="0" u="none" strike="noStrike" kern="1200" baseline="0" dirty="0">
+                <a:solidFill>
+                  <a:schemeClr val="tx1"/>
+                </a:solidFill>
+                <a:latin typeface="Arial" panose="020B0604020202020204" pitchFamily="34" charset="0"/>
+                <a:ea typeface="+mn-ea"/>
+                <a:cs typeface="+mn-cs"/>
+              </a:rPr>
+              <a:t>über die Dokumentation-Struktur sprechen</a:t>
+            </a:r>
+          </a:p>
+        </p:txBody>
+      </p:sp>
+      <p:sp>
+        <p:nvSpPr>
+          <p:cNvPr id="4" name="Foliennummernplatzhalter 3"/>
+          <p:cNvSpPr>
+            <a:spLocks noGrp="1"/>
+          </p:cNvSpPr>
+          <p:nvPr>
+            <p:ph type="sldNum" sz="quarter" idx="10"/>
+          </p:nvPr>
+        </p:nvSpPr>
+        <p:spPr/>
+        <p:txBody>
+          <a:bodyPr/>
+          <a:lstStyle/>
+          <a:p>
+            <a:fld id="{7C56EBB8-86B7-4B17-9FE6-1D6C78FAEC35}" type="slidenum">
+              <a:rPr lang="de-DE" altLang="de-DE" smtClean="0"/>
+              <a:pPr/>
+              <a:t>4</a:t>
+            </a:fld>
+            <a:endParaRPr lang="de-DE" altLang="de-DE"/>
+          </a:p>
+        </p:txBody>
+      </p:sp>
+    </p:spTree>
+    <p:extLst>
+      <p:ext uri="{BB962C8B-B14F-4D97-AF65-F5344CB8AC3E}">
+        <p14:creationId xmlns:p14="http://schemas.microsoft.com/office/powerpoint/2010/main" val="2046055574"/>
+      </p:ext>
+    </p:extLst>
+  </p:cSld>
+  <p:clrMapOvr>
+    <a:masterClrMapping/>
+  </p:clrMapOvr>
+</p:notes>
+</file>
+
+<file path=ppt/notesSlides/notesSlide4.xml><?xml version="1.0" encoding="utf-8"?>
+<p:notes xmlns:a="http://schemas.openxmlformats.org/drawingml/2006/main" xmlns:r="http://schemas.openxmlformats.org/officeDocument/2006/relationships" xmlns:p="http://schemas.openxmlformats.org/presentationml/2006/main">
+  <p:cSld>
+    <p:spTree>
+      <p:nvGrpSpPr>
+        <p:cNvPr id="1" name=""/>
+        <p:cNvGrpSpPr/>
+        <p:nvPr/>
+      </p:nvGrpSpPr>
+      <p:grpSpPr>
+        <a:xfrm>
+          <a:off x="0" y="0"/>
+          <a:ext cx="0" cy="0"/>
+          <a:chOff x="0" y="0"/>
+          <a:chExt cx="0" cy="0"/>
+        </a:xfrm>
+      </p:grpSpPr>
+      <p:sp>
+        <p:nvSpPr>
+          <p:cNvPr id="2" name="Folienbildplatzhalter 1"/>
+          <p:cNvSpPr>
+            <a:spLocks noGrp="1" noRot="1" noChangeAspect="1"/>
+          </p:cNvSpPr>
+          <p:nvPr>
+            <p:ph type="sldImg"/>
+          </p:nvPr>
+        </p:nvSpPr>
+        <p:spPr/>
+      </p:sp>
+      <p:sp>
+        <p:nvSpPr>
+          <p:cNvPr id="3" name="Notizenplatzhalter 2"/>
+          <p:cNvSpPr>
+            <a:spLocks noGrp="1"/>
+          </p:cNvSpPr>
+          <p:nvPr>
+            <p:ph type="body" idx="1"/>
+          </p:nvPr>
+        </p:nvSpPr>
+        <p:spPr/>
+        <p:txBody>
+          <a:bodyPr/>
+          <a:lstStyle/>
+          <a:p>
+            <a:r>
+              <a:rPr lang="de-DE" b="1" dirty="0"/>
+              <a:t>Die Ziele sind klar:</a:t>
+            </a:r>
+          </a:p>
+          <a:p>
+            <a:pPr marL="228600" indent="-228600">
+              <a:buFont typeface="+mj-lt"/>
+              <a:buAutoNum type="arabicPeriod"/>
+            </a:pPr>
+            <a:r>
+              <a:rPr lang="de-DE" b="0" dirty="0"/>
+              <a:t>Die tatsächliche TE soll  implementiert werden</a:t>
+            </a:r>
+          </a:p>
+          <a:p>
+            <a:pPr marL="228600" indent="-228600">
+              <a:buFont typeface="+mj-lt"/>
+              <a:buAutoNum type="arabicPeriod"/>
+            </a:pPr>
+            <a:r>
+              <a:rPr lang="de-DE" b="0" dirty="0"/>
+              <a:t>Die verschiede </a:t>
+            </a:r>
+            <a:r>
+              <a:rPr lang="de-DE" b="0" dirty="0" err="1"/>
+              <a:t>Dokumentype</a:t>
+            </a:r>
+            <a:r>
+              <a:rPr lang="de-DE" b="0" dirty="0"/>
+              <a:t> soll </a:t>
+            </a:r>
+            <a:r>
+              <a:rPr lang="de-DE" b="0" dirty="0" err="1"/>
+              <a:t>bereithestellt</a:t>
+            </a:r>
+            <a:r>
+              <a:rPr lang="de-DE" b="0" dirty="0"/>
+              <a:t> werden. Nämlich </a:t>
+            </a:r>
+            <a:endParaRPr lang="de-DE" b="0" dirty="0" smtClean="0"/>
+          </a:p>
+          <a:p>
+            <a:pPr marL="0" indent="0">
+              <a:buFont typeface="+mj-lt"/>
+              <a:buNone/>
+            </a:pPr>
+            <a:endParaRPr lang="de-DE" b="0" dirty="0"/>
+          </a:p>
+          <a:p>
+            <a:r>
+              <a:rPr lang="de-DE" b="0" dirty="0"/>
+              <a:t>Produkte eines Release</a:t>
+            </a:r>
+          </a:p>
+          <a:p>
+            <a:pPr marL="228600" indent="-228600">
+              <a:buFont typeface="+mj-lt"/>
+              <a:buAutoNum type="arabicPeriod"/>
+            </a:pPr>
+            <a:r>
+              <a:rPr lang="de-DE" dirty="0" smtClean="0"/>
+              <a:t>Software </a:t>
+            </a:r>
+            <a:r>
+              <a:rPr lang="de-DE" dirty="0"/>
+              <a:t>Project Management Plan (</a:t>
+            </a:r>
+            <a:r>
+              <a:rPr lang="de-DE" dirty="0" smtClean="0"/>
+              <a:t>SPMP)</a:t>
+            </a:r>
+          </a:p>
+          <a:p>
+            <a:pPr marL="228600" indent="-228600">
+              <a:buFont typeface="+mj-lt"/>
+              <a:buAutoNum type="arabicPeriod"/>
+            </a:pPr>
+            <a:r>
+              <a:rPr lang="de-DE" dirty="0" err="1" smtClean="0"/>
+              <a:t>Requirements</a:t>
+            </a:r>
+            <a:r>
+              <a:rPr lang="de-DE" dirty="0" smtClean="0"/>
+              <a:t> </a:t>
+            </a:r>
+            <a:r>
+              <a:rPr lang="de-DE" dirty="0"/>
+              <a:t>Analysis </a:t>
+            </a:r>
+            <a:r>
+              <a:rPr lang="de-DE" dirty="0" err="1"/>
+              <a:t>Document</a:t>
+            </a:r>
+            <a:r>
+              <a:rPr lang="de-DE" dirty="0"/>
+              <a:t> (RAD) -</a:t>
+            </a:r>
+            <a:r>
+              <a:rPr lang="de-DE" dirty="0">
+                <a:sym typeface="Wingdings" panose="05000000000000000000" pitchFamily="2" charset="2"/>
+              </a:rPr>
+              <a:t>--&gt;https://</a:t>
+            </a:r>
+            <a:r>
+              <a:rPr lang="de-DE" dirty="0" smtClean="0">
+                <a:sym typeface="Wingdings" panose="05000000000000000000" pitchFamily="2" charset="2"/>
+              </a:rPr>
+              <a:t>www1.in.tum.de/lehrstuhl_1/component/content/article/43-books/241-oose-template-requirementsanalysisdocument</a:t>
+            </a:r>
+            <a:endParaRPr lang="de-DE" dirty="0">
+              <a:sym typeface="Wingdings" panose="05000000000000000000" pitchFamily="2" charset="2"/>
+            </a:endParaRPr>
+          </a:p>
+          <a:p>
+            <a:pPr marL="228600" indent="-228600">
+              <a:buFont typeface="+mj-lt"/>
+              <a:buAutoNum type="arabicPeriod"/>
+            </a:pPr>
+            <a:r>
+              <a:rPr lang="de-DE" dirty="0" smtClean="0"/>
+              <a:t>System </a:t>
+            </a:r>
+            <a:r>
+              <a:rPr lang="de-DE" dirty="0"/>
+              <a:t>Design </a:t>
+            </a:r>
+            <a:r>
+              <a:rPr lang="de-DE" dirty="0" err="1"/>
+              <a:t>Document</a:t>
+            </a:r>
+            <a:r>
+              <a:rPr lang="de-DE" dirty="0"/>
+              <a:t> (SDD</a:t>
+            </a:r>
+            <a:r>
+              <a:rPr lang="de-DE" dirty="0" smtClean="0"/>
+              <a:t>) ----&gt; https://www1.in.tum.de/lehrstuhl_1/component/content/article/43-books/243-oose-template-systemdesigndocument</a:t>
+            </a:r>
+          </a:p>
+          <a:p>
+            <a:pPr marL="228600" indent="-228600">
+              <a:buFont typeface="+mj-lt"/>
+              <a:buAutoNum type="arabicPeriod"/>
+            </a:pPr>
+            <a:r>
+              <a:rPr lang="de-DE" dirty="0" err="1" smtClean="0"/>
+              <a:t>Object</a:t>
+            </a:r>
+            <a:r>
+              <a:rPr lang="de-DE" dirty="0" smtClean="0"/>
+              <a:t> </a:t>
+            </a:r>
+            <a:r>
+              <a:rPr lang="de-DE" dirty="0"/>
+              <a:t>Design </a:t>
+            </a:r>
+            <a:r>
+              <a:rPr lang="de-DE" dirty="0" err="1"/>
+              <a:t>Document</a:t>
+            </a:r>
+            <a:r>
+              <a:rPr lang="de-DE" dirty="0"/>
+              <a:t> (</a:t>
+            </a:r>
+            <a:r>
+              <a:rPr lang="de-DE" dirty="0" smtClean="0"/>
+              <a:t>ODD) --</a:t>
+            </a:r>
+            <a:r>
+              <a:rPr lang="de-DE" dirty="0" smtClean="0">
+                <a:sym typeface="Wingdings" panose="05000000000000000000" pitchFamily="2" charset="2"/>
+              </a:rPr>
+              <a:t>--&gt; https://www1.in.tum.de/lehrstuhl_1/people/people-archive/43-publications/books/244-oose-template-objectdesigndocument</a:t>
+            </a:r>
+            <a:endParaRPr lang="de-DE" dirty="0" smtClean="0"/>
+          </a:p>
+          <a:p>
+            <a:pPr marL="228600" indent="-228600">
+              <a:buFont typeface="+mj-lt"/>
+              <a:buAutoNum type="arabicPeriod"/>
+            </a:pPr>
+            <a:r>
+              <a:rPr lang="de-DE" dirty="0" smtClean="0"/>
+              <a:t>Test </a:t>
+            </a:r>
+            <a:r>
+              <a:rPr lang="de-DE" dirty="0"/>
+              <a:t>Manual (TM</a:t>
+            </a:r>
+            <a:r>
+              <a:rPr lang="de-DE" dirty="0" smtClean="0"/>
+              <a:t>)</a:t>
+            </a:r>
+          </a:p>
+          <a:p>
+            <a:pPr marL="228600" indent="-228600">
+              <a:buFont typeface="+mj-lt"/>
+              <a:buAutoNum type="arabicPeriod"/>
+            </a:pPr>
+            <a:r>
+              <a:rPr lang="de-DE" dirty="0" smtClean="0"/>
+              <a:t>User </a:t>
+            </a:r>
+            <a:r>
+              <a:rPr lang="de-DE" dirty="0"/>
+              <a:t>Manual (UM)</a:t>
+            </a:r>
+          </a:p>
+          <a:p>
+            <a:endParaRPr lang="de-DE" dirty="0" smtClean="0"/>
+          </a:p>
+          <a:p>
+            <a:r>
+              <a:rPr lang="de-DE" dirty="0" smtClean="0"/>
+              <a:t>Code</a:t>
+            </a:r>
+            <a:endParaRPr lang="de-DE" dirty="0"/>
+          </a:p>
+        </p:txBody>
+      </p:sp>
+      <p:sp>
+        <p:nvSpPr>
+          <p:cNvPr id="4" name="Foliennummernplatzhalter 3"/>
+          <p:cNvSpPr>
+            <a:spLocks noGrp="1"/>
+          </p:cNvSpPr>
+          <p:nvPr>
+            <p:ph type="sldNum" sz="quarter" idx="10"/>
+          </p:nvPr>
+        </p:nvSpPr>
+        <p:spPr/>
+        <p:txBody>
+          <a:bodyPr/>
+          <a:lstStyle/>
+          <a:p>
+            <a:fld id="{7C56EBB8-86B7-4B17-9FE6-1D6C78FAEC35}" type="slidenum">
+              <a:rPr lang="de-DE" altLang="de-DE" smtClean="0"/>
+              <a:pPr/>
+              <a:t>5</a:t>
+            </a:fld>
+            <a:endParaRPr lang="de-DE" altLang="de-DE"/>
+          </a:p>
+        </p:txBody>
+      </p:sp>
+    </p:spTree>
+    <p:extLst>
+      <p:ext uri="{BB962C8B-B14F-4D97-AF65-F5344CB8AC3E}">
+        <p14:creationId xmlns:p14="http://schemas.microsoft.com/office/powerpoint/2010/main" val="4186262116"/>
+      </p:ext>
+    </p:extLst>
+  </p:cSld>
+  <p:clrMapOvr>
+    <a:masterClrMapping/>
+  </p:clrMapOvr>
+</p:notes>
+</file>
+
+<file path=ppt/notesSlides/notesSlide5.xml><?xml version="1.0" encoding="utf-8"?>
+<p:notes xmlns:a="http://schemas.openxmlformats.org/drawingml/2006/main" xmlns:r="http://schemas.openxmlformats.org/officeDocument/2006/relationships" xmlns:p="http://schemas.openxmlformats.org/presentationml/2006/main">
+  <p:cSld>
+    <p:spTree>
+      <p:nvGrpSpPr>
+        <p:cNvPr id="1" name=""/>
+        <p:cNvGrpSpPr/>
+        <p:nvPr/>
+      </p:nvGrpSpPr>
+      <p:grpSpPr>
+        <a:xfrm>
+          <a:off x="0" y="0"/>
+          <a:ext cx="0" cy="0"/>
+          <a:chOff x="0" y="0"/>
+          <a:chExt cx="0" cy="0"/>
+        </a:xfrm>
+      </p:grpSpPr>
+      <p:sp>
+        <p:nvSpPr>
+          <p:cNvPr id="2" name="Folienbildplatzhalter 1"/>
+          <p:cNvSpPr>
+            <a:spLocks noGrp="1" noRot="1" noChangeAspect="1"/>
+          </p:cNvSpPr>
+          <p:nvPr>
+            <p:ph type="sldImg"/>
+          </p:nvPr>
+        </p:nvSpPr>
+        <p:spPr/>
+      </p:sp>
+      <p:sp>
+        <p:nvSpPr>
+          <p:cNvPr id="3" name="Notizenplatzhalter 2"/>
+          <p:cNvSpPr>
+            <a:spLocks noGrp="1"/>
+          </p:cNvSpPr>
+          <p:nvPr>
+            <p:ph type="body" idx="1"/>
+          </p:nvPr>
+        </p:nvSpPr>
+        <p:spPr/>
+        <p:txBody>
+          <a:bodyPr/>
+          <a:lstStyle/>
+          <a:p>
+            <a:r>
+              <a:rPr lang="de-DE" b="1" dirty="0" smtClean="0"/>
+              <a:t>Wenn ein Kunde oder ein Entwickler die KB bezüglich der TE abruft. Sollte diese Webseite </a:t>
+            </a:r>
+            <a:r>
+              <a:rPr lang="de-DE" b="1" baseline="0" dirty="0" smtClean="0"/>
+              <a:t> die gewünschte Information liefern. Die Webseite ist in 2 Bereiche gegliedert</a:t>
+            </a:r>
+          </a:p>
+          <a:p>
+            <a:endParaRPr lang="de-DE" b="1" baseline="0" dirty="0" smtClean="0"/>
+          </a:p>
+          <a:p>
+            <a:pPr marL="228600" indent="-228600">
+              <a:buFont typeface="+mj-lt"/>
+              <a:buAutoNum type="arabicPeriod"/>
+            </a:pPr>
+            <a:r>
+              <a:rPr lang="de-DE" baseline="0" dirty="0" smtClean="0"/>
+              <a:t>ÖF= wo Entwickler, Kunde und Endnutzer </a:t>
+            </a:r>
+            <a:r>
+              <a:rPr lang="de-DE" baseline="0" dirty="0" err="1" smtClean="0"/>
+              <a:t>freeie</a:t>
+            </a:r>
+            <a:r>
+              <a:rPr lang="de-DE" baseline="0" dirty="0" smtClean="0"/>
+              <a:t> Zugriffe  haben.</a:t>
+            </a:r>
+          </a:p>
+          <a:p>
+            <a:pPr marL="228600" indent="-228600">
+              <a:buFont typeface="+mj-lt"/>
+              <a:buAutoNum type="arabicPeriod"/>
+            </a:pPr>
+            <a:r>
+              <a:rPr lang="de-DE" baseline="0" dirty="0" smtClean="0"/>
+              <a:t>VB= Wo der Entwickler zugrifft hat und  unter keine Umstände die Kunden sehen soll.</a:t>
+            </a:r>
+          </a:p>
+          <a:p>
+            <a:pPr marL="228600" indent="-228600">
+              <a:buFont typeface="+mj-lt"/>
+              <a:buAutoNum type="arabicPeriod"/>
+            </a:pPr>
+            <a:endParaRPr lang="en-US" dirty="0"/>
+          </a:p>
+        </p:txBody>
+      </p:sp>
+      <p:sp>
+        <p:nvSpPr>
+          <p:cNvPr id="4" name="Foliennummernplatzhalter 3"/>
+          <p:cNvSpPr>
+            <a:spLocks noGrp="1"/>
+          </p:cNvSpPr>
+          <p:nvPr>
+            <p:ph type="sldNum" sz="quarter" idx="10"/>
+          </p:nvPr>
+        </p:nvSpPr>
+        <p:spPr/>
+        <p:txBody>
+          <a:bodyPr/>
+          <a:lstStyle/>
+          <a:p>
+            <a:fld id="{7C56EBB8-86B7-4B17-9FE6-1D6C78FAEC35}" type="slidenum">
+              <a:rPr lang="de-DE" altLang="de-DE" smtClean="0"/>
+              <a:pPr/>
+              <a:t>6</a:t>
+            </a:fld>
+            <a:endParaRPr lang="de-DE" altLang="de-DE"/>
+          </a:p>
+        </p:txBody>
+      </p:sp>
+    </p:spTree>
+    <p:extLst>
+      <p:ext uri="{BB962C8B-B14F-4D97-AF65-F5344CB8AC3E}">
+        <p14:creationId xmlns:p14="http://schemas.microsoft.com/office/powerpoint/2010/main" val="3026496968"/>
+      </p:ext>
+    </p:extLst>
+  </p:cSld>
+  <p:clrMapOvr>
+    <a:masterClrMapping/>
+  </p:clrMapOvr>
+</p:notes>
+</file>
+
+<file path=ppt/notesSlides/notesSlide6.xml><?xml version="1.0" encoding="utf-8"?>
+<p:notes xmlns:a="http://schemas.openxmlformats.org/drawingml/2006/main" xmlns:r="http://schemas.openxmlformats.org/officeDocument/2006/relationships" xmlns:p="http://schemas.openxmlformats.org/presentationml/2006/main">
+  <p:cSld>
+    <p:spTree>
+      <p:nvGrpSpPr>
+        <p:cNvPr id="1" name=""/>
+        <p:cNvGrpSpPr/>
+        <p:nvPr/>
+      </p:nvGrpSpPr>
+      <p:grpSpPr>
+        <a:xfrm>
+          <a:off x="0" y="0"/>
+          <a:ext cx="0" cy="0"/>
+          <a:chOff x="0" y="0"/>
+          <a:chExt cx="0" cy="0"/>
+        </a:xfrm>
+      </p:grpSpPr>
+      <p:sp>
+        <p:nvSpPr>
+          <p:cNvPr id="2" name="Folienbildplatzhalter 1"/>
+          <p:cNvSpPr>
+            <a:spLocks noGrp="1" noRot="1" noChangeAspect="1"/>
+          </p:cNvSpPr>
+          <p:nvPr>
+            <p:ph type="sldImg"/>
+          </p:nvPr>
+        </p:nvSpPr>
+        <p:spPr/>
+      </p:sp>
+      <p:sp>
+        <p:nvSpPr>
+          <p:cNvPr id="3" name="Notizenplatzhalter 2"/>
+          <p:cNvSpPr>
+            <a:spLocks noGrp="1"/>
+          </p:cNvSpPr>
+          <p:nvPr>
+            <p:ph type="body" idx="1"/>
+          </p:nvPr>
+        </p:nvSpPr>
+        <p:spPr/>
+        <p:txBody>
+          <a:bodyPr/>
+          <a:lstStyle/>
+          <a:p>
+            <a:r>
+              <a:rPr lang="de-DE" dirty="0" smtClean="0"/>
+              <a:t>Die  </a:t>
+            </a:r>
+            <a:r>
+              <a:rPr lang="de-DE" b="1" dirty="0" smtClean="0"/>
+              <a:t>Öffentlicher  </a:t>
+            </a:r>
+            <a:r>
+              <a:rPr lang="de-DE" b="1" baseline="0" dirty="0" smtClean="0"/>
+              <a:t> Arbeitsbereich </a:t>
+            </a:r>
+            <a:r>
+              <a:rPr lang="de-DE" baseline="0" dirty="0" smtClean="0"/>
+              <a:t>ist hier einfach gelistet . Da von Hilscher Standard definiert ist. Daher ist an diese Stelle nicht so relevant.</a:t>
+            </a:r>
+            <a:endParaRPr lang="en-US" dirty="0"/>
+          </a:p>
+        </p:txBody>
+      </p:sp>
+      <p:sp>
+        <p:nvSpPr>
+          <p:cNvPr id="4" name="Foliennummernplatzhalter 3"/>
+          <p:cNvSpPr>
+            <a:spLocks noGrp="1"/>
+          </p:cNvSpPr>
+          <p:nvPr>
+            <p:ph type="sldNum" sz="quarter" idx="10"/>
+          </p:nvPr>
+        </p:nvSpPr>
+        <p:spPr/>
+        <p:txBody>
+          <a:bodyPr/>
+          <a:lstStyle/>
+          <a:p>
+            <a:fld id="{7C56EBB8-86B7-4B17-9FE6-1D6C78FAEC35}" type="slidenum">
+              <a:rPr lang="de-DE" altLang="de-DE" smtClean="0"/>
+              <a:pPr/>
+              <a:t>7</a:t>
+            </a:fld>
+            <a:endParaRPr lang="de-DE" altLang="de-DE"/>
+          </a:p>
+        </p:txBody>
+      </p:sp>
+    </p:spTree>
+    <p:extLst>
+      <p:ext uri="{BB962C8B-B14F-4D97-AF65-F5344CB8AC3E}">
+        <p14:creationId xmlns:p14="http://schemas.microsoft.com/office/powerpoint/2010/main" val="1487043745"/>
+      </p:ext>
+    </p:extLst>
+  </p:cSld>
+  <p:clrMapOvr>
+    <a:masterClrMapping/>
+  </p:clrMapOvr>
+</p:notes>
+</file>
+
+<file path=ppt/notesSlides/notesSlide7.xml><?xml version="1.0" encoding="utf-8"?>
+<p:notes xmlns:a="http://schemas.openxmlformats.org/drawingml/2006/main" xmlns:r="http://schemas.openxmlformats.org/officeDocument/2006/relationships" xmlns:p="http://schemas.openxmlformats.org/presentationml/2006/main">
+  <p:cSld>
+    <p:spTree>
+      <p:nvGrpSpPr>
+        <p:cNvPr id="1" name=""/>
+        <p:cNvGrpSpPr/>
+        <p:nvPr/>
+      </p:nvGrpSpPr>
+      <p:grpSpPr>
+        <a:xfrm>
+          <a:off x="0" y="0"/>
+          <a:ext cx="0" cy="0"/>
+          <a:chOff x="0" y="0"/>
+          <a:chExt cx="0" cy="0"/>
+        </a:xfrm>
+      </p:grpSpPr>
+      <p:sp>
+        <p:nvSpPr>
+          <p:cNvPr id="2" name="Folienbildplatzhalter 1"/>
+          <p:cNvSpPr>
+            <a:spLocks noGrp="1" noRot="1" noChangeAspect="1"/>
+          </p:cNvSpPr>
+          <p:nvPr>
+            <p:ph type="sldImg"/>
+          </p:nvPr>
+        </p:nvSpPr>
+        <p:spPr/>
+      </p:sp>
+      <p:sp>
+        <p:nvSpPr>
+          <p:cNvPr id="3" name="Notizenplatzhalter 2"/>
+          <p:cNvSpPr>
+            <a:spLocks noGrp="1"/>
+          </p:cNvSpPr>
+          <p:nvPr>
+            <p:ph type="body" idx="1"/>
+          </p:nvPr>
+        </p:nvSpPr>
+        <p:spPr/>
+        <p:txBody>
+          <a:bodyPr/>
+          <a:lstStyle/>
+          <a:p>
+            <a:r>
+              <a:rPr lang="de-DE" dirty="0"/>
+              <a:t>Quellcode</a:t>
+            </a:r>
+            <a:r>
+              <a:rPr lang="de-DE" baseline="0" dirty="0"/>
+              <a:t> ===? Repository</a:t>
+            </a:r>
+          </a:p>
+          <a:p>
+            <a:r>
+              <a:rPr lang="de-DE" baseline="0" dirty="0" err="1"/>
+              <a:t>Issue</a:t>
+            </a:r>
+            <a:r>
+              <a:rPr lang="de-DE" baseline="0" dirty="0"/>
+              <a:t> Tracking == Fehlermeldung</a:t>
+            </a:r>
+          </a:p>
+          <a:p>
+            <a:pPr lvl="1"/>
+            <a:r>
+              <a:rPr lang="de-DE" baseline="0" dirty="0"/>
+              <a:t>*  </a:t>
+            </a:r>
+            <a:endParaRPr lang="en-US" dirty="0"/>
+          </a:p>
+        </p:txBody>
+      </p:sp>
+      <p:sp>
+        <p:nvSpPr>
+          <p:cNvPr id="4" name="Foliennummernplatzhalter 3"/>
+          <p:cNvSpPr>
+            <a:spLocks noGrp="1"/>
+          </p:cNvSpPr>
+          <p:nvPr>
+            <p:ph type="sldNum" sz="quarter" idx="10"/>
+          </p:nvPr>
+        </p:nvSpPr>
+        <p:spPr/>
+        <p:txBody>
+          <a:bodyPr/>
+          <a:lstStyle/>
+          <a:p>
+            <a:fld id="{7C56EBB8-86B7-4B17-9FE6-1D6C78FAEC35}" type="slidenum">
+              <a:rPr lang="de-DE" altLang="de-DE" smtClean="0"/>
+              <a:pPr/>
+              <a:t>8</a:t>
+            </a:fld>
+            <a:endParaRPr lang="de-DE" altLang="de-DE"/>
+          </a:p>
+        </p:txBody>
+      </p:sp>
+    </p:spTree>
+    <p:extLst>
+      <p:ext uri="{BB962C8B-B14F-4D97-AF65-F5344CB8AC3E}">
+        <p14:creationId xmlns:p14="http://schemas.microsoft.com/office/powerpoint/2010/main" val="2385980104"/>
+      </p:ext>
+    </p:extLst>
+  </p:cSld>
+  <p:clrMapOvr>
+    <a:masterClrMapping/>
+  </p:clrMapOvr>
+</p:notes>
+</file>
+
+<file path=ppt/notesSlides/notesSlide8.xml><?xml version="1.0" encoding="utf-8"?>
+<p:notes xmlns:a="http://schemas.openxmlformats.org/drawingml/2006/main" xmlns:r="http://schemas.openxmlformats.org/officeDocument/2006/relationships" xmlns:p="http://schemas.openxmlformats.org/presentationml/2006/main">
+  <p:cSld>
+    <p:spTree>
+      <p:nvGrpSpPr>
+        <p:cNvPr id="1" name=""/>
+        <p:cNvGrpSpPr/>
+        <p:nvPr/>
+      </p:nvGrpSpPr>
+      <p:grpSpPr>
+        <a:xfrm>
+          <a:off x="0" y="0"/>
+          <a:ext cx="0" cy="0"/>
+          <a:chOff x="0" y="0"/>
+          <a:chExt cx="0" cy="0"/>
+        </a:xfrm>
+      </p:grpSpPr>
+      <p:sp>
+        <p:nvSpPr>
+          <p:cNvPr id="2" name="Folienbildplatzhalter 1"/>
+          <p:cNvSpPr>
+            <a:spLocks noGrp="1" noRot="1" noChangeAspect="1"/>
+          </p:cNvSpPr>
+          <p:nvPr>
+            <p:ph type="sldImg"/>
+          </p:nvPr>
+        </p:nvSpPr>
+        <p:spPr/>
+      </p:sp>
+      <p:sp>
+        <p:nvSpPr>
+          <p:cNvPr id="3" name="Notizenplatzhalter 2"/>
+          <p:cNvSpPr>
+            <a:spLocks noGrp="1"/>
+          </p:cNvSpPr>
+          <p:nvPr>
+            <p:ph type="body" idx="1"/>
+          </p:nvPr>
+        </p:nvSpPr>
+        <p:spPr/>
+        <p:txBody>
+          <a:bodyPr/>
+          <a:lstStyle/>
+          <a:p>
+            <a:r>
+              <a:rPr lang="de-DE" dirty="0"/>
+              <a:t>SDD: System Design </a:t>
+            </a:r>
+            <a:r>
+              <a:rPr lang="de-DE" dirty="0" err="1"/>
+              <a:t>Documents</a:t>
+            </a:r>
+            <a:r>
+              <a:rPr lang="de-DE" dirty="0"/>
+              <a:t>/</a:t>
+            </a:r>
+            <a:r>
+              <a:rPr lang="de-DE" dirty="0" err="1"/>
+              <a:t>Decription</a:t>
+            </a:r>
+            <a:r>
+              <a:rPr lang="de-DE" dirty="0"/>
+              <a:t> was?</a:t>
+            </a:r>
+          </a:p>
+        </p:txBody>
+      </p:sp>
+      <p:sp>
+        <p:nvSpPr>
+          <p:cNvPr id="4" name="Foliennummernplatzhalter 3"/>
+          <p:cNvSpPr>
+            <a:spLocks noGrp="1"/>
+          </p:cNvSpPr>
+          <p:nvPr>
+            <p:ph type="sldNum" sz="quarter" idx="10"/>
+          </p:nvPr>
+        </p:nvSpPr>
+        <p:spPr/>
+        <p:txBody>
+          <a:bodyPr/>
+          <a:lstStyle/>
+          <a:p>
+            <a:fld id="{7C56EBB8-86B7-4B17-9FE6-1D6C78FAEC35}" type="slidenum">
+              <a:rPr lang="de-DE" altLang="de-DE" smtClean="0"/>
+              <a:pPr/>
+              <a:t>9</a:t>
+            </a:fld>
+            <a:endParaRPr lang="de-DE" altLang="de-DE"/>
+          </a:p>
+        </p:txBody>
+      </p:sp>
+    </p:spTree>
+    <p:extLst>
+      <p:ext uri="{BB962C8B-B14F-4D97-AF65-F5344CB8AC3E}">
+        <p14:creationId xmlns:p14="http://schemas.microsoft.com/office/powerpoint/2010/main" val="2185017981"/>
+      </p:ext>
+    </p:extLst>
+  </p:cSld>
+  <p:clrMapOvr>
+    <a:masterClrMapping/>
+  </p:clrMapOvr>
+</p:notes>
+</file>
+
+<file path=ppt/notesSlides/notesSlide9.xml><?xml version="1.0" encoding="utf-8"?>
+<p:notes xmlns:a="http://schemas.openxmlformats.org/drawingml/2006/main" xmlns:r="http://schemas.openxmlformats.org/officeDocument/2006/relationships" xmlns:p="http://schemas.openxmlformats.org/presentationml/2006/main">
+  <p:cSld>
+    <p:spTree>
+      <p:nvGrpSpPr>
+        <p:cNvPr id="1" name=""/>
+        <p:cNvGrpSpPr/>
+        <p:nvPr/>
+      </p:nvGrpSpPr>
+      <p:grpSpPr>
+        <a:xfrm>
+          <a:off x="0" y="0"/>
+          <a:ext cx="0" cy="0"/>
+          <a:chOff x="0" y="0"/>
+          <a:chExt cx="0" cy="0"/>
+        </a:xfrm>
+      </p:grpSpPr>
+      <p:sp>
+        <p:nvSpPr>
+          <p:cNvPr id="2" name="Folienbildplatzhalter 1"/>
+          <p:cNvSpPr>
+            <a:spLocks noGrp="1" noRot="1" noChangeAspect="1"/>
+          </p:cNvSpPr>
+          <p:nvPr>
+            <p:ph type="sldImg"/>
+          </p:nvPr>
+        </p:nvSpPr>
+        <p:spPr/>
+      </p:sp>
+      <p:sp>
+        <p:nvSpPr>
+          <p:cNvPr id="3" name="Notizenplatzhalter 2"/>
+          <p:cNvSpPr>
+            <a:spLocks noGrp="1"/>
+          </p:cNvSpPr>
+          <p:nvPr>
+            <p:ph type="body" idx="1"/>
+          </p:nvPr>
+        </p:nvSpPr>
+        <p:spPr/>
+        <p:txBody>
+          <a:bodyPr/>
+          <a:lstStyle/>
+          <a:p>
+            <a:r>
+              <a:rPr lang="de-DE" dirty="0"/>
+              <a:t>SDD: Software Design </a:t>
+            </a:r>
+            <a:r>
+              <a:rPr lang="de-DE" dirty="0" err="1"/>
+              <a:t>Documents</a:t>
+            </a:r>
+            <a:r>
+              <a:rPr lang="de-DE" dirty="0"/>
+              <a:t>/</a:t>
+            </a:r>
+            <a:r>
+              <a:rPr lang="de-DE" dirty="0" err="1"/>
+              <a:t>Decription</a:t>
+            </a:r>
+            <a:r>
+              <a:rPr lang="de-DE" dirty="0"/>
+              <a:t> was?</a:t>
+            </a:r>
+          </a:p>
+        </p:txBody>
+      </p:sp>
+      <p:sp>
+        <p:nvSpPr>
+          <p:cNvPr id="4" name="Foliennummernplatzhalter 3"/>
+          <p:cNvSpPr>
+            <a:spLocks noGrp="1"/>
+          </p:cNvSpPr>
+          <p:nvPr>
+            <p:ph type="sldNum" sz="quarter" idx="10"/>
+          </p:nvPr>
+        </p:nvSpPr>
+        <p:spPr/>
+        <p:txBody>
+          <a:bodyPr/>
+          <a:lstStyle/>
+          <a:p>
+            <a:fld id="{7C56EBB8-86B7-4B17-9FE6-1D6C78FAEC35}" type="slidenum">
+              <a:rPr lang="de-DE" altLang="de-DE" smtClean="0"/>
+              <a:pPr/>
+              <a:t>10</a:t>
+            </a:fld>
+            <a:endParaRPr lang="de-DE" altLang="de-DE"/>
+          </a:p>
+        </p:txBody>
+      </p:sp>
+    </p:spTree>
+    <p:extLst>
+      <p:ext uri="{BB962C8B-B14F-4D97-AF65-F5344CB8AC3E}">
+        <p14:creationId xmlns:p14="http://schemas.microsoft.com/office/powerpoint/2010/main" val="1855379874"/>
+      </p:ext>
+    </p:extLst>
   </p:cSld>
   <p:clrMapOvr>
     <a:masterClrMapping/>
@@ -20213,6 +20851,14 @@
               </a:rPr>
               <a:t>Intelligente Lösungen für die industrielle Kommunikation</a:t>
             </a:r>
+            <a:r>
+              <a:rPr lang="de-DE" altLang="de-DE" sz="1400">
+                <a:solidFill>
+                  <a:schemeClr val="bg1"/>
+                </a:solidFill>
+              </a:rPr>
+              <a:t/>
+            </a:r>
             <a:br>
               <a:rPr lang="de-DE" altLang="de-DE" sz="1400">
                 <a:solidFill>
@@ -20236,6 +20882,13 @@
   <p:transition>
     <p:randomBar/>
   </p:transition>
+  <p:timing>
+    <p:tnLst>
+      <p:par>
+        <p:cTn id="1" dur="indefinite" restart="never" nodeType="tmRoot"/>
+      </p:par>
+    </p:tnLst>
+  </p:timing>
 </p:sld>
 </file>
 
@@ -21752,6 +22405,13 @@
   <p:transition>
     <p:zoom/>
   </p:transition>
+  <p:timing>
+    <p:tnLst>
+      <p:par>
+        <p:cTn id="1" dur="indefinite" restart="never" nodeType="tmRoot"/>
+      </p:par>
+    </p:tnLst>
+  </p:timing>
 </p:sld>
 </file>
 
@@ -23214,6 +23874,13 @@
   <p:transition>
     <p:zoom/>
   </p:transition>
+  <p:timing>
+    <p:tnLst>
+      <p:par>
+        <p:cTn id="1" dur="indefinite" restart="never" nodeType="tmRoot"/>
+      </p:par>
+    </p:tnLst>
+  </p:timing>
 </p:sld>
 </file>
 
@@ -23542,6 +24209,10 @@
             <a:br>
               <a:rPr lang="de-DE" altLang="de-DE" sz="2400" b="0"/>
             </a:br>
+            <a:r>
+              <a:rPr lang="de-DE" altLang="de-DE" sz="700"/>
+              <a:t/>
+            </a:r>
             <a:br>
               <a:rPr lang="de-DE" altLang="de-DE" sz="700"/>
             </a:br>
@@ -23771,6 +24442,14 @@
               </a:rPr>
               <a:t>Vorname Nachname</a:t>
             </a:r>
+            <a:r>
+              <a:rPr lang="de-DE" altLang="de-DE" sz="2100">
+                <a:solidFill>
+                  <a:schemeClr val="bg2"/>
+                </a:solidFill>
+              </a:rPr>
+              <a:t/>
+            </a:r>
             <a:br>
               <a:rPr lang="de-DE" altLang="de-DE" sz="2100">
                 <a:solidFill>
@@ -24111,6 +24790,14 @@
                 </a:solidFill>
               </a:rPr>
             </a:br>
+            <a:r>
+              <a:rPr lang="de-DE" altLang="de-DE" sz="700">
+                <a:solidFill>
+                  <a:srgbClr val="DF0029"/>
+                </a:solidFill>
+              </a:rPr>
+              <a:t/>
+            </a:r>
             <a:br>
               <a:rPr lang="de-DE" altLang="de-DE" sz="700">
                 <a:solidFill>
@@ -26221,6 +26908,13 @@
   <p:transition>
     <p:randomBar/>
   </p:transition>
+  <p:timing>
+    <p:tnLst>
+      <p:par>
+        <p:cTn id="1" dur="indefinite" restart="never" nodeType="tmRoot"/>
+      </p:par>
+    </p:tnLst>
+  </p:timing>
 </p:sld>
 </file>
 
@@ -27937,33 +28631,15 @@
                                   </p:childTnLst>
                                 </p:cTn>
                               </p:par>
-                            </p:childTnLst>
-                          </p:cTn>
-                        </p:par>
-                      </p:childTnLst>
-                    </p:cTn>
-                  </p:par>
-                  <p:par>
-                    <p:cTn id="8" fill="hold">
-                      <p:stCondLst>
-                        <p:cond delay="indefinite"/>
-                      </p:stCondLst>
-                      <p:childTnLst>
-                        <p:par>
-                          <p:cTn id="9" fill="hold">
-                            <p:stCondLst>
-                              <p:cond delay="0"/>
-                            </p:stCondLst>
-                            <p:childTnLst>
                               <p:par>
-                                <p:cTn id="10" presetID="22" presetClass="entr" presetSubtype="4" fill="hold" grpId="0" nodeType="clickEffect">
+                                <p:cTn id="8" presetID="22" presetClass="entr" presetSubtype="4" fill="hold" grpId="0" nodeType="withEffect">
                                   <p:stCondLst>
                                     <p:cond delay="0"/>
                                   </p:stCondLst>
                                   <p:childTnLst>
                                     <p:set>
                                       <p:cBhvr>
-                                        <p:cTn id="11" dur="1" fill="hold">
+                                        <p:cTn id="9" dur="1" fill="hold">
                                           <p:stCondLst>
                                             <p:cond delay="0"/>
                                           </p:stCondLst>
@@ -27985,7 +28661,7 @@
                                     </p:set>
                                     <p:animEffect transition="in" filter="wipe(down)">
                                       <p:cBhvr>
-                                        <p:cTn id="12" dur="500"/>
+                                        <p:cTn id="10" dur="500"/>
                                         <p:tgtEl>
                                           <p:spTgt spid="5">
                                             <p:graphicEl>
@@ -28005,26 +28681,26 @@
                     </p:cTn>
                   </p:par>
                   <p:par>
-                    <p:cTn id="13" fill="hold">
+                    <p:cTn id="11" fill="hold">
                       <p:stCondLst>
                         <p:cond delay="indefinite"/>
                       </p:stCondLst>
                       <p:childTnLst>
                         <p:par>
-                          <p:cTn id="14" fill="hold">
+                          <p:cTn id="12" fill="hold">
                             <p:stCondLst>
                               <p:cond delay="0"/>
                             </p:stCondLst>
                             <p:childTnLst>
                               <p:par>
-                                <p:cTn id="15" presetID="22" presetClass="entr" presetSubtype="4" fill="hold" grpId="0" nodeType="clickEffect">
+                                <p:cTn id="13" presetID="22" presetClass="entr" presetSubtype="4" fill="hold" grpId="0" nodeType="clickEffect">
                                   <p:stCondLst>
                                     <p:cond delay="0"/>
                                   </p:stCondLst>
                                   <p:childTnLst>
                                     <p:set>
                                       <p:cBhvr>
-                                        <p:cTn id="16" dur="1" fill="hold">
+                                        <p:cTn id="14" dur="1" fill="hold">
                                           <p:stCondLst>
                                             <p:cond delay="0"/>
                                           </p:stCondLst>
@@ -28046,7 +28722,7 @@
                                     </p:set>
                                     <p:animEffect transition="in" filter="wipe(down)">
                                       <p:cBhvr>
-                                        <p:cTn id="17" dur="500"/>
+                                        <p:cTn id="15" dur="500"/>
                                         <p:tgtEl>
                                           <p:spTgt spid="5">
                                             <p:graphicEl>
@@ -28066,26 +28742,26 @@
                     </p:cTn>
                   </p:par>
                   <p:par>
-                    <p:cTn id="18" fill="hold">
+                    <p:cTn id="16" fill="hold">
                       <p:stCondLst>
                         <p:cond delay="indefinite"/>
                       </p:stCondLst>
                       <p:childTnLst>
                         <p:par>
-                          <p:cTn id="19" fill="hold">
+                          <p:cTn id="17" fill="hold">
                             <p:stCondLst>
                               <p:cond delay="0"/>
                             </p:stCondLst>
                             <p:childTnLst>
                               <p:par>
-                                <p:cTn id="20" presetID="22" presetClass="entr" presetSubtype="4" fill="hold" nodeType="clickEffect">
+                                <p:cTn id="18" presetID="22" presetClass="entr" presetSubtype="4" fill="hold" nodeType="clickEffect">
                                   <p:stCondLst>
                                     <p:cond delay="0"/>
                                   </p:stCondLst>
                                   <p:childTnLst>
                                     <p:set>
                                       <p:cBhvr>
-                                        <p:cTn id="21" dur="1" fill="hold">
+                                        <p:cTn id="19" dur="1" fill="hold">
                                           <p:stCondLst>
                                             <p:cond delay="0"/>
                                           </p:stCondLst>
@@ -28107,7 +28783,7 @@
                                     </p:set>
                                     <p:animEffect transition="in" filter="wipe(down)">
                                       <p:cBhvr>
-                                        <p:cTn id="22" dur="500"/>
+                                        <p:cTn id="20" dur="500"/>
                                         <p:tgtEl>
                                           <p:spTgt spid="3">
                                             <p:txEl>
@@ -28127,26 +28803,26 @@
                     </p:cTn>
                   </p:par>
                   <p:par>
-                    <p:cTn id="23" fill="hold">
+                    <p:cTn id="21" fill="hold">
                       <p:stCondLst>
                         <p:cond delay="indefinite"/>
                       </p:stCondLst>
                       <p:childTnLst>
                         <p:par>
-                          <p:cTn id="24" fill="hold">
+                          <p:cTn id="22" fill="hold">
                             <p:stCondLst>
                               <p:cond delay="0"/>
                             </p:stCondLst>
                             <p:childTnLst>
                               <p:par>
-                                <p:cTn id="25" presetID="22" presetClass="entr" presetSubtype="4" fill="hold" nodeType="clickEffect">
+                                <p:cTn id="23" presetID="22" presetClass="entr" presetSubtype="4" fill="hold" nodeType="clickEffect">
                                   <p:stCondLst>
                                     <p:cond delay="0"/>
                                   </p:stCondLst>
                                   <p:childTnLst>
                                     <p:set>
                                       <p:cBhvr>
-                                        <p:cTn id="26" dur="1" fill="hold">
+                                        <p:cTn id="24" dur="1" fill="hold">
                                           <p:stCondLst>
                                             <p:cond delay="0"/>
                                           </p:stCondLst>
@@ -28168,7 +28844,7 @@
                                     </p:set>
                                     <p:animEffect transition="in" filter="wipe(down)">
                                       <p:cBhvr>
-                                        <p:cTn id="27" dur="500"/>
+                                        <p:cTn id="25" dur="500"/>
                                         <p:tgtEl>
                                           <p:spTgt spid="3">
                                             <p:txEl>
@@ -28188,26 +28864,26 @@
                     </p:cTn>
                   </p:par>
                   <p:par>
-                    <p:cTn id="28" fill="hold">
+                    <p:cTn id="26" fill="hold">
                       <p:stCondLst>
                         <p:cond delay="indefinite"/>
                       </p:stCondLst>
                       <p:childTnLst>
                         <p:par>
-                          <p:cTn id="29" fill="hold">
+                          <p:cTn id="27" fill="hold">
                             <p:stCondLst>
                               <p:cond delay="0"/>
                             </p:stCondLst>
                             <p:childTnLst>
                               <p:par>
-                                <p:cTn id="30" presetID="22" presetClass="entr" presetSubtype="4" fill="hold" nodeType="clickEffect">
+                                <p:cTn id="28" presetID="22" presetClass="entr" presetSubtype="4" fill="hold" nodeType="clickEffect">
                                   <p:stCondLst>
                                     <p:cond delay="0"/>
                                   </p:stCondLst>
                                   <p:childTnLst>
                                     <p:set>
                                       <p:cBhvr>
-                                        <p:cTn id="31" dur="1" fill="hold">
+                                        <p:cTn id="29" dur="1" fill="hold">
                                           <p:stCondLst>
                                             <p:cond delay="0"/>
                                           </p:stCondLst>
@@ -28229,7 +28905,7 @@
                                     </p:set>
                                     <p:animEffect transition="in" filter="wipe(down)">
                                       <p:cBhvr>
-                                        <p:cTn id="32" dur="500"/>
+                                        <p:cTn id="30" dur="500"/>
                                         <p:tgtEl>
                                           <p:spTgt spid="3">
                                             <p:txEl>
@@ -28249,26 +28925,26 @@
                     </p:cTn>
                   </p:par>
                   <p:par>
-                    <p:cTn id="33" fill="hold">
+                    <p:cTn id="31" fill="hold">
                       <p:stCondLst>
                         <p:cond delay="indefinite"/>
                       </p:stCondLst>
                       <p:childTnLst>
                         <p:par>
-                          <p:cTn id="34" fill="hold">
+                          <p:cTn id="32" fill="hold">
                             <p:stCondLst>
                               <p:cond delay="0"/>
                             </p:stCondLst>
                             <p:childTnLst>
                               <p:par>
-                                <p:cTn id="35" presetID="22" presetClass="entr" presetSubtype="4" fill="hold" nodeType="clickEffect">
+                                <p:cTn id="33" presetID="22" presetClass="entr" presetSubtype="4" fill="hold" nodeType="clickEffect">
                                   <p:stCondLst>
                                     <p:cond delay="0"/>
                                   </p:stCondLst>
                                   <p:childTnLst>
                                     <p:set>
                                       <p:cBhvr>
-                                        <p:cTn id="36" dur="1" fill="hold">
+                                        <p:cTn id="34" dur="1" fill="hold">
                                           <p:stCondLst>
                                             <p:cond delay="0"/>
                                           </p:stCondLst>
@@ -28290,7 +28966,7 @@
                                     </p:set>
                                     <p:animEffect transition="in" filter="wipe(down)">
                                       <p:cBhvr>
-                                        <p:cTn id="37" dur="500"/>
+                                        <p:cTn id="35" dur="500"/>
                                         <p:tgtEl>
                                           <p:spTgt spid="3">
                                             <p:txEl>
@@ -28310,26 +28986,26 @@
                     </p:cTn>
                   </p:par>
                   <p:par>
-                    <p:cTn id="38" fill="hold">
+                    <p:cTn id="36" fill="hold">
                       <p:stCondLst>
                         <p:cond delay="indefinite"/>
                       </p:stCondLst>
                       <p:childTnLst>
                         <p:par>
-                          <p:cTn id="39" fill="hold">
+                          <p:cTn id="37" fill="hold">
                             <p:stCondLst>
                               <p:cond delay="0"/>
                             </p:stCondLst>
                             <p:childTnLst>
                               <p:par>
-                                <p:cTn id="40" presetID="22" presetClass="entr" presetSubtype="4" fill="hold" nodeType="clickEffect">
+                                <p:cTn id="38" presetID="22" presetClass="entr" presetSubtype="4" fill="hold" nodeType="clickEffect">
                                   <p:stCondLst>
                                     <p:cond delay="0"/>
                                   </p:stCondLst>
                                   <p:childTnLst>
                                     <p:set>
                                       <p:cBhvr>
-                                        <p:cTn id="41" dur="1" fill="hold">
+                                        <p:cTn id="39" dur="1" fill="hold">
                                           <p:stCondLst>
                                             <p:cond delay="0"/>
                                           </p:stCondLst>
@@ -28351,7 +29027,7 @@
                                     </p:set>
                                     <p:animEffect transition="in" filter="wipe(down)">
                                       <p:cBhvr>
-                                        <p:cTn id="42" dur="500"/>
+                                        <p:cTn id="40" dur="500"/>
                                         <p:tgtEl>
                                           <p:spTgt spid="3">
                                             <p:txEl>
@@ -28371,26 +29047,26 @@
                     </p:cTn>
                   </p:par>
                   <p:par>
-                    <p:cTn id="43" fill="hold">
+                    <p:cTn id="41" fill="hold">
                       <p:stCondLst>
                         <p:cond delay="indefinite"/>
                       </p:stCondLst>
                       <p:childTnLst>
                         <p:par>
-                          <p:cTn id="44" fill="hold">
+                          <p:cTn id="42" fill="hold">
                             <p:stCondLst>
                               <p:cond delay="0"/>
                             </p:stCondLst>
                             <p:childTnLst>
                               <p:par>
-                                <p:cTn id="45" presetID="22" presetClass="entr" presetSubtype="4" fill="hold" nodeType="clickEffect">
+                                <p:cTn id="43" presetID="22" presetClass="entr" presetSubtype="4" fill="hold" nodeType="clickEffect">
                                   <p:stCondLst>
                                     <p:cond delay="0"/>
                                   </p:stCondLst>
                                   <p:childTnLst>
                                     <p:set>
                                       <p:cBhvr>
-                                        <p:cTn id="46" dur="1" fill="hold">
+                                        <p:cTn id="44" dur="1" fill="hold">
                                           <p:stCondLst>
                                             <p:cond delay="0"/>
                                           </p:stCondLst>
@@ -28412,7 +29088,7 @@
                                     </p:set>
                                     <p:animEffect transition="in" filter="wipe(down)">
                                       <p:cBhvr>
-                                        <p:cTn id="47" dur="500"/>
+                                        <p:cTn id="45" dur="500"/>
                                         <p:tgtEl>
                                           <p:spTgt spid="3">
                                             <p:txEl>
@@ -28432,26 +29108,26 @@
                     </p:cTn>
                   </p:par>
                   <p:par>
-                    <p:cTn id="48" fill="hold">
+                    <p:cTn id="46" fill="hold">
                       <p:stCondLst>
                         <p:cond delay="indefinite"/>
                       </p:stCondLst>
                       <p:childTnLst>
                         <p:par>
-                          <p:cTn id="49" fill="hold">
+                          <p:cTn id="47" fill="hold">
                             <p:stCondLst>
                               <p:cond delay="0"/>
                             </p:stCondLst>
                             <p:childTnLst>
                               <p:par>
-                                <p:cTn id="50" presetID="22" presetClass="entr" presetSubtype="4" fill="hold" grpId="0" nodeType="clickEffect">
+                                <p:cTn id="48" presetID="22" presetClass="entr" presetSubtype="4" fill="hold" grpId="0" nodeType="clickEffect">
                                   <p:stCondLst>
                                     <p:cond delay="0"/>
                                   </p:stCondLst>
                                   <p:childTnLst>
                                     <p:set>
                                       <p:cBhvr>
-                                        <p:cTn id="51" dur="1" fill="hold">
+                                        <p:cTn id="49" dur="1" fill="hold">
                                           <p:stCondLst>
                                             <p:cond delay="0"/>
                                           </p:stCondLst>
@@ -28469,7 +29145,7 @@
                                     </p:set>
                                     <p:animEffect transition="in" filter="wipe(down)">
                                       <p:cBhvr>
-                                        <p:cTn id="52" dur="500"/>
+                                        <p:cTn id="50" dur="500"/>
                                         <p:tgtEl>
                                           <p:spTgt spid="6"/>
                                         </p:tgtEl>
@@ -28506,7 +29182,7 @@
       </p:par>
     </p:tnLst>
     <p:bldLst>
-      <p:bldGraphic spid="5" grpId="0">
+      <p:bldGraphic spid="5" grpId="0" uiExpand="1">
         <p:bldSub>
           <a:bldDgm bld="one"/>
         </p:bldSub>
@@ -28584,7 +29260,7 @@
           </p:nvPr>
         </p:nvPicPr>
         <p:blipFill>
-          <a:blip r:embed="rId2"/>
+          <a:blip r:embed="rId3"/>
           <a:stretch>
             <a:fillRect/>
           </a:stretch>
@@ -28886,7 +29562,7 @@
         </p:xfrm>
         <a:graphic>
           <a:graphicData uri="http://schemas.openxmlformats.org/drawingml/2006/diagram">
-            <dgm:relIds xmlns:dgm="http://schemas.openxmlformats.org/drawingml/2006/diagram" xmlns:r="http://schemas.openxmlformats.org/officeDocument/2006/relationships" r:dm="rId3" r:lo="rId4" r:qs="rId5" r:cs="rId6"/>
+            <dgm:relIds xmlns:dgm="http://schemas.openxmlformats.org/drawingml/2006/diagram" xmlns:r="http://schemas.openxmlformats.org/officeDocument/2006/relationships" r:dm="rId4" r:lo="rId5" r:qs="rId6" r:cs="rId7"/>
           </a:graphicData>
         </a:graphic>
       </p:graphicFrame>
@@ -28905,7 +29581,7 @@
           <p:nvPr/>
         </p:nvPicPr>
         <p:blipFill>
-          <a:blip r:embed="rId2"/>
+          <a:blip r:embed="rId3"/>
           <a:stretch>
             <a:fillRect/>
           </a:stretch>
@@ -28947,7 +29623,7 @@
         </p:xfrm>
         <a:graphic>
           <a:graphicData uri="http://schemas.openxmlformats.org/drawingml/2006/diagram">
-            <dgm:relIds xmlns:dgm="http://schemas.openxmlformats.org/drawingml/2006/diagram" xmlns:r="http://schemas.openxmlformats.org/officeDocument/2006/relationships" r:dm="rId8" r:lo="rId9" r:qs="rId10" r:cs="rId11"/>
+            <dgm:relIds xmlns:dgm="http://schemas.openxmlformats.org/drawingml/2006/diagram" xmlns:r="http://schemas.openxmlformats.org/officeDocument/2006/relationships" r:dm="rId9" r:lo="rId10" r:qs="rId11" r:cs="rId12"/>
           </a:graphicData>
         </a:graphic>
       </p:graphicFrame>
@@ -29751,6 +30427,13 @@
   <p:transition>
     <p:zoom/>
   </p:transition>
+  <p:timing>
+    <p:tnLst>
+      <p:par>
+        <p:cTn id="1" dur="indefinite" restart="never" nodeType="tmRoot"/>
+      </p:par>
+    </p:tnLst>
+  </p:timing>
 </p:sld>
 </file>
 
@@ -30788,6 +31471,13 @@
   <p:transition>
     <p:zoom/>
   </p:transition>
+  <p:timing>
+    <p:tnLst>
+      <p:par>
+        <p:cTn id="1" dur="indefinite" restart="never" nodeType="tmRoot"/>
+      </p:par>
+    </p:tnLst>
+  </p:timing>
 </p:sld>
 </file>
 

--- a/Topology-Editor.pptx
+++ b/Topology-Editor.pptx
@@ -5,10 +5,10 @@
     <p:sldMasterId id="2147483657" r:id="rId1"/>
   </p:sldMasterIdLst>
   <p:notesMasterIdLst>
-    <p:notesMasterId r:id="rId17"/>
+    <p:notesMasterId r:id="rId18"/>
   </p:notesMasterIdLst>
   <p:handoutMasterIdLst>
-    <p:handoutMasterId r:id="rId18"/>
+    <p:handoutMasterId r:id="rId19"/>
   </p:handoutMasterIdLst>
   <p:sldIdLst>
     <p:sldId id="256" r:id="rId2"/>
@@ -22,10 +22,11 @@
     <p:sldId id="271" r:id="rId10"/>
     <p:sldId id="272" r:id="rId11"/>
     <p:sldId id="275" r:id="rId12"/>
-    <p:sldId id="263" r:id="rId13"/>
-    <p:sldId id="265" r:id="rId14"/>
-    <p:sldId id="262" r:id="rId15"/>
-    <p:sldId id="274" r:id="rId16"/>
+    <p:sldId id="276" r:id="rId13"/>
+    <p:sldId id="263" r:id="rId14"/>
+    <p:sldId id="265" r:id="rId15"/>
+    <p:sldId id="262" r:id="rId16"/>
+    <p:sldId id="274" r:id="rId17"/>
   </p:sldIdLst>
   <p:sldSz cx="9144000" cy="6858000" type="screen4x3"/>
   <p:notesSz cx="6858000" cy="9144000"/>
@@ -4540,8 +4541,8 @@
   </dgm:ptLst>
   <dgm:cxnLst>
     <dgm:cxn modelId="{9075C053-94FF-4A20-B294-A8233963EAEB}" type="presOf" srcId="{EEAD6A1E-9E00-40A4-8663-EE403A9C61C5}" destId="{AB7EED68-1A8A-4F84-9EA5-E26DD249B0FC}" srcOrd="0" destOrd="0" presId="urn:microsoft.com/office/officeart/2005/8/layout/vList2"/>
+    <dgm:cxn modelId="{6A0D65AF-9225-498F-AC78-CBE08D155998}" type="presOf" srcId="{5BD8170D-6914-4F7C-989B-81251EF67F3B}" destId="{1590028B-441C-4AF2-A195-E7406520C2FB}" srcOrd="0" destOrd="0" presId="urn:microsoft.com/office/officeart/2005/8/layout/vList2"/>
     <dgm:cxn modelId="{AFAB6BC8-9B46-4EC3-B1B9-2F447096845B}" srcId="{EEAD6A1E-9E00-40A4-8663-EE403A9C61C5}" destId="{5BD8170D-6914-4F7C-989B-81251EF67F3B}" srcOrd="0" destOrd="0" parTransId="{A91D8662-2E52-4FFB-BFB2-B2CC734DF2A0}" sibTransId="{FEE4E19A-E51A-427D-96AB-7BB792BD8A99}"/>
-    <dgm:cxn modelId="{6A0D65AF-9225-498F-AC78-CBE08D155998}" type="presOf" srcId="{5BD8170D-6914-4F7C-989B-81251EF67F3B}" destId="{1590028B-441C-4AF2-A195-E7406520C2FB}" srcOrd="0" destOrd="0" presId="urn:microsoft.com/office/officeart/2005/8/layout/vList2"/>
     <dgm:cxn modelId="{6748F089-D990-45C8-85CE-8A116D17BC5D}" type="presParOf" srcId="{AB7EED68-1A8A-4F84-9EA5-E26DD249B0FC}" destId="{1590028B-441C-4AF2-A195-E7406520C2FB}" srcOrd="0" destOrd="0" presId="urn:microsoft.com/office/officeart/2005/8/layout/vList2"/>
   </dgm:cxnLst>
   <dgm:bg/>
@@ -5409,61 +5410,61 @@
     </dgm:pt>
   </dgm:ptLst>
   <dgm:cxnLst>
+    <dgm:cxn modelId="{D5854DC4-F81A-4FA2-80DB-7C7DBD12B42B}" srcId="{8FFAAD93-093A-4643-8666-6592133D5148}" destId="{B91FAD6A-8684-422F-8011-C8437909F67A}" srcOrd="1" destOrd="0" parTransId="{A792254C-7132-40A7-AE58-4421DC5EC861}" sibTransId="{2C588BD9-162A-4022-AF7B-2B78D08FB1DD}"/>
     <dgm:cxn modelId="{C3FB9803-EF08-4F06-8E1E-DEA27C82DF1D}" type="presOf" srcId="{AE952CBC-AFBB-46D7-9562-B6107CA30E37}" destId="{A0DFDC1B-77C7-48EB-A021-78AA69786ADD}" srcOrd="0" destOrd="3" presId="urn:microsoft.com/office/officeart/2005/8/layout/venn1"/>
-    <dgm:cxn modelId="{A78C7EA7-1230-40E6-BDA7-3A1024414BC4}" type="presOf" srcId="{0D9103D6-0E0B-4A01-A0C2-A3D312E3F222}" destId="{23A5DA59-5A2F-44EA-A611-B33241847054}" srcOrd="1" destOrd="1" presId="urn:microsoft.com/office/officeart/2005/8/layout/venn1"/>
-    <dgm:cxn modelId="{D5854DC4-F81A-4FA2-80DB-7C7DBD12B42B}" srcId="{8FFAAD93-093A-4643-8666-6592133D5148}" destId="{B91FAD6A-8684-422F-8011-C8437909F67A}" srcOrd="1" destOrd="0" parTransId="{A792254C-7132-40A7-AE58-4421DC5EC861}" sibTransId="{2C588BD9-162A-4022-AF7B-2B78D08FB1DD}"/>
-    <dgm:cxn modelId="{0293A3AF-4ACB-4C8F-BB88-94B74219B65D}" type="presOf" srcId="{C43C6B0E-82E8-459E-90D3-8FA28CDB9FEB}" destId="{23A5DA59-5A2F-44EA-A611-B33241847054}" srcOrd="1" destOrd="0" presId="urn:microsoft.com/office/officeart/2005/8/layout/venn1"/>
-    <dgm:cxn modelId="{AB854BEB-DA56-4C77-A7A8-11C935F1A966}" type="presOf" srcId="{E8D6131E-3A0B-413C-A175-032074A7C8CD}" destId="{9FF6521E-F963-4CC7-985F-8DE096D1D719}" srcOrd="1" destOrd="0" presId="urn:microsoft.com/office/officeart/2005/8/layout/venn1"/>
+    <dgm:cxn modelId="{1957E67E-0C8E-493C-83AE-20E4C7127FB6}" type="presOf" srcId="{FC92CE58-B219-47E7-B200-5C27E4A0F990}" destId="{59C231A3-4399-47E1-89DF-1C7125294808}" srcOrd="0" destOrd="5" presId="urn:microsoft.com/office/officeart/2005/8/layout/venn1"/>
+    <dgm:cxn modelId="{3E7A1EBC-B8FF-4903-A794-99A63AA373B7}" srcId="{8FFAAD93-093A-4643-8666-6592133D5148}" destId="{FC4407A3-4517-45E9-A03A-4F0190D76EDC}" srcOrd="0" destOrd="0" parTransId="{CCF611A2-4C28-4056-95E0-BC1D65ECB54B}" sibTransId="{C2E3399E-AAEE-4906-8423-00867DEEE52B}"/>
+    <dgm:cxn modelId="{11CFA841-1C7B-459D-A9DD-20E73F9B1700}" type="presOf" srcId="{E8D6131E-3A0B-413C-A175-032074A7C8CD}" destId="{A0DFDC1B-77C7-48EB-A021-78AA69786ADD}" srcOrd="0" destOrd="0" presId="urn:microsoft.com/office/officeart/2005/8/layout/venn1"/>
+    <dgm:cxn modelId="{FD02E0E9-09A3-473A-808B-F01E4D57FE2A}" type="presOf" srcId="{FC4407A3-4517-45E9-A03A-4F0190D76EDC}" destId="{05A04829-3ADD-4A0E-AF44-AFC6C6576FCC}" srcOrd="1" destOrd="1" presId="urn:microsoft.com/office/officeart/2005/8/layout/venn1"/>
     <dgm:cxn modelId="{C1E0688A-C9FB-4CCF-9970-AAA0AB97FED8}" type="presOf" srcId="{9E1FD446-4E0A-4888-B45A-C24376B4CA33}" destId="{23A5DA59-5A2F-44EA-A611-B33241847054}" srcOrd="1" destOrd="3" presId="urn:microsoft.com/office/officeart/2005/8/layout/venn1"/>
-    <dgm:cxn modelId="{A79E1CD5-A539-40D4-85A5-EC2DD800039B}" type="presOf" srcId="{CD3BB932-1D7F-411F-8971-F6ADE642AEF2}" destId="{0B0A4924-9448-4041-80D8-5133D77B1EF8}" srcOrd="0" destOrd="4" presId="urn:microsoft.com/office/officeart/2005/8/layout/venn1"/>
-    <dgm:cxn modelId="{12EB0213-BF67-4F4A-98AE-8BC4CEC58680}" srcId="{E8D6131E-3A0B-413C-A175-032074A7C8CD}" destId="{345FF024-0154-4AED-8D4F-D740CFF56DB4}" srcOrd="1" destOrd="0" parTransId="{DED5F523-A82A-4921-BEC4-CB77633F1A18}" sibTransId="{34246D6E-C3F0-4E13-8467-9BD04A8E94B2}"/>
-    <dgm:cxn modelId="{4C641434-2AFA-445A-A904-B27E1D3B8AFD}" srcId="{0266A603-8232-4D71-B200-E5FE68D18F3F}" destId="{C43C6B0E-82E8-459E-90D3-8FA28CDB9FEB}" srcOrd="2" destOrd="0" parTransId="{3A02CFBF-18DC-449F-9D07-D592D03DB4B9}" sibTransId="{BA408F00-8943-4CF4-A1AE-2FE0384E996C}"/>
-    <dgm:cxn modelId="{1957E67E-0C8E-493C-83AE-20E4C7127FB6}" type="presOf" srcId="{FC92CE58-B219-47E7-B200-5C27E4A0F990}" destId="{59C231A3-4399-47E1-89DF-1C7125294808}" srcOrd="0" destOrd="5" presId="urn:microsoft.com/office/officeart/2005/8/layout/venn1"/>
+    <dgm:cxn modelId="{257BAFCB-0E0B-4A74-8E02-4D534F4BD4B8}" type="presOf" srcId="{345FF024-0154-4AED-8D4F-D740CFF56DB4}" destId="{9FF6521E-F963-4CC7-985F-8DE096D1D719}" srcOrd="1" destOrd="2" presId="urn:microsoft.com/office/officeart/2005/8/layout/venn1"/>
+    <dgm:cxn modelId="{15272A7C-2627-495B-AABC-9C936DD8F01C}" type="presOf" srcId="{0D9103D6-0E0B-4A01-A0C2-A3D312E3F222}" destId="{0B0A4924-9448-4041-80D8-5133D77B1EF8}" srcOrd="0" destOrd="1" presId="urn:microsoft.com/office/officeart/2005/8/layout/venn1"/>
+    <dgm:cxn modelId="{E09F531A-CD92-441D-96EB-680FED7EC68E}" type="presOf" srcId="{B91FAD6A-8684-422F-8011-C8437909F67A}" destId="{59C231A3-4399-47E1-89DF-1C7125294808}" srcOrd="0" destOrd="2" presId="urn:microsoft.com/office/officeart/2005/8/layout/venn1"/>
+    <dgm:cxn modelId="{3590A3BD-A98F-47F8-AC91-1B3EAC8CE1A1}" type="presOf" srcId="{C43C6B0E-82E8-459E-90D3-8FA28CDB9FEB}" destId="{0B0A4924-9448-4041-80D8-5133D77B1EF8}" srcOrd="0" destOrd="0" presId="urn:microsoft.com/office/officeart/2005/8/layout/venn1"/>
+    <dgm:cxn modelId="{0797F2B3-6251-47F4-BFB8-9C22FB837E90}" type="presOf" srcId="{8FFAAD93-093A-4643-8666-6592133D5148}" destId="{05A04829-3ADD-4A0E-AF44-AFC6C6576FCC}" srcOrd="1" destOrd="0" presId="urn:microsoft.com/office/officeart/2005/8/layout/venn1"/>
+    <dgm:cxn modelId="{FCC1E85C-8D8F-4801-A8FC-41D62D5A5514}" srcId="{E8D6131E-3A0B-413C-A175-032074A7C8CD}" destId="{9997303C-1FFF-4B91-BAB7-2DA3BF7A2831}" srcOrd="0" destOrd="0" parTransId="{EF0D375C-04B7-4798-8AEF-201C8B6E85F3}" sibTransId="{19E359EB-905A-4BC4-97E0-B01B85EE99BD}"/>
+    <dgm:cxn modelId="{DDD97535-BB86-4EE5-A9DF-CFE0EB2F8521}" type="presOf" srcId="{FC92CE58-B219-47E7-B200-5C27E4A0F990}" destId="{05A04829-3ADD-4A0E-AF44-AFC6C6576FCC}" srcOrd="1" destOrd="5" presId="urn:microsoft.com/office/officeart/2005/8/layout/venn1"/>
+    <dgm:cxn modelId="{70F6C2B7-91C8-4E55-A360-171B2B5B137B}" type="presOf" srcId="{2FEA0FE4-34BA-4CAD-A918-D2CC4C70FC09}" destId="{0B0A4924-9448-4041-80D8-5133D77B1EF8}" srcOrd="0" destOrd="5" presId="urn:microsoft.com/office/officeart/2005/8/layout/venn1"/>
+    <dgm:cxn modelId="{E0D1A9B3-DB83-45E4-908B-8F02C3F1AC9D}" type="presOf" srcId="{9997303C-1FFF-4B91-BAB7-2DA3BF7A2831}" destId="{A0DFDC1B-77C7-48EB-A021-78AA69786ADD}" srcOrd="0" destOrd="1" presId="urn:microsoft.com/office/officeart/2005/8/layout/venn1"/>
+    <dgm:cxn modelId="{97851D67-2952-4049-AD5B-21A115667EEA}" type="presOf" srcId="{9E1FD446-4E0A-4888-B45A-C24376B4CA33}" destId="{0B0A4924-9448-4041-80D8-5133D77B1EF8}" srcOrd="0" destOrd="3" presId="urn:microsoft.com/office/officeart/2005/8/layout/venn1"/>
     <dgm:cxn modelId="{451FA8C3-F2C2-4934-9710-54746AB631D6}" type="presOf" srcId="{9997303C-1FFF-4B91-BAB7-2DA3BF7A2831}" destId="{9FF6521E-F963-4CC7-985F-8DE096D1D719}" srcOrd="1" destOrd="1" presId="urn:microsoft.com/office/officeart/2005/8/layout/venn1"/>
-    <dgm:cxn modelId="{0797F2B3-6251-47F4-BFB8-9C22FB837E90}" type="presOf" srcId="{8FFAAD93-093A-4643-8666-6592133D5148}" destId="{05A04829-3ADD-4A0E-AF44-AFC6C6576FCC}" srcOrd="1" destOrd="0" presId="urn:microsoft.com/office/officeart/2005/8/layout/venn1"/>
-    <dgm:cxn modelId="{6EF51F9D-9EDD-45E2-81C9-3886726A9979}" type="presOf" srcId="{4A47A56A-111E-4E82-BB41-959D8C716F07}" destId="{9FF6521E-F963-4CC7-985F-8DE096D1D719}" srcOrd="1" destOrd="4" presId="urn:microsoft.com/office/officeart/2005/8/layout/venn1"/>
-    <dgm:cxn modelId="{0BB89B71-3713-4C02-8B24-5D365C3BA271}" srcId="{C43C6B0E-82E8-459E-90D3-8FA28CDB9FEB}" destId="{9E1FD446-4E0A-4888-B45A-C24376B4CA33}" srcOrd="2" destOrd="0" parTransId="{D3BCD53E-21F0-48B8-BC8A-C4599C850072}" sibTransId="{07FB338E-75D2-45C3-8256-12C1B078B611}"/>
-    <dgm:cxn modelId="{CD6BC852-AEF1-4685-B23B-68EF73B1EF2C}" srcId="{C43C6B0E-82E8-459E-90D3-8FA28CDB9FEB}" destId="{2FEA0FE4-34BA-4CAD-A918-D2CC4C70FC09}" srcOrd="4" destOrd="0" parTransId="{34ED3A9A-8E79-4098-8385-4C66C655F964}" sibTransId="{843ABC16-560E-4351-8957-CD859503BAA4}"/>
-    <dgm:cxn modelId="{257BAFCB-0E0B-4A74-8E02-4D534F4BD4B8}" type="presOf" srcId="{345FF024-0154-4AED-8D4F-D740CFF56DB4}" destId="{9FF6521E-F963-4CC7-985F-8DE096D1D719}" srcOrd="1" destOrd="2" presId="urn:microsoft.com/office/officeart/2005/8/layout/venn1"/>
-    <dgm:cxn modelId="{11CFA841-1C7B-459D-A9DD-20E73F9B1700}" type="presOf" srcId="{E8D6131E-3A0B-413C-A175-032074A7C8CD}" destId="{A0DFDC1B-77C7-48EB-A021-78AA69786ADD}" srcOrd="0" destOrd="0" presId="urn:microsoft.com/office/officeart/2005/8/layout/venn1"/>
-    <dgm:cxn modelId="{DDD97535-BB86-4EE5-A9DF-CFE0EB2F8521}" type="presOf" srcId="{FC92CE58-B219-47E7-B200-5C27E4A0F990}" destId="{05A04829-3ADD-4A0E-AF44-AFC6C6576FCC}" srcOrd="1" destOrd="5" presId="urn:microsoft.com/office/officeart/2005/8/layout/venn1"/>
-    <dgm:cxn modelId="{4A3E203D-EF88-463B-BFF5-F18F17A13201}" srcId="{C43C6B0E-82E8-459E-90D3-8FA28CDB9FEB}" destId="{CD3BB932-1D7F-411F-8971-F6ADE642AEF2}" srcOrd="3" destOrd="0" parTransId="{A2EFBDA0-4BB4-4A00-B9FC-4E9D544F850F}" sibTransId="{A423818E-CA79-49E2-9AB4-DDC02DE50575}"/>
+    <dgm:cxn modelId="{EE3B88FC-5ECD-4AD8-8CA9-190CF339DA5D}" srcId="{8FFAAD93-093A-4643-8666-6592133D5148}" destId="{2CA1279D-C9E1-4254-95B4-AAC304B533A6}" srcOrd="2" destOrd="0" parTransId="{C33A9CFA-7161-4DFD-98CC-F13EDE82F84E}" sibTransId="{24EB42A6-9060-443B-B971-035EC8ADC523}"/>
     <dgm:cxn modelId="{BF2C2474-CB8C-423F-8679-13C4E153F4D6}" type="presOf" srcId="{4A47A56A-111E-4E82-BB41-959D8C716F07}" destId="{A0DFDC1B-77C7-48EB-A021-78AA69786ADD}" srcOrd="0" destOrd="4" presId="urn:microsoft.com/office/officeart/2005/8/layout/venn1"/>
     <dgm:cxn modelId="{80506249-D989-4ED3-BB63-0DA863A8703E}" type="presOf" srcId="{1D17ADD5-EDE9-4D10-B8FE-B9BEDF47454D}" destId="{A0DFDC1B-77C7-48EB-A021-78AA69786ADD}" srcOrd="0" destOrd="5" presId="urn:microsoft.com/office/officeart/2005/8/layout/venn1"/>
-    <dgm:cxn modelId="{E09F531A-CD92-441D-96EB-680FED7EC68E}" type="presOf" srcId="{B91FAD6A-8684-422F-8011-C8437909F67A}" destId="{59C231A3-4399-47E1-89DF-1C7125294808}" srcOrd="0" destOrd="2" presId="urn:microsoft.com/office/officeart/2005/8/layout/venn1"/>
+    <dgm:cxn modelId="{12EB0213-BF67-4F4A-98AE-8BC4CEC58680}" srcId="{E8D6131E-3A0B-413C-A175-032074A7C8CD}" destId="{345FF024-0154-4AED-8D4F-D740CFF56DB4}" srcOrd="1" destOrd="0" parTransId="{DED5F523-A82A-4921-BEC4-CB77633F1A18}" sibTransId="{34246D6E-C3F0-4E13-8467-9BD04A8E94B2}"/>
+    <dgm:cxn modelId="{378A8F0D-0AC3-4D7A-8286-7AE1F1CB9A4D}" type="presOf" srcId="{AE952CBC-AFBB-46D7-9562-B6107CA30E37}" destId="{9FF6521E-F963-4CC7-985F-8DE096D1D719}" srcOrd="1" destOrd="3" presId="urn:microsoft.com/office/officeart/2005/8/layout/venn1"/>
+    <dgm:cxn modelId="{36391700-0362-45E5-86EA-8CA66C74C9B6}" type="presOf" srcId="{8FFAAD93-093A-4643-8666-6592133D5148}" destId="{59C231A3-4399-47E1-89DF-1C7125294808}" srcOrd="0" destOrd="0" presId="urn:microsoft.com/office/officeart/2005/8/layout/venn1"/>
+    <dgm:cxn modelId="{266EFA1E-A305-4EE5-A882-4848E508A991}" type="presOf" srcId="{2FEA0FE4-34BA-4CAD-A918-D2CC4C70FC09}" destId="{23A5DA59-5A2F-44EA-A611-B33241847054}" srcOrd="1" destOrd="5" presId="urn:microsoft.com/office/officeart/2005/8/layout/venn1"/>
+    <dgm:cxn modelId="{6BD60790-1B6B-4099-8027-E518E7AACB14}" type="presOf" srcId="{0266A603-8232-4D71-B200-E5FE68D18F3F}" destId="{11300E79-F0C0-45BF-A27C-36DBA708EADA}" srcOrd="0" destOrd="0" presId="urn:microsoft.com/office/officeart/2005/8/layout/venn1"/>
+    <dgm:cxn modelId="{AB854BEB-DA56-4C77-A7A8-11C935F1A966}" type="presOf" srcId="{E8D6131E-3A0B-413C-A175-032074A7C8CD}" destId="{9FF6521E-F963-4CC7-985F-8DE096D1D719}" srcOrd="1" destOrd="0" presId="urn:microsoft.com/office/officeart/2005/8/layout/venn1"/>
     <dgm:cxn modelId="{DA1A8607-4CBA-41DE-9E7B-D89BDDFA81A3}" type="presOf" srcId="{15CBFCD6-3559-44E7-834A-375076522B1E}" destId="{0B0A4924-9448-4041-80D8-5133D77B1EF8}" srcOrd="0" destOrd="2" presId="urn:microsoft.com/office/officeart/2005/8/layout/venn1"/>
-    <dgm:cxn modelId="{36391700-0362-45E5-86EA-8CA66C74C9B6}" type="presOf" srcId="{8FFAAD93-093A-4643-8666-6592133D5148}" destId="{59C231A3-4399-47E1-89DF-1C7125294808}" srcOrd="0" destOrd="0" presId="urn:microsoft.com/office/officeart/2005/8/layout/venn1"/>
+    <dgm:cxn modelId="{6EF51F9D-9EDD-45E2-81C9-3886726A9979}" type="presOf" srcId="{4A47A56A-111E-4E82-BB41-959D8C716F07}" destId="{9FF6521E-F963-4CC7-985F-8DE096D1D719}" srcOrd="1" destOrd="4" presId="urn:microsoft.com/office/officeart/2005/8/layout/venn1"/>
+    <dgm:cxn modelId="{735EE164-1F70-40B0-9FCB-70FB09CB7C2D}" type="presOf" srcId="{15CBFCD6-3559-44E7-834A-375076522B1E}" destId="{23A5DA59-5A2F-44EA-A611-B33241847054}" srcOrd="1" destOrd="2" presId="urn:microsoft.com/office/officeart/2005/8/layout/venn1"/>
+    <dgm:cxn modelId="{579AB135-88FB-4CCA-BA8D-32F30557EE0D}" type="presOf" srcId="{2CA1279D-C9E1-4254-95B4-AAC304B533A6}" destId="{59C231A3-4399-47E1-89DF-1C7125294808}" srcOrd="0" destOrd="3" presId="urn:microsoft.com/office/officeart/2005/8/layout/venn1"/>
+    <dgm:cxn modelId="{98EB3BC1-3459-49EB-B008-68B127B2329B}" srcId="{E8D6131E-3A0B-413C-A175-032074A7C8CD}" destId="{1D17ADD5-EDE9-4D10-B8FE-B9BEDF47454D}" srcOrd="4" destOrd="0" parTransId="{49E298D7-1760-4CAC-8C82-F847AF980F72}" sibTransId="{62913C03-8430-4F72-881A-A1298FFEAFD9}"/>
+    <dgm:cxn modelId="{A78C7EA7-1230-40E6-BDA7-3A1024414BC4}" type="presOf" srcId="{0D9103D6-0E0B-4A01-A0C2-A3D312E3F222}" destId="{23A5DA59-5A2F-44EA-A611-B33241847054}" srcOrd="1" destOrd="1" presId="urn:microsoft.com/office/officeart/2005/8/layout/venn1"/>
     <dgm:cxn modelId="{09BF0CC4-F5A7-42ED-A5D3-BB6B3A7218EB}" type="presOf" srcId="{2CA1279D-C9E1-4254-95B4-AAC304B533A6}" destId="{05A04829-3ADD-4A0E-AF44-AFC6C6576FCC}" srcOrd="1" destOrd="3" presId="urn:microsoft.com/office/officeart/2005/8/layout/venn1"/>
-    <dgm:cxn modelId="{939FBD9F-3DCE-4621-9E2D-7239689574A6}" type="presOf" srcId="{CD3BB932-1D7F-411F-8971-F6ADE642AEF2}" destId="{23A5DA59-5A2F-44EA-A611-B33241847054}" srcOrd="1" destOrd="4" presId="urn:microsoft.com/office/officeart/2005/8/layout/venn1"/>
-    <dgm:cxn modelId="{579AB135-88FB-4CCA-BA8D-32F30557EE0D}" type="presOf" srcId="{2CA1279D-C9E1-4254-95B4-AAC304B533A6}" destId="{59C231A3-4399-47E1-89DF-1C7125294808}" srcOrd="0" destOrd="3" presId="urn:microsoft.com/office/officeart/2005/8/layout/venn1"/>
-    <dgm:cxn modelId="{266EFA1E-A305-4EE5-A882-4848E508A991}" type="presOf" srcId="{2FEA0FE4-34BA-4CAD-A918-D2CC4C70FC09}" destId="{23A5DA59-5A2F-44EA-A611-B33241847054}" srcOrd="1" destOrd="5" presId="urn:microsoft.com/office/officeart/2005/8/layout/venn1"/>
-    <dgm:cxn modelId="{378A8F0D-0AC3-4D7A-8286-7AE1F1CB9A4D}" type="presOf" srcId="{AE952CBC-AFBB-46D7-9562-B6107CA30E37}" destId="{9FF6521E-F963-4CC7-985F-8DE096D1D719}" srcOrd="1" destOrd="3" presId="urn:microsoft.com/office/officeart/2005/8/layout/venn1"/>
-    <dgm:cxn modelId="{98EB3BC1-3459-49EB-B008-68B127B2329B}" srcId="{E8D6131E-3A0B-413C-A175-032074A7C8CD}" destId="{1D17ADD5-EDE9-4D10-B8FE-B9BEDF47454D}" srcOrd="4" destOrd="0" parTransId="{49E298D7-1760-4CAC-8C82-F847AF980F72}" sibTransId="{62913C03-8430-4F72-881A-A1298FFEAFD9}"/>
+    <dgm:cxn modelId="{0BB89B71-3713-4C02-8B24-5D365C3BA271}" srcId="{C43C6B0E-82E8-459E-90D3-8FA28CDB9FEB}" destId="{9E1FD446-4E0A-4888-B45A-C24376B4CA33}" srcOrd="2" destOrd="0" parTransId="{D3BCD53E-21F0-48B8-BC8A-C4599C850072}" sibTransId="{07FB338E-75D2-45C3-8256-12C1B078B611}"/>
     <dgm:cxn modelId="{9D7A6090-F586-49A2-A90C-12ED958EC70E}" type="presOf" srcId="{1D17ADD5-EDE9-4D10-B8FE-B9BEDF47454D}" destId="{9FF6521E-F963-4CC7-985F-8DE096D1D719}" srcOrd="1" destOrd="5" presId="urn:microsoft.com/office/officeart/2005/8/layout/venn1"/>
-    <dgm:cxn modelId="{735EE164-1F70-40B0-9FCB-70FB09CB7C2D}" type="presOf" srcId="{15CBFCD6-3559-44E7-834A-375076522B1E}" destId="{23A5DA59-5A2F-44EA-A611-B33241847054}" srcOrd="1" destOrd="2" presId="urn:microsoft.com/office/officeart/2005/8/layout/venn1"/>
-    <dgm:cxn modelId="{3E7A1EBC-B8FF-4903-A794-99A63AA373B7}" srcId="{8FFAAD93-093A-4643-8666-6592133D5148}" destId="{FC4407A3-4517-45E9-A03A-4F0190D76EDC}" srcOrd="0" destOrd="0" parTransId="{CCF611A2-4C28-4056-95E0-BC1D65ECB54B}" sibTransId="{C2E3399E-AAEE-4906-8423-00867DEEE52B}"/>
+    <dgm:cxn modelId="{37A01DFE-0964-4EB6-B04C-56427628D6EC}" srcId="{C43C6B0E-82E8-459E-90D3-8FA28CDB9FEB}" destId="{0D9103D6-0E0B-4A01-A0C2-A3D312E3F222}" srcOrd="0" destOrd="0" parTransId="{A1D0069F-1988-48C8-9FEA-319C7287A0B3}" sibTransId="{1AF917AA-981D-4B16-9E8E-BA24B49D4365}"/>
+    <dgm:cxn modelId="{7A2FDA00-A953-4B39-9EFF-4175B7C7C32C}" type="presOf" srcId="{FC4407A3-4517-45E9-A03A-4F0190D76EDC}" destId="{59C231A3-4399-47E1-89DF-1C7125294808}" srcOrd="0" destOrd="1" presId="urn:microsoft.com/office/officeart/2005/8/layout/venn1"/>
+    <dgm:cxn modelId="{016688EA-F4C6-426D-B6A7-2BED57046B26}" type="presOf" srcId="{68992B54-EE22-4748-A406-5444F4DDFCCB}" destId="{05A04829-3ADD-4A0E-AF44-AFC6C6576FCC}" srcOrd="1" destOrd="4" presId="urn:microsoft.com/office/officeart/2005/8/layout/venn1"/>
+    <dgm:cxn modelId="{2848FFBA-90DC-4F48-9B44-D6DC5B6B9336}" srcId="{8FFAAD93-093A-4643-8666-6592133D5148}" destId="{68992B54-EE22-4748-A406-5444F4DDFCCB}" srcOrd="3" destOrd="0" parTransId="{A496F618-DE23-49F6-840B-6DE3EB5CD77E}" sibTransId="{8E00248D-6041-4A16-AC78-3F21D236E2FB}"/>
+    <dgm:cxn modelId="{92FAAEB1-ED8B-4322-85F6-49BE2975C0A7}" srcId="{8FFAAD93-093A-4643-8666-6592133D5148}" destId="{FC92CE58-B219-47E7-B200-5C27E4A0F990}" srcOrd="4" destOrd="0" parTransId="{6B3440AC-FF9F-49AC-9EED-52367445DD2B}" sibTransId="{E4DA5AAC-EC3E-4EED-B347-9097D05713F8}"/>
+    <dgm:cxn modelId="{4A3E203D-EF88-463B-BFF5-F18F17A13201}" srcId="{C43C6B0E-82E8-459E-90D3-8FA28CDB9FEB}" destId="{CD3BB932-1D7F-411F-8971-F6ADE642AEF2}" srcOrd="3" destOrd="0" parTransId="{A2EFBDA0-4BB4-4A00-B9FC-4E9D544F850F}" sibTransId="{A423818E-CA79-49E2-9AB4-DDC02DE50575}"/>
     <dgm:cxn modelId="{2AE0BB2C-D3BA-4191-8DA9-349466BA091C}" srcId="{0266A603-8232-4D71-B200-E5FE68D18F3F}" destId="{8FFAAD93-093A-4643-8666-6592133D5148}" srcOrd="0" destOrd="0" parTransId="{0EF3D4AB-DF62-4B12-9E7C-B625D3E22117}" sibTransId="{DD346E06-9D81-468D-B484-5A437B8B67C8}"/>
-    <dgm:cxn modelId="{7A2FDA00-A953-4B39-9EFF-4175B7C7C32C}" type="presOf" srcId="{FC4407A3-4517-45E9-A03A-4F0190D76EDC}" destId="{59C231A3-4399-47E1-89DF-1C7125294808}" srcOrd="0" destOrd="1" presId="urn:microsoft.com/office/officeart/2005/8/layout/venn1"/>
-    <dgm:cxn modelId="{E0D1A9B3-DB83-45E4-908B-8F02C3F1AC9D}" type="presOf" srcId="{9997303C-1FFF-4B91-BAB7-2DA3BF7A2831}" destId="{A0DFDC1B-77C7-48EB-A021-78AA69786ADD}" srcOrd="0" destOrd="1" presId="urn:microsoft.com/office/officeart/2005/8/layout/venn1"/>
-    <dgm:cxn modelId="{92FAAEB1-ED8B-4322-85F6-49BE2975C0A7}" srcId="{8FFAAD93-093A-4643-8666-6592133D5148}" destId="{FC92CE58-B219-47E7-B200-5C27E4A0F990}" srcOrd="4" destOrd="0" parTransId="{6B3440AC-FF9F-49AC-9EED-52367445DD2B}" sibTransId="{E4DA5AAC-EC3E-4EED-B347-9097D05713F8}"/>
-    <dgm:cxn modelId="{FD02E0E9-09A3-473A-808B-F01E4D57FE2A}" type="presOf" srcId="{FC4407A3-4517-45E9-A03A-4F0190D76EDC}" destId="{05A04829-3ADD-4A0E-AF44-AFC6C6576FCC}" srcOrd="1" destOrd="1" presId="urn:microsoft.com/office/officeart/2005/8/layout/venn1"/>
+    <dgm:cxn modelId="{CD6BC852-AEF1-4685-B23B-68EF73B1EF2C}" srcId="{C43C6B0E-82E8-459E-90D3-8FA28CDB9FEB}" destId="{2FEA0FE4-34BA-4CAD-A918-D2CC4C70FC09}" srcOrd="4" destOrd="0" parTransId="{34ED3A9A-8E79-4098-8385-4C66C655F964}" sibTransId="{843ABC16-560E-4351-8957-CD859503BAA4}"/>
+    <dgm:cxn modelId="{0293A3AF-4ACB-4C8F-BB88-94B74219B65D}" type="presOf" srcId="{C43C6B0E-82E8-459E-90D3-8FA28CDB9FEB}" destId="{23A5DA59-5A2F-44EA-A611-B33241847054}" srcOrd="1" destOrd="0" presId="urn:microsoft.com/office/officeart/2005/8/layout/venn1"/>
+    <dgm:cxn modelId="{A79E1CD5-A539-40D4-85A5-EC2DD800039B}" type="presOf" srcId="{CD3BB932-1D7F-411F-8971-F6ADE642AEF2}" destId="{0B0A4924-9448-4041-80D8-5133D77B1EF8}" srcOrd="0" destOrd="4" presId="urn:microsoft.com/office/officeart/2005/8/layout/venn1"/>
     <dgm:cxn modelId="{C687215A-9BA5-46D3-8880-2F277B629C47}" type="presOf" srcId="{B91FAD6A-8684-422F-8011-C8437909F67A}" destId="{05A04829-3ADD-4A0E-AF44-AFC6C6576FCC}" srcOrd="1" destOrd="2" presId="urn:microsoft.com/office/officeart/2005/8/layout/venn1"/>
-    <dgm:cxn modelId="{6BD60790-1B6B-4099-8027-E518E7AACB14}" type="presOf" srcId="{0266A603-8232-4D71-B200-E5FE68D18F3F}" destId="{11300E79-F0C0-45BF-A27C-36DBA708EADA}" srcOrd="0" destOrd="0" presId="urn:microsoft.com/office/officeart/2005/8/layout/venn1"/>
-    <dgm:cxn modelId="{033B3695-04DD-4CD9-9766-B5B9B21B8F5F}" type="presOf" srcId="{345FF024-0154-4AED-8D4F-D740CFF56DB4}" destId="{A0DFDC1B-77C7-48EB-A021-78AA69786ADD}" srcOrd="0" destOrd="2" presId="urn:microsoft.com/office/officeart/2005/8/layout/venn1"/>
-    <dgm:cxn modelId="{3590A3BD-A98F-47F8-AC91-1B3EAC8CE1A1}" type="presOf" srcId="{C43C6B0E-82E8-459E-90D3-8FA28CDB9FEB}" destId="{0B0A4924-9448-4041-80D8-5133D77B1EF8}" srcOrd="0" destOrd="0" presId="urn:microsoft.com/office/officeart/2005/8/layout/venn1"/>
-    <dgm:cxn modelId="{2848FFBA-90DC-4F48-9B44-D6DC5B6B9336}" srcId="{8FFAAD93-093A-4643-8666-6592133D5148}" destId="{68992B54-EE22-4748-A406-5444F4DDFCCB}" srcOrd="3" destOrd="0" parTransId="{A496F618-DE23-49F6-840B-6DE3EB5CD77E}" sibTransId="{8E00248D-6041-4A16-AC78-3F21D236E2FB}"/>
-    <dgm:cxn modelId="{016688EA-F4C6-426D-B6A7-2BED57046B26}" type="presOf" srcId="{68992B54-EE22-4748-A406-5444F4DDFCCB}" destId="{05A04829-3ADD-4A0E-AF44-AFC6C6576FCC}" srcOrd="1" destOrd="4" presId="urn:microsoft.com/office/officeart/2005/8/layout/venn1"/>
+    <dgm:cxn modelId="{24B569E6-0410-4E6E-B3A9-29B8018766C1}" srcId="{E8D6131E-3A0B-413C-A175-032074A7C8CD}" destId="{AE952CBC-AFBB-46D7-9562-B6107CA30E37}" srcOrd="2" destOrd="0" parTransId="{CFCFF80A-CA68-48D7-9E16-EFC0C7511E83}" sibTransId="{5C9DCE54-BFC6-4A9B-9B5E-6A10CBFF0DAF}"/>
     <dgm:cxn modelId="{300E2264-29DE-4C65-AB6C-FC5FDE9551AA}" srcId="{E8D6131E-3A0B-413C-A175-032074A7C8CD}" destId="{4A47A56A-111E-4E82-BB41-959D8C716F07}" srcOrd="3" destOrd="0" parTransId="{2B8AEA3B-1339-4898-A438-20A76057A93C}" sibTransId="{E716280C-071B-4151-8DB0-FA8E7410CBDC}"/>
     <dgm:cxn modelId="{1543BB28-2793-43C8-993A-8A943AF4481F}" srcId="{C43C6B0E-82E8-459E-90D3-8FA28CDB9FEB}" destId="{15CBFCD6-3559-44E7-834A-375076522B1E}" srcOrd="1" destOrd="0" parTransId="{2BDC8AB9-9099-48BF-8978-2CCF0FE0092B}" sibTransId="{96C5A207-380A-4897-BC7D-08AA38B8E6E0}"/>
-    <dgm:cxn modelId="{FCC1E85C-8D8F-4801-A8FC-41D62D5A5514}" srcId="{E8D6131E-3A0B-413C-A175-032074A7C8CD}" destId="{9997303C-1FFF-4B91-BAB7-2DA3BF7A2831}" srcOrd="0" destOrd="0" parTransId="{EF0D375C-04B7-4798-8AEF-201C8B6E85F3}" sibTransId="{19E359EB-905A-4BC4-97E0-B01B85EE99BD}"/>
+    <dgm:cxn modelId="{9565E676-F665-4438-933C-AD9D6A714537}" srcId="{0266A603-8232-4D71-B200-E5FE68D18F3F}" destId="{E8D6131E-3A0B-413C-A175-032074A7C8CD}" srcOrd="1" destOrd="0" parTransId="{2DFF84A4-06B4-4DE0-9EA7-677B263B0A4E}" sibTransId="{0206CF11-AF04-44BF-8AAA-B0D459371092}"/>
+    <dgm:cxn modelId="{033B3695-04DD-4CD9-9766-B5B9B21B8F5F}" type="presOf" srcId="{345FF024-0154-4AED-8D4F-D740CFF56DB4}" destId="{A0DFDC1B-77C7-48EB-A021-78AA69786ADD}" srcOrd="0" destOrd="2" presId="urn:microsoft.com/office/officeart/2005/8/layout/venn1"/>
+    <dgm:cxn modelId="{4C641434-2AFA-445A-A904-B27E1D3B8AFD}" srcId="{0266A603-8232-4D71-B200-E5FE68D18F3F}" destId="{C43C6B0E-82E8-459E-90D3-8FA28CDB9FEB}" srcOrd="2" destOrd="0" parTransId="{3A02CFBF-18DC-449F-9D07-D592D03DB4B9}" sibTransId="{BA408F00-8943-4CF4-A1AE-2FE0384E996C}"/>
     <dgm:cxn modelId="{E776B5F9-0396-4747-8A77-F236C3D5FEC4}" type="presOf" srcId="{68992B54-EE22-4748-A406-5444F4DDFCCB}" destId="{59C231A3-4399-47E1-89DF-1C7125294808}" srcOrd="0" destOrd="4" presId="urn:microsoft.com/office/officeart/2005/8/layout/venn1"/>
-    <dgm:cxn modelId="{EE3B88FC-5ECD-4AD8-8CA9-190CF339DA5D}" srcId="{8FFAAD93-093A-4643-8666-6592133D5148}" destId="{2CA1279D-C9E1-4254-95B4-AAC304B533A6}" srcOrd="2" destOrd="0" parTransId="{C33A9CFA-7161-4DFD-98CC-F13EDE82F84E}" sibTransId="{24EB42A6-9060-443B-B971-035EC8ADC523}"/>
-    <dgm:cxn modelId="{37A01DFE-0964-4EB6-B04C-56427628D6EC}" srcId="{C43C6B0E-82E8-459E-90D3-8FA28CDB9FEB}" destId="{0D9103D6-0E0B-4A01-A0C2-A3D312E3F222}" srcOrd="0" destOrd="0" parTransId="{A1D0069F-1988-48C8-9FEA-319C7287A0B3}" sibTransId="{1AF917AA-981D-4B16-9E8E-BA24B49D4365}"/>
-    <dgm:cxn modelId="{24B569E6-0410-4E6E-B3A9-29B8018766C1}" srcId="{E8D6131E-3A0B-413C-A175-032074A7C8CD}" destId="{AE952CBC-AFBB-46D7-9562-B6107CA30E37}" srcOrd="2" destOrd="0" parTransId="{CFCFF80A-CA68-48D7-9E16-EFC0C7511E83}" sibTransId="{5C9DCE54-BFC6-4A9B-9B5E-6A10CBFF0DAF}"/>
-    <dgm:cxn modelId="{9565E676-F665-4438-933C-AD9D6A714537}" srcId="{0266A603-8232-4D71-B200-E5FE68D18F3F}" destId="{E8D6131E-3A0B-413C-A175-032074A7C8CD}" srcOrd="1" destOrd="0" parTransId="{2DFF84A4-06B4-4DE0-9EA7-677B263B0A4E}" sibTransId="{0206CF11-AF04-44BF-8AAA-B0D459371092}"/>
-    <dgm:cxn modelId="{70F6C2B7-91C8-4E55-A360-171B2B5B137B}" type="presOf" srcId="{2FEA0FE4-34BA-4CAD-A918-D2CC4C70FC09}" destId="{0B0A4924-9448-4041-80D8-5133D77B1EF8}" srcOrd="0" destOrd="5" presId="urn:microsoft.com/office/officeart/2005/8/layout/venn1"/>
-    <dgm:cxn modelId="{97851D67-2952-4049-AD5B-21A115667EEA}" type="presOf" srcId="{9E1FD446-4E0A-4888-B45A-C24376B4CA33}" destId="{0B0A4924-9448-4041-80D8-5133D77B1EF8}" srcOrd="0" destOrd="3" presId="urn:microsoft.com/office/officeart/2005/8/layout/venn1"/>
-    <dgm:cxn modelId="{15272A7C-2627-495B-AABC-9C936DD8F01C}" type="presOf" srcId="{0D9103D6-0E0B-4A01-A0C2-A3D312E3F222}" destId="{0B0A4924-9448-4041-80D8-5133D77B1EF8}" srcOrd="0" destOrd="1" presId="urn:microsoft.com/office/officeart/2005/8/layout/venn1"/>
+    <dgm:cxn modelId="{939FBD9F-3DCE-4621-9E2D-7239689574A6}" type="presOf" srcId="{CD3BB932-1D7F-411F-8971-F6ADE642AEF2}" destId="{23A5DA59-5A2F-44EA-A611-B33241847054}" srcOrd="1" destOrd="4" presId="urn:microsoft.com/office/officeart/2005/8/layout/venn1"/>
     <dgm:cxn modelId="{DE88024E-9823-4C1C-8B29-0408B6F5C440}" type="presParOf" srcId="{11300E79-F0C0-45BF-A27C-36DBA708EADA}" destId="{59C231A3-4399-47E1-89DF-1C7125294808}" srcOrd="0" destOrd="0" presId="urn:microsoft.com/office/officeart/2005/8/layout/venn1"/>
     <dgm:cxn modelId="{756A008E-9D8A-4103-96F8-FB3AA9C2B117}" type="presParOf" srcId="{11300E79-F0C0-45BF-A27C-36DBA708EADA}" destId="{05A04829-3ADD-4A0E-AF44-AFC6C6576FCC}" srcOrd="1" destOrd="0" presId="urn:microsoft.com/office/officeart/2005/8/layout/venn1"/>
     <dgm:cxn modelId="{191021C9-35B7-4CAD-AFF8-559E2AF7472C}" type="presParOf" srcId="{11300E79-F0C0-45BF-A27C-36DBA708EADA}" destId="{A0DFDC1B-77C7-48EB-A021-78AA69786ADD}" srcOrd="2" destOrd="0" presId="urn:microsoft.com/office/officeart/2005/8/layout/venn1"/>
@@ -15696,7 +15697,7 @@
             <a:fld id="{C21EDE77-6E6B-46CF-9346-5CFD3F861C54}" type="slidenum">
               <a:rPr lang="de-DE" altLang="de-DE"/>
               <a:pPr/>
-              <a:t>12</a:t>
+              <a:t>13</a:t>
             </a:fld>
             <a:endParaRPr lang="de-DE" altLang="de-DE"/>
           </a:p>
@@ -15848,7 +15849,7 @@
             <a:fld id="{7C56EBB8-86B7-4B17-9FE6-1D6C78FAEC35}" type="slidenum">
               <a:rPr lang="de-DE" altLang="de-DE" smtClean="0"/>
               <a:pPr/>
-              <a:t>15</a:t>
+              <a:t>16</a:t>
             </a:fld>
             <a:endParaRPr lang="de-DE" altLang="de-DE"/>
           </a:p>
@@ -23903,6 +23904,516 @@
       </p:grpSpPr>
       <p:sp>
         <p:nvSpPr>
+          <p:cNvPr id="2" name="Titel 1"/>
+          <p:cNvSpPr>
+            <a:spLocks noGrp="1"/>
+          </p:cNvSpPr>
+          <p:nvPr>
+            <p:ph type="title"/>
+          </p:nvPr>
+        </p:nvSpPr>
+        <p:spPr/>
+        <p:txBody>
+          <a:bodyPr/>
+          <a:lstStyle/>
+          <a:p>
+            <a:r>
+              <a:rPr lang="de-DE" dirty="0" smtClean="0"/>
+              <a:t>Ausblick &amp; Diskussion </a:t>
+            </a:r>
+            <a:endParaRPr lang="en-US" dirty="0"/>
+          </a:p>
+        </p:txBody>
+      </p:sp>
+      <p:sp>
+        <p:nvSpPr>
+          <p:cNvPr id="3" name="Inhaltsplatzhalter 2"/>
+          <p:cNvSpPr>
+            <a:spLocks noGrp="1"/>
+          </p:cNvSpPr>
+          <p:nvPr>
+            <p:ph idx="1"/>
+          </p:nvPr>
+        </p:nvSpPr>
+        <p:spPr/>
+        <p:txBody>
+          <a:bodyPr/>
+          <a:lstStyle/>
+          <a:p>
+            <a:r>
+              <a:rPr lang="de-DE" dirty="0" smtClean="0"/>
+              <a:t>Wie sieht die Struktur der Dokumentation aus?</a:t>
+            </a:r>
+          </a:p>
+          <a:p>
+            <a:r>
+              <a:rPr lang="de-DE" dirty="0" smtClean="0"/>
+              <a:t>Sollen Dokumente-Arte </a:t>
+            </a:r>
+            <a:r>
+              <a:rPr lang="de-DE" dirty="0" err="1" smtClean="0"/>
+              <a:t>reviewed</a:t>
+            </a:r>
+            <a:r>
+              <a:rPr lang="de-DE" dirty="0" smtClean="0"/>
+              <a:t> werden?</a:t>
+            </a:r>
+          </a:p>
+          <a:p>
+            <a:r>
+              <a:rPr lang="de-DE" dirty="0" smtClean="0"/>
+              <a:t>Wer Soll entsprechende Dokument </a:t>
+            </a:r>
+            <a:r>
+              <a:rPr lang="de-DE" dirty="0" err="1" smtClean="0"/>
+              <a:t>reviewed</a:t>
+            </a:r>
+            <a:r>
+              <a:rPr lang="de-DE" dirty="0" smtClean="0"/>
+              <a:t>?</a:t>
+            </a:r>
+          </a:p>
+          <a:p>
+            <a:r>
+              <a:rPr lang="de-DE" dirty="0" smtClean="0"/>
+              <a:t>Wo sind die Vorlagen für die jeweils Dokumente?</a:t>
+            </a:r>
+          </a:p>
+          <a:p>
+            <a:r>
+              <a:rPr lang="de-DE" dirty="0" smtClean="0"/>
+              <a:t>Sollen die Dokumente in 2 Sprachen?</a:t>
+            </a:r>
+          </a:p>
+          <a:p>
+            <a:r>
+              <a:rPr lang="de-DE" dirty="0" smtClean="0"/>
+              <a:t>Ist die </a:t>
+            </a:r>
+            <a:r>
+              <a:rPr lang="de-DE" dirty="0" err="1" smtClean="0"/>
+              <a:t>Versionierung</a:t>
+            </a:r>
+            <a:r>
+              <a:rPr lang="de-DE" dirty="0" smtClean="0"/>
+              <a:t> von Dokumenten erwünscht?</a:t>
+            </a:r>
+          </a:p>
+          <a:p>
+            <a:pPr marL="0" indent="0">
+              <a:buNone/>
+            </a:pPr>
+            <a:endParaRPr lang="de-DE" dirty="0" smtClean="0"/>
+          </a:p>
+          <a:p>
+            <a:endParaRPr lang="de-DE" dirty="0" smtClean="0"/>
+          </a:p>
+          <a:p>
+            <a:endParaRPr lang="en-US" dirty="0"/>
+          </a:p>
+        </p:txBody>
+      </p:sp>
+      <p:sp>
+        <p:nvSpPr>
+          <p:cNvPr id="4" name="Fußzeilenplatzhalter 3"/>
+          <p:cNvSpPr>
+            <a:spLocks noGrp="1"/>
+          </p:cNvSpPr>
+          <p:nvPr>
+            <p:ph type="ftr" sz="quarter" idx="10"/>
+          </p:nvPr>
+        </p:nvSpPr>
+        <p:spPr/>
+        <p:txBody>
+          <a:bodyPr/>
+          <a:lstStyle/>
+          <a:p>
+            <a:r>
+              <a:rPr lang="de-DE" altLang="de-DE" smtClean="0"/>
+              <a:t>Hilscher Gesellschaft für Systemautomation mbH  </a:t>
+            </a:r>
+            <a:r>
+              <a:rPr lang="en-US" altLang="de-DE" smtClean="0">
+                <a:cs typeface="Arial" panose="020B0604020202020204" pitchFamily="34" charset="0"/>
+              </a:rPr>
+              <a:t>l  www.hilscher.com</a:t>
+            </a:r>
+            <a:endParaRPr lang="de-DE" altLang="de-DE">
+              <a:cs typeface="Arial" panose="020B0604020202020204" pitchFamily="34" charset="0"/>
+            </a:endParaRPr>
+          </a:p>
+        </p:txBody>
+      </p:sp>
+    </p:spTree>
+    <p:extLst>
+      <p:ext uri="{BB962C8B-B14F-4D97-AF65-F5344CB8AC3E}">
+        <p14:creationId xmlns:p14="http://schemas.microsoft.com/office/powerpoint/2010/main" val="529705837"/>
+      </p:ext>
+    </p:extLst>
+  </p:cSld>
+  <p:clrMapOvr>
+    <a:masterClrMapping/>
+  </p:clrMapOvr>
+  <p:transition>
+    <p:zoom/>
+  </p:transition>
+  <p:timing>
+    <p:tnLst>
+      <p:par>
+        <p:cTn id="1" dur="indefinite" restart="never" nodeType="tmRoot">
+          <p:childTnLst>
+            <p:seq concurrent="1" nextAc="seek">
+              <p:cTn id="2" dur="indefinite" nodeType="mainSeq">
+                <p:childTnLst>
+                  <p:par>
+                    <p:cTn id="3" fill="hold">
+                      <p:stCondLst>
+                        <p:cond delay="indefinite"/>
+                      </p:stCondLst>
+                      <p:childTnLst>
+                        <p:par>
+                          <p:cTn id="4" fill="hold">
+                            <p:stCondLst>
+                              <p:cond delay="0"/>
+                            </p:stCondLst>
+                            <p:childTnLst>
+                              <p:par>
+                                <p:cTn id="5" presetID="22" presetClass="entr" presetSubtype="4" fill="hold" nodeType="clickEffect">
+                                  <p:stCondLst>
+                                    <p:cond delay="0"/>
+                                  </p:stCondLst>
+                                  <p:childTnLst>
+                                    <p:set>
+                                      <p:cBhvr>
+                                        <p:cTn id="6" dur="1" fill="hold">
+                                          <p:stCondLst>
+                                            <p:cond delay="0"/>
+                                          </p:stCondLst>
+                                        </p:cTn>
+                                        <p:tgtEl>
+                                          <p:spTgt spid="3">
+                                            <p:txEl>
+                                              <p:pRg st="1" end="1"/>
+                                            </p:txEl>
+                                          </p:spTgt>
+                                        </p:tgtEl>
+                                        <p:attrNameLst>
+                                          <p:attrName>style.visibility</p:attrName>
+                                        </p:attrNameLst>
+                                      </p:cBhvr>
+                                      <p:to>
+                                        <p:strVal val="visible"/>
+                                      </p:to>
+                                    </p:set>
+                                    <p:animEffect transition="in" filter="wipe(down)">
+                                      <p:cBhvr>
+                                        <p:cTn id="7" dur="500"/>
+                                        <p:tgtEl>
+                                          <p:spTgt spid="3">
+                                            <p:txEl>
+                                              <p:pRg st="1" end="1"/>
+                                            </p:txEl>
+                                          </p:spTgt>
+                                        </p:tgtEl>
+                                      </p:cBhvr>
+                                    </p:animEffect>
+                                  </p:childTnLst>
+                                </p:cTn>
+                              </p:par>
+                            </p:childTnLst>
+                          </p:cTn>
+                        </p:par>
+                      </p:childTnLst>
+                    </p:cTn>
+                  </p:par>
+                  <p:par>
+                    <p:cTn id="8" fill="hold">
+                      <p:stCondLst>
+                        <p:cond delay="indefinite"/>
+                      </p:stCondLst>
+                      <p:childTnLst>
+                        <p:par>
+                          <p:cTn id="9" fill="hold">
+                            <p:stCondLst>
+                              <p:cond delay="0"/>
+                            </p:stCondLst>
+                            <p:childTnLst>
+                              <p:par>
+                                <p:cTn id="10" presetID="22" presetClass="entr" presetSubtype="4" fill="hold" nodeType="clickEffect">
+                                  <p:stCondLst>
+                                    <p:cond delay="0"/>
+                                  </p:stCondLst>
+                                  <p:childTnLst>
+                                    <p:set>
+                                      <p:cBhvr>
+                                        <p:cTn id="11" dur="1" fill="hold">
+                                          <p:stCondLst>
+                                            <p:cond delay="0"/>
+                                          </p:stCondLst>
+                                        </p:cTn>
+                                        <p:tgtEl>
+                                          <p:spTgt spid="3">
+                                            <p:txEl>
+                                              <p:pRg st="2" end="2"/>
+                                            </p:txEl>
+                                          </p:spTgt>
+                                        </p:tgtEl>
+                                        <p:attrNameLst>
+                                          <p:attrName>style.visibility</p:attrName>
+                                        </p:attrNameLst>
+                                      </p:cBhvr>
+                                      <p:to>
+                                        <p:strVal val="visible"/>
+                                      </p:to>
+                                    </p:set>
+                                    <p:animEffect transition="in" filter="wipe(down)">
+                                      <p:cBhvr>
+                                        <p:cTn id="12" dur="500"/>
+                                        <p:tgtEl>
+                                          <p:spTgt spid="3">
+                                            <p:txEl>
+                                              <p:pRg st="2" end="2"/>
+                                            </p:txEl>
+                                          </p:spTgt>
+                                        </p:tgtEl>
+                                      </p:cBhvr>
+                                    </p:animEffect>
+                                  </p:childTnLst>
+                                </p:cTn>
+                              </p:par>
+                            </p:childTnLst>
+                          </p:cTn>
+                        </p:par>
+                      </p:childTnLst>
+                    </p:cTn>
+                  </p:par>
+                  <p:par>
+                    <p:cTn id="13" fill="hold">
+                      <p:stCondLst>
+                        <p:cond delay="indefinite"/>
+                      </p:stCondLst>
+                      <p:childTnLst>
+                        <p:par>
+                          <p:cTn id="14" fill="hold">
+                            <p:stCondLst>
+                              <p:cond delay="0"/>
+                            </p:stCondLst>
+                            <p:childTnLst>
+                              <p:par>
+                                <p:cTn id="15" presetID="22" presetClass="entr" presetSubtype="4" fill="hold" nodeType="clickEffect">
+                                  <p:stCondLst>
+                                    <p:cond delay="0"/>
+                                  </p:stCondLst>
+                                  <p:childTnLst>
+                                    <p:set>
+                                      <p:cBhvr>
+                                        <p:cTn id="16" dur="1" fill="hold">
+                                          <p:stCondLst>
+                                            <p:cond delay="0"/>
+                                          </p:stCondLst>
+                                        </p:cTn>
+                                        <p:tgtEl>
+                                          <p:spTgt spid="3">
+                                            <p:txEl>
+                                              <p:pRg st="3" end="3"/>
+                                            </p:txEl>
+                                          </p:spTgt>
+                                        </p:tgtEl>
+                                        <p:attrNameLst>
+                                          <p:attrName>style.visibility</p:attrName>
+                                        </p:attrNameLst>
+                                      </p:cBhvr>
+                                      <p:to>
+                                        <p:strVal val="visible"/>
+                                      </p:to>
+                                    </p:set>
+                                    <p:animEffect transition="in" filter="wipe(down)">
+                                      <p:cBhvr>
+                                        <p:cTn id="17" dur="500"/>
+                                        <p:tgtEl>
+                                          <p:spTgt spid="3">
+                                            <p:txEl>
+                                              <p:pRg st="3" end="3"/>
+                                            </p:txEl>
+                                          </p:spTgt>
+                                        </p:tgtEl>
+                                      </p:cBhvr>
+                                    </p:animEffect>
+                                  </p:childTnLst>
+                                </p:cTn>
+                              </p:par>
+                            </p:childTnLst>
+                          </p:cTn>
+                        </p:par>
+                      </p:childTnLst>
+                    </p:cTn>
+                  </p:par>
+                  <p:par>
+                    <p:cTn id="18" fill="hold">
+                      <p:stCondLst>
+                        <p:cond delay="indefinite"/>
+                      </p:stCondLst>
+                      <p:childTnLst>
+                        <p:par>
+                          <p:cTn id="19" fill="hold">
+                            <p:stCondLst>
+                              <p:cond delay="0"/>
+                            </p:stCondLst>
+                            <p:childTnLst>
+                              <p:par>
+                                <p:cTn id="20" presetID="22" presetClass="entr" presetSubtype="4" fill="hold" nodeType="clickEffect">
+                                  <p:stCondLst>
+                                    <p:cond delay="0"/>
+                                  </p:stCondLst>
+                                  <p:childTnLst>
+                                    <p:set>
+                                      <p:cBhvr>
+                                        <p:cTn id="21" dur="1" fill="hold">
+                                          <p:stCondLst>
+                                            <p:cond delay="0"/>
+                                          </p:stCondLst>
+                                        </p:cTn>
+                                        <p:tgtEl>
+                                          <p:spTgt spid="3">
+                                            <p:txEl>
+                                              <p:pRg st="4" end="4"/>
+                                            </p:txEl>
+                                          </p:spTgt>
+                                        </p:tgtEl>
+                                        <p:attrNameLst>
+                                          <p:attrName>style.visibility</p:attrName>
+                                        </p:attrNameLst>
+                                      </p:cBhvr>
+                                      <p:to>
+                                        <p:strVal val="visible"/>
+                                      </p:to>
+                                    </p:set>
+                                    <p:animEffect transition="in" filter="wipe(down)">
+                                      <p:cBhvr>
+                                        <p:cTn id="22" dur="500"/>
+                                        <p:tgtEl>
+                                          <p:spTgt spid="3">
+                                            <p:txEl>
+                                              <p:pRg st="4" end="4"/>
+                                            </p:txEl>
+                                          </p:spTgt>
+                                        </p:tgtEl>
+                                      </p:cBhvr>
+                                    </p:animEffect>
+                                  </p:childTnLst>
+                                </p:cTn>
+                              </p:par>
+                            </p:childTnLst>
+                          </p:cTn>
+                        </p:par>
+                      </p:childTnLst>
+                    </p:cTn>
+                  </p:par>
+                  <p:par>
+                    <p:cTn id="23" fill="hold">
+                      <p:stCondLst>
+                        <p:cond delay="indefinite"/>
+                      </p:stCondLst>
+                      <p:childTnLst>
+                        <p:par>
+                          <p:cTn id="24" fill="hold">
+                            <p:stCondLst>
+                              <p:cond delay="0"/>
+                            </p:stCondLst>
+                            <p:childTnLst>
+                              <p:par>
+                                <p:cTn id="25" presetID="22" presetClass="entr" presetSubtype="4" fill="hold" nodeType="clickEffect">
+                                  <p:stCondLst>
+                                    <p:cond delay="0"/>
+                                  </p:stCondLst>
+                                  <p:childTnLst>
+                                    <p:set>
+                                      <p:cBhvr>
+                                        <p:cTn id="26" dur="1" fill="hold">
+                                          <p:stCondLst>
+                                            <p:cond delay="0"/>
+                                          </p:stCondLst>
+                                        </p:cTn>
+                                        <p:tgtEl>
+                                          <p:spTgt spid="3">
+                                            <p:txEl>
+                                              <p:pRg st="5" end="5"/>
+                                            </p:txEl>
+                                          </p:spTgt>
+                                        </p:tgtEl>
+                                        <p:attrNameLst>
+                                          <p:attrName>style.visibility</p:attrName>
+                                        </p:attrNameLst>
+                                      </p:cBhvr>
+                                      <p:to>
+                                        <p:strVal val="visible"/>
+                                      </p:to>
+                                    </p:set>
+                                    <p:animEffect transition="in" filter="wipe(down)">
+                                      <p:cBhvr>
+                                        <p:cTn id="27" dur="500"/>
+                                        <p:tgtEl>
+                                          <p:spTgt spid="3">
+                                            <p:txEl>
+                                              <p:pRg st="5" end="5"/>
+                                            </p:txEl>
+                                          </p:spTgt>
+                                        </p:tgtEl>
+                                      </p:cBhvr>
+                                    </p:animEffect>
+                                  </p:childTnLst>
+                                </p:cTn>
+                              </p:par>
+                            </p:childTnLst>
+                          </p:cTn>
+                        </p:par>
+                      </p:childTnLst>
+                    </p:cTn>
+                  </p:par>
+                </p:childTnLst>
+              </p:cTn>
+              <p:prevCondLst>
+                <p:cond evt="onPrev" delay="0">
+                  <p:tgtEl>
+                    <p:sldTgt/>
+                  </p:tgtEl>
+                </p:cond>
+              </p:prevCondLst>
+              <p:nextCondLst>
+                <p:cond evt="onNext" delay="0">
+                  <p:tgtEl>
+                    <p:sldTgt/>
+                  </p:tgtEl>
+                </p:cond>
+              </p:nextCondLst>
+            </p:seq>
+          </p:childTnLst>
+        </p:cTn>
+      </p:par>
+    </p:tnLst>
+  </p:timing>
+</p:sld>
+</file>
+
+<file path=ppt/slides/slide13.xml><?xml version="1.0" encoding="utf-8"?>
+<p:sld xmlns:a="http://schemas.openxmlformats.org/drawingml/2006/main" xmlns:r="http://schemas.openxmlformats.org/officeDocument/2006/relationships" xmlns:p="http://schemas.openxmlformats.org/presentationml/2006/main">
+  <p:cSld>
+    <p:spTree>
+      <p:nvGrpSpPr>
+        <p:cNvPr id="1" name=""/>
+        <p:cNvGrpSpPr/>
+        <p:nvPr/>
+      </p:nvGrpSpPr>
+      <p:grpSpPr>
+        <a:xfrm>
+          <a:off x="0" y="0"/>
+          <a:ext cx="0" cy="0"/>
+          <a:chOff x="0" y="0"/>
+          <a:chExt cx="0" cy="0"/>
+        </a:xfrm>
+      </p:grpSpPr>
+      <p:sp>
+        <p:nvSpPr>
           <p:cNvPr id="6" name="Fußzeilenplatzhalter 3">
             <a:extLst>
               <a:ext uri="{FF2B5EF4-FFF2-40B4-BE49-F238E27FC236}">
@@ -24022,7 +24533,7 @@
                 <a:buFontTx/>
                 <a:buNone/>
               </a:pPr>
-              <a:t>12</a:t>
+              <a:t>13</a:t>
             </a:fld>
             <a:endParaRPr lang="de-DE" altLang="de-DE" sz="1100" b="1">
               <a:solidFill>
@@ -24836,10 +25347,17 @@
   <p:transition>
     <p:zoom/>
   </p:transition>
+  <p:timing>
+    <p:tnLst>
+      <p:par>
+        <p:cTn id="1" dur="indefinite" restart="never" nodeType="tmRoot"/>
+      </p:par>
+    </p:tnLst>
+  </p:timing>
 </p:sld>
 </file>
 
-<file path=ppt/slides/slide13.xml><?xml version="1.0" encoding="utf-8"?>
+<file path=ppt/slides/slide14.xml><?xml version="1.0" encoding="utf-8"?>
 <p:sld xmlns:a="http://schemas.openxmlformats.org/drawingml/2006/main" xmlns:r="http://schemas.openxmlformats.org/officeDocument/2006/relationships" xmlns:p="http://schemas.openxmlformats.org/presentationml/2006/main">
   <p:cSld>
     <p:spTree>
@@ -25226,10 +25744,17 @@
   <p:transition>
     <p:zoom/>
   </p:transition>
+  <p:timing>
+    <p:tnLst>
+      <p:par>
+        <p:cTn id="1" dur="indefinite" restart="never" nodeType="tmRoot"/>
+      </p:par>
+    </p:tnLst>
+  </p:timing>
 </p:sld>
 </file>
 
-<file path=ppt/slides/slide14.xml><?xml version="1.0" encoding="utf-8"?>
+<file path=ppt/slides/slide15.xml><?xml version="1.0" encoding="utf-8"?>
 <p:sld xmlns:a="http://schemas.openxmlformats.org/drawingml/2006/main" xmlns:r="http://schemas.openxmlformats.org/officeDocument/2006/relationships" xmlns:p="http://schemas.openxmlformats.org/presentationml/2006/main">
   <p:cSld>
     <p:spTree>
@@ -25900,7 +26425,7 @@
 </p:sld>
 </file>
 
-<file path=ppt/slides/slide15.xml><?xml version="1.0" encoding="utf-8"?>
+<file path=ppt/slides/slide16.xml><?xml version="1.0" encoding="utf-8"?>
 <p:sld xmlns:a="http://schemas.openxmlformats.org/drawingml/2006/main" xmlns:r="http://schemas.openxmlformats.org/officeDocument/2006/relationships" xmlns:p="http://schemas.openxmlformats.org/presentationml/2006/main">
   <p:cSld>
     <p:spTree>

--- a/Topology-Editor.pptx
+++ b/Topology-Editor.pptx
@@ -5,10 +5,10 @@
     <p:sldMasterId id="2147483657" r:id="rId1"/>
   </p:sldMasterIdLst>
   <p:notesMasterIdLst>
-    <p:notesMasterId r:id="rId18"/>
+    <p:notesMasterId r:id="rId20"/>
   </p:notesMasterIdLst>
   <p:handoutMasterIdLst>
-    <p:handoutMasterId r:id="rId19"/>
+    <p:handoutMasterId r:id="rId21"/>
   </p:handoutMasterIdLst>
   <p:sldIdLst>
     <p:sldId id="256" r:id="rId2"/>
@@ -23,10 +23,12 @@
     <p:sldId id="272" r:id="rId11"/>
     <p:sldId id="275" r:id="rId12"/>
     <p:sldId id="276" r:id="rId13"/>
-    <p:sldId id="263" r:id="rId14"/>
-    <p:sldId id="265" r:id="rId15"/>
-    <p:sldId id="262" r:id="rId16"/>
-    <p:sldId id="274" r:id="rId17"/>
+    <p:sldId id="277" r:id="rId14"/>
+    <p:sldId id="278" r:id="rId15"/>
+    <p:sldId id="263" r:id="rId16"/>
+    <p:sldId id="265" r:id="rId17"/>
+    <p:sldId id="262" r:id="rId18"/>
+    <p:sldId id="274" r:id="rId19"/>
   </p:sldIdLst>
   <p:sldSz cx="9144000" cy="6858000" type="screen4x3"/>
   <p:notesSz cx="6858000" cy="9144000"/>
@@ -15673,6 +15675,103 @@
       </p:grpSpPr>
       <p:sp>
         <p:nvSpPr>
+          <p:cNvPr id="2" name="Folienbildplatzhalter 1"/>
+          <p:cNvSpPr>
+            <a:spLocks noGrp="1" noRot="1" noChangeAspect="1"/>
+          </p:cNvSpPr>
+          <p:nvPr>
+            <p:ph type="sldImg"/>
+          </p:nvPr>
+        </p:nvSpPr>
+        <p:spPr/>
+      </p:sp>
+      <p:sp>
+        <p:nvSpPr>
+          <p:cNvPr id="3" name="Notizenplatzhalter 2"/>
+          <p:cNvSpPr>
+            <a:spLocks noGrp="1"/>
+          </p:cNvSpPr>
+          <p:nvPr>
+            <p:ph type="body" idx="1"/>
+          </p:nvPr>
+        </p:nvSpPr>
+        <p:spPr/>
+        <p:txBody>
+          <a:bodyPr/>
+          <a:lstStyle/>
+          <a:p>
+            <a:r>
+              <a:rPr lang="de-DE" dirty="0" smtClean="0"/>
+              <a:t>Hier sind  die </a:t>
+            </a:r>
+            <a:r>
+              <a:rPr lang="de-DE" dirty="0" err="1" smtClean="0"/>
+              <a:t>Issue</a:t>
+            </a:r>
+            <a:r>
+              <a:rPr lang="de-DE" dirty="0" smtClean="0"/>
+              <a:t> die </a:t>
+            </a:r>
+            <a:endParaRPr lang="en-US" dirty="0"/>
+          </a:p>
+        </p:txBody>
+      </p:sp>
+      <p:sp>
+        <p:nvSpPr>
+          <p:cNvPr id="4" name="Foliennummernplatzhalter 3"/>
+          <p:cNvSpPr>
+            <a:spLocks noGrp="1"/>
+          </p:cNvSpPr>
+          <p:nvPr>
+            <p:ph type="sldNum" sz="quarter" idx="10"/>
+          </p:nvPr>
+        </p:nvSpPr>
+        <p:spPr/>
+        <p:txBody>
+          <a:bodyPr/>
+          <a:lstStyle/>
+          <a:p>
+            <a:fld id="{7C56EBB8-86B7-4B17-9FE6-1D6C78FAEC35}" type="slidenum">
+              <a:rPr lang="de-DE" altLang="de-DE" smtClean="0"/>
+              <a:pPr/>
+              <a:t>14</a:t>
+            </a:fld>
+            <a:endParaRPr lang="de-DE" altLang="de-DE"/>
+          </a:p>
+        </p:txBody>
+      </p:sp>
+    </p:spTree>
+    <p:extLst>
+      <p:ext uri="{BB962C8B-B14F-4D97-AF65-F5344CB8AC3E}">
+        <p14:creationId xmlns:p14="http://schemas.microsoft.com/office/powerpoint/2010/main" val="3792428416"/>
+      </p:ext>
+    </p:extLst>
+  </p:cSld>
+  <p:clrMapOvr>
+    <a:masterClrMapping/>
+  </p:clrMapOvr>
+</p:notes>
+</file>
+
+<file path=ppt/notesSlides/notesSlide12.xml><?xml version="1.0" encoding="utf-8"?>
+<p:notes xmlns:a="http://schemas.openxmlformats.org/drawingml/2006/main" xmlns:r="http://schemas.openxmlformats.org/officeDocument/2006/relationships" xmlns:p="http://schemas.openxmlformats.org/presentationml/2006/main">
+  <p:cSld>
+    <p:spTree>
+      <p:nvGrpSpPr>
+        <p:cNvPr id="1" name=""/>
+        <p:cNvGrpSpPr/>
+        <p:nvPr/>
+      </p:nvGrpSpPr>
+      <p:grpSpPr>
+        <a:xfrm>
+          <a:off x="0" y="0"/>
+          <a:ext cx="0" cy="0"/>
+          <a:chOff x="0" y="0"/>
+          <a:chExt cx="0" cy="0"/>
+        </a:xfrm>
+      </p:grpSpPr>
+      <p:sp>
+        <p:nvSpPr>
           <p:cNvPr id="7" name="Rectangle 7">
             <a:extLst>
               <a:ext uri="{FF2B5EF4-FFF2-40B4-BE49-F238E27FC236}">
@@ -15697,7 +15796,7 @@
             <a:fld id="{C21EDE77-6E6B-46CF-9346-5CFD3F861C54}" type="slidenum">
               <a:rPr lang="de-DE" altLang="de-DE"/>
               <a:pPr/>
-              <a:t>13</a:t>
+              <a:t>15</a:t>
             </a:fld>
             <a:endParaRPr lang="de-DE" altLang="de-DE"/>
           </a:p>
@@ -15756,7 +15855,7 @@
 </p:notes>
 </file>
 
-<file path=ppt/notesSlides/notesSlide12.xml><?xml version="1.0" encoding="utf-8"?>
+<file path=ppt/notesSlides/notesSlide13.xml><?xml version="1.0" encoding="utf-8"?>
 <p:notes xmlns:a="http://schemas.openxmlformats.org/drawingml/2006/main" xmlns:r="http://schemas.openxmlformats.org/officeDocument/2006/relationships" xmlns:p="http://schemas.openxmlformats.org/presentationml/2006/main">
   <p:cSld>
     <p:spTree>
@@ -15849,7 +15948,7 @@
             <a:fld id="{7C56EBB8-86B7-4B17-9FE6-1D6C78FAEC35}" type="slidenum">
               <a:rPr lang="de-DE" altLang="de-DE" smtClean="0"/>
               <a:pPr/>
-              <a:t>16</a:t>
+              <a:t>18</a:t>
             </a:fld>
             <a:endParaRPr lang="de-DE" altLang="de-DE"/>
           </a:p>
@@ -24414,6 +24513,1327 @@
       </p:grpSpPr>
       <p:sp>
         <p:nvSpPr>
+          <p:cNvPr id="2" name="Titel 1"/>
+          <p:cNvSpPr>
+            <a:spLocks noGrp="1"/>
+          </p:cNvSpPr>
+          <p:nvPr>
+            <p:ph type="title"/>
+          </p:nvPr>
+        </p:nvSpPr>
+        <p:spPr/>
+        <p:txBody>
+          <a:bodyPr/>
+          <a:lstStyle/>
+          <a:p>
+            <a:r>
+              <a:rPr lang="de-DE" dirty="0" smtClean="0"/>
+              <a:t>Anwendungsfälle</a:t>
+            </a:r>
+            <a:endParaRPr lang="en-US" dirty="0"/>
+          </a:p>
+        </p:txBody>
+      </p:sp>
+      <p:sp>
+        <p:nvSpPr>
+          <p:cNvPr id="4" name="Fußzeilenplatzhalter 3"/>
+          <p:cNvSpPr>
+            <a:spLocks noGrp="1"/>
+          </p:cNvSpPr>
+          <p:nvPr>
+            <p:ph type="ftr" sz="quarter" idx="10"/>
+          </p:nvPr>
+        </p:nvSpPr>
+        <p:spPr/>
+        <p:txBody>
+          <a:bodyPr/>
+          <a:lstStyle/>
+          <a:p>
+            <a:r>
+              <a:rPr lang="de-DE" altLang="de-DE" smtClean="0"/>
+              <a:t>Hilscher Gesellschaft für Systemautomation mbH  </a:t>
+            </a:r>
+            <a:r>
+              <a:rPr lang="en-US" altLang="de-DE" smtClean="0">
+                <a:cs typeface="Arial" panose="020B0604020202020204" pitchFamily="34" charset="0"/>
+              </a:rPr>
+              <a:t>l  www.hilscher.com</a:t>
+            </a:r>
+            <a:endParaRPr lang="de-DE" altLang="de-DE">
+              <a:cs typeface="Arial" panose="020B0604020202020204" pitchFamily="34" charset="0"/>
+            </a:endParaRPr>
+          </a:p>
+        </p:txBody>
+      </p:sp>
+      <p:pic>
+        <p:nvPicPr>
+          <p:cNvPr id="5" name="Inhaltsplatzhalter 4">
+            <a:extLst>
+              <a:ext uri="{FF2B5EF4-FFF2-40B4-BE49-F238E27FC236}">
+                <a16:creationId xmlns:a16="http://schemas.microsoft.com/office/drawing/2014/main" id="{54F03DB2-6D3D-4BAC-8E38-FE7519CF9E5B}"/>
+              </a:ext>
+            </a:extLst>
+          </p:cNvPr>
+          <p:cNvPicPr>
+            <a:picLocks noGrp="1" noChangeAspect="1"/>
+          </p:cNvPicPr>
+          <p:nvPr>
+            <p:ph idx="1"/>
+          </p:nvPr>
+        </p:nvPicPr>
+        <p:blipFill>
+          <a:blip r:embed="rId2"/>
+          <a:stretch>
+            <a:fillRect/>
+          </a:stretch>
+        </p:blipFill>
+        <p:spPr>
+          <a:xfrm>
+            <a:off x="1259540" y="2659856"/>
+            <a:ext cx="819150" cy="1047750"/>
+          </a:xfrm>
+          <a:prstGeom prst="rect">
+            <a:avLst/>
+          </a:prstGeom>
+        </p:spPr>
+      </p:pic>
+      <p:sp>
+        <p:nvSpPr>
+          <p:cNvPr id="6" name="Ellipse 5"/>
+          <p:cNvSpPr/>
+          <p:nvPr/>
+        </p:nvSpPr>
+        <p:spPr bwMode="auto">
+          <a:xfrm>
+            <a:off x="3707880" y="1243595"/>
+            <a:ext cx="3024420" cy="936130"/>
+          </a:xfrm>
+          <a:prstGeom prst="ellipse">
+            <a:avLst/>
+          </a:prstGeom>
+          <a:noFill/>
+          <a:ln>
+            <a:solidFill>
+              <a:schemeClr val="accent1"/>
+            </a:solidFill>
+          </a:ln>
+          <a:effectLst/>
+          <a:extLst/>
+        </p:spPr>
+        <p:txBody>
+          <a:bodyPr vert="horz" wrap="square" lIns="91440" tIns="45720" rIns="91440" bIns="45720" numCol="1" rtlCol="0" anchor="ctr" anchorCtr="0" compatLnSpc="1">
+            <a:prstTxWarp prst="textNoShape">
+              <a:avLst/>
+            </a:prstTxWarp>
+          </a:bodyPr>
+          <a:lstStyle/>
+          <a:p>
+            <a:pPr algn="ctr">
+              <a:buNone/>
+            </a:pPr>
+            <a:r>
+              <a:rPr lang="en-US" sz="1600" dirty="0" err="1">
+                <a:solidFill>
+                  <a:schemeClr val="tx1"/>
+                </a:solidFill>
+              </a:rPr>
+              <a:t>Topologie</a:t>
+            </a:r>
+            <a:r>
+              <a:rPr lang="en-US" sz="1600" dirty="0">
+                <a:solidFill>
+                  <a:schemeClr val="tx1"/>
+                </a:solidFill>
+              </a:rPr>
+              <a:t> </a:t>
+            </a:r>
+            <a:r>
+              <a:rPr lang="en-US" sz="1600" dirty="0" err="1">
+                <a:solidFill>
+                  <a:schemeClr val="tx1"/>
+                </a:solidFill>
+              </a:rPr>
+              <a:t>anzeigen</a:t>
+            </a:r>
+            <a:endParaRPr lang="en-US" sz="1600" dirty="0">
+              <a:solidFill>
+                <a:schemeClr val="tx1"/>
+              </a:solidFill>
+            </a:endParaRPr>
+          </a:p>
+        </p:txBody>
+      </p:sp>
+      <p:sp>
+        <p:nvSpPr>
+          <p:cNvPr id="7" name="Ellipse 6"/>
+          <p:cNvSpPr/>
+          <p:nvPr/>
+        </p:nvSpPr>
+        <p:spPr bwMode="auto">
+          <a:xfrm>
+            <a:off x="3851900" y="2771476"/>
+            <a:ext cx="3048772" cy="936130"/>
+          </a:xfrm>
+          <a:prstGeom prst="ellipse">
+            <a:avLst/>
+          </a:prstGeom>
+          <a:noFill/>
+          <a:ln>
+            <a:solidFill>
+              <a:schemeClr val="accent1"/>
+            </a:solidFill>
+          </a:ln>
+          <a:effectLst/>
+          <a:extLst/>
+        </p:spPr>
+        <p:txBody>
+          <a:bodyPr vert="horz" wrap="square" lIns="91440" tIns="45720" rIns="91440" bIns="45720" numCol="1" rtlCol="0" anchor="ctr" anchorCtr="0" compatLnSpc="1">
+            <a:prstTxWarp prst="textNoShape">
+              <a:avLst/>
+            </a:prstTxWarp>
+          </a:bodyPr>
+          <a:lstStyle/>
+          <a:p>
+            <a:pPr algn="ctr">
+              <a:buNone/>
+            </a:pPr>
+            <a:r>
+              <a:rPr lang="de-DE" sz="1600" dirty="0" err="1" smtClean="0">
+                <a:solidFill>
+                  <a:schemeClr val="tx1"/>
+                </a:solidFill>
+              </a:rPr>
+              <a:t>To</a:t>
+            </a:r>
+            <a:r>
+              <a:rPr lang="de-DE" sz="1600" dirty="0" smtClean="0">
+                <a:solidFill>
+                  <a:schemeClr val="tx1"/>
+                </a:solidFill>
+              </a:rPr>
+              <a:t>. Information in </a:t>
+            </a:r>
+            <a:r>
+              <a:rPr lang="de-DE" sz="1600" dirty="0" err="1" smtClean="0">
+                <a:solidFill>
+                  <a:schemeClr val="tx1"/>
+                </a:solidFill>
+              </a:rPr>
+              <a:t>PropertyGrid</a:t>
+            </a:r>
+            <a:r>
+              <a:rPr lang="de-DE" sz="1600" dirty="0" smtClean="0">
+                <a:solidFill>
+                  <a:schemeClr val="tx1"/>
+                </a:solidFill>
+              </a:rPr>
+              <a:t> anzeigen</a:t>
+            </a:r>
+            <a:endParaRPr lang="en-US" sz="1600" dirty="0" err="1" smtClean="0">
+              <a:solidFill>
+                <a:schemeClr val="tx1"/>
+              </a:solidFill>
+            </a:endParaRPr>
+          </a:p>
+        </p:txBody>
+      </p:sp>
+      <p:sp>
+        <p:nvSpPr>
+          <p:cNvPr id="8" name="Ellipse 7"/>
+          <p:cNvSpPr/>
+          <p:nvPr/>
+        </p:nvSpPr>
+        <p:spPr bwMode="auto">
+          <a:xfrm>
+            <a:off x="3873630" y="4299358"/>
+            <a:ext cx="3024420" cy="936130"/>
+          </a:xfrm>
+          <a:prstGeom prst="ellipse">
+            <a:avLst/>
+          </a:prstGeom>
+          <a:noFill/>
+          <a:ln>
+            <a:solidFill>
+              <a:schemeClr val="accent1"/>
+            </a:solidFill>
+          </a:ln>
+          <a:effectLst/>
+          <a:extLst/>
+        </p:spPr>
+        <p:txBody>
+          <a:bodyPr vert="horz" wrap="square" lIns="91440" tIns="45720" rIns="91440" bIns="45720" numCol="1" rtlCol="0" anchor="ctr" anchorCtr="0" compatLnSpc="1">
+            <a:prstTxWarp prst="textNoShape">
+              <a:avLst/>
+            </a:prstTxWarp>
+          </a:bodyPr>
+          <a:lstStyle/>
+          <a:p>
+            <a:pPr algn="ctr">
+              <a:buNone/>
+            </a:pPr>
+            <a:r>
+              <a:rPr lang="de-DE" sz="1600" dirty="0" err="1">
+                <a:solidFill>
+                  <a:schemeClr val="tx1"/>
+                </a:solidFill>
+              </a:rPr>
+              <a:t>To</a:t>
+            </a:r>
+            <a:r>
+              <a:rPr lang="de-DE" sz="1600" dirty="0">
+                <a:solidFill>
+                  <a:schemeClr val="tx1"/>
+                </a:solidFill>
+              </a:rPr>
+              <a:t>. Information </a:t>
+            </a:r>
+            <a:r>
+              <a:rPr lang="de-DE" sz="1600" dirty="0" smtClean="0">
+                <a:solidFill>
+                  <a:schemeClr val="tx1"/>
+                </a:solidFill>
+              </a:rPr>
+              <a:t>via </a:t>
+            </a:r>
+            <a:r>
+              <a:rPr lang="de-DE" sz="1600" dirty="0" err="1" smtClean="0">
+                <a:solidFill>
+                  <a:schemeClr val="tx1"/>
+                </a:solidFill>
+              </a:rPr>
+              <a:t>Ribbon</a:t>
+            </a:r>
+            <a:endParaRPr lang="de-DE" sz="1600" dirty="0" smtClean="0">
+              <a:solidFill>
+                <a:schemeClr val="tx1"/>
+              </a:solidFill>
+            </a:endParaRPr>
+          </a:p>
+          <a:p>
+            <a:pPr algn="ctr">
+              <a:buNone/>
+            </a:pPr>
+            <a:r>
+              <a:rPr lang="de-DE" sz="1600" dirty="0" smtClean="0">
+                <a:solidFill>
+                  <a:schemeClr val="tx1"/>
+                </a:solidFill>
+              </a:rPr>
+              <a:t>steuern</a:t>
+            </a:r>
+            <a:endParaRPr lang="en-US" sz="1600" dirty="0" err="1">
+              <a:solidFill>
+                <a:schemeClr val="tx1"/>
+              </a:solidFill>
+            </a:endParaRPr>
+          </a:p>
+        </p:txBody>
+      </p:sp>
+      <p:cxnSp>
+        <p:nvCxnSpPr>
+          <p:cNvPr id="9" name="Gerade Verbindung mit Pfeil 8">
+            <a:extLst>
+              <a:ext uri="{FF2B5EF4-FFF2-40B4-BE49-F238E27FC236}">
+                <a16:creationId xmlns:a16="http://schemas.microsoft.com/office/drawing/2014/main" id="{CA3B20CF-DA1F-4094-928F-D6BDBBB10FCE}"/>
+              </a:ext>
+            </a:extLst>
+          </p:cNvPr>
+          <p:cNvCxnSpPr>
+            <a:cxnSpLocks/>
+          </p:cNvCxnSpPr>
+          <p:nvPr/>
+        </p:nvCxnSpPr>
+        <p:spPr bwMode="auto">
+          <a:xfrm flipV="1">
+            <a:off x="2078690" y="2060810"/>
+            <a:ext cx="1485170" cy="710667"/>
+          </a:xfrm>
+          <a:prstGeom prst="straightConnector1">
+            <a:avLst/>
+          </a:prstGeom>
+          <a:noFill/>
+          <a:ln w="28575" cap="flat" cmpd="sng" algn="ctr">
+            <a:solidFill>
+              <a:schemeClr val="tx1"/>
+            </a:solidFill>
+            <a:prstDash val="solid"/>
+            <a:round/>
+            <a:headEnd type="none" w="med" len="med"/>
+            <a:tailEnd type="triangle" w="med" len="med"/>
+          </a:ln>
+          <a:effectLst/>
+          <a:extLst>
+            <a:ext uri="{909E8E84-426E-40DD-AFC4-6F175D3DCCD1}">
+              <a14:hiddenFill xmlns:a14="http://schemas.microsoft.com/office/drawing/2010/main">
+                <a:solidFill>
+                  <a:schemeClr val="accent1"/>
+                </a:solidFill>
+              </a14:hiddenFill>
+            </a:ext>
+            <a:ext uri="{AF507438-7753-43E0-B8FC-AC1667EBCBE1}">
+              <a14:hiddenEffects xmlns:a14="http://schemas.microsoft.com/office/drawing/2010/main">
+                <a:effectLst>
+                  <a:outerShdw dist="35921" dir="2700000" algn="ctr" rotWithShape="0">
+                    <a:schemeClr val="bg2"/>
+                  </a:outerShdw>
+                </a:effectLst>
+              </a14:hiddenEffects>
+            </a:ext>
+          </a:extLst>
+        </p:spPr>
+      </p:cxnSp>
+      <p:sp>
+        <p:nvSpPr>
+          <p:cNvPr id="11" name="Textfeld 10"/>
+          <p:cNvSpPr txBox="1"/>
+          <p:nvPr/>
+        </p:nvSpPr>
+        <p:spPr>
+          <a:xfrm>
+            <a:off x="1257964" y="3679411"/>
+            <a:ext cx="2304320" cy="1348061"/>
+          </a:xfrm>
+          <a:prstGeom prst="rect">
+            <a:avLst/>
+          </a:prstGeom>
+          <a:noFill/>
+        </p:spPr>
+        <p:txBody>
+          <a:bodyPr wrap="square" rtlCol="0">
+            <a:spAutoFit/>
+          </a:bodyPr>
+          <a:lstStyle/>
+          <a:p>
+            <a:pPr>
+              <a:buNone/>
+            </a:pPr>
+            <a:r>
+              <a:rPr lang="de-DE" dirty="0" smtClean="0"/>
+              <a:t>Kunde</a:t>
+            </a:r>
+            <a:endParaRPr lang="de-DE" dirty="0" smtClean="0"/>
+          </a:p>
+          <a:p>
+            <a:pPr>
+              <a:buNone/>
+            </a:pPr>
+            <a:r>
+              <a:rPr lang="de-DE" dirty="0" smtClean="0"/>
+              <a:t>Entwickler</a:t>
+            </a:r>
+          </a:p>
+          <a:p>
+            <a:pPr>
+              <a:buNone/>
+            </a:pPr>
+            <a:endParaRPr lang="en-US" dirty="0"/>
+          </a:p>
+        </p:txBody>
+      </p:sp>
+      <p:cxnSp>
+        <p:nvCxnSpPr>
+          <p:cNvPr id="12" name="Gerade Verbindung mit Pfeil 11">
+            <a:extLst>
+              <a:ext uri="{FF2B5EF4-FFF2-40B4-BE49-F238E27FC236}">
+                <a16:creationId xmlns:a16="http://schemas.microsoft.com/office/drawing/2014/main" id="{CA3B20CF-DA1F-4094-928F-D6BDBBB10FCE}"/>
+              </a:ext>
+            </a:extLst>
+          </p:cNvPr>
+          <p:cNvCxnSpPr>
+            <a:cxnSpLocks/>
+          </p:cNvCxnSpPr>
+          <p:nvPr/>
+        </p:nvCxnSpPr>
+        <p:spPr bwMode="auto">
+          <a:xfrm>
+            <a:off x="2222710" y="3658831"/>
+            <a:ext cx="1884413" cy="733414"/>
+          </a:xfrm>
+          <a:prstGeom prst="straightConnector1">
+            <a:avLst/>
+          </a:prstGeom>
+          <a:noFill/>
+          <a:ln w="28575" cap="flat" cmpd="sng" algn="ctr">
+            <a:solidFill>
+              <a:schemeClr val="tx1"/>
+            </a:solidFill>
+            <a:prstDash val="solid"/>
+            <a:round/>
+            <a:headEnd type="none" w="med" len="med"/>
+            <a:tailEnd type="triangle" w="med" len="med"/>
+          </a:ln>
+          <a:effectLst/>
+          <a:extLst>
+            <a:ext uri="{909E8E84-426E-40DD-AFC4-6F175D3DCCD1}">
+              <a14:hiddenFill xmlns:a14="http://schemas.microsoft.com/office/drawing/2010/main">
+                <a:solidFill>
+                  <a:schemeClr val="accent1"/>
+                </a:solidFill>
+              </a14:hiddenFill>
+            </a:ext>
+            <a:ext uri="{AF507438-7753-43E0-B8FC-AC1667EBCBE1}">
+              <a14:hiddenEffects xmlns:a14="http://schemas.microsoft.com/office/drawing/2010/main">
+                <a:effectLst>
+                  <a:outerShdw dist="35921" dir="2700000" algn="ctr" rotWithShape="0">
+                    <a:schemeClr val="bg2"/>
+                  </a:outerShdw>
+                </a:effectLst>
+              </a14:hiddenEffects>
+            </a:ext>
+          </a:extLst>
+        </p:spPr>
+      </p:cxnSp>
+      <p:cxnSp>
+        <p:nvCxnSpPr>
+          <p:cNvPr id="16" name="Gerade Verbindung mit Pfeil 15">
+            <a:extLst>
+              <a:ext uri="{FF2B5EF4-FFF2-40B4-BE49-F238E27FC236}">
+                <a16:creationId xmlns:a16="http://schemas.microsoft.com/office/drawing/2014/main" id="{CA3B20CF-DA1F-4094-928F-D6BDBBB10FCE}"/>
+              </a:ext>
+            </a:extLst>
+          </p:cNvPr>
+          <p:cNvCxnSpPr>
+            <a:cxnSpLocks/>
+          </p:cNvCxnSpPr>
+          <p:nvPr/>
+        </p:nvCxnSpPr>
+        <p:spPr bwMode="auto">
+          <a:xfrm flipV="1">
+            <a:off x="2078690" y="3183731"/>
+            <a:ext cx="1629190" cy="62846"/>
+          </a:xfrm>
+          <a:prstGeom prst="straightConnector1">
+            <a:avLst/>
+          </a:prstGeom>
+          <a:noFill/>
+          <a:ln w="28575" cap="flat" cmpd="sng" algn="ctr">
+            <a:solidFill>
+              <a:schemeClr val="tx1"/>
+            </a:solidFill>
+            <a:prstDash val="solid"/>
+            <a:round/>
+            <a:headEnd type="none" w="med" len="med"/>
+            <a:tailEnd type="triangle" w="med" len="med"/>
+          </a:ln>
+          <a:effectLst/>
+          <a:extLst>
+            <a:ext uri="{909E8E84-426E-40DD-AFC4-6F175D3DCCD1}">
+              <a14:hiddenFill xmlns:a14="http://schemas.microsoft.com/office/drawing/2010/main">
+                <a:solidFill>
+                  <a:schemeClr val="accent1"/>
+                </a:solidFill>
+              </a14:hiddenFill>
+            </a:ext>
+            <a:ext uri="{AF507438-7753-43E0-B8FC-AC1667EBCBE1}">
+              <a14:hiddenEffects xmlns:a14="http://schemas.microsoft.com/office/drawing/2010/main">
+                <a:effectLst>
+                  <a:outerShdw dist="35921" dir="2700000" algn="ctr" rotWithShape="0">
+                    <a:schemeClr val="bg2"/>
+                  </a:outerShdw>
+                </a:effectLst>
+              </a14:hiddenEffects>
+            </a:ext>
+          </a:extLst>
+        </p:spPr>
+      </p:cxnSp>
+    </p:spTree>
+    <p:extLst>
+      <p:ext uri="{BB962C8B-B14F-4D97-AF65-F5344CB8AC3E}">
+        <p14:creationId xmlns:p14="http://schemas.microsoft.com/office/powerpoint/2010/main" val="918667190"/>
+      </p:ext>
+    </p:extLst>
+  </p:cSld>
+  <p:clrMapOvr>
+    <a:masterClrMapping/>
+  </p:clrMapOvr>
+  <p:transition>
+    <p:zoom/>
+  </p:transition>
+  <p:timing>
+    <p:tnLst>
+      <p:par>
+        <p:cTn id="1" dur="indefinite" restart="never" nodeType="tmRoot">
+          <p:childTnLst>
+            <p:seq concurrent="1" nextAc="seek">
+              <p:cTn id="2" dur="indefinite" nodeType="mainSeq">
+                <p:childTnLst>
+                  <p:par>
+                    <p:cTn id="3" fill="hold">
+                      <p:stCondLst>
+                        <p:cond delay="indefinite"/>
+                      </p:stCondLst>
+                      <p:childTnLst>
+                        <p:par>
+                          <p:cTn id="4" fill="hold">
+                            <p:stCondLst>
+                              <p:cond delay="0"/>
+                            </p:stCondLst>
+                            <p:childTnLst>
+                              <p:par>
+                                <p:cTn id="5" presetID="22" presetClass="entr" presetSubtype="4" fill="hold" nodeType="clickEffect">
+                                  <p:stCondLst>
+                                    <p:cond delay="0"/>
+                                  </p:stCondLst>
+                                  <p:childTnLst>
+                                    <p:set>
+                                      <p:cBhvr>
+                                        <p:cTn id="6" dur="1" fill="hold">
+                                          <p:stCondLst>
+                                            <p:cond delay="0"/>
+                                          </p:stCondLst>
+                                        </p:cTn>
+                                        <p:tgtEl>
+                                          <p:spTgt spid="9"/>
+                                        </p:tgtEl>
+                                        <p:attrNameLst>
+                                          <p:attrName>style.visibility</p:attrName>
+                                        </p:attrNameLst>
+                                      </p:cBhvr>
+                                      <p:to>
+                                        <p:strVal val="visible"/>
+                                      </p:to>
+                                    </p:set>
+                                    <p:animEffect transition="in" filter="wipe(down)">
+                                      <p:cBhvr>
+                                        <p:cTn id="7" dur="500"/>
+                                        <p:tgtEl>
+                                          <p:spTgt spid="9"/>
+                                        </p:tgtEl>
+                                      </p:cBhvr>
+                                    </p:animEffect>
+                                  </p:childTnLst>
+                                </p:cTn>
+                              </p:par>
+                              <p:par>
+                                <p:cTn id="8" presetID="22" presetClass="entr" presetSubtype="4" fill="hold" grpId="0" nodeType="withEffect">
+                                  <p:stCondLst>
+                                    <p:cond delay="0"/>
+                                  </p:stCondLst>
+                                  <p:childTnLst>
+                                    <p:set>
+                                      <p:cBhvr>
+                                        <p:cTn id="9" dur="1" fill="hold">
+                                          <p:stCondLst>
+                                            <p:cond delay="0"/>
+                                          </p:stCondLst>
+                                        </p:cTn>
+                                        <p:tgtEl>
+                                          <p:spTgt spid="6"/>
+                                        </p:tgtEl>
+                                        <p:attrNameLst>
+                                          <p:attrName>style.visibility</p:attrName>
+                                        </p:attrNameLst>
+                                      </p:cBhvr>
+                                      <p:to>
+                                        <p:strVal val="visible"/>
+                                      </p:to>
+                                    </p:set>
+                                    <p:animEffect transition="in" filter="wipe(down)">
+                                      <p:cBhvr>
+                                        <p:cTn id="10" dur="500"/>
+                                        <p:tgtEl>
+                                          <p:spTgt spid="6"/>
+                                        </p:tgtEl>
+                                      </p:cBhvr>
+                                    </p:animEffect>
+                                  </p:childTnLst>
+                                </p:cTn>
+                              </p:par>
+                            </p:childTnLst>
+                          </p:cTn>
+                        </p:par>
+                      </p:childTnLst>
+                    </p:cTn>
+                  </p:par>
+                  <p:par>
+                    <p:cTn id="11" fill="hold">
+                      <p:stCondLst>
+                        <p:cond delay="indefinite"/>
+                      </p:stCondLst>
+                      <p:childTnLst>
+                        <p:par>
+                          <p:cTn id="12" fill="hold">
+                            <p:stCondLst>
+                              <p:cond delay="0"/>
+                            </p:stCondLst>
+                            <p:childTnLst>
+                              <p:par>
+                                <p:cTn id="13" presetID="22" presetClass="entr" presetSubtype="4" fill="hold" nodeType="clickEffect">
+                                  <p:stCondLst>
+                                    <p:cond delay="0"/>
+                                  </p:stCondLst>
+                                  <p:childTnLst>
+                                    <p:set>
+                                      <p:cBhvr>
+                                        <p:cTn id="14" dur="1" fill="hold">
+                                          <p:stCondLst>
+                                            <p:cond delay="0"/>
+                                          </p:stCondLst>
+                                        </p:cTn>
+                                        <p:tgtEl>
+                                          <p:spTgt spid="16"/>
+                                        </p:tgtEl>
+                                        <p:attrNameLst>
+                                          <p:attrName>style.visibility</p:attrName>
+                                        </p:attrNameLst>
+                                      </p:cBhvr>
+                                      <p:to>
+                                        <p:strVal val="visible"/>
+                                      </p:to>
+                                    </p:set>
+                                    <p:animEffect transition="in" filter="wipe(down)">
+                                      <p:cBhvr>
+                                        <p:cTn id="15" dur="500"/>
+                                        <p:tgtEl>
+                                          <p:spTgt spid="16"/>
+                                        </p:tgtEl>
+                                      </p:cBhvr>
+                                    </p:animEffect>
+                                  </p:childTnLst>
+                                </p:cTn>
+                              </p:par>
+                              <p:par>
+                                <p:cTn id="16" presetID="22" presetClass="entr" presetSubtype="4" fill="hold" grpId="0" nodeType="withEffect">
+                                  <p:stCondLst>
+                                    <p:cond delay="0"/>
+                                  </p:stCondLst>
+                                  <p:childTnLst>
+                                    <p:set>
+                                      <p:cBhvr>
+                                        <p:cTn id="17" dur="1" fill="hold">
+                                          <p:stCondLst>
+                                            <p:cond delay="0"/>
+                                          </p:stCondLst>
+                                        </p:cTn>
+                                        <p:tgtEl>
+                                          <p:spTgt spid="7"/>
+                                        </p:tgtEl>
+                                        <p:attrNameLst>
+                                          <p:attrName>style.visibility</p:attrName>
+                                        </p:attrNameLst>
+                                      </p:cBhvr>
+                                      <p:to>
+                                        <p:strVal val="visible"/>
+                                      </p:to>
+                                    </p:set>
+                                    <p:animEffect transition="in" filter="wipe(down)">
+                                      <p:cBhvr>
+                                        <p:cTn id="18" dur="500"/>
+                                        <p:tgtEl>
+                                          <p:spTgt spid="7"/>
+                                        </p:tgtEl>
+                                      </p:cBhvr>
+                                    </p:animEffect>
+                                  </p:childTnLst>
+                                </p:cTn>
+                              </p:par>
+                            </p:childTnLst>
+                          </p:cTn>
+                        </p:par>
+                      </p:childTnLst>
+                    </p:cTn>
+                  </p:par>
+                  <p:par>
+                    <p:cTn id="19" fill="hold">
+                      <p:stCondLst>
+                        <p:cond delay="indefinite"/>
+                      </p:stCondLst>
+                      <p:childTnLst>
+                        <p:par>
+                          <p:cTn id="20" fill="hold">
+                            <p:stCondLst>
+                              <p:cond delay="0"/>
+                            </p:stCondLst>
+                            <p:childTnLst>
+                              <p:par>
+                                <p:cTn id="21" presetID="22" presetClass="entr" presetSubtype="4" fill="hold" nodeType="clickEffect">
+                                  <p:stCondLst>
+                                    <p:cond delay="0"/>
+                                  </p:stCondLst>
+                                  <p:childTnLst>
+                                    <p:set>
+                                      <p:cBhvr>
+                                        <p:cTn id="22" dur="1" fill="hold">
+                                          <p:stCondLst>
+                                            <p:cond delay="0"/>
+                                          </p:stCondLst>
+                                        </p:cTn>
+                                        <p:tgtEl>
+                                          <p:spTgt spid="12"/>
+                                        </p:tgtEl>
+                                        <p:attrNameLst>
+                                          <p:attrName>style.visibility</p:attrName>
+                                        </p:attrNameLst>
+                                      </p:cBhvr>
+                                      <p:to>
+                                        <p:strVal val="visible"/>
+                                      </p:to>
+                                    </p:set>
+                                    <p:animEffect transition="in" filter="wipe(down)">
+                                      <p:cBhvr>
+                                        <p:cTn id="23" dur="500"/>
+                                        <p:tgtEl>
+                                          <p:spTgt spid="12"/>
+                                        </p:tgtEl>
+                                      </p:cBhvr>
+                                    </p:animEffect>
+                                  </p:childTnLst>
+                                </p:cTn>
+                              </p:par>
+                              <p:par>
+                                <p:cTn id="24" presetID="22" presetClass="entr" presetSubtype="4" fill="hold" grpId="0" nodeType="withEffect">
+                                  <p:stCondLst>
+                                    <p:cond delay="0"/>
+                                  </p:stCondLst>
+                                  <p:childTnLst>
+                                    <p:set>
+                                      <p:cBhvr>
+                                        <p:cTn id="25" dur="1" fill="hold">
+                                          <p:stCondLst>
+                                            <p:cond delay="0"/>
+                                          </p:stCondLst>
+                                        </p:cTn>
+                                        <p:tgtEl>
+                                          <p:spTgt spid="8"/>
+                                        </p:tgtEl>
+                                        <p:attrNameLst>
+                                          <p:attrName>style.visibility</p:attrName>
+                                        </p:attrNameLst>
+                                      </p:cBhvr>
+                                      <p:to>
+                                        <p:strVal val="visible"/>
+                                      </p:to>
+                                    </p:set>
+                                    <p:animEffect transition="in" filter="wipe(down)">
+                                      <p:cBhvr>
+                                        <p:cTn id="26" dur="500"/>
+                                        <p:tgtEl>
+                                          <p:spTgt spid="8"/>
+                                        </p:tgtEl>
+                                      </p:cBhvr>
+                                    </p:animEffect>
+                                  </p:childTnLst>
+                                </p:cTn>
+                              </p:par>
+                            </p:childTnLst>
+                          </p:cTn>
+                        </p:par>
+                      </p:childTnLst>
+                    </p:cTn>
+                  </p:par>
+                </p:childTnLst>
+              </p:cTn>
+              <p:prevCondLst>
+                <p:cond evt="onPrev" delay="0">
+                  <p:tgtEl>
+                    <p:sldTgt/>
+                  </p:tgtEl>
+                </p:cond>
+              </p:prevCondLst>
+              <p:nextCondLst>
+                <p:cond evt="onNext" delay="0">
+                  <p:tgtEl>
+                    <p:sldTgt/>
+                  </p:tgtEl>
+                </p:cond>
+              </p:nextCondLst>
+            </p:seq>
+          </p:childTnLst>
+        </p:cTn>
+      </p:par>
+    </p:tnLst>
+    <p:bldLst>
+      <p:bldP spid="6" grpId="0" animBg="1"/>
+      <p:bldP spid="7" grpId="0" animBg="1"/>
+      <p:bldP spid="8" grpId="0" animBg="1"/>
+    </p:bldLst>
+  </p:timing>
+</p:sld>
+</file>
+
+<file path=ppt/slides/slide14.xml><?xml version="1.0" encoding="utf-8"?>
+<p:sld xmlns:a="http://schemas.openxmlformats.org/drawingml/2006/main" xmlns:r="http://schemas.openxmlformats.org/officeDocument/2006/relationships" xmlns:p="http://schemas.openxmlformats.org/presentationml/2006/main">
+  <p:cSld>
+    <p:spTree>
+      <p:nvGrpSpPr>
+        <p:cNvPr id="1" name=""/>
+        <p:cNvGrpSpPr/>
+        <p:nvPr/>
+      </p:nvGrpSpPr>
+      <p:grpSpPr>
+        <a:xfrm>
+          <a:off x="0" y="0"/>
+          <a:ext cx="0" cy="0"/>
+          <a:chOff x="0" y="0"/>
+          <a:chExt cx="0" cy="0"/>
+        </a:xfrm>
+      </p:grpSpPr>
+      <p:sp>
+        <p:nvSpPr>
+          <p:cNvPr id="2" name="Titel 1"/>
+          <p:cNvSpPr>
+            <a:spLocks noGrp="1"/>
+          </p:cNvSpPr>
+          <p:nvPr>
+            <p:ph type="title"/>
+          </p:nvPr>
+        </p:nvSpPr>
+        <p:spPr/>
+        <p:txBody>
+          <a:bodyPr/>
+          <a:lstStyle/>
+          <a:p>
+            <a:r>
+              <a:rPr lang="de-DE" dirty="0" err="1" smtClean="0"/>
+              <a:t>Issue</a:t>
+            </a:r>
+            <a:endParaRPr lang="en-US" dirty="0"/>
+          </a:p>
+        </p:txBody>
+      </p:sp>
+      <p:sp>
+        <p:nvSpPr>
+          <p:cNvPr id="3" name="Inhaltsplatzhalter 2"/>
+          <p:cNvSpPr>
+            <a:spLocks noGrp="1"/>
+          </p:cNvSpPr>
+          <p:nvPr>
+            <p:ph idx="1"/>
+          </p:nvPr>
+        </p:nvSpPr>
+        <p:spPr/>
+        <p:txBody>
+          <a:bodyPr/>
+          <a:lstStyle/>
+          <a:p>
+            <a:pPr marL="457200" indent="-457200" algn="just">
+              <a:buFont typeface="+mj-lt"/>
+              <a:buAutoNum type="arabicPeriod"/>
+            </a:pPr>
+            <a:r>
+              <a:rPr lang="de-DE" dirty="0" err="1" smtClean="0"/>
+              <a:t>IDTMTopologyItem</a:t>
+            </a:r>
+            <a:r>
+              <a:rPr lang="de-DE" dirty="0" smtClean="0"/>
+              <a:t> als </a:t>
+            </a:r>
+            <a:r>
+              <a:rPr lang="de-DE" dirty="0" err="1" smtClean="0"/>
+              <a:t>Nugetpackage</a:t>
+            </a:r>
+            <a:r>
+              <a:rPr lang="de-DE" dirty="0" smtClean="0"/>
+              <a:t> erstellen</a:t>
+            </a:r>
+          </a:p>
+          <a:p>
+            <a:pPr marL="457200" indent="-457200" algn="just">
+              <a:buFont typeface="+mj-lt"/>
+              <a:buAutoNum type="arabicPeriod"/>
+            </a:pPr>
+            <a:r>
+              <a:rPr lang="de-DE" dirty="0" err="1" smtClean="0"/>
+              <a:t>CefSharp</a:t>
+            </a:r>
+            <a:r>
+              <a:rPr lang="de-DE" dirty="0" smtClean="0"/>
+              <a:t> </a:t>
+            </a:r>
+            <a:r>
+              <a:rPr lang="de-DE" dirty="0" err="1" smtClean="0"/>
+              <a:t>version</a:t>
+            </a:r>
+            <a:r>
+              <a:rPr lang="de-DE" dirty="0" smtClean="0"/>
+              <a:t> soll aktualisiert werden</a:t>
+            </a:r>
+          </a:p>
+          <a:p>
+            <a:pPr marL="457200" indent="-457200" algn="just">
+              <a:buFont typeface="+mj-lt"/>
+              <a:buAutoNum type="arabicPeriod"/>
+            </a:pPr>
+            <a:r>
+              <a:rPr lang="de-DE" dirty="0" smtClean="0"/>
+              <a:t>Interfaces für Command in </a:t>
+            </a:r>
+            <a:r>
+              <a:rPr lang="de-DE" dirty="0" err="1" smtClean="0"/>
+              <a:t>Ribbon</a:t>
+            </a:r>
+            <a:r>
+              <a:rPr lang="de-DE" dirty="0" smtClean="0"/>
+              <a:t> bereitstellen</a:t>
+            </a:r>
+          </a:p>
+          <a:p>
+            <a:pPr marL="457200" indent="-457200" algn="just">
+              <a:buFont typeface="+mj-lt"/>
+              <a:buAutoNum type="arabicPeriod"/>
+            </a:pPr>
+            <a:r>
+              <a:rPr lang="de-DE" dirty="0" smtClean="0"/>
+              <a:t>Events erweitern für TopologyEditor</a:t>
+            </a:r>
+          </a:p>
+          <a:p>
+            <a:pPr marL="0" indent="0">
+              <a:buNone/>
+            </a:pPr>
+            <a:endParaRPr lang="de-DE" dirty="0" smtClean="0"/>
+          </a:p>
+          <a:p>
+            <a:pPr marL="0" indent="0">
+              <a:buNone/>
+            </a:pPr>
+            <a:endParaRPr lang="en-US" dirty="0"/>
+          </a:p>
+        </p:txBody>
+      </p:sp>
+      <p:sp>
+        <p:nvSpPr>
+          <p:cNvPr id="4" name="Fußzeilenplatzhalter 3"/>
+          <p:cNvSpPr>
+            <a:spLocks noGrp="1"/>
+          </p:cNvSpPr>
+          <p:nvPr>
+            <p:ph type="ftr" sz="quarter" idx="10"/>
+          </p:nvPr>
+        </p:nvSpPr>
+        <p:spPr/>
+        <p:txBody>
+          <a:bodyPr/>
+          <a:lstStyle/>
+          <a:p>
+            <a:r>
+              <a:rPr lang="de-DE" altLang="de-DE" smtClean="0"/>
+              <a:t>Hilscher Gesellschaft für Systemautomation mbH  </a:t>
+            </a:r>
+            <a:r>
+              <a:rPr lang="en-US" altLang="de-DE" smtClean="0">
+                <a:cs typeface="Arial" panose="020B0604020202020204" pitchFamily="34" charset="0"/>
+              </a:rPr>
+              <a:t>l  www.hilscher.com</a:t>
+            </a:r>
+            <a:endParaRPr lang="de-DE" altLang="de-DE">
+              <a:cs typeface="Arial" panose="020B0604020202020204" pitchFamily="34" charset="0"/>
+            </a:endParaRPr>
+          </a:p>
+        </p:txBody>
+      </p:sp>
+    </p:spTree>
+    <p:extLst>
+      <p:ext uri="{BB962C8B-B14F-4D97-AF65-F5344CB8AC3E}">
+        <p14:creationId xmlns:p14="http://schemas.microsoft.com/office/powerpoint/2010/main" val="897657323"/>
+      </p:ext>
+    </p:extLst>
+  </p:cSld>
+  <p:clrMapOvr>
+    <a:masterClrMapping/>
+  </p:clrMapOvr>
+  <p:transition>
+    <p:zoom/>
+  </p:transition>
+  <p:timing>
+    <p:tnLst>
+      <p:par>
+        <p:cTn id="1" dur="indefinite" restart="never" nodeType="tmRoot">
+          <p:childTnLst>
+            <p:seq concurrent="1" nextAc="seek">
+              <p:cTn id="2" dur="indefinite" nodeType="mainSeq">
+                <p:childTnLst>
+                  <p:par>
+                    <p:cTn id="3" fill="hold">
+                      <p:stCondLst>
+                        <p:cond delay="indefinite"/>
+                      </p:stCondLst>
+                      <p:childTnLst>
+                        <p:par>
+                          <p:cTn id="4" fill="hold">
+                            <p:stCondLst>
+                              <p:cond delay="0"/>
+                            </p:stCondLst>
+                            <p:childTnLst>
+                              <p:par>
+                                <p:cTn id="5" presetID="22" presetClass="entr" presetSubtype="4" fill="hold" grpId="0" nodeType="clickEffect">
+                                  <p:stCondLst>
+                                    <p:cond delay="0"/>
+                                  </p:stCondLst>
+                                  <p:childTnLst>
+                                    <p:set>
+                                      <p:cBhvr>
+                                        <p:cTn id="6" dur="1" fill="hold">
+                                          <p:stCondLst>
+                                            <p:cond delay="0"/>
+                                          </p:stCondLst>
+                                        </p:cTn>
+                                        <p:tgtEl>
+                                          <p:spTgt spid="3">
+                                            <p:txEl>
+                                              <p:pRg st="0" end="0"/>
+                                            </p:txEl>
+                                          </p:spTgt>
+                                        </p:tgtEl>
+                                        <p:attrNameLst>
+                                          <p:attrName>style.visibility</p:attrName>
+                                        </p:attrNameLst>
+                                      </p:cBhvr>
+                                      <p:to>
+                                        <p:strVal val="visible"/>
+                                      </p:to>
+                                    </p:set>
+                                    <p:animEffect transition="in" filter="wipe(down)">
+                                      <p:cBhvr>
+                                        <p:cTn id="7" dur="500"/>
+                                        <p:tgtEl>
+                                          <p:spTgt spid="3">
+                                            <p:txEl>
+                                              <p:pRg st="0" end="0"/>
+                                            </p:txEl>
+                                          </p:spTgt>
+                                        </p:tgtEl>
+                                      </p:cBhvr>
+                                    </p:animEffect>
+                                  </p:childTnLst>
+                                </p:cTn>
+                              </p:par>
+                            </p:childTnLst>
+                          </p:cTn>
+                        </p:par>
+                      </p:childTnLst>
+                    </p:cTn>
+                  </p:par>
+                  <p:par>
+                    <p:cTn id="8" fill="hold">
+                      <p:stCondLst>
+                        <p:cond delay="indefinite"/>
+                      </p:stCondLst>
+                      <p:childTnLst>
+                        <p:par>
+                          <p:cTn id="9" fill="hold">
+                            <p:stCondLst>
+                              <p:cond delay="0"/>
+                            </p:stCondLst>
+                            <p:childTnLst>
+                              <p:par>
+                                <p:cTn id="10" presetID="22" presetClass="entr" presetSubtype="4" fill="hold" grpId="0" nodeType="clickEffect">
+                                  <p:stCondLst>
+                                    <p:cond delay="0"/>
+                                  </p:stCondLst>
+                                  <p:childTnLst>
+                                    <p:set>
+                                      <p:cBhvr>
+                                        <p:cTn id="11" dur="1" fill="hold">
+                                          <p:stCondLst>
+                                            <p:cond delay="0"/>
+                                          </p:stCondLst>
+                                        </p:cTn>
+                                        <p:tgtEl>
+                                          <p:spTgt spid="3">
+                                            <p:txEl>
+                                              <p:pRg st="1" end="1"/>
+                                            </p:txEl>
+                                          </p:spTgt>
+                                        </p:tgtEl>
+                                        <p:attrNameLst>
+                                          <p:attrName>style.visibility</p:attrName>
+                                        </p:attrNameLst>
+                                      </p:cBhvr>
+                                      <p:to>
+                                        <p:strVal val="visible"/>
+                                      </p:to>
+                                    </p:set>
+                                    <p:animEffect transition="in" filter="wipe(down)">
+                                      <p:cBhvr>
+                                        <p:cTn id="12" dur="500"/>
+                                        <p:tgtEl>
+                                          <p:spTgt spid="3">
+                                            <p:txEl>
+                                              <p:pRg st="1" end="1"/>
+                                            </p:txEl>
+                                          </p:spTgt>
+                                        </p:tgtEl>
+                                      </p:cBhvr>
+                                    </p:animEffect>
+                                  </p:childTnLst>
+                                </p:cTn>
+                              </p:par>
+                            </p:childTnLst>
+                          </p:cTn>
+                        </p:par>
+                      </p:childTnLst>
+                    </p:cTn>
+                  </p:par>
+                  <p:par>
+                    <p:cTn id="13" fill="hold">
+                      <p:stCondLst>
+                        <p:cond delay="indefinite"/>
+                      </p:stCondLst>
+                      <p:childTnLst>
+                        <p:par>
+                          <p:cTn id="14" fill="hold">
+                            <p:stCondLst>
+                              <p:cond delay="0"/>
+                            </p:stCondLst>
+                            <p:childTnLst>
+                              <p:par>
+                                <p:cTn id="15" presetID="22" presetClass="entr" presetSubtype="4" fill="hold" grpId="0" nodeType="clickEffect">
+                                  <p:stCondLst>
+                                    <p:cond delay="0"/>
+                                  </p:stCondLst>
+                                  <p:childTnLst>
+                                    <p:set>
+                                      <p:cBhvr>
+                                        <p:cTn id="16" dur="1" fill="hold">
+                                          <p:stCondLst>
+                                            <p:cond delay="0"/>
+                                          </p:stCondLst>
+                                        </p:cTn>
+                                        <p:tgtEl>
+                                          <p:spTgt spid="3">
+                                            <p:txEl>
+                                              <p:pRg st="2" end="2"/>
+                                            </p:txEl>
+                                          </p:spTgt>
+                                        </p:tgtEl>
+                                        <p:attrNameLst>
+                                          <p:attrName>style.visibility</p:attrName>
+                                        </p:attrNameLst>
+                                      </p:cBhvr>
+                                      <p:to>
+                                        <p:strVal val="visible"/>
+                                      </p:to>
+                                    </p:set>
+                                    <p:animEffect transition="in" filter="wipe(down)">
+                                      <p:cBhvr>
+                                        <p:cTn id="17" dur="500"/>
+                                        <p:tgtEl>
+                                          <p:spTgt spid="3">
+                                            <p:txEl>
+                                              <p:pRg st="2" end="2"/>
+                                            </p:txEl>
+                                          </p:spTgt>
+                                        </p:tgtEl>
+                                      </p:cBhvr>
+                                    </p:animEffect>
+                                  </p:childTnLst>
+                                </p:cTn>
+                              </p:par>
+                            </p:childTnLst>
+                          </p:cTn>
+                        </p:par>
+                      </p:childTnLst>
+                    </p:cTn>
+                  </p:par>
+                  <p:par>
+                    <p:cTn id="18" fill="hold">
+                      <p:stCondLst>
+                        <p:cond delay="indefinite"/>
+                      </p:stCondLst>
+                      <p:childTnLst>
+                        <p:par>
+                          <p:cTn id="19" fill="hold">
+                            <p:stCondLst>
+                              <p:cond delay="0"/>
+                            </p:stCondLst>
+                            <p:childTnLst>
+                              <p:par>
+                                <p:cTn id="20" presetID="22" presetClass="entr" presetSubtype="4" fill="hold" grpId="0" nodeType="clickEffect">
+                                  <p:stCondLst>
+                                    <p:cond delay="0"/>
+                                  </p:stCondLst>
+                                  <p:childTnLst>
+                                    <p:set>
+                                      <p:cBhvr>
+                                        <p:cTn id="21" dur="1" fill="hold">
+                                          <p:stCondLst>
+                                            <p:cond delay="0"/>
+                                          </p:stCondLst>
+                                        </p:cTn>
+                                        <p:tgtEl>
+                                          <p:spTgt spid="3">
+                                            <p:txEl>
+                                              <p:pRg st="3" end="3"/>
+                                            </p:txEl>
+                                          </p:spTgt>
+                                        </p:tgtEl>
+                                        <p:attrNameLst>
+                                          <p:attrName>style.visibility</p:attrName>
+                                        </p:attrNameLst>
+                                      </p:cBhvr>
+                                      <p:to>
+                                        <p:strVal val="visible"/>
+                                      </p:to>
+                                    </p:set>
+                                    <p:animEffect transition="in" filter="wipe(down)">
+                                      <p:cBhvr>
+                                        <p:cTn id="22" dur="500"/>
+                                        <p:tgtEl>
+                                          <p:spTgt spid="3">
+                                            <p:txEl>
+                                              <p:pRg st="3" end="3"/>
+                                            </p:txEl>
+                                          </p:spTgt>
+                                        </p:tgtEl>
+                                      </p:cBhvr>
+                                    </p:animEffect>
+                                  </p:childTnLst>
+                                </p:cTn>
+                              </p:par>
+                            </p:childTnLst>
+                          </p:cTn>
+                        </p:par>
+                      </p:childTnLst>
+                    </p:cTn>
+                  </p:par>
+                </p:childTnLst>
+              </p:cTn>
+              <p:prevCondLst>
+                <p:cond evt="onPrev" delay="0">
+                  <p:tgtEl>
+                    <p:sldTgt/>
+                  </p:tgtEl>
+                </p:cond>
+              </p:prevCondLst>
+              <p:nextCondLst>
+                <p:cond evt="onNext" delay="0">
+                  <p:tgtEl>
+                    <p:sldTgt/>
+                  </p:tgtEl>
+                </p:cond>
+              </p:nextCondLst>
+            </p:seq>
+          </p:childTnLst>
+        </p:cTn>
+      </p:par>
+    </p:tnLst>
+    <p:bldLst>
+      <p:bldP spid="3" grpId="0" build="p"/>
+    </p:bldLst>
+  </p:timing>
+</p:sld>
+</file>
+
+<file path=ppt/slides/slide15.xml><?xml version="1.0" encoding="utf-8"?>
+<p:sld xmlns:a="http://schemas.openxmlformats.org/drawingml/2006/main" xmlns:r="http://schemas.openxmlformats.org/officeDocument/2006/relationships" xmlns:p="http://schemas.openxmlformats.org/presentationml/2006/main">
+  <p:cSld>
+    <p:spTree>
+      <p:nvGrpSpPr>
+        <p:cNvPr id="1" name=""/>
+        <p:cNvGrpSpPr/>
+        <p:nvPr/>
+      </p:nvGrpSpPr>
+      <p:grpSpPr>
+        <a:xfrm>
+          <a:off x="0" y="0"/>
+          <a:ext cx="0" cy="0"/>
+          <a:chOff x="0" y="0"/>
+          <a:chExt cx="0" cy="0"/>
+        </a:xfrm>
+      </p:grpSpPr>
+      <p:sp>
+        <p:nvSpPr>
           <p:cNvPr id="6" name="Fußzeilenplatzhalter 3">
             <a:extLst>
               <a:ext uri="{FF2B5EF4-FFF2-40B4-BE49-F238E27FC236}">
@@ -24533,7 +25953,7 @@
                 <a:buFontTx/>
                 <a:buNone/>
               </a:pPr>
-              <a:t>13</a:t>
+              <a:t>15</a:t>
             </a:fld>
             <a:endParaRPr lang="de-DE" altLang="de-DE" sz="1100" b="1">
               <a:solidFill>
@@ -25357,7 +26777,7 @@
 </p:sld>
 </file>
 
-<file path=ppt/slides/slide14.xml><?xml version="1.0" encoding="utf-8"?>
+<file path=ppt/slides/slide16.xml><?xml version="1.0" encoding="utf-8"?>
 <p:sld xmlns:a="http://schemas.openxmlformats.org/drawingml/2006/main" xmlns:r="http://schemas.openxmlformats.org/officeDocument/2006/relationships" xmlns:p="http://schemas.openxmlformats.org/presentationml/2006/main">
   <p:cSld>
     <p:spTree>
@@ -25754,7 +27174,7 @@
 </p:sld>
 </file>
 
-<file path=ppt/slides/slide15.xml><?xml version="1.0" encoding="utf-8"?>
+<file path=ppt/slides/slide17.xml><?xml version="1.0" encoding="utf-8"?>
 <p:sld xmlns:a="http://schemas.openxmlformats.org/drawingml/2006/main" xmlns:r="http://schemas.openxmlformats.org/officeDocument/2006/relationships" xmlns:p="http://schemas.openxmlformats.org/presentationml/2006/main">
   <p:cSld>
     <p:spTree>
@@ -26425,7 +27845,7 @@
 </p:sld>
 </file>
 
-<file path=ppt/slides/slide16.xml><?xml version="1.0" encoding="utf-8"?>
+<file path=ppt/slides/slide18.xml><?xml version="1.0" encoding="utf-8"?>
 <p:sld xmlns:a="http://schemas.openxmlformats.org/drawingml/2006/main" xmlns:r="http://schemas.openxmlformats.org/officeDocument/2006/relationships" xmlns:p="http://schemas.openxmlformats.org/presentationml/2006/main">
   <p:cSld>
     <p:spTree>

--- a/Topology-Editor.pptx
+++ b/Topology-Editor.pptx
@@ -5,10 +5,10 @@
     <p:sldMasterId id="2147483657" r:id="rId1"/>
   </p:sldMasterIdLst>
   <p:notesMasterIdLst>
-    <p:notesMasterId r:id="rId20"/>
+    <p:notesMasterId r:id="rId22"/>
   </p:notesMasterIdLst>
   <p:handoutMasterIdLst>
-    <p:handoutMasterId r:id="rId21"/>
+    <p:handoutMasterId r:id="rId23"/>
   </p:handoutMasterIdLst>
   <p:sldIdLst>
     <p:sldId id="256" r:id="rId2"/>
@@ -25,10 +25,12 @@
     <p:sldId id="276" r:id="rId13"/>
     <p:sldId id="277" r:id="rId14"/>
     <p:sldId id="278" r:id="rId15"/>
-    <p:sldId id="263" r:id="rId16"/>
-    <p:sldId id="265" r:id="rId17"/>
-    <p:sldId id="262" r:id="rId18"/>
-    <p:sldId id="274" r:id="rId19"/>
+    <p:sldId id="279" r:id="rId16"/>
+    <p:sldId id="280" r:id="rId17"/>
+    <p:sldId id="263" r:id="rId18"/>
+    <p:sldId id="265" r:id="rId19"/>
+    <p:sldId id="262" r:id="rId20"/>
+    <p:sldId id="274" r:id="rId21"/>
   </p:sldIdLst>
   <p:sldSz cx="9144000" cy="6858000" type="screen4x3"/>
   <p:notesSz cx="6858000" cy="9144000"/>
@@ -4543,8 +4545,8 @@
   </dgm:ptLst>
   <dgm:cxnLst>
     <dgm:cxn modelId="{9075C053-94FF-4A20-B294-A8233963EAEB}" type="presOf" srcId="{EEAD6A1E-9E00-40A4-8663-EE403A9C61C5}" destId="{AB7EED68-1A8A-4F84-9EA5-E26DD249B0FC}" srcOrd="0" destOrd="0" presId="urn:microsoft.com/office/officeart/2005/8/layout/vList2"/>
+    <dgm:cxn modelId="{AFAB6BC8-9B46-4EC3-B1B9-2F447096845B}" srcId="{EEAD6A1E-9E00-40A4-8663-EE403A9C61C5}" destId="{5BD8170D-6914-4F7C-989B-81251EF67F3B}" srcOrd="0" destOrd="0" parTransId="{A91D8662-2E52-4FFB-BFB2-B2CC734DF2A0}" sibTransId="{FEE4E19A-E51A-427D-96AB-7BB792BD8A99}"/>
     <dgm:cxn modelId="{6A0D65AF-9225-498F-AC78-CBE08D155998}" type="presOf" srcId="{5BD8170D-6914-4F7C-989B-81251EF67F3B}" destId="{1590028B-441C-4AF2-A195-E7406520C2FB}" srcOrd="0" destOrd="0" presId="urn:microsoft.com/office/officeart/2005/8/layout/vList2"/>
-    <dgm:cxn modelId="{AFAB6BC8-9B46-4EC3-B1B9-2F447096845B}" srcId="{EEAD6A1E-9E00-40A4-8663-EE403A9C61C5}" destId="{5BD8170D-6914-4F7C-989B-81251EF67F3B}" srcOrd="0" destOrd="0" parTransId="{A91D8662-2E52-4FFB-BFB2-B2CC734DF2A0}" sibTransId="{FEE4E19A-E51A-427D-96AB-7BB792BD8A99}"/>
     <dgm:cxn modelId="{6748F089-D990-45C8-85CE-8A116D17BC5D}" type="presParOf" srcId="{AB7EED68-1A8A-4F84-9EA5-E26DD249B0FC}" destId="{1590028B-441C-4AF2-A195-E7406520C2FB}" srcOrd="0" destOrd="0" presId="urn:microsoft.com/office/officeart/2005/8/layout/vList2"/>
   </dgm:cxnLst>
   <dgm:bg/>
@@ -5412,61 +5414,61 @@
     </dgm:pt>
   </dgm:ptLst>
   <dgm:cxnLst>
+    <dgm:cxn modelId="{C3FB9803-EF08-4F06-8E1E-DEA27C82DF1D}" type="presOf" srcId="{AE952CBC-AFBB-46D7-9562-B6107CA30E37}" destId="{A0DFDC1B-77C7-48EB-A021-78AA69786ADD}" srcOrd="0" destOrd="3" presId="urn:microsoft.com/office/officeart/2005/8/layout/venn1"/>
+    <dgm:cxn modelId="{A78C7EA7-1230-40E6-BDA7-3A1024414BC4}" type="presOf" srcId="{0D9103D6-0E0B-4A01-A0C2-A3D312E3F222}" destId="{23A5DA59-5A2F-44EA-A611-B33241847054}" srcOrd="1" destOrd="1" presId="urn:microsoft.com/office/officeart/2005/8/layout/venn1"/>
     <dgm:cxn modelId="{D5854DC4-F81A-4FA2-80DB-7C7DBD12B42B}" srcId="{8FFAAD93-093A-4643-8666-6592133D5148}" destId="{B91FAD6A-8684-422F-8011-C8437909F67A}" srcOrd="1" destOrd="0" parTransId="{A792254C-7132-40A7-AE58-4421DC5EC861}" sibTransId="{2C588BD9-162A-4022-AF7B-2B78D08FB1DD}"/>
-    <dgm:cxn modelId="{C3FB9803-EF08-4F06-8E1E-DEA27C82DF1D}" type="presOf" srcId="{AE952CBC-AFBB-46D7-9562-B6107CA30E37}" destId="{A0DFDC1B-77C7-48EB-A021-78AA69786ADD}" srcOrd="0" destOrd="3" presId="urn:microsoft.com/office/officeart/2005/8/layout/venn1"/>
+    <dgm:cxn modelId="{0293A3AF-4ACB-4C8F-BB88-94B74219B65D}" type="presOf" srcId="{C43C6B0E-82E8-459E-90D3-8FA28CDB9FEB}" destId="{23A5DA59-5A2F-44EA-A611-B33241847054}" srcOrd="1" destOrd="0" presId="urn:microsoft.com/office/officeart/2005/8/layout/venn1"/>
+    <dgm:cxn modelId="{AB854BEB-DA56-4C77-A7A8-11C935F1A966}" type="presOf" srcId="{E8D6131E-3A0B-413C-A175-032074A7C8CD}" destId="{9FF6521E-F963-4CC7-985F-8DE096D1D719}" srcOrd="1" destOrd="0" presId="urn:microsoft.com/office/officeart/2005/8/layout/venn1"/>
+    <dgm:cxn modelId="{C1E0688A-C9FB-4CCF-9970-AAA0AB97FED8}" type="presOf" srcId="{9E1FD446-4E0A-4888-B45A-C24376B4CA33}" destId="{23A5DA59-5A2F-44EA-A611-B33241847054}" srcOrd="1" destOrd="3" presId="urn:microsoft.com/office/officeart/2005/8/layout/venn1"/>
+    <dgm:cxn modelId="{A79E1CD5-A539-40D4-85A5-EC2DD800039B}" type="presOf" srcId="{CD3BB932-1D7F-411F-8971-F6ADE642AEF2}" destId="{0B0A4924-9448-4041-80D8-5133D77B1EF8}" srcOrd="0" destOrd="4" presId="urn:microsoft.com/office/officeart/2005/8/layout/venn1"/>
+    <dgm:cxn modelId="{12EB0213-BF67-4F4A-98AE-8BC4CEC58680}" srcId="{E8D6131E-3A0B-413C-A175-032074A7C8CD}" destId="{345FF024-0154-4AED-8D4F-D740CFF56DB4}" srcOrd="1" destOrd="0" parTransId="{DED5F523-A82A-4921-BEC4-CB77633F1A18}" sibTransId="{34246D6E-C3F0-4E13-8467-9BD04A8E94B2}"/>
+    <dgm:cxn modelId="{4C641434-2AFA-445A-A904-B27E1D3B8AFD}" srcId="{0266A603-8232-4D71-B200-E5FE68D18F3F}" destId="{C43C6B0E-82E8-459E-90D3-8FA28CDB9FEB}" srcOrd="2" destOrd="0" parTransId="{3A02CFBF-18DC-449F-9D07-D592D03DB4B9}" sibTransId="{BA408F00-8943-4CF4-A1AE-2FE0384E996C}"/>
     <dgm:cxn modelId="{1957E67E-0C8E-493C-83AE-20E4C7127FB6}" type="presOf" srcId="{FC92CE58-B219-47E7-B200-5C27E4A0F990}" destId="{59C231A3-4399-47E1-89DF-1C7125294808}" srcOrd="0" destOrd="5" presId="urn:microsoft.com/office/officeart/2005/8/layout/venn1"/>
-    <dgm:cxn modelId="{3E7A1EBC-B8FF-4903-A794-99A63AA373B7}" srcId="{8FFAAD93-093A-4643-8666-6592133D5148}" destId="{FC4407A3-4517-45E9-A03A-4F0190D76EDC}" srcOrd="0" destOrd="0" parTransId="{CCF611A2-4C28-4056-95E0-BC1D65ECB54B}" sibTransId="{C2E3399E-AAEE-4906-8423-00867DEEE52B}"/>
+    <dgm:cxn modelId="{451FA8C3-F2C2-4934-9710-54746AB631D6}" type="presOf" srcId="{9997303C-1FFF-4B91-BAB7-2DA3BF7A2831}" destId="{9FF6521E-F963-4CC7-985F-8DE096D1D719}" srcOrd="1" destOrd="1" presId="urn:microsoft.com/office/officeart/2005/8/layout/venn1"/>
+    <dgm:cxn modelId="{0797F2B3-6251-47F4-BFB8-9C22FB837E90}" type="presOf" srcId="{8FFAAD93-093A-4643-8666-6592133D5148}" destId="{05A04829-3ADD-4A0E-AF44-AFC6C6576FCC}" srcOrd="1" destOrd="0" presId="urn:microsoft.com/office/officeart/2005/8/layout/venn1"/>
+    <dgm:cxn modelId="{6EF51F9D-9EDD-45E2-81C9-3886726A9979}" type="presOf" srcId="{4A47A56A-111E-4E82-BB41-959D8C716F07}" destId="{9FF6521E-F963-4CC7-985F-8DE096D1D719}" srcOrd="1" destOrd="4" presId="urn:microsoft.com/office/officeart/2005/8/layout/venn1"/>
+    <dgm:cxn modelId="{0BB89B71-3713-4C02-8B24-5D365C3BA271}" srcId="{C43C6B0E-82E8-459E-90D3-8FA28CDB9FEB}" destId="{9E1FD446-4E0A-4888-B45A-C24376B4CA33}" srcOrd="2" destOrd="0" parTransId="{D3BCD53E-21F0-48B8-BC8A-C4599C850072}" sibTransId="{07FB338E-75D2-45C3-8256-12C1B078B611}"/>
+    <dgm:cxn modelId="{257BAFCB-0E0B-4A74-8E02-4D534F4BD4B8}" type="presOf" srcId="{345FF024-0154-4AED-8D4F-D740CFF56DB4}" destId="{9FF6521E-F963-4CC7-985F-8DE096D1D719}" srcOrd="1" destOrd="2" presId="urn:microsoft.com/office/officeart/2005/8/layout/venn1"/>
+    <dgm:cxn modelId="{CD6BC852-AEF1-4685-B23B-68EF73B1EF2C}" srcId="{C43C6B0E-82E8-459E-90D3-8FA28CDB9FEB}" destId="{2FEA0FE4-34BA-4CAD-A918-D2CC4C70FC09}" srcOrd="4" destOrd="0" parTransId="{34ED3A9A-8E79-4098-8385-4C66C655F964}" sibTransId="{843ABC16-560E-4351-8957-CD859503BAA4}"/>
     <dgm:cxn modelId="{11CFA841-1C7B-459D-A9DD-20E73F9B1700}" type="presOf" srcId="{E8D6131E-3A0B-413C-A175-032074A7C8CD}" destId="{A0DFDC1B-77C7-48EB-A021-78AA69786ADD}" srcOrd="0" destOrd="0" presId="urn:microsoft.com/office/officeart/2005/8/layout/venn1"/>
-    <dgm:cxn modelId="{FD02E0E9-09A3-473A-808B-F01E4D57FE2A}" type="presOf" srcId="{FC4407A3-4517-45E9-A03A-4F0190D76EDC}" destId="{05A04829-3ADD-4A0E-AF44-AFC6C6576FCC}" srcOrd="1" destOrd="1" presId="urn:microsoft.com/office/officeart/2005/8/layout/venn1"/>
-    <dgm:cxn modelId="{C1E0688A-C9FB-4CCF-9970-AAA0AB97FED8}" type="presOf" srcId="{9E1FD446-4E0A-4888-B45A-C24376B4CA33}" destId="{23A5DA59-5A2F-44EA-A611-B33241847054}" srcOrd="1" destOrd="3" presId="urn:microsoft.com/office/officeart/2005/8/layout/venn1"/>
-    <dgm:cxn modelId="{257BAFCB-0E0B-4A74-8E02-4D534F4BD4B8}" type="presOf" srcId="{345FF024-0154-4AED-8D4F-D740CFF56DB4}" destId="{9FF6521E-F963-4CC7-985F-8DE096D1D719}" srcOrd="1" destOrd="2" presId="urn:microsoft.com/office/officeart/2005/8/layout/venn1"/>
-    <dgm:cxn modelId="{15272A7C-2627-495B-AABC-9C936DD8F01C}" type="presOf" srcId="{0D9103D6-0E0B-4A01-A0C2-A3D312E3F222}" destId="{0B0A4924-9448-4041-80D8-5133D77B1EF8}" srcOrd="0" destOrd="1" presId="urn:microsoft.com/office/officeart/2005/8/layout/venn1"/>
-    <dgm:cxn modelId="{E09F531A-CD92-441D-96EB-680FED7EC68E}" type="presOf" srcId="{B91FAD6A-8684-422F-8011-C8437909F67A}" destId="{59C231A3-4399-47E1-89DF-1C7125294808}" srcOrd="0" destOrd="2" presId="urn:microsoft.com/office/officeart/2005/8/layout/venn1"/>
-    <dgm:cxn modelId="{3590A3BD-A98F-47F8-AC91-1B3EAC8CE1A1}" type="presOf" srcId="{C43C6B0E-82E8-459E-90D3-8FA28CDB9FEB}" destId="{0B0A4924-9448-4041-80D8-5133D77B1EF8}" srcOrd="0" destOrd="0" presId="urn:microsoft.com/office/officeart/2005/8/layout/venn1"/>
-    <dgm:cxn modelId="{0797F2B3-6251-47F4-BFB8-9C22FB837E90}" type="presOf" srcId="{8FFAAD93-093A-4643-8666-6592133D5148}" destId="{05A04829-3ADD-4A0E-AF44-AFC6C6576FCC}" srcOrd="1" destOrd="0" presId="urn:microsoft.com/office/officeart/2005/8/layout/venn1"/>
-    <dgm:cxn modelId="{FCC1E85C-8D8F-4801-A8FC-41D62D5A5514}" srcId="{E8D6131E-3A0B-413C-A175-032074A7C8CD}" destId="{9997303C-1FFF-4B91-BAB7-2DA3BF7A2831}" srcOrd="0" destOrd="0" parTransId="{EF0D375C-04B7-4798-8AEF-201C8B6E85F3}" sibTransId="{19E359EB-905A-4BC4-97E0-B01B85EE99BD}"/>
     <dgm:cxn modelId="{DDD97535-BB86-4EE5-A9DF-CFE0EB2F8521}" type="presOf" srcId="{FC92CE58-B219-47E7-B200-5C27E4A0F990}" destId="{05A04829-3ADD-4A0E-AF44-AFC6C6576FCC}" srcOrd="1" destOrd="5" presId="urn:microsoft.com/office/officeart/2005/8/layout/venn1"/>
-    <dgm:cxn modelId="{70F6C2B7-91C8-4E55-A360-171B2B5B137B}" type="presOf" srcId="{2FEA0FE4-34BA-4CAD-A918-D2CC4C70FC09}" destId="{0B0A4924-9448-4041-80D8-5133D77B1EF8}" srcOrd="0" destOrd="5" presId="urn:microsoft.com/office/officeart/2005/8/layout/venn1"/>
-    <dgm:cxn modelId="{E0D1A9B3-DB83-45E4-908B-8F02C3F1AC9D}" type="presOf" srcId="{9997303C-1FFF-4B91-BAB7-2DA3BF7A2831}" destId="{A0DFDC1B-77C7-48EB-A021-78AA69786ADD}" srcOrd="0" destOrd="1" presId="urn:microsoft.com/office/officeart/2005/8/layout/venn1"/>
-    <dgm:cxn modelId="{97851D67-2952-4049-AD5B-21A115667EEA}" type="presOf" srcId="{9E1FD446-4E0A-4888-B45A-C24376B4CA33}" destId="{0B0A4924-9448-4041-80D8-5133D77B1EF8}" srcOrd="0" destOrd="3" presId="urn:microsoft.com/office/officeart/2005/8/layout/venn1"/>
-    <dgm:cxn modelId="{451FA8C3-F2C2-4934-9710-54746AB631D6}" type="presOf" srcId="{9997303C-1FFF-4B91-BAB7-2DA3BF7A2831}" destId="{9FF6521E-F963-4CC7-985F-8DE096D1D719}" srcOrd="1" destOrd="1" presId="urn:microsoft.com/office/officeart/2005/8/layout/venn1"/>
-    <dgm:cxn modelId="{EE3B88FC-5ECD-4AD8-8CA9-190CF339DA5D}" srcId="{8FFAAD93-093A-4643-8666-6592133D5148}" destId="{2CA1279D-C9E1-4254-95B4-AAC304B533A6}" srcOrd="2" destOrd="0" parTransId="{C33A9CFA-7161-4DFD-98CC-F13EDE82F84E}" sibTransId="{24EB42A6-9060-443B-B971-035EC8ADC523}"/>
+    <dgm:cxn modelId="{4A3E203D-EF88-463B-BFF5-F18F17A13201}" srcId="{C43C6B0E-82E8-459E-90D3-8FA28CDB9FEB}" destId="{CD3BB932-1D7F-411F-8971-F6ADE642AEF2}" srcOrd="3" destOrd="0" parTransId="{A2EFBDA0-4BB4-4A00-B9FC-4E9D544F850F}" sibTransId="{A423818E-CA79-49E2-9AB4-DDC02DE50575}"/>
     <dgm:cxn modelId="{BF2C2474-CB8C-423F-8679-13C4E153F4D6}" type="presOf" srcId="{4A47A56A-111E-4E82-BB41-959D8C716F07}" destId="{A0DFDC1B-77C7-48EB-A021-78AA69786ADD}" srcOrd="0" destOrd="4" presId="urn:microsoft.com/office/officeart/2005/8/layout/venn1"/>
     <dgm:cxn modelId="{80506249-D989-4ED3-BB63-0DA863A8703E}" type="presOf" srcId="{1D17ADD5-EDE9-4D10-B8FE-B9BEDF47454D}" destId="{A0DFDC1B-77C7-48EB-A021-78AA69786ADD}" srcOrd="0" destOrd="5" presId="urn:microsoft.com/office/officeart/2005/8/layout/venn1"/>
-    <dgm:cxn modelId="{12EB0213-BF67-4F4A-98AE-8BC4CEC58680}" srcId="{E8D6131E-3A0B-413C-A175-032074A7C8CD}" destId="{345FF024-0154-4AED-8D4F-D740CFF56DB4}" srcOrd="1" destOrd="0" parTransId="{DED5F523-A82A-4921-BEC4-CB77633F1A18}" sibTransId="{34246D6E-C3F0-4E13-8467-9BD04A8E94B2}"/>
+    <dgm:cxn modelId="{E09F531A-CD92-441D-96EB-680FED7EC68E}" type="presOf" srcId="{B91FAD6A-8684-422F-8011-C8437909F67A}" destId="{59C231A3-4399-47E1-89DF-1C7125294808}" srcOrd="0" destOrd="2" presId="urn:microsoft.com/office/officeart/2005/8/layout/venn1"/>
+    <dgm:cxn modelId="{DA1A8607-4CBA-41DE-9E7B-D89BDDFA81A3}" type="presOf" srcId="{15CBFCD6-3559-44E7-834A-375076522B1E}" destId="{0B0A4924-9448-4041-80D8-5133D77B1EF8}" srcOrd="0" destOrd="2" presId="urn:microsoft.com/office/officeart/2005/8/layout/venn1"/>
+    <dgm:cxn modelId="{09BF0CC4-F5A7-42ED-A5D3-BB6B3A7218EB}" type="presOf" srcId="{2CA1279D-C9E1-4254-95B4-AAC304B533A6}" destId="{05A04829-3ADD-4A0E-AF44-AFC6C6576FCC}" srcOrd="1" destOrd="3" presId="urn:microsoft.com/office/officeart/2005/8/layout/venn1"/>
+    <dgm:cxn modelId="{36391700-0362-45E5-86EA-8CA66C74C9B6}" type="presOf" srcId="{8FFAAD93-093A-4643-8666-6592133D5148}" destId="{59C231A3-4399-47E1-89DF-1C7125294808}" srcOrd="0" destOrd="0" presId="urn:microsoft.com/office/officeart/2005/8/layout/venn1"/>
+    <dgm:cxn modelId="{939FBD9F-3DCE-4621-9E2D-7239689574A6}" type="presOf" srcId="{CD3BB932-1D7F-411F-8971-F6ADE642AEF2}" destId="{23A5DA59-5A2F-44EA-A611-B33241847054}" srcOrd="1" destOrd="4" presId="urn:microsoft.com/office/officeart/2005/8/layout/venn1"/>
+    <dgm:cxn modelId="{579AB135-88FB-4CCA-BA8D-32F30557EE0D}" type="presOf" srcId="{2CA1279D-C9E1-4254-95B4-AAC304B533A6}" destId="{59C231A3-4399-47E1-89DF-1C7125294808}" srcOrd="0" destOrd="3" presId="urn:microsoft.com/office/officeart/2005/8/layout/venn1"/>
+    <dgm:cxn modelId="{266EFA1E-A305-4EE5-A882-4848E508A991}" type="presOf" srcId="{2FEA0FE4-34BA-4CAD-A918-D2CC4C70FC09}" destId="{23A5DA59-5A2F-44EA-A611-B33241847054}" srcOrd="1" destOrd="5" presId="urn:microsoft.com/office/officeart/2005/8/layout/venn1"/>
     <dgm:cxn modelId="{378A8F0D-0AC3-4D7A-8286-7AE1F1CB9A4D}" type="presOf" srcId="{AE952CBC-AFBB-46D7-9562-B6107CA30E37}" destId="{9FF6521E-F963-4CC7-985F-8DE096D1D719}" srcOrd="1" destOrd="3" presId="urn:microsoft.com/office/officeart/2005/8/layout/venn1"/>
-    <dgm:cxn modelId="{36391700-0362-45E5-86EA-8CA66C74C9B6}" type="presOf" srcId="{8FFAAD93-093A-4643-8666-6592133D5148}" destId="{59C231A3-4399-47E1-89DF-1C7125294808}" srcOrd="0" destOrd="0" presId="urn:microsoft.com/office/officeart/2005/8/layout/venn1"/>
-    <dgm:cxn modelId="{266EFA1E-A305-4EE5-A882-4848E508A991}" type="presOf" srcId="{2FEA0FE4-34BA-4CAD-A918-D2CC4C70FC09}" destId="{23A5DA59-5A2F-44EA-A611-B33241847054}" srcOrd="1" destOrd="5" presId="urn:microsoft.com/office/officeart/2005/8/layout/venn1"/>
+    <dgm:cxn modelId="{98EB3BC1-3459-49EB-B008-68B127B2329B}" srcId="{E8D6131E-3A0B-413C-A175-032074A7C8CD}" destId="{1D17ADD5-EDE9-4D10-B8FE-B9BEDF47454D}" srcOrd="4" destOrd="0" parTransId="{49E298D7-1760-4CAC-8C82-F847AF980F72}" sibTransId="{62913C03-8430-4F72-881A-A1298FFEAFD9}"/>
+    <dgm:cxn modelId="{9D7A6090-F586-49A2-A90C-12ED958EC70E}" type="presOf" srcId="{1D17ADD5-EDE9-4D10-B8FE-B9BEDF47454D}" destId="{9FF6521E-F963-4CC7-985F-8DE096D1D719}" srcOrd="1" destOrd="5" presId="urn:microsoft.com/office/officeart/2005/8/layout/venn1"/>
+    <dgm:cxn modelId="{735EE164-1F70-40B0-9FCB-70FB09CB7C2D}" type="presOf" srcId="{15CBFCD6-3559-44E7-834A-375076522B1E}" destId="{23A5DA59-5A2F-44EA-A611-B33241847054}" srcOrd="1" destOrd="2" presId="urn:microsoft.com/office/officeart/2005/8/layout/venn1"/>
+    <dgm:cxn modelId="{3E7A1EBC-B8FF-4903-A794-99A63AA373B7}" srcId="{8FFAAD93-093A-4643-8666-6592133D5148}" destId="{FC4407A3-4517-45E9-A03A-4F0190D76EDC}" srcOrd="0" destOrd="0" parTransId="{CCF611A2-4C28-4056-95E0-BC1D65ECB54B}" sibTransId="{C2E3399E-AAEE-4906-8423-00867DEEE52B}"/>
+    <dgm:cxn modelId="{2AE0BB2C-D3BA-4191-8DA9-349466BA091C}" srcId="{0266A603-8232-4D71-B200-E5FE68D18F3F}" destId="{8FFAAD93-093A-4643-8666-6592133D5148}" srcOrd="0" destOrd="0" parTransId="{0EF3D4AB-DF62-4B12-9E7C-B625D3E22117}" sibTransId="{DD346E06-9D81-468D-B484-5A437B8B67C8}"/>
+    <dgm:cxn modelId="{7A2FDA00-A953-4B39-9EFF-4175B7C7C32C}" type="presOf" srcId="{FC4407A3-4517-45E9-A03A-4F0190D76EDC}" destId="{59C231A3-4399-47E1-89DF-1C7125294808}" srcOrd="0" destOrd="1" presId="urn:microsoft.com/office/officeart/2005/8/layout/venn1"/>
+    <dgm:cxn modelId="{E0D1A9B3-DB83-45E4-908B-8F02C3F1AC9D}" type="presOf" srcId="{9997303C-1FFF-4B91-BAB7-2DA3BF7A2831}" destId="{A0DFDC1B-77C7-48EB-A021-78AA69786ADD}" srcOrd="0" destOrd="1" presId="urn:microsoft.com/office/officeart/2005/8/layout/venn1"/>
+    <dgm:cxn modelId="{FD02E0E9-09A3-473A-808B-F01E4D57FE2A}" type="presOf" srcId="{FC4407A3-4517-45E9-A03A-4F0190D76EDC}" destId="{05A04829-3ADD-4A0E-AF44-AFC6C6576FCC}" srcOrd="1" destOrd="1" presId="urn:microsoft.com/office/officeart/2005/8/layout/venn1"/>
+    <dgm:cxn modelId="{C687215A-9BA5-46D3-8880-2F277B629C47}" type="presOf" srcId="{B91FAD6A-8684-422F-8011-C8437909F67A}" destId="{05A04829-3ADD-4A0E-AF44-AFC6C6576FCC}" srcOrd="1" destOrd="2" presId="urn:microsoft.com/office/officeart/2005/8/layout/venn1"/>
+    <dgm:cxn modelId="{92FAAEB1-ED8B-4322-85F6-49BE2975C0A7}" srcId="{8FFAAD93-093A-4643-8666-6592133D5148}" destId="{FC92CE58-B219-47E7-B200-5C27E4A0F990}" srcOrd="4" destOrd="0" parTransId="{6B3440AC-FF9F-49AC-9EED-52367445DD2B}" sibTransId="{E4DA5AAC-EC3E-4EED-B347-9097D05713F8}"/>
     <dgm:cxn modelId="{6BD60790-1B6B-4099-8027-E518E7AACB14}" type="presOf" srcId="{0266A603-8232-4D71-B200-E5FE68D18F3F}" destId="{11300E79-F0C0-45BF-A27C-36DBA708EADA}" srcOrd="0" destOrd="0" presId="urn:microsoft.com/office/officeart/2005/8/layout/venn1"/>
-    <dgm:cxn modelId="{AB854BEB-DA56-4C77-A7A8-11C935F1A966}" type="presOf" srcId="{E8D6131E-3A0B-413C-A175-032074A7C8CD}" destId="{9FF6521E-F963-4CC7-985F-8DE096D1D719}" srcOrd="1" destOrd="0" presId="urn:microsoft.com/office/officeart/2005/8/layout/venn1"/>
-    <dgm:cxn modelId="{DA1A8607-4CBA-41DE-9E7B-D89BDDFA81A3}" type="presOf" srcId="{15CBFCD6-3559-44E7-834A-375076522B1E}" destId="{0B0A4924-9448-4041-80D8-5133D77B1EF8}" srcOrd="0" destOrd="2" presId="urn:microsoft.com/office/officeart/2005/8/layout/venn1"/>
-    <dgm:cxn modelId="{6EF51F9D-9EDD-45E2-81C9-3886726A9979}" type="presOf" srcId="{4A47A56A-111E-4E82-BB41-959D8C716F07}" destId="{9FF6521E-F963-4CC7-985F-8DE096D1D719}" srcOrd="1" destOrd="4" presId="urn:microsoft.com/office/officeart/2005/8/layout/venn1"/>
-    <dgm:cxn modelId="{735EE164-1F70-40B0-9FCB-70FB09CB7C2D}" type="presOf" srcId="{15CBFCD6-3559-44E7-834A-375076522B1E}" destId="{23A5DA59-5A2F-44EA-A611-B33241847054}" srcOrd="1" destOrd="2" presId="urn:microsoft.com/office/officeart/2005/8/layout/venn1"/>
-    <dgm:cxn modelId="{579AB135-88FB-4CCA-BA8D-32F30557EE0D}" type="presOf" srcId="{2CA1279D-C9E1-4254-95B4-AAC304B533A6}" destId="{59C231A3-4399-47E1-89DF-1C7125294808}" srcOrd="0" destOrd="3" presId="urn:microsoft.com/office/officeart/2005/8/layout/venn1"/>
-    <dgm:cxn modelId="{98EB3BC1-3459-49EB-B008-68B127B2329B}" srcId="{E8D6131E-3A0B-413C-A175-032074A7C8CD}" destId="{1D17ADD5-EDE9-4D10-B8FE-B9BEDF47454D}" srcOrd="4" destOrd="0" parTransId="{49E298D7-1760-4CAC-8C82-F847AF980F72}" sibTransId="{62913C03-8430-4F72-881A-A1298FFEAFD9}"/>
-    <dgm:cxn modelId="{A78C7EA7-1230-40E6-BDA7-3A1024414BC4}" type="presOf" srcId="{0D9103D6-0E0B-4A01-A0C2-A3D312E3F222}" destId="{23A5DA59-5A2F-44EA-A611-B33241847054}" srcOrd="1" destOrd="1" presId="urn:microsoft.com/office/officeart/2005/8/layout/venn1"/>
-    <dgm:cxn modelId="{09BF0CC4-F5A7-42ED-A5D3-BB6B3A7218EB}" type="presOf" srcId="{2CA1279D-C9E1-4254-95B4-AAC304B533A6}" destId="{05A04829-3ADD-4A0E-AF44-AFC6C6576FCC}" srcOrd="1" destOrd="3" presId="urn:microsoft.com/office/officeart/2005/8/layout/venn1"/>
-    <dgm:cxn modelId="{0BB89B71-3713-4C02-8B24-5D365C3BA271}" srcId="{C43C6B0E-82E8-459E-90D3-8FA28CDB9FEB}" destId="{9E1FD446-4E0A-4888-B45A-C24376B4CA33}" srcOrd="2" destOrd="0" parTransId="{D3BCD53E-21F0-48B8-BC8A-C4599C850072}" sibTransId="{07FB338E-75D2-45C3-8256-12C1B078B611}"/>
-    <dgm:cxn modelId="{9D7A6090-F586-49A2-A90C-12ED958EC70E}" type="presOf" srcId="{1D17ADD5-EDE9-4D10-B8FE-B9BEDF47454D}" destId="{9FF6521E-F963-4CC7-985F-8DE096D1D719}" srcOrd="1" destOrd="5" presId="urn:microsoft.com/office/officeart/2005/8/layout/venn1"/>
-    <dgm:cxn modelId="{37A01DFE-0964-4EB6-B04C-56427628D6EC}" srcId="{C43C6B0E-82E8-459E-90D3-8FA28CDB9FEB}" destId="{0D9103D6-0E0B-4A01-A0C2-A3D312E3F222}" srcOrd="0" destOrd="0" parTransId="{A1D0069F-1988-48C8-9FEA-319C7287A0B3}" sibTransId="{1AF917AA-981D-4B16-9E8E-BA24B49D4365}"/>
-    <dgm:cxn modelId="{7A2FDA00-A953-4B39-9EFF-4175B7C7C32C}" type="presOf" srcId="{FC4407A3-4517-45E9-A03A-4F0190D76EDC}" destId="{59C231A3-4399-47E1-89DF-1C7125294808}" srcOrd="0" destOrd="1" presId="urn:microsoft.com/office/officeart/2005/8/layout/venn1"/>
+    <dgm:cxn modelId="{033B3695-04DD-4CD9-9766-B5B9B21B8F5F}" type="presOf" srcId="{345FF024-0154-4AED-8D4F-D740CFF56DB4}" destId="{A0DFDC1B-77C7-48EB-A021-78AA69786ADD}" srcOrd="0" destOrd="2" presId="urn:microsoft.com/office/officeart/2005/8/layout/venn1"/>
+    <dgm:cxn modelId="{3590A3BD-A98F-47F8-AC91-1B3EAC8CE1A1}" type="presOf" srcId="{C43C6B0E-82E8-459E-90D3-8FA28CDB9FEB}" destId="{0B0A4924-9448-4041-80D8-5133D77B1EF8}" srcOrd="0" destOrd="0" presId="urn:microsoft.com/office/officeart/2005/8/layout/venn1"/>
+    <dgm:cxn modelId="{2848FFBA-90DC-4F48-9B44-D6DC5B6B9336}" srcId="{8FFAAD93-093A-4643-8666-6592133D5148}" destId="{68992B54-EE22-4748-A406-5444F4DDFCCB}" srcOrd="3" destOrd="0" parTransId="{A496F618-DE23-49F6-840B-6DE3EB5CD77E}" sibTransId="{8E00248D-6041-4A16-AC78-3F21D236E2FB}"/>
     <dgm:cxn modelId="{016688EA-F4C6-426D-B6A7-2BED57046B26}" type="presOf" srcId="{68992B54-EE22-4748-A406-5444F4DDFCCB}" destId="{05A04829-3ADD-4A0E-AF44-AFC6C6576FCC}" srcOrd="1" destOrd="4" presId="urn:microsoft.com/office/officeart/2005/8/layout/venn1"/>
-    <dgm:cxn modelId="{2848FFBA-90DC-4F48-9B44-D6DC5B6B9336}" srcId="{8FFAAD93-093A-4643-8666-6592133D5148}" destId="{68992B54-EE22-4748-A406-5444F4DDFCCB}" srcOrd="3" destOrd="0" parTransId="{A496F618-DE23-49F6-840B-6DE3EB5CD77E}" sibTransId="{8E00248D-6041-4A16-AC78-3F21D236E2FB}"/>
-    <dgm:cxn modelId="{92FAAEB1-ED8B-4322-85F6-49BE2975C0A7}" srcId="{8FFAAD93-093A-4643-8666-6592133D5148}" destId="{FC92CE58-B219-47E7-B200-5C27E4A0F990}" srcOrd="4" destOrd="0" parTransId="{6B3440AC-FF9F-49AC-9EED-52367445DD2B}" sibTransId="{E4DA5AAC-EC3E-4EED-B347-9097D05713F8}"/>
-    <dgm:cxn modelId="{4A3E203D-EF88-463B-BFF5-F18F17A13201}" srcId="{C43C6B0E-82E8-459E-90D3-8FA28CDB9FEB}" destId="{CD3BB932-1D7F-411F-8971-F6ADE642AEF2}" srcOrd="3" destOrd="0" parTransId="{A2EFBDA0-4BB4-4A00-B9FC-4E9D544F850F}" sibTransId="{A423818E-CA79-49E2-9AB4-DDC02DE50575}"/>
-    <dgm:cxn modelId="{2AE0BB2C-D3BA-4191-8DA9-349466BA091C}" srcId="{0266A603-8232-4D71-B200-E5FE68D18F3F}" destId="{8FFAAD93-093A-4643-8666-6592133D5148}" srcOrd="0" destOrd="0" parTransId="{0EF3D4AB-DF62-4B12-9E7C-B625D3E22117}" sibTransId="{DD346E06-9D81-468D-B484-5A437B8B67C8}"/>
-    <dgm:cxn modelId="{CD6BC852-AEF1-4685-B23B-68EF73B1EF2C}" srcId="{C43C6B0E-82E8-459E-90D3-8FA28CDB9FEB}" destId="{2FEA0FE4-34BA-4CAD-A918-D2CC4C70FC09}" srcOrd="4" destOrd="0" parTransId="{34ED3A9A-8E79-4098-8385-4C66C655F964}" sibTransId="{843ABC16-560E-4351-8957-CD859503BAA4}"/>
-    <dgm:cxn modelId="{0293A3AF-4ACB-4C8F-BB88-94B74219B65D}" type="presOf" srcId="{C43C6B0E-82E8-459E-90D3-8FA28CDB9FEB}" destId="{23A5DA59-5A2F-44EA-A611-B33241847054}" srcOrd="1" destOrd="0" presId="urn:microsoft.com/office/officeart/2005/8/layout/venn1"/>
-    <dgm:cxn modelId="{A79E1CD5-A539-40D4-85A5-EC2DD800039B}" type="presOf" srcId="{CD3BB932-1D7F-411F-8971-F6ADE642AEF2}" destId="{0B0A4924-9448-4041-80D8-5133D77B1EF8}" srcOrd="0" destOrd="4" presId="urn:microsoft.com/office/officeart/2005/8/layout/venn1"/>
-    <dgm:cxn modelId="{C687215A-9BA5-46D3-8880-2F277B629C47}" type="presOf" srcId="{B91FAD6A-8684-422F-8011-C8437909F67A}" destId="{05A04829-3ADD-4A0E-AF44-AFC6C6576FCC}" srcOrd="1" destOrd="2" presId="urn:microsoft.com/office/officeart/2005/8/layout/venn1"/>
-    <dgm:cxn modelId="{24B569E6-0410-4E6E-B3A9-29B8018766C1}" srcId="{E8D6131E-3A0B-413C-A175-032074A7C8CD}" destId="{AE952CBC-AFBB-46D7-9562-B6107CA30E37}" srcOrd="2" destOrd="0" parTransId="{CFCFF80A-CA68-48D7-9E16-EFC0C7511E83}" sibTransId="{5C9DCE54-BFC6-4A9B-9B5E-6A10CBFF0DAF}"/>
     <dgm:cxn modelId="{300E2264-29DE-4C65-AB6C-FC5FDE9551AA}" srcId="{E8D6131E-3A0B-413C-A175-032074A7C8CD}" destId="{4A47A56A-111E-4E82-BB41-959D8C716F07}" srcOrd="3" destOrd="0" parTransId="{2B8AEA3B-1339-4898-A438-20A76057A93C}" sibTransId="{E716280C-071B-4151-8DB0-FA8E7410CBDC}"/>
     <dgm:cxn modelId="{1543BB28-2793-43C8-993A-8A943AF4481F}" srcId="{C43C6B0E-82E8-459E-90D3-8FA28CDB9FEB}" destId="{15CBFCD6-3559-44E7-834A-375076522B1E}" srcOrd="1" destOrd="0" parTransId="{2BDC8AB9-9099-48BF-8978-2CCF0FE0092B}" sibTransId="{96C5A207-380A-4897-BC7D-08AA38B8E6E0}"/>
+    <dgm:cxn modelId="{FCC1E85C-8D8F-4801-A8FC-41D62D5A5514}" srcId="{E8D6131E-3A0B-413C-A175-032074A7C8CD}" destId="{9997303C-1FFF-4B91-BAB7-2DA3BF7A2831}" srcOrd="0" destOrd="0" parTransId="{EF0D375C-04B7-4798-8AEF-201C8B6E85F3}" sibTransId="{19E359EB-905A-4BC4-97E0-B01B85EE99BD}"/>
+    <dgm:cxn modelId="{E776B5F9-0396-4747-8A77-F236C3D5FEC4}" type="presOf" srcId="{68992B54-EE22-4748-A406-5444F4DDFCCB}" destId="{59C231A3-4399-47E1-89DF-1C7125294808}" srcOrd="0" destOrd="4" presId="urn:microsoft.com/office/officeart/2005/8/layout/venn1"/>
+    <dgm:cxn modelId="{37A01DFE-0964-4EB6-B04C-56427628D6EC}" srcId="{C43C6B0E-82E8-459E-90D3-8FA28CDB9FEB}" destId="{0D9103D6-0E0B-4A01-A0C2-A3D312E3F222}" srcOrd="0" destOrd="0" parTransId="{A1D0069F-1988-48C8-9FEA-319C7287A0B3}" sibTransId="{1AF917AA-981D-4B16-9E8E-BA24B49D4365}"/>
+    <dgm:cxn modelId="{EE3B88FC-5ECD-4AD8-8CA9-190CF339DA5D}" srcId="{8FFAAD93-093A-4643-8666-6592133D5148}" destId="{2CA1279D-C9E1-4254-95B4-AAC304B533A6}" srcOrd="2" destOrd="0" parTransId="{C33A9CFA-7161-4DFD-98CC-F13EDE82F84E}" sibTransId="{24EB42A6-9060-443B-B971-035EC8ADC523}"/>
+    <dgm:cxn modelId="{24B569E6-0410-4E6E-B3A9-29B8018766C1}" srcId="{E8D6131E-3A0B-413C-A175-032074A7C8CD}" destId="{AE952CBC-AFBB-46D7-9562-B6107CA30E37}" srcOrd="2" destOrd="0" parTransId="{CFCFF80A-CA68-48D7-9E16-EFC0C7511E83}" sibTransId="{5C9DCE54-BFC6-4A9B-9B5E-6A10CBFF0DAF}"/>
     <dgm:cxn modelId="{9565E676-F665-4438-933C-AD9D6A714537}" srcId="{0266A603-8232-4D71-B200-E5FE68D18F3F}" destId="{E8D6131E-3A0B-413C-A175-032074A7C8CD}" srcOrd="1" destOrd="0" parTransId="{2DFF84A4-06B4-4DE0-9EA7-677B263B0A4E}" sibTransId="{0206CF11-AF04-44BF-8AAA-B0D459371092}"/>
-    <dgm:cxn modelId="{033B3695-04DD-4CD9-9766-B5B9B21B8F5F}" type="presOf" srcId="{345FF024-0154-4AED-8D4F-D740CFF56DB4}" destId="{A0DFDC1B-77C7-48EB-A021-78AA69786ADD}" srcOrd="0" destOrd="2" presId="urn:microsoft.com/office/officeart/2005/8/layout/venn1"/>
-    <dgm:cxn modelId="{4C641434-2AFA-445A-A904-B27E1D3B8AFD}" srcId="{0266A603-8232-4D71-B200-E5FE68D18F3F}" destId="{C43C6B0E-82E8-459E-90D3-8FA28CDB9FEB}" srcOrd="2" destOrd="0" parTransId="{3A02CFBF-18DC-449F-9D07-D592D03DB4B9}" sibTransId="{BA408F00-8943-4CF4-A1AE-2FE0384E996C}"/>
-    <dgm:cxn modelId="{E776B5F9-0396-4747-8A77-F236C3D5FEC4}" type="presOf" srcId="{68992B54-EE22-4748-A406-5444F4DDFCCB}" destId="{59C231A3-4399-47E1-89DF-1C7125294808}" srcOrd="0" destOrd="4" presId="urn:microsoft.com/office/officeart/2005/8/layout/venn1"/>
-    <dgm:cxn modelId="{939FBD9F-3DCE-4621-9E2D-7239689574A6}" type="presOf" srcId="{CD3BB932-1D7F-411F-8971-F6ADE642AEF2}" destId="{23A5DA59-5A2F-44EA-A611-B33241847054}" srcOrd="1" destOrd="4" presId="urn:microsoft.com/office/officeart/2005/8/layout/venn1"/>
+    <dgm:cxn modelId="{70F6C2B7-91C8-4E55-A360-171B2B5B137B}" type="presOf" srcId="{2FEA0FE4-34BA-4CAD-A918-D2CC4C70FC09}" destId="{0B0A4924-9448-4041-80D8-5133D77B1EF8}" srcOrd="0" destOrd="5" presId="urn:microsoft.com/office/officeart/2005/8/layout/venn1"/>
+    <dgm:cxn modelId="{97851D67-2952-4049-AD5B-21A115667EEA}" type="presOf" srcId="{9E1FD446-4E0A-4888-B45A-C24376B4CA33}" destId="{0B0A4924-9448-4041-80D8-5133D77B1EF8}" srcOrd="0" destOrd="3" presId="urn:microsoft.com/office/officeart/2005/8/layout/venn1"/>
+    <dgm:cxn modelId="{15272A7C-2627-495B-AABC-9C936DD8F01C}" type="presOf" srcId="{0D9103D6-0E0B-4A01-A0C2-A3D312E3F222}" destId="{0B0A4924-9448-4041-80D8-5133D77B1EF8}" srcOrd="0" destOrd="1" presId="urn:microsoft.com/office/officeart/2005/8/layout/venn1"/>
     <dgm:cxn modelId="{DE88024E-9823-4C1C-8B29-0408B6F5C440}" type="presParOf" srcId="{11300E79-F0C0-45BF-A27C-36DBA708EADA}" destId="{59C231A3-4399-47E1-89DF-1C7125294808}" srcOrd="0" destOrd="0" presId="urn:microsoft.com/office/officeart/2005/8/layout/venn1"/>
     <dgm:cxn modelId="{756A008E-9D8A-4103-96F8-FB3AA9C2B117}" type="presParOf" srcId="{11300E79-F0C0-45BF-A27C-36DBA708EADA}" destId="{05A04829-3ADD-4A0E-AF44-AFC6C6576FCC}" srcOrd="1" destOrd="0" presId="urn:microsoft.com/office/officeart/2005/8/layout/venn1"/>
     <dgm:cxn modelId="{191021C9-35B7-4CAD-AFF8-559E2AF7472C}" type="presParOf" srcId="{11300E79-F0C0-45BF-A27C-36DBA708EADA}" destId="{A0DFDC1B-77C7-48EB-A021-78AA69786ADD}" srcOrd="2" destOrd="0" presId="urn:microsoft.com/office/officeart/2005/8/layout/venn1"/>
@@ -15772,6 +15774,292 @@
       </p:grpSpPr>
       <p:sp>
         <p:nvSpPr>
+          <p:cNvPr id="2" name="Folienbildplatzhalter 1"/>
+          <p:cNvSpPr>
+            <a:spLocks noGrp="1" noRot="1" noChangeAspect="1"/>
+          </p:cNvSpPr>
+          <p:nvPr>
+            <p:ph type="sldImg"/>
+          </p:nvPr>
+        </p:nvSpPr>
+        <p:spPr/>
+      </p:sp>
+      <p:sp>
+        <p:nvSpPr>
+          <p:cNvPr id="3" name="Notizenplatzhalter 2"/>
+          <p:cNvSpPr>
+            <a:spLocks noGrp="1"/>
+          </p:cNvSpPr>
+          <p:nvPr>
+            <p:ph type="body" idx="1"/>
+          </p:nvPr>
+        </p:nvSpPr>
+        <p:spPr/>
+        <p:txBody>
+          <a:bodyPr/>
+          <a:lstStyle/>
+          <a:p>
+            <a:pPr marL="228600" indent="-228600">
+              <a:buAutoNum type="arabicParenR"/>
+            </a:pPr>
+            <a:r>
+              <a:rPr lang="de-DE" sz="1050" dirty="0" smtClean="0"/>
+              <a:t>Hier kommt</a:t>
+            </a:r>
+            <a:r>
+              <a:rPr lang="de-DE" sz="1050" baseline="0" dirty="0" smtClean="0"/>
+              <a:t> die Leitfrage warum wir überhaupt  </a:t>
+            </a:r>
+            <a:r>
+              <a:rPr lang="de-DE" sz="1050" baseline="0" dirty="0" err="1" smtClean="0"/>
+              <a:t>NuGet</a:t>
+            </a:r>
+            <a:r>
+              <a:rPr lang="de-DE" sz="1050" baseline="0" dirty="0" smtClean="0"/>
+              <a:t>?</a:t>
+            </a:r>
+          </a:p>
+          <a:p>
+            <a:pPr marL="228600" indent="-228600">
+              <a:buAutoNum type="arabicParenR"/>
+            </a:pPr>
+            <a:r>
+              <a:rPr lang="de-DE" sz="1050" i="1" baseline="0" dirty="0" err="1" smtClean="0"/>
+              <a:t>NuGet</a:t>
+            </a:r>
+            <a:r>
+              <a:rPr lang="de-DE" sz="1050" i="1" baseline="0" dirty="0" smtClean="0"/>
+              <a:t>-Tools: </a:t>
+            </a:r>
+            <a:r>
+              <a:rPr lang="de-DE" sz="1050" baseline="0" dirty="0" smtClean="0"/>
+              <a:t>Welche Tools unterstützt das Erstellen eines </a:t>
+            </a:r>
+            <a:r>
+              <a:rPr lang="de-DE" sz="1050" baseline="0" dirty="0" err="1" smtClean="0"/>
+              <a:t>NuGet</a:t>
+            </a:r>
+            <a:r>
+              <a:rPr lang="de-DE" sz="1050" baseline="0" dirty="0" smtClean="0"/>
+              <a:t>-Paket??</a:t>
+            </a:r>
+            <a:endParaRPr lang="de-DE" baseline="0" dirty="0" smtClean="0"/>
+          </a:p>
+          <a:p>
+            <a:pPr marL="228600" indent="-228600">
+              <a:buAutoNum type="arabicParenR"/>
+            </a:pPr>
+            <a:endParaRPr lang="en-US" dirty="0"/>
+          </a:p>
+        </p:txBody>
+      </p:sp>
+      <p:sp>
+        <p:nvSpPr>
+          <p:cNvPr id="4" name="Foliennummernplatzhalter 3"/>
+          <p:cNvSpPr>
+            <a:spLocks noGrp="1"/>
+          </p:cNvSpPr>
+          <p:nvPr>
+            <p:ph type="sldNum" sz="quarter" idx="10"/>
+          </p:nvPr>
+        </p:nvSpPr>
+        <p:spPr/>
+        <p:txBody>
+          <a:bodyPr/>
+          <a:lstStyle/>
+          <a:p>
+            <a:fld id="{7C56EBB8-86B7-4B17-9FE6-1D6C78FAEC35}" type="slidenum">
+              <a:rPr lang="de-DE" altLang="de-DE" smtClean="0"/>
+              <a:pPr/>
+              <a:t>15</a:t>
+            </a:fld>
+            <a:endParaRPr lang="de-DE" altLang="de-DE"/>
+          </a:p>
+        </p:txBody>
+      </p:sp>
+    </p:spTree>
+    <p:extLst>
+      <p:ext uri="{BB962C8B-B14F-4D97-AF65-F5344CB8AC3E}">
+        <p14:creationId xmlns:p14="http://schemas.microsoft.com/office/powerpoint/2010/main" val="3048451509"/>
+      </p:ext>
+    </p:extLst>
+  </p:cSld>
+  <p:clrMapOvr>
+    <a:masterClrMapping/>
+  </p:clrMapOvr>
+</p:notes>
+</file>
+
+<file path=ppt/notesSlides/notesSlide13.xml><?xml version="1.0" encoding="utf-8"?>
+<p:notes xmlns:a="http://schemas.openxmlformats.org/drawingml/2006/main" xmlns:r="http://schemas.openxmlformats.org/officeDocument/2006/relationships" xmlns:p="http://schemas.openxmlformats.org/presentationml/2006/main">
+  <p:cSld>
+    <p:spTree>
+      <p:nvGrpSpPr>
+        <p:cNvPr id="1" name=""/>
+        <p:cNvGrpSpPr/>
+        <p:nvPr/>
+      </p:nvGrpSpPr>
+      <p:grpSpPr>
+        <a:xfrm>
+          <a:off x="0" y="0"/>
+          <a:ext cx="0" cy="0"/>
+          <a:chOff x="0" y="0"/>
+          <a:chExt cx="0" cy="0"/>
+        </a:xfrm>
+      </p:grpSpPr>
+      <p:sp>
+        <p:nvSpPr>
+          <p:cNvPr id="2" name="Folienbildplatzhalter 1"/>
+          <p:cNvSpPr>
+            <a:spLocks noGrp="1" noRot="1" noChangeAspect="1"/>
+          </p:cNvSpPr>
+          <p:nvPr>
+            <p:ph type="sldImg"/>
+          </p:nvPr>
+        </p:nvSpPr>
+        <p:spPr/>
+      </p:sp>
+      <p:sp>
+        <p:nvSpPr>
+          <p:cNvPr id="3" name="Notizenplatzhalter 2"/>
+          <p:cNvSpPr>
+            <a:spLocks noGrp="1"/>
+          </p:cNvSpPr>
+          <p:nvPr>
+            <p:ph type="body" idx="1"/>
+          </p:nvPr>
+        </p:nvSpPr>
+        <p:spPr/>
+        <p:txBody>
+          <a:bodyPr/>
+          <a:lstStyle/>
+          <a:p>
+            <a:pPr marL="0" marR="0" lvl="0" indent="0" algn="l" defTabSz="914400" rtl="0" eaLnBrk="1" fontAlgn="base" latinLnBrk="0" hangingPunct="1">
+              <a:lnSpc>
+                <a:spcPct val="100000"/>
+              </a:lnSpc>
+              <a:spcBef>
+                <a:spcPct val="30000"/>
+              </a:spcBef>
+              <a:spcAft>
+                <a:spcPct val="0"/>
+              </a:spcAft>
+              <a:buClrTx/>
+              <a:buSzTx/>
+              <a:buFontTx/>
+              <a:buNone/>
+              <a:tabLst/>
+              <a:defRPr/>
+            </a:pPr>
+            <a:r>
+              <a:rPr lang="de-DE" b="0" dirty="0" smtClean="0"/>
+              <a:t>Die</a:t>
+            </a:r>
+            <a:r>
+              <a:rPr lang="de-DE" b="0" baseline="0" dirty="0" smtClean="0"/>
+              <a:t> Abb. Zeigt </a:t>
+            </a:r>
+            <a:r>
+              <a:rPr lang="de-DE" sz="1200" b="0" i="0" kern="1200" dirty="0" smtClean="0">
+                <a:solidFill>
+                  <a:schemeClr val="tx1"/>
+                </a:solidFill>
+                <a:effectLst/>
+                <a:latin typeface="Arial" panose="020B0604020202020204" pitchFamily="34" charset="0"/>
+                <a:ea typeface="+mn-ea"/>
+                <a:cs typeface="+mn-cs"/>
+              </a:rPr>
+              <a:t>den  </a:t>
+            </a:r>
+            <a:r>
+              <a:rPr lang="de-DE" sz="1200" b="1" i="0" kern="1200" dirty="0" smtClean="0">
+                <a:solidFill>
+                  <a:schemeClr val="tx1"/>
+                </a:solidFill>
+                <a:effectLst/>
+                <a:latin typeface="Arial" panose="020B0604020202020204" pitchFamily="34" charset="0"/>
+                <a:ea typeface="+mn-ea"/>
+                <a:cs typeface="+mn-cs"/>
+              </a:rPr>
+              <a:t>Paketfluss</a:t>
+            </a:r>
+            <a:r>
+              <a:rPr lang="de-DE" sz="1200" b="0" i="0" kern="1200" dirty="0" smtClean="0">
+                <a:solidFill>
+                  <a:schemeClr val="tx1"/>
+                </a:solidFill>
+                <a:effectLst/>
+                <a:latin typeface="Arial" panose="020B0604020202020204" pitchFamily="34" charset="0"/>
+                <a:ea typeface="+mn-ea"/>
+                <a:cs typeface="+mn-cs"/>
+              </a:rPr>
+              <a:t> zwischen Erstellern, Hosts und Nutzer</a:t>
+            </a:r>
+          </a:p>
+          <a:p>
+            <a:pPr marL="0" indent="0">
+              <a:buNone/>
+            </a:pPr>
+            <a:endParaRPr lang="en-US" dirty="0"/>
+          </a:p>
+        </p:txBody>
+      </p:sp>
+      <p:sp>
+        <p:nvSpPr>
+          <p:cNvPr id="4" name="Foliennummernplatzhalter 3"/>
+          <p:cNvSpPr>
+            <a:spLocks noGrp="1"/>
+          </p:cNvSpPr>
+          <p:nvPr>
+            <p:ph type="sldNum" sz="quarter" idx="10"/>
+          </p:nvPr>
+        </p:nvSpPr>
+        <p:spPr/>
+        <p:txBody>
+          <a:bodyPr/>
+          <a:lstStyle/>
+          <a:p>
+            <a:fld id="{7C56EBB8-86B7-4B17-9FE6-1D6C78FAEC35}" type="slidenum">
+              <a:rPr lang="de-DE" altLang="de-DE" smtClean="0"/>
+              <a:pPr/>
+              <a:t>16</a:t>
+            </a:fld>
+            <a:endParaRPr lang="de-DE" altLang="de-DE"/>
+          </a:p>
+        </p:txBody>
+      </p:sp>
+    </p:spTree>
+    <p:extLst>
+      <p:ext uri="{BB962C8B-B14F-4D97-AF65-F5344CB8AC3E}">
+        <p14:creationId xmlns:p14="http://schemas.microsoft.com/office/powerpoint/2010/main" val="2648379723"/>
+      </p:ext>
+    </p:extLst>
+  </p:cSld>
+  <p:clrMapOvr>
+    <a:masterClrMapping/>
+  </p:clrMapOvr>
+</p:notes>
+</file>
+
+<file path=ppt/notesSlides/notesSlide14.xml><?xml version="1.0" encoding="utf-8"?>
+<p:notes xmlns:a="http://schemas.openxmlformats.org/drawingml/2006/main" xmlns:r="http://schemas.openxmlformats.org/officeDocument/2006/relationships" xmlns:p="http://schemas.openxmlformats.org/presentationml/2006/main">
+  <p:cSld>
+    <p:spTree>
+      <p:nvGrpSpPr>
+        <p:cNvPr id="1" name=""/>
+        <p:cNvGrpSpPr/>
+        <p:nvPr/>
+      </p:nvGrpSpPr>
+      <p:grpSpPr>
+        <a:xfrm>
+          <a:off x="0" y="0"/>
+          <a:ext cx="0" cy="0"/>
+          <a:chOff x="0" y="0"/>
+          <a:chExt cx="0" cy="0"/>
+        </a:xfrm>
+      </p:grpSpPr>
+      <p:sp>
+        <p:nvSpPr>
           <p:cNvPr id="7" name="Rectangle 7">
             <a:extLst>
               <a:ext uri="{FF2B5EF4-FFF2-40B4-BE49-F238E27FC236}">
@@ -15796,7 +16084,7 @@
             <a:fld id="{C21EDE77-6E6B-46CF-9346-5CFD3F861C54}" type="slidenum">
               <a:rPr lang="de-DE" altLang="de-DE"/>
               <a:pPr/>
-              <a:t>15</a:t>
+              <a:t>17</a:t>
             </a:fld>
             <a:endParaRPr lang="de-DE" altLang="de-DE"/>
           </a:p>
@@ -15855,7 +16143,7 @@
 </p:notes>
 </file>
 
-<file path=ppt/notesSlides/notesSlide13.xml><?xml version="1.0" encoding="utf-8"?>
+<file path=ppt/notesSlides/notesSlide15.xml><?xml version="1.0" encoding="utf-8"?>
 <p:notes xmlns:a="http://schemas.openxmlformats.org/drawingml/2006/main" xmlns:r="http://schemas.openxmlformats.org/officeDocument/2006/relationships" xmlns:p="http://schemas.openxmlformats.org/presentationml/2006/main">
   <p:cSld>
     <p:spTree>
@@ -15948,7 +16236,7 @@
             <a:fld id="{7C56EBB8-86B7-4B17-9FE6-1D6C78FAEC35}" type="slidenum">
               <a:rPr lang="de-DE" altLang="de-DE" smtClean="0"/>
               <a:pPr/>
-              <a:t>18</a:t>
+              <a:t>20</a:t>
             </a:fld>
             <a:endParaRPr lang="de-DE" altLang="de-DE"/>
           </a:p>
@@ -24911,7 +25199,6 @@
               <a:rPr lang="de-DE" dirty="0" smtClean="0"/>
               <a:t>Kunde</a:t>
             </a:r>
-            <a:endParaRPr lang="de-DE" dirty="0" smtClean="0"/>
           </a:p>
           <a:p>
             <a:pPr>
@@ -25834,6 +26121,1732 @@
       </p:grpSpPr>
       <p:sp>
         <p:nvSpPr>
+          <p:cNvPr id="2" name="Titel 1"/>
+          <p:cNvSpPr>
+            <a:spLocks noGrp="1"/>
+          </p:cNvSpPr>
+          <p:nvPr>
+            <p:ph type="title"/>
+          </p:nvPr>
+        </p:nvSpPr>
+        <p:spPr/>
+        <p:txBody>
+          <a:bodyPr/>
+          <a:lstStyle/>
+          <a:p>
+            <a:r>
+              <a:rPr lang="de-DE" dirty="0" err="1" smtClean="0"/>
+              <a:t>NuGet</a:t>
+            </a:r>
+            <a:endParaRPr lang="en-US" dirty="0"/>
+          </a:p>
+        </p:txBody>
+      </p:sp>
+      <p:sp>
+        <p:nvSpPr>
+          <p:cNvPr id="3" name="Inhaltsplatzhalter 2"/>
+          <p:cNvSpPr>
+            <a:spLocks noGrp="1"/>
+          </p:cNvSpPr>
+          <p:nvPr>
+            <p:ph idx="1"/>
+          </p:nvPr>
+        </p:nvSpPr>
+        <p:spPr/>
+        <p:txBody>
+          <a:bodyPr/>
+          <a:lstStyle/>
+          <a:p>
+            <a:r>
+              <a:rPr lang="de-DE" dirty="0" smtClean="0"/>
+              <a:t>Warum?</a:t>
+            </a:r>
+          </a:p>
+          <a:p>
+            <a:r>
+              <a:rPr lang="de-DE" dirty="0" smtClean="0"/>
+              <a:t>Ersteller, Hosts und Nutzer</a:t>
+            </a:r>
+          </a:p>
+          <a:p>
+            <a:r>
+              <a:rPr lang="de-DE" dirty="0" smtClean="0"/>
+              <a:t>Paket mit Zielkompatibilität</a:t>
+            </a:r>
+          </a:p>
+          <a:p>
+            <a:r>
+              <a:rPr lang="de-DE" dirty="0" smtClean="0"/>
+              <a:t>Verwalten von Abhängigkeiten</a:t>
+            </a:r>
+          </a:p>
+          <a:p>
+            <a:r>
+              <a:rPr lang="de-DE" dirty="0" err="1" smtClean="0"/>
+              <a:t>NuGet</a:t>
+            </a:r>
+            <a:r>
+              <a:rPr lang="de-DE" dirty="0" smtClean="0"/>
+              <a:t>-Tools</a:t>
+            </a:r>
+          </a:p>
+          <a:p>
+            <a:r>
+              <a:rPr lang="de-DE" dirty="0" smtClean="0"/>
+              <a:t>Nutzen von Paketen</a:t>
+            </a:r>
+          </a:p>
+          <a:p>
+            <a:r>
+              <a:rPr lang="de-DE" dirty="0" smtClean="0"/>
+              <a:t>Erstellen von Paketen</a:t>
+            </a:r>
+          </a:p>
+          <a:p>
+            <a:r>
+              <a:rPr lang="de-DE" dirty="0"/>
+              <a:t>Quelle: https://docs.microsoft.com/de-de/nuget/what-is-nuget</a:t>
+            </a:r>
+            <a:endParaRPr lang="de-DE" dirty="0" smtClean="0"/>
+          </a:p>
+          <a:p>
+            <a:endParaRPr lang="en-US" dirty="0"/>
+          </a:p>
+        </p:txBody>
+      </p:sp>
+      <p:sp>
+        <p:nvSpPr>
+          <p:cNvPr id="4" name="Fußzeilenplatzhalter 3"/>
+          <p:cNvSpPr>
+            <a:spLocks noGrp="1"/>
+          </p:cNvSpPr>
+          <p:nvPr>
+            <p:ph type="ftr" sz="quarter" idx="10"/>
+          </p:nvPr>
+        </p:nvSpPr>
+        <p:spPr/>
+        <p:txBody>
+          <a:bodyPr/>
+          <a:lstStyle/>
+          <a:p>
+            <a:r>
+              <a:rPr lang="de-DE" altLang="de-DE" smtClean="0"/>
+              <a:t>Hilscher Gesellschaft für Systemautomation mbH  </a:t>
+            </a:r>
+            <a:r>
+              <a:rPr lang="en-US" altLang="de-DE" smtClean="0">
+                <a:cs typeface="Arial" panose="020B0604020202020204" pitchFamily="34" charset="0"/>
+              </a:rPr>
+              <a:t>l  www.hilscher.com</a:t>
+            </a:r>
+            <a:endParaRPr lang="de-DE" altLang="de-DE">
+              <a:cs typeface="Arial" panose="020B0604020202020204" pitchFamily="34" charset="0"/>
+            </a:endParaRPr>
+          </a:p>
+        </p:txBody>
+      </p:sp>
+    </p:spTree>
+    <p:extLst>
+      <p:ext uri="{BB962C8B-B14F-4D97-AF65-F5344CB8AC3E}">
+        <p14:creationId xmlns:p14="http://schemas.microsoft.com/office/powerpoint/2010/main" val="3936838169"/>
+      </p:ext>
+    </p:extLst>
+  </p:cSld>
+  <p:clrMapOvr>
+    <a:masterClrMapping/>
+  </p:clrMapOvr>
+  <p:transition>
+    <p:zoom/>
+  </p:transition>
+  <p:timing>
+    <p:tnLst>
+      <p:par>
+        <p:cTn id="1" dur="indefinite" restart="never" nodeType="tmRoot">
+          <p:childTnLst>
+            <p:seq concurrent="1" nextAc="seek">
+              <p:cTn id="2" dur="indefinite" nodeType="mainSeq">
+                <p:childTnLst>
+                  <p:par>
+                    <p:cTn id="3" fill="hold">
+                      <p:stCondLst>
+                        <p:cond delay="indefinite"/>
+                      </p:stCondLst>
+                      <p:childTnLst>
+                        <p:par>
+                          <p:cTn id="4" fill="hold">
+                            <p:stCondLst>
+                              <p:cond delay="0"/>
+                            </p:stCondLst>
+                            <p:childTnLst>
+                              <p:par>
+                                <p:cTn id="5" presetID="22" presetClass="entr" presetSubtype="4" fill="hold" nodeType="clickEffect">
+                                  <p:stCondLst>
+                                    <p:cond delay="0"/>
+                                  </p:stCondLst>
+                                  <p:childTnLst>
+                                    <p:set>
+                                      <p:cBhvr>
+                                        <p:cTn id="6" dur="1" fill="hold">
+                                          <p:stCondLst>
+                                            <p:cond delay="0"/>
+                                          </p:stCondLst>
+                                        </p:cTn>
+                                        <p:tgtEl>
+                                          <p:spTgt spid="3">
+                                            <p:txEl>
+                                              <p:pRg st="0" end="0"/>
+                                            </p:txEl>
+                                          </p:spTgt>
+                                        </p:tgtEl>
+                                        <p:attrNameLst>
+                                          <p:attrName>style.visibility</p:attrName>
+                                        </p:attrNameLst>
+                                      </p:cBhvr>
+                                      <p:to>
+                                        <p:strVal val="visible"/>
+                                      </p:to>
+                                    </p:set>
+                                    <p:animEffect transition="in" filter="wipe(down)">
+                                      <p:cBhvr>
+                                        <p:cTn id="7" dur="500"/>
+                                        <p:tgtEl>
+                                          <p:spTgt spid="3">
+                                            <p:txEl>
+                                              <p:pRg st="0" end="0"/>
+                                            </p:txEl>
+                                          </p:spTgt>
+                                        </p:tgtEl>
+                                      </p:cBhvr>
+                                    </p:animEffect>
+                                  </p:childTnLst>
+                                </p:cTn>
+                              </p:par>
+                            </p:childTnLst>
+                          </p:cTn>
+                        </p:par>
+                      </p:childTnLst>
+                    </p:cTn>
+                  </p:par>
+                  <p:par>
+                    <p:cTn id="8" fill="hold">
+                      <p:stCondLst>
+                        <p:cond delay="indefinite"/>
+                      </p:stCondLst>
+                      <p:childTnLst>
+                        <p:par>
+                          <p:cTn id="9" fill="hold">
+                            <p:stCondLst>
+                              <p:cond delay="0"/>
+                            </p:stCondLst>
+                            <p:childTnLst>
+                              <p:par>
+                                <p:cTn id="10" presetID="22" presetClass="entr" presetSubtype="4" fill="hold" nodeType="clickEffect">
+                                  <p:stCondLst>
+                                    <p:cond delay="0"/>
+                                  </p:stCondLst>
+                                  <p:childTnLst>
+                                    <p:set>
+                                      <p:cBhvr>
+                                        <p:cTn id="11" dur="1" fill="hold">
+                                          <p:stCondLst>
+                                            <p:cond delay="0"/>
+                                          </p:stCondLst>
+                                        </p:cTn>
+                                        <p:tgtEl>
+                                          <p:spTgt spid="3">
+                                            <p:txEl>
+                                              <p:pRg st="1" end="1"/>
+                                            </p:txEl>
+                                          </p:spTgt>
+                                        </p:tgtEl>
+                                        <p:attrNameLst>
+                                          <p:attrName>style.visibility</p:attrName>
+                                        </p:attrNameLst>
+                                      </p:cBhvr>
+                                      <p:to>
+                                        <p:strVal val="visible"/>
+                                      </p:to>
+                                    </p:set>
+                                    <p:animEffect transition="in" filter="wipe(down)">
+                                      <p:cBhvr>
+                                        <p:cTn id="12" dur="500"/>
+                                        <p:tgtEl>
+                                          <p:spTgt spid="3">
+                                            <p:txEl>
+                                              <p:pRg st="1" end="1"/>
+                                            </p:txEl>
+                                          </p:spTgt>
+                                        </p:tgtEl>
+                                      </p:cBhvr>
+                                    </p:animEffect>
+                                  </p:childTnLst>
+                                </p:cTn>
+                              </p:par>
+                            </p:childTnLst>
+                          </p:cTn>
+                        </p:par>
+                      </p:childTnLst>
+                    </p:cTn>
+                  </p:par>
+                  <p:par>
+                    <p:cTn id="13" fill="hold">
+                      <p:stCondLst>
+                        <p:cond delay="indefinite"/>
+                      </p:stCondLst>
+                      <p:childTnLst>
+                        <p:par>
+                          <p:cTn id="14" fill="hold">
+                            <p:stCondLst>
+                              <p:cond delay="0"/>
+                            </p:stCondLst>
+                            <p:childTnLst>
+                              <p:par>
+                                <p:cTn id="15" presetID="22" presetClass="entr" presetSubtype="4" fill="hold" nodeType="clickEffect">
+                                  <p:stCondLst>
+                                    <p:cond delay="0"/>
+                                  </p:stCondLst>
+                                  <p:childTnLst>
+                                    <p:set>
+                                      <p:cBhvr>
+                                        <p:cTn id="16" dur="1" fill="hold">
+                                          <p:stCondLst>
+                                            <p:cond delay="0"/>
+                                          </p:stCondLst>
+                                        </p:cTn>
+                                        <p:tgtEl>
+                                          <p:spTgt spid="3">
+                                            <p:txEl>
+                                              <p:pRg st="2" end="2"/>
+                                            </p:txEl>
+                                          </p:spTgt>
+                                        </p:tgtEl>
+                                        <p:attrNameLst>
+                                          <p:attrName>style.visibility</p:attrName>
+                                        </p:attrNameLst>
+                                      </p:cBhvr>
+                                      <p:to>
+                                        <p:strVal val="visible"/>
+                                      </p:to>
+                                    </p:set>
+                                    <p:animEffect transition="in" filter="wipe(down)">
+                                      <p:cBhvr>
+                                        <p:cTn id="17" dur="500"/>
+                                        <p:tgtEl>
+                                          <p:spTgt spid="3">
+                                            <p:txEl>
+                                              <p:pRg st="2" end="2"/>
+                                            </p:txEl>
+                                          </p:spTgt>
+                                        </p:tgtEl>
+                                      </p:cBhvr>
+                                    </p:animEffect>
+                                  </p:childTnLst>
+                                </p:cTn>
+                              </p:par>
+                            </p:childTnLst>
+                          </p:cTn>
+                        </p:par>
+                      </p:childTnLst>
+                    </p:cTn>
+                  </p:par>
+                  <p:par>
+                    <p:cTn id="18" fill="hold">
+                      <p:stCondLst>
+                        <p:cond delay="indefinite"/>
+                      </p:stCondLst>
+                      <p:childTnLst>
+                        <p:par>
+                          <p:cTn id="19" fill="hold">
+                            <p:stCondLst>
+                              <p:cond delay="0"/>
+                            </p:stCondLst>
+                            <p:childTnLst>
+                              <p:par>
+                                <p:cTn id="20" presetID="22" presetClass="entr" presetSubtype="4" fill="hold" nodeType="clickEffect">
+                                  <p:stCondLst>
+                                    <p:cond delay="0"/>
+                                  </p:stCondLst>
+                                  <p:childTnLst>
+                                    <p:set>
+                                      <p:cBhvr>
+                                        <p:cTn id="21" dur="1" fill="hold">
+                                          <p:stCondLst>
+                                            <p:cond delay="0"/>
+                                          </p:stCondLst>
+                                        </p:cTn>
+                                        <p:tgtEl>
+                                          <p:spTgt spid="3">
+                                            <p:txEl>
+                                              <p:pRg st="3" end="3"/>
+                                            </p:txEl>
+                                          </p:spTgt>
+                                        </p:tgtEl>
+                                        <p:attrNameLst>
+                                          <p:attrName>style.visibility</p:attrName>
+                                        </p:attrNameLst>
+                                      </p:cBhvr>
+                                      <p:to>
+                                        <p:strVal val="visible"/>
+                                      </p:to>
+                                    </p:set>
+                                    <p:animEffect transition="in" filter="wipe(down)">
+                                      <p:cBhvr>
+                                        <p:cTn id="22" dur="500"/>
+                                        <p:tgtEl>
+                                          <p:spTgt spid="3">
+                                            <p:txEl>
+                                              <p:pRg st="3" end="3"/>
+                                            </p:txEl>
+                                          </p:spTgt>
+                                        </p:tgtEl>
+                                      </p:cBhvr>
+                                    </p:animEffect>
+                                  </p:childTnLst>
+                                </p:cTn>
+                              </p:par>
+                            </p:childTnLst>
+                          </p:cTn>
+                        </p:par>
+                      </p:childTnLst>
+                    </p:cTn>
+                  </p:par>
+                  <p:par>
+                    <p:cTn id="23" fill="hold">
+                      <p:stCondLst>
+                        <p:cond delay="indefinite"/>
+                      </p:stCondLst>
+                      <p:childTnLst>
+                        <p:par>
+                          <p:cTn id="24" fill="hold">
+                            <p:stCondLst>
+                              <p:cond delay="0"/>
+                            </p:stCondLst>
+                            <p:childTnLst>
+                              <p:par>
+                                <p:cTn id="25" presetID="22" presetClass="entr" presetSubtype="4" fill="hold" nodeType="clickEffect">
+                                  <p:stCondLst>
+                                    <p:cond delay="0"/>
+                                  </p:stCondLst>
+                                  <p:childTnLst>
+                                    <p:set>
+                                      <p:cBhvr>
+                                        <p:cTn id="26" dur="1" fill="hold">
+                                          <p:stCondLst>
+                                            <p:cond delay="0"/>
+                                          </p:stCondLst>
+                                        </p:cTn>
+                                        <p:tgtEl>
+                                          <p:spTgt spid="3">
+                                            <p:txEl>
+                                              <p:pRg st="4" end="4"/>
+                                            </p:txEl>
+                                          </p:spTgt>
+                                        </p:tgtEl>
+                                        <p:attrNameLst>
+                                          <p:attrName>style.visibility</p:attrName>
+                                        </p:attrNameLst>
+                                      </p:cBhvr>
+                                      <p:to>
+                                        <p:strVal val="visible"/>
+                                      </p:to>
+                                    </p:set>
+                                    <p:animEffect transition="in" filter="wipe(down)">
+                                      <p:cBhvr>
+                                        <p:cTn id="27" dur="500"/>
+                                        <p:tgtEl>
+                                          <p:spTgt spid="3">
+                                            <p:txEl>
+                                              <p:pRg st="4" end="4"/>
+                                            </p:txEl>
+                                          </p:spTgt>
+                                        </p:tgtEl>
+                                      </p:cBhvr>
+                                    </p:animEffect>
+                                  </p:childTnLst>
+                                </p:cTn>
+                              </p:par>
+                            </p:childTnLst>
+                          </p:cTn>
+                        </p:par>
+                      </p:childTnLst>
+                    </p:cTn>
+                  </p:par>
+                  <p:par>
+                    <p:cTn id="28" fill="hold">
+                      <p:stCondLst>
+                        <p:cond delay="indefinite"/>
+                      </p:stCondLst>
+                      <p:childTnLst>
+                        <p:par>
+                          <p:cTn id="29" fill="hold">
+                            <p:stCondLst>
+                              <p:cond delay="0"/>
+                            </p:stCondLst>
+                            <p:childTnLst>
+                              <p:par>
+                                <p:cTn id="30" presetID="22" presetClass="entr" presetSubtype="4" fill="hold" nodeType="clickEffect">
+                                  <p:stCondLst>
+                                    <p:cond delay="0"/>
+                                  </p:stCondLst>
+                                  <p:childTnLst>
+                                    <p:set>
+                                      <p:cBhvr>
+                                        <p:cTn id="31" dur="1" fill="hold">
+                                          <p:stCondLst>
+                                            <p:cond delay="0"/>
+                                          </p:stCondLst>
+                                        </p:cTn>
+                                        <p:tgtEl>
+                                          <p:spTgt spid="3">
+                                            <p:txEl>
+                                              <p:pRg st="5" end="5"/>
+                                            </p:txEl>
+                                          </p:spTgt>
+                                        </p:tgtEl>
+                                        <p:attrNameLst>
+                                          <p:attrName>style.visibility</p:attrName>
+                                        </p:attrNameLst>
+                                      </p:cBhvr>
+                                      <p:to>
+                                        <p:strVal val="visible"/>
+                                      </p:to>
+                                    </p:set>
+                                    <p:animEffect transition="in" filter="wipe(down)">
+                                      <p:cBhvr>
+                                        <p:cTn id="32" dur="500"/>
+                                        <p:tgtEl>
+                                          <p:spTgt spid="3">
+                                            <p:txEl>
+                                              <p:pRg st="5" end="5"/>
+                                            </p:txEl>
+                                          </p:spTgt>
+                                        </p:tgtEl>
+                                      </p:cBhvr>
+                                    </p:animEffect>
+                                  </p:childTnLst>
+                                </p:cTn>
+                              </p:par>
+                            </p:childTnLst>
+                          </p:cTn>
+                        </p:par>
+                      </p:childTnLst>
+                    </p:cTn>
+                  </p:par>
+                  <p:par>
+                    <p:cTn id="33" fill="hold">
+                      <p:stCondLst>
+                        <p:cond delay="indefinite"/>
+                      </p:stCondLst>
+                      <p:childTnLst>
+                        <p:par>
+                          <p:cTn id="34" fill="hold">
+                            <p:stCondLst>
+                              <p:cond delay="0"/>
+                            </p:stCondLst>
+                            <p:childTnLst>
+                              <p:par>
+                                <p:cTn id="35" presetID="22" presetClass="entr" presetSubtype="4" fill="hold" nodeType="clickEffect">
+                                  <p:stCondLst>
+                                    <p:cond delay="0"/>
+                                  </p:stCondLst>
+                                  <p:childTnLst>
+                                    <p:set>
+                                      <p:cBhvr>
+                                        <p:cTn id="36" dur="1" fill="hold">
+                                          <p:stCondLst>
+                                            <p:cond delay="0"/>
+                                          </p:stCondLst>
+                                        </p:cTn>
+                                        <p:tgtEl>
+                                          <p:spTgt spid="3">
+                                            <p:txEl>
+                                              <p:pRg st="6" end="6"/>
+                                            </p:txEl>
+                                          </p:spTgt>
+                                        </p:tgtEl>
+                                        <p:attrNameLst>
+                                          <p:attrName>style.visibility</p:attrName>
+                                        </p:attrNameLst>
+                                      </p:cBhvr>
+                                      <p:to>
+                                        <p:strVal val="visible"/>
+                                      </p:to>
+                                    </p:set>
+                                    <p:animEffect transition="in" filter="wipe(down)">
+                                      <p:cBhvr>
+                                        <p:cTn id="37" dur="500"/>
+                                        <p:tgtEl>
+                                          <p:spTgt spid="3">
+                                            <p:txEl>
+                                              <p:pRg st="6" end="6"/>
+                                            </p:txEl>
+                                          </p:spTgt>
+                                        </p:tgtEl>
+                                      </p:cBhvr>
+                                    </p:animEffect>
+                                  </p:childTnLst>
+                                </p:cTn>
+                              </p:par>
+                            </p:childTnLst>
+                          </p:cTn>
+                        </p:par>
+                      </p:childTnLst>
+                    </p:cTn>
+                  </p:par>
+                  <p:par>
+                    <p:cTn id="38" fill="hold">
+                      <p:stCondLst>
+                        <p:cond delay="indefinite"/>
+                      </p:stCondLst>
+                      <p:childTnLst>
+                        <p:par>
+                          <p:cTn id="39" fill="hold">
+                            <p:stCondLst>
+                              <p:cond delay="0"/>
+                            </p:stCondLst>
+                            <p:childTnLst>
+                              <p:par>
+                                <p:cTn id="40" presetID="22" presetClass="entr" presetSubtype="4" fill="hold" nodeType="clickEffect">
+                                  <p:stCondLst>
+                                    <p:cond delay="0"/>
+                                  </p:stCondLst>
+                                  <p:childTnLst>
+                                    <p:set>
+                                      <p:cBhvr>
+                                        <p:cTn id="41" dur="1" fill="hold">
+                                          <p:stCondLst>
+                                            <p:cond delay="0"/>
+                                          </p:stCondLst>
+                                        </p:cTn>
+                                        <p:tgtEl>
+                                          <p:spTgt spid="3">
+                                            <p:txEl>
+                                              <p:pRg st="7" end="7"/>
+                                            </p:txEl>
+                                          </p:spTgt>
+                                        </p:tgtEl>
+                                        <p:attrNameLst>
+                                          <p:attrName>style.visibility</p:attrName>
+                                        </p:attrNameLst>
+                                      </p:cBhvr>
+                                      <p:to>
+                                        <p:strVal val="visible"/>
+                                      </p:to>
+                                    </p:set>
+                                    <p:animEffect transition="in" filter="wipe(down)">
+                                      <p:cBhvr>
+                                        <p:cTn id="42" dur="500"/>
+                                        <p:tgtEl>
+                                          <p:spTgt spid="3">
+                                            <p:txEl>
+                                              <p:pRg st="7" end="7"/>
+                                            </p:txEl>
+                                          </p:spTgt>
+                                        </p:tgtEl>
+                                      </p:cBhvr>
+                                    </p:animEffect>
+                                  </p:childTnLst>
+                                </p:cTn>
+                              </p:par>
+                            </p:childTnLst>
+                          </p:cTn>
+                        </p:par>
+                      </p:childTnLst>
+                    </p:cTn>
+                  </p:par>
+                </p:childTnLst>
+              </p:cTn>
+              <p:prevCondLst>
+                <p:cond evt="onPrev" delay="0">
+                  <p:tgtEl>
+                    <p:sldTgt/>
+                  </p:tgtEl>
+                </p:cond>
+              </p:prevCondLst>
+              <p:nextCondLst>
+                <p:cond evt="onNext" delay="0">
+                  <p:tgtEl>
+                    <p:sldTgt/>
+                  </p:tgtEl>
+                </p:cond>
+              </p:nextCondLst>
+            </p:seq>
+          </p:childTnLst>
+        </p:cTn>
+      </p:par>
+    </p:tnLst>
+  </p:timing>
+</p:sld>
+</file>
+
+<file path=ppt/slides/slide16.xml><?xml version="1.0" encoding="utf-8"?>
+<p:sld xmlns:a="http://schemas.openxmlformats.org/drawingml/2006/main" xmlns:r="http://schemas.openxmlformats.org/officeDocument/2006/relationships" xmlns:p="http://schemas.openxmlformats.org/presentationml/2006/main">
+  <p:cSld>
+    <p:spTree>
+      <p:nvGrpSpPr>
+        <p:cNvPr id="1" name=""/>
+        <p:cNvGrpSpPr/>
+        <p:nvPr/>
+      </p:nvGrpSpPr>
+      <p:grpSpPr>
+        <a:xfrm>
+          <a:off x="0" y="0"/>
+          <a:ext cx="0" cy="0"/>
+          <a:chOff x="0" y="0"/>
+          <a:chExt cx="0" cy="0"/>
+        </a:xfrm>
+      </p:grpSpPr>
+      <p:sp>
+        <p:nvSpPr>
+          <p:cNvPr id="2" name="Titel 1"/>
+          <p:cNvSpPr>
+            <a:spLocks noGrp="1"/>
+          </p:cNvSpPr>
+          <p:nvPr>
+            <p:ph type="title"/>
+          </p:nvPr>
+        </p:nvSpPr>
+        <p:spPr/>
+        <p:txBody>
+          <a:bodyPr/>
+          <a:lstStyle/>
+          <a:p>
+            <a:r>
+              <a:rPr lang="de-DE" dirty="0" err="1" smtClean="0"/>
+              <a:t>NuGet</a:t>
+            </a:r>
+            <a:endParaRPr lang="en-US" dirty="0"/>
+          </a:p>
+        </p:txBody>
+      </p:sp>
+      <p:sp>
+        <p:nvSpPr>
+          <p:cNvPr id="4" name="Fußzeilenplatzhalter 3"/>
+          <p:cNvSpPr>
+            <a:spLocks noGrp="1"/>
+          </p:cNvSpPr>
+          <p:nvPr>
+            <p:ph type="ftr" sz="quarter" idx="10"/>
+          </p:nvPr>
+        </p:nvSpPr>
+        <p:spPr/>
+        <p:txBody>
+          <a:bodyPr/>
+          <a:lstStyle/>
+          <a:p>
+            <a:r>
+              <a:rPr lang="de-DE" altLang="de-DE" smtClean="0"/>
+              <a:t>Hilscher Gesellschaft für Systemautomation mbH  </a:t>
+            </a:r>
+            <a:r>
+              <a:rPr lang="en-US" altLang="de-DE" smtClean="0">
+                <a:cs typeface="Arial" panose="020B0604020202020204" pitchFamily="34" charset="0"/>
+              </a:rPr>
+              <a:t>l  www.hilscher.com</a:t>
+            </a:r>
+            <a:endParaRPr lang="de-DE" altLang="de-DE">
+              <a:cs typeface="Arial" panose="020B0604020202020204" pitchFamily="34" charset="0"/>
+            </a:endParaRPr>
+          </a:p>
+        </p:txBody>
+      </p:sp>
+      <p:sp>
+        <p:nvSpPr>
+          <p:cNvPr id="5" name="Abgerundetes Rechteck 4"/>
+          <p:cNvSpPr/>
+          <p:nvPr/>
+        </p:nvSpPr>
+        <p:spPr bwMode="auto">
+          <a:xfrm>
+            <a:off x="467430" y="1628750"/>
+            <a:ext cx="3672510" cy="936130"/>
+          </a:xfrm>
+          <a:prstGeom prst="roundRect">
+            <a:avLst/>
+          </a:prstGeom>
+          <a:noFill/>
+          <a:ln w="38100">
+            <a:solidFill>
+              <a:schemeClr val="accent1"/>
+            </a:solidFill>
+          </a:ln>
+          <a:effectLst/>
+          <a:extLst/>
+        </p:spPr>
+        <p:txBody>
+          <a:bodyPr vert="horz" wrap="square" lIns="91440" tIns="45720" rIns="91440" bIns="45720" numCol="1" rtlCol="0" anchor="ctr" anchorCtr="0" compatLnSpc="1">
+            <a:prstTxWarp prst="textNoShape">
+              <a:avLst/>
+            </a:prstTxWarp>
+          </a:bodyPr>
+          <a:lstStyle/>
+          <a:p>
+            <a:pPr algn="ctr">
+              <a:buNone/>
+            </a:pPr>
+            <a:r>
+              <a:rPr lang="de-DE" b="1" dirty="0" smtClean="0">
+                <a:solidFill>
+                  <a:schemeClr val="tx1"/>
+                </a:solidFill>
+              </a:rPr>
+              <a:t>Quellcode </a:t>
+            </a:r>
+            <a:endParaRPr lang="en-US" b="1" dirty="0" err="1" smtClean="0">
+              <a:solidFill>
+                <a:schemeClr val="tx1"/>
+              </a:solidFill>
+            </a:endParaRPr>
+          </a:p>
+        </p:txBody>
+      </p:sp>
+      <p:sp>
+        <p:nvSpPr>
+          <p:cNvPr id="6" name="Textfeld 5"/>
+          <p:cNvSpPr txBox="1"/>
+          <p:nvPr/>
+        </p:nvSpPr>
+        <p:spPr>
+          <a:xfrm>
+            <a:off x="1979640" y="1320973"/>
+            <a:ext cx="1548215" cy="307777"/>
+          </a:xfrm>
+          <a:prstGeom prst="rect">
+            <a:avLst/>
+          </a:prstGeom>
+          <a:noFill/>
+        </p:spPr>
+        <p:txBody>
+          <a:bodyPr wrap="square" rtlCol="0">
+            <a:spAutoFit/>
+          </a:bodyPr>
+          <a:lstStyle/>
+          <a:p>
+            <a:pPr>
+              <a:buNone/>
+            </a:pPr>
+            <a:r>
+              <a:rPr lang="de-DE" sz="1400" b="1" dirty="0" smtClean="0"/>
+              <a:t>Project</a:t>
+            </a:r>
+            <a:endParaRPr lang="en-US" sz="1400" b="1" dirty="0"/>
+          </a:p>
+        </p:txBody>
+      </p:sp>
+      <p:sp>
+        <p:nvSpPr>
+          <p:cNvPr id="7" name="Abgerundetes Rechteck 6"/>
+          <p:cNvSpPr/>
+          <p:nvPr/>
+        </p:nvSpPr>
+        <p:spPr bwMode="auto">
+          <a:xfrm>
+            <a:off x="619830" y="1781150"/>
+            <a:ext cx="3672510" cy="936130"/>
+          </a:xfrm>
+          <a:prstGeom prst="roundRect">
+            <a:avLst/>
+          </a:prstGeom>
+          <a:noFill/>
+          <a:ln w="38100">
+            <a:solidFill>
+              <a:schemeClr val="accent1"/>
+            </a:solidFill>
+          </a:ln>
+          <a:effectLst/>
+          <a:extLst/>
+        </p:spPr>
+        <p:txBody>
+          <a:bodyPr vert="horz" wrap="square" lIns="91440" tIns="45720" rIns="91440" bIns="45720" numCol="1" rtlCol="0" anchor="ctr" anchorCtr="0" compatLnSpc="1">
+            <a:prstTxWarp prst="textNoShape">
+              <a:avLst/>
+            </a:prstTxWarp>
+          </a:bodyPr>
+          <a:lstStyle/>
+          <a:p>
+            <a:pPr algn="ctr">
+              <a:buNone/>
+            </a:pPr>
+            <a:r>
+              <a:rPr lang="de-DE" b="1" dirty="0" smtClean="0">
+                <a:solidFill>
+                  <a:schemeClr val="tx1"/>
+                </a:solidFill>
+              </a:rPr>
+              <a:t> </a:t>
+            </a:r>
+            <a:endParaRPr lang="en-US" b="1" dirty="0" err="1" smtClean="0">
+              <a:solidFill>
+                <a:schemeClr val="tx1"/>
+              </a:solidFill>
+            </a:endParaRPr>
+          </a:p>
+        </p:txBody>
+      </p:sp>
+      <p:cxnSp>
+        <p:nvCxnSpPr>
+          <p:cNvPr id="9" name="Gerade Verbindung mit Pfeil 8"/>
+          <p:cNvCxnSpPr>
+            <a:endCxn id="13" idx="1"/>
+          </p:cNvCxnSpPr>
+          <p:nvPr/>
+        </p:nvCxnSpPr>
+        <p:spPr bwMode="auto">
+          <a:xfrm rot="16200000" flipH="1">
+            <a:off x="2350413" y="3030599"/>
+            <a:ext cx="1327499" cy="1116156"/>
+          </a:xfrm>
+          <a:prstGeom prst="bentConnector2">
+            <a:avLst/>
+          </a:prstGeom>
+          <a:noFill/>
+          <a:ln w="22225" cap="flat" cmpd="sng" algn="ctr">
+            <a:solidFill>
+              <a:schemeClr val="tx1"/>
+            </a:solidFill>
+            <a:prstDash val="sysDash"/>
+            <a:round/>
+            <a:headEnd type="none" w="med" len="med"/>
+            <a:tailEnd type="arrow" w="med" len="med"/>
+          </a:ln>
+          <a:effectLst/>
+          <a:extLst>
+            <a:ext uri="{909E8E84-426E-40DD-AFC4-6F175D3DCCD1}">
+              <a14:hiddenFill xmlns:a14="http://schemas.microsoft.com/office/drawing/2010/main">
+                <a:solidFill>
+                  <a:schemeClr val="accent1"/>
+                </a:solidFill>
+              </a14:hiddenFill>
+            </a:ext>
+            <a:ext uri="{AF507438-7753-43E0-B8FC-AC1667EBCBE1}">
+              <a14:hiddenEffects xmlns:a14="http://schemas.microsoft.com/office/drawing/2010/main">
+                <a:effectLst>
+                  <a:outerShdw dist="35921" dir="2700000" algn="ctr" rotWithShape="0">
+                    <a:schemeClr val="bg2"/>
+                  </a:outerShdw>
+                </a:effectLst>
+              </a14:hiddenEffects>
+            </a:ext>
+          </a:extLst>
+        </p:spPr>
+      </p:cxnSp>
+      <p:sp>
+        <p:nvSpPr>
+          <p:cNvPr id="10" name="Textfeld 9"/>
+          <p:cNvSpPr txBox="1"/>
+          <p:nvPr/>
+        </p:nvSpPr>
+        <p:spPr>
+          <a:xfrm>
+            <a:off x="2365623" y="4296568"/>
+            <a:ext cx="1228807" cy="307777"/>
+          </a:xfrm>
+          <a:prstGeom prst="rect">
+            <a:avLst/>
+          </a:prstGeom>
+          <a:noFill/>
+        </p:spPr>
+        <p:txBody>
+          <a:bodyPr wrap="square" rtlCol="0">
+            <a:spAutoFit/>
+          </a:bodyPr>
+          <a:lstStyle/>
+          <a:p>
+            <a:pPr>
+              <a:buNone/>
+            </a:pPr>
+            <a:r>
+              <a:rPr lang="de-DE" sz="1400" b="1" dirty="0" err="1" smtClean="0"/>
+              <a:t>Build</a:t>
+            </a:r>
+            <a:r>
+              <a:rPr lang="de-DE" sz="1400" b="1" dirty="0" smtClean="0"/>
+              <a:t>/Pack</a:t>
+            </a:r>
+            <a:endParaRPr lang="en-US" sz="1400" b="1" dirty="0"/>
+          </a:p>
+        </p:txBody>
+      </p:sp>
+      <p:sp>
+        <p:nvSpPr>
+          <p:cNvPr id="11" name="Rechteck 10"/>
+          <p:cNvSpPr/>
+          <p:nvPr/>
+        </p:nvSpPr>
+        <p:spPr bwMode="auto">
+          <a:xfrm>
+            <a:off x="3527854" y="3571330"/>
+            <a:ext cx="1475945" cy="1153850"/>
+          </a:xfrm>
+          <a:prstGeom prst="rect">
+            <a:avLst/>
+          </a:prstGeom>
+          <a:noFill/>
+          <a:ln w="38100">
+            <a:solidFill>
+              <a:schemeClr val="tx1"/>
+            </a:solidFill>
+          </a:ln>
+          <a:effectLst/>
+          <a:extLst/>
+        </p:spPr>
+        <p:txBody>
+          <a:bodyPr vert="horz" wrap="square" lIns="91440" tIns="45720" rIns="91440" bIns="45720" numCol="1" rtlCol="0" anchor="ctr" anchorCtr="0" compatLnSpc="1">
+            <a:prstTxWarp prst="textNoShape">
+              <a:avLst/>
+            </a:prstTxWarp>
+          </a:bodyPr>
+          <a:lstStyle/>
+          <a:p>
+            <a:pPr algn="ctr">
+              <a:buNone/>
+            </a:pPr>
+            <a:r>
+              <a:rPr lang="de-DE" b="1" dirty="0" smtClean="0">
+                <a:solidFill>
+                  <a:schemeClr val="tx1"/>
+                </a:solidFill>
+              </a:rPr>
+              <a:t>ein oder mehrere .</a:t>
+            </a:r>
+            <a:r>
+              <a:rPr lang="de-DE" b="1" dirty="0" err="1" smtClean="0">
+                <a:solidFill>
+                  <a:schemeClr val="tx1"/>
+                </a:solidFill>
+              </a:rPr>
+              <a:t>dll</a:t>
+            </a:r>
+            <a:r>
+              <a:rPr lang="de-DE" b="1" dirty="0" err="1">
+                <a:solidFill>
+                  <a:schemeClr val="tx1"/>
+                </a:solidFill>
+              </a:rPr>
+              <a:t>s</a:t>
+            </a:r>
+            <a:endParaRPr lang="en-US" b="1" dirty="0" err="1" smtClean="0">
+              <a:solidFill>
+                <a:schemeClr val="tx1"/>
+              </a:solidFill>
+            </a:endParaRPr>
+          </a:p>
+        </p:txBody>
+      </p:sp>
+      <p:sp>
+        <p:nvSpPr>
+          <p:cNvPr id="12" name="Zylinder 11"/>
+          <p:cNvSpPr/>
+          <p:nvPr/>
+        </p:nvSpPr>
+        <p:spPr bwMode="auto">
+          <a:xfrm>
+            <a:off x="6372250" y="1320973"/>
+            <a:ext cx="866029" cy="1385946"/>
+          </a:xfrm>
+          <a:prstGeom prst="can">
+            <a:avLst/>
+          </a:prstGeom>
+          <a:noFill/>
+          <a:ln w="38100">
+            <a:solidFill>
+              <a:srgbClr val="FF0000"/>
+            </a:solidFill>
+          </a:ln>
+          <a:effectLst/>
+          <a:extLst/>
+        </p:spPr>
+        <p:txBody>
+          <a:bodyPr vert="horz" wrap="square" lIns="91440" tIns="45720" rIns="91440" bIns="45720" numCol="1" rtlCol="0" anchor="ctr" anchorCtr="0" compatLnSpc="1">
+            <a:prstTxWarp prst="textNoShape">
+              <a:avLst/>
+            </a:prstTxWarp>
+          </a:bodyPr>
+          <a:lstStyle/>
+          <a:p>
+            <a:pPr algn="ctr">
+              <a:buNone/>
+            </a:pPr>
+            <a:endParaRPr lang="en-US" b="1" dirty="0" err="1" smtClean="0">
+              <a:solidFill>
+                <a:schemeClr val="tx1"/>
+              </a:solidFill>
+            </a:endParaRPr>
+          </a:p>
+        </p:txBody>
+      </p:sp>
+      <p:sp>
+        <p:nvSpPr>
+          <p:cNvPr id="13" name="Rechteck 12"/>
+          <p:cNvSpPr/>
+          <p:nvPr/>
+        </p:nvSpPr>
+        <p:spPr bwMode="auto">
+          <a:xfrm>
+            <a:off x="3572240" y="3627273"/>
+            <a:ext cx="1583960" cy="1250307"/>
+          </a:xfrm>
+          <a:prstGeom prst="rect">
+            <a:avLst/>
+          </a:prstGeom>
+          <a:noFill/>
+          <a:ln w="38100">
+            <a:solidFill>
+              <a:schemeClr val="tx1"/>
+            </a:solidFill>
+          </a:ln>
+          <a:effectLst/>
+          <a:extLst/>
+        </p:spPr>
+        <p:txBody>
+          <a:bodyPr vert="horz" wrap="square" lIns="91440" tIns="45720" rIns="91440" bIns="45720" numCol="1" rtlCol="0" anchor="ctr" anchorCtr="0" compatLnSpc="1">
+            <a:prstTxWarp prst="textNoShape">
+              <a:avLst/>
+            </a:prstTxWarp>
+          </a:bodyPr>
+          <a:lstStyle/>
+          <a:p>
+            <a:pPr algn="ctr">
+              <a:buNone/>
+            </a:pPr>
+            <a:endParaRPr lang="en-US" b="1" dirty="0" err="1" smtClean="0">
+              <a:solidFill>
+                <a:schemeClr val="tx1"/>
+              </a:solidFill>
+            </a:endParaRPr>
+          </a:p>
+        </p:txBody>
+      </p:sp>
+      <p:sp>
+        <p:nvSpPr>
+          <p:cNvPr id="14" name="Flussdiagramm: Dokument 13"/>
+          <p:cNvSpPr/>
+          <p:nvPr/>
+        </p:nvSpPr>
+        <p:spPr bwMode="auto">
+          <a:xfrm>
+            <a:off x="6372250" y="4581160"/>
+            <a:ext cx="1440200" cy="1153850"/>
+          </a:xfrm>
+          <a:prstGeom prst="flowChartDocument">
+            <a:avLst/>
+          </a:prstGeom>
+          <a:noFill/>
+          <a:ln w="38100">
+            <a:solidFill>
+              <a:schemeClr val="accent2"/>
+            </a:solidFill>
+          </a:ln>
+          <a:effectLst/>
+          <a:extLst/>
+        </p:spPr>
+        <p:txBody>
+          <a:bodyPr vert="horz" wrap="square" lIns="91440" tIns="45720" rIns="91440" bIns="45720" numCol="1" rtlCol="0" anchor="ctr" anchorCtr="0" compatLnSpc="1">
+            <a:prstTxWarp prst="textNoShape">
+              <a:avLst/>
+            </a:prstTxWarp>
+          </a:bodyPr>
+          <a:lstStyle/>
+          <a:p>
+            <a:pPr algn="ctr">
+              <a:buNone/>
+            </a:pPr>
+            <a:endParaRPr lang="en-US" b="1" dirty="0" err="1" smtClean="0">
+              <a:solidFill>
+                <a:schemeClr val="tx1"/>
+              </a:solidFill>
+            </a:endParaRPr>
+          </a:p>
+        </p:txBody>
+      </p:sp>
+      <p:cxnSp>
+        <p:nvCxnSpPr>
+          <p:cNvPr id="15" name="Gerade Verbindung mit Pfeil 14"/>
+          <p:cNvCxnSpPr/>
+          <p:nvPr/>
+        </p:nvCxnSpPr>
+        <p:spPr bwMode="auto">
+          <a:xfrm flipV="1">
+            <a:off x="5300481" y="2618112"/>
+            <a:ext cx="1008140" cy="897608"/>
+          </a:xfrm>
+          <a:prstGeom prst="straightConnector1">
+            <a:avLst/>
+          </a:prstGeom>
+          <a:noFill/>
+          <a:ln w="22225" cap="flat" cmpd="sng" algn="ctr">
+            <a:solidFill>
+              <a:schemeClr val="tx1"/>
+            </a:solidFill>
+            <a:prstDash val="sysDash"/>
+            <a:round/>
+            <a:headEnd type="none" w="med" len="med"/>
+            <a:tailEnd type="stealth" w="med" len="med"/>
+          </a:ln>
+          <a:effectLst/>
+          <a:extLst>
+            <a:ext uri="{909E8E84-426E-40DD-AFC4-6F175D3DCCD1}">
+              <a14:hiddenFill xmlns:a14="http://schemas.microsoft.com/office/drawing/2010/main">
+                <a:solidFill>
+                  <a:schemeClr val="accent1"/>
+                </a:solidFill>
+              </a14:hiddenFill>
+            </a:ext>
+            <a:ext uri="{AF507438-7753-43E0-B8FC-AC1667EBCBE1}">
+              <a14:hiddenEffects xmlns:a14="http://schemas.microsoft.com/office/drawing/2010/main">
+                <a:effectLst>
+                  <a:outerShdw dist="35921" dir="2700000" algn="ctr" rotWithShape="0">
+                    <a:schemeClr val="bg2"/>
+                  </a:outerShdw>
+                </a:effectLst>
+              </a14:hiddenEffects>
+            </a:ext>
+          </a:extLst>
+        </p:spPr>
+      </p:cxnSp>
+      <p:cxnSp>
+        <p:nvCxnSpPr>
+          <p:cNvPr id="19" name="Gerade Verbindung mit Pfeil 18"/>
+          <p:cNvCxnSpPr/>
+          <p:nvPr/>
+        </p:nvCxnSpPr>
+        <p:spPr bwMode="auto">
+          <a:xfrm flipH="1" flipV="1">
+            <a:off x="6940368" y="2850939"/>
+            <a:ext cx="7962" cy="1627128"/>
+          </a:xfrm>
+          <a:prstGeom prst="straightConnector1">
+            <a:avLst/>
+          </a:prstGeom>
+          <a:noFill/>
+          <a:ln w="22225" cap="flat" cmpd="sng" algn="ctr">
+            <a:solidFill>
+              <a:schemeClr val="tx1"/>
+            </a:solidFill>
+            <a:prstDash val="sysDash"/>
+            <a:round/>
+            <a:headEnd type="arrow" w="med" len="med"/>
+            <a:tailEnd type="none" w="med" len="med"/>
+          </a:ln>
+          <a:effectLst/>
+          <a:extLst>
+            <a:ext uri="{909E8E84-426E-40DD-AFC4-6F175D3DCCD1}">
+              <a14:hiddenFill xmlns:a14="http://schemas.microsoft.com/office/drawing/2010/main">
+                <a:solidFill>
+                  <a:schemeClr val="accent1"/>
+                </a:solidFill>
+              </a14:hiddenFill>
+            </a:ext>
+            <a:ext uri="{AF507438-7753-43E0-B8FC-AC1667EBCBE1}">
+              <a14:hiddenEffects xmlns:a14="http://schemas.microsoft.com/office/drawing/2010/main">
+                <a:effectLst>
+                  <a:outerShdw dist="35921" dir="2700000" algn="ctr" rotWithShape="0">
+                    <a:schemeClr val="bg2"/>
+                  </a:outerShdw>
+                </a:effectLst>
+              </a14:hiddenEffects>
+            </a:ext>
+          </a:extLst>
+        </p:spPr>
+      </p:cxnSp>
+      <p:sp>
+        <p:nvSpPr>
+          <p:cNvPr id="23" name="Flussdiagramm: Mehrere Dokumente 22"/>
+          <p:cNvSpPr/>
+          <p:nvPr/>
+        </p:nvSpPr>
+        <p:spPr bwMode="auto">
+          <a:xfrm>
+            <a:off x="6805264" y="4725180"/>
+            <a:ext cx="791156" cy="648090"/>
+          </a:xfrm>
+          <a:prstGeom prst="flowChartMultidocument">
+            <a:avLst/>
+          </a:prstGeom>
+          <a:noFill/>
+          <a:ln w="12700">
+            <a:solidFill>
+              <a:schemeClr val="accent2"/>
+            </a:solidFill>
+          </a:ln>
+          <a:effectLst/>
+          <a:extLst/>
+        </p:spPr>
+        <p:txBody>
+          <a:bodyPr vert="horz" wrap="square" lIns="91440" tIns="45720" rIns="91440" bIns="45720" numCol="1" rtlCol="0" anchor="ctr" anchorCtr="0" compatLnSpc="1">
+            <a:prstTxWarp prst="textNoShape">
+              <a:avLst/>
+            </a:prstTxWarp>
+          </a:bodyPr>
+          <a:lstStyle/>
+          <a:p>
+            <a:pPr algn="ctr">
+              <a:buNone/>
+            </a:pPr>
+            <a:endParaRPr lang="en-US" b="1" dirty="0" err="1" smtClean="0">
+              <a:solidFill>
+                <a:schemeClr val="tx1"/>
+              </a:solidFill>
+            </a:endParaRPr>
+          </a:p>
+        </p:txBody>
+      </p:sp>
+      <p:sp>
+        <p:nvSpPr>
+          <p:cNvPr id="24" name="Textfeld 23"/>
+          <p:cNvSpPr txBox="1"/>
+          <p:nvPr/>
+        </p:nvSpPr>
+        <p:spPr>
+          <a:xfrm>
+            <a:off x="6372250" y="5735010"/>
+            <a:ext cx="1800250" cy="738664"/>
+          </a:xfrm>
+          <a:prstGeom prst="rect">
+            <a:avLst/>
+          </a:prstGeom>
+          <a:noFill/>
+        </p:spPr>
+        <p:txBody>
+          <a:bodyPr wrap="square" rtlCol="0">
+            <a:spAutoFit/>
+          </a:bodyPr>
+          <a:lstStyle/>
+          <a:p>
+            <a:pPr>
+              <a:buNone/>
+            </a:pPr>
+            <a:r>
+              <a:rPr lang="de-DE" sz="1400" dirty="0" smtClean="0"/>
+              <a:t>Zielprojekte, die Pakete nutzen können</a:t>
+            </a:r>
+            <a:endParaRPr lang="en-US" sz="1400" dirty="0"/>
+          </a:p>
+        </p:txBody>
+      </p:sp>
+      <p:sp>
+        <p:nvSpPr>
+          <p:cNvPr id="26" name="Textfeld 25"/>
+          <p:cNvSpPr txBox="1"/>
+          <p:nvPr/>
+        </p:nvSpPr>
+        <p:spPr>
+          <a:xfrm>
+            <a:off x="6282925" y="988654"/>
+            <a:ext cx="1539835" cy="307777"/>
+          </a:xfrm>
+          <a:prstGeom prst="rect">
+            <a:avLst/>
+          </a:prstGeom>
+          <a:noFill/>
+        </p:spPr>
+        <p:txBody>
+          <a:bodyPr wrap="square" rtlCol="0">
+            <a:spAutoFit/>
+          </a:bodyPr>
+          <a:lstStyle/>
+          <a:p>
+            <a:pPr>
+              <a:buNone/>
+            </a:pPr>
+            <a:r>
+              <a:rPr lang="de-DE" sz="1400" dirty="0" smtClean="0"/>
+              <a:t>Private host</a:t>
+            </a:r>
+            <a:endParaRPr lang="en-US" sz="1400" dirty="0"/>
+          </a:p>
+        </p:txBody>
+      </p:sp>
+      <p:sp>
+        <p:nvSpPr>
+          <p:cNvPr id="30" name="Textfeld 29"/>
+          <p:cNvSpPr txBox="1"/>
+          <p:nvPr/>
+        </p:nvSpPr>
+        <p:spPr>
+          <a:xfrm rot="18969904">
+            <a:off x="5133432" y="2653148"/>
+            <a:ext cx="1279157" cy="276999"/>
+          </a:xfrm>
+          <a:prstGeom prst="rect">
+            <a:avLst/>
+          </a:prstGeom>
+          <a:noFill/>
+        </p:spPr>
+        <p:txBody>
+          <a:bodyPr wrap="square" rtlCol="0">
+            <a:spAutoFit/>
+          </a:bodyPr>
+          <a:lstStyle/>
+          <a:p>
+            <a:pPr>
+              <a:buNone/>
+            </a:pPr>
+            <a:r>
+              <a:rPr lang="de-DE" sz="1200" dirty="0" err="1" smtClean="0"/>
+              <a:t>publish</a:t>
+            </a:r>
+            <a:endParaRPr lang="en-US" sz="1200" dirty="0"/>
+          </a:p>
+        </p:txBody>
+      </p:sp>
+      <p:sp>
+        <p:nvSpPr>
+          <p:cNvPr id="31" name="Textfeld 30"/>
+          <p:cNvSpPr txBox="1"/>
+          <p:nvPr/>
+        </p:nvSpPr>
+        <p:spPr>
+          <a:xfrm>
+            <a:off x="6282925" y="3627273"/>
+            <a:ext cx="1097465" cy="276999"/>
+          </a:xfrm>
+          <a:prstGeom prst="rect">
+            <a:avLst/>
+          </a:prstGeom>
+          <a:noFill/>
+        </p:spPr>
+        <p:txBody>
+          <a:bodyPr wrap="square" rtlCol="0">
+            <a:spAutoFit/>
+          </a:bodyPr>
+          <a:lstStyle/>
+          <a:p>
+            <a:pPr>
+              <a:buNone/>
+            </a:pPr>
+            <a:r>
+              <a:rPr lang="de-DE" sz="1200" dirty="0" err="1" smtClean="0"/>
+              <a:t>Install</a:t>
+            </a:r>
+            <a:endParaRPr lang="en-US" sz="1200" dirty="0"/>
+          </a:p>
+        </p:txBody>
+      </p:sp>
+      <p:sp>
+        <p:nvSpPr>
+          <p:cNvPr id="33" name="Textfeld 32"/>
+          <p:cNvSpPr txBox="1"/>
+          <p:nvPr/>
+        </p:nvSpPr>
+        <p:spPr>
+          <a:xfrm>
+            <a:off x="6940368" y="3611883"/>
+            <a:ext cx="1539619" cy="307777"/>
+          </a:xfrm>
+          <a:prstGeom prst="rect">
+            <a:avLst/>
+          </a:prstGeom>
+          <a:noFill/>
+        </p:spPr>
+        <p:txBody>
+          <a:bodyPr wrap="square" rtlCol="0">
+            <a:spAutoFit/>
+          </a:bodyPr>
+          <a:lstStyle/>
+          <a:p>
+            <a:pPr>
+              <a:buNone/>
+            </a:pPr>
+            <a:r>
+              <a:rPr lang="de-DE" sz="1400" dirty="0" err="1" smtClean="0"/>
+              <a:t>restore</a:t>
+            </a:r>
+            <a:endParaRPr lang="en-US" sz="1400" dirty="0"/>
+          </a:p>
+        </p:txBody>
+      </p:sp>
+    </p:spTree>
+    <p:extLst>
+      <p:ext uri="{BB962C8B-B14F-4D97-AF65-F5344CB8AC3E}">
+        <p14:creationId xmlns:p14="http://schemas.microsoft.com/office/powerpoint/2010/main" val="8022877"/>
+      </p:ext>
+    </p:extLst>
+  </p:cSld>
+  <p:clrMapOvr>
+    <a:masterClrMapping/>
+  </p:clrMapOvr>
+  <p:transition>
+    <p:zoom/>
+  </p:transition>
+  <p:timing>
+    <p:tnLst>
+      <p:par>
+        <p:cTn id="1" dur="indefinite" restart="never" nodeType="tmRoot">
+          <p:childTnLst>
+            <p:seq concurrent="1" nextAc="seek">
+              <p:cTn id="2" dur="indefinite" nodeType="mainSeq">
+                <p:childTnLst>
+                  <p:par>
+                    <p:cTn id="3" fill="hold">
+                      <p:stCondLst>
+                        <p:cond delay="indefinite"/>
+                      </p:stCondLst>
+                      <p:childTnLst>
+                        <p:par>
+                          <p:cTn id="4" fill="hold">
+                            <p:stCondLst>
+                              <p:cond delay="0"/>
+                            </p:stCondLst>
+                            <p:childTnLst>
+                              <p:par>
+                                <p:cTn id="5" presetID="22" presetClass="entr" presetSubtype="4" fill="hold" nodeType="clickEffect">
+                                  <p:stCondLst>
+                                    <p:cond delay="0"/>
+                                  </p:stCondLst>
+                                  <p:childTnLst>
+                                    <p:set>
+                                      <p:cBhvr>
+                                        <p:cTn id="6" dur="1" fill="hold">
+                                          <p:stCondLst>
+                                            <p:cond delay="0"/>
+                                          </p:stCondLst>
+                                        </p:cTn>
+                                        <p:tgtEl>
+                                          <p:spTgt spid="10">
+                                            <p:txEl>
+                                              <p:pRg st="0" end="0"/>
+                                            </p:txEl>
+                                          </p:spTgt>
+                                        </p:tgtEl>
+                                        <p:attrNameLst>
+                                          <p:attrName>style.visibility</p:attrName>
+                                        </p:attrNameLst>
+                                      </p:cBhvr>
+                                      <p:to>
+                                        <p:strVal val="visible"/>
+                                      </p:to>
+                                    </p:set>
+                                    <p:animEffect transition="in" filter="wipe(down)">
+                                      <p:cBhvr>
+                                        <p:cTn id="7" dur="500"/>
+                                        <p:tgtEl>
+                                          <p:spTgt spid="10">
+                                            <p:txEl>
+                                              <p:pRg st="0" end="0"/>
+                                            </p:txEl>
+                                          </p:spTgt>
+                                        </p:tgtEl>
+                                      </p:cBhvr>
+                                    </p:animEffect>
+                                  </p:childTnLst>
+                                </p:cTn>
+                              </p:par>
+                            </p:childTnLst>
+                          </p:cTn>
+                        </p:par>
+                      </p:childTnLst>
+                    </p:cTn>
+                  </p:par>
+                  <p:par>
+                    <p:cTn id="8" fill="hold">
+                      <p:stCondLst>
+                        <p:cond delay="indefinite"/>
+                      </p:stCondLst>
+                      <p:childTnLst>
+                        <p:par>
+                          <p:cTn id="9" fill="hold">
+                            <p:stCondLst>
+                              <p:cond delay="0"/>
+                            </p:stCondLst>
+                            <p:childTnLst>
+                              <p:par>
+                                <p:cTn id="10" presetID="22" presetClass="entr" presetSubtype="4" fill="hold" nodeType="clickEffect">
+                                  <p:stCondLst>
+                                    <p:cond delay="0"/>
+                                  </p:stCondLst>
+                                  <p:childTnLst>
+                                    <p:set>
+                                      <p:cBhvr>
+                                        <p:cTn id="11" dur="1" fill="hold">
+                                          <p:stCondLst>
+                                            <p:cond delay="0"/>
+                                          </p:stCondLst>
+                                        </p:cTn>
+                                        <p:tgtEl>
+                                          <p:spTgt spid="30">
+                                            <p:txEl>
+                                              <p:pRg st="0" end="0"/>
+                                            </p:txEl>
+                                          </p:spTgt>
+                                        </p:tgtEl>
+                                        <p:attrNameLst>
+                                          <p:attrName>style.visibility</p:attrName>
+                                        </p:attrNameLst>
+                                      </p:cBhvr>
+                                      <p:to>
+                                        <p:strVal val="visible"/>
+                                      </p:to>
+                                    </p:set>
+                                    <p:animEffect transition="in" filter="wipe(down)">
+                                      <p:cBhvr>
+                                        <p:cTn id="12" dur="500"/>
+                                        <p:tgtEl>
+                                          <p:spTgt spid="30">
+                                            <p:txEl>
+                                              <p:pRg st="0" end="0"/>
+                                            </p:txEl>
+                                          </p:spTgt>
+                                        </p:tgtEl>
+                                      </p:cBhvr>
+                                    </p:animEffect>
+                                  </p:childTnLst>
+                                </p:cTn>
+                              </p:par>
+                            </p:childTnLst>
+                          </p:cTn>
+                        </p:par>
+                      </p:childTnLst>
+                    </p:cTn>
+                  </p:par>
+                  <p:par>
+                    <p:cTn id="13" fill="hold">
+                      <p:stCondLst>
+                        <p:cond delay="indefinite"/>
+                      </p:stCondLst>
+                      <p:childTnLst>
+                        <p:par>
+                          <p:cTn id="14" fill="hold">
+                            <p:stCondLst>
+                              <p:cond delay="0"/>
+                            </p:stCondLst>
+                            <p:childTnLst>
+                              <p:par>
+                                <p:cTn id="15" presetID="22" presetClass="entr" presetSubtype="4" fill="hold" nodeType="clickEffect">
+                                  <p:stCondLst>
+                                    <p:cond delay="0"/>
+                                  </p:stCondLst>
+                                  <p:childTnLst>
+                                    <p:set>
+                                      <p:cBhvr>
+                                        <p:cTn id="16" dur="1" fill="hold">
+                                          <p:stCondLst>
+                                            <p:cond delay="0"/>
+                                          </p:stCondLst>
+                                        </p:cTn>
+                                        <p:tgtEl>
+                                          <p:spTgt spid="31">
+                                            <p:txEl>
+                                              <p:pRg st="0" end="0"/>
+                                            </p:txEl>
+                                          </p:spTgt>
+                                        </p:tgtEl>
+                                        <p:attrNameLst>
+                                          <p:attrName>style.visibility</p:attrName>
+                                        </p:attrNameLst>
+                                      </p:cBhvr>
+                                      <p:to>
+                                        <p:strVal val="visible"/>
+                                      </p:to>
+                                    </p:set>
+                                    <p:animEffect transition="in" filter="wipe(down)">
+                                      <p:cBhvr>
+                                        <p:cTn id="17" dur="500"/>
+                                        <p:tgtEl>
+                                          <p:spTgt spid="31">
+                                            <p:txEl>
+                                              <p:pRg st="0" end="0"/>
+                                            </p:txEl>
+                                          </p:spTgt>
+                                        </p:tgtEl>
+                                      </p:cBhvr>
+                                    </p:animEffect>
+                                  </p:childTnLst>
+                                </p:cTn>
+                              </p:par>
+                              <p:par>
+                                <p:cTn id="18" presetID="22" presetClass="entr" presetSubtype="4" fill="hold" nodeType="withEffect">
+                                  <p:stCondLst>
+                                    <p:cond delay="0"/>
+                                  </p:stCondLst>
+                                  <p:childTnLst>
+                                    <p:set>
+                                      <p:cBhvr>
+                                        <p:cTn id="19" dur="1" fill="hold">
+                                          <p:stCondLst>
+                                            <p:cond delay="0"/>
+                                          </p:stCondLst>
+                                        </p:cTn>
+                                        <p:tgtEl>
+                                          <p:spTgt spid="33">
+                                            <p:txEl>
+                                              <p:pRg st="0" end="0"/>
+                                            </p:txEl>
+                                          </p:spTgt>
+                                        </p:tgtEl>
+                                        <p:attrNameLst>
+                                          <p:attrName>style.visibility</p:attrName>
+                                        </p:attrNameLst>
+                                      </p:cBhvr>
+                                      <p:to>
+                                        <p:strVal val="visible"/>
+                                      </p:to>
+                                    </p:set>
+                                    <p:animEffect transition="in" filter="wipe(down)">
+                                      <p:cBhvr>
+                                        <p:cTn id="20" dur="500"/>
+                                        <p:tgtEl>
+                                          <p:spTgt spid="33">
+                                            <p:txEl>
+                                              <p:pRg st="0" end="0"/>
+                                            </p:txEl>
+                                          </p:spTgt>
+                                        </p:tgtEl>
+                                      </p:cBhvr>
+                                    </p:animEffect>
+                                  </p:childTnLst>
+                                </p:cTn>
+                              </p:par>
+                            </p:childTnLst>
+                          </p:cTn>
+                        </p:par>
+                      </p:childTnLst>
+                    </p:cTn>
+                  </p:par>
+                </p:childTnLst>
+              </p:cTn>
+              <p:prevCondLst>
+                <p:cond evt="onPrev" delay="0">
+                  <p:tgtEl>
+                    <p:sldTgt/>
+                  </p:tgtEl>
+                </p:cond>
+              </p:prevCondLst>
+              <p:nextCondLst>
+                <p:cond evt="onNext" delay="0">
+                  <p:tgtEl>
+                    <p:sldTgt/>
+                  </p:tgtEl>
+                </p:cond>
+              </p:nextCondLst>
+            </p:seq>
+          </p:childTnLst>
+        </p:cTn>
+      </p:par>
+    </p:tnLst>
+  </p:timing>
+</p:sld>
+</file>
+
+<file path=ppt/slides/slide17.xml><?xml version="1.0" encoding="utf-8"?>
+<p:sld xmlns:a="http://schemas.openxmlformats.org/drawingml/2006/main" xmlns:r="http://schemas.openxmlformats.org/officeDocument/2006/relationships" xmlns:p="http://schemas.openxmlformats.org/presentationml/2006/main">
+  <p:cSld>
+    <p:spTree>
+      <p:nvGrpSpPr>
+        <p:cNvPr id="1" name=""/>
+        <p:cNvGrpSpPr/>
+        <p:nvPr/>
+      </p:nvGrpSpPr>
+      <p:grpSpPr>
+        <a:xfrm>
+          <a:off x="0" y="0"/>
+          <a:ext cx="0" cy="0"/>
+          <a:chOff x="0" y="0"/>
+          <a:chExt cx="0" cy="0"/>
+        </a:xfrm>
+      </p:grpSpPr>
+      <p:sp>
+        <p:nvSpPr>
           <p:cNvPr id="6" name="Fußzeilenplatzhalter 3">
             <a:extLst>
               <a:ext uri="{FF2B5EF4-FFF2-40B4-BE49-F238E27FC236}">
@@ -25953,7 +27966,7 @@
                 <a:buFontTx/>
                 <a:buNone/>
               </a:pPr>
-              <a:t>15</a:t>
+              <a:t>17</a:t>
             </a:fld>
             <a:endParaRPr lang="de-DE" altLang="de-DE" sz="1100" b="1">
               <a:solidFill>
@@ -26777,7 +28790,7 @@
 </p:sld>
 </file>
 
-<file path=ppt/slides/slide16.xml><?xml version="1.0" encoding="utf-8"?>
+<file path=ppt/slides/slide18.xml><?xml version="1.0" encoding="utf-8"?>
 <p:sld xmlns:a="http://schemas.openxmlformats.org/drawingml/2006/main" xmlns:r="http://schemas.openxmlformats.org/officeDocument/2006/relationships" xmlns:p="http://schemas.openxmlformats.org/presentationml/2006/main">
   <p:cSld>
     <p:spTree>
@@ -27174,7 +29187,7 @@
 </p:sld>
 </file>
 
-<file path=ppt/slides/slide17.xml><?xml version="1.0" encoding="utf-8"?>
+<file path=ppt/slides/slide19.xml><?xml version="1.0" encoding="utf-8"?>
 <p:sld xmlns:a="http://schemas.openxmlformats.org/drawingml/2006/main" xmlns:r="http://schemas.openxmlformats.org/officeDocument/2006/relationships" xmlns:p="http://schemas.openxmlformats.org/presentationml/2006/main">
   <p:cSld>
     <p:spTree>
@@ -27842,10 +29855,314 @@
   <p:transition>
     <p:zoom/>
   </p:transition>
+  <p:timing>
+    <p:tnLst>
+      <p:par>
+        <p:cTn id="1" dur="indefinite" restart="never" nodeType="tmRoot"/>
+      </p:par>
+    </p:tnLst>
+  </p:timing>
 </p:sld>
 </file>
 
-<file path=ppt/slides/slide18.xml><?xml version="1.0" encoding="utf-8"?>
+<file path=ppt/slides/slide2.xml><?xml version="1.0" encoding="utf-8"?>
+<p:sld xmlns:a="http://schemas.openxmlformats.org/drawingml/2006/main" xmlns:r="http://schemas.openxmlformats.org/officeDocument/2006/relationships" xmlns:p="http://schemas.openxmlformats.org/presentationml/2006/main">
+  <p:cSld>
+    <p:spTree>
+      <p:nvGrpSpPr>
+        <p:cNvPr id="1" name=""/>
+        <p:cNvGrpSpPr/>
+        <p:nvPr/>
+      </p:nvGrpSpPr>
+      <p:grpSpPr>
+        <a:xfrm>
+          <a:off x="0" y="0"/>
+          <a:ext cx="0" cy="0"/>
+          <a:chOff x="0" y="0"/>
+          <a:chExt cx="0" cy="0"/>
+        </a:xfrm>
+      </p:grpSpPr>
+      <p:sp>
+        <p:nvSpPr>
+          <p:cNvPr id="5" name="Rectangle 18">
+            <a:extLst>
+              <a:ext uri="{FF2B5EF4-FFF2-40B4-BE49-F238E27FC236}">
+                <a16:creationId xmlns:a16="http://schemas.microsoft.com/office/drawing/2014/main" id="{3E73B589-F3D6-411E-B61F-E436DE368AE4}"/>
+              </a:ext>
+            </a:extLst>
+          </p:cNvPr>
+          <p:cNvSpPr>
+            <a:spLocks noGrp="1" noChangeArrowheads="1"/>
+          </p:cNvSpPr>
+          <p:nvPr>
+            <p:ph type="ftr" sz="quarter" idx="3"/>
+          </p:nvPr>
+        </p:nvSpPr>
+        <p:spPr/>
+        <p:txBody>
+          <a:bodyPr/>
+          <a:lstStyle/>
+          <a:p>
+            <a:r>
+              <a:rPr lang="de-DE" altLang="de-DE"/>
+              <a:t>www.hilscher.com</a:t>
+            </a:r>
+            <a:endParaRPr lang="de-DE" altLang="de-DE" sz="1400">
+              <a:solidFill>
+                <a:schemeClr val="bg1"/>
+              </a:solidFill>
+            </a:endParaRPr>
+          </a:p>
+        </p:txBody>
+      </p:sp>
+      <p:pic>
+        <p:nvPicPr>
+          <p:cNvPr id="34818" name="Picture 2" descr="Logo">
+            <a:extLst>
+              <a:ext uri="{FF2B5EF4-FFF2-40B4-BE49-F238E27FC236}">
+                <a16:creationId xmlns:a16="http://schemas.microsoft.com/office/drawing/2014/main" id="{C7288714-4EAC-4C9E-9BE4-B757EAF5F666}"/>
+              </a:ext>
+            </a:extLst>
+          </p:cNvPr>
+          <p:cNvPicPr>
+            <a:picLocks noChangeAspect="1" noChangeArrowheads="1"/>
+          </p:cNvPicPr>
+          <p:nvPr/>
+        </p:nvPicPr>
+        <p:blipFill>
+          <a:blip r:embed="rId3">
+            <a:extLst>
+              <a:ext uri="{28A0092B-C50C-407E-A947-70E740481C1C}">
+                <a14:useLocalDpi xmlns:a14="http://schemas.microsoft.com/office/drawing/2010/main" val="0"/>
+              </a:ext>
+            </a:extLst>
+          </a:blip>
+          <a:srcRect/>
+          <a:stretch>
+            <a:fillRect/>
+          </a:stretch>
+        </p:blipFill>
+        <p:spPr bwMode="auto">
+          <a:xfrm>
+            <a:off x="7596188" y="333375"/>
+            <a:ext cx="1079500" cy="850900"/>
+          </a:xfrm>
+          <a:prstGeom prst="rect">
+            <a:avLst/>
+          </a:prstGeom>
+          <a:noFill/>
+          <a:extLst>
+            <a:ext uri="{909E8E84-426E-40DD-AFC4-6F175D3DCCD1}">
+              <a14:hiddenFill xmlns:a14="http://schemas.microsoft.com/office/drawing/2010/main">
+                <a:solidFill>
+                  <a:srgbClr val="FFFFFF"/>
+                </a:solidFill>
+              </a14:hiddenFill>
+            </a:ext>
+          </a:extLst>
+        </p:spPr>
+      </p:pic>
+      <p:sp>
+        <p:nvSpPr>
+          <p:cNvPr id="34821" name="Rectangle 5">
+            <a:extLst>
+              <a:ext uri="{FF2B5EF4-FFF2-40B4-BE49-F238E27FC236}">
+                <a16:creationId xmlns:a16="http://schemas.microsoft.com/office/drawing/2014/main" id="{C94500B0-C324-42B8-9AF9-0CA5AEB49F86}"/>
+              </a:ext>
+            </a:extLst>
+          </p:cNvPr>
+          <p:cNvSpPr>
+            <a:spLocks noChangeArrowheads="1"/>
+          </p:cNvSpPr>
+          <p:nvPr/>
+        </p:nvSpPr>
+        <p:spPr bwMode="auto">
+          <a:xfrm>
+            <a:off x="395288" y="4251325"/>
+            <a:ext cx="7848600" cy="477054"/>
+          </a:xfrm>
+          <a:prstGeom prst="rect">
+            <a:avLst/>
+          </a:prstGeom>
+          <a:noFill/>
+          <a:ln>
+            <a:noFill/>
+          </a:ln>
+          <a:effectLst/>
+          <a:extLst>
+            <a:ext uri="{909E8E84-426E-40DD-AFC4-6F175D3DCCD1}">
+              <a14:hiddenFill xmlns:a14="http://schemas.microsoft.com/office/drawing/2010/main">
+                <a:solidFill>
+                  <a:schemeClr val="accent1"/>
+                </a:solidFill>
+              </a14:hiddenFill>
+            </a:ext>
+            <a:ext uri="{91240B29-F687-4F45-9708-019B960494DF}">
+              <a14:hiddenLine xmlns:a14="http://schemas.microsoft.com/office/drawing/2010/main" w="9525">
+                <a:solidFill>
+                  <a:schemeClr val="tx1"/>
+                </a:solidFill>
+                <a:miter lim="800000"/>
+                <a:headEnd/>
+                <a:tailEnd/>
+              </a14:hiddenLine>
+            </a:ext>
+            <a:ext uri="{AF507438-7753-43E0-B8FC-AC1667EBCBE1}">
+              <a14:hiddenEffects xmlns:a14="http://schemas.microsoft.com/office/drawing/2010/main">
+                <a:effectLst>
+                  <a:outerShdw dist="35921" dir="2700000" algn="ctr" rotWithShape="0">
+                    <a:schemeClr val="bg2"/>
+                  </a:outerShdw>
+                </a:effectLst>
+              </a14:hiddenEffects>
+            </a:ext>
+          </a:extLst>
+        </p:spPr>
+        <p:txBody>
+          <a:bodyPr>
+            <a:spAutoFit/>
+          </a:bodyPr>
+          <a:lstStyle/>
+          <a:p>
+            <a:pPr>
+              <a:spcBef>
+                <a:spcPct val="0"/>
+              </a:spcBef>
+              <a:buClrTx/>
+              <a:buSzTx/>
+              <a:buFontTx/>
+              <a:buNone/>
+            </a:pPr>
+            <a:r>
+              <a:rPr lang="de-DE" altLang="de-DE" sz="2500" b="1" dirty="0" err="1">
+                <a:solidFill>
+                  <a:schemeClr val="bg1"/>
+                </a:solidFill>
+              </a:rPr>
+              <a:t>Topology</a:t>
+            </a:r>
+            <a:r>
+              <a:rPr lang="de-DE" altLang="de-DE" sz="2500" b="1" dirty="0">
+                <a:solidFill>
+                  <a:schemeClr val="bg1"/>
+                </a:solidFill>
+              </a:rPr>
+              <a:t>-Editor</a:t>
+            </a:r>
+            <a:endParaRPr lang="de-DE" altLang="de-DE" sz="1400" dirty="0">
+              <a:solidFill>
+                <a:schemeClr val="bg1"/>
+              </a:solidFill>
+            </a:endParaRPr>
+          </a:p>
+        </p:txBody>
+      </p:sp>
+      <p:sp>
+        <p:nvSpPr>
+          <p:cNvPr id="34822" name="Rectangle 6">
+            <a:extLst>
+              <a:ext uri="{FF2B5EF4-FFF2-40B4-BE49-F238E27FC236}">
+                <a16:creationId xmlns:a16="http://schemas.microsoft.com/office/drawing/2014/main" id="{2C98D913-F42E-4853-ABC6-CEFB1163E883}"/>
+              </a:ext>
+            </a:extLst>
+          </p:cNvPr>
+          <p:cNvSpPr>
+            <a:spLocks noChangeArrowheads="1"/>
+          </p:cNvSpPr>
+          <p:nvPr/>
+        </p:nvSpPr>
+        <p:spPr bwMode="auto">
+          <a:xfrm>
+            <a:off x="395288" y="4652963"/>
+            <a:ext cx="7200900" cy="366712"/>
+          </a:xfrm>
+          <a:prstGeom prst="rect">
+            <a:avLst/>
+          </a:prstGeom>
+          <a:noFill/>
+          <a:ln>
+            <a:noFill/>
+          </a:ln>
+          <a:effectLst/>
+          <a:extLst>
+            <a:ext uri="{909E8E84-426E-40DD-AFC4-6F175D3DCCD1}">
+              <a14:hiddenFill xmlns:a14="http://schemas.microsoft.com/office/drawing/2010/main">
+                <a:solidFill>
+                  <a:schemeClr val="accent1"/>
+                </a:solidFill>
+              </a14:hiddenFill>
+            </a:ext>
+            <a:ext uri="{91240B29-F687-4F45-9708-019B960494DF}">
+              <a14:hiddenLine xmlns:a14="http://schemas.microsoft.com/office/drawing/2010/main" w="9525">
+                <a:solidFill>
+                  <a:schemeClr val="tx1"/>
+                </a:solidFill>
+                <a:miter lim="800000"/>
+                <a:headEnd/>
+                <a:tailEnd/>
+              </a14:hiddenLine>
+            </a:ext>
+            <a:ext uri="{AF507438-7753-43E0-B8FC-AC1667EBCBE1}">
+              <a14:hiddenEffects xmlns:a14="http://schemas.microsoft.com/office/drawing/2010/main">
+                <a:effectLst>
+                  <a:outerShdw dist="35921" dir="2700000" algn="ctr" rotWithShape="0">
+                    <a:schemeClr val="bg2"/>
+                  </a:outerShdw>
+                </a:effectLst>
+              </a14:hiddenEffects>
+            </a:ext>
+          </a:extLst>
+        </p:spPr>
+        <p:txBody>
+          <a:bodyPr>
+            <a:spAutoFit/>
+          </a:bodyPr>
+          <a:lstStyle/>
+          <a:p>
+            <a:pPr>
+              <a:spcBef>
+                <a:spcPct val="0"/>
+              </a:spcBef>
+              <a:buClrTx/>
+              <a:buSzTx/>
+              <a:buFontTx/>
+              <a:buNone/>
+            </a:pPr>
+            <a:r>
+              <a:rPr lang="de-DE" altLang="de-DE" sz="1800" dirty="0">
+                <a:solidFill>
+                  <a:schemeClr val="bg1"/>
+                </a:solidFill>
+              </a:rPr>
+              <a:t> (Module für Communication Studio)</a:t>
+            </a:r>
+            <a:endParaRPr lang="de-DE" altLang="de-DE" sz="1400" dirty="0">
+              <a:solidFill>
+                <a:schemeClr val="bg1"/>
+              </a:solidFill>
+            </a:endParaRPr>
+          </a:p>
+        </p:txBody>
+      </p:sp>
+    </p:spTree>
+  </p:cSld>
+  <p:clrMapOvr>
+    <a:masterClrMapping/>
+  </p:clrMapOvr>
+  <p:transition>
+    <p:randomBar/>
+  </p:transition>
+  <p:timing>
+    <p:tnLst>
+      <p:par>
+        <p:cTn id="1" dur="indefinite" restart="never" nodeType="tmRoot"/>
+      </p:par>
+    </p:tnLst>
+  </p:timing>
+</p:sld>
+</file>
+
+<file path=ppt/slides/slide20.xml><?xml version="1.0" encoding="utf-8"?>
 <p:sld xmlns:a="http://schemas.openxmlformats.org/drawingml/2006/main" xmlns:r="http://schemas.openxmlformats.org/officeDocument/2006/relationships" xmlns:p="http://schemas.openxmlformats.org/presentationml/2006/main">
   <p:cSld>
     <p:spTree>
@@ -28560,303 +30877,6 @@
             </p:seq>
           </p:childTnLst>
         </p:cTn>
-      </p:par>
-    </p:tnLst>
-  </p:timing>
-</p:sld>
-</file>
-
-<file path=ppt/slides/slide2.xml><?xml version="1.0" encoding="utf-8"?>
-<p:sld xmlns:a="http://schemas.openxmlformats.org/drawingml/2006/main" xmlns:r="http://schemas.openxmlformats.org/officeDocument/2006/relationships" xmlns:p="http://schemas.openxmlformats.org/presentationml/2006/main">
-  <p:cSld>
-    <p:spTree>
-      <p:nvGrpSpPr>
-        <p:cNvPr id="1" name=""/>
-        <p:cNvGrpSpPr/>
-        <p:nvPr/>
-      </p:nvGrpSpPr>
-      <p:grpSpPr>
-        <a:xfrm>
-          <a:off x="0" y="0"/>
-          <a:ext cx="0" cy="0"/>
-          <a:chOff x="0" y="0"/>
-          <a:chExt cx="0" cy="0"/>
-        </a:xfrm>
-      </p:grpSpPr>
-      <p:sp>
-        <p:nvSpPr>
-          <p:cNvPr id="5" name="Rectangle 18">
-            <a:extLst>
-              <a:ext uri="{FF2B5EF4-FFF2-40B4-BE49-F238E27FC236}">
-                <a16:creationId xmlns:a16="http://schemas.microsoft.com/office/drawing/2014/main" id="{3E73B589-F3D6-411E-B61F-E436DE368AE4}"/>
-              </a:ext>
-            </a:extLst>
-          </p:cNvPr>
-          <p:cNvSpPr>
-            <a:spLocks noGrp="1" noChangeArrowheads="1"/>
-          </p:cNvSpPr>
-          <p:nvPr>
-            <p:ph type="ftr" sz="quarter" idx="3"/>
-          </p:nvPr>
-        </p:nvSpPr>
-        <p:spPr/>
-        <p:txBody>
-          <a:bodyPr/>
-          <a:lstStyle/>
-          <a:p>
-            <a:r>
-              <a:rPr lang="de-DE" altLang="de-DE"/>
-              <a:t>www.hilscher.com</a:t>
-            </a:r>
-            <a:endParaRPr lang="de-DE" altLang="de-DE" sz="1400">
-              <a:solidFill>
-                <a:schemeClr val="bg1"/>
-              </a:solidFill>
-            </a:endParaRPr>
-          </a:p>
-        </p:txBody>
-      </p:sp>
-      <p:pic>
-        <p:nvPicPr>
-          <p:cNvPr id="34818" name="Picture 2" descr="Logo">
-            <a:extLst>
-              <a:ext uri="{FF2B5EF4-FFF2-40B4-BE49-F238E27FC236}">
-                <a16:creationId xmlns:a16="http://schemas.microsoft.com/office/drawing/2014/main" id="{C7288714-4EAC-4C9E-9BE4-B757EAF5F666}"/>
-              </a:ext>
-            </a:extLst>
-          </p:cNvPr>
-          <p:cNvPicPr>
-            <a:picLocks noChangeAspect="1" noChangeArrowheads="1"/>
-          </p:cNvPicPr>
-          <p:nvPr/>
-        </p:nvPicPr>
-        <p:blipFill>
-          <a:blip r:embed="rId3">
-            <a:extLst>
-              <a:ext uri="{28A0092B-C50C-407E-A947-70E740481C1C}">
-                <a14:useLocalDpi xmlns:a14="http://schemas.microsoft.com/office/drawing/2010/main" val="0"/>
-              </a:ext>
-            </a:extLst>
-          </a:blip>
-          <a:srcRect/>
-          <a:stretch>
-            <a:fillRect/>
-          </a:stretch>
-        </p:blipFill>
-        <p:spPr bwMode="auto">
-          <a:xfrm>
-            <a:off x="7596188" y="333375"/>
-            <a:ext cx="1079500" cy="850900"/>
-          </a:xfrm>
-          <a:prstGeom prst="rect">
-            <a:avLst/>
-          </a:prstGeom>
-          <a:noFill/>
-          <a:extLst>
-            <a:ext uri="{909E8E84-426E-40DD-AFC4-6F175D3DCCD1}">
-              <a14:hiddenFill xmlns:a14="http://schemas.microsoft.com/office/drawing/2010/main">
-                <a:solidFill>
-                  <a:srgbClr val="FFFFFF"/>
-                </a:solidFill>
-              </a14:hiddenFill>
-            </a:ext>
-          </a:extLst>
-        </p:spPr>
-      </p:pic>
-      <p:sp>
-        <p:nvSpPr>
-          <p:cNvPr id="34821" name="Rectangle 5">
-            <a:extLst>
-              <a:ext uri="{FF2B5EF4-FFF2-40B4-BE49-F238E27FC236}">
-                <a16:creationId xmlns:a16="http://schemas.microsoft.com/office/drawing/2014/main" id="{C94500B0-C324-42B8-9AF9-0CA5AEB49F86}"/>
-              </a:ext>
-            </a:extLst>
-          </p:cNvPr>
-          <p:cNvSpPr>
-            <a:spLocks noChangeArrowheads="1"/>
-          </p:cNvSpPr>
-          <p:nvPr/>
-        </p:nvSpPr>
-        <p:spPr bwMode="auto">
-          <a:xfrm>
-            <a:off x="395288" y="4251325"/>
-            <a:ext cx="7848600" cy="477054"/>
-          </a:xfrm>
-          <a:prstGeom prst="rect">
-            <a:avLst/>
-          </a:prstGeom>
-          <a:noFill/>
-          <a:ln>
-            <a:noFill/>
-          </a:ln>
-          <a:effectLst/>
-          <a:extLst>
-            <a:ext uri="{909E8E84-426E-40DD-AFC4-6F175D3DCCD1}">
-              <a14:hiddenFill xmlns:a14="http://schemas.microsoft.com/office/drawing/2010/main">
-                <a:solidFill>
-                  <a:schemeClr val="accent1"/>
-                </a:solidFill>
-              </a14:hiddenFill>
-            </a:ext>
-            <a:ext uri="{91240B29-F687-4F45-9708-019B960494DF}">
-              <a14:hiddenLine xmlns:a14="http://schemas.microsoft.com/office/drawing/2010/main" w="9525">
-                <a:solidFill>
-                  <a:schemeClr val="tx1"/>
-                </a:solidFill>
-                <a:miter lim="800000"/>
-                <a:headEnd/>
-                <a:tailEnd/>
-              </a14:hiddenLine>
-            </a:ext>
-            <a:ext uri="{AF507438-7753-43E0-B8FC-AC1667EBCBE1}">
-              <a14:hiddenEffects xmlns:a14="http://schemas.microsoft.com/office/drawing/2010/main">
-                <a:effectLst>
-                  <a:outerShdw dist="35921" dir="2700000" algn="ctr" rotWithShape="0">
-                    <a:schemeClr val="bg2"/>
-                  </a:outerShdw>
-                </a:effectLst>
-              </a14:hiddenEffects>
-            </a:ext>
-          </a:extLst>
-        </p:spPr>
-        <p:txBody>
-          <a:bodyPr>
-            <a:spAutoFit/>
-          </a:bodyPr>
-          <a:lstStyle/>
-          <a:p>
-            <a:pPr>
-              <a:spcBef>
-                <a:spcPct val="0"/>
-              </a:spcBef>
-              <a:buClrTx/>
-              <a:buSzTx/>
-              <a:buFontTx/>
-              <a:buNone/>
-            </a:pPr>
-            <a:r>
-              <a:rPr lang="de-DE" altLang="de-DE" sz="2500" b="1" dirty="0" err="1">
-                <a:solidFill>
-                  <a:schemeClr val="bg1"/>
-                </a:solidFill>
-              </a:rPr>
-              <a:t>Topology</a:t>
-            </a:r>
-            <a:r>
-              <a:rPr lang="de-DE" altLang="de-DE" sz="2500" b="1" dirty="0">
-                <a:solidFill>
-                  <a:schemeClr val="bg1"/>
-                </a:solidFill>
-              </a:rPr>
-              <a:t>-Editor</a:t>
-            </a:r>
-            <a:endParaRPr lang="de-DE" altLang="de-DE" sz="1400" dirty="0">
-              <a:solidFill>
-                <a:schemeClr val="bg1"/>
-              </a:solidFill>
-            </a:endParaRPr>
-          </a:p>
-        </p:txBody>
-      </p:sp>
-      <p:sp>
-        <p:nvSpPr>
-          <p:cNvPr id="34822" name="Rectangle 6">
-            <a:extLst>
-              <a:ext uri="{FF2B5EF4-FFF2-40B4-BE49-F238E27FC236}">
-                <a16:creationId xmlns:a16="http://schemas.microsoft.com/office/drawing/2014/main" id="{2C98D913-F42E-4853-ABC6-CEFB1163E883}"/>
-              </a:ext>
-            </a:extLst>
-          </p:cNvPr>
-          <p:cNvSpPr>
-            <a:spLocks noChangeArrowheads="1"/>
-          </p:cNvSpPr>
-          <p:nvPr/>
-        </p:nvSpPr>
-        <p:spPr bwMode="auto">
-          <a:xfrm>
-            <a:off x="395288" y="4652963"/>
-            <a:ext cx="7200900" cy="366712"/>
-          </a:xfrm>
-          <a:prstGeom prst="rect">
-            <a:avLst/>
-          </a:prstGeom>
-          <a:noFill/>
-          <a:ln>
-            <a:noFill/>
-          </a:ln>
-          <a:effectLst/>
-          <a:extLst>
-            <a:ext uri="{909E8E84-426E-40DD-AFC4-6F175D3DCCD1}">
-              <a14:hiddenFill xmlns:a14="http://schemas.microsoft.com/office/drawing/2010/main">
-                <a:solidFill>
-                  <a:schemeClr val="accent1"/>
-                </a:solidFill>
-              </a14:hiddenFill>
-            </a:ext>
-            <a:ext uri="{91240B29-F687-4F45-9708-019B960494DF}">
-              <a14:hiddenLine xmlns:a14="http://schemas.microsoft.com/office/drawing/2010/main" w="9525">
-                <a:solidFill>
-                  <a:schemeClr val="tx1"/>
-                </a:solidFill>
-                <a:miter lim="800000"/>
-                <a:headEnd/>
-                <a:tailEnd/>
-              </a14:hiddenLine>
-            </a:ext>
-            <a:ext uri="{AF507438-7753-43E0-B8FC-AC1667EBCBE1}">
-              <a14:hiddenEffects xmlns:a14="http://schemas.microsoft.com/office/drawing/2010/main">
-                <a:effectLst>
-                  <a:outerShdw dist="35921" dir="2700000" algn="ctr" rotWithShape="0">
-                    <a:schemeClr val="bg2"/>
-                  </a:outerShdw>
-                </a:effectLst>
-              </a14:hiddenEffects>
-            </a:ext>
-          </a:extLst>
-        </p:spPr>
-        <p:txBody>
-          <a:bodyPr>
-            <a:spAutoFit/>
-          </a:bodyPr>
-          <a:lstStyle/>
-          <a:p>
-            <a:pPr>
-              <a:spcBef>
-                <a:spcPct val="0"/>
-              </a:spcBef>
-              <a:buClrTx/>
-              <a:buSzTx/>
-              <a:buFontTx/>
-              <a:buNone/>
-            </a:pPr>
-            <a:r>
-              <a:rPr lang="de-DE" altLang="de-DE" sz="1800" dirty="0">
-                <a:solidFill>
-                  <a:schemeClr val="bg1"/>
-                </a:solidFill>
-              </a:rPr>
-              <a:t> (Module für Communication Studio)</a:t>
-            </a:r>
-            <a:endParaRPr lang="de-DE" altLang="de-DE" sz="1400" dirty="0">
-              <a:solidFill>
-                <a:schemeClr val="bg1"/>
-              </a:solidFill>
-            </a:endParaRPr>
-          </a:p>
-        </p:txBody>
-      </p:sp>
-    </p:spTree>
-  </p:cSld>
-  <p:clrMapOvr>
-    <a:masterClrMapping/>
-  </p:clrMapOvr>
-  <p:transition>
-    <p:randomBar/>
-  </p:transition>
-  <p:timing>
-    <p:tnLst>
-      <p:par>
-        <p:cTn id="1" dur="indefinite" restart="never" nodeType="tmRoot"/>
       </p:par>
     </p:tnLst>
   </p:timing>
